--- a/sandwitch_results_3_2015/spamm_big_picture.pptx
+++ b/sandwitch_results_3_2015/spamm_big_picture.pptx
@@ -5,7 +5,7 @@
     <p:sldMasterId id="2147483648" r:id="rId1"/>
   </p:sldMasterIdLst>
   <p:notesMasterIdLst>
-    <p:notesMasterId r:id="rId18"/>
+    <p:notesMasterId r:id="rId20"/>
   </p:notesMasterIdLst>
   <p:sldIdLst>
     <p:sldId id="264" r:id="rId2"/>
@@ -17,13 +17,15 @@
     <p:sldId id="268" r:id="rId8"/>
     <p:sldId id="267" r:id="rId9"/>
     <p:sldId id="259" r:id="rId10"/>
-    <p:sldId id="272" r:id="rId11"/>
-    <p:sldId id="260" r:id="rId12"/>
-    <p:sldId id="273" r:id="rId13"/>
-    <p:sldId id="257" r:id="rId14"/>
-    <p:sldId id="261" r:id="rId15"/>
-    <p:sldId id="262" r:id="rId16"/>
-    <p:sldId id="258" r:id="rId17"/>
+    <p:sldId id="275" r:id="rId11"/>
+    <p:sldId id="257" r:id="rId12"/>
+    <p:sldId id="261" r:id="rId13"/>
+    <p:sldId id="272" r:id="rId14"/>
+    <p:sldId id="274" r:id="rId15"/>
+    <p:sldId id="260" r:id="rId16"/>
+    <p:sldId id="273" r:id="rId17"/>
+    <p:sldId id="262" r:id="rId18"/>
+    <p:sldId id="258" r:id="rId19"/>
   </p:sldIdLst>
   <p:sldSz cx="9144000" cy="6858000" type="screen4x3"/>
   <p:notesSz cx="6858000" cy="9144000"/>
@@ -207,7 +209,7 @@
           <a:p>
             <a:fld id="{BF3503EC-AB5C-4F50-98A3-0361B4FC780B}" type="datetimeFigureOut">
               <a:rPr lang="en-US" smtClean="0"/>
-              <a:t>3/9/2015</a:t>
+              <a:t>3/14/2015</a:t>
             </a:fld>
             <a:endParaRPr lang="en-US"/>
           </a:p>
@@ -624,7 +626,7 @@
           <a:p>
             <a:fld id="{1CFA42DE-160A-4E7C-89E2-22791C61C9FD}" type="slidenum">
               <a:rPr lang="en-US" smtClean="0"/>
-              <a:t>14</a:t>
+              <a:t>12</a:t>
             </a:fld>
             <a:endParaRPr lang="en-US"/>
           </a:p>
@@ -708,7 +710,7 @@
           <a:p>
             <a:fld id="{1CFA42DE-160A-4E7C-89E2-22791C61C9FD}" type="slidenum">
               <a:rPr lang="en-US" smtClean="0"/>
-              <a:t>16</a:t>
+              <a:t>18</a:t>
             </a:fld>
             <a:endParaRPr lang="en-US"/>
           </a:p>
@@ -908,7 +910,7 @@
           <a:p>
             <a:fld id="{A5076DD6-7086-463C-B4BA-E840F0BAD81D}" type="datetimeFigureOut">
               <a:rPr lang="en-US" smtClean="0"/>
-              <a:t>2/19/2015</a:t>
+              <a:t>3/14/2015</a:t>
             </a:fld>
             <a:endParaRPr lang="en-US"/>
           </a:p>
@@ -1078,7 +1080,7 @@
           <a:p>
             <a:fld id="{A5076DD6-7086-463C-B4BA-E840F0BAD81D}" type="datetimeFigureOut">
               <a:rPr lang="en-US" smtClean="0"/>
-              <a:t>2/19/2015</a:t>
+              <a:t>3/14/2015</a:t>
             </a:fld>
             <a:endParaRPr lang="en-US"/>
           </a:p>
@@ -1258,7 +1260,7 @@
           <a:p>
             <a:fld id="{A5076DD6-7086-463C-B4BA-E840F0BAD81D}" type="datetimeFigureOut">
               <a:rPr lang="en-US" smtClean="0"/>
-              <a:t>2/19/2015</a:t>
+              <a:t>3/14/2015</a:t>
             </a:fld>
             <a:endParaRPr lang="en-US"/>
           </a:p>
@@ -1428,7 +1430,7 @@
           <a:p>
             <a:fld id="{A5076DD6-7086-463C-B4BA-E840F0BAD81D}" type="datetimeFigureOut">
               <a:rPr lang="en-US" smtClean="0"/>
-              <a:t>2/19/2015</a:t>
+              <a:t>3/14/2015</a:t>
             </a:fld>
             <a:endParaRPr lang="en-US"/>
           </a:p>
@@ -1674,7 +1676,7 @@
           <a:p>
             <a:fld id="{A5076DD6-7086-463C-B4BA-E840F0BAD81D}" type="datetimeFigureOut">
               <a:rPr lang="en-US" smtClean="0"/>
-              <a:t>2/19/2015</a:t>
+              <a:t>3/14/2015</a:t>
             </a:fld>
             <a:endParaRPr lang="en-US"/>
           </a:p>
@@ -1962,7 +1964,7 @@
           <a:p>
             <a:fld id="{A5076DD6-7086-463C-B4BA-E840F0BAD81D}" type="datetimeFigureOut">
               <a:rPr lang="en-US" smtClean="0"/>
-              <a:t>2/19/2015</a:t>
+              <a:t>3/14/2015</a:t>
             </a:fld>
             <a:endParaRPr lang="en-US"/>
           </a:p>
@@ -2384,7 +2386,7 @@
           <a:p>
             <a:fld id="{A5076DD6-7086-463C-B4BA-E840F0BAD81D}" type="datetimeFigureOut">
               <a:rPr lang="en-US" smtClean="0"/>
-              <a:t>2/19/2015</a:t>
+              <a:t>3/14/2015</a:t>
             </a:fld>
             <a:endParaRPr lang="en-US"/>
           </a:p>
@@ -2502,7 +2504,7 @@
           <a:p>
             <a:fld id="{A5076DD6-7086-463C-B4BA-E840F0BAD81D}" type="datetimeFigureOut">
               <a:rPr lang="en-US" smtClean="0"/>
-              <a:t>2/19/2015</a:t>
+              <a:t>3/14/2015</a:t>
             </a:fld>
             <a:endParaRPr lang="en-US"/>
           </a:p>
@@ -2597,7 +2599,7 @@
           <a:p>
             <a:fld id="{A5076DD6-7086-463C-B4BA-E840F0BAD81D}" type="datetimeFigureOut">
               <a:rPr lang="en-US" smtClean="0"/>
-              <a:t>2/19/2015</a:t>
+              <a:t>3/14/2015</a:t>
             </a:fld>
             <a:endParaRPr lang="en-US"/>
           </a:p>
@@ -2874,7 +2876,7 @@
           <a:p>
             <a:fld id="{A5076DD6-7086-463C-B4BA-E840F0BAD81D}" type="datetimeFigureOut">
               <a:rPr lang="en-US" smtClean="0"/>
-              <a:t>2/19/2015</a:t>
+              <a:t>3/14/2015</a:t>
             </a:fld>
             <a:endParaRPr lang="en-US"/>
           </a:p>
@@ -3127,7 +3129,7 @@
           <a:p>
             <a:fld id="{A5076DD6-7086-463C-B4BA-E840F0BAD81D}" type="datetimeFigureOut">
               <a:rPr lang="en-US" smtClean="0"/>
-              <a:t>2/19/2015</a:t>
+              <a:t>3/14/2015</a:t>
             </a:fld>
             <a:endParaRPr lang="en-US"/>
           </a:p>
@@ -3340,7 +3342,7 @@
           <a:p>
             <a:fld id="{A5076DD6-7086-463C-B4BA-E840F0BAD81D}" type="datetimeFigureOut">
               <a:rPr lang="en-US" smtClean="0"/>
-              <a:t>2/19/2015</a:t>
+              <a:t>3/14/2015</a:t>
             </a:fld>
             <a:endParaRPr lang="en-US"/>
           </a:p>
@@ -3844,11 +3846,7 @@
             </a:pPr>
             <a:r>
               <a:rPr lang="en-US" sz="2400" dirty="0" smtClean="0"/>
-              <a:t>The</a:t>
-            </a:r>
-            <a:r>
-              <a:rPr lang="en-US" sz="2400" dirty="0" smtClean="0"/>
-              <a:t> </a:t>
+              <a:t>The </a:t>
             </a:r>
             <a:r>
               <a:rPr lang="en-US" sz="2400" b="1" i="1" dirty="0" smtClean="0"/>
@@ -3856,11 +3854,7 @@
             </a:r>
             <a:r>
               <a:rPr lang="en-US" sz="2400" dirty="0" smtClean="0"/>
-              <a:t>model</a:t>
-            </a:r>
-            <a:r>
-              <a:rPr lang="en-US" sz="2400" dirty="0" smtClean="0"/>
-              <a:t> has been extended to a vast number of fast, pairwise (kernel) summation techniques in the information sciences.  </a:t>
+              <a:t>model has been extended to a vast number of fast, pairwise (kernel) summation techniques in the information sciences.  </a:t>
             </a:r>
             <a:r>
               <a:rPr lang="en-US" sz="2400" u="sng" dirty="0" smtClean="0"/>
@@ -3910,15 +3904,7 @@
             </a:r>
             <a:r>
               <a:rPr lang="en-US" sz="2400" dirty="0" smtClean="0"/>
-              <a:t>-Body problem may be developed with </a:t>
-            </a:r>
-            <a:r>
-              <a:rPr lang="en-US" sz="2400" dirty="0" smtClean="0"/>
-              <a:t>the </a:t>
-            </a:r>
-            <a:r>
-              <a:rPr lang="en-US" sz="2400" dirty="0" smtClean="0"/>
-              <a:t>formal properties of </a:t>
+              <a:t>-Body problem may be developed with the formal properties of </a:t>
             </a:r>
             <a:r>
               <a:rPr lang="en-US" sz="2400" b="1" i="1" dirty="0" err="1" smtClean="0"/>
@@ -3934,11 +3920,7 @@
             </a:r>
             <a:r>
               <a:rPr lang="en-US" sz="2400" dirty="0" smtClean="0"/>
-              <a:t>involving</a:t>
-            </a:r>
-            <a:r>
-              <a:rPr lang="en-US" sz="2400" dirty="0" smtClean="0"/>
-              <a:t> map, fold, reduce &amp; </a:t>
+              <a:t>involving map, fold, reduce &amp; </a:t>
             </a:r>
             <a:r>
               <a:rPr lang="en-US" sz="2400" i="1" dirty="0" smtClean="0"/>
@@ -4028,43 +4010,33 @@
           <a:bodyPr/>
           <a:lstStyle/>
           <a:p>
-            <a:endParaRPr lang="en-US"/>
-          </a:p>
-        </p:txBody>
-      </p:sp>
-      <p:pic>
-        <p:nvPicPr>
-          <p:cNvPr id="4" name="Content Placeholder 3"/>
-          <p:cNvPicPr>
-            <a:picLocks noGrp="1" noChangeAspect="1"/>
-          </p:cNvPicPr>
+            <a:endParaRPr lang="en-US" dirty="0"/>
+          </a:p>
+        </p:txBody>
+      </p:sp>
+      <p:sp>
+        <p:nvSpPr>
+          <p:cNvPr id="3" name="Content Placeholder 2"/>
+          <p:cNvSpPr>
+            <a:spLocks noGrp="1"/>
+          </p:cNvSpPr>
           <p:nvPr>
             <p:ph idx="1"/>
           </p:nvPr>
-        </p:nvPicPr>
-        <p:blipFill>
-          <a:blip r:embed="rId2">
-            <a:extLst>
-              <a:ext uri="{28A0092B-C50C-407E-A947-70E740481C1C}">
-                <a14:useLocalDpi xmlns:a14="http://schemas.microsoft.com/office/drawing/2010/main" val="0"/>
-              </a:ext>
-            </a:extLst>
-          </a:blip>
-          <a:stretch>
-            <a:fillRect/>
-          </a:stretch>
-        </p:blipFill>
-        <p:spPr>
-          <a:xfrm>
-            <a:off x="1554691" y="1600200"/>
-            <a:ext cx="6034617" cy="4525963"/>
-          </a:xfrm>
-        </p:spPr>
-      </p:pic>
+        </p:nvSpPr>
+        <p:spPr/>
+        <p:txBody>
+          <a:bodyPr/>
+          <a:lstStyle/>
+          <a:p>
+            <a:endParaRPr lang="en-US" dirty="0"/>
+          </a:p>
+        </p:txBody>
+      </p:sp>
     </p:spTree>
     <p:extLst>
       <p:ext uri="{BB962C8B-B14F-4D97-AF65-F5344CB8AC3E}">
-        <p14:creationId xmlns:p14="http://schemas.microsoft.com/office/powerpoint/2010/main" val="2960318706"/>
+        <p14:creationId xmlns:p14="http://schemas.microsoft.com/office/powerpoint/2010/main" val="3920787778"/>
       </p:ext>
     </p:extLst>
   </p:cSld>
@@ -4075,144 +4047,6 @@
 </file>
 
 <file path=ppt/slides/slide11.xml><?xml version="1.0" encoding="utf-8"?>
-<p:sld xmlns:a="http://schemas.openxmlformats.org/drawingml/2006/main" xmlns:r="http://schemas.openxmlformats.org/officeDocument/2006/relationships" xmlns:p="http://schemas.openxmlformats.org/presentationml/2006/main">
-  <p:cSld>
-    <p:spTree>
-      <p:nvGrpSpPr>
-        <p:cNvPr id="1" name=""/>
-        <p:cNvGrpSpPr/>
-        <p:nvPr/>
-      </p:nvGrpSpPr>
-      <p:grpSpPr>
-        <a:xfrm>
-          <a:off x="0" y="0"/>
-          <a:ext cx="0" cy="0"/>
-          <a:chOff x="0" y="0"/>
-          <a:chExt cx="0" cy="0"/>
-        </a:xfrm>
-      </p:grpSpPr>
-      <p:pic>
-        <p:nvPicPr>
-          <p:cNvPr id="5" name="Picture 4"/>
-          <p:cNvPicPr>
-            <a:picLocks noChangeAspect="1"/>
-          </p:cNvPicPr>
-          <p:nvPr/>
-        </p:nvPicPr>
-        <p:blipFill>
-          <a:blip r:embed="rId2">
-            <a:extLst>
-              <a:ext uri="{28A0092B-C50C-407E-A947-70E740481C1C}">
-                <a14:useLocalDpi xmlns:a14="http://schemas.microsoft.com/office/drawing/2010/main" val="0"/>
-              </a:ext>
-            </a:extLst>
-          </a:blip>
-          <a:stretch>
-            <a:fillRect/>
-          </a:stretch>
-        </p:blipFill>
-        <p:spPr>
-          <a:xfrm>
-            <a:off x="1524000" y="1143000"/>
-            <a:ext cx="6096000" cy="4572000"/>
-          </a:xfrm>
-          <a:prstGeom prst="rect">
-            <a:avLst/>
-          </a:prstGeom>
-        </p:spPr>
-      </p:pic>
-    </p:spTree>
-    <p:extLst>
-      <p:ext uri="{BB962C8B-B14F-4D97-AF65-F5344CB8AC3E}">
-        <p14:creationId xmlns:p14="http://schemas.microsoft.com/office/powerpoint/2010/main" val="1816851812"/>
-      </p:ext>
-    </p:extLst>
-  </p:cSld>
-  <p:clrMapOvr>
-    <a:masterClrMapping/>
-  </p:clrMapOvr>
-</p:sld>
-</file>
-
-<file path=ppt/slides/slide12.xml><?xml version="1.0" encoding="utf-8"?>
-<p:sld xmlns:a="http://schemas.openxmlformats.org/drawingml/2006/main" xmlns:r="http://schemas.openxmlformats.org/officeDocument/2006/relationships" xmlns:p="http://schemas.openxmlformats.org/presentationml/2006/main">
-  <p:cSld>
-    <p:spTree>
-      <p:nvGrpSpPr>
-        <p:cNvPr id="1" name=""/>
-        <p:cNvGrpSpPr/>
-        <p:nvPr/>
-      </p:nvGrpSpPr>
-      <p:grpSpPr>
-        <a:xfrm>
-          <a:off x="0" y="0"/>
-          <a:ext cx="0" cy="0"/>
-          <a:chOff x="0" y="0"/>
-          <a:chExt cx="0" cy="0"/>
-        </a:xfrm>
-      </p:grpSpPr>
-      <p:sp>
-        <p:nvSpPr>
-          <p:cNvPr id="2" name="Title 1"/>
-          <p:cNvSpPr>
-            <a:spLocks noGrp="1"/>
-          </p:cNvSpPr>
-          <p:nvPr>
-            <p:ph type="title"/>
-          </p:nvPr>
-        </p:nvSpPr>
-        <p:spPr/>
-        <p:txBody>
-          <a:bodyPr/>
-          <a:lstStyle/>
-          <a:p>
-            <a:endParaRPr lang="en-US"/>
-          </a:p>
-        </p:txBody>
-      </p:sp>
-      <p:pic>
-        <p:nvPicPr>
-          <p:cNvPr id="4" name="Content Placeholder 3"/>
-          <p:cNvPicPr>
-            <a:picLocks noGrp="1" noChangeAspect="1"/>
-          </p:cNvPicPr>
-          <p:nvPr>
-            <p:ph idx="1"/>
-          </p:nvPr>
-        </p:nvPicPr>
-        <p:blipFill>
-          <a:blip r:embed="rId2">
-            <a:extLst>
-              <a:ext uri="{28A0092B-C50C-407E-A947-70E740481C1C}">
-                <a14:useLocalDpi xmlns:a14="http://schemas.microsoft.com/office/drawing/2010/main" val="0"/>
-              </a:ext>
-            </a:extLst>
-          </a:blip>
-          <a:stretch>
-            <a:fillRect/>
-          </a:stretch>
-        </p:blipFill>
-        <p:spPr>
-          <a:xfrm>
-            <a:off x="1554691" y="1600200"/>
-            <a:ext cx="6034617" cy="4525963"/>
-          </a:xfrm>
-        </p:spPr>
-      </p:pic>
-    </p:spTree>
-    <p:extLst>
-      <p:ext uri="{BB962C8B-B14F-4D97-AF65-F5344CB8AC3E}">
-        <p14:creationId xmlns:p14="http://schemas.microsoft.com/office/powerpoint/2010/main" val="2242646580"/>
-      </p:ext>
-    </p:extLst>
-  </p:cSld>
-  <p:clrMapOvr>
-    <a:masterClrMapping/>
-  </p:clrMapOvr>
-</p:sld>
-</file>
-
-<file path=ppt/slides/slide13.xml><?xml version="1.0" encoding="utf-8"?>
 <p:sld xmlns:a="http://schemas.openxmlformats.org/drawingml/2006/main" xmlns:r="http://schemas.openxmlformats.org/officeDocument/2006/relationships" xmlns:p="http://schemas.openxmlformats.org/presentationml/2006/main">
   <p:cSld>
     <p:spTree>
@@ -4333,8 +4167,8 @@
           </a:p>
         </p:txBody>
       </p:sp>
-      <mc:AlternateContent xmlns:mc="http://schemas.openxmlformats.org/markup-compatibility/2006">
-        <mc:Choice xmlns:a14="http://schemas.microsoft.com/office/drawing/2010/main" Requires="a14">
+      <mc:AlternateContent xmlns:mc="http://schemas.openxmlformats.org/markup-compatibility/2006" xmlns:a14="http://schemas.microsoft.com/office/drawing/2010/main">
+        <mc:Choice Requires="a14">
           <p:sp>
             <p:nvSpPr>
               <p:cNvPr id="4" name="TextBox 3"/>
@@ -4357,6 +4191,7 @@
               </a:bodyPr>
               <a:lstStyle/>
               <a:p>
+                <a:pPr/>
                 <a14:m>
                   <m:oMathPara xmlns:m="http://schemas.openxmlformats.org/officeDocument/2006/math">
                     <m:oMathParaPr>
@@ -4466,7 +4301,7 @@
             </p:txBody>
           </p:sp>
         </mc:Choice>
-        <mc:Fallback>
+        <mc:Fallback xmlns="">
           <p:sp>
             <p:nvSpPr>
               <p:cNvPr id="4" name="TextBox 3"/>
@@ -4505,8 +4340,8 @@
           </p:sp>
         </mc:Fallback>
       </mc:AlternateContent>
-      <mc:AlternateContent xmlns:mc="http://schemas.openxmlformats.org/markup-compatibility/2006">
-        <mc:Choice xmlns:a14="http://schemas.microsoft.com/office/drawing/2010/main" Requires="a14">
+      <mc:AlternateContent xmlns:mc="http://schemas.openxmlformats.org/markup-compatibility/2006" xmlns:a14="http://schemas.microsoft.com/office/drawing/2010/main">
+        <mc:Choice Requires="a14">
           <p:sp>
             <p:nvSpPr>
               <p:cNvPr id="9" name="TextBox 8"/>
@@ -4543,11 +4378,7 @@
                 </a:r>
                 <a:r>
                   <a:rPr lang="en-US" sz="3200" b="1" dirty="0" smtClean="0"/>
-                  <a:t> with Projector </a:t>
-                </a:r>
-                <a:r>
-                  <a:rPr lang="en-US" sz="3200" b="1" dirty="0" smtClean="0"/>
-                  <a:t>(</a:t>
+                  <a:t> with Projector (</a:t>
                 </a:r>
                 <a14:m>
                   <m:oMath xmlns:m="http://schemas.openxmlformats.org/officeDocument/2006/math">
@@ -4573,11 +4404,7 @@
                 </a14:m>
                 <a:r>
                   <a:rPr lang="en-US" sz="3200" b="1" dirty="0" smtClean="0"/>
-                  <a:t>) </a:t>
-                </a:r>
-                <a:r>
-                  <a:rPr lang="en-US" sz="3200" b="1" dirty="0" smtClean="0"/>
-                  <a:t>Ill-Conditioning</a:t>
+                  <a:t>) Ill-Conditioning</a:t>
                 </a:r>
                 <a:endParaRPr lang="en-US" sz="3200" dirty="0"/>
               </a:p>
@@ -4698,15 +4525,7 @@
                 </a14:m>
                 <a:r>
                   <a:rPr lang="en-US" sz="2800" dirty="0" smtClean="0"/>
-                  <a:t>), </a:t>
-                </a:r>
-                <a:r>
-                  <a:rPr lang="en-US" sz="2800" dirty="0" smtClean="0"/>
-                  <a:t>relative to also stabilized symmetric</a:t>
-                </a:r>
-                <a:r>
-                  <a:rPr lang="en-US" sz="2800" dirty="0" smtClean="0"/>
-                  <a:t> versions.</a:t>
+                  <a:t>), relative to also stabilized symmetric versions.</a:t>
                 </a:r>
                 <a:endParaRPr lang="en-US" sz="2800" dirty="0"/>
               </a:p>
@@ -4724,7 +4543,7 @@
             </p:txBody>
           </p:sp>
         </mc:Choice>
-        <mc:Fallback>
+        <mc:Fallback xmlns="">
           <p:sp>
             <p:nvSpPr>
               <p:cNvPr id="9" name="TextBox 8"/>
@@ -4763,8 +4582,8 @@
           </p:sp>
         </mc:Fallback>
       </mc:AlternateContent>
-      <mc:AlternateContent xmlns:mc="http://schemas.openxmlformats.org/markup-compatibility/2006">
-        <mc:Choice xmlns:a14="http://schemas.microsoft.com/office/drawing/2010/main" Requires="a14">
+      <mc:AlternateContent xmlns:mc="http://schemas.openxmlformats.org/markup-compatibility/2006" xmlns:a14="http://schemas.microsoft.com/office/drawing/2010/main">
+        <mc:Choice Requires="a14">
           <p:sp>
             <p:nvSpPr>
               <p:cNvPr id="10" name="TextBox 9"/>
@@ -4875,7 +4694,7 @@
             </p:txBody>
           </p:sp>
         </mc:Choice>
-        <mc:Fallback>
+        <mc:Fallback xmlns="">
           <p:sp>
             <p:nvSpPr>
               <p:cNvPr id="10" name="TextBox 9"/>
@@ -4914,8 +4733,8 @@
           </p:sp>
         </mc:Fallback>
       </mc:AlternateContent>
-      <mc:AlternateContent xmlns:mc="http://schemas.openxmlformats.org/markup-compatibility/2006">
-        <mc:Choice xmlns:a14="http://schemas.microsoft.com/office/drawing/2010/main" Requires="a14">
+      <mc:AlternateContent xmlns:mc="http://schemas.openxmlformats.org/markup-compatibility/2006" xmlns:a14="http://schemas.microsoft.com/office/drawing/2010/main">
+        <mc:Choice Requires="a14">
           <p:sp>
             <p:nvSpPr>
               <p:cNvPr id="14" name="TextBox 13"/>
@@ -5000,7 +4819,7 @@
             </p:txBody>
           </p:sp>
         </mc:Choice>
-        <mc:Fallback>
+        <mc:Fallback xmlns="">
           <p:sp>
             <p:nvSpPr>
               <p:cNvPr id="14" name="TextBox 13"/>
@@ -5052,7 +4871,7 @@
 </p:sld>
 </file>
 
-<file path=ppt/slides/slide14.xml><?xml version="1.0" encoding="utf-8"?>
+<file path=ppt/slides/slide12.xml><?xml version="1.0" encoding="utf-8"?>
 <p:sld xmlns:a="http://schemas.openxmlformats.org/drawingml/2006/main" xmlns:r="http://schemas.openxmlformats.org/officeDocument/2006/relationships" xmlns:p="http://schemas.openxmlformats.org/presentationml/2006/main">
   <p:cSld>
     <p:spTree>
@@ -5157,8 +4976,8 @@
           </a:prstGeom>
         </p:spPr>
       </p:pic>
-      <mc:AlternateContent xmlns:mc="http://schemas.openxmlformats.org/markup-compatibility/2006">
-        <mc:Choice xmlns:a14="http://schemas.microsoft.com/office/drawing/2010/main" Requires="a14">
+      <mc:AlternateContent xmlns:mc="http://schemas.openxmlformats.org/markup-compatibility/2006" xmlns:a14="http://schemas.microsoft.com/office/drawing/2010/main">
+        <mc:Choice Requires="a14">
           <p:sp>
             <p:nvSpPr>
               <p:cNvPr id="12" name="TextBox 11"/>
@@ -5402,7 +5221,7 @@
             </p:txBody>
           </p:sp>
         </mc:Choice>
-        <mc:Fallback>
+        <mc:Fallback xmlns="">
           <p:sp>
             <p:nvSpPr>
               <p:cNvPr id="12" name="TextBox 11"/>
@@ -5441,8 +5260,8 @@
           </p:sp>
         </mc:Fallback>
       </mc:AlternateContent>
-      <mc:AlternateContent xmlns:mc="http://schemas.openxmlformats.org/markup-compatibility/2006">
-        <mc:Choice xmlns:a14="http://schemas.microsoft.com/office/drawing/2010/main" Requires="a14">
+      <mc:AlternateContent xmlns:mc="http://schemas.openxmlformats.org/markup-compatibility/2006" xmlns:a14="http://schemas.microsoft.com/office/drawing/2010/main">
+        <mc:Choice Requires="a14">
           <p:sp>
             <p:nvSpPr>
               <p:cNvPr id="13" name="Rectangle 12"/>
@@ -5496,11 +5315,7 @@
                 </a:pPr>
                 <a:r>
                   <a:rPr lang="en-US" sz="2400" dirty="0" smtClean="0"/>
-                  <a:t>I</a:t>
-                </a:r>
-                <a:r>
-                  <a:rPr lang="en-US" sz="2400" dirty="0" smtClean="0"/>
-                  <a:t>ll-conditioning and </a:t>
+                  <a:t>Ill-conditioning and </a:t>
                 </a:r>
                 <a:r>
                   <a:rPr lang="en-US" sz="2400" dirty="0" err="1" smtClean="0"/>
@@ -5512,15 +5327,7 @@
                 </a:r>
                 <a:r>
                   <a:rPr lang="en-US" sz="2400" dirty="0" smtClean="0"/>
-                  <a:t>can bounce </a:t>
-                </a:r>
-                <a:r>
-                  <a:rPr lang="en-US" sz="2400" dirty="0" smtClean="0"/>
-                  <a:t>EV</a:t>
-                </a:r>
-                <a:r>
-                  <a:rPr lang="en-US" sz="2400" dirty="0" smtClean="0"/>
-                  <a:t>s out of bounds by </a:t>
+                  <a:t>can bounce EVs out of bounds by </a:t>
                 </a:r>
                 <a14:m>
                   <m:oMath xmlns:m="http://schemas.openxmlformats.org/officeDocument/2006/math">
@@ -5579,13 +5386,7 @@
                   <a:rPr lang="en-US" sz="2400" dirty="0" smtClean="0">
                     <a:sym typeface="Wingdings"/>
                   </a:rPr>
-                  <a:t>s</a:t>
-                </a:r>
-                <a:r>
-                  <a:rPr lang="en-US" sz="2400" dirty="0" smtClean="0">
-                    <a:sym typeface="Wingdings"/>
-                  </a:rPr>
-                  <a:t>tabilize by spreading 0/1 inflections by </a:t>
+                  <a:t>stabilize by spreading 0/1 inflections by </a:t>
                 </a:r>
                 <a14:m>
                   <m:oMath xmlns:m="http://schemas.openxmlformats.org/officeDocument/2006/math">
@@ -5614,7 +5415,7 @@
             </p:txBody>
           </p:sp>
         </mc:Choice>
-        <mc:Fallback>
+        <mc:Fallback xmlns="">
           <p:sp>
             <p:nvSpPr>
               <p:cNvPr id="13" name="Rectangle 12"/>
@@ -5750,6 +5551,1551 @@
 </p:sld>
 </file>
 
+<file path=ppt/slides/slide13.xml><?xml version="1.0" encoding="utf-8"?>
+<p:sld xmlns:a="http://schemas.openxmlformats.org/drawingml/2006/main" xmlns:r="http://schemas.openxmlformats.org/officeDocument/2006/relationships" xmlns:p="http://schemas.openxmlformats.org/presentationml/2006/main">
+  <p:cSld>
+    <p:spTree>
+      <p:nvGrpSpPr>
+        <p:cNvPr id="1" name=""/>
+        <p:cNvGrpSpPr/>
+        <p:nvPr/>
+      </p:nvGrpSpPr>
+      <p:grpSpPr>
+        <a:xfrm>
+          <a:off x="0" y="0"/>
+          <a:ext cx="0" cy="0"/>
+          <a:chOff x="0" y="0"/>
+          <a:chExt cx="0" cy="0"/>
+        </a:xfrm>
+      </p:grpSpPr>
+      <p:sp>
+        <p:nvSpPr>
+          <p:cNvPr id="2" name="Title 1"/>
+          <p:cNvSpPr>
+            <a:spLocks noGrp="1"/>
+          </p:cNvSpPr>
+          <p:nvPr>
+            <p:ph type="title"/>
+          </p:nvPr>
+        </p:nvSpPr>
+        <p:spPr/>
+        <p:txBody>
+          <a:bodyPr/>
+          <a:lstStyle/>
+          <a:p>
+            <a:endParaRPr lang="en-US"/>
+          </a:p>
+        </p:txBody>
+      </p:sp>
+      <p:pic>
+        <p:nvPicPr>
+          <p:cNvPr id="4" name="Content Placeholder 3"/>
+          <p:cNvPicPr>
+            <a:picLocks noGrp="1" noChangeAspect="1"/>
+          </p:cNvPicPr>
+          <p:nvPr>
+            <p:ph idx="1"/>
+          </p:nvPr>
+        </p:nvPicPr>
+        <p:blipFill>
+          <a:blip r:embed="rId2">
+            <a:extLst>
+              <a:ext uri="{28A0092B-C50C-407E-A947-70E740481C1C}">
+                <a14:useLocalDpi xmlns:a14="http://schemas.microsoft.com/office/drawing/2010/main" val="0"/>
+              </a:ext>
+            </a:extLst>
+          </a:blip>
+          <a:stretch>
+            <a:fillRect/>
+          </a:stretch>
+        </p:blipFill>
+        <p:spPr>
+          <a:xfrm>
+            <a:off x="1554691" y="1600200"/>
+            <a:ext cx="6034617" cy="4525963"/>
+          </a:xfrm>
+        </p:spPr>
+      </p:pic>
+    </p:spTree>
+    <p:extLst>
+      <p:ext uri="{BB962C8B-B14F-4D97-AF65-F5344CB8AC3E}">
+        <p14:creationId xmlns:p14="http://schemas.microsoft.com/office/powerpoint/2010/main" val="2960318706"/>
+      </p:ext>
+    </p:extLst>
+  </p:cSld>
+  <p:clrMapOvr>
+    <a:masterClrMapping/>
+  </p:clrMapOvr>
+</p:sld>
+</file>
+
+<file path=ppt/slides/slide14.xml><?xml version="1.0" encoding="utf-8"?>
+<p:sld xmlns:a="http://schemas.openxmlformats.org/drawingml/2006/main" xmlns:r="http://schemas.openxmlformats.org/officeDocument/2006/relationships" xmlns:p="http://schemas.openxmlformats.org/presentationml/2006/main">
+  <p:cSld>
+    <p:spTree>
+      <p:nvGrpSpPr>
+        <p:cNvPr id="1" name=""/>
+        <p:cNvGrpSpPr/>
+        <p:nvPr/>
+      </p:nvGrpSpPr>
+      <p:grpSpPr>
+        <a:xfrm>
+          <a:off x="0" y="0"/>
+          <a:ext cx="0" cy="0"/>
+          <a:chOff x="0" y="0"/>
+          <a:chExt cx="0" cy="0"/>
+        </a:xfrm>
+      </p:grpSpPr>
+      <p:sp>
+        <p:nvSpPr>
+          <p:cNvPr id="2" name="Title 1"/>
+          <p:cNvSpPr>
+            <a:spLocks noGrp="1"/>
+          </p:cNvSpPr>
+          <p:nvPr>
+            <p:ph type="title"/>
+          </p:nvPr>
+        </p:nvSpPr>
+        <p:spPr>
+          <a:xfrm>
+            <a:off x="381000" y="685800"/>
+            <a:ext cx="8077200" cy="609600"/>
+          </a:xfrm>
+        </p:spPr>
+        <p:txBody>
+          <a:bodyPr>
+            <a:normAutofit fontScale="90000"/>
+          </a:bodyPr>
+          <a:lstStyle/>
+          <a:p>
+            <a:r>
+              <a:rPr lang="en-US" sz="3200" b="1" smtClean="0"/>
+              <a:t>Nested </a:t>
+            </a:r>
+            <a:r>
+              <a:rPr lang="en-US" sz="3200" b="1" dirty="0" smtClean="0"/>
+              <a:t>Preconditioning: The </a:t>
+            </a:r>
+            <a:r>
+              <a:rPr lang="en-US" sz="3200" b="1" dirty="0" err="1" smtClean="0"/>
+              <a:t>SpAMM</a:t>
+            </a:r>
+            <a:r>
+              <a:rPr lang="en-US" sz="3200" b="1" dirty="0" smtClean="0"/>
+              <a:t> Sandwich</a:t>
+            </a:r>
+            <a:endParaRPr lang="en-US" sz="3200" b="1" dirty="0"/>
+          </a:p>
+        </p:txBody>
+      </p:sp>
+      <mc:AlternateContent xmlns:mc="http://schemas.openxmlformats.org/markup-compatibility/2006">
+        <mc:Choice xmlns:a14="http://schemas.microsoft.com/office/drawing/2010/main" Requires="a14">
+          <p:sp>
+            <p:nvSpPr>
+              <p:cNvPr id="4" name="TextBox 3"/>
+              <p:cNvSpPr txBox="1"/>
+              <p:nvPr/>
+            </p:nvSpPr>
+            <p:spPr>
+              <a:xfrm>
+                <a:off x="596137" y="2101960"/>
+                <a:ext cx="7938263" cy="4401205"/>
+              </a:xfrm>
+              <a:prstGeom prst="rect">
+                <a:avLst/>
+              </a:prstGeom>
+              <a:noFill/>
+            </p:spPr>
+            <p:txBody>
+              <a:bodyPr wrap="none" rtlCol="0">
+                <a:spAutoFit/>
+              </a:bodyPr>
+              <a:lstStyle/>
+              <a:p>
+                <a:endParaRPr lang="en-US" sz="2400" b="0" i="1" dirty="0" smtClean="0">
+                  <a:latin typeface="Cambria Math"/>
+                </a:endParaRPr>
+              </a:p>
+              <a:p>
+                <a14:m>
+                  <m:oMath xmlns:m="http://schemas.openxmlformats.org/officeDocument/2006/math">
+                    <m:d>
+                      <m:dPr>
+                        <m:begChr m:val="{"/>
+                        <m:endChr m:val="}"/>
+                        <m:ctrlPr>
+                          <a:rPr lang="en-US" sz="2400" b="0" i="1" smtClean="0">
+                            <a:latin typeface="Cambria Math"/>
+                          </a:rPr>
+                        </m:ctrlPr>
+                      </m:dPr>
+                      <m:e>
+                        <m:sSub>
+                          <m:sSubPr>
+                            <m:ctrlPr>
+                              <a:rPr lang="en-US" sz="2400" b="0" i="1" smtClean="0">
+                                <a:latin typeface="Cambria Math"/>
+                              </a:rPr>
+                            </m:ctrlPr>
+                          </m:sSubPr>
+                          <m:e>
+                            <m:r>
+                              <a:rPr lang="en-US" sz="2400" b="1" i="1" smtClean="0">
+                                <a:latin typeface="Cambria Math"/>
+                              </a:rPr>
+                              <m:t>𝒙</m:t>
+                            </m:r>
+                          </m:e>
+                          <m:sub>
+                            <m:r>
+                              <a:rPr lang="en-US" sz="2400" b="0" i="1" smtClean="0">
+                                <a:latin typeface="Cambria Math"/>
+                              </a:rPr>
+                              <m:t>𝑚</m:t>
+                            </m:r>
+                          </m:sub>
+                        </m:sSub>
+                        <m:r>
+                          <a:rPr lang="en-US" sz="2400" b="0" i="1" smtClean="0">
+                            <a:latin typeface="Cambria Math"/>
+                          </a:rPr>
+                          <m:t>, </m:t>
+                        </m:r>
+                        <m:sSub>
+                          <m:sSubPr>
+                            <m:ctrlPr>
+                              <a:rPr lang="en-US" sz="2400" b="0" i="1" smtClean="0">
+                                <a:latin typeface="Cambria Math"/>
+                              </a:rPr>
+                            </m:ctrlPr>
+                          </m:sSubPr>
+                          <m:e>
+                            <m:r>
+                              <a:rPr lang="en-US" sz="2400" b="1" i="1" smtClean="0">
+                                <a:latin typeface="Cambria Math"/>
+                              </a:rPr>
+                              <m:t>𝒛</m:t>
+                            </m:r>
+                          </m:e>
+                          <m:sub>
+                            <m:r>
+                              <a:rPr lang="en-US" sz="2400" b="0" i="1" smtClean="0">
+                                <a:latin typeface="Cambria Math"/>
+                              </a:rPr>
+                              <m:t>𝑚</m:t>
+                            </m:r>
+                          </m:sub>
+                        </m:sSub>
+                      </m:e>
+                    </m:d>
+                  </m:oMath>
+                </a14:m>
+                <a:r>
+                  <a:rPr lang="en-US" sz="2400" dirty="0" smtClean="0"/>
+                  <a:t>  </a:t>
+                </a:r>
+                <a:r>
+                  <a:rPr lang="en-US" sz="2400" dirty="0"/>
+                  <a:t>=</a:t>
+                </a:r>
+                <a14:m>
+                  <m:oMath xmlns:m="http://schemas.openxmlformats.org/officeDocument/2006/math">
+                    <m:r>
+                      <a:rPr lang="en-US" sz="2400" b="0" i="0" smtClean="0">
+                        <a:latin typeface="Cambria Math"/>
+                      </a:rPr>
+                      <m:t>  </m:t>
+                    </m:r>
+                    <m:r>
+                      <a:rPr lang="en-US" sz="2400" b="0" i="1" smtClean="0">
+                        <a:latin typeface="Cambria Math"/>
+                      </a:rPr>
+                      <m:t>𝑁𝑆</m:t>
+                    </m:r>
+                    <m:d>
+                      <m:dPr>
+                        <m:begChr m:val="["/>
+                        <m:endChr m:val="]"/>
+                        <m:ctrlPr>
+                          <a:rPr lang="en-US" sz="2400" b="0" i="1" smtClean="0">
+                            <a:latin typeface="Cambria Math"/>
+                          </a:rPr>
+                        </m:ctrlPr>
+                      </m:dPr>
+                      <m:e>
+                        <m:r>
+                          <a:rPr lang="en-US" sz="2400" b="0" i="1" smtClean="0">
+                            <a:latin typeface="Cambria Math"/>
+                          </a:rPr>
+                          <m:t> </m:t>
+                        </m:r>
+                        <m:r>
+                          <a:rPr lang="en-US" sz="2400" b="0" i="1" smtClean="0">
+                            <a:latin typeface="Cambria Math"/>
+                          </a:rPr>
+                          <m:t>𝑁𝑆</m:t>
+                        </m:r>
+                        <m:d>
+                          <m:dPr>
+                            <m:begChr m:val="["/>
+                            <m:endChr m:val="]"/>
+                            <m:ctrlPr>
+                              <a:rPr lang="en-US" sz="2400" b="0" i="1" smtClean="0">
+                                <a:latin typeface="Cambria Math"/>
+                              </a:rPr>
+                            </m:ctrlPr>
+                          </m:dPr>
+                          <m:e>
+                            <m:r>
+                              <a:rPr lang="en-US" sz="2400" b="0" i="1" smtClean="0">
+                                <a:latin typeface="Cambria Math"/>
+                              </a:rPr>
+                              <m:t> …</m:t>
+                            </m:r>
+                            <m:r>
+                              <a:rPr lang="en-US" sz="2400" b="0" i="1" smtClean="0">
+                                <a:latin typeface="Cambria Math"/>
+                              </a:rPr>
+                              <m:t>𝑁𝑆</m:t>
+                            </m:r>
+                            <m:d>
+                              <m:dPr>
+                                <m:begChr m:val="["/>
+                                <m:endChr m:val="]"/>
+                                <m:ctrlPr>
+                                  <a:rPr lang="en-US" sz="2400" b="0" i="1" smtClean="0">
+                                    <a:latin typeface="Cambria Math"/>
+                                  </a:rPr>
+                                </m:ctrlPr>
+                              </m:dPr>
+                              <m:e>
+                                <m:d>
+                                  <m:dPr>
+                                    <m:begChr m:val="{"/>
+                                    <m:endChr m:val="}"/>
+                                    <m:ctrlPr>
+                                      <a:rPr lang="en-US" sz="2400" b="0" i="1" smtClean="0">
+                                        <a:latin typeface="Cambria Math"/>
+                                      </a:rPr>
+                                    </m:ctrlPr>
+                                  </m:dPr>
+                                  <m:e>
+                                    <m:sSub>
+                                      <m:sSubPr>
+                                        <m:ctrlPr>
+                                          <a:rPr lang="en-US" sz="2400" b="0" i="1" smtClean="0">
+                                            <a:latin typeface="Cambria Math"/>
+                                          </a:rPr>
+                                        </m:ctrlPr>
+                                      </m:sSubPr>
+                                      <m:e>
+                                        <m:r>
+                                          <a:rPr lang="en-US" sz="2400" b="1" i="1" smtClean="0">
+                                            <a:latin typeface="Cambria Math"/>
+                                          </a:rPr>
+                                          <m:t>𝒙</m:t>
+                                        </m:r>
+                                      </m:e>
+                                      <m:sub>
+                                        <m:r>
+                                          <a:rPr lang="en-US" sz="2400" b="0" i="1" smtClean="0">
+                                            <a:latin typeface="Cambria Math"/>
+                                          </a:rPr>
+                                          <m:t>0</m:t>
+                                        </m:r>
+                                      </m:sub>
+                                    </m:sSub>
+                                    <m:r>
+                                      <a:rPr lang="en-US" sz="2400" b="0" i="1" smtClean="0">
+                                        <a:latin typeface="Cambria Math"/>
+                                      </a:rPr>
+                                      <m:t>,</m:t>
+                                    </m:r>
+                                    <m:sSub>
+                                      <m:sSubPr>
+                                        <m:ctrlPr>
+                                          <a:rPr lang="en-US" sz="2400" b="0" i="1" smtClean="0">
+                                            <a:latin typeface="Cambria Math"/>
+                                          </a:rPr>
+                                        </m:ctrlPr>
+                                      </m:sSubPr>
+                                      <m:e>
+                                        <m:r>
+                                          <a:rPr lang="en-US" sz="2400" b="1" i="1" smtClean="0">
+                                            <a:latin typeface="Cambria Math"/>
+                                          </a:rPr>
+                                          <m:t>𝒛</m:t>
+                                        </m:r>
+                                      </m:e>
+                                      <m:sub>
+                                        <m:r>
+                                          <a:rPr lang="en-US" sz="2400" b="0" i="1" smtClean="0">
+                                            <a:latin typeface="Cambria Math"/>
+                                          </a:rPr>
+                                          <m:t>0</m:t>
+                                        </m:r>
+                                      </m:sub>
+                                    </m:sSub>
+                                  </m:e>
+                                </m:d>
+                                <m:r>
+                                  <a:rPr lang="en-US" sz="2400" b="0" i="1" smtClean="0">
+                                    <a:latin typeface="Cambria Math"/>
+                                  </a:rPr>
+                                  <m:t>,  </m:t>
+                                </m:r>
+                                <m:sSub>
+                                  <m:sSubPr>
+                                    <m:ctrlPr>
+                                      <a:rPr lang="en-US" sz="2400" b="0" i="1" smtClean="0">
+                                        <a:latin typeface="Cambria Math"/>
+                                      </a:rPr>
+                                    </m:ctrlPr>
+                                  </m:sSubPr>
+                                  <m:e>
+                                    <m:r>
+                                      <a:rPr lang="en-US" sz="2400" b="0" i="1" smtClean="0">
+                                        <a:latin typeface="Cambria Math"/>
+                                        <a:ea typeface="Cambria Math"/>
+                                      </a:rPr>
+                                      <m:t>𝛿</m:t>
+                                    </m:r>
+                                  </m:e>
+                                  <m:sub>
+                                    <m:r>
+                                      <a:rPr lang="en-US" sz="2400" b="0" i="1" smtClean="0">
+                                        <a:latin typeface="Cambria Math"/>
+                                      </a:rPr>
+                                      <m:t>0</m:t>
+                                    </m:r>
+                                  </m:sub>
+                                </m:sSub>
+                                <m:r>
+                                  <a:rPr lang="en-US" sz="2400" b="0" i="1" smtClean="0">
+                                    <a:latin typeface="Cambria Math"/>
+                                  </a:rPr>
+                                  <m:t> </m:t>
+                                </m:r>
+                              </m:e>
+                            </m:d>
+                            <m:r>
+                              <a:rPr lang="en-US" sz="2400" b="0" i="1" smtClean="0">
+                                <a:latin typeface="Cambria Math"/>
+                              </a:rPr>
+                              <m:t> …, </m:t>
+                            </m:r>
+                            <m:sSub>
+                              <m:sSubPr>
+                                <m:ctrlPr>
+                                  <a:rPr lang="en-US" sz="2400" b="0" i="1" smtClean="0">
+                                    <a:latin typeface="Cambria Math"/>
+                                  </a:rPr>
+                                </m:ctrlPr>
+                              </m:sSubPr>
+                              <m:e>
+                                <m:r>
+                                  <a:rPr lang="en-US" sz="2400" b="0" i="1" smtClean="0">
+                                    <a:latin typeface="Cambria Math"/>
+                                  </a:rPr>
+                                  <m:t> </m:t>
+                                </m:r>
+                                <m:r>
+                                  <a:rPr lang="en-US" sz="2400" b="0" i="1" smtClean="0">
+                                    <a:latin typeface="Cambria Math"/>
+                                    <a:ea typeface="Cambria Math"/>
+                                  </a:rPr>
+                                  <m:t>𝛿</m:t>
+                                </m:r>
+                              </m:e>
+                              <m:sub>
+                                <m:r>
+                                  <a:rPr lang="en-US" sz="2400" b="0" i="1" smtClean="0">
+                                    <a:latin typeface="Cambria Math"/>
+                                    <a:ea typeface="Cambria Math"/>
+                                  </a:rPr>
+                                  <m:t>𝑚</m:t>
+                                </m:r>
+                                <m:r>
+                                  <a:rPr lang="en-US" sz="2400" b="0" i="1" smtClean="0">
+                                    <a:latin typeface="Cambria Math"/>
+                                    <a:ea typeface="Cambria Math"/>
+                                  </a:rPr>
+                                  <m:t>−1</m:t>
+                                </m:r>
+                              </m:sub>
+                            </m:sSub>
+                            <m:r>
+                              <a:rPr lang="en-US" sz="2400" b="0" i="1" smtClean="0">
+                                <a:latin typeface="Cambria Math"/>
+                              </a:rPr>
+                              <m:t> </m:t>
+                            </m:r>
+                          </m:e>
+                        </m:d>
+                        <m:sSub>
+                          <m:sSubPr>
+                            <m:ctrlPr>
+                              <a:rPr lang="en-US" sz="2400" b="0" i="1" smtClean="0">
+                                <a:latin typeface="Cambria Math"/>
+                              </a:rPr>
+                            </m:ctrlPr>
+                          </m:sSubPr>
+                          <m:e>
+                            <m:r>
+                              <a:rPr lang="en-US" sz="2400" b="0" i="1" smtClean="0">
+                                <a:latin typeface="Cambria Math"/>
+                              </a:rPr>
+                              <m:t>,  </m:t>
+                            </m:r>
+                            <m:r>
+                              <a:rPr lang="en-US" sz="2400" b="0" i="1" smtClean="0">
+                                <a:latin typeface="Cambria Math"/>
+                                <a:ea typeface="Cambria Math"/>
+                              </a:rPr>
+                              <m:t>𝛿</m:t>
+                            </m:r>
+                          </m:e>
+                          <m:sub>
+                            <m:r>
+                              <a:rPr lang="en-US" sz="2400" b="0" i="1" smtClean="0">
+                                <a:latin typeface="Cambria Math"/>
+                                <a:ea typeface="Cambria Math"/>
+                              </a:rPr>
+                              <m:t>𝑚</m:t>
+                            </m:r>
+                          </m:sub>
+                        </m:sSub>
+                        <m:r>
+                          <a:rPr lang="en-US" sz="2400" b="0" i="1" smtClean="0">
+                            <a:latin typeface="Cambria Math"/>
+                          </a:rPr>
+                          <m:t> </m:t>
+                        </m:r>
+                      </m:e>
+                    </m:d>
+                  </m:oMath>
+                </a14:m>
+                <a:r>
+                  <a:rPr lang="en-US" sz="2400" dirty="0" smtClean="0"/>
+                  <a:t> </a:t>
+                </a:r>
+              </a:p>
+              <a:p>
+                <a:endParaRPr lang="en-US" sz="2400" dirty="0"/>
+              </a:p>
+              <a:p>
+                <a:pPr/>
+                <a14:m>
+                  <m:oMathPara xmlns:m="http://schemas.openxmlformats.org/officeDocument/2006/math">
+                    <m:oMathParaPr>
+                      <m:jc m:val="left"/>
+                    </m:oMathParaPr>
+                    <m:oMath xmlns:m="http://schemas.openxmlformats.org/officeDocument/2006/math">
+                      <m:sSub>
+                        <m:sSubPr>
+                          <m:ctrlPr>
+                            <a:rPr lang="en-US" sz="2800" b="1" i="1" smtClean="0">
+                              <a:latin typeface="Cambria Math"/>
+                            </a:rPr>
+                          </m:ctrlPr>
+                        </m:sSubPr>
+                        <m:e>
+                          <m:r>
+                            <a:rPr lang="en-US" sz="2800" b="1" i="1" smtClean="0">
+                              <a:latin typeface="Cambria Math"/>
+                            </a:rPr>
+                            <m:t>𝒙</m:t>
+                          </m:r>
+                        </m:e>
+                        <m:sub>
+                          <m:r>
+                            <a:rPr lang="en-US" sz="2800" b="0" i="1" smtClean="0">
+                              <a:latin typeface="Cambria Math"/>
+                            </a:rPr>
+                            <m:t>𝑚</m:t>
+                          </m:r>
+                        </m:sub>
+                      </m:sSub>
+                      <m:r>
+                        <a:rPr lang="en-US" sz="2800" b="0" i="1" smtClean="0">
+                          <a:latin typeface="Cambria Math"/>
+                        </a:rPr>
+                        <m:t>= </m:t>
+                      </m:r>
+                      <m:d>
+                        <m:dPr>
+                          <m:begChr m:val="⟨"/>
+                          <m:endChr m:val="⟩"/>
+                          <m:ctrlPr>
+                            <a:rPr lang="en-US" sz="2800" b="0" i="1" smtClean="0">
+                              <a:latin typeface="Cambria Math"/>
+                            </a:rPr>
+                          </m:ctrlPr>
+                        </m:dPr>
+                        <m:e>
+                          <m:sSub>
+                            <m:sSubPr>
+                              <m:ctrlPr>
+                                <a:rPr lang="en-US" sz="2800" b="0" i="1" smtClean="0">
+                                  <a:latin typeface="Cambria Math"/>
+                                </a:rPr>
+                              </m:ctrlPr>
+                            </m:sSubPr>
+                            <m:e>
+                              <m:sSup>
+                                <m:sSupPr>
+                                  <m:ctrlPr>
+                                    <a:rPr lang="en-US" sz="2800" b="0" i="1" smtClean="0">
+                                      <a:latin typeface="Cambria Math"/>
+                                    </a:rPr>
+                                  </m:ctrlPr>
+                                </m:sSupPr>
+                                <m:e>
+                                  <m:r>
+                                    <a:rPr lang="en-US" sz="2800" b="1" i="1" smtClean="0">
+                                      <a:latin typeface="Cambria Math"/>
+                                    </a:rPr>
+                                    <m:t>𝒛</m:t>
+                                  </m:r>
+                                </m:e>
+                                <m:sup>
+                                  <m:argPr>
+                                    <m:argSz m:val="-1"/>
+                                  </m:argPr>
+                                  <m:r>
+                                    <a:rPr lang="en-US" sz="2800" b="0" i="1" smtClean="0">
+                                      <a:latin typeface="Cambria Math"/>
+                                    </a:rPr>
+                                    <m:t>𝑡</m:t>
+                                  </m:r>
+                                </m:sup>
+                              </m:sSup>
+                            </m:e>
+                            <m:sub>
+                              <m:argPr>
+                                <m:argSz m:val="-1"/>
+                              </m:argPr>
+                              <m:r>
+                                <a:rPr lang="en-US" sz="2800" b="0" i="1" smtClean="0">
+                                  <a:latin typeface="Cambria Math"/>
+                                </a:rPr>
+                                <m:t>𝑚</m:t>
+                              </m:r>
+                            </m:sub>
+                          </m:sSub>
+                        </m:e>
+                        <m:e>
+                          <m:d>
+                            <m:dPr>
+                              <m:begChr m:val="⟨"/>
+                              <m:endChr m:val="⟩"/>
+                              <m:ctrlPr>
+                                <a:rPr lang="en-US" sz="2800" b="0" i="1" smtClean="0">
+                                  <a:latin typeface="Cambria Math"/>
+                                </a:rPr>
+                              </m:ctrlPr>
+                            </m:dPr>
+                            <m:e>
+                              <m:sSub>
+                                <m:sSubPr>
+                                  <m:ctrlPr>
+                                    <a:rPr lang="en-US" sz="2800" b="0" i="1" smtClean="0">
+                                      <a:latin typeface="Cambria Math"/>
+                                    </a:rPr>
+                                  </m:ctrlPr>
+                                </m:sSubPr>
+                                <m:e>
+                                  <m:sSup>
+                                    <m:sSupPr>
+                                      <m:ctrlPr>
+                                        <a:rPr lang="en-US" sz="2800" b="0" i="1" smtClean="0">
+                                          <a:latin typeface="Cambria Math"/>
+                                        </a:rPr>
+                                      </m:ctrlPr>
+                                    </m:sSupPr>
+                                    <m:e>
+                                      <m:r>
+                                        <a:rPr lang="en-US" sz="2800" b="1" i="1" smtClean="0">
+                                          <a:latin typeface="Cambria Math"/>
+                                        </a:rPr>
+                                        <m:t>𝒛</m:t>
+                                      </m:r>
+                                    </m:e>
+                                    <m:sup>
+                                      <m:argPr>
+                                        <m:argSz m:val="-1"/>
+                                      </m:argPr>
+                                      <m:r>
+                                        <a:rPr lang="en-US" sz="2800" b="0" i="1" smtClean="0">
+                                          <a:latin typeface="Cambria Math"/>
+                                        </a:rPr>
+                                        <m:t>𝑡</m:t>
+                                      </m:r>
+                                    </m:sup>
+                                  </m:sSup>
+                                </m:e>
+                                <m:sub>
+                                  <m:argPr>
+                                    <m:argSz m:val="-1"/>
+                                  </m:argPr>
+                                  <m:r>
+                                    <a:rPr lang="en-US" sz="2800" b="0" i="1" smtClean="0">
+                                      <a:latin typeface="Cambria Math"/>
+                                    </a:rPr>
+                                    <m:t>𝑚</m:t>
+                                  </m:r>
+                                  <m:r>
+                                    <a:rPr lang="en-US" sz="2800" b="0" i="1" smtClean="0">
+                                      <a:latin typeface="Cambria Math"/>
+                                    </a:rPr>
+                                    <m:t>−1</m:t>
+                                  </m:r>
+                                </m:sub>
+                              </m:sSub>
+                            </m:e>
+                            <m:e>
+                              <m:r>
+                                <a:rPr lang="en-US" sz="2800" b="0" i="1" smtClean="0">
+                                  <a:latin typeface="Cambria Math"/>
+                                </a:rPr>
+                                <m:t> </m:t>
+                              </m:r>
+                              <m:r>
+                                <a:rPr lang="en-US" sz="2800" b="0" i="1" smtClean="0">
+                                  <a:latin typeface="Cambria Math"/>
+                                  <a:ea typeface="Cambria Math"/>
+                                </a:rPr>
+                                <m:t>⋯</m:t>
+                              </m:r>
+                              <m:r>
+                                <a:rPr lang="en-US" sz="2800" b="0" i="1" smtClean="0">
+                                  <a:latin typeface="Cambria Math"/>
+                                </a:rPr>
+                                <m:t> </m:t>
+                              </m:r>
+                              <m:d>
+                                <m:dPr>
+                                  <m:begChr m:val="⟨"/>
+                                  <m:endChr m:val="⟩"/>
+                                  <m:ctrlPr>
+                                    <a:rPr lang="en-US" sz="2800" b="0" i="1" smtClean="0">
+                                      <a:latin typeface="Cambria Math"/>
+                                    </a:rPr>
+                                  </m:ctrlPr>
+                                </m:dPr>
+                                <m:e>
+                                  <m:sSub>
+                                    <m:sSubPr>
+                                      <m:ctrlPr>
+                                        <a:rPr lang="en-US" sz="2800" b="0" i="1" smtClean="0">
+                                          <a:latin typeface="Cambria Math"/>
+                                        </a:rPr>
+                                      </m:ctrlPr>
+                                    </m:sSubPr>
+                                    <m:e>
+                                      <m:sSup>
+                                        <m:sSupPr>
+                                          <m:ctrlPr>
+                                            <a:rPr lang="en-US" sz="2800" b="0" i="1" smtClean="0">
+                                              <a:latin typeface="Cambria Math"/>
+                                            </a:rPr>
+                                          </m:ctrlPr>
+                                        </m:sSupPr>
+                                        <m:e>
+                                          <m:r>
+                                            <a:rPr lang="en-US" sz="2800" b="1" i="1" smtClean="0">
+                                              <a:latin typeface="Cambria Math"/>
+                                            </a:rPr>
+                                            <m:t>𝒛</m:t>
+                                          </m:r>
+                                        </m:e>
+                                        <m:sup>
+                                          <m:argPr>
+                                            <m:argSz m:val="-1"/>
+                                          </m:argPr>
+                                          <m:r>
+                                            <a:rPr lang="en-US" sz="2800" b="0" i="1" smtClean="0">
+                                              <a:latin typeface="Cambria Math"/>
+                                            </a:rPr>
+                                            <m:t>𝑡</m:t>
+                                          </m:r>
+                                        </m:sup>
+                                      </m:sSup>
+                                    </m:e>
+                                    <m:sub>
+                                      <m:argPr>
+                                        <m:argSz m:val="-1"/>
+                                      </m:argPr>
+                                      <m:r>
+                                        <a:rPr lang="en-US" sz="2800" b="0" i="1" smtClean="0">
+                                          <a:latin typeface="Cambria Math"/>
+                                        </a:rPr>
+                                        <m:t>0</m:t>
+                                      </m:r>
+                                    </m:sub>
+                                  </m:sSub>
+                                </m:e>
+                                <m:e>
+                                  <m:r>
+                                    <a:rPr lang="en-US" sz="2800" b="1" i="1" smtClean="0">
+                                      <a:latin typeface="Cambria Math"/>
+                                    </a:rPr>
+                                    <m:t> </m:t>
+                                  </m:r>
+                                  <m:r>
+                                    <a:rPr lang="en-US" sz="2800" b="1" i="1" smtClean="0">
+                                      <a:latin typeface="Cambria Math"/>
+                                    </a:rPr>
+                                    <m:t>𝒔</m:t>
+                                  </m:r>
+                                  <m:r>
+                                    <a:rPr lang="en-US" sz="2800" b="1" i="1" smtClean="0">
+                                      <a:latin typeface="Cambria Math"/>
+                                    </a:rPr>
+                                    <m:t> </m:t>
+                                  </m:r>
+                                </m:e>
+                                <m:e>
+                                  <m:sSub>
+                                    <m:sSubPr>
+                                      <m:ctrlPr>
+                                        <a:rPr lang="en-US" sz="2800" b="0" i="1" smtClean="0">
+                                          <a:latin typeface="Cambria Math"/>
+                                        </a:rPr>
+                                      </m:ctrlPr>
+                                    </m:sSubPr>
+                                    <m:e>
+                                      <m:r>
+                                        <a:rPr lang="en-US" sz="2800" b="1" i="1" smtClean="0">
+                                          <a:latin typeface="Cambria Math"/>
+                                        </a:rPr>
+                                        <m:t>𝒛</m:t>
+                                      </m:r>
+                                    </m:e>
+                                    <m:sub>
+                                      <m:argPr>
+                                        <m:argSz m:val="-1"/>
+                                      </m:argPr>
+                                      <m:r>
+                                        <a:rPr lang="en-US" sz="2800" b="0" i="1" smtClean="0">
+                                          <a:latin typeface="Cambria Math"/>
+                                        </a:rPr>
+                                        <m:t>0</m:t>
+                                      </m:r>
+                                    </m:sub>
+                                  </m:sSub>
+                                </m:e>
+                              </m:d>
+                              <m:r>
+                                <a:rPr lang="en-US" sz="2800" b="0" i="1" smtClean="0">
+                                  <a:latin typeface="Cambria Math"/>
+                                  <a:ea typeface="Cambria Math"/>
+                                </a:rPr>
+                                <m:t>⋯</m:t>
+                              </m:r>
+                            </m:e>
+                            <m:e>
+                              <m:sSub>
+                                <m:sSubPr>
+                                  <m:ctrlPr>
+                                    <a:rPr lang="en-US" sz="2800" b="0" i="1" smtClean="0">
+                                      <a:latin typeface="Cambria Math"/>
+                                    </a:rPr>
+                                  </m:ctrlPr>
+                                </m:sSubPr>
+                                <m:e>
+                                  <m:r>
+                                    <a:rPr lang="en-US" sz="2800" b="1" i="1" smtClean="0">
+                                      <a:latin typeface="Cambria Math"/>
+                                    </a:rPr>
+                                    <m:t>𝒛</m:t>
+                                  </m:r>
+                                </m:e>
+                                <m:sub>
+                                  <m:argPr>
+                                    <m:argSz m:val="-1"/>
+                                  </m:argPr>
+                                  <m:r>
+                                    <a:rPr lang="en-US" sz="2800" b="0" i="1" smtClean="0">
+                                      <a:latin typeface="Cambria Math"/>
+                                    </a:rPr>
+                                    <m:t>𝑚</m:t>
+                                  </m:r>
+                                  <m:r>
+                                    <a:rPr lang="en-US" sz="2800" b="0" i="1" smtClean="0">
+                                      <a:latin typeface="Cambria Math"/>
+                                    </a:rPr>
+                                    <m:t>−1</m:t>
+                                  </m:r>
+                                </m:sub>
+                              </m:sSub>
+                            </m:e>
+                          </m:d>
+                        </m:e>
+                        <m:e>
+                          <m:sSub>
+                            <m:sSubPr>
+                              <m:ctrlPr>
+                                <a:rPr lang="en-US" sz="2800" b="0" i="1" smtClean="0">
+                                  <a:latin typeface="Cambria Math"/>
+                                </a:rPr>
+                              </m:ctrlPr>
+                            </m:sSubPr>
+                            <m:e>
+                              <m:r>
+                                <a:rPr lang="en-US" sz="2800" b="1" i="1" smtClean="0">
+                                  <a:latin typeface="Cambria Math"/>
+                                </a:rPr>
+                                <m:t>𝒛</m:t>
+                              </m:r>
+                            </m:e>
+                            <m:sub>
+                              <m:argPr>
+                                <m:argSz m:val="-1"/>
+                              </m:argPr>
+                              <m:r>
+                                <a:rPr lang="en-US" sz="2800" b="0" i="1" smtClean="0">
+                                  <a:latin typeface="Cambria Math"/>
+                                </a:rPr>
+                                <m:t>𝑚</m:t>
+                              </m:r>
+                            </m:sub>
+                          </m:sSub>
+                        </m:e>
+                      </m:d>
+                      <m:r>
+                        <a:rPr lang="en-US" sz="2800" b="0" i="1" smtClean="0">
+                          <a:latin typeface="Cambria Math"/>
+                        </a:rPr>
+                        <m:t>→</m:t>
+                      </m:r>
+                      <m:r>
+                        <a:rPr lang="en-US" sz="2800" b="1" i="1" smtClean="0">
+                          <a:latin typeface="Cambria Math"/>
+                        </a:rPr>
+                        <m:t>𝑰</m:t>
+                      </m:r>
+                    </m:oMath>
+                  </m:oMathPara>
+                </a14:m>
+                <a:endParaRPr lang="en-US" sz="2800" b="1" i="1" dirty="0" smtClean="0">
+                  <a:latin typeface="Cambria Math"/>
+                </a:endParaRPr>
+              </a:p>
+              <a:p>
+                <a:endParaRPr lang="en-US" sz="2400" i="1" dirty="0" smtClean="0">
+                  <a:latin typeface="Cambria Math"/>
+                </a:endParaRPr>
+              </a:p>
+              <a:p>
+                <a:pPr/>
+                <a14:m>
+                  <m:oMathPara xmlns:m="http://schemas.openxmlformats.org/officeDocument/2006/math">
+                    <m:oMathParaPr>
+                      <m:jc m:val="left"/>
+                    </m:oMathParaPr>
+                    <m:oMath xmlns:m="http://schemas.openxmlformats.org/officeDocument/2006/math">
+                      <m:d>
+                        <m:dPr>
+                          <m:begChr m:val="|"/>
+                          <m:endChr m:val=""/>
+                          <m:ctrlPr>
+                            <a:rPr lang="en-US" sz="2800" i="1" smtClean="0">
+                              <a:latin typeface="Cambria Math"/>
+                            </a:rPr>
+                          </m:ctrlPr>
+                        </m:dPr>
+                        <m:e>
+                          <m:d>
+                            <m:dPr>
+                              <m:begChr m:val=""/>
+                              <m:endChr m:val="⟩"/>
+                              <m:ctrlPr>
+                                <a:rPr lang="en-US" sz="2800" i="1" smtClean="0">
+                                  <a:latin typeface="Cambria Math"/>
+                                </a:rPr>
+                              </m:ctrlPr>
+                            </m:dPr>
+                            <m:e>
+                              <m:r>
+                                <a:rPr lang="en-US" sz="2800" b="1" i="1" smtClean="0">
+                                  <a:latin typeface="Cambria Math"/>
+                                </a:rPr>
+                                <m:t>𝒛</m:t>
+                              </m:r>
+                            </m:e>
+                          </m:d>
+                        </m:e>
+                      </m:d>
+                      <m:r>
+                        <a:rPr lang="en-US" sz="2800" b="0" i="0" smtClean="0">
+                          <a:latin typeface="Cambria Math"/>
+                        </a:rPr>
+                        <m:t>= </m:t>
+                      </m:r>
+                      <m:d>
+                        <m:dPr>
+                          <m:begChr m:val="|"/>
+                          <m:endChr m:val=""/>
+                          <m:ctrlPr>
+                            <a:rPr lang="en-US" sz="2800" i="1" smtClean="0">
+                              <a:latin typeface="Cambria Math"/>
+                            </a:rPr>
+                          </m:ctrlPr>
+                        </m:dPr>
+                        <m:e>
+                          <m:d>
+                            <m:dPr>
+                              <m:begChr m:val=""/>
+                              <m:endChr m:val="⟩"/>
+                              <m:ctrlPr>
+                                <a:rPr lang="en-US" sz="2800" i="1" smtClean="0">
+                                  <a:latin typeface="Cambria Math"/>
+                                </a:rPr>
+                              </m:ctrlPr>
+                            </m:dPr>
+                            <m:e>
+                              <m:sSub>
+                                <m:sSubPr>
+                                  <m:ctrlPr>
+                                    <a:rPr lang="en-US" sz="2800" i="1" smtClean="0">
+                                      <a:latin typeface="Cambria Math"/>
+                                    </a:rPr>
+                                  </m:ctrlPr>
+                                </m:sSubPr>
+                                <m:e>
+                                  <m:r>
+                                    <a:rPr lang="en-US" sz="2800" b="1" i="1" smtClean="0">
+                                      <a:latin typeface="Cambria Math"/>
+                                    </a:rPr>
+                                    <m:t>𝒛</m:t>
+                                  </m:r>
+                                </m:e>
+                                <m:sub>
+                                  <m:argPr>
+                                    <m:argSz m:val="-1"/>
+                                  </m:argPr>
+                                  <m:r>
+                                    <a:rPr lang="en-US" sz="2800" b="0" i="1" smtClean="0">
+                                      <a:latin typeface="Cambria Math"/>
+                                    </a:rPr>
+                                    <m:t>0</m:t>
+                                  </m:r>
+                                </m:sub>
+                              </m:sSub>
+                            </m:e>
+                          </m:d>
+                          <m:r>
+                            <a:rPr lang="en-US" sz="2800" b="0" i="1" smtClean="0">
+                              <a:latin typeface="Cambria Math"/>
+                            </a:rPr>
+                            <m:t> </m:t>
+                          </m:r>
+                        </m:e>
+                      </m:d>
+                      <m:r>
+                        <a:rPr lang="en-US" sz="2800" b="0" i="1" smtClean="0">
+                          <a:latin typeface="Cambria Math"/>
+                          <a:ea typeface="Cambria Math"/>
+                        </a:rPr>
+                        <m:t>⋯ </m:t>
+                      </m:r>
+                      <m:d>
+                        <m:dPr>
+                          <m:begChr m:val="|"/>
+                          <m:endChr m:val=""/>
+                          <m:ctrlPr>
+                            <a:rPr lang="en-US" sz="2800" i="1" smtClean="0">
+                              <a:latin typeface="Cambria Math"/>
+                            </a:rPr>
+                          </m:ctrlPr>
+                        </m:dPr>
+                        <m:e>
+                          <m:d>
+                            <m:dPr>
+                              <m:begChr m:val=""/>
+                              <m:endChr m:val="⟩"/>
+                              <m:ctrlPr>
+                                <a:rPr lang="en-US" sz="2800" i="1" smtClean="0">
+                                  <a:latin typeface="Cambria Math"/>
+                                </a:rPr>
+                              </m:ctrlPr>
+                            </m:dPr>
+                            <m:e>
+                              <m:sSub>
+                                <m:sSubPr>
+                                  <m:ctrlPr>
+                                    <a:rPr lang="en-US" sz="2800" i="1" smtClean="0">
+                                      <a:latin typeface="Cambria Math"/>
+                                    </a:rPr>
+                                  </m:ctrlPr>
+                                </m:sSubPr>
+                                <m:e>
+                                  <m:r>
+                                    <a:rPr lang="en-US" sz="2800" b="1" i="1" smtClean="0">
+                                      <a:latin typeface="Cambria Math"/>
+                                    </a:rPr>
+                                    <m:t>𝒛</m:t>
+                                  </m:r>
+                                </m:e>
+                                <m:sub>
+                                  <m:argPr>
+                                    <m:argSz m:val="-1"/>
+                                  </m:argPr>
+                                  <m:r>
+                                    <a:rPr lang="en-US" sz="2800" b="0" i="1" smtClean="0">
+                                      <a:latin typeface="Cambria Math"/>
+                                    </a:rPr>
+                                    <m:t>𝑚</m:t>
+                                  </m:r>
+                                  <m:r>
+                                    <a:rPr lang="en-US" sz="2800" b="0" i="1" smtClean="0">
+                                      <a:latin typeface="Cambria Math"/>
+                                    </a:rPr>
+                                    <m:t>−1</m:t>
+                                  </m:r>
+                                </m:sub>
+                              </m:sSub>
+                            </m:e>
+                          </m:d>
+                        </m:e>
+                      </m:d>
+                      <m:d>
+                        <m:dPr>
+                          <m:begChr m:val="|"/>
+                          <m:endChr m:val=""/>
+                          <m:ctrlPr>
+                            <a:rPr lang="en-US" sz="2800" i="1" smtClean="0">
+                              <a:latin typeface="Cambria Math"/>
+                            </a:rPr>
+                          </m:ctrlPr>
+                        </m:dPr>
+                        <m:e>
+                          <m:d>
+                            <m:dPr>
+                              <m:begChr m:val=""/>
+                              <m:endChr m:val="⟩"/>
+                              <m:ctrlPr>
+                                <a:rPr lang="en-US" sz="2800" i="1" smtClean="0">
+                                  <a:latin typeface="Cambria Math"/>
+                                </a:rPr>
+                              </m:ctrlPr>
+                            </m:dPr>
+                            <m:e>
+                              <m:sSub>
+                                <m:sSubPr>
+                                  <m:ctrlPr>
+                                    <a:rPr lang="en-US" sz="2800" i="1" smtClean="0">
+                                      <a:latin typeface="Cambria Math"/>
+                                    </a:rPr>
+                                  </m:ctrlPr>
+                                </m:sSubPr>
+                                <m:e>
+                                  <m:r>
+                                    <a:rPr lang="en-US" sz="2800" b="1" i="1" smtClean="0">
+                                      <a:latin typeface="Cambria Math"/>
+                                    </a:rPr>
+                                    <m:t>𝒛</m:t>
+                                  </m:r>
+                                </m:e>
+                                <m:sub>
+                                  <m:argPr>
+                                    <m:argSz m:val="-1"/>
+                                  </m:argPr>
+                                  <m:r>
+                                    <a:rPr lang="en-US" sz="2800" b="0" i="1" smtClean="0">
+                                      <a:latin typeface="Cambria Math"/>
+                                    </a:rPr>
+                                    <m:t>𝑚</m:t>
+                                  </m:r>
+                                </m:sub>
+                              </m:sSub>
+                            </m:e>
+                          </m:d>
+                        </m:e>
+                      </m:d>
+                      <m:r>
+                        <a:rPr lang="en-US" sz="2800" b="0" i="0" smtClean="0">
+                          <a:latin typeface="Cambria Math"/>
+                        </a:rPr>
+                        <m:t>→</m:t>
+                      </m:r>
+                      <m:d>
+                        <m:dPr>
+                          <m:begChr m:val="|"/>
+                          <m:endChr m:val=""/>
+                          <m:ctrlPr>
+                            <a:rPr lang="en-US" sz="2800" i="1" smtClean="0">
+                              <a:latin typeface="Cambria Math"/>
+                            </a:rPr>
+                          </m:ctrlPr>
+                        </m:dPr>
+                        <m:e>
+                          <m:d>
+                            <m:dPr>
+                              <m:begChr m:val=""/>
+                              <m:endChr m:val="⟩"/>
+                              <m:ctrlPr>
+                                <a:rPr lang="en-US" sz="2800" i="1" smtClean="0">
+                                  <a:latin typeface="Cambria Math"/>
+                                </a:rPr>
+                              </m:ctrlPr>
+                            </m:dPr>
+                            <m:e>
+                              <m:sSup>
+                                <m:sSupPr>
+                                  <m:ctrlPr>
+                                    <a:rPr lang="en-US" sz="2800" i="1" smtClean="0">
+                                      <a:latin typeface="Cambria Math"/>
+                                    </a:rPr>
+                                  </m:ctrlPr>
+                                </m:sSupPr>
+                                <m:e>
+                                  <m:r>
+                                    <a:rPr lang="en-US" sz="2800" b="1" i="1" smtClean="0">
+                                      <a:latin typeface="Cambria Math"/>
+                                    </a:rPr>
+                                    <m:t>𝒔</m:t>
+                                  </m:r>
+                                </m:e>
+                                <m:sup>
+                                  <m:argPr>
+                                    <m:argSz m:val="-1"/>
+                                  </m:argPr>
+                                  <m:r>
+                                    <a:rPr lang="en-US" sz="2800" b="0" i="1" smtClean="0">
+                                      <a:latin typeface="Cambria Math"/>
+                                    </a:rPr>
+                                    <m:t>−1/2</m:t>
+                                  </m:r>
+                                </m:sup>
+                              </m:sSup>
+                            </m:e>
+                          </m:d>
+                        </m:e>
+                      </m:d>
+                    </m:oMath>
+                  </m:oMathPara>
+                </a14:m>
+                <a:endParaRPr lang="en-US" sz="2800" dirty="0" smtClean="0"/>
+              </a:p>
+              <a:p>
+                <a:pPr/>
+                <a:endParaRPr lang="en-US" sz="2800" dirty="0"/>
+              </a:p>
+              <a:p>
+                <a:pPr/>
+                <a14:m>
+                  <m:oMathPara xmlns:m="http://schemas.openxmlformats.org/officeDocument/2006/math">
+                    <m:oMathParaPr>
+                      <m:jc m:val="left"/>
+                    </m:oMathParaPr>
+                    <m:oMath xmlns:m="http://schemas.openxmlformats.org/officeDocument/2006/math">
+                      <m:r>
+                        <a:rPr lang="en-US" sz="2800" i="1" smtClean="0">
+                          <a:latin typeface="Cambria Math"/>
+                          <a:ea typeface="Cambria Math"/>
+                        </a:rPr>
+                        <m:t>𝜖</m:t>
+                      </m:r>
+                      <m:d>
+                        <m:dPr>
+                          <m:ctrlPr>
+                            <a:rPr lang="en-US" sz="2800" i="1" smtClean="0">
+                              <a:latin typeface="Cambria Math"/>
+                              <a:ea typeface="Cambria Math"/>
+                            </a:rPr>
+                          </m:ctrlPr>
+                        </m:dPr>
+                        <m:e>
+                          <m:sSub>
+                            <m:sSubPr>
+                              <m:ctrlPr>
+                                <a:rPr lang="en-US" sz="2800" i="1">
+                                  <a:latin typeface="Cambria Math"/>
+                                </a:rPr>
+                              </m:ctrlPr>
+                            </m:sSubPr>
+                            <m:e>
+                              <m:r>
+                                <a:rPr lang="en-US" sz="2800" i="1">
+                                  <a:latin typeface="Cambria Math"/>
+                                  <a:ea typeface="Cambria Math"/>
+                                </a:rPr>
+                                <m:t>𝛿</m:t>
+                              </m:r>
+                            </m:e>
+                            <m:sub>
+                              <m:r>
+                                <a:rPr lang="en-US" sz="2800" i="1">
+                                  <a:latin typeface="Cambria Math"/>
+                                </a:rPr>
+                                <m:t>0</m:t>
+                              </m:r>
+                            </m:sub>
+                          </m:sSub>
+                          <m:r>
+                            <a:rPr lang="en-US" sz="2800" b="0" i="1" smtClean="0">
+                              <a:latin typeface="Cambria Math"/>
+                            </a:rPr>
+                            <m:t>, </m:t>
+                          </m:r>
+                          <m:r>
+                            <a:rPr lang="en-US" sz="2800" b="0" i="1" smtClean="0">
+                              <a:latin typeface="Cambria Math"/>
+                              <a:ea typeface="Cambria Math"/>
+                            </a:rPr>
+                            <m:t>⋯,</m:t>
+                          </m:r>
+                          <m:sSub>
+                            <m:sSubPr>
+                              <m:ctrlPr>
+                                <a:rPr lang="en-US" sz="2800" i="1">
+                                  <a:latin typeface="Cambria Math"/>
+                                </a:rPr>
+                              </m:ctrlPr>
+                            </m:sSubPr>
+                            <m:e>
+                              <m:r>
+                                <a:rPr lang="en-US" sz="2800" i="1">
+                                  <a:latin typeface="Cambria Math"/>
+                                </a:rPr>
+                                <m:t> </m:t>
+                              </m:r>
+                              <m:r>
+                                <a:rPr lang="en-US" sz="2800" i="1">
+                                  <a:latin typeface="Cambria Math"/>
+                                  <a:ea typeface="Cambria Math"/>
+                                </a:rPr>
+                                <m:t>𝛿</m:t>
+                              </m:r>
+                            </m:e>
+                            <m:sub>
+                              <m:r>
+                                <a:rPr lang="en-US" sz="2800" i="1">
+                                  <a:latin typeface="Cambria Math"/>
+                                  <a:ea typeface="Cambria Math"/>
+                                </a:rPr>
+                                <m:t>𝑚</m:t>
+                              </m:r>
+                              <m:r>
+                                <a:rPr lang="en-US" sz="2800" i="1">
+                                  <a:latin typeface="Cambria Math"/>
+                                  <a:ea typeface="Cambria Math"/>
+                                </a:rPr>
+                                <m:t>−1</m:t>
+                              </m:r>
+                            </m:sub>
+                          </m:sSub>
+                          <m:r>
+                            <a:rPr lang="en-US" sz="2800" b="0" i="1" smtClean="0">
+                              <a:latin typeface="Cambria Math"/>
+                              <a:ea typeface="Cambria Math"/>
+                            </a:rPr>
+                            <m:t>,</m:t>
+                          </m:r>
+                          <m:sSub>
+                            <m:sSubPr>
+                              <m:ctrlPr>
+                                <a:rPr lang="en-US" sz="2800" i="1">
+                                  <a:latin typeface="Cambria Math"/>
+                                </a:rPr>
+                              </m:ctrlPr>
+                            </m:sSubPr>
+                            <m:e>
+                              <m:r>
+                                <a:rPr lang="en-US" sz="2800" i="1">
+                                  <a:latin typeface="Cambria Math"/>
+                                </a:rPr>
+                                <m:t> </m:t>
+                              </m:r>
+                              <m:r>
+                                <a:rPr lang="en-US" sz="2800" i="1">
+                                  <a:latin typeface="Cambria Math"/>
+                                  <a:ea typeface="Cambria Math"/>
+                                </a:rPr>
+                                <m:t>𝛿</m:t>
+                              </m:r>
+                            </m:e>
+                            <m:sub>
+                              <m:r>
+                                <a:rPr lang="en-US" sz="2800" i="1">
+                                  <a:latin typeface="Cambria Math"/>
+                                  <a:ea typeface="Cambria Math"/>
+                                </a:rPr>
+                                <m:t>𝑚</m:t>
+                              </m:r>
+                              <m:r>
+                                <a:rPr lang="en-US" sz="2800" i="1">
+                                  <a:latin typeface="Cambria Math"/>
+                                  <a:ea typeface="Cambria Math"/>
+                                </a:rPr>
+                                <m:t>−1</m:t>
+                              </m:r>
+                            </m:sub>
+                          </m:sSub>
+                        </m:e>
+                      </m:d>
+                      <m:r>
+                        <a:rPr lang="en-US" sz="2800" b="0" i="1" smtClean="0">
+                          <a:latin typeface="Cambria Math"/>
+                          <a:ea typeface="Cambria Math"/>
+                        </a:rPr>
+                        <m:t>=</m:t>
+                      </m:r>
+                      <m:d>
+                        <m:dPr>
+                          <m:begChr m:val="‖"/>
+                          <m:endChr m:val="‖"/>
+                          <m:ctrlPr>
+                            <a:rPr lang="en-US" sz="2800" b="0" i="1" smtClean="0">
+                              <a:latin typeface="Cambria Math"/>
+                              <a:ea typeface="Cambria Math"/>
+                            </a:rPr>
+                          </m:ctrlPr>
+                        </m:dPr>
+                        <m:e>
+                          <m:r>
+                            <a:rPr lang="en-US" sz="2800" b="0" i="1" smtClean="0">
+                              <a:latin typeface="Cambria Math"/>
+                              <a:ea typeface="Cambria Math"/>
+                            </a:rPr>
+                            <m:t> </m:t>
+                          </m:r>
+                          <m:sSub>
+                            <m:sSubPr>
+                              <m:ctrlPr>
+                                <a:rPr lang="en-US" sz="2800" b="1" i="1">
+                                  <a:latin typeface="Cambria Math"/>
+                                </a:rPr>
+                              </m:ctrlPr>
+                            </m:sSubPr>
+                            <m:e>
+                              <m:r>
+                                <a:rPr lang="en-US" sz="2800" b="1" i="1">
+                                  <a:latin typeface="Cambria Math"/>
+                                </a:rPr>
+                                <m:t>𝒙</m:t>
+                              </m:r>
+                            </m:e>
+                            <m:sub>
+                              <m:r>
+                                <a:rPr lang="en-US" sz="2800" i="1">
+                                  <a:latin typeface="Cambria Math"/>
+                                </a:rPr>
+                                <m:t>𝑚</m:t>
+                              </m:r>
+                            </m:sub>
+                          </m:sSub>
+                          <m:r>
+                            <a:rPr lang="en-US" sz="2800" b="0" i="1" smtClean="0">
+                              <a:latin typeface="Cambria Math"/>
+                            </a:rPr>
+                            <m:t>−</m:t>
+                          </m:r>
+                          <m:r>
+                            <a:rPr lang="en-US" sz="2800" b="1" i="1">
+                              <a:latin typeface="Cambria Math"/>
+                            </a:rPr>
+                            <m:t>𝑰</m:t>
+                          </m:r>
+                          <m:r>
+                            <m:rPr>
+                              <m:nor/>
+                            </m:rPr>
+                            <a:rPr lang="en-US" sz="2800" b="1" i="1" dirty="0">
+                              <a:latin typeface="Cambria Math"/>
+                            </a:rPr>
+                            <m:t> </m:t>
+                          </m:r>
+                        </m:e>
+                      </m:d>
+                      <m:r>
+                        <a:rPr lang="en-US" sz="2800" b="0" i="1" smtClean="0">
+                          <a:latin typeface="Cambria Math"/>
+                          <a:ea typeface="Cambria Math"/>
+                        </a:rPr>
+                        <m:t>  </m:t>
+                      </m:r>
+                    </m:oMath>
+                  </m:oMathPara>
+                </a14:m>
+                <a:endParaRPr lang="en-US" sz="2800" dirty="0" smtClean="0"/>
+              </a:p>
+              <a:p>
+                <a:endParaRPr lang="en-US" sz="2400" dirty="0" smtClean="0"/>
+              </a:p>
+              <a:p>
+                <a:endParaRPr lang="en-US" sz="2400" dirty="0"/>
+              </a:p>
+              <a:p>
+                <a:r>
+                  <a:rPr lang="en-US" sz="2400" dirty="0" smtClean="0"/>
+                  <a:t> </a:t>
+                </a:r>
+                <a:r>
+                  <a:rPr lang="en-US" sz="2400" i="1" dirty="0" smtClean="0">
+                    <a:latin typeface="Cambria Math"/>
+                  </a:rPr>
+                  <a:t> </a:t>
+                </a:r>
+                <a:endParaRPr lang="en-US" sz="2400" dirty="0"/>
+              </a:p>
+            </p:txBody>
+          </p:sp>
+        </mc:Choice>
+        <mc:Fallback>
+          <p:sp>
+            <p:nvSpPr>
+              <p:cNvPr id="4" name="TextBox 3"/>
+              <p:cNvSpPr txBox="1">
+                <a:spLocks noRot="1" noChangeAspect="1" noMove="1" noResize="1" noEditPoints="1" noAdjustHandles="1" noChangeArrowheads="1" noChangeShapeType="1" noTextEdit="1"/>
+              </p:cNvSpPr>
+              <p:nvPr/>
+            </p:nvSpPr>
+            <p:spPr>
+              <a:xfrm>
+                <a:off x="596137" y="2101960"/>
+                <a:ext cx="7938263" cy="4401205"/>
+              </a:xfrm>
+              <a:prstGeom prst="rect">
+                <a:avLst/>
+              </a:prstGeom>
+              <a:blipFill rotWithShape="1">
+                <a:blip r:embed="rId2"/>
+                <a:stretch>
+                  <a:fillRect/>
+                </a:stretch>
+              </a:blipFill>
+            </p:spPr>
+            <p:txBody>
+              <a:bodyPr/>
+              <a:lstStyle/>
+              <a:p>
+                <a:r>
+                  <a:rPr lang="en-US">
+                    <a:noFill/>
+                  </a:rPr>
+                  <a:t> </a:t>
+                </a:r>
+              </a:p>
+            </p:txBody>
+          </p:sp>
+        </mc:Fallback>
+      </mc:AlternateContent>
+    </p:spTree>
+    <p:extLst>
+      <p:ext uri="{BB962C8B-B14F-4D97-AF65-F5344CB8AC3E}">
+        <p14:creationId xmlns:p14="http://schemas.microsoft.com/office/powerpoint/2010/main" val="4031379632"/>
+      </p:ext>
+    </p:extLst>
+  </p:cSld>
+  <p:clrMapOvr>
+    <a:masterClrMapping/>
+  </p:clrMapOvr>
+</p:sld>
+</file>
+
 <file path=ppt/slides/slide15.xml><?xml version="1.0" encoding="utf-8"?>
 <p:sld xmlns:a="http://schemas.openxmlformats.org/drawingml/2006/main" xmlns:r="http://schemas.openxmlformats.org/officeDocument/2006/relationships" xmlns:p="http://schemas.openxmlformats.org/presentationml/2006/main">
   <p:cSld>
@@ -5767,48 +7113,40 @@
           <a:chExt cx="0" cy="0"/>
         </a:xfrm>
       </p:grpSpPr>
-      <p:sp>
-        <p:nvSpPr>
-          <p:cNvPr id="2" name="Title 1"/>
-          <p:cNvSpPr>
-            <a:spLocks noGrp="1"/>
-          </p:cNvSpPr>
-          <p:nvPr>
-            <p:ph type="title"/>
-          </p:nvPr>
-        </p:nvSpPr>
-        <p:spPr/>
-        <p:txBody>
-          <a:bodyPr/>
-          <a:lstStyle/>
-          <a:p>
-            <a:endParaRPr lang="en-US" dirty="0"/>
-          </a:p>
-        </p:txBody>
-      </p:sp>
-      <p:sp>
-        <p:nvSpPr>
-          <p:cNvPr id="3" name="Content Placeholder 2"/>
-          <p:cNvSpPr>
-            <a:spLocks noGrp="1"/>
-          </p:cNvSpPr>
-          <p:nvPr>
-            <p:ph idx="1"/>
-          </p:nvPr>
-        </p:nvSpPr>
-        <p:spPr/>
-        <p:txBody>
-          <a:bodyPr/>
-          <a:lstStyle/>
-          <a:p>
-            <a:endParaRPr lang="en-US"/>
-          </a:p>
-        </p:txBody>
-      </p:sp>
+      <p:pic>
+        <p:nvPicPr>
+          <p:cNvPr id="5" name="Picture 4"/>
+          <p:cNvPicPr>
+            <a:picLocks noChangeAspect="1"/>
+          </p:cNvPicPr>
+          <p:nvPr/>
+        </p:nvPicPr>
+        <p:blipFill>
+          <a:blip r:embed="rId2">
+            <a:extLst>
+              <a:ext uri="{28A0092B-C50C-407E-A947-70E740481C1C}">
+                <a14:useLocalDpi xmlns:a14="http://schemas.microsoft.com/office/drawing/2010/main" val="0"/>
+              </a:ext>
+            </a:extLst>
+          </a:blip>
+          <a:stretch>
+            <a:fillRect/>
+          </a:stretch>
+        </p:blipFill>
+        <p:spPr>
+          <a:xfrm>
+            <a:off x="1524000" y="1143000"/>
+            <a:ext cx="6096000" cy="4572000"/>
+          </a:xfrm>
+          <a:prstGeom prst="rect">
+            <a:avLst/>
+          </a:prstGeom>
+        </p:spPr>
+      </p:pic>
     </p:spTree>
     <p:extLst>
       <p:ext uri="{BB962C8B-B14F-4D97-AF65-F5344CB8AC3E}">
-        <p14:creationId xmlns:p14="http://schemas.microsoft.com/office/powerpoint/2010/main" val="3592143045"/>
+        <p14:creationId xmlns:p14="http://schemas.microsoft.com/office/powerpoint/2010/main" val="1816851812"/>
       </p:ext>
     </p:extLst>
   </p:cSld>
@@ -5837,6 +7175,152 @@
       </p:grpSpPr>
       <p:sp>
         <p:nvSpPr>
+          <p:cNvPr id="2" name="Title 1"/>
+          <p:cNvSpPr>
+            <a:spLocks noGrp="1"/>
+          </p:cNvSpPr>
+          <p:nvPr>
+            <p:ph type="title"/>
+          </p:nvPr>
+        </p:nvSpPr>
+        <p:spPr/>
+        <p:txBody>
+          <a:bodyPr/>
+          <a:lstStyle/>
+          <a:p>
+            <a:endParaRPr lang="en-US"/>
+          </a:p>
+        </p:txBody>
+      </p:sp>
+      <p:pic>
+        <p:nvPicPr>
+          <p:cNvPr id="4" name="Content Placeholder 3"/>
+          <p:cNvPicPr>
+            <a:picLocks noGrp="1" noChangeAspect="1"/>
+          </p:cNvPicPr>
+          <p:nvPr>
+            <p:ph idx="1"/>
+          </p:nvPr>
+        </p:nvPicPr>
+        <p:blipFill>
+          <a:blip r:embed="rId2">
+            <a:extLst>
+              <a:ext uri="{28A0092B-C50C-407E-A947-70E740481C1C}">
+                <a14:useLocalDpi xmlns:a14="http://schemas.microsoft.com/office/drawing/2010/main" val="0"/>
+              </a:ext>
+            </a:extLst>
+          </a:blip>
+          <a:stretch>
+            <a:fillRect/>
+          </a:stretch>
+        </p:blipFill>
+        <p:spPr>
+          <a:xfrm>
+            <a:off x="1554691" y="1600200"/>
+            <a:ext cx="6034617" cy="4525963"/>
+          </a:xfrm>
+        </p:spPr>
+      </p:pic>
+    </p:spTree>
+    <p:extLst>
+      <p:ext uri="{BB962C8B-B14F-4D97-AF65-F5344CB8AC3E}">
+        <p14:creationId xmlns:p14="http://schemas.microsoft.com/office/powerpoint/2010/main" val="2242646580"/>
+      </p:ext>
+    </p:extLst>
+  </p:cSld>
+  <p:clrMapOvr>
+    <a:masterClrMapping/>
+  </p:clrMapOvr>
+</p:sld>
+</file>
+
+<file path=ppt/slides/slide17.xml><?xml version="1.0" encoding="utf-8"?>
+<p:sld xmlns:a="http://schemas.openxmlformats.org/drawingml/2006/main" xmlns:r="http://schemas.openxmlformats.org/officeDocument/2006/relationships" xmlns:p="http://schemas.openxmlformats.org/presentationml/2006/main">
+  <p:cSld>
+    <p:spTree>
+      <p:nvGrpSpPr>
+        <p:cNvPr id="1" name=""/>
+        <p:cNvGrpSpPr/>
+        <p:nvPr/>
+      </p:nvGrpSpPr>
+      <p:grpSpPr>
+        <a:xfrm>
+          <a:off x="0" y="0"/>
+          <a:ext cx="0" cy="0"/>
+          <a:chOff x="0" y="0"/>
+          <a:chExt cx="0" cy="0"/>
+        </a:xfrm>
+      </p:grpSpPr>
+      <p:sp>
+        <p:nvSpPr>
+          <p:cNvPr id="2" name="Title 1"/>
+          <p:cNvSpPr>
+            <a:spLocks noGrp="1"/>
+          </p:cNvSpPr>
+          <p:nvPr>
+            <p:ph type="title"/>
+          </p:nvPr>
+        </p:nvSpPr>
+        <p:spPr/>
+        <p:txBody>
+          <a:bodyPr/>
+          <a:lstStyle/>
+          <a:p>
+            <a:endParaRPr lang="en-US" dirty="0"/>
+          </a:p>
+        </p:txBody>
+      </p:sp>
+      <p:sp>
+        <p:nvSpPr>
+          <p:cNvPr id="3" name="Content Placeholder 2"/>
+          <p:cNvSpPr>
+            <a:spLocks noGrp="1"/>
+          </p:cNvSpPr>
+          <p:nvPr>
+            <p:ph idx="1"/>
+          </p:nvPr>
+        </p:nvSpPr>
+        <p:spPr/>
+        <p:txBody>
+          <a:bodyPr/>
+          <a:lstStyle/>
+          <a:p>
+            <a:endParaRPr lang="en-US"/>
+          </a:p>
+        </p:txBody>
+      </p:sp>
+    </p:spTree>
+    <p:extLst>
+      <p:ext uri="{BB962C8B-B14F-4D97-AF65-F5344CB8AC3E}">
+        <p14:creationId xmlns:p14="http://schemas.microsoft.com/office/powerpoint/2010/main" val="3592143045"/>
+      </p:ext>
+    </p:extLst>
+  </p:cSld>
+  <p:clrMapOvr>
+    <a:masterClrMapping/>
+  </p:clrMapOvr>
+</p:sld>
+</file>
+
+<file path=ppt/slides/slide18.xml><?xml version="1.0" encoding="utf-8"?>
+<p:sld xmlns:a="http://schemas.openxmlformats.org/drawingml/2006/main" xmlns:r="http://schemas.openxmlformats.org/officeDocument/2006/relationships" xmlns:p="http://schemas.openxmlformats.org/presentationml/2006/main">
+  <p:cSld>
+    <p:spTree>
+      <p:nvGrpSpPr>
+        <p:cNvPr id="1" name=""/>
+        <p:cNvGrpSpPr/>
+        <p:nvPr/>
+      </p:nvGrpSpPr>
+      <p:grpSpPr>
+        <a:xfrm>
+          <a:off x="0" y="0"/>
+          <a:ext cx="0" cy="0"/>
+          <a:chOff x="0" y="0"/>
+          <a:chExt cx="0" cy="0"/>
+        </a:xfrm>
+      </p:grpSpPr>
+      <p:sp>
+        <p:nvSpPr>
           <p:cNvPr id="13" name="Rectangle 12"/>
           <p:cNvSpPr/>
           <p:nvPr/>
@@ -6606,15 +8090,7 @@
                   <a:schemeClr val="tx1"/>
                 </a:solidFill>
               </a:rPr>
-              <a:t>No</a:t>
-            </a:r>
-            <a:r>
-              <a:rPr lang="en-US" dirty="0" err="1" smtClean="0">
-                <a:solidFill>
-                  <a:schemeClr val="tx1"/>
-                </a:solidFill>
-              </a:rPr>
-              <a:t>FX</a:t>
+              <a:t>NoFX</a:t>
             </a:r>
             <a:r>
               <a:rPr lang="en-US" dirty="0" smtClean="0">
@@ -7006,7 +8482,15 @@
                   <a:schemeClr val="tx1"/>
                 </a:solidFill>
               </a:rPr>
-              <a:t>ernel summation, fast </a:t>
+              <a:t>ernel summation, fast pairwise </a:t>
+            </a:r>
+            <a:r>
+              <a:rPr lang="en-US" dirty="0">
+                <a:solidFill>
+                  <a:schemeClr val="tx1"/>
+                </a:solidFill>
+              </a:rPr>
+              <a:t>s</a:t>
             </a:r>
             <a:r>
               <a:rPr lang="en-US" dirty="0" smtClean="0">
@@ -7014,47 +8498,7 @@
                   <a:schemeClr val="tx1"/>
                 </a:solidFill>
               </a:rPr>
-              <a:t>p</a:t>
-            </a:r>
-            <a:r>
-              <a:rPr lang="en-US" dirty="0" smtClean="0">
-                <a:solidFill>
-                  <a:schemeClr val="tx1"/>
-                </a:solidFill>
-              </a:rPr>
-              <a:t>airwise </a:t>
-            </a:r>
-            <a:r>
-              <a:rPr lang="en-US" dirty="0">
-                <a:solidFill>
-                  <a:schemeClr val="tx1"/>
-                </a:solidFill>
-              </a:rPr>
-              <a:t>s</a:t>
-            </a:r>
-            <a:r>
-              <a:rPr lang="en-US" dirty="0" smtClean="0">
-                <a:solidFill>
-                  <a:schemeClr val="tx1"/>
-                </a:solidFill>
-              </a:rPr>
-              <a:t>tatistical </a:t>
-            </a:r>
-            <a:r>
-              <a:rPr lang="en-US" dirty="0" smtClean="0">
-                <a:solidFill>
-                  <a:schemeClr val="tx1"/>
-                </a:solidFill>
-              </a:rPr>
-              <a:t>p</a:t>
-            </a:r>
-            <a:r>
-              <a:rPr lang="en-US" dirty="0" smtClean="0">
-                <a:solidFill>
-                  <a:schemeClr val="tx1"/>
-                </a:solidFill>
-              </a:rPr>
-              <a:t>roblems, … </a:t>
+              <a:t>tatistical problems, … </a:t>
             </a:r>
             <a:endParaRPr lang="en-US" dirty="0">
               <a:solidFill>
@@ -7252,11 +8696,6 @@
               </a:rPr>
               <a:t>thers …</a:t>
             </a:r>
-            <a:endParaRPr lang="en-US" sz="2200" dirty="0" smtClean="0">
-              <a:solidFill>
-                <a:schemeClr val="tx1"/>
-              </a:solidFill>
-            </a:endParaRPr>
           </a:p>
         </p:txBody>
       </p:sp>
@@ -7653,11 +9092,6 @@
               </a:rPr>
               <a:t>&gt; </a:t>
             </a:r>
-            <a:endParaRPr lang="en-US" dirty="0" smtClean="0">
-              <a:solidFill>
-                <a:schemeClr val="tx1"/>
-              </a:solidFill>
-            </a:endParaRPr>
           </a:p>
           <a:p>
             <a:pPr marL="285750" indent="-285750">
@@ -7944,7 +9378,16 @@
                 </a:solidFill>
                 <a:latin typeface="Comic Sans MS" pitchFamily="66" charset="0"/>
               </a:rPr>
-              <a:t> is a fast </a:t>
+              <a:t> is a fast kernel for multiplication of matrices with </a:t>
+            </a:r>
+            <a:r>
+              <a:rPr lang="en-US" sz="2400" b="1" i="1" dirty="0" smtClean="0">
+                <a:solidFill>
+                  <a:prstClr val="black"/>
+                </a:solidFill>
+                <a:latin typeface="Comic Sans MS" pitchFamily="66" charset="0"/>
+              </a:rPr>
+              <a:t>decay &amp; locality. </a:t>
             </a:r>
             <a:r>
               <a:rPr lang="en-US" sz="2400" dirty="0" smtClean="0">
@@ -7953,7 +9396,16 @@
                 </a:solidFill>
                 <a:latin typeface="Comic Sans MS" pitchFamily="66" charset="0"/>
               </a:rPr>
-              <a:t>kernel for </a:t>
+              <a:t>Employs decorated </a:t>
+            </a:r>
+            <a:r>
+              <a:rPr lang="en-US" sz="2400" dirty="0" err="1" smtClean="0">
+                <a:solidFill>
+                  <a:prstClr val="black"/>
+                </a:solidFill>
+                <a:latin typeface="Comic Sans MS" pitchFamily="66" charset="0"/>
+              </a:rPr>
+              <a:t>quadtrees</a:t>
             </a:r>
             <a:r>
               <a:rPr lang="en-US" sz="2400" dirty="0" smtClean="0">
@@ -7962,88 +9414,7 @@
                 </a:solidFill>
                 <a:latin typeface="Comic Sans MS" pitchFamily="66" charset="0"/>
               </a:rPr>
-              <a:t>multiplication of matrices </a:t>
-            </a:r>
-            <a:r>
-              <a:rPr lang="en-US" sz="2400" dirty="0" smtClean="0">
-                <a:solidFill>
-                  <a:prstClr val="black"/>
-                </a:solidFill>
-                <a:latin typeface="Comic Sans MS" pitchFamily="66" charset="0"/>
-              </a:rPr>
-              <a:t>with </a:t>
-            </a:r>
-            <a:r>
-              <a:rPr lang="en-US" sz="2400" b="1" i="1" dirty="0" smtClean="0">
-                <a:solidFill>
-                  <a:prstClr val="black"/>
-                </a:solidFill>
-                <a:latin typeface="Comic Sans MS" pitchFamily="66" charset="0"/>
-              </a:rPr>
-              <a:t>decay </a:t>
-            </a:r>
-            <a:r>
-              <a:rPr lang="en-US" sz="2400" b="1" i="1" dirty="0" smtClean="0">
-                <a:solidFill>
-                  <a:prstClr val="black"/>
-                </a:solidFill>
-                <a:latin typeface="Comic Sans MS" pitchFamily="66" charset="0"/>
-              </a:rPr>
-              <a:t>&amp; locality. </a:t>
-            </a:r>
-            <a:r>
-              <a:rPr lang="en-US" sz="2400" dirty="0" smtClean="0">
-                <a:solidFill>
-                  <a:prstClr val="black"/>
-                </a:solidFill>
-                <a:latin typeface="Comic Sans MS" pitchFamily="66" charset="0"/>
-              </a:rPr>
-              <a:t>Employs decorated </a:t>
-            </a:r>
-            <a:r>
-              <a:rPr lang="en-US" sz="2400" dirty="0" err="1" smtClean="0">
-                <a:solidFill>
-                  <a:prstClr val="black"/>
-                </a:solidFill>
-                <a:latin typeface="Comic Sans MS" pitchFamily="66" charset="0"/>
-              </a:rPr>
-              <a:t>quadtrees</a:t>
-            </a:r>
-            <a:r>
-              <a:rPr lang="en-US" sz="2400" dirty="0" smtClean="0">
-                <a:solidFill>
-                  <a:prstClr val="black"/>
-                </a:solidFill>
-                <a:latin typeface="Comic Sans MS" pitchFamily="66" charset="0"/>
-              </a:rPr>
-              <a:t>, rigorous sub-multiplicative norms, recursive occlusion and </a:t>
-            </a:r>
-            <a:r>
-              <a:rPr lang="en-US" sz="2400" dirty="0" smtClean="0">
-                <a:solidFill>
-                  <a:prstClr val="black"/>
-                </a:solidFill>
-                <a:latin typeface="Comic Sans MS" pitchFamily="66" charset="0"/>
-              </a:rPr>
-              <a:t>culling in </a:t>
-            </a:r>
-            <a:r>
-              <a:rPr lang="en-US" sz="2400" dirty="0" smtClean="0">
-                <a:solidFill>
-                  <a:prstClr val="black"/>
-                </a:solidFill>
-                <a:latin typeface="Comic Sans MS" pitchFamily="66" charset="0"/>
-              </a:rPr>
-              <a:t>the product </a:t>
-            </a:r>
-            <a:r>
-              <a:rPr lang="en-US" sz="2400" dirty="0" smtClean="0">
-                <a:solidFill>
-                  <a:prstClr val="black"/>
-                </a:solidFill>
-                <a:latin typeface="Comic Sans MS" pitchFamily="66" charset="0"/>
-              </a:rPr>
-              <a:t>space (</a:t>
+              <a:t>, rigorous sub-multiplicative norms, recursive occlusion and culling in the product space (</a:t>
             </a:r>
             <a:r>
               <a:rPr lang="en-US" sz="2400" dirty="0" err="1" smtClean="0">
@@ -8137,59 +9508,20 @@
               <a:rPr lang="en-US" sz="2600" dirty="0" smtClean="0">
                 <a:latin typeface="Comic Sans MS" pitchFamily="66" charset="0"/>
               </a:rPr>
-              <a:t>Fast o</a:t>
+              <a:t>Fast occlusion </a:t>
+            </a:r>
+            <a:r>
+              <a:rPr lang="en-US" sz="2600" dirty="0">
+                <a:latin typeface="Comic Sans MS" pitchFamily="66" charset="0"/>
+              </a:rPr>
+              <a:t>and culling </a:t>
             </a:r>
             <a:r>
               <a:rPr lang="en-US" sz="2600" dirty="0" smtClean="0">
                 <a:latin typeface="Comic Sans MS" pitchFamily="66" charset="0"/>
               </a:rPr>
-              <a:t>cclusion </a:t>
-            </a:r>
-            <a:r>
-              <a:rPr lang="en-US" sz="2600" dirty="0">
-                <a:latin typeface="Comic Sans MS" pitchFamily="66" charset="0"/>
-              </a:rPr>
-              <a:t>and culling </a:t>
-            </a:r>
-            <a:r>
-              <a:rPr lang="en-US" sz="2600" dirty="0" smtClean="0">
-                <a:latin typeface="Comic Sans MS" pitchFamily="66" charset="0"/>
-              </a:rPr>
-              <a:t>in the </a:t>
-            </a:r>
-            <a:r>
-              <a:rPr lang="en-US" sz="2600" dirty="0" smtClean="0">
-                <a:latin typeface="Comic Sans MS" pitchFamily="66" charset="0"/>
-              </a:rPr>
-              <a:t>product </a:t>
-            </a:r>
-            <a:r>
-              <a:rPr lang="en-US" sz="2600" dirty="0" smtClean="0">
-                <a:latin typeface="Comic Sans MS" pitchFamily="66" charset="0"/>
-              </a:rPr>
-              <a:t>space for </a:t>
-            </a:r>
-            <a:r>
-              <a:rPr lang="en-US" sz="2600" dirty="0" smtClean="0">
-                <a:latin typeface="Comic Sans MS" pitchFamily="66" charset="0"/>
-              </a:rPr>
-              <a:t>matrices </a:t>
-            </a:r>
-            <a:r>
-              <a:rPr lang="en-US" sz="2600" dirty="0" smtClean="0">
-                <a:latin typeface="Comic Sans MS" pitchFamily="66" charset="0"/>
-              </a:rPr>
-              <a:t>with</a:t>
-            </a:r>
-            <a:r>
-              <a:rPr lang="en-US" sz="2600" dirty="0" smtClean="0">
-                <a:latin typeface="Comic Sans MS" pitchFamily="66" charset="0"/>
-              </a:rPr>
-              <a:t> </a:t>
-            </a:r>
-            <a:endParaRPr lang="en-US" sz="2600" dirty="0" smtClean="0">
-              <a:latin typeface="Comic Sans MS" pitchFamily="66" charset="0"/>
-            </a:endParaRPr>
+              <a:t>in the product space for matrices with </a:t>
+            </a:r>
           </a:p>
           <a:p>
             <a:r>
@@ -8315,16 +9647,7 @@
                 </a:solidFill>
                 <a:latin typeface="Comic Sans MS" pitchFamily="66" charset="0"/>
               </a:rPr>
-              <a:t>-Body Methods Exploit Locality </a:t>
-            </a:r>
-            <a:r>
-              <a:rPr lang="en-US" sz="2800" b="1" dirty="0" smtClean="0">
-                <a:solidFill>
-                  <a:prstClr val="black"/>
-                </a:solidFill>
-                <a:latin typeface="Comic Sans MS" pitchFamily="66" charset="0"/>
-              </a:rPr>
-              <a:t>Heuristics</a:t>
+              <a:t>-Body Methods Exploit Locality Heuristics</a:t>
             </a:r>
             <a:endParaRPr lang="en-US" sz="2800" b="1" dirty="0">
               <a:solidFill>
@@ -8811,34 +10134,7 @@
                 </a:solidFill>
                 <a:latin typeface="Comic Sans MS" pitchFamily="66" charset="0"/>
               </a:rPr>
-              <a:t> For Dense </a:t>
-            </a:r>
-            <a:r>
-              <a:rPr lang="en-US" sz="3600" b="1" dirty="0" smtClean="0">
-                <a:solidFill>
-                  <a:prstClr val="black"/>
-                </a:solidFill>
-                <a:latin typeface="Comic Sans MS" pitchFamily="66" charset="0"/>
-              </a:rPr>
-              <a:t>Matrices </a:t>
-            </a:r>
-            <a:r>
-              <a:rPr lang="en-US" sz="3600" b="1" dirty="0" smtClean="0">
-                <a:solidFill>
-                  <a:prstClr val="black"/>
-                </a:solidFill>
-                <a:latin typeface="Comic Sans MS" pitchFamily="66" charset="0"/>
-              </a:rPr>
-              <a:t>w/</a:t>
-            </a:r>
-            <a:r>
-              <a:rPr lang="en-US" sz="3600" b="1" dirty="0" smtClean="0">
-                <a:solidFill>
-                  <a:prstClr val="black"/>
-                </a:solidFill>
-                <a:latin typeface="Comic Sans MS" pitchFamily="66" charset="0"/>
-              </a:rPr>
-              <a:t>Decay</a:t>
+              <a:t> For Dense Matrices w/Decay</a:t>
             </a:r>
             <a:endParaRPr lang="en-US" sz="3600" b="1" dirty="0">
               <a:solidFill>
@@ -9009,25 +10305,7 @@
                 </a:solidFill>
                 <a:latin typeface="Comic Sans MS" pitchFamily="66" charset="0"/>
               </a:rPr>
-              <a:t>cost </a:t>
-            </a:r>
-            <a:r>
-              <a:rPr lang="en-US" sz="2400" b="1" i="1" dirty="0" smtClean="0">
-                <a:solidFill>
-                  <a:prstClr val="black"/>
-                </a:solidFill>
-                <a:latin typeface="Comic Sans MS" pitchFamily="66" charset="0"/>
-              </a:rPr>
-              <a:t>even </a:t>
-            </a:r>
-            <a:r>
-              <a:rPr lang="en-US" sz="2400" b="1" i="1" dirty="0" smtClean="0">
-                <a:solidFill>
-                  <a:prstClr val="black"/>
-                </a:solidFill>
-                <a:latin typeface="Comic Sans MS" pitchFamily="66" charset="0"/>
-              </a:rPr>
-              <a:t>for dense matrices</a:t>
+              <a:t>cost even for dense matrices</a:t>
             </a:r>
           </a:p>
           <a:p>
@@ -9086,7 +10364,25 @@
                 </a:solidFill>
                 <a:latin typeface="Comic Sans MS" pitchFamily="66" charset="0"/>
               </a:rPr>
-              <a:t> beats MKL SGEMM in </a:t>
+              <a:t> beats MKL SGEMM in error &amp; is </a:t>
+            </a:r>
+            <a:r>
+              <a:rPr lang="en-US" sz="2400" b="1" i="1" dirty="0" smtClean="0">
+                <a:solidFill>
+                  <a:prstClr val="black"/>
+                </a:solidFill>
+                <a:latin typeface="Comic Sans MS" pitchFamily="66" charset="0"/>
+              </a:rPr>
+              <a:t>O</a:t>
+            </a:r>
+            <a:r>
+              <a:rPr lang="en-US" sz="1000" b="1" i="1" dirty="0" smtClean="0">
+                <a:solidFill>
+                  <a:prstClr val="black"/>
+                </a:solidFill>
+                <a:latin typeface="Comic Sans MS" pitchFamily="66" charset="0"/>
+              </a:rPr>
+              <a:t> </a:t>
             </a:r>
             <a:r>
               <a:rPr lang="en-US" sz="2400" b="1" dirty="0" smtClean="0">
@@ -9095,7 +10391,7 @@
                 </a:solidFill>
                 <a:latin typeface="Comic Sans MS" pitchFamily="66" charset="0"/>
               </a:rPr>
-              <a:t>error &amp; is </a:t>
+              <a:t>(</a:t>
             </a:r>
             <a:r>
               <a:rPr lang="en-US" sz="2400" b="1" i="1" dirty="0" smtClean="0">
@@ -9104,7 +10400,7 @@
                 </a:solidFill>
                 <a:latin typeface="Comic Sans MS" pitchFamily="66" charset="0"/>
               </a:rPr>
-              <a:t>O</a:t>
+              <a:t>N</a:t>
             </a:r>
             <a:r>
               <a:rPr lang="en-US" sz="1000" b="1" i="1" dirty="0" smtClean="0">
@@ -9122,41 +10418,8 @@
                 </a:solidFill>
                 <a:latin typeface="Comic Sans MS" pitchFamily="66" charset="0"/>
               </a:rPr>
-              <a:t>(</a:t>
-            </a:r>
-            <a:r>
-              <a:rPr lang="en-US" sz="2400" b="1" i="1" dirty="0" smtClean="0">
-                <a:solidFill>
-                  <a:prstClr val="black"/>
-                </a:solidFill>
-                <a:latin typeface="Comic Sans MS" pitchFamily="66" charset="0"/>
-              </a:rPr>
-              <a:t>N</a:t>
-            </a:r>
-            <a:r>
-              <a:rPr lang="en-US" sz="1000" b="1" i="1" dirty="0" smtClean="0">
-                <a:solidFill>
-                  <a:prstClr val="black"/>
-                </a:solidFill>
-                <a:latin typeface="Comic Sans MS" pitchFamily="66" charset="0"/>
-              </a:rPr>
-              <a:t> </a:t>
-            </a:r>
-            <a:r>
-              <a:rPr lang="en-US" sz="2400" b="1" dirty="0" smtClean="0">
-                <a:solidFill>
-                  <a:prstClr val="black"/>
-                </a:solidFill>
-                <a:latin typeface="Comic Sans MS" pitchFamily="66" charset="0"/>
-              </a:rPr>
               <a:t>)</a:t>
             </a:r>
-            <a:endParaRPr lang="en-US" sz="2400" b="1" dirty="0" smtClean="0">
-              <a:solidFill>
-                <a:prstClr val="black"/>
-              </a:solidFill>
-              <a:latin typeface="Comic Sans MS" pitchFamily="66" charset="0"/>
-            </a:endParaRPr>
           </a:p>
           <a:p>
             <a:endParaRPr lang="en-US" sz="800" b="1" dirty="0" smtClean="0">
@@ -9338,14 +10601,7 @@
                 <a:latin typeface="Times New Roman" pitchFamily="18" charset="0"/>
                 <a:cs typeface="Times New Roman" pitchFamily="18" charset="0"/>
               </a:rPr>
-              <a:t>F</a:t>
-            </a:r>
-            <a:r>
-              <a:rPr lang="en-US" sz="2000" dirty="0">
-                <a:latin typeface="Times New Roman" pitchFamily="18" charset="0"/>
-                <a:cs typeface="Times New Roman" pitchFamily="18" charset="0"/>
-              </a:rPr>
-              <a:t>ield induced switching of conductance</a:t>
+              <a:t>Field induced switching of conductance</a:t>
             </a:r>
           </a:p>
           <a:p>
@@ -9392,10 +10648,6 @@
               </a:rPr>
               <a:t>Resistance Change Memory</a:t>
             </a:r>
-            <a:endParaRPr lang="en-US" sz="2000" dirty="0">
-              <a:latin typeface="Times New Roman" pitchFamily="18" charset="0"/>
-              <a:cs typeface="Times New Roman" pitchFamily="18" charset="0"/>
-            </a:endParaRPr>
           </a:p>
           <a:p>
             <a:pPr>
@@ -9586,14 +10838,7 @@
                 <a:latin typeface="Times New Roman" pitchFamily="18" charset="0"/>
                 <a:cs typeface="Times New Roman" pitchFamily="18" charset="0"/>
               </a:rPr>
-              <a:t>K</a:t>
-            </a:r>
-            <a:r>
-              <a:rPr lang="en-US" sz="2000" dirty="0">
-                <a:latin typeface="Times New Roman" pitchFamily="18" charset="0"/>
-                <a:cs typeface="Times New Roman" pitchFamily="18" charset="0"/>
-              </a:rPr>
-              <a:t>ernel compression for metallic </a:t>
+              <a:t>Kernel compression for metallic </a:t>
             </a:r>
           </a:p>
           <a:p>
@@ -10377,7 +11622,7 @@
         </p:nvSpPr>
         <p:spPr>
           <a:xfrm>
-            <a:off x="1447800" y="533400"/>
+            <a:off x="6424047" y="3267670"/>
             <a:ext cx="6072753" cy="923330"/>
           </a:xfrm>
           <a:prstGeom prst="rect">
@@ -10416,6 +11661,40 @@
               <a:t>Ask, what about approximations that make go faster?  algebras</a:t>
             </a:r>
             <a:endParaRPr lang="en-US" dirty="0"/>
+          </a:p>
+        </p:txBody>
+      </p:sp>
+      <p:sp>
+        <p:nvSpPr>
+          <p:cNvPr id="5" name="Title 1"/>
+          <p:cNvSpPr>
+            <a:spLocks noGrp="1"/>
+          </p:cNvSpPr>
+          <p:nvPr>
+            <p:ph type="title"/>
+          </p:nvPr>
+        </p:nvSpPr>
+        <p:spPr>
+          <a:xfrm>
+            <a:off x="381000" y="304800"/>
+            <a:ext cx="7772400" cy="685800"/>
+          </a:xfrm>
+        </p:spPr>
+        <p:txBody>
+          <a:bodyPr>
+            <a:normAutofit fontScale="90000"/>
+          </a:bodyPr>
+          <a:lstStyle/>
+          <a:p>
+            <a:r>
+              <a:rPr lang="en-US" sz="3200" b="1" dirty="0" smtClean="0"/>
+              <a:t>Scaled Newton Schulz with Ruggedized </a:t>
+            </a:r>
+            <a:r>
+              <a:rPr lang="en-US" sz="3200" b="1" dirty="0" err="1" smtClean="0"/>
+              <a:t>SpAMM</a:t>
+            </a:r>
+            <a:endParaRPr lang="en-US" sz="3200" b="1" dirty="0"/>
           </a:p>
         </p:txBody>
       </p:sp>

--- a/sandwitch_results_3_2015/spamm_big_picture.pptx
+++ b/sandwitch_results_3_2015/spamm_big_picture.pptx
@@ -5658,33 +5658,49 @@
         </p:nvSpPr>
         <p:spPr>
           <a:xfrm>
-            <a:off x="381000" y="685800"/>
-            <a:ext cx="8077200" cy="609600"/>
+            <a:off x="76200" y="228600"/>
+            <a:ext cx="9067800" cy="609600"/>
           </a:xfrm>
         </p:spPr>
         <p:txBody>
           <a:bodyPr>
-            <a:normAutofit fontScale="90000"/>
+            <a:normAutofit/>
           </a:bodyPr>
           <a:lstStyle/>
           <a:p>
             <a:r>
-              <a:rPr lang="en-US" sz="3200" b="1" smtClean="0"/>
-              <a:t>Nested </a:t>
-            </a:r>
-            <a:r>
-              <a:rPr lang="en-US" sz="3200" b="1" dirty="0" smtClean="0"/>
+              <a:rPr lang="en-US" sz="2800" b="1" dirty="0" smtClean="0">
+                <a:latin typeface="Comic Sans MS" pitchFamily="66" charset="0"/>
+              </a:rPr>
+              <a:t>Recursive</a:t>
+            </a:r>
+            <a:r>
+              <a:rPr lang="en-US" sz="2800" b="1" dirty="0" smtClean="0">
+                <a:latin typeface="Comic Sans MS" pitchFamily="66" charset="0"/>
+              </a:rPr>
+              <a:t> </a:t>
+            </a:r>
+            <a:r>
+              <a:rPr lang="en-US" sz="2800" b="1" dirty="0" smtClean="0">
+                <a:latin typeface="Comic Sans MS" pitchFamily="66" charset="0"/>
+              </a:rPr>
               <a:t>Preconditioning: The </a:t>
             </a:r>
             <a:r>
-              <a:rPr lang="en-US" sz="3200" b="1" dirty="0" err="1" smtClean="0"/>
+              <a:rPr lang="en-US" sz="2800" b="1" dirty="0" err="1" smtClean="0">
+                <a:latin typeface="Comic Sans MS" pitchFamily="66" charset="0"/>
+              </a:rPr>
               <a:t>SpAMM</a:t>
             </a:r>
             <a:r>
-              <a:rPr lang="en-US" sz="3200" b="1" dirty="0" smtClean="0"/>
+              <a:rPr lang="en-US" sz="2800" b="1" dirty="0" smtClean="0">
+                <a:latin typeface="Comic Sans MS" pitchFamily="66" charset="0"/>
+              </a:rPr>
               <a:t> Sandwich</a:t>
             </a:r>
-            <a:endParaRPr lang="en-US" sz="3200" b="1" dirty="0"/>
+            <a:endParaRPr lang="en-US" sz="2800" b="1" dirty="0">
+              <a:latin typeface="Comic Sans MS" pitchFamily="66" charset="0"/>
+            </a:endParaRPr>
           </a:p>
         </p:txBody>
       </p:sp>
@@ -5698,25 +5714,71 @@
             </p:nvSpPr>
             <p:spPr>
               <a:xfrm>
-                <a:off x="596137" y="2101960"/>
-                <a:ext cx="7938263" cy="4401205"/>
+                <a:off x="396240" y="2438400"/>
+                <a:ext cx="8366760" cy="4097404"/>
               </a:xfrm>
               <a:prstGeom prst="rect">
                 <a:avLst/>
               </a:prstGeom>
-              <a:noFill/>
+              <a:ln/>
             </p:spPr>
+            <p:style>
+              <a:lnRef idx="0">
+                <a:schemeClr val="accent4"/>
+              </a:lnRef>
+              <a:fillRef idx="3">
+                <a:schemeClr val="accent4"/>
+              </a:fillRef>
+              <a:effectRef idx="3">
+                <a:schemeClr val="accent4"/>
+              </a:effectRef>
+              <a:fontRef idx="minor">
+                <a:schemeClr val="lt1"/>
+              </a:fontRef>
+            </p:style>
             <p:txBody>
-              <a:bodyPr wrap="none" rtlCol="0">
+              <a:bodyPr wrap="square" rtlCol="0">
                 <a:spAutoFit/>
               </a:bodyPr>
               <a:lstStyle/>
               <a:p>
-                <a:endParaRPr lang="en-US" sz="2400" b="0" i="1" dirty="0" smtClean="0">
+                <a:pPr marL="274320">
+                  <a:spcBef>
+                    <a:spcPts val="600"/>
+                  </a:spcBef>
+                  <a:spcAft>
+                    <a:spcPts val="600"/>
+                  </a:spcAft>
+                </a:pPr>
+                <a:r>
+                  <a:rPr lang="en-US" sz="2200" u="sng" dirty="0"/>
+                  <a:t>n</a:t>
+                </a:r>
+                <a:r>
+                  <a:rPr lang="en-US" sz="2200" u="sng" dirty="0" smtClean="0"/>
+                  <a:t>ested NS </a:t>
+                </a:r>
+                <a:r>
+                  <a:rPr lang="en-US" sz="2200" u="sng" dirty="0" err="1" smtClean="0"/>
+                  <a:t>functionals</a:t>
+                </a:r>
+                <a:r>
+                  <a:rPr lang="en-US" sz="2200" u="sng" dirty="0" smtClean="0"/>
+                  <a:t>:</a:t>
+                </a:r>
+                <a:endParaRPr lang="en-US" sz="2200" i="1" dirty="0" smtClean="0">
                   <a:latin typeface="Cambria Math"/>
                 </a:endParaRPr>
               </a:p>
               <a:p>
+                <a:pPr marL="274320">
+                  <a:spcBef>
+                    <a:spcPts val="600"/>
+                  </a:spcBef>
+                  <a:spcAft>
+                    <a:spcPts val="600"/>
+                  </a:spcAft>
+                </a:pPr>
                 <a14:m>
                   <m:oMath xmlns:m="http://schemas.openxmlformats.org/officeDocument/2006/math">
                     <m:d>
@@ -5869,6 +5931,12 @@
                                 </m:ctrlPr>
                               </m:dPr>
                               <m:e>
+                                <m:r>
+                                  <a:rPr lang="en-US" sz="2400" b="0" i="1" smtClean="0">
+                                    <a:latin typeface="Cambria Math"/>
+                                  </a:rPr>
+                                  <m:t> </m:t>
+                                </m:r>
                                 <m:d>
                                   <m:dPr>
                                     <m:begChr m:val="{"/>
@@ -5942,6 +6010,12 @@
                                   <a:rPr lang="en-US" sz="2400" b="0" i="1" smtClean="0">
                                     <a:latin typeface="Cambria Math"/>
                                   </a:rPr>
+                                  <m:t> </m:t>
+                                </m:r>
+                                <m:r>
+                                  <a:rPr lang="en-US" sz="2400" b="0" i="1" smtClean="0">
+                                    <a:latin typeface="Cambria Math"/>
+                                  </a:rPr>
                                   <m:t>,  </m:t>
                                 </m:r>
                                 <m:sSub>
@@ -5958,7 +6032,7 @@
                                         <a:latin typeface="Cambria Math"/>
                                         <a:ea typeface="Cambria Math"/>
                                       </a:rPr>
-                                      <m:t>𝛿</m:t>
+                                      <m:t>𝜏</m:t>
                                     </m:r>
                                   </m:e>
                                   <m:sub>
@@ -6004,7 +6078,7 @@
                                     <a:latin typeface="Cambria Math"/>
                                     <a:ea typeface="Cambria Math"/>
                                   </a:rPr>
-                                  <m:t>𝛿</m:t>
+                                  <m:t>𝜏</m:t>
                                 </m:r>
                               </m:e>
                               <m:sub>
@@ -6052,7 +6126,7 @@
                                 <a:latin typeface="Cambria Math"/>
                                 <a:ea typeface="Cambria Math"/>
                               </a:rPr>
-                              <m:t>𝛿</m:t>
+                              <m:t>𝜏</m:t>
                             </m:r>
                           </m:e>
                           <m:sub>
@@ -6079,12 +6153,44 @@
                   <a:rPr lang="en-US" sz="2400" dirty="0" smtClean="0"/>
                   <a:t> </a:t>
                 </a:r>
+                <a:endParaRPr lang="en-US" sz="2400" dirty="0" smtClean="0"/>
               </a:p>
               <a:p>
-                <a:endParaRPr lang="en-US" sz="2400" dirty="0"/>
+                <a:pPr marL="274320">
+                  <a:spcBef>
+                    <a:spcPts val="600"/>
+                  </a:spcBef>
+                  <a:spcAft>
+                    <a:spcPts val="600"/>
+                  </a:spcAft>
+                </a:pPr>
+                <a:r>
+                  <a:rPr lang="en-US" sz="2200" u="sng" dirty="0"/>
+                  <a:t>r</a:t>
+                </a:r>
+                <a:r>
+                  <a:rPr lang="en-US" sz="2200" u="sng" dirty="0" smtClean="0"/>
+                  <a:t>esolution </a:t>
+                </a:r>
+                <a:r>
+                  <a:rPr lang="en-US" sz="2200" u="sng" dirty="0"/>
+                  <a:t>of the </a:t>
+                </a:r>
+                <a:r>
+                  <a:rPr lang="en-US" sz="2200" u="sng" dirty="0" smtClean="0"/>
+                  <a:t>identity:</a:t>
+                </a:r>
+                <a:endParaRPr lang="en-US" sz="2200" dirty="0"/>
               </a:p>
               <a:p>
-                <a:pPr/>
+                <a:pPr marL="274320">
+                  <a:spcBef>
+                    <a:spcPts val="600"/>
+                  </a:spcBef>
+                  <a:spcAft>
+                    <a:spcPts val="600"/>
+                  </a:spcAft>
+                </a:pPr>
                 <a14:m>
                   <m:oMathPara xmlns:m="http://schemas.openxmlformats.org/officeDocument/2006/math">
                     <m:oMathParaPr>
@@ -6478,17 +6584,40 @@
                     </m:oMath>
                   </m:oMathPara>
                 </a14:m>
-                <a:endParaRPr lang="en-US" sz="2800" b="1" i="1" dirty="0" smtClean="0">
-                  <a:latin typeface="Cambria Math"/>
-                </a:endParaRPr>
-              </a:p>
-              <a:p>
                 <a:endParaRPr lang="en-US" sz="2400" i="1" dirty="0" smtClean="0">
                   <a:latin typeface="Cambria Math"/>
                 </a:endParaRPr>
               </a:p>
               <a:p>
-                <a:pPr/>
+                <a:pPr marL="274320">
+                  <a:spcBef>
+                    <a:spcPts val="600"/>
+                  </a:spcBef>
+                  <a:spcAft>
+                    <a:spcPts val="600"/>
+                  </a:spcAft>
+                </a:pPr>
+                <a:r>
+                  <a:rPr lang="en-US" sz="2200" u="sng" dirty="0"/>
+                  <a:t>s</a:t>
+                </a:r>
+                <a:r>
+                  <a:rPr lang="en-US" sz="2200" u="sng" dirty="0" smtClean="0"/>
+                  <a:t>andwich form of the factor:</a:t>
+                </a:r>
+                <a:endParaRPr lang="en-US" sz="2200" i="1" dirty="0" smtClean="0">
+                  <a:latin typeface="Cambria Math"/>
+                </a:endParaRPr>
+              </a:p>
+              <a:p>
+                <a:pPr marL="274320">
+                  <a:spcBef>
+                    <a:spcPts val="600"/>
+                  </a:spcBef>
+                  <a:spcAft>
+                    <a:spcPts val="600"/>
+                  </a:spcAft>
+                </a:pPr>
                 <a14:m>
                   <m:oMathPara xmlns:m="http://schemas.openxmlformats.org/officeDocument/2006/math">
                     <m:oMathParaPr>
@@ -6777,258 +6906,165 @@
                     </m:oMath>
                   </m:oMathPara>
                 </a14:m>
-                <a:endParaRPr lang="en-US" sz="2800" dirty="0" smtClean="0"/>
+                <a:endParaRPr lang="en-US" sz="2800" b="0" i="1" dirty="0" smtClean="0">
+                  <a:latin typeface="Cambria Math"/>
+                  <a:ea typeface="Cambria Math"/>
+                </a:endParaRPr>
               </a:p>
               <a:p>
-                <a:pPr/>
-                <a:endParaRPr lang="en-US" sz="2800" dirty="0"/>
+                <a:pPr marL="274320">
+                  <a:spcBef>
+                    <a:spcPts val="600"/>
+                  </a:spcBef>
+                  <a:spcAft>
+                    <a:spcPts val="600"/>
+                  </a:spcAft>
+                </a:pPr>
+                <a:r>
+                  <a:rPr lang="en-US" sz="2200" u="sng" dirty="0"/>
+                  <a:t>a</a:t>
+                </a:r>
+                <a:r>
+                  <a:rPr lang="en-US" sz="2200" u="sng" dirty="0" smtClean="0"/>
+                  <a:t>t each layer, the error:</a:t>
+                </a:r>
+                <a:endParaRPr lang="en-US" sz="2200" i="1" dirty="0" smtClean="0">
+                  <a:latin typeface="Cambria Math"/>
+                </a:endParaRPr>
               </a:p>
               <a:p>
-                <a:pPr/>
+                <a:pPr marL="274320">
+                  <a:spcBef>
+                    <a:spcPts val="600"/>
+                  </a:spcBef>
+                  <a:spcAft>
+                    <a:spcPts val="600"/>
+                  </a:spcAft>
+                </a:pPr>
                 <a14:m>
-                  <m:oMathPara xmlns:m="http://schemas.openxmlformats.org/officeDocument/2006/math">
-                    <m:oMathParaPr>
-                      <m:jc m:val="left"/>
-                    </m:oMathParaPr>
-                    <m:oMath xmlns:m="http://schemas.openxmlformats.org/officeDocument/2006/math">
-                      <m:r>
-                        <a:rPr lang="en-US" sz="2800" i="1" smtClean="0">
-                          <a:latin typeface="Cambria Math"/>
-                          <a:ea typeface="Cambria Math"/>
-                        </a:rPr>
-                        <m:t>𝜖</m:t>
-                      </m:r>
-                      <m:d>
-                        <m:dPr>
-                          <m:ctrlPr>
-                            <a:rPr lang="en-US" sz="2800" i="1" smtClean="0">
-                              <a:latin typeface="Cambria Math"/>
-                              <a:ea typeface="Cambria Math"/>
-                            </a:rPr>
-                          </m:ctrlPr>
-                        </m:dPr>
-                        <m:e>
-                          <m:sSub>
-                            <m:sSubPr>
-                              <m:ctrlPr>
-                                <a:rPr lang="en-US" sz="2800" i="1">
-                                  <a:latin typeface="Cambria Math"/>
-                                </a:rPr>
-                              </m:ctrlPr>
-                            </m:sSubPr>
-                            <m:e>
-                              <m:r>
-                                <a:rPr lang="en-US" sz="2800" i="1">
-                                  <a:latin typeface="Cambria Math"/>
-                                  <a:ea typeface="Cambria Math"/>
-                                </a:rPr>
-                                <m:t>𝛿</m:t>
-                              </m:r>
-                            </m:e>
-                            <m:sub>
-                              <m:r>
-                                <a:rPr lang="en-US" sz="2800" i="1">
-                                  <a:latin typeface="Cambria Math"/>
-                                </a:rPr>
-                                <m:t>0</m:t>
-                              </m:r>
-                            </m:sub>
-                          </m:sSub>
-                          <m:r>
-                            <a:rPr lang="en-US" sz="2800" b="0" i="1" smtClean="0">
-                              <a:latin typeface="Cambria Math"/>
-                            </a:rPr>
-                            <m:t>, </m:t>
-                          </m:r>
-                          <m:r>
-                            <a:rPr lang="en-US" sz="2800" b="0" i="1" smtClean="0">
-                              <a:latin typeface="Cambria Math"/>
-                              <a:ea typeface="Cambria Math"/>
-                            </a:rPr>
-                            <m:t>⋯,</m:t>
-                          </m:r>
-                          <m:sSub>
-                            <m:sSubPr>
-                              <m:ctrlPr>
-                                <a:rPr lang="en-US" sz="2800" i="1">
-                                  <a:latin typeface="Cambria Math"/>
-                                </a:rPr>
-                              </m:ctrlPr>
-                            </m:sSubPr>
-                            <m:e>
-                              <m:r>
-                                <a:rPr lang="en-US" sz="2800" i="1">
-                                  <a:latin typeface="Cambria Math"/>
-                                </a:rPr>
-                                <m:t> </m:t>
-                              </m:r>
-                              <m:r>
-                                <a:rPr lang="en-US" sz="2800" i="1">
-                                  <a:latin typeface="Cambria Math"/>
-                                  <a:ea typeface="Cambria Math"/>
-                                </a:rPr>
-                                <m:t>𝛿</m:t>
-                              </m:r>
-                            </m:e>
-                            <m:sub>
-                              <m:r>
-                                <a:rPr lang="en-US" sz="2800" i="1">
-                                  <a:latin typeface="Cambria Math"/>
-                                  <a:ea typeface="Cambria Math"/>
-                                </a:rPr>
-                                <m:t>𝑚</m:t>
-                              </m:r>
-                              <m:r>
-                                <a:rPr lang="en-US" sz="2800" i="1">
-                                  <a:latin typeface="Cambria Math"/>
-                                  <a:ea typeface="Cambria Math"/>
-                                </a:rPr>
-                                <m:t>−1</m:t>
-                              </m:r>
-                            </m:sub>
-                          </m:sSub>
-                          <m:r>
-                            <a:rPr lang="en-US" sz="2800" b="0" i="1" smtClean="0">
-                              <a:latin typeface="Cambria Math"/>
-                              <a:ea typeface="Cambria Math"/>
-                            </a:rPr>
-                            <m:t>,</m:t>
-                          </m:r>
-                          <m:sSub>
-                            <m:sSubPr>
-                              <m:ctrlPr>
-                                <a:rPr lang="en-US" sz="2800" i="1">
-                                  <a:latin typeface="Cambria Math"/>
-                                </a:rPr>
-                              </m:ctrlPr>
-                            </m:sSubPr>
-                            <m:e>
-                              <m:r>
-                                <a:rPr lang="en-US" sz="2800" i="1">
-                                  <a:latin typeface="Cambria Math"/>
-                                </a:rPr>
-                                <m:t> </m:t>
-                              </m:r>
-                              <m:r>
-                                <a:rPr lang="en-US" sz="2800" i="1">
-                                  <a:latin typeface="Cambria Math"/>
-                                  <a:ea typeface="Cambria Math"/>
-                                </a:rPr>
-                                <m:t>𝛿</m:t>
-                              </m:r>
-                            </m:e>
-                            <m:sub>
-                              <m:r>
-                                <a:rPr lang="en-US" sz="2800" i="1">
-                                  <a:latin typeface="Cambria Math"/>
-                                  <a:ea typeface="Cambria Math"/>
-                                </a:rPr>
-                                <m:t>𝑚</m:t>
-                              </m:r>
-                              <m:r>
-                                <a:rPr lang="en-US" sz="2800" i="1">
-                                  <a:latin typeface="Cambria Math"/>
-                                  <a:ea typeface="Cambria Math"/>
-                                </a:rPr>
-                                <m:t>−1</m:t>
-                              </m:r>
-                            </m:sub>
-                          </m:sSub>
-                        </m:e>
-                      </m:d>
-                      <m:r>
-                        <a:rPr lang="en-US" sz="2800" b="0" i="1" smtClean="0">
-                          <a:latin typeface="Cambria Math"/>
-                          <a:ea typeface="Cambria Math"/>
-                        </a:rPr>
-                        <m:t>=</m:t>
-                      </m:r>
-                      <m:d>
-                        <m:dPr>
-                          <m:begChr m:val="‖"/>
-                          <m:endChr m:val="‖"/>
-                          <m:ctrlPr>
-                            <a:rPr lang="en-US" sz="2800" b="0" i="1" smtClean="0">
-                              <a:latin typeface="Cambria Math"/>
-                              <a:ea typeface="Cambria Math"/>
-                            </a:rPr>
-                          </m:ctrlPr>
-                        </m:dPr>
-                        <m:e>
-                          <m:r>
-                            <a:rPr lang="en-US" sz="2800" b="0" i="1" smtClean="0">
-                              <a:latin typeface="Cambria Math"/>
-                              <a:ea typeface="Cambria Math"/>
-                            </a:rPr>
-                            <m:t> </m:t>
-                          </m:r>
-                          <m:sSub>
-                            <m:sSubPr>
-                              <m:ctrlPr>
-                                <a:rPr lang="en-US" sz="2800" b="1" i="1">
-                                  <a:latin typeface="Cambria Math"/>
-                                </a:rPr>
-                              </m:ctrlPr>
-                            </m:sSubPr>
-                            <m:e>
-                              <m:r>
-                                <a:rPr lang="en-US" sz="2800" b="1" i="1">
-                                  <a:latin typeface="Cambria Math"/>
-                                </a:rPr>
-                                <m:t>𝒙</m:t>
-                              </m:r>
-                            </m:e>
-                            <m:sub>
-                              <m:r>
-                                <a:rPr lang="en-US" sz="2800" i="1">
-                                  <a:latin typeface="Cambria Math"/>
-                                </a:rPr>
-                                <m:t>𝑚</m:t>
-                              </m:r>
-                            </m:sub>
-                          </m:sSub>
-                          <m:r>
-                            <a:rPr lang="en-US" sz="2800" b="0" i="1" smtClean="0">
-                              <a:latin typeface="Cambria Math"/>
-                            </a:rPr>
-                            <m:t>−</m:t>
-                          </m:r>
-                          <m:r>
-                            <a:rPr lang="en-US" sz="2800" b="1" i="1">
-                              <a:latin typeface="Cambria Math"/>
-                            </a:rPr>
-                            <m:t>𝑰</m:t>
-                          </m:r>
-                          <m:r>
-                            <m:rPr>
-                              <m:nor/>
-                            </m:rPr>
-                            <a:rPr lang="en-US" sz="2800" b="1" i="1" dirty="0">
-                              <a:latin typeface="Cambria Math"/>
-                            </a:rPr>
-                            <m:t> </m:t>
-                          </m:r>
-                        </m:e>
-                      </m:d>
-                      <m:r>
-                        <a:rPr lang="en-US" sz="2800" b="0" i="1" smtClean="0">
-                          <a:latin typeface="Cambria Math"/>
-                          <a:ea typeface="Cambria Math"/>
-                        </a:rPr>
-                        <m:t>  </m:t>
-                      </m:r>
-                    </m:oMath>
-                  </m:oMathPara>
+                  <m:oMath xmlns:m="http://schemas.openxmlformats.org/officeDocument/2006/math">
+                    <m:sSub>
+                      <m:sSubPr>
+                        <m:ctrlPr>
+                          <a:rPr lang="en-US" sz="2800" b="0" i="1" smtClean="0">
+                            <a:latin typeface="Cambria Math"/>
+                            <a:ea typeface="Cambria Math"/>
+                          </a:rPr>
+                        </m:ctrlPr>
+                      </m:sSubPr>
+                      <m:e>
+                        <m:r>
+                          <a:rPr lang="en-US" sz="2800" b="0" i="1" smtClean="0">
+                            <a:latin typeface="Cambria Math"/>
+                            <a:ea typeface="Cambria Math"/>
+                          </a:rPr>
+                          <m:t>𝜀</m:t>
+                        </m:r>
+                      </m:e>
+                      <m:sub>
+                        <m:r>
+                          <a:rPr lang="en-US" sz="2800" b="0" i="1" smtClean="0">
+                            <a:latin typeface="Cambria Math"/>
+                            <a:ea typeface="Cambria Math"/>
+                          </a:rPr>
+                          <m:t>𝑗</m:t>
+                        </m:r>
+                      </m:sub>
+                    </m:sSub>
+                    <m:r>
+                      <a:rPr lang="en-US" sz="2800" b="0" i="1" smtClean="0">
+                        <a:latin typeface="Cambria Math"/>
+                        <a:ea typeface="Cambria Math"/>
+                      </a:rPr>
+                      <m:t>=</m:t>
+                    </m:r>
+                    <m:f>
+                      <m:fPr>
+                        <m:type m:val="lin"/>
+                        <m:ctrlPr>
+                          <a:rPr lang="en-US" sz="2800" b="0" i="1" smtClean="0">
+                            <a:latin typeface="Cambria Math"/>
+                            <a:ea typeface="Cambria Math"/>
+                          </a:rPr>
+                        </m:ctrlPr>
+                      </m:fPr>
+                      <m:num>
+                        <m:d>
+                          <m:dPr>
+                            <m:begChr m:val="|"/>
+                            <m:endChr m:val="|"/>
+                            <m:ctrlPr>
+                              <a:rPr lang="en-US" sz="2800" i="1">
+                                <a:latin typeface="Cambria Math"/>
+                                <a:ea typeface="Cambria Math"/>
+                              </a:rPr>
+                            </m:ctrlPr>
+                          </m:dPr>
+                          <m:e>
+                            <m:r>
+                              <a:rPr lang="en-US" sz="2800" i="1">
+                                <a:latin typeface="Cambria Math"/>
+                                <a:ea typeface="Cambria Math"/>
+                              </a:rPr>
+                              <m:t>𝑡𝑟</m:t>
+                            </m:r>
+                            <m:sSub>
+                              <m:sSubPr>
+                                <m:ctrlPr>
+                                  <a:rPr lang="en-US" sz="2800" i="1" smtClean="0">
+                                    <a:latin typeface="Cambria Math"/>
+                                    <a:ea typeface="Cambria Math"/>
+                                  </a:rPr>
+                                </m:ctrlPr>
+                              </m:sSubPr>
+                              <m:e>
+                                <m:r>
+                                  <a:rPr lang="en-US" sz="2800" b="1" i="1" smtClean="0">
+                                    <a:latin typeface="Cambria Math"/>
+                                    <a:ea typeface="Cambria Math"/>
+                                  </a:rPr>
+                                  <m:t>𝒙</m:t>
+                                </m:r>
+                              </m:e>
+                              <m:sub>
+                                <m:r>
+                                  <a:rPr lang="en-US" sz="2800" b="0" i="1" smtClean="0">
+                                    <a:latin typeface="Cambria Math"/>
+                                    <a:ea typeface="Cambria Math"/>
+                                  </a:rPr>
+                                  <m:t>𝑗</m:t>
+                                </m:r>
+                              </m:sub>
+                            </m:sSub>
+                            <m:r>
+                              <a:rPr lang="en-US" sz="2800" i="1">
+                                <a:latin typeface="Cambria Math"/>
+                                <a:ea typeface="Cambria Math"/>
+                              </a:rPr>
+                              <m:t>−</m:t>
+                            </m:r>
+                            <m:r>
+                              <a:rPr lang="en-US" sz="2800" b="0" i="1" smtClean="0">
+                                <a:latin typeface="Cambria Math"/>
+                                <a:ea typeface="Cambria Math"/>
+                              </a:rPr>
+                              <m:t>𝑛</m:t>
+                            </m:r>
+                          </m:e>
+                        </m:d>
+                      </m:num>
+                      <m:den>
+                        <m:r>
+                          <a:rPr lang="en-US" sz="2800" b="0" i="1" smtClean="0">
+                            <a:latin typeface="Cambria Math"/>
+                            <a:ea typeface="Cambria Math"/>
+                          </a:rPr>
+                          <m:t>𝑛</m:t>
+                        </m:r>
+                      </m:den>
+                    </m:f>
+                  </m:oMath>
                 </a14:m>
-                <a:endParaRPr lang="en-US" sz="2800" dirty="0" smtClean="0"/>
-              </a:p>
-              <a:p>
-                <a:endParaRPr lang="en-US" sz="2400" dirty="0" smtClean="0"/>
-              </a:p>
-              <a:p>
-                <a:endParaRPr lang="en-US" sz="2400" dirty="0"/>
-              </a:p>
-              <a:p>
                 <a:r>
                   <a:rPr lang="en-US" sz="2400" dirty="0" smtClean="0"/>
                   <a:t> </a:t>
@@ -7055,8 +7091,8 @@
             </p:nvSpPr>
             <p:spPr>
               <a:xfrm>
-                <a:off x="596137" y="2101960"/>
-                <a:ext cx="7938263" cy="4401205"/>
+                <a:off x="396240" y="2438400"/>
+                <a:ext cx="8366760" cy="4097404"/>
               </a:xfrm>
               <a:prstGeom prst="rect">
                 <a:avLst/>
@@ -7065,6 +7101,351 @@
                 <a:blip r:embed="rId2"/>
                 <a:stretch>
                   <a:fillRect/>
+                </a:stretch>
+              </a:blipFill>
+              <a:ln/>
+            </p:spPr>
+            <p:txBody>
+              <a:bodyPr/>
+              <a:lstStyle/>
+              <a:p>
+                <a:r>
+                  <a:rPr lang="en-US">
+                    <a:noFill/>
+                  </a:rPr>
+                  <a:t> </a:t>
+                </a:r>
+              </a:p>
+            </p:txBody>
+          </p:sp>
+        </mc:Fallback>
+      </mc:AlternateContent>
+      <p:pic>
+        <p:nvPicPr>
+          <p:cNvPr id="6" name="Picture 5"/>
+          <p:cNvPicPr>
+            <a:picLocks noChangeAspect="1"/>
+          </p:cNvPicPr>
+          <p:nvPr/>
+        </p:nvPicPr>
+        <p:blipFill rotWithShape="1">
+          <a:blip r:embed="rId3" cstate="print">
+            <a:extLst>
+              <a:ext uri="{28A0092B-C50C-407E-A947-70E740481C1C}">
+                <a14:useLocalDpi xmlns:a14="http://schemas.microsoft.com/office/drawing/2010/main" val="0"/>
+              </a:ext>
+            </a:extLst>
+          </a:blip>
+          <a:srcRect t="-1927" r="10968" b="3556"/>
+          <a:stretch/>
+        </p:blipFill>
+        <p:spPr>
+          <a:xfrm>
+            <a:off x="396240" y="914400"/>
+            <a:ext cx="822960" cy="1050719"/>
+          </a:xfrm>
+          <a:prstGeom prst="rect">
+            <a:avLst/>
+          </a:prstGeom>
+        </p:spPr>
+      </p:pic>
+      <mc:AlternateContent xmlns:mc="http://schemas.openxmlformats.org/markup-compatibility/2006">
+        <mc:Choice xmlns:a14="http://schemas.microsoft.com/office/drawing/2010/main" Requires="a14">
+          <p:sp>
+            <p:nvSpPr>
+              <p:cNvPr id="7" name="TextBox 6"/>
+              <p:cNvSpPr txBox="1"/>
+              <p:nvPr/>
+            </p:nvSpPr>
+            <p:spPr>
+              <a:xfrm>
+                <a:off x="1244600" y="731520"/>
+                <a:ext cx="7366000" cy="1723549"/>
+              </a:xfrm>
+              <a:prstGeom prst="rect">
+                <a:avLst/>
+              </a:prstGeom>
+              <a:noFill/>
+            </p:spPr>
+            <p:txBody>
+              <a:bodyPr wrap="square" rtlCol="0">
+                <a:spAutoFit/>
+              </a:bodyPr>
+              <a:lstStyle/>
+              <a:p>
+                <a:pPr marL="342900" indent="-342900">
+                  <a:spcBef>
+                    <a:spcPts val="600"/>
+                  </a:spcBef>
+                  <a:spcAft>
+                    <a:spcPts val="600"/>
+                  </a:spcAft>
+                  <a:buFont typeface="Arial" pitchFamily="34" charset="0"/>
+                  <a:buChar char="•"/>
+                </a:pPr>
+                <a:r>
+                  <a:rPr lang="en-US" sz="2400" dirty="0" smtClean="0"/>
+                  <a:t>Nest Newton </a:t>
+                </a:r>
+                <a:r>
+                  <a:rPr lang="en-US" sz="2400" dirty="0" err="1" smtClean="0"/>
+                  <a:t>Shulz</a:t>
+                </a:r>
+                <a:r>
+                  <a:rPr lang="en-US" sz="2400" dirty="0" smtClean="0"/>
+                  <a:t> </a:t>
+                </a:r>
+                <a:r>
+                  <a:rPr lang="en-US" sz="2400" dirty="0" err="1" smtClean="0"/>
+                  <a:t>functionals</a:t>
+                </a:r>
+                <a:r>
+                  <a:rPr lang="en-US" sz="2400" dirty="0" smtClean="0"/>
+                  <a:t>,  </a:t>
+                </a:r>
+                <a14:m>
+                  <m:oMath xmlns:m="http://schemas.openxmlformats.org/officeDocument/2006/math">
+                    <m:r>
+                      <a:rPr lang="en-US" sz="2400" i="1" dirty="0" smtClean="0">
+                        <a:latin typeface="Cambria Math"/>
+                      </a:rPr>
+                      <m:t>𝑁𝑆</m:t>
+                    </m:r>
+                    <m:d>
+                      <m:dPr>
+                        <m:begChr m:val="["/>
+                        <m:endChr m:val="]"/>
+                        <m:ctrlPr>
+                          <a:rPr lang="en-US" sz="2400" i="1" dirty="0" smtClean="0">
+                            <a:latin typeface="Cambria Math"/>
+                            <a:ea typeface="Cambria Math"/>
+                          </a:rPr>
+                        </m:ctrlPr>
+                      </m:dPr>
+                      <m:e>
+                        <m:r>
+                          <a:rPr lang="en-US" sz="2400" i="1" dirty="0" smtClean="0">
+                            <a:latin typeface="Cambria Math"/>
+                            <a:ea typeface="Cambria Math"/>
+                          </a:rPr>
+                          <m:t>∙</m:t>
+                        </m:r>
+                      </m:e>
+                    </m:d>
+                    <m:r>
+                      <a:rPr lang="en-US" sz="2400" b="0" i="0" dirty="0" smtClean="0">
+                        <a:latin typeface="Cambria Math"/>
+                        <a:ea typeface="Cambria Math"/>
+                      </a:rPr>
+                      <m:t> </m:t>
+                    </m:r>
+                  </m:oMath>
+                </a14:m>
+                <a:r>
+                  <a:rPr lang="en-US" sz="2400" dirty="0" smtClean="0"/>
+                  <a:t>, with increasing </a:t>
+                </a:r>
+                <a:r>
+                  <a:rPr lang="en-US" sz="2400" dirty="0" err="1" smtClean="0"/>
+                  <a:t>SpAMM</a:t>
+                </a:r>
+                <a:r>
+                  <a:rPr lang="en-US" sz="2400" dirty="0" smtClean="0"/>
+                  <a:t> resolution,  </a:t>
+                </a:r>
+                <a14:m>
+                  <m:oMath xmlns:m="http://schemas.openxmlformats.org/officeDocument/2006/math">
+                    <m:sSub>
+                      <m:sSubPr>
+                        <m:ctrlPr>
+                          <a:rPr lang="en-US" sz="2400" i="1" smtClean="0">
+                            <a:latin typeface="Cambria Math"/>
+                          </a:rPr>
+                        </m:ctrlPr>
+                      </m:sSubPr>
+                      <m:e>
+                        <m:r>
+                          <a:rPr lang="en-US" sz="2400" i="1" smtClean="0">
+                            <a:latin typeface="Cambria Math"/>
+                            <a:ea typeface="Cambria Math"/>
+                          </a:rPr>
+                          <m:t>𝜏</m:t>
+                        </m:r>
+                      </m:e>
+                      <m:sub>
+                        <m:r>
+                          <a:rPr lang="en-US" sz="2400" b="0" i="1" smtClean="0">
+                            <a:latin typeface="Cambria Math"/>
+                          </a:rPr>
+                          <m:t>𝑚</m:t>
+                        </m:r>
+                        <m:r>
+                          <a:rPr lang="en-US" sz="2400" b="0" i="1" smtClean="0">
+                            <a:latin typeface="Cambria Math"/>
+                          </a:rPr>
+                          <m:t> </m:t>
+                        </m:r>
+                      </m:sub>
+                    </m:sSub>
+                    <m:r>
+                      <a:rPr lang="en-US" sz="2400" i="1" smtClean="0">
+                        <a:latin typeface="Cambria Math"/>
+                        <a:ea typeface="Cambria Math"/>
+                      </a:rPr>
+                      <m:t>&lt;</m:t>
+                    </m:r>
+                    <m:sSub>
+                      <m:sSubPr>
+                        <m:ctrlPr>
+                          <a:rPr lang="en-US" sz="2400" i="1">
+                            <a:latin typeface="Cambria Math"/>
+                          </a:rPr>
+                        </m:ctrlPr>
+                      </m:sSubPr>
+                      <m:e>
+                        <m:r>
+                          <a:rPr lang="en-US" sz="2400" i="1">
+                            <a:latin typeface="Cambria Math"/>
+                            <a:ea typeface="Cambria Math"/>
+                          </a:rPr>
+                          <m:t>𝜏</m:t>
+                        </m:r>
+                      </m:e>
+                      <m:sub>
+                        <m:r>
+                          <a:rPr lang="en-US" sz="2400" i="1">
+                            <a:latin typeface="Cambria Math"/>
+                          </a:rPr>
+                          <m:t>𝑚</m:t>
+                        </m:r>
+                        <m:r>
+                          <a:rPr lang="en-US" sz="2400" b="0" i="1" smtClean="0">
+                            <a:latin typeface="Cambria Math"/>
+                          </a:rPr>
+                          <m:t>−1</m:t>
+                        </m:r>
+                        <m:r>
+                          <a:rPr lang="en-US" sz="2400" i="1">
+                            <a:latin typeface="Cambria Math"/>
+                          </a:rPr>
+                          <m:t> </m:t>
+                        </m:r>
+                      </m:sub>
+                    </m:sSub>
+                    <m:r>
+                      <a:rPr lang="en-US" sz="2400" i="1" smtClean="0">
+                        <a:latin typeface="Cambria Math"/>
+                        <a:ea typeface="Cambria Math"/>
+                      </a:rPr>
+                      <m:t>&lt;</m:t>
+                    </m:r>
+                    <m:r>
+                      <a:rPr lang="en-US" sz="2400" b="0" i="1" smtClean="0">
+                        <a:latin typeface="Cambria Math"/>
+                        <a:ea typeface="Cambria Math"/>
+                      </a:rPr>
+                      <m:t> ⋯ &lt; </m:t>
+                    </m:r>
+                    <m:sSub>
+                      <m:sSubPr>
+                        <m:ctrlPr>
+                          <a:rPr lang="en-US" sz="2400" i="1">
+                            <a:latin typeface="Cambria Math"/>
+                          </a:rPr>
+                        </m:ctrlPr>
+                      </m:sSubPr>
+                      <m:e>
+                        <m:r>
+                          <a:rPr lang="en-US" sz="2400" i="1">
+                            <a:latin typeface="Cambria Math"/>
+                            <a:ea typeface="Cambria Math"/>
+                          </a:rPr>
+                          <m:t>𝜏</m:t>
+                        </m:r>
+                      </m:e>
+                      <m:sub>
+                        <m:r>
+                          <a:rPr lang="en-US" sz="2400" b="0" i="1" smtClean="0">
+                            <a:latin typeface="Cambria Math"/>
+                            <a:ea typeface="Cambria Math"/>
+                          </a:rPr>
+                          <m:t>0</m:t>
+                        </m:r>
+                      </m:sub>
+                    </m:sSub>
+                  </m:oMath>
+                </a14:m>
+                <a:r>
+                  <a:rPr lang="en-US" sz="2400" dirty="0" smtClean="0"/>
+                  <a:t> .</a:t>
+                </a:r>
+              </a:p>
+              <a:p>
+                <a:pPr marL="342900" indent="-342900">
+                  <a:spcBef>
+                    <a:spcPts val="600"/>
+                  </a:spcBef>
+                  <a:spcAft>
+                    <a:spcPts val="600"/>
+                  </a:spcAft>
+                  <a:buFont typeface="Arial" pitchFamily="34" charset="0"/>
+                  <a:buChar char="•"/>
+                </a:pPr>
+                <a:r>
+                  <a:rPr lang="en-US" sz="2400" dirty="0"/>
+                  <a:t>U</a:t>
+                </a:r>
+                <a:r>
+                  <a:rPr lang="en-US" sz="2400" dirty="0" smtClean="0"/>
+                  <a:t>se high resolution </a:t>
+                </a:r>
+                <a:r>
+                  <a:rPr lang="en-US" sz="2400" dirty="0" err="1" smtClean="0"/>
+                  <a:t>SpAMM</a:t>
+                </a:r>
+                <a:r>
+                  <a:rPr lang="en-US" sz="2400" dirty="0" smtClean="0"/>
+                  <a:t> only towards </a:t>
+                </a:r>
+                <a14:m>
+                  <m:oMath xmlns:m="http://schemas.openxmlformats.org/officeDocument/2006/math">
+                    <m:r>
+                      <a:rPr lang="en-US" sz="2400" b="1" i="1">
+                        <a:latin typeface="Cambria Math"/>
+                      </a:rPr>
+                      <m:t>𝑰</m:t>
+                    </m:r>
+                  </m:oMath>
+                </a14:m>
+                <a:r>
+                  <a:rPr lang="en-US" sz="2400" dirty="0" smtClean="0"/>
+                  <a:t>, in the basin of convergence (cheap)    </a:t>
+                </a:r>
+              </a:p>
+            </p:txBody>
+          </p:sp>
+        </mc:Choice>
+        <mc:Fallback>
+          <p:sp>
+            <p:nvSpPr>
+              <p:cNvPr id="7" name="TextBox 6"/>
+              <p:cNvSpPr txBox="1">
+                <a:spLocks noRot="1" noChangeAspect="1" noMove="1" noResize="1" noEditPoints="1" noAdjustHandles="1" noChangeArrowheads="1" noChangeShapeType="1" noTextEdit="1"/>
+              </p:cNvSpPr>
+              <p:nvPr/>
+            </p:nvSpPr>
+            <p:spPr>
+              <a:xfrm>
+                <a:off x="1244600" y="731520"/>
+                <a:ext cx="7366000" cy="1723549"/>
+              </a:xfrm>
+              <a:prstGeom prst="rect">
+                <a:avLst/>
+              </a:prstGeom>
+              <a:blipFill rotWithShape="1">
+                <a:blip r:embed="rId4"/>
+                <a:stretch>
+                  <a:fillRect l="-1075" t="-2827" r="-910" b="-7067"/>
                 </a:stretch>
               </a:blipFill>
             </p:spPr>

--- a/sandwitch_results_3_2015/spamm_big_picture.pptx
+++ b/sandwitch_results_3_2015/spamm_big_picture.pptx
@@ -5,27 +5,28 @@
     <p:sldMasterId id="2147483648" r:id="rId1"/>
   </p:sldMasterIdLst>
   <p:notesMasterIdLst>
-    <p:notesMasterId r:id="rId20"/>
+    <p:notesMasterId r:id="rId21"/>
   </p:notesMasterIdLst>
   <p:sldIdLst>
     <p:sldId id="264" r:id="rId2"/>
     <p:sldId id="263" r:id="rId3"/>
     <p:sldId id="270" r:id="rId4"/>
     <p:sldId id="269" r:id="rId5"/>
-    <p:sldId id="271" r:id="rId6"/>
-    <p:sldId id="266" r:id="rId7"/>
-    <p:sldId id="268" r:id="rId8"/>
-    <p:sldId id="267" r:id="rId9"/>
-    <p:sldId id="259" r:id="rId10"/>
-    <p:sldId id="275" r:id="rId11"/>
-    <p:sldId id="257" r:id="rId12"/>
-    <p:sldId id="261" r:id="rId13"/>
-    <p:sldId id="272" r:id="rId14"/>
-    <p:sldId id="274" r:id="rId15"/>
-    <p:sldId id="260" r:id="rId16"/>
-    <p:sldId id="273" r:id="rId17"/>
-    <p:sldId id="262" r:id="rId18"/>
-    <p:sldId id="258" r:id="rId19"/>
+    <p:sldId id="266" r:id="rId6"/>
+    <p:sldId id="259" r:id="rId7"/>
+    <p:sldId id="275" r:id="rId8"/>
+    <p:sldId id="257" r:id="rId9"/>
+    <p:sldId id="261" r:id="rId10"/>
+    <p:sldId id="272" r:id="rId11"/>
+    <p:sldId id="274" r:id="rId12"/>
+    <p:sldId id="260" r:id="rId13"/>
+    <p:sldId id="273" r:id="rId14"/>
+    <p:sldId id="262" r:id="rId15"/>
+    <p:sldId id="258" r:id="rId16"/>
+    <p:sldId id="276" r:id="rId17"/>
+    <p:sldId id="277" r:id="rId18"/>
+    <p:sldId id="278" r:id="rId19"/>
+    <p:sldId id="279" r:id="rId20"/>
   </p:sldIdLst>
   <p:sldSz cx="9144000" cy="6858000" type="screen4x3"/>
   <p:notesSz cx="6858000" cy="9144000"/>
@@ -626,7 +627,7 @@
           <a:p>
             <a:fld id="{1CFA42DE-160A-4E7C-89E2-22791C61C9FD}" type="slidenum">
               <a:rPr lang="en-US" smtClean="0"/>
-              <a:t>12</a:t>
+              <a:t>9</a:t>
             </a:fld>
             <a:endParaRPr lang="en-US"/>
           </a:p>
@@ -710,7 +711,7 @@
           <a:p>
             <a:fld id="{1CFA42DE-160A-4E7C-89E2-22791C61C9FD}" type="slidenum">
               <a:rPr lang="en-US" smtClean="0"/>
-              <a:t>18</a:t>
+              <a:t>15</a:t>
             </a:fld>
             <a:endParaRPr lang="en-US"/>
           </a:p>
@@ -4010,1579 +4011,6 @@
           <a:bodyPr/>
           <a:lstStyle/>
           <a:p>
-            <a:endParaRPr lang="en-US" dirty="0"/>
-          </a:p>
-        </p:txBody>
-      </p:sp>
-      <p:sp>
-        <p:nvSpPr>
-          <p:cNvPr id="3" name="Content Placeholder 2"/>
-          <p:cNvSpPr>
-            <a:spLocks noGrp="1"/>
-          </p:cNvSpPr>
-          <p:nvPr>
-            <p:ph idx="1"/>
-          </p:nvPr>
-        </p:nvSpPr>
-        <p:spPr/>
-        <p:txBody>
-          <a:bodyPr/>
-          <a:lstStyle/>
-          <a:p>
-            <a:endParaRPr lang="en-US" dirty="0"/>
-          </a:p>
-        </p:txBody>
-      </p:sp>
-    </p:spTree>
-    <p:extLst>
-      <p:ext uri="{BB962C8B-B14F-4D97-AF65-F5344CB8AC3E}">
-        <p14:creationId xmlns:p14="http://schemas.microsoft.com/office/powerpoint/2010/main" val="3920787778"/>
-      </p:ext>
-    </p:extLst>
-  </p:cSld>
-  <p:clrMapOvr>
-    <a:masterClrMapping/>
-  </p:clrMapOvr>
-</p:sld>
-</file>
-
-<file path=ppt/slides/slide11.xml><?xml version="1.0" encoding="utf-8"?>
-<p:sld xmlns:a="http://schemas.openxmlformats.org/drawingml/2006/main" xmlns:r="http://schemas.openxmlformats.org/officeDocument/2006/relationships" xmlns:p="http://schemas.openxmlformats.org/presentationml/2006/main">
-  <p:cSld>
-    <p:spTree>
-      <p:nvGrpSpPr>
-        <p:cNvPr id="1" name=""/>
-        <p:cNvGrpSpPr/>
-        <p:nvPr/>
-      </p:nvGrpSpPr>
-      <p:grpSpPr>
-        <a:xfrm>
-          <a:off x="0" y="0"/>
-          <a:ext cx="0" cy="0"/>
-          <a:chOff x="0" y="0"/>
-          <a:chExt cx="0" cy="0"/>
-        </a:xfrm>
-      </p:grpSpPr>
-      <p:sp>
-        <p:nvSpPr>
-          <p:cNvPr id="13" name="Line Callout 1 (Border and Accent Bar) 12"/>
-          <p:cNvSpPr/>
-          <p:nvPr/>
-        </p:nvSpPr>
-        <p:spPr>
-          <a:xfrm flipH="1">
-            <a:off x="2510291" y="2895600"/>
-            <a:ext cx="2473960" cy="1000780"/>
-          </a:xfrm>
-          <a:prstGeom prst="accentBorderCallout1">
-            <a:avLst>
-              <a:gd name="adj1" fmla="val 18750"/>
-              <a:gd name="adj2" fmla="val -8333"/>
-              <a:gd name="adj3" fmla="val 51587"/>
-              <a:gd name="adj4" fmla="val -18054"/>
-            </a:avLst>
-          </a:prstGeom>
-          <a:ln w="38100">
-            <a:solidFill>
-              <a:schemeClr val="accent3">
-                <a:alpha val="47000"/>
-              </a:schemeClr>
-            </a:solidFill>
-          </a:ln>
-        </p:spPr>
-        <p:style>
-          <a:lnRef idx="2">
-            <a:schemeClr val="accent3"/>
-          </a:lnRef>
-          <a:fillRef idx="1">
-            <a:schemeClr val="lt1"/>
-          </a:fillRef>
-          <a:effectRef idx="0">
-            <a:schemeClr val="accent3"/>
-          </a:effectRef>
-          <a:fontRef idx="minor">
-            <a:schemeClr val="dk1"/>
-          </a:fontRef>
-        </p:style>
-        <p:txBody>
-          <a:bodyPr rtlCol="0" anchor="ctr"/>
-          <a:lstStyle/>
-          <a:p>
-            <a:pPr algn="ctr"/>
-            <a:endParaRPr lang="en-US"/>
-          </a:p>
-        </p:txBody>
-      </p:sp>
-      <p:sp>
-        <p:nvSpPr>
-          <p:cNvPr id="8" name="Line Callout 3 7"/>
-          <p:cNvSpPr/>
-          <p:nvPr/>
-        </p:nvSpPr>
-        <p:spPr>
-          <a:xfrm>
-            <a:off x="2545851" y="2915590"/>
-            <a:ext cx="1524000" cy="914400"/>
-          </a:xfrm>
-          <a:prstGeom prst="borderCallout3">
-            <a:avLst>
-              <a:gd name="adj1" fmla="val 18750"/>
-              <a:gd name="adj2" fmla="val -8333"/>
-              <a:gd name="adj3" fmla="val 18750"/>
-              <a:gd name="adj4" fmla="val -16667"/>
-              <a:gd name="adj5" fmla="val 100000"/>
-              <a:gd name="adj6" fmla="val -16667"/>
-              <a:gd name="adj7" fmla="val 129630"/>
-              <a:gd name="adj8" fmla="val 5001"/>
-            </a:avLst>
-          </a:prstGeom>
-        </p:spPr>
-        <p:style>
-          <a:lnRef idx="1">
-            <a:schemeClr val="accent4"/>
-          </a:lnRef>
-          <a:fillRef idx="2">
-            <a:schemeClr val="accent4"/>
-          </a:fillRef>
-          <a:effectRef idx="1">
-            <a:schemeClr val="accent4"/>
-          </a:effectRef>
-          <a:fontRef idx="minor">
-            <a:schemeClr val="dk1"/>
-          </a:fontRef>
-        </p:style>
-        <p:txBody>
-          <a:bodyPr rtlCol="0" anchor="ctr"/>
-          <a:lstStyle/>
-          <a:p>
-            <a:pPr algn="ctr"/>
-            <a:endParaRPr lang="en-US">
-              <a:solidFill>
-                <a:schemeClr val="accent4">
-                  <a:lumMod val="20000"/>
-                  <a:lumOff val="80000"/>
-                </a:schemeClr>
-              </a:solidFill>
-            </a:endParaRPr>
-          </a:p>
-        </p:txBody>
-      </p:sp>
-      <mc:AlternateContent xmlns:mc="http://schemas.openxmlformats.org/markup-compatibility/2006" xmlns:a14="http://schemas.microsoft.com/office/drawing/2010/main">
-        <mc:Choice Requires="a14">
-          <p:sp>
-            <p:nvSpPr>
-              <p:cNvPr id="4" name="TextBox 3"/>
-              <p:cNvSpPr txBox="1"/>
-              <p:nvPr/>
-            </p:nvSpPr>
-            <p:spPr>
-              <a:xfrm>
-                <a:off x="717051" y="2991790"/>
-                <a:ext cx="4267200" cy="707886"/>
-              </a:xfrm>
-              <a:prstGeom prst="rect">
-                <a:avLst/>
-              </a:prstGeom>
-              <a:noFill/>
-            </p:spPr>
-            <p:txBody>
-              <a:bodyPr wrap="square" rtlCol="0">
-                <a:spAutoFit/>
-              </a:bodyPr>
-              <a:lstStyle/>
-              <a:p>
-                <a:pPr/>
-                <a14:m>
-                  <m:oMathPara xmlns:m="http://schemas.openxmlformats.org/officeDocument/2006/math">
-                    <m:oMathParaPr>
-                      <m:jc m:val="centerGroup"/>
-                    </m:oMathParaPr>
-                    <m:oMath xmlns:m="http://schemas.openxmlformats.org/officeDocument/2006/math">
-                      <m:r>
-                        <a:rPr lang="en-US" sz="4000" b="1" i="1" smtClean="0">
-                          <a:latin typeface="Cambria Math"/>
-                        </a:rPr>
-                        <m:t>𝒙</m:t>
-                      </m:r>
-                      <m:r>
-                        <a:rPr lang="en-US" sz="4000" b="0" i="1" baseline="-25000" smtClean="0">
-                          <a:latin typeface="Cambria Math"/>
-                        </a:rPr>
-                        <m:t>𝑘</m:t>
-                      </m:r>
-                      <m:r>
-                        <a:rPr lang="en-US" sz="4000" b="0" i="1" baseline="-15000" smtClean="0">
-                          <a:latin typeface="Cambria Math"/>
-                        </a:rPr>
-                        <m:t>+</m:t>
-                      </m:r>
-                      <m:r>
-                        <a:rPr lang="en-US" sz="4000" b="0" i="1" baseline="-25000" smtClean="0">
-                          <a:latin typeface="Cambria Math"/>
-                        </a:rPr>
-                        <m:t>1</m:t>
-                      </m:r>
-                      <m:r>
-                        <a:rPr lang="en-US" sz="4000" b="0" i="1" smtClean="0">
-                          <a:latin typeface="Cambria Math"/>
-                        </a:rPr>
-                        <m:t>=</m:t>
-                      </m:r>
-                      <m:d>
-                        <m:dPr>
-                          <m:begChr m:val="⟨"/>
-                          <m:endChr m:val="⟩"/>
-                          <m:ctrlPr>
-                            <a:rPr lang="en-US" sz="4000" i="1" smtClean="0">
-                              <a:latin typeface="Cambria Math"/>
-                            </a:rPr>
-                          </m:ctrlPr>
-                        </m:dPr>
-                        <m:e>
-                          <m:r>
-                            <a:rPr lang="en-US" sz="4000" b="1" i="1" smtClean="0">
-                              <a:latin typeface="Cambria Math"/>
-                            </a:rPr>
-                            <m:t>𝒛</m:t>
-                          </m:r>
-                          <m:r>
-                            <a:rPr lang="en-US" sz="4000" b="1" i="1" baseline="30000" smtClean="0">
-                              <a:latin typeface="Cambria Math"/>
-                            </a:rPr>
-                            <m:t>𝒕</m:t>
-                          </m:r>
-                          <m:r>
-                            <a:rPr lang="en-US" sz="4000" b="0" i="1" baseline="-25000" smtClean="0">
-                              <a:latin typeface="Cambria Math"/>
-                            </a:rPr>
-                            <m:t>𝑘</m:t>
-                          </m:r>
-                        </m:e>
-                        <m:e>
-                          <m:r>
-                            <a:rPr lang="en-US" sz="4000" b="0" i="1" smtClean="0">
-                              <a:latin typeface="Cambria Math"/>
-                            </a:rPr>
-                            <m:t> </m:t>
-                          </m:r>
-                          <m:r>
-                            <a:rPr lang="en-US" sz="4000" b="1" i="1" smtClean="0">
-                              <a:latin typeface="Cambria Math"/>
-                            </a:rPr>
-                            <m:t>𝒔</m:t>
-                          </m:r>
-                          <m:r>
-                            <a:rPr lang="en-US" sz="4000" b="1" i="1" smtClean="0">
-                              <a:latin typeface="Cambria Math"/>
-                            </a:rPr>
-                            <m:t> </m:t>
-                          </m:r>
-                        </m:e>
-                        <m:e>
-                          <m:r>
-                            <a:rPr lang="en-US" sz="4000" b="1" i="1" smtClean="0">
-                              <a:latin typeface="Cambria Math"/>
-                            </a:rPr>
-                            <m:t>𝒛</m:t>
-                          </m:r>
-                          <m:r>
-                            <a:rPr lang="en-US" sz="4000" b="0" i="1" baseline="-25000" smtClean="0">
-                              <a:latin typeface="Cambria Math"/>
-                            </a:rPr>
-                            <m:t>𝑘</m:t>
-                          </m:r>
-                        </m:e>
-                      </m:d>
-                    </m:oMath>
-                  </m:oMathPara>
-                </a14:m>
-                <a:endParaRPr lang="en-US" sz="4000" dirty="0"/>
-              </a:p>
-            </p:txBody>
-          </p:sp>
-        </mc:Choice>
-        <mc:Fallback xmlns="">
-          <p:sp>
-            <p:nvSpPr>
-              <p:cNvPr id="4" name="TextBox 3"/>
-              <p:cNvSpPr txBox="1">
-                <a:spLocks noRot="1" noChangeAspect="1" noMove="1" noResize="1" noEditPoints="1" noAdjustHandles="1" noChangeArrowheads="1" noChangeShapeType="1" noTextEdit="1"/>
-              </p:cNvSpPr>
-              <p:nvPr/>
-            </p:nvSpPr>
-            <p:spPr>
-              <a:xfrm>
-                <a:off x="717051" y="2991790"/>
-                <a:ext cx="4267200" cy="707886"/>
-              </a:xfrm>
-              <a:prstGeom prst="rect">
-                <a:avLst/>
-              </a:prstGeom>
-              <a:blipFill rotWithShape="1">
-                <a:blip r:embed="rId2"/>
-                <a:stretch>
-                  <a:fillRect/>
-                </a:stretch>
-              </a:blipFill>
-            </p:spPr>
-            <p:txBody>
-              <a:bodyPr/>
-              <a:lstStyle/>
-              <a:p>
-                <a:r>
-                  <a:rPr lang="en-US">
-                    <a:noFill/>
-                  </a:rPr>
-                  <a:t> </a:t>
-                </a:r>
-              </a:p>
-            </p:txBody>
-          </p:sp>
-        </mc:Fallback>
-      </mc:AlternateContent>
-      <mc:AlternateContent xmlns:mc="http://schemas.openxmlformats.org/markup-compatibility/2006" xmlns:a14="http://schemas.microsoft.com/office/drawing/2010/main">
-        <mc:Choice Requires="a14">
-          <p:sp>
-            <p:nvSpPr>
-              <p:cNvPr id="9" name="TextBox 8"/>
-              <p:cNvSpPr txBox="1"/>
-              <p:nvPr/>
-            </p:nvSpPr>
-            <p:spPr>
-              <a:xfrm>
-                <a:off x="381000" y="240804"/>
-                <a:ext cx="8610599" cy="6940361"/>
-              </a:xfrm>
-              <a:prstGeom prst="rect">
-                <a:avLst/>
-              </a:prstGeom>
-              <a:noFill/>
-            </p:spPr>
-            <p:txBody>
-              <a:bodyPr wrap="square" rtlCol="0">
-                <a:spAutoFit/>
-              </a:bodyPr>
-              <a:lstStyle/>
-              <a:p>
-                <a:pPr>
-                  <a:spcBef>
-                    <a:spcPts val="1000"/>
-                  </a:spcBef>
-                  <a:spcAft>
-                    <a:spcPts val="800"/>
-                  </a:spcAft>
-                </a:pPr>
-                <a:r>
-                  <a:rPr lang="en-US" sz="3200" b="1" dirty="0" err="1" smtClean="0"/>
-                  <a:t>SpAMM</a:t>
-                </a:r>
-                <a:r>
-                  <a:rPr lang="en-US" sz="3200" b="1" dirty="0" smtClean="0"/>
-                  <a:t> with Projector (</a:t>
-                </a:r>
-                <a14:m>
-                  <m:oMath xmlns:m="http://schemas.openxmlformats.org/officeDocument/2006/math">
-                    <m:r>
-                      <a:rPr lang="en-US" sz="3200" b="1" i="1" smtClean="0">
-                        <a:latin typeface="Cambria Math"/>
-                      </a:rPr>
-                      <m:t>𝒙</m:t>
-                    </m:r>
-                    <m:r>
-                      <a:rPr lang="en-US" sz="3200" b="1" i="1" smtClean="0">
-                        <a:latin typeface="Cambria Math"/>
-                      </a:rPr>
-                      <m:t>→</m:t>
-                    </m:r>
-                    <m:r>
-                      <a:rPr lang="en-US" sz="3200" b="1" i="1" smtClean="0">
-                        <a:latin typeface="Cambria Math"/>
-                      </a:rPr>
-                      <m:t>𝑰</m:t>
-                    </m:r>
-                  </m:oMath>
-                </a14:m>
-                <a:r>
-                  <a:rPr lang="en-US" sz="3200" b="1" dirty="0" smtClean="0"/>
-                  <a:t>) Ill-Conditioning</a:t>
-                </a:r>
-                <a:endParaRPr lang="en-US" sz="3200" dirty="0"/>
-              </a:p>
-              <a:p>
-                <a:pPr marL="457200" indent="-457200">
-                  <a:spcBef>
-                    <a:spcPts val="1000"/>
-                  </a:spcBef>
-                  <a:spcAft>
-                    <a:spcPts val="800"/>
-                  </a:spcAft>
-                  <a:buFont typeface="Arial" pitchFamily="34" charset="0"/>
-                  <a:buChar char="•"/>
-                </a:pPr>
-                <a:r>
-                  <a:rPr lang="en-US" sz="2800" dirty="0" smtClean="0"/>
-                  <a:t>Under severe ill-conditioning, double precision is unstable unless stabilized by the left transpose.</a:t>
-                </a:r>
-                <a:endParaRPr lang="en-US" sz="2800" dirty="0"/>
-              </a:p>
-              <a:p>
-                <a:pPr marL="457200" indent="-457200">
-                  <a:spcBef>
-                    <a:spcPts val="1000"/>
-                  </a:spcBef>
-                  <a:spcAft>
-                    <a:spcPts val="800"/>
-                  </a:spcAft>
-                  <a:buFont typeface="Arial" pitchFamily="34" charset="0"/>
-                  <a:buChar char="•"/>
-                </a:pPr>
-                <a:r>
-                  <a:rPr lang="en-US" sz="2800" dirty="0" smtClean="0"/>
-                  <a:t>Left-right stabilized </a:t>
-                </a:r>
-                <a:r>
-                  <a:rPr lang="en-US" sz="2800" dirty="0" err="1" smtClean="0"/>
-                  <a:t>SpAMM</a:t>
-                </a:r>
-                <a:r>
-                  <a:rPr lang="en-US" sz="2800" dirty="0" smtClean="0"/>
-                  <a:t> contraction:  </a:t>
-                </a:r>
-              </a:p>
-              <a:p>
-                <a:pPr marL="457200" indent="-457200">
-                  <a:spcBef>
-                    <a:spcPts val="1000"/>
-                  </a:spcBef>
-                  <a:spcAft>
-                    <a:spcPts val="800"/>
-                  </a:spcAft>
-                  <a:buFont typeface="Arial" pitchFamily="34" charset="0"/>
-                  <a:buChar char="•"/>
-                </a:pPr>
-                <a:endParaRPr lang="en-US" sz="2800" dirty="0"/>
-              </a:p>
-              <a:p>
-                <a:pPr marL="457200" indent="-457200">
-                  <a:spcBef>
-                    <a:spcPts val="1000"/>
-                  </a:spcBef>
-                  <a:spcAft>
-                    <a:spcPts val="800"/>
-                  </a:spcAft>
-                  <a:buFont typeface="Arial" pitchFamily="34" charset="0"/>
-                  <a:buChar char="•"/>
-                </a:pPr>
-                <a:endParaRPr lang="en-US" sz="2800" dirty="0" smtClean="0"/>
-              </a:p>
-              <a:p>
-                <a:pPr>
-                  <a:spcBef>
-                    <a:spcPts val="1000"/>
-                  </a:spcBef>
-                  <a:spcAft>
-                    <a:spcPts val="800"/>
-                  </a:spcAft>
-                </a:pPr>
-                <a:endParaRPr lang="en-US" sz="2800" dirty="0" smtClean="0"/>
-              </a:p>
-              <a:p>
-                <a:pPr marL="457200" indent="-457200">
-                  <a:spcBef>
-                    <a:spcPts val="1000"/>
-                  </a:spcBef>
-                  <a:spcAft>
-                    <a:spcPts val="800"/>
-                  </a:spcAft>
-                  <a:buFont typeface="Arial" pitchFamily="34" charset="0"/>
-                  <a:buChar char="•"/>
-                </a:pPr>
-                <a:r>
-                  <a:rPr lang="en-US" sz="2800" dirty="0" smtClean="0"/>
-                  <a:t>Still, </a:t>
-                </a:r>
-                <a:r>
-                  <a:rPr lang="en-US" sz="2800" dirty="0" err="1" smtClean="0"/>
-                  <a:t>SpAMM</a:t>
-                </a:r>
-                <a:r>
-                  <a:rPr lang="en-US" sz="2800" dirty="0" smtClean="0"/>
-                  <a:t> introduces a (small) twist in the full matrix; the asymmetric (full) case is more forgiving with respect to approximation (</a:t>
-                </a:r>
-                <a14:m>
-                  <m:oMath xmlns:m="http://schemas.openxmlformats.org/officeDocument/2006/math">
-                    <m:r>
-                      <a:rPr lang="en-US" sz="2800" b="1" i="1" smtClean="0">
-                        <a:solidFill>
-                          <a:schemeClr val="tx1"/>
-                        </a:solidFill>
-                        <a:latin typeface="Cambria Math"/>
-                        <a:ea typeface="Cambria Math"/>
-                      </a:rPr>
-                      <m:t>𝝉</m:t>
-                    </m:r>
-                  </m:oMath>
-                </a14:m>
-                <a:r>
-                  <a:rPr lang="en-US" sz="2800" dirty="0" smtClean="0"/>
-                  <a:t>), relative to also stabilized symmetric versions.</a:t>
-                </a:r>
-                <a:endParaRPr lang="en-US" sz="2800" dirty="0"/>
-              </a:p>
-              <a:p>
-                <a:pPr>
-                  <a:spcBef>
-                    <a:spcPts val="1000"/>
-                  </a:spcBef>
-                  <a:spcAft>
-                    <a:spcPts val="800"/>
-                  </a:spcAft>
-                </a:pPr>
-                <a:endParaRPr lang="en-US" sz="2800" dirty="0"/>
-              </a:p>
-            </p:txBody>
-          </p:sp>
-        </mc:Choice>
-        <mc:Fallback xmlns="">
-          <p:sp>
-            <p:nvSpPr>
-              <p:cNvPr id="9" name="TextBox 8"/>
-              <p:cNvSpPr txBox="1">
-                <a:spLocks noRot="1" noChangeAspect="1" noMove="1" noResize="1" noEditPoints="1" noAdjustHandles="1" noChangeArrowheads="1" noChangeShapeType="1" noTextEdit="1"/>
-              </p:cNvSpPr>
-              <p:nvPr/>
-            </p:nvSpPr>
-            <p:spPr>
-              <a:xfrm>
-                <a:off x="381000" y="240804"/>
-                <a:ext cx="8610599" cy="6940361"/>
-              </a:xfrm>
-              <a:prstGeom prst="rect">
-                <a:avLst/>
-              </a:prstGeom>
-              <a:blipFill rotWithShape="1">
-                <a:blip r:embed="rId3"/>
-                <a:stretch>
-                  <a:fillRect l="-1841" t="-1054"/>
-                </a:stretch>
-              </a:blipFill>
-            </p:spPr>
-            <p:txBody>
-              <a:bodyPr/>
-              <a:lstStyle/>
-              <a:p>
-                <a:r>
-                  <a:rPr lang="en-US">
-                    <a:noFill/>
-                  </a:rPr>
-                  <a:t> </a:t>
-                </a:r>
-              </a:p>
-            </p:txBody>
-          </p:sp>
-        </mc:Fallback>
-      </mc:AlternateContent>
-      <mc:AlternateContent xmlns:mc="http://schemas.openxmlformats.org/markup-compatibility/2006" xmlns:a14="http://schemas.microsoft.com/office/drawing/2010/main">
-        <mc:Choice Requires="a14">
-          <p:sp>
-            <p:nvSpPr>
-              <p:cNvPr id="10" name="TextBox 9"/>
-              <p:cNvSpPr txBox="1"/>
-              <p:nvPr/>
-            </p:nvSpPr>
-            <p:spPr>
-              <a:xfrm>
-                <a:off x="2587752" y="4020073"/>
-                <a:ext cx="4478727" cy="830997"/>
-              </a:xfrm>
-              <a:prstGeom prst="rect">
-                <a:avLst/>
-              </a:prstGeom>
-              <a:noFill/>
-            </p:spPr>
-            <p:txBody>
-              <a:bodyPr wrap="none" rtlCol="0">
-                <a:spAutoFit/>
-              </a:bodyPr>
-              <a:lstStyle/>
-              <a:p>
-                <a:r>
-                  <a:rPr lang="en-US" sz="2400" b="1" dirty="0" smtClean="0">
-                    <a:solidFill>
-                      <a:srgbClr val="7030A0"/>
-                    </a:solidFill>
-                  </a:rPr>
-                  <a:t>left (T): first, </a:t>
-                </a:r>
-                <a:r>
-                  <a:rPr lang="en-US" sz="2400" b="1" dirty="0" err="1" smtClean="0">
-                    <a:solidFill>
-                      <a:srgbClr val="7030A0"/>
-                    </a:solidFill>
-                  </a:rPr>
-                  <a:t>SpAMM</a:t>
-                </a:r>
-                <a:r>
-                  <a:rPr lang="en-US" sz="2400" b="1" dirty="0" smtClean="0">
-                    <a:solidFill>
-                      <a:srgbClr val="7030A0"/>
-                    </a:solidFill>
-                  </a:rPr>
-                  <a:t> @ </a:t>
-                </a:r>
-                <a:r>
-                  <a:rPr lang="en-US" sz="2400" b="1" baseline="-10000" dirty="0" smtClean="0">
-                    <a:solidFill>
-                      <a:srgbClr val="7030A0"/>
-                    </a:solidFill>
-                  </a:rPr>
-                  <a:t>~</a:t>
-                </a:r>
-                <a:r>
-                  <a:rPr lang="en-US" sz="2400" b="1" dirty="0" smtClean="0">
-                    <a:solidFill>
-                      <a:srgbClr val="7030A0"/>
-                    </a:solidFill>
-                  </a:rPr>
-                  <a:t>1d-2 </a:t>
-                </a:r>
-                <a14:m>
-                  <m:oMath xmlns:m="http://schemas.openxmlformats.org/officeDocument/2006/math">
-                    <m:r>
-                      <a:rPr lang="en-US" sz="2400" b="1" i="1" smtClean="0">
-                        <a:solidFill>
-                          <a:srgbClr val="7030A0"/>
-                        </a:solidFill>
-                        <a:latin typeface="Cambria Math"/>
-                        <a:ea typeface="Cambria Math"/>
-                      </a:rPr>
-                      <m:t>×</m:t>
-                    </m:r>
-                    <m:r>
-                      <a:rPr lang="en-US" sz="2400" b="1" i="1" smtClean="0">
-                        <a:solidFill>
-                          <a:srgbClr val="7030A0"/>
-                        </a:solidFill>
-                        <a:latin typeface="Cambria Math"/>
-                        <a:ea typeface="Cambria Math"/>
-                      </a:rPr>
-                      <m:t>𝝉</m:t>
-                    </m:r>
-                  </m:oMath>
-                </a14:m>
-                <a:endParaRPr lang="en-US" sz="2400" b="1" dirty="0">
-                  <a:solidFill>
-                    <a:srgbClr val="7030A0"/>
-                  </a:solidFill>
-                </a:endParaRPr>
-              </a:p>
-              <a:p>
-                <a:r>
-                  <a:rPr lang="en-US" sz="2400" b="1" dirty="0" smtClean="0">
-                    <a:solidFill>
-                      <a:srgbClr val="7030A0"/>
-                    </a:solidFill>
-                  </a:rPr>
-                  <a:t> </a:t>
-                </a:r>
-                <a:endParaRPr lang="en-US" sz="2400" b="1" dirty="0">
-                  <a:solidFill>
-                    <a:srgbClr val="7030A0"/>
-                  </a:solidFill>
-                </a:endParaRPr>
-              </a:p>
-            </p:txBody>
-          </p:sp>
-        </mc:Choice>
-        <mc:Fallback xmlns="">
-          <p:sp>
-            <p:nvSpPr>
-              <p:cNvPr id="10" name="TextBox 9"/>
-              <p:cNvSpPr txBox="1">
-                <a:spLocks noRot="1" noChangeAspect="1" noMove="1" noResize="1" noEditPoints="1" noAdjustHandles="1" noChangeArrowheads="1" noChangeShapeType="1" noTextEdit="1"/>
-              </p:cNvSpPr>
-              <p:nvPr/>
-            </p:nvSpPr>
-            <p:spPr>
-              <a:xfrm>
-                <a:off x="2587752" y="4020073"/>
-                <a:ext cx="4478727" cy="830997"/>
-              </a:xfrm>
-              <a:prstGeom prst="rect">
-                <a:avLst/>
-              </a:prstGeom>
-              <a:blipFill rotWithShape="1">
-                <a:blip r:embed="rId4"/>
-                <a:stretch>
-                  <a:fillRect l="-2180" t="-5839"/>
-                </a:stretch>
-              </a:blipFill>
-            </p:spPr>
-            <p:txBody>
-              <a:bodyPr/>
-              <a:lstStyle/>
-              <a:p>
-                <a:r>
-                  <a:rPr lang="en-US">
-                    <a:noFill/>
-                  </a:rPr>
-                  <a:t> </a:t>
-                </a:r>
-              </a:p>
-            </p:txBody>
-          </p:sp>
-        </mc:Fallback>
-      </mc:AlternateContent>
-      <mc:AlternateContent xmlns:mc="http://schemas.openxmlformats.org/markup-compatibility/2006" xmlns:a14="http://schemas.microsoft.com/office/drawing/2010/main">
-        <mc:Choice Requires="a14">
-          <p:sp>
-            <p:nvSpPr>
-              <p:cNvPr id="14" name="TextBox 13"/>
-              <p:cNvSpPr txBox="1"/>
-              <p:nvPr/>
-            </p:nvSpPr>
-            <p:spPr>
-              <a:xfrm>
-                <a:off x="5405891" y="3248243"/>
-                <a:ext cx="2940549" cy="830997"/>
-              </a:xfrm>
-              <a:prstGeom prst="rect">
-                <a:avLst/>
-              </a:prstGeom>
-              <a:noFill/>
-            </p:spPr>
-            <p:txBody>
-              <a:bodyPr wrap="none" rtlCol="0">
-                <a:spAutoFit/>
-              </a:bodyPr>
-              <a:lstStyle/>
-              <a:p>
-                <a:r>
-                  <a:rPr lang="en-US" sz="2400" b="1" dirty="0" smtClean="0">
-                    <a:solidFill>
-                      <a:srgbClr val="00B050"/>
-                    </a:solidFill>
-                  </a:rPr>
-                  <a:t>right(N): </a:t>
-                </a:r>
-                <a:r>
-                  <a:rPr lang="en-US" sz="2400" b="1" dirty="0" err="1" smtClean="0">
-                    <a:solidFill>
-                      <a:srgbClr val="00B050"/>
-                    </a:solidFill>
-                  </a:rPr>
-                  <a:t>SpAMM</a:t>
-                </a:r>
-                <a:r>
-                  <a:rPr lang="en-US" sz="2400" b="1" dirty="0" smtClean="0">
-                    <a:solidFill>
-                      <a:srgbClr val="00B050"/>
-                    </a:solidFill>
-                  </a:rPr>
-                  <a:t> @ </a:t>
-                </a:r>
-                <a14:m>
-                  <m:oMath xmlns:m="http://schemas.openxmlformats.org/officeDocument/2006/math">
-                    <m:r>
-                      <a:rPr lang="en-US" sz="2400" b="1" i="1" smtClean="0">
-                        <a:solidFill>
-                          <a:srgbClr val="00B050"/>
-                        </a:solidFill>
-                        <a:latin typeface="Cambria Math"/>
-                        <a:ea typeface="Cambria Math"/>
-                      </a:rPr>
-                      <m:t>𝝉</m:t>
-                    </m:r>
-                  </m:oMath>
-                </a14:m>
-                <a:endParaRPr lang="en-US" sz="2400" b="1" dirty="0">
-                  <a:solidFill>
-                    <a:srgbClr val="00B050"/>
-                  </a:solidFill>
-                </a:endParaRPr>
-              </a:p>
-              <a:p>
-                <a:r>
-                  <a:rPr lang="en-US" sz="2400" b="1" dirty="0" smtClean="0">
-                    <a:solidFill>
-                      <a:srgbClr val="7030A0"/>
-                    </a:solidFill>
-                  </a:rPr>
-                  <a:t> </a:t>
-                </a:r>
-                <a:endParaRPr lang="en-US" sz="2400" b="1" dirty="0">
-                  <a:solidFill>
-                    <a:srgbClr val="7030A0"/>
-                  </a:solidFill>
-                </a:endParaRPr>
-              </a:p>
-            </p:txBody>
-          </p:sp>
-        </mc:Choice>
-        <mc:Fallback xmlns="">
-          <p:sp>
-            <p:nvSpPr>
-              <p:cNvPr id="14" name="TextBox 13"/>
-              <p:cNvSpPr txBox="1">
-                <a:spLocks noRot="1" noChangeAspect="1" noMove="1" noResize="1" noEditPoints="1" noAdjustHandles="1" noChangeArrowheads="1" noChangeShapeType="1" noTextEdit="1"/>
-              </p:cNvSpPr>
-              <p:nvPr/>
-            </p:nvSpPr>
-            <p:spPr>
-              <a:xfrm>
-                <a:off x="5405891" y="3248243"/>
-                <a:ext cx="2940549" cy="830997"/>
-              </a:xfrm>
-              <a:prstGeom prst="rect">
-                <a:avLst/>
-              </a:prstGeom>
-              <a:blipFill rotWithShape="1">
-                <a:blip r:embed="rId5"/>
-                <a:stretch>
-                  <a:fillRect l="-3320" t="-5882"/>
-                </a:stretch>
-              </a:blipFill>
-            </p:spPr>
-            <p:txBody>
-              <a:bodyPr/>
-              <a:lstStyle/>
-              <a:p>
-                <a:r>
-                  <a:rPr lang="en-US">
-                    <a:noFill/>
-                  </a:rPr>
-                  <a:t> </a:t>
-                </a:r>
-              </a:p>
-            </p:txBody>
-          </p:sp>
-        </mc:Fallback>
-      </mc:AlternateContent>
-    </p:spTree>
-    <p:extLst>
-      <p:ext uri="{BB962C8B-B14F-4D97-AF65-F5344CB8AC3E}">
-        <p14:creationId xmlns:p14="http://schemas.microsoft.com/office/powerpoint/2010/main" val="1943025631"/>
-      </p:ext>
-    </p:extLst>
-  </p:cSld>
-  <p:clrMapOvr>
-    <a:masterClrMapping/>
-  </p:clrMapOvr>
-</p:sld>
-</file>
-
-<file path=ppt/slides/slide12.xml><?xml version="1.0" encoding="utf-8"?>
-<p:sld xmlns:a="http://schemas.openxmlformats.org/drawingml/2006/main" xmlns:r="http://schemas.openxmlformats.org/officeDocument/2006/relationships" xmlns:p="http://schemas.openxmlformats.org/presentationml/2006/main">
-  <p:cSld>
-    <p:spTree>
-      <p:nvGrpSpPr>
-        <p:cNvPr id="1" name=""/>
-        <p:cNvGrpSpPr/>
-        <p:nvPr/>
-      </p:nvGrpSpPr>
-      <p:grpSpPr>
-        <a:xfrm>
-          <a:off x="0" y="0"/>
-          <a:ext cx="0" cy="0"/>
-          <a:chOff x="0" y="0"/>
-          <a:chExt cx="0" cy="0"/>
-        </a:xfrm>
-      </p:grpSpPr>
-      <p:pic>
-        <p:nvPicPr>
-          <p:cNvPr id="9" name="Picture 8"/>
-          <p:cNvPicPr>
-            <a:picLocks noChangeAspect="1"/>
-          </p:cNvPicPr>
-          <p:nvPr/>
-        </p:nvPicPr>
-        <p:blipFill rotWithShape="1">
-          <a:blip r:embed="rId3" cstate="print">
-            <a:extLst>
-              <a:ext uri="{28A0092B-C50C-407E-A947-70E740481C1C}">
-                <a14:useLocalDpi xmlns:a14="http://schemas.microsoft.com/office/drawing/2010/main" val="0"/>
-              </a:ext>
-            </a:extLst>
-          </a:blip>
-          <a:srcRect l="21200" r="20133"/>
-          <a:stretch/>
-        </p:blipFill>
-        <p:spPr>
-          <a:xfrm>
-            <a:off x="6370320" y="5991283"/>
-            <a:ext cx="484632" cy="826077"/>
-          </a:xfrm>
-          <a:prstGeom prst="rect">
-            <a:avLst/>
-          </a:prstGeom>
-        </p:spPr>
-      </p:pic>
-      <p:pic>
-        <p:nvPicPr>
-          <p:cNvPr id="7" name="Picture 6"/>
-          <p:cNvPicPr>
-            <a:picLocks noChangeAspect="1"/>
-          </p:cNvPicPr>
-          <p:nvPr/>
-        </p:nvPicPr>
-        <p:blipFill rotWithShape="1">
-          <a:blip r:embed="rId4" cstate="print">
-            <a:extLst>
-              <a:ext uri="{28A0092B-C50C-407E-A947-70E740481C1C}">
-                <a14:useLocalDpi xmlns:a14="http://schemas.microsoft.com/office/drawing/2010/main" val="0"/>
-              </a:ext>
-            </a:extLst>
-          </a:blip>
-          <a:srcRect l="16747" t="3713" r="15732" b="8254"/>
-          <a:stretch/>
-        </p:blipFill>
-        <p:spPr>
-          <a:xfrm>
-            <a:off x="1963692" y="6090921"/>
-            <a:ext cx="502920" cy="655707"/>
-          </a:xfrm>
-          <a:prstGeom prst="rect">
-            <a:avLst/>
-          </a:prstGeom>
-        </p:spPr>
-      </p:pic>
-      <p:pic>
-        <p:nvPicPr>
-          <p:cNvPr id="8" name="Picture 7"/>
-          <p:cNvPicPr>
-            <a:picLocks noChangeAspect="1"/>
-          </p:cNvPicPr>
-          <p:nvPr/>
-        </p:nvPicPr>
-        <p:blipFill>
-          <a:blip r:embed="rId5">
-            <a:extLst>
-              <a:ext uri="{28A0092B-C50C-407E-A947-70E740481C1C}">
-                <a14:useLocalDpi xmlns:a14="http://schemas.microsoft.com/office/drawing/2010/main" val="0"/>
-              </a:ext>
-            </a:extLst>
-          </a:blip>
-          <a:stretch>
-            <a:fillRect/>
-          </a:stretch>
-        </p:blipFill>
-        <p:spPr>
-          <a:xfrm>
-            <a:off x="685800" y="1595120"/>
-            <a:ext cx="7863839" cy="4669155"/>
-          </a:xfrm>
-          <a:prstGeom prst="rect">
-            <a:avLst/>
-          </a:prstGeom>
-        </p:spPr>
-      </p:pic>
-      <mc:AlternateContent xmlns:mc="http://schemas.openxmlformats.org/markup-compatibility/2006" xmlns:a14="http://schemas.microsoft.com/office/drawing/2010/main">
-        <mc:Choice Requires="a14">
-          <p:sp>
-            <p:nvSpPr>
-              <p:cNvPr id="12" name="TextBox 11"/>
-              <p:cNvSpPr txBox="1"/>
-              <p:nvPr/>
-            </p:nvSpPr>
-            <p:spPr>
-              <a:xfrm>
-                <a:off x="1371600" y="2161163"/>
-                <a:ext cx="5791200" cy="2246769"/>
-              </a:xfrm>
-              <a:prstGeom prst="rect">
-                <a:avLst/>
-              </a:prstGeom>
-              <a:solidFill>
-                <a:schemeClr val="lt1">
-                  <a:alpha val="77000"/>
-                </a:schemeClr>
-              </a:solidFill>
-            </p:spPr>
-            <p:txBody>
-              <a:bodyPr wrap="square" rtlCol="0">
-                <a:spAutoFit/>
-              </a:bodyPr>
-              <a:lstStyle/>
-              <a:p>
-                <a:pPr marL="342900" indent="-342900">
-                  <a:spcBef>
-                    <a:spcPts val="600"/>
-                  </a:spcBef>
-                  <a:spcAft>
-                    <a:spcPts val="600"/>
-                  </a:spcAft>
-                  <a:buFont typeface="Arial" pitchFamily="34" charset="0"/>
-                  <a:buChar char="•"/>
-                </a:pPr>
-                <a:r>
-                  <a:rPr lang="en-US" sz="2400" b="1" dirty="0" smtClean="0">
-                    <a:solidFill>
-                      <a:schemeClr val="accent1">
-                        <a:lumMod val="75000"/>
-                      </a:schemeClr>
-                    </a:solidFill>
-                  </a:rPr>
-                  <a:t>Inflections spread, map ruggedized.  </a:t>
-                </a:r>
-              </a:p>
-              <a:p>
-                <a:pPr marL="342900" indent="-342900">
-                  <a:spcBef>
-                    <a:spcPts val="600"/>
-                  </a:spcBef>
-                  <a:spcAft>
-                    <a:spcPts val="600"/>
-                  </a:spcAft>
-                  <a:buFont typeface="Arial" pitchFamily="34" charset="0"/>
-                  <a:buChar char="•"/>
-                </a:pPr>
-                <a:r>
-                  <a:rPr lang="en-US" sz="2400" b="1" dirty="0">
-                    <a:solidFill>
-                      <a:schemeClr val="accent1">
-                        <a:lumMod val="75000"/>
-                      </a:schemeClr>
-                    </a:solidFill>
-                  </a:rPr>
-                  <a:t>M</a:t>
-                </a:r>
-                <a:r>
-                  <a:rPr lang="en-US" sz="2400" b="1" dirty="0" smtClean="0">
-                    <a:solidFill>
-                      <a:schemeClr val="accent1">
-                        <a:lumMod val="75000"/>
-                      </a:schemeClr>
-                    </a:solidFill>
-                  </a:rPr>
-                  <a:t>in eigenvalue lost: </a:t>
-                </a:r>
-                <a14:m>
-                  <m:oMath xmlns:m="http://schemas.openxmlformats.org/officeDocument/2006/math">
-                    <m:r>
-                      <a:rPr lang="en-US" sz="2400" b="1" i="1" smtClean="0">
-                        <a:solidFill>
-                          <a:schemeClr val="accent1">
-                            <a:lumMod val="75000"/>
-                          </a:schemeClr>
-                        </a:solidFill>
-                        <a:latin typeface="Cambria Math"/>
-                        <a:ea typeface="Cambria Math"/>
-                      </a:rPr>
-                      <m:t>𝒙</m:t>
-                    </m:r>
-                    <m:r>
-                      <a:rPr lang="en-US" sz="2400" b="1" i="1" baseline="-25000" smtClean="0">
-                        <a:solidFill>
-                          <a:schemeClr val="accent1">
-                            <a:lumMod val="75000"/>
-                          </a:schemeClr>
-                        </a:solidFill>
-                        <a:latin typeface="Cambria Math"/>
-                        <a:ea typeface="Cambria Math"/>
-                      </a:rPr>
-                      <m:t>𝒐</m:t>
-                    </m:r>
-                    <m:r>
-                      <a:rPr lang="en-US" sz="2400" b="1" i="1" baseline="-5000" smtClean="0">
-                        <a:solidFill>
-                          <a:schemeClr val="accent1">
-                            <a:lumMod val="75000"/>
-                          </a:schemeClr>
-                        </a:solidFill>
-                        <a:latin typeface="Cambria Math"/>
-                        <a:ea typeface="Cambria Math"/>
-                      </a:rPr>
-                      <m:t>∓</m:t>
-                    </m:r>
-                    <m:r>
-                      <a:rPr lang="en-US" sz="2400" b="1" i="1" smtClean="0">
-                        <a:solidFill>
-                          <a:schemeClr val="accent1">
-                            <a:lumMod val="75000"/>
-                          </a:schemeClr>
-                        </a:solidFill>
-                        <a:latin typeface="Cambria Math"/>
-                        <a:ea typeface="Cambria Math"/>
-                      </a:rPr>
-                      <m:t>𝜹</m:t>
-                    </m:r>
-                    <m:d>
-                      <m:dPr>
-                        <m:ctrlPr>
-                          <a:rPr lang="en-US" sz="2400" b="1" i="1" smtClean="0">
-                            <a:solidFill>
-                              <a:schemeClr val="accent1">
-                                <a:lumMod val="75000"/>
-                              </a:schemeClr>
-                            </a:solidFill>
-                            <a:latin typeface="Cambria Math"/>
-                            <a:ea typeface="Cambria Math"/>
-                          </a:rPr>
-                        </m:ctrlPr>
-                      </m:dPr>
-                      <m:e>
-                        <m:r>
-                          <a:rPr lang="en-US" sz="2400" b="1" i="1" smtClean="0">
-                            <a:solidFill>
-                              <a:schemeClr val="accent1">
-                                <a:lumMod val="75000"/>
-                              </a:schemeClr>
-                            </a:solidFill>
-                            <a:latin typeface="Cambria Math"/>
-                            <a:ea typeface="Cambria Math"/>
-                          </a:rPr>
-                          <m:t>𝝉</m:t>
-                        </m:r>
-                      </m:e>
-                    </m:d>
-                  </m:oMath>
-                </a14:m>
-                <a:r>
-                  <a:rPr lang="en-US" sz="2400" b="1" dirty="0" smtClean="0">
-                    <a:solidFill>
-                      <a:schemeClr val="accent1">
-                        <a:lumMod val="75000"/>
-                      </a:schemeClr>
-                    </a:solidFill>
-                  </a:rPr>
-                  <a:t>.  Scaling acceleration less than </a:t>
-                </a:r>
-                <a:r>
-                  <a:rPr lang="en-US" sz="2400" b="1" i="1" dirty="0" smtClean="0">
-                    <a:solidFill>
-                      <a:schemeClr val="accent1">
-                        <a:lumMod val="75000"/>
-                      </a:schemeClr>
-                    </a:solidFill>
-                  </a:rPr>
-                  <a:t>2.85</a:t>
-                </a:r>
-                <a:r>
-                  <a:rPr lang="en-US" sz="2400" b="1" baseline="-5000" dirty="0" smtClean="0">
-                    <a:solidFill>
-                      <a:schemeClr val="accent1">
-                        <a:lumMod val="75000"/>
-                      </a:schemeClr>
-                    </a:solidFill>
-                    <a:sym typeface="Wingdings 2"/>
-                  </a:rPr>
-                  <a:t></a:t>
-                </a:r>
-                <a:r>
-                  <a:rPr lang="en-US" sz="2400" b="1" dirty="0" smtClean="0">
-                    <a:solidFill>
-                      <a:schemeClr val="accent1">
-                        <a:lumMod val="75000"/>
-                      </a:schemeClr>
-                    </a:solidFill>
-                  </a:rPr>
-                  <a:t> </a:t>
-                </a:r>
-              </a:p>
-              <a:p>
-                <a:pPr marL="342900" indent="-342900">
-                  <a:spcBef>
-                    <a:spcPts val="600"/>
-                  </a:spcBef>
-                  <a:spcAft>
-                    <a:spcPts val="600"/>
-                  </a:spcAft>
-                  <a:buFont typeface="Arial" pitchFamily="34" charset="0"/>
-                  <a:buChar char="•"/>
-                </a:pPr>
-                <a:r>
-                  <a:rPr lang="en-US" sz="2400" b="1" dirty="0">
-                    <a:solidFill>
-                      <a:schemeClr val="accent1">
-                        <a:lumMod val="75000"/>
-                      </a:schemeClr>
-                    </a:solidFill>
-                  </a:rPr>
-                  <a:t>H</a:t>
-                </a:r>
-                <a:r>
-                  <a:rPr lang="en-US" sz="2400" b="1" dirty="0" smtClean="0">
-                    <a:solidFill>
-                      <a:schemeClr val="accent1">
-                        <a:lumMod val="75000"/>
-                      </a:schemeClr>
-                    </a:solidFill>
-                  </a:rPr>
-                  <a:t>ow much acceleration can be kept under extreme conditions? </a:t>
-                </a:r>
-                <a:endParaRPr lang="en-US" sz="2400" b="1" dirty="0">
-                  <a:solidFill>
-                    <a:schemeClr val="accent1">
-                      <a:lumMod val="75000"/>
-                    </a:schemeClr>
-                  </a:solidFill>
-                </a:endParaRPr>
-              </a:p>
-            </p:txBody>
-          </p:sp>
-        </mc:Choice>
-        <mc:Fallback xmlns="">
-          <p:sp>
-            <p:nvSpPr>
-              <p:cNvPr id="12" name="TextBox 11"/>
-              <p:cNvSpPr txBox="1">
-                <a:spLocks noRot="1" noChangeAspect="1" noMove="1" noResize="1" noEditPoints="1" noAdjustHandles="1" noChangeArrowheads="1" noChangeShapeType="1" noTextEdit="1"/>
-              </p:cNvSpPr>
-              <p:nvPr/>
-            </p:nvSpPr>
-            <p:spPr>
-              <a:xfrm>
-                <a:off x="1371600" y="2161163"/>
-                <a:ext cx="5791200" cy="2246769"/>
-              </a:xfrm>
-              <a:prstGeom prst="rect">
-                <a:avLst/>
-              </a:prstGeom>
-              <a:blipFill rotWithShape="1">
-                <a:blip r:embed="rId6"/>
-                <a:stretch>
-                  <a:fillRect l="-1368" t="-2174" b="-5435"/>
-                </a:stretch>
-              </a:blipFill>
-            </p:spPr>
-            <p:txBody>
-              <a:bodyPr/>
-              <a:lstStyle/>
-              <a:p>
-                <a:r>
-                  <a:rPr lang="en-US">
-                    <a:noFill/>
-                  </a:rPr>
-                  <a:t> </a:t>
-                </a:r>
-              </a:p>
-            </p:txBody>
-          </p:sp>
-        </mc:Fallback>
-      </mc:AlternateContent>
-      <mc:AlternateContent xmlns:mc="http://schemas.openxmlformats.org/markup-compatibility/2006" xmlns:a14="http://schemas.microsoft.com/office/drawing/2010/main">
-        <mc:Choice Requires="a14">
-          <p:sp>
-            <p:nvSpPr>
-              <p:cNvPr id="13" name="Rectangle 12"/>
-              <p:cNvSpPr/>
-              <p:nvPr/>
-            </p:nvSpPr>
-            <p:spPr>
-              <a:xfrm>
-                <a:off x="381000" y="122872"/>
-                <a:ext cx="8534400" cy="1477328"/>
-              </a:xfrm>
-              <a:prstGeom prst="rect">
-                <a:avLst/>
-              </a:prstGeom>
-            </p:spPr>
-            <p:txBody>
-              <a:bodyPr wrap="square">
-                <a:spAutoFit/>
-              </a:bodyPr>
-              <a:lstStyle/>
-              <a:p>
-                <a:pPr>
-                  <a:spcBef>
-                    <a:spcPts val="600"/>
-                  </a:spcBef>
-                  <a:spcAft>
-                    <a:spcPts val="600"/>
-                  </a:spcAft>
-                </a:pPr>
-                <a:r>
-                  <a:rPr lang="en-US" sz="3200" b="1" dirty="0" smtClean="0"/>
-                  <a:t>A Ruggedized, Scaled Newton-</a:t>
-                </a:r>
-                <a:r>
-                  <a:rPr lang="en-US" sz="3200" b="1" dirty="0" err="1" smtClean="0"/>
-                  <a:t>Shulz</a:t>
-                </a:r>
-                <a:r>
-                  <a:rPr lang="en-US" sz="3200" b="1" dirty="0" smtClean="0"/>
-                  <a:t> Map</a:t>
-                </a:r>
-              </a:p>
-              <a:p>
-                <a:pPr>
-                  <a:spcBef>
-                    <a:spcPts val="600"/>
-                  </a:spcBef>
-                  <a:spcAft>
-                    <a:spcPts val="600"/>
-                  </a:spcAft>
-                </a:pPr>
-                <a:r>
-                  <a:rPr lang="en-US" sz="2400" dirty="0" smtClean="0"/>
-                  <a:t>Ill-conditioning and </a:t>
-                </a:r>
-                <a:r>
-                  <a:rPr lang="en-US" sz="2400" dirty="0" err="1" smtClean="0"/>
-                  <a:t>SpAMM</a:t>
-                </a:r>
-                <a:r>
-                  <a:rPr lang="en-US" sz="2400" dirty="0"/>
-                  <a:t> </a:t>
-                </a:r>
-                <a:r>
-                  <a:rPr lang="en-US" sz="2400" dirty="0" smtClean="0"/>
-                  <a:t>can bounce EVs out of bounds by </a:t>
-                </a:r>
-                <a14:m>
-                  <m:oMath xmlns:m="http://schemas.openxmlformats.org/officeDocument/2006/math">
-                    <m:r>
-                      <a:rPr lang="en-US" sz="2400" i="1" baseline="-5000" smtClean="0">
-                        <a:latin typeface="Cambria Math"/>
-                        <a:ea typeface="Cambria Math"/>
-                      </a:rPr>
-                      <m:t>∓</m:t>
-                    </m:r>
-                    <m:r>
-                      <a:rPr lang="en-US" sz="2400" i="1" smtClean="0">
-                        <a:latin typeface="Cambria Math"/>
-                        <a:ea typeface="Cambria Math"/>
-                      </a:rPr>
-                      <m:t>𝛿</m:t>
-                    </m:r>
-                    <m:d>
-                      <m:dPr>
-                        <m:ctrlPr>
-                          <a:rPr lang="en-US" sz="2400" i="1" smtClean="0">
-                            <a:latin typeface="Cambria Math"/>
-                            <a:ea typeface="Cambria Math"/>
-                          </a:rPr>
-                        </m:ctrlPr>
-                      </m:dPr>
-                      <m:e>
-                        <m:r>
-                          <a:rPr lang="en-US" sz="2400" i="1" smtClean="0">
-                            <a:latin typeface="Cambria Math"/>
-                            <a:ea typeface="Cambria Math"/>
-                          </a:rPr>
-                          <m:t>𝜏</m:t>
-                        </m:r>
-                      </m:e>
-                    </m:d>
-                  </m:oMath>
-                </a14:m>
-                <a:r>
-                  <a:rPr lang="en-US" sz="2400" dirty="0" smtClean="0"/>
-                  <a:t>.   </a:t>
-                </a:r>
-                <a:r>
-                  <a:rPr lang="en-US" sz="3600" b="1" baseline="-10000" dirty="0" smtClean="0">
-                    <a:sym typeface="Wingdings"/>
-                  </a:rPr>
-                  <a:t></a:t>
-                </a:r>
-                <a:r>
-                  <a:rPr lang="en-US" sz="2400" b="1" dirty="0" smtClean="0">
-                    <a:sym typeface="Wingdings"/>
-                  </a:rPr>
-                  <a:t> </a:t>
-                </a:r>
-                <a:r>
-                  <a:rPr lang="en-US" sz="2400" dirty="0" smtClean="0">
-                    <a:sym typeface="Wingdings"/>
-                  </a:rPr>
-                  <a:t>stabilize by spreading 0/1 inflections by </a:t>
-                </a:r>
-                <a14:m>
-                  <m:oMath xmlns:m="http://schemas.openxmlformats.org/officeDocument/2006/math">
-                    <m:r>
-                      <a:rPr lang="en-US" sz="2400" i="1" baseline="-5000" smtClean="0">
-                        <a:latin typeface="Cambria Math"/>
-                        <a:ea typeface="Cambria Math"/>
-                      </a:rPr>
-                      <m:t>∓</m:t>
-                    </m:r>
-                    <m:r>
-                      <a:rPr lang="en-US" sz="2400" i="1" smtClean="0">
-                        <a:latin typeface="Cambria Math"/>
-                        <a:ea typeface="Cambria Math"/>
-                      </a:rPr>
-                      <m:t>𝛿</m:t>
-                    </m:r>
-                  </m:oMath>
-                </a14:m>
-                <a:r>
-                  <a:rPr lang="en-US" sz="2400" dirty="0" smtClean="0"/>
-                  <a:t>.</a:t>
-                </a:r>
-                <a:endParaRPr lang="en-US" sz="2400" dirty="0"/>
-              </a:p>
-            </p:txBody>
-          </p:sp>
-        </mc:Choice>
-        <mc:Fallback xmlns="">
-          <p:sp>
-            <p:nvSpPr>
-              <p:cNvPr id="13" name="Rectangle 12"/>
-              <p:cNvSpPr>
-                <a:spLocks noRot="1" noChangeAspect="1" noMove="1" noResize="1" noEditPoints="1" noAdjustHandles="1" noChangeArrowheads="1" noChangeShapeType="1" noTextEdit="1"/>
-              </p:cNvSpPr>
-              <p:nvPr/>
-            </p:nvSpPr>
-            <p:spPr>
-              <a:xfrm>
-                <a:off x="381000" y="122872"/>
-                <a:ext cx="8534400" cy="1477328"/>
-              </a:xfrm>
-              <a:prstGeom prst="rect">
-                <a:avLst/>
-              </a:prstGeom>
-              <a:blipFill rotWithShape="1">
-                <a:blip r:embed="rId7"/>
-                <a:stretch>
-                  <a:fillRect l="-1857" t="-5350" b="-10700"/>
-                </a:stretch>
-              </a:blipFill>
-            </p:spPr>
-            <p:txBody>
-              <a:bodyPr/>
-              <a:lstStyle/>
-              <a:p>
-                <a:r>
-                  <a:rPr lang="en-US">
-                    <a:noFill/>
-                  </a:rPr>
-                  <a:t> </a:t>
-                </a:r>
-              </a:p>
-            </p:txBody>
-          </p:sp>
-        </mc:Fallback>
-      </mc:AlternateContent>
-      <p:sp>
-        <p:nvSpPr>
-          <p:cNvPr id="15" name="Striped Right Arrow 14"/>
-          <p:cNvSpPr/>
-          <p:nvPr/>
-        </p:nvSpPr>
-        <p:spPr>
-          <a:xfrm flipH="1">
-            <a:off x="1605280" y="5892800"/>
-            <a:ext cx="487680" cy="147320"/>
-          </a:xfrm>
-          <a:prstGeom prst="stripedRightArrow">
-            <a:avLst/>
-          </a:prstGeom>
-        </p:spPr>
-        <p:style>
-          <a:lnRef idx="1">
-            <a:schemeClr val="accent3"/>
-          </a:lnRef>
-          <a:fillRef idx="2">
-            <a:schemeClr val="accent3"/>
-          </a:fillRef>
-          <a:effectRef idx="1">
-            <a:schemeClr val="accent3"/>
-          </a:effectRef>
-          <a:fontRef idx="minor">
-            <a:schemeClr val="dk1"/>
-          </a:fontRef>
-        </p:style>
-        <p:txBody>
-          <a:bodyPr rtlCol="0" anchor="ctr"/>
-          <a:lstStyle/>
-          <a:p>
-            <a:pPr algn="ctr"/>
-            <a:endParaRPr lang="en-US">
-              <a:solidFill>
-                <a:srgbClr val="00B050"/>
-              </a:solidFill>
-            </a:endParaRPr>
-          </a:p>
-        </p:txBody>
-      </p:sp>
-      <p:sp>
-        <p:nvSpPr>
-          <p:cNvPr id="16" name="Striped Right Arrow 15"/>
-          <p:cNvSpPr/>
-          <p:nvPr/>
-        </p:nvSpPr>
-        <p:spPr>
-          <a:xfrm>
-            <a:off x="6471920" y="5894416"/>
-            <a:ext cx="538480" cy="145704"/>
-          </a:xfrm>
-          <a:prstGeom prst="stripedRightArrow">
-            <a:avLst/>
-          </a:prstGeom>
-        </p:spPr>
-        <p:style>
-          <a:lnRef idx="1">
-            <a:schemeClr val="accent3"/>
-          </a:lnRef>
-          <a:fillRef idx="2">
-            <a:schemeClr val="accent3"/>
-          </a:fillRef>
-          <a:effectRef idx="1">
-            <a:schemeClr val="accent3"/>
-          </a:effectRef>
-          <a:fontRef idx="minor">
-            <a:schemeClr val="dk1"/>
-          </a:fontRef>
-        </p:style>
-        <p:txBody>
-          <a:bodyPr rtlCol="0" anchor="ctr"/>
-          <a:lstStyle/>
-          <a:p>
-            <a:pPr algn="ctr"/>
-            <a:endParaRPr lang="en-US">
-              <a:solidFill>
-                <a:srgbClr val="FF0000"/>
-              </a:solidFill>
-            </a:endParaRPr>
-          </a:p>
-        </p:txBody>
-      </p:sp>
-    </p:spTree>
-    <p:extLst>
-      <p:ext uri="{BB962C8B-B14F-4D97-AF65-F5344CB8AC3E}">
-        <p14:creationId xmlns:p14="http://schemas.microsoft.com/office/powerpoint/2010/main" val="422847147"/>
-      </p:ext>
-    </p:extLst>
-  </p:cSld>
-  <p:clrMapOvr>
-    <a:masterClrMapping/>
-  </p:clrMapOvr>
-</p:sld>
-</file>
-
-<file path=ppt/slides/slide13.xml><?xml version="1.0" encoding="utf-8"?>
-<p:sld xmlns:a="http://schemas.openxmlformats.org/drawingml/2006/main" xmlns:r="http://schemas.openxmlformats.org/officeDocument/2006/relationships" xmlns:p="http://schemas.openxmlformats.org/presentationml/2006/main">
-  <p:cSld>
-    <p:spTree>
-      <p:nvGrpSpPr>
-        <p:cNvPr id="1" name=""/>
-        <p:cNvGrpSpPr/>
-        <p:nvPr/>
-      </p:nvGrpSpPr>
-      <p:grpSpPr>
-        <a:xfrm>
-          <a:off x="0" y="0"/>
-          <a:ext cx="0" cy="0"/>
-          <a:chOff x="0" y="0"/>
-          <a:chExt cx="0" cy="0"/>
-        </a:xfrm>
-      </p:grpSpPr>
-      <p:sp>
-        <p:nvSpPr>
-          <p:cNvPr id="2" name="Title 1"/>
-          <p:cNvSpPr>
-            <a:spLocks noGrp="1"/>
-          </p:cNvSpPr>
-          <p:nvPr>
-            <p:ph type="title"/>
-          </p:nvPr>
-        </p:nvSpPr>
-        <p:spPr/>
-        <p:txBody>
-          <a:bodyPr/>
-          <a:lstStyle/>
-          <a:p>
             <a:endParaRPr lang="en-US"/>
           </a:p>
         </p:txBody>
@@ -5629,7 +4057,7 @@
 </p:sld>
 </file>
 
-<file path=ppt/slides/slide14.xml><?xml version="1.0" encoding="utf-8"?>
+<file path=ppt/slides/slide11.xml><?xml version="1.0" encoding="utf-8"?>
 <p:sld xmlns:a="http://schemas.openxmlformats.org/drawingml/2006/main" xmlns:r="http://schemas.openxmlformats.org/officeDocument/2006/relationships" xmlns:p="http://schemas.openxmlformats.org/presentationml/2006/main">
   <p:cSld>
     <p:spTree>
@@ -5751,12 +4179,8 @@
                   </a:spcAft>
                 </a:pPr>
                 <a:r>
-                  <a:rPr lang="en-US" sz="2200" u="sng" dirty="0"/>
-                  <a:t>n</a:t>
-                </a:r>
-                <a:r>
                   <a:rPr lang="en-US" sz="2200" u="sng" dirty="0" smtClean="0"/>
-                  <a:t>ested NS </a:t>
+                  <a:t>nested NS </a:t>
                 </a:r>
                 <a:r>
                   <a:rPr lang="en-US" sz="2200" u="sng" dirty="0" err="1" smtClean="0"/>
@@ -5913,6 +4337,12 @@
                                 <a:latin typeface="Cambria Math"/>
                               </a:rPr>
                               <m:t> …</m:t>
+                            </m:r>
+                            <m:r>
+                              <a:rPr lang="en-US" sz="2400" b="0" i="1" smtClean="0">
+                                <a:latin typeface="Cambria Math"/>
+                              </a:rPr>
+                              <m:t> </m:t>
                             </m:r>
                             <m:r>
                               <a:rPr lang="en-US" sz="2400" b="0" i="1" smtClean="0">
@@ -6598,12 +5028,8 @@
                   </a:spcAft>
                 </a:pPr>
                 <a:r>
-                  <a:rPr lang="en-US" sz="2200" u="sng" dirty="0"/>
-                  <a:t>s</a:t>
-                </a:r>
-                <a:r>
                   <a:rPr lang="en-US" sz="2200" u="sng" dirty="0" smtClean="0"/>
-                  <a:t>andwich form of the factor:</a:t>
+                  <a:t>sandwich form of the factor:</a:t>
                 </a:r>
                 <a:endParaRPr lang="en-US" sz="2200" i="1" dirty="0" smtClean="0">
                   <a:latin typeface="Cambria Math"/>
@@ -7419,7 +5845,7 @@
                 </a14:m>
                 <a:r>
                   <a:rPr lang="en-US" sz="2400" dirty="0" smtClean="0"/>
-                  <a:t>, in the basin of convergence (cheap)    </a:t>
+                  <a:t>, in the basin of convergence (cheap).    </a:t>
                 </a:r>
               </a:p>
             </p:txBody>
@@ -7477,9 +5903,17 @@
 </p:sld>
 </file>
 
-<file path=ppt/slides/slide15.xml><?xml version="1.0" encoding="utf-8"?>
+<file path=ppt/slides/slide12.xml><?xml version="1.0" encoding="utf-8"?>
 <p:sld xmlns:a="http://schemas.openxmlformats.org/drawingml/2006/main" xmlns:r="http://schemas.openxmlformats.org/officeDocument/2006/relationships" xmlns:p="http://schemas.openxmlformats.org/presentationml/2006/main">
   <p:cSld>
+    <p:bg>
+      <p:bgPr>
+        <a:solidFill>
+          <a:schemeClr val="bg1"/>
+        </a:solidFill>
+        <a:effectLst/>
+      </p:bgPr>
+    </p:bg>
     <p:spTree>
       <p:nvGrpSpPr>
         <p:cNvPr id="1" name=""/>
@@ -7494,6 +5928,137 @@
           <a:chExt cx="0" cy="0"/>
         </a:xfrm>
       </p:grpSpPr>
+      <p:sp>
+        <p:nvSpPr>
+          <p:cNvPr id="6" name="Line Callout 1 (Border and Accent Bar) 5"/>
+          <p:cNvSpPr/>
+          <p:nvPr/>
+        </p:nvSpPr>
+        <p:spPr>
+          <a:xfrm rot="21343692" flipH="1">
+            <a:off x="4977837" y="3575899"/>
+            <a:ext cx="365998" cy="2204732"/>
+          </a:xfrm>
+          <a:prstGeom prst="accentBorderCallout1">
+            <a:avLst>
+              <a:gd name="adj1" fmla="val 18750"/>
+              <a:gd name="adj2" fmla="val -8333"/>
+              <a:gd name="adj3" fmla="val 40865"/>
+              <a:gd name="adj4" fmla="val -102568"/>
+            </a:avLst>
+          </a:prstGeom>
+        </p:spPr>
+        <p:style>
+          <a:lnRef idx="1">
+            <a:schemeClr val="accent3"/>
+          </a:lnRef>
+          <a:fillRef idx="2">
+            <a:schemeClr val="accent3"/>
+          </a:fillRef>
+          <a:effectRef idx="1">
+            <a:schemeClr val="accent3"/>
+          </a:effectRef>
+          <a:fontRef idx="minor">
+            <a:schemeClr val="dk1"/>
+          </a:fontRef>
+        </p:style>
+        <p:txBody>
+          <a:bodyPr rtlCol="0" anchor="ctr"/>
+          <a:lstStyle/>
+          <a:p>
+            <a:pPr algn="ctr"/>
+            <a:endParaRPr lang="en-US"/>
+          </a:p>
+        </p:txBody>
+      </p:sp>
+      <p:sp>
+        <p:nvSpPr>
+          <p:cNvPr id="4" name="Line Callout 1 (Border and Accent Bar) 3"/>
+          <p:cNvSpPr/>
+          <p:nvPr/>
+        </p:nvSpPr>
+        <p:spPr>
+          <a:xfrm rot="20807746" flipH="1">
+            <a:off x="4435335" y="1766304"/>
+            <a:ext cx="395608" cy="1835827"/>
+          </a:xfrm>
+          <a:prstGeom prst="accentBorderCallout1">
+            <a:avLst>
+              <a:gd name="adj1" fmla="val 18750"/>
+              <a:gd name="adj2" fmla="val -8333"/>
+              <a:gd name="adj3" fmla="val 45967"/>
+              <a:gd name="adj4" fmla="val -102289"/>
+            </a:avLst>
+          </a:prstGeom>
+          <a:ln w="15875"/>
+        </p:spPr>
+        <p:style>
+          <a:lnRef idx="1">
+            <a:schemeClr val="accent3"/>
+          </a:lnRef>
+          <a:fillRef idx="2">
+            <a:schemeClr val="accent3"/>
+          </a:fillRef>
+          <a:effectRef idx="1">
+            <a:schemeClr val="accent3"/>
+          </a:effectRef>
+          <a:fontRef idx="minor">
+            <a:schemeClr val="dk1"/>
+          </a:fontRef>
+        </p:style>
+        <p:txBody>
+          <a:bodyPr rtlCol="0" anchor="ctr"/>
+          <a:lstStyle/>
+          <a:p>
+            <a:pPr algn="ctr"/>
+            <a:endParaRPr lang="en-US"/>
+          </a:p>
+        </p:txBody>
+      </p:sp>
+      <p:sp>
+        <p:nvSpPr>
+          <p:cNvPr id="2" name="Line Callout 1 (Border and Accent Bar) 1"/>
+          <p:cNvSpPr/>
+          <p:nvPr/>
+        </p:nvSpPr>
+        <p:spPr>
+          <a:xfrm rot="16790551" flipH="1">
+            <a:off x="2958620" y="481396"/>
+            <a:ext cx="361638" cy="2257409"/>
+          </a:xfrm>
+          <a:prstGeom prst="accentBorderCallout1">
+            <a:avLst>
+              <a:gd name="adj1" fmla="val 18750"/>
+              <a:gd name="adj2" fmla="val -8333"/>
+              <a:gd name="adj3" fmla="val 81607"/>
+              <a:gd name="adj4" fmla="val -86199"/>
+            </a:avLst>
+          </a:prstGeom>
+          <a:ln w="15875"/>
+        </p:spPr>
+        <p:style>
+          <a:lnRef idx="1">
+            <a:schemeClr val="accent3"/>
+          </a:lnRef>
+          <a:fillRef idx="2">
+            <a:schemeClr val="accent3"/>
+          </a:fillRef>
+          <a:effectRef idx="1">
+            <a:schemeClr val="accent3"/>
+          </a:effectRef>
+          <a:fontRef idx="minor">
+            <a:schemeClr val="dk1"/>
+          </a:fontRef>
+        </p:style>
+        <p:txBody>
+          <a:bodyPr rtlCol="0" anchor="ctr"/>
+          <a:lstStyle/>
+          <a:p>
+            <a:pPr algn="ctr"/>
+            <a:endParaRPr lang="en-US"/>
+          </a:p>
+        </p:txBody>
+      </p:sp>
       <p:pic>
         <p:nvPicPr>
           <p:cNvPr id="5" name="Picture 4"/>
@@ -7516,14 +6081,911 @@
         </p:blipFill>
         <p:spPr>
           <a:xfrm>
-            <a:off x="1524000" y="1143000"/>
-            <a:ext cx="6096000" cy="4572000"/>
+            <a:off x="457200" y="960120"/>
+            <a:ext cx="7863840" cy="5897880"/>
           </a:xfrm>
           <a:prstGeom prst="rect">
             <a:avLst/>
           </a:prstGeom>
         </p:spPr>
       </p:pic>
+      <mc:AlternateContent xmlns:mc="http://schemas.openxmlformats.org/markup-compatibility/2006">
+        <mc:Choice xmlns:a14="http://schemas.microsoft.com/office/drawing/2010/main" Requires="a14">
+          <p:sp>
+            <p:nvSpPr>
+              <p:cNvPr id="3" name="TextBox 2"/>
+              <p:cNvSpPr txBox="1"/>
+              <p:nvPr/>
+            </p:nvSpPr>
+            <p:spPr>
+              <a:xfrm>
+                <a:off x="3810000" y="1066800"/>
+                <a:ext cx="2614755" cy="369332"/>
+              </a:xfrm>
+              <a:prstGeom prst="rect">
+                <a:avLst/>
+              </a:prstGeom>
+              <a:solidFill>
+                <a:schemeClr val="bg1"/>
+              </a:solidFill>
+            </p:spPr>
+            <p:txBody>
+              <a:bodyPr wrap="none" rtlCol="0">
+                <a:spAutoFit/>
+              </a:bodyPr>
+              <a:lstStyle/>
+              <a:p>
+                <a14:m>
+                  <m:oMathPara xmlns:m="http://schemas.openxmlformats.org/officeDocument/2006/math">
+                    <m:oMathParaPr>
+                      <m:jc m:val="centerGroup"/>
+                    </m:oMathParaPr>
+                    <m:oMath xmlns:m="http://schemas.openxmlformats.org/officeDocument/2006/math">
+                      <m:r>
+                        <a:rPr lang="en-US" b="0" i="1" smtClean="0">
+                          <a:latin typeface="Cambria Math"/>
+                        </a:rPr>
+                        <m:t>𝑁𝑆</m:t>
+                      </m:r>
+                      <m:d>
+                        <m:dPr>
+                          <m:begChr m:val="["/>
+                          <m:endChr m:val="]"/>
+                          <m:ctrlPr>
+                            <a:rPr lang="en-US" b="0" i="1" smtClean="0">
+                              <a:latin typeface="Cambria Math"/>
+                            </a:rPr>
+                          </m:ctrlPr>
+                        </m:dPr>
+                        <m:e>
+                          <m:r>
+                            <a:rPr lang="en-US" b="0" i="1" smtClean="0">
+                              <a:latin typeface="Cambria Math"/>
+                            </a:rPr>
+                            <m:t> </m:t>
+                          </m:r>
+                          <m:d>
+                            <m:dPr>
+                              <m:begChr m:val="{"/>
+                              <m:endChr m:val="}"/>
+                              <m:ctrlPr>
+                                <a:rPr lang="en-US" b="0" i="1" smtClean="0">
+                                  <a:latin typeface="Cambria Math"/>
+                                </a:rPr>
+                              </m:ctrlPr>
+                            </m:dPr>
+                            <m:e>
+                              <m:sSub>
+                                <m:sSubPr>
+                                  <m:ctrlPr>
+                                    <a:rPr lang="en-US" b="0" i="1" smtClean="0">
+                                      <a:latin typeface="Cambria Math"/>
+                                    </a:rPr>
+                                  </m:ctrlPr>
+                                </m:sSubPr>
+                                <m:e>
+                                  <m:r>
+                                    <a:rPr lang="en-US" b="1" i="1" smtClean="0">
+                                      <a:latin typeface="Cambria Math"/>
+                                    </a:rPr>
+                                    <m:t>𝒙</m:t>
+                                  </m:r>
+                                </m:e>
+                                <m:sub>
+                                  <m:r>
+                                    <a:rPr lang="en-US" b="0" i="1" smtClean="0">
+                                      <a:latin typeface="Cambria Math"/>
+                                    </a:rPr>
+                                    <m:t>0</m:t>
+                                  </m:r>
+                                </m:sub>
+                              </m:sSub>
+                              <m:r>
+                                <a:rPr lang="en-US" b="0" i="1" smtClean="0">
+                                  <a:latin typeface="Cambria Math"/>
+                                </a:rPr>
+                                <m:t>,</m:t>
+                              </m:r>
+                              <m:sSub>
+                                <m:sSubPr>
+                                  <m:ctrlPr>
+                                    <a:rPr lang="en-US" b="0" i="1" smtClean="0">
+                                      <a:latin typeface="Cambria Math"/>
+                                    </a:rPr>
+                                  </m:ctrlPr>
+                                </m:sSubPr>
+                                <m:e>
+                                  <m:r>
+                                    <a:rPr lang="en-US" b="1" i="1" smtClean="0">
+                                      <a:latin typeface="Cambria Math"/>
+                                    </a:rPr>
+                                    <m:t>𝒛</m:t>
+                                  </m:r>
+                                </m:e>
+                                <m:sub>
+                                  <m:r>
+                                    <a:rPr lang="en-US" b="0" i="1" smtClean="0">
+                                      <a:latin typeface="Cambria Math"/>
+                                    </a:rPr>
+                                    <m:t>0</m:t>
+                                  </m:r>
+                                </m:sub>
+                              </m:sSub>
+                            </m:e>
+                          </m:d>
+                          <m:r>
+                            <a:rPr lang="en-US" b="0" i="1" smtClean="0">
+                              <a:latin typeface="Cambria Math"/>
+                            </a:rPr>
+                            <m:t>, </m:t>
+                          </m:r>
+                          <m:sSub>
+                            <m:sSubPr>
+                              <m:ctrlPr>
+                                <a:rPr lang="en-US" b="0" i="1" smtClean="0">
+                                  <a:latin typeface="Cambria Math"/>
+                                </a:rPr>
+                              </m:ctrlPr>
+                            </m:sSubPr>
+                            <m:e>
+                              <m:r>
+                                <a:rPr lang="en-US" b="0" i="1" smtClean="0">
+                                  <a:latin typeface="Cambria Math"/>
+                                </a:rPr>
+                                <m:t> </m:t>
+                              </m:r>
+                              <m:r>
+                                <a:rPr lang="en-US" b="0" i="1" smtClean="0">
+                                  <a:latin typeface="Cambria Math"/>
+                                  <a:ea typeface="Cambria Math"/>
+                                </a:rPr>
+                                <m:t>𝜏</m:t>
+                              </m:r>
+                            </m:e>
+                            <m:sub>
+                              <m:r>
+                                <a:rPr lang="en-US" b="0" i="1" smtClean="0">
+                                  <a:latin typeface="Cambria Math"/>
+                                </a:rPr>
+                                <m:t>0</m:t>
+                              </m:r>
+                            </m:sub>
+                          </m:sSub>
+                          <m:r>
+                            <a:rPr lang="en-US" b="0" i="1" smtClean="0">
+                              <a:latin typeface="Cambria Math"/>
+                            </a:rPr>
+                            <m:t>=</m:t>
+                          </m:r>
+                          <m:sSup>
+                            <m:sSupPr>
+                              <m:ctrlPr>
+                                <a:rPr lang="en-US" b="0" i="1" smtClean="0">
+                                  <a:latin typeface="Cambria Math"/>
+                                </a:rPr>
+                              </m:ctrlPr>
+                            </m:sSupPr>
+                            <m:e>
+                              <m:r>
+                                <a:rPr lang="en-US" b="0" i="1" smtClean="0">
+                                  <a:latin typeface="Cambria Math"/>
+                                </a:rPr>
+                                <m:t>10</m:t>
+                              </m:r>
+                            </m:e>
+                            <m:sup>
+                              <m:r>
+                                <a:rPr lang="en-US" b="0" i="1" smtClean="0">
+                                  <a:latin typeface="Cambria Math"/>
+                                </a:rPr>
+                                <m:t>−3</m:t>
+                              </m:r>
+                            </m:sup>
+                          </m:sSup>
+                          <m:r>
+                            <a:rPr lang="en-US" b="0" i="1" smtClean="0">
+                              <a:latin typeface="Cambria Math"/>
+                            </a:rPr>
+                            <m:t> </m:t>
+                          </m:r>
+                        </m:e>
+                      </m:d>
+                    </m:oMath>
+                  </m:oMathPara>
+                </a14:m>
+                <a:endParaRPr lang="en-US" dirty="0"/>
+              </a:p>
+            </p:txBody>
+          </p:sp>
+        </mc:Choice>
+        <mc:Fallback>
+          <p:sp>
+            <p:nvSpPr>
+              <p:cNvPr id="3" name="TextBox 2"/>
+              <p:cNvSpPr txBox="1">
+                <a:spLocks noRot="1" noChangeAspect="1" noMove="1" noResize="1" noEditPoints="1" noAdjustHandles="1" noChangeArrowheads="1" noChangeShapeType="1" noTextEdit="1"/>
+              </p:cNvSpPr>
+              <p:nvPr/>
+            </p:nvSpPr>
+            <p:spPr>
+              <a:xfrm>
+                <a:off x="3810000" y="1066800"/>
+                <a:ext cx="2614755" cy="369332"/>
+              </a:xfrm>
+              <a:prstGeom prst="rect">
+                <a:avLst/>
+              </a:prstGeom>
+              <a:blipFill rotWithShape="1">
+                <a:blip r:embed="rId3"/>
+                <a:stretch>
+                  <a:fillRect/>
+                </a:stretch>
+              </a:blipFill>
+            </p:spPr>
+            <p:txBody>
+              <a:bodyPr/>
+              <a:lstStyle/>
+              <a:p>
+                <a:r>
+                  <a:rPr lang="en-US">
+                    <a:noFill/>
+                  </a:rPr>
+                  <a:t> </a:t>
+                </a:r>
+              </a:p>
+            </p:txBody>
+          </p:sp>
+        </mc:Fallback>
+      </mc:AlternateContent>
+      <mc:AlternateContent xmlns:mc="http://schemas.openxmlformats.org/markup-compatibility/2006">
+        <mc:Choice xmlns:a14="http://schemas.microsoft.com/office/drawing/2010/main" Requires="a14">
+          <p:sp>
+            <p:nvSpPr>
+              <p:cNvPr id="7" name="TextBox 6"/>
+              <p:cNvSpPr txBox="1"/>
+              <p:nvPr/>
+            </p:nvSpPr>
+            <p:spPr>
+              <a:xfrm>
+                <a:off x="4953000" y="2450068"/>
+                <a:ext cx="2601931" cy="369332"/>
+              </a:xfrm>
+              <a:prstGeom prst="rect">
+                <a:avLst/>
+              </a:prstGeom>
+              <a:solidFill>
+                <a:schemeClr val="bg1"/>
+              </a:solidFill>
+            </p:spPr>
+            <p:txBody>
+              <a:bodyPr wrap="none" rtlCol="0">
+                <a:spAutoFit/>
+              </a:bodyPr>
+              <a:lstStyle/>
+              <a:p>
+                <a14:m>
+                  <m:oMathPara xmlns:m="http://schemas.openxmlformats.org/officeDocument/2006/math">
+                    <m:oMathParaPr>
+                      <m:jc m:val="centerGroup"/>
+                    </m:oMathParaPr>
+                    <m:oMath xmlns:m="http://schemas.openxmlformats.org/officeDocument/2006/math">
+                      <m:r>
+                        <a:rPr lang="en-US" b="0" i="1" smtClean="0">
+                          <a:latin typeface="Cambria Math"/>
+                        </a:rPr>
+                        <m:t>𝑁𝑆</m:t>
+                      </m:r>
+                      <m:d>
+                        <m:dPr>
+                          <m:begChr m:val="["/>
+                          <m:endChr m:val="]"/>
+                          <m:ctrlPr>
+                            <a:rPr lang="en-US" b="0" i="1" smtClean="0">
+                              <a:latin typeface="Cambria Math"/>
+                            </a:rPr>
+                          </m:ctrlPr>
+                        </m:dPr>
+                        <m:e>
+                          <m:r>
+                            <a:rPr lang="en-US" b="0" i="1" smtClean="0">
+                              <a:latin typeface="Cambria Math"/>
+                            </a:rPr>
+                            <m:t> </m:t>
+                          </m:r>
+                          <m:d>
+                            <m:dPr>
+                              <m:begChr m:val="{"/>
+                              <m:endChr m:val="}"/>
+                              <m:ctrlPr>
+                                <a:rPr lang="en-US" b="0" i="1" smtClean="0">
+                                  <a:latin typeface="Cambria Math"/>
+                                </a:rPr>
+                              </m:ctrlPr>
+                            </m:dPr>
+                            <m:e>
+                              <m:sSub>
+                                <m:sSubPr>
+                                  <m:ctrlPr>
+                                    <a:rPr lang="en-US" b="0" i="1" smtClean="0">
+                                      <a:latin typeface="Cambria Math"/>
+                                    </a:rPr>
+                                  </m:ctrlPr>
+                                </m:sSubPr>
+                                <m:e>
+                                  <m:r>
+                                    <a:rPr lang="en-US" b="1" i="1" smtClean="0">
+                                      <a:latin typeface="Cambria Math"/>
+                                    </a:rPr>
+                                    <m:t>𝒙</m:t>
+                                  </m:r>
+                                </m:e>
+                                <m:sub>
+                                  <m:r>
+                                    <a:rPr lang="en-US" b="0" i="1" smtClean="0">
+                                      <a:latin typeface="Cambria Math"/>
+                                    </a:rPr>
+                                    <m:t>1</m:t>
+                                  </m:r>
+                                </m:sub>
+                              </m:sSub>
+                              <m:r>
+                                <a:rPr lang="en-US" b="0" i="1" smtClean="0">
+                                  <a:latin typeface="Cambria Math"/>
+                                </a:rPr>
+                                <m:t>,</m:t>
+                              </m:r>
+                              <m:sSub>
+                                <m:sSubPr>
+                                  <m:ctrlPr>
+                                    <a:rPr lang="en-US" b="0" i="1" smtClean="0">
+                                      <a:latin typeface="Cambria Math"/>
+                                    </a:rPr>
+                                  </m:ctrlPr>
+                                </m:sSubPr>
+                                <m:e>
+                                  <m:r>
+                                    <a:rPr lang="en-US" b="1" i="1" smtClean="0">
+                                      <a:latin typeface="Cambria Math"/>
+                                    </a:rPr>
+                                    <m:t>𝒛</m:t>
+                                  </m:r>
+                                </m:e>
+                                <m:sub>
+                                  <m:r>
+                                    <a:rPr lang="en-US" b="0" i="1" smtClean="0">
+                                      <a:latin typeface="Cambria Math"/>
+                                    </a:rPr>
+                                    <m:t>1</m:t>
+                                  </m:r>
+                                </m:sub>
+                              </m:sSub>
+                            </m:e>
+                          </m:d>
+                          <m:r>
+                            <a:rPr lang="en-US" b="0" i="1" smtClean="0">
+                              <a:latin typeface="Cambria Math"/>
+                            </a:rPr>
+                            <m:t>, </m:t>
+                          </m:r>
+                          <m:sSub>
+                            <m:sSubPr>
+                              <m:ctrlPr>
+                                <a:rPr lang="en-US" b="0" i="1" smtClean="0">
+                                  <a:latin typeface="Cambria Math"/>
+                                </a:rPr>
+                              </m:ctrlPr>
+                            </m:sSubPr>
+                            <m:e>
+                              <m:r>
+                                <a:rPr lang="en-US" b="0" i="1" smtClean="0">
+                                  <a:latin typeface="Cambria Math"/>
+                                </a:rPr>
+                                <m:t> </m:t>
+                              </m:r>
+                              <m:r>
+                                <a:rPr lang="en-US" b="0" i="1" smtClean="0">
+                                  <a:latin typeface="Cambria Math"/>
+                                  <a:ea typeface="Cambria Math"/>
+                                </a:rPr>
+                                <m:t>𝜏</m:t>
+                              </m:r>
+                            </m:e>
+                            <m:sub>
+                              <m:r>
+                                <a:rPr lang="en-US" b="0" i="1" smtClean="0">
+                                  <a:latin typeface="Cambria Math"/>
+                                </a:rPr>
+                                <m:t>1</m:t>
+                              </m:r>
+                            </m:sub>
+                          </m:sSub>
+                          <m:r>
+                            <a:rPr lang="en-US" b="0" i="1" smtClean="0">
+                              <a:latin typeface="Cambria Math"/>
+                            </a:rPr>
+                            <m:t>=</m:t>
+                          </m:r>
+                          <m:sSup>
+                            <m:sSupPr>
+                              <m:ctrlPr>
+                                <a:rPr lang="en-US" b="0" i="1" smtClean="0">
+                                  <a:latin typeface="Cambria Math"/>
+                                </a:rPr>
+                              </m:ctrlPr>
+                            </m:sSupPr>
+                            <m:e>
+                              <m:r>
+                                <a:rPr lang="en-US" b="0" i="1" smtClean="0">
+                                  <a:latin typeface="Cambria Math"/>
+                                </a:rPr>
+                                <m:t>10</m:t>
+                              </m:r>
+                            </m:e>
+                            <m:sup>
+                              <m:r>
+                                <a:rPr lang="en-US" b="0" i="1" smtClean="0">
+                                  <a:latin typeface="Cambria Math"/>
+                                </a:rPr>
+                                <m:t>−7</m:t>
+                              </m:r>
+                            </m:sup>
+                          </m:sSup>
+                          <m:r>
+                            <a:rPr lang="en-US" b="0" i="1" smtClean="0">
+                              <a:latin typeface="Cambria Math"/>
+                            </a:rPr>
+                            <m:t> </m:t>
+                          </m:r>
+                        </m:e>
+                      </m:d>
+                    </m:oMath>
+                  </m:oMathPara>
+                </a14:m>
+                <a:endParaRPr lang="en-US" dirty="0"/>
+              </a:p>
+            </p:txBody>
+          </p:sp>
+        </mc:Choice>
+        <mc:Fallback>
+          <p:sp>
+            <p:nvSpPr>
+              <p:cNvPr id="7" name="TextBox 6"/>
+              <p:cNvSpPr txBox="1">
+                <a:spLocks noRot="1" noChangeAspect="1" noMove="1" noResize="1" noEditPoints="1" noAdjustHandles="1" noChangeArrowheads="1" noChangeShapeType="1" noTextEdit="1"/>
+              </p:cNvSpPr>
+              <p:nvPr/>
+            </p:nvSpPr>
+            <p:spPr>
+              <a:xfrm>
+                <a:off x="4953000" y="2450068"/>
+                <a:ext cx="2601931" cy="369332"/>
+              </a:xfrm>
+              <a:prstGeom prst="rect">
+                <a:avLst/>
+              </a:prstGeom>
+              <a:blipFill rotWithShape="1">
+                <a:blip r:embed="rId4"/>
+                <a:stretch>
+                  <a:fillRect/>
+                </a:stretch>
+              </a:blipFill>
+            </p:spPr>
+            <p:txBody>
+              <a:bodyPr/>
+              <a:lstStyle/>
+              <a:p>
+                <a:r>
+                  <a:rPr lang="en-US">
+                    <a:noFill/>
+                  </a:rPr>
+                  <a:t> </a:t>
+                </a:r>
+              </a:p>
+            </p:txBody>
+          </p:sp>
+        </mc:Fallback>
+      </mc:AlternateContent>
+      <mc:AlternateContent xmlns:mc="http://schemas.openxmlformats.org/markup-compatibility/2006">
+        <mc:Choice xmlns:a14="http://schemas.microsoft.com/office/drawing/2010/main" Requires="a14">
+          <p:sp>
+            <p:nvSpPr>
+              <p:cNvPr id="8" name="TextBox 7"/>
+              <p:cNvSpPr txBox="1"/>
+              <p:nvPr/>
+            </p:nvSpPr>
+            <p:spPr>
+              <a:xfrm>
+                <a:off x="5691045" y="4278868"/>
+                <a:ext cx="2699713" cy="369332"/>
+              </a:xfrm>
+              <a:prstGeom prst="rect">
+                <a:avLst/>
+              </a:prstGeom>
+              <a:solidFill>
+                <a:schemeClr val="bg1"/>
+              </a:solidFill>
+            </p:spPr>
+            <p:txBody>
+              <a:bodyPr wrap="none" rtlCol="0">
+                <a:spAutoFit/>
+              </a:bodyPr>
+              <a:lstStyle/>
+              <a:p>
+                <a14:m>
+                  <m:oMathPara xmlns:m="http://schemas.openxmlformats.org/officeDocument/2006/math">
+                    <m:oMathParaPr>
+                      <m:jc m:val="centerGroup"/>
+                    </m:oMathParaPr>
+                    <m:oMath xmlns:m="http://schemas.openxmlformats.org/officeDocument/2006/math">
+                      <m:r>
+                        <a:rPr lang="en-US" b="0" i="1" smtClean="0">
+                          <a:latin typeface="Cambria Math"/>
+                        </a:rPr>
+                        <m:t>𝑁𝑆</m:t>
+                      </m:r>
+                      <m:d>
+                        <m:dPr>
+                          <m:begChr m:val="["/>
+                          <m:endChr m:val="]"/>
+                          <m:ctrlPr>
+                            <a:rPr lang="en-US" b="0" i="1" smtClean="0">
+                              <a:latin typeface="Cambria Math"/>
+                            </a:rPr>
+                          </m:ctrlPr>
+                        </m:dPr>
+                        <m:e>
+                          <m:r>
+                            <a:rPr lang="en-US" b="0" i="1" smtClean="0">
+                              <a:latin typeface="Cambria Math"/>
+                            </a:rPr>
+                            <m:t> </m:t>
+                          </m:r>
+                          <m:d>
+                            <m:dPr>
+                              <m:begChr m:val="{"/>
+                              <m:endChr m:val="}"/>
+                              <m:ctrlPr>
+                                <a:rPr lang="en-US" b="0" i="1" smtClean="0">
+                                  <a:latin typeface="Cambria Math"/>
+                                </a:rPr>
+                              </m:ctrlPr>
+                            </m:dPr>
+                            <m:e>
+                              <m:sSub>
+                                <m:sSubPr>
+                                  <m:ctrlPr>
+                                    <a:rPr lang="en-US" b="0" i="1" smtClean="0">
+                                      <a:latin typeface="Cambria Math"/>
+                                    </a:rPr>
+                                  </m:ctrlPr>
+                                </m:sSubPr>
+                                <m:e>
+                                  <m:r>
+                                    <a:rPr lang="en-US" b="1" i="1" smtClean="0">
+                                      <a:latin typeface="Cambria Math"/>
+                                    </a:rPr>
+                                    <m:t>𝒙</m:t>
+                                  </m:r>
+                                </m:e>
+                                <m:sub>
+                                  <m:r>
+                                    <a:rPr lang="en-US" b="0" i="1" smtClean="0">
+                                      <a:latin typeface="Cambria Math"/>
+                                    </a:rPr>
+                                    <m:t>2</m:t>
+                                  </m:r>
+                                </m:sub>
+                              </m:sSub>
+                              <m:r>
+                                <a:rPr lang="en-US" b="0" i="1" smtClean="0">
+                                  <a:latin typeface="Cambria Math"/>
+                                </a:rPr>
+                                <m:t>,</m:t>
+                              </m:r>
+                              <m:sSub>
+                                <m:sSubPr>
+                                  <m:ctrlPr>
+                                    <a:rPr lang="en-US" b="0" i="1" smtClean="0">
+                                      <a:latin typeface="Cambria Math"/>
+                                    </a:rPr>
+                                  </m:ctrlPr>
+                                </m:sSubPr>
+                                <m:e>
+                                  <m:r>
+                                    <a:rPr lang="en-US" b="1" i="1" smtClean="0">
+                                      <a:latin typeface="Cambria Math"/>
+                                    </a:rPr>
+                                    <m:t>𝒛</m:t>
+                                  </m:r>
+                                </m:e>
+                                <m:sub>
+                                  <m:r>
+                                    <a:rPr lang="en-US" b="0" i="1" smtClean="0">
+                                      <a:latin typeface="Cambria Math"/>
+                                    </a:rPr>
+                                    <m:t>2</m:t>
+                                  </m:r>
+                                </m:sub>
+                              </m:sSub>
+                            </m:e>
+                          </m:d>
+                          <m:r>
+                            <a:rPr lang="en-US" b="0" i="1" smtClean="0">
+                              <a:latin typeface="Cambria Math"/>
+                            </a:rPr>
+                            <m:t>, </m:t>
+                          </m:r>
+                          <m:sSub>
+                            <m:sSubPr>
+                              <m:ctrlPr>
+                                <a:rPr lang="en-US" b="0" i="1" smtClean="0">
+                                  <a:latin typeface="Cambria Math"/>
+                                </a:rPr>
+                              </m:ctrlPr>
+                            </m:sSubPr>
+                            <m:e>
+                              <m:r>
+                                <a:rPr lang="en-US" b="0" i="1" smtClean="0">
+                                  <a:latin typeface="Cambria Math"/>
+                                </a:rPr>
+                                <m:t> </m:t>
+                              </m:r>
+                              <m:r>
+                                <a:rPr lang="en-US" b="0" i="1" smtClean="0">
+                                  <a:latin typeface="Cambria Math"/>
+                                  <a:ea typeface="Cambria Math"/>
+                                </a:rPr>
+                                <m:t>𝜏</m:t>
+                              </m:r>
+                            </m:e>
+                            <m:sub>
+                              <m:r>
+                                <a:rPr lang="en-US" b="0" i="1" smtClean="0">
+                                  <a:latin typeface="Cambria Math"/>
+                                </a:rPr>
+                                <m:t>2</m:t>
+                              </m:r>
+                            </m:sub>
+                          </m:sSub>
+                          <m:r>
+                            <a:rPr lang="en-US" b="0" i="1" smtClean="0">
+                              <a:latin typeface="Cambria Math"/>
+                            </a:rPr>
+                            <m:t>=</m:t>
+                          </m:r>
+                          <m:sSup>
+                            <m:sSupPr>
+                              <m:ctrlPr>
+                                <a:rPr lang="en-US" b="0" i="1" smtClean="0">
+                                  <a:latin typeface="Cambria Math"/>
+                                </a:rPr>
+                              </m:ctrlPr>
+                            </m:sSupPr>
+                            <m:e>
+                              <m:r>
+                                <a:rPr lang="en-US" b="0" i="1" smtClean="0">
+                                  <a:latin typeface="Cambria Math"/>
+                                </a:rPr>
+                                <m:t>10</m:t>
+                              </m:r>
+                            </m:e>
+                            <m:sup>
+                              <m:r>
+                                <a:rPr lang="en-US" b="0" i="1" smtClean="0">
+                                  <a:latin typeface="Cambria Math"/>
+                                </a:rPr>
+                                <m:t>−11</m:t>
+                              </m:r>
+                            </m:sup>
+                          </m:sSup>
+                          <m:r>
+                            <a:rPr lang="en-US" b="0" i="1" smtClean="0">
+                              <a:latin typeface="Cambria Math"/>
+                            </a:rPr>
+                            <m:t> </m:t>
+                          </m:r>
+                        </m:e>
+                      </m:d>
+                    </m:oMath>
+                  </m:oMathPara>
+                </a14:m>
+                <a:endParaRPr lang="en-US" dirty="0"/>
+              </a:p>
+            </p:txBody>
+          </p:sp>
+        </mc:Choice>
+        <mc:Fallback>
+          <p:sp>
+            <p:nvSpPr>
+              <p:cNvPr id="8" name="TextBox 7"/>
+              <p:cNvSpPr txBox="1">
+                <a:spLocks noRot="1" noChangeAspect="1" noMove="1" noResize="1" noEditPoints="1" noAdjustHandles="1" noChangeArrowheads="1" noChangeShapeType="1" noTextEdit="1"/>
+              </p:cNvSpPr>
+              <p:nvPr/>
+            </p:nvSpPr>
+            <p:spPr>
+              <a:xfrm>
+                <a:off x="5691045" y="4278868"/>
+                <a:ext cx="2699713" cy="369332"/>
+              </a:xfrm>
+              <a:prstGeom prst="rect">
+                <a:avLst/>
+              </a:prstGeom>
+              <a:blipFill rotWithShape="1">
+                <a:blip r:embed="rId5"/>
+                <a:stretch>
+                  <a:fillRect/>
+                </a:stretch>
+              </a:blipFill>
+            </p:spPr>
+            <p:txBody>
+              <a:bodyPr/>
+              <a:lstStyle/>
+              <a:p>
+                <a:r>
+                  <a:rPr lang="en-US">
+                    <a:noFill/>
+                  </a:rPr>
+                  <a:t> </a:t>
+                </a:r>
+              </a:p>
+            </p:txBody>
+          </p:sp>
+        </mc:Fallback>
+      </mc:AlternateContent>
+      <mc:AlternateContent xmlns:mc="http://schemas.openxmlformats.org/markup-compatibility/2006">
+        <mc:Choice xmlns:a14="http://schemas.microsoft.com/office/drawing/2010/main" Requires="a14">
+          <p:sp>
+            <p:nvSpPr>
+              <p:cNvPr id="10" name="Title 1"/>
+              <p:cNvSpPr>
+                <a:spLocks noGrp="1"/>
+              </p:cNvSpPr>
+              <p:nvPr>
+                <p:ph type="title"/>
+              </p:nvPr>
+            </p:nvSpPr>
+            <p:spPr>
+              <a:xfrm>
+                <a:off x="76200" y="304800"/>
+                <a:ext cx="9067800" cy="609600"/>
+              </a:xfrm>
+            </p:spPr>
+            <p:txBody>
+              <a:bodyPr>
+                <a:normAutofit/>
+              </a:bodyPr>
+              <a:lstStyle/>
+              <a:p>
+                <a:r>
+                  <a:rPr lang="en-US" sz="2800" b="1" dirty="0" smtClean="0">
+                    <a:latin typeface="Comic Sans MS" pitchFamily="66" charset="0"/>
+                  </a:rPr>
+                  <a:t>Ill-Conditioning: </a:t>
+                </a:r>
+                <a14:m>
+                  <m:oMath xmlns:m="http://schemas.openxmlformats.org/officeDocument/2006/math">
+                    <m:r>
+                      <a:rPr lang="en-US" sz="2800" b="1" i="1" smtClean="0">
+                        <a:latin typeface="Cambria Math"/>
+                        <a:ea typeface="Cambria Math"/>
+                      </a:rPr>
+                      <m:t>𝝹</m:t>
+                    </m:r>
+                    <m:d>
+                      <m:dPr>
+                        <m:ctrlPr>
+                          <a:rPr lang="en-US" sz="2800" b="1" i="1" smtClean="0">
+                            <a:latin typeface="Cambria Math"/>
+                            <a:ea typeface="Cambria Math"/>
+                          </a:rPr>
+                        </m:ctrlPr>
+                      </m:dPr>
+                      <m:e>
+                        <m:r>
+                          <a:rPr lang="en-US" sz="2800" b="1" i="1" smtClean="0">
+                            <a:latin typeface="Cambria Math"/>
+                            <a:ea typeface="Cambria Math"/>
+                          </a:rPr>
+                          <m:t>𝒔</m:t>
+                        </m:r>
+                      </m:e>
+                    </m:d>
+                    <m:r>
+                      <a:rPr lang="en-US" sz="2800" b="1" i="1" smtClean="0">
+                        <a:latin typeface="Cambria Math"/>
+                        <a:ea typeface="Cambria Math"/>
+                      </a:rPr>
+                      <m:t>=</m:t>
+                    </m:r>
+                    <m:sSup>
+                      <m:sSupPr>
+                        <m:ctrlPr>
+                          <a:rPr lang="en-US" sz="2800" b="1" i="1" smtClean="0">
+                            <a:latin typeface="Cambria Math"/>
+                            <a:ea typeface="Cambria Math"/>
+                          </a:rPr>
+                        </m:ctrlPr>
+                      </m:sSupPr>
+                      <m:e>
+                        <m:r>
+                          <a:rPr lang="en-US" sz="2800" b="1" i="1" smtClean="0">
+                            <a:latin typeface="Cambria Math"/>
+                            <a:ea typeface="Cambria Math"/>
+                          </a:rPr>
+                          <m:t>𝟏𝟎</m:t>
+                        </m:r>
+                      </m:e>
+                      <m:sup>
+                        <m:r>
+                          <a:rPr lang="en-US" sz="2800" b="1" i="1" smtClean="0">
+                            <a:latin typeface="Cambria Math"/>
+                            <a:ea typeface="Cambria Math"/>
+                          </a:rPr>
+                          <m:t>𝟏𝟏</m:t>
+                        </m:r>
+                      </m:sup>
+                    </m:sSup>
+                    <m:r>
+                      <a:rPr lang="en-US" sz="2800" b="1" i="1" smtClean="0">
+                        <a:latin typeface="Cambria Math"/>
+                        <a:ea typeface="Cambria Math"/>
+                      </a:rPr>
+                      <m:t>,</m:t>
+                    </m:r>
+                  </m:oMath>
+                </a14:m>
+                <a:r>
+                  <a:rPr lang="en-US" sz="2800" b="1" dirty="0" smtClean="0">
+                    <a:latin typeface="Comic Sans MS" pitchFamily="66" charset="0"/>
+                  </a:rPr>
+                  <a:t> (3,3)x8 nanotube  </a:t>
+                </a:r>
+                <a:endParaRPr lang="en-US" sz="2800" b="1" dirty="0">
+                  <a:latin typeface="Comic Sans MS" pitchFamily="66" charset="0"/>
+                </a:endParaRPr>
+              </a:p>
+            </p:txBody>
+          </p:sp>
+        </mc:Choice>
+        <mc:Fallback>
+          <p:sp>
+            <p:nvSpPr>
+              <p:cNvPr id="10" name="Title 1"/>
+              <p:cNvSpPr>
+                <a:spLocks noGrp="1" noRot="1" noChangeAspect="1" noMove="1" noResize="1" noEditPoints="1" noAdjustHandles="1" noChangeArrowheads="1" noChangeShapeType="1" noTextEdit="1"/>
+              </p:cNvSpPr>
+              <p:nvPr>
+                <p:ph type="title"/>
+              </p:nvPr>
+            </p:nvSpPr>
+            <p:spPr>
+              <a:xfrm>
+                <a:off x="76200" y="304800"/>
+                <a:ext cx="9067800" cy="609600"/>
+              </a:xfrm>
+              <a:blipFill rotWithShape="1">
+                <a:blip r:embed="rId6"/>
+                <a:stretch>
+                  <a:fillRect t="-1000" b="-22000"/>
+                </a:stretch>
+              </a:blipFill>
+            </p:spPr>
+            <p:txBody>
+              <a:bodyPr/>
+              <a:lstStyle/>
+              <a:p>
+                <a:r>
+                  <a:rPr lang="en-US">
+                    <a:noFill/>
+                  </a:rPr>
+                  <a:t> </a:t>
+                </a:r>
+              </a:p>
+            </p:txBody>
+          </p:sp>
+        </mc:Fallback>
+      </mc:AlternateContent>
     </p:spTree>
     <p:extLst>
       <p:ext uri="{BB962C8B-B14F-4D97-AF65-F5344CB8AC3E}">
@@ -7537,7 +6999,312 @@
 </p:sld>
 </file>
 
-<file path=ppt/slides/slide16.xml><?xml version="1.0" encoding="utf-8"?>
+<file path=ppt/slides/slide13.xml><?xml version="1.0" encoding="utf-8"?>
+<p:sld xmlns:a="http://schemas.openxmlformats.org/drawingml/2006/main" xmlns:r="http://schemas.openxmlformats.org/officeDocument/2006/relationships" xmlns:p="http://schemas.openxmlformats.org/presentationml/2006/main">
+  <p:cSld>
+    <p:spTree>
+      <p:nvGrpSpPr>
+        <p:cNvPr id="1" name=""/>
+        <p:cNvGrpSpPr/>
+        <p:nvPr/>
+      </p:nvGrpSpPr>
+      <p:grpSpPr>
+        <a:xfrm>
+          <a:off x="0" y="0"/>
+          <a:ext cx="0" cy="0"/>
+          <a:chOff x="0" y="0"/>
+          <a:chExt cx="0" cy="0"/>
+        </a:xfrm>
+      </p:grpSpPr>
+      <p:pic>
+        <p:nvPicPr>
+          <p:cNvPr id="4" name="Content Placeholder 3"/>
+          <p:cNvPicPr>
+            <a:picLocks noGrp="1" noChangeAspect="1"/>
+          </p:cNvPicPr>
+          <p:nvPr>
+            <p:ph idx="1"/>
+          </p:nvPr>
+        </p:nvPicPr>
+        <p:blipFill>
+          <a:blip r:embed="rId2">
+            <a:extLst>
+              <a:ext uri="{28A0092B-C50C-407E-A947-70E740481C1C}">
+                <a14:useLocalDpi xmlns:a14="http://schemas.microsoft.com/office/drawing/2010/main" val="0"/>
+              </a:ext>
+            </a:extLst>
+          </a:blip>
+          <a:stretch>
+            <a:fillRect/>
+          </a:stretch>
+        </p:blipFill>
+        <p:spPr>
+          <a:xfrm>
+            <a:off x="0" y="609600"/>
+            <a:ext cx="8229600" cy="6172200"/>
+          </a:xfrm>
+        </p:spPr>
+      </p:pic>
+      <p:pic>
+        <p:nvPicPr>
+          <p:cNvPr id="7" name="Picture 6"/>
+          <p:cNvPicPr>
+            <a:picLocks noChangeAspect="1"/>
+          </p:cNvPicPr>
+          <p:nvPr/>
+        </p:nvPicPr>
+        <p:blipFill rotWithShape="1">
+          <a:blip r:embed="rId3" cstate="print">
+            <a:extLst>
+              <a:ext uri="{28A0092B-C50C-407E-A947-70E740481C1C}">
+                <a14:useLocalDpi xmlns:a14="http://schemas.microsoft.com/office/drawing/2010/main" val="0"/>
+              </a:ext>
+            </a:extLst>
+          </a:blip>
+          <a:srcRect l="16747" t="3713" r="15732" b="8254"/>
+          <a:stretch/>
+        </p:blipFill>
+        <p:spPr>
+          <a:xfrm>
+            <a:off x="5364480" y="3001893"/>
+            <a:ext cx="502920" cy="655707"/>
+          </a:xfrm>
+          <a:prstGeom prst="rect">
+            <a:avLst/>
+          </a:prstGeom>
+        </p:spPr>
+      </p:pic>
+      <mc:AlternateContent xmlns:mc="http://schemas.openxmlformats.org/markup-compatibility/2006">
+        <mc:Choice xmlns:a14="http://schemas.microsoft.com/office/drawing/2010/main" Requires="a14">
+          <p:sp>
+            <p:nvSpPr>
+              <p:cNvPr id="5" name="Title 1"/>
+              <p:cNvSpPr>
+                <a:spLocks noGrp="1"/>
+              </p:cNvSpPr>
+              <p:nvPr>
+                <p:ph type="title"/>
+              </p:nvPr>
+            </p:nvSpPr>
+            <p:spPr>
+              <a:xfrm>
+                <a:off x="381000" y="152400"/>
+                <a:ext cx="8001000" cy="838200"/>
+              </a:xfrm>
+            </p:spPr>
+            <p:txBody>
+              <a:bodyPr>
+                <a:normAutofit/>
+              </a:bodyPr>
+              <a:lstStyle/>
+              <a:p>
+                <a:r>
+                  <a:rPr lang="en-US" sz="2800" b="1" dirty="0" smtClean="0">
+                    <a:latin typeface="Comic Sans MS" pitchFamily="66" charset="0"/>
+                  </a:rPr>
+                  <a:t>Ill-Conditioning: </a:t>
+                </a:r>
+                <a14:m>
+                  <m:oMath xmlns:m="http://schemas.openxmlformats.org/officeDocument/2006/math">
+                    <m:r>
+                      <a:rPr lang="en-US" sz="2800" b="1" i="1" smtClean="0">
+                        <a:latin typeface="Cambria Math"/>
+                        <a:ea typeface="Cambria Math"/>
+                      </a:rPr>
+                      <m:t>𝝹</m:t>
+                    </m:r>
+                    <m:d>
+                      <m:dPr>
+                        <m:ctrlPr>
+                          <a:rPr lang="en-US" sz="2800" b="1" i="1" smtClean="0">
+                            <a:latin typeface="Cambria Math"/>
+                            <a:ea typeface="Cambria Math"/>
+                          </a:rPr>
+                        </m:ctrlPr>
+                      </m:dPr>
+                      <m:e>
+                        <m:r>
+                          <a:rPr lang="en-US" sz="2800" b="1" i="1" smtClean="0">
+                            <a:latin typeface="Cambria Math"/>
+                            <a:ea typeface="Cambria Math"/>
+                          </a:rPr>
+                          <m:t>𝒔</m:t>
+                        </m:r>
+                      </m:e>
+                    </m:d>
+                    <m:r>
+                      <a:rPr lang="en-US" sz="2800" b="1" i="1" smtClean="0">
+                        <a:latin typeface="Cambria Math"/>
+                        <a:ea typeface="Cambria Math"/>
+                      </a:rPr>
+                      <m:t>=</m:t>
+                    </m:r>
+                    <m:sSup>
+                      <m:sSupPr>
+                        <m:ctrlPr>
+                          <a:rPr lang="en-US" sz="2800" b="1" i="1" smtClean="0">
+                            <a:latin typeface="Cambria Math"/>
+                            <a:ea typeface="Cambria Math"/>
+                          </a:rPr>
+                        </m:ctrlPr>
+                      </m:sSupPr>
+                      <m:e>
+                        <m:r>
+                          <a:rPr lang="en-US" sz="2800" b="1" i="1" smtClean="0">
+                            <a:latin typeface="Cambria Math"/>
+                            <a:ea typeface="Cambria Math"/>
+                          </a:rPr>
+                          <m:t>𝟏𝟎</m:t>
+                        </m:r>
+                      </m:e>
+                      <m:sup>
+                        <m:r>
+                          <a:rPr lang="en-US" sz="2800" b="1" i="1" smtClean="0">
+                            <a:latin typeface="Cambria Math"/>
+                            <a:ea typeface="Cambria Math"/>
+                          </a:rPr>
+                          <m:t>𝟓</m:t>
+                        </m:r>
+                      </m:sup>
+                    </m:sSup>
+                    <m:r>
+                      <a:rPr lang="en-US" sz="2800" b="1" i="1" smtClean="0">
+                        <a:latin typeface="Cambria Math"/>
+                        <a:ea typeface="Cambria Math"/>
+                      </a:rPr>
+                      <m:t>,</m:t>
+                    </m:r>
+                  </m:oMath>
+                </a14:m>
+                <a:r>
+                  <a:rPr lang="en-US" sz="2800" b="1" dirty="0" smtClean="0">
+                    <a:latin typeface="Comic Sans MS" pitchFamily="66" charset="0"/>
+                  </a:rPr>
+                  <a:t> [H</a:t>
+                </a:r>
+                <a:r>
+                  <a:rPr lang="en-US" sz="2800" b="1" baseline="-25000" dirty="0" smtClean="0">
+                    <a:latin typeface="Comic Sans MS" pitchFamily="66" charset="0"/>
+                  </a:rPr>
+                  <a:t>2</a:t>
+                </a:r>
+                <a:r>
+                  <a:rPr lang="en-US" sz="2800" b="1" dirty="0" smtClean="0">
+                    <a:latin typeface="Comic Sans MS" pitchFamily="66" charset="0"/>
+                  </a:rPr>
+                  <a:t>O]</a:t>
+                </a:r>
+                <a:r>
+                  <a:rPr lang="en-US" sz="2800" b="1" baseline="-25000" dirty="0" smtClean="0">
+                    <a:latin typeface="Comic Sans MS" pitchFamily="66" charset="0"/>
+                  </a:rPr>
+                  <a:t>70</a:t>
+                </a:r>
+                <a:r>
+                  <a:rPr lang="en-US" sz="2800" b="1" dirty="0" smtClean="0">
+                    <a:latin typeface="Comic Sans MS" pitchFamily="66" charset="0"/>
+                  </a:rPr>
+                  <a:t>, TZ2P</a:t>
+                </a:r>
+                <a:endParaRPr lang="en-US" sz="2800" b="1" dirty="0">
+                  <a:latin typeface="Comic Sans MS" pitchFamily="66" charset="0"/>
+                </a:endParaRPr>
+              </a:p>
+            </p:txBody>
+          </p:sp>
+        </mc:Choice>
+        <mc:Fallback>
+          <p:sp>
+            <p:nvSpPr>
+              <p:cNvPr id="5" name="Title 1"/>
+              <p:cNvSpPr>
+                <a:spLocks noGrp="1" noRot="1" noChangeAspect="1" noMove="1" noResize="1" noEditPoints="1" noAdjustHandles="1" noChangeArrowheads="1" noChangeShapeType="1" noTextEdit="1"/>
+              </p:cNvSpPr>
+              <p:nvPr>
+                <p:ph type="title"/>
+              </p:nvPr>
+            </p:nvSpPr>
+            <p:spPr>
+              <a:xfrm>
+                <a:off x="381000" y="152400"/>
+                <a:ext cx="8001000" cy="838200"/>
+              </a:xfrm>
+              <a:blipFill rotWithShape="1">
+                <a:blip r:embed="rId4"/>
+                <a:stretch>
+                  <a:fillRect b="-2174"/>
+                </a:stretch>
+              </a:blipFill>
+            </p:spPr>
+            <p:txBody>
+              <a:bodyPr/>
+              <a:lstStyle/>
+              <a:p>
+                <a:r>
+                  <a:rPr lang="en-US">
+                    <a:noFill/>
+                  </a:rPr>
+                  <a:t> </a:t>
+                </a:r>
+              </a:p>
+            </p:txBody>
+          </p:sp>
+        </mc:Fallback>
+      </mc:AlternateContent>
+      <p:sp>
+        <p:nvSpPr>
+          <p:cNvPr id="3" name="Oval Callout 2"/>
+          <p:cNvSpPr/>
+          <p:nvPr/>
+        </p:nvSpPr>
+        <p:spPr>
+          <a:xfrm>
+            <a:off x="4953000" y="1788161"/>
+            <a:ext cx="2590800" cy="1066800"/>
+          </a:xfrm>
+          <a:prstGeom prst="wedgeEllipseCallout">
+            <a:avLst/>
+          </a:prstGeom>
+        </p:spPr>
+        <p:style>
+          <a:lnRef idx="2">
+            <a:schemeClr val="accent1">
+              <a:shade val="50000"/>
+            </a:schemeClr>
+          </a:lnRef>
+          <a:fillRef idx="1">
+            <a:schemeClr val="accent1"/>
+          </a:fillRef>
+          <a:effectRef idx="0">
+            <a:schemeClr val="accent1"/>
+          </a:effectRef>
+          <a:fontRef idx="minor">
+            <a:schemeClr val="lt1"/>
+          </a:fontRef>
+        </p:style>
+        <p:txBody>
+          <a:bodyPr rtlCol="0" anchor="ctr"/>
+          <a:lstStyle/>
+          <a:p>
+            <a:pPr algn="ctr"/>
+            <a:endParaRPr lang="en-US"/>
+          </a:p>
+        </p:txBody>
+      </p:sp>
+    </p:spTree>
+    <p:extLst>
+      <p:ext uri="{BB962C8B-B14F-4D97-AF65-F5344CB8AC3E}">
+        <p14:creationId xmlns:p14="http://schemas.microsoft.com/office/powerpoint/2010/main" val="2242646580"/>
+      </p:ext>
+    </p:extLst>
+  </p:cSld>
+  <p:clrMapOvr>
+    <a:masterClrMapping/>
+  </p:clrMapOvr>
+</p:sld>
+</file>
+
+<file path=ppt/slides/slide14.xml><?xml version="1.0" encoding="utf-8"?>
 <p:sld xmlns:a="http://schemas.openxmlformats.org/drawingml/2006/main" xmlns:r="http://schemas.openxmlformats.org/officeDocument/2006/relationships" xmlns:p="http://schemas.openxmlformats.org/presentationml/2006/main">
   <p:cSld>
     <p:spTree>
@@ -7569,84 +7336,6 @@
           <a:bodyPr/>
           <a:lstStyle/>
           <a:p>
-            <a:endParaRPr lang="en-US"/>
-          </a:p>
-        </p:txBody>
-      </p:sp>
-      <p:pic>
-        <p:nvPicPr>
-          <p:cNvPr id="4" name="Content Placeholder 3"/>
-          <p:cNvPicPr>
-            <a:picLocks noGrp="1" noChangeAspect="1"/>
-          </p:cNvPicPr>
-          <p:nvPr>
-            <p:ph idx="1"/>
-          </p:nvPr>
-        </p:nvPicPr>
-        <p:blipFill>
-          <a:blip r:embed="rId2">
-            <a:extLst>
-              <a:ext uri="{28A0092B-C50C-407E-A947-70E740481C1C}">
-                <a14:useLocalDpi xmlns:a14="http://schemas.microsoft.com/office/drawing/2010/main" val="0"/>
-              </a:ext>
-            </a:extLst>
-          </a:blip>
-          <a:stretch>
-            <a:fillRect/>
-          </a:stretch>
-        </p:blipFill>
-        <p:spPr>
-          <a:xfrm>
-            <a:off x="1554691" y="1600200"/>
-            <a:ext cx="6034617" cy="4525963"/>
-          </a:xfrm>
-        </p:spPr>
-      </p:pic>
-    </p:spTree>
-    <p:extLst>
-      <p:ext uri="{BB962C8B-B14F-4D97-AF65-F5344CB8AC3E}">
-        <p14:creationId xmlns:p14="http://schemas.microsoft.com/office/powerpoint/2010/main" val="2242646580"/>
-      </p:ext>
-    </p:extLst>
-  </p:cSld>
-  <p:clrMapOvr>
-    <a:masterClrMapping/>
-  </p:clrMapOvr>
-</p:sld>
-</file>
-
-<file path=ppt/slides/slide17.xml><?xml version="1.0" encoding="utf-8"?>
-<p:sld xmlns:a="http://schemas.openxmlformats.org/drawingml/2006/main" xmlns:r="http://schemas.openxmlformats.org/officeDocument/2006/relationships" xmlns:p="http://schemas.openxmlformats.org/presentationml/2006/main">
-  <p:cSld>
-    <p:spTree>
-      <p:nvGrpSpPr>
-        <p:cNvPr id="1" name=""/>
-        <p:cNvGrpSpPr/>
-        <p:nvPr/>
-      </p:nvGrpSpPr>
-      <p:grpSpPr>
-        <a:xfrm>
-          <a:off x="0" y="0"/>
-          <a:ext cx="0" cy="0"/>
-          <a:chOff x="0" y="0"/>
-          <a:chExt cx="0" cy="0"/>
-        </a:xfrm>
-      </p:grpSpPr>
-      <p:sp>
-        <p:nvSpPr>
-          <p:cNvPr id="2" name="Title 1"/>
-          <p:cNvSpPr>
-            <a:spLocks noGrp="1"/>
-          </p:cNvSpPr>
-          <p:nvPr>
-            <p:ph type="title"/>
-          </p:nvPr>
-        </p:nvSpPr>
-        <p:spPr/>
-        <p:txBody>
-          <a:bodyPr/>
-          <a:lstStyle/>
-          <a:p>
             <a:endParaRPr lang="en-US" dirty="0"/>
           </a:p>
         </p:txBody>
@@ -7683,7 +7372,7 @@
 </p:sld>
 </file>
 
-<file path=ppt/slides/slide18.xml><?xml version="1.0" encoding="utf-8"?>
+<file path=ppt/slides/slide15.xml><?xml version="1.0" encoding="utf-8"?>
 <p:sld xmlns:a="http://schemas.openxmlformats.org/drawingml/2006/main" xmlns:r="http://schemas.openxmlformats.org/officeDocument/2006/relationships" xmlns:p="http://schemas.openxmlformats.org/presentationml/2006/main">
   <p:cSld>
     <p:spTree>
@@ -8533,6 +8222,1524 @@
     <p:extLst>
       <p:ext uri="{BB962C8B-B14F-4D97-AF65-F5344CB8AC3E}">
         <p14:creationId xmlns:p14="http://schemas.microsoft.com/office/powerpoint/2010/main" val="2838705589"/>
+      </p:ext>
+    </p:extLst>
+  </p:cSld>
+  <p:clrMapOvr>
+    <a:masterClrMapping/>
+  </p:clrMapOvr>
+</p:sld>
+</file>
+
+<file path=ppt/slides/slide16.xml><?xml version="1.0" encoding="utf-8"?>
+<p:sld xmlns:a="http://schemas.openxmlformats.org/drawingml/2006/main" xmlns:r="http://schemas.openxmlformats.org/officeDocument/2006/relationships" xmlns:p="http://schemas.openxmlformats.org/presentationml/2006/main">
+  <p:cSld>
+    <p:spTree>
+      <p:nvGrpSpPr>
+        <p:cNvPr id="1" name=""/>
+        <p:cNvGrpSpPr/>
+        <p:nvPr/>
+      </p:nvGrpSpPr>
+      <p:grpSpPr>
+        <a:xfrm>
+          <a:off x="0" y="0"/>
+          <a:ext cx="0" cy="0"/>
+          <a:chOff x="0" y="0"/>
+          <a:chExt cx="0" cy="0"/>
+        </a:xfrm>
+      </p:grpSpPr>
+      <p:sp>
+        <p:nvSpPr>
+          <p:cNvPr id="4" name="TextBox 3"/>
+          <p:cNvSpPr txBox="1"/>
+          <p:nvPr/>
+        </p:nvSpPr>
+        <p:spPr>
+          <a:xfrm>
+            <a:off x="381000" y="251460"/>
+            <a:ext cx="8810425" cy="646331"/>
+          </a:xfrm>
+          <a:prstGeom prst="rect">
+            <a:avLst/>
+          </a:prstGeom>
+          <a:noFill/>
+        </p:spPr>
+        <p:txBody>
+          <a:bodyPr wrap="none" rtlCol="0">
+            <a:spAutoFit/>
+          </a:bodyPr>
+          <a:lstStyle/>
+          <a:p>
+            <a:r>
+              <a:rPr lang="en-US" sz="3600" b="1" dirty="0" err="1" smtClean="0">
+                <a:solidFill>
+                  <a:prstClr val="black"/>
+                </a:solidFill>
+                <a:latin typeface="Comic Sans MS" pitchFamily="66" charset="0"/>
+              </a:rPr>
+              <a:t>SpAMM</a:t>
+            </a:r>
+            <a:r>
+              <a:rPr lang="en-US" sz="3600" b="1" dirty="0" smtClean="0">
+                <a:solidFill>
+                  <a:prstClr val="black"/>
+                </a:solidFill>
+                <a:latin typeface="Comic Sans MS" pitchFamily="66" charset="0"/>
+              </a:rPr>
+              <a:t> For Dense Matrices w/Decay</a:t>
+            </a:r>
+            <a:endParaRPr lang="en-US" sz="3600" b="1" dirty="0">
+              <a:solidFill>
+                <a:prstClr val="black"/>
+              </a:solidFill>
+              <a:latin typeface="Comic Sans MS" pitchFamily="66" charset="0"/>
+            </a:endParaRPr>
+          </a:p>
+        </p:txBody>
+      </p:sp>
+      <p:pic>
+        <p:nvPicPr>
+          <p:cNvPr id="8" name="Picture 7"/>
+          <p:cNvPicPr>
+            <a:picLocks noChangeAspect="1"/>
+          </p:cNvPicPr>
+          <p:nvPr/>
+        </p:nvPicPr>
+        <p:blipFill rotWithShape="1">
+          <a:blip r:embed="rId2">
+            <a:extLst>
+              <a:ext uri="{28A0092B-C50C-407E-A947-70E740481C1C}">
+                <a14:useLocalDpi xmlns:a14="http://schemas.microsoft.com/office/drawing/2010/main" val="0"/>
+              </a:ext>
+            </a:extLst>
+          </a:blip>
+          <a:srcRect l="2515" r="1107" b="14074"/>
+          <a:stretch/>
+        </p:blipFill>
+        <p:spPr>
+          <a:xfrm>
+            <a:off x="3496470" y="1325880"/>
+            <a:ext cx="5228430" cy="3931920"/>
+          </a:xfrm>
+          <a:prstGeom prst="rect">
+            <a:avLst/>
+          </a:prstGeom>
+        </p:spPr>
+      </p:pic>
+      <p:sp>
+        <p:nvSpPr>
+          <p:cNvPr id="9" name="Rectangle 8"/>
+          <p:cNvSpPr/>
+          <p:nvPr/>
+        </p:nvSpPr>
+        <p:spPr>
+          <a:xfrm>
+            <a:off x="422906" y="838200"/>
+            <a:ext cx="5279394" cy="369332"/>
+          </a:xfrm>
+          <a:prstGeom prst="rect">
+            <a:avLst/>
+          </a:prstGeom>
+        </p:spPr>
+        <p:txBody>
+          <a:bodyPr wrap="none">
+            <a:spAutoFit/>
+          </a:bodyPr>
+          <a:lstStyle/>
+          <a:p>
+            <a:r>
+              <a:rPr lang="it-IT" b="1" dirty="0" smtClean="0"/>
+              <a:t>Bock &amp; Challacombe, SIAM J. Sci. Comput., 35(1), C72</a:t>
+            </a:r>
+            <a:endParaRPr lang="en-US" b="1" dirty="0"/>
+          </a:p>
+        </p:txBody>
+      </p:sp>
+      <p:sp>
+        <p:nvSpPr>
+          <p:cNvPr id="10" name="TextBox 9"/>
+          <p:cNvSpPr txBox="1"/>
+          <p:nvPr/>
+        </p:nvSpPr>
+        <p:spPr>
+          <a:xfrm>
+            <a:off x="381000" y="1447800"/>
+            <a:ext cx="2920903" cy="4154984"/>
+          </a:xfrm>
+          <a:prstGeom prst="rect">
+            <a:avLst/>
+          </a:prstGeom>
+          <a:noFill/>
+        </p:spPr>
+        <p:txBody>
+          <a:bodyPr wrap="square" rtlCol="0">
+            <a:spAutoFit/>
+          </a:bodyPr>
+          <a:lstStyle/>
+          <a:p>
+            <a:r>
+              <a:rPr lang="en-US" sz="2400" dirty="0" smtClean="0">
+                <a:solidFill>
+                  <a:prstClr val="black"/>
+                </a:solidFill>
+                <a:latin typeface="Comic Sans MS" pitchFamily="66" charset="0"/>
+              </a:rPr>
+              <a:t>Product matrix is asymptotically sparse, but only much, much later</a:t>
+            </a:r>
+          </a:p>
+          <a:p>
+            <a:endParaRPr lang="en-US" sz="2400" dirty="0">
+              <a:solidFill>
+                <a:prstClr val="black"/>
+              </a:solidFill>
+              <a:latin typeface="Comic Sans MS" pitchFamily="66" charset="0"/>
+            </a:endParaRPr>
+          </a:p>
+          <a:p>
+            <a:r>
+              <a:rPr lang="en-US" sz="2400" dirty="0" smtClean="0">
+                <a:solidFill>
+                  <a:prstClr val="black"/>
+                </a:solidFill>
+                <a:latin typeface="Comic Sans MS" pitchFamily="66" charset="0"/>
+              </a:rPr>
+              <a:t>Fill in of small blocks at negligible cost yields </a:t>
+            </a:r>
+            <a:r>
+              <a:rPr lang="en-US" sz="2400" b="1" i="1" dirty="0" smtClean="0">
+                <a:solidFill>
+                  <a:prstClr val="black"/>
+                </a:solidFill>
+                <a:latin typeface="Comic Sans MS" pitchFamily="66" charset="0"/>
+              </a:rPr>
+              <a:t>O</a:t>
+            </a:r>
+            <a:r>
+              <a:rPr lang="en-US" sz="1000" b="1" i="1" dirty="0" smtClean="0">
+                <a:solidFill>
+                  <a:prstClr val="black"/>
+                </a:solidFill>
+                <a:latin typeface="Comic Sans MS" pitchFamily="66" charset="0"/>
+              </a:rPr>
+              <a:t> </a:t>
+            </a:r>
+            <a:r>
+              <a:rPr lang="en-US" sz="2400" b="1" dirty="0" smtClean="0">
+                <a:solidFill>
+                  <a:prstClr val="black"/>
+                </a:solidFill>
+                <a:latin typeface="Comic Sans MS" pitchFamily="66" charset="0"/>
+              </a:rPr>
+              <a:t>(</a:t>
+            </a:r>
+            <a:r>
+              <a:rPr lang="en-US" sz="2400" b="1" i="1" dirty="0" smtClean="0">
+                <a:solidFill>
+                  <a:prstClr val="black"/>
+                </a:solidFill>
+                <a:latin typeface="Comic Sans MS" pitchFamily="66" charset="0"/>
+              </a:rPr>
+              <a:t>N </a:t>
+            </a:r>
+            <a:r>
+              <a:rPr lang="en-US" sz="2400" b="1" dirty="0" smtClean="0">
+                <a:solidFill>
+                  <a:prstClr val="black"/>
+                </a:solidFill>
+                <a:latin typeface="Comic Sans MS" pitchFamily="66" charset="0"/>
+              </a:rPr>
+              <a:t>) </a:t>
+            </a:r>
+            <a:r>
+              <a:rPr lang="en-US" sz="2400" b="1" i="1" dirty="0" smtClean="0">
+                <a:solidFill>
+                  <a:prstClr val="black"/>
+                </a:solidFill>
+                <a:latin typeface="Comic Sans MS" pitchFamily="66" charset="0"/>
+              </a:rPr>
+              <a:t>cost even for dense matrices</a:t>
+            </a:r>
+          </a:p>
+          <a:p>
+            <a:endParaRPr lang="en-US" sz="2400" dirty="0">
+              <a:solidFill>
+                <a:prstClr val="black"/>
+              </a:solidFill>
+              <a:latin typeface="Comic Sans MS" pitchFamily="66" charset="0"/>
+            </a:endParaRPr>
+          </a:p>
+        </p:txBody>
+      </p:sp>
+      <p:sp>
+        <p:nvSpPr>
+          <p:cNvPr id="11" name="Rectangle 10"/>
+          <p:cNvSpPr/>
+          <p:nvPr/>
+        </p:nvSpPr>
+        <p:spPr>
+          <a:xfrm>
+            <a:off x="457200" y="5370493"/>
+            <a:ext cx="8458200" cy="954107"/>
+          </a:xfrm>
+          <a:prstGeom prst="rect">
+            <a:avLst/>
+          </a:prstGeom>
+        </p:spPr>
+        <p:txBody>
+          <a:bodyPr wrap="square">
+            <a:spAutoFit/>
+          </a:bodyPr>
+          <a:lstStyle/>
+          <a:p>
+            <a:r>
+              <a:rPr lang="en-US" sz="2400" b="1" dirty="0" smtClean="0">
+                <a:solidFill>
+                  <a:prstClr val="black"/>
+                </a:solidFill>
+                <a:latin typeface="Comic Sans MS" pitchFamily="66" charset="0"/>
+              </a:rPr>
+              <a:t>S.P. </a:t>
+            </a:r>
+            <a:r>
+              <a:rPr lang="en-US" sz="2400" b="1" dirty="0" err="1" smtClean="0">
+                <a:solidFill>
+                  <a:prstClr val="black"/>
+                </a:solidFill>
+                <a:latin typeface="Comic Sans MS" pitchFamily="66" charset="0"/>
+              </a:rPr>
+              <a:t>SpAMM</a:t>
+            </a:r>
+            <a:r>
+              <a:rPr lang="en-US" sz="2400" b="1" dirty="0" smtClean="0">
+                <a:solidFill>
+                  <a:prstClr val="black"/>
+                </a:solidFill>
+                <a:latin typeface="Comic Sans MS" pitchFamily="66" charset="0"/>
+              </a:rPr>
+              <a:t> beats MKL SGEMM in error &amp; is </a:t>
+            </a:r>
+            <a:r>
+              <a:rPr lang="en-US" sz="2400" b="1" i="1" dirty="0" smtClean="0">
+                <a:solidFill>
+                  <a:prstClr val="black"/>
+                </a:solidFill>
+                <a:latin typeface="Comic Sans MS" pitchFamily="66" charset="0"/>
+              </a:rPr>
+              <a:t>O</a:t>
+            </a:r>
+            <a:r>
+              <a:rPr lang="en-US" sz="1000" b="1" i="1" dirty="0" smtClean="0">
+                <a:solidFill>
+                  <a:prstClr val="black"/>
+                </a:solidFill>
+                <a:latin typeface="Comic Sans MS" pitchFamily="66" charset="0"/>
+              </a:rPr>
+              <a:t> </a:t>
+            </a:r>
+            <a:r>
+              <a:rPr lang="en-US" sz="2400" b="1" dirty="0" smtClean="0">
+                <a:solidFill>
+                  <a:prstClr val="black"/>
+                </a:solidFill>
+                <a:latin typeface="Comic Sans MS" pitchFamily="66" charset="0"/>
+              </a:rPr>
+              <a:t>(</a:t>
+            </a:r>
+            <a:r>
+              <a:rPr lang="en-US" sz="2400" b="1" i="1" dirty="0" smtClean="0">
+                <a:solidFill>
+                  <a:prstClr val="black"/>
+                </a:solidFill>
+                <a:latin typeface="Comic Sans MS" pitchFamily="66" charset="0"/>
+              </a:rPr>
+              <a:t>N</a:t>
+            </a:r>
+            <a:r>
+              <a:rPr lang="en-US" sz="1000" b="1" i="1" dirty="0" smtClean="0">
+                <a:solidFill>
+                  <a:prstClr val="black"/>
+                </a:solidFill>
+                <a:latin typeface="Comic Sans MS" pitchFamily="66" charset="0"/>
+              </a:rPr>
+              <a:t> </a:t>
+            </a:r>
+            <a:r>
+              <a:rPr lang="en-US" sz="2400" b="1" dirty="0" smtClean="0">
+                <a:solidFill>
+                  <a:prstClr val="black"/>
+                </a:solidFill>
+                <a:latin typeface="Comic Sans MS" pitchFamily="66" charset="0"/>
+              </a:rPr>
+              <a:t>)</a:t>
+            </a:r>
+          </a:p>
+          <a:p>
+            <a:endParaRPr lang="en-US" sz="800" b="1" dirty="0" smtClean="0">
+              <a:solidFill>
+                <a:prstClr val="black"/>
+              </a:solidFill>
+              <a:latin typeface="Comic Sans MS" pitchFamily="66" charset="0"/>
+            </a:endParaRPr>
+          </a:p>
+          <a:p>
+            <a:r>
+              <a:rPr lang="en-US" sz="2400" b="1" dirty="0">
+                <a:solidFill>
+                  <a:prstClr val="black"/>
+                </a:solidFill>
+                <a:latin typeface="Comic Sans MS" pitchFamily="66" charset="0"/>
+                <a:sym typeface="Wingdings" pitchFamily="2" charset="2"/>
+              </a:rPr>
+              <a:t>R</a:t>
+            </a:r>
+            <a:r>
+              <a:rPr lang="en-US" sz="2400" b="1" dirty="0" smtClean="0">
+                <a:solidFill>
+                  <a:prstClr val="black"/>
+                </a:solidFill>
+                <a:latin typeface="Comic Sans MS" pitchFamily="66" charset="0"/>
+              </a:rPr>
+              <a:t>ecursion w/locality</a:t>
+            </a:r>
+            <a:r>
+              <a:rPr lang="en-US" sz="2400" b="1" dirty="0" smtClean="0">
+                <a:solidFill>
+                  <a:prstClr val="black"/>
+                </a:solidFill>
+                <a:latin typeface="Comic Sans MS" pitchFamily="66" charset="0"/>
+                <a:sym typeface="Wingdings" pitchFamily="2" charset="2"/>
+              </a:rPr>
+              <a:t> more accurate than row-column</a:t>
+            </a:r>
+            <a:endParaRPr lang="en-US" sz="2400" b="1" dirty="0">
+              <a:solidFill>
+                <a:prstClr val="black"/>
+              </a:solidFill>
+              <a:latin typeface="Comic Sans MS" pitchFamily="66" charset="0"/>
+            </a:endParaRPr>
+          </a:p>
+        </p:txBody>
+      </p:sp>
+    </p:spTree>
+    <p:extLst>
+      <p:ext uri="{BB962C8B-B14F-4D97-AF65-F5344CB8AC3E}">
+        <p14:creationId xmlns:p14="http://schemas.microsoft.com/office/powerpoint/2010/main" val="1526692055"/>
+      </p:ext>
+    </p:extLst>
+  </p:cSld>
+  <p:clrMapOvr>
+    <a:masterClrMapping/>
+  </p:clrMapOvr>
+  <p:timing>
+    <p:tnLst>
+      <p:par>
+        <p:cTn id="1" dur="indefinite" restart="never" nodeType="tmRoot"/>
+      </p:par>
+    </p:tnLst>
+  </p:timing>
+</p:sld>
+</file>
+
+<file path=ppt/slides/slide17.xml><?xml version="1.0" encoding="utf-8"?>
+<p:sld xmlns:a="http://schemas.openxmlformats.org/drawingml/2006/main" xmlns:r="http://schemas.openxmlformats.org/officeDocument/2006/relationships" xmlns:p="http://schemas.openxmlformats.org/presentationml/2006/main">
+  <p:cSld>
+    <p:spTree>
+      <p:nvGrpSpPr>
+        <p:cNvPr id="1" name=""/>
+        <p:cNvGrpSpPr/>
+        <p:nvPr/>
+      </p:nvGrpSpPr>
+      <p:grpSpPr>
+        <a:xfrm>
+          <a:off x="0" y="0"/>
+          <a:ext cx="0" cy="0"/>
+          <a:chOff x="0" y="0"/>
+          <a:chExt cx="0" cy="0"/>
+        </a:xfrm>
+      </p:grpSpPr>
+      <p:sp>
+        <p:nvSpPr>
+          <p:cNvPr id="4" name="TextBox 3"/>
+          <p:cNvSpPr txBox="1"/>
+          <p:nvPr/>
+        </p:nvSpPr>
+        <p:spPr>
+          <a:xfrm>
+            <a:off x="228600" y="1136074"/>
+            <a:ext cx="8709120" cy="8160326"/>
+          </a:xfrm>
+          <a:prstGeom prst="rect">
+            <a:avLst/>
+          </a:prstGeom>
+          <a:solidFill>
+            <a:schemeClr val="bg1"/>
+          </a:solidFill>
+        </p:spPr>
+        <p:txBody>
+          <a:bodyPr wrap="square" lIns="82945" tIns="41473" rIns="82945" bIns="41473" rtlCol="0">
+            <a:spAutoFit/>
+          </a:bodyPr>
+          <a:lstStyle/>
+          <a:p>
+            <a:r>
+              <a:rPr lang="en-US" sz="2200" b="1" dirty="0" smtClean="0">
+                <a:latin typeface="Times New Roman" pitchFamily="18" charset="0"/>
+                <a:cs typeface="Times New Roman" pitchFamily="18" charset="0"/>
+              </a:rPr>
+              <a:t>Most interesting and technologically important problems involve strong electron correlation, which is a long-range, delocalized quantum effect. </a:t>
+            </a:r>
+          </a:p>
+          <a:p>
+            <a:endParaRPr lang="en-US" sz="2200" b="1" dirty="0" smtClean="0">
+              <a:latin typeface="Times New Roman" pitchFamily="18" charset="0"/>
+              <a:cs typeface="Times New Roman" pitchFamily="18" charset="0"/>
+            </a:endParaRPr>
+          </a:p>
+          <a:p>
+            <a:endParaRPr lang="en-US" sz="2200" b="1" dirty="0">
+              <a:latin typeface="Times New Roman" pitchFamily="18" charset="0"/>
+              <a:cs typeface="Times New Roman" pitchFamily="18" charset="0"/>
+            </a:endParaRPr>
+          </a:p>
+          <a:p>
+            <a:endParaRPr lang="en-US" sz="2200" b="1" dirty="0">
+              <a:latin typeface="Times New Roman" pitchFamily="18" charset="0"/>
+              <a:cs typeface="Times New Roman" pitchFamily="18" charset="0"/>
+            </a:endParaRPr>
+          </a:p>
+          <a:p>
+            <a:r>
+              <a:rPr lang="en-US" sz="2200" b="1" dirty="0" smtClean="0">
+                <a:latin typeface="Times New Roman" pitchFamily="18" charset="0"/>
+                <a:cs typeface="Times New Roman" pitchFamily="18" charset="0"/>
+              </a:rPr>
+              <a:t>Vacancy </a:t>
+            </a:r>
+            <a:r>
+              <a:rPr lang="en-US" sz="2200" b="1" dirty="0">
+                <a:latin typeface="Times New Roman" pitchFamily="18" charset="0"/>
+                <a:cs typeface="Times New Roman" pitchFamily="18" charset="0"/>
+              </a:rPr>
+              <a:t>defects control insulator-to-metal transition in </a:t>
+            </a:r>
+            <a:r>
+              <a:rPr lang="en-US" sz="2200" b="1" dirty="0" err="1">
+                <a:latin typeface="Times New Roman" pitchFamily="18" charset="0"/>
+                <a:cs typeface="Times New Roman" pitchFamily="18" charset="0"/>
+              </a:rPr>
+              <a:t>Perovskites</a:t>
+            </a:r>
+            <a:r>
+              <a:rPr lang="en-US" sz="2200" b="1" dirty="0">
+                <a:latin typeface="Times New Roman" pitchFamily="18" charset="0"/>
+                <a:cs typeface="Times New Roman" pitchFamily="18" charset="0"/>
+              </a:rPr>
+              <a:t>:</a:t>
+            </a:r>
+          </a:p>
+          <a:p>
+            <a:pPr marL="311045" indent="-311045">
+              <a:spcBef>
+                <a:spcPts val="544"/>
+              </a:spcBef>
+              <a:spcAft>
+                <a:spcPts val="544"/>
+              </a:spcAft>
+              <a:buFont typeface="Wingdings" pitchFamily="2" charset="2"/>
+              <a:buChar char="ü"/>
+            </a:pPr>
+            <a:r>
+              <a:rPr lang="en-US" sz="2000" dirty="0">
+                <a:latin typeface="Times New Roman" pitchFamily="18" charset="0"/>
+                <a:cs typeface="Times New Roman" pitchFamily="18" charset="0"/>
+              </a:rPr>
+              <a:t>Field induced switching of conductance</a:t>
+            </a:r>
+          </a:p>
+          <a:p>
+            <a:pPr marL="311045" indent="-311045">
+              <a:spcBef>
+                <a:spcPts val="544"/>
+              </a:spcBef>
+              <a:spcAft>
+                <a:spcPts val="544"/>
+              </a:spcAft>
+              <a:buFont typeface="Wingdings" pitchFamily="2" charset="2"/>
+              <a:buChar char="ü"/>
+            </a:pPr>
+            <a:r>
+              <a:rPr lang="en-US" sz="2000" b="1" i="1" dirty="0">
+                <a:latin typeface="Times New Roman" pitchFamily="18" charset="0"/>
+                <a:cs typeface="Times New Roman" pitchFamily="18" charset="0"/>
+              </a:rPr>
+              <a:t>Self-healing of induced vacancy defect</a:t>
+            </a:r>
+            <a:r>
+              <a:rPr lang="en-US" sz="2000" b="1" dirty="0">
+                <a:latin typeface="Times New Roman" pitchFamily="18" charset="0"/>
+                <a:cs typeface="Times New Roman" pitchFamily="18" charset="0"/>
+              </a:rPr>
+              <a:t>s</a:t>
+            </a:r>
+          </a:p>
+          <a:p>
+            <a:pPr marL="311045" indent="-311045">
+              <a:spcBef>
+                <a:spcPts val="544"/>
+              </a:spcBef>
+              <a:spcAft>
+                <a:spcPts val="544"/>
+              </a:spcAft>
+              <a:buFont typeface="Wingdings" pitchFamily="2" charset="2"/>
+              <a:buChar char="ü"/>
+            </a:pPr>
+            <a:r>
+              <a:rPr lang="en-US" sz="2000" dirty="0">
+                <a:latin typeface="Times New Roman" pitchFamily="18" charset="0"/>
+                <a:cs typeface="Times New Roman" pitchFamily="18" charset="0"/>
+              </a:rPr>
+              <a:t>Resistance Change Memory</a:t>
+            </a:r>
+          </a:p>
+          <a:p>
+            <a:pPr>
+              <a:spcBef>
+                <a:spcPts val="544"/>
+              </a:spcBef>
+              <a:spcAft>
+                <a:spcPts val="544"/>
+              </a:spcAft>
+            </a:pPr>
+            <a:r>
+              <a:rPr lang="en-US" sz="2200" b="1" dirty="0">
+                <a:latin typeface="Times New Roman" pitchFamily="18" charset="0"/>
+                <a:cs typeface="Times New Roman" pitchFamily="18" charset="0"/>
+              </a:rPr>
+              <a:t>Exchange &amp; correlation holes control onset of metallization: </a:t>
+            </a:r>
+          </a:p>
+          <a:p>
+            <a:pPr marL="311045" indent="-311045">
+              <a:spcBef>
+                <a:spcPts val="544"/>
+              </a:spcBef>
+              <a:spcAft>
+                <a:spcPts val="544"/>
+              </a:spcAft>
+              <a:buFont typeface="Arial" pitchFamily="34" charset="0"/>
+              <a:buChar char="•"/>
+            </a:pPr>
+            <a:r>
+              <a:rPr lang="en-US" sz="2000" dirty="0">
+                <a:latin typeface="Times New Roman" pitchFamily="18" charset="0"/>
+                <a:cs typeface="Times New Roman" pitchFamily="18" charset="0"/>
+              </a:rPr>
+              <a:t>Vacancies create strong, static correlations delocalized over many centers </a:t>
+            </a:r>
+          </a:p>
+          <a:p>
+            <a:pPr marL="311045" indent="-311045">
+              <a:spcBef>
+                <a:spcPts val="544"/>
+              </a:spcBef>
+              <a:spcAft>
+                <a:spcPts val="544"/>
+              </a:spcAft>
+              <a:buFont typeface="Arial" pitchFamily="34" charset="0"/>
+              <a:buChar char="•"/>
+            </a:pPr>
+            <a:r>
+              <a:rPr lang="en-US" sz="2000" dirty="0">
+                <a:latin typeface="Times New Roman" pitchFamily="18" charset="0"/>
+                <a:cs typeface="Times New Roman" pitchFamily="18" charset="0"/>
+              </a:rPr>
+              <a:t>Only now, </a:t>
+            </a:r>
+            <a:r>
+              <a:rPr lang="en-US" sz="2000" dirty="0" err="1">
+                <a:latin typeface="Times New Roman" pitchFamily="18" charset="0"/>
+                <a:cs typeface="Times New Roman" pitchFamily="18" charset="0"/>
+              </a:rPr>
+              <a:t>functionals</a:t>
+            </a:r>
+            <a:r>
+              <a:rPr lang="en-US" sz="2000" dirty="0">
+                <a:latin typeface="Times New Roman" pitchFamily="18" charset="0"/>
+                <a:cs typeface="Times New Roman" pitchFamily="18" charset="0"/>
+              </a:rPr>
+              <a:t> based on long-ranged </a:t>
+            </a:r>
+            <a:r>
+              <a:rPr lang="en-US" sz="2000" dirty="0" err="1">
+                <a:latin typeface="Times New Roman" pitchFamily="18" charset="0"/>
+                <a:cs typeface="Times New Roman" pitchFamily="18" charset="0"/>
+              </a:rPr>
+              <a:t>Fock</a:t>
+            </a:r>
+            <a:r>
+              <a:rPr lang="en-US" sz="2000" dirty="0">
+                <a:latin typeface="Times New Roman" pitchFamily="18" charset="0"/>
+                <a:cs typeface="Times New Roman" pitchFamily="18" charset="0"/>
+              </a:rPr>
+              <a:t> exchange (range separated &amp; B13strong) can start to explain</a:t>
+            </a:r>
+          </a:p>
+          <a:p>
+            <a:pPr marL="311045" indent="-311045">
+              <a:spcBef>
+                <a:spcPts val="544"/>
+              </a:spcBef>
+              <a:spcAft>
+                <a:spcPts val="544"/>
+              </a:spcAft>
+              <a:buFont typeface="Arial" pitchFamily="34" charset="0"/>
+              <a:buChar char="•"/>
+            </a:pPr>
+            <a:endParaRPr lang="en-US" sz="400" dirty="0">
+              <a:latin typeface="Times New Roman" pitchFamily="18" charset="0"/>
+              <a:cs typeface="Times New Roman" pitchFamily="18" charset="0"/>
+            </a:endParaRPr>
+          </a:p>
+          <a:p>
+            <a:r>
+              <a:rPr lang="en-US" sz="2200" b="1" dirty="0">
+                <a:latin typeface="Times New Roman" pitchFamily="18" charset="0"/>
+                <a:cs typeface="Times New Roman" pitchFamily="18" charset="0"/>
+              </a:rPr>
+              <a:t>Towards the metallic edge, fast </a:t>
+            </a:r>
+          </a:p>
+          <a:p>
+            <a:r>
+              <a:rPr lang="en-US" sz="2200" b="1" i="1" dirty="0">
+                <a:latin typeface="Times New Roman" pitchFamily="18" charset="0"/>
+                <a:cs typeface="Times New Roman" pitchFamily="18" charset="0"/>
+              </a:rPr>
+              <a:t>N</a:t>
+            </a:r>
+            <a:r>
+              <a:rPr lang="en-US" sz="2200" b="1" dirty="0">
+                <a:latin typeface="Times New Roman" pitchFamily="18" charset="0"/>
+                <a:cs typeface="Times New Roman" pitchFamily="18" charset="0"/>
+              </a:rPr>
+              <a:t>-Body solvers for slow decay: </a:t>
+            </a:r>
+          </a:p>
+          <a:p>
+            <a:endParaRPr lang="en-US" sz="700" dirty="0">
+              <a:latin typeface="Times New Roman" pitchFamily="18" charset="0"/>
+              <a:cs typeface="Times New Roman" pitchFamily="18" charset="0"/>
+            </a:endParaRPr>
+          </a:p>
+          <a:p>
+            <a:pPr marL="311045" indent="-311045">
+              <a:buFont typeface="Arial" pitchFamily="34" charset="0"/>
+              <a:buChar char="•"/>
+            </a:pPr>
+            <a:r>
+              <a:rPr lang="en-US" sz="2000" b="1" dirty="0" err="1">
+                <a:latin typeface="Courier New" pitchFamily="49" charset="0"/>
+                <a:cs typeface="Courier New" pitchFamily="49" charset="0"/>
+              </a:rPr>
+              <a:t>SpAMM</a:t>
+            </a:r>
+            <a:r>
+              <a:rPr lang="en-US" sz="2000" dirty="0">
+                <a:latin typeface="Times New Roman" pitchFamily="18" charset="0"/>
+                <a:cs typeface="Times New Roman" pitchFamily="18" charset="0"/>
+              </a:rPr>
+              <a:t>  solver for insulator/metal </a:t>
+            </a:r>
+          </a:p>
+          <a:p>
+            <a:r>
+              <a:rPr lang="en-US" sz="2000" dirty="0">
+                <a:latin typeface="Times New Roman" pitchFamily="18" charset="0"/>
+                <a:cs typeface="Times New Roman" pitchFamily="18" charset="0"/>
+              </a:rPr>
+              <a:t>transition in CNTs by LDA/</a:t>
+            </a:r>
+            <a:r>
+              <a:rPr lang="en-US" sz="2000" dirty="0" err="1">
+                <a:latin typeface="Times New Roman" pitchFamily="18" charset="0"/>
+                <a:cs typeface="Times New Roman" pitchFamily="18" charset="0"/>
+              </a:rPr>
+              <a:t>Fock</a:t>
+            </a:r>
+            <a:r>
+              <a:rPr lang="en-US" sz="2000" dirty="0">
+                <a:latin typeface="Times New Roman" pitchFamily="18" charset="0"/>
+                <a:cs typeface="Times New Roman" pitchFamily="18" charset="0"/>
+              </a:rPr>
+              <a:t> mixing</a:t>
+            </a:r>
+          </a:p>
+          <a:p>
+            <a:endParaRPr lang="en-US" sz="700" dirty="0">
+              <a:latin typeface="Times New Roman" pitchFamily="18" charset="0"/>
+              <a:cs typeface="Times New Roman" pitchFamily="18" charset="0"/>
+            </a:endParaRPr>
+          </a:p>
+          <a:p>
+            <a:pPr marL="311045" indent="-311045">
+              <a:buFont typeface="Arial" pitchFamily="34" charset="0"/>
+              <a:buChar char="•"/>
+            </a:pPr>
+            <a:r>
+              <a:rPr lang="en-US" sz="2000" dirty="0">
+                <a:latin typeface="Times New Roman" pitchFamily="18" charset="0"/>
+                <a:cs typeface="Times New Roman" pitchFamily="18" charset="0"/>
+              </a:rPr>
+              <a:t>Kernel compression for metallic </a:t>
+            </a:r>
+          </a:p>
+          <a:p>
+            <a:r>
+              <a:rPr lang="en-US" sz="2000" dirty="0">
+                <a:latin typeface="Times New Roman" pitchFamily="18" charset="0"/>
+                <a:cs typeface="Times New Roman" pitchFamily="18" charset="0"/>
+              </a:rPr>
+              <a:t>problems with oscillatory/algebraic decay  </a:t>
+            </a:r>
+          </a:p>
+          <a:p>
+            <a:pPr>
+              <a:spcBef>
+                <a:spcPts val="544"/>
+              </a:spcBef>
+              <a:spcAft>
+                <a:spcPts val="544"/>
+              </a:spcAft>
+            </a:pPr>
+            <a:endParaRPr lang="en-US" b="1" dirty="0">
+              <a:latin typeface="Times New Roman" pitchFamily="18" charset="0"/>
+              <a:cs typeface="Times New Roman" pitchFamily="18" charset="0"/>
+            </a:endParaRPr>
+          </a:p>
+          <a:p>
+            <a:pPr>
+              <a:spcBef>
+                <a:spcPts val="544"/>
+              </a:spcBef>
+              <a:spcAft>
+                <a:spcPts val="544"/>
+              </a:spcAft>
+            </a:pPr>
+            <a:endParaRPr lang="en-US" sz="2000" dirty="0">
+              <a:latin typeface="Times New Roman" pitchFamily="18" charset="0"/>
+              <a:cs typeface="Times New Roman" pitchFamily="18" charset="0"/>
+            </a:endParaRPr>
+          </a:p>
+        </p:txBody>
+      </p:sp>
+      <p:sp>
+        <p:nvSpPr>
+          <p:cNvPr id="40" name="TextShape 2"/>
+          <p:cNvSpPr txBox="1"/>
+          <p:nvPr/>
+        </p:nvSpPr>
+        <p:spPr>
+          <a:xfrm>
+            <a:off x="559012" y="304800"/>
+            <a:ext cx="8024712" cy="609600"/>
+          </a:xfrm>
+          <a:prstGeom prst="rect">
+            <a:avLst/>
+          </a:prstGeom>
+        </p:spPr>
+        <p:txBody>
+          <a:bodyPr wrap="none" lIns="81639" tIns="40820" rIns="81639" bIns="40820"/>
+          <a:lstStyle/>
+          <a:p>
+            <a:r>
+              <a:rPr lang="en-US" sz="3200" b="1" dirty="0" smtClean="0">
+                <a:latin typeface="Comic Sans MS" pitchFamily="66" charset="0"/>
+              </a:rPr>
+              <a:t>Ill-Conditioning in Electronic Structure </a:t>
+            </a:r>
+            <a:endParaRPr sz="3200" b="1" dirty="0">
+              <a:latin typeface="Comic Sans MS" pitchFamily="66" charset="0"/>
+            </a:endParaRPr>
+          </a:p>
+        </p:txBody>
+      </p:sp>
+      <p:sp>
+        <p:nvSpPr>
+          <p:cNvPr id="41" name="TextShape 3"/>
+          <p:cNvSpPr txBox="1"/>
+          <p:nvPr/>
+        </p:nvSpPr>
+        <p:spPr>
+          <a:xfrm>
+            <a:off x="786988" y="2781855"/>
+            <a:ext cx="7796736" cy="5935364"/>
+          </a:xfrm>
+          <a:prstGeom prst="rect">
+            <a:avLst/>
+          </a:prstGeom>
+        </p:spPr>
+        <p:txBody>
+          <a:bodyPr wrap="none" lIns="81639" tIns="40820" rIns="81639" bIns="40820"/>
+          <a:lstStyle/>
+          <a:p>
+            <a:endParaRPr dirty="0"/>
+          </a:p>
+        </p:txBody>
+      </p:sp>
+      <p:pic>
+        <p:nvPicPr>
+          <p:cNvPr id="6" name="Picture 5"/>
+          <p:cNvPicPr>
+            <a:picLocks noChangeAspect="1"/>
+          </p:cNvPicPr>
+          <p:nvPr/>
+        </p:nvPicPr>
+        <p:blipFill rotWithShape="1">
+          <a:blip r:embed="rId2">
+            <a:extLst>
+              <a:ext uri="{28A0092B-C50C-407E-A947-70E740481C1C}">
+                <a14:useLocalDpi xmlns:a14="http://schemas.microsoft.com/office/drawing/2010/main" val="0"/>
+              </a:ext>
+            </a:extLst>
+          </a:blip>
+          <a:srcRect l="11240" t="8334" r="8441" b="8603"/>
+          <a:stretch/>
+        </p:blipFill>
+        <p:spPr>
+          <a:xfrm>
+            <a:off x="5699760" y="2133600"/>
+            <a:ext cx="2834640" cy="2340671"/>
+          </a:xfrm>
+          <a:prstGeom prst="rect">
+            <a:avLst/>
+          </a:prstGeom>
+        </p:spPr>
+      </p:pic>
+    </p:spTree>
+    <p:extLst>
+      <p:ext uri="{BB962C8B-B14F-4D97-AF65-F5344CB8AC3E}">
+        <p14:creationId xmlns:p14="http://schemas.microsoft.com/office/powerpoint/2010/main" val="1228157587"/>
+      </p:ext>
+    </p:extLst>
+  </p:cSld>
+  <p:clrMapOvr>
+    <a:masterClrMapping/>
+  </p:clrMapOvr>
+  <p:timing>
+    <p:tnLst>
+      <p:par>
+        <p:cTn id="1" dur="indefinite" restart="never" nodeType="tmRoot">
+          <p:childTnLst>
+            <p:seq>
+              <p:cTn id="2" nodeType="mainSeq"/>
+              <p:prevCondLst>
+                <p:cond evt="onPrev" delay="0">
+                  <p:tgtEl>
+                    <p:sldTgt/>
+                  </p:tgtEl>
+                </p:cond>
+              </p:prevCondLst>
+              <p:nextCondLst>
+                <p:cond evt="onNext" delay="0">
+                  <p:tgtEl>
+                    <p:sldTgt/>
+                  </p:tgtEl>
+                </p:cond>
+              </p:nextCondLst>
+            </p:seq>
+          </p:childTnLst>
+        </p:cTn>
+      </p:par>
+    </p:tnLst>
+  </p:timing>
+</p:sld>
+</file>
+
+<file path=ppt/slides/slide18.xml><?xml version="1.0" encoding="utf-8"?>
+<p:sld xmlns:a="http://schemas.openxmlformats.org/drawingml/2006/main" xmlns:r="http://schemas.openxmlformats.org/officeDocument/2006/relationships" xmlns:p="http://schemas.openxmlformats.org/presentationml/2006/main">
+  <p:cSld>
+    <p:spTree>
+      <p:nvGrpSpPr>
+        <p:cNvPr id="1" name=""/>
+        <p:cNvGrpSpPr/>
+        <p:nvPr/>
+      </p:nvGrpSpPr>
+      <p:grpSpPr>
+        <a:xfrm>
+          <a:off x="0" y="0"/>
+          <a:ext cx="0" cy="0"/>
+          <a:chOff x="0" y="0"/>
+          <a:chExt cx="0" cy="0"/>
+        </a:xfrm>
+      </p:grpSpPr>
+      <p:sp>
+        <p:nvSpPr>
+          <p:cNvPr id="10" name="Rectangle 9"/>
+          <p:cNvSpPr/>
+          <p:nvPr/>
+        </p:nvSpPr>
+        <p:spPr>
+          <a:xfrm>
+            <a:off x="333984" y="1981200"/>
+            <a:ext cx="6190567" cy="1524000"/>
+          </a:xfrm>
+          <a:prstGeom prst="rect">
+            <a:avLst/>
+          </a:prstGeom>
+        </p:spPr>
+        <p:style>
+          <a:lnRef idx="1">
+            <a:schemeClr val="accent1"/>
+          </a:lnRef>
+          <a:fillRef idx="2">
+            <a:schemeClr val="accent1"/>
+          </a:fillRef>
+          <a:effectRef idx="1">
+            <a:schemeClr val="accent1"/>
+          </a:effectRef>
+          <a:fontRef idx="minor">
+            <a:schemeClr val="dk1"/>
+          </a:fontRef>
+        </p:style>
+        <p:txBody>
+          <a:bodyPr rtlCol="0" anchor="ctr"/>
+          <a:lstStyle/>
+          <a:p>
+            <a:pPr algn="ctr"/>
+            <a:endParaRPr lang="en-US"/>
+          </a:p>
+        </p:txBody>
+      </p:sp>
+      <p:sp>
+        <p:nvSpPr>
+          <p:cNvPr id="4" name="TextBox 3"/>
+          <p:cNvSpPr txBox="1"/>
+          <p:nvPr/>
+        </p:nvSpPr>
+        <p:spPr>
+          <a:xfrm>
+            <a:off x="-152400" y="76200"/>
+            <a:ext cx="9240603" cy="646331"/>
+          </a:xfrm>
+          <a:prstGeom prst="rect">
+            <a:avLst/>
+          </a:prstGeom>
+          <a:noFill/>
+        </p:spPr>
+        <p:txBody>
+          <a:bodyPr wrap="square" rtlCol="0">
+            <a:spAutoFit/>
+          </a:bodyPr>
+          <a:lstStyle/>
+          <a:p>
+            <a:r>
+              <a:rPr lang="en-US" sz="3600" b="1" dirty="0">
+                <a:solidFill>
+                  <a:prstClr val="black"/>
+                </a:solidFill>
+                <a:latin typeface="Comic Sans MS" pitchFamily="66" charset="0"/>
+              </a:rPr>
+              <a:t> </a:t>
+            </a:r>
+            <a:r>
+              <a:rPr lang="en-US" sz="3600" b="1" dirty="0" smtClean="0">
+                <a:solidFill>
+                  <a:prstClr val="black"/>
+                </a:solidFill>
+                <a:latin typeface="Comic Sans MS" pitchFamily="66" charset="0"/>
+              </a:rPr>
+              <a:t> Accuracy Demands Less Local Models</a:t>
+            </a:r>
+            <a:endParaRPr lang="en-US" sz="3600" b="1" dirty="0">
+              <a:solidFill>
+                <a:prstClr val="black"/>
+              </a:solidFill>
+              <a:latin typeface="Comic Sans MS" pitchFamily="66" charset="0"/>
+            </a:endParaRPr>
+          </a:p>
+        </p:txBody>
+      </p:sp>
+      <p:sp>
+        <p:nvSpPr>
+          <p:cNvPr id="2" name="Rectangle 1"/>
+          <p:cNvSpPr/>
+          <p:nvPr/>
+        </p:nvSpPr>
+        <p:spPr>
+          <a:xfrm>
+            <a:off x="4648200" y="4572000"/>
+            <a:ext cx="4572000" cy="2431435"/>
+          </a:xfrm>
+          <a:prstGeom prst="rect">
+            <a:avLst/>
+          </a:prstGeom>
+        </p:spPr>
+        <p:txBody>
+          <a:bodyPr>
+            <a:spAutoFit/>
+          </a:bodyPr>
+          <a:lstStyle/>
+          <a:p>
+            <a:r>
+              <a:rPr lang="en-US" sz="2200" dirty="0">
+                <a:solidFill>
+                  <a:prstClr val="black"/>
+                </a:solidFill>
+                <a:latin typeface="Comic Sans MS" pitchFamily="66" charset="0"/>
+              </a:rPr>
+              <a:t>S</a:t>
+            </a:r>
+            <a:r>
+              <a:rPr lang="en-US" sz="2200" dirty="0" smtClean="0">
+                <a:solidFill>
+                  <a:prstClr val="black"/>
+                </a:solidFill>
+                <a:latin typeface="Comic Sans MS" pitchFamily="66" charset="0"/>
+              </a:rPr>
+              <a:t>tructural motifs and reaction profiles in biochemical applications also require hybrid HF/DFT models for even a qualitatively correct result</a:t>
+            </a:r>
+          </a:p>
+          <a:p>
+            <a:pPr>
+              <a:spcBef>
+                <a:spcPts val="600"/>
+              </a:spcBef>
+              <a:spcAft>
+                <a:spcPts val="600"/>
+              </a:spcAft>
+            </a:pPr>
+            <a:r>
+              <a:rPr lang="de-DE" sz="1000" dirty="0" smtClean="0">
+                <a:solidFill>
+                  <a:prstClr val="black"/>
+                </a:solidFill>
+                <a:latin typeface="Comic Sans MS" pitchFamily="66" charset="0"/>
+              </a:rPr>
+              <a:t>J</a:t>
+            </a:r>
+            <a:r>
+              <a:rPr lang="de-DE" sz="1000" dirty="0">
+                <a:solidFill>
+                  <a:prstClr val="black"/>
+                </a:solidFill>
+                <a:latin typeface="Comic Sans MS" pitchFamily="66" charset="0"/>
+              </a:rPr>
+              <a:t>. Chem. Phys. </a:t>
+            </a:r>
+            <a:r>
+              <a:rPr lang="de-DE" sz="1000" dirty="0" smtClean="0">
+                <a:solidFill>
+                  <a:prstClr val="black"/>
+                </a:solidFill>
+                <a:latin typeface="Comic Sans MS" pitchFamily="66" charset="0"/>
+              </a:rPr>
+              <a:t>137 (2012) p. 044109 </a:t>
+            </a:r>
+            <a:endParaRPr lang="de-DE" sz="1000" dirty="0">
+              <a:solidFill>
+                <a:prstClr val="black"/>
+              </a:solidFill>
+              <a:latin typeface="Comic Sans MS" pitchFamily="66" charset="0"/>
+            </a:endParaRPr>
+          </a:p>
+          <a:p>
+            <a:endParaRPr lang="en-US" sz="2200" dirty="0">
+              <a:solidFill>
+                <a:prstClr val="black"/>
+              </a:solidFill>
+              <a:latin typeface="Comic Sans MS" pitchFamily="66" charset="0"/>
+            </a:endParaRPr>
+          </a:p>
+        </p:txBody>
+      </p:sp>
+      <p:pic>
+        <p:nvPicPr>
+          <p:cNvPr id="5" name="Picture 4"/>
+          <p:cNvPicPr>
+            <a:picLocks noChangeAspect="1"/>
+          </p:cNvPicPr>
+          <p:nvPr/>
+        </p:nvPicPr>
+        <p:blipFill>
+          <a:blip r:embed="rId2" cstate="email">
+            <a:extLst>
+              <a:ext uri="{28A0092B-C50C-407E-A947-70E740481C1C}">
+                <a14:useLocalDpi xmlns:a14="http://schemas.microsoft.com/office/drawing/2010/main"/>
+              </a:ext>
+            </a:extLst>
+          </a:blip>
+          <a:stretch>
+            <a:fillRect/>
+          </a:stretch>
+        </p:blipFill>
+        <p:spPr>
+          <a:xfrm>
+            <a:off x="216705" y="3657600"/>
+            <a:ext cx="4431495" cy="2926080"/>
+          </a:xfrm>
+          <a:prstGeom prst="rect">
+            <a:avLst/>
+          </a:prstGeom>
+        </p:spPr>
+      </p:pic>
+      <p:pic>
+        <p:nvPicPr>
+          <p:cNvPr id="8" name="Picture 7"/>
+          <p:cNvPicPr>
+            <a:picLocks noChangeAspect="1"/>
+          </p:cNvPicPr>
+          <p:nvPr/>
+        </p:nvPicPr>
+        <p:blipFill rotWithShape="1">
+          <a:blip r:embed="rId3">
+            <a:extLst>
+              <a:ext uri="{28A0092B-C50C-407E-A947-70E740481C1C}">
+                <a14:useLocalDpi xmlns:a14="http://schemas.microsoft.com/office/drawing/2010/main" val="0"/>
+              </a:ext>
+            </a:extLst>
+          </a:blip>
+          <a:srcRect t="21931"/>
+          <a:stretch/>
+        </p:blipFill>
+        <p:spPr>
+          <a:xfrm>
+            <a:off x="345663" y="1986142"/>
+            <a:ext cx="6035040" cy="660762"/>
+          </a:xfrm>
+          <a:prstGeom prst="rect">
+            <a:avLst/>
+          </a:prstGeom>
+        </p:spPr>
+      </p:pic>
+      <p:sp>
+        <p:nvSpPr>
+          <p:cNvPr id="9" name="TextBox 8"/>
+          <p:cNvSpPr txBox="1"/>
+          <p:nvPr/>
+        </p:nvSpPr>
+        <p:spPr>
+          <a:xfrm>
+            <a:off x="298095" y="762000"/>
+            <a:ext cx="6559905" cy="1107996"/>
+          </a:xfrm>
+          <a:prstGeom prst="rect">
+            <a:avLst/>
+          </a:prstGeom>
+          <a:noFill/>
+        </p:spPr>
+        <p:txBody>
+          <a:bodyPr wrap="square" rtlCol="0">
+            <a:spAutoFit/>
+          </a:bodyPr>
+          <a:lstStyle/>
+          <a:p>
+            <a:r>
+              <a:rPr lang="en-US" sz="2200" dirty="0" smtClean="0">
+                <a:solidFill>
+                  <a:prstClr val="black"/>
+                </a:solidFill>
+                <a:latin typeface="Comic Sans MS" pitchFamily="66" charset="0"/>
+              </a:rPr>
+              <a:t>Often, accurate results require </a:t>
+            </a:r>
+            <a:r>
+              <a:rPr lang="en-US" sz="2200" b="1" i="1" dirty="0" err="1" smtClean="0">
+                <a:solidFill>
+                  <a:prstClr val="black"/>
+                </a:solidFill>
+                <a:latin typeface="Comic Sans MS" pitchFamily="66" charset="0"/>
+              </a:rPr>
+              <a:t>Fock</a:t>
+            </a:r>
+            <a:r>
+              <a:rPr lang="en-US" sz="2200" b="1" i="1" dirty="0" smtClean="0">
+                <a:solidFill>
+                  <a:prstClr val="black"/>
+                </a:solidFill>
+                <a:latin typeface="Comic Sans MS" pitchFamily="66" charset="0"/>
+              </a:rPr>
+              <a:t> exchange </a:t>
+            </a:r>
+            <a:r>
+              <a:rPr lang="en-US" sz="2200" dirty="0" smtClean="0">
+                <a:solidFill>
+                  <a:prstClr val="black"/>
+                </a:solidFill>
+                <a:latin typeface="Comic Sans MS" pitchFamily="66" charset="0"/>
+              </a:rPr>
+              <a:t>and </a:t>
+            </a:r>
+            <a:r>
+              <a:rPr lang="en-US" sz="2200" b="1" i="1" dirty="0" smtClean="0">
+                <a:solidFill>
+                  <a:prstClr val="black"/>
+                </a:solidFill>
+                <a:latin typeface="Comic Sans MS" pitchFamily="66" charset="0"/>
+              </a:rPr>
+              <a:t>large basis sets</a:t>
+            </a:r>
+            <a:r>
+              <a:rPr lang="en-US" sz="2200" dirty="0" smtClean="0">
+                <a:solidFill>
+                  <a:prstClr val="black"/>
+                </a:solidFill>
+                <a:latin typeface="Comic Sans MS" pitchFamily="66" charset="0"/>
+              </a:rPr>
+              <a:t>, leading to </a:t>
+            </a:r>
+            <a:r>
+              <a:rPr lang="en-US" sz="2200" b="1" i="1" dirty="0" smtClean="0">
+                <a:solidFill>
+                  <a:prstClr val="black"/>
+                </a:solidFill>
+                <a:latin typeface="Comic Sans MS" pitchFamily="66" charset="0"/>
+              </a:rPr>
+              <a:t>negligible </a:t>
+            </a:r>
+            <a:r>
+              <a:rPr lang="en-US" sz="2200" b="1" i="1" dirty="0" err="1" smtClean="0">
+                <a:solidFill>
+                  <a:prstClr val="black"/>
+                </a:solidFill>
+                <a:latin typeface="Comic Sans MS" pitchFamily="66" charset="0"/>
+              </a:rPr>
+              <a:t>sparsity</a:t>
+            </a:r>
+            <a:r>
+              <a:rPr lang="en-US" sz="2200" b="1" i="1" dirty="0" smtClean="0">
+                <a:solidFill>
+                  <a:prstClr val="black"/>
+                </a:solidFill>
+                <a:latin typeface="Comic Sans MS" pitchFamily="66" charset="0"/>
+              </a:rPr>
+              <a:t> </a:t>
+            </a:r>
+            <a:r>
+              <a:rPr lang="en-US" sz="2200" dirty="0" smtClean="0">
+                <a:solidFill>
+                  <a:prstClr val="black"/>
+                </a:solidFill>
+                <a:latin typeface="Comic Sans MS" pitchFamily="66" charset="0"/>
+              </a:rPr>
+              <a:t>and </a:t>
+            </a:r>
+            <a:r>
+              <a:rPr lang="en-US" sz="2200" b="1" i="1" dirty="0" smtClean="0">
+                <a:solidFill>
+                  <a:prstClr val="black"/>
+                </a:solidFill>
+                <a:latin typeface="Comic Sans MS" pitchFamily="66" charset="0"/>
+              </a:rPr>
+              <a:t>five+ entangled solvers</a:t>
+            </a:r>
+          </a:p>
+        </p:txBody>
+      </p:sp>
+      <p:sp>
+        <p:nvSpPr>
+          <p:cNvPr id="11" name="Rectangle 10"/>
+          <p:cNvSpPr/>
+          <p:nvPr/>
+        </p:nvSpPr>
+        <p:spPr>
+          <a:xfrm>
+            <a:off x="365759" y="2628037"/>
+            <a:ext cx="6158792" cy="938719"/>
+          </a:xfrm>
+          <a:prstGeom prst="rect">
+            <a:avLst/>
+          </a:prstGeom>
+        </p:spPr>
+        <p:txBody>
+          <a:bodyPr wrap="square">
+            <a:spAutoFit/>
+          </a:bodyPr>
+          <a:lstStyle/>
+          <a:p>
+            <a:r>
+              <a:rPr lang="en-US" sz="2200" dirty="0" smtClean="0">
+                <a:solidFill>
+                  <a:prstClr val="black"/>
+                </a:solidFill>
+                <a:latin typeface="Comic Sans MS" pitchFamily="66" charset="0"/>
+              </a:rPr>
+              <a:t>The electronic properties of metal oxides, like the </a:t>
+            </a:r>
+            <a:r>
+              <a:rPr lang="en-US" sz="2200" dirty="0" err="1" smtClean="0">
+                <a:solidFill>
+                  <a:prstClr val="black"/>
+                </a:solidFill>
+                <a:latin typeface="Comic Sans MS" pitchFamily="66" charset="0"/>
+              </a:rPr>
+              <a:t>perovskites</a:t>
+            </a:r>
+            <a:r>
+              <a:rPr lang="en-US" sz="2200" dirty="0" smtClean="0">
+                <a:solidFill>
+                  <a:prstClr val="black"/>
+                </a:solidFill>
+                <a:latin typeface="Comic Sans MS" pitchFamily="66" charset="0"/>
+              </a:rPr>
+              <a:t>, require HF/DFT models  </a:t>
+            </a:r>
+          </a:p>
+          <a:p>
+            <a:r>
+              <a:rPr lang="en-US" sz="1100" dirty="0" smtClean="0">
+                <a:solidFill>
+                  <a:prstClr val="black"/>
+                </a:solidFill>
+                <a:latin typeface="Comic Sans MS" pitchFamily="66" charset="0"/>
+              </a:rPr>
+              <a:t>Comp. Mat. Sci. </a:t>
+            </a:r>
+            <a:r>
+              <a:rPr lang="en-US" sz="1100" dirty="0">
+                <a:solidFill>
+                  <a:prstClr val="black"/>
+                </a:solidFill>
+                <a:latin typeface="Comic Sans MS" pitchFamily="66" charset="0"/>
+              </a:rPr>
+              <a:t>29 (2004) </a:t>
+            </a:r>
+            <a:r>
+              <a:rPr lang="en-US" sz="1100" dirty="0" smtClean="0">
+                <a:solidFill>
+                  <a:prstClr val="black"/>
+                </a:solidFill>
+                <a:latin typeface="Comic Sans MS" pitchFamily="66" charset="0"/>
+              </a:rPr>
+              <a:t>p.165</a:t>
+            </a:r>
+            <a:endParaRPr lang="en-US" sz="1100" dirty="0">
+              <a:solidFill>
+                <a:prstClr val="black"/>
+              </a:solidFill>
+              <a:latin typeface="Comic Sans MS" pitchFamily="66" charset="0"/>
+            </a:endParaRPr>
+          </a:p>
+        </p:txBody>
+      </p:sp>
+      <p:pic>
+        <p:nvPicPr>
+          <p:cNvPr id="13" name="Picture 12"/>
+          <p:cNvPicPr>
+            <a:picLocks noChangeAspect="1"/>
+          </p:cNvPicPr>
+          <p:nvPr/>
+        </p:nvPicPr>
+        <p:blipFill>
+          <a:blip r:embed="rId4" cstate="print">
+            <a:extLst>
+              <a:ext uri="{28A0092B-C50C-407E-A947-70E740481C1C}">
+                <a14:useLocalDpi xmlns:a14="http://schemas.microsoft.com/office/drawing/2010/main" val="0"/>
+              </a:ext>
+            </a:extLst>
+          </a:blip>
+          <a:stretch>
+            <a:fillRect/>
+          </a:stretch>
+        </p:blipFill>
+        <p:spPr>
+          <a:xfrm>
+            <a:off x="6629064" y="721808"/>
+            <a:ext cx="2468880" cy="3715487"/>
+          </a:xfrm>
+          <a:prstGeom prst="rect">
+            <a:avLst/>
+          </a:prstGeom>
+        </p:spPr>
+      </p:pic>
+    </p:spTree>
+    <p:extLst>
+      <p:ext uri="{BB962C8B-B14F-4D97-AF65-F5344CB8AC3E}">
+        <p14:creationId xmlns:p14="http://schemas.microsoft.com/office/powerpoint/2010/main" val="4194006027"/>
+      </p:ext>
+    </p:extLst>
+  </p:cSld>
+  <p:clrMapOvr>
+    <a:masterClrMapping/>
+  </p:clrMapOvr>
+  <p:timing>
+    <p:tnLst>
+      <p:par>
+        <p:cTn id="1" dur="indefinite" restart="never" nodeType="tmRoot"/>
+      </p:par>
+    </p:tnLst>
+  </p:timing>
+</p:sld>
+</file>
+
+<file path=ppt/slides/slide19.xml><?xml version="1.0" encoding="utf-8"?>
+<p:sld xmlns:a="http://schemas.openxmlformats.org/drawingml/2006/main" xmlns:r="http://schemas.openxmlformats.org/officeDocument/2006/relationships" xmlns:p="http://schemas.openxmlformats.org/presentationml/2006/main">
+  <p:cSld>
+    <p:spTree>
+      <p:nvGrpSpPr>
+        <p:cNvPr id="1" name=""/>
+        <p:cNvGrpSpPr/>
+        <p:nvPr/>
+      </p:nvGrpSpPr>
+      <p:grpSpPr>
+        <a:xfrm>
+          <a:off x="0" y="0"/>
+          <a:ext cx="0" cy="0"/>
+          <a:chOff x="0" y="0"/>
+          <a:chExt cx="0" cy="0"/>
+        </a:xfrm>
+      </p:grpSpPr>
+      <p:sp>
+        <p:nvSpPr>
+          <p:cNvPr id="2" name="Title 1"/>
+          <p:cNvSpPr>
+            <a:spLocks noGrp="1"/>
+          </p:cNvSpPr>
+          <p:nvPr>
+            <p:ph type="title"/>
+          </p:nvPr>
+        </p:nvSpPr>
+        <p:spPr/>
+        <p:txBody>
+          <a:bodyPr/>
+          <a:lstStyle/>
+          <a:p>
+            <a:endParaRPr lang="en-US"/>
+          </a:p>
+        </p:txBody>
+      </p:sp>
+      <p:pic>
+        <p:nvPicPr>
+          <p:cNvPr id="4" name="Content Placeholder 3"/>
+          <p:cNvPicPr>
+            <a:picLocks noGrp="1" noChangeAspect="1"/>
+          </p:cNvPicPr>
+          <p:nvPr>
+            <p:ph idx="1"/>
+          </p:nvPr>
+        </p:nvPicPr>
+        <p:blipFill>
+          <a:blip r:embed="rId2">
+            <a:extLst>
+              <a:ext uri="{28A0092B-C50C-407E-A947-70E740481C1C}">
+                <a14:useLocalDpi xmlns:a14="http://schemas.microsoft.com/office/drawing/2010/main" val="0"/>
+              </a:ext>
+            </a:extLst>
+          </a:blip>
+          <a:stretch>
+            <a:fillRect/>
+          </a:stretch>
+        </p:blipFill>
+        <p:spPr>
+          <a:xfrm>
+            <a:off x="1554691" y="1600200"/>
+            <a:ext cx="6034617" cy="4525963"/>
+          </a:xfrm>
+        </p:spPr>
+      </p:pic>
+    </p:spTree>
+    <p:extLst>
+      <p:ext uri="{BB962C8B-B14F-4D97-AF65-F5344CB8AC3E}">
+        <p14:creationId xmlns:p14="http://schemas.microsoft.com/office/powerpoint/2010/main" val="3839546543"/>
       </p:ext>
     </p:extLst>
   </p:cSld>
@@ -8699,7 +9906,15 @@
                   <a:schemeClr val="tx1"/>
                 </a:solidFill>
               </a:rPr>
-              <a:t>Functional programming, skeletons, recursive task parallelism, </a:t>
+              <a:t>functional </a:t>
+            </a:r>
+            <a:r>
+              <a:rPr lang="en-US" dirty="0" smtClean="0">
+                <a:solidFill>
+                  <a:schemeClr val="tx1"/>
+                </a:solidFill>
+              </a:rPr>
+              <a:t>programming, skeletons, recursive task parallelism, </a:t>
             </a:r>
             <a:r>
               <a:rPr lang="en-US" dirty="0" err="1" smtClean="0">
@@ -8735,7 +9950,15 @@
                   <a:schemeClr val="tx1"/>
                 </a:solidFill>
               </a:rPr>
-              <a:t>Distributed enterprise frameworks: </a:t>
+              <a:t>enterprise </a:t>
+            </a:r>
+            <a:r>
+              <a:rPr lang="en-US" dirty="0" smtClean="0">
+                <a:solidFill>
+                  <a:schemeClr val="tx1"/>
+                </a:solidFill>
+              </a:rPr>
+              <a:t>frameworks: </a:t>
             </a:r>
             <a:r>
               <a:rPr lang="en-US" dirty="0" err="1" smtClean="0">
@@ -8847,7 +10070,7 @@
                   <a:schemeClr val="tx1"/>
                 </a:solidFill>
               </a:rPr>
-              <a:t>Fast </a:t>
+              <a:t>fast </a:t>
             </a:r>
             <a:r>
               <a:rPr lang="en-US" dirty="0">
@@ -8904,7 +10127,15 @@
                   <a:schemeClr val="tx1"/>
                 </a:solidFill>
               </a:rPr>
-              <a:t>Learning the metric:  fast approaches to semi definite programming. </a:t>
+              <a:t>learning </a:t>
+            </a:r>
+            <a:r>
+              <a:rPr lang="en-US" dirty="0" smtClean="0">
+                <a:solidFill>
+                  <a:schemeClr val="tx1"/>
+                </a:solidFill>
+              </a:rPr>
+              <a:t>the metric:  fast approaches to semi definite programming. </a:t>
             </a:r>
             <a:endParaRPr lang="en-US" b="1" i="1" dirty="0" smtClean="0">
               <a:solidFill>
@@ -9166,12 +10397,12 @@
               <a:buChar char="•"/>
             </a:pPr>
             <a:r>
-              <a:rPr lang="en-US" dirty="0">
+              <a:rPr lang="en-US" dirty="0" smtClean="0">
                 <a:solidFill>
                   <a:schemeClr val="tx1"/>
                 </a:solidFill>
               </a:rPr>
-              <a:t>S</a:t>
+              <a:t>single </a:t>
             </a:r>
             <a:r>
               <a:rPr lang="en-US" dirty="0" smtClean="0">
@@ -9179,7 +10410,7 @@
                   <a:schemeClr val="tx1"/>
                 </a:solidFill>
               </a:rPr>
-              <a:t>ingle determinant KSTs.  Correlation on top of </a:t>
+              <a:t>determinant KSTs.  Correlation on top of </a:t>
             </a:r>
             <a:r>
               <a:rPr lang="en-US" b="1" i="1" dirty="0" err="1" smtClean="0">
@@ -9239,7 +10470,15 @@
                   <a:schemeClr val="tx1"/>
                 </a:solidFill>
               </a:rPr>
-              <a:t>Toward Mott transition, </a:t>
+              <a:t>toward </a:t>
+            </a:r>
+            <a:r>
+              <a:rPr lang="en-US" dirty="0" smtClean="0">
+                <a:solidFill>
+                  <a:schemeClr val="tx1"/>
+                </a:solidFill>
+              </a:rPr>
+              <a:t>Mott transition, </a:t>
             </a:r>
             <a:r>
               <a:rPr lang="en-US" b="1" i="1" dirty="0" smtClean="0">
@@ -9335,144 +10574,29 @@
                   <a:schemeClr val="tx1"/>
                 </a:solidFill>
               </a:rPr>
-              <a:t>Nested approximate algebras,   </a:t>
-            </a:r>
-            <a:r>
-              <a:rPr lang="en-US" dirty="0" err="1" smtClean="0">
+              <a:t>nested </a:t>
+            </a:r>
+            <a:r>
+              <a:rPr lang="en-US" dirty="0" smtClean="0">
                 <a:solidFill>
                   <a:schemeClr val="tx1"/>
                 </a:solidFill>
               </a:rPr>
-              <a:t>eg</a:t>
-            </a:r>
-            <a:r>
-              <a:rPr lang="en-US" dirty="0">
+              <a:t>approximate </a:t>
+            </a:r>
+            <a:r>
+              <a:rPr lang="en-US" dirty="0" smtClean="0">
                 <a:solidFill>
                   <a:schemeClr val="tx1"/>
                 </a:solidFill>
               </a:rPr>
-              <a:t>.</a:t>
-            </a:r>
-            <a:r>
-              <a:rPr lang="en-US" dirty="0" smtClean="0">
-                <a:solidFill>
-                  <a:schemeClr val="tx1"/>
-                </a:solidFill>
-              </a:rPr>
-              <a:t>          |S</a:t>
-            </a:r>
-            <a:r>
-              <a:rPr lang="en-US" baseline="30000" dirty="0" smtClean="0">
-                <a:solidFill>
-                  <a:schemeClr val="tx1"/>
-                </a:solidFill>
-              </a:rPr>
-              <a:t>-1/2 </a:t>
-            </a:r>
-            <a:r>
-              <a:rPr lang="en-US" dirty="0" smtClean="0">
-                <a:solidFill>
-                  <a:schemeClr val="tx1"/>
-                </a:solidFill>
-              </a:rPr>
-              <a:t>&gt; = |S</a:t>
-            </a:r>
-            <a:r>
-              <a:rPr lang="en-US" baseline="30000" dirty="0" smtClean="0">
-                <a:solidFill>
-                  <a:schemeClr val="tx1"/>
-                </a:solidFill>
-              </a:rPr>
-              <a:t>-1/2 </a:t>
-            </a:r>
-            <a:r>
-              <a:rPr lang="en-US" i="1" baseline="-25000" dirty="0" smtClean="0">
-                <a:solidFill>
-                  <a:schemeClr val="tx1"/>
-                </a:solidFill>
-              </a:rPr>
-              <a:t>1</a:t>
-            </a:r>
-            <a:r>
-              <a:rPr lang="en-US" baseline="-25000" dirty="0" smtClean="0">
-                <a:solidFill>
-                  <a:schemeClr val="tx1"/>
-                </a:solidFill>
-              </a:rPr>
-              <a:t> </a:t>
-            </a:r>
-            <a:r>
-              <a:rPr lang="en-US" dirty="0" smtClean="0">
-                <a:solidFill>
-                  <a:schemeClr val="tx1"/>
-                </a:solidFill>
-              </a:rPr>
-              <a:t>&gt; |S</a:t>
-            </a:r>
-            <a:r>
-              <a:rPr lang="en-US" baseline="30000" dirty="0" smtClean="0">
-                <a:solidFill>
-                  <a:schemeClr val="tx1"/>
-                </a:solidFill>
-              </a:rPr>
-              <a:t>-1/2 </a:t>
-            </a:r>
-            <a:r>
-              <a:rPr lang="en-US" i="1" baseline="-25000" dirty="0" smtClean="0">
-                <a:solidFill>
-                  <a:schemeClr val="tx1"/>
-                </a:solidFill>
-              </a:rPr>
-              <a:t>2</a:t>
-            </a:r>
-            <a:r>
-              <a:rPr lang="en-US" baseline="-25000" dirty="0" smtClean="0">
-                <a:solidFill>
-                  <a:schemeClr val="tx1"/>
-                </a:solidFill>
-              </a:rPr>
-              <a:t> </a:t>
-            </a:r>
-            <a:r>
-              <a:rPr lang="en-US" dirty="0" smtClean="0">
-                <a:solidFill>
-                  <a:schemeClr val="tx1"/>
-                </a:solidFill>
-              </a:rPr>
-              <a:t>&gt; ... |S</a:t>
-            </a:r>
-            <a:r>
-              <a:rPr lang="en-US" baseline="30000" dirty="0" smtClean="0">
-                <a:solidFill>
-                  <a:schemeClr val="tx1"/>
-                </a:solidFill>
-              </a:rPr>
-              <a:t>-1/2 </a:t>
-            </a:r>
-            <a:r>
-              <a:rPr lang="en-US" i="1" baseline="-25000" dirty="0" smtClean="0">
-                <a:solidFill>
-                  <a:schemeClr val="tx1"/>
-                </a:solidFill>
-              </a:rPr>
-              <a:t>m</a:t>
-            </a:r>
-            <a:r>
-              <a:rPr lang="en-US" baseline="-25000" dirty="0" smtClean="0">
-                <a:solidFill>
-                  <a:schemeClr val="tx1"/>
-                </a:solidFill>
-              </a:rPr>
-              <a:t> </a:t>
-            </a:r>
-            <a:r>
-              <a:rPr lang="en-US" dirty="0" smtClean="0">
-                <a:solidFill>
-                  <a:schemeClr val="tx1"/>
-                </a:solidFill>
-              </a:rPr>
-              <a:t>&gt; </a:t>
-            </a:r>
+              <a:t>algebras and recursive preconditioning.</a:t>
+            </a:r>
+            <a:endParaRPr lang="en-US" dirty="0" smtClean="0">
+              <a:solidFill>
+                <a:schemeClr val="tx1"/>
+              </a:solidFill>
+            </a:endParaRPr>
           </a:p>
           <a:p>
             <a:pPr marL="285750" indent="-285750">
@@ -9998,7 +11122,7 @@
         </p:nvSpPr>
         <p:spPr>
           <a:xfrm>
-            <a:off x="304615" y="200680"/>
+            <a:off x="286082" y="152420"/>
             <a:ext cx="7877478" cy="523220"/>
           </a:xfrm>
           <a:prstGeom prst="rect">
@@ -10047,8 +11171,8 @@
         </p:nvSpPr>
         <p:spPr>
           <a:xfrm>
-            <a:off x="241300" y="762000"/>
-            <a:ext cx="4953000" cy="2616101"/>
+            <a:off x="132080" y="673656"/>
+            <a:ext cx="4927600" cy="2831544"/>
           </a:xfrm>
           <a:prstGeom prst="rect">
             <a:avLst/>
@@ -10068,29 +11192,26 @@
               <a:buChar char="•"/>
             </a:pPr>
             <a:r>
-              <a:rPr lang="en-US" sz="2200" dirty="0">
-                <a:latin typeface="Comic Sans MS" pitchFamily="66" charset="0"/>
-              </a:rPr>
+              <a:rPr lang="en-US" sz="2400" dirty="0"/>
               <a:t>S</a:t>
             </a:r>
             <a:r>
-              <a:rPr lang="en-US" sz="2200" dirty="0" smtClean="0">
-                <a:latin typeface="Comic Sans MS" pitchFamily="66" charset="0"/>
-              </a:rPr>
+              <a:rPr lang="en-US" sz="2400" dirty="0" smtClean="0"/>
               <a:t>pace-filling-curve </a:t>
             </a:r>
             <a:r>
-              <a:rPr lang="en-US" sz="2200" dirty="0">
-                <a:latin typeface="Comic Sans MS" pitchFamily="66" charset="0"/>
-              </a:rPr>
+              <a:rPr lang="en-US" sz="2400" dirty="0"/>
               <a:t>h</a:t>
             </a:r>
             <a:r>
-              <a:rPr lang="en-US" sz="2200" dirty="0" smtClean="0">
-                <a:latin typeface="Comic Sans MS" pitchFamily="66" charset="0"/>
-              </a:rPr>
+              <a:rPr lang="en-US" sz="2400" dirty="0" smtClean="0"/>
               <a:t>euristics maximize locality, clustering </a:t>
             </a:r>
+            <a:r>
+              <a:rPr lang="en-US" sz="2400" dirty="0" smtClean="0"/>
+              <a:t>(A-B)</a:t>
+            </a:r>
+            <a:endParaRPr lang="en-US" sz="2400" dirty="0" smtClean="0"/>
           </a:p>
           <a:p>
             <a:pPr marL="342900" indent="-342900">
@@ -10101,23 +11222,22 @@
               <a:buChar char="•"/>
             </a:pPr>
             <a:r>
-              <a:rPr lang="en-US" sz="2200" dirty="0" smtClean="0">
-                <a:latin typeface="Comic Sans MS" pitchFamily="66" charset="0"/>
-              </a:rPr>
+              <a:rPr lang="en-US" sz="2400" dirty="0" smtClean="0"/>
               <a:t>With locality, </a:t>
             </a:r>
             <a:r>
-              <a:rPr lang="en-US" sz="2200" dirty="0">
-                <a:latin typeface="Comic Sans MS" pitchFamily="66" charset="0"/>
-              </a:rPr>
-              <a:t>r</a:t>
-            </a:r>
-            <a:r>
-              <a:rPr lang="en-US" sz="2200" dirty="0" smtClean="0">
-                <a:latin typeface="Comic Sans MS" pitchFamily="66" charset="0"/>
-              </a:rPr>
-              <a:t>ecursive data structures enable rapid distance, metric &amp; overlap lookup</a:t>
-            </a:r>
+              <a:rPr lang="en-US" sz="2400" dirty="0" smtClean="0"/>
+              <a:t>database algorithms enable </a:t>
+            </a:r>
+            <a:r>
+              <a:rPr lang="en-US" sz="2400" dirty="0" smtClean="0"/>
+              <a:t>rapid distance, metric &amp; overlap </a:t>
+            </a:r>
+            <a:r>
+              <a:rPr lang="en-US" sz="2400" dirty="0" smtClean="0"/>
+              <a:t>queries.</a:t>
+            </a:r>
+            <a:endParaRPr lang="en-US" sz="2400" dirty="0" smtClean="0"/>
           </a:p>
           <a:p>
             <a:pPr marL="342900" indent="-342900">
@@ -10128,20 +11248,14 @@
               <a:buChar char="•"/>
             </a:pPr>
             <a:r>
-              <a:rPr lang="en-US" sz="2200" dirty="0" smtClean="0">
-                <a:latin typeface="Comic Sans MS" pitchFamily="66" charset="0"/>
-              </a:rPr>
+              <a:rPr lang="en-US" sz="2400" dirty="0" smtClean="0"/>
               <a:t>Clustering enhances multilevel approximation, occlusion &amp; </a:t>
             </a:r>
             <a:r>
-              <a:rPr lang="en-US" sz="2200" i="1" dirty="0" err="1" smtClean="0">
-                <a:latin typeface="Comic Sans MS" pitchFamily="66" charset="0"/>
-              </a:rPr>
+              <a:rPr lang="en-US" sz="2400" i="1" dirty="0" err="1" smtClean="0"/>
               <a:t>etc</a:t>
             </a:r>
-            <a:endParaRPr lang="en-US" sz="2200" i="1" dirty="0">
-              <a:latin typeface="Comic Sans MS" pitchFamily="66" charset="0"/>
-            </a:endParaRPr>
+            <a:endParaRPr lang="en-US" sz="2400" i="1" dirty="0"/>
           </a:p>
         </p:txBody>
       </p:sp>
@@ -10166,7 +11280,7 @@
         </p:blipFill>
         <p:spPr>
           <a:xfrm>
-            <a:off x="5029200" y="936413"/>
+            <a:off x="5059680" y="936413"/>
             <a:ext cx="4023360" cy="2035387"/>
           </a:xfrm>
           <a:prstGeom prst="rect">
@@ -10204,46 +11318,6 @@
           </a:prstGeom>
         </p:spPr>
       </p:pic>
-      <p:sp>
-        <p:nvSpPr>
-          <p:cNvPr id="9" name="Right Arrow 8"/>
-          <p:cNvSpPr/>
-          <p:nvPr/>
-        </p:nvSpPr>
-        <p:spPr>
-          <a:xfrm>
-            <a:off x="4406900" y="1226367"/>
-            <a:ext cx="544689" cy="186155"/>
-          </a:xfrm>
-          <a:prstGeom prst="rightArrow">
-            <a:avLst/>
-          </a:prstGeom>
-        </p:spPr>
-        <p:style>
-          <a:lnRef idx="2">
-            <a:schemeClr val="accent1">
-              <a:shade val="50000"/>
-            </a:schemeClr>
-          </a:lnRef>
-          <a:fillRef idx="1">
-            <a:schemeClr val="accent1"/>
-          </a:fillRef>
-          <a:effectRef idx="0">
-            <a:schemeClr val="accent1"/>
-          </a:effectRef>
-          <a:fontRef idx="minor">
-            <a:schemeClr val="lt1"/>
-          </a:fontRef>
-        </p:style>
-        <p:txBody>
-          <a:bodyPr rtlCol="0" anchor="ctr"/>
-          <a:lstStyle/>
-          <a:p>
-            <a:pPr algn="ctr"/>
-            <a:endParaRPr lang="en-US"/>
-          </a:p>
-        </p:txBody>
-      </p:sp>
       <p:sp>
         <p:nvSpPr>
           <p:cNvPr id="10" name="Oval 9"/>
@@ -10298,8 +11372,8 @@
         </p:nvSpPr>
         <p:spPr>
           <a:xfrm>
-            <a:off x="3640126" y="3511877"/>
-            <a:ext cx="5351474" cy="3077766"/>
+            <a:off x="3619806" y="3408680"/>
+            <a:ext cx="5351474" cy="3200876"/>
           </a:xfrm>
           <a:prstGeom prst="rect">
             <a:avLst/>
@@ -10319,9 +11393,7 @@
               <a:buChar char="•"/>
             </a:pPr>
             <a:r>
-              <a:rPr lang="en-US" sz="2000" dirty="0" smtClean="0">
-                <a:latin typeface="Comic Sans MS" pitchFamily="66" charset="0"/>
-              </a:rPr>
+              <a:rPr lang="en-US" sz="2400" dirty="0" smtClean="0"/>
               <a:t>Space-filling-curves (SFCs) map atoms close in space to an index where they are also close</a:t>
             </a:r>
           </a:p>
@@ -10334,9 +11406,7 @@
               <a:buChar char="•"/>
             </a:pPr>
             <a:r>
-              <a:rPr lang="en-US" sz="2000" dirty="0" smtClean="0">
-                <a:latin typeface="Comic Sans MS" pitchFamily="66" charset="0"/>
-              </a:rPr>
+              <a:rPr lang="en-US" sz="2400" dirty="0" smtClean="0"/>
               <a:t>This SFC ordering naturally blocks &amp; structures corresponding matrices with decay</a:t>
             </a:r>
           </a:p>
@@ -10349,56 +11419,34 @@
               <a:buChar char="•"/>
             </a:pPr>
             <a:r>
-              <a:rPr lang="en-US" sz="2000" dirty="0" smtClean="0">
-                <a:latin typeface="Comic Sans MS" pitchFamily="66" charset="0"/>
-              </a:rPr>
+              <a:rPr lang="en-US" sz="2400" dirty="0" smtClean="0"/>
               <a:t>RB3LYP/6-31G** density matrix for [H</a:t>
             </a:r>
             <a:r>
-              <a:rPr lang="en-US" sz="2000" baseline="-25000" dirty="0" smtClean="0">
-                <a:latin typeface="Comic Sans MS" pitchFamily="66" charset="0"/>
-              </a:rPr>
+              <a:rPr lang="en-US" sz="2400" baseline="-25000" dirty="0" smtClean="0"/>
               <a:t>2</a:t>
             </a:r>
             <a:r>
-              <a:rPr lang="en-US" sz="2000" dirty="0" smtClean="0">
-                <a:latin typeface="Comic Sans MS" pitchFamily="66" charset="0"/>
-              </a:rPr>
+              <a:rPr lang="en-US" sz="2400" dirty="0" smtClean="0"/>
               <a:t>O]</a:t>
             </a:r>
             <a:r>
-              <a:rPr lang="en-US" sz="2000" baseline="-25000" dirty="0" smtClean="0">
-                <a:latin typeface="Comic Sans MS" pitchFamily="66" charset="0"/>
-              </a:rPr>
+              <a:rPr lang="en-US" sz="2400" baseline="-25000" dirty="0" smtClean="0"/>
               <a:t>300</a:t>
             </a:r>
             <a:r>
-              <a:rPr lang="en-US" sz="2200" i="1" dirty="0" smtClean="0">
-                <a:latin typeface="Comic Sans MS" pitchFamily="66" charset="0"/>
-              </a:rPr>
+              <a:rPr lang="en-US" sz="2400" i="1" dirty="0" smtClean="0"/>
               <a:t>. </a:t>
             </a:r>
             <a:r>
-              <a:rPr lang="en-US" sz="2200" dirty="0" smtClean="0">
-                <a:latin typeface="Comic Sans MS" pitchFamily="66" charset="0"/>
-              </a:rPr>
+              <a:rPr lang="en-US" sz="2400" dirty="0" smtClean="0"/>
               <a:t>Purple is large, red is small.</a:t>
             </a:r>
             <a:r>
-              <a:rPr lang="en-US" sz="2200" i="1" dirty="0" smtClean="0">
-                <a:latin typeface="Comic Sans MS" pitchFamily="66" charset="0"/>
-              </a:rPr>
+              <a:rPr lang="en-US" sz="2400" i="1" dirty="0" smtClean="0"/>
               <a:t>  </a:t>
             </a:r>
-            <a:r>
-              <a:rPr lang="en-US" sz="2200" b="1" i="1" dirty="0" smtClean="0">
-                <a:latin typeface="Comic Sans MS" pitchFamily="66" charset="0"/>
-              </a:rPr>
-              <a:t>Note the cross diagonal beats </a:t>
-            </a:r>
-            <a:endParaRPr lang="en-US" sz="2200" b="1" i="1" dirty="0">
-              <a:latin typeface="Comic Sans MS" pitchFamily="66" charset="0"/>
-            </a:endParaRPr>
+            <a:endParaRPr lang="en-US" sz="2400" b="1" i="1" dirty="0"/>
           </a:p>
         </p:txBody>
       </p:sp>
@@ -10461,415 +11509,6 @@
 </file>
 
 <file path=ppt/slides/slide5.xml><?xml version="1.0" encoding="utf-8"?>
-<p:sld xmlns:a="http://schemas.openxmlformats.org/drawingml/2006/main" xmlns:r="http://schemas.openxmlformats.org/officeDocument/2006/relationships" xmlns:p="http://schemas.openxmlformats.org/presentationml/2006/main">
-  <p:cSld>
-    <p:spTree>
-      <p:nvGrpSpPr>
-        <p:cNvPr id="1" name=""/>
-        <p:cNvGrpSpPr/>
-        <p:nvPr/>
-      </p:nvGrpSpPr>
-      <p:grpSpPr>
-        <a:xfrm>
-          <a:off x="0" y="0"/>
-          <a:ext cx="0" cy="0"/>
-          <a:chOff x="0" y="0"/>
-          <a:chExt cx="0" cy="0"/>
-        </a:xfrm>
-      </p:grpSpPr>
-      <p:sp>
-        <p:nvSpPr>
-          <p:cNvPr id="4" name="TextBox 3"/>
-          <p:cNvSpPr txBox="1"/>
-          <p:nvPr/>
-        </p:nvSpPr>
-        <p:spPr>
-          <a:xfrm>
-            <a:off x="381000" y="251460"/>
-            <a:ext cx="8810425" cy="646331"/>
-          </a:xfrm>
-          <a:prstGeom prst="rect">
-            <a:avLst/>
-          </a:prstGeom>
-          <a:noFill/>
-        </p:spPr>
-        <p:txBody>
-          <a:bodyPr wrap="none" rtlCol="0">
-            <a:spAutoFit/>
-          </a:bodyPr>
-          <a:lstStyle/>
-          <a:p>
-            <a:r>
-              <a:rPr lang="en-US" sz="3600" b="1" dirty="0" err="1" smtClean="0">
-                <a:solidFill>
-                  <a:prstClr val="black"/>
-                </a:solidFill>
-                <a:latin typeface="Comic Sans MS" pitchFamily="66" charset="0"/>
-              </a:rPr>
-              <a:t>SpAMM</a:t>
-            </a:r>
-            <a:r>
-              <a:rPr lang="en-US" sz="3600" b="1" dirty="0" smtClean="0">
-                <a:solidFill>
-                  <a:prstClr val="black"/>
-                </a:solidFill>
-                <a:latin typeface="Comic Sans MS" pitchFamily="66" charset="0"/>
-              </a:rPr>
-              <a:t> For Dense Matrices w/Decay</a:t>
-            </a:r>
-            <a:endParaRPr lang="en-US" sz="3600" b="1" dirty="0">
-              <a:solidFill>
-                <a:prstClr val="black"/>
-              </a:solidFill>
-              <a:latin typeface="Comic Sans MS" pitchFamily="66" charset="0"/>
-            </a:endParaRPr>
-          </a:p>
-        </p:txBody>
-      </p:sp>
-      <p:pic>
-        <p:nvPicPr>
-          <p:cNvPr id="8" name="Picture 7"/>
-          <p:cNvPicPr>
-            <a:picLocks noChangeAspect="1"/>
-          </p:cNvPicPr>
-          <p:nvPr/>
-        </p:nvPicPr>
-        <p:blipFill rotWithShape="1">
-          <a:blip r:embed="rId2">
-            <a:extLst>
-              <a:ext uri="{28A0092B-C50C-407E-A947-70E740481C1C}">
-                <a14:useLocalDpi xmlns:a14="http://schemas.microsoft.com/office/drawing/2010/main" val="0"/>
-              </a:ext>
-            </a:extLst>
-          </a:blip>
-          <a:srcRect l="2515" r="1107" b="14074"/>
-          <a:stretch/>
-        </p:blipFill>
-        <p:spPr>
-          <a:xfrm>
-            <a:off x="3496470" y="1325880"/>
-            <a:ext cx="5228430" cy="3931920"/>
-          </a:xfrm>
-          <a:prstGeom prst="rect">
-            <a:avLst/>
-          </a:prstGeom>
-        </p:spPr>
-      </p:pic>
-      <p:sp>
-        <p:nvSpPr>
-          <p:cNvPr id="9" name="Rectangle 8"/>
-          <p:cNvSpPr/>
-          <p:nvPr/>
-        </p:nvSpPr>
-        <p:spPr>
-          <a:xfrm>
-            <a:off x="422906" y="838200"/>
-            <a:ext cx="5279394" cy="369332"/>
-          </a:xfrm>
-          <a:prstGeom prst="rect">
-            <a:avLst/>
-          </a:prstGeom>
-        </p:spPr>
-        <p:txBody>
-          <a:bodyPr wrap="none">
-            <a:spAutoFit/>
-          </a:bodyPr>
-          <a:lstStyle/>
-          <a:p>
-            <a:r>
-              <a:rPr lang="it-IT" b="1" dirty="0" smtClean="0"/>
-              <a:t>Bock &amp; Challacombe, SIAM J. Sci. Comput., 35(1), C72</a:t>
-            </a:r>
-            <a:endParaRPr lang="en-US" b="1" dirty="0"/>
-          </a:p>
-        </p:txBody>
-      </p:sp>
-      <p:sp>
-        <p:nvSpPr>
-          <p:cNvPr id="10" name="TextBox 9"/>
-          <p:cNvSpPr txBox="1"/>
-          <p:nvPr/>
-        </p:nvSpPr>
-        <p:spPr>
-          <a:xfrm>
-            <a:off x="381000" y="1447800"/>
-            <a:ext cx="2920903" cy="4154984"/>
-          </a:xfrm>
-          <a:prstGeom prst="rect">
-            <a:avLst/>
-          </a:prstGeom>
-          <a:noFill/>
-        </p:spPr>
-        <p:txBody>
-          <a:bodyPr wrap="square" rtlCol="0">
-            <a:spAutoFit/>
-          </a:bodyPr>
-          <a:lstStyle/>
-          <a:p>
-            <a:r>
-              <a:rPr lang="en-US" sz="2400" dirty="0" smtClean="0">
-                <a:solidFill>
-                  <a:prstClr val="black"/>
-                </a:solidFill>
-                <a:latin typeface="Comic Sans MS" pitchFamily="66" charset="0"/>
-              </a:rPr>
-              <a:t>Product matrix is asymptotically sparse, but only much, much later</a:t>
-            </a:r>
-          </a:p>
-          <a:p>
-            <a:endParaRPr lang="en-US" sz="2400" dirty="0">
-              <a:solidFill>
-                <a:prstClr val="black"/>
-              </a:solidFill>
-              <a:latin typeface="Comic Sans MS" pitchFamily="66" charset="0"/>
-            </a:endParaRPr>
-          </a:p>
-          <a:p>
-            <a:r>
-              <a:rPr lang="en-US" sz="2400" dirty="0" smtClean="0">
-                <a:solidFill>
-                  <a:prstClr val="black"/>
-                </a:solidFill>
-                <a:latin typeface="Comic Sans MS" pitchFamily="66" charset="0"/>
-              </a:rPr>
-              <a:t>Fill in of small blocks at negligible cost yields </a:t>
-            </a:r>
-            <a:r>
-              <a:rPr lang="en-US" sz="2400" b="1" i="1" dirty="0" smtClean="0">
-                <a:solidFill>
-                  <a:prstClr val="black"/>
-                </a:solidFill>
-                <a:latin typeface="Comic Sans MS" pitchFamily="66" charset="0"/>
-              </a:rPr>
-              <a:t>O</a:t>
-            </a:r>
-            <a:r>
-              <a:rPr lang="en-US" sz="1000" b="1" i="1" dirty="0" smtClean="0">
-                <a:solidFill>
-                  <a:prstClr val="black"/>
-                </a:solidFill>
-                <a:latin typeface="Comic Sans MS" pitchFamily="66" charset="0"/>
-              </a:rPr>
-              <a:t> </a:t>
-            </a:r>
-            <a:r>
-              <a:rPr lang="en-US" sz="2400" b="1" dirty="0" smtClean="0">
-                <a:solidFill>
-                  <a:prstClr val="black"/>
-                </a:solidFill>
-                <a:latin typeface="Comic Sans MS" pitchFamily="66" charset="0"/>
-              </a:rPr>
-              <a:t>(</a:t>
-            </a:r>
-            <a:r>
-              <a:rPr lang="en-US" sz="2400" b="1" i="1" dirty="0" smtClean="0">
-                <a:solidFill>
-                  <a:prstClr val="black"/>
-                </a:solidFill>
-                <a:latin typeface="Comic Sans MS" pitchFamily="66" charset="0"/>
-              </a:rPr>
-              <a:t>N </a:t>
-            </a:r>
-            <a:r>
-              <a:rPr lang="en-US" sz="2400" b="1" dirty="0" smtClean="0">
-                <a:solidFill>
-                  <a:prstClr val="black"/>
-                </a:solidFill>
-                <a:latin typeface="Comic Sans MS" pitchFamily="66" charset="0"/>
-              </a:rPr>
-              <a:t>) </a:t>
-            </a:r>
-            <a:r>
-              <a:rPr lang="en-US" sz="2400" b="1" i="1" dirty="0" smtClean="0">
-                <a:solidFill>
-                  <a:prstClr val="black"/>
-                </a:solidFill>
-                <a:latin typeface="Comic Sans MS" pitchFamily="66" charset="0"/>
-              </a:rPr>
-              <a:t>cost even for dense matrices</a:t>
-            </a:r>
-          </a:p>
-          <a:p>
-            <a:endParaRPr lang="en-US" sz="2400" dirty="0">
-              <a:solidFill>
-                <a:prstClr val="black"/>
-              </a:solidFill>
-              <a:latin typeface="Comic Sans MS" pitchFamily="66" charset="0"/>
-            </a:endParaRPr>
-          </a:p>
-        </p:txBody>
-      </p:sp>
-      <p:sp>
-        <p:nvSpPr>
-          <p:cNvPr id="11" name="Rectangle 10"/>
-          <p:cNvSpPr/>
-          <p:nvPr/>
-        </p:nvSpPr>
-        <p:spPr>
-          <a:xfrm>
-            <a:off x="457200" y="5370493"/>
-            <a:ext cx="8458200" cy="954107"/>
-          </a:xfrm>
-          <a:prstGeom prst="rect">
-            <a:avLst/>
-          </a:prstGeom>
-        </p:spPr>
-        <p:txBody>
-          <a:bodyPr wrap="square">
-            <a:spAutoFit/>
-          </a:bodyPr>
-          <a:lstStyle/>
-          <a:p>
-            <a:r>
-              <a:rPr lang="en-US" sz="2400" b="1" dirty="0" smtClean="0">
-                <a:solidFill>
-                  <a:prstClr val="black"/>
-                </a:solidFill>
-                <a:latin typeface="Comic Sans MS" pitchFamily="66" charset="0"/>
-              </a:rPr>
-              <a:t>S.P. </a:t>
-            </a:r>
-            <a:r>
-              <a:rPr lang="en-US" sz="2400" b="1" dirty="0" err="1" smtClean="0">
-                <a:solidFill>
-                  <a:prstClr val="black"/>
-                </a:solidFill>
-                <a:latin typeface="Comic Sans MS" pitchFamily="66" charset="0"/>
-              </a:rPr>
-              <a:t>SpAMM</a:t>
-            </a:r>
-            <a:r>
-              <a:rPr lang="en-US" sz="2400" b="1" dirty="0" smtClean="0">
-                <a:solidFill>
-                  <a:prstClr val="black"/>
-                </a:solidFill>
-                <a:latin typeface="Comic Sans MS" pitchFamily="66" charset="0"/>
-              </a:rPr>
-              <a:t> beats MKL SGEMM in error &amp; is </a:t>
-            </a:r>
-            <a:r>
-              <a:rPr lang="en-US" sz="2400" b="1" i="1" dirty="0" smtClean="0">
-                <a:solidFill>
-                  <a:prstClr val="black"/>
-                </a:solidFill>
-                <a:latin typeface="Comic Sans MS" pitchFamily="66" charset="0"/>
-              </a:rPr>
-              <a:t>O</a:t>
-            </a:r>
-            <a:r>
-              <a:rPr lang="en-US" sz="1000" b="1" i="1" dirty="0" smtClean="0">
-                <a:solidFill>
-                  <a:prstClr val="black"/>
-                </a:solidFill>
-                <a:latin typeface="Comic Sans MS" pitchFamily="66" charset="0"/>
-              </a:rPr>
-              <a:t> </a:t>
-            </a:r>
-            <a:r>
-              <a:rPr lang="en-US" sz="2400" b="1" dirty="0" smtClean="0">
-                <a:solidFill>
-                  <a:prstClr val="black"/>
-                </a:solidFill>
-                <a:latin typeface="Comic Sans MS" pitchFamily="66" charset="0"/>
-              </a:rPr>
-              <a:t>(</a:t>
-            </a:r>
-            <a:r>
-              <a:rPr lang="en-US" sz="2400" b="1" i="1" dirty="0" smtClean="0">
-                <a:solidFill>
-                  <a:prstClr val="black"/>
-                </a:solidFill>
-                <a:latin typeface="Comic Sans MS" pitchFamily="66" charset="0"/>
-              </a:rPr>
-              <a:t>N</a:t>
-            </a:r>
-            <a:r>
-              <a:rPr lang="en-US" sz="1000" b="1" i="1" dirty="0" smtClean="0">
-                <a:solidFill>
-                  <a:prstClr val="black"/>
-                </a:solidFill>
-                <a:latin typeface="Comic Sans MS" pitchFamily="66" charset="0"/>
-              </a:rPr>
-              <a:t> </a:t>
-            </a:r>
-            <a:r>
-              <a:rPr lang="en-US" sz="2400" b="1" dirty="0" smtClean="0">
-                <a:solidFill>
-                  <a:prstClr val="black"/>
-                </a:solidFill>
-                <a:latin typeface="Comic Sans MS" pitchFamily="66" charset="0"/>
-              </a:rPr>
-              <a:t>)</a:t>
-            </a:r>
-          </a:p>
-          <a:p>
-            <a:endParaRPr lang="en-US" sz="800" b="1" dirty="0" smtClean="0">
-              <a:solidFill>
-                <a:prstClr val="black"/>
-              </a:solidFill>
-              <a:latin typeface="Comic Sans MS" pitchFamily="66" charset="0"/>
-            </a:endParaRPr>
-          </a:p>
-          <a:p>
-            <a:r>
-              <a:rPr lang="en-US" sz="2400" b="1" dirty="0">
-                <a:solidFill>
-                  <a:prstClr val="black"/>
-                </a:solidFill>
-                <a:latin typeface="Comic Sans MS" pitchFamily="66" charset="0"/>
-                <a:sym typeface="Wingdings" pitchFamily="2" charset="2"/>
-              </a:rPr>
-              <a:t>R</a:t>
-            </a:r>
-            <a:r>
-              <a:rPr lang="en-US" sz="2400" b="1" dirty="0" smtClean="0">
-                <a:solidFill>
-                  <a:prstClr val="black"/>
-                </a:solidFill>
-                <a:latin typeface="Comic Sans MS" pitchFamily="66" charset="0"/>
-              </a:rPr>
-              <a:t>ecursion w/locality</a:t>
-            </a:r>
-            <a:r>
-              <a:rPr lang="en-US" sz="2400" b="1" dirty="0" smtClean="0">
-                <a:solidFill>
-                  <a:prstClr val="black"/>
-                </a:solidFill>
-                <a:latin typeface="Comic Sans MS" pitchFamily="66" charset="0"/>
-                <a:sym typeface="Wingdings" pitchFamily="2" charset="2"/>
-              </a:rPr>
-              <a:t> more accurate than row-column</a:t>
-            </a:r>
-            <a:endParaRPr lang="en-US" sz="2400" b="1" dirty="0">
-              <a:solidFill>
-                <a:prstClr val="black"/>
-              </a:solidFill>
-              <a:latin typeface="Comic Sans MS" pitchFamily="66" charset="0"/>
-            </a:endParaRPr>
-          </a:p>
-        </p:txBody>
-      </p:sp>
-    </p:spTree>
-    <p:extLst>
-      <p:ext uri="{BB962C8B-B14F-4D97-AF65-F5344CB8AC3E}">
-        <p14:creationId xmlns:p14="http://schemas.microsoft.com/office/powerpoint/2010/main" val="1921434426"/>
-      </p:ext>
-    </p:extLst>
-  </p:cSld>
-  <p:clrMapOvr>
-    <a:masterClrMapping/>
-  </p:clrMapOvr>
-  <p:timing>
-    <p:tnLst>
-      <p:par>
-        <p:cTn id="1" dur="indefinite" restart="never" nodeType="tmRoot"/>
-      </p:par>
-    </p:tnLst>
-  </p:timing>
-</p:sld>
-</file>
-
-<file path=ppt/slides/slide6.xml><?xml version="1.0" encoding="utf-8"?>
 <p:sld xmlns:a="http://schemas.openxmlformats.org/drawingml/2006/main" xmlns:r="http://schemas.openxmlformats.org/officeDocument/2006/relationships" xmlns:p="http://schemas.openxmlformats.org/presentationml/2006/main">
   <p:cSld>
     <p:spTree>
@@ -11384,601 +12023,7 @@
 </p:sld>
 </file>
 
-<file path=ppt/slides/slide7.xml><?xml version="1.0" encoding="utf-8"?>
-<p:sld xmlns:a="http://schemas.openxmlformats.org/drawingml/2006/main" xmlns:r="http://schemas.openxmlformats.org/officeDocument/2006/relationships" xmlns:p="http://schemas.openxmlformats.org/presentationml/2006/main">
-  <p:cSld>
-    <p:spTree>
-      <p:nvGrpSpPr>
-        <p:cNvPr id="1" name=""/>
-        <p:cNvGrpSpPr/>
-        <p:nvPr/>
-      </p:nvGrpSpPr>
-      <p:grpSpPr>
-        <a:xfrm>
-          <a:off x="0" y="0"/>
-          <a:ext cx="0" cy="0"/>
-          <a:chOff x="0" y="0"/>
-          <a:chExt cx="0" cy="0"/>
-        </a:xfrm>
-      </p:grpSpPr>
-      <p:sp>
-        <p:nvSpPr>
-          <p:cNvPr id="10" name="Rectangle 9"/>
-          <p:cNvSpPr/>
-          <p:nvPr/>
-        </p:nvSpPr>
-        <p:spPr>
-          <a:xfrm>
-            <a:off x="333984" y="1981200"/>
-            <a:ext cx="6190567" cy="1524000"/>
-          </a:xfrm>
-          <a:prstGeom prst="rect">
-            <a:avLst/>
-          </a:prstGeom>
-        </p:spPr>
-        <p:style>
-          <a:lnRef idx="1">
-            <a:schemeClr val="accent1"/>
-          </a:lnRef>
-          <a:fillRef idx="2">
-            <a:schemeClr val="accent1"/>
-          </a:fillRef>
-          <a:effectRef idx="1">
-            <a:schemeClr val="accent1"/>
-          </a:effectRef>
-          <a:fontRef idx="minor">
-            <a:schemeClr val="dk1"/>
-          </a:fontRef>
-        </p:style>
-        <p:txBody>
-          <a:bodyPr rtlCol="0" anchor="ctr"/>
-          <a:lstStyle/>
-          <a:p>
-            <a:pPr algn="ctr"/>
-            <a:endParaRPr lang="en-US"/>
-          </a:p>
-        </p:txBody>
-      </p:sp>
-      <p:sp>
-        <p:nvSpPr>
-          <p:cNvPr id="4" name="TextBox 3"/>
-          <p:cNvSpPr txBox="1"/>
-          <p:nvPr/>
-        </p:nvSpPr>
-        <p:spPr>
-          <a:xfrm>
-            <a:off x="-152400" y="76200"/>
-            <a:ext cx="9240603" cy="646331"/>
-          </a:xfrm>
-          <a:prstGeom prst="rect">
-            <a:avLst/>
-          </a:prstGeom>
-          <a:noFill/>
-        </p:spPr>
-        <p:txBody>
-          <a:bodyPr wrap="square" rtlCol="0">
-            <a:spAutoFit/>
-          </a:bodyPr>
-          <a:lstStyle/>
-          <a:p>
-            <a:r>
-              <a:rPr lang="en-US" sz="3600" b="1" dirty="0">
-                <a:solidFill>
-                  <a:prstClr val="black"/>
-                </a:solidFill>
-                <a:latin typeface="Comic Sans MS" pitchFamily="66" charset="0"/>
-              </a:rPr>
-              <a:t> </a:t>
-            </a:r>
-            <a:r>
-              <a:rPr lang="en-US" sz="3600" b="1" dirty="0" smtClean="0">
-                <a:solidFill>
-                  <a:prstClr val="black"/>
-                </a:solidFill>
-                <a:latin typeface="Comic Sans MS" pitchFamily="66" charset="0"/>
-              </a:rPr>
-              <a:t> Accuracy Demands Less Local Models</a:t>
-            </a:r>
-            <a:endParaRPr lang="en-US" sz="3600" b="1" dirty="0">
-              <a:solidFill>
-                <a:prstClr val="black"/>
-              </a:solidFill>
-              <a:latin typeface="Comic Sans MS" pitchFamily="66" charset="0"/>
-            </a:endParaRPr>
-          </a:p>
-        </p:txBody>
-      </p:sp>
-      <p:sp>
-        <p:nvSpPr>
-          <p:cNvPr id="2" name="Rectangle 1"/>
-          <p:cNvSpPr/>
-          <p:nvPr/>
-        </p:nvSpPr>
-        <p:spPr>
-          <a:xfrm>
-            <a:off x="4648200" y="4572000"/>
-            <a:ext cx="4572000" cy="2431435"/>
-          </a:xfrm>
-          <a:prstGeom prst="rect">
-            <a:avLst/>
-          </a:prstGeom>
-        </p:spPr>
-        <p:txBody>
-          <a:bodyPr>
-            <a:spAutoFit/>
-          </a:bodyPr>
-          <a:lstStyle/>
-          <a:p>
-            <a:r>
-              <a:rPr lang="en-US" sz="2200" dirty="0">
-                <a:solidFill>
-                  <a:prstClr val="black"/>
-                </a:solidFill>
-                <a:latin typeface="Comic Sans MS" pitchFamily="66" charset="0"/>
-              </a:rPr>
-              <a:t>S</a:t>
-            </a:r>
-            <a:r>
-              <a:rPr lang="en-US" sz="2200" dirty="0" smtClean="0">
-                <a:solidFill>
-                  <a:prstClr val="black"/>
-                </a:solidFill>
-                <a:latin typeface="Comic Sans MS" pitchFamily="66" charset="0"/>
-              </a:rPr>
-              <a:t>tructural motifs and reaction profiles in biochemical applications also require hybrid HF/DFT models for even a qualitatively correct result</a:t>
-            </a:r>
-          </a:p>
-          <a:p>
-            <a:pPr>
-              <a:spcBef>
-                <a:spcPts val="600"/>
-              </a:spcBef>
-              <a:spcAft>
-                <a:spcPts val="600"/>
-              </a:spcAft>
-            </a:pPr>
-            <a:r>
-              <a:rPr lang="de-DE" sz="1000" dirty="0" smtClean="0">
-                <a:solidFill>
-                  <a:prstClr val="black"/>
-                </a:solidFill>
-                <a:latin typeface="Comic Sans MS" pitchFamily="66" charset="0"/>
-              </a:rPr>
-              <a:t>J</a:t>
-            </a:r>
-            <a:r>
-              <a:rPr lang="de-DE" sz="1000" dirty="0">
-                <a:solidFill>
-                  <a:prstClr val="black"/>
-                </a:solidFill>
-                <a:latin typeface="Comic Sans MS" pitchFamily="66" charset="0"/>
-              </a:rPr>
-              <a:t>. Chem. Phys. </a:t>
-            </a:r>
-            <a:r>
-              <a:rPr lang="de-DE" sz="1000" dirty="0" smtClean="0">
-                <a:solidFill>
-                  <a:prstClr val="black"/>
-                </a:solidFill>
-                <a:latin typeface="Comic Sans MS" pitchFamily="66" charset="0"/>
-              </a:rPr>
-              <a:t>137 (2012) p. 044109 </a:t>
-            </a:r>
-            <a:endParaRPr lang="de-DE" sz="1000" dirty="0">
-              <a:solidFill>
-                <a:prstClr val="black"/>
-              </a:solidFill>
-              <a:latin typeface="Comic Sans MS" pitchFamily="66" charset="0"/>
-            </a:endParaRPr>
-          </a:p>
-          <a:p>
-            <a:endParaRPr lang="en-US" sz="2200" dirty="0">
-              <a:solidFill>
-                <a:prstClr val="black"/>
-              </a:solidFill>
-              <a:latin typeface="Comic Sans MS" pitchFamily="66" charset="0"/>
-            </a:endParaRPr>
-          </a:p>
-        </p:txBody>
-      </p:sp>
-      <p:pic>
-        <p:nvPicPr>
-          <p:cNvPr id="5" name="Picture 4"/>
-          <p:cNvPicPr>
-            <a:picLocks noChangeAspect="1"/>
-          </p:cNvPicPr>
-          <p:nvPr/>
-        </p:nvPicPr>
-        <p:blipFill>
-          <a:blip r:embed="rId2" cstate="email">
-            <a:extLst>
-              <a:ext uri="{28A0092B-C50C-407E-A947-70E740481C1C}">
-                <a14:useLocalDpi xmlns:a14="http://schemas.microsoft.com/office/drawing/2010/main"/>
-              </a:ext>
-            </a:extLst>
-          </a:blip>
-          <a:stretch>
-            <a:fillRect/>
-          </a:stretch>
-        </p:blipFill>
-        <p:spPr>
-          <a:xfrm>
-            <a:off x="216705" y="3657600"/>
-            <a:ext cx="4431495" cy="2926080"/>
-          </a:xfrm>
-          <a:prstGeom prst="rect">
-            <a:avLst/>
-          </a:prstGeom>
-        </p:spPr>
-      </p:pic>
-      <p:pic>
-        <p:nvPicPr>
-          <p:cNvPr id="8" name="Picture 7"/>
-          <p:cNvPicPr>
-            <a:picLocks noChangeAspect="1"/>
-          </p:cNvPicPr>
-          <p:nvPr/>
-        </p:nvPicPr>
-        <p:blipFill rotWithShape="1">
-          <a:blip r:embed="rId3">
-            <a:extLst>
-              <a:ext uri="{28A0092B-C50C-407E-A947-70E740481C1C}">
-                <a14:useLocalDpi xmlns:a14="http://schemas.microsoft.com/office/drawing/2010/main" val="0"/>
-              </a:ext>
-            </a:extLst>
-          </a:blip>
-          <a:srcRect t="21931"/>
-          <a:stretch/>
-        </p:blipFill>
-        <p:spPr>
-          <a:xfrm>
-            <a:off x="345663" y="1986142"/>
-            <a:ext cx="6035040" cy="660762"/>
-          </a:xfrm>
-          <a:prstGeom prst="rect">
-            <a:avLst/>
-          </a:prstGeom>
-        </p:spPr>
-      </p:pic>
-      <p:sp>
-        <p:nvSpPr>
-          <p:cNvPr id="9" name="TextBox 8"/>
-          <p:cNvSpPr txBox="1"/>
-          <p:nvPr/>
-        </p:nvSpPr>
-        <p:spPr>
-          <a:xfrm>
-            <a:off x="298095" y="762000"/>
-            <a:ext cx="6559905" cy="1107996"/>
-          </a:xfrm>
-          <a:prstGeom prst="rect">
-            <a:avLst/>
-          </a:prstGeom>
-          <a:noFill/>
-        </p:spPr>
-        <p:txBody>
-          <a:bodyPr wrap="square" rtlCol="0">
-            <a:spAutoFit/>
-          </a:bodyPr>
-          <a:lstStyle/>
-          <a:p>
-            <a:r>
-              <a:rPr lang="en-US" sz="2200" dirty="0" smtClean="0">
-                <a:solidFill>
-                  <a:prstClr val="black"/>
-                </a:solidFill>
-                <a:latin typeface="Comic Sans MS" pitchFamily="66" charset="0"/>
-              </a:rPr>
-              <a:t>Often, accurate results require </a:t>
-            </a:r>
-            <a:r>
-              <a:rPr lang="en-US" sz="2200" b="1" i="1" dirty="0" err="1" smtClean="0">
-                <a:solidFill>
-                  <a:prstClr val="black"/>
-                </a:solidFill>
-                <a:latin typeface="Comic Sans MS" pitchFamily="66" charset="0"/>
-              </a:rPr>
-              <a:t>Fock</a:t>
-            </a:r>
-            <a:r>
-              <a:rPr lang="en-US" sz="2200" b="1" i="1" dirty="0" smtClean="0">
-                <a:solidFill>
-                  <a:prstClr val="black"/>
-                </a:solidFill>
-                <a:latin typeface="Comic Sans MS" pitchFamily="66" charset="0"/>
-              </a:rPr>
-              <a:t> exchange </a:t>
-            </a:r>
-            <a:r>
-              <a:rPr lang="en-US" sz="2200" dirty="0" smtClean="0">
-                <a:solidFill>
-                  <a:prstClr val="black"/>
-                </a:solidFill>
-                <a:latin typeface="Comic Sans MS" pitchFamily="66" charset="0"/>
-              </a:rPr>
-              <a:t>and </a:t>
-            </a:r>
-            <a:r>
-              <a:rPr lang="en-US" sz="2200" b="1" i="1" dirty="0" smtClean="0">
-                <a:solidFill>
-                  <a:prstClr val="black"/>
-                </a:solidFill>
-                <a:latin typeface="Comic Sans MS" pitchFamily="66" charset="0"/>
-              </a:rPr>
-              <a:t>large basis sets</a:t>
-            </a:r>
-            <a:r>
-              <a:rPr lang="en-US" sz="2200" dirty="0" smtClean="0">
-                <a:solidFill>
-                  <a:prstClr val="black"/>
-                </a:solidFill>
-                <a:latin typeface="Comic Sans MS" pitchFamily="66" charset="0"/>
-              </a:rPr>
-              <a:t>, leading to </a:t>
-            </a:r>
-            <a:r>
-              <a:rPr lang="en-US" sz="2200" b="1" i="1" dirty="0" smtClean="0">
-                <a:solidFill>
-                  <a:prstClr val="black"/>
-                </a:solidFill>
-                <a:latin typeface="Comic Sans MS" pitchFamily="66" charset="0"/>
-              </a:rPr>
-              <a:t>negligible </a:t>
-            </a:r>
-            <a:r>
-              <a:rPr lang="en-US" sz="2200" b="1" i="1" dirty="0" err="1" smtClean="0">
-                <a:solidFill>
-                  <a:prstClr val="black"/>
-                </a:solidFill>
-                <a:latin typeface="Comic Sans MS" pitchFamily="66" charset="0"/>
-              </a:rPr>
-              <a:t>sparsity</a:t>
-            </a:r>
-            <a:r>
-              <a:rPr lang="en-US" sz="2200" b="1" i="1" dirty="0" smtClean="0">
-                <a:solidFill>
-                  <a:prstClr val="black"/>
-                </a:solidFill>
-                <a:latin typeface="Comic Sans MS" pitchFamily="66" charset="0"/>
-              </a:rPr>
-              <a:t> </a:t>
-            </a:r>
-            <a:r>
-              <a:rPr lang="en-US" sz="2200" dirty="0" smtClean="0">
-                <a:solidFill>
-                  <a:prstClr val="black"/>
-                </a:solidFill>
-                <a:latin typeface="Comic Sans MS" pitchFamily="66" charset="0"/>
-              </a:rPr>
-              <a:t>and </a:t>
-            </a:r>
-            <a:r>
-              <a:rPr lang="en-US" sz="2200" b="1" i="1" dirty="0" smtClean="0">
-                <a:solidFill>
-                  <a:prstClr val="black"/>
-                </a:solidFill>
-                <a:latin typeface="Comic Sans MS" pitchFamily="66" charset="0"/>
-              </a:rPr>
-              <a:t>five+ entangled solvers</a:t>
-            </a:r>
-          </a:p>
-        </p:txBody>
-      </p:sp>
-      <p:sp>
-        <p:nvSpPr>
-          <p:cNvPr id="11" name="Rectangle 10"/>
-          <p:cNvSpPr/>
-          <p:nvPr/>
-        </p:nvSpPr>
-        <p:spPr>
-          <a:xfrm>
-            <a:off x="365759" y="2628037"/>
-            <a:ext cx="6158792" cy="938719"/>
-          </a:xfrm>
-          <a:prstGeom prst="rect">
-            <a:avLst/>
-          </a:prstGeom>
-        </p:spPr>
-        <p:txBody>
-          <a:bodyPr wrap="square">
-            <a:spAutoFit/>
-          </a:bodyPr>
-          <a:lstStyle/>
-          <a:p>
-            <a:r>
-              <a:rPr lang="en-US" sz="2200" dirty="0" smtClean="0">
-                <a:solidFill>
-                  <a:prstClr val="black"/>
-                </a:solidFill>
-                <a:latin typeface="Comic Sans MS" pitchFamily="66" charset="0"/>
-              </a:rPr>
-              <a:t>The electronic properties of metal oxides, like the </a:t>
-            </a:r>
-            <a:r>
-              <a:rPr lang="en-US" sz="2200" dirty="0" err="1" smtClean="0">
-                <a:solidFill>
-                  <a:prstClr val="black"/>
-                </a:solidFill>
-                <a:latin typeface="Comic Sans MS" pitchFamily="66" charset="0"/>
-              </a:rPr>
-              <a:t>perovskites</a:t>
-            </a:r>
-            <a:r>
-              <a:rPr lang="en-US" sz="2200" dirty="0" smtClean="0">
-                <a:solidFill>
-                  <a:prstClr val="black"/>
-                </a:solidFill>
-                <a:latin typeface="Comic Sans MS" pitchFamily="66" charset="0"/>
-              </a:rPr>
-              <a:t>, require HF/DFT models  </a:t>
-            </a:r>
-          </a:p>
-          <a:p>
-            <a:r>
-              <a:rPr lang="en-US" sz="1100" dirty="0" smtClean="0">
-                <a:solidFill>
-                  <a:prstClr val="black"/>
-                </a:solidFill>
-                <a:latin typeface="Comic Sans MS" pitchFamily="66" charset="0"/>
-              </a:rPr>
-              <a:t>Comp. Mat. Sci. </a:t>
-            </a:r>
-            <a:r>
-              <a:rPr lang="en-US" sz="1100" dirty="0">
-                <a:solidFill>
-                  <a:prstClr val="black"/>
-                </a:solidFill>
-                <a:latin typeface="Comic Sans MS" pitchFamily="66" charset="0"/>
-              </a:rPr>
-              <a:t>29 (2004) </a:t>
-            </a:r>
-            <a:r>
-              <a:rPr lang="en-US" sz="1100" dirty="0" smtClean="0">
-                <a:solidFill>
-                  <a:prstClr val="black"/>
-                </a:solidFill>
-                <a:latin typeface="Comic Sans MS" pitchFamily="66" charset="0"/>
-              </a:rPr>
-              <a:t>p.165</a:t>
-            </a:r>
-            <a:endParaRPr lang="en-US" sz="1100" dirty="0">
-              <a:solidFill>
-                <a:prstClr val="black"/>
-              </a:solidFill>
-              <a:latin typeface="Comic Sans MS" pitchFamily="66" charset="0"/>
-            </a:endParaRPr>
-          </a:p>
-        </p:txBody>
-      </p:sp>
-      <p:pic>
-        <p:nvPicPr>
-          <p:cNvPr id="13" name="Picture 12"/>
-          <p:cNvPicPr>
-            <a:picLocks noChangeAspect="1"/>
-          </p:cNvPicPr>
-          <p:nvPr/>
-        </p:nvPicPr>
-        <p:blipFill>
-          <a:blip r:embed="rId4" cstate="print">
-            <a:extLst>
-              <a:ext uri="{28A0092B-C50C-407E-A947-70E740481C1C}">
-                <a14:useLocalDpi xmlns:a14="http://schemas.microsoft.com/office/drawing/2010/main" val="0"/>
-              </a:ext>
-            </a:extLst>
-          </a:blip>
-          <a:stretch>
-            <a:fillRect/>
-          </a:stretch>
-        </p:blipFill>
-        <p:spPr>
-          <a:xfrm>
-            <a:off x="6629064" y="721808"/>
-            <a:ext cx="2468880" cy="3715487"/>
-          </a:xfrm>
-          <a:prstGeom prst="rect">
-            <a:avLst/>
-          </a:prstGeom>
-        </p:spPr>
-      </p:pic>
-    </p:spTree>
-    <p:extLst>
-      <p:ext uri="{BB962C8B-B14F-4D97-AF65-F5344CB8AC3E}">
-        <p14:creationId xmlns:p14="http://schemas.microsoft.com/office/powerpoint/2010/main" val="416359901"/>
-      </p:ext>
-    </p:extLst>
-  </p:cSld>
-  <p:clrMapOvr>
-    <a:masterClrMapping/>
-  </p:clrMapOvr>
-  <p:timing>
-    <p:tnLst>
-      <p:par>
-        <p:cTn id="1" dur="indefinite" restart="never" nodeType="tmRoot"/>
-      </p:par>
-    </p:tnLst>
-  </p:timing>
-</p:sld>
-</file>
-
-<file path=ppt/slides/slide8.xml><?xml version="1.0" encoding="utf-8"?>
-<p:sld xmlns:a="http://schemas.openxmlformats.org/drawingml/2006/main" xmlns:r="http://schemas.openxmlformats.org/officeDocument/2006/relationships" xmlns:p="http://schemas.openxmlformats.org/presentationml/2006/main">
-  <p:cSld>
-    <p:spTree>
-      <p:nvGrpSpPr>
-        <p:cNvPr id="1" name=""/>
-        <p:cNvGrpSpPr/>
-        <p:nvPr/>
-      </p:nvGrpSpPr>
-      <p:grpSpPr>
-        <a:xfrm>
-          <a:off x="0" y="0"/>
-          <a:ext cx="0" cy="0"/>
-          <a:chOff x="0" y="0"/>
-          <a:chExt cx="0" cy="0"/>
-        </a:xfrm>
-      </p:grpSpPr>
-      <p:sp>
-        <p:nvSpPr>
-          <p:cNvPr id="2" name="Title 1"/>
-          <p:cNvSpPr>
-            <a:spLocks noGrp="1"/>
-          </p:cNvSpPr>
-          <p:nvPr>
-            <p:ph type="title"/>
-          </p:nvPr>
-        </p:nvSpPr>
-        <p:spPr/>
-        <p:txBody>
-          <a:bodyPr/>
-          <a:lstStyle/>
-          <a:p>
-            <a:endParaRPr lang="en-US"/>
-          </a:p>
-        </p:txBody>
-      </p:sp>
-      <p:pic>
-        <p:nvPicPr>
-          <p:cNvPr id="4" name="Content Placeholder 3"/>
-          <p:cNvPicPr>
-            <a:picLocks noGrp="1" noChangeAspect="1"/>
-          </p:cNvPicPr>
-          <p:nvPr>
-            <p:ph idx="1"/>
-          </p:nvPr>
-        </p:nvPicPr>
-        <p:blipFill>
-          <a:blip r:embed="rId2">
-            <a:extLst>
-              <a:ext uri="{28A0092B-C50C-407E-A947-70E740481C1C}">
-                <a14:useLocalDpi xmlns:a14="http://schemas.microsoft.com/office/drawing/2010/main" val="0"/>
-              </a:ext>
-            </a:extLst>
-          </a:blip>
-          <a:stretch>
-            <a:fillRect/>
-          </a:stretch>
-        </p:blipFill>
-        <p:spPr>
-          <a:xfrm>
-            <a:off x="1554691" y="1600200"/>
-            <a:ext cx="6034617" cy="4525963"/>
-          </a:xfrm>
-        </p:spPr>
-      </p:pic>
-    </p:spTree>
-    <p:extLst>
-      <p:ext uri="{BB962C8B-B14F-4D97-AF65-F5344CB8AC3E}">
-        <p14:creationId xmlns:p14="http://schemas.microsoft.com/office/powerpoint/2010/main" val="4141967844"/>
-      </p:ext>
-    </p:extLst>
-  </p:cSld>
-  <p:clrMapOvr>
-    <a:masterClrMapping/>
-  </p:clrMapOvr>
-</p:sld>
-</file>
-
-<file path=ppt/slides/slide9.xml><?xml version="1.0" encoding="utf-8"?>
+<file path=ppt/slides/slide6.xml><?xml version="1.0" encoding="utf-8"?>
 <p:sld xmlns:a="http://schemas.openxmlformats.org/drawingml/2006/main" xmlns:r="http://schemas.openxmlformats.org/officeDocument/2006/relationships" xmlns:p="http://schemas.openxmlformats.org/presentationml/2006/main">
   <p:cSld>
     <p:spTree>
@@ -12083,6 +12128,1569 @@
     <p:extLst>
       <p:ext uri="{BB962C8B-B14F-4D97-AF65-F5344CB8AC3E}">
         <p14:creationId xmlns:p14="http://schemas.microsoft.com/office/powerpoint/2010/main" val="3550468293"/>
+      </p:ext>
+    </p:extLst>
+  </p:cSld>
+  <p:clrMapOvr>
+    <a:masterClrMapping/>
+  </p:clrMapOvr>
+</p:sld>
+</file>
+
+<file path=ppt/slides/slide7.xml><?xml version="1.0" encoding="utf-8"?>
+<p:sld xmlns:a="http://schemas.openxmlformats.org/drawingml/2006/main" xmlns:r="http://schemas.openxmlformats.org/officeDocument/2006/relationships" xmlns:p="http://schemas.openxmlformats.org/presentationml/2006/main">
+  <p:cSld>
+    <p:spTree>
+      <p:nvGrpSpPr>
+        <p:cNvPr id="1" name=""/>
+        <p:cNvGrpSpPr/>
+        <p:nvPr/>
+      </p:nvGrpSpPr>
+      <p:grpSpPr>
+        <a:xfrm>
+          <a:off x="0" y="0"/>
+          <a:ext cx="0" cy="0"/>
+          <a:chOff x="0" y="0"/>
+          <a:chExt cx="0" cy="0"/>
+        </a:xfrm>
+      </p:grpSpPr>
+      <p:sp>
+        <p:nvSpPr>
+          <p:cNvPr id="2" name="Title 1"/>
+          <p:cNvSpPr>
+            <a:spLocks noGrp="1"/>
+          </p:cNvSpPr>
+          <p:nvPr>
+            <p:ph type="title"/>
+          </p:nvPr>
+        </p:nvSpPr>
+        <p:spPr/>
+        <p:txBody>
+          <a:bodyPr/>
+          <a:lstStyle/>
+          <a:p>
+            <a:endParaRPr lang="en-US" dirty="0"/>
+          </a:p>
+        </p:txBody>
+      </p:sp>
+      <p:sp>
+        <p:nvSpPr>
+          <p:cNvPr id="3" name="Content Placeholder 2"/>
+          <p:cNvSpPr>
+            <a:spLocks noGrp="1"/>
+          </p:cNvSpPr>
+          <p:nvPr>
+            <p:ph idx="1"/>
+          </p:nvPr>
+        </p:nvSpPr>
+        <p:spPr/>
+        <p:txBody>
+          <a:bodyPr/>
+          <a:lstStyle/>
+          <a:p>
+            <a:endParaRPr lang="en-US" dirty="0"/>
+          </a:p>
+        </p:txBody>
+      </p:sp>
+    </p:spTree>
+    <p:extLst>
+      <p:ext uri="{BB962C8B-B14F-4D97-AF65-F5344CB8AC3E}">
+        <p14:creationId xmlns:p14="http://schemas.microsoft.com/office/powerpoint/2010/main" val="3920787778"/>
+      </p:ext>
+    </p:extLst>
+  </p:cSld>
+  <p:clrMapOvr>
+    <a:masterClrMapping/>
+  </p:clrMapOvr>
+</p:sld>
+</file>
+
+<file path=ppt/slides/slide8.xml><?xml version="1.0" encoding="utf-8"?>
+<p:sld xmlns:a="http://schemas.openxmlformats.org/drawingml/2006/main" xmlns:r="http://schemas.openxmlformats.org/officeDocument/2006/relationships" xmlns:p="http://schemas.openxmlformats.org/presentationml/2006/main">
+  <p:cSld>
+    <p:spTree>
+      <p:nvGrpSpPr>
+        <p:cNvPr id="1" name=""/>
+        <p:cNvGrpSpPr/>
+        <p:nvPr/>
+      </p:nvGrpSpPr>
+      <p:grpSpPr>
+        <a:xfrm>
+          <a:off x="0" y="0"/>
+          <a:ext cx="0" cy="0"/>
+          <a:chOff x="0" y="0"/>
+          <a:chExt cx="0" cy="0"/>
+        </a:xfrm>
+      </p:grpSpPr>
+      <p:sp>
+        <p:nvSpPr>
+          <p:cNvPr id="13" name="Line Callout 1 (Border and Accent Bar) 12"/>
+          <p:cNvSpPr/>
+          <p:nvPr/>
+        </p:nvSpPr>
+        <p:spPr>
+          <a:xfrm flipH="1">
+            <a:off x="2510291" y="2895600"/>
+            <a:ext cx="2473960" cy="1000780"/>
+          </a:xfrm>
+          <a:prstGeom prst="accentBorderCallout1">
+            <a:avLst>
+              <a:gd name="adj1" fmla="val 18750"/>
+              <a:gd name="adj2" fmla="val -8333"/>
+              <a:gd name="adj3" fmla="val 51587"/>
+              <a:gd name="adj4" fmla="val -18054"/>
+            </a:avLst>
+          </a:prstGeom>
+          <a:ln w="38100">
+            <a:solidFill>
+              <a:schemeClr val="accent3">
+                <a:alpha val="47000"/>
+              </a:schemeClr>
+            </a:solidFill>
+          </a:ln>
+        </p:spPr>
+        <p:style>
+          <a:lnRef idx="2">
+            <a:schemeClr val="accent3"/>
+          </a:lnRef>
+          <a:fillRef idx="1">
+            <a:schemeClr val="lt1"/>
+          </a:fillRef>
+          <a:effectRef idx="0">
+            <a:schemeClr val="accent3"/>
+          </a:effectRef>
+          <a:fontRef idx="minor">
+            <a:schemeClr val="dk1"/>
+          </a:fontRef>
+        </p:style>
+        <p:txBody>
+          <a:bodyPr rtlCol="0" anchor="ctr"/>
+          <a:lstStyle/>
+          <a:p>
+            <a:pPr algn="ctr"/>
+            <a:endParaRPr lang="en-US"/>
+          </a:p>
+        </p:txBody>
+      </p:sp>
+      <p:sp>
+        <p:nvSpPr>
+          <p:cNvPr id="8" name="Line Callout 3 7"/>
+          <p:cNvSpPr/>
+          <p:nvPr/>
+        </p:nvSpPr>
+        <p:spPr>
+          <a:xfrm>
+            <a:off x="2545851" y="2915590"/>
+            <a:ext cx="1524000" cy="914400"/>
+          </a:xfrm>
+          <a:prstGeom prst="borderCallout3">
+            <a:avLst>
+              <a:gd name="adj1" fmla="val 18750"/>
+              <a:gd name="adj2" fmla="val -8333"/>
+              <a:gd name="adj3" fmla="val 18750"/>
+              <a:gd name="adj4" fmla="val -16667"/>
+              <a:gd name="adj5" fmla="val 100000"/>
+              <a:gd name="adj6" fmla="val -16667"/>
+              <a:gd name="adj7" fmla="val 129630"/>
+              <a:gd name="adj8" fmla="val 5001"/>
+            </a:avLst>
+          </a:prstGeom>
+        </p:spPr>
+        <p:style>
+          <a:lnRef idx="1">
+            <a:schemeClr val="accent4"/>
+          </a:lnRef>
+          <a:fillRef idx="2">
+            <a:schemeClr val="accent4"/>
+          </a:fillRef>
+          <a:effectRef idx="1">
+            <a:schemeClr val="accent4"/>
+          </a:effectRef>
+          <a:fontRef idx="minor">
+            <a:schemeClr val="dk1"/>
+          </a:fontRef>
+        </p:style>
+        <p:txBody>
+          <a:bodyPr rtlCol="0" anchor="ctr"/>
+          <a:lstStyle/>
+          <a:p>
+            <a:pPr algn="ctr"/>
+            <a:endParaRPr lang="en-US">
+              <a:solidFill>
+                <a:schemeClr val="accent4">
+                  <a:lumMod val="20000"/>
+                  <a:lumOff val="80000"/>
+                </a:schemeClr>
+              </a:solidFill>
+            </a:endParaRPr>
+          </a:p>
+        </p:txBody>
+      </p:sp>
+      <mc:AlternateContent xmlns:mc="http://schemas.openxmlformats.org/markup-compatibility/2006" xmlns:a14="http://schemas.microsoft.com/office/drawing/2010/main">
+        <mc:Choice Requires="a14">
+          <p:sp>
+            <p:nvSpPr>
+              <p:cNvPr id="4" name="TextBox 3"/>
+              <p:cNvSpPr txBox="1"/>
+              <p:nvPr/>
+            </p:nvSpPr>
+            <p:spPr>
+              <a:xfrm>
+                <a:off x="717051" y="2991790"/>
+                <a:ext cx="4267200" cy="707886"/>
+              </a:xfrm>
+              <a:prstGeom prst="rect">
+                <a:avLst/>
+              </a:prstGeom>
+              <a:noFill/>
+            </p:spPr>
+            <p:txBody>
+              <a:bodyPr wrap="square" rtlCol="0">
+                <a:spAutoFit/>
+              </a:bodyPr>
+              <a:lstStyle/>
+              <a:p>
+                <a:pPr/>
+                <a14:m>
+                  <m:oMathPara xmlns:m="http://schemas.openxmlformats.org/officeDocument/2006/math">
+                    <m:oMathParaPr>
+                      <m:jc m:val="centerGroup"/>
+                    </m:oMathParaPr>
+                    <m:oMath xmlns:m="http://schemas.openxmlformats.org/officeDocument/2006/math">
+                      <m:r>
+                        <a:rPr lang="en-US" sz="4000" b="1" i="1" smtClean="0">
+                          <a:latin typeface="Cambria Math"/>
+                        </a:rPr>
+                        <m:t>𝒙</m:t>
+                      </m:r>
+                      <m:r>
+                        <a:rPr lang="en-US" sz="4000" b="0" i="1" baseline="-25000" smtClean="0">
+                          <a:latin typeface="Cambria Math"/>
+                        </a:rPr>
+                        <m:t>𝑘</m:t>
+                      </m:r>
+                      <m:r>
+                        <a:rPr lang="en-US" sz="4000" b="0" i="1" baseline="-15000" smtClean="0">
+                          <a:latin typeface="Cambria Math"/>
+                        </a:rPr>
+                        <m:t>+</m:t>
+                      </m:r>
+                      <m:r>
+                        <a:rPr lang="en-US" sz="4000" b="0" i="1" baseline="-25000" smtClean="0">
+                          <a:latin typeface="Cambria Math"/>
+                        </a:rPr>
+                        <m:t>1</m:t>
+                      </m:r>
+                      <m:r>
+                        <a:rPr lang="en-US" sz="4000" b="0" i="1" smtClean="0">
+                          <a:latin typeface="Cambria Math"/>
+                        </a:rPr>
+                        <m:t>=</m:t>
+                      </m:r>
+                      <m:d>
+                        <m:dPr>
+                          <m:begChr m:val="⟨"/>
+                          <m:endChr m:val="⟩"/>
+                          <m:ctrlPr>
+                            <a:rPr lang="en-US" sz="4000" i="1" smtClean="0">
+                              <a:latin typeface="Cambria Math"/>
+                            </a:rPr>
+                          </m:ctrlPr>
+                        </m:dPr>
+                        <m:e>
+                          <m:r>
+                            <a:rPr lang="en-US" sz="4000" b="1" i="1" smtClean="0">
+                              <a:latin typeface="Cambria Math"/>
+                            </a:rPr>
+                            <m:t>𝒛</m:t>
+                          </m:r>
+                          <m:r>
+                            <a:rPr lang="en-US" sz="4000" b="1" i="1" baseline="30000" smtClean="0">
+                              <a:latin typeface="Cambria Math"/>
+                            </a:rPr>
+                            <m:t>𝒕</m:t>
+                          </m:r>
+                          <m:r>
+                            <a:rPr lang="en-US" sz="4000" b="0" i="1" baseline="-25000" smtClean="0">
+                              <a:latin typeface="Cambria Math"/>
+                            </a:rPr>
+                            <m:t>𝑘</m:t>
+                          </m:r>
+                        </m:e>
+                        <m:e>
+                          <m:r>
+                            <a:rPr lang="en-US" sz="4000" b="0" i="1" smtClean="0">
+                              <a:latin typeface="Cambria Math"/>
+                            </a:rPr>
+                            <m:t> </m:t>
+                          </m:r>
+                          <m:r>
+                            <a:rPr lang="en-US" sz="4000" b="1" i="1" smtClean="0">
+                              <a:latin typeface="Cambria Math"/>
+                            </a:rPr>
+                            <m:t>𝒔</m:t>
+                          </m:r>
+                          <m:r>
+                            <a:rPr lang="en-US" sz="4000" b="1" i="1" smtClean="0">
+                              <a:latin typeface="Cambria Math"/>
+                            </a:rPr>
+                            <m:t> </m:t>
+                          </m:r>
+                        </m:e>
+                        <m:e>
+                          <m:r>
+                            <a:rPr lang="en-US" sz="4000" b="1" i="1" smtClean="0">
+                              <a:latin typeface="Cambria Math"/>
+                            </a:rPr>
+                            <m:t>𝒛</m:t>
+                          </m:r>
+                          <m:r>
+                            <a:rPr lang="en-US" sz="4000" b="0" i="1" baseline="-25000" smtClean="0">
+                              <a:latin typeface="Cambria Math"/>
+                            </a:rPr>
+                            <m:t>𝑘</m:t>
+                          </m:r>
+                        </m:e>
+                      </m:d>
+                    </m:oMath>
+                  </m:oMathPara>
+                </a14:m>
+                <a:endParaRPr lang="en-US" sz="4000" dirty="0"/>
+              </a:p>
+            </p:txBody>
+          </p:sp>
+        </mc:Choice>
+        <mc:Fallback xmlns="">
+          <p:sp>
+            <p:nvSpPr>
+              <p:cNvPr id="4" name="TextBox 3"/>
+              <p:cNvSpPr txBox="1">
+                <a:spLocks noRot="1" noChangeAspect="1" noMove="1" noResize="1" noEditPoints="1" noAdjustHandles="1" noChangeArrowheads="1" noChangeShapeType="1" noTextEdit="1"/>
+              </p:cNvSpPr>
+              <p:nvPr/>
+            </p:nvSpPr>
+            <p:spPr>
+              <a:xfrm>
+                <a:off x="717051" y="2991790"/>
+                <a:ext cx="4267200" cy="707886"/>
+              </a:xfrm>
+              <a:prstGeom prst="rect">
+                <a:avLst/>
+              </a:prstGeom>
+              <a:blipFill rotWithShape="1">
+                <a:blip r:embed="rId2"/>
+                <a:stretch>
+                  <a:fillRect/>
+                </a:stretch>
+              </a:blipFill>
+            </p:spPr>
+            <p:txBody>
+              <a:bodyPr/>
+              <a:lstStyle/>
+              <a:p>
+                <a:r>
+                  <a:rPr lang="en-US">
+                    <a:noFill/>
+                  </a:rPr>
+                  <a:t> </a:t>
+                </a:r>
+              </a:p>
+            </p:txBody>
+          </p:sp>
+        </mc:Fallback>
+      </mc:AlternateContent>
+      <mc:AlternateContent xmlns:mc="http://schemas.openxmlformats.org/markup-compatibility/2006">
+        <mc:Choice xmlns:a14="http://schemas.microsoft.com/office/drawing/2010/main" Requires="a14">
+          <p:sp>
+            <p:nvSpPr>
+              <p:cNvPr id="9" name="TextBox 8"/>
+              <p:cNvSpPr txBox="1"/>
+              <p:nvPr/>
+            </p:nvSpPr>
+            <p:spPr>
+              <a:xfrm>
+                <a:off x="381000" y="240804"/>
+                <a:ext cx="8610599" cy="6940361"/>
+              </a:xfrm>
+              <a:prstGeom prst="rect">
+                <a:avLst/>
+              </a:prstGeom>
+              <a:noFill/>
+            </p:spPr>
+            <p:txBody>
+              <a:bodyPr wrap="square" rtlCol="0">
+                <a:spAutoFit/>
+              </a:bodyPr>
+              <a:lstStyle/>
+              <a:p>
+                <a:pPr>
+                  <a:spcBef>
+                    <a:spcPts val="1000"/>
+                  </a:spcBef>
+                  <a:spcAft>
+                    <a:spcPts val="800"/>
+                  </a:spcAft>
+                </a:pPr>
+                <a:r>
+                  <a:rPr lang="en-US" sz="3200" b="1" dirty="0" err="1" smtClean="0"/>
+                  <a:t>SpAMM</a:t>
+                </a:r>
+                <a:r>
+                  <a:rPr lang="en-US" sz="3200" b="1" dirty="0" smtClean="0"/>
+                  <a:t> with </a:t>
+                </a:r>
+                <a:r>
+                  <a:rPr lang="en-US" sz="3200" b="1" dirty="0" smtClean="0"/>
+                  <a:t>Ill-Conditioning Towards Identity</a:t>
+                </a:r>
+                <a:endParaRPr lang="en-US" sz="3200" dirty="0"/>
+              </a:p>
+              <a:p>
+                <a:pPr marL="457200" indent="-457200">
+                  <a:spcBef>
+                    <a:spcPts val="1000"/>
+                  </a:spcBef>
+                  <a:spcAft>
+                    <a:spcPts val="800"/>
+                  </a:spcAft>
+                  <a:buFont typeface="Arial" pitchFamily="34" charset="0"/>
+                  <a:buChar char="•"/>
+                </a:pPr>
+                <a:r>
+                  <a:rPr lang="en-US" sz="2800" dirty="0" smtClean="0"/>
+                  <a:t>Under severe ill-conditioning, double precision is unstable unless stabilized by the left transpose.</a:t>
+                </a:r>
+                <a:endParaRPr lang="en-US" sz="2800" dirty="0"/>
+              </a:p>
+              <a:p>
+                <a:pPr marL="457200" indent="-457200">
+                  <a:spcBef>
+                    <a:spcPts val="1000"/>
+                  </a:spcBef>
+                  <a:spcAft>
+                    <a:spcPts val="800"/>
+                  </a:spcAft>
+                  <a:buFont typeface="Arial" pitchFamily="34" charset="0"/>
+                  <a:buChar char="•"/>
+                </a:pPr>
+                <a:r>
+                  <a:rPr lang="en-US" sz="2800" dirty="0" smtClean="0"/>
+                  <a:t>Left-right stabilized </a:t>
+                </a:r>
+                <a:r>
+                  <a:rPr lang="en-US" sz="2800" dirty="0" err="1" smtClean="0"/>
+                  <a:t>SpAMM</a:t>
+                </a:r>
+                <a:r>
+                  <a:rPr lang="en-US" sz="2800" dirty="0" smtClean="0"/>
+                  <a:t> contraction:  </a:t>
+                </a:r>
+              </a:p>
+              <a:p>
+                <a:pPr marL="457200" indent="-457200">
+                  <a:spcBef>
+                    <a:spcPts val="1000"/>
+                  </a:spcBef>
+                  <a:spcAft>
+                    <a:spcPts val="800"/>
+                  </a:spcAft>
+                  <a:buFont typeface="Arial" pitchFamily="34" charset="0"/>
+                  <a:buChar char="•"/>
+                </a:pPr>
+                <a:endParaRPr lang="en-US" sz="2800" dirty="0"/>
+              </a:p>
+              <a:p>
+                <a:pPr marL="457200" indent="-457200">
+                  <a:spcBef>
+                    <a:spcPts val="1000"/>
+                  </a:spcBef>
+                  <a:spcAft>
+                    <a:spcPts val="800"/>
+                  </a:spcAft>
+                  <a:buFont typeface="Arial" pitchFamily="34" charset="0"/>
+                  <a:buChar char="•"/>
+                </a:pPr>
+                <a:endParaRPr lang="en-US" sz="2800" dirty="0" smtClean="0"/>
+              </a:p>
+              <a:p>
+                <a:pPr>
+                  <a:spcBef>
+                    <a:spcPts val="1000"/>
+                  </a:spcBef>
+                  <a:spcAft>
+                    <a:spcPts val="800"/>
+                  </a:spcAft>
+                </a:pPr>
+                <a:endParaRPr lang="en-US" sz="2800" dirty="0" smtClean="0"/>
+              </a:p>
+              <a:p>
+                <a:pPr marL="457200" indent="-457200">
+                  <a:spcBef>
+                    <a:spcPts val="1000"/>
+                  </a:spcBef>
+                  <a:spcAft>
+                    <a:spcPts val="800"/>
+                  </a:spcAft>
+                  <a:buFont typeface="Arial" pitchFamily="34" charset="0"/>
+                  <a:buChar char="•"/>
+                </a:pPr>
+                <a:r>
+                  <a:rPr lang="en-US" sz="2800" dirty="0" smtClean="0"/>
+                  <a:t>Still, </a:t>
+                </a:r>
+                <a:r>
+                  <a:rPr lang="en-US" sz="2800" dirty="0" err="1" smtClean="0"/>
+                  <a:t>SpAMM</a:t>
+                </a:r>
+                <a:r>
+                  <a:rPr lang="en-US" sz="2800" dirty="0" smtClean="0"/>
+                  <a:t> introduces a (small) twist in the full matrix; the asymmetric (full) case is more forgiving with respect to approximation (</a:t>
+                </a:r>
+                <a14:m>
+                  <m:oMath xmlns:m="http://schemas.openxmlformats.org/officeDocument/2006/math">
+                    <m:r>
+                      <a:rPr lang="en-US" sz="2800" b="1" i="1" smtClean="0">
+                        <a:solidFill>
+                          <a:schemeClr val="tx1"/>
+                        </a:solidFill>
+                        <a:latin typeface="Cambria Math"/>
+                        <a:ea typeface="Cambria Math"/>
+                      </a:rPr>
+                      <m:t>𝝉</m:t>
+                    </m:r>
+                  </m:oMath>
+                </a14:m>
+                <a:r>
+                  <a:rPr lang="en-US" sz="2800" dirty="0" smtClean="0"/>
+                  <a:t>), relative to </a:t>
+                </a:r>
+                <a:r>
+                  <a:rPr lang="en-US" sz="2800" dirty="0" smtClean="0"/>
+                  <a:t>symmetric </a:t>
+                </a:r>
+                <a:r>
+                  <a:rPr lang="en-US" sz="2800" dirty="0" smtClean="0"/>
+                  <a:t>versions</a:t>
+                </a:r>
+                <a:r>
+                  <a:rPr lang="en-US" sz="2800" dirty="0" smtClean="0"/>
+                  <a:t>.  </a:t>
+                </a:r>
+                <a:endParaRPr lang="en-US" sz="2800" dirty="0"/>
+              </a:p>
+              <a:p>
+                <a:pPr>
+                  <a:spcBef>
+                    <a:spcPts val="1000"/>
+                  </a:spcBef>
+                  <a:spcAft>
+                    <a:spcPts val="800"/>
+                  </a:spcAft>
+                </a:pPr>
+                <a:endParaRPr lang="en-US" sz="2800" dirty="0"/>
+              </a:p>
+            </p:txBody>
+          </p:sp>
+        </mc:Choice>
+        <mc:Fallback>
+          <p:sp>
+            <p:nvSpPr>
+              <p:cNvPr id="9" name="TextBox 8"/>
+              <p:cNvSpPr txBox="1">
+                <a:spLocks noRot="1" noChangeAspect="1" noMove="1" noResize="1" noEditPoints="1" noAdjustHandles="1" noChangeArrowheads="1" noChangeShapeType="1" noTextEdit="1"/>
+              </p:cNvSpPr>
+              <p:nvPr/>
+            </p:nvSpPr>
+            <p:spPr>
+              <a:xfrm>
+                <a:off x="381000" y="240804"/>
+                <a:ext cx="8610599" cy="6940361"/>
+              </a:xfrm>
+              <a:prstGeom prst="rect">
+                <a:avLst/>
+              </a:prstGeom>
+              <a:blipFill rotWithShape="1">
+                <a:blip r:embed="rId3"/>
+                <a:stretch>
+                  <a:fillRect l="-1841" t="-1142"/>
+                </a:stretch>
+              </a:blipFill>
+            </p:spPr>
+            <p:txBody>
+              <a:bodyPr/>
+              <a:lstStyle/>
+              <a:p>
+                <a:r>
+                  <a:rPr lang="en-US">
+                    <a:noFill/>
+                  </a:rPr>
+                  <a:t> </a:t>
+                </a:r>
+              </a:p>
+            </p:txBody>
+          </p:sp>
+        </mc:Fallback>
+      </mc:AlternateContent>
+      <mc:AlternateContent xmlns:mc="http://schemas.openxmlformats.org/markup-compatibility/2006" xmlns:a14="http://schemas.microsoft.com/office/drawing/2010/main">
+        <mc:Choice Requires="a14">
+          <p:sp>
+            <p:nvSpPr>
+              <p:cNvPr id="10" name="TextBox 9"/>
+              <p:cNvSpPr txBox="1"/>
+              <p:nvPr/>
+            </p:nvSpPr>
+            <p:spPr>
+              <a:xfrm>
+                <a:off x="2587752" y="4020073"/>
+                <a:ext cx="4478727" cy="830997"/>
+              </a:xfrm>
+              <a:prstGeom prst="rect">
+                <a:avLst/>
+              </a:prstGeom>
+              <a:noFill/>
+            </p:spPr>
+            <p:txBody>
+              <a:bodyPr wrap="none" rtlCol="0">
+                <a:spAutoFit/>
+              </a:bodyPr>
+              <a:lstStyle/>
+              <a:p>
+                <a:r>
+                  <a:rPr lang="en-US" sz="2400" b="1" dirty="0" smtClean="0">
+                    <a:solidFill>
+                      <a:srgbClr val="7030A0"/>
+                    </a:solidFill>
+                  </a:rPr>
+                  <a:t>left (T): first, </a:t>
+                </a:r>
+                <a:r>
+                  <a:rPr lang="en-US" sz="2400" b="1" dirty="0" err="1" smtClean="0">
+                    <a:solidFill>
+                      <a:srgbClr val="7030A0"/>
+                    </a:solidFill>
+                  </a:rPr>
+                  <a:t>SpAMM</a:t>
+                </a:r>
+                <a:r>
+                  <a:rPr lang="en-US" sz="2400" b="1" dirty="0" smtClean="0">
+                    <a:solidFill>
+                      <a:srgbClr val="7030A0"/>
+                    </a:solidFill>
+                  </a:rPr>
+                  <a:t> @ </a:t>
+                </a:r>
+                <a:r>
+                  <a:rPr lang="en-US" sz="2400" b="1" baseline="-10000" dirty="0" smtClean="0">
+                    <a:solidFill>
+                      <a:srgbClr val="7030A0"/>
+                    </a:solidFill>
+                  </a:rPr>
+                  <a:t>~</a:t>
+                </a:r>
+                <a:r>
+                  <a:rPr lang="en-US" sz="2400" b="1" dirty="0" smtClean="0">
+                    <a:solidFill>
+                      <a:srgbClr val="7030A0"/>
+                    </a:solidFill>
+                  </a:rPr>
+                  <a:t>1d-2 </a:t>
+                </a:r>
+                <a14:m>
+                  <m:oMath xmlns:m="http://schemas.openxmlformats.org/officeDocument/2006/math">
+                    <m:r>
+                      <a:rPr lang="en-US" sz="2400" b="1" i="1" smtClean="0">
+                        <a:solidFill>
+                          <a:srgbClr val="7030A0"/>
+                        </a:solidFill>
+                        <a:latin typeface="Cambria Math"/>
+                        <a:ea typeface="Cambria Math"/>
+                      </a:rPr>
+                      <m:t>×</m:t>
+                    </m:r>
+                    <m:r>
+                      <a:rPr lang="en-US" sz="2400" b="1" i="1" smtClean="0">
+                        <a:solidFill>
+                          <a:srgbClr val="7030A0"/>
+                        </a:solidFill>
+                        <a:latin typeface="Cambria Math"/>
+                        <a:ea typeface="Cambria Math"/>
+                      </a:rPr>
+                      <m:t>𝝉</m:t>
+                    </m:r>
+                  </m:oMath>
+                </a14:m>
+                <a:endParaRPr lang="en-US" sz="2400" b="1" dirty="0">
+                  <a:solidFill>
+                    <a:srgbClr val="7030A0"/>
+                  </a:solidFill>
+                </a:endParaRPr>
+              </a:p>
+              <a:p>
+                <a:r>
+                  <a:rPr lang="en-US" sz="2400" b="1" dirty="0" smtClean="0">
+                    <a:solidFill>
+                      <a:srgbClr val="7030A0"/>
+                    </a:solidFill>
+                  </a:rPr>
+                  <a:t> </a:t>
+                </a:r>
+                <a:endParaRPr lang="en-US" sz="2400" b="1" dirty="0">
+                  <a:solidFill>
+                    <a:srgbClr val="7030A0"/>
+                  </a:solidFill>
+                </a:endParaRPr>
+              </a:p>
+            </p:txBody>
+          </p:sp>
+        </mc:Choice>
+        <mc:Fallback xmlns="">
+          <p:sp>
+            <p:nvSpPr>
+              <p:cNvPr id="10" name="TextBox 9"/>
+              <p:cNvSpPr txBox="1">
+                <a:spLocks noRot="1" noChangeAspect="1" noMove="1" noResize="1" noEditPoints="1" noAdjustHandles="1" noChangeArrowheads="1" noChangeShapeType="1" noTextEdit="1"/>
+              </p:cNvSpPr>
+              <p:nvPr/>
+            </p:nvSpPr>
+            <p:spPr>
+              <a:xfrm>
+                <a:off x="2587752" y="4020073"/>
+                <a:ext cx="4478727" cy="830997"/>
+              </a:xfrm>
+              <a:prstGeom prst="rect">
+                <a:avLst/>
+              </a:prstGeom>
+              <a:blipFill rotWithShape="1">
+                <a:blip r:embed="rId4"/>
+                <a:stretch>
+                  <a:fillRect l="-2180" t="-5839"/>
+                </a:stretch>
+              </a:blipFill>
+            </p:spPr>
+            <p:txBody>
+              <a:bodyPr/>
+              <a:lstStyle/>
+              <a:p>
+                <a:r>
+                  <a:rPr lang="en-US">
+                    <a:noFill/>
+                  </a:rPr>
+                  <a:t> </a:t>
+                </a:r>
+              </a:p>
+            </p:txBody>
+          </p:sp>
+        </mc:Fallback>
+      </mc:AlternateContent>
+      <mc:AlternateContent xmlns:mc="http://schemas.openxmlformats.org/markup-compatibility/2006" xmlns:a14="http://schemas.microsoft.com/office/drawing/2010/main">
+        <mc:Choice Requires="a14">
+          <p:sp>
+            <p:nvSpPr>
+              <p:cNvPr id="14" name="TextBox 13"/>
+              <p:cNvSpPr txBox="1"/>
+              <p:nvPr/>
+            </p:nvSpPr>
+            <p:spPr>
+              <a:xfrm>
+                <a:off x="5405891" y="3248243"/>
+                <a:ext cx="2940549" cy="830997"/>
+              </a:xfrm>
+              <a:prstGeom prst="rect">
+                <a:avLst/>
+              </a:prstGeom>
+              <a:noFill/>
+            </p:spPr>
+            <p:txBody>
+              <a:bodyPr wrap="none" rtlCol="0">
+                <a:spAutoFit/>
+              </a:bodyPr>
+              <a:lstStyle/>
+              <a:p>
+                <a:r>
+                  <a:rPr lang="en-US" sz="2400" b="1" dirty="0" smtClean="0">
+                    <a:solidFill>
+                      <a:srgbClr val="00B050"/>
+                    </a:solidFill>
+                  </a:rPr>
+                  <a:t>right(N): </a:t>
+                </a:r>
+                <a:r>
+                  <a:rPr lang="en-US" sz="2400" b="1" dirty="0" err="1" smtClean="0">
+                    <a:solidFill>
+                      <a:srgbClr val="00B050"/>
+                    </a:solidFill>
+                  </a:rPr>
+                  <a:t>SpAMM</a:t>
+                </a:r>
+                <a:r>
+                  <a:rPr lang="en-US" sz="2400" b="1" dirty="0" smtClean="0">
+                    <a:solidFill>
+                      <a:srgbClr val="00B050"/>
+                    </a:solidFill>
+                  </a:rPr>
+                  <a:t> @ </a:t>
+                </a:r>
+                <a14:m>
+                  <m:oMath xmlns:m="http://schemas.openxmlformats.org/officeDocument/2006/math">
+                    <m:r>
+                      <a:rPr lang="en-US" sz="2400" b="1" i="1" smtClean="0">
+                        <a:solidFill>
+                          <a:srgbClr val="00B050"/>
+                        </a:solidFill>
+                        <a:latin typeface="Cambria Math"/>
+                        <a:ea typeface="Cambria Math"/>
+                      </a:rPr>
+                      <m:t>𝝉</m:t>
+                    </m:r>
+                  </m:oMath>
+                </a14:m>
+                <a:endParaRPr lang="en-US" sz="2400" b="1" dirty="0">
+                  <a:solidFill>
+                    <a:srgbClr val="00B050"/>
+                  </a:solidFill>
+                </a:endParaRPr>
+              </a:p>
+              <a:p>
+                <a:r>
+                  <a:rPr lang="en-US" sz="2400" b="1" dirty="0" smtClean="0">
+                    <a:solidFill>
+                      <a:srgbClr val="7030A0"/>
+                    </a:solidFill>
+                  </a:rPr>
+                  <a:t> </a:t>
+                </a:r>
+                <a:endParaRPr lang="en-US" sz="2400" b="1" dirty="0">
+                  <a:solidFill>
+                    <a:srgbClr val="7030A0"/>
+                  </a:solidFill>
+                </a:endParaRPr>
+              </a:p>
+            </p:txBody>
+          </p:sp>
+        </mc:Choice>
+        <mc:Fallback xmlns="">
+          <p:sp>
+            <p:nvSpPr>
+              <p:cNvPr id="14" name="TextBox 13"/>
+              <p:cNvSpPr txBox="1">
+                <a:spLocks noRot="1" noChangeAspect="1" noMove="1" noResize="1" noEditPoints="1" noAdjustHandles="1" noChangeArrowheads="1" noChangeShapeType="1" noTextEdit="1"/>
+              </p:cNvSpPr>
+              <p:nvPr/>
+            </p:nvSpPr>
+            <p:spPr>
+              <a:xfrm>
+                <a:off x="5405891" y="3248243"/>
+                <a:ext cx="2940549" cy="830997"/>
+              </a:xfrm>
+              <a:prstGeom prst="rect">
+                <a:avLst/>
+              </a:prstGeom>
+              <a:blipFill rotWithShape="1">
+                <a:blip r:embed="rId5"/>
+                <a:stretch>
+                  <a:fillRect l="-3320" t="-5882"/>
+                </a:stretch>
+              </a:blipFill>
+            </p:spPr>
+            <p:txBody>
+              <a:bodyPr/>
+              <a:lstStyle/>
+              <a:p>
+                <a:r>
+                  <a:rPr lang="en-US">
+                    <a:noFill/>
+                  </a:rPr>
+                  <a:t> </a:t>
+                </a:r>
+              </a:p>
+            </p:txBody>
+          </p:sp>
+        </mc:Fallback>
+      </mc:AlternateContent>
+    </p:spTree>
+    <p:extLst>
+      <p:ext uri="{BB962C8B-B14F-4D97-AF65-F5344CB8AC3E}">
+        <p14:creationId xmlns:p14="http://schemas.microsoft.com/office/powerpoint/2010/main" val="1943025631"/>
+      </p:ext>
+    </p:extLst>
+  </p:cSld>
+  <p:clrMapOvr>
+    <a:masterClrMapping/>
+  </p:clrMapOvr>
+</p:sld>
+</file>
+
+<file path=ppt/slides/slide9.xml><?xml version="1.0" encoding="utf-8"?>
+<p:sld xmlns:a="http://schemas.openxmlformats.org/drawingml/2006/main" xmlns:r="http://schemas.openxmlformats.org/officeDocument/2006/relationships" xmlns:p="http://schemas.openxmlformats.org/presentationml/2006/main">
+  <p:cSld>
+    <p:spTree>
+      <p:nvGrpSpPr>
+        <p:cNvPr id="1" name=""/>
+        <p:cNvGrpSpPr/>
+        <p:nvPr/>
+      </p:nvGrpSpPr>
+      <p:grpSpPr>
+        <a:xfrm>
+          <a:off x="0" y="0"/>
+          <a:ext cx="0" cy="0"/>
+          <a:chOff x="0" y="0"/>
+          <a:chExt cx="0" cy="0"/>
+        </a:xfrm>
+      </p:grpSpPr>
+      <p:pic>
+        <p:nvPicPr>
+          <p:cNvPr id="9" name="Picture 8"/>
+          <p:cNvPicPr>
+            <a:picLocks noChangeAspect="1"/>
+          </p:cNvPicPr>
+          <p:nvPr/>
+        </p:nvPicPr>
+        <p:blipFill rotWithShape="1">
+          <a:blip r:embed="rId3" cstate="print">
+            <a:extLst>
+              <a:ext uri="{28A0092B-C50C-407E-A947-70E740481C1C}">
+                <a14:useLocalDpi xmlns:a14="http://schemas.microsoft.com/office/drawing/2010/main" val="0"/>
+              </a:ext>
+            </a:extLst>
+          </a:blip>
+          <a:srcRect l="21200" r="20133"/>
+          <a:stretch/>
+        </p:blipFill>
+        <p:spPr>
+          <a:xfrm>
+            <a:off x="6370320" y="5991283"/>
+            <a:ext cx="484632" cy="826077"/>
+          </a:xfrm>
+          <a:prstGeom prst="rect">
+            <a:avLst/>
+          </a:prstGeom>
+        </p:spPr>
+      </p:pic>
+      <p:pic>
+        <p:nvPicPr>
+          <p:cNvPr id="7" name="Picture 6"/>
+          <p:cNvPicPr>
+            <a:picLocks noChangeAspect="1"/>
+          </p:cNvPicPr>
+          <p:nvPr/>
+        </p:nvPicPr>
+        <p:blipFill rotWithShape="1">
+          <a:blip r:embed="rId4" cstate="print">
+            <a:extLst>
+              <a:ext uri="{28A0092B-C50C-407E-A947-70E740481C1C}">
+                <a14:useLocalDpi xmlns:a14="http://schemas.microsoft.com/office/drawing/2010/main" val="0"/>
+              </a:ext>
+            </a:extLst>
+          </a:blip>
+          <a:srcRect l="16747" t="3713" r="15732" b="8254"/>
+          <a:stretch/>
+        </p:blipFill>
+        <p:spPr>
+          <a:xfrm>
+            <a:off x="1963692" y="6090921"/>
+            <a:ext cx="502920" cy="655707"/>
+          </a:xfrm>
+          <a:prstGeom prst="rect">
+            <a:avLst/>
+          </a:prstGeom>
+        </p:spPr>
+      </p:pic>
+      <p:pic>
+        <p:nvPicPr>
+          <p:cNvPr id="8" name="Picture 7"/>
+          <p:cNvPicPr>
+            <a:picLocks noChangeAspect="1"/>
+          </p:cNvPicPr>
+          <p:nvPr/>
+        </p:nvPicPr>
+        <p:blipFill>
+          <a:blip r:embed="rId5">
+            <a:extLst>
+              <a:ext uri="{28A0092B-C50C-407E-A947-70E740481C1C}">
+                <a14:useLocalDpi xmlns:a14="http://schemas.microsoft.com/office/drawing/2010/main" val="0"/>
+              </a:ext>
+            </a:extLst>
+          </a:blip>
+          <a:stretch>
+            <a:fillRect/>
+          </a:stretch>
+        </p:blipFill>
+        <p:spPr>
+          <a:xfrm>
+            <a:off x="685800" y="1595120"/>
+            <a:ext cx="7863839" cy="4669155"/>
+          </a:xfrm>
+          <a:prstGeom prst="rect">
+            <a:avLst/>
+          </a:prstGeom>
+        </p:spPr>
+      </p:pic>
+      <mc:AlternateContent xmlns:mc="http://schemas.openxmlformats.org/markup-compatibility/2006" xmlns:a14="http://schemas.microsoft.com/office/drawing/2010/main">
+        <mc:Choice Requires="a14">
+          <p:sp>
+            <p:nvSpPr>
+              <p:cNvPr id="12" name="TextBox 11"/>
+              <p:cNvSpPr txBox="1"/>
+              <p:nvPr/>
+            </p:nvSpPr>
+            <p:spPr>
+              <a:xfrm>
+                <a:off x="1371600" y="2161163"/>
+                <a:ext cx="5791200" cy="2246769"/>
+              </a:xfrm>
+              <a:prstGeom prst="rect">
+                <a:avLst/>
+              </a:prstGeom>
+              <a:solidFill>
+                <a:schemeClr val="lt1">
+                  <a:alpha val="77000"/>
+                </a:schemeClr>
+              </a:solidFill>
+            </p:spPr>
+            <p:txBody>
+              <a:bodyPr wrap="square" rtlCol="0">
+                <a:spAutoFit/>
+              </a:bodyPr>
+              <a:lstStyle/>
+              <a:p>
+                <a:pPr marL="342900" indent="-342900">
+                  <a:spcBef>
+                    <a:spcPts val="600"/>
+                  </a:spcBef>
+                  <a:spcAft>
+                    <a:spcPts val="600"/>
+                  </a:spcAft>
+                  <a:buFont typeface="Arial" pitchFamily="34" charset="0"/>
+                  <a:buChar char="•"/>
+                </a:pPr>
+                <a:r>
+                  <a:rPr lang="en-US" sz="2400" b="1" dirty="0" smtClean="0">
+                    <a:solidFill>
+                      <a:schemeClr val="accent1">
+                        <a:lumMod val="75000"/>
+                      </a:schemeClr>
+                    </a:solidFill>
+                  </a:rPr>
+                  <a:t>Inflections spread, map ruggedized.  </a:t>
+                </a:r>
+              </a:p>
+              <a:p>
+                <a:pPr marL="342900" indent="-342900">
+                  <a:spcBef>
+                    <a:spcPts val="600"/>
+                  </a:spcBef>
+                  <a:spcAft>
+                    <a:spcPts val="600"/>
+                  </a:spcAft>
+                  <a:buFont typeface="Arial" pitchFamily="34" charset="0"/>
+                  <a:buChar char="•"/>
+                </a:pPr>
+                <a:r>
+                  <a:rPr lang="en-US" sz="2400" b="1" dirty="0">
+                    <a:solidFill>
+                      <a:schemeClr val="accent1">
+                        <a:lumMod val="75000"/>
+                      </a:schemeClr>
+                    </a:solidFill>
+                  </a:rPr>
+                  <a:t>M</a:t>
+                </a:r>
+                <a:r>
+                  <a:rPr lang="en-US" sz="2400" b="1" dirty="0" smtClean="0">
+                    <a:solidFill>
+                      <a:schemeClr val="accent1">
+                        <a:lumMod val="75000"/>
+                      </a:schemeClr>
+                    </a:solidFill>
+                  </a:rPr>
+                  <a:t>in eigenvalue lost: </a:t>
+                </a:r>
+                <a14:m>
+                  <m:oMath xmlns:m="http://schemas.openxmlformats.org/officeDocument/2006/math">
+                    <m:r>
+                      <a:rPr lang="en-US" sz="2400" b="1" i="1" smtClean="0">
+                        <a:solidFill>
+                          <a:schemeClr val="accent1">
+                            <a:lumMod val="75000"/>
+                          </a:schemeClr>
+                        </a:solidFill>
+                        <a:latin typeface="Cambria Math"/>
+                        <a:ea typeface="Cambria Math"/>
+                      </a:rPr>
+                      <m:t>𝒙</m:t>
+                    </m:r>
+                    <m:r>
+                      <a:rPr lang="en-US" sz="2400" b="1" i="1" baseline="-25000" smtClean="0">
+                        <a:solidFill>
+                          <a:schemeClr val="accent1">
+                            <a:lumMod val="75000"/>
+                          </a:schemeClr>
+                        </a:solidFill>
+                        <a:latin typeface="Cambria Math"/>
+                        <a:ea typeface="Cambria Math"/>
+                      </a:rPr>
+                      <m:t>𝒐</m:t>
+                    </m:r>
+                    <m:r>
+                      <a:rPr lang="en-US" sz="2400" b="1" i="1" baseline="-5000" smtClean="0">
+                        <a:solidFill>
+                          <a:schemeClr val="accent1">
+                            <a:lumMod val="75000"/>
+                          </a:schemeClr>
+                        </a:solidFill>
+                        <a:latin typeface="Cambria Math"/>
+                        <a:ea typeface="Cambria Math"/>
+                      </a:rPr>
+                      <m:t>∓</m:t>
+                    </m:r>
+                    <m:r>
+                      <a:rPr lang="en-US" sz="2400" b="1" i="1" smtClean="0">
+                        <a:solidFill>
+                          <a:schemeClr val="accent1">
+                            <a:lumMod val="75000"/>
+                          </a:schemeClr>
+                        </a:solidFill>
+                        <a:latin typeface="Cambria Math"/>
+                        <a:ea typeface="Cambria Math"/>
+                      </a:rPr>
+                      <m:t>𝜹</m:t>
+                    </m:r>
+                    <m:d>
+                      <m:dPr>
+                        <m:ctrlPr>
+                          <a:rPr lang="en-US" sz="2400" b="1" i="1" smtClean="0">
+                            <a:solidFill>
+                              <a:schemeClr val="accent1">
+                                <a:lumMod val="75000"/>
+                              </a:schemeClr>
+                            </a:solidFill>
+                            <a:latin typeface="Cambria Math"/>
+                            <a:ea typeface="Cambria Math"/>
+                          </a:rPr>
+                        </m:ctrlPr>
+                      </m:dPr>
+                      <m:e>
+                        <m:r>
+                          <a:rPr lang="en-US" sz="2400" b="1" i="1" smtClean="0">
+                            <a:solidFill>
+                              <a:schemeClr val="accent1">
+                                <a:lumMod val="75000"/>
+                              </a:schemeClr>
+                            </a:solidFill>
+                            <a:latin typeface="Cambria Math"/>
+                            <a:ea typeface="Cambria Math"/>
+                          </a:rPr>
+                          <m:t>𝝉</m:t>
+                        </m:r>
+                      </m:e>
+                    </m:d>
+                  </m:oMath>
+                </a14:m>
+                <a:r>
+                  <a:rPr lang="en-US" sz="2400" b="1" dirty="0" smtClean="0">
+                    <a:solidFill>
+                      <a:schemeClr val="accent1">
+                        <a:lumMod val="75000"/>
+                      </a:schemeClr>
+                    </a:solidFill>
+                  </a:rPr>
+                  <a:t>.  Scaling acceleration less than </a:t>
+                </a:r>
+                <a:r>
+                  <a:rPr lang="en-US" sz="2400" b="1" i="1" dirty="0" smtClean="0">
+                    <a:solidFill>
+                      <a:schemeClr val="accent1">
+                        <a:lumMod val="75000"/>
+                      </a:schemeClr>
+                    </a:solidFill>
+                  </a:rPr>
+                  <a:t>2.85</a:t>
+                </a:r>
+                <a:r>
+                  <a:rPr lang="en-US" sz="2400" b="1" baseline="-5000" dirty="0" smtClean="0">
+                    <a:solidFill>
+                      <a:schemeClr val="accent1">
+                        <a:lumMod val="75000"/>
+                      </a:schemeClr>
+                    </a:solidFill>
+                    <a:sym typeface="Wingdings 2"/>
+                  </a:rPr>
+                  <a:t></a:t>
+                </a:r>
+                <a:r>
+                  <a:rPr lang="en-US" sz="2400" b="1" dirty="0" smtClean="0">
+                    <a:solidFill>
+                      <a:schemeClr val="accent1">
+                        <a:lumMod val="75000"/>
+                      </a:schemeClr>
+                    </a:solidFill>
+                  </a:rPr>
+                  <a:t> </a:t>
+                </a:r>
+              </a:p>
+              <a:p>
+                <a:pPr marL="342900" indent="-342900">
+                  <a:spcBef>
+                    <a:spcPts val="600"/>
+                  </a:spcBef>
+                  <a:spcAft>
+                    <a:spcPts val="600"/>
+                  </a:spcAft>
+                  <a:buFont typeface="Arial" pitchFamily="34" charset="0"/>
+                  <a:buChar char="•"/>
+                </a:pPr>
+                <a:r>
+                  <a:rPr lang="en-US" sz="2400" b="1" dirty="0">
+                    <a:solidFill>
+                      <a:schemeClr val="accent1">
+                        <a:lumMod val="75000"/>
+                      </a:schemeClr>
+                    </a:solidFill>
+                  </a:rPr>
+                  <a:t>H</a:t>
+                </a:r>
+                <a:r>
+                  <a:rPr lang="en-US" sz="2400" b="1" dirty="0" smtClean="0">
+                    <a:solidFill>
+                      <a:schemeClr val="accent1">
+                        <a:lumMod val="75000"/>
+                      </a:schemeClr>
+                    </a:solidFill>
+                  </a:rPr>
+                  <a:t>ow much acceleration can be kept under extreme conditions? </a:t>
+                </a:r>
+                <a:endParaRPr lang="en-US" sz="2400" b="1" dirty="0">
+                  <a:solidFill>
+                    <a:schemeClr val="accent1">
+                      <a:lumMod val="75000"/>
+                    </a:schemeClr>
+                  </a:solidFill>
+                </a:endParaRPr>
+              </a:p>
+            </p:txBody>
+          </p:sp>
+        </mc:Choice>
+        <mc:Fallback xmlns="">
+          <p:sp>
+            <p:nvSpPr>
+              <p:cNvPr id="12" name="TextBox 11"/>
+              <p:cNvSpPr txBox="1">
+                <a:spLocks noRot="1" noChangeAspect="1" noMove="1" noResize="1" noEditPoints="1" noAdjustHandles="1" noChangeArrowheads="1" noChangeShapeType="1" noTextEdit="1"/>
+              </p:cNvSpPr>
+              <p:nvPr/>
+            </p:nvSpPr>
+            <p:spPr>
+              <a:xfrm>
+                <a:off x="1371600" y="2161163"/>
+                <a:ext cx="5791200" cy="2246769"/>
+              </a:xfrm>
+              <a:prstGeom prst="rect">
+                <a:avLst/>
+              </a:prstGeom>
+              <a:blipFill rotWithShape="1">
+                <a:blip r:embed="rId6"/>
+                <a:stretch>
+                  <a:fillRect l="-1368" t="-2174" b="-5435"/>
+                </a:stretch>
+              </a:blipFill>
+            </p:spPr>
+            <p:txBody>
+              <a:bodyPr/>
+              <a:lstStyle/>
+              <a:p>
+                <a:r>
+                  <a:rPr lang="en-US">
+                    <a:noFill/>
+                  </a:rPr>
+                  <a:t> </a:t>
+                </a:r>
+              </a:p>
+            </p:txBody>
+          </p:sp>
+        </mc:Fallback>
+      </mc:AlternateContent>
+      <mc:AlternateContent xmlns:mc="http://schemas.openxmlformats.org/markup-compatibility/2006" xmlns:a14="http://schemas.microsoft.com/office/drawing/2010/main">
+        <mc:Choice Requires="a14">
+          <p:sp>
+            <p:nvSpPr>
+              <p:cNvPr id="13" name="Rectangle 12"/>
+              <p:cNvSpPr/>
+              <p:nvPr/>
+            </p:nvSpPr>
+            <p:spPr>
+              <a:xfrm>
+                <a:off x="381000" y="122872"/>
+                <a:ext cx="8534400" cy="1477328"/>
+              </a:xfrm>
+              <a:prstGeom prst="rect">
+                <a:avLst/>
+              </a:prstGeom>
+            </p:spPr>
+            <p:txBody>
+              <a:bodyPr wrap="square">
+                <a:spAutoFit/>
+              </a:bodyPr>
+              <a:lstStyle/>
+              <a:p>
+                <a:pPr>
+                  <a:spcBef>
+                    <a:spcPts val="600"/>
+                  </a:spcBef>
+                  <a:spcAft>
+                    <a:spcPts val="600"/>
+                  </a:spcAft>
+                </a:pPr>
+                <a:r>
+                  <a:rPr lang="en-US" sz="3200" b="1" dirty="0" smtClean="0"/>
+                  <a:t>A Ruggedized, Scaled Newton-</a:t>
+                </a:r>
+                <a:r>
+                  <a:rPr lang="en-US" sz="3200" b="1" dirty="0" err="1" smtClean="0"/>
+                  <a:t>Shulz</a:t>
+                </a:r>
+                <a:r>
+                  <a:rPr lang="en-US" sz="3200" b="1" dirty="0" smtClean="0"/>
+                  <a:t> Map</a:t>
+                </a:r>
+              </a:p>
+              <a:p>
+                <a:pPr>
+                  <a:spcBef>
+                    <a:spcPts val="600"/>
+                  </a:spcBef>
+                  <a:spcAft>
+                    <a:spcPts val="600"/>
+                  </a:spcAft>
+                </a:pPr>
+                <a:r>
+                  <a:rPr lang="en-US" sz="2400" dirty="0" smtClean="0"/>
+                  <a:t>Ill-conditioning and </a:t>
+                </a:r>
+                <a:r>
+                  <a:rPr lang="en-US" sz="2400" dirty="0" err="1" smtClean="0"/>
+                  <a:t>SpAMM</a:t>
+                </a:r>
+                <a:r>
+                  <a:rPr lang="en-US" sz="2400" dirty="0"/>
+                  <a:t> </a:t>
+                </a:r>
+                <a:r>
+                  <a:rPr lang="en-US" sz="2400" dirty="0" smtClean="0"/>
+                  <a:t>can bounce EVs out of bounds by </a:t>
+                </a:r>
+                <a14:m>
+                  <m:oMath xmlns:m="http://schemas.openxmlformats.org/officeDocument/2006/math">
+                    <m:r>
+                      <a:rPr lang="en-US" sz="2400" i="1" baseline="-5000" smtClean="0">
+                        <a:latin typeface="Cambria Math"/>
+                        <a:ea typeface="Cambria Math"/>
+                      </a:rPr>
+                      <m:t>∓</m:t>
+                    </m:r>
+                    <m:r>
+                      <a:rPr lang="en-US" sz="2400" i="1" smtClean="0">
+                        <a:latin typeface="Cambria Math"/>
+                        <a:ea typeface="Cambria Math"/>
+                      </a:rPr>
+                      <m:t>𝛿</m:t>
+                    </m:r>
+                    <m:d>
+                      <m:dPr>
+                        <m:ctrlPr>
+                          <a:rPr lang="en-US" sz="2400" i="1" smtClean="0">
+                            <a:latin typeface="Cambria Math"/>
+                            <a:ea typeface="Cambria Math"/>
+                          </a:rPr>
+                        </m:ctrlPr>
+                      </m:dPr>
+                      <m:e>
+                        <m:r>
+                          <a:rPr lang="en-US" sz="2400" i="1" smtClean="0">
+                            <a:latin typeface="Cambria Math"/>
+                            <a:ea typeface="Cambria Math"/>
+                          </a:rPr>
+                          <m:t>𝜏</m:t>
+                        </m:r>
+                      </m:e>
+                    </m:d>
+                  </m:oMath>
+                </a14:m>
+                <a:r>
+                  <a:rPr lang="en-US" sz="2400" dirty="0" smtClean="0"/>
+                  <a:t>.   </a:t>
+                </a:r>
+                <a:r>
+                  <a:rPr lang="en-US" sz="3600" b="1" baseline="-10000" dirty="0" smtClean="0">
+                    <a:sym typeface="Wingdings"/>
+                  </a:rPr>
+                  <a:t></a:t>
+                </a:r>
+                <a:r>
+                  <a:rPr lang="en-US" sz="2400" b="1" dirty="0" smtClean="0">
+                    <a:sym typeface="Wingdings"/>
+                  </a:rPr>
+                  <a:t> </a:t>
+                </a:r>
+                <a:r>
+                  <a:rPr lang="en-US" sz="2400" dirty="0" smtClean="0">
+                    <a:sym typeface="Wingdings"/>
+                  </a:rPr>
+                  <a:t>stabilize by spreading 0/1 inflections by </a:t>
+                </a:r>
+                <a14:m>
+                  <m:oMath xmlns:m="http://schemas.openxmlformats.org/officeDocument/2006/math">
+                    <m:r>
+                      <a:rPr lang="en-US" sz="2400" i="1" baseline="-5000" smtClean="0">
+                        <a:latin typeface="Cambria Math"/>
+                        <a:ea typeface="Cambria Math"/>
+                      </a:rPr>
+                      <m:t>∓</m:t>
+                    </m:r>
+                    <m:r>
+                      <a:rPr lang="en-US" sz="2400" i="1" smtClean="0">
+                        <a:latin typeface="Cambria Math"/>
+                        <a:ea typeface="Cambria Math"/>
+                      </a:rPr>
+                      <m:t>𝛿</m:t>
+                    </m:r>
+                  </m:oMath>
+                </a14:m>
+                <a:r>
+                  <a:rPr lang="en-US" sz="2400" dirty="0" smtClean="0"/>
+                  <a:t>.</a:t>
+                </a:r>
+                <a:endParaRPr lang="en-US" sz="2400" dirty="0"/>
+              </a:p>
+            </p:txBody>
+          </p:sp>
+        </mc:Choice>
+        <mc:Fallback xmlns="">
+          <p:sp>
+            <p:nvSpPr>
+              <p:cNvPr id="13" name="Rectangle 12"/>
+              <p:cNvSpPr>
+                <a:spLocks noRot="1" noChangeAspect="1" noMove="1" noResize="1" noEditPoints="1" noAdjustHandles="1" noChangeArrowheads="1" noChangeShapeType="1" noTextEdit="1"/>
+              </p:cNvSpPr>
+              <p:nvPr/>
+            </p:nvSpPr>
+            <p:spPr>
+              <a:xfrm>
+                <a:off x="381000" y="122872"/>
+                <a:ext cx="8534400" cy="1477328"/>
+              </a:xfrm>
+              <a:prstGeom prst="rect">
+                <a:avLst/>
+              </a:prstGeom>
+              <a:blipFill rotWithShape="1">
+                <a:blip r:embed="rId7"/>
+                <a:stretch>
+                  <a:fillRect l="-1857" t="-5350" b="-10700"/>
+                </a:stretch>
+              </a:blipFill>
+            </p:spPr>
+            <p:txBody>
+              <a:bodyPr/>
+              <a:lstStyle/>
+              <a:p>
+                <a:r>
+                  <a:rPr lang="en-US">
+                    <a:noFill/>
+                  </a:rPr>
+                  <a:t> </a:t>
+                </a:r>
+              </a:p>
+            </p:txBody>
+          </p:sp>
+        </mc:Fallback>
+      </mc:AlternateContent>
+      <p:sp>
+        <p:nvSpPr>
+          <p:cNvPr id="15" name="Striped Right Arrow 14"/>
+          <p:cNvSpPr/>
+          <p:nvPr/>
+        </p:nvSpPr>
+        <p:spPr>
+          <a:xfrm flipH="1">
+            <a:off x="1605280" y="5892800"/>
+            <a:ext cx="487680" cy="147320"/>
+          </a:xfrm>
+          <a:prstGeom prst="stripedRightArrow">
+            <a:avLst/>
+          </a:prstGeom>
+        </p:spPr>
+        <p:style>
+          <a:lnRef idx="1">
+            <a:schemeClr val="accent3"/>
+          </a:lnRef>
+          <a:fillRef idx="2">
+            <a:schemeClr val="accent3"/>
+          </a:fillRef>
+          <a:effectRef idx="1">
+            <a:schemeClr val="accent3"/>
+          </a:effectRef>
+          <a:fontRef idx="minor">
+            <a:schemeClr val="dk1"/>
+          </a:fontRef>
+        </p:style>
+        <p:txBody>
+          <a:bodyPr rtlCol="0" anchor="ctr"/>
+          <a:lstStyle/>
+          <a:p>
+            <a:pPr algn="ctr"/>
+            <a:endParaRPr lang="en-US">
+              <a:solidFill>
+                <a:srgbClr val="00B050"/>
+              </a:solidFill>
+            </a:endParaRPr>
+          </a:p>
+        </p:txBody>
+      </p:sp>
+      <p:sp>
+        <p:nvSpPr>
+          <p:cNvPr id="16" name="Striped Right Arrow 15"/>
+          <p:cNvSpPr/>
+          <p:nvPr/>
+        </p:nvSpPr>
+        <p:spPr>
+          <a:xfrm>
+            <a:off x="6471920" y="5894416"/>
+            <a:ext cx="538480" cy="145704"/>
+          </a:xfrm>
+          <a:prstGeom prst="stripedRightArrow">
+            <a:avLst/>
+          </a:prstGeom>
+        </p:spPr>
+        <p:style>
+          <a:lnRef idx="1">
+            <a:schemeClr val="accent3"/>
+          </a:lnRef>
+          <a:fillRef idx="2">
+            <a:schemeClr val="accent3"/>
+          </a:fillRef>
+          <a:effectRef idx="1">
+            <a:schemeClr val="accent3"/>
+          </a:effectRef>
+          <a:fontRef idx="minor">
+            <a:schemeClr val="dk1"/>
+          </a:fontRef>
+        </p:style>
+        <p:txBody>
+          <a:bodyPr rtlCol="0" anchor="ctr"/>
+          <a:lstStyle/>
+          <a:p>
+            <a:pPr algn="ctr"/>
+            <a:endParaRPr lang="en-US">
+              <a:solidFill>
+                <a:srgbClr val="FF0000"/>
+              </a:solidFill>
+            </a:endParaRPr>
+          </a:p>
+        </p:txBody>
+      </p:sp>
+    </p:spTree>
+    <p:extLst>
+      <p:ext uri="{BB962C8B-B14F-4D97-AF65-F5344CB8AC3E}">
+        <p14:creationId xmlns:p14="http://schemas.microsoft.com/office/powerpoint/2010/main" val="422847147"/>
       </p:ext>
     </p:extLst>
   </p:cSld>

--- a/sandwitch_results_3_2015/spamm_big_picture.pptx
+++ b/sandwitch_results_3_2015/spamm_big_picture.pptx
@@ -5,28 +5,31 @@
     <p:sldMasterId id="2147483648" r:id="rId1"/>
   </p:sldMasterIdLst>
   <p:notesMasterIdLst>
-    <p:notesMasterId r:id="rId21"/>
+    <p:notesMasterId r:id="rId24"/>
   </p:notesMasterIdLst>
   <p:sldIdLst>
-    <p:sldId id="264" r:id="rId2"/>
-    <p:sldId id="263" r:id="rId3"/>
-    <p:sldId id="270" r:id="rId4"/>
-    <p:sldId id="269" r:id="rId5"/>
-    <p:sldId id="266" r:id="rId6"/>
-    <p:sldId id="259" r:id="rId7"/>
-    <p:sldId id="275" r:id="rId8"/>
-    <p:sldId id="257" r:id="rId9"/>
-    <p:sldId id="261" r:id="rId10"/>
-    <p:sldId id="272" r:id="rId11"/>
-    <p:sldId id="274" r:id="rId12"/>
-    <p:sldId id="260" r:id="rId13"/>
-    <p:sldId id="273" r:id="rId14"/>
-    <p:sldId id="262" r:id="rId15"/>
-    <p:sldId id="258" r:id="rId16"/>
-    <p:sldId id="276" r:id="rId17"/>
-    <p:sldId id="277" r:id="rId18"/>
-    <p:sldId id="278" r:id="rId19"/>
-    <p:sldId id="279" r:id="rId20"/>
+    <p:sldId id="282" r:id="rId2"/>
+    <p:sldId id="281" r:id="rId3"/>
+    <p:sldId id="280" r:id="rId4"/>
+    <p:sldId id="266" r:id="rId5"/>
+    <p:sldId id="264" r:id="rId6"/>
+    <p:sldId id="263" r:id="rId7"/>
+    <p:sldId id="270" r:id="rId8"/>
+    <p:sldId id="269" r:id="rId9"/>
+    <p:sldId id="259" r:id="rId10"/>
+    <p:sldId id="275" r:id="rId11"/>
+    <p:sldId id="257" r:id="rId12"/>
+    <p:sldId id="261" r:id="rId13"/>
+    <p:sldId id="272" r:id="rId14"/>
+    <p:sldId id="274" r:id="rId15"/>
+    <p:sldId id="260" r:id="rId16"/>
+    <p:sldId id="273" r:id="rId17"/>
+    <p:sldId id="262" r:id="rId18"/>
+    <p:sldId id="258" r:id="rId19"/>
+    <p:sldId id="276" r:id="rId20"/>
+    <p:sldId id="277" r:id="rId21"/>
+    <p:sldId id="278" r:id="rId22"/>
+    <p:sldId id="279" r:id="rId23"/>
   </p:sldIdLst>
   <p:sldSz cx="9144000" cy="6858000" type="screen4x3"/>
   <p:notesSz cx="6858000" cy="9144000"/>
@@ -541,9 +544,9 @@
           <a:bodyPr/>
           <a:lstStyle/>
           <a:p>
-            <a:fld id="{1CFA42DE-160A-4E7C-89E2-22791C61C9FD}" type="slidenum">
+            <a:fld id="{7B78DCCA-C640-4451-AB38-C8693197612E}" type="slidenum">
               <a:rPr lang="en-US" smtClean="0"/>
-              <a:t>2</a:t>
+              <a:t>3</a:t>
             </a:fld>
             <a:endParaRPr lang="en-US"/>
           </a:p>
@@ -552,7 +555,7 @@
     </p:spTree>
     <p:extLst>
       <p:ext uri="{BB962C8B-B14F-4D97-AF65-F5344CB8AC3E}">
-        <p14:creationId xmlns:p14="http://schemas.microsoft.com/office/powerpoint/2010/main" val="1944396536"/>
+        <p14:creationId xmlns:p14="http://schemas.microsoft.com/office/powerpoint/2010/main" val="1654567189"/>
       </p:ext>
     </p:extLst>
   </p:cSld>
@@ -627,7 +630,7 @@
           <a:p>
             <a:fld id="{1CFA42DE-160A-4E7C-89E2-22791C61C9FD}" type="slidenum">
               <a:rPr lang="en-US" smtClean="0"/>
-              <a:t>9</a:t>
+              <a:t>6</a:t>
             </a:fld>
             <a:endParaRPr lang="en-US"/>
           </a:p>
@@ -636,7 +639,7 @@
     </p:spTree>
     <p:extLst>
       <p:ext uri="{BB962C8B-B14F-4D97-AF65-F5344CB8AC3E}">
-        <p14:creationId xmlns:p14="http://schemas.microsoft.com/office/powerpoint/2010/main" val="3902017969"/>
+        <p14:creationId xmlns:p14="http://schemas.microsoft.com/office/powerpoint/2010/main" val="1944396536"/>
       </p:ext>
     </p:extLst>
   </p:cSld>
@@ -711,7 +714,91 @@
           <a:p>
             <a:fld id="{1CFA42DE-160A-4E7C-89E2-22791C61C9FD}" type="slidenum">
               <a:rPr lang="en-US" smtClean="0"/>
-              <a:t>15</a:t>
+              <a:t>12</a:t>
+            </a:fld>
+            <a:endParaRPr lang="en-US"/>
+          </a:p>
+        </p:txBody>
+      </p:sp>
+    </p:spTree>
+    <p:extLst>
+      <p:ext uri="{BB962C8B-B14F-4D97-AF65-F5344CB8AC3E}">
+        <p14:creationId xmlns:p14="http://schemas.microsoft.com/office/powerpoint/2010/main" val="3902017969"/>
+      </p:ext>
+    </p:extLst>
+  </p:cSld>
+  <p:clrMapOvr>
+    <a:masterClrMapping/>
+  </p:clrMapOvr>
+</p:notes>
+</file>
+
+<file path=ppt/notesSlides/notesSlide4.xml><?xml version="1.0" encoding="utf-8"?>
+<p:notes xmlns:a="http://schemas.openxmlformats.org/drawingml/2006/main" xmlns:r="http://schemas.openxmlformats.org/officeDocument/2006/relationships" xmlns:p="http://schemas.openxmlformats.org/presentationml/2006/main">
+  <p:cSld>
+    <p:spTree>
+      <p:nvGrpSpPr>
+        <p:cNvPr id="1" name=""/>
+        <p:cNvGrpSpPr/>
+        <p:nvPr/>
+      </p:nvGrpSpPr>
+      <p:grpSpPr>
+        <a:xfrm>
+          <a:off x="0" y="0"/>
+          <a:ext cx="0" cy="0"/>
+          <a:chOff x="0" y="0"/>
+          <a:chExt cx="0" cy="0"/>
+        </a:xfrm>
+      </p:grpSpPr>
+      <p:sp>
+        <p:nvSpPr>
+          <p:cNvPr id="2" name="Slide Image Placeholder 1"/>
+          <p:cNvSpPr>
+            <a:spLocks noGrp="1" noRot="1" noChangeAspect="1"/>
+          </p:cNvSpPr>
+          <p:nvPr>
+            <p:ph type="sldImg"/>
+          </p:nvPr>
+        </p:nvSpPr>
+        <p:spPr/>
+      </p:sp>
+      <p:sp>
+        <p:nvSpPr>
+          <p:cNvPr id="3" name="Notes Placeholder 2"/>
+          <p:cNvSpPr>
+            <a:spLocks noGrp="1"/>
+          </p:cNvSpPr>
+          <p:nvPr>
+            <p:ph type="body" idx="1"/>
+          </p:nvPr>
+        </p:nvSpPr>
+        <p:spPr/>
+        <p:txBody>
+          <a:bodyPr/>
+          <a:lstStyle/>
+          <a:p>
+            <a:endParaRPr lang="en-US" dirty="0"/>
+          </a:p>
+        </p:txBody>
+      </p:sp>
+      <p:sp>
+        <p:nvSpPr>
+          <p:cNvPr id="4" name="Slide Number Placeholder 3"/>
+          <p:cNvSpPr>
+            <a:spLocks noGrp="1"/>
+          </p:cNvSpPr>
+          <p:nvPr>
+            <p:ph type="sldNum" sz="quarter" idx="10"/>
+          </p:nvPr>
+        </p:nvSpPr>
+        <p:spPr/>
+        <p:txBody>
+          <a:bodyPr/>
+          <a:lstStyle/>
+          <a:p>
+            <a:fld id="{1CFA42DE-160A-4E7C-89E2-22791C61C9FD}" type="slidenum">
+              <a:rPr lang="en-US" smtClean="0"/>
+              <a:t>18</a:t>
             </a:fld>
             <a:endParaRPr lang="en-US"/>
           </a:p>
@@ -3726,8 +3813,8 @@
         </p:nvSpPr>
         <p:spPr>
           <a:xfrm>
-            <a:off x="228600" y="304800"/>
-            <a:ext cx="8458200" cy="7571303"/>
+            <a:off x="110067" y="485255"/>
+            <a:ext cx="8915400" cy="2585323"/>
           </a:xfrm>
           <a:prstGeom prst="rect">
             <a:avLst/>
@@ -3740,236 +3827,372 @@
           </a:bodyPr>
           <a:lstStyle/>
           <a:p>
+            <a:pPr algn="ctr">
+              <a:spcBef>
+                <a:spcPts val="600"/>
+              </a:spcBef>
+              <a:spcAft>
+                <a:spcPts val="600"/>
+              </a:spcAft>
+            </a:pPr>
+            <a:r>
+              <a:rPr lang="en-US" sz="3400" b="1" i="1" dirty="0" smtClean="0">
+                <a:latin typeface="Comic Sans MS" pitchFamily="66" charset="0"/>
+              </a:rPr>
+              <a:t>O</a:t>
+            </a:r>
+            <a:r>
+              <a:rPr lang="en-US" sz="800" b="1" i="1" dirty="0" smtClean="0">
+                <a:latin typeface="Comic Sans MS" pitchFamily="66" charset="0"/>
+              </a:rPr>
+              <a:t> </a:t>
+            </a:r>
+            <a:r>
+              <a:rPr lang="en-US" sz="3400" b="1" dirty="0" smtClean="0">
+                <a:latin typeface="Comic Sans MS" pitchFamily="66" charset="0"/>
+              </a:rPr>
+              <a:t>(</a:t>
+            </a:r>
+            <a:r>
+              <a:rPr lang="en-US" sz="3400" b="1" i="1" dirty="0" smtClean="0">
+                <a:latin typeface="Comic Sans MS" pitchFamily="66" charset="0"/>
+              </a:rPr>
+              <a:t>N</a:t>
+            </a:r>
+            <a:r>
+              <a:rPr lang="en-US" sz="1400" b="1" i="1" dirty="0" smtClean="0">
+                <a:latin typeface="Comic Sans MS" pitchFamily="66" charset="0"/>
+              </a:rPr>
+              <a:t> </a:t>
+            </a:r>
+            <a:r>
+              <a:rPr lang="en-US" sz="3400" b="1" dirty="0" smtClean="0">
+                <a:latin typeface="Comic Sans MS" pitchFamily="66" charset="0"/>
+              </a:rPr>
+              <a:t>) Quantum Chemistry Made Simple</a:t>
+            </a:r>
+          </a:p>
+          <a:p>
+            <a:pPr algn="ctr">
+              <a:spcBef>
+                <a:spcPts val="600"/>
+              </a:spcBef>
+              <a:spcAft>
+                <a:spcPts val="600"/>
+              </a:spcAft>
+            </a:pPr>
+            <a:endParaRPr lang="en-US" sz="3400" b="1" dirty="0">
+              <a:latin typeface="Comic Sans MS" pitchFamily="66" charset="0"/>
+            </a:endParaRPr>
+          </a:p>
+          <a:p>
+            <a:pPr algn="ctr">
+              <a:spcBef>
+                <a:spcPts val="600"/>
+              </a:spcBef>
+              <a:spcAft>
+                <a:spcPts val="600"/>
+              </a:spcAft>
+            </a:pPr>
+            <a:r>
+              <a:rPr lang="en-US" sz="3200" b="1" i="1" dirty="0" smtClean="0">
+                <a:latin typeface="Comic Sans MS" pitchFamily="66" charset="0"/>
+              </a:rPr>
+              <a:t>In N</a:t>
+            </a:r>
+            <a:r>
+              <a:rPr lang="en-US" sz="1000" b="1" i="1" dirty="0" smtClean="0">
+                <a:latin typeface="Comic Sans MS" pitchFamily="66" charset="0"/>
+              </a:rPr>
+              <a:t> </a:t>
+            </a:r>
+            <a:r>
+              <a:rPr lang="en-US" sz="3200" b="1" i="1" baseline="30000" dirty="0" smtClean="0">
+                <a:latin typeface="Comic Sans MS" pitchFamily="66" charset="0"/>
+              </a:rPr>
+              <a:t>4</a:t>
+            </a:r>
+            <a:r>
+              <a:rPr lang="en-US" sz="3200" b="1" i="1" dirty="0" smtClean="0">
+                <a:latin typeface="Comic Sans MS" pitchFamily="66" charset="0"/>
+                <a:sym typeface="Wingdings" pitchFamily="2" charset="2"/>
+              </a:rPr>
+              <a:t> N, </a:t>
+            </a:r>
+            <a:r>
+              <a:rPr lang="en-US" sz="3200" b="1" i="1" dirty="0" smtClean="0">
+                <a:latin typeface="Comic Sans MS" pitchFamily="66" charset="0"/>
+              </a:rPr>
+              <a:t>do not accumulate, eliminate </a:t>
+            </a:r>
+          </a:p>
+          <a:p>
             <a:pPr>
               <a:spcBef>
-                <a:spcPts val="1200"/>
+                <a:spcPts val="600"/>
               </a:spcBef>
               <a:spcAft>
-                <a:spcPts val="1200"/>
+                <a:spcPts val="600"/>
               </a:spcAft>
             </a:pPr>
             <a:r>
-              <a:rPr lang="en-US" sz="3200" b="1" i="1" dirty="0" smtClean="0"/>
-              <a:t>N</a:t>
-            </a:r>
-            <a:r>
-              <a:rPr lang="en-US" sz="3200" b="1" dirty="0" smtClean="0"/>
-              <a:t>-Body Solvers in the Information, Physical &amp; Computer Sciences</a:t>
-            </a:r>
-            <a:endParaRPr lang="en-US" sz="3200" b="1" dirty="0"/>
-          </a:p>
-          <a:p>
-            <a:pPr marL="457200" indent="-457200">
-              <a:spcBef>
-                <a:spcPts val="1200"/>
-              </a:spcBef>
-              <a:spcAft>
-                <a:spcPts val="1200"/>
-              </a:spcAft>
-              <a:buFont typeface="Arial" pitchFamily="34" charset="0"/>
-              <a:buChar char="•"/>
-            </a:pPr>
-            <a:r>
-              <a:rPr lang="en-US" sz="2400" i="1" dirty="0" smtClean="0"/>
-              <a:t>N</a:t>
-            </a:r>
-            <a:r>
-              <a:rPr lang="en-US" sz="2400" dirty="0" smtClean="0"/>
-              <a:t>-Body solvers combine </a:t>
-            </a:r>
-            <a:r>
-              <a:rPr lang="en-US" sz="2400" b="1" i="1" dirty="0" smtClean="0"/>
-              <a:t>database operations </a:t>
-            </a:r>
-            <a:r>
-              <a:rPr lang="en-US" sz="2400" dirty="0" smtClean="0"/>
-              <a:t>(range &amp; metric queries) with </a:t>
-            </a:r>
-            <a:r>
-              <a:rPr lang="en-US" sz="2400" b="1" i="1" dirty="0" smtClean="0"/>
-              <a:t>locality preserving heuristics</a:t>
-            </a:r>
-            <a:r>
-              <a:rPr lang="en-US" sz="2400" dirty="0" smtClean="0"/>
-              <a:t>, and a wide variety of </a:t>
-            </a:r>
-            <a:r>
-              <a:rPr lang="en-US" sz="2400" b="1" i="1" dirty="0" smtClean="0"/>
-              <a:t>mathematical approximations</a:t>
-            </a:r>
-            <a:r>
-              <a:rPr lang="en-US" sz="2400" dirty="0"/>
-              <a:t>.</a:t>
-            </a:r>
-            <a:r>
-              <a:rPr lang="en-US" sz="2400" dirty="0" smtClean="0"/>
+              <a:rPr lang="en-US" sz="3200" b="1" i="1" dirty="0">
+                <a:latin typeface="Comic Sans MS" pitchFamily="66" charset="0"/>
+              </a:rPr>
               <a:t> </a:t>
             </a:r>
             <a:r>
-              <a:rPr lang="en-US" sz="2400" u="sng" dirty="0"/>
-              <a:t>E</a:t>
-            </a:r>
-            <a:r>
-              <a:rPr lang="en-US" sz="2400" u="sng" dirty="0" smtClean="0"/>
-              <a:t>xamples</a:t>
-            </a:r>
-            <a:r>
-              <a:rPr lang="en-US" sz="2400" dirty="0" smtClean="0"/>
-              <a:t>: the astrophysical </a:t>
-            </a:r>
-            <a:r>
-              <a:rPr lang="en-US" sz="2400" b="1" i="1" dirty="0" smtClean="0"/>
-              <a:t>Barnes-Hut tree-code</a:t>
-            </a:r>
-            <a:r>
-              <a:rPr lang="en-US" sz="2400" dirty="0" smtClean="0"/>
-              <a:t>, the </a:t>
-            </a:r>
-            <a:r>
-              <a:rPr lang="en-US" sz="2400" b="1" i="1" dirty="0" smtClean="0"/>
-              <a:t>Fast Gauss Transform</a:t>
-            </a:r>
-            <a:r>
-              <a:rPr lang="en-US" sz="2400" dirty="0" smtClean="0"/>
-              <a:t> and so on.</a:t>
-            </a:r>
-          </a:p>
-          <a:p>
-            <a:pPr marL="457200" indent="-457200">
-              <a:spcBef>
-                <a:spcPts val="1800"/>
-              </a:spcBef>
-              <a:spcAft>
-                <a:spcPts val="1800"/>
-              </a:spcAft>
-              <a:buFont typeface="Arial" pitchFamily="34" charset="0"/>
-              <a:buChar char="•"/>
-            </a:pPr>
-            <a:r>
-              <a:rPr lang="en-US" sz="2400" dirty="0" smtClean="0"/>
-              <a:t>The </a:t>
-            </a:r>
-            <a:r>
-              <a:rPr lang="en-US" sz="2400" b="1" i="1" dirty="0" smtClean="0"/>
-              <a:t>generic N-Body </a:t>
-            </a:r>
-            <a:r>
-              <a:rPr lang="en-US" sz="2400" dirty="0" smtClean="0"/>
-              <a:t>model has been extended to a vast number of fast, pairwise (kernel) summation techniques in the information sciences.  </a:t>
-            </a:r>
-            <a:r>
-              <a:rPr lang="en-US" sz="2400" u="sng" dirty="0" smtClean="0"/>
-              <a:t>Examples</a:t>
-            </a:r>
-            <a:r>
-              <a:rPr lang="en-US" sz="2400" dirty="0" smtClean="0"/>
-              <a:t>: see </a:t>
-            </a:r>
-            <a:r>
-              <a:rPr lang="en-US" sz="2400" dirty="0" smtClean="0">
-                <a:hlinkClick r:id="rId2"/>
-              </a:rPr>
-              <a:t>www.fast-lab.org</a:t>
-            </a:r>
-            <a:r>
-              <a:rPr lang="en-US" sz="2400" dirty="0" smtClean="0"/>
-              <a:t>.</a:t>
-            </a:r>
-          </a:p>
-          <a:p>
-            <a:pPr marL="457200" indent="-457200">
-              <a:spcBef>
-                <a:spcPts val="1200"/>
-              </a:spcBef>
-              <a:spcAft>
-                <a:spcPts val="1200"/>
-              </a:spcAft>
-              <a:buFont typeface="Arial" pitchFamily="34" charset="0"/>
-              <a:buChar char="•"/>
-            </a:pPr>
-            <a:r>
-              <a:rPr lang="en-US" sz="2400" dirty="0" smtClean="0"/>
-              <a:t>In </a:t>
-            </a:r>
-            <a:r>
-              <a:rPr lang="en-US" sz="2400" b="1" i="1" dirty="0" smtClean="0"/>
-              <a:t>functional programming</a:t>
-            </a:r>
-            <a:r>
-              <a:rPr lang="en-US" sz="2400" dirty="0" smtClean="0"/>
-              <a:t>,  the </a:t>
-            </a:r>
-            <a:r>
-              <a:rPr lang="en-US" sz="2400" i="1" dirty="0" smtClean="0"/>
-              <a:t>N</a:t>
-            </a:r>
-            <a:r>
-              <a:rPr lang="en-US" sz="2400" dirty="0" smtClean="0"/>
-              <a:t>-Body problem may be developed with the formal properties of </a:t>
-            </a:r>
-            <a:r>
-              <a:rPr lang="en-US" sz="2400" b="1" i="1" dirty="0" err="1" smtClean="0"/>
-              <a:t>generacity</a:t>
-            </a:r>
-            <a:r>
-              <a:rPr lang="en-US" sz="2400" dirty="0" smtClean="0"/>
-              <a:t>,</a:t>
-            </a:r>
-            <a:r>
-              <a:rPr lang="en-US" sz="2400" dirty="0"/>
-              <a:t> </a:t>
-            </a:r>
-            <a:r>
-              <a:rPr lang="en-US" sz="2400" dirty="0" smtClean="0"/>
-              <a:t>involving map, fold, reduce &amp; </a:t>
-            </a:r>
-            <a:r>
-              <a:rPr lang="en-US" sz="2400" i="1" dirty="0" smtClean="0"/>
-              <a:t>etc</a:t>
-            </a:r>
-            <a:r>
-              <a:rPr lang="en-US" sz="2400" dirty="0" smtClean="0"/>
-              <a:t>.  </a:t>
-            </a:r>
-            <a:r>
-              <a:rPr lang="en-US" sz="2400" u="sng" dirty="0" smtClean="0"/>
-              <a:t>Examples</a:t>
-            </a:r>
-            <a:r>
-              <a:rPr lang="en-US" sz="2400" dirty="0" smtClean="0"/>
-              <a:t>:  the parallel map skeleton, algorithmic skeleton frameworks and so on. </a:t>
-            </a:r>
-          </a:p>
-          <a:p>
-            <a:pPr marL="457200" indent="-457200">
-              <a:spcBef>
-                <a:spcPts val="1200"/>
-              </a:spcBef>
-              <a:spcAft>
-                <a:spcPts val="1200"/>
-              </a:spcAft>
-              <a:buFont typeface="Arial" pitchFamily="34" charset="0"/>
-              <a:buChar char="•"/>
-            </a:pPr>
-            <a:endParaRPr lang="en-US" sz="2400" b="1" dirty="0"/>
-          </a:p>
-          <a:p>
-            <a:pPr>
-              <a:spcBef>
-                <a:spcPts val="1200"/>
-              </a:spcBef>
-              <a:spcAft>
-                <a:spcPts val="1200"/>
-              </a:spcAft>
-            </a:pPr>
-            <a:endParaRPr lang="en-US" sz="2400" b="1" dirty="0"/>
+              <a:rPr lang="en-US" sz="3200" b="1" i="1" dirty="0" smtClean="0">
+                <a:latin typeface="Comic Sans MS" pitchFamily="66" charset="0"/>
+              </a:rPr>
+              <a:t>                              </a:t>
+            </a:r>
+            <a:r>
+              <a:rPr lang="en-US" sz="3200" b="1" dirty="0" smtClean="0">
+                <a:latin typeface="Comic Sans MS" pitchFamily="66" charset="0"/>
+              </a:rPr>
+              <a:t>- </a:t>
+            </a:r>
+            <a:r>
+              <a:rPr lang="en-US" sz="3200" dirty="0" smtClean="0">
+                <a:latin typeface="Comic Sans MS" pitchFamily="66" charset="0"/>
+              </a:rPr>
+              <a:t>Bruce Lee</a:t>
+            </a:r>
+          </a:p>
+        </p:txBody>
+      </p:sp>
+      <p:sp>
+        <p:nvSpPr>
+          <p:cNvPr id="6" name="TextBox 5"/>
+          <p:cNvSpPr txBox="1"/>
+          <p:nvPr/>
+        </p:nvSpPr>
+        <p:spPr>
+          <a:xfrm>
+            <a:off x="305467" y="3595807"/>
+            <a:ext cx="8381333" cy="1661993"/>
+          </a:xfrm>
+          <a:prstGeom prst="rect">
+            <a:avLst/>
+          </a:prstGeom>
+          <a:noFill/>
+        </p:spPr>
+        <p:txBody>
+          <a:bodyPr wrap="none" rtlCol="0">
+            <a:spAutoFit/>
+          </a:bodyPr>
+          <a:lstStyle/>
+          <a:p>
+            <a:pPr algn="r"/>
+            <a:r>
+              <a:rPr lang="en-US" sz="3400" dirty="0" smtClean="0">
+                <a:latin typeface="+mj-lt"/>
+              </a:rPr>
+              <a:t>Matt </a:t>
+            </a:r>
+            <a:r>
+              <a:rPr lang="en-US" sz="3400" dirty="0" err="1" smtClean="0">
+                <a:latin typeface="+mj-lt"/>
+              </a:rPr>
+              <a:t>Challacombe</a:t>
+            </a:r>
+            <a:r>
+              <a:rPr lang="en-US" sz="3400" dirty="0" smtClean="0">
+                <a:latin typeface="+mj-lt"/>
+              </a:rPr>
+              <a:t>, Nicolas Bock &amp; Terry Haut</a:t>
+            </a:r>
+          </a:p>
+          <a:p>
+            <a:pPr algn="r"/>
+            <a:r>
+              <a:rPr lang="en-US" sz="3400" dirty="0" smtClean="0">
+                <a:latin typeface="+mj-lt"/>
+              </a:rPr>
+              <a:t>Los Alamos National Laboratory</a:t>
+            </a:r>
+          </a:p>
+          <a:p>
+            <a:pPr algn="r"/>
+            <a:r>
+              <a:rPr lang="en-US" sz="3400" dirty="0">
+                <a:latin typeface="+mj-lt"/>
+              </a:rPr>
+              <a:t>m</a:t>
+            </a:r>
+            <a:r>
+              <a:rPr lang="en-US" sz="3400" dirty="0" smtClean="0">
+                <a:latin typeface="+mj-lt"/>
+              </a:rPr>
+              <a:t>att.challacombe@freeon.org</a:t>
+            </a:r>
+            <a:endParaRPr lang="en-US" sz="3400" dirty="0">
+              <a:latin typeface="+mj-lt"/>
+            </a:endParaRPr>
+          </a:p>
+        </p:txBody>
+      </p:sp>
+      <p:sp>
+        <p:nvSpPr>
+          <p:cNvPr id="8" name="TextBox 7"/>
+          <p:cNvSpPr txBox="1"/>
+          <p:nvPr/>
+        </p:nvSpPr>
+        <p:spPr>
+          <a:xfrm>
+            <a:off x="152400" y="5562600"/>
+            <a:ext cx="8802410" cy="1138773"/>
+          </a:xfrm>
+          <a:prstGeom prst="rect">
+            <a:avLst/>
+          </a:prstGeom>
+          <a:noFill/>
+        </p:spPr>
+        <p:txBody>
+          <a:bodyPr wrap="none" rtlCol="0">
+            <a:spAutoFit/>
+          </a:bodyPr>
+          <a:lstStyle/>
+          <a:p>
+            <a:r>
+              <a:rPr lang="en-US" sz="1400" b="1" dirty="0" smtClean="0">
+                <a:latin typeface="Courier New" pitchFamily="49" charset="0"/>
+                <a:cs typeface="Courier New" pitchFamily="49" charset="0"/>
+              </a:rPr>
+              <a:t>Spooky Stuff: LA-UR-10-07458//LA-UR 11-06091//LA-UR-14-22050//LA-UR-14-20354</a:t>
+            </a:r>
+          </a:p>
+          <a:p>
+            <a:r>
+              <a:rPr lang="en-US" sz="2000" dirty="0" smtClean="0">
+                <a:latin typeface="Courier New" pitchFamily="49" charset="0"/>
+                <a:cs typeface="Courier New" pitchFamily="49" charset="0"/>
+              </a:rPr>
+              <a:t>Sponsored by: </a:t>
+            </a:r>
+            <a:r>
+              <a:rPr lang="en-US" sz="2000" b="1" dirty="0" smtClean="0">
+                <a:latin typeface="Courier New" pitchFamily="49" charset="0"/>
+                <a:cs typeface="Courier New" pitchFamily="49" charset="0"/>
+              </a:rPr>
+              <a:t>DOE LDRD-ER grant 20110230ER</a:t>
+            </a:r>
+            <a:r>
+              <a:rPr lang="en-US" sz="2000" dirty="0" smtClean="0">
+                <a:latin typeface="Courier New" pitchFamily="49" charset="0"/>
+                <a:cs typeface="Courier New" pitchFamily="49" charset="0"/>
+              </a:rPr>
+              <a:t> &amp; </a:t>
+            </a:r>
+            <a:r>
+              <a:rPr lang="en-US" sz="2000" dirty="0" err="1" smtClean="0">
+                <a:latin typeface="Courier New" pitchFamily="49" charset="0"/>
+                <a:cs typeface="Courier New" pitchFamily="49" charset="0"/>
+              </a:rPr>
+              <a:t>TenBar</a:t>
+            </a:r>
+            <a:r>
+              <a:rPr lang="en-US" sz="2000" dirty="0" smtClean="0">
+                <a:latin typeface="Courier New" pitchFamily="49" charset="0"/>
+                <a:cs typeface="Courier New" pitchFamily="49" charset="0"/>
+              </a:rPr>
+              <a:t> Café</a:t>
+            </a:r>
+          </a:p>
+          <a:p>
+            <a:endParaRPr lang="en-US" sz="2000" b="1" dirty="0" smtClean="0">
+              <a:latin typeface="Courier New" pitchFamily="49" charset="0"/>
+              <a:cs typeface="Courier New" pitchFamily="49" charset="0"/>
+            </a:endParaRPr>
+          </a:p>
+          <a:p>
+            <a:endParaRPr lang="en-US" sz="1400" b="1" dirty="0">
+              <a:latin typeface="Courier New" pitchFamily="49" charset="0"/>
+              <a:cs typeface="Courier New" pitchFamily="49" charset="0"/>
+            </a:endParaRPr>
           </a:p>
         </p:txBody>
       </p:sp>
     </p:spTree>
     <p:extLst>
       <p:ext uri="{BB962C8B-B14F-4D97-AF65-F5344CB8AC3E}">
-        <p14:creationId xmlns:p14="http://schemas.microsoft.com/office/powerpoint/2010/main" val="2396267564"/>
+        <p14:creationId xmlns:p14="http://schemas.microsoft.com/office/powerpoint/2010/main" val="1940773506"/>
+      </p:ext>
+    </p:extLst>
+  </p:cSld>
+  <p:clrMapOvr>
+    <a:masterClrMapping/>
+  </p:clrMapOvr>
+  <p:timing>
+    <p:tnLst>
+      <p:par>
+        <p:cTn id="1" dur="indefinite" restart="never" nodeType="tmRoot"/>
+      </p:par>
+    </p:tnLst>
+  </p:timing>
+</p:sld>
+</file>
+
+<file path=ppt/slides/slide10.xml><?xml version="1.0" encoding="utf-8"?>
+<p:sld xmlns:a="http://schemas.openxmlformats.org/drawingml/2006/main" xmlns:r="http://schemas.openxmlformats.org/officeDocument/2006/relationships" xmlns:p="http://schemas.openxmlformats.org/presentationml/2006/main">
+  <p:cSld>
+    <p:spTree>
+      <p:nvGrpSpPr>
+        <p:cNvPr id="1" name=""/>
+        <p:cNvGrpSpPr/>
+        <p:nvPr/>
+      </p:nvGrpSpPr>
+      <p:grpSpPr>
+        <a:xfrm>
+          <a:off x="0" y="0"/>
+          <a:ext cx="0" cy="0"/>
+          <a:chOff x="0" y="0"/>
+          <a:chExt cx="0" cy="0"/>
+        </a:xfrm>
+      </p:grpSpPr>
+      <p:sp>
+        <p:nvSpPr>
+          <p:cNvPr id="2" name="Title 1"/>
+          <p:cNvSpPr>
+            <a:spLocks noGrp="1"/>
+          </p:cNvSpPr>
+          <p:nvPr>
+            <p:ph type="title"/>
+          </p:nvPr>
+        </p:nvSpPr>
+        <p:spPr/>
+        <p:txBody>
+          <a:bodyPr/>
+          <a:lstStyle/>
+          <a:p>
+            <a:endParaRPr lang="en-US" dirty="0"/>
+          </a:p>
+        </p:txBody>
+      </p:sp>
+      <p:sp>
+        <p:nvSpPr>
+          <p:cNvPr id="3" name="Content Placeholder 2"/>
+          <p:cNvSpPr>
+            <a:spLocks noGrp="1"/>
+          </p:cNvSpPr>
+          <p:nvPr>
+            <p:ph idx="1"/>
+          </p:nvPr>
+        </p:nvSpPr>
+        <p:spPr/>
+        <p:txBody>
+          <a:bodyPr/>
+          <a:lstStyle/>
+          <a:p>
+            <a:endParaRPr lang="en-US" dirty="0"/>
+          </a:p>
+        </p:txBody>
+      </p:sp>
+    </p:spTree>
+    <p:extLst>
+      <p:ext uri="{BB962C8B-B14F-4D97-AF65-F5344CB8AC3E}">
+        <p14:creationId xmlns:p14="http://schemas.microsoft.com/office/powerpoint/2010/main" val="3920787778"/>
       </p:ext>
     </p:extLst>
   </p:cSld>
@@ -3979,7 +4202,1519 @@
 </p:sld>
 </file>
 
-<file path=ppt/slides/slide10.xml><?xml version="1.0" encoding="utf-8"?>
+<file path=ppt/slides/slide11.xml><?xml version="1.0" encoding="utf-8"?>
+<p:sld xmlns:a="http://schemas.openxmlformats.org/drawingml/2006/main" xmlns:r="http://schemas.openxmlformats.org/officeDocument/2006/relationships" xmlns:p="http://schemas.openxmlformats.org/presentationml/2006/main">
+  <p:cSld>
+    <p:spTree>
+      <p:nvGrpSpPr>
+        <p:cNvPr id="1" name=""/>
+        <p:cNvGrpSpPr/>
+        <p:nvPr/>
+      </p:nvGrpSpPr>
+      <p:grpSpPr>
+        <a:xfrm>
+          <a:off x="0" y="0"/>
+          <a:ext cx="0" cy="0"/>
+          <a:chOff x="0" y="0"/>
+          <a:chExt cx="0" cy="0"/>
+        </a:xfrm>
+      </p:grpSpPr>
+      <p:sp>
+        <p:nvSpPr>
+          <p:cNvPr id="13" name="Line Callout 1 (Border and Accent Bar) 12"/>
+          <p:cNvSpPr/>
+          <p:nvPr/>
+        </p:nvSpPr>
+        <p:spPr>
+          <a:xfrm flipH="1">
+            <a:off x="2510291" y="2895600"/>
+            <a:ext cx="2473960" cy="1000780"/>
+          </a:xfrm>
+          <a:prstGeom prst="accentBorderCallout1">
+            <a:avLst>
+              <a:gd name="adj1" fmla="val 18750"/>
+              <a:gd name="adj2" fmla="val -8333"/>
+              <a:gd name="adj3" fmla="val 51587"/>
+              <a:gd name="adj4" fmla="val -18054"/>
+            </a:avLst>
+          </a:prstGeom>
+          <a:ln w="38100">
+            <a:solidFill>
+              <a:schemeClr val="accent3">
+                <a:alpha val="47000"/>
+              </a:schemeClr>
+            </a:solidFill>
+          </a:ln>
+        </p:spPr>
+        <p:style>
+          <a:lnRef idx="2">
+            <a:schemeClr val="accent3"/>
+          </a:lnRef>
+          <a:fillRef idx="1">
+            <a:schemeClr val="lt1"/>
+          </a:fillRef>
+          <a:effectRef idx="0">
+            <a:schemeClr val="accent3"/>
+          </a:effectRef>
+          <a:fontRef idx="minor">
+            <a:schemeClr val="dk1"/>
+          </a:fontRef>
+        </p:style>
+        <p:txBody>
+          <a:bodyPr rtlCol="0" anchor="ctr"/>
+          <a:lstStyle/>
+          <a:p>
+            <a:pPr algn="ctr"/>
+            <a:endParaRPr lang="en-US"/>
+          </a:p>
+        </p:txBody>
+      </p:sp>
+      <p:sp>
+        <p:nvSpPr>
+          <p:cNvPr id="8" name="Line Callout 3 7"/>
+          <p:cNvSpPr/>
+          <p:nvPr/>
+        </p:nvSpPr>
+        <p:spPr>
+          <a:xfrm>
+            <a:off x="2545851" y="2915590"/>
+            <a:ext cx="1524000" cy="914400"/>
+          </a:xfrm>
+          <a:prstGeom prst="borderCallout3">
+            <a:avLst>
+              <a:gd name="adj1" fmla="val 18750"/>
+              <a:gd name="adj2" fmla="val -8333"/>
+              <a:gd name="adj3" fmla="val 18750"/>
+              <a:gd name="adj4" fmla="val -16667"/>
+              <a:gd name="adj5" fmla="val 100000"/>
+              <a:gd name="adj6" fmla="val -16667"/>
+              <a:gd name="adj7" fmla="val 129630"/>
+              <a:gd name="adj8" fmla="val 5001"/>
+            </a:avLst>
+          </a:prstGeom>
+        </p:spPr>
+        <p:style>
+          <a:lnRef idx="1">
+            <a:schemeClr val="accent4"/>
+          </a:lnRef>
+          <a:fillRef idx="2">
+            <a:schemeClr val="accent4"/>
+          </a:fillRef>
+          <a:effectRef idx="1">
+            <a:schemeClr val="accent4"/>
+          </a:effectRef>
+          <a:fontRef idx="minor">
+            <a:schemeClr val="dk1"/>
+          </a:fontRef>
+        </p:style>
+        <p:txBody>
+          <a:bodyPr rtlCol="0" anchor="ctr"/>
+          <a:lstStyle/>
+          <a:p>
+            <a:pPr algn="ctr"/>
+            <a:endParaRPr lang="en-US">
+              <a:solidFill>
+                <a:schemeClr val="accent4">
+                  <a:lumMod val="20000"/>
+                  <a:lumOff val="80000"/>
+                </a:schemeClr>
+              </a:solidFill>
+            </a:endParaRPr>
+          </a:p>
+        </p:txBody>
+      </p:sp>
+      <mc:AlternateContent xmlns:mc="http://schemas.openxmlformats.org/markup-compatibility/2006" xmlns:a14="http://schemas.microsoft.com/office/drawing/2010/main">
+        <mc:Choice Requires="a14">
+          <p:sp>
+            <p:nvSpPr>
+              <p:cNvPr id="4" name="TextBox 3"/>
+              <p:cNvSpPr txBox="1"/>
+              <p:nvPr/>
+            </p:nvSpPr>
+            <p:spPr>
+              <a:xfrm>
+                <a:off x="717051" y="2991790"/>
+                <a:ext cx="4267200" cy="707886"/>
+              </a:xfrm>
+              <a:prstGeom prst="rect">
+                <a:avLst/>
+              </a:prstGeom>
+              <a:noFill/>
+            </p:spPr>
+            <p:txBody>
+              <a:bodyPr wrap="square" rtlCol="0">
+                <a:spAutoFit/>
+              </a:bodyPr>
+              <a:lstStyle/>
+              <a:p>
+                <a:pPr/>
+                <a14:m>
+                  <m:oMathPara xmlns:m="http://schemas.openxmlformats.org/officeDocument/2006/math">
+                    <m:oMathParaPr>
+                      <m:jc m:val="centerGroup"/>
+                    </m:oMathParaPr>
+                    <m:oMath xmlns:m="http://schemas.openxmlformats.org/officeDocument/2006/math">
+                      <m:r>
+                        <a:rPr lang="en-US" sz="4000" b="1" i="1" smtClean="0">
+                          <a:latin typeface="Cambria Math"/>
+                        </a:rPr>
+                        <m:t>𝒙</m:t>
+                      </m:r>
+                      <m:r>
+                        <a:rPr lang="en-US" sz="4000" b="0" i="1" baseline="-25000" smtClean="0">
+                          <a:latin typeface="Cambria Math"/>
+                        </a:rPr>
+                        <m:t>𝑘</m:t>
+                      </m:r>
+                      <m:r>
+                        <a:rPr lang="en-US" sz="4000" b="0" i="1" baseline="-15000" smtClean="0">
+                          <a:latin typeface="Cambria Math"/>
+                        </a:rPr>
+                        <m:t>+</m:t>
+                      </m:r>
+                      <m:r>
+                        <a:rPr lang="en-US" sz="4000" b="0" i="1" baseline="-25000" smtClean="0">
+                          <a:latin typeface="Cambria Math"/>
+                        </a:rPr>
+                        <m:t>1</m:t>
+                      </m:r>
+                      <m:r>
+                        <a:rPr lang="en-US" sz="4000" b="0" i="1" smtClean="0">
+                          <a:latin typeface="Cambria Math"/>
+                        </a:rPr>
+                        <m:t>=</m:t>
+                      </m:r>
+                      <m:d>
+                        <m:dPr>
+                          <m:begChr m:val="⟨"/>
+                          <m:endChr m:val="⟩"/>
+                          <m:ctrlPr>
+                            <a:rPr lang="en-US" sz="4000" i="1" smtClean="0">
+                              <a:latin typeface="Cambria Math"/>
+                            </a:rPr>
+                          </m:ctrlPr>
+                        </m:dPr>
+                        <m:e>
+                          <m:r>
+                            <a:rPr lang="en-US" sz="4000" b="1" i="1" smtClean="0">
+                              <a:latin typeface="Cambria Math"/>
+                            </a:rPr>
+                            <m:t>𝒛</m:t>
+                          </m:r>
+                          <m:r>
+                            <a:rPr lang="en-US" sz="4000" b="1" i="1" baseline="30000" smtClean="0">
+                              <a:latin typeface="Cambria Math"/>
+                            </a:rPr>
+                            <m:t>𝒕</m:t>
+                          </m:r>
+                          <m:r>
+                            <a:rPr lang="en-US" sz="4000" b="0" i="1" baseline="-25000" smtClean="0">
+                              <a:latin typeface="Cambria Math"/>
+                            </a:rPr>
+                            <m:t>𝑘</m:t>
+                          </m:r>
+                        </m:e>
+                        <m:e>
+                          <m:r>
+                            <a:rPr lang="en-US" sz="4000" b="0" i="1" smtClean="0">
+                              <a:latin typeface="Cambria Math"/>
+                            </a:rPr>
+                            <m:t> </m:t>
+                          </m:r>
+                          <m:r>
+                            <a:rPr lang="en-US" sz="4000" b="1" i="1" smtClean="0">
+                              <a:latin typeface="Cambria Math"/>
+                            </a:rPr>
+                            <m:t>𝒔</m:t>
+                          </m:r>
+                          <m:r>
+                            <a:rPr lang="en-US" sz="4000" b="1" i="1" smtClean="0">
+                              <a:latin typeface="Cambria Math"/>
+                            </a:rPr>
+                            <m:t> </m:t>
+                          </m:r>
+                        </m:e>
+                        <m:e>
+                          <m:r>
+                            <a:rPr lang="en-US" sz="4000" b="1" i="1" smtClean="0">
+                              <a:latin typeface="Cambria Math"/>
+                            </a:rPr>
+                            <m:t>𝒛</m:t>
+                          </m:r>
+                          <m:r>
+                            <a:rPr lang="en-US" sz="4000" b="0" i="1" baseline="-25000" smtClean="0">
+                              <a:latin typeface="Cambria Math"/>
+                            </a:rPr>
+                            <m:t>𝑘</m:t>
+                          </m:r>
+                        </m:e>
+                      </m:d>
+                    </m:oMath>
+                  </m:oMathPara>
+                </a14:m>
+                <a:endParaRPr lang="en-US" sz="4000" dirty="0"/>
+              </a:p>
+            </p:txBody>
+          </p:sp>
+        </mc:Choice>
+        <mc:Fallback xmlns="">
+          <p:sp>
+            <p:nvSpPr>
+              <p:cNvPr id="4" name="TextBox 3"/>
+              <p:cNvSpPr txBox="1">
+                <a:spLocks noRot="1" noChangeAspect="1" noMove="1" noResize="1" noEditPoints="1" noAdjustHandles="1" noChangeArrowheads="1" noChangeShapeType="1" noTextEdit="1"/>
+              </p:cNvSpPr>
+              <p:nvPr/>
+            </p:nvSpPr>
+            <p:spPr>
+              <a:xfrm>
+                <a:off x="717051" y="2991790"/>
+                <a:ext cx="4267200" cy="707886"/>
+              </a:xfrm>
+              <a:prstGeom prst="rect">
+                <a:avLst/>
+              </a:prstGeom>
+              <a:blipFill rotWithShape="1">
+                <a:blip r:embed="rId2"/>
+                <a:stretch>
+                  <a:fillRect/>
+                </a:stretch>
+              </a:blipFill>
+            </p:spPr>
+            <p:txBody>
+              <a:bodyPr/>
+              <a:lstStyle/>
+              <a:p>
+                <a:r>
+                  <a:rPr lang="en-US">
+                    <a:noFill/>
+                  </a:rPr>
+                  <a:t> </a:t>
+                </a:r>
+              </a:p>
+            </p:txBody>
+          </p:sp>
+        </mc:Fallback>
+      </mc:AlternateContent>
+      <mc:AlternateContent xmlns:mc="http://schemas.openxmlformats.org/markup-compatibility/2006">
+        <mc:Choice xmlns:a14="http://schemas.microsoft.com/office/drawing/2010/main" Requires="a14">
+          <p:sp>
+            <p:nvSpPr>
+              <p:cNvPr id="9" name="TextBox 8"/>
+              <p:cNvSpPr txBox="1"/>
+              <p:nvPr/>
+            </p:nvSpPr>
+            <p:spPr>
+              <a:xfrm>
+                <a:off x="152400" y="240804"/>
+                <a:ext cx="8915400" cy="6478697"/>
+              </a:xfrm>
+              <a:prstGeom prst="rect">
+                <a:avLst/>
+              </a:prstGeom>
+              <a:noFill/>
+            </p:spPr>
+            <p:txBody>
+              <a:bodyPr wrap="square" rtlCol="0">
+                <a:spAutoFit/>
+              </a:bodyPr>
+              <a:lstStyle/>
+              <a:p>
+                <a:pPr>
+                  <a:spcBef>
+                    <a:spcPts val="1000"/>
+                  </a:spcBef>
+                  <a:spcAft>
+                    <a:spcPts val="800"/>
+                  </a:spcAft>
+                </a:pPr>
+                <a:r>
+                  <a:rPr lang="en-US" sz="3200" b="1" dirty="0" smtClean="0">
+                    <a:latin typeface="Comic Sans MS" pitchFamily="66" charset="0"/>
+                  </a:rPr>
+                  <a:t>Stabilizing </a:t>
+                </a:r>
+                <a:r>
+                  <a:rPr lang="en-US" sz="3200" b="1" dirty="0" err="1" smtClean="0">
+                    <a:latin typeface="Comic Sans MS" pitchFamily="66" charset="0"/>
+                  </a:rPr>
+                  <a:t>SpAMM</a:t>
+                </a:r>
+                <a:r>
+                  <a:rPr lang="en-US" sz="3200" b="1" dirty="0" smtClean="0">
+                    <a:latin typeface="Comic Sans MS" pitchFamily="66" charset="0"/>
+                  </a:rPr>
+                  <a:t> </a:t>
+                </a:r>
+                <a:endParaRPr lang="en-US" sz="3200" dirty="0" smtClean="0">
+                  <a:latin typeface="Comic Sans MS" pitchFamily="66" charset="0"/>
+                </a:endParaRPr>
+              </a:p>
+              <a:p>
+                <a:pPr marL="457200" indent="-457200">
+                  <a:spcBef>
+                    <a:spcPts val="1000"/>
+                  </a:spcBef>
+                  <a:spcAft>
+                    <a:spcPts val="800"/>
+                  </a:spcAft>
+                  <a:buFont typeface="Arial" pitchFamily="34" charset="0"/>
+                  <a:buChar char="•"/>
+                </a:pPr>
+                <a:r>
+                  <a:rPr lang="en-US" sz="2800" dirty="0" smtClean="0"/>
+                  <a:t>Under severe ill-conditioning, double precision is unstable unless stabilized by the left transpose.</a:t>
+                </a:r>
+              </a:p>
+              <a:p>
+                <a:pPr marL="457200" indent="-457200">
+                  <a:spcBef>
+                    <a:spcPts val="1000"/>
+                  </a:spcBef>
+                  <a:spcAft>
+                    <a:spcPts val="800"/>
+                  </a:spcAft>
+                  <a:buFont typeface="Arial" pitchFamily="34" charset="0"/>
+                  <a:buChar char="•"/>
+                </a:pPr>
+                <a:r>
+                  <a:rPr lang="en-US" sz="2800" dirty="0" smtClean="0"/>
+                  <a:t>Left-right </a:t>
+                </a:r>
+                <a:r>
+                  <a:rPr lang="en-US" sz="2800" dirty="0" smtClean="0"/>
+                  <a:t>stabilized </a:t>
+                </a:r>
+                <a:r>
+                  <a:rPr lang="en-US" sz="2800" dirty="0" err="1" smtClean="0"/>
+                  <a:t>SpAMM</a:t>
+                </a:r>
+                <a:r>
+                  <a:rPr lang="en-US" sz="2800" dirty="0" smtClean="0"/>
+                  <a:t> contraction:  </a:t>
+                </a:r>
+              </a:p>
+              <a:p>
+                <a:pPr marL="457200" indent="-457200">
+                  <a:spcBef>
+                    <a:spcPts val="1000"/>
+                  </a:spcBef>
+                  <a:spcAft>
+                    <a:spcPts val="800"/>
+                  </a:spcAft>
+                  <a:buFont typeface="Arial" pitchFamily="34" charset="0"/>
+                  <a:buChar char="•"/>
+                </a:pPr>
+                <a:endParaRPr lang="en-US" sz="2800" dirty="0"/>
+              </a:p>
+              <a:p>
+                <a:pPr marL="457200" indent="-457200">
+                  <a:spcBef>
+                    <a:spcPts val="1000"/>
+                  </a:spcBef>
+                  <a:spcAft>
+                    <a:spcPts val="800"/>
+                  </a:spcAft>
+                  <a:buFont typeface="Arial" pitchFamily="34" charset="0"/>
+                  <a:buChar char="•"/>
+                </a:pPr>
+                <a:endParaRPr lang="en-US" sz="2800" dirty="0" smtClean="0"/>
+              </a:p>
+              <a:p>
+                <a:pPr>
+                  <a:spcBef>
+                    <a:spcPts val="1000"/>
+                  </a:spcBef>
+                  <a:spcAft>
+                    <a:spcPts val="800"/>
+                  </a:spcAft>
+                </a:pPr>
+                <a:endParaRPr lang="en-US" sz="2800" dirty="0" smtClean="0"/>
+              </a:p>
+              <a:p>
+                <a:pPr marL="457200" indent="-457200">
+                  <a:spcBef>
+                    <a:spcPts val="1000"/>
+                  </a:spcBef>
+                  <a:spcAft>
+                    <a:spcPts val="800"/>
+                  </a:spcAft>
+                  <a:buFont typeface="Arial" pitchFamily="34" charset="0"/>
+                  <a:buChar char="•"/>
+                </a:pPr>
+                <a:r>
+                  <a:rPr lang="en-US" sz="2800" dirty="0" smtClean="0"/>
+                  <a:t>Still, </a:t>
+                </a:r>
+                <a:r>
+                  <a:rPr lang="en-US" sz="2800" dirty="0" err="1" smtClean="0"/>
+                  <a:t>SpAMM</a:t>
+                </a:r>
+                <a:r>
+                  <a:rPr lang="en-US" sz="2800" dirty="0" smtClean="0"/>
+                  <a:t> introduces a (small) twist in the full matrix; the asymmetric (full) case is more forgiving with respect to approximation (</a:t>
+                </a:r>
+                <a14:m>
+                  <m:oMath xmlns:m="http://schemas.openxmlformats.org/officeDocument/2006/math">
+                    <m:r>
+                      <a:rPr lang="en-US" sz="2800" b="1" i="1" smtClean="0">
+                        <a:solidFill>
+                          <a:schemeClr val="tx1"/>
+                        </a:solidFill>
+                        <a:latin typeface="Cambria Math"/>
+                        <a:ea typeface="Cambria Math"/>
+                      </a:rPr>
+                      <m:t>𝝉</m:t>
+                    </m:r>
+                  </m:oMath>
+                </a14:m>
+                <a:r>
+                  <a:rPr lang="en-US" sz="2800" dirty="0" smtClean="0"/>
+                  <a:t>), relative to </a:t>
+                </a:r>
+                <a:r>
+                  <a:rPr lang="en-US" sz="2800" dirty="0" smtClean="0"/>
+                  <a:t>symmetric </a:t>
+                </a:r>
+                <a:r>
+                  <a:rPr lang="en-US" sz="2800" dirty="0" smtClean="0"/>
+                  <a:t>versions</a:t>
+                </a:r>
+                <a:r>
+                  <a:rPr lang="en-US" sz="2800" dirty="0" smtClean="0"/>
+                  <a:t>.  </a:t>
+                </a:r>
+                <a:endParaRPr lang="en-US" sz="2800" dirty="0"/>
+              </a:p>
+              <a:p>
+                <a:pPr>
+                  <a:spcBef>
+                    <a:spcPts val="1000"/>
+                  </a:spcBef>
+                  <a:spcAft>
+                    <a:spcPts val="800"/>
+                  </a:spcAft>
+                </a:pPr>
+                <a:endParaRPr lang="en-US" sz="2800" dirty="0"/>
+              </a:p>
+            </p:txBody>
+          </p:sp>
+        </mc:Choice>
+        <mc:Fallback>
+          <p:sp>
+            <p:nvSpPr>
+              <p:cNvPr id="9" name="TextBox 8"/>
+              <p:cNvSpPr txBox="1">
+                <a:spLocks noRot="1" noChangeAspect="1" noMove="1" noResize="1" noEditPoints="1" noAdjustHandles="1" noChangeArrowheads="1" noChangeShapeType="1" noTextEdit="1"/>
+              </p:cNvSpPr>
+              <p:nvPr/>
+            </p:nvSpPr>
+            <p:spPr>
+              <a:xfrm>
+                <a:off x="152400" y="240804"/>
+                <a:ext cx="8915400" cy="6478697"/>
+              </a:xfrm>
+              <a:prstGeom prst="rect">
+                <a:avLst/>
+              </a:prstGeom>
+              <a:blipFill rotWithShape="1">
+                <a:blip r:embed="rId3"/>
+                <a:stretch>
+                  <a:fillRect l="-1709" t="-1224" r="-547"/>
+                </a:stretch>
+              </a:blipFill>
+            </p:spPr>
+            <p:txBody>
+              <a:bodyPr/>
+              <a:lstStyle/>
+              <a:p>
+                <a:r>
+                  <a:rPr lang="en-US">
+                    <a:noFill/>
+                  </a:rPr>
+                  <a:t> </a:t>
+                </a:r>
+              </a:p>
+            </p:txBody>
+          </p:sp>
+        </mc:Fallback>
+      </mc:AlternateContent>
+      <mc:AlternateContent xmlns:mc="http://schemas.openxmlformats.org/markup-compatibility/2006" xmlns:a14="http://schemas.microsoft.com/office/drawing/2010/main">
+        <mc:Choice Requires="a14">
+          <p:sp>
+            <p:nvSpPr>
+              <p:cNvPr id="10" name="TextBox 9"/>
+              <p:cNvSpPr txBox="1"/>
+              <p:nvPr/>
+            </p:nvSpPr>
+            <p:spPr>
+              <a:xfrm>
+                <a:off x="2587752" y="4020073"/>
+                <a:ext cx="4478727" cy="830997"/>
+              </a:xfrm>
+              <a:prstGeom prst="rect">
+                <a:avLst/>
+              </a:prstGeom>
+              <a:noFill/>
+            </p:spPr>
+            <p:txBody>
+              <a:bodyPr wrap="none" rtlCol="0">
+                <a:spAutoFit/>
+              </a:bodyPr>
+              <a:lstStyle/>
+              <a:p>
+                <a:r>
+                  <a:rPr lang="en-US" sz="2400" b="1" dirty="0" smtClean="0">
+                    <a:solidFill>
+                      <a:srgbClr val="7030A0"/>
+                    </a:solidFill>
+                  </a:rPr>
+                  <a:t>left (T): first, </a:t>
+                </a:r>
+                <a:r>
+                  <a:rPr lang="en-US" sz="2400" b="1" dirty="0" err="1" smtClean="0">
+                    <a:solidFill>
+                      <a:srgbClr val="7030A0"/>
+                    </a:solidFill>
+                  </a:rPr>
+                  <a:t>SpAMM</a:t>
+                </a:r>
+                <a:r>
+                  <a:rPr lang="en-US" sz="2400" b="1" dirty="0" smtClean="0">
+                    <a:solidFill>
+                      <a:srgbClr val="7030A0"/>
+                    </a:solidFill>
+                  </a:rPr>
+                  <a:t> @ </a:t>
+                </a:r>
+                <a:r>
+                  <a:rPr lang="en-US" sz="2400" b="1" baseline="-10000" dirty="0" smtClean="0">
+                    <a:solidFill>
+                      <a:srgbClr val="7030A0"/>
+                    </a:solidFill>
+                  </a:rPr>
+                  <a:t>~</a:t>
+                </a:r>
+                <a:r>
+                  <a:rPr lang="en-US" sz="2400" b="1" dirty="0" smtClean="0">
+                    <a:solidFill>
+                      <a:srgbClr val="7030A0"/>
+                    </a:solidFill>
+                  </a:rPr>
+                  <a:t>1d-2 </a:t>
+                </a:r>
+                <a14:m>
+                  <m:oMath xmlns:m="http://schemas.openxmlformats.org/officeDocument/2006/math">
+                    <m:r>
+                      <a:rPr lang="en-US" sz="2400" b="1" i="1" smtClean="0">
+                        <a:solidFill>
+                          <a:srgbClr val="7030A0"/>
+                        </a:solidFill>
+                        <a:latin typeface="Cambria Math"/>
+                        <a:ea typeface="Cambria Math"/>
+                      </a:rPr>
+                      <m:t>×</m:t>
+                    </m:r>
+                    <m:r>
+                      <a:rPr lang="en-US" sz="2400" b="1" i="1" smtClean="0">
+                        <a:solidFill>
+                          <a:srgbClr val="7030A0"/>
+                        </a:solidFill>
+                        <a:latin typeface="Cambria Math"/>
+                        <a:ea typeface="Cambria Math"/>
+                      </a:rPr>
+                      <m:t>𝝉</m:t>
+                    </m:r>
+                  </m:oMath>
+                </a14:m>
+                <a:endParaRPr lang="en-US" sz="2400" b="1" dirty="0">
+                  <a:solidFill>
+                    <a:srgbClr val="7030A0"/>
+                  </a:solidFill>
+                </a:endParaRPr>
+              </a:p>
+              <a:p>
+                <a:r>
+                  <a:rPr lang="en-US" sz="2400" b="1" dirty="0" smtClean="0">
+                    <a:solidFill>
+                      <a:srgbClr val="7030A0"/>
+                    </a:solidFill>
+                  </a:rPr>
+                  <a:t> </a:t>
+                </a:r>
+                <a:endParaRPr lang="en-US" sz="2400" b="1" dirty="0">
+                  <a:solidFill>
+                    <a:srgbClr val="7030A0"/>
+                  </a:solidFill>
+                </a:endParaRPr>
+              </a:p>
+            </p:txBody>
+          </p:sp>
+        </mc:Choice>
+        <mc:Fallback xmlns="">
+          <p:sp>
+            <p:nvSpPr>
+              <p:cNvPr id="10" name="TextBox 9"/>
+              <p:cNvSpPr txBox="1">
+                <a:spLocks noRot="1" noChangeAspect="1" noMove="1" noResize="1" noEditPoints="1" noAdjustHandles="1" noChangeArrowheads="1" noChangeShapeType="1" noTextEdit="1"/>
+              </p:cNvSpPr>
+              <p:nvPr/>
+            </p:nvSpPr>
+            <p:spPr>
+              <a:xfrm>
+                <a:off x="2587752" y="4020073"/>
+                <a:ext cx="4478727" cy="830997"/>
+              </a:xfrm>
+              <a:prstGeom prst="rect">
+                <a:avLst/>
+              </a:prstGeom>
+              <a:blipFill rotWithShape="1">
+                <a:blip r:embed="rId4"/>
+                <a:stretch>
+                  <a:fillRect l="-2180" t="-5839"/>
+                </a:stretch>
+              </a:blipFill>
+            </p:spPr>
+            <p:txBody>
+              <a:bodyPr/>
+              <a:lstStyle/>
+              <a:p>
+                <a:r>
+                  <a:rPr lang="en-US">
+                    <a:noFill/>
+                  </a:rPr>
+                  <a:t> </a:t>
+                </a:r>
+              </a:p>
+            </p:txBody>
+          </p:sp>
+        </mc:Fallback>
+      </mc:AlternateContent>
+      <mc:AlternateContent xmlns:mc="http://schemas.openxmlformats.org/markup-compatibility/2006" xmlns:a14="http://schemas.microsoft.com/office/drawing/2010/main">
+        <mc:Choice Requires="a14">
+          <p:sp>
+            <p:nvSpPr>
+              <p:cNvPr id="14" name="TextBox 13"/>
+              <p:cNvSpPr txBox="1"/>
+              <p:nvPr/>
+            </p:nvSpPr>
+            <p:spPr>
+              <a:xfrm>
+                <a:off x="5405891" y="3248243"/>
+                <a:ext cx="2940549" cy="830997"/>
+              </a:xfrm>
+              <a:prstGeom prst="rect">
+                <a:avLst/>
+              </a:prstGeom>
+              <a:noFill/>
+            </p:spPr>
+            <p:txBody>
+              <a:bodyPr wrap="none" rtlCol="0">
+                <a:spAutoFit/>
+              </a:bodyPr>
+              <a:lstStyle/>
+              <a:p>
+                <a:r>
+                  <a:rPr lang="en-US" sz="2400" b="1" dirty="0" smtClean="0">
+                    <a:solidFill>
+                      <a:srgbClr val="00B050"/>
+                    </a:solidFill>
+                  </a:rPr>
+                  <a:t>right(N): </a:t>
+                </a:r>
+                <a:r>
+                  <a:rPr lang="en-US" sz="2400" b="1" dirty="0" err="1" smtClean="0">
+                    <a:solidFill>
+                      <a:srgbClr val="00B050"/>
+                    </a:solidFill>
+                  </a:rPr>
+                  <a:t>SpAMM</a:t>
+                </a:r>
+                <a:r>
+                  <a:rPr lang="en-US" sz="2400" b="1" dirty="0" smtClean="0">
+                    <a:solidFill>
+                      <a:srgbClr val="00B050"/>
+                    </a:solidFill>
+                  </a:rPr>
+                  <a:t> @ </a:t>
+                </a:r>
+                <a14:m>
+                  <m:oMath xmlns:m="http://schemas.openxmlformats.org/officeDocument/2006/math">
+                    <m:r>
+                      <a:rPr lang="en-US" sz="2400" b="1" i="1" smtClean="0">
+                        <a:solidFill>
+                          <a:srgbClr val="00B050"/>
+                        </a:solidFill>
+                        <a:latin typeface="Cambria Math"/>
+                        <a:ea typeface="Cambria Math"/>
+                      </a:rPr>
+                      <m:t>𝝉</m:t>
+                    </m:r>
+                  </m:oMath>
+                </a14:m>
+                <a:endParaRPr lang="en-US" sz="2400" b="1" dirty="0">
+                  <a:solidFill>
+                    <a:srgbClr val="00B050"/>
+                  </a:solidFill>
+                </a:endParaRPr>
+              </a:p>
+              <a:p>
+                <a:r>
+                  <a:rPr lang="en-US" sz="2400" b="1" dirty="0" smtClean="0">
+                    <a:solidFill>
+                      <a:srgbClr val="7030A0"/>
+                    </a:solidFill>
+                  </a:rPr>
+                  <a:t> </a:t>
+                </a:r>
+                <a:endParaRPr lang="en-US" sz="2400" b="1" dirty="0">
+                  <a:solidFill>
+                    <a:srgbClr val="7030A0"/>
+                  </a:solidFill>
+                </a:endParaRPr>
+              </a:p>
+            </p:txBody>
+          </p:sp>
+        </mc:Choice>
+        <mc:Fallback xmlns="">
+          <p:sp>
+            <p:nvSpPr>
+              <p:cNvPr id="14" name="TextBox 13"/>
+              <p:cNvSpPr txBox="1">
+                <a:spLocks noRot="1" noChangeAspect="1" noMove="1" noResize="1" noEditPoints="1" noAdjustHandles="1" noChangeArrowheads="1" noChangeShapeType="1" noTextEdit="1"/>
+              </p:cNvSpPr>
+              <p:nvPr/>
+            </p:nvSpPr>
+            <p:spPr>
+              <a:xfrm>
+                <a:off x="5405891" y="3248243"/>
+                <a:ext cx="2940549" cy="830997"/>
+              </a:xfrm>
+              <a:prstGeom prst="rect">
+                <a:avLst/>
+              </a:prstGeom>
+              <a:blipFill rotWithShape="1">
+                <a:blip r:embed="rId5"/>
+                <a:stretch>
+                  <a:fillRect l="-3320" t="-5882"/>
+                </a:stretch>
+              </a:blipFill>
+            </p:spPr>
+            <p:txBody>
+              <a:bodyPr/>
+              <a:lstStyle/>
+              <a:p>
+                <a:r>
+                  <a:rPr lang="en-US">
+                    <a:noFill/>
+                  </a:rPr>
+                  <a:t> </a:t>
+                </a:r>
+              </a:p>
+            </p:txBody>
+          </p:sp>
+        </mc:Fallback>
+      </mc:AlternateContent>
+    </p:spTree>
+    <p:extLst>
+      <p:ext uri="{BB962C8B-B14F-4D97-AF65-F5344CB8AC3E}">
+        <p14:creationId xmlns:p14="http://schemas.microsoft.com/office/powerpoint/2010/main" val="1943025631"/>
+      </p:ext>
+    </p:extLst>
+  </p:cSld>
+  <p:clrMapOvr>
+    <a:masterClrMapping/>
+  </p:clrMapOvr>
+</p:sld>
+</file>
+
+<file path=ppt/slides/slide12.xml><?xml version="1.0" encoding="utf-8"?>
+<p:sld xmlns:a="http://schemas.openxmlformats.org/drawingml/2006/main" xmlns:r="http://schemas.openxmlformats.org/officeDocument/2006/relationships" xmlns:p="http://schemas.openxmlformats.org/presentationml/2006/main">
+  <p:cSld>
+    <p:spTree>
+      <p:nvGrpSpPr>
+        <p:cNvPr id="1" name=""/>
+        <p:cNvGrpSpPr/>
+        <p:nvPr/>
+      </p:nvGrpSpPr>
+      <p:grpSpPr>
+        <a:xfrm>
+          <a:off x="0" y="0"/>
+          <a:ext cx="0" cy="0"/>
+          <a:chOff x="0" y="0"/>
+          <a:chExt cx="0" cy="0"/>
+        </a:xfrm>
+      </p:grpSpPr>
+      <p:pic>
+        <p:nvPicPr>
+          <p:cNvPr id="9" name="Picture 8"/>
+          <p:cNvPicPr>
+            <a:picLocks noChangeAspect="1"/>
+          </p:cNvPicPr>
+          <p:nvPr/>
+        </p:nvPicPr>
+        <p:blipFill rotWithShape="1">
+          <a:blip r:embed="rId3" cstate="print">
+            <a:extLst>
+              <a:ext uri="{28A0092B-C50C-407E-A947-70E740481C1C}">
+                <a14:useLocalDpi xmlns:a14="http://schemas.microsoft.com/office/drawing/2010/main" val="0"/>
+              </a:ext>
+            </a:extLst>
+          </a:blip>
+          <a:srcRect l="21200" r="20133"/>
+          <a:stretch/>
+        </p:blipFill>
+        <p:spPr>
+          <a:xfrm>
+            <a:off x="6370320" y="6001443"/>
+            <a:ext cx="484632" cy="826077"/>
+          </a:xfrm>
+          <a:prstGeom prst="rect">
+            <a:avLst/>
+          </a:prstGeom>
+        </p:spPr>
+      </p:pic>
+      <p:pic>
+        <p:nvPicPr>
+          <p:cNvPr id="7" name="Picture 6"/>
+          <p:cNvPicPr>
+            <a:picLocks noChangeAspect="1"/>
+          </p:cNvPicPr>
+          <p:nvPr/>
+        </p:nvPicPr>
+        <p:blipFill rotWithShape="1">
+          <a:blip r:embed="rId4" cstate="print">
+            <a:extLst>
+              <a:ext uri="{28A0092B-C50C-407E-A947-70E740481C1C}">
+                <a14:useLocalDpi xmlns:a14="http://schemas.microsoft.com/office/drawing/2010/main" val="0"/>
+              </a:ext>
+            </a:extLst>
+          </a:blip>
+          <a:srcRect l="16747" t="3713" r="15732" b="8254"/>
+          <a:stretch/>
+        </p:blipFill>
+        <p:spPr>
+          <a:xfrm>
+            <a:off x="1963692" y="6090921"/>
+            <a:ext cx="502920" cy="655707"/>
+          </a:xfrm>
+          <a:prstGeom prst="rect">
+            <a:avLst/>
+          </a:prstGeom>
+        </p:spPr>
+      </p:pic>
+      <p:pic>
+        <p:nvPicPr>
+          <p:cNvPr id="8" name="Picture 7"/>
+          <p:cNvPicPr>
+            <a:picLocks noChangeAspect="1"/>
+          </p:cNvPicPr>
+          <p:nvPr/>
+        </p:nvPicPr>
+        <p:blipFill>
+          <a:blip r:embed="rId5">
+            <a:extLst>
+              <a:ext uri="{28A0092B-C50C-407E-A947-70E740481C1C}">
+                <a14:useLocalDpi xmlns:a14="http://schemas.microsoft.com/office/drawing/2010/main" val="0"/>
+              </a:ext>
+            </a:extLst>
+          </a:blip>
+          <a:stretch>
+            <a:fillRect/>
+          </a:stretch>
+        </p:blipFill>
+        <p:spPr>
+          <a:xfrm>
+            <a:off x="685800" y="1595120"/>
+            <a:ext cx="7863839" cy="4669155"/>
+          </a:xfrm>
+          <a:prstGeom prst="rect">
+            <a:avLst/>
+          </a:prstGeom>
+        </p:spPr>
+      </p:pic>
+      <mc:AlternateContent xmlns:mc="http://schemas.openxmlformats.org/markup-compatibility/2006" xmlns:a14="http://schemas.microsoft.com/office/drawing/2010/main">
+        <mc:Choice Requires="a14">
+          <p:sp>
+            <p:nvSpPr>
+              <p:cNvPr id="12" name="TextBox 11"/>
+              <p:cNvSpPr txBox="1"/>
+              <p:nvPr/>
+            </p:nvSpPr>
+            <p:spPr>
+              <a:xfrm>
+                <a:off x="1371600" y="2161163"/>
+                <a:ext cx="5791200" cy="2246769"/>
+              </a:xfrm>
+              <a:prstGeom prst="rect">
+                <a:avLst/>
+              </a:prstGeom>
+              <a:solidFill>
+                <a:schemeClr val="lt1">
+                  <a:alpha val="77000"/>
+                </a:schemeClr>
+              </a:solidFill>
+            </p:spPr>
+            <p:txBody>
+              <a:bodyPr wrap="square" rtlCol="0">
+                <a:spAutoFit/>
+              </a:bodyPr>
+              <a:lstStyle/>
+              <a:p>
+                <a:pPr marL="342900" indent="-342900">
+                  <a:spcBef>
+                    <a:spcPts val="600"/>
+                  </a:spcBef>
+                  <a:spcAft>
+                    <a:spcPts val="600"/>
+                  </a:spcAft>
+                  <a:buFont typeface="Arial" pitchFamily="34" charset="0"/>
+                  <a:buChar char="•"/>
+                </a:pPr>
+                <a:r>
+                  <a:rPr lang="en-US" sz="2400" b="1" dirty="0" smtClean="0">
+                    <a:solidFill>
+                      <a:schemeClr val="accent1">
+                        <a:lumMod val="75000"/>
+                      </a:schemeClr>
+                    </a:solidFill>
+                  </a:rPr>
+                  <a:t>Inflections spread, map ruggedized.  </a:t>
+                </a:r>
+              </a:p>
+              <a:p>
+                <a:pPr marL="342900" indent="-342900">
+                  <a:spcBef>
+                    <a:spcPts val="600"/>
+                  </a:spcBef>
+                  <a:spcAft>
+                    <a:spcPts val="600"/>
+                  </a:spcAft>
+                  <a:buFont typeface="Arial" pitchFamily="34" charset="0"/>
+                  <a:buChar char="•"/>
+                </a:pPr>
+                <a:r>
+                  <a:rPr lang="en-US" sz="2400" b="1" dirty="0">
+                    <a:solidFill>
+                      <a:schemeClr val="accent1">
+                        <a:lumMod val="75000"/>
+                      </a:schemeClr>
+                    </a:solidFill>
+                  </a:rPr>
+                  <a:t>M</a:t>
+                </a:r>
+                <a:r>
+                  <a:rPr lang="en-US" sz="2400" b="1" dirty="0" smtClean="0">
+                    <a:solidFill>
+                      <a:schemeClr val="accent1">
+                        <a:lumMod val="75000"/>
+                      </a:schemeClr>
+                    </a:solidFill>
+                  </a:rPr>
+                  <a:t>in eigenvalue lost: </a:t>
+                </a:r>
+                <a14:m>
+                  <m:oMath xmlns:m="http://schemas.openxmlformats.org/officeDocument/2006/math">
+                    <m:r>
+                      <a:rPr lang="en-US" sz="2400" b="1" i="1" smtClean="0">
+                        <a:solidFill>
+                          <a:schemeClr val="accent1">
+                            <a:lumMod val="75000"/>
+                          </a:schemeClr>
+                        </a:solidFill>
+                        <a:latin typeface="Cambria Math"/>
+                        <a:ea typeface="Cambria Math"/>
+                      </a:rPr>
+                      <m:t>𝒙</m:t>
+                    </m:r>
+                    <m:r>
+                      <a:rPr lang="en-US" sz="2400" b="1" i="1" baseline="-25000" smtClean="0">
+                        <a:solidFill>
+                          <a:schemeClr val="accent1">
+                            <a:lumMod val="75000"/>
+                          </a:schemeClr>
+                        </a:solidFill>
+                        <a:latin typeface="Cambria Math"/>
+                        <a:ea typeface="Cambria Math"/>
+                      </a:rPr>
+                      <m:t>𝒐</m:t>
+                    </m:r>
+                    <m:r>
+                      <a:rPr lang="en-US" sz="2400" b="1" i="1" baseline="-5000" smtClean="0">
+                        <a:solidFill>
+                          <a:schemeClr val="accent1">
+                            <a:lumMod val="75000"/>
+                          </a:schemeClr>
+                        </a:solidFill>
+                        <a:latin typeface="Cambria Math"/>
+                        <a:ea typeface="Cambria Math"/>
+                      </a:rPr>
+                      <m:t>∓</m:t>
+                    </m:r>
+                    <m:r>
+                      <a:rPr lang="en-US" sz="2400" b="1" i="1" smtClean="0">
+                        <a:solidFill>
+                          <a:schemeClr val="accent1">
+                            <a:lumMod val="75000"/>
+                          </a:schemeClr>
+                        </a:solidFill>
+                        <a:latin typeface="Cambria Math"/>
+                        <a:ea typeface="Cambria Math"/>
+                      </a:rPr>
+                      <m:t>𝜹</m:t>
+                    </m:r>
+                    <m:d>
+                      <m:dPr>
+                        <m:ctrlPr>
+                          <a:rPr lang="en-US" sz="2400" b="1" i="1" smtClean="0">
+                            <a:solidFill>
+                              <a:schemeClr val="accent1">
+                                <a:lumMod val="75000"/>
+                              </a:schemeClr>
+                            </a:solidFill>
+                            <a:latin typeface="Cambria Math"/>
+                            <a:ea typeface="Cambria Math"/>
+                          </a:rPr>
+                        </m:ctrlPr>
+                      </m:dPr>
+                      <m:e>
+                        <m:r>
+                          <a:rPr lang="en-US" sz="2400" b="1" i="1" smtClean="0">
+                            <a:solidFill>
+                              <a:schemeClr val="accent1">
+                                <a:lumMod val="75000"/>
+                              </a:schemeClr>
+                            </a:solidFill>
+                            <a:latin typeface="Cambria Math"/>
+                            <a:ea typeface="Cambria Math"/>
+                          </a:rPr>
+                          <m:t>𝝉</m:t>
+                        </m:r>
+                      </m:e>
+                    </m:d>
+                  </m:oMath>
+                </a14:m>
+                <a:r>
+                  <a:rPr lang="en-US" sz="2400" b="1" dirty="0" smtClean="0">
+                    <a:solidFill>
+                      <a:schemeClr val="accent1">
+                        <a:lumMod val="75000"/>
+                      </a:schemeClr>
+                    </a:solidFill>
+                  </a:rPr>
+                  <a:t>.  Scaling acceleration less than </a:t>
+                </a:r>
+                <a:r>
+                  <a:rPr lang="en-US" sz="2400" b="1" i="1" dirty="0" smtClean="0">
+                    <a:solidFill>
+                      <a:schemeClr val="accent1">
+                        <a:lumMod val="75000"/>
+                      </a:schemeClr>
+                    </a:solidFill>
+                  </a:rPr>
+                  <a:t>2.85</a:t>
+                </a:r>
+                <a:r>
+                  <a:rPr lang="en-US" sz="2400" b="1" baseline="-5000" dirty="0" smtClean="0">
+                    <a:solidFill>
+                      <a:schemeClr val="accent1">
+                        <a:lumMod val="75000"/>
+                      </a:schemeClr>
+                    </a:solidFill>
+                    <a:sym typeface="Wingdings 2"/>
+                  </a:rPr>
+                  <a:t></a:t>
+                </a:r>
+                <a:r>
+                  <a:rPr lang="en-US" sz="2400" b="1" dirty="0" smtClean="0">
+                    <a:solidFill>
+                      <a:schemeClr val="accent1">
+                        <a:lumMod val="75000"/>
+                      </a:schemeClr>
+                    </a:solidFill>
+                  </a:rPr>
+                  <a:t> </a:t>
+                </a:r>
+              </a:p>
+              <a:p>
+                <a:pPr marL="342900" indent="-342900">
+                  <a:spcBef>
+                    <a:spcPts val="600"/>
+                  </a:spcBef>
+                  <a:spcAft>
+                    <a:spcPts val="600"/>
+                  </a:spcAft>
+                  <a:buFont typeface="Arial" pitchFamily="34" charset="0"/>
+                  <a:buChar char="•"/>
+                </a:pPr>
+                <a:r>
+                  <a:rPr lang="en-US" sz="2400" b="1" dirty="0">
+                    <a:solidFill>
+                      <a:schemeClr val="accent1">
+                        <a:lumMod val="75000"/>
+                      </a:schemeClr>
+                    </a:solidFill>
+                  </a:rPr>
+                  <a:t>H</a:t>
+                </a:r>
+                <a:r>
+                  <a:rPr lang="en-US" sz="2400" b="1" dirty="0" smtClean="0">
+                    <a:solidFill>
+                      <a:schemeClr val="accent1">
+                        <a:lumMod val="75000"/>
+                      </a:schemeClr>
+                    </a:solidFill>
+                  </a:rPr>
+                  <a:t>ow much acceleration can be kept under extreme conditions? </a:t>
+                </a:r>
+                <a:endParaRPr lang="en-US" sz="2400" b="1" dirty="0">
+                  <a:solidFill>
+                    <a:schemeClr val="accent1">
+                      <a:lumMod val="75000"/>
+                    </a:schemeClr>
+                  </a:solidFill>
+                </a:endParaRPr>
+              </a:p>
+            </p:txBody>
+          </p:sp>
+        </mc:Choice>
+        <mc:Fallback xmlns="">
+          <p:sp>
+            <p:nvSpPr>
+              <p:cNvPr id="12" name="TextBox 11"/>
+              <p:cNvSpPr txBox="1">
+                <a:spLocks noRot="1" noChangeAspect="1" noMove="1" noResize="1" noEditPoints="1" noAdjustHandles="1" noChangeArrowheads="1" noChangeShapeType="1" noTextEdit="1"/>
+              </p:cNvSpPr>
+              <p:nvPr/>
+            </p:nvSpPr>
+            <p:spPr>
+              <a:xfrm>
+                <a:off x="1371600" y="2161163"/>
+                <a:ext cx="5791200" cy="2246769"/>
+              </a:xfrm>
+              <a:prstGeom prst="rect">
+                <a:avLst/>
+              </a:prstGeom>
+              <a:blipFill rotWithShape="1">
+                <a:blip r:embed="rId6"/>
+                <a:stretch>
+                  <a:fillRect l="-1368" t="-2174" b="-5435"/>
+                </a:stretch>
+              </a:blipFill>
+            </p:spPr>
+            <p:txBody>
+              <a:bodyPr/>
+              <a:lstStyle/>
+              <a:p>
+                <a:r>
+                  <a:rPr lang="en-US">
+                    <a:noFill/>
+                  </a:rPr>
+                  <a:t> </a:t>
+                </a:r>
+              </a:p>
+            </p:txBody>
+          </p:sp>
+        </mc:Fallback>
+      </mc:AlternateContent>
+      <mc:AlternateContent xmlns:mc="http://schemas.openxmlformats.org/markup-compatibility/2006">
+        <mc:Choice xmlns:a14="http://schemas.microsoft.com/office/drawing/2010/main" Requires="a14">
+          <p:sp>
+            <p:nvSpPr>
+              <p:cNvPr id="13" name="Rectangle 12"/>
+              <p:cNvSpPr/>
+              <p:nvPr/>
+            </p:nvSpPr>
+            <p:spPr>
+              <a:xfrm>
+                <a:off x="381000" y="122872"/>
+                <a:ext cx="8534400" cy="1477328"/>
+              </a:xfrm>
+              <a:prstGeom prst="rect">
+                <a:avLst/>
+              </a:prstGeom>
+            </p:spPr>
+            <p:txBody>
+              <a:bodyPr wrap="square">
+                <a:spAutoFit/>
+              </a:bodyPr>
+              <a:lstStyle/>
+              <a:p>
+                <a:pPr>
+                  <a:spcBef>
+                    <a:spcPts val="600"/>
+                  </a:spcBef>
+                  <a:spcAft>
+                    <a:spcPts val="600"/>
+                  </a:spcAft>
+                </a:pPr>
+                <a:r>
+                  <a:rPr lang="en-US" sz="3200" b="1" dirty="0" smtClean="0">
+                    <a:latin typeface="Comic Sans MS" pitchFamily="66" charset="0"/>
+                  </a:rPr>
+                  <a:t>A Ruggedized, Scaled Newton-</a:t>
+                </a:r>
+                <a:r>
+                  <a:rPr lang="en-US" sz="3200" b="1" dirty="0" err="1" smtClean="0">
+                    <a:latin typeface="Comic Sans MS" pitchFamily="66" charset="0"/>
+                  </a:rPr>
+                  <a:t>Shulz</a:t>
+                </a:r>
+                <a:r>
+                  <a:rPr lang="en-US" sz="3200" b="1" dirty="0" smtClean="0">
+                    <a:latin typeface="Comic Sans MS" pitchFamily="66" charset="0"/>
+                  </a:rPr>
+                  <a:t> Map</a:t>
+                </a:r>
+              </a:p>
+              <a:p>
+                <a:pPr>
+                  <a:spcBef>
+                    <a:spcPts val="600"/>
+                  </a:spcBef>
+                  <a:spcAft>
+                    <a:spcPts val="600"/>
+                  </a:spcAft>
+                </a:pPr>
+                <a:r>
+                  <a:rPr lang="en-US" sz="2400" dirty="0" smtClean="0"/>
+                  <a:t>Ill-conditioning and </a:t>
+                </a:r>
+                <a:r>
+                  <a:rPr lang="en-US" sz="2400" dirty="0" err="1" smtClean="0"/>
+                  <a:t>SpAMM</a:t>
+                </a:r>
+                <a:r>
+                  <a:rPr lang="en-US" sz="2400" dirty="0"/>
+                  <a:t> </a:t>
+                </a:r>
+                <a:r>
+                  <a:rPr lang="en-US" sz="2400" dirty="0" smtClean="0"/>
+                  <a:t>can bounce EVs out of bounds by </a:t>
+                </a:r>
+                <a14:m>
+                  <m:oMath xmlns:m="http://schemas.openxmlformats.org/officeDocument/2006/math">
+                    <m:r>
+                      <a:rPr lang="en-US" sz="2400" i="1" baseline="-5000" smtClean="0">
+                        <a:latin typeface="Cambria Math"/>
+                        <a:ea typeface="Cambria Math"/>
+                      </a:rPr>
+                      <m:t>∓</m:t>
+                    </m:r>
+                    <m:r>
+                      <a:rPr lang="en-US" sz="2400" i="1" smtClean="0">
+                        <a:latin typeface="Cambria Math"/>
+                        <a:ea typeface="Cambria Math"/>
+                      </a:rPr>
+                      <m:t>𝛿</m:t>
+                    </m:r>
+                    <m:d>
+                      <m:dPr>
+                        <m:ctrlPr>
+                          <a:rPr lang="en-US" sz="2400" i="1" smtClean="0">
+                            <a:latin typeface="Cambria Math"/>
+                            <a:ea typeface="Cambria Math"/>
+                          </a:rPr>
+                        </m:ctrlPr>
+                      </m:dPr>
+                      <m:e>
+                        <m:r>
+                          <a:rPr lang="en-US" sz="2400" i="1" smtClean="0">
+                            <a:latin typeface="Cambria Math"/>
+                            <a:ea typeface="Cambria Math"/>
+                          </a:rPr>
+                          <m:t>𝜏</m:t>
+                        </m:r>
+                      </m:e>
+                    </m:d>
+                  </m:oMath>
+                </a14:m>
+                <a:r>
+                  <a:rPr lang="en-US" sz="2400" dirty="0" smtClean="0"/>
+                  <a:t>.   </a:t>
+                </a:r>
+                <a:r>
+                  <a:rPr lang="en-US" sz="3600" b="1" baseline="-10000" dirty="0" smtClean="0">
+                    <a:sym typeface="Wingdings"/>
+                  </a:rPr>
+                  <a:t></a:t>
+                </a:r>
+                <a:r>
+                  <a:rPr lang="en-US" sz="2400" b="1" dirty="0" smtClean="0">
+                    <a:sym typeface="Wingdings"/>
+                  </a:rPr>
+                  <a:t> </a:t>
+                </a:r>
+                <a:r>
+                  <a:rPr lang="en-US" sz="2400" dirty="0" smtClean="0">
+                    <a:sym typeface="Wingdings"/>
+                  </a:rPr>
+                  <a:t>stabilize by spreading 0/1 inflections by </a:t>
+                </a:r>
+                <a14:m>
+                  <m:oMath xmlns:m="http://schemas.openxmlformats.org/officeDocument/2006/math">
+                    <m:r>
+                      <a:rPr lang="en-US" sz="2400" i="1" baseline="-5000" smtClean="0">
+                        <a:latin typeface="Cambria Math"/>
+                        <a:ea typeface="Cambria Math"/>
+                      </a:rPr>
+                      <m:t>∓</m:t>
+                    </m:r>
+                    <m:r>
+                      <a:rPr lang="en-US" sz="2400" i="1" smtClean="0">
+                        <a:latin typeface="Cambria Math"/>
+                        <a:ea typeface="Cambria Math"/>
+                      </a:rPr>
+                      <m:t>𝛿</m:t>
+                    </m:r>
+                  </m:oMath>
+                </a14:m>
+                <a:r>
+                  <a:rPr lang="en-US" sz="2400" dirty="0" smtClean="0"/>
+                  <a:t>.</a:t>
+                </a:r>
+                <a:endParaRPr lang="en-US" sz="2400" dirty="0"/>
+              </a:p>
+            </p:txBody>
+          </p:sp>
+        </mc:Choice>
+        <mc:Fallback>
+          <p:sp>
+            <p:nvSpPr>
+              <p:cNvPr id="13" name="Rectangle 12"/>
+              <p:cNvSpPr>
+                <a:spLocks noRot="1" noChangeAspect="1" noMove="1" noResize="1" noEditPoints="1" noAdjustHandles="1" noChangeArrowheads="1" noChangeShapeType="1" noTextEdit="1"/>
+              </p:cNvSpPr>
+              <p:nvPr/>
+            </p:nvSpPr>
+            <p:spPr>
+              <a:xfrm>
+                <a:off x="381000" y="122872"/>
+                <a:ext cx="8534400" cy="1477328"/>
+              </a:xfrm>
+              <a:prstGeom prst="rect">
+                <a:avLst/>
+              </a:prstGeom>
+              <a:blipFill rotWithShape="1">
+                <a:blip r:embed="rId7"/>
+                <a:stretch>
+                  <a:fillRect l="-1857" t="-5350" r="-71" b="-10700"/>
+                </a:stretch>
+              </a:blipFill>
+            </p:spPr>
+            <p:txBody>
+              <a:bodyPr/>
+              <a:lstStyle/>
+              <a:p>
+                <a:r>
+                  <a:rPr lang="en-US">
+                    <a:noFill/>
+                  </a:rPr>
+                  <a:t> </a:t>
+                </a:r>
+              </a:p>
+            </p:txBody>
+          </p:sp>
+        </mc:Fallback>
+      </mc:AlternateContent>
+      <p:sp>
+        <p:nvSpPr>
+          <p:cNvPr id="15" name="Striped Right Arrow 14"/>
+          <p:cNvSpPr/>
+          <p:nvPr/>
+        </p:nvSpPr>
+        <p:spPr>
+          <a:xfrm flipH="1">
+            <a:off x="1605280" y="5892800"/>
+            <a:ext cx="487680" cy="147320"/>
+          </a:xfrm>
+          <a:prstGeom prst="stripedRightArrow">
+            <a:avLst/>
+          </a:prstGeom>
+        </p:spPr>
+        <p:style>
+          <a:lnRef idx="1">
+            <a:schemeClr val="accent3"/>
+          </a:lnRef>
+          <a:fillRef idx="2">
+            <a:schemeClr val="accent3"/>
+          </a:fillRef>
+          <a:effectRef idx="1">
+            <a:schemeClr val="accent3"/>
+          </a:effectRef>
+          <a:fontRef idx="minor">
+            <a:schemeClr val="dk1"/>
+          </a:fontRef>
+        </p:style>
+        <p:txBody>
+          <a:bodyPr rtlCol="0" anchor="ctr"/>
+          <a:lstStyle/>
+          <a:p>
+            <a:pPr algn="ctr"/>
+            <a:endParaRPr lang="en-US">
+              <a:solidFill>
+                <a:srgbClr val="00B050"/>
+              </a:solidFill>
+            </a:endParaRPr>
+          </a:p>
+        </p:txBody>
+      </p:sp>
+      <p:sp>
+        <p:nvSpPr>
+          <p:cNvPr id="16" name="Striped Right Arrow 15"/>
+          <p:cNvSpPr/>
+          <p:nvPr/>
+        </p:nvSpPr>
+        <p:spPr>
+          <a:xfrm>
+            <a:off x="6471920" y="5894416"/>
+            <a:ext cx="538480" cy="145704"/>
+          </a:xfrm>
+          <a:prstGeom prst="stripedRightArrow">
+            <a:avLst/>
+          </a:prstGeom>
+        </p:spPr>
+        <p:style>
+          <a:lnRef idx="1">
+            <a:schemeClr val="accent3"/>
+          </a:lnRef>
+          <a:fillRef idx="2">
+            <a:schemeClr val="accent3"/>
+          </a:fillRef>
+          <a:effectRef idx="1">
+            <a:schemeClr val="accent3"/>
+          </a:effectRef>
+          <a:fontRef idx="minor">
+            <a:schemeClr val="dk1"/>
+          </a:fontRef>
+        </p:style>
+        <p:txBody>
+          <a:bodyPr rtlCol="0" anchor="ctr"/>
+          <a:lstStyle/>
+          <a:p>
+            <a:pPr algn="ctr"/>
+            <a:endParaRPr lang="en-US">
+              <a:solidFill>
+                <a:srgbClr val="FF0000"/>
+              </a:solidFill>
+            </a:endParaRPr>
+          </a:p>
+        </p:txBody>
+      </p:sp>
+    </p:spTree>
+    <p:extLst>
+      <p:ext uri="{BB962C8B-B14F-4D97-AF65-F5344CB8AC3E}">
+        <p14:creationId xmlns:p14="http://schemas.microsoft.com/office/powerpoint/2010/main" val="422847147"/>
+      </p:ext>
+    </p:extLst>
+  </p:cSld>
+  <p:clrMapOvr>
+    <a:masterClrMapping/>
+  </p:clrMapOvr>
+</p:sld>
+</file>
+
+<file path=ppt/slides/slide13.xml><?xml version="1.0" encoding="utf-8"?>
 <p:sld xmlns:a="http://schemas.openxmlformats.org/drawingml/2006/main" xmlns:r="http://schemas.openxmlformats.org/officeDocument/2006/relationships" xmlns:p="http://schemas.openxmlformats.org/presentationml/2006/main">
   <p:cSld>
     <p:spTree>
@@ -4057,7 +5792,7 @@
 </p:sld>
 </file>
 
-<file path=ppt/slides/slide11.xml><?xml version="1.0" encoding="utf-8"?>
+<file path=ppt/slides/slide14.xml><?xml version="1.0" encoding="utf-8"?>
 <p:sld xmlns:a="http://schemas.openxmlformats.org/drawingml/2006/main" xmlns:r="http://schemas.openxmlformats.org/officeDocument/2006/relationships" xmlns:p="http://schemas.openxmlformats.org/presentationml/2006/main">
   <p:cSld>
     <p:spTree>
@@ -5546,35 +7281,6 @@
           </p:sp>
         </mc:Fallback>
       </mc:AlternateContent>
-      <p:pic>
-        <p:nvPicPr>
-          <p:cNvPr id="6" name="Picture 5"/>
-          <p:cNvPicPr>
-            <a:picLocks noChangeAspect="1"/>
-          </p:cNvPicPr>
-          <p:nvPr/>
-        </p:nvPicPr>
-        <p:blipFill rotWithShape="1">
-          <a:blip r:embed="rId3" cstate="print">
-            <a:extLst>
-              <a:ext uri="{28A0092B-C50C-407E-A947-70E740481C1C}">
-                <a14:useLocalDpi xmlns:a14="http://schemas.microsoft.com/office/drawing/2010/main" val="0"/>
-              </a:ext>
-            </a:extLst>
-          </a:blip>
-          <a:srcRect t="-1927" r="10968" b="3556"/>
-          <a:stretch/>
-        </p:blipFill>
-        <p:spPr>
-          <a:xfrm>
-            <a:off x="396240" y="914400"/>
-            <a:ext cx="822960" cy="1050719"/>
-          </a:xfrm>
-          <a:prstGeom prst="rect">
-            <a:avLst/>
-          </a:prstGeom>
-        </p:spPr>
-      </p:pic>
       <mc:AlternateContent xmlns:mc="http://schemas.openxmlformats.org/markup-compatibility/2006">
         <mc:Choice xmlns:a14="http://schemas.microsoft.com/office/drawing/2010/main" Requires="a14">
           <p:sp>
@@ -5869,7 +7575,7 @@
                 <a:avLst/>
               </a:prstGeom>
               <a:blipFill rotWithShape="1">
-                <a:blip r:embed="rId4"/>
+                <a:blip r:embed="rId3"/>
                 <a:stretch>
                   <a:fillRect l="-1075" t="-2827" r="-910" b="-7067"/>
                 </a:stretch>
@@ -5890,6 +7596,35 @@
           </p:sp>
         </mc:Fallback>
       </mc:AlternateContent>
+      <p:pic>
+        <p:nvPicPr>
+          <p:cNvPr id="9" name="Picture 8"/>
+          <p:cNvPicPr>
+            <a:picLocks noChangeAspect="1"/>
+          </p:cNvPicPr>
+          <p:nvPr/>
+        </p:nvPicPr>
+        <p:blipFill rotWithShape="1">
+          <a:blip r:embed="rId4" cstate="print">
+            <a:extLst>
+              <a:ext uri="{28A0092B-C50C-407E-A947-70E740481C1C}">
+                <a14:useLocalDpi xmlns:a14="http://schemas.microsoft.com/office/drawing/2010/main" val="0"/>
+              </a:ext>
+            </a:extLst>
+          </a:blip>
+          <a:srcRect l="21200" r="20133"/>
+          <a:stretch/>
+        </p:blipFill>
+        <p:spPr>
+          <a:xfrm>
+            <a:off x="381000" y="761999"/>
+            <a:ext cx="914400" cy="1558634"/>
+          </a:xfrm>
+          <a:prstGeom prst="rect">
+            <a:avLst/>
+          </a:prstGeom>
+        </p:spPr>
+      </p:pic>
     </p:spTree>
     <p:extLst>
       <p:ext uri="{BB962C8B-B14F-4D97-AF65-F5344CB8AC3E}">
@@ -5903,7 +7638,7 @@
 </p:sld>
 </file>
 
-<file path=ppt/slides/slide12.xml><?xml version="1.0" encoding="utf-8"?>
+<file path=ppt/slides/slide15.xml><?xml version="1.0" encoding="utf-8"?>
 <p:sld xmlns:a="http://schemas.openxmlformats.org/drawingml/2006/main" xmlns:r="http://schemas.openxmlformats.org/officeDocument/2006/relationships" xmlns:p="http://schemas.openxmlformats.org/presentationml/2006/main">
   <p:cSld>
     <p:bg>
@@ -6999,7 +8734,7 @@
 </p:sld>
 </file>
 
-<file path=ppt/slides/slide13.xml><?xml version="1.0" encoding="utf-8"?>
+<file path=ppt/slides/slide16.xml><?xml version="1.0" encoding="utf-8"?>
 <p:sld xmlns:a="http://schemas.openxmlformats.org/drawingml/2006/main" xmlns:r="http://schemas.openxmlformats.org/officeDocument/2006/relationships" xmlns:p="http://schemas.openxmlformats.org/presentationml/2006/main">
   <p:cSld>
     <p:spTree>
@@ -7018,6 +8753,35 @@
       </p:grpSpPr>
       <p:pic>
         <p:nvPicPr>
+          <p:cNvPr id="7" name="Picture 6"/>
+          <p:cNvPicPr>
+            <a:picLocks noChangeAspect="1"/>
+          </p:cNvPicPr>
+          <p:nvPr/>
+        </p:nvPicPr>
+        <p:blipFill rotWithShape="1">
+          <a:blip r:embed="rId2" cstate="print">
+            <a:extLst>
+              <a:ext uri="{28A0092B-C50C-407E-A947-70E740481C1C}">
+                <a14:useLocalDpi xmlns:a14="http://schemas.microsoft.com/office/drawing/2010/main" val="0"/>
+              </a:ext>
+            </a:extLst>
+          </a:blip>
+          <a:srcRect l="16747" t="3713" r="15732" b="8254"/>
+          <a:stretch/>
+        </p:blipFill>
+        <p:spPr>
+          <a:xfrm>
+            <a:off x="5181600" y="2289663"/>
+            <a:ext cx="640080" cy="834537"/>
+          </a:xfrm>
+          <a:prstGeom prst="rect">
+            <a:avLst/>
+          </a:prstGeom>
+        </p:spPr>
+      </p:pic>
+      <p:pic>
+        <p:nvPicPr>
           <p:cNvPr id="4" name="Content Placeholder 3"/>
           <p:cNvPicPr>
             <a:picLocks noGrp="1" noChangeAspect="1"/>
@@ -7027,7 +8791,7 @@
           </p:nvPr>
         </p:nvPicPr>
         <p:blipFill>
-          <a:blip r:embed="rId2">
+          <a:blip r:embed="rId3">
             <a:extLst>
               <a:ext uri="{28A0092B-C50C-407E-A947-70E740481C1C}">
                 <a14:useLocalDpi xmlns:a14="http://schemas.microsoft.com/office/drawing/2010/main" val="0"/>
@@ -7045,35 +8809,6 @@
           </a:xfrm>
         </p:spPr>
       </p:pic>
-      <p:pic>
-        <p:nvPicPr>
-          <p:cNvPr id="7" name="Picture 6"/>
-          <p:cNvPicPr>
-            <a:picLocks noChangeAspect="1"/>
-          </p:cNvPicPr>
-          <p:nvPr/>
-        </p:nvPicPr>
-        <p:blipFill rotWithShape="1">
-          <a:blip r:embed="rId3" cstate="print">
-            <a:extLst>
-              <a:ext uri="{28A0092B-C50C-407E-A947-70E740481C1C}">
-                <a14:useLocalDpi xmlns:a14="http://schemas.microsoft.com/office/drawing/2010/main" val="0"/>
-              </a:ext>
-            </a:extLst>
-          </a:blip>
-          <a:srcRect l="16747" t="3713" r="15732" b="8254"/>
-          <a:stretch/>
-        </p:blipFill>
-        <p:spPr>
-          <a:xfrm>
-            <a:off x="5364480" y="3001893"/>
-            <a:ext cx="502920" cy="655707"/>
-          </a:xfrm>
-          <a:prstGeom prst="rect">
-            <a:avLst/>
-          </a:prstGeom>
-        </p:spPr>
-      </p:pic>
       <mc:AlternateContent xmlns:mc="http://schemas.openxmlformats.org/markup-compatibility/2006">
         <mc:Choice xmlns:a14="http://schemas.microsoft.com/office/drawing/2010/main" Requires="a14">
           <p:sp>
@@ -7088,7 +8823,7 @@
             </p:nvSpPr>
             <p:spPr>
               <a:xfrm>
-                <a:off x="381000" y="152400"/>
+                <a:off x="304800" y="152400"/>
                 <a:ext cx="8001000" cy="838200"/>
               </a:xfrm>
             </p:spPr>
@@ -7226,7 +8961,7 @@
             </p:nvSpPr>
             <p:spPr>
               <a:xfrm>
-                <a:off x="381000" y="152400"/>
+                <a:off x="304800" y="152400"/>
                 <a:ext cx="8001000" cy="838200"/>
               </a:xfrm>
               <a:blipFill rotWithShape="1">
@@ -7259,27 +8994,25 @@
         </p:nvSpPr>
         <p:spPr>
           <a:xfrm>
-            <a:off x="4953000" y="1788161"/>
-            <a:ext cx="2590800" cy="1066800"/>
+            <a:off x="4572000" y="878839"/>
+            <a:ext cx="3581400" cy="1254761"/>
           </a:xfrm>
           <a:prstGeom prst="wedgeEllipseCallout">
             <a:avLst/>
           </a:prstGeom>
         </p:spPr>
         <p:style>
-          <a:lnRef idx="2">
-            <a:schemeClr val="accent1">
-              <a:shade val="50000"/>
-            </a:schemeClr>
+          <a:lnRef idx="1">
+            <a:schemeClr val="accent2"/>
           </a:lnRef>
-          <a:fillRef idx="1">
-            <a:schemeClr val="accent1"/>
+          <a:fillRef idx="2">
+            <a:schemeClr val="accent2"/>
           </a:fillRef>
-          <a:effectRef idx="0">
-            <a:schemeClr val="accent1"/>
+          <a:effectRef idx="1">
+            <a:schemeClr val="accent2"/>
           </a:effectRef>
           <a:fontRef idx="minor">
-            <a:schemeClr val="lt1"/>
+            <a:schemeClr val="dk1"/>
           </a:fontRef>
         </p:style>
         <p:txBody>
@@ -7287,7 +9020,11 @@
           <a:lstStyle/>
           <a:p>
             <a:pPr algn="ctr"/>
-            <a:endParaRPr lang="en-US"/>
+            <a:r>
+              <a:rPr lang="en-US" sz="2000" dirty="0" smtClean="0"/>
+              <a:t>With recursive preconditioning, one resolutions result is another’s error! </a:t>
+            </a:r>
+            <a:endParaRPr lang="en-US" sz="2000" dirty="0"/>
           </a:p>
         </p:txBody>
       </p:sp>
@@ -7304,7 +9041,7 @@
 </p:sld>
 </file>
 
-<file path=ppt/slides/slide14.xml><?xml version="1.0" encoding="utf-8"?>
+<file path=ppt/slides/slide17.xml><?xml version="1.0" encoding="utf-8"?>
 <p:sld xmlns:a="http://schemas.openxmlformats.org/drawingml/2006/main" xmlns:r="http://schemas.openxmlformats.org/officeDocument/2006/relationships" xmlns:p="http://schemas.openxmlformats.org/presentationml/2006/main">
   <p:cSld>
     <p:spTree>
@@ -7372,7 +9109,7 @@
 </p:sld>
 </file>
 
-<file path=ppt/slides/slide15.xml><?xml version="1.0" encoding="utf-8"?>
+<file path=ppt/slides/slide18.xml><?xml version="1.0" encoding="utf-8"?>
 <p:sld xmlns:a="http://schemas.openxmlformats.org/drawingml/2006/main" xmlns:r="http://schemas.openxmlformats.org/officeDocument/2006/relationships" xmlns:p="http://schemas.openxmlformats.org/presentationml/2006/main">
   <p:cSld>
     <p:spTree>
@@ -8231,7 +9968,7 @@
 </p:sld>
 </file>
 
-<file path=ppt/slides/slide16.xml><?xml version="1.0" encoding="utf-8"?>
+<file path=ppt/slides/slide19.xml><?xml version="1.0" encoding="utf-8"?>
 <p:sld xmlns:a="http://schemas.openxmlformats.org/drawingml/2006/main" xmlns:r="http://schemas.openxmlformats.org/officeDocument/2006/relationships" xmlns:p="http://schemas.openxmlformats.org/presentationml/2006/main">
   <p:cSld>
     <p:spTree>
@@ -8640,7 +10377,622 @@
 </p:sld>
 </file>
 
-<file path=ppt/slides/slide17.xml><?xml version="1.0" encoding="utf-8"?>
+<file path=ppt/slides/slide2.xml><?xml version="1.0" encoding="utf-8"?>
+<p:sld xmlns:a="http://schemas.openxmlformats.org/drawingml/2006/main" xmlns:r="http://schemas.openxmlformats.org/officeDocument/2006/relationships" xmlns:p="http://schemas.openxmlformats.org/presentationml/2006/main">
+  <p:cSld>
+    <p:spTree>
+      <p:nvGrpSpPr>
+        <p:cNvPr id="1" name=""/>
+        <p:cNvGrpSpPr/>
+        <p:nvPr/>
+      </p:nvGrpSpPr>
+      <p:grpSpPr>
+        <a:xfrm>
+          <a:off x="0" y="0"/>
+          <a:ext cx="0" cy="0"/>
+          <a:chOff x="0" y="0"/>
+          <a:chExt cx="0" cy="0"/>
+        </a:xfrm>
+      </p:grpSpPr>
+      <p:sp>
+        <p:nvSpPr>
+          <p:cNvPr id="4" name="TextBox 3"/>
+          <p:cNvSpPr txBox="1"/>
+          <p:nvPr/>
+        </p:nvSpPr>
+        <p:spPr>
+          <a:xfrm>
+            <a:off x="252451" y="238780"/>
+            <a:ext cx="8662949" cy="523220"/>
+          </a:xfrm>
+          <a:prstGeom prst="rect">
+            <a:avLst/>
+          </a:prstGeom>
+          <a:noFill/>
+        </p:spPr>
+        <p:txBody>
+          <a:bodyPr wrap="none" rtlCol="0">
+            <a:spAutoFit/>
+          </a:bodyPr>
+          <a:lstStyle/>
+          <a:p>
+            <a:r>
+              <a:rPr lang="en-US" sz="2800" b="1" dirty="0" smtClean="0">
+                <a:solidFill>
+                  <a:prstClr val="black"/>
+                </a:solidFill>
+                <a:latin typeface="Comic Sans MS" pitchFamily="66" charset="0"/>
+              </a:rPr>
+              <a:t>Quantum Locality &amp; Kohn’s Nearsighted Principle</a:t>
+            </a:r>
+            <a:endParaRPr lang="en-US" sz="2800" b="1" dirty="0">
+              <a:solidFill>
+                <a:prstClr val="black"/>
+              </a:solidFill>
+              <a:latin typeface="Comic Sans MS" pitchFamily="66" charset="0"/>
+            </a:endParaRPr>
+          </a:p>
+        </p:txBody>
+      </p:sp>
+      <p:pic>
+        <p:nvPicPr>
+          <p:cNvPr id="2" name="Picture 1"/>
+          <p:cNvPicPr>
+            <a:picLocks noChangeAspect="1"/>
+          </p:cNvPicPr>
+          <p:nvPr/>
+        </p:nvPicPr>
+        <p:blipFill>
+          <a:blip r:embed="rId2" cstate="print">
+            <a:extLst>
+              <a:ext uri="{28A0092B-C50C-407E-A947-70E740481C1C}">
+                <a14:useLocalDpi xmlns:a14="http://schemas.microsoft.com/office/drawing/2010/main" val="0"/>
+              </a:ext>
+            </a:extLst>
+          </a:blip>
+          <a:stretch>
+            <a:fillRect/>
+          </a:stretch>
+        </p:blipFill>
+        <p:spPr>
+          <a:xfrm>
+            <a:off x="4495800" y="914400"/>
+            <a:ext cx="4572000" cy="3200400"/>
+          </a:xfrm>
+          <a:prstGeom prst="rect">
+            <a:avLst/>
+          </a:prstGeom>
+        </p:spPr>
+      </p:pic>
+      <p:sp>
+        <p:nvSpPr>
+          <p:cNvPr id="5" name="TextBox 4"/>
+          <p:cNvSpPr txBox="1"/>
+          <p:nvPr/>
+        </p:nvSpPr>
+        <p:spPr>
+          <a:xfrm>
+            <a:off x="304800" y="874216"/>
+            <a:ext cx="4419600" cy="4231928"/>
+          </a:xfrm>
+          <a:prstGeom prst="rect">
+            <a:avLst/>
+          </a:prstGeom>
+          <a:noFill/>
+        </p:spPr>
+        <p:txBody>
+          <a:bodyPr wrap="square" rtlCol="0">
+            <a:spAutoFit/>
+          </a:bodyPr>
+          <a:lstStyle/>
+          <a:p>
+            <a:r>
+              <a:rPr lang="en-US" sz="2400" dirty="0" smtClean="0">
+                <a:solidFill>
+                  <a:prstClr val="black"/>
+                </a:solidFill>
+                <a:latin typeface="Comic Sans MS" pitchFamily="66" charset="0"/>
+              </a:rPr>
+              <a:t>In a local, atom centered representation, quantum mechanical matrices possess decay properties.  For non-metallic systems, matrix elements decay exponentially with atom-atom separation: </a:t>
+            </a:r>
+          </a:p>
+          <a:p>
+            <a:pPr>
+              <a:spcBef>
+                <a:spcPts val="600"/>
+              </a:spcBef>
+            </a:pPr>
+            <a:r>
+              <a:rPr lang="en-US" sz="2400" b="1" dirty="0" err="1" smtClean="0">
+                <a:solidFill>
+                  <a:prstClr val="black"/>
+                </a:solidFill>
+                <a:latin typeface="Comic Sans MS" pitchFamily="66" charset="0"/>
+              </a:rPr>
+              <a:t>P</a:t>
+            </a:r>
+            <a:r>
+              <a:rPr lang="en-US" sz="2400" baseline="-25000" dirty="0" err="1" smtClean="0">
+                <a:solidFill>
+                  <a:prstClr val="black"/>
+                </a:solidFill>
+                <a:latin typeface="Comic Sans MS" pitchFamily="66" charset="0"/>
+              </a:rPr>
+              <a:t>ab</a:t>
+            </a:r>
+            <a:r>
+              <a:rPr lang="en-US" sz="2400" dirty="0" smtClean="0">
+                <a:solidFill>
+                  <a:prstClr val="black"/>
+                </a:solidFill>
+                <a:latin typeface="Comic Sans MS" pitchFamily="66" charset="0"/>
+              </a:rPr>
+              <a:t> ~ </a:t>
+            </a:r>
+            <a:r>
+              <a:rPr lang="en-US" sz="2400" dirty="0" err="1">
+                <a:solidFill>
+                  <a:prstClr val="black"/>
+                </a:solidFill>
+                <a:latin typeface="Comic Sans MS" pitchFamily="66" charset="0"/>
+              </a:rPr>
+              <a:t>e</a:t>
+            </a:r>
+            <a:r>
+              <a:rPr lang="en-US" sz="2400" dirty="0" err="1" smtClean="0">
+                <a:solidFill>
+                  <a:prstClr val="black"/>
+                </a:solidFill>
+                <a:latin typeface="Comic Sans MS" pitchFamily="66" charset="0"/>
+              </a:rPr>
+              <a:t>xp</a:t>
+            </a:r>
+            <a:r>
+              <a:rPr lang="en-US" sz="2400" dirty="0" smtClean="0">
+                <a:solidFill>
+                  <a:prstClr val="black"/>
+                </a:solidFill>
+                <a:latin typeface="Comic Sans MS" pitchFamily="66" charset="0"/>
+              </a:rPr>
+              <a:t>(-</a:t>
+            </a:r>
+            <a:r>
+              <a:rPr lang="el-GR" sz="2400" dirty="0" smtClean="0">
+                <a:solidFill>
+                  <a:prstClr val="black"/>
+                </a:solidFill>
+                <a:latin typeface="Comic Sans MS" pitchFamily="66" charset="0"/>
+              </a:rPr>
+              <a:t>β</a:t>
+            </a:r>
+            <a:r>
+              <a:rPr lang="en-US" sz="2400" dirty="0" smtClean="0">
+                <a:solidFill>
+                  <a:prstClr val="black"/>
+                </a:solidFill>
+                <a:latin typeface="Comic Sans MS" pitchFamily="66" charset="0"/>
+              </a:rPr>
+              <a:t>|</a:t>
+            </a:r>
+            <a:r>
+              <a:rPr lang="en-US" sz="2400" b="1" dirty="0" smtClean="0">
+                <a:solidFill>
+                  <a:prstClr val="black"/>
+                </a:solidFill>
+                <a:latin typeface="Comic Sans MS" pitchFamily="66" charset="0"/>
+              </a:rPr>
+              <a:t>R</a:t>
+            </a:r>
+            <a:r>
+              <a:rPr lang="en-US" sz="2400" baseline="-25000" dirty="0" smtClean="0">
+                <a:solidFill>
+                  <a:prstClr val="black"/>
+                </a:solidFill>
+                <a:latin typeface="Comic Sans MS" pitchFamily="66" charset="0"/>
+              </a:rPr>
+              <a:t>a</a:t>
+            </a:r>
+            <a:r>
+              <a:rPr lang="en-US" sz="2400" dirty="0" smtClean="0">
+                <a:solidFill>
+                  <a:prstClr val="black"/>
+                </a:solidFill>
+                <a:latin typeface="Comic Sans MS" pitchFamily="66" charset="0"/>
+              </a:rPr>
+              <a:t>-</a:t>
+            </a:r>
+            <a:r>
+              <a:rPr lang="en-US" sz="2400" b="1" dirty="0" err="1" smtClean="0">
+                <a:solidFill>
+                  <a:prstClr val="black"/>
+                </a:solidFill>
+                <a:latin typeface="Comic Sans MS" pitchFamily="66" charset="0"/>
+              </a:rPr>
+              <a:t>R</a:t>
+            </a:r>
+            <a:r>
+              <a:rPr lang="en-US" sz="2400" baseline="-25000" dirty="0" err="1" smtClean="0">
+                <a:solidFill>
+                  <a:prstClr val="black"/>
+                </a:solidFill>
+                <a:latin typeface="Comic Sans MS" pitchFamily="66" charset="0"/>
+              </a:rPr>
+              <a:t>b</a:t>
+            </a:r>
+            <a:r>
+              <a:rPr lang="en-US" sz="2400" dirty="0" smtClean="0">
+                <a:solidFill>
+                  <a:prstClr val="black"/>
+                </a:solidFill>
+                <a:latin typeface="Comic Sans MS" pitchFamily="66" charset="0"/>
+              </a:rPr>
+              <a:t>|)</a:t>
+            </a:r>
+          </a:p>
+          <a:p>
+            <a:endParaRPr lang="en-US" sz="2400" dirty="0">
+              <a:solidFill>
+                <a:prstClr val="black"/>
+              </a:solidFill>
+              <a:latin typeface="Comic Sans MS" pitchFamily="66" charset="0"/>
+            </a:endParaRPr>
+          </a:p>
+          <a:p>
+            <a:endParaRPr lang="en-US" sz="2400" dirty="0" smtClean="0">
+              <a:solidFill>
+                <a:prstClr val="black"/>
+              </a:solidFill>
+              <a:latin typeface="Comic Sans MS" pitchFamily="66" charset="0"/>
+            </a:endParaRPr>
+          </a:p>
+          <a:p>
+            <a:endParaRPr lang="en-US" sz="2400" dirty="0">
+              <a:solidFill>
+                <a:prstClr val="black"/>
+              </a:solidFill>
+              <a:latin typeface="Comic Sans MS" pitchFamily="66" charset="0"/>
+            </a:endParaRPr>
+          </a:p>
+        </p:txBody>
+      </p:sp>
+      <p:sp>
+        <p:nvSpPr>
+          <p:cNvPr id="3" name="Rectangle 2"/>
+          <p:cNvSpPr/>
+          <p:nvPr/>
+        </p:nvSpPr>
+        <p:spPr>
+          <a:xfrm>
+            <a:off x="5943600" y="914400"/>
+            <a:ext cx="3124199" cy="1219200"/>
+          </a:xfrm>
+          <a:prstGeom prst="rect">
+            <a:avLst/>
+          </a:prstGeom>
+          <a:solidFill>
+            <a:schemeClr val="bg1"/>
+          </a:solidFill>
+          <a:ln>
+            <a:solidFill>
+              <a:schemeClr val="bg1"/>
+            </a:solidFill>
+          </a:ln>
+        </p:spPr>
+        <p:style>
+          <a:lnRef idx="2">
+            <a:schemeClr val="accent1">
+              <a:shade val="50000"/>
+            </a:schemeClr>
+          </a:lnRef>
+          <a:fillRef idx="1">
+            <a:schemeClr val="accent1"/>
+          </a:fillRef>
+          <a:effectRef idx="0">
+            <a:schemeClr val="accent1"/>
+          </a:effectRef>
+          <a:fontRef idx="minor">
+            <a:schemeClr val="lt1"/>
+          </a:fontRef>
+        </p:style>
+        <p:txBody>
+          <a:bodyPr rtlCol="0" anchor="ctr"/>
+          <a:lstStyle/>
+          <a:p>
+            <a:pPr algn="ctr"/>
+            <a:endParaRPr lang="en-US"/>
+          </a:p>
+        </p:txBody>
+      </p:sp>
+      <p:sp>
+        <p:nvSpPr>
+          <p:cNvPr id="7" name="TextBox 6"/>
+          <p:cNvSpPr txBox="1"/>
+          <p:nvPr/>
+        </p:nvSpPr>
+        <p:spPr>
+          <a:xfrm>
+            <a:off x="5649877" y="914400"/>
+            <a:ext cx="3365024" cy="1015663"/>
+          </a:xfrm>
+          <a:prstGeom prst="rect">
+            <a:avLst/>
+          </a:prstGeom>
+          <a:solidFill>
+            <a:schemeClr val="bg1"/>
+          </a:solidFill>
+        </p:spPr>
+        <p:txBody>
+          <a:bodyPr wrap="none" rtlCol="0">
+            <a:spAutoFit/>
+          </a:bodyPr>
+          <a:lstStyle/>
+          <a:p>
+            <a:r>
+              <a:rPr lang="en-US" sz="2000" b="1" i="1" dirty="0">
+                <a:solidFill>
+                  <a:srgbClr val="FF0000"/>
+                </a:solidFill>
+                <a:latin typeface="Comic Sans MS" pitchFamily="66" charset="0"/>
+              </a:rPr>
+              <a:t>b</a:t>
+            </a:r>
+            <a:r>
+              <a:rPr lang="en-US" sz="2000" b="1" i="1" dirty="0" smtClean="0">
+                <a:solidFill>
+                  <a:srgbClr val="FF0000"/>
+                </a:solidFill>
+                <a:latin typeface="Comic Sans MS" pitchFamily="66" charset="0"/>
+              </a:rPr>
+              <a:t>ulk water</a:t>
+            </a:r>
+            <a:endParaRPr lang="en-US" sz="2000" b="1" i="1" dirty="0" smtClean="0">
+              <a:solidFill>
+                <a:srgbClr val="FF0000"/>
+              </a:solidFill>
+              <a:latin typeface="Comic Sans MS" pitchFamily="66" charset="0"/>
+            </a:endParaRPr>
+          </a:p>
+          <a:p>
+            <a:r>
+              <a:rPr lang="en-US" sz="2000" b="1" i="1" dirty="0">
+                <a:solidFill>
+                  <a:srgbClr val="FFC000"/>
+                </a:solidFill>
+                <a:latin typeface="Comic Sans MS" pitchFamily="66" charset="0"/>
+              </a:rPr>
+              <a:t>s</a:t>
+            </a:r>
+            <a:r>
+              <a:rPr lang="en-US" sz="2000" b="1" i="1" dirty="0" smtClean="0">
+                <a:solidFill>
+                  <a:srgbClr val="FFC000"/>
+                </a:solidFill>
+                <a:latin typeface="Comic Sans MS" pitchFamily="66" charset="0"/>
+              </a:rPr>
+              <a:t>emi-conducting nanotube</a:t>
+            </a:r>
+          </a:p>
+          <a:p>
+            <a:r>
+              <a:rPr lang="en-US" sz="2000" b="1" i="1" dirty="0">
+                <a:solidFill>
+                  <a:srgbClr val="0070C0"/>
+                </a:solidFill>
+                <a:latin typeface="Comic Sans MS" pitchFamily="66" charset="0"/>
+              </a:rPr>
+              <a:t>m</a:t>
+            </a:r>
+            <a:r>
+              <a:rPr lang="en-US" sz="2000" b="1" i="1" dirty="0" smtClean="0">
+                <a:solidFill>
+                  <a:srgbClr val="0070C0"/>
+                </a:solidFill>
+                <a:latin typeface="Comic Sans MS" pitchFamily="66" charset="0"/>
+              </a:rPr>
+              <a:t>etallic nanotube</a:t>
+            </a:r>
+            <a:endParaRPr lang="en-US" sz="2000" b="1" dirty="0">
+              <a:solidFill>
+                <a:srgbClr val="0070C0"/>
+              </a:solidFill>
+              <a:latin typeface="Comic Sans MS" pitchFamily="66" charset="0"/>
+            </a:endParaRPr>
+          </a:p>
+        </p:txBody>
+      </p:sp>
+      <p:sp>
+        <p:nvSpPr>
+          <p:cNvPr id="8" name="TextBox 7"/>
+          <p:cNvSpPr txBox="1"/>
+          <p:nvPr/>
+        </p:nvSpPr>
+        <p:spPr>
+          <a:xfrm>
+            <a:off x="304800" y="4267200"/>
+            <a:ext cx="8763000" cy="2554545"/>
+          </a:xfrm>
+          <a:prstGeom prst="rect">
+            <a:avLst/>
+          </a:prstGeom>
+          <a:noFill/>
+        </p:spPr>
+        <p:txBody>
+          <a:bodyPr wrap="square" rtlCol="0">
+            <a:spAutoFit/>
+          </a:bodyPr>
+          <a:lstStyle/>
+          <a:p>
+            <a:pPr>
+              <a:spcBef>
+                <a:spcPts val="600"/>
+              </a:spcBef>
+              <a:spcAft>
+                <a:spcPts val="600"/>
+              </a:spcAft>
+            </a:pPr>
+            <a:r>
+              <a:rPr lang="en-US" sz="2400" dirty="0" smtClean="0">
+                <a:solidFill>
+                  <a:prstClr val="black"/>
+                </a:solidFill>
+                <a:latin typeface="Comic Sans MS" pitchFamily="66" charset="0"/>
+              </a:rPr>
+              <a:t>The rate of matrix decay is controlled by:</a:t>
+            </a:r>
+            <a:endParaRPr lang="en-US" sz="2400" dirty="0">
+              <a:solidFill>
+                <a:prstClr val="black"/>
+              </a:solidFill>
+              <a:latin typeface="Comic Sans MS" pitchFamily="66" charset="0"/>
+            </a:endParaRPr>
+          </a:p>
+          <a:p>
+            <a:pPr marL="342900" indent="-342900">
+              <a:spcBef>
+                <a:spcPts val="600"/>
+              </a:spcBef>
+              <a:spcAft>
+                <a:spcPts val="600"/>
+              </a:spcAft>
+              <a:buFont typeface="Arial" pitchFamily="34" charset="0"/>
+              <a:buChar char="•"/>
+            </a:pPr>
+            <a:r>
+              <a:rPr lang="en-US" sz="2400" dirty="0" smtClean="0">
+                <a:solidFill>
+                  <a:prstClr val="black"/>
+                </a:solidFill>
+                <a:latin typeface="Comic Sans MS" pitchFamily="66" charset="0"/>
+              </a:rPr>
+              <a:t>The HOMO-LUMO or band gap</a:t>
+            </a:r>
+          </a:p>
+          <a:p>
+            <a:pPr marL="342900" indent="-342900">
+              <a:spcBef>
+                <a:spcPts val="600"/>
+              </a:spcBef>
+              <a:spcAft>
+                <a:spcPts val="600"/>
+              </a:spcAft>
+              <a:buFont typeface="Arial" pitchFamily="34" charset="0"/>
+              <a:buChar char="•"/>
+            </a:pPr>
+            <a:r>
+              <a:rPr lang="en-US" sz="2400" dirty="0">
+                <a:solidFill>
+                  <a:prstClr val="black"/>
+                </a:solidFill>
+                <a:latin typeface="Comic Sans MS" pitchFamily="66" charset="0"/>
+              </a:rPr>
+              <a:t>N</a:t>
+            </a:r>
+            <a:r>
+              <a:rPr lang="en-US" sz="2400" dirty="0" smtClean="0">
+                <a:solidFill>
+                  <a:prstClr val="black"/>
+                </a:solidFill>
+                <a:latin typeface="Comic Sans MS" pitchFamily="66" charset="0"/>
+              </a:rPr>
+              <a:t>on-</a:t>
+            </a:r>
+            <a:r>
+              <a:rPr lang="en-US" sz="2400" dirty="0" err="1" smtClean="0">
+                <a:solidFill>
+                  <a:prstClr val="black"/>
+                </a:solidFill>
+                <a:latin typeface="Comic Sans MS" pitchFamily="66" charset="0"/>
+              </a:rPr>
+              <a:t>orthogonality</a:t>
+            </a:r>
+            <a:r>
+              <a:rPr lang="en-US" sz="2400" dirty="0" smtClean="0">
+                <a:solidFill>
+                  <a:prstClr val="black"/>
+                </a:solidFill>
+                <a:latin typeface="Comic Sans MS" pitchFamily="66" charset="0"/>
+              </a:rPr>
+              <a:t> of the basis (metric ill-conditioning)</a:t>
+            </a:r>
+          </a:p>
+          <a:p>
+            <a:pPr marL="342900" indent="-342900">
+              <a:spcBef>
+                <a:spcPts val="600"/>
+              </a:spcBef>
+              <a:spcAft>
+                <a:spcPts val="600"/>
+              </a:spcAft>
+              <a:buFont typeface="Arial" pitchFamily="34" charset="0"/>
+              <a:buChar char="•"/>
+            </a:pPr>
+            <a:r>
+              <a:rPr lang="en-US" sz="2400" dirty="0">
+                <a:solidFill>
+                  <a:prstClr val="black"/>
+                </a:solidFill>
+                <a:latin typeface="Comic Sans MS" pitchFamily="66" charset="0"/>
+              </a:rPr>
+              <a:t>T</a:t>
+            </a:r>
+            <a:r>
+              <a:rPr lang="en-US" sz="2400" dirty="0" smtClean="0">
+                <a:solidFill>
+                  <a:prstClr val="black"/>
+                </a:solidFill>
+                <a:latin typeface="Comic Sans MS" pitchFamily="66" charset="0"/>
+              </a:rPr>
+              <a:t>hese effects may be intertwined</a:t>
+            </a:r>
+          </a:p>
+          <a:p>
+            <a:pPr>
+              <a:spcBef>
+                <a:spcPts val="600"/>
+              </a:spcBef>
+              <a:spcAft>
+                <a:spcPts val="600"/>
+              </a:spcAft>
+            </a:pPr>
+            <a:r>
+              <a:rPr lang="en-US" sz="2400" dirty="0" smtClean="0">
+                <a:solidFill>
+                  <a:prstClr val="black"/>
+                </a:solidFill>
+                <a:latin typeface="Comic Sans MS" pitchFamily="66" charset="0"/>
+              </a:rPr>
+              <a:t> </a:t>
+            </a:r>
+            <a:endParaRPr lang="en-US" sz="2400" dirty="0">
+              <a:solidFill>
+                <a:prstClr val="black"/>
+              </a:solidFill>
+              <a:latin typeface="Comic Sans MS" pitchFamily="66" charset="0"/>
+            </a:endParaRPr>
+          </a:p>
+        </p:txBody>
+      </p:sp>
+    </p:spTree>
+    <p:extLst>
+      <p:ext uri="{BB962C8B-B14F-4D97-AF65-F5344CB8AC3E}">
+        <p14:creationId xmlns:p14="http://schemas.microsoft.com/office/powerpoint/2010/main" val="2174652431"/>
+      </p:ext>
+    </p:extLst>
+  </p:cSld>
+  <p:clrMapOvr>
+    <a:masterClrMapping/>
+  </p:clrMapOvr>
+  <p:timing>
+    <p:tnLst>
+      <p:par>
+        <p:cTn id="1" dur="indefinite" restart="never" nodeType="tmRoot"/>
+      </p:par>
+    </p:tnLst>
+  </p:timing>
+</p:sld>
+</file>
+
+<file path=ppt/slides/slide20.xml><?xml version="1.0" encoding="utf-8"?>
 <p:sld xmlns:a="http://schemas.openxmlformats.org/drawingml/2006/main" xmlns:r="http://schemas.openxmlformats.org/officeDocument/2006/relationships" xmlns:p="http://schemas.openxmlformats.org/presentationml/2006/main">
   <p:cSld>
     <p:spTree>
@@ -9155,7 +11507,7 @@
 </p:sld>
 </file>
 
-<file path=ppt/slides/slide18.xml><?xml version="1.0" encoding="utf-8"?>
+<file path=ppt/slides/slide21.xml><?xml version="1.0" encoding="utf-8"?>
 <p:sld xmlns:a="http://schemas.openxmlformats.org/drawingml/2006/main" xmlns:r="http://schemas.openxmlformats.org/officeDocument/2006/relationships" xmlns:p="http://schemas.openxmlformats.org/presentationml/2006/main">
   <p:cSld>
     <p:spTree>
@@ -9671,7 +12023,7 @@
 </p:sld>
 </file>
 
-<file path=ppt/slides/slide19.xml><?xml version="1.0" encoding="utf-8"?>
+<file path=ppt/slides/slide22.xml><?xml version="1.0" encoding="utf-8"?>
 <p:sld xmlns:a="http://schemas.openxmlformats.org/drawingml/2006/main" xmlns:r="http://schemas.openxmlformats.org/officeDocument/2006/relationships" xmlns:p="http://schemas.openxmlformats.org/presentationml/2006/main">
   <p:cSld>
     <p:spTree>
@@ -9749,7 +12101,1622 @@
 </p:sld>
 </file>
 
-<file path=ppt/slides/slide2.xml><?xml version="1.0" encoding="utf-8"?>
+<file path=ppt/slides/slide3.xml><?xml version="1.0" encoding="utf-8"?>
+<p:sld xmlns:a="http://schemas.openxmlformats.org/drawingml/2006/main" xmlns:r="http://schemas.openxmlformats.org/officeDocument/2006/relationships" xmlns:p="http://schemas.openxmlformats.org/presentationml/2006/main">
+  <p:cSld>
+    <p:spTree>
+      <p:nvGrpSpPr>
+        <p:cNvPr id="1" name=""/>
+        <p:cNvGrpSpPr/>
+        <p:nvPr/>
+      </p:nvGrpSpPr>
+      <p:grpSpPr>
+        <a:xfrm>
+          <a:off x="0" y="0"/>
+          <a:ext cx="0" cy="0"/>
+          <a:chOff x="0" y="0"/>
+          <a:chExt cx="0" cy="0"/>
+        </a:xfrm>
+      </p:grpSpPr>
+      <p:pic>
+        <p:nvPicPr>
+          <p:cNvPr id="5" name="Picture 4"/>
+          <p:cNvPicPr>
+            <a:picLocks noChangeAspect="1"/>
+          </p:cNvPicPr>
+          <p:nvPr/>
+        </p:nvPicPr>
+        <p:blipFill>
+          <a:blip r:embed="rId3" cstate="print">
+            <a:extLst>
+              <a:ext uri="{28A0092B-C50C-407E-A947-70E740481C1C}">
+                <a14:useLocalDpi xmlns:a14="http://schemas.microsoft.com/office/drawing/2010/main" val="0"/>
+              </a:ext>
+            </a:extLst>
+          </a:blip>
+          <a:stretch>
+            <a:fillRect/>
+          </a:stretch>
+        </p:blipFill>
+        <p:spPr>
+          <a:xfrm>
+            <a:off x="5897880" y="944880"/>
+            <a:ext cx="3017520" cy="3017520"/>
+          </a:xfrm>
+          <a:prstGeom prst="rect">
+            <a:avLst/>
+          </a:prstGeom>
+        </p:spPr>
+      </p:pic>
+      <p:sp>
+        <p:nvSpPr>
+          <p:cNvPr id="4" name="TextBox 3"/>
+          <p:cNvSpPr txBox="1"/>
+          <p:nvPr/>
+        </p:nvSpPr>
+        <p:spPr>
+          <a:xfrm>
+            <a:off x="110872" y="284202"/>
+            <a:ext cx="8941871" cy="553998"/>
+          </a:xfrm>
+          <a:prstGeom prst="rect">
+            <a:avLst/>
+          </a:prstGeom>
+          <a:noFill/>
+        </p:spPr>
+        <p:txBody>
+          <a:bodyPr wrap="none" rtlCol="0">
+            <a:spAutoFit/>
+          </a:bodyPr>
+          <a:lstStyle/>
+          <a:p>
+            <a:r>
+              <a:rPr lang="en-US" sz="3000" b="1" dirty="0" smtClean="0">
+                <a:solidFill>
+                  <a:prstClr val="black"/>
+                </a:solidFill>
+                <a:latin typeface="Comic Sans MS" pitchFamily="66" charset="0"/>
+              </a:rPr>
+              <a:t>Matrix </a:t>
+            </a:r>
+            <a:r>
+              <a:rPr lang="en-US" sz="3000" b="1" dirty="0" err="1" smtClean="0">
+                <a:solidFill>
+                  <a:prstClr val="black"/>
+                </a:solidFill>
+                <a:latin typeface="Comic Sans MS" pitchFamily="66" charset="0"/>
+              </a:rPr>
+              <a:t>Sparsity</a:t>
+            </a:r>
+            <a:r>
+              <a:rPr lang="en-US" sz="3000" b="1" dirty="0" smtClean="0">
+                <a:solidFill>
+                  <a:prstClr val="black"/>
+                </a:solidFill>
+                <a:latin typeface="Comic Sans MS" pitchFamily="66" charset="0"/>
+              </a:rPr>
+              <a:t> and </a:t>
+            </a:r>
+            <a:r>
+              <a:rPr lang="en-US" sz="3000" b="1" i="1" dirty="0" smtClean="0">
+                <a:solidFill>
+                  <a:prstClr val="black"/>
+                </a:solidFill>
+                <a:latin typeface="Comic Sans MS" pitchFamily="66" charset="0"/>
+              </a:rPr>
+              <a:t>O</a:t>
+            </a:r>
+            <a:r>
+              <a:rPr lang="en-US" sz="800" b="1" i="1" dirty="0" smtClean="0">
+                <a:solidFill>
+                  <a:prstClr val="black"/>
+                </a:solidFill>
+                <a:latin typeface="Comic Sans MS" pitchFamily="66" charset="0"/>
+              </a:rPr>
+              <a:t> </a:t>
+            </a:r>
+            <a:r>
+              <a:rPr lang="en-US" sz="3000" b="1" dirty="0" smtClean="0">
+                <a:solidFill>
+                  <a:prstClr val="black"/>
+                </a:solidFill>
+                <a:latin typeface="Comic Sans MS" pitchFamily="66" charset="0"/>
+              </a:rPr>
+              <a:t>(</a:t>
+            </a:r>
+            <a:r>
+              <a:rPr lang="en-US" sz="3000" b="1" i="1" dirty="0" smtClean="0">
+                <a:solidFill>
+                  <a:prstClr val="black"/>
+                </a:solidFill>
+                <a:latin typeface="Comic Sans MS" pitchFamily="66" charset="0"/>
+              </a:rPr>
+              <a:t>N</a:t>
+            </a:r>
+            <a:r>
+              <a:rPr lang="en-US" sz="800" b="1" i="1" dirty="0" smtClean="0">
+                <a:solidFill>
+                  <a:prstClr val="black"/>
+                </a:solidFill>
+                <a:latin typeface="Comic Sans MS" pitchFamily="66" charset="0"/>
+              </a:rPr>
+              <a:t> </a:t>
+            </a:r>
+            <a:r>
+              <a:rPr lang="en-US" sz="3000" b="1" dirty="0" smtClean="0">
+                <a:solidFill>
+                  <a:prstClr val="black"/>
+                </a:solidFill>
+                <a:latin typeface="Comic Sans MS" pitchFamily="66" charset="0"/>
+              </a:rPr>
+              <a:t>) Quantum Chemistry</a:t>
+            </a:r>
+            <a:endParaRPr lang="en-US" sz="3000" b="1" dirty="0">
+              <a:solidFill>
+                <a:prstClr val="black"/>
+              </a:solidFill>
+              <a:latin typeface="Comic Sans MS" pitchFamily="66" charset="0"/>
+            </a:endParaRPr>
+          </a:p>
+        </p:txBody>
+      </p:sp>
+      <p:sp>
+        <p:nvSpPr>
+          <p:cNvPr id="7" name="TextBox 6"/>
+          <p:cNvSpPr txBox="1"/>
+          <p:nvPr/>
+        </p:nvSpPr>
+        <p:spPr>
+          <a:xfrm>
+            <a:off x="228600" y="914400"/>
+            <a:ext cx="5867400" cy="2754600"/>
+          </a:xfrm>
+          <a:prstGeom prst="rect">
+            <a:avLst/>
+          </a:prstGeom>
+          <a:noFill/>
+        </p:spPr>
+        <p:txBody>
+          <a:bodyPr wrap="square" rtlCol="0">
+            <a:spAutoFit/>
+          </a:bodyPr>
+          <a:lstStyle/>
+          <a:p>
+            <a:pPr>
+              <a:spcBef>
+                <a:spcPts val="600"/>
+              </a:spcBef>
+              <a:spcAft>
+                <a:spcPts val="600"/>
+              </a:spcAft>
+            </a:pPr>
+            <a:r>
+              <a:rPr lang="en-US" sz="2400" dirty="0" smtClean="0">
+                <a:solidFill>
+                  <a:prstClr val="black"/>
+                </a:solidFill>
+                <a:latin typeface="Comic Sans MS" pitchFamily="66" charset="0"/>
+              </a:rPr>
+              <a:t>For </a:t>
+            </a:r>
+            <a:r>
+              <a:rPr lang="en-US" sz="2400" b="1" i="1" dirty="0" smtClean="0">
+                <a:solidFill>
+                  <a:prstClr val="black"/>
+                </a:solidFill>
+                <a:latin typeface="Comic Sans MS" pitchFamily="66" charset="0"/>
+              </a:rPr>
+              <a:t>extremely localized methods</a:t>
+            </a:r>
+            <a:r>
+              <a:rPr lang="en-US" sz="2400" dirty="0" smtClean="0">
+                <a:solidFill>
+                  <a:prstClr val="black"/>
+                </a:solidFill>
+                <a:latin typeface="Comic Sans MS" pitchFamily="66" charset="0"/>
+              </a:rPr>
+              <a:t>, like tight binding and pure DFT, the resulting Hamiltonian matrix can be very sparse:                 </a:t>
+            </a:r>
+          </a:p>
+          <a:p>
+            <a:pPr marL="342900" indent="-342900">
+              <a:buFont typeface="Arial" pitchFamily="34" charset="0"/>
+              <a:buChar char="•"/>
+            </a:pPr>
+            <a:r>
+              <a:rPr lang="en-US" sz="2400" b="1" dirty="0" smtClean="0">
+                <a:solidFill>
+                  <a:prstClr val="black"/>
+                </a:solidFill>
+                <a:latin typeface="Comic Sans MS" pitchFamily="66" charset="0"/>
+              </a:rPr>
+              <a:t>Use conventional, sparse </a:t>
+            </a:r>
+            <a:r>
+              <a:rPr lang="en-US" sz="2400" b="1" dirty="0">
+                <a:solidFill>
+                  <a:prstClr val="black"/>
+                </a:solidFill>
+                <a:latin typeface="Comic Sans MS" pitchFamily="66" charset="0"/>
+              </a:rPr>
+              <a:t>linear </a:t>
+            </a:r>
+            <a:r>
+              <a:rPr lang="en-US" sz="2400" b="1" dirty="0" smtClean="0">
+                <a:solidFill>
+                  <a:prstClr val="black"/>
+                </a:solidFill>
+                <a:latin typeface="Comic Sans MS" pitchFamily="66" charset="0"/>
+              </a:rPr>
+              <a:t>algebra to </a:t>
+            </a:r>
+            <a:r>
+              <a:rPr lang="en-US" sz="2400" b="1" dirty="0">
+                <a:solidFill>
+                  <a:prstClr val="black"/>
+                </a:solidFill>
+                <a:latin typeface="Comic Sans MS" pitchFamily="66" charset="0"/>
+              </a:rPr>
+              <a:t>achieve an </a:t>
+            </a:r>
+            <a:r>
+              <a:rPr lang="en-US" sz="2400" b="1" i="1" dirty="0">
+                <a:solidFill>
+                  <a:prstClr val="black"/>
+                </a:solidFill>
+                <a:latin typeface="Comic Sans MS" pitchFamily="66" charset="0"/>
+              </a:rPr>
+              <a:t>O</a:t>
+            </a:r>
+            <a:r>
+              <a:rPr lang="en-US" sz="800" b="1" i="1" dirty="0">
+                <a:solidFill>
+                  <a:prstClr val="black"/>
+                </a:solidFill>
+                <a:latin typeface="Comic Sans MS" pitchFamily="66" charset="0"/>
+              </a:rPr>
+              <a:t> </a:t>
+            </a:r>
+            <a:r>
+              <a:rPr lang="en-US" sz="2400" b="1" dirty="0">
+                <a:solidFill>
+                  <a:prstClr val="black"/>
+                </a:solidFill>
+                <a:latin typeface="Comic Sans MS" pitchFamily="66" charset="0"/>
+              </a:rPr>
+              <a:t>(</a:t>
+            </a:r>
+            <a:r>
+              <a:rPr lang="en-US" sz="2400" b="1" i="1" dirty="0">
+                <a:solidFill>
+                  <a:prstClr val="black"/>
+                </a:solidFill>
+                <a:latin typeface="Comic Sans MS" pitchFamily="66" charset="0"/>
+              </a:rPr>
+              <a:t>N</a:t>
+            </a:r>
+            <a:r>
+              <a:rPr lang="en-US" sz="800" b="1" i="1" dirty="0">
+                <a:solidFill>
+                  <a:prstClr val="black"/>
+                </a:solidFill>
+                <a:latin typeface="Comic Sans MS" pitchFamily="66" charset="0"/>
+              </a:rPr>
+              <a:t> </a:t>
+            </a:r>
+            <a:r>
+              <a:rPr lang="en-US" sz="2400" b="1" dirty="0">
+                <a:solidFill>
+                  <a:prstClr val="black"/>
+                </a:solidFill>
+                <a:latin typeface="Comic Sans MS" pitchFamily="66" charset="0"/>
+              </a:rPr>
+              <a:t>) cost with </a:t>
+            </a:r>
+            <a:r>
+              <a:rPr lang="en-US" sz="2400" b="1" dirty="0" smtClean="0">
+                <a:solidFill>
+                  <a:prstClr val="black"/>
+                </a:solidFill>
+                <a:latin typeface="Comic Sans MS" pitchFamily="66" charset="0"/>
+              </a:rPr>
+              <a:t>size, </a:t>
+            </a:r>
+            <a:r>
+              <a:rPr lang="en-US" sz="2400" b="1" i="1" dirty="0" smtClean="0">
+                <a:solidFill>
+                  <a:prstClr val="black"/>
+                </a:solidFill>
+                <a:latin typeface="Comic Sans MS" pitchFamily="66" charset="0"/>
+              </a:rPr>
+              <a:t>N</a:t>
+            </a:r>
+            <a:endParaRPr lang="en-US" sz="2400" b="1" i="1" dirty="0">
+              <a:solidFill>
+                <a:prstClr val="black"/>
+              </a:solidFill>
+              <a:latin typeface="Comic Sans MS" pitchFamily="66" charset="0"/>
+            </a:endParaRPr>
+          </a:p>
+        </p:txBody>
+      </p:sp>
+      <p:pic>
+        <p:nvPicPr>
+          <p:cNvPr id="8" name="Picture 7"/>
+          <p:cNvPicPr>
+            <a:picLocks noChangeAspect="1"/>
+          </p:cNvPicPr>
+          <p:nvPr/>
+        </p:nvPicPr>
+        <p:blipFill rotWithShape="1">
+          <a:blip r:embed="rId4" cstate="print">
+            <a:extLst>
+              <a:ext uri="{28A0092B-C50C-407E-A947-70E740481C1C}">
+                <a14:useLocalDpi xmlns:a14="http://schemas.microsoft.com/office/drawing/2010/main" val="0"/>
+              </a:ext>
+            </a:extLst>
+          </a:blip>
+          <a:srcRect l="329" t="13070" r="56728" b="253"/>
+          <a:stretch/>
+        </p:blipFill>
+        <p:spPr>
+          <a:xfrm>
+            <a:off x="381000" y="3657600"/>
+            <a:ext cx="1941564" cy="2743200"/>
+          </a:xfrm>
+          <a:prstGeom prst="rect">
+            <a:avLst/>
+          </a:prstGeom>
+        </p:spPr>
+      </p:pic>
+      <p:cxnSp>
+        <p:nvCxnSpPr>
+          <p:cNvPr id="10" name="Straight Connector 9"/>
+          <p:cNvCxnSpPr/>
+          <p:nvPr/>
+        </p:nvCxnSpPr>
+        <p:spPr>
+          <a:xfrm>
+            <a:off x="1447800" y="4191000"/>
+            <a:ext cx="0" cy="2209800"/>
+          </a:xfrm>
+          <a:prstGeom prst="line">
+            <a:avLst/>
+          </a:prstGeom>
+          <a:ln w="38100">
+            <a:solidFill>
+              <a:schemeClr val="tx1"/>
+            </a:solidFill>
+          </a:ln>
+        </p:spPr>
+        <p:style>
+          <a:lnRef idx="1">
+            <a:schemeClr val="accent1"/>
+          </a:lnRef>
+          <a:fillRef idx="0">
+            <a:schemeClr val="accent1"/>
+          </a:fillRef>
+          <a:effectRef idx="0">
+            <a:schemeClr val="accent1"/>
+          </a:effectRef>
+          <a:fontRef idx="minor">
+            <a:schemeClr val="tx1"/>
+          </a:fontRef>
+        </p:style>
+      </p:cxnSp>
+      <p:cxnSp>
+        <p:nvCxnSpPr>
+          <p:cNvPr id="14" name="Straight Connector 13"/>
+          <p:cNvCxnSpPr/>
+          <p:nvPr/>
+        </p:nvCxnSpPr>
+        <p:spPr>
+          <a:xfrm>
+            <a:off x="1143000" y="5181600"/>
+            <a:ext cx="1752600" cy="0"/>
+          </a:xfrm>
+          <a:prstGeom prst="line">
+            <a:avLst/>
+          </a:prstGeom>
+          <a:ln w="38100">
+            <a:solidFill>
+              <a:schemeClr val="tx1"/>
+            </a:solidFill>
+          </a:ln>
+        </p:spPr>
+        <p:style>
+          <a:lnRef idx="1">
+            <a:schemeClr val="accent1"/>
+          </a:lnRef>
+          <a:fillRef idx="0">
+            <a:schemeClr val="accent1"/>
+          </a:fillRef>
+          <a:effectRef idx="0">
+            <a:schemeClr val="accent1"/>
+          </a:effectRef>
+          <a:fontRef idx="minor">
+            <a:schemeClr val="tx1"/>
+          </a:fontRef>
+        </p:style>
+      </p:cxnSp>
+      <p:sp>
+        <p:nvSpPr>
+          <p:cNvPr id="15" name="TextBox 14"/>
+          <p:cNvSpPr txBox="1"/>
+          <p:nvPr/>
+        </p:nvSpPr>
+        <p:spPr>
+          <a:xfrm>
+            <a:off x="1436752" y="6153090"/>
+            <a:ext cx="2220848" cy="400110"/>
+          </a:xfrm>
+          <a:prstGeom prst="rect">
+            <a:avLst/>
+          </a:prstGeom>
+          <a:noFill/>
+        </p:spPr>
+        <p:txBody>
+          <a:bodyPr wrap="square" rtlCol="0">
+            <a:spAutoFit/>
+          </a:bodyPr>
+          <a:lstStyle/>
+          <a:p>
+            <a:pPr>
+              <a:spcBef>
+                <a:spcPts val="600"/>
+              </a:spcBef>
+              <a:spcAft>
+                <a:spcPts val="600"/>
+              </a:spcAft>
+            </a:pPr>
+            <a:r>
+              <a:rPr lang="en-US" sz="2000" b="1" dirty="0" smtClean="0">
+                <a:solidFill>
+                  <a:prstClr val="black"/>
+                </a:solidFill>
+                <a:latin typeface="Comic Sans MS" pitchFamily="66" charset="0"/>
+              </a:rPr>
+              <a:t>Radial Cutoff</a:t>
+            </a:r>
+            <a:endParaRPr lang="en-US" sz="2000" b="1" dirty="0">
+              <a:solidFill>
+                <a:prstClr val="black"/>
+              </a:solidFill>
+              <a:latin typeface="Comic Sans MS" pitchFamily="66" charset="0"/>
+            </a:endParaRPr>
+          </a:p>
+        </p:txBody>
+      </p:sp>
+      <p:sp>
+        <p:nvSpPr>
+          <p:cNvPr id="16" name="TextBox 15"/>
+          <p:cNvSpPr txBox="1"/>
+          <p:nvPr/>
+        </p:nvSpPr>
+        <p:spPr>
+          <a:xfrm>
+            <a:off x="2427352" y="4835258"/>
+            <a:ext cx="2220848" cy="707886"/>
+          </a:xfrm>
+          <a:prstGeom prst="rect">
+            <a:avLst/>
+          </a:prstGeom>
+          <a:noFill/>
+        </p:spPr>
+        <p:txBody>
+          <a:bodyPr wrap="square" rtlCol="0">
+            <a:spAutoFit/>
+          </a:bodyPr>
+          <a:lstStyle/>
+          <a:p>
+            <a:pPr>
+              <a:spcBef>
+                <a:spcPts val="600"/>
+              </a:spcBef>
+              <a:spcAft>
+                <a:spcPts val="600"/>
+              </a:spcAft>
+            </a:pPr>
+            <a:r>
+              <a:rPr lang="en-US" sz="2000" b="1" dirty="0" smtClean="0">
+                <a:solidFill>
+                  <a:prstClr val="black"/>
+                </a:solidFill>
+                <a:latin typeface="Comic Sans MS" pitchFamily="66" charset="0"/>
+              </a:rPr>
+              <a:t>Numerical Threshold </a:t>
+            </a:r>
+            <a:endParaRPr lang="en-US" sz="2000" b="1" dirty="0">
+              <a:solidFill>
+                <a:prstClr val="black"/>
+              </a:solidFill>
+              <a:latin typeface="Comic Sans MS" pitchFamily="66" charset="0"/>
+            </a:endParaRPr>
+          </a:p>
+        </p:txBody>
+      </p:sp>
+      <p:sp>
+        <p:nvSpPr>
+          <p:cNvPr id="17" name="TextBox 16"/>
+          <p:cNvSpPr txBox="1"/>
+          <p:nvPr/>
+        </p:nvSpPr>
+        <p:spPr>
+          <a:xfrm>
+            <a:off x="4038600" y="4230231"/>
+            <a:ext cx="5268848" cy="2246769"/>
+          </a:xfrm>
+          <a:prstGeom prst="rect">
+            <a:avLst/>
+          </a:prstGeom>
+          <a:noFill/>
+        </p:spPr>
+        <p:txBody>
+          <a:bodyPr wrap="square" rtlCol="0">
+            <a:spAutoFit/>
+          </a:bodyPr>
+          <a:lstStyle/>
+          <a:p>
+            <a:pPr>
+              <a:spcBef>
+                <a:spcPts val="600"/>
+              </a:spcBef>
+              <a:spcAft>
+                <a:spcPts val="600"/>
+              </a:spcAft>
+            </a:pPr>
+            <a:r>
+              <a:rPr lang="en-US" sz="2400" dirty="0" smtClean="0">
+                <a:solidFill>
+                  <a:prstClr val="black"/>
+                </a:solidFill>
+                <a:latin typeface="Comic Sans MS" pitchFamily="66" charset="0"/>
+              </a:rPr>
+              <a:t>Two ways to achieve </a:t>
+            </a:r>
+            <a:r>
+              <a:rPr lang="en-US" sz="2400" dirty="0" err="1" smtClean="0">
+                <a:solidFill>
+                  <a:prstClr val="black"/>
+                </a:solidFill>
+                <a:latin typeface="Comic Sans MS" pitchFamily="66" charset="0"/>
+              </a:rPr>
+              <a:t>sparsity</a:t>
+            </a:r>
+            <a:r>
+              <a:rPr lang="en-US" sz="2400" dirty="0" smtClean="0">
+                <a:solidFill>
+                  <a:prstClr val="black"/>
+                </a:solidFill>
+                <a:latin typeface="Comic Sans MS" pitchFamily="66" charset="0"/>
+              </a:rPr>
+              <a:t>:</a:t>
+            </a:r>
+          </a:p>
+          <a:p>
+            <a:pPr marL="342900" indent="-342900">
+              <a:spcBef>
+                <a:spcPts val="600"/>
+              </a:spcBef>
+              <a:spcAft>
+                <a:spcPts val="600"/>
+              </a:spcAft>
+              <a:buFont typeface="Arial" pitchFamily="34" charset="0"/>
+              <a:buChar char="•"/>
+            </a:pPr>
+            <a:r>
+              <a:rPr lang="en-US" sz="2400" b="1" dirty="0" smtClean="0">
+                <a:solidFill>
+                  <a:prstClr val="black"/>
+                </a:solidFill>
+                <a:latin typeface="Comic Sans MS" pitchFamily="66" charset="0"/>
+              </a:rPr>
+              <a:t>Zero elements w/separation greater than radial cutoff</a:t>
+            </a:r>
+          </a:p>
+          <a:p>
+            <a:pPr marL="342900" indent="-342900">
+              <a:spcBef>
+                <a:spcPts val="600"/>
+              </a:spcBef>
+              <a:spcAft>
+                <a:spcPts val="600"/>
+              </a:spcAft>
+              <a:buFont typeface="Arial" pitchFamily="34" charset="0"/>
+              <a:buChar char="•"/>
+            </a:pPr>
+            <a:r>
+              <a:rPr lang="en-US" sz="2400" b="1" dirty="0" smtClean="0">
+                <a:solidFill>
+                  <a:prstClr val="black"/>
+                </a:solidFill>
+                <a:latin typeface="Comic Sans MS" pitchFamily="66" charset="0"/>
+              </a:rPr>
+              <a:t>Zero elements smaller than numerical threshold </a:t>
+            </a:r>
+            <a:endParaRPr lang="en-US" sz="2400" b="1" dirty="0">
+              <a:solidFill>
+                <a:prstClr val="black"/>
+              </a:solidFill>
+              <a:latin typeface="Comic Sans MS" pitchFamily="66" charset="0"/>
+            </a:endParaRPr>
+          </a:p>
+        </p:txBody>
+      </p:sp>
+      <p:pic>
+        <p:nvPicPr>
+          <p:cNvPr id="18" name="Picture 17"/>
+          <p:cNvPicPr>
+            <a:picLocks noChangeAspect="1"/>
+          </p:cNvPicPr>
+          <p:nvPr/>
+        </p:nvPicPr>
+        <p:blipFill>
+          <a:blip r:embed="rId5" cstate="print">
+            <a:extLst>
+              <a:ext uri="{28A0092B-C50C-407E-A947-70E740481C1C}">
+                <a14:useLocalDpi xmlns:a14="http://schemas.microsoft.com/office/drawing/2010/main" val="0"/>
+              </a:ext>
+            </a:extLst>
+          </a:blip>
+          <a:stretch>
+            <a:fillRect/>
+          </a:stretch>
+        </p:blipFill>
+        <p:spPr>
+          <a:xfrm>
+            <a:off x="7635240" y="1644247"/>
+            <a:ext cx="1280160" cy="1479953"/>
+          </a:xfrm>
+          <a:prstGeom prst="rect">
+            <a:avLst/>
+          </a:prstGeom>
+        </p:spPr>
+      </p:pic>
+      <p:pic>
+        <p:nvPicPr>
+          <p:cNvPr id="2" name="Picture 1"/>
+          <p:cNvPicPr>
+            <a:picLocks noChangeAspect="1"/>
+          </p:cNvPicPr>
+          <p:nvPr/>
+        </p:nvPicPr>
+        <p:blipFill>
+          <a:blip r:embed="rId6" cstate="print">
+            <a:extLst>
+              <a:ext uri="{28A0092B-C50C-407E-A947-70E740481C1C}">
+                <a14:useLocalDpi xmlns:a14="http://schemas.microsoft.com/office/drawing/2010/main" val="0"/>
+              </a:ext>
+            </a:extLst>
+          </a:blip>
+          <a:stretch>
+            <a:fillRect/>
+          </a:stretch>
+        </p:blipFill>
+        <p:spPr>
+          <a:xfrm>
+            <a:off x="6827520" y="842179"/>
+            <a:ext cx="2011680" cy="758021"/>
+          </a:xfrm>
+          <a:prstGeom prst="rect">
+            <a:avLst/>
+          </a:prstGeom>
+        </p:spPr>
+      </p:pic>
+    </p:spTree>
+    <p:extLst>
+      <p:ext uri="{BB962C8B-B14F-4D97-AF65-F5344CB8AC3E}">
+        <p14:creationId xmlns:p14="http://schemas.microsoft.com/office/powerpoint/2010/main" val="3717172050"/>
+      </p:ext>
+    </p:extLst>
+  </p:cSld>
+  <p:clrMapOvr>
+    <a:masterClrMapping/>
+  </p:clrMapOvr>
+  <p:timing>
+    <p:tnLst>
+      <p:par>
+        <p:cTn id="1" dur="indefinite" restart="never" nodeType="tmRoot"/>
+      </p:par>
+    </p:tnLst>
+  </p:timing>
+</p:sld>
+</file>
+
+<file path=ppt/slides/slide4.xml><?xml version="1.0" encoding="utf-8"?>
+<p:sld xmlns:a="http://schemas.openxmlformats.org/drawingml/2006/main" xmlns:r="http://schemas.openxmlformats.org/officeDocument/2006/relationships" xmlns:p="http://schemas.openxmlformats.org/presentationml/2006/main">
+  <p:cSld>
+    <p:spTree>
+      <p:nvGrpSpPr>
+        <p:cNvPr id="1" name=""/>
+        <p:cNvGrpSpPr/>
+        <p:nvPr/>
+      </p:nvGrpSpPr>
+      <p:grpSpPr>
+        <a:xfrm>
+          <a:off x="0" y="0"/>
+          <a:ext cx="0" cy="0"/>
+          <a:chOff x="0" y="0"/>
+          <a:chExt cx="0" cy="0"/>
+        </a:xfrm>
+      </p:grpSpPr>
+      <p:sp>
+        <p:nvSpPr>
+          <p:cNvPr id="4" name="TextBox 3"/>
+          <p:cNvSpPr txBox="1"/>
+          <p:nvPr/>
+        </p:nvSpPr>
+        <p:spPr>
+          <a:xfrm>
+            <a:off x="228600" y="1288474"/>
+            <a:ext cx="8534400" cy="11884422"/>
+          </a:xfrm>
+          <a:prstGeom prst="rect">
+            <a:avLst/>
+          </a:prstGeom>
+          <a:solidFill>
+            <a:schemeClr val="bg1"/>
+          </a:solidFill>
+        </p:spPr>
+        <p:txBody>
+          <a:bodyPr wrap="square" lIns="82945" tIns="41473" rIns="82945" bIns="41473" rtlCol="0">
+            <a:spAutoFit/>
+          </a:bodyPr>
+          <a:lstStyle/>
+          <a:p>
+            <a:r>
+              <a:rPr lang="en-US" sz="2200" dirty="0" smtClean="0">
+                <a:latin typeface="+mj-lt"/>
+                <a:cs typeface="Times New Roman" pitchFamily="18" charset="0"/>
+              </a:rPr>
+              <a:t>From bond-breaking to</a:t>
+            </a:r>
+            <a:r>
+              <a:rPr lang="en-US" sz="2200" dirty="0">
+                <a:latin typeface="+mj-lt"/>
+                <a:cs typeface="Times New Roman" pitchFamily="18" charset="0"/>
+              </a:rPr>
+              <a:t> </a:t>
+            </a:r>
+            <a:r>
+              <a:rPr lang="en-US" sz="2200" dirty="0" smtClean="0">
+                <a:latin typeface="+mj-lt"/>
+                <a:cs typeface="Times New Roman" pitchFamily="18" charset="0"/>
+              </a:rPr>
+              <a:t>long-range entanglement,  a host of technologically important properties emerge from long-range, strong-correlation effects.  </a:t>
+            </a:r>
+          </a:p>
+          <a:p>
+            <a:endParaRPr lang="en-US" sz="2200" dirty="0">
+              <a:latin typeface="+mj-lt"/>
+              <a:cs typeface="Times New Roman" pitchFamily="18" charset="0"/>
+            </a:endParaRPr>
+          </a:p>
+          <a:p>
+            <a:r>
+              <a:rPr lang="en-US" sz="2200" dirty="0" smtClean="0">
+                <a:latin typeface="+mj-lt"/>
+                <a:cs typeface="Times New Roman" pitchFamily="18" charset="0"/>
+              </a:rPr>
+              <a:t>These long range effects involve slow decay due to metric (basis) </a:t>
+            </a:r>
+            <a:r>
+              <a:rPr lang="en-US" sz="2200" dirty="0" smtClean="0">
+                <a:latin typeface="+mj-lt"/>
+                <a:cs typeface="Times New Roman" pitchFamily="18" charset="0"/>
+              </a:rPr>
+              <a:t>and gap ill-conditioning.   </a:t>
+            </a:r>
+            <a:endParaRPr lang="en-US" sz="2200" dirty="0" smtClean="0">
+              <a:latin typeface="+mj-lt"/>
+              <a:cs typeface="Times New Roman" pitchFamily="18" charset="0"/>
+            </a:endParaRPr>
+          </a:p>
+          <a:p>
+            <a:endParaRPr lang="en-US" sz="2200" dirty="0">
+              <a:latin typeface="+mj-lt"/>
+              <a:cs typeface="Times New Roman" pitchFamily="18" charset="0"/>
+            </a:endParaRPr>
+          </a:p>
+          <a:p>
+            <a:endParaRPr lang="en-US" sz="2200" dirty="0" smtClean="0">
+              <a:latin typeface="+mj-lt"/>
+              <a:cs typeface="Times New Roman" pitchFamily="18" charset="0"/>
+            </a:endParaRPr>
+          </a:p>
+          <a:p>
+            <a:endParaRPr lang="en-US" sz="2200" dirty="0">
+              <a:latin typeface="+mj-lt"/>
+              <a:cs typeface="Times New Roman" pitchFamily="18" charset="0"/>
+            </a:endParaRPr>
+          </a:p>
+          <a:p>
+            <a:endParaRPr lang="en-US" sz="2200" dirty="0" smtClean="0">
+              <a:latin typeface="+mj-lt"/>
+              <a:cs typeface="Times New Roman" pitchFamily="18" charset="0"/>
+            </a:endParaRPr>
+          </a:p>
+          <a:p>
+            <a:endParaRPr lang="en-US" sz="2200" dirty="0">
+              <a:latin typeface="+mj-lt"/>
+              <a:cs typeface="Times New Roman" pitchFamily="18" charset="0"/>
+            </a:endParaRPr>
+          </a:p>
+          <a:p>
+            <a:r>
+              <a:rPr lang="en-US" sz="2200" dirty="0" smtClean="0">
+                <a:latin typeface="+mj-lt"/>
+                <a:cs typeface="Times New Roman" pitchFamily="18" charset="0"/>
+              </a:rPr>
+              <a:t>Most </a:t>
+            </a:r>
+            <a:r>
+              <a:rPr lang="en-US" sz="2200" dirty="0" smtClean="0">
+                <a:latin typeface="+mj-lt"/>
+                <a:cs typeface="Times New Roman" pitchFamily="18" charset="0"/>
+              </a:rPr>
+              <a:t>interesting and technologically important problems involve strong electron correlation, which is a long-range, delocalized quantum effect. </a:t>
+            </a:r>
+          </a:p>
+          <a:p>
+            <a:endParaRPr lang="en-US" sz="2200" dirty="0" smtClean="0">
+              <a:latin typeface="+mj-lt"/>
+              <a:cs typeface="Times New Roman" pitchFamily="18" charset="0"/>
+            </a:endParaRPr>
+          </a:p>
+          <a:p>
+            <a:endParaRPr lang="en-US" sz="2200" dirty="0">
+              <a:latin typeface="+mj-lt"/>
+              <a:cs typeface="Times New Roman" pitchFamily="18" charset="0"/>
+            </a:endParaRPr>
+          </a:p>
+          <a:p>
+            <a:endParaRPr lang="en-US" sz="2200" dirty="0">
+              <a:latin typeface="+mj-lt"/>
+              <a:cs typeface="Times New Roman" pitchFamily="18" charset="0"/>
+            </a:endParaRPr>
+          </a:p>
+          <a:p>
+            <a:r>
+              <a:rPr lang="en-US" sz="2200" dirty="0" smtClean="0">
+                <a:latin typeface="+mj-lt"/>
+                <a:cs typeface="Times New Roman" pitchFamily="18" charset="0"/>
+              </a:rPr>
+              <a:t>Vacancy </a:t>
+            </a:r>
+            <a:r>
+              <a:rPr lang="en-US" sz="2200" dirty="0">
+                <a:latin typeface="+mj-lt"/>
+                <a:cs typeface="Times New Roman" pitchFamily="18" charset="0"/>
+              </a:rPr>
+              <a:t>defects control insulator-to-metal transition in </a:t>
+            </a:r>
+            <a:r>
+              <a:rPr lang="en-US" sz="2200" dirty="0" err="1">
+                <a:latin typeface="+mj-lt"/>
+                <a:cs typeface="Times New Roman" pitchFamily="18" charset="0"/>
+              </a:rPr>
+              <a:t>Perovskites</a:t>
+            </a:r>
+            <a:r>
+              <a:rPr lang="en-US" sz="2200" dirty="0">
+                <a:latin typeface="+mj-lt"/>
+                <a:cs typeface="Times New Roman" pitchFamily="18" charset="0"/>
+              </a:rPr>
+              <a:t>:</a:t>
+            </a:r>
+          </a:p>
+          <a:p>
+            <a:pPr marL="311045" indent="-311045">
+              <a:spcBef>
+                <a:spcPts val="544"/>
+              </a:spcBef>
+              <a:spcAft>
+                <a:spcPts val="544"/>
+              </a:spcAft>
+              <a:buFont typeface="Wingdings" pitchFamily="2" charset="2"/>
+              <a:buChar char="ü"/>
+            </a:pPr>
+            <a:r>
+              <a:rPr lang="en-US" sz="2000" dirty="0">
+                <a:latin typeface="+mj-lt"/>
+                <a:cs typeface="Times New Roman" pitchFamily="18" charset="0"/>
+              </a:rPr>
+              <a:t>Field induced switching of conductance</a:t>
+            </a:r>
+          </a:p>
+          <a:p>
+            <a:pPr marL="311045" indent="-311045">
+              <a:spcBef>
+                <a:spcPts val="544"/>
+              </a:spcBef>
+              <a:spcAft>
+                <a:spcPts val="544"/>
+              </a:spcAft>
+              <a:buFont typeface="Wingdings" pitchFamily="2" charset="2"/>
+              <a:buChar char="ü"/>
+            </a:pPr>
+            <a:r>
+              <a:rPr lang="en-US" sz="2000" i="1" dirty="0">
+                <a:latin typeface="+mj-lt"/>
+                <a:cs typeface="Times New Roman" pitchFamily="18" charset="0"/>
+              </a:rPr>
+              <a:t>Self-healing of induced vacancy defect</a:t>
+            </a:r>
+            <a:r>
+              <a:rPr lang="en-US" sz="2000" dirty="0">
+                <a:latin typeface="+mj-lt"/>
+                <a:cs typeface="Times New Roman" pitchFamily="18" charset="0"/>
+              </a:rPr>
+              <a:t>s</a:t>
+            </a:r>
+          </a:p>
+          <a:p>
+            <a:pPr marL="311045" indent="-311045">
+              <a:spcBef>
+                <a:spcPts val="544"/>
+              </a:spcBef>
+              <a:spcAft>
+                <a:spcPts val="544"/>
+              </a:spcAft>
+              <a:buFont typeface="Wingdings" pitchFamily="2" charset="2"/>
+              <a:buChar char="ü"/>
+            </a:pPr>
+            <a:r>
+              <a:rPr lang="en-US" sz="2000" dirty="0">
+                <a:latin typeface="+mj-lt"/>
+                <a:cs typeface="Times New Roman" pitchFamily="18" charset="0"/>
+              </a:rPr>
+              <a:t>Resistance Change Memory</a:t>
+            </a:r>
+          </a:p>
+          <a:p>
+            <a:pPr>
+              <a:spcBef>
+                <a:spcPts val="544"/>
+              </a:spcBef>
+              <a:spcAft>
+                <a:spcPts val="544"/>
+              </a:spcAft>
+            </a:pPr>
+            <a:r>
+              <a:rPr lang="en-US" sz="2200" dirty="0">
+                <a:latin typeface="+mj-lt"/>
+                <a:cs typeface="Times New Roman" pitchFamily="18" charset="0"/>
+              </a:rPr>
+              <a:t>Exchange &amp; correlation holes control onset of metallization: </a:t>
+            </a:r>
+          </a:p>
+          <a:p>
+            <a:pPr marL="311045" indent="-311045">
+              <a:spcBef>
+                <a:spcPts val="544"/>
+              </a:spcBef>
+              <a:spcAft>
+                <a:spcPts val="544"/>
+              </a:spcAft>
+              <a:buFont typeface="Arial" pitchFamily="34" charset="0"/>
+              <a:buChar char="•"/>
+            </a:pPr>
+            <a:r>
+              <a:rPr lang="en-US" sz="2000" dirty="0">
+                <a:latin typeface="+mj-lt"/>
+                <a:cs typeface="Times New Roman" pitchFamily="18" charset="0"/>
+              </a:rPr>
+              <a:t>Vacancies create strong, static correlations delocalized over many centers </a:t>
+            </a:r>
+          </a:p>
+          <a:p>
+            <a:pPr marL="311045" indent="-311045">
+              <a:spcBef>
+                <a:spcPts val="544"/>
+              </a:spcBef>
+              <a:spcAft>
+                <a:spcPts val="544"/>
+              </a:spcAft>
+              <a:buFont typeface="Arial" pitchFamily="34" charset="0"/>
+              <a:buChar char="•"/>
+            </a:pPr>
+            <a:r>
+              <a:rPr lang="en-US" sz="2000" dirty="0">
+                <a:latin typeface="+mj-lt"/>
+                <a:cs typeface="Times New Roman" pitchFamily="18" charset="0"/>
+              </a:rPr>
+              <a:t>Only now, </a:t>
+            </a:r>
+            <a:r>
+              <a:rPr lang="en-US" sz="2000" dirty="0" err="1">
+                <a:latin typeface="+mj-lt"/>
+                <a:cs typeface="Times New Roman" pitchFamily="18" charset="0"/>
+              </a:rPr>
+              <a:t>functionals</a:t>
+            </a:r>
+            <a:r>
+              <a:rPr lang="en-US" sz="2000" dirty="0">
+                <a:latin typeface="+mj-lt"/>
+                <a:cs typeface="Times New Roman" pitchFamily="18" charset="0"/>
+              </a:rPr>
+              <a:t> based on long-ranged </a:t>
+            </a:r>
+            <a:r>
+              <a:rPr lang="en-US" sz="2000" dirty="0" err="1">
+                <a:latin typeface="+mj-lt"/>
+                <a:cs typeface="Times New Roman" pitchFamily="18" charset="0"/>
+              </a:rPr>
+              <a:t>Fock</a:t>
+            </a:r>
+            <a:r>
+              <a:rPr lang="en-US" sz="2000" dirty="0">
+                <a:latin typeface="+mj-lt"/>
+                <a:cs typeface="Times New Roman" pitchFamily="18" charset="0"/>
+              </a:rPr>
+              <a:t> exchange (range separated &amp; B13strong) can start to explain</a:t>
+            </a:r>
+          </a:p>
+          <a:p>
+            <a:pPr marL="311045" indent="-311045">
+              <a:spcBef>
+                <a:spcPts val="544"/>
+              </a:spcBef>
+              <a:spcAft>
+                <a:spcPts val="544"/>
+              </a:spcAft>
+              <a:buFont typeface="Arial" pitchFamily="34" charset="0"/>
+              <a:buChar char="•"/>
+            </a:pPr>
+            <a:endParaRPr lang="en-US" sz="400" dirty="0">
+              <a:latin typeface="+mj-lt"/>
+              <a:cs typeface="Times New Roman" pitchFamily="18" charset="0"/>
+            </a:endParaRPr>
+          </a:p>
+          <a:p>
+            <a:r>
+              <a:rPr lang="en-US" sz="2200" dirty="0">
+                <a:latin typeface="+mj-lt"/>
+                <a:cs typeface="Times New Roman" pitchFamily="18" charset="0"/>
+              </a:rPr>
+              <a:t>Towards the metallic edge, fast </a:t>
+            </a:r>
+          </a:p>
+          <a:p>
+            <a:r>
+              <a:rPr lang="en-US" sz="2200" i="1" dirty="0">
+                <a:latin typeface="+mj-lt"/>
+                <a:cs typeface="Times New Roman" pitchFamily="18" charset="0"/>
+              </a:rPr>
+              <a:t>N</a:t>
+            </a:r>
+            <a:r>
+              <a:rPr lang="en-US" sz="2200" dirty="0">
+                <a:latin typeface="+mj-lt"/>
+                <a:cs typeface="Times New Roman" pitchFamily="18" charset="0"/>
+              </a:rPr>
+              <a:t>-Body solvers for slow decay: </a:t>
+            </a:r>
+          </a:p>
+          <a:p>
+            <a:endParaRPr lang="en-US" sz="700" dirty="0">
+              <a:latin typeface="+mj-lt"/>
+              <a:cs typeface="Times New Roman" pitchFamily="18" charset="0"/>
+            </a:endParaRPr>
+          </a:p>
+          <a:p>
+            <a:pPr marL="311045" indent="-311045">
+              <a:buFont typeface="Arial" pitchFamily="34" charset="0"/>
+              <a:buChar char="•"/>
+            </a:pPr>
+            <a:r>
+              <a:rPr lang="en-US" sz="2000" dirty="0" err="1">
+                <a:latin typeface="+mj-lt"/>
+                <a:cs typeface="Courier New" pitchFamily="49" charset="0"/>
+              </a:rPr>
+              <a:t>SpAMM</a:t>
+            </a:r>
+            <a:r>
+              <a:rPr lang="en-US" sz="2000" dirty="0">
+                <a:latin typeface="+mj-lt"/>
+                <a:cs typeface="Times New Roman" pitchFamily="18" charset="0"/>
+              </a:rPr>
+              <a:t>  solver for insulator/metal </a:t>
+            </a:r>
+          </a:p>
+          <a:p>
+            <a:r>
+              <a:rPr lang="en-US" sz="2000" dirty="0">
+                <a:latin typeface="+mj-lt"/>
+                <a:cs typeface="Times New Roman" pitchFamily="18" charset="0"/>
+              </a:rPr>
+              <a:t>transition in CNTs by LDA/</a:t>
+            </a:r>
+            <a:r>
+              <a:rPr lang="en-US" sz="2000" dirty="0" err="1">
+                <a:latin typeface="+mj-lt"/>
+                <a:cs typeface="Times New Roman" pitchFamily="18" charset="0"/>
+              </a:rPr>
+              <a:t>Fock</a:t>
+            </a:r>
+            <a:r>
+              <a:rPr lang="en-US" sz="2000" dirty="0">
+                <a:latin typeface="+mj-lt"/>
+                <a:cs typeface="Times New Roman" pitchFamily="18" charset="0"/>
+              </a:rPr>
+              <a:t> mixing</a:t>
+            </a:r>
+          </a:p>
+          <a:p>
+            <a:endParaRPr lang="en-US" sz="700" dirty="0">
+              <a:latin typeface="+mj-lt"/>
+              <a:cs typeface="Times New Roman" pitchFamily="18" charset="0"/>
+            </a:endParaRPr>
+          </a:p>
+          <a:p>
+            <a:pPr marL="311045" indent="-311045">
+              <a:buFont typeface="Arial" pitchFamily="34" charset="0"/>
+              <a:buChar char="•"/>
+            </a:pPr>
+            <a:r>
+              <a:rPr lang="en-US" sz="2000" dirty="0">
+                <a:latin typeface="+mj-lt"/>
+                <a:cs typeface="Times New Roman" pitchFamily="18" charset="0"/>
+              </a:rPr>
+              <a:t>Kernel compression for metallic </a:t>
+            </a:r>
+          </a:p>
+          <a:p>
+            <a:r>
+              <a:rPr lang="en-US" sz="2000" dirty="0">
+                <a:latin typeface="+mj-lt"/>
+                <a:cs typeface="Times New Roman" pitchFamily="18" charset="0"/>
+              </a:rPr>
+              <a:t>problems with oscillatory/algebraic decay  </a:t>
+            </a:r>
+          </a:p>
+          <a:p>
+            <a:pPr>
+              <a:spcBef>
+                <a:spcPts val="544"/>
+              </a:spcBef>
+              <a:spcAft>
+                <a:spcPts val="544"/>
+              </a:spcAft>
+            </a:pPr>
+            <a:endParaRPr lang="en-US" dirty="0">
+              <a:latin typeface="+mj-lt"/>
+              <a:cs typeface="Times New Roman" pitchFamily="18" charset="0"/>
+            </a:endParaRPr>
+          </a:p>
+          <a:p>
+            <a:pPr>
+              <a:spcBef>
+                <a:spcPts val="544"/>
+              </a:spcBef>
+              <a:spcAft>
+                <a:spcPts val="544"/>
+              </a:spcAft>
+            </a:pPr>
+            <a:endParaRPr lang="en-US" sz="2000" dirty="0">
+              <a:latin typeface="+mj-lt"/>
+              <a:cs typeface="Times New Roman" pitchFamily="18" charset="0"/>
+            </a:endParaRPr>
+          </a:p>
+        </p:txBody>
+      </p:sp>
+      <p:sp>
+        <p:nvSpPr>
+          <p:cNvPr id="40" name="TextShape 2"/>
+          <p:cNvSpPr txBox="1"/>
+          <p:nvPr/>
+        </p:nvSpPr>
+        <p:spPr>
+          <a:xfrm>
+            <a:off x="662088" y="152400"/>
+            <a:ext cx="8024712" cy="609600"/>
+          </a:xfrm>
+          <a:prstGeom prst="rect">
+            <a:avLst/>
+          </a:prstGeom>
+        </p:spPr>
+        <p:txBody>
+          <a:bodyPr wrap="none" lIns="81639" tIns="40820" rIns="81639" bIns="40820"/>
+          <a:lstStyle/>
+          <a:p>
+            <a:r>
+              <a:rPr lang="en-US" sz="3200" b="1" dirty="0" smtClean="0">
+                <a:latin typeface="Comic Sans MS" pitchFamily="66" charset="0"/>
+              </a:rPr>
+              <a:t>Real Wave-Functions Have Extent:</a:t>
+            </a:r>
+          </a:p>
+          <a:p>
+            <a:r>
+              <a:rPr lang="en-US" sz="3200" b="1" dirty="0" smtClean="0">
+                <a:latin typeface="Comic Sans MS" pitchFamily="66" charset="0"/>
+              </a:rPr>
+              <a:t>Ill-Conditioning </a:t>
+            </a:r>
+            <a:r>
+              <a:rPr lang="en-US" sz="3200" b="1" dirty="0" smtClean="0">
+                <a:latin typeface="Comic Sans MS" pitchFamily="66" charset="0"/>
+              </a:rPr>
+              <a:t>in Electronic Structure </a:t>
+            </a:r>
+            <a:endParaRPr sz="3200" b="1" dirty="0">
+              <a:latin typeface="Comic Sans MS" pitchFamily="66" charset="0"/>
+            </a:endParaRPr>
+          </a:p>
+        </p:txBody>
+      </p:sp>
+      <p:sp>
+        <p:nvSpPr>
+          <p:cNvPr id="41" name="TextShape 3"/>
+          <p:cNvSpPr txBox="1"/>
+          <p:nvPr/>
+        </p:nvSpPr>
+        <p:spPr>
+          <a:xfrm>
+            <a:off x="786988" y="2781855"/>
+            <a:ext cx="7796736" cy="5935364"/>
+          </a:xfrm>
+          <a:prstGeom prst="rect">
+            <a:avLst/>
+          </a:prstGeom>
+        </p:spPr>
+        <p:txBody>
+          <a:bodyPr wrap="none" lIns="81639" tIns="40820" rIns="81639" bIns="40820"/>
+          <a:lstStyle/>
+          <a:p>
+            <a:endParaRPr dirty="0"/>
+          </a:p>
+        </p:txBody>
+      </p:sp>
+      <p:pic>
+        <p:nvPicPr>
+          <p:cNvPr id="6" name="Picture 5"/>
+          <p:cNvPicPr>
+            <a:picLocks noChangeAspect="1"/>
+          </p:cNvPicPr>
+          <p:nvPr/>
+        </p:nvPicPr>
+        <p:blipFill rotWithShape="1">
+          <a:blip r:embed="rId2">
+            <a:extLst>
+              <a:ext uri="{28A0092B-C50C-407E-A947-70E740481C1C}">
+                <a14:useLocalDpi xmlns:a14="http://schemas.microsoft.com/office/drawing/2010/main" val="0"/>
+              </a:ext>
+            </a:extLst>
+          </a:blip>
+          <a:srcRect l="11240" t="8334" r="8441" b="8603"/>
+          <a:stretch/>
+        </p:blipFill>
+        <p:spPr>
+          <a:xfrm>
+            <a:off x="5638800" y="4288729"/>
+            <a:ext cx="2834640" cy="2340671"/>
+          </a:xfrm>
+          <a:prstGeom prst="rect">
+            <a:avLst/>
+          </a:prstGeom>
+        </p:spPr>
+      </p:pic>
+    </p:spTree>
+    <p:extLst>
+      <p:ext uri="{BB962C8B-B14F-4D97-AF65-F5344CB8AC3E}">
+        <p14:creationId xmlns:p14="http://schemas.microsoft.com/office/powerpoint/2010/main" val="3102212630"/>
+      </p:ext>
+    </p:extLst>
+  </p:cSld>
+  <p:clrMapOvr>
+    <a:masterClrMapping/>
+  </p:clrMapOvr>
+  <p:timing>
+    <p:tnLst>
+      <p:par>
+        <p:cTn id="1" dur="indefinite" restart="never" nodeType="tmRoot">
+          <p:childTnLst>
+            <p:seq>
+              <p:cTn id="2" nodeType="mainSeq"/>
+              <p:prevCondLst>
+                <p:cond evt="onPrev" delay="0">
+                  <p:tgtEl>
+                    <p:sldTgt/>
+                  </p:tgtEl>
+                </p:cond>
+              </p:prevCondLst>
+              <p:nextCondLst>
+                <p:cond evt="onNext" delay="0">
+                  <p:tgtEl>
+                    <p:sldTgt/>
+                  </p:tgtEl>
+                </p:cond>
+              </p:nextCondLst>
+            </p:seq>
+          </p:childTnLst>
+        </p:cTn>
+      </p:par>
+    </p:tnLst>
+  </p:timing>
+</p:sld>
+</file>
+
+<file path=ppt/slides/slide5.xml><?xml version="1.0" encoding="utf-8"?>
+<p:sld xmlns:a="http://schemas.openxmlformats.org/drawingml/2006/main" xmlns:r="http://schemas.openxmlformats.org/officeDocument/2006/relationships" xmlns:p="http://schemas.openxmlformats.org/presentationml/2006/main">
+  <p:cSld>
+    <p:spTree>
+      <p:nvGrpSpPr>
+        <p:cNvPr id="1" name=""/>
+        <p:cNvGrpSpPr/>
+        <p:nvPr/>
+      </p:nvGrpSpPr>
+      <p:grpSpPr>
+        <a:xfrm>
+          <a:off x="0" y="0"/>
+          <a:ext cx="0" cy="0"/>
+          <a:chOff x="0" y="0"/>
+          <a:chExt cx="0" cy="0"/>
+        </a:xfrm>
+      </p:grpSpPr>
+      <p:sp>
+        <p:nvSpPr>
+          <p:cNvPr id="4" name="TextBox 3"/>
+          <p:cNvSpPr txBox="1"/>
+          <p:nvPr/>
+        </p:nvSpPr>
+        <p:spPr>
+          <a:xfrm>
+            <a:off x="228600" y="304800"/>
+            <a:ext cx="8458200" cy="7571303"/>
+          </a:xfrm>
+          <a:prstGeom prst="rect">
+            <a:avLst/>
+          </a:prstGeom>
+          <a:noFill/>
+        </p:spPr>
+        <p:txBody>
+          <a:bodyPr wrap="square" rtlCol="0">
+            <a:spAutoFit/>
+          </a:bodyPr>
+          <a:lstStyle/>
+          <a:p>
+            <a:pPr>
+              <a:spcBef>
+                <a:spcPts val="1200"/>
+              </a:spcBef>
+              <a:spcAft>
+                <a:spcPts val="1200"/>
+              </a:spcAft>
+            </a:pPr>
+            <a:r>
+              <a:rPr lang="en-US" sz="3200" b="1" i="1" dirty="0" smtClean="0"/>
+              <a:t>N</a:t>
+            </a:r>
+            <a:r>
+              <a:rPr lang="en-US" sz="3200" b="1" dirty="0" smtClean="0"/>
+              <a:t>-Body Solvers in the Information, Physical &amp; Computer Sciences</a:t>
+            </a:r>
+            <a:endParaRPr lang="en-US" sz="3200" b="1" dirty="0"/>
+          </a:p>
+          <a:p>
+            <a:pPr marL="457200" indent="-457200">
+              <a:spcBef>
+                <a:spcPts val="1200"/>
+              </a:spcBef>
+              <a:spcAft>
+                <a:spcPts val="1200"/>
+              </a:spcAft>
+              <a:buFont typeface="Arial" pitchFamily="34" charset="0"/>
+              <a:buChar char="•"/>
+            </a:pPr>
+            <a:r>
+              <a:rPr lang="en-US" sz="2400" i="1" dirty="0" smtClean="0"/>
+              <a:t>N</a:t>
+            </a:r>
+            <a:r>
+              <a:rPr lang="en-US" sz="2400" dirty="0" smtClean="0"/>
+              <a:t>-Body solvers combine </a:t>
+            </a:r>
+            <a:r>
+              <a:rPr lang="en-US" sz="2400" b="1" i="1" dirty="0" smtClean="0"/>
+              <a:t>database operations </a:t>
+            </a:r>
+            <a:r>
+              <a:rPr lang="en-US" sz="2400" dirty="0" smtClean="0"/>
+              <a:t>(range &amp; metric queries) with </a:t>
+            </a:r>
+            <a:r>
+              <a:rPr lang="en-US" sz="2400" b="1" i="1" dirty="0" smtClean="0"/>
+              <a:t>locality preserving heuristics</a:t>
+            </a:r>
+            <a:r>
+              <a:rPr lang="en-US" sz="2400" dirty="0" smtClean="0"/>
+              <a:t>, and a wide variety of </a:t>
+            </a:r>
+            <a:r>
+              <a:rPr lang="en-US" sz="2400" b="1" i="1" dirty="0" smtClean="0"/>
+              <a:t>mathematical approximations</a:t>
+            </a:r>
+            <a:r>
+              <a:rPr lang="en-US" sz="2400" dirty="0"/>
+              <a:t>.</a:t>
+            </a:r>
+            <a:r>
+              <a:rPr lang="en-US" sz="2400" dirty="0" smtClean="0"/>
+              <a:t> </a:t>
+            </a:r>
+            <a:r>
+              <a:rPr lang="en-US" sz="2400" u="sng" dirty="0"/>
+              <a:t>E</a:t>
+            </a:r>
+            <a:r>
+              <a:rPr lang="en-US" sz="2400" u="sng" dirty="0" smtClean="0"/>
+              <a:t>xamples</a:t>
+            </a:r>
+            <a:r>
+              <a:rPr lang="en-US" sz="2400" dirty="0" smtClean="0"/>
+              <a:t>: the astrophysical </a:t>
+            </a:r>
+            <a:r>
+              <a:rPr lang="en-US" sz="2400" b="1" i="1" dirty="0" smtClean="0"/>
+              <a:t>Barnes-Hut tree-code</a:t>
+            </a:r>
+            <a:r>
+              <a:rPr lang="en-US" sz="2400" dirty="0" smtClean="0"/>
+              <a:t>, the </a:t>
+            </a:r>
+            <a:r>
+              <a:rPr lang="en-US" sz="2400" b="1" i="1" dirty="0" smtClean="0"/>
+              <a:t>Fast Gauss Transform</a:t>
+            </a:r>
+            <a:r>
+              <a:rPr lang="en-US" sz="2400" dirty="0" smtClean="0"/>
+              <a:t> and so on.</a:t>
+            </a:r>
+          </a:p>
+          <a:p>
+            <a:pPr marL="457200" indent="-457200">
+              <a:spcBef>
+                <a:spcPts val="1800"/>
+              </a:spcBef>
+              <a:spcAft>
+                <a:spcPts val="1800"/>
+              </a:spcAft>
+              <a:buFont typeface="Arial" pitchFamily="34" charset="0"/>
+              <a:buChar char="•"/>
+            </a:pPr>
+            <a:r>
+              <a:rPr lang="en-US" sz="2400" dirty="0" smtClean="0"/>
+              <a:t>The </a:t>
+            </a:r>
+            <a:r>
+              <a:rPr lang="en-US" sz="2400" b="1" i="1" dirty="0" smtClean="0"/>
+              <a:t>generic N-Body </a:t>
+            </a:r>
+            <a:r>
+              <a:rPr lang="en-US" sz="2400" dirty="0" smtClean="0"/>
+              <a:t>model has been extended to a vast number of fast, pairwise (kernel) summation techniques in the information sciences.  </a:t>
+            </a:r>
+            <a:r>
+              <a:rPr lang="en-US" sz="2400" u="sng" dirty="0" smtClean="0"/>
+              <a:t>Examples</a:t>
+            </a:r>
+            <a:r>
+              <a:rPr lang="en-US" sz="2400" dirty="0" smtClean="0"/>
+              <a:t>: see </a:t>
+            </a:r>
+            <a:r>
+              <a:rPr lang="en-US" sz="2400" dirty="0" smtClean="0">
+                <a:hlinkClick r:id="rId2"/>
+              </a:rPr>
+              <a:t>www.fast-lab.org</a:t>
+            </a:r>
+            <a:r>
+              <a:rPr lang="en-US" sz="2400" dirty="0" smtClean="0"/>
+              <a:t>.</a:t>
+            </a:r>
+          </a:p>
+          <a:p>
+            <a:pPr marL="457200" indent="-457200">
+              <a:spcBef>
+                <a:spcPts val="1200"/>
+              </a:spcBef>
+              <a:spcAft>
+                <a:spcPts val="1200"/>
+              </a:spcAft>
+              <a:buFont typeface="Arial" pitchFamily="34" charset="0"/>
+              <a:buChar char="•"/>
+            </a:pPr>
+            <a:r>
+              <a:rPr lang="en-US" sz="2400" dirty="0" smtClean="0"/>
+              <a:t>In </a:t>
+            </a:r>
+            <a:r>
+              <a:rPr lang="en-US" sz="2400" b="1" i="1" dirty="0" smtClean="0"/>
+              <a:t>functional programming</a:t>
+            </a:r>
+            <a:r>
+              <a:rPr lang="en-US" sz="2400" dirty="0" smtClean="0"/>
+              <a:t>,  the </a:t>
+            </a:r>
+            <a:r>
+              <a:rPr lang="en-US" sz="2400" i="1" dirty="0" smtClean="0"/>
+              <a:t>N</a:t>
+            </a:r>
+            <a:r>
+              <a:rPr lang="en-US" sz="2400" dirty="0" smtClean="0"/>
+              <a:t>-Body problem may be developed with the formal properties of </a:t>
+            </a:r>
+            <a:r>
+              <a:rPr lang="en-US" sz="2400" b="1" i="1" dirty="0" err="1" smtClean="0"/>
+              <a:t>generacity</a:t>
+            </a:r>
+            <a:r>
+              <a:rPr lang="en-US" sz="2400" dirty="0" smtClean="0"/>
+              <a:t>,</a:t>
+            </a:r>
+            <a:r>
+              <a:rPr lang="en-US" sz="2400" dirty="0"/>
+              <a:t> </a:t>
+            </a:r>
+            <a:r>
+              <a:rPr lang="en-US" sz="2400" dirty="0" smtClean="0"/>
+              <a:t>involving map, fold, reduce &amp; </a:t>
+            </a:r>
+            <a:r>
+              <a:rPr lang="en-US" sz="2400" i="1" dirty="0" smtClean="0"/>
+              <a:t>etc</a:t>
+            </a:r>
+            <a:r>
+              <a:rPr lang="en-US" sz="2400" dirty="0" smtClean="0"/>
+              <a:t>.  </a:t>
+            </a:r>
+            <a:r>
+              <a:rPr lang="en-US" sz="2400" u="sng" dirty="0" smtClean="0"/>
+              <a:t>Examples</a:t>
+            </a:r>
+            <a:r>
+              <a:rPr lang="en-US" sz="2400" dirty="0" smtClean="0"/>
+              <a:t>:  the parallel map skeleton, algorithmic skeleton frameworks and so on. </a:t>
+            </a:r>
+          </a:p>
+          <a:p>
+            <a:pPr marL="457200" indent="-457200">
+              <a:spcBef>
+                <a:spcPts val="1200"/>
+              </a:spcBef>
+              <a:spcAft>
+                <a:spcPts val="1200"/>
+              </a:spcAft>
+              <a:buFont typeface="Arial" pitchFamily="34" charset="0"/>
+              <a:buChar char="•"/>
+            </a:pPr>
+            <a:endParaRPr lang="en-US" sz="2400" b="1" dirty="0"/>
+          </a:p>
+          <a:p>
+            <a:pPr>
+              <a:spcBef>
+                <a:spcPts val="1200"/>
+              </a:spcBef>
+              <a:spcAft>
+                <a:spcPts val="1200"/>
+              </a:spcAft>
+            </a:pPr>
+            <a:endParaRPr lang="en-US" sz="2400" b="1" dirty="0"/>
+          </a:p>
+        </p:txBody>
+      </p:sp>
+    </p:spTree>
+    <p:extLst>
+      <p:ext uri="{BB962C8B-B14F-4D97-AF65-F5344CB8AC3E}">
+        <p14:creationId xmlns:p14="http://schemas.microsoft.com/office/powerpoint/2010/main" val="2396267564"/>
+      </p:ext>
+    </p:extLst>
+  </p:cSld>
+  <p:clrMapOvr>
+    <a:masterClrMapping/>
+  </p:clrMapOvr>
+</p:sld>
+</file>
+
+<file path=ppt/slides/slide6.xml><?xml version="1.0" encoding="utf-8"?>
 <p:sld xmlns:a="http://schemas.openxmlformats.org/drawingml/2006/main" xmlns:r="http://schemas.openxmlformats.org/officeDocument/2006/relationships" xmlns:p="http://schemas.openxmlformats.org/presentationml/2006/main">
   <p:cSld>
     <p:bg>
@@ -10671,7 +14638,7 @@
 </p:sld>
 </file>
 
-<file path=ppt/slides/slide3.xml><?xml version="1.0" encoding="utf-8"?>
+<file path=ppt/slides/slide7.xml><?xml version="1.0" encoding="utf-8"?>
 <p:sld xmlns:a="http://schemas.openxmlformats.org/drawingml/2006/main" xmlns:r="http://schemas.openxmlformats.org/officeDocument/2006/relationships" xmlns:p="http://schemas.openxmlformats.org/presentationml/2006/main">
   <p:cSld>
     <p:bg>
@@ -11059,7 +15026,7 @@
 </p:sld>
 </file>
 
-<file path=ppt/slides/slide4.xml><?xml version="1.0" encoding="utf-8"?>
+<file path=ppt/slides/slide8.xml><?xml version="1.0" encoding="utf-8"?>
 <p:sld xmlns:a="http://schemas.openxmlformats.org/drawingml/2006/main" xmlns:r="http://schemas.openxmlformats.org/officeDocument/2006/relationships" xmlns:p="http://schemas.openxmlformats.org/presentationml/2006/main">
   <p:cSld>
     <p:spTree>
@@ -11508,522 +15475,7 @@
 </p:sld>
 </file>
 
-<file path=ppt/slides/slide5.xml><?xml version="1.0" encoding="utf-8"?>
-<p:sld xmlns:a="http://schemas.openxmlformats.org/drawingml/2006/main" xmlns:r="http://schemas.openxmlformats.org/officeDocument/2006/relationships" xmlns:p="http://schemas.openxmlformats.org/presentationml/2006/main">
-  <p:cSld>
-    <p:spTree>
-      <p:nvGrpSpPr>
-        <p:cNvPr id="1" name=""/>
-        <p:cNvGrpSpPr/>
-        <p:nvPr/>
-      </p:nvGrpSpPr>
-      <p:grpSpPr>
-        <a:xfrm>
-          <a:off x="0" y="0"/>
-          <a:ext cx="0" cy="0"/>
-          <a:chOff x="0" y="0"/>
-          <a:chExt cx="0" cy="0"/>
-        </a:xfrm>
-      </p:grpSpPr>
-      <p:sp>
-        <p:nvSpPr>
-          <p:cNvPr id="4" name="TextBox 3"/>
-          <p:cNvSpPr txBox="1"/>
-          <p:nvPr/>
-        </p:nvSpPr>
-        <p:spPr>
-          <a:xfrm>
-            <a:off x="228600" y="1136074"/>
-            <a:ext cx="8709120" cy="8160326"/>
-          </a:xfrm>
-          <a:prstGeom prst="rect">
-            <a:avLst/>
-          </a:prstGeom>
-          <a:solidFill>
-            <a:schemeClr val="bg1"/>
-          </a:solidFill>
-        </p:spPr>
-        <p:txBody>
-          <a:bodyPr wrap="square" lIns="82945" tIns="41473" rIns="82945" bIns="41473" rtlCol="0">
-            <a:spAutoFit/>
-          </a:bodyPr>
-          <a:lstStyle/>
-          <a:p>
-            <a:r>
-              <a:rPr lang="en-US" sz="2200" b="1" dirty="0" smtClean="0">
-                <a:latin typeface="Times New Roman" pitchFamily="18" charset="0"/>
-                <a:cs typeface="Times New Roman" pitchFamily="18" charset="0"/>
-              </a:rPr>
-              <a:t>Most interesting and technologically important problems involve strong electron correlation, which is a long-range, delocalized quantum effect. </a:t>
-            </a:r>
-          </a:p>
-          <a:p>
-            <a:endParaRPr lang="en-US" sz="2200" b="1" dirty="0" smtClean="0">
-              <a:latin typeface="Times New Roman" pitchFamily="18" charset="0"/>
-              <a:cs typeface="Times New Roman" pitchFamily="18" charset="0"/>
-            </a:endParaRPr>
-          </a:p>
-          <a:p>
-            <a:endParaRPr lang="en-US" sz="2200" b="1" dirty="0">
-              <a:latin typeface="Times New Roman" pitchFamily="18" charset="0"/>
-              <a:cs typeface="Times New Roman" pitchFamily="18" charset="0"/>
-            </a:endParaRPr>
-          </a:p>
-          <a:p>
-            <a:endParaRPr lang="en-US" sz="2200" b="1" dirty="0">
-              <a:latin typeface="Times New Roman" pitchFamily="18" charset="0"/>
-              <a:cs typeface="Times New Roman" pitchFamily="18" charset="0"/>
-            </a:endParaRPr>
-          </a:p>
-          <a:p>
-            <a:r>
-              <a:rPr lang="en-US" sz="2200" b="1" dirty="0" smtClean="0">
-                <a:latin typeface="Times New Roman" pitchFamily="18" charset="0"/>
-                <a:cs typeface="Times New Roman" pitchFamily="18" charset="0"/>
-              </a:rPr>
-              <a:t>Vacancy </a:t>
-            </a:r>
-            <a:r>
-              <a:rPr lang="en-US" sz="2200" b="1" dirty="0">
-                <a:latin typeface="Times New Roman" pitchFamily="18" charset="0"/>
-                <a:cs typeface="Times New Roman" pitchFamily="18" charset="0"/>
-              </a:rPr>
-              <a:t>defects control insulator-to-metal transition in </a:t>
-            </a:r>
-            <a:r>
-              <a:rPr lang="en-US" sz="2200" b="1" dirty="0" err="1">
-                <a:latin typeface="Times New Roman" pitchFamily="18" charset="0"/>
-                <a:cs typeface="Times New Roman" pitchFamily="18" charset="0"/>
-              </a:rPr>
-              <a:t>Perovskites</a:t>
-            </a:r>
-            <a:r>
-              <a:rPr lang="en-US" sz="2200" b="1" dirty="0">
-                <a:latin typeface="Times New Roman" pitchFamily="18" charset="0"/>
-                <a:cs typeface="Times New Roman" pitchFamily="18" charset="0"/>
-              </a:rPr>
-              <a:t>:</a:t>
-            </a:r>
-          </a:p>
-          <a:p>
-            <a:pPr marL="311045" indent="-311045">
-              <a:spcBef>
-                <a:spcPts val="544"/>
-              </a:spcBef>
-              <a:spcAft>
-                <a:spcPts val="544"/>
-              </a:spcAft>
-              <a:buFont typeface="Wingdings" pitchFamily="2" charset="2"/>
-              <a:buChar char="ü"/>
-            </a:pPr>
-            <a:r>
-              <a:rPr lang="en-US" sz="2000" dirty="0">
-                <a:latin typeface="Times New Roman" pitchFamily="18" charset="0"/>
-                <a:cs typeface="Times New Roman" pitchFamily="18" charset="0"/>
-              </a:rPr>
-              <a:t>Field induced switching of conductance</a:t>
-            </a:r>
-          </a:p>
-          <a:p>
-            <a:pPr marL="311045" indent="-311045">
-              <a:spcBef>
-                <a:spcPts val="544"/>
-              </a:spcBef>
-              <a:spcAft>
-                <a:spcPts val="544"/>
-              </a:spcAft>
-              <a:buFont typeface="Wingdings" pitchFamily="2" charset="2"/>
-              <a:buChar char="ü"/>
-            </a:pPr>
-            <a:r>
-              <a:rPr lang="en-US" sz="2000" b="1" i="1" dirty="0">
-                <a:latin typeface="Times New Roman" pitchFamily="18" charset="0"/>
-                <a:cs typeface="Times New Roman" pitchFamily="18" charset="0"/>
-              </a:rPr>
-              <a:t>Self-healing of induced vacancy defect</a:t>
-            </a:r>
-            <a:r>
-              <a:rPr lang="en-US" sz="2000" b="1" dirty="0">
-                <a:latin typeface="Times New Roman" pitchFamily="18" charset="0"/>
-                <a:cs typeface="Times New Roman" pitchFamily="18" charset="0"/>
-              </a:rPr>
-              <a:t>s</a:t>
-            </a:r>
-          </a:p>
-          <a:p>
-            <a:pPr marL="311045" indent="-311045">
-              <a:spcBef>
-                <a:spcPts val="544"/>
-              </a:spcBef>
-              <a:spcAft>
-                <a:spcPts val="544"/>
-              </a:spcAft>
-              <a:buFont typeface="Wingdings" pitchFamily="2" charset="2"/>
-              <a:buChar char="ü"/>
-            </a:pPr>
-            <a:r>
-              <a:rPr lang="en-US" sz="2000" dirty="0">
-                <a:latin typeface="Times New Roman" pitchFamily="18" charset="0"/>
-                <a:cs typeface="Times New Roman" pitchFamily="18" charset="0"/>
-              </a:rPr>
-              <a:t>Resistance Change Memory</a:t>
-            </a:r>
-          </a:p>
-          <a:p>
-            <a:pPr>
-              <a:spcBef>
-                <a:spcPts val="544"/>
-              </a:spcBef>
-              <a:spcAft>
-                <a:spcPts val="544"/>
-              </a:spcAft>
-            </a:pPr>
-            <a:r>
-              <a:rPr lang="en-US" sz="2200" b="1" dirty="0">
-                <a:latin typeface="Times New Roman" pitchFamily="18" charset="0"/>
-                <a:cs typeface="Times New Roman" pitchFamily="18" charset="0"/>
-              </a:rPr>
-              <a:t>Exchange &amp; correlation holes control onset of metallization: </a:t>
-            </a:r>
-          </a:p>
-          <a:p>
-            <a:pPr marL="311045" indent="-311045">
-              <a:spcBef>
-                <a:spcPts val="544"/>
-              </a:spcBef>
-              <a:spcAft>
-                <a:spcPts val="544"/>
-              </a:spcAft>
-              <a:buFont typeface="Arial" pitchFamily="34" charset="0"/>
-              <a:buChar char="•"/>
-            </a:pPr>
-            <a:r>
-              <a:rPr lang="en-US" sz="2000" dirty="0">
-                <a:latin typeface="Times New Roman" pitchFamily="18" charset="0"/>
-                <a:cs typeface="Times New Roman" pitchFamily="18" charset="0"/>
-              </a:rPr>
-              <a:t>Vacancies create strong, static correlations delocalized over many centers </a:t>
-            </a:r>
-          </a:p>
-          <a:p>
-            <a:pPr marL="311045" indent="-311045">
-              <a:spcBef>
-                <a:spcPts val="544"/>
-              </a:spcBef>
-              <a:spcAft>
-                <a:spcPts val="544"/>
-              </a:spcAft>
-              <a:buFont typeface="Arial" pitchFamily="34" charset="0"/>
-              <a:buChar char="•"/>
-            </a:pPr>
-            <a:r>
-              <a:rPr lang="en-US" sz="2000" dirty="0">
-                <a:latin typeface="Times New Roman" pitchFamily="18" charset="0"/>
-                <a:cs typeface="Times New Roman" pitchFamily="18" charset="0"/>
-              </a:rPr>
-              <a:t>Only now, </a:t>
-            </a:r>
-            <a:r>
-              <a:rPr lang="en-US" sz="2000" dirty="0" err="1">
-                <a:latin typeface="Times New Roman" pitchFamily="18" charset="0"/>
-                <a:cs typeface="Times New Roman" pitchFamily="18" charset="0"/>
-              </a:rPr>
-              <a:t>functionals</a:t>
-            </a:r>
-            <a:r>
-              <a:rPr lang="en-US" sz="2000" dirty="0">
-                <a:latin typeface="Times New Roman" pitchFamily="18" charset="0"/>
-                <a:cs typeface="Times New Roman" pitchFamily="18" charset="0"/>
-              </a:rPr>
-              <a:t> based on long-ranged </a:t>
-            </a:r>
-            <a:r>
-              <a:rPr lang="en-US" sz="2000" dirty="0" err="1">
-                <a:latin typeface="Times New Roman" pitchFamily="18" charset="0"/>
-                <a:cs typeface="Times New Roman" pitchFamily="18" charset="0"/>
-              </a:rPr>
-              <a:t>Fock</a:t>
-            </a:r>
-            <a:r>
-              <a:rPr lang="en-US" sz="2000" dirty="0">
-                <a:latin typeface="Times New Roman" pitchFamily="18" charset="0"/>
-                <a:cs typeface="Times New Roman" pitchFamily="18" charset="0"/>
-              </a:rPr>
-              <a:t> exchange (range separated &amp; B13strong) can start to explain</a:t>
-            </a:r>
-          </a:p>
-          <a:p>
-            <a:pPr marL="311045" indent="-311045">
-              <a:spcBef>
-                <a:spcPts val="544"/>
-              </a:spcBef>
-              <a:spcAft>
-                <a:spcPts val="544"/>
-              </a:spcAft>
-              <a:buFont typeface="Arial" pitchFamily="34" charset="0"/>
-              <a:buChar char="•"/>
-            </a:pPr>
-            <a:endParaRPr lang="en-US" sz="400" dirty="0">
-              <a:latin typeface="Times New Roman" pitchFamily="18" charset="0"/>
-              <a:cs typeface="Times New Roman" pitchFamily="18" charset="0"/>
-            </a:endParaRPr>
-          </a:p>
-          <a:p>
-            <a:r>
-              <a:rPr lang="en-US" sz="2200" b="1" dirty="0">
-                <a:latin typeface="Times New Roman" pitchFamily="18" charset="0"/>
-                <a:cs typeface="Times New Roman" pitchFamily="18" charset="0"/>
-              </a:rPr>
-              <a:t>Towards the metallic edge, fast </a:t>
-            </a:r>
-          </a:p>
-          <a:p>
-            <a:r>
-              <a:rPr lang="en-US" sz="2200" b="1" i="1" dirty="0">
-                <a:latin typeface="Times New Roman" pitchFamily="18" charset="0"/>
-                <a:cs typeface="Times New Roman" pitchFamily="18" charset="0"/>
-              </a:rPr>
-              <a:t>N</a:t>
-            </a:r>
-            <a:r>
-              <a:rPr lang="en-US" sz="2200" b="1" dirty="0">
-                <a:latin typeface="Times New Roman" pitchFamily="18" charset="0"/>
-                <a:cs typeface="Times New Roman" pitchFamily="18" charset="0"/>
-              </a:rPr>
-              <a:t>-Body solvers for slow decay: </a:t>
-            </a:r>
-          </a:p>
-          <a:p>
-            <a:endParaRPr lang="en-US" sz="700" dirty="0">
-              <a:latin typeface="Times New Roman" pitchFamily="18" charset="0"/>
-              <a:cs typeface="Times New Roman" pitchFamily="18" charset="0"/>
-            </a:endParaRPr>
-          </a:p>
-          <a:p>
-            <a:pPr marL="311045" indent="-311045">
-              <a:buFont typeface="Arial" pitchFamily="34" charset="0"/>
-              <a:buChar char="•"/>
-            </a:pPr>
-            <a:r>
-              <a:rPr lang="en-US" sz="2000" b="1" dirty="0" err="1">
-                <a:latin typeface="Courier New" pitchFamily="49" charset="0"/>
-                <a:cs typeface="Courier New" pitchFamily="49" charset="0"/>
-              </a:rPr>
-              <a:t>SpAMM</a:t>
-            </a:r>
-            <a:r>
-              <a:rPr lang="en-US" sz="2000" dirty="0">
-                <a:latin typeface="Times New Roman" pitchFamily="18" charset="0"/>
-                <a:cs typeface="Times New Roman" pitchFamily="18" charset="0"/>
-              </a:rPr>
-              <a:t>  solver for insulator/metal </a:t>
-            </a:r>
-          </a:p>
-          <a:p>
-            <a:r>
-              <a:rPr lang="en-US" sz="2000" dirty="0">
-                <a:latin typeface="Times New Roman" pitchFamily="18" charset="0"/>
-                <a:cs typeface="Times New Roman" pitchFamily="18" charset="0"/>
-              </a:rPr>
-              <a:t>transition in CNTs by LDA/</a:t>
-            </a:r>
-            <a:r>
-              <a:rPr lang="en-US" sz="2000" dirty="0" err="1">
-                <a:latin typeface="Times New Roman" pitchFamily="18" charset="0"/>
-                <a:cs typeface="Times New Roman" pitchFamily="18" charset="0"/>
-              </a:rPr>
-              <a:t>Fock</a:t>
-            </a:r>
-            <a:r>
-              <a:rPr lang="en-US" sz="2000" dirty="0">
-                <a:latin typeface="Times New Roman" pitchFamily="18" charset="0"/>
-                <a:cs typeface="Times New Roman" pitchFamily="18" charset="0"/>
-              </a:rPr>
-              <a:t> mixing</a:t>
-            </a:r>
-          </a:p>
-          <a:p>
-            <a:endParaRPr lang="en-US" sz="700" dirty="0">
-              <a:latin typeface="Times New Roman" pitchFamily="18" charset="0"/>
-              <a:cs typeface="Times New Roman" pitchFamily="18" charset="0"/>
-            </a:endParaRPr>
-          </a:p>
-          <a:p>
-            <a:pPr marL="311045" indent="-311045">
-              <a:buFont typeface="Arial" pitchFamily="34" charset="0"/>
-              <a:buChar char="•"/>
-            </a:pPr>
-            <a:r>
-              <a:rPr lang="en-US" sz="2000" dirty="0">
-                <a:latin typeface="Times New Roman" pitchFamily="18" charset="0"/>
-                <a:cs typeface="Times New Roman" pitchFamily="18" charset="0"/>
-              </a:rPr>
-              <a:t>Kernel compression for metallic </a:t>
-            </a:r>
-          </a:p>
-          <a:p>
-            <a:r>
-              <a:rPr lang="en-US" sz="2000" dirty="0">
-                <a:latin typeface="Times New Roman" pitchFamily="18" charset="0"/>
-                <a:cs typeface="Times New Roman" pitchFamily="18" charset="0"/>
-              </a:rPr>
-              <a:t>problems with oscillatory/algebraic decay  </a:t>
-            </a:r>
-          </a:p>
-          <a:p>
-            <a:pPr>
-              <a:spcBef>
-                <a:spcPts val="544"/>
-              </a:spcBef>
-              <a:spcAft>
-                <a:spcPts val="544"/>
-              </a:spcAft>
-            </a:pPr>
-            <a:endParaRPr lang="en-US" b="1" dirty="0">
-              <a:latin typeface="Times New Roman" pitchFamily="18" charset="0"/>
-              <a:cs typeface="Times New Roman" pitchFamily="18" charset="0"/>
-            </a:endParaRPr>
-          </a:p>
-          <a:p>
-            <a:pPr>
-              <a:spcBef>
-                <a:spcPts val="544"/>
-              </a:spcBef>
-              <a:spcAft>
-                <a:spcPts val="544"/>
-              </a:spcAft>
-            </a:pPr>
-            <a:endParaRPr lang="en-US" sz="2000" dirty="0">
-              <a:latin typeface="Times New Roman" pitchFamily="18" charset="0"/>
-              <a:cs typeface="Times New Roman" pitchFamily="18" charset="0"/>
-            </a:endParaRPr>
-          </a:p>
-        </p:txBody>
-      </p:sp>
-      <p:sp>
-        <p:nvSpPr>
-          <p:cNvPr id="40" name="TextShape 2"/>
-          <p:cNvSpPr txBox="1"/>
-          <p:nvPr/>
-        </p:nvSpPr>
-        <p:spPr>
-          <a:xfrm>
-            <a:off x="559012" y="304800"/>
-            <a:ext cx="8024712" cy="609600"/>
-          </a:xfrm>
-          <a:prstGeom prst="rect">
-            <a:avLst/>
-          </a:prstGeom>
-        </p:spPr>
-        <p:txBody>
-          <a:bodyPr wrap="none" lIns="81639" tIns="40820" rIns="81639" bIns="40820"/>
-          <a:lstStyle/>
-          <a:p>
-            <a:r>
-              <a:rPr lang="en-US" sz="3200" b="1" dirty="0" smtClean="0">
-                <a:latin typeface="Comic Sans MS" pitchFamily="66" charset="0"/>
-              </a:rPr>
-              <a:t>Ill-Conditioning in Electronic Structure </a:t>
-            </a:r>
-            <a:endParaRPr sz="3200" b="1" dirty="0">
-              <a:latin typeface="Comic Sans MS" pitchFamily="66" charset="0"/>
-            </a:endParaRPr>
-          </a:p>
-        </p:txBody>
-      </p:sp>
-      <p:sp>
-        <p:nvSpPr>
-          <p:cNvPr id="41" name="TextShape 3"/>
-          <p:cNvSpPr txBox="1"/>
-          <p:nvPr/>
-        </p:nvSpPr>
-        <p:spPr>
-          <a:xfrm>
-            <a:off x="786988" y="2781855"/>
-            <a:ext cx="7796736" cy="5935364"/>
-          </a:xfrm>
-          <a:prstGeom prst="rect">
-            <a:avLst/>
-          </a:prstGeom>
-        </p:spPr>
-        <p:txBody>
-          <a:bodyPr wrap="none" lIns="81639" tIns="40820" rIns="81639" bIns="40820"/>
-          <a:lstStyle/>
-          <a:p>
-            <a:endParaRPr dirty="0"/>
-          </a:p>
-        </p:txBody>
-      </p:sp>
-      <p:pic>
-        <p:nvPicPr>
-          <p:cNvPr id="6" name="Picture 5"/>
-          <p:cNvPicPr>
-            <a:picLocks noChangeAspect="1"/>
-          </p:cNvPicPr>
-          <p:nvPr/>
-        </p:nvPicPr>
-        <p:blipFill rotWithShape="1">
-          <a:blip r:embed="rId2">
-            <a:extLst>
-              <a:ext uri="{28A0092B-C50C-407E-A947-70E740481C1C}">
-                <a14:useLocalDpi xmlns:a14="http://schemas.microsoft.com/office/drawing/2010/main" val="0"/>
-              </a:ext>
-            </a:extLst>
-          </a:blip>
-          <a:srcRect l="11240" t="8334" r="8441" b="8603"/>
-          <a:stretch/>
-        </p:blipFill>
-        <p:spPr>
-          <a:xfrm>
-            <a:off x="5699760" y="2133600"/>
-            <a:ext cx="2834640" cy="2340671"/>
-          </a:xfrm>
-          <a:prstGeom prst="rect">
-            <a:avLst/>
-          </a:prstGeom>
-        </p:spPr>
-      </p:pic>
-    </p:spTree>
-    <p:extLst>
-      <p:ext uri="{BB962C8B-B14F-4D97-AF65-F5344CB8AC3E}">
-        <p14:creationId xmlns:p14="http://schemas.microsoft.com/office/powerpoint/2010/main" val="3102212630"/>
-      </p:ext>
-    </p:extLst>
-  </p:cSld>
-  <p:clrMapOvr>
-    <a:masterClrMapping/>
-  </p:clrMapOvr>
-  <p:timing>
-    <p:tnLst>
-      <p:par>
-        <p:cTn id="1" dur="indefinite" restart="never" nodeType="tmRoot">
-          <p:childTnLst>
-            <p:seq>
-              <p:cTn id="2" nodeType="mainSeq"/>
-              <p:prevCondLst>
-                <p:cond evt="onPrev" delay="0">
-                  <p:tgtEl>
-                    <p:sldTgt/>
-                  </p:tgtEl>
-                </p:cond>
-              </p:prevCondLst>
-              <p:nextCondLst>
-                <p:cond evt="onNext" delay="0">
-                  <p:tgtEl>
-                    <p:sldTgt/>
-                  </p:tgtEl>
-                </p:cond>
-              </p:nextCondLst>
-            </p:seq>
-          </p:childTnLst>
-        </p:cTn>
-      </p:par>
-    </p:tnLst>
-  </p:timing>
-</p:sld>
-</file>
-
-<file path=ppt/slides/slide6.xml><?xml version="1.0" encoding="utf-8"?>
+<file path=ppt/slides/slide9.xml><?xml version="1.0" encoding="utf-8"?>
 <p:sld xmlns:a="http://schemas.openxmlformats.org/drawingml/2006/main" xmlns:r="http://schemas.openxmlformats.org/officeDocument/2006/relationships" xmlns:p="http://schemas.openxmlformats.org/presentationml/2006/main">
   <p:cSld>
     <p:spTree>
@@ -12128,1569 +15580,6 @@
     <p:extLst>
       <p:ext uri="{BB962C8B-B14F-4D97-AF65-F5344CB8AC3E}">
         <p14:creationId xmlns:p14="http://schemas.microsoft.com/office/powerpoint/2010/main" val="3550468293"/>
-      </p:ext>
-    </p:extLst>
-  </p:cSld>
-  <p:clrMapOvr>
-    <a:masterClrMapping/>
-  </p:clrMapOvr>
-</p:sld>
-</file>
-
-<file path=ppt/slides/slide7.xml><?xml version="1.0" encoding="utf-8"?>
-<p:sld xmlns:a="http://schemas.openxmlformats.org/drawingml/2006/main" xmlns:r="http://schemas.openxmlformats.org/officeDocument/2006/relationships" xmlns:p="http://schemas.openxmlformats.org/presentationml/2006/main">
-  <p:cSld>
-    <p:spTree>
-      <p:nvGrpSpPr>
-        <p:cNvPr id="1" name=""/>
-        <p:cNvGrpSpPr/>
-        <p:nvPr/>
-      </p:nvGrpSpPr>
-      <p:grpSpPr>
-        <a:xfrm>
-          <a:off x="0" y="0"/>
-          <a:ext cx="0" cy="0"/>
-          <a:chOff x="0" y="0"/>
-          <a:chExt cx="0" cy="0"/>
-        </a:xfrm>
-      </p:grpSpPr>
-      <p:sp>
-        <p:nvSpPr>
-          <p:cNvPr id="2" name="Title 1"/>
-          <p:cNvSpPr>
-            <a:spLocks noGrp="1"/>
-          </p:cNvSpPr>
-          <p:nvPr>
-            <p:ph type="title"/>
-          </p:nvPr>
-        </p:nvSpPr>
-        <p:spPr/>
-        <p:txBody>
-          <a:bodyPr/>
-          <a:lstStyle/>
-          <a:p>
-            <a:endParaRPr lang="en-US" dirty="0"/>
-          </a:p>
-        </p:txBody>
-      </p:sp>
-      <p:sp>
-        <p:nvSpPr>
-          <p:cNvPr id="3" name="Content Placeholder 2"/>
-          <p:cNvSpPr>
-            <a:spLocks noGrp="1"/>
-          </p:cNvSpPr>
-          <p:nvPr>
-            <p:ph idx="1"/>
-          </p:nvPr>
-        </p:nvSpPr>
-        <p:spPr/>
-        <p:txBody>
-          <a:bodyPr/>
-          <a:lstStyle/>
-          <a:p>
-            <a:endParaRPr lang="en-US" dirty="0"/>
-          </a:p>
-        </p:txBody>
-      </p:sp>
-    </p:spTree>
-    <p:extLst>
-      <p:ext uri="{BB962C8B-B14F-4D97-AF65-F5344CB8AC3E}">
-        <p14:creationId xmlns:p14="http://schemas.microsoft.com/office/powerpoint/2010/main" val="3920787778"/>
-      </p:ext>
-    </p:extLst>
-  </p:cSld>
-  <p:clrMapOvr>
-    <a:masterClrMapping/>
-  </p:clrMapOvr>
-</p:sld>
-</file>
-
-<file path=ppt/slides/slide8.xml><?xml version="1.0" encoding="utf-8"?>
-<p:sld xmlns:a="http://schemas.openxmlformats.org/drawingml/2006/main" xmlns:r="http://schemas.openxmlformats.org/officeDocument/2006/relationships" xmlns:p="http://schemas.openxmlformats.org/presentationml/2006/main">
-  <p:cSld>
-    <p:spTree>
-      <p:nvGrpSpPr>
-        <p:cNvPr id="1" name=""/>
-        <p:cNvGrpSpPr/>
-        <p:nvPr/>
-      </p:nvGrpSpPr>
-      <p:grpSpPr>
-        <a:xfrm>
-          <a:off x="0" y="0"/>
-          <a:ext cx="0" cy="0"/>
-          <a:chOff x="0" y="0"/>
-          <a:chExt cx="0" cy="0"/>
-        </a:xfrm>
-      </p:grpSpPr>
-      <p:sp>
-        <p:nvSpPr>
-          <p:cNvPr id="13" name="Line Callout 1 (Border and Accent Bar) 12"/>
-          <p:cNvSpPr/>
-          <p:nvPr/>
-        </p:nvSpPr>
-        <p:spPr>
-          <a:xfrm flipH="1">
-            <a:off x="2510291" y="2895600"/>
-            <a:ext cx="2473960" cy="1000780"/>
-          </a:xfrm>
-          <a:prstGeom prst="accentBorderCallout1">
-            <a:avLst>
-              <a:gd name="adj1" fmla="val 18750"/>
-              <a:gd name="adj2" fmla="val -8333"/>
-              <a:gd name="adj3" fmla="val 51587"/>
-              <a:gd name="adj4" fmla="val -18054"/>
-            </a:avLst>
-          </a:prstGeom>
-          <a:ln w="38100">
-            <a:solidFill>
-              <a:schemeClr val="accent3">
-                <a:alpha val="47000"/>
-              </a:schemeClr>
-            </a:solidFill>
-          </a:ln>
-        </p:spPr>
-        <p:style>
-          <a:lnRef idx="2">
-            <a:schemeClr val="accent3"/>
-          </a:lnRef>
-          <a:fillRef idx="1">
-            <a:schemeClr val="lt1"/>
-          </a:fillRef>
-          <a:effectRef idx="0">
-            <a:schemeClr val="accent3"/>
-          </a:effectRef>
-          <a:fontRef idx="minor">
-            <a:schemeClr val="dk1"/>
-          </a:fontRef>
-        </p:style>
-        <p:txBody>
-          <a:bodyPr rtlCol="0" anchor="ctr"/>
-          <a:lstStyle/>
-          <a:p>
-            <a:pPr algn="ctr"/>
-            <a:endParaRPr lang="en-US"/>
-          </a:p>
-        </p:txBody>
-      </p:sp>
-      <p:sp>
-        <p:nvSpPr>
-          <p:cNvPr id="8" name="Line Callout 3 7"/>
-          <p:cNvSpPr/>
-          <p:nvPr/>
-        </p:nvSpPr>
-        <p:spPr>
-          <a:xfrm>
-            <a:off x="2545851" y="2915590"/>
-            <a:ext cx="1524000" cy="914400"/>
-          </a:xfrm>
-          <a:prstGeom prst="borderCallout3">
-            <a:avLst>
-              <a:gd name="adj1" fmla="val 18750"/>
-              <a:gd name="adj2" fmla="val -8333"/>
-              <a:gd name="adj3" fmla="val 18750"/>
-              <a:gd name="adj4" fmla="val -16667"/>
-              <a:gd name="adj5" fmla="val 100000"/>
-              <a:gd name="adj6" fmla="val -16667"/>
-              <a:gd name="adj7" fmla="val 129630"/>
-              <a:gd name="adj8" fmla="val 5001"/>
-            </a:avLst>
-          </a:prstGeom>
-        </p:spPr>
-        <p:style>
-          <a:lnRef idx="1">
-            <a:schemeClr val="accent4"/>
-          </a:lnRef>
-          <a:fillRef idx="2">
-            <a:schemeClr val="accent4"/>
-          </a:fillRef>
-          <a:effectRef idx="1">
-            <a:schemeClr val="accent4"/>
-          </a:effectRef>
-          <a:fontRef idx="minor">
-            <a:schemeClr val="dk1"/>
-          </a:fontRef>
-        </p:style>
-        <p:txBody>
-          <a:bodyPr rtlCol="0" anchor="ctr"/>
-          <a:lstStyle/>
-          <a:p>
-            <a:pPr algn="ctr"/>
-            <a:endParaRPr lang="en-US">
-              <a:solidFill>
-                <a:schemeClr val="accent4">
-                  <a:lumMod val="20000"/>
-                  <a:lumOff val="80000"/>
-                </a:schemeClr>
-              </a:solidFill>
-            </a:endParaRPr>
-          </a:p>
-        </p:txBody>
-      </p:sp>
-      <mc:AlternateContent xmlns:mc="http://schemas.openxmlformats.org/markup-compatibility/2006" xmlns:a14="http://schemas.microsoft.com/office/drawing/2010/main">
-        <mc:Choice Requires="a14">
-          <p:sp>
-            <p:nvSpPr>
-              <p:cNvPr id="4" name="TextBox 3"/>
-              <p:cNvSpPr txBox="1"/>
-              <p:nvPr/>
-            </p:nvSpPr>
-            <p:spPr>
-              <a:xfrm>
-                <a:off x="717051" y="2991790"/>
-                <a:ext cx="4267200" cy="707886"/>
-              </a:xfrm>
-              <a:prstGeom prst="rect">
-                <a:avLst/>
-              </a:prstGeom>
-              <a:noFill/>
-            </p:spPr>
-            <p:txBody>
-              <a:bodyPr wrap="square" rtlCol="0">
-                <a:spAutoFit/>
-              </a:bodyPr>
-              <a:lstStyle/>
-              <a:p>
-                <a:pPr/>
-                <a14:m>
-                  <m:oMathPara xmlns:m="http://schemas.openxmlformats.org/officeDocument/2006/math">
-                    <m:oMathParaPr>
-                      <m:jc m:val="centerGroup"/>
-                    </m:oMathParaPr>
-                    <m:oMath xmlns:m="http://schemas.openxmlformats.org/officeDocument/2006/math">
-                      <m:r>
-                        <a:rPr lang="en-US" sz="4000" b="1" i="1" smtClean="0">
-                          <a:latin typeface="Cambria Math"/>
-                        </a:rPr>
-                        <m:t>𝒙</m:t>
-                      </m:r>
-                      <m:r>
-                        <a:rPr lang="en-US" sz="4000" b="0" i="1" baseline="-25000" smtClean="0">
-                          <a:latin typeface="Cambria Math"/>
-                        </a:rPr>
-                        <m:t>𝑘</m:t>
-                      </m:r>
-                      <m:r>
-                        <a:rPr lang="en-US" sz="4000" b="0" i="1" baseline="-15000" smtClean="0">
-                          <a:latin typeface="Cambria Math"/>
-                        </a:rPr>
-                        <m:t>+</m:t>
-                      </m:r>
-                      <m:r>
-                        <a:rPr lang="en-US" sz="4000" b="0" i="1" baseline="-25000" smtClean="0">
-                          <a:latin typeface="Cambria Math"/>
-                        </a:rPr>
-                        <m:t>1</m:t>
-                      </m:r>
-                      <m:r>
-                        <a:rPr lang="en-US" sz="4000" b="0" i="1" smtClean="0">
-                          <a:latin typeface="Cambria Math"/>
-                        </a:rPr>
-                        <m:t>=</m:t>
-                      </m:r>
-                      <m:d>
-                        <m:dPr>
-                          <m:begChr m:val="⟨"/>
-                          <m:endChr m:val="⟩"/>
-                          <m:ctrlPr>
-                            <a:rPr lang="en-US" sz="4000" i="1" smtClean="0">
-                              <a:latin typeface="Cambria Math"/>
-                            </a:rPr>
-                          </m:ctrlPr>
-                        </m:dPr>
-                        <m:e>
-                          <m:r>
-                            <a:rPr lang="en-US" sz="4000" b="1" i="1" smtClean="0">
-                              <a:latin typeface="Cambria Math"/>
-                            </a:rPr>
-                            <m:t>𝒛</m:t>
-                          </m:r>
-                          <m:r>
-                            <a:rPr lang="en-US" sz="4000" b="1" i="1" baseline="30000" smtClean="0">
-                              <a:latin typeface="Cambria Math"/>
-                            </a:rPr>
-                            <m:t>𝒕</m:t>
-                          </m:r>
-                          <m:r>
-                            <a:rPr lang="en-US" sz="4000" b="0" i="1" baseline="-25000" smtClean="0">
-                              <a:latin typeface="Cambria Math"/>
-                            </a:rPr>
-                            <m:t>𝑘</m:t>
-                          </m:r>
-                        </m:e>
-                        <m:e>
-                          <m:r>
-                            <a:rPr lang="en-US" sz="4000" b="0" i="1" smtClean="0">
-                              <a:latin typeface="Cambria Math"/>
-                            </a:rPr>
-                            <m:t> </m:t>
-                          </m:r>
-                          <m:r>
-                            <a:rPr lang="en-US" sz="4000" b="1" i="1" smtClean="0">
-                              <a:latin typeface="Cambria Math"/>
-                            </a:rPr>
-                            <m:t>𝒔</m:t>
-                          </m:r>
-                          <m:r>
-                            <a:rPr lang="en-US" sz="4000" b="1" i="1" smtClean="0">
-                              <a:latin typeface="Cambria Math"/>
-                            </a:rPr>
-                            <m:t> </m:t>
-                          </m:r>
-                        </m:e>
-                        <m:e>
-                          <m:r>
-                            <a:rPr lang="en-US" sz="4000" b="1" i="1" smtClean="0">
-                              <a:latin typeface="Cambria Math"/>
-                            </a:rPr>
-                            <m:t>𝒛</m:t>
-                          </m:r>
-                          <m:r>
-                            <a:rPr lang="en-US" sz="4000" b="0" i="1" baseline="-25000" smtClean="0">
-                              <a:latin typeface="Cambria Math"/>
-                            </a:rPr>
-                            <m:t>𝑘</m:t>
-                          </m:r>
-                        </m:e>
-                      </m:d>
-                    </m:oMath>
-                  </m:oMathPara>
-                </a14:m>
-                <a:endParaRPr lang="en-US" sz="4000" dirty="0"/>
-              </a:p>
-            </p:txBody>
-          </p:sp>
-        </mc:Choice>
-        <mc:Fallback xmlns="">
-          <p:sp>
-            <p:nvSpPr>
-              <p:cNvPr id="4" name="TextBox 3"/>
-              <p:cNvSpPr txBox="1">
-                <a:spLocks noRot="1" noChangeAspect="1" noMove="1" noResize="1" noEditPoints="1" noAdjustHandles="1" noChangeArrowheads="1" noChangeShapeType="1" noTextEdit="1"/>
-              </p:cNvSpPr>
-              <p:nvPr/>
-            </p:nvSpPr>
-            <p:spPr>
-              <a:xfrm>
-                <a:off x="717051" y="2991790"/>
-                <a:ext cx="4267200" cy="707886"/>
-              </a:xfrm>
-              <a:prstGeom prst="rect">
-                <a:avLst/>
-              </a:prstGeom>
-              <a:blipFill rotWithShape="1">
-                <a:blip r:embed="rId2"/>
-                <a:stretch>
-                  <a:fillRect/>
-                </a:stretch>
-              </a:blipFill>
-            </p:spPr>
-            <p:txBody>
-              <a:bodyPr/>
-              <a:lstStyle/>
-              <a:p>
-                <a:r>
-                  <a:rPr lang="en-US">
-                    <a:noFill/>
-                  </a:rPr>
-                  <a:t> </a:t>
-                </a:r>
-              </a:p>
-            </p:txBody>
-          </p:sp>
-        </mc:Fallback>
-      </mc:AlternateContent>
-      <mc:AlternateContent xmlns:mc="http://schemas.openxmlformats.org/markup-compatibility/2006">
-        <mc:Choice xmlns:a14="http://schemas.microsoft.com/office/drawing/2010/main" Requires="a14">
-          <p:sp>
-            <p:nvSpPr>
-              <p:cNvPr id="9" name="TextBox 8"/>
-              <p:cNvSpPr txBox="1"/>
-              <p:nvPr/>
-            </p:nvSpPr>
-            <p:spPr>
-              <a:xfrm>
-                <a:off x="381000" y="240804"/>
-                <a:ext cx="8610599" cy="6940361"/>
-              </a:xfrm>
-              <a:prstGeom prst="rect">
-                <a:avLst/>
-              </a:prstGeom>
-              <a:noFill/>
-            </p:spPr>
-            <p:txBody>
-              <a:bodyPr wrap="square" rtlCol="0">
-                <a:spAutoFit/>
-              </a:bodyPr>
-              <a:lstStyle/>
-              <a:p>
-                <a:pPr>
-                  <a:spcBef>
-                    <a:spcPts val="1000"/>
-                  </a:spcBef>
-                  <a:spcAft>
-                    <a:spcPts val="800"/>
-                  </a:spcAft>
-                </a:pPr>
-                <a:r>
-                  <a:rPr lang="en-US" sz="3200" b="1" dirty="0" err="1" smtClean="0"/>
-                  <a:t>SpAMM</a:t>
-                </a:r>
-                <a:r>
-                  <a:rPr lang="en-US" sz="3200" b="1" dirty="0" smtClean="0"/>
-                  <a:t> with </a:t>
-                </a:r>
-                <a:r>
-                  <a:rPr lang="en-US" sz="3200" b="1" dirty="0" smtClean="0"/>
-                  <a:t>Ill-Conditioning Towards Identity</a:t>
-                </a:r>
-                <a:endParaRPr lang="en-US" sz="3200" dirty="0"/>
-              </a:p>
-              <a:p>
-                <a:pPr marL="457200" indent="-457200">
-                  <a:spcBef>
-                    <a:spcPts val="1000"/>
-                  </a:spcBef>
-                  <a:spcAft>
-                    <a:spcPts val="800"/>
-                  </a:spcAft>
-                  <a:buFont typeface="Arial" pitchFamily="34" charset="0"/>
-                  <a:buChar char="•"/>
-                </a:pPr>
-                <a:r>
-                  <a:rPr lang="en-US" sz="2800" dirty="0" smtClean="0"/>
-                  <a:t>Under severe ill-conditioning, double precision is unstable unless stabilized by the left transpose.</a:t>
-                </a:r>
-                <a:endParaRPr lang="en-US" sz="2800" dirty="0"/>
-              </a:p>
-              <a:p>
-                <a:pPr marL="457200" indent="-457200">
-                  <a:spcBef>
-                    <a:spcPts val="1000"/>
-                  </a:spcBef>
-                  <a:spcAft>
-                    <a:spcPts val="800"/>
-                  </a:spcAft>
-                  <a:buFont typeface="Arial" pitchFamily="34" charset="0"/>
-                  <a:buChar char="•"/>
-                </a:pPr>
-                <a:r>
-                  <a:rPr lang="en-US" sz="2800" dirty="0" smtClean="0"/>
-                  <a:t>Left-right stabilized </a:t>
-                </a:r>
-                <a:r>
-                  <a:rPr lang="en-US" sz="2800" dirty="0" err="1" smtClean="0"/>
-                  <a:t>SpAMM</a:t>
-                </a:r>
-                <a:r>
-                  <a:rPr lang="en-US" sz="2800" dirty="0" smtClean="0"/>
-                  <a:t> contraction:  </a:t>
-                </a:r>
-              </a:p>
-              <a:p>
-                <a:pPr marL="457200" indent="-457200">
-                  <a:spcBef>
-                    <a:spcPts val="1000"/>
-                  </a:spcBef>
-                  <a:spcAft>
-                    <a:spcPts val="800"/>
-                  </a:spcAft>
-                  <a:buFont typeface="Arial" pitchFamily="34" charset="0"/>
-                  <a:buChar char="•"/>
-                </a:pPr>
-                <a:endParaRPr lang="en-US" sz="2800" dirty="0"/>
-              </a:p>
-              <a:p>
-                <a:pPr marL="457200" indent="-457200">
-                  <a:spcBef>
-                    <a:spcPts val="1000"/>
-                  </a:spcBef>
-                  <a:spcAft>
-                    <a:spcPts val="800"/>
-                  </a:spcAft>
-                  <a:buFont typeface="Arial" pitchFamily="34" charset="0"/>
-                  <a:buChar char="•"/>
-                </a:pPr>
-                <a:endParaRPr lang="en-US" sz="2800" dirty="0" smtClean="0"/>
-              </a:p>
-              <a:p>
-                <a:pPr>
-                  <a:spcBef>
-                    <a:spcPts val="1000"/>
-                  </a:spcBef>
-                  <a:spcAft>
-                    <a:spcPts val="800"/>
-                  </a:spcAft>
-                </a:pPr>
-                <a:endParaRPr lang="en-US" sz="2800" dirty="0" smtClean="0"/>
-              </a:p>
-              <a:p>
-                <a:pPr marL="457200" indent="-457200">
-                  <a:spcBef>
-                    <a:spcPts val="1000"/>
-                  </a:spcBef>
-                  <a:spcAft>
-                    <a:spcPts val="800"/>
-                  </a:spcAft>
-                  <a:buFont typeface="Arial" pitchFamily="34" charset="0"/>
-                  <a:buChar char="•"/>
-                </a:pPr>
-                <a:r>
-                  <a:rPr lang="en-US" sz="2800" dirty="0" smtClean="0"/>
-                  <a:t>Still, </a:t>
-                </a:r>
-                <a:r>
-                  <a:rPr lang="en-US" sz="2800" dirty="0" err="1" smtClean="0"/>
-                  <a:t>SpAMM</a:t>
-                </a:r>
-                <a:r>
-                  <a:rPr lang="en-US" sz="2800" dirty="0" smtClean="0"/>
-                  <a:t> introduces a (small) twist in the full matrix; the asymmetric (full) case is more forgiving with respect to approximation (</a:t>
-                </a:r>
-                <a14:m>
-                  <m:oMath xmlns:m="http://schemas.openxmlformats.org/officeDocument/2006/math">
-                    <m:r>
-                      <a:rPr lang="en-US" sz="2800" b="1" i="1" smtClean="0">
-                        <a:solidFill>
-                          <a:schemeClr val="tx1"/>
-                        </a:solidFill>
-                        <a:latin typeface="Cambria Math"/>
-                        <a:ea typeface="Cambria Math"/>
-                      </a:rPr>
-                      <m:t>𝝉</m:t>
-                    </m:r>
-                  </m:oMath>
-                </a14:m>
-                <a:r>
-                  <a:rPr lang="en-US" sz="2800" dirty="0" smtClean="0"/>
-                  <a:t>), relative to </a:t>
-                </a:r>
-                <a:r>
-                  <a:rPr lang="en-US" sz="2800" dirty="0" smtClean="0"/>
-                  <a:t>symmetric </a:t>
-                </a:r>
-                <a:r>
-                  <a:rPr lang="en-US" sz="2800" dirty="0" smtClean="0"/>
-                  <a:t>versions</a:t>
-                </a:r>
-                <a:r>
-                  <a:rPr lang="en-US" sz="2800" dirty="0" smtClean="0"/>
-                  <a:t>.  </a:t>
-                </a:r>
-                <a:endParaRPr lang="en-US" sz="2800" dirty="0"/>
-              </a:p>
-              <a:p>
-                <a:pPr>
-                  <a:spcBef>
-                    <a:spcPts val="1000"/>
-                  </a:spcBef>
-                  <a:spcAft>
-                    <a:spcPts val="800"/>
-                  </a:spcAft>
-                </a:pPr>
-                <a:endParaRPr lang="en-US" sz="2800" dirty="0"/>
-              </a:p>
-            </p:txBody>
-          </p:sp>
-        </mc:Choice>
-        <mc:Fallback>
-          <p:sp>
-            <p:nvSpPr>
-              <p:cNvPr id="9" name="TextBox 8"/>
-              <p:cNvSpPr txBox="1">
-                <a:spLocks noRot="1" noChangeAspect="1" noMove="1" noResize="1" noEditPoints="1" noAdjustHandles="1" noChangeArrowheads="1" noChangeShapeType="1" noTextEdit="1"/>
-              </p:cNvSpPr>
-              <p:nvPr/>
-            </p:nvSpPr>
-            <p:spPr>
-              <a:xfrm>
-                <a:off x="381000" y="240804"/>
-                <a:ext cx="8610599" cy="6940361"/>
-              </a:xfrm>
-              <a:prstGeom prst="rect">
-                <a:avLst/>
-              </a:prstGeom>
-              <a:blipFill rotWithShape="1">
-                <a:blip r:embed="rId3"/>
-                <a:stretch>
-                  <a:fillRect l="-1841" t="-1142"/>
-                </a:stretch>
-              </a:blipFill>
-            </p:spPr>
-            <p:txBody>
-              <a:bodyPr/>
-              <a:lstStyle/>
-              <a:p>
-                <a:r>
-                  <a:rPr lang="en-US">
-                    <a:noFill/>
-                  </a:rPr>
-                  <a:t> </a:t>
-                </a:r>
-              </a:p>
-            </p:txBody>
-          </p:sp>
-        </mc:Fallback>
-      </mc:AlternateContent>
-      <mc:AlternateContent xmlns:mc="http://schemas.openxmlformats.org/markup-compatibility/2006" xmlns:a14="http://schemas.microsoft.com/office/drawing/2010/main">
-        <mc:Choice Requires="a14">
-          <p:sp>
-            <p:nvSpPr>
-              <p:cNvPr id="10" name="TextBox 9"/>
-              <p:cNvSpPr txBox="1"/>
-              <p:nvPr/>
-            </p:nvSpPr>
-            <p:spPr>
-              <a:xfrm>
-                <a:off x="2587752" y="4020073"/>
-                <a:ext cx="4478727" cy="830997"/>
-              </a:xfrm>
-              <a:prstGeom prst="rect">
-                <a:avLst/>
-              </a:prstGeom>
-              <a:noFill/>
-            </p:spPr>
-            <p:txBody>
-              <a:bodyPr wrap="none" rtlCol="0">
-                <a:spAutoFit/>
-              </a:bodyPr>
-              <a:lstStyle/>
-              <a:p>
-                <a:r>
-                  <a:rPr lang="en-US" sz="2400" b="1" dirty="0" smtClean="0">
-                    <a:solidFill>
-                      <a:srgbClr val="7030A0"/>
-                    </a:solidFill>
-                  </a:rPr>
-                  <a:t>left (T): first, </a:t>
-                </a:r>
-                <a:r>
-                  <a:rPr lang="en-US" sz="2400" b="1" dirty="0" err="1" smtClean="0">
-                    <a:solidFill>
-                      <a:srgbClr val="7030A0"/>
-                    </a:solidFill>
-                  </a:rPr>
-                  <a:t>SpAMM</a:t>
-                </a:r>
-                <a:r>
-                  <a:rPr lang="en-US" sz="2400" b="1" dirty="0" smtClean="0">
-                    <a:solidFill>
-                      <a:srgbClr val="7030A0"/>
-                    </a:solidFill>
-                  </a:rPr>
-                  <a:t> @ </a:t>
-                </a:r>
-                <a:r>
-                  <a:rPr lang="en-US" sz="2400" b="1" baseline="-10000" dirty="0" smtClean="0">
-                    <a:solidFill>
-                      <a:srgbClr val="7030A0"/>
-                    </a:solidFill>
-                  </a:rPr>
-                  <a:t>~</a:t>
-                </a:r>
-                <a:r>
-                  <a:rPr lang="en-US" sz="2400" b="1" dirty="0" smtClean="0">
-                    <a:solidFill>
-                      <a:srgbClr val="7030A0"/>
-                    </a:solidFill>
-                  </a:rPr>
-                  <a:t>1d-2 </a:t>
-                </a:r>
-                <a14:m>
-                  <m:oMath xmlns:m="http://schemas.openxmlformats.org/officeDocument/2006/math">
-                    <m:r>
-                      <a:rPr lang="en-US" sz="2400" b="1" i="1" smtClean="0">
-                        <a:solidFill>
-                          <a:srgbClr val="7030A0"/>
-                        </a:solidFill>
-                        <a:latin typeface="Cambria Math"/>
-                        <a:ea typeface="Cambria Math"/>
-                      </a:rPr>
-                      <m:t>×</m:t>
-                    </m:r>
-                    <m:r>
-                      <a:rPr lang="en-US" sz="2400" b="1" i="1" smtClean="0">
-                        <a:solidFill>
-                          <a:srgbClr val="7030A0"/>
-                        </a:solidFill>
-                        <a:latin typeface="Cambria Math"/>
-                        <a:ea typeface="Cambria Math"/>
-                      </a:rPr>
-                      <m:t>𝝉</m:t>
-                    </m:r>
-                  </m:oMath>
-                </a14:m>
-                <a:endParaRPr lang="en-US" sz="2400" b="1" dirty="0">
-                  <a:solidFill>
-                    <a:srgbClr val="7030A0"/>
-                  </a:solidFill>
-                </a:endParaRPr>
-              </a:p>
-              <a:p>
-                <a:r>
-                  <a:rPr lang="en-US" sz="2400" b="1" dirty="0" smtClean="0">
-                    <a:solidFill>
-                      <a:srgbClr val="7030A0"/>
-                    </a:solidFill>
-                  </a:rPr>
-                  <a:t> </a:t>
-                </a:r>
-                <a:endParaRPr lang="en-US" sz="2400" b="1" dirty="0">
-                  <a:solidFill>
-                    <a:srgbClr val="7030A0"/>
-                  </a:solidFill>
-                </a:endParaRPr>
-              </a:p>
-            </p:txBody>
-          </p:sp>
-        </mc:Choice>
-        <mc:Fallback xmlns="">
-          <p:sp>
-            <p:nvSpPr>
-              <p:cNvPr id="10" name="TextBox 9"/>
-              <p:cNvSpPr txBox="1">
-                <a:spLocks noRot="1" noChangeAspect="1" noMove="1" noResize="1" noEditPoints="1" noAdjustHandles="1" noChangeArrowheads="1" noChangeShapeType="1" noTextEdit="1"/>
-              </p:cNvSpPr>
-              <p:nvPr/>
-            </p:nvSpPr>
-            <p:spPr>
-              <a:xfrm>
-                <a:off x="2587752" y="4020073"/>
-                <a:ext cx="4478727" cy="830997"/>
-              </a:xfrm>
-              <a:prstGeom prst="rect">
-                <a:avLst/>
-              </a:prstGeom>
-              <a:blipFill rotWithShape="1">
-                <a:blip r:embed="rId4"/>
-                <a:stretch>
-                  <a:fillRect l="-2180" t="-5839"/>
-                </a:stretch>
-              </a:blipFill>
-            </p:spPr>
-            <p:txBody>
-              <a:bodyPr/>
-              <a:lstStyle/>
-              <a:p>
-                <a:r>
-                  <a:rPr lang="en-US">
-                    <a:noFill/>
-                  </a:rPr>
-                  <a:t> </a:t>
-                </a:r>
-              </a:p>
-            </p:txBody>
-          </p:sp>
-        </mc:Fallback>
-      </mc:AlternateContent>
-      <mc:AlternateContent xmlns:mc="http://schemas.openxmlformats.org/markup-compatibility/2006" xmlns:a14="http://schemas.microsoft.com/office/drawing/2010/main">
-        <mc:Choice Requires="a14">
-          <p:sp>
-            <p:nvSpPr>
-              <p:cNvPr id="14" name="TextBox 13"/>
-              <p:cNvSpPr txBox="1"/>
-              <p:nvPr/>
-            </p:nvSpPr>
-            <p:spPr>
-              <a:xfrm>
-                <a:off x="5405891" y="3248243"/>
-                <a:ext cx="2940549" cy="830997"/>
-              </a:xfrm>
-              <a:prstGeom prst="rect">
-                <a:avLst/>
-              </a:prstGeom>
-              <a:noFill/>
-            </p:spPr>
-            <p:txBody>
-              <a:bodyPr wrap="none" rtlCol="0">
-                <a:spAutoFit/>
-              </a:bodyPr>
-              <a:lstStyle/>
-              <a:p>
-                <a:r>
-                  <a:rPr lang="en-US" sz="2400" b="1" dirty="0" smtClean="0">
-                    <a:solidFill>
-                      <a:srgbClr val="00B050"/>
-                    </a:solidFill>
-                  </a:rPr>
-                  <a:t>right(N): </a:t>
-                </a:r>
-                <a:r>
-                  <a:rPr lang="en-US" sz="2400" b="1" dirty="0" err="1" smtClean="0">
-                    <a:solidFill>
-                      <a:srgbClr val="00B050"/>
-                    </a:solidFill>
-                  </a:rPr>
-                  <a:t>SpAMM</a:t>
-                </a:r>
-                <a:r>
-                  <a:rPr lang="en-US" sz="2400" b="1" dirty="0" smtClean="0">
-                    <a:solidFill>
-                      <a:srgbClr val="00B050"/>
-                    </a:solidFill>
-                  </a:rPr>
-                  <a:t> @ </a:t>
-                </a:r>
-                <a14:m>
-                  <m:oMath xmlns:m="http://schemas.openxmlformats.org/officeDocument/2006/math">
-                    <m:r>
-                      <a:rPr lang="en-US" sz="2400" b="1" i="1" smtClean="0">
-                        <a:solidFill>
-                          <a:srgbClr val="00B050"/>
-                        </a:solidFill>
-                        <a:latin typeface="Cambria Math"/>
-                        <a:ea typeface="Cambria Math"/>
-                      </a:rPr>
-                      <m:t>𝝉</m:t>
-                    </m:r>
-                  </m:oMath>
-                </a14:m>
-                <a:endParaRPr lang="en-US" sz="2400" b="1" dirty="0">
-                  <a:solidFill>
-                    <a:srgbClr val="00B050"/>
-                  </a:solidFill>
-                </a:endParaRPr>
-              </a:p>
-              <a:p>
-                <a:r>
-                  <a:rPr lang="en-US" sz="2400" b="1" dirty="0" smtClean="0">
-                    <a:solidFill>
-                      <a:srgbClr val="7030A0"/>
-                    </a:solidFill>
-                  </a:rPr>
-                  <a:t> </a:t>
-                </a:r>
-                <a:endParaRPr lang="en-US" sz="2400" b="1" dirty="0">
-                  <a:solidFill>
-                    <a:srgbClr val="7030A0"/>
-                  </a:solidFill>
-                </a:endParaRPr>
-              </a:p>
-            </p:txBody>
-          </p:sp>
-        </mc:Choice>
-        <mc:Fallback xmlns="">
-          <p:sp>
-            <p:nvSpPr>
-              <p:cNvPr id="14" name="TextBox 13"/>
-              <p:cNvSpPr txBox="1">
-                <a:spLocks noRot="1" noChangeAspect="1" noMove="1" noResize="1" noEditPoints="1" noAdjustHandles="1" noChangeArrowheads="1" noChangeShapeType="1" noTextEdit="1"/>
-              </p:cNvSpPr>
-              <p:nvPr/>
-            </p:nvSpPr>
-            <p:spPr>
-              <a:xfrm>
-                <a:off x="5405891" y="3248243"/>
-                <a:ext cx="2940549" cy="830997"/>
-              </a:xfrm>
-              <a:prstGeom prst="rect">
-                <a:avLst/>
-              </a:prstGeom>
-              <a:blipFill rotWithShape="1">
-                <a:blip r:embed="rId5"/>
-                <a:stretch>
-                  <a:fillRect l="-3320" t="-5882"/>
-                </a:stretch>
-              </a:blipFill>
-            </p:spPr>
-            <p:txBody>
-              <a:bodyPr/>
-              <a:lstStyle/>
-              <a:p>
-                <a:r>
-                  <a:rPr lang="en-US">
-                    <a:noFill/>
-                  </a:rPr>
-                  <a:t> </a:t>
-                </a:r>
-              </a:p>
-            </p:txBody>
-          </p:sp>
-        </mc:Fallback>
-      </mc:AlternateContent>
-    </p:spTree>
-    <p:extLst>
-      <p:ext uri="{BB962C8B-B14F-4D97-AF65-F5344CB8AC3E}">
-        <p14:creationId xmlns:p14="http://schemas.microsoft.com/office/powerpoint/2010/main" val="1943025631"/>
-      </p:ext>
-    </p:extLst>
-  </p:cSld>
-  <p:clrMapOvr>
-    <a:masterClrMapping/>
-  </p:clrMapOvr>
-</p:sld>
-</file>
-
-<file path=ppt/slides/slide9.xml><?xml version="1.0" encoding="utf-8"?>
-<p:sld xmlns:a="http://schemas.openxmlformats.org/drawingml/2006/main" xmlns:r="http://schemas.openxmlformats.org/officeDocument/2006/relationships" xmlns:p="http://schemas.openxmlformats.org/presentationml/2006/main">
-  <p:cSld>
-    <p:spTree>
-      <p:nvGrpSpPr>
-        <p:cNvPr id="1" name=""/>
-        <p:cNvGrpSpPr/>
-        <p:nvPr/>
-      </p:nvGrpSpPr>
-      <p:grpSpPr>
-        <a:xfrm>
-          <a:off x="0" y="0"/>
-          <a:ext cx="0" cy="0"/>
-          <a:chOff x="0" y="0"/>
-          <a:chExt cx="0" cy="0"/>
-        </a:xfrm>
-      </p:grpSpPr>
-      <p:pic>
-        <p:nvPicPr>
-          <p:cNvPr id="9" name="Picture 8"/>
-          <p:cNvPicPr>
-            <a:picLocks noChangeAspect="1"/>
-          </p:cNvPicPr>
-          <p:nvPr/>
-        </p:nvPicPr>
-        <p:blipFill rotWithShape="1">
-          <a:blip r:embed="rId3" cstate="print">
-            <a:extLst>
-              <a:ext uri="{28A0092B-C50C-407E-A947-70E740481C1C}">
-                <a14:useLocalDpi xmlns:a14="http://schemas.microsoft.com/office/drawing/2010/main" val="0"/>
-              </a:ext>
-            </a:extLst>
-          </a:blip>
-          <a:srcRect l="21200" r="20133"/>
-          <a:stretch/>
-        </p:blipFill>
-        <p:spPr>
-          <a:xfrm>
-            <a:off x="6370320" y="5991283"/>
-            <a:ext cx="484632" cy="826077"/>
-          </a:xfrm>
-          <a:prstGeom prst="rect">
-            <a:avLst/>
-          </a:prstGeom>
-        </p:spPr>
-      </p:pic>
-      <p:pic>
-        <p:nvPicPr>
-          <p:cNvPr id="7" name="Picture 6"/>
-          <p:cNvPicPr>
-            <a:picLocks noChangeAspect="1"/>
-          </p:cNvPicPr>
-          <p:nvPr/>
-        </p:nvPicPr>
-        <p:blipFill rotWithShape="1">
-          <a:blip r:embed="rId4" cstate="print">
-            <a:extLst>
-              <a:ext uri="{28A0092B-C50C-407E-A947-70E740481C1C}">
-                <a14:useLocalDpi xmlns:a14="http://schemas.microsoft.com/office/drawing/2010/main" val="0"/>
-              </a:ext>
-            </a:extLst>
-          </a:blip>
-          <a:srcRect l="16747" t="3713" r="15732" b="8254"/>
-          <a:stretch/>
-        </p:blipFill>
-        <p:spPr>
-          <a:xfrm>
-            <a:off x="1963692" y="6090921"/>
-            <a:ext cx="502920" cy="655707"/>
-          </a:xfrm>
-          <a:prstGeom prst="rect">
-            <a:avLst/>
-          </a:prstGeom>
-        </p:spPr>
-      </p:pic>
-      <p:pic>
-        <p:nvPicPr>
-          <p:cNvPr id="8" name="Picture 7"/>
-          <p:cNvPicPr>
-            <a:picLocks noChangeAspect="1"/>
-          </p:cNvPicPr>
-          <p:nvPr/>
-        </p:nvPicPr>
-        <p:blipFill>
-          <a:blip r:embed="rId5">
-            <a:extLst>
-              <a:ext uri="{28A0092B-C50C-407E-A947-70E740481C1C}">
-                <a14:useLocalDpi xmlns:a14="http://schemas.microsoft.com/office/drawing/2010/main" val="0"/>
-              </a:ext>
-            </a:extLst>
-          </a:blip>
-          <a:stretch>
-            <a:fillRect/>
-          </a:stretch>
-        </p:blipFill>
-        <p:spPr>
-          <a:xfrm>
-            <a:off x="685800" y="1595120"/>
-            <a:ext cx="7863839" cy="4669155"/>
-          </a:xfrm>
-          <a:prstGeom prst="rect">
-            <a:avLst/>
-          </a:prstGeom>
-        </p:spPr>
-      </p:pic>
-      <mc:AlternateContent xmlns:mc="http://schemas.openxmlformats.org/markup-compatibility/2006" xmlns:a14="http://schemas.microsoft.com/office/drawing/2010/main">
-        <mc:Choice Requires="a14">
-          <p:sp>
-            <p:nvSpPr>
-              <p:cNvPr id="12" name="TextBox 11"/>
-              <p:cNvSpPr txBox="1"/>
-              <p:nvPr/>
-            </p:nvSpPr>
-            <p:spPr>
-              <a:xfrm>
-                <a:off x="1371600" y="2161163"/>
-                <a:ext cx="5791200" cy="2246769"/>
-              </a:xfrm>
-              <a:prstGeom prst="rect">
-                <a:avLst/>
-              </a:prstGeom>
-              <a:solidFill>
-                <a:schemeClr val="lt1">
-                  <a:alpha val="77000"/>
-                </a:schemeClr>
-              </a:solidFill>
-            </p:spPr>
-            <p:txBody>
-              <a:bodyPr wrap="square" rtlCol="0">
-                <a:spAutoFit/>
-              </a:bodyPr>
-              <a:lstStyle/>
-              <a:p>
-                <a:pPr marL="342900" indent="-342900">
-                  <a:spcBef>
-                    <a:spcPts val="600"/>
-                  </a:spcBef>
-                  <a:spcAft>
-                    <a:spcPts val="600"/>
-                  </a:spcAft>
-                  <a:buFont typeface="Arial" pitchFamily="34" charset="0"/>
-                  <a:buChar char="•"/>
-                </a:pPr>
-                <a:r>
-                  <a:rPr lang="en-US" sz="2400" b="1" dirty="0" smtClean="0">
-                    <a:solidFill>
-                      <a:schemeClr val="accent1">
-                        <a:lumMod val="75000"/>
-                      </a:schemeClr>
-                    </a:solidFill>
-                  </a:rPr>
-                  <a:t>Inflections spread, map ruggedized.  </a:t>
-                </a:r>
-              </a:p>
-              <a:p>
-                <a:pPr marL="342900" indent="-342900">
-                  <a:spcBef>
-                    <a:spcPts val="600"/>
-                  </a:spcBef>
-                  <a:spcAft>
-                    <a:spcPts val="600"/>
-                  </a:spcAft>
-                  <a:buFont typeface="Arial" pitchFamily="34" charset="0"/>
-                  <a:buChar char="•"/>
-                </a:pPr>
-                <a:r>
-                  <a:rPr lang="en-US" sz="2400" b="1" dirty="0">
-                    <a:solidFill>
-                      <a:schemeClr val="accent1">
-                        <a:lumMod val="75000"/>
-                      </a:schemeClr>
-                    </a:solidFill>
-                  </a:rPr>
-                  <a:t>M</a:t>
-                </a:r>
-                <a:r>
-                  <a:rPr lang="en-US" sz="2400" b="1" dirty="0" smtClean="0">
-                    <a:solidFill>
-                      <a:schemeClr val="accent1">
-                        <a:lumMod val="75000"/>
-                      </a:schemeClr>
-                    </a:solidFill>
-                  </a:rPr>
-                  <a:t>in eigenvalue lost: </a:t>
-                </a:r>
-                <a14:m>
-                  <m:oMath xmlns:m="http://schemas.openxmlformats.org/officeDocument/2006/math">
-                    <m:r>
-                      <a:rPr lang="en-US" sz="2400" b="1" i="1" smtClean="0">
-                        <a:solidFill>
-                          <a:schemeClr val="accent1">
-                            <a:lumMod val="75000"/>
-                          </a:schemeClr>
-                        </a:solidFill>
-                        <a:latin typeface="Cambria Math"/>
-                        <a:ea typeface="Cambria Math"/>
-                      </a:rPr>
-                      <m:t>𝒙</m:t>
-                    </m:r>
-                    <m:r>
-                      <a:rPr lang="en-US" sz="2400" b="1" i="1" baseline="-25000" smtClean="0">
-                        <a:solidFill>
-                          <a:schemeClr val="accent1">
-                            <a:lumMod val="75000"/>
-                          </a:schemeClr>
-                        </a:solidFill>
-                        <a:latin typeface="Cambria Math"/>
-                        <a:ea typeface="Cambria Math"/>
-                      </a:rPr>
-                      <m:t>𝒐</m:t>
-                    </m:r>
-                    <m:r>
-                      <a:rPr lang="en-US" sz="2400" b="1" i="1" baseline="-5000" smtClean="0">
-                        <a:solidFill>
-                          <a:schemeClr val="accent1">
-                            <a:lumMod val="75000"/>
-                          </a:schemeClr>
-                        </a:solidFill>
-                        <a:latin typeface="Cambria Math"/>
-                        <a:ea typeface="Cambria Math"/>
-                      </a:rPr>
-                      <m:t>∓</m:t>
-                    </m:r>
-                    <m:r>
-                      <a:rPr lang="en-US" sz="2400" b="1" i="1" smtClean="0">
-                        <a:solidFill>
-                          <a:schemeClr val="accent1">
-                            <a:lumMod val="75000"/>
-                          </a:schemeClr>
-                        </a:solidFill>
-                        <a:latin typeface="Cambria Math"/>
-                        <a:ea typeface="Cambria Math"/>
-                      </a:rPr>
-                      <m:t>𝜹</m:t>
-                    </m:r>
-                    <m:d>
-                      <m:dPr>
-                        <m:ctrlPr>
-                          <a:rPr lang="en-US" sz="2400" b="1" i="1" smtClean="0">
-                            <a:solidFill>
-                              <a:schemeClr val="accent1">
-                                <a:lumMod val="75000"/>
-                              </a:schemeClr>
-                            </a:solidFill>
-                            <a:latin typeface="Cambria Math"/>
-                            <a:ea typeface="Cambria Math"/>
-                          </a:rPr>
-                        </m:ctrlPr>
-                      </m:dPr>
-                      <m:e>
-                        <m:r>
-                          <a:rPr lang="en-US" sz="2400" b="1" i="1" smtClean="0">
-                            <a:solidFill>
-                              <a:schemeClr val="accent1">
-                                <a:lumMod val="75000"/>
-                              </a:schemeClr>
-                            </a:solidFill>
-                            <a:latin typeface="Cambria Math"/>
-                            <a:ea typeface="Cambria Math"/>
-                          </a:rPr>
-                          <m:t>𝝉</m:t>
-                        </m:r>
-                      </m:e>
-                    </m:d>
-                  </m:oMath>
-                </a14:m>
-                <a:r>
-                  <a:rPr lang="en-US" sz="2400" b="1" dirty="0" smtClean="0">
-                    <a:solidFill>
-                      <a:schemeClr val="accent1">
-                        <a:lumMod val="75000"/>
-                      </a:schemeClr>
-                    </a:solidFill>
-                  </a:rPr>
-                  <a:t>.  Scaling acceleration less than </a:t>
-                </a:r>
-                <a:r>
-                  <a:rPr lang="en-US" sz="2400" b="1" i="1" dirty="0" smtClean="0">
-                    <a:solidFill>
-                      <a:schemeClr val="accent1">
-                        <a:lumMod val="75000"/>
-                      </a:schemeClr>
-                    </a:solidFill>
-                  </a:rPr>
-                  <a:t>2.85</a:t>
-                </a:r>
-                <a:r>
-                  <a:rPr lang="en-US" sz="2400" b="1" baseline="-5000" dirty="0" smtClean="0">
-                    <a:solidFill>
-                      <a:schemeClr val="accent1">
-                        <a:lumMod val="75000"/>
-                      </a:schemeClr>
-                    </a:solidFill>
-                    <a:sym typeface="Wingdings 2"/>
-                  </a:rPr>
-                  <a:t></a:t>
-                </a:r>
-                <a:r>
-                  <a:rPr lang="en-US" sz="2400" b="1" dirty="0" smtClean="0">
-                    <a:solidFill>
-                      <a:schemeClr val="accent1">
-                        <a:lumMod val="75000"/>
-                      </a:schemeClr>
-                    </a:solidFill>
-                  </a:rPr>
-                  <a:t> </a:t>
-                </a:r>
-              </a:p>
-              <a:p>
-                <a:pPr marL="342900" indent="-342900">
-                  <a:spcBef>
-                    <a:spcPts val="600"/>
-                  </a:spcBef>
-                  <a:spcAft>
-                    <a:spcPts val="600"/>
-                  </a:spcAft>
-                  <a:buFont typeface="Arial" pitchFamily="34" charset="0"/>
-                  <a:buChar char="•"/>
-                </a:pPr>
-                <a:r>
-                  <a:rPr lang="en-US" sz="2400" b="1" dirty="0">
-                    <a:solidFill>
-                      <a:schemeClr val="accent1">
-                        <a:lumMod val="75000"/>
-                      </a:schemeClr>
-                    </a:solidFill>
-                  </a:rPr>
-                  <a:t>H</a:t>
-                </a:r>
-                <a:r>
-                  <a:rPr lang="en-US" sz="2400" b="1" dirty="0" smtClean="0">
-                    <a:solidFill>
-                      <a:schemeClr val="accent1">
-                        <a:lumMod val="75000"/>
-                      </a:schemeClr>
-                    </a:solidFill>
-                  </a:rPr>
-                  <a:t>ow much acceleration can be kept under extreme conditions? </a:t>
-                </a:r>
-                <a:endParaRPr lang="en-US" sz="2400" b="1" dirty="0">
-                  <a:solidFill>
-                    <a:schemeClr val="accent1">
-                      <a:lumMod val="75000"/>
-                    </a:schemeClr>
-                  </a:solidFill>
-                </a:endParaRPr>
-              </a:p>
-            </p:txBody>
-          </p:sp>
-        </mc:Choice>
-        <mc:Fallback xmlns="">
-          <p:sp>
-            <p:nvSpPr>
-              <p:cNvPr id="12" name="TextBox 11"/>
-              <p:cNvSpPr txBox="1">
-                <a:spLocks noRot="1" noChangeAspect="1" noMove="1" noResize="1" noEditPoints="1" noAdjustHandles="1" noChangeArrowheads="1" noChangeShapeType="1" noTextEdit="1"/>
-              </p:cNvSpPr>
-              <p:nvPr/>
-            </p:nvSpPr>
-            <p:spPr>
-              <a:xfrm>
-                <a:off x="1371600" y="2161163"/>
-                <a:ext cx="5791200" cy="2246769"/>
-              </a:xfrm>
-              <a:prstGeom prst="rect">
-                <a:avLst/>
-              </a:prstGeom>
-              <a:blipFill rotWithShape="1">
-                <a:blip r:embed="rId6"/>
-                <a:stretch>
-                  <a:fillRect l="-1368" t="-2174" b="-5435"/>
-                </a:stretch>
-              </a:blipFill>
-            </p:spPr>
-            <p:txBody>
-              <a:bodyPr/>
-              <a:lstStyle/>
-              <a:p>
-                <a:r>
-                  <a:rPr lang="en-US">
-                    <a:noFill/>
-                  </a:rPr>
-                  <a:t> </a:t>
-                </a:r>
-              </a:p>
-            </p:txBody>
-          </p:sp>
-        </mc:Fallback>
-      </mc:AlternateContent>
-      <mc:AlternateContent xmlns:mc="http://schemas.openxmlformats.org/markup-compatibility/2006" xmlns:a14="http://schemas.microsoft.com/office/drawing/2010/main">
-        <mc:Choice Requires="a14">
-          <p:sp>
-            <p:nvSpPr>
-              <p:cNvPr id="13" name="Rectangle 12"/>
-              <p:cNvSpPr/>
-              <p:nvPr/>
-            </p:nvSpPr>
-            <p:spPr>
-              <a:xfrm>
-                <a:off x="381000" y="122872"/>
-                <a:ext cx="8534400" cy="1477328"/>
-              </a:xfrm>
-              <a:prstGeom prst="rect">
-                <a:avLst/>
-              </a:prstGeom>
-            </p:spPr>
-            <p:txBody>
-              <a:bodyPr wrap="square">
-                <a:spAutoFit/>
-              </a:bodyPr>
-              <a:lstStyle/>
-              <a:p>
-                <a:pPr>
-                  <a:spcBef>
-                    <a:spcPts val="600"/>
-                  </a:spcBef>
-                  <a:spcAft>
-                    <a:spcPts val="600"/>
-                  </a:spcAft>
-                </a:pPr>
-                <a:r>
-                  <a:rPr lang="en-US" sz="3200" b="1" dirty="0" smtClean="0"/>
-                  <a:t>A Ruggedized, Scaled Newton-</a:t>
-                </a:r>
-                <a:r>
-                  <a:rPr lang="en-US" sz="3200" b="1" dirty="0" err="1" smtClean="0"/>
-                  <a:t>Shulz</a:t>
-                </a:r>
-                <a:r>
-                  <a:rPr lang="en-US" sz="3200" b="1" dirty="0" smtClean="0"/>
-                  <a:t> Map</a:t>
-                </a:r>
-              </a:p>
-              <a:p>
-                <a:pPr>
-                  <a:spcBef>
-                    <a:spcPts val="600"/>
-                  </a:spcBef>
-                  <a:spcAft>
-                    <a:spcPts val="600"/>
-                  </a:spcAft>
-                </a:pPr>
-                <a:r>
-                  <a:rPr lang="en-US" sz="2400" dirty="0" smtClean="0"/>
-                  <a:t>Ill-conditioning and </a:t>
-                </a:r>
-                <a:r>
-                  <a:rPr lang="en-US" sz="2400" dirty="0" err="1" smtClean="0"/>
-                  <a:t>SpAMM</a:t>
-                </a:r>
-                <a:r>
-                  <a:rPr lang="en-US" sz="2400" dirty="0"/>
-                  <a:t> </a:t>
-                </a:r>
-                <a:r>
-                  <a:rPr lang="en-US" sz="2400" dirty="0" smtClean="0"/>
-                  <a:t>can bounce EVs out of bounds by </a:t>
-                </a:r>
-                <a14:m>
-                  <m:oMath xmlns:m="http://schemas.openxmlformats.org/officeDocument/2006/math">
-                    <m:r>
-                      <a:rPr lang="en-US" sz="2400" i="1" baseline="-5000" smtClean="0">
-                        <a:latin typeface="Cambria Math"/>
-                        <a:ea typeface="Cambria Math"/>
-                      </a:rPr>
-                      <m:t>∓</m:t>
-                    </m:r>
-                    <m:r>
-                      <a:rPr lang="en-US" sz="2400" i="1" smtClean="0">
-                        <a:latin typeface="Cambria Math"/>
-                        <a:ea typeface="Cambria Math"/>
-                      </a:rPr>
-                      <m:t>𝛿</m:t>
-                    </m:r>
-                    <m:d>
-                      <m:dPr>
-                        <m:ctrlPr>
-                          <a:rPr lang="en-US" sz="2400" i="1" smtClean="0">
-                            <a:latin typeface="Cambria Math"/>
-                            <a:ea typeface="Cambria Math"/>
-                          </a:rPr>
-                        </m:ctrlPr>
-                      </m:dPr>
-                      <m:e>
-                        <m:r>
-                          <a:rPr lang="en-US" sz="2400" i="1" smtClean="0">
-                            <a:latin typeface="Cambria Math"/>
-                            <a:ea typeface="Cambria Math"/>
-                          </a:rPr>
-                          <m:t>𝜏</m:t>
-                        </m:r>
-                      </m:e>
-                    </m:d>
-                  </m:oMath>
-                </a14:m>
-                <a:r>
-                  <a:rPr lang="en-US" sz="2400" dirty="0" smtClean="0"/>
-                  <a:t>.   </a:t>
-                </a:r>
-                <a:r>
-                  <a:rPr lang="en-US" sz="3600" b="1" baseline="-10000" dirty="0" smtClean="0">
-                    <a:sym typeface="Wingdings"/>
-                  </a:rPr>
-                  <a:t></a:t>
-                </a:r>
-                <a:r>
-                  <a:rPr lang="en-US" sz="2400" b="1" dirty="0" smtClean="0">
-                    <a:sym typeface="Wingdings"/>
-                  </a:rPr>
-                  <a:t> </a:t>
-                </a:r>
-                <a:r>
-                  <a:rPr lang="en-US" sz="2400" dirty="0" smtClean="0">
-                    <a:sym typeface="Wingdings"/>
-                  </a:rPr>
-                  <a:t>stabilize by spreading 0/1 inflections by </a:t>
-                </a:r>
-                <a14:m>
-                  <m:oMath xmlns:m="http://schemas.openxmlformats.org/officeDocument/2006/math">
-                    <m:r>
-                      <a:rPr lang="en-US" sz="2400" i="1" baseline="-5000" smtClean="0">
-                        <a:latin typeface="Cambria Math"/>
-                        <a:ea typeface="Cambria Math"/>
-                      </a:rPr>
-                      <m:t>∓</m:t>
-                    </m:r>
-                    <m:r>
-                      <a:rPr lang="en-US" sz="2400" i="1" smtClean="0">
-                        <a:latin typeface="Cambria Math"/>
-                        <a:ea typeface="Cambria Math"/>
-                      </a:rPr>
-                      <m:t>𝛿</m:t>
-                    </m:r>
-                  </m:oMath>
-                </a14:m>
-                <a:r>
-                  <a:rPr lang="en-US" sz="2400" dirty="0" smtClean="0"/>
-                  <a:t>.</a:t>
-                </a:r>
-                <a:endParaRPr lang="en-US" sz="2400" dirty="0"/>
-              </a:p>
-            </p:txBody>
-          </p:sp>
-        </mc:Choice>
-        <mc:Fallback xmlns="">
-          <p:sp>
-            <p:nvSpPr>
-              <p:cNvPr id="13" name="Rectangle 12"/>
-              <p:cNvSpPr>
-                <a:spLocks noRot="1" noChangeAspect="1" noMove="1" noResize="1" noEditPoints="1" noAdjustHandles="1" noChangeArrowheads="1" noChangeShapeType="1" noTextEdit="1"/>
-              </p:cNvSpPr>
-              <p:nvPr/>
-            </p:nvSpPr>
-            <p:spPr>
-              <a:xfrm>
-                <a:off x="381000" y="122872"/>
-                <a:ext cx="8534400" cy="1477328"/>
-              </a:xfrm>
-              <a:prstGeom prst="rect">
-                <a:avLst/>
-              </a:prstGeom>
-              <a:blipFill rotWithShape="1">
-                <a:blip r:embed="rId7"/>
-                <a:stretch>
-                  <a:fillRect l="-1857" t="-5350" b="-10700"/>
-                </a:stretch>
-              </a:blipFill>
-            </p:spPr>
-            <p:txBody>
-              <a:bodyPr/>
-              <a:lstStyle/>
-              <a:p>
-                <a:r>
-                  <a:rPr lang="en-US">
-                    <a:noFill/>
-                  </a:rPr>
-                  <a:t> </a:t>
-                </a:r>
-              </a:p>
-            </p:txBody>
-          </p:sp>
-        </mc:Fallback>
-      </mc:AlternateContent>
-      <p:sp>
-        <p:nvSpPr>
-          <p:cNvPr id="15" name="Striped Right Arrow 14"/>
-          <p:cNvSpPr/>
-          <p:nvPr/>
-        </p:nvSpPr>
-        <p:spPr>
-          <a:xfrm flipH="1">
-            <a:off x="1605280" y="5892800"/>
-            <a:ext cx="487680" cy="147320"/>
-          </a:xfrm>
-          <a:prstGeom prst="stripedRightArrow">
-            <a:avLst/>
-          </a:prstGeom>
-        </p:spPr>
-        <p:style>
-          <a:lnRef idx="1">
-            <a:schemeClr val="accent3"/>
-          </a:lnRef>
-          <a:fillRef idx="2">
-            <a:schemeClr val="accent3"/>
-          </a:fillRef>
-          <a:effectRef idx="1">
-            <a:schemeClr val="accent3"/>
-          </a:effectRef>
-          <a:fontRef idx="minor">
-            <a:schemeClr val="dk1"/>
-          </a:fontRef>
-        </p:style>
-        <p:txBody>
-          <a:bodyPr rtlCol="0" anchor="ctr"/>
-          <a:lstStyle/>
-          <a:p>
-            <a:pPr algn="ctr"/>
-            <a:endParaRPr lang="en-US">
-              <a:solidFill>
-                <a:srgbClr val="00B050"/>
-              </a:solidFill>
-            </a:endParaRPr>
-          </a:p>
-        </p:txBody>
-      </p:sp>
-      <p:sp>
-        <p:nvSpPr>
-          <p:cNvPr id="16" name="Striped Right Arrow 15"/>
-          <p:cNvSpPr/>
-          <p:nvPr/>
-        </p:nvSpPr>
-        <p:spPr>
-          <a:xfrm>
-            <a:off x="6471920" y="5894416"/>
-            <a:ext cx="538480" cy="145704"/>
-          </a:xfrm>
-          <a:prstGeom prst="stripedRightArrow">
-            <a:avLst/>
-          </a:prstGeom>
-        </p:spPr>
-        <p:style>
-          <a:lnRef idx="1">
-            <a:schemeClr val="accent3"/>
-          </a:lnRef>
-          <a:fillRef idx="2">
-            <a:schemeClr val="accent3"/>
-          </a:fillRef>
-          <a:effectRef idx="1">
-            <a:schemeClr val="accent3"/>
-          </a:effectRef>
-          <a:fontRef idx="minor">
-            <a:schemeClr val="dk1"/>
-          </a:fontRef>
-        </p:style>
-        <p:txBody>
-          <a:bodyPr rtlCol="0" anchor="ctr"/>
-          <a:lstStyle/>
-          <a:p>
-            <a:pPr algn="ctr"/>
-            <a:endParaRPr lang="en-US">
-              <a:solidFill>
-                <a:srgbClr val="FF0000"/>
-              </a:solidFill>
-            </a:endParaRPr>
-          </a:p>
-        </p:txBody>
-      </p:sp>
-    </p:spTree>
-    <p:extLst>
-      <p:ext uri="{BB962C8B-B14F-4D97-AF65-F5344CB8AC3E}">
-        <p14:creationId xmlns:p14="http://schemas.microsoft.com/office/powerpoint/2010/main" val="422847147"/>
       </p:ext>
     </p:extLst>
   </p:cSld>

--- a/sandwitch_results_3_2015/spamm_big_picture.pptx
+++ b/sandwitch_results_3_2015/spamm_big_picture.pptx
@@ -213,7 +213,7 @@
           <a:p>
             <a:fld id="{BF3503EC-AB5C-4F50-98A3-0361B4FC780B}" type="datetimeFigureOut">
               <a:rPr lang="en-US" smtClean="0"/>
-              <a:t>3/14/2015</a:t>
+              <a:t>3/15/2015</a:t>
             </a:fld>
             <a:endParaRPr lang="en-US"/>
           </a:p>
@@ -998,7 +998,7 @@
           <a:p>
             <a:fld id="{A5076DD6-7086-463C-B4BA-E840F0BAD81D}" type="datetimeFigureOut">
               <a:rPr lang="en-US" smtClean="0"/>
-              <a:t>3/14/2015</a:t>
+              <a:t>3/15/2015</a:t>
             </a:fld>
             <a:endParaRPr lang="en-US"/>
           </a:p>
@@ -1168,7 +1168,7 @@
           <a:p>
             <a:fld id="{A5076DD6-7086-463C-B4BA-E840F0BAD81D}" type="datetimeFigureOut">
               <a:rPr lang="en-US" smtClean="0"/>
-              <a:t>3/14/2015</a:t>
+              <a:t>3/15/2015</a:t>
             </a:fld>
             <a:endParaRPr lang="en-US"/>
           </a:p>
@@ -1348,7 +1348,7 @@
           <a:p>
             <a:fld id="{A5076DD6-7086-463C-B4BA-E840F0BAD81D}" type="datetimeFigureOut">
               <a:rPr lang="en-US" smtClean="0"/>
-              <a:t>3/14/2015</a:t>
+              <a:t>3/15/2015</a:t>
             </a:fld>
             <a:endParaRPr lang="en-US"/>
           </a:p>
@@ -1518,7 +1518,7 @@
           <a:p>
             <a:fld id="{A5076DD6-7086-463C-B4BA-E840F0BAD81D}" type="datetimeFigureOut">
               <a:rPr lang="en-US" smtClean="0"/>
-              <a:t>3/14/2015</a:t>
+              <a:t>3/15/2015</a:t>
             </a:fld>
             <a:endParaRPr lang="en-US"/>
           </a:p>
@@ -1764,7 +1764,7 @@
           <a:p>
             <a:fld id="{A5076DD6-7086-463C-B4BA-E840F0BAD81D}" type="datetimeFigureOut">
               <a:rPr lang="en-US" smtClean="0"/>
-              <a:t>3/14/2015</a:t>
+              <a:t>3/15/2015</a:t>
             </a:fld>
             <a:endParaRPr lang="en-US"/>
           </a:p>
@@ -2052,7 +2052,7 @@
           <a:p>
             <a:fld id="{A5076DD6-7086-463C-B4BA-E840F0BAD81D}" type="datetimeFigureOut">
               <a:rPr lang="en-US" smtClean="0"/>
-              <a:t>3/14/2015</a:t>
+              <a:t>3/15/2015</a:t>
             </a:fld>
             <a:endParaRPr lang="en-US"/>
           </a:p>
@@ -2474,7 +2474,7 @@
           <a:p>
             <a:fld id="{A5076DD6-7086-463C-B4BA-E840F0BAD81D}" type="datetimeFigureOut">
               <a:rPr lang="en-US" smtClean="0"/>
-              <a:t>3/14/2015</a:t>
+              <a:t>3/15/2015</a:t>
             </a:fld>
             <a:endParaRPr lang="en-US"/>
           </a:p>
@@ -2592,7 +2592,7 @@
           <a:p>
             <a:fld id="{A5076DD6-7086-463C-B4BA-E840F0BAD81D}" type="datetimeFigureOut">
               <a:rPr lang="en-US" smtClean="0"/>
-              <a:t>3/14/2015</a:t>
+              <a:t>3/15/2015</a:t>
             </a:fld>
             <a:endParaRPr lang="en-US"/>
           </a:p>
@@ -2687,7 +2687,7 @@
           <a:p>
             <a:fld id="{A5076DD6-7086-463C-B4BA-E840F0BAD81D}" type="datetimeFigureOut">
               <a:rPr lang="en-US" smtClean="0"/>
-              <a:t>3/14/2015</a:t>
+              <a:t>3/15/2015</a:t>
             </a:fld>
             <a:endParaRPr lang="en-US"/>
           </a:p>
@@ -2964,7 +2964,7 @@
           <a:p>
             <a:fld id="{A5076DD6-7086-463C-B4BA-E840F0BAD81D}" type="datetimeFigureOut">
               <a:rPr lang="en-US" smtClean="0"/>
-              <a:t>3/14/2015</a:t>
+              <a:t>3/15/2015</a:t>
             </a:fld>
             <a:endParaRPr lang="en-US"/>
           </a:p>
@@ -3217,7 +3217,7 @@
           <a:p>
             <a:fld id="{A5076DD6-7086-463C-B4BA-E840F0BAD81D}" type="datetimeFigureOut">
               <a:rPr lang="en-US" smtClean="0"/>
-              <a:t>3/14/2015</a:t>
+              <a:t>3/15/2015</a:t>
             </a:fld>
             <a:endParaRPr lang="en-US"/>
           </a:p>
@@ -3430,7 +3430,7 @@
           <a:p>
             <a:fld id="{A5076DD6-7086-463C-B4BA-E840F0BAD81D}" type="datetimeFigureOut">
               <a:rPr lang="en-US" smtClean="0"/>
-              <a:t>3/14/2015</a:t>
+              <a:t>3/15/2015</a:t>
             </a:fld>
             <a:endParaRPr lang="en-US"/>
           </a:p>
@@ -4170,25 +4170,1393 @@
           </a:p>
         </p:txBody>
       </p:sp>
-      <p:sp>
-        <p:nvSpPr>
-          <p:cNvPr id="3" name="Content Placeholder 2"/>
-          <p:cNvSpPr>
-            <a:spLocks noGrp="1"/>
-          </p:cNvSpPr>
-          <p:nvPr>
-            <p:ph idx="1"/>
-          </p:nvPr>
-        </p:nvSpPr>
-        <p:spPr/>
-        <p:txBody>
-          <a:bodyPr/>
-          <a:lstStyle/>
-          <a:p>
-            <a:endParaRPr lang="en-US" dirty="0"/>
-          </a:p>
-        </p:txBody>
-      </p:sp>
+      <mc:AlternateContent xmlns:mc="http://schemas.openxmlformats.org/markup-compatibility/2006">
+        <mc:Choice xmlns:a14="http://schemas.microsoft.com/office/drawing/2010/main" Requires="a14">
+          <p:sp>
+            <p:nvSpPr>
+              <p:cNvPr id="4" name="Content Placeholder 3"/>
+              <p:cNvSpPr txBox="1">
+                <a:spLocks noGrp="1"/>
+              </p:cNvSpPr>
+              <p:nvPr>
+                <p:ph idx="1"/>
+              </p:nvPr>
+            </p:nvSpPr>
+            <p:spPr>
+              <a:xfrm>
+                <a:off x="304800" y="1997108"/>
+                <a:ext cx="8686800" cy="4251292"/>
+              </a:xfrm>
+              <a:prstGeom prst="rect">
+                <a:avLst/>
+              </a:prstGeom>
+              <a:ln/>
+            </p:spPr>
+            <p:style>
+              <a:lnRef idx="0">
+                <a:schemeClr val="accent4"/>
+              </a:lnRef>
+              <a:fillRef idx="3">
+                <a:schemeClr val="accent4"/>
+              </a:fillRef>
+              <a:effectRef idx="3">
+                <a:schemeClr val="accent4"/>
+              </a:effectRef>
+              <a:fontRef idx="minor">
+                <a:schemeClr val="lt1"/>
+              </a:fontRef>
+            </p:style>
+            <p:txBody>
+              <a:bodyPr wrap="square" rtlCol="0">
+                <a:spAutoFit/>
+              </a:bodyPr>
+              <a:lstStyle/>
+              <a:p>
+                <a:pPr marL="274320">
+                  <a:spcBef>
+                    <a:spcPts val="600"/>
+                  </a:spcBef>
+                  <a:spcAft>
+                    <a:spcPts val="600"/>
+                  </a:spcAft>
+                </a:pPr>
+                <a:r>
+                  <a:rPr lang="en-US" sz="2200" u="sng" dirty="0" smtClean="0"/>
+                  <a:t>nested NS </a:t>
+                </a:r>
+                <a:r>
+                  <a:rPr lang="en-US" sz="2200" u="sng" dirty="0" err="1" smtClean="0"/>
+                  <a:t>functionals</a:t>
+                </a:r>
+                <a:r>
+                  <a:rPr lang="en-US" sz="2200" u="sng" dirty="0" smtClean="0"/>
+                  <a:t>:</a:t>
+                </a:r>
+                <a:endParaRPr lang="en-US" sz="2200" i="1" dirty="0" smtClean="0">
+                  <a:latin typeface="Cambria Math"/>
+                </a:endParaRPr>
+              </a:p>
+              <a:p>
+                <a:pPr marL="274320">
+                  <a:spcBef>
+                    <a:spcPts val="600"/>
+                  </a:spcBef>
+                  <a:spcAft>
+                    <a:spcPts val="600"/>
+                  </a:spcAft>
+                </a:pPr>
+                <a14:m>
+                  <m:oMath xmlns:m="http://schemas.openxmlformats.org/officeDocument/2006/math">
+                    <m:d>
+                      <m:dPr>
+                        <m:begChr m:val="{"/>
+                        <m:endChr m:val="}"/>
+                        <m:ctrlPr>
+                          <a:rPr lang="en-US" sz="2400" b="0" i="1" smtClean="0">
+                            <a:latin typeface="Cambria Math"/>
+                          </a:rPr>
+                        </m:ctrlPr>
+                      </m:dPr>
+                      <m:e>
+                        <m:sSub>
+                          <m:sSubPr>
+                            <m:ctrlPr>
+                              <a:rPr lang="en-US" sz="2400" b="0" i="1" smtClean="0">
+                                <a:latin typeface="Cambria Math"/>
+                              </a:rPr>
+                            </m:ctrlPr>
+                          </m:sSubPr>
+                          <m:e>
+                            <m:r>
+                              <a:rPr lang="en-US" sz="2400" b="1" i="1" smtClean="0">
+                                <a:latin typeface="Cambria Math"/>
+                              </a:rPr>
+                              <m:t>𝒙</m:t>
+                            </m:r>
+                          </m:e>
+                          <m:sub>
+                            <m:r>
+                              <a:rPr lang="en-US" sz="2400" b="0" i="1" smtClean="0">
+                                <a:latin typeface="Cambria Math"/>
+                              </a:rPr>
+                              <m:t>𝑚</m:t>
+                            </m:r>
+                          </m:sub>
+                        </m:sSub>
+                        <m:r>
+                          <a:rPr lang="en-US" sz="2400" b="0" i="1" smtClean="0">
+                            <a:latin typeface="Cambria Math"/>
+                          </a:rPr>
+                          <m:t>, </m:t>
+                        </m:r>
+                        <m:sSub>
+                          <m:sSubPr>
+                            <m:ctrlPr>
+                              <a:rPr lang="en-US" sz="2400" b="0" i="1" smtClean="0">
+                                <a:latin typeface="Cambria Math"/>
+                              </a:rPr>
+                            </m:ctrlPr>
+                          </m:sSubPr>
+                          <m:e>
+                            <m:r>
+                              <a:rPr lang="en-US" sz="2400" b="1" i="1" smtClean="0">
+                                <a:latin typeface="Cambria Math"/>
+                              </a:rPr>
+                              <m:t>𝒛</m:t>
+                            </m:r>
+                          </m:e>
+                          <m:sub>
+                            <m:r>
+                              <a:rPr lang="en-US" sz="2400" b="0" i="1" smtClean="0">
+                                <a:latin typeface="Cambria Math"/>
+                              </a:rPr>
+                              <m:t>𝑚</m:t>
+                            </m:r>
+                          </m:sub>
+                        </m:sSub>
+                      </m:e>
+                    </m:d>
+                  </m:oMath>
+                </a14:m>
+                <a:r>
+                  <a:rPr lang="en-US" sz="2400" dirty="0" smtClean="0"/>
+                  <a:t>  </a:t>
+                </a:r>
+                <a:r>
+                  <a:rPr lang="en-US" sz="2400" dirty="0"/>
+                  <a:t>=</a:t>
+                </a:r>
+                <a14:m>
+                  <m:oMath xmlns:m="http://schemas.openxmlformats.org/officeDocument/2006/math">
+                    <m:r>
+                      <a:rPr lang="en-US" sz="2400" b="0" i="0" smtClean="0">
+                        <a:latin typeface="Cambria Math"/>
+                      </a:rPr>
+                      <m:t>  </m:t>
+                    </m:r>
+                    <m:r>
+                      <a:rPr lang="en-US" sz="2400" b="0" i="1" smtClean="0">
+                        <a:latin typeface="Cambria Math"/>
+                      </a:rPr>
+                      <m:t>𝑁𝑆</m:t>
+                    </m:r>
+                    <m:d>
+                      <m:dPr>
+                        <m:begChr m:val="["/>
+                        <m:endChr m:val="]"/>
+                        <m:ctrlPr>
+                          <a:rPr lang="en-US" sz="2400" b="0" i="1" smtClean="0">
+                            <a:latin typeface="Cambria Math"/>
+                          </a:rPr>
+                        </m:ctrlPr>
+                      </m:dPr>
+                      <m:e>
+                        <m:r>
+                          <a:rPr lang="en-US" sz="2400" b="0" i="1" smtClean="0">
+                            <a:latin typeface="Cambria Math"/>
+                          </a:rPr>
+                          <m:t> </m:t>
+                        </m:r>
+                        <m:r>
+                          <a:rPr lang="en-US" sz="2400" b="0" i="1" smtClean="0">
+                            <a:latin typeface="Cambria Math"/>
+                          </a:rPr>
+                          <m:t>𝑁𝑆</m:t>
+                        </m:r>
+                        <m:d>
+                          <m:dPr>
+                            <m:begChr m:val="["/>
+                            <m:endChr m:val="]"/>
+                            <m:ctrlPr>
+                              <a:rPr lang="en-US" sz="2400" b="0" i="1" smtClean="0">
+                                <a:latin typeface="Cambria Math"/>
+                              </a:rPr>
+                            </m:ctrlPr>
+                          </m:dPr>
+                          <m:e>
+                            <m:r>
+                              <a:rPr lang="en-US" sz="2400" b="0" i="1" smtClean="0">
+                                <a:latin typeface="Cambria Math"/>
+                              </a:rPr>
+                              <m:t> … </m:t>
+                            </m:r>
+                            <m:r>
+                              <a:rPr lang="en-US" sz="2400" b="0" i="1" smtClean="0">
+                                <a:latin typeface="Cambria Math"/>
+                              </a:rPr>
+                              <m:t>𝑁𝑆</m:t>
+                            </m:r>
+                            <m:d>
+                              <m:dPr>
+                                <m:begChr m:val="["/>
+                                <m:endChr m:val="]"/>
+                                <m:ctrlPr>
+                                  <a:rPr lang="en-US" sz="2400" b="0" i="1" smtClean="0">
+                                    <a:latin typeface="Cambria Math"/>
+                                  </a:rPr>
+                                </m:ctrlPr>
+                              </m:dPr>
+                              <m:e>
+                                <m:r>
+                                  <a:rPr lang="en-US" sz="2400" b="0" i="1" smtClean="0">
+                                    <a:latin typeface="Cambria Math"/>
+                                  </a:rPr>
+                                  <m:t> </m:t>
+                                </m:r>
+                                <m:d>
+                                  <m:dPr>
+                                    <m:begChr m:val="{"/>
+                                    <m:endChr m:val="}"/>
+                                    <m:ctrlPr>
+                                      <a:rPr lang="en-US" sz="2400" b="0" i="1" smtClean="0">
+                                        <a:latin typeface="Cambria Math"/>
+                                      </a:rPr>
+                                    </m:ctrlPr>
+                                  </m:dPr>
+                                  <m:e>
+                                    <m:sSub>
+                                      <m:sSubPr>
+                                        <m:ctrlPr>
+                                          <a:rPr lang="en-US" sz="2400" b="0" i="1" smtClean="0">
+                                            <a:latin typeface="Cambria Math"/>
+                                          </a:rPr>
+                                        </m:ctrlPr>
+                                      </m:sSubPr>
+                                      <m:e>
+                                        <m:r>
+                                          <a:rPr lang="en-US" sz="2400" b="1" i="1" smtClean="0">
+                                            <a:latin typeface="Cambria Math"/>
+                                          </a:rPr>
+                                          <m:t>𝒙</m:t>
+                                        </m:r>
+                                      </m:e>
+                                      <m:sub>
+                                        <m:r>
+                                          <a:rPr lang="en-US" sz="2400" b="0" i="1" smtClean="0">
+                                            <a:latin typeface="Cambria Math"/>
+                                          </a:rPr>
+                                          <m:t>0</m:t>
+                                        </m:r>
+                                      </m:sub>
+                                    </m:sSub>
+                                    <m:r>
+                                      <a:rPr lang="en-US" sz="2400" b="0" i="1" smtClean="0">
+                                        <a:latin typeface="Cambria Math"/>
+                                      </a:rPr>
+                                      <m:t>,</m:t>
+                                    </m:r>
+                                    <m:sSub>
+                                      <m:sSubPr>
+                                        <m:ctrlPr>
+                                          <a:rPr lang="en-US" sz="2400" b="0" i="1" smtClean="0">
+                                            <a:latin typeface="Cambria Math"/>
+                                          </a:rPr>
+                                        </m:ctrlPr>
+                                      </m:sSubPr>
+                                      <m:e>
+                                        <m:r>
+                                          <a:rPr lang="en-US" sz="2400" b="1" i="1" smtClean="0">
+                                            <a:latin typeface="Cambria Math"/>
+                                          </a:rPr>
+                                          <m:t>𝒛</m:t>
+                                        </m:r>
+                                      </m:e>
+                                      <m:sub>
+                                        <m:r>
+                                          <a:rPr lang="en-US" sz="2400" b="0" i="1" smtClean="0">
+                                            <a:latin typeface="Cambria Math"/>
+                                          </a:rPr>
+                                          <m:t>0</m:t>
+                                        </m:r>
+                                      </m:sub>
+                                    </m:sSub>
+                                  </m:e>
+                                </m:d>
+                                <m:r>
+                                  <a:rPr lang="en-US" sz="2400" b="0" i="1" smtClean="0">
+                                    <a:latin typeface="Cambria Math"/>
+                                  </a:rPr>
+                                  <m:t> ,  </m:t>
+                                </m:r>
+                                <m:sSub>
+                                  <m:sSubPr>
+                                    <m:ctrlPr>
+                                      <a:rPr lang="en-US" sz="2400" b="0" i="1" smtClean="0">
+                                        <a:latin typeface="Cambria Math"/>
+                                      </a:rPr>
+                                    </m:ctrlPr>
+                                  </m:sSubPr>
+                                  <m:e>
+                                    <m:r>
+                                      <a:rPr lang="en-US" sz="2400" b="0" i="1" smtClean="0">
+                                        <a:latin typeface="Cambria Math"/>
+                                        <a:ea typeface="Cambria Math"/>
+                                      </a:rPr>
+                                      <m:t>𝜏</m:t>
+                                    </m:r>
+                                  </m:e>
+                                  <m:sub>
+                                    <m:r>
+                                      <a:rPr lang="en-US" sz="2400" b="0" i="1" smtClean="0">
+                                        <a:latin typeface="Cambria Math"/>
+                                      </a:rPr>
+                                      <m:t>0</m:t>
+                                    </m:r>
+                                  </m:sub>
+                                </m:sSub>
+                                <m:r>
+                                  <a:rPr lang="en-US" sz="2400" b="0" i="1" smtClean="0">
+                                    <a:latin typeface="Cambria Math"/>
+                                  </a:rPr>
+                                  <m:t> </m:t>
+                                </m:r>
+                              </m:e>
+                            </m:d>
+                            <m:r>
+                              <a:rPr lang="en-US" sz="2400" b="0" i="1" smtClean="0">
+                                <a:latin typeface="Cambria Math"/>
+                              </a:rPr>
+                              <m:t> …, </m:t>
+                            </m:r>
+                            <m:sSub>
+                              <m:sSubPr>
+                                <m:ctrlPr>
+                                  <a:rPr lang="en-US" sz="2400" b="0" i="1" smtClean="0">
+                                    <a:latin typeface="Cambria Math"/>
+                                  </a:rPr>
+                                </m:ctrlPr>
+                              </m:sSubPr>
+                              <m:e>
+                                <m:r>
+                                  <a:rPr lang="en-US" sz="2400" b="0" i="1" smtClean="0">
+                                    <a:latin typeface="Cambria Math"/>
+                                  </a:rPr>
+                                  <m:t> </m:t>
+                                </m:r>
+                                <m:r>
+                                  <a:rPr lang="en-US" sz="2400" b="0" i="1" smtClean="0">
+                                    <a:latin typeface="Cambria Math"/>
+                                    <a:ea typeface="Cambria Math"/>
+                                  </a:rPr>
+                                  <m:t>𝜏</m:t>
+                                </m:r>
+                              </m:e>
+                              <m:sub>
+                                <m:r>
+                                  <a:rPr lang="en-US" sz="2400" b="0" i="1" smtClean="0">
+                                    <a:latin typeface="Cambria Math"/>
+                                    <a:ea typeface="Cambria Math"/>
+                                  </a:rPr>
+                                  <m:t>𝑚</m:t>
+                                </m:r>
+                                <m:r>
+                                  <a:rPr lang="en-US" sz="2400" b="0" i="1" smtClean="0">
+                                    <a:latin typeface="Cambria Math"/>
+                                    <a:ea typeface="Cambria Math"/>
+                                  </a:rPr>
+                                  <m:t>−1</m:t>
+                                </m:r>
+                              </m:sub>
+                            </m:sSub>
+                            <m:r>
+                              <a:rPr lang="en-US" sz="2400" b="0" i="1" smtClean="0">
+                                <a:latin typeface="Cambria Math"/>
+                              </a:rPr>
+                              <m:t> </m:t>
+                            </m:r>
+                          </m:e>
+                        </m:d>
+                        <m:sSub>
+                          <m:sSubPr>
+                            <m:ctrlPr>
+                              <a:rPr lang="en-US" sz="2400" b="0" i="1" smtClean="0">
+                                <a:latin typeface="Cambria Math"/>
+                              </a:rPr>
+                            </m:ctrlPr>
+                          </m:sSubPr>
+                          <m:e>
+                            <m:r>
+                              <a:rPr lang="en-US" sz="2400" b="0" i="1" smtClean="0">
+                                <a:latin typeface="Cambria Math"/>
+                              </a:rPr>
+                              <m:t>,  </m:t>
+                            </m:r>
+                            <m:r>
+                              <a:rPr lang="en-US" sz="2400" b="0" i="1" smtClean="0">
+                                <a:latin typeface="Cambria Math"/>
+                                <a:ea typeface="Cambria Math"/>
+                              </a:rPr>
+                              <m:t>𝜏</m:t>
+                            </m:r>
+                          </m:e>
+                          <m:sub>
+                            <m:r>
+                              <a:rPr lang="en-US" sz="2400" b="0" i="1" smtClean="0">
+                                <a:latin typeface="Cambria Math"/>
+                                <a:ea typeface="Cambria Math"/>
+                              </a:rPr>
+                              <m:t>𝑚</m:t>
+                            </m:r>
+                          </m:sub>
+                        </m:sSub>
+                        <m:r>
+                          <a:rPr lang="en-US" sz="2400" b="0" i="1" smtClean="0">
+                            <a:latin typeface="Cambria Math"/>
+                          </a:rPr>
+                          <m:t> </m:t>
+                        </m:r>
+                      </m:e>
+                    </m:d>
+                  </m:oMath>
+                </a14:m>
+                <a:r>
+                  <a:rPr lang="en-US" sz="2400" dirty="0" smtClean="0"/>
+                  <a:t> </a:t>
+                </a:r>
+              </a:p>
+              <a:p>
+                <a:pPr marL="274320">
+                  <a:spcBef>
+                    <a:spcPts val="600"/>
+                  </a:spcBef>
+                  <a:spcAft>
+                    <a:spcPts val="600"/>
+                  </a:spcAft>
+                </a:pPr>
+                <a:r>
+                  <a:rPr lang="en-US" sz="2200" u="sng" dirty="0"/>
+                  <a:t>r</a:t>
+                </a:r>
+                <a:r>
+                  <a:rPr lang="en-US" sz="2200" u="sng" dirty="0" smtClean="0"/>
+                  <a:t>esolution </a:t>
+                </a:r>
+                <a:r>
+                  <a:rPr lang="en-US" sz="2200" u="sng" dirty="0"/>
+                  <a:t>of the </a:t>
+                </a:r>
+                <a:r>
+                  <a:rPr lang="en-US" sz="2200" u="sng" dirty="0" smtClean="0"/>
+                  <a:t>identity:</a:t>
+                </a:r>
+                <a:endParaRPr lang="en-US" sz="2200" dirty="0"/>
+              </a:p>
+              <a:p>
+                <a:pPr marL="274320">
+                  <a:spcBef>
+                    <a:spcPts val="600"/>
+                  </a:spcBef>
+                  <a:spcAft>
+                    <a:spcPts val="600"/>
+                  </a:spcAft>
+                </a:pPr>
+                <a14:m>
+                  <m:oMath xmlns:m="http://schemas.openxmlformats.org/officeDocument/2006/math">
+                    <m:sSub>
+                      <m:sSubPr>
+                        <m:ctrlPr>
+                          <a:rPr lang="en-US" sz="2800" b="1" i="1" smtClean="0">
+                            <a:latin typeface="Cambria Math"/>
+                          </a:rPr>
+                        </m:ctrlPr>
+                      </m:sSubPr>
+                      <m:e>
+                        <m:r>
+                          <a:rPr lang="en-US" sz="2800" b="1" i="1" smtClean="0">
+                            <a:latin typeface="Cambria Math"/>
+                          </a:rPr>
+                          <m:t>𝒙</m:t>
+                        </m:r>
+                      </m:e>
+                      <m:sub>
+                        <m:r>
+                          <a:rPr lang="en-US" sz="2800" b="0" i="1" smtClean="0">
+                            <a:latin typeface="Cambria Math"/>
+                          </a:rPr>
+                          <m:t>𝑚</m:t>
+                        </m:r>
+                      </m:sub>
+                    </m:sSub>
+                    <m:r>
+                      <a:rPr lang="en-US" sz="2800" b="0" i="1" smtClean="0">
+                        <a:latin typeface="Cambria Math"/>
+                      </a:rPr>
+                      <m:t>= </m:t>
+                    </m:r>
+                    <m:d>
+                      <m:dPr>
+                        <m:begChr m:val="⟨"/>
+                        <m:endChr m:val="⟩"/>
+                        <m:ctrlPr>
+                          <a:rPr lang="en-US" sz="2800" b="0" i="1" smtClean="0">
+                            <a:latin typeface="Cambria Math"/>
+                          </a:rPr>
+                        </m:ctrlPr>
+                      </m:dPr>
+                      <m:e>
+                        <m:sSub>
+                          <m:sSubPr>
+                            <m:ctrlPr>
+                              <a:rPr lang="en-US" sz="2800" b="0" i="1" smtClean="0">
+                                <a:latin typeface="Cambria Math"/>
+                              </a:rPr>
+                            </m:ctrlPr>
+                          </m:sSubPr>
+                          <m:e>
+                            <m:sSup>
+                              <m:sSupPr>
+                                <m:ctrlPr>
+                                  <a:rPr lang="en-US" sz="2800" b="0" i="1" smtClean="0">
+                                    <a:latin typeface="Cambria Math"/>
+                                  </a:rPr>
+                                </m:ctrlPr>
+                              </m:sSupPr>
+                              <m:e>
+                                <m:r>
+                                  <a:rPr lang="en-US" sz="2800" b="1" i="1" smtClean="0">
+                                    <a:latin typeface="Cambria Math"/>
+                                  </a:rPr>
+                                  <m:t>𝒛</m:t>
+                                </m:r>
+                              </m:e>
+                              <m:sup>
+                                <m:argPr>
+                                  <m:argSz m:val="-1"/>
+                                </m:argPr>
+                                <m:r>
+                                  <a:rPr lang="en-US" sz="2800" b="0" i="1" smtClean="0">
+                                    <a:latin typeface="Cambria Math"/>
+                                  </a:rPr>
+                                  <m:t>𝑡</m:t>
+                                </m:r>
+                              </m:sup>
+                            </m:sSup>
+                          </m:e>
+                          <m:sub>
+                            <m:argPr>
+                              <m:argSz m:val="-1"/>
+                            </m:argPr>
+                            <m:r>
+                              <a:rPr lang="en-US" sz="2800" b="0" i="1" smtClean="0">
+                                <a:latin typeface="Cambria Math"/>
+                              </a:rPr>
+                              <m:t>𝑚</m:t>
+                            </m:r>
+                          </m:sub>
+                        </m:sSub>
+                      </m:e>
+                      <m:e>
+                        <m:d>
+                          <m:dPr>
+                            <m:begChr m:val="⟨"/>
+                            <m:endChr m:val="⟩"/>
+                            <m:ctrlPr>
+                              <a:rPr lang="en-US" sz="2800" b="0" i="1" smtClean="0">
+                                <a:latin typeface="Cambria Math"/>
+                              </a:rPr>
+                            </m:ctrlPr>
+                          </m:dPr>
+                          <m:e>
+                            <m:sSub>
+                              <m:sSubPr>
+                                <m:ctrlPr>
+                                  <a:rPr lang="en-US" sz="2800" b="0" i="1" smtClean="0">
+                                    <a:latin typeface="Cambria Math"/>
+                                  </a:rPr>
+                                </m:ctrlPr>
+                              </m:sSubPr>
+                              <m:e>
+                                <m:sSup>
+                                  <m:sSupPr>
+                                    <m:ctrlPr>
+                                      <a:rPr lang="en-US" sz="2800" b="0" i="1" smtClean="0">
+                                        <a:latin typeface="Cambria Math"/>
+                                      </a:rPr>
+                                    </m:ctrlPr>
+                                  </m:sSupPr>
+                                  <m:e>
+                                    <m:r>
+                                      <a:rPr lang="en-US" sz="2800" b="1" i="1" smtClean="0">
+                                        <a:latin typeface="Cambria Math"/>
+                                      </a:rPr>
+                                      <m:t>𝒛</m:t>
+                                    </m:r>
+                                  </m:e>
+                                  <m:sup>
+                                    <m:argPr>
+                                      <m:argSz m:val="-1"/>
+                                    </m:argPr>
+                                    <m:r>
+                                      <a:rPr lang="en-US" sz="2800" b="0" i="1" smtClean="0">
+                                        <a:latin typeface="Cambria Math"/>
+                                      </a:rPr>
+                                      <m:t>𝑡</m:t>
+                                    </m:r>
+                                  </m:sup>
+                                </m:sSup>
+                              </m:e>
+                              <m:sub>
+                                <m:argPr>
+                                  <m:argSz m:val="-1"/>
+                                </m:argPr>
+                                <m:r>
+                                  <a:rPr lang="en-US" sz="2800" b="0" i="1" smtClean="0">
+                                    <a:latin typeface="Cambria Math"/>
+                                  </a:rPr>
+                                  <m:t>𝑚</m:t>
+                                </m:r>
+                                <m:r>
+                                  <a:rPr lang="en-US" sz="2800" b="0" i="1" smtClean="0">
+                                    <a:latin typeface="Cambria Math"/>
+                                  </a:rPr>
+                                  <m:t>−1</m:t>
+                                </m:r>
+                              </m:sub>
+                            </m:sSub>
+                          </m:e>
+                          <m:e>
+                            <m:r>
+                              <a:rPr lang="en-US" sz="2800" b="0" i="1" smtClean="0">
+                                <a:latin typeface="Cambria Math"/>
+                              </a:rPr>
+                              <m:t> </m:t>
+                            </m:r>
+                            <m:r>
+                              <a:rPr lang="en-US" sz="2800" b="0" i="1" smtClean="0">
+                                <a:latin typeface="Cambria Math"/>
+                                <a:ea typeface="Cambria Math"/>
+                              </a:rPr>
+                              <m:t>⋯</m:t>
+                            </m:r>
+                            <m:r>
+                              <a:rPr lang="en-US" sz="2800" b="0" i="1" smtClean="0">
+                                <a:latin typeface="Cambria Math"/>
+                              </a:rPr>
+                              <m:t> </m:t>
+                            </m:r>
+                            <m:d>
+                              <m:dPr>
+                                <m:begChr m:val="⟨"/>
+                                <m:endChr m:val="⟩"/>
+                                <m:ctrlPr>
+                                  <a:rPr lang="en-US" sz="2800" b="0" i="1" smtClean="0">
+                                    <a:latin typeface="Cambria Math"/>
+                                  </a:rPr>
+                                </m:ctrlPr>
+                              </m:dPr>
+                              <m:e>
+                                <m:sSub>
+                                  <m:sSubPr>
+                                    <m:ctrlPr>
+                                      <a:rPr lang="en-US" sz="2800" b="0" i="1" smtClean="0">
+                                        <a:latin typeface="Cambria Math"/>
+                                      </a:rPr>
+                                    </m:ctrlPr>
+                                  </m:sSubPr>
+                                  <m:e>
+                                    <m:sSup>
+                                      <m:sSupPr>
+                                        <m:ctrlPr>
+                                          <a:rPr lang="en-US" sz="2800" b="0" i="1" smtClean="0">
+                                            <a:latin typeface="Cambria Math"/>
+                                          </a:rPr>
+                                        </m:ctrlPr>
+                                      </m:sSupPr>
+                                      <m:e>
+                                        <m:r>
+                                          <a:rPr lang="en-US" sz="2800" b="1" i="1" smtClean="0">
+                                            <a:latin typeface="Cambria Math"/>
+                                          </a:rPr>
+                                          <m:t>𝒛</m:t>
+                                        </m:r>
+                                      </m:e>
+                                      <m:sup>
+                                        <m:argPr>
+                                          <m:argSz m:val="-1"/>
+                                        </m:argPr>
+                                        <m:r>
+                                          <a:rPr lang="en-US" sz="2800" b="0" i="1" smtClean="0">
+                                            <a:latin typeface="Cambria Math"/>
+                                          </a:rPr>
+                                          <m:t>𝑡</m:t>
+                                        </m:r>
+                                      </m:sup>
+                                    </m:sSup>
+                                  </m:e>
+                                  <m:sub/>
+                                </m:sSub>
+                              </m:e>
+                              <m:e>
+                                <m:r>
+                                  <a:rPr lang="en-US" sz="2800" b="1" i="1" smtClean="0">
+                                    <a:latin typeface="Cambria Math"/>
+                                  </a:rPr>
+                                  <m:t> </m:t>
+                                </m:r>
+                                <m:r>
+                                  <a:rPr lang="en-US" sz="2800" b="1" i="1" smtClean="0">
+                                    <a:latin typeface="Cambria Math"/>
+                                  </a:rPr>
+                                  <m:t>𝒔</m:t>
+                                </m:r>
+                                <m:r>
+                                  <a:rPr lang="en-US" sz="2800" b="1" i="1" smtClean="0">
+                                    <a:latin typeface="Cambria Math"/>
+                                  </a:rPr>
+                                  <m:t> </m:t>
+                                </m:r>
+                              </m:e>
+                              <m:e>
+                                <m:sSub>
+                                  <m:sSubPr>
+                                    <m:ctrlPr>
+                                      <a:rPr lang="en-US" sz="2800" b="0" i="1" smtClean="0">
+                                        <a:latin typeface="Cambria Math"/>
+                                      </a:rPr>
+                                    </m:ctrlPr>
+                                  </m:sSubPr>
+                                  <m:e>
+                                    <m:r>
+                                      <a:rPr lang="en-US" sz="2800" b="1" i="1" smtClean="0">
+                                        <a:latin typeface="Cambria Math"/>
+                                      </a:rPr>
+                                      <m:t>𝒛</m:t>
+                                    </m:r>
+                                  </m:e>
+                                  <m:sub>
+                                    <m:argPr>
+                                      <m:argSz m:val="-1"/>
+                                    </m:argPr>
+                                    <m:r>
+                                      <a:rPr lang="en-US" sz="2800" b="0" i="1" smtClean="0">
+                                        <a:latin typeface="Cambria Math"/>
+                                      </a:rPr>
+                                      <m:t>0</m:t>
+                                    </m:r>
+                                  </m:sub>
+                                </m:sSub>
+                              </m:e>
+                            </m:d>
+                            <m:r>
+                              <a:rPr lang="en-US" sz="2800" b="0" i="1" smtClean="0">
+                                <a:latin typeface="Cambria Math"/>
+                                <a:ea typeface="Cambria Math"/>
+                              </a:rPr>
+                              <m:t>⋯</m:t>
+                            </m:r>
+                          </m:e>
+                          <m:e>
+                            <m:sSub>
+                              <m:sSubPr>
+                                <m:ctrlPr>
+                                  <a:rPr lang="en-US" sz="2800" b="0" i="1" smtClean="0">
+                                    <a:latin typeface="Cambria Math"/>
+                                  </a:rPr>
+                                </m:ctrlPr>
+                              </m:sSubPr>
+                              <m:e>
+                                <m:r>
+                                  <a:rPr lang="en-US" sz="2800" b="1" i="1" smtClean="0">
+                                    <a:latin typeface="Cambria Math"/>
+                                  </a:rPr>
+                                  <m:t>𝒛</m:t>
+                                </m:r>
+                              </m:e>
+                              <m:sub>
+                                <m:argPr>
+                                  <m:argSz m:val="-1"/>
+                                </m:argPr>
+                                <m:r>
+                                  <a:rPr lang="en-US" sz="2800" b="0" i="1" smtClean="0">
+                                    <a:latin typeface="Cambria Math"/>
+                                  </a:rPr>
+                                  <m:t>𝑚</m:t>
+                                </m:r>
+                                <m:r>
+                                  <a:rPr lang="en-US" sz="2800" b="0" i="1" smtClean="0">
+                                    <a:latin typeface="Cambria Math"/>
+                                  </a:rPr>
+                                  <m:t>−1</m:t>
+                                </m:r>
+                              </m:sub>
+                            </m:sSub>
+                          </m:e>
+                        </m:d>
+                      </m:e>
+                      <m:e>
+                        <m:sSub>
+                          <m:sSubPr>
+                            <m:ctrlPr>
+                              <a:rPr lang="en-US" sz="2800" b="0" i="1" smtClean="0">
+                                <a:latin typeface="Cambria Math"/>
+                              </a:rPr>
+                            </m:ctrlPr>
+                          </m:sSubPr>
+                          <m:e>
+                            <m:r>
+                              <a:rPr lang="en-US" sz="2800" b="1" i="1" smtClean="0">
+                                <a:latin typeface="Cambria Math"/>
+                              </a:rPr>
+                              <m:t>𝒛</m:t>
+                            </m:r>
+                          </m:e>
+                          <m:sub>
+                            <m:argPr>
+                              <m:argSz m:val="-1"/>
+                            </m:argPr>
+                            <m:r>
+                              <a:rPr lang="en-US" sz="2800" b="0" i="1" smtClean="0">
+                                <a:latin typeface="Cambria Math"/>
+                              </a:rPr>
+                              <m:t>𝑚</m:t>
+                            </m:r>
+                          </m:sub>
+                        </m:sSub>
+                      </m:e>
+                    </m:d>
+                    <m:r>
+                      <a:rPr lang="en-US" sz="2800" b="0" i="1" smtClean="0">
+                        <a:latin typeface="Cambria Math"/>
+                      </a:rPr>
+                      <m:t>→</m:t>
+                    </m:r>
+                    <m:r>
+                      <a:rPr lang="en-US" sz="2800" b="1" i="1" smtClean="0">
+                        <a:latin typeface="Cambria Math"/>
+                      </a:rPr>
+                      <m:t>𝑰</m:t>
+                    </m:r>
+                  </m:oMath>
+                </a14:m>
+                <a:endParaRPr lang="en-US" sz="2400" i="1" dirty="0" smtClean="0">
+                  <a:latin typeface="Cambria Math"/>
+                </a:endParaRPr>
+              </a:p>
+              <a:p>
+                <a:pPr marL="274320">
+                  <a:spcBef>
+                    <a:spcPts val="600"/>
+                  </a:spcBef>
+                  <a:spcAft>
+                    <a:spcPts val="600"/>
+                  </a:spcAft>
+                </a:pPr>
+                <a:r>
+                  <a:rPr lang="en-US" sz="2200" u="sng" dirty="0" smtClean="0"/>
+                  <a:t>sandwich factors:</a:t>
+                </a:r>
+                <a:endParaRPr lang="en-US" sz="2200" i="1" dirty="0" smtClean="0">
+                  <a:latin typeface="Cambria Math"/>
+                </a:endParaRPr>
+              </a:p>
+              <a:p>
+                <a:pPr marL="274320">
+                  <a:spcBef>
+                    <a:spcPts val="600"/>
+                  </a:spcBef>
+                  <a:spcAft>
+                    <a:spcPts val="600"/>
+                  </a:spcAft>
+                </a:pPr>
+                <a14:m>
+                  <m:oMath xmlns:m="http://schemas.openxmlformats.org/officeDocument/2006/math">
+                    <m:d>
+                      <m:dPr>
+                        <m:begChr m:val="|"/>
+                        <m:endChr m:val=""/>
+                        <m:ctrlPr>
+                          <a:rPr lang="en-US" sz="2800" i="1" smtClean="0">
+                            <a:latin typeface="Cambria Math"/>
+                          </a:rPr>
+                        </m:ctrlPr>
+                      </m:dPr>
+                      <m:e>
+                        <m:d>
+                          <m:dPr>
+                            <m:begChr m:val=""/>
+                            <m:endChr m:val="⟩"/>
+                            <m:ctrlPr>
+                              <a:rPr lang="en-US" sz="2800" i="1" smtClean="0">
+                                <a:latin typeface="Cambria Math"/>
+                              </a:rPr>
+                            </m:ctrlPr>
+                          </m:dPr>
+                          <m:e>
+                            <m:r>
+                              <a:rPr lang="en-US" sz="2800" b="1" i="1" smtClean="0">
+                                <a:latin typeface="Cambria Math"/>
+                              </a:rPr>
+                              <m:t>𝒛</m:t>
+                            </m:r>
+                          </m:e>
+                        </m:d>
+                      </m:e>
+                    </m:d>
+                    <m:r>
+                      <a:rPr lang="en-US" sz="2800" b="0" i="0" smtClean="0">
+                        <a:latin typeface="Cambria Math"/>
+                      </a:rPr>
+                      <m:t>= </m:t>
+                    </m:r>
+                    <m:d>
+                      <m:dPr>
+                        <m:begChr m:val="|"/>
+                        <m:endChr m:val=""/>
+                        <m:ctrlPr>
+                          <a:rPr lang="en-US" sz="2800" i="1" smtClean="0">
+                            <a:latin typeface="Cambria Math"/>
+                          </a:rPr>
+                        </m:ctrlPr>
+                      </m:dPr>
+                      <m:e>
+                        <m:d>
+                          <m:dPr>
+                            <m:begChr m:val=""/>
+                            <m:endChr m:val="⟩"/>
+                            <m:ctrlPr>
+                              <a:rPr lang="en-US" sz="2800" i="1" smtClean="0">
+                                <a:latin typeface="Cambria Math"/>
+                              </a:rPr>
+                            </m:ctrlPr>
+                          </m:dPr>
+                          <m:e>
+                            <m:sSub>
+                              <m:sSubPr>
+                                <m:ctrlPr>
+                                  <a:rPr lang="en-US" sz="2800" i="1" smtClean="0">
+                                    <a:latin typeface="Cambria Math"/>
+                                  </a:rPr>
+                                </m:ctrlPr>
+                              </m:sSubPr>
+                              <m:e>
+                                <m:r>
+                                  <a:rPr lang="en-US" sz="2800" b="1" i="1" smtClean="0">
+                                    <a:latin typeface="Cambria Math"/>
+                                  </a:rPr>
+                                  <m:t>𝒛</m:t>
+                                </m:r>
+                              </m:e>
+                              <m:sub>
+                                <m:argPr>
+                                  <m:argSz m:val="-1"/>
+                                </m:argPr>
+                                <m:r>
+                                  <a:rPr lang="en-US" sz="2800" b="0" i="1" smtClean="0">
+                                    <a:latin typeface="Cambria Math"/>
+                                  </a:rPr>
+                                  <m:t>0</m:t>
+                                </m:r>
+                              </m:sub>
+                            </m:sSub>
+                          </m:e>
+                        </m:d>
+                        <m:r>
+                          <a:rPr lang="en-US" sz="2800" b="0" i="1" smtClean="0">
+                            <a:latin typeface="Cambria Math"/>
+                          </a:rPr>
+                          <m:t> </m:t>
+                        </m:r>
+                      </m:e>
+                    </m:d>
+                    <m:r>
+                      <a:rPr lang="en-US" sz="2800" b="0" i="1" smtClean="0">
+                        <a:latin typeface="Cambria Math"/>
+                        <a:ea typeface="Cambria Math"/>
+                      </a:rPr>
+                      <m:t>⋯ </m:t>
+                    </m:r>
+                    <m:d>
+                      <m:dPr>
+                        <m:begChr m:val="|"/>
+                        <m:endChr m:val=""/>
+                        <m:ctrlPr>
+                          <a:rPr lang="en-US" sz="2800" i="1" smtClean="0">
+                            <a:latin typeface="Cambria Math"/>
+                          </a:rPr>
+                        </m:ctrlPr>
+                      </m:dPr>
+                      <m:e>
+                        <m:d>
+                          <m:dPr>
+                            <m:begChr m:val=""/>
+                            <m:endChr m:val="⟩"/>
+                            <m:ctrlPr>
+                              <a:rPr lang="en-US" sz="2800" i="1" smtClean="0">
+                                <a:latin typeface="Cambria Math"/>
+                              </a:rPr>
+                            </m:ctrlPr>
+                          </m:dPr>
+                          <m:e>
+                            <m:sSub>
+                              <m:sSubPr>
+                                <m:ctrlPr>
+                                  <a:rPr lang="en-US" sz="2800" i="1" smtClean="0">
+                                    <a:latin typeface="Cambria Math"/>
+                                  </a:rPr>
+                                </m:ctrlPr>
+                              </m:sSubPr>
+                              <m:e>
+                                <m:r>
+                                  <a:rPr lang="en-US" sz="2800" b="1" i="1" smtClean="0">
+                                    <a:latin typeface="Cambria Math"/>
+                                  </a:rPr>
+                                  <m:t>𝒛</m:t>
+                                </m:r>
+                              </m:e>
+                              <m:sub>
+                                <m:argPr>
+                                  <m:argSz m:val="-1"/>
+                                </m:argPr>
+                                <m:r>
+                                  <a:rPr lang="en-US" sz="2800" b="0" i="1" smtClean="0">
+                                    <a:latin typeface="Cambria Math"/>
+                                  </a:rPr>
+                                  <m:t>𝑚</m:t>
+                                </m:r>
+                                <m:r>
+                                  <a:rPr lang="en-US" sz="2800" b="0" i="1" smtClean="0">
+                                    <a:latin typeface="Cambria Math"/>
+                                  </a:rPr>
+                                  <m:t>−1</m:t>
+                                </m:r>
+                              </m:sub>
+                            </m:sSub>
+                          </m:e>
+                        </m:d>
+                      </m:e>
+                    </m:d>
+                    <m:d>
+                      <m:dPr>
+                        <m:begChr m:val="|"/>
+                        <m:endChr m:val=""/>
+                        <m:ctrlPr>
+                          <a:rPr lang="en-US" sz="2800" i="1" smtClean="0">
+                            <a:latin typeface="Cambria Math"/>
+                          </a:rPr>
+                        </m:ctrlPr>
+                      </m:dPr>
+                      <m:e>
+                        <m:d>
+                          <m:dPr>
+                            <m:begChr m:val=""/>
+                            <m:endChr m:val="⟩"/>
+                            <m:ctrlPr>
+                              <a:rPr lang="en-US" sz="2800" i="1" smtClean="0">
+                                <a:latin typeface="Cambria Math"/>
+                              </a:rPr>
+                            </m:ctrlPr>
+                          </m:dPr>
+                          <m:e>
+                            <m:sSub>
+                              <m:sSubPr>
+                                <m:ctrlPr>
+                                  <a:rPr lang="en-US" sz="2800" i="1" smtClean="0">
+                                    <a:latin typeface="Cambria Math"/>
+                                  </a:rPr>
+                                </m:ctrlPr>
+                              </m:sSubPr>
+                              <m:e>
+                                <m:r>
+                                  <a:rPr lang="en-US" sz="2800" b="1" i="1" smtClean="0">
+                                    <a:latin typeface="Cambria Math"/>
+                                  </a:rPr>
+                                  <m:t>𝒛</m:t>
+                                </m:r>
+                              </m:e>
+                              <m:sub>
+                                <m:argPr>
+                                  <m:argSz m:val="-1"/>
+                                </m:argPr>
+                                <m:r>
+                                  <a:rPr lang="en-US" sz="2800" b="0" i="1" smtClean="0">
+                                    <a:latin typeface="Cambria Math"/>
+                                  </a:rPr>
+                                  <m:t>𝑚</m:t>
+                                </m:r>
+                              </m:sub>
+                            </m:sSub>
+                          </m:e>
+                        </m:d>
+                      </m:e>
+                    </m:d>
+                    <m:r>
+                      <a:rPr lang="en-US" sz="2800" b="0" i="0" smtClean="0">
+                        <a:latin typeface="Cambria Math"/>
+                      </a:rPr>
+                      <m:t>→</m:t>
+                    </m:r>
+                    <m:d>
+                      <m:dPr>
+                        <m:begChr m:val="|"/>
+                        <m:endChr m:val=""/>
+                        <m:ctrlPr>
+                          <a:rPr lang="en-US" sz="2800" i="1" smtClean="0">
+                            <a:latin typeface="Cambria Math"/>
+                          </a:rPr>
+                        </m:ctrlPr>
+                      </m:dPr>
+                      <m:e>
+                        <m:d>
+                          <m:dPr>
+                            <m:begChr m:val=""/>
+                            <m:endChr m:val="⟩"/>
+                            <m:ctrlPr>
+                              <a:rPr lang="en-US" sz="2800" i="1" smtClean="0">
+                                <a:latin typeface="Cambria Math"/>
+                              </a:rPr>
+                            </m:ctrlPr>
+                          </m:dPr>
+                          <m:e>
+                            <m:sSup>
+                              <m:sSupPr>
+                                <m:ctrlPr>
+                                  <a:rPr lang="en-US" sz="2800" i="1" smtClean="0">
+                                    <a:latin typeface="Cambria Math"/>
+                                  </a:rPr>
+                                </m:ctrlPr>
+                              </m:sSupPr>
+                              <m:e>
+                                <m:r>
+                                  <a:rPr lang="en-US" sz="2800" b="1" i="1" smtClean="0">
+                                    <a:latin typeface="Cambria Math"/>
+                                  </a:rPr>
+                                  <m:t>𝒔</m:t>
+                                </m:r>
+                              </m:e>
+                              <m:sup>
+                                <m:argPr>
+                                  <m:argSz m:val="-1"/>
+                                </m:argPr>
+                                <m:r>
+                                  <a:rPr lang="en-US" sz="2800" b="0" i="1" smtClean="0">
+                                    <a:latin typeface="Cambria Math"/>
+                                  </a:rPr>
+                                  <m:t>−1/2</m:t>
+                                </m:r>
+                              </m:sup>
+                            </m:sSup>
+                          </m:e>
+                        </m:d>
+                      </m:e>
+                    </m:d>
+                  </m:oMath>
+                </a14:m>
+                <a:endParaRPr lang="en-US" sz="2800" b="0" i="1" dirty="0" smtClean="0">
+                  <a:latin typeface="Cambria Math"/>
+                  <a:ea typeface="Cambria Math"/>
+                </a:endParaRPr>
+              </a:p>
+              <a:p>
+                <a:pPr marL="274320">
+                  <a:spcBef>
+                    <a:spcPts val="600"/>
+                  </a:spcBef>
+                  <a:spcAft>
+                    <a:spcPts val="600"/>
+                  </a:spcAft>
+                </a:pPr>
+                <a:r>
+                  <a:rPr lang="en-US" sz="2200" u="sng" dirty="0"/>
+                  <a:t>a</a:t>
+                </a:r>
+                <a:r>
+                  <a:rPr lang="en-US" sz="2200" u="sng" dirty="0" smtClean="0"/>
+                  <a:t>t each layer, the error:</a:t>
+                </a:r>
+                <a:endParaRPr lang="en-US" sz="2200" i="1" dirty="0" smtClean="0">
+                  <a:latin typeface="Cambria Math"/>
+                </a:endParaRPr>
+              </a:p>
+              <a:p>
+                <a:pPr marL="274320">
+                  <a:spcBef>
+                    <a:spcPts val="600"/>
+                  </a:spcBef>
+                  <a:spcAft>
+                    <a:spcPts val="600"/>
+                  </a:spcAft>
+                </a:pPr>
+                <a14:m>
+                  <m:oMath xmlns:m="http://schemas.openxmlformats.org/officeDocument/2006/math">
+                    <m:sSub>
+                      <m:sSubPr>
+                        <m:ctrlPr>
+                          <a:rPr lang="en-US" sz="2800" b="0" i="1" smtClean="0">
+                            <a:latin typeface="Cambria Math"/>
+                            <a:ea typeface="Cambria Math"/>
+                          </a:rPr>
+                        </m:ctrlPr>
+                      </m:sSubPr>
+                      <m:e>
+                        <m:r>
+                          <a:rPr lang="en-US" sz="2800" b="0" i="1" smtClean="0">
+                            <a:latin typeface="Cambria Math"/>
+                            <a:ea typeface="Cambria Math"/>
+                          </a:rPr>
+                          <m:t>𝜀</m:t>
+                        </m:r>
+                      </m:e>
+                      <m:sub>
+                        <m:r>
+                          <a:rPr lang="en-US" sz="2800" b="0" i="1" smtClean="0">
+                            <a:latin typeface="Cambria Math"/>
+                            <a:ea typeface="Cambria Math"/>
+                          </a:rPr>
+                          <m:t>𝑗</m:t>
+                        </m:r>
+                      </m:sub>
+                    </m:sSub>
+                    <m:r>
+                      <a:rPr lang="en-US" sz="2800" b="0" i="1" smtClean="0">
+                        <a:latin typeface="Cambria Math"/>
+                        <a:ea typeface="Cambria Math"/>
+                      </a:rPr>
+                      <m:t>=</m:t>
+                    </m:r>
+                    <m:f>
+                      <m:fPr>
+                        <m:type m:val="lin"/>
+                        <m:ctrlPr>
+                          <a:rPr lang="en-US" sz="2800" b="0" i="1" smtClean="0">
+                            <a:latin typeface="Cambria Math"/>
+                            <a:ea typeface="Cambria Math"/>
+                          </a:rPr>
+                        </m:ctrlPr>
+                      </m:fPr>
+                      <m:num>
+                        <m:d>
+                          <m:dPr>
+                            <m:begChr m:val="|"/>
+                            <m:endChr m:val="|"/>
+                            <m:ctrlPr>
+                              <a:rPr lang="en-US" sz="2800" i="1">
+                                <a:latin typeface="Cambria Math"/>
+                                <a:ea typeface="Cambria Math"/>
+                              </a:rPr>
+                            </m:ctrlPr>
+                          </m:dPr>
+                          <m:e>
+                            <m:r>
+                              <a:rPr lang="en-US" sz="2800" i="1">
+                                <a:latin typeface="Cambria Math"/>
+                                <a:ea typeface="Cambria Math"/>
+                              </a:rPr>
+                              <m:t>𝑡𝑟</m:t>
+                            </m:r>
+                            <m:sSub>
+                              <m:sSubPr>
+                                <m:ctrlPr>
+                                  <a:rPr lang="en-US" sz="2800" i="1" smtClean="0">
+                                    <a:latin typeface="Cambria Math"/>
+                                    <a:ea typeface="Cambria Math"/>
+                                  </a:rPr>
+                                </m:ctrlPr>
+                              </m:sSubPr>
+                              <m:e>
+                                <m:r>
+                                  <a:rPr lang="en-US" sz="2800" b="1" i="1" smtClean="0">
+                                    <a:latin typeface="Cambria Math"/>
+                                    <a:ea typeface="Cambria Math"/>
+                                  </a:rPr>
+                                  <m:t>𝒙</m:t>
+                                </m:r>
+                              </m:e>
+                              <m:sub>
+                                <m:r>
+                                  <a:rPr lang="en-US" sz="2800" b="0" i="1" smtClean="0">
+                                    <a:latin typeface="Cambria Math"/>
+                                    <a:ea typeface="Cambria Math"/>
+                                  </a:rPr>
+                                  <m:t>𝑗</m:t>
+                                </m:r>
+                              </m:sub>
+                            </m:sSub>
+                            <m:r>
+                              <a:rPr lang="en-US" sz="2800" i="1">
+                                <a:latin typeface="Cambria Math"/>
+                                <a:ea typeface="Cambria Math"/>
+                              </a:rPr>
+                              <m:t>−</m:t>
+                            </m:r>
+                            <m:r>
+                              <a:rPr lang="en-US" sz="2800" b="0" i="1" smtClean="0">
+                                <a:latin typeface="Cambria Math"/>
+                                <a:ea typeface="Cambria Math"/>
+                              </a:rPr>
+                              <m:t>𝑛</m:t>
+                            </m:r>
+                          </m:e>
+                        </m:d>
+                      </m:num>
+                      <m:den>
+                        <m:r>
+                          <a:rPr lang="en-US" sz="2800" b="0" i="1" smtClean="0">
+                            <a:latin typeface="Cambria Math"/>
+                            <a:ea typeface="Cambria Math"/>
+                          </a:rPr>
+                          <m:t>𝑛</m:t>
+                        </m:r>
+                      </m:den>
+                    </m:f>
+                  </m:oMath>
+                </a14:m>
+                <a:r>
+                  <a:rPr lang="en-US" sz="2400" dirty="0" smtClean="0"/>
+                  <a:t> </a:t>
+                </a:r>
+                <a:r>
+                  <a:rPr lang="en-US" sz="2400" i="1" dirty="0" smtClean="0">
+                    <a:latin typeface="Cambria Math"/>
+                  </a:rPr>
+                  <a:t> </a:t>
+                </a:r>
+                <a:endParaRPr lang="en-US" sz="2400" dirty="0"/>
+              </a:p>
+            </p:txBody>
+          </p:sp>
+        </mc:Choice>
+        <mc:Fallback>
+          <p:sp>
+            <p:nvSpPr>
+              <p:cNvPr id="4" name="Content Placeholder 3"/>
+              <p:cNvSpPr txBox="1">
+                <a:spLocks noGrp="1" noRot="1" noChangeAspect="1" noMove="1" noResize="1" noEditPoints="1" noAdjustHandles="1" noChangeArrowheads="1" noChangeShapeType="1" noTextEdit="1"/>
+              </p:cNvSpPr>
+              <p:nvPr>
+                <p:ph idx="1"/>
+              </p:nvPr>
+            </p:nvSpPr>
+            <p:spPr>
+              <a:xfrm>
+                <a:off x="304800" y="1997108"/>
+                <a:ext cx="8686800" cy="4251292"/>
+              </a:xfrm>
+              <a:prstGeom prst="rect">
+                <a:avLst/>
+              </a:prstGeom>
+              <a:blipFill rotWithShape="1">
+                <a:blip r:embed="rId2"/>
+                <a:stretch>
+                  <a:fillRect/>
+                </a:stretch>
+              </a:blipFill>
+              <a:ln/>
+            </p:spPr>
+            <p:txBody>
+              <a:bodyPr/>
+              <a:lstStyle/>
+              <a:p>
+                <a:r>
+                  <a:rPr lang="en-US">
+                    <a:noFill/>
+                  </a:rPr>
+                  <a:t> </a:t>
+                </a:r>
+              </a:p>
+            </p:txBody>
+          </p:sp>
+        </mc:Fallback>
+      </mc:AlternateContent>
     </p:spTree>
     <p:extLst>
       <p:ext uri="{BB962C8B-B14F-4D97-AF65-F5344CB8AC3E}">
@@ -4506,8 +5874,8 @@
             </p:nvSpPr>
             <p:spPr>
               <a:xfrm>
-                <a:off x="152400" y="240804"/>
-                <a:ext cx="8915400" cy="6478697"/>
+                <a:off x="304800" y="1066800"/>
+                <a:ext cx="8915400" cy="5786199"/>
               </a:xfrm>
               <a:prstGeom prst="rect">
                 <a:avLst/>
@@ -4519,37 +5887,6 @@
                 <a:spAutoFit/>
               </a:bodyPr>
               <a:lstStyle/>
-              <a:p>
-                <a:pPr>
-                  <a:spcBef>
-                    <a:spcPts val="1000"/>
-                  </a:spcBef>
-                  <a:spcAft>
-                    <a:spcPts val="800"/>
-                  </a:spcAft>
-                </a:pPr>
-                <a:r>
-                  <a:rPr lang="en-US" sz="3200" b="1" dirty="0" smtClean="0">
-                    <a:latin typeface="Comic Sans MS" pitchFamily="66" charset="0"/>
-                  </a:rPr>
-                  <a:t>Stabilizing </a:t>
-                </a:r>
-                <a:r>
-                  <a:rPr lang="en-US" sz="3200" b="1" dirty="0" err="1" smtClean="0">
-                    <a:latin typeface="Comic Sans MS" pitchFamily="66" charset="0"/>
-                  </a:rPr>
-                  <a:t>SpAMM</a:t>
-                </a:r>
-                <a:r>
-                  <a:rPr lang="en-US" sz="3200" b="1" dirty="0" smtClean="0">
-                    <a:latin typeface="Comic Sans MS" pitchFamily="66" charset="0"/>
-                  </a:rPr>
-                  <a:t> </a:t>
-                </a:r>
-                <a:endParaRPr lang="en-US" sz="3200" dirty="0" smtClean="0">
-                  <a:latin typeface="Comic Sans MS" pitchFamily="66" charset="0"/>
-                </a:endParaRPr>
-              </a:p>
               <a:p>
                 <a:pPr marL="457200" indent="-457200">
                   <a:spcBef>
@@ -4563,7 +5900,11 @@
                 </a:pPr>
                 <a:r>
                   <a:rPr lang="en-US" sz="2800" dirty="0" smtClean="0"/>
-                  <a:t>Under severe ill-conditioning, double precision is unstable unless stabilized by the left transpose.</a:t>
+                  <a:t>Under </a:t>
+                </a:r>
+                <a:r>
+                  <a:rPr lang="en-US" sz="2800" dirty="0" smtClean="0"/>
+                  <a:t>severe ill-conditioning, double precision is unstable unless stabilized by the left transpose.</a:t>
                 </a:r>
               </a:p>
               <a:p>
@@ -4579,11 +5920,7 @@
                 </a:pPr>
                 <a:r>
                   <a:rPr lang="en-US" sz="2800" dirty="0" smtClean="0"/>
-                  <a:t>Left-right </a:t>
-                </a:r>
-                <a:r>
-                  <a:rPr lang="en-US" sz="2800" dirty="0" smtClean="0"/>
-                  <a:t>stabilized </a:t>
+                  <a:t>Left-right stabilized </a:t>
                 </a:r>
                 <a:r>
                   <a:rPr lang="en-US" sz="2800" dirty="0" err="1" smtClean="0"/>
@@ -4670,19 +6007,7 @@
                 </a14:m>
                 <a:r>
                   <a:rPr lang="en-US" sz="2800" dirty="0" smtClean="0"/>
-                  <a:t>), relative to </a:t>
-                </a:r>
-                <a:r>
-                  <a:rPr lang="en-US" sz="2800" dirty="0" smtClean="0"/>
-                  <a:t>symmetric </a:t>
-                </a:r>
-                <a:r>
-                  <a:rPr lang="en-US" sz="2800" dirty="0" smtClean="0"/>
-                  <a:t>versions</a:t>
-                </a:r>
-                <a:r>
-                  <a:rPr lang="en-US" sz="2800" dirty="0" smtClean="0"/>
-                  <a:t>.  </a:t>
+                  <a:t>), relative to symmetric versions.  </a:t>
                 </a:r>
                 <a:endParaRPr lang="en-US" sz="2800" dirty="0"/>
               </a:p>
@@ -4711,8 +6036,8 @@
             </p:nvSpPr>
             <p:spPr>
               <a:xfrm>
-                <a:off x="152400" y="240804"/>
-                <a:ext cx="8915400" cy="6478697"/>
+                <a:off x="304800" y="1066800"/>
+                <a:ext cx="8915400" cy="5786199"/>
               </a:xfrm>
               <a:prstGeom prst="rect">
                 <a:avLst/>
@@ -4720,7 +6045,7 @@
               <a:blipFill rotWithShape="1">
                 <a:blip r:embed="rId3"/>
                 <a:stretch>
-                  <a:fillRect l="-1709" t="-1224" r="-547"/>
+                  <a:fillRect l="-1162" t="-948" r="-547"/>
                 </a:stretch>
               </a:blipFill>
             </p:spPr>
@@ -5015,6 +6340,80 @@
           </p:sp>
         </mc:Fallback>
       </mc:AlternateContent>
+      <p:sp>
+        <p:nvSpPr>
+          <p:cNvPr id="11" name="Rectangle 10"/>
+          <p:cNvSpPr/>
+          <p:nvPr/>
+        </p:nvSpPr>
+        <p:spPr>
+          <a:xfrm>
+            <a:off x="457200" y="253425"/>
+            <a:ext cx="8534400" cy="584775"/>
+          </a:xfrm>
+          <a:prstGeom prst="rect">
+            <a:avLst/>
+          </a:prstGeom>
+        </p:spPr>
+        <p:txBody>
+          <a:bodyPr wrap="square">
+            <a:spAutoFit/>
+          </a:bodyPr>
+          <a:lstStyle/>
+          <a:p>
+            <a:pPr lvl="0">
+              <a:spcBef>
+                <a:spcPts val="1000"/>
+              </a:spcBef>
+              <a:spcAft>
+                <a:spcPts val="800"/>
+              </a:spcAft>
+            </a:pPr>
+            <a:r>
+              <a:rPr lang="en-US" sz="3200" b="1" dirty="0" err="1" smtClean="0">
+                <a:solidFill>
+                  <a:prstClr val="black"/>
+                </a:solidFill>
+                <a:latin typeface="Comic Sans MS" pitchFamily="66" charset="0"/>
+              </a:rPr>
+              <a:t>SpAMM</a:t>
+            </a:r>
+            <a:r>
+              <a:rPr lang="en-US" sz="3200" b="1" dirty="0" smtClean="0">
+                <a:solidFill>
+                  <a:prstClr val="black"/>
+                </a:solidFill>
+                <a:latin typeface="Comic Sans MS" pitchFamily="66" charset="0"/>
+              </a:rPr>
+              <a:t> Stabilized </a:t>
+            </a:r>
+            <a:r>
+              <a:rPr lang="en-US" sz="3200" b="1" dirty="0">
+                <a:solidFill>
+                  <a:prstClr val="black"/>
+                </a:solidFill>
+                <a:latin typeface="Comic Sans MS" pitchFamily="66" charset="0"/>
+              </a:rPr>
+              <a:t>Scaled NS (</a:t>
+            </a:r>
+            <a:r>
+              <a:rPr lang="en-US" sz="3200" b="1" dirty="0" smtClean="0">
+                <a:solidFill>
+                  <a:prstClr val="black"/>
+                </a:solidFill>
+                <a:latin typeface="Comic Sans MS" pitchFamily="66" charset="0"/>
+              </a:rPr>
+              <a:t>I)</a:t>
+            </a:r>
+            <a:endParaRPr lang="en-US" sz="3200" dirty="0">
+              <a:solidFill>
+                <a:prstClr val="black"/>
+              </a:solidFill>
+              <a:latin typeface="Comic Sans MS" pitchFamily="66" charset="0"/>
+            </a:endParaRPr>
+          </a:p>
+        </p:txBody>
+      </p:sp>
     </p:spTree>
     <p:extLst>
       <p:ext uri="{BB962C8B-B14F-4D97-AF65-F5344CB8AC3E}">
@@ -5133,8 +6532,8 @@
           </a:prstGeom>
         </p:spPr>
       </p:pic>
-      <mc:AlternateContent xmlns:mc="http://schemas.openxmlformats.org/markup-compatibility/2006" xmlns:a14="http://schemas.microsoft.com/office/drawing/2010/main">
-        <mc:Choice Requires="a14">
+      <mc:AlternateContent xmlns:mc="http://schemas.openxmlformats.org/markup-compatibility/2006">
+        <mc:Choice xmlns:a14="http://schemas.microsoft.com/office/drawing/2010/main" Requires="a14">
           <p:sp>
             <p:nvSpPr>
               <p:cNvPr id="12" name="TextBox 11"/>
@@ -5143,8 +6542,8 @@
             </p:nvSpPr>
             <p:spPr>
               <a:xfrm>
-                <a:off x="1371600" y="2161163"/>
-                <a:ext cx="5791200" cy="2246769"/>
+                <a:off x="1600200" y="2133600"/>
+                <a:ext cx="6553200" cy="3139321"/>
               </a:xfrm>
               <a:prstGeom prst="rect">
                 <a:avLst/>
@@ -5172,10 +6571,11 @@
                   <a:buChar char="•"/>
                 </a:pPr>
                 <a:r>
-                  <a:rPr lang="en-US" sz="2400" b="1" dirty="0" smtClean="0">
+                  <a:rPr lang="en-US" sz="2400" b="1" i="1" dirty="0" smtClean="0">
                     <a:solidFill>
-                      <a:schemeClr val="accent1">
-                        <a:lumMod val="75000"/>
+                      <a:schemeClr val="tx2">
+                        <a:lumMod val="60000"/>
+                        <a:lumOff val="40000"/>
                       </a:schemeClr>
                     </a:solidFill>
                   </a:rPr>
@@ -5194,20 +6594,22 @@
                   <a:buChar char="•"/>
                 </a:pPr>
                 <a:r>
-                  <a:rPr lang="en-US" sz="2400" b="1" dirty="0">
+                  <a:rPr lang="en-US" sz="2400" b="1" i="1" dirty="0">
                     <a:solidFill>
-                      <a:schemeClr val="accent1">
-                        <a:lumMod val="75000"/>
+                      <a:schemeClr val="tx2">
+                        <a:lumMod val="60000"/>
+                        <a:lumOff val="40000"/>
                       </a:schemeClr>
                     </a:solidFill>
                   </a:rPr>
                   <a:t>M</a:t>
                 </a:r>
                 <a:r>
-                  <a:rPr lang="en-US" sz="2400" b="1" dirty="0" smtClean="0">
+                  <a:rPr lang="en-US" sz="2400" b="1" i="1" dirty="0" smtClean="0">
                     <a:solidFill>
-                      <a:schemeClr val="accent1">
-                        <a:lumMod val="75000"/>
+                      <a:schemeClr val="tx2">
+                        <a:lumMod val="60000"/>
+                        <a:lumOff val="40000"/>
                       </a:schemeClr>
                     </a:solidFill>
                   </a:rPr>
@@ -5218,8 +6620,9 @@
                     <m:r>
                       <a:rPr lang="en-US" sz="2400" b="1" i="1" smtClean="0">
                         <a:solidFill>
-                          <a:schemeClr val="accent1">
-                            <a:lumMod val="75000"/>
+                          <a:schemeClr val="tx2">
+                            <a:lumMod val="60000"/>
+                            <a:lumOff val="40000"/>
                           </a:schemeClr>
                         </a:solidFill>
                         <a:latin typeface="Cambria Math"/>
@@ -5230,8 +6633,9 @@
                     <m:r>
                       <a:rPr lang="en-US" sz="2400" b="1" i="1" baseline="-25000" smtClean="0">
                         <a:solidFill>
-                          <a:schemeClr val="accent1">
-                            <a:lumMod val="75000"/>
+                          <a:schemeClr val="tx2">
+                            <a:lumMod val="60000"/>
+                            <a:lumOff val="40000"/>
                           </a:schemeClr>
                         </a:solidFill>
                         <a:latin typeface="Cambria Math"/>
@@ -5242,8 +6646,9 @@
                     <m:r>
                       <a:rPr lang="en-US" sz="2400" b="1" i="1" baseline="-5000" smtClean="0">
                         <a:solidFill>
-                          <a:schemeClr val="accent1">
-                            <a:lumMod val="75000"/>
+                          <a:schemeClr val="tx2">
+                            <a:lumMod val="60000"/>
+                            <a:lumOff val="40000"/>
                           </a:schemeClr>
                         </a:solidFill>
                         <a:latin typeface="Cambria Math"/>
@@ -5254,8 +6659,9 @@
                     <m:r>
                       <a:rPr lang="en-US" sz="2400" b="1" i="1" smtClean="0">
                         <a:solidFill>
-                          <a:schemeClr val="accent1">
-                            <a:lumMod val="75000"/>
+                          <a:schemeClr val="tx2">
+                            <a:lumMod val="60000"/>
+                            <a:lumOff val="40000"/>
                           </a:schemeClr>
                         </a:solidFill>
                         <a:latin typeface="Cambria Math"/>
@@ -5268,8 +6674,9 @@
                         <m:ctrlPr>
                           <a:rPr lang="en-US" sz="2400" b="1" i="1" smtClean="0">
                             <a:solidFill>
-                              <a:schemeClr val="accent1">
-                                <a:lumMod val="75000"/>
+                              <a:schemeClr val="tx2">
+                                <a:lumMod val="60000"/>
+                                <a:lumOff val="40000"/>
                               </a:schemeClr>
                             </a:solidFill>
                             <a:latin typeface="Cambria Math"/>
@@ -5281,8 +6688,9 @@
                         <m:r>
                           <a:rPr lang="en-US" sz="2400" b="1" i="1" smtClean="0">
                             <a:solidFill>
-                              <a:schemeClr val="accent1">
-                                <a:lumMod val="75000"/>
+                              <a:schemeClr val="tx2">
+                                <a:lumMod val="60000"/>
+                                <a:lumOff val="40000"/>
                               </a:schemeClr>
                             </a:solidFill>
                             <a:latin typeface="Cambria Math"/>
@@ -5295,30 +6703,22 @@
                   </m:oMath>
                 </a14:m>
                 <a:r>
-                  <a:rPr lang="en-US" sz="2400" b="1" dirty="0" smtClean="0">
+                  <a:rPr lang="en-US" sz="2400" b="1" i="1" dirty="0" smtClean="0">
                     <a:solidFill>
-                      <a:schemeClr val="accent1">
-                        <a:lumMod val="75000"/>
+                      <a:schemeClr val="tx2">
+                        <a:lumMod val="60000"/>
+                        <a:lumOff val="40000"/>
                       </a:schemeClr>
                     </a:solidFill>
                   </a:rPr>
-                  <a:t>.  Scaling acceleration less than </a:t>
+                  <a:t>.  Scaling acceleration less than 2.85</a:t>
                 </a:r>
                 <a:r>
-                  <a:rPr lang="en-US" sz="2400" b="1" i="1" dirty="0" smtClean="0">
+                  <a:rPr lang="en-US" sz="2400" b="1" i="1" baseline="-5000" dirty="0" smtClean="0">
                     <a:solidFill>
-                      <a:schemeClr val="accent1">
-                        <a:lumMod val="75000"/>
-                      </a:schemeClr>
-                    </a:solidFill>
-                  </a:rPr>
-                  <a:t>2.85</a:t>
-                </a:r>
-                <a:r>
-                  <a:rPr lang="en-US" sz="2400" b="1" baseline="-5000" dirty="0" smtClean="0">
-                    <a:solidFill>
-                      <a:schemeClr val="accent1">
-                        <a:lumMod val="75000"/>
+                      <a:schemeClr val="tx2">
+                        <a:lumMod val="60000"/>
+                        <a:lumOff val="40000"/>
                       </a:schemeClr>
                     </a:solidFill>
                     <a:sym typeface="Wingdings 2"/>
@@ -5326,15 +6726,24 @@
                   <a:t></a:t>
                 </a:r>
                 <a:r>
-                  <a:rPr lang="en-US" sz="2400" b="1" dirty="0" smtClean="0">
+                  <a:rPr lang="en-US" sz="2400" b="1" i="1" dirty="0" smtClean="0">
                     <a:solidFill>
-                      <a:schemeClr val="accent1">
-                        <a:lumMod val="75000"/>
+                      <a:schemeClr val="tx2">
+                        <a:lumMod val="60000"/>
+                        <a:lumOff val="40000"/>
                       </a:schemeClr>
                     </a:solidFill>
                   </a:rPr>
                   <a:t> </a:t>
                 </a:r>
+                <a:endParaRPr lang="en-US" sz="2400" b="1" i="1" dirty="0" smtClean="0">
+                  <a:solidFill>
+                    <a:schemeClr val="tx2">
+                      <a:lumMod val="60000"/>
+                      <a:lumOff val="40000"/>
+                    </a:schemeClr>
+                  </a:solidFill>
+                </a:endParaRPr>
               </a:p>
               <a:p>
                 <a:pPr marL="342900" indent="-342900">
@@ -5348,29 +6757,179 @@
                   <a:buChar char="•"/>
                 </a:pPr>
                 <a:r>
-                  <a:rPr lang="en-US" sz="2400" b="1" dirty="0">
+                  <a:rPr lang="en-US" sz="2400" b="1" i="1" dirty="0">
                     <a:solidFill>
-                      <a:schemeClr val="accent1">
-                        <a:lumMod val="75000"/>
+                      <a:schemeClr val="tx2">
+                        <a:lumMod val="60000"/>
+                        <a:lumOff val="40000"/>
+                      </a:schemeClr>
+                    </a:solidFill>
+                  </a:rPr>
+                  <a:t>Use </a:t>
+                </a:r>
+                <a:r>
+                  <a:rPr lang="en-US" sz="2400" b="1" i="1" dirty="0" smtClean="0">
+                    <a:solidFill>
+                      <a:schemeClr val="tx2">
+                        <a:lumMod val="60000"/>
+                        <a:lumOff val="40000"/>
+                      </a:schemeClr>
+                    </a:solidFill>
+                  </a:rPr>
+                  <a:t>error rather </a:t>
+                </a:r>
+                <a:r>
+                  <a:rPr lang="en-US" sz="2400" b="1" i="1" dirty="0">
+                    <a:solidFill>
+                      <a:schemeClr val="tx2">
+                        <a:lumMod val="60000"/>
+                        <a:lumOff val="40000"/>
+                      </a:schemeClr>
+                    </a:solidFill>
+                  </a:rPr>
+                  <a:t>than </a:t>
+                </a:r>
+                <a14:m>
+                  <m:oMath xmlns:m="http://schemas.openxmlformats.org/officeDocument/2006/math">
+                    <m:sSub>
+                      <m:sSubPr>
+                        <m:ctrlPr>
+                          <a:rPr lang="en-US" sz="2400" b="1" i="1">
+                            <a:solidFill>
+                              <a:schemeClr val="tx2">
+                                <a:lumMod val="60000"/>
+                                <a:lumOff val="40000"/>
+                              </a:schemeClr>
+                            </a:solidFill>
+                            <a:latin typeface="Cambria Math"/>
+                            <a:ea typeface="Cambria Math"/>
+                          </a:rPr>
+                        </m:ctrlPr>
+                      </m:sSubPr>
+                      <m:e>
+                        <m:r>
+                          <a:rPr lang="en-US" sz="2400" b="1" i="1">
+                            <a:solidFill>
+                              <a:schemeClr val="tx2">
+                                <a:lumMod val="60000"/>
+                                <a:lumOff val="40000"/>
+                              </a:schemeClr>
+                            </a:solidFill>
+                            <a:latin typeface="Cambria Math"/>
+                            <a:ea typeface="Cambria Math"/>
+                          </a:rPr>
+                          <m:t>𝒙</m:t>
+                        </m:r>
+                      </m:e>
+                      <m:sub>
+                        <m:r>
+                          <a:rPr lang="en-US" sz="2400" b="1" i="1">
+                            <a:solidFill>
+                              <a:schemeClr val="tx2">
+                                <a:lumMod val="60000"/>
+                                <a:lumOff val="40000"/>
+                              </a:schemeClr>
+                            </a:solidFill>
+                            <a:latin typeface="Cambria Math"/>
+                            <a:ea typeface="Cambria Math"/>
+                          </a:rPr>
+                          <m:t>𝟎</m:t>
+                        </m:r>
+                      </m:sub>
+                    </m:sSub>
+                  </m:oMath>
+                </a14:m>
+                <a:r>
+                  <a:rPr lang="en-US" sz="2400" b="1" i="1" dirty="0">
+                    <a:solidFill>
+                      <a:schemeClr val="tx2">
+                        <a:lumMod val="60000"/>
+                        <a:lumOff val="40000"/>
+                      </a:schemeClr>
+                    </a:solidFill>
+                  </a:rPr>
+                  <a:t> (min EV) to manage transition between scaled &amp; </a:t>
+                </a:r>
+                <a:r>
+                  <a:rPr lang="en-US" sz="2400" b="1" i="1" dirty="0" err="1">
+                    <a:solidFill>
+                      <a:schemeClr val="tx2">
+                        <a:lumMod val="60000"/>
+                        <a:lumOff val="40000"/>
+                      </a:schemeClr>
+                    </a:solidFill>
+                  </a:rPr>
+                  <a:t>unscaled</a:t>
+                </a:r>
+                <a:r>
+                  <a:rPr lang="en-US" sz="2400" b="1" i="1" dirty="0">
+                    <a:solidFill>
+                      <a:schemeClr val="tx2">
+                        <a:lumMod val="60000"/>
+                        <a:lumOff val="40000"/>
+                      </a:schemeClr>
+                    </a:solidFill>
+                  </a:rPr>
+                  <a:t> </a:t>
+                </a:r>
+                <a:r>
+                  <a:rPr lang="en-US" sz="2400" b="1" i="1" dirty="0" smtClean="0">
+                    <a:solidFill>
+                      <a:schemeClr val="tx2">
+                        <a:lumMod val="60000"/>
+                        <a:lumOff val="40000"/>
+                      </a:schemeClr>
+                    </a:solidFill>
+                  </a:rPr>
+                  <a:t>NS </a:t>
+                </a:r>
+                <a:endParaRPr lang="en-US" sz="2400" b="1" i="1" dirty="0" smtClean="0">
+                  <a:solidFill>
+                    <a:schemeClr val="tx2">
+                      <a:lumMod val="60000"/>
+                      <a:lumOff val="40000"/>
+                    </a:schemeClr>
+                  </a:solidFill>
+                </a:endParaRPr>
+              </a:p>
+              <a:p>
+                <a:pPr marL="342900" indent="-342900">
+                  <a:spcBef>
+                    <a:spcPts val="600"/>
+                  </a:spcBef>
+                  <a:spcAft>
+                    <a:spcPts val="600"/>
+                  </a:spcAft>
+                  <a:buFont typeface="Arial" pitchFamily="34" charset="0"/>
+                  <a:buChar char="•"/>
+                </a:pPr>
+                <a:r>
+                  <a:rPr lang="en-US" sz="2400" b="1" i="1" dirty="0">
+                    <a:solidFill>
+                      <a:schemeClr val="tx2">
+                        <a:lumMod val="60000"/>
+                        <a:lumOff val="40000"/>
                       </a:schemeClr>
                     </a:solidFill>
                   </a:rPr>
                   <a:t>H</a:t>
                 </a:r>
                 <a:r>
-                  <a:rPr lang="en-US" sz="2400" b="1" dirty="0" smtClean="0">
+                  <a:rPr lang="en-US" sz="2400" b="1" i="1" dirty="0" smtClean="0">
                     <a:solidFill>
-                      <a:schemeClr val="accent1">
-                        <a:lumMod val="75000"/>
+                      <a:schemeClr val="tx2">
+                        <a:lumMod val="60000"/>
+                        <a:lumOff val="40000"/>
                       </a:schemeClr>
                     </a:solidFill>
                   </a:rPr>
                   <a:t>ow much acceleration can be kept under extreme conditions? </a:t>
                 </a:r>
-                <a:endParaRPr lang="en-US" sz="2400" b="1" dirty="0">
+                <a:endParaRPr lang="en-US" sz="2400" b="1" i="1" dirty="0">
                   <a:solidFill>
-                    <a:schemeClr val="accent1">
-                      <a:lumMod val="75000"/>
+                    <a:schemeClr val="tx2">
+                      <a:lumMod val="60000"/>
+                      <a:lumOff val="40000"/>
                     </a:schemeClr>
                   </a:solidFill>
                 </a:endParaRPr>
@@ -5378,7 +6937,7 @@
             </p:txBody>
           </p:sp>
         </mc:Choice>
-        <mc:Fallback xmlns="">
+        <mc:Fallback>
           <p:sp>
             <p:nvSpPr>
               <p:cNvPr id="12" name="TextBox 11"/>
@@ -5389,8 +6948,8 @@
             </p:nvSpPr>
             <p:spPr>
               <a:xfrm>
-                <a:off x="1371600" y="2161163"/>
-                <a:ext cx="5791200" cy="2246769"/>
+                <a:off x="1600200" y="2133600"/>
+                <a:ext cx="6553200" cy="3139321"/>
               </a:xfrm>
               <a:prstGeom prst="rect">
                 <a:avLst/>
@@ -5398,7 +6957,7 @@
               <a:blipFill rotWithShape="1">
                 <a:blip r:embed="rId6"/>
                 <a:stretch>
-                  <a:fillRect l="-1368" t="-2174" b="-5435"/>
+                  <a:fillRect l="-1302" t="-1553" b="-3495"/>
                 </a:stretch>
               </a:blipFill>
             </p:spPr>
@@ -5427,8 +6986,8 @@
             </p:nvSpPr>
             <p:spPr>
               <a:xfrm>
-                <a:off x="381000" y="122872"/>
-                <a:ext cx="8534400" cy="1477328"/>
+                <a:off x="367937" y="162061"/>
+                <a:ext cx="8534400" cy="1502976"/>
               </a:xfrm>
               <a:prstGeom prst="rect">
                 <a:avLst/>
@@ -5442,30 +7001,51 @@
               <a:p>
                 <a:pPr>
                   <a:spcBef>
-                    <a:spcPts val="600"/>
+                    <a:spcPts val="1000"/>
                   </a:spcBef>
                   <a:spcAft>
-                    <a:spcPts val="600"/>
+                    <a:spcPts val="800"/>
                   </a:spcAft>
                 </a:pPr>
                 <a:r>
                   <a:rPr lang="en-US" sz="3200" b="1" dirty="0" smtClean="0">
                     <a:latin typeface="Comic Sans MS" pitchFamily="66" charset="0"/>
                   </a:rPr>
-                  <a:t>A Ruggedized, Scaled Newton-</a:t>
+                  <a:t>A Stabilized </a:t>
                 </a:r>
                 <a:r>
-                  <a:rPr lang="en-US" sz="3200" b="1" dirty="0" err="1" smtClean="0">
+                  <a:rPr lang="en-US" sz="3200" b="1" dirty="0" err="1">
                     <a:latin typeface="Comic Sans MS" pitchFamily="66" charset="0"/>
                   </a:rPr>
-                  <a:t>Shulz</a:t>
+                  <a:t>SpAMM</a:t>
+                </a:r>
+                <a:r>
+                  <a:rPr lang="en-US" sz="3200" b="1" dirty="0">
+                    <a:latin typeface="Comic Sans MS" pitchFamily="66" charset="0"/>
+                  </a:rPr>
+                  <a:t> </a:t>
                 </a:r>
                 <a:r>
                   <a:rPr lang="en-US" sz="3200" b="1" dirty="0" smtClean="0">
                     <a:latin typeface="Comic Sans MS" pitchFamily="66" charset="0"/>
                   </a:rPr>
-                  <a:t> Map</a:t>
+                  <a:t>for Scaled </a:t>
                 </a:r>
+                <a:r>
+                  <a:rPr lang="en-US" sz="3200" b="1" dirty="0">
+                    <a:latin typeface="Comic Sans MS" pitchFamily="66" charset="0"/>
+                  </a:rPr>
+                  <a:t>NS (</a:t>
+                </a:r>
+                <a:r>
+                  <a:rPr lang="en-US" sz="3200" b="1" dirty="0" smtClean="0">
+                    <a:latin typeface="Comic Sans MS" pitchFamily="66" charset="0"/>
+                  </a:rPr>
+                  <a:t>II)</a:t>
+                </a:r>
+                <a:endParaRPr lang="en-US" sz="3200" dirty="0">
+                  <a:latin typeface="Comic Sans MS" pitchFamily="66" charset="0"/>
+                </a:endParaRPr>
               </a:p>
               <a:p>
                 <a:pPr>
@@ -5478,7 +7058,11 @@
                 </a:pPr>
                 <a:r>
                   <a:rPr lang="en-US" sz="2400" dirty="0" smtClean="0"/>
-                  <a:t>Ill-conditioning and </a:t>
+                  <a:t>Ill-conditioning </a:t>
+                </a:r>
+                <a:r>
+                  <a:rPr lang="en-US" sz="2400" dirty="0" smtClean="0"/>
+                  <a:t>and </a:t>
                 </a:r>
                 <a:r>
                   <a:rPr lang="en-US" sz="2400" dirty="0" err="1" smtClean="0"/>
@@ -5558,6 +7142,20 @@
                         <a:latin typeface="Cambria Math"/>
                         <a:ea typeface="Cambria Math"/>
                       </a:rPr>
+                      <m:t>~</m:t>
+                    </m:r>
+                    <m:r>
+                      <a:rPr lang="en-US" sz="2400" b="0" i="1" baseline="-5000" smtClean="0">
+                        <a:latin typeface="Cambria Math"/>
+                        <a:ea typeface="Cambria Math"/>
+                      </a:rPr>
+                      <m:t> </m:t>
+                    </m:r>
+                    <m:r>
+                      <a:rPr lang="en-US" sz="2400" i="1" baseline="-5000" smtClean="0">
+                        <a:latin typeface="Cambria Math"/>
+                        <a:ea typeface="Cambria Math"/>
+                      </a:rPr>
                       <m:t>∓</m:t>
                     </m:r>
                     <m:r>
@@ -5589,8 +7187,8 @@
             </p:nvSpPr>
             <p:spPr>
               <a:xfrm>
-                <a:off x="381000" y="122872"/>
-                <a:ext cx="8534400" cy="1477328"/>
+                <a:off x="367937" y="162061"/>
+                <a:ext cx="8534400" cy="1502976"/>
               </a:xfrm>
               <a:prstGeom prst="rect">
                 <a:avLst/>
@@ -5598,7 +7196,7 @@
               <a:blipFill rotWithShape="1">
                 <a:blip r:embed="rId7"/>
                 <a:stretch>
-                  <a:fillRect l="-1857" t="-5350" r="-71" b="-10700"/>
+                  <a:fillRect l="-1786" t="-5285" b="-10976"/>
                 </a:stretch>
               </a:blipFill>
             </p:spPr>
@@ -5731,25 +7329,6 @@
           <a:chExt cx="0" cy="0"/>
         </a:xfrm>
       </p:grpSpPr>
-      <p:sp>
-        <p:nvSpPr>
-          <p:cNvPr id="2" name="Title 1"/>
-          <p:cNvSpPr>
-            <a:spLocks noGrp="1"/>
-          </p:cNvSpPr>
-          <p:nvPr>
-            <p:ph type="title"/>
-          </p:nvPr>
-        </p:nvSpPr>
-        <p:spPr/>
-        <p:txBody>
-          <a:bodyPr/>
-          <a:lstStyle/>
-          <a:p>
-            <a:endParaRPr lang="en-US"/>
-          </a:p>
-        </p:txBody>
-      </p:sp>
       <p:pic>
         <p:nvPicPr>
           <p:cNvPr id="4" name="Content Placeholder 3"/>
@@ -5779,6 +7358,89 @@
           </a:xfrm>
         </p:spPr>
       </p:pic>
+      <p:sp>
+        <p:nvSpPr>
+          <p:cNvPr id="3" name="Rectangle 2"/>
+          <p:cNvSpPr/>
+          <p:nvPr/>
+        </p:nvSpPr>
+        <p:spPr>
+          <a:xfrm>
+            <a:off x="457200" y="329625"/>
+            <a:ext cx="8534400" cy="584775"/>
+          </a:xfrm>
+          <a:prstGeom prst="rect">
+            <a:avLst/>
+          </a:prstGeom>
+        </p:spPr>
+        <p:txBody>
+          <a:bodyPr wrap="square">
+            <a:spAutoFit/>
+          </a:bodyPr>
+          <a:lstStyle/>
+          <a:p>
+            <a:pPr lvl="0">
+              <a:spcBef>
+                <a:spcPts val="1000"/>
+              </a:spcBef>
+              <a:spcAft>
+                <a:spcPts val="800"/>
+              </a:spcAft>
+            </a:pPr>
+            <a:r>
+              <a:rPr lang="en-US" sz="3200" b="1" dirty="0" err="1" smtClean="0">
+                <a:solidFill>
+                  <a:prstClr val="black"/>
+                </a:solidFill>
+                <a:latin typeface="Comic Sans MS" pitchFamily="66" charset="0"/>
+              </a:rPr>
+              <a:t>SpAMM</a:t>
+            </a:r>
+            <a:r>
+              <a:rPr lang="en-US" sz="3200" b="1" dirty="0" smtClean="0">
+                <a:solidFill>
+                  <a:prstClr val="black"/>
+                </a:solidFill>
+                <a:latin typeface="Comic Sans MS" pitchFamily="66" charset="0"/>
+              </a:rPr>
+              <a:t> Stabilized </a:t>
+            </a:r>
+            <a:r>
+              <a:rPr lang="en-US" sz="3200" b="1" dirty="0">
+                <a:solidFill>
+                  <a:prstClr val="black"/>
+                </a:solidFill>
+                <a:latin typeface="Comic Sans MS" pitchFamily="66" charset="0"/>
+              </a:rPr>
+              <a:t>Scaled NS (</a:t>
+            </a:r>
+            <a:r>
+              <a:rPr lang="en-US" sz="3200" b="1" dirty="0" smtClean="0">
+                <a:solidFill>
+                  <a:prstClr val="black"/>
+                </a:solidFill>
+                <a:latin typeface="Comic Sans MS" pitchFamily="66" charset="0"/>
+              </a:rPr>
+              <a:t>III</a:t>
+            </a:r>
+            <a:r>
+              <a:rPr lang="en-US" sz="3200" b="1" dirty="0">
+                <a:solidFill>
+                  <a:prstClr val="black"/>
+                </a:solidFill>
+                <a:latin typeface="Comic Sans MS" pitchFamily="66" charset="0"/>
+              </a:rPr>
+              <a:t>)</a:t>
+            </a:r>
+            <a:endParaRPr lang="en-US" sz="3200" dirty="0">
+              <a:solidFill>
+                <a:prstClr val="black"/>
+              </a:solidFill>
+              <a:latin typeface="Comic Sans MS" pitchFamily="66" charset="0"/>
+            </a:endParaRPr>
+          </a:p>
+        </p:txBody>
+      </p:sp>
     </p:spTree>
     <p:extLst>
       <p:ext uri="{BB962C8B-B14F-4D97-AF65-F5344CB8AC3E}">
@@ -5835,19 +7497,7 @@
               <a:rPr lang="en-US" sz="2800" b="1" dirty="0" smtClean="0">
                 <a:latin typeface="Comic Sans MS" pitchFamily="66" charset="0"/>
               </a:rPr>
-              <a:t>Recursive</a:t>
-            </a:r>
-            <a:r>
-              <a:rPr lang="en-US" sz="2800" b="1" dirty="0" smtClean="0">
-                <a:latin typeface="Comic Sans MS" pitchFamily="66" charset="0"/>
-              </a:rPr>
-              <a:t> </a:t>
-            </a:r>
-            <a:r>
-              <a:rPr lang="en-US" sz="2800" b="1" dirty="0" smtClean="0">
-                <a:latin typeface="Comic Sans MS" pitchFamily="66" charset="0"/>
-              </a:rPr>
-              <a:t>Preconditioning: The </a:t>
+              <a:t>Recursive Preconditioning: The </a:t>
             </a:r>
             <a:r>
               <a:rPr lang="en-US" sz="2800" b="1" dirty="0" err="1" smtClean="0">
@@ -6071,13 +7721,7 @@
                               <a:rPr lang="en-US" sz="2400" b="0" i="1" smtClean="0">
                                 <a:latin typeface="Cambria Math"/>
                               </a:rPr>
-                              <m:t> …</m:t>
-                            </m:r>
-                            <m:r>
-                              <a:rPr lang="en-US" sz="2400" b="0" i="1" smtClean="0">
-                                <a:latin typeface="Cambria Math"/>
-                              </a:rPr>
-                              <m:t> </m:t>
+                              <m:t> … </m:t>
                             </m:r>
                             <m:r>
                               <a:rPr lang="en-US" sz="2400" b="0" i="1" smtClean="0">
@@ -6175,13 +7819,7 @@
                                   <a:rPr lang="en-US" sz="2400" b="0" i="1" smtClean="0">
                                     <a:latin typeface="Cambria Math"/>
                                   </a:rPr>
-                                  <m:t> </m:t>
-                                </m:r>
-                                <m:r>
-                                  <a:rPr lang="en-US" sz="2400" b="0" i="1" smtClean="0">
-                                    <a:latin typeface="Cambria Math"/>
-                                  </a:rPr>
-                                  <m:t>,  </m:t>
+                                  <m:t> ,  </m:t>
                                 </m:r>
                                 <m:sSub>
                                   <m:sSubPr>
@@ -6318,7 +7956,6 @@
                   <a:rPr lang="en-US" sz="2400" dirty="0" smtClean="0"/>
                   <a:t> </a:t>
                 </a:r>
-                <a:endParaRPr lang="en-US" sz="2400" dirty="0" smtClean="0"/>
               </a:p>
               <a:p>
                 <a:pPr marL="274320">
@@ -6764,7 +8401,7 @@
                 </a:pPr>
                 <a:r>
                   <a:rPr lang="en-US" sz="2200" u="sng" dirty="0" smtClean="0"/>
-                  <a:t>sandwich form of the factor:</a:t>
+                  <a:t>sandwich factors:</a:t>
                 </a:r>
                 <a:endParaRPr lang="en-US" sz="2200" i="1" dirty="0" smtClean="0">
                   <a:latin typeface="Cambria Math"/>
@@ -7163,11 +8800,21 @@
                           </m:dPr>
                           <m:e>
                             <m:r>
-                              <a:rPr lang="en-US" sz="2800" i="1">
+                              <a:rPr lang="en-US" sz="2800" b="0" i="1" smtClean="0">
                                 <a:latin typeface="Cambria Math"/>
                                 <a:ea typeface="Cambria Math"/>
                               </a:rPr>
-                              <m:t>𝑡𝑟</m:t>
+                              <m:t> </m:t>
+                            </m:r>
+                            <m:r>
+                              <m:rPr>
+                                <m:sty m:val="p"/>
+                              </m:rPr>
+                              <a:rPr lang="en-US" sz="2800" i="0">
+                                <a:latin typeface="Cambria Math"/>
+                                <a:ea typeface="Cambria Math"/>
+                              </a:rPr>
+                              <m:t>tr</m:t>
                             </m:r>
                             <m:sSub>
                               <m:sSubPr>
@@ -7179,6 +8826,13 @@
                                 </m:ctrlPr>
                               </m:sSubPr>
                               <m:e>
+                                <m:r>
+                                  <a:rPr lang="en-US" sz="2800" b="1" i="1" smtClean="0">
+                                    <a:latin typeface="Cambria Math"/>
+                                    <a:ea typeface="Cambria Math"/>
+                                  </a:rPr>
+                                  <m:t> </m:t>
+                                </m:r>
                                 <m:r>
                                   <a:rPr lang="en-US" sz="2800" b="1" i="1" smtClean="0">
                                     <a:latin typeface="Cambria Math"/>
@@ -7210,6 +8864,13 @@
                                 <a:ea typeface="Cambria Math"/>
                               </a:rPr>
                               <m:t>𝑛</m:t>
+                            </m:r>
+                            <m:r>
+                              <a:rPr lang="en-US" sz="2800" b="0" i="1" smtClean="0">
+                                <a:latin typeface="Cambria Math"/>
+                                <a:ea typeface="Cambria Math"/>
+                              </a:rPr>
+                              <m:t> </m:t>
                             </m:r>
                           </m:e>
                         </m:d>
@@ -7524,35 +9185,77 @@
                   <a:buChar char="•"/>
                 </a:pPr>
                 <a:r>
-                  <a:rPr lang="en-US" sz="2400" dirty="0"/>
-                  <a:t>U</a:t>
-                </a:r>
-                <a:r>
                   <a:rPr lang="en-US" sz="2400" dirty="0" smtClean="0"/>
-                  <a:t>se high resolution </a:t>
-                </a:r>
-                <a:r>
-                  <a:rPr lang="en-US" sz="2400" dirty="0" err="1" smtClean="0"/>
-                  <a:t>SpAMM</a:t>
-                </a:r>
-                <a:r>
-                  <a:rPr lang="en-US" sz="2400" dirty="0" smtClean="0"/>
-                  <a:t> only towards </a:t>
+                  <a:t>Use error </a:t>
                 </a:r>
                 <a14:m>
                   <m:oMath xmlns:m="http://schemas.openxmlformats.org/officeDocument/2006/math">
                     <m:r>
-                      <a:rPr lang="en-US" sz="2400" b="1" i="1">
+                      <a:rPr lang="en-US" sz="2400" i="1">
                         <a:latin typeface="Cambria Math"/>
+                        <a:ea typeface="Cambria Math"/>
                       </a:rPr>
-                      <m:t>𝑰</m:t>
+                      <m:t>𝜀</m:t>
                     </m:r>
                   </m:oMath>
                 </a14:m>
                 <a:r>
                   <a:rPr lang="en-US" sz="2400" dirty="0" smtClean="0"/>
-                  <a:t>, in the basin of convergence (cheap).    </a:t>
+                  <a:t> rather than </a:t>
                 </a:r>
+                <a14:m>
+                  <m:oMath xmlns:m="http://schemas.openxmlformats.org/officeDocument/2006/math">
+                    <m:sSub>
+                      <m:sSubPr>
+                        <m:ctrlPr>
+                          <a:rPr lang="en-US" sz="2400" b="0" i="1" smtClean="0">
+                            <a:latin typeface="Cambria Math"/>
+                            <a:ea typeface="Cambria Math"/>
+                          </a:rPr>
+                        </m:ctrlPr>
+                      </m:sSubPr>
+                      <m:e>
+                        <m:r>
+                          <a:rPr lang="en-US" sz="2400" b="0" i="1" smtClean="0">
+                            <a:latin typeface="Cambria Math"/>
+                            <a:ea typeface="Cambria Math"/>
+                          </a:rPr>
+                          <m:t>𝑥</m:t>
+                        </m:r>
+                      </m:e>
+                      <m:sub>
+                        <m:r>
+                          <a:rPr lang="en-US" sz="2400" b="0" i="1" smtClean="0">
+                            <a:latin typeface="Cambria Math"/>
+                            <a:ea typeface="Cambria Math"/>
+                          </a:rPr>
+                          <m:t>0</m:t>
+                        </m:r>
+                      </m:sub>
+                    </m:sSub>
+                  </m:oMath>
+                </a14:m>
+                <a:r>
+                  <a:rPr lang="en-US" sz="2400" dirty="0" smtClean="0"/>
+                  <a:t> (min EV) to manage transition between scaled &amp; </a:t>
+                </a:r>
+                <a:r>
+                  <a:rPr lang="en-US" sz="2400" dirty="0" err="1" smtClean="0"/>
+                  <a:t>unscaled</a:t>
+                </a:r>
+                <a:r>
+                  <a:rPr lang="en-US" sz="2400" dirty="0"/>
+                  <a:t> </a:t>
+                </a:r>
+                <a:r>
+                  <a:rPr lang="en-US" sz="2400" dirty="0" smtClean="0"/>
+                  <a:t>NS.</a:t>
+                </a:r>
+                <a:r>
+                  <a:rPr lang="en-US" sz="2400" dirty="0" smtClean="0"/>
+                  <a:t> </a:t>
+                </a:r>
+                <a:endParaRPr lang="en-US" sz="2400" dirty="0" smtClean="0"/>
               </a:p>
             </p:txBody>
           </p:sp>
@@ -7663,6 +9366,36 @@
           <a:chExt cx="0" cy="0"/>
         </a:xfrm>
       </p:grpSpPr>
+      <p:pic>
+        <p:nvPicPr>
+          <p:cNvPr id="9" name="Picture 8"/>
+          <p:cNvPicPr>
+            <a:picLocks noChangeAspect="1"/>
+          </p:cNvPicPr>
+          <p:nvPr/>
+        </p:nvPicPr>
+        <p:blipFill>
+          <a:blip r:embed="rId2" cstate="print">
+            <a:extLst>
+              <a:ext uri="{28A0092B-C50C-407E-A947-70E740481C1C}">
+                <a14:useLocalDpi xmlns:a14="http://schemas.microsoft.com/office/drawing/2010/main" val="0"/>
+              </a:ext>
+            </a:extLst>
+          </a:blip>
+          <a:stretch>
+            <a:fillRect/>
+          </a:stretch>
+        </p:blipFill>
+        <p:spPr>
+          <a:xfrm>
+            <a:off x="5562600" y="5181600"/>
+            <a:ext cx="1005840" cy="1005840"/>
+          </a:xfrm>
+          <a:prstGeom prst="rect">
+            <a:avLst/>
+          </a:prstGeom>
+        </p:spPr>
+      </p:pic>
       <p:sp>
         <p:nvSpPr>
           <p:cNvPr id="6" name="Line Callout 1 (Border and Accent Bar) 5"/>
@@ -7803,7 +9536,7 @@
           <p:nvPr/>
         </p:nvPicPr>
         <p:blipFill>
-          <a:blip r:embed="rId2">
+          <a:blip r:embed="rId3">
             <a:extLst>
               <a:ext uri="{28A0092B-C50C-407E-A947-70E740481C1C}">
                 <a14:useLocalDpi xmlns:a14="http://schemas.microsoft.com/office/drawing/2010/main" val="0"/>
@@ -7824,8 +9557,8 @@
           </a:prstGeom>
         </p:spPr>
       </p:pic>
-      <mc:AlternateContent xmlns:mc="http://schemas.openxmlformats.org/markup-compatibility/2006">
-        <mc:Choice xmlns:a14="http://schemas.microsoft.com/office/drawing/2010/main" Requires="a14">
+      <mc:AlternateContent xmlns:mc="http://schemas.openxmlformats.org/markup-compatibility/2006" xmlns:a14="http://schemas.microsoft.com/office/drawing/2010/main">
+        <mc:Choice Requires="a14">
           <p:sp>
             <p:nvSpPr>
               <p:cNvPr id="3" name="TextBox 2"/>
@@ -7850,6 +9583,7 @@
               </a:bodyPr>
               <a:lstStyle/>
               <a:p>
+                <a:pPr/>
                 <a14:m>
                   <m:oMathPara xmlns:m="http://schemas.openxmlformats.org/officeDocument/2006/math">
                     <m:oMathParaPr>
@@ -8033,7 +9767,7 @@
             </p:txBody>
           </p:sp>
         </mc:Choice>
-        <mc:Fallback>
+        <mc:Fallback xmlns="">
           <p:sp>
             <p:nvSpPr>
               <p:cNvPr id="3" name="TextBox 2"/>
@@ -8051,9 +9785,162 @@
                 <a:avLst/>
               </a:prstGeom>
               <a:blipFill rotWithShape="1">
-                <a:blip r:embed="rId3"/>
+                <a:blip r:embed="rId4"/>
                 <a:stretch>
                   <a:fillRect/>
+                </a:stretch>
+              </a:blipFill>
+            </p:spPr>
+            <p:txBody>
+              <a:bodyPr/>
+              <a:lstStyle/>
+              <a:p>
+                <a:r>
+                  <a:rPr lang="en-US">
+                    <a:noFill/>
+                  </a:rPr>
+                  <a:t> </a:t>
+                </a:r>
+              </a:p>
+            </p:txBody>
+          </p:sp>
+        </mc:Fallback>
+      </mc:AlternateContent>
+      <mc:AlternateContent xmlns:mc="http://schemas.openxmlformats.org/markup-compatibility/2006" xmlns:a14="http://schemas.microsoft.com/office/drawing/2010/main">
+        <mc:Choice Requires="a14">
+          <p:sp>
+            <p:nvSpPr>
+              <p:cNvPr id="10" name="Title 1"/>
+              <p:cNvSpPr>
+                <a:spLocks noGrp="1"/>
+              </p:cNvSpPr>
+              <p:nvPr>
+                <p:ph type="title"/>
+              </p:nvPr>
+            </p:nvSpPr>
+            <p:spPr>
+              <a:xfrm>
+                <a:off x="76200" y="304800"/>
+                <a:ext cx="9067800" cy="609600"/>
+              </a:xfrm>
+            </p:spPr>
+            <p:txBody>
+              <a:bodyPr>
+                <a:normAutofit/>
+              </a:bodyPr>
+              <a:lstStyle/>
+              <a:p>
+                <a:r>
+                  <a:rPr lang="en-US" sz="2800" b="1" dirty="0" smtClean="0">
+                    <a:latin typeface="Comic Sans MS" pitchFamily="66" charset="0"/>
+                  </a:rPr>
+                  <a:t>Ill-Conditioning: </a:t>
+                </a:r>
+                <a14:m>
+                  <m:oMath xmlns:m="http://schemas.openxmlformats.org/officeDocument/2006/math">
+                    <m:r>
+                      <a:rPr lang="en-US" sz="2800" b="1" i="1" smtClean="0">
+                        <a:latin typeface="Cambria Math"/>
+                        <a:ea typeface="Cambria Math"/>
+                      </a:rPr>
+                      <m:t>𝝹</m:t>
+                    </m:r>
+                    <m:d>
+                      <m:dPr>
+                        <m:ctrlPr>
+                          <a:rPr lang="en-US" sz="2800" b="1" i="1" smtClean="0">
+                            <a:latin typeface="Cambria Math"/>
+                            <a:ea typeface="Cambria Math"/>
+                          </a:rPr>
+                        </m:ctrlPr>
+                      </m:dPr>
+                      <m:e>
+                        <m:r>
+                          <a:rPr lang="en-US" sz="2800" b="1" i="1" smtClean="0">
+                            <a:latin typeface="Cambria Math"/>
+                            <a:ea typeface="Cambria Math"/>
+                          </a:rPr>
+                          <m:t>𝒔</m:t>
+                        </m:r>
+                      </m:e>
+                    </m:d>
+                    <m:r>
+                      <a:rPr lang="en-US" sz="2800" b="1" i="1" smtClean="0">
+                        <a:latin typeface="Cambria Math"/>
+                        <a:ea typeface="Cambria Math"/>
+                      </a:rPr>
+                      <m:t>=</m:t>
+                    </m:r>
+                    <m:sSup>
+                      <m:sSupPr>
+                        <m:ctrlPr>
+                          <a:rPr lang="en-US" sz="2800" b="1" i="1" smtClean="0">
+                            <a:latin typeface="Cambria Math"/>
+                            <a:ea typeface="Cambria Math"/>
+                          </a:rPr>
+                        </m:ctrlPr>
+                      </m:sSupPr>
+                      <m:e>
+                        <m:r>
+                          <a:rPr lang="en-US" sz="2800" b="1" i="1" smtClean="0">
+                            <a:latin typeface="Cambria Math"/>
+                            <a:ea typeface="Cambria Math"/>
+                          </a:rPr>
+                          <m:t>𝟏𝟎</m:t>
+                        </m:r>
+                      </m:e>
+                      <m:sup>
+                        <m:r>
+                          <a:rPr lang="en-US" sz="2800" b="1" i="1" smtClean="0">
+                            <a:latin typeface="Cambria Math"/>
+                            <a:ea typeface="Cambria Math"/>
+                          </a:rPr>
+                          <m:t>𝟏𝟏</m:t>
+                        </m:r>
+                      </m:sup>
+                    </m:sSup>
+                    <m:r>
+                      <a:rPr lang="en-US" sz="2800" b="1" i="1" smtClean="0">
+                        <a:latin typeface="Cambria Math"/>
+                        <a:ea typeface="Cambria Math"/>
+                      </a:rPr>
+                      <m:t>,</m:t>
+                    </m:r>
+                  </m:oMath>
+                </a14:m>
+                <a:r>
+                  <a:rPr lang="en-US" sz="2800" b="1" dirty="0" smtClean="0">
+                    <a:latin typeface="Comic Sans MS" pitchFamily="66" charset="0"/>
+                  </a:rPr>
+                  <a:t> (3,3)x8 nanotube  </a:t>
+                </a:r>
+                <a:endParaRPr lang="en-US" sz="2800" b="1" dirty="0">
+                  <a:latin typeface="Comic Sans MS" pitchFamily="66" charset="0"/>
+                </a:endParaRPr>
+              </a:p>
+            </p:txBody>
+          </p:sp>
+        </mc:Choice>
+        <mc:Fallback xmlns="">
+          <p:sp>
+            <p:nvSpPr>
+              <p:cNvPr id="10" name="Title 1"/>
+              <p:cNvSpPr>
+                <a:spLocks noGrp="1" noRot="1" noChangeAspect="1" noMove="1" noResize="1" noEditPoints="1" noAdjustHandles="1" noChangeArrowheads="1" noChangeShapeType="1" noTextEdit="1"/>
+              </p:cNvSpPr>
+              <p:nvPr>
+                <p:ph type="title"/>
+              </p:nvPr>
+            </p:nvSpPr>
+            <p:spPr>
+              <a:xfrm>
+                <a:off x="76200" y="304800"/>
+                <a:ext cx="9067800" cy="609600"/>
+              </a:xfrm>
+              <a:blipFill rotWithShape="1">
+                <a:blip r:embed="rId6"/>
+                <a:stretch>
+                  <a:fillRect t="-1000" b="-22000"/>
                 </a:stretch>
               </a:blipFill>
             </p:spPr>
@@ -8098,6 +9985,7 @@
               </a:bodyPr>
               <a:lstStyle/>
               <a:p>
+                <a:pPr/>
                 <a14:m>
                   <m:oMathPara xmlns:m="http://schemas.openxmlformats.org/officeDocument/2006/math">
                     <m:oMathParaPr>
@@ -8299,7 +10187,7 @@
                 <a:avLst/>
               </a:prstGeom>
               <a:blipFill rotWithShape="1">
-                <a:blip r:embed="rId4"/>
+                <a:blip r:embed="rId7"/>
                 <a:stretch>
                   <a:fillRect/>
                 </a:stretch>
@@ -8346,6 +10234,7 @@
               </a:bodyPr>
               <a:lstStyle/>
               <a:p>
+                <a:pPr/>
                 <a14:m>
                   <m:oMathPara xmlns:m="http://schemas.openxmlformats.org/officeDocument/2006/math">
                     <m:oMathParaPr>
@@ -8547,7 +10436,7 @@
                 <a:avLst/>
               </a:prstGeom>
               <a:blipFill rotWithShape="1">
-                <a:blip r:embed="rId5"/>
+                <a:blip r:embed="rId8"/>
                 <a:stretch>
                   <a:fillRect/>
                 </a:stretch>
@@ -8568,159 +10457,87 @@
           </p:sp>
         </mc:Fallback>
       </mc:AlternateContent>
-      <mc:AlternateContent xmlns:mc="http://schemas.openxmlformats.org/markup-compatibility/2006">
-        <mc:Choice xmlns:a14="http://schemas.microsoft.com/office/drawing/2010/main" Requires="a14">
-          <p:sp>
-            <p:nvSpPr>
-              <p:cNvPr id="10" name="Title 1"/>
-              <p:cNvSpPr>
-                <a:spLocks noGrp="1"/>
-              </p:cNvSpPr>
-              <p:nvPr>
-                <p:ph type="title"/>
-              </p:nvPr>
-            </p:nvSpPr>
-            <p:spPr>
-              <a:xfrm>
-                <a:off x="76200" y="304800"/>
-                <a:ext cx="9067800" cy="609600"/>
-              </a:xfrm>
-            </p:spPr>
-            <p:txBody>
-              <a:bodyPr>
-                <a:normAutofit/>
-              </a:bodyPr>
-              <a:lstStyle/>
-              <a:p>
-                <a:r>
-                  <a:rPr lang="en-US" sz="2800" b="1" dirty="0" smtClean="0">
-                    <a:latin typeface="Comic Sans MS" pitchFamily="66" charset="0"/>
-                  </a:rPr>
-                  <a:t>Ill-Conditioning: </a:t>
-                </a:r>
-                <a14:m>
-                  <m:oMath xmlns:m="http://schemas.openxmlformats.org/officeDocument/2006/math">
-                    <m:r>
-                      <a:rPr lang="en-US" sz="2800" b="1" i="1" smtClean="0">
-                        <a:latin typeface="Cambria Math"/>
-                        <a:ea typeface="Cambria Math"/>
-                      </a:rPr>
-                      <m:t>𝝹</m:t>
-                    </m:r>
-                    <m:d>
-                      <m:dPr>
-                        <m:ctrlPr>
-                          <a:rPr lang="en-US" sz="2800" b="1" i="1" smtClean="0">
-                            <a:latin typeface="Cambria Math"/>
-                            <a:ea typeface="Cambria Math"/>
-                          </a:rPr>
-                        </m:ctrlPr>
-                      </m:dPr>
-                      <m:e>
-                        <m:r>
-                          <a:rPr lang="en-US" sz="2800" b="1" i="1" smtClean="0">
-                            <a:latin typeface="Cambria Math"/>
-                            <a:ea typeface="Cambria Math"/>
-                          </a:rPr>
-                          <m:t>𝒔</m:t>
-                        </m:r>
-                      </m:e>
-                    </m:d>
-                    <m:r>
-                      <a:rPr lang="en-US" sz="2800" b="1" i="1" smtClean="0">
-                        <a:latin typeface="Cambria Math"/>
-                        <a:ea typeface="Cambria Math"/>
-                      </a:rPr>
-                      <m:t>=</m:t>
-                    </m:r>
-                    <m:sSup>
-                      <m:sSupPr>
-                        <m:ctrlPr>
-                          <a:rPr lang="en-US" sz="2800" b="1" i="1" smtClean="0">
-                            <a:latin typeface="Cambria Math"/>
-                            <a:ea typeface="Cambria Math"/>
-                          </a:rPr>
-                        </m:ctrlPr>
-                      </m:sSupPr>
-                      <m:e>
-                        <m:r>
-                          <a:rPr lang="en-US" sz="2800" b="1" i="1" smtClean="0">
-                            <a:latin typeface="Cambria Math"/>
-                            <a:ea typeface="Cambria Math"/>
-                          </a:rPr>
-                          <m:t>𝟏𝟎</m:t>
-                        </m:r>
-                      </m:e>
-                      <m:sup>
-                        <m:r>
-                          <a:rPr lang="en-US" sz="2800" b="1" i="1" smtClean="0">
-                            <a:latin typeface="Cambria Math"/>
-                            <a:ea typeface="Cambria Math"/>
-                          </a:rPr>
-                          <m:t>𝟏𝟏</m:t>
-                        </m:r>
-                      </m:sup>
-                    </m:sSup>
-                    <m:r>
-                      <a:rPr lang="en-US" sz="2800" b="1" i="1" smtClean="0">
-                        <a:latin typeface="Cambria Math"/>
-                        <a:ea typeface="Cambria Math"/>
-                      </a:rPr>
-                      <m:t>,</m:t>
-                    </m:r>
-                  </m:oMath>
-                </a14:m>
-                <a:r>
-                  <a:rPr lang="en-US" sz="2800" b="1" dirty="0" smtClean="0">
-                    <a:latin typeface="Comic Sans MS" pitchFamily="66" charset="0"/>
-                  </a:rPr>
-                  <a:t> (3,3)x8 nanotube  </a:t>
-                </a:r>
-                <a:endParaRPr lang="en-US" sz="2800" b="1" dirty="0">
-                  <a:latin typeface="Comic Sans MS" pitchFamily="66" charset="0"/>
-                </a:endParaRPr>
-              </a:p>
-            </p:txBody>
-          </p:sp>
-        </mc:Choice>
-        <mc:Fallback>
-          <p:sp>
-            <p:nvSpPr>
-              <p:cNvPr id="10" name="Title 1"/>
-              <p:cNvSpPr>
-                <a:spLocks noGrp="1" noRot="1" noChangeAspect="1" noMove="1" noResize="1" noEditPoints="1" noAdjustHandles="1" noChangeArrowheads="1" noChangeShapeType="1" noTextEdit="1"/>
-              </p:cNvSpPr>
-              <p:nvPr>
-                <p:ph type="title"/>
-              </p:nvPr>
-            </p:nvSpPr>
-            <p:spPr>
-              <a:xfrm>
-                <a:off x="76200" y="304800"/>
-                <a:ext cx="9067800" cy="609600"/>
-              </a:xfrm>
-              <a:blipFill rotWithShape="1">
-                <a:blip r:embed="rId6"/>
-                <a:stretch>
-                  <a:fillRect t="-1000" b="-22000"/>
-                </a:stretch>
-              </a:blipFill>
-            </p:spPr>
-            <p:txBody>
-              <a:bodyPr/>
-              <a:lstStyle/>
-              <a:p>
-                <a:r>
-                  <a:rPr lang="en-US">
-                    <a:noFill/>
-                  </a:rPr>
-                  <a:t> </a:t>
-                </a:r>
-              </a:p>
-            </p:txBody>
-          </p:sp>
-        </mc:Fallback>
-      </mc:AlternateContent>
+      <p:sp>
+        <p:nvSpPr>
+          <p:cNvPr id="12" name="Rectangular Callout 11"/>
+          <p:cNvSpPr/>
+          <p:nvPr/>
+        </p:nvSpPr>
+        <p:spPr>
+          <a:xfrm>
+            <a:off x="6796996" y="5486399"/>
+            <a:ext cx="1966004" cy="570131"/>
+          </a:xfrm>
+          <a:prstGeom prst="wedgeRectCallout">
+            <a:avLst>
+              <a:gd name="adj1" fmla="val -81431"/>
+              <a:gd name="adj2" fmla="val -84195"/>
+            </a:avLst>
+          </a:prstGeom>
+        </p:spPr>
+        <p:style>
+          <a:lnRef idx="1">
+            <a:schemeClr val="accent4"/>
+          </a:lnRef>
+          <a:fillRef idx="2">
+            <a:schemeClr val="accent4"/>
+          </a:fillRef>
+          <a:effectRef idx="1">
+            <a:schemeClr val="accent4"/>
+          </a:effectRef>
+          <a:fontRef idx="minor">
+            <a:schemeClr val="dk1"/>
+          </a:fontRef>
+        </p:style>
+        <p:txBody>
+          <a:bodyPr rtlCol="0" anchor="ctr"/>
+          <a:lstStyle/>
+          <a:p>
+            <a:pPr algn="ctr"/>
+            <a:endParaRPr lang="en-US" dirty="0"/>
+          </a:p>
+        </p:txBody>
+      </p:sp>
+      <p:sp>
+        <p:nvSpPr>
+          <p:cNvPr id="13" name="TextBox 12"/>
+          <p:cNvSpPr txBox="1"/>
+          <p:nvPr/>
+        </p:nvSpPr>
+        <p:spPr>
+          <a:xfrm>
+            <a:off x="6816457" y="5447491"/>
+            <a:ext cx="1972669" cy="646331"/>
+          </a:xfrm>
+          <a:prstGeom prst="rect">
+            <a:avLst/>
+          </a:prstGeom>
+          <a:noFill/>
+        </p:spPr>
+        <p:txBody>
+          <a:bodyPr wrap="square" rtlCol="0">
+            <a:spAutoFit/>
+          </a:bodyPr>
+          <a:lstStyle/>
+          <a:p>
+            <a:r>
+              <a:rPr lang="en-US" b="1" dirty="0" smtClean="0"/>
+              <a:t>Kept about 2/3 of </a:t>
+            </a:r>
+          </a:p>
+          <a:p>
+            <a:r>
+              <a:rPr lang="en-US" b="1" dirty="0"/>
+              <a:t>a</a:t>
+            </a:r>
+            <a:r>
+              <a:rPr lang="en-US" b="1" dirty="0" smtClean="0"/>
+              <a:t>cceleration !</a:t>
+            </a:r>
+            <a:endParaRPr lang="en-US" b="1" dirty="0"/>
+          </a:p>
+        </p:txBody>
+      </p:sp>
     </p:spTree>
     <p:extLst>
       <p:ext uri="{BB962C8B-B14F-4D97-AF65-F5344CB8AC3E}">
@@ -8753,35 +10570,6 @@
       </p:grpSpPr>
       <p:pic>
         <p:nvPicPr>
-          <p:cNvPr id="7" name="Picture 6"/>
-          <p:cNvPicPr>
-            <a:picLocks noChangeAspect="1"/>
-          </p:cNvPicPr>
-          <p:nvPr/>
-        </p:nvPicPr>
-        <p:blipFill rotWithShape="1">
-          <a:blip r:embed="rId2" cstate="print">
-            <a:extLst>
-              <a:ext uri="{28A0092B-C50C-407E-A947-70E740481C1C}">
-                <a14:useLocalDpi xmlns:a14="http://schemas.microsoft.com/office/drawing/2010/main" val="0"/>
-              </a:ext>
-            </a:extLst>
-          </a:blip>
-          <a:srcRect l="16747" t="3713" r="15732" b="8254"/>
-          <a:stretch/>
-        </p:blipFill>
-        <p:spPr>
-          <a:xfrm>
-            <a:off x="5181600" y="2289663"/>
-            <a:ext cx="640080" cy="834537"/>
-          </a:xfrm>
-          <a:prstGeom prst="rect">
-            <a:avLst/>
-          </a:prstGeom>
-        </p:spPr>
-      </p:pic>
-      <p:pic>
-        <p:nvPicPr>
           <p:cNvPr id="4" name="Content Placeholder 3"/>
           <p:cNvPicPr>
             <a:picLocks noGrp="1" noChangeAspect="1"/>
@@ -8791,7 +10579,7 @@
           </p:nvPr>
         </p:nvPicPr>
         <p:blipFill>
-          <a:blip r:embed="rId3">
+          <a:blip r:embed="rId2">
             <a:extLst>
               <a:ext uri="{28A0092B-C50C-407E-A947-70E740481C1C}">
                 <a14:useLocalDpi xmlns:a14="http://schemas.microsoft.com/office/drawing/2010/main" val="0"/>
@@ -8804,9 +10592,38 @@
         </p:blipFill>
         <p:spPr>
           <a:xfrm>
-            <a:off x="0" y="609600"/>
+            <a:off x="76200" y="762000"/>
             <a:ext cx="8229600" cy="6172200"/>
           </a:xfrm>
+        </p:spPr>
+      </p:pic>
+      <p:pic>
+        <p:nvPicPr>
+          <p:cNvPr id="7" name="Picture 6"/>
+          <p:cNvPicPr>
+            <a:picLocks noChangeAspect="1"/>
+          </p:cNvPicPr>
+          <p:nvPr/>
+        </p:nvPicPr>
+        <p:blipFill rotWithShape="1">
+          <a:blip r:embed="rId3" cstate="print">
+            <a:extLst>
+              <a:ext uri="{28A0092B-C50C-407E-A947-70E740481C1C}">
+                <a14:useLocalDpi xmlns:a14="http://schemas.microsoft.com/office/drawing/2010/main" val="0"/>
+              </a:ext>
+            </a:extLst>
+          </a:blip>
+          <a:srcRect l="16747" t="3713" r="15732" b="8254"/>
+          <a:stretch/>
+        </p:blipFill>
+        <p:spPr>
+          <a:xfrm>
+            <a:off x="5181600" y="2442063"/>
+            <a:ext cx="640080" cy="834537"/>
+          </a:xfrm>
+          <a:prstGeom prst="rect">
+            <a:avLst/>
+          </a:prstGeom>
         </p:spPr>
       </p:pic>
       <mc:AlternateContent xmlns:mc="http://schemas.openxmlformats.org/markup-compatibility/2006">
@@ -8939,7 +10756,13 @@
                   <a:rPr lang="en-US" sz="2800" b="1" dirty="0" smtClean="0">
                     <a:latin typeface="Comic Sans MS" pitchFamily="66" charset="0"/>
                   </a:rPr>
-                  <a:t>, TZ2P</a:t>
+                  <a:t>, </a:t>
+                </a:r>
+                <a:r>
+                  <a:rPr lang="en-US" sz="2800" b="1" dirty="0" smtClean="0">
+                    <a:latin typeface="Comic Sans MS" pitchFamily="66" charset="0"/>
+                  </a:rPr>
+                  <a:t>TZV2P</a:t>
                 </a:r>
                 <a:endParaRPr lang="en-US" sz="2800" b="1" dirty="0">
                   <a:latin typeface="Comic Sans MS" pitchFamily="66" charset="0"/>
@@ -8967,7 +10790,7 @@
               <a:blipFill rotWithShape="1">
                 <a:blip r:embed="rId4"/>
                 <a:stretch>
-                  <a:fillRect b="-2174"/>
+                  <a:fillRect l="-152" r="-76" b="-2174"/>
                 </a:stretch>
               </a:blipFill>
             </p:spPr>
@@ -8994,8 +10817,8 @@
         </p:nvSpPr>
         <p:spPr>
           <a:xfrm>
-            <a:off x="4572000" y="878839"/>
-            <a:ext cx="3581400" cy="1254761"/>
+            <a:off x="4724400" y="914400"/>
+            <a:ext cx="3352800" cy="1410824"/>
           </a:xfrm>
           <a:prstGeom prst="wedgeEllipseCallout">
             <a:avLst/>
@@ -9003,13 +10826,13 @@
         </p:spPr>
         <p:style>
           <a:lnRef idx="1">
-            <a:schemeClr val="accent2"/>
+            <a:schemeClr val="accent5"/>
           </a:lnRef>
           <a:fillRef idx="2">
-            <a:schemeClr val="accent2"/>
+            <a:schemeClr val="accent5"/>
           </a:fillRef>
           <a:effectRef idx="1">
-            <a:schemeClr val="accent2"/>
+            <a:schemeClr val="accent5"/>
           </a:effectRef>
           <a:fontRef idx="minor">
             <a:schemeClr val="dk1"/>
@@ -9021,10 +10844,18 @@
           <a:p>
             <a:pPr algn="ctr"/>
             <a:r>
-              <a:rPr lang="en-US" sz="2000" dirty="0" smtClean="0"/>
-              <a:t>With recursive preconditioning, one resolutions result is another’s error! </a:t>
-            </a:r>
-            <a:endParaRPr lang="en-US" sz="2000" dirty="0"/>
+              <a:rPr lang="en-US" sz="2000" i="1" dirty="0" smtClean="0"/>
+              <a:t>With recursive preconditioning, one resolutions </a:t>
+            </a:r>
+            <a:r>
+              <a:rPr lang="en-US" sz="2000" i="1" dirty="0" smtClean="0"/>
+              <a:t>result </a:t>
+            </a:r>
+            <a:r>
+              <a:rPr lang="en-US" sz="2000" i="1" dirty="0" smtClean="0"/>
+              <a:t>is another’s error! </a:t>
+            </a:r>
+            <a:endParaRPr lang="en-US" sz="2000" i="1" dirty="0"/>
           </a:p>
         </p:txBody>
       </p:sp>
@@ -10745,12 +12576,6 @@
               </a:rPr>
               <a:t>ulk water</a:t>
             </a:r>
-            <a:endParaRPr lang="en-US" sz="2000" b="1" i="1" dirty="0" smtClean="0">
-              <a:solidFill>
-                <a:srgbClr val="FF0000"/>
-              </a:solidFill>
-              <a:latin typeface="Comic Sans MS" pitchFamily="66" charset="0"/>
-            </a:endParaRPr>
           </a:p>
           <a:p>
             <a:r>
@@ -12898,15 +14723,16 @@
                 <a:latin typeface="+mj-lt"/>
                 <a:cs typeface="Times New Roman" pitchFamily="18" charset="0"/>
               </a:rPr>
-              <a:t>These long range effects involve slow decay due to metric (basis) </a:t>
-            </a:r>
-            <a:r>
-              <a:rPr lang="en-US" sz="2200" dirty="0" smtClean="0">
-                <a:latin typeface="+mj-lt"/>
-                <a:cs typeface="Times New Roman" pitchFamily="18" charset="0"/>
-              </a:rPr>
-              <a:t>and gap ill-conditioning.   </a:t>
-            </a:r>
+              <a:t>These long range effects involve slow decay due to metric (basis) and gap ill-conditioning.   </a:t>
+            </a:r>
+          </a:p>
+          <a:p>
+            <a:endParaRPr lang="en-US" sz="2200" dirty="0">
+              <a:latin typeface="+mj-lt"/>
+              <a:cs typeface="Times New Roman" pitchFamily="18" charset="0"/>
+            </a:endParaRPr>
+          </a:p>
+          <a:p>
             <a:endParaRPr lang="en-US" sz="2200" dirty="0" smtClean="0">
               <a:latin typeface="+mj-lt"/>
               <a:cs typeface="Times New Roman" pitchFamily="18" charset="0"/>
@@ -12931,31 +14757,12 @@
             </a:endParaRPr>
           </a:p>
           <a:p>
-            <a:endParaRPr lang="en-US" sz="2200" dirty="0" smtClean="0">
-              <a:latin typeface="+mj-lt"/>
-              <a:cs typeface="Times New Roman" pitchFamily="18" charset="0"/>
-            </a:endParaRPr>
-          </a:p>
-          <a:p>
-            <a:endParaRPr lang="en-US" sz="2200" dirty="0">
-              <a:latin typeface="+mj-lt"/>
-              <a:cs typeface="Times New Roman" pitchFamily="18" charset="0"/>
-            </a:endParaRPr>
-          </a:p>
-          <a:p>
             <a:r>
               <a:rPr lang="en-US" sz="2200" dirty="0" smtClean="0">
                 <a:latin typeface="+mj-lt"/>
                 <a:cs typeface="Times New Roman" pitchFamily="18" charset="0"/>
               </a:rPr>
-              <a:t>Most </a:t>
-            </a:r>
-            <a:r>
-              <a:rPr lang="en-US" sz="2200" dirty="0" smtClean="0">
-                <a:latin typeface="+mj-lt"/>
-                <a:cs typeface="Times New Roman" pitchFamily="18" charset="0"/>
-              </a:rPr>
-              <a:t>interesting and technologically important problems involve strong electron correlation, which is a long-range, delocalized quantum effect. </a:t>
+              <a:t>Most interesting and technologically important problems involve strong electron correlation, which is a long-range, delocalized quantum effect. </a:t>
             </a:r>
           </a:p>
           <a:p>
@@ -13332,13 +15139,7 @@
               <a:rPr lang="en-US" sz="3200" b="1" dirty="0" smtClean="0">
                 <a:latin typeface="Comic Sans MS" pitchFamily="66" charset="0"/>
               </a:rPr>
-              <a:t>Ill-Conditioning </a:t>
-            </a:r>
-            <a:r>
-              <a:rPr lang="en-US" sz="3200" b="1" dirty="0" smtClean="0">
-                <a:latin typeface="Comic Sans MS" pitchFamily="66" charset="0"/>
-              </a:rPr>
-              <a:t>in Electronic Structure </a:t>
+              <a:t>Ill-Conditioning in Electronic Structure </a:t>
             </a:r>
             <a:endParaRPr sz="3200" b="1" dirty="0">
               <a:latin typeface="Comic Sans MS" pitchFamily="66" charset="0"/>
@@ -13873,15 +15674,7 @@
                   <a:schemeClr val="tx1"/>
                 </a:solidFill>
               </a:rPr>
-              <a:t>functional </a:t>
-            </a:r>
-            <a:r>
-              <a:rPr lang="en-US" dirty="0" smtClean="0">
-                <a:solidFill>
-                  <a:schemeClr val="tx1"/>
-                </a:solidFill>
-              </a:rPr>
-              <a:t>programming, skeletons, recursive task parallelism, </a:t>
+              <a:t>functional programming, skeletons, recursive task parallelism, </a:t>
             </a:r>
             <a:r>
               <a:rPr lang="en-US" dirty="0" err="1" smtClean="0">
@@ -13917,15 +15710,7 @@
                   <a:schemeClr val="tx1"/>
                 </a:solidFill>
               </a:rPr>
-              <a:t>enterprise </a:t>
-            </a:r>
-            <a:r>
-              <a:rPr lang="en-US" dirty="0" smtClean="0">
-                <a:solidFill>
-                  <a:schemeClr val="tx1"/>
-                </a:solidFill>
-              </a:rPr>
-              <a:t>frameworks: </a:t>
+              <a:t>enterprise frameworks: </a:t>
             </a:r>
             <a:r>
               <a:rPr lang="en-US" dirty="0" err="1" smtClean="0">
@@ -14094,15 +15879,7 @@
                   <a:schemeClr val="tx1"/>
                 </a:solidFill>
               </a:rPr>
-              <a:t>learning </a:t>
-            </a:r>
-            <a:r>
-              <a:rPr lang="en-US" dirty="0" smtClean="0">
-                <a:solidFill>
-                  <a:schemeClr val="tx1"/>
-                </a:solidFill>
-              </a:rPr>
-              <a:t>the metric:  fast approaches to semi definite programming. </a:t>
+              <a:t>learning the metric:  fast approaches to semi definite programming. </a:t>
             </a:r>
             <a:endParaRPr lang="en-US" b="1" i="1" dirty="0" smtClean="0">
               <a:solidFill>
@@ -14369,15 +16146,7 @@
                   <a:schemeClr val="tx1"/>
                 </a:solidFill>
               </a:rPr>
-              <a:t>single </a:t>
-            </a:r>
-            <a:r>
-              <a:rPr lang="en-US" dirty="0" smtClean="0">
-                <a:solidFill>
-                  <a:schemeClr val="tx1"/>
-                </a:solidFill>
-              </a:rPr>
-              <a:t>determinant KSTs.  Correlation on top of </a:t>
+              <a:t>single determinant KSTs.  Correlation on top of </a:t>
             </a:r>
             <a:r>
               <a:rPr lang="en-US" b="1" i="1" dirty="0" err="1" smtClean="0">
@@ -14437,15 +16206,7 @@
                   <a:schemeClr val="tx1"/>
                 </a:solidFill>
               </a:rPr>
-              <a:t>toward </a:t>
-            </a:r>
-            <a:r>
-              <a:rPr lang="en-US" dirty="0" smtClean="0">
-                <a:solidFill>
-                  <a:schemeClr val="tx1"/>
-                </a:solidFill>
-              </a:rPr>
-              <a:t>Mott transition, </a:t>
+              <a:t>toward Mott transition, </a:t>
             </a:r>
             <a:r>
               <a:rPr lang="en-US" b="1" i="1" dirty="0" smtClean="0">
@@ -14541,29 +16302,8 @@
                   <a:schemeClr val="tx1"/>
                 </a:solidFill>
               </a:rPr>
-              <a:t>nested </a:t>
-            </a:r>
-            <a:r>
-              <a:rPr lang="en-US" dirty="0" smtClean="0">
-                <a:solidFill>
-                  <a:schemeClr val="tx1"/>
-                </a:solidFill>
-              </a:rPr>
-              <a:t>approximate </a:t>
-            </a:r>
-            <a:r>
-              <a:rPr lang="en-US" dirty="0" smtClean="0">
-                <a:solidFill>
-                  <a:schemeClr val="tx1"/>
-                </a:solidFill>
-              </a:rPr>
-              <a:t>algebras and recursive preconditioning.</a:t>
-            </a:r>
-            <a:endParaRPr lang="en-US" dirty="0" smtClean="0">
-              <a:solidFill>
-                <a:schemeClr val="tx1"/>
-              </a:solidFill>
-            </a:endParaRPr>
+              <a:t>nested approximate algebras and recursive preconditioning.</a:t>
+            </a:r>
           </a:p>
           <a:p>
             <a:pPr marL="285750" indent="-285750">
@@ -15172,13 +16912,8 @@
             </a:r>
             <a:r>
               <a:rPr lang="en-US" sz="2400" dirty="0" smtClean="0"/>
-              <a:t>euristics maximize locality, clustering </a:t>
-            </a:r>
-            <a:r>
-              <a:rPr lang="en-US" sz="2400" dirty="0" smtClean="0"/>
-              <a:t>(A-B)</a:t>
-            </a:r>
-            <a:endParaRPr lang="en-US" sz="2400" dirty="0" smtClean="0"/>
+              <a:t>euristics maximize locality, clustering (A-B)</a:t>
+            </a:r>
           </a:p>
           <a:p>
             <a:pPr marL="342900" indent="-342900">
@@ -15190,21 +16925,8 @@
             </a:pPr>
             <a:r>
               <a:rPr lang="en-US" sz="2400" dirty="0" smtClean="0"/>
-              <a:t>With locality, </a:t>
-            </a:r>
-            <a:r>
-              <a:rPr lang="en-US" sz="2400" dirty="0" smtClean="0"/>
-              <a:t>database algorithms enable </a:t>
-            </a:r>
-            <a:r>
-              <a:rPr lang="en-US" sz="2400" dirty="0" smtClean="0"/>
-              <a:t>rapid distance, metric &amp; overlap </a:t>
-            </a:r>
-            <a:r>
-              <a:rPr lang="en-US" sz="2400" dirty="0" smtClean="0"/>
-              <a:t>queries.</a:t>
-            </a:r>
-            <a:endParaRPr lang="en-US" sz="2400" dirty="0" smtClean="0"/>
+              <a:t>With locality, database algorithms enable rapid distance, metric &amp; overlap queries.</a:t>
+            </a:r>
           </a:p>
           <a:p>
             <a:pPr marL="342900" indent="-342900">
@@ -15500,7 +17222,7 @@
         </p:nvSpPr>
         <p:spPr>
           <a:xfrm>
-            <a:off x="6424047" y="3267670"/>
+            <a:off x="6271647" y="-457200"/>
             <a:ext cx="6072753" cy="923330"/>
           </a:xfrm>
           <a:prstGeom prst="rect">
@@ -15554,8 +17276,8 @@
         </p:nvSpPr>
         <p:spPr>
           <a:xfrm>
-            <a:off x="381000" y="304800"/>
-            <a:ext cx="7772400" cy="685800"/>
+            <a:off x="228600" y="304800"/>
+            <a:ext cx="8763000" cy="685800"/>
           </a:xfrm>
         </p:spPr>
         <p:txBody>
@@ -15565,14 +17287,26 @@
           <a:lstStyle/>
           <a:p>
             <a:r>
-              <a:rPr lang="en-US" sz="3200" b="1" dirty="0" smtClean="0"/>
-              <a:t>Scaled Newton Schulz with Ruggedized </a:t>
-            </a:r>
-            <a:r>
-              <a:rPr lang="en-US" sz="3200" b="1" dirty="0" err="1" smtClean="0"/>
-              <a:t>SpAMM</a:t>
-            </a:r>
-            <a:endParaRPr lang="en-US" sz="3200" b="1" dirty="0"/>
+              <a:rPr lang="en-US" sz="3200" b="1" dirty="0" smtClean="0">
+                <a:latin typeface="Comic Sans MS" pitchFamily="66" charset="0"/>
+              </a:rPr>
+              <a:t>Newton Schulz for S</a:t>
+            </a:r>
+            <a:r>
+              <a:rPr lang="en-US" sz="3200" b="1" baseline="30000" dirty="0" smtClean="0">
+                <a:latin typeface="Comic Sans MS" pitchFamily="66" charset="0"/>
+              </a:rPr>
+              <a:t>-1/2</a:t>
+            </a:r>
+            <a:r>
+              <a:rPr lang="en-US" sz="3200" b="1" dirty="0" smtClean="0">
+                <a:latin typeface="Comic Sans MS" pitchFamily="66" charset="0"/>
+              </a:rPr>
+              <a:t> (the Metric Problem)</a:t>
+            </a:r>
+            <a:endParaRPr lang="en-US" sz="3200" b="1" dirty="0">
+              <a:latin typeface="Comic Sans MS" pitchFamily="66" charset="0"/>
+            </a:endParaRPr>
           </a:p>
         </p:txBody>
       </p:sp>

--- a/sandwitch_results_3_2015/spamm_big_picture.pptx
+++ b/sandwitch_results_3_2015/spamm_big_picture.pptx
@@ -4184,8 +4184,8 @@
             </p:nvSpPr>
             <p:spPr>
               <a:xfrm>
-                <a:off x="304800" y="1997108"/>
-                <a:ext cx="8686800" cy="4251292"/>
+                <a:off x="228600" y="1981200"/>
+                <a:ext cx="8686800" cy="7298280"/>
               </a:xfrm>
               <a:prstGeom prst="rect">
                 <a:avLst/>
@@ -4247,95 +4247,8 @@
                 </a:pPr>
                 <a14:m>
                   <m:oMath xmlns:m="http://schemas.openxmlformats.org/officeDocument/2006/math">
-                    <m:d>
-                      <m:dPr>
-                        <m:begChr m:val="{"/>
-                        <m:endChr m:val="}"/>
-                        <m:ctrlPr>
-                          <a:rPr lang="en-US" sz="2400" b="0" i="1" smtClean="0">
-                            <a:latin typeface="Cambria Math"/>
-                          </a:rPr>
-                        </m:ctrlPr>
-                      </m:dPr>
-                      <m:e>
-                        <m:sSub>
-                          <m:sSubPr>
-                            <m:ctrlPr>
-                              <a:rPr lang="en-US" sz="2400" b="0" i="1" smtClean="0">
-                                <a:latin typeface="Cambria Math"/>
-                              </a:rPr>
-                            </m:ctrlPr>
-                          </m:sSubPr>
-                          <m:e>
-                            <m:r>
-                              <a:rPr lang="en-US" sz="2400" b="1" i="1" smtClean="0">
-                                <a:latin typeface="Cambria Math"/>
-                              </a:rPr>
-                              <m:t>𝒙</m:t>
-                            </m:r>
-                          </m:e>
-                          <m:sub>
-                            <m:r>
-                              <a:rPr lang="en-US" sz="2400" b="0" i="1" smtClean="0">
-                                <a:latin typeface="Cambria Math"/>
-                              </a:rPr>
-                              <m:t>𝑚</m:t>
-                            </m:r>
-                          </m:sub>
-                        </m:sSub>
-                        <m:r>
-                          <a:rPr lang="en-US" sz="2400" b="0" i="1" smtClean="0">
-                            <a:latin typeface="Cambria Math"/>
-                          </a:rPr>
-                          <m:t>, </m:t>
-                        </m:r>
-                        <m:sSub>
-                          <m:sSubPr>
-                            <m:ctrlPr>
-                              <a:rPr lang="en-US" sz="2400" b="0" i="1" smtClean="0">
-                                <a:latin typeface="Cambria Math"/>
-                              </a:rPr>
-                            </m:ctrlPr>
-                          </m:sSubPr>
-                          <m:e>
-                            <m:r>
-                              <a:rPr lang="en-US" sz="2400" b="1" i="1" smtClean="0">
-                                <a:latin typeface="Cambria Math"/>
-                              </a:rPr>
-                              <m:t>𝒛</m:t>
-                            </m:r>
-                          </m:e>
-                          <m:sub>
-                            <m:r>
-                              <a:rPr lang="en-US" sz="2400" b="0" i="1" smtClean="0">
-                                <a:latin typeface="Cambria Math"/>
-                              </a:rPr>
-                              <m:t>𝑚</m:t>
-                            </m:r>
-                          </m:sub>
-                        </m:sSub>
-                      </m:e>
-                    </m:d>
-                  </m:oMath>
-                </a14:m>
-                <a:r>
-                  <a:rPr lang="en-US" sz="2400" dirty="0" smtClean="0"/>
-                  <a:t>  </a:t>
-                </a:r>
-                <a:r>
-                  <a:rPr lang="en-US" sz="2400" dirty="0"/>
-                  <a:t>=</a:t>
-                </a:r>
-                <a14:m>
-                  <m:oMath xmlns:m="http://schemas.openxmlformats.org/officeDocument/2006/math">
                     <m:r>
-                      <a:rPr lang="en-US" sz="2400" b="0" i="0" smtClean="0">
-                        <a:latin typeface="Cambria Math"/>
-                      </a:rPr>
-                      <m:t>  </m:t>
-                    </m:r>
-                    <m:r>
-                      <a:rPr lang="en-US" sz="2400" b="0" i="1" smtClean="0">
+                      <a:rPr lang="en-US" sz="2000" b="0" i="1" smtClean="0">
                         <a:latin typeface="Cambria Math"/>
                       </a:rPr>
                       <m:t>𝑁𝑆</m:t>
@@ -4345,274 +4258,381 @@
                         <m:begChr m:val="["/>
                         <m:endChr m:val="]"/>
                         <m:ctrlPr>
-                          <a:rPr lang="en-US" sz="2400" b="0" i="1" smtClean="0">
+                          <a:rPr lang="en-US" sz="2000" b="0" i="1" smtClean="0">
                             <a:latin typeface="Cambria Math"/>
                           </a:rPr>
                         </m:ctrlPr>
                       </m:dPr>
                       <m:e>
                         <m:r>
-                          <a:rPr lang="en-US" sz="2400" b="0" i="1" smtClean="0">
+                          <a:rPr lang="en-US" sz="2000" b="0" i="1" smtClean="0">
                             <a:latin typeface="Cambria Math"/>
                           </a:rPr>
                           <m:t> </m:t>
                         </m:r>
-                        <m:r>
-                          <a:rPr lang="en-US" sz="2400" b="0" i="1" smtClean="0">
-                            <a:latin typeface="Cambria Math"/>
-                          </a:rPr>
-                          <m:t>𝑁𝑆</m:t>
-                        </m:r>
                         <m:d>
                           <m:dPr>
-                            <m:begChr m:val="["/>
-                            <m:endChr m:val="]"/>
+                            <m:begChr m:val="{"/>
+                            <m:endChr m:val="}"/>
                             <m:ctrlPr>
-                              <a:rPr lang="en-US" sz="2400" b="0" i="1" smtClean="0">
+                              <a:rPr lang="en-US" sz="2000" b="0" i="1" smtClean="0">
                                 <a:latin typeface="Cambria Math"/>
                               </a:rPr>
                             </m:ctrlPr>
                           </m:dPr>
                           <m:e>
                             <m:r>
-                              <a:rPr lang="en-US" sz="2400" b="0" i="1" smtClean="0">
+                              <a:rPr lang="en-US" sz="2000" b="1" i="1" smtClean="0">
                                 <a:latin typeface="Cambria Math"/>
                               </a:rPr>
-                              <m:t> … </m:t>
+                              <m:t>𝒙</m:t>
                             </m:r>
                             <m:r>
-                              <a:rPr lang="en-US" sz="2400" b="0" i="1" smtClean="0">
+                              <a:rPr lang="en-US" sz="2000" b="0" i="1" smtClean="0">
                                 <a:latin typeface="Cambria Math"/>
                               </a:rPr>
-                              <m:t>𝑁𝑆</m:t>
+                              <m:t>, </m:t>
                             </m:r>
-                            <m:d>
-                              <m:dPr>
-                                <m:begChr m:val="["/>
-                                <m:endChr m:val="]"/>
-                                <m:ctrlPr>
-                                  <a:rPr lang="en-US" sz="2400" b="0" i="1" smtClean="0">
-                                    <a:latin typeface="Cambria Math"/>
-                                  </a:rPr>
-                                </m:ctrlPr>
-                              </m:dPr>
-                              <m:e>
-                                <m:r>
-                                  <a:rPr lang="en-US" sz="2400" b="0" i="1" smtClean="0">
-                                    <a:latin typeface="Cambria Math"/>
-                                  </a:rPr>
-                                  <m:t> </m:t>
-                                </m:r>
-                                <m:d>
-                                  <m:dPr>
-                                    <m:begChr m:val="{"/>
-                                    <m:endChr m:val="}"/>
-                                    <m:ctrlPr>
-                                      <a:rPr lang="en-US" sz="2400" b="0" i="1" smtClean="0">
-                                        <a:latin typeface="Cambria Math"/>
-                                      </a:rPr>
-                                    </m:ctrlPr>
-                                  </m:dPr>
-                                  <m:e>
-                                    <m:sSub>
-                                      <m:sSubPr>
-                                        <m:ctrlPr>
-                                          <a:rPr lang="en-US" sz="2400" b="0" i="1" smtClean="0">
-                                            <a:latin typeface="Cambria Math"/>
-                                          </a:rPr>
-                                        </m:ctrlPr>
-                                      </m:sSubPr>
-                                      <m:e>
-                                        <m:r>
-                                          <a:rPr lang="en-US" sz="2400" b="1" i="1" smtClean="0">
-                                            <a:latin typeface="Cambria Math"/>
-                                          </a:rPr>
-                                          <m:t>𝒙</m:t>
-                                        </m:r>
-                                      </m:e>
-                                      <m:sub>
-                                        <m:r>
-                                          <a:rPr lang="en-US" sz="2400" b="0" i="1" smtClean="0">
-                                            <a:latin typeface="Cambria Math"/>
-                                          </a:rPr>
-                                          <m:t>0</m:t>
-                                        </m:r>
-                                      </m:sub>
-                                    </m:sSub>
-                                    <m:r>
-                                      <a:rPr lang="en-US" sz="2400" b="0" i="1" smtClean="0">
-                                        <a:latin typeface="Cambria Math"/>
-                                      </a:rPr>
-                                      <m:t>,</m:t>
-                                    </m:r>
-                                    <m:sSub>
-                                      <m:sSubPr>
-                                        <m:ctrlPr>
-                                          <a:rPr lang="en-US" sz="2400" b="0" i="1" smtClean="0">
-                                            <a:latin typeface="Cambria Math"/>
-                                          </a:rPr>
-                                        </m:ctrlPr>
-                                      </m:sSubPr>
-                                      <m:e>
-                                        <m:r>
-                                          <a:rPr lang="en-US" sz="2400" b="1" i="1" smtClean="0">
-                                            <a:latin typeface="Cambria Math"/>
-                                          </a:rPr>
-                                          <m:t>𝒛</m:t>
-                                        </m:r>
-                                      </m:e>
-                                      <m:sub>
-                                        <m:r>
-                                          <a:rPr lang="en-US" sz="2400" b="0" i="1" smtClean="0">
-                                            <a:latin typeface="Cambria Math"/>
-                                          </a:rPr>
-                                          <m:t>0</m:t>
-                                        </m:r>
-                                      </m:sub>
-                                    </m:sSub>
-                                  </m:e>
-                                </m:d>
-                                <m:r>
-                                  <a:rPr lang="en-US" sz="2400" b="0" i="1" smtClean="0">
-                                    <a:latin typeface="Cambria Math"/>
-                                  </a:rPr>
-                                  <m:t> ,  </m:t>
-                                </m:r>
-                                <m:sSub>
-                                  <m:sSubPr>
-                                    <m:ctrlPr>
-                                      <a:rPr lang="en-US" sz="2400" b="0" i="1" smtClean="0">
-                                        <a:latin typeface="Cambria Math"/>
-                                      </a:rPr>
-                                    </m:ctrlPr>
-                                  </m:sSubPr>
-                                  <m:e>
-                                    <m:r>
-                                      <a:rPr lang="en-US" sz="2400" b="0" i="1" smtClean="0">
-                                        <a:latin typeface="Cambria Math"/>
-                                        <a:ea typeface="Cambria Math"/>
-                                      </a:rPr>
-                                      <m:t>𝜏</m:t>
-                                    </m:r>
-                                  </m:e>
-                                  <m:sub>
-                                    <m:r>
-                                      <a:rPr lang="en-US" sz="2400" b="0" i="1" smtClean="0">
-                                        <a:latin typeface="Cambria Math"/>
-                                      </a:rPr>
-                                      <m:t>0</m:t>
-                                    </m:r>
-                                  </m:sub>
-                                </m:sSub>
-                                <m:r>
-                                  <a:rPr lang="en-US" sz="2400" b="0" i="1" smtClean="0">
-                                    <a:latin typeface="Cambria Math"/>
-                                  </a:rPr>
-                                  <m:t> </m:t>
-                                </m:r>
-                              </m:e>
-                            </m:d>
                             <m:r>
-                              <a:rPr lang="en-US" sz="2400" b="0" i="1" smtClean="0">
+                              <a:rPr lang="en-US" sz="2000" b="1" i="1" smtClean="0">
                                 <a:latin typeface="Cambria Math"/>
                               </a:rPr>
-                              <m:t> …, </m:t>
-                            </m:r>
-                            <m:sSub>
-                              <m:sSubPr>
-                                <m:ctrlPr>
-                                  <a:rPr lang="en-US" sz="2400" b="0" i="1" smtClean="0">
-                                    <a:latin typeface="Cambria Math"/>
-                                  </a:rPr>
-                                </m:ctrlPr>
-                              </m:sSubPr>
-                              <m:e>
-                                <m:r>
-                                  <a:rPr lang="en-US" sz="2400" b="0" i="1" smtClean="0">
-                                    <a:latin typeface="Cambria Math"/>
-                                  </a:rPr>
-                                  <m:t> </m:t>
-                                </m:r>
-                                <m:r>
-                                  <a:rPr lang="en-US" sz="2400" b="0" i="1" smtClean="0">
-                                    <a:latin typeface="Cambria Math"/>
-                                    <a:ea typeface="Cambria Math"/>
-                                  </a:rPr>
-                                  <m:t>𝜏</m:t>
-                                </m:r>
-                              </m:e>
-                              <m:sub>
-                                <m:r>
-                                  <a:rPr lang="en-US" sz="2400" b="0" i="1" smtClean="0">
-                                    <a:latin typeface="Cambria Math"/>
-                                    <a:ea typeface="Cambria Math"/>
-                                  </a:rPr>
-                                  <m:t>𝑚</m:t>
-                                </m:r>
-                                <m:r>
-                                  <a:rPr lang="en-US" sz="2400" b="0" i="1" smtClean="0">
-                                    <a:latin typeface="Cambria Math"/>
-                                    <a:ea typeface="Cambria Math"/>
-                                  </a:rPr>
-                                  <m:t>−1</m:t>
-                                </m:r>
-                              </m:sub>
-                            </m:sSub>
-                            <m:r>
-                              <a:rPr lang="en-US" sz="2400" b="0" i="1" smtClean="0">
-                                <a:latin typeface="Cambria Math"/>
-                              </a:rPr>
-                              <m:t> </m:t>
+                              <m:t>𝒛</m:t>
                             </m:r>
                           </m:e>
                         </m:d>
-                        <m:sSub>
-                          <m:sSubPr>
+                        <m:r>
+                          <a:rPr lang="en-US" sz="2000" b="0" i="1" smtClean="0">
+                            <a:latin typeface="Cambria Math"/>
+                          </a:rPr>
+                          <m:t>, </m:t>
+                        </m:r>
+                        <m:r>
+                          <a:rPr lang="en-US" sz="2000" b="0" i="1" smtClean="0">
+                            <a:latin typeface="Cambria Math"/>
+                            <a:ea typeface="Cambria Math"/>
+                          </a:rPr>
+                          <m:t>𝜏</m:t>
+                        </m:r>
+                      </m:e>
+                    </m:d>
+                    <m:r>
+                      <a:rPr lang="en-US" sz="2000" b="0" i="1" smtClean="0">
+                        <a:latin typeface="Cambria Math"/>
+                      </a:rPr>
+                      <m:t> </m:t>
+                    </m:r>
+                    <m:box>
+                      <m:boxPr>
+                        <m:ctrlPr>
+                          <a:rPr lang="en-US" sz="2000" b="0" i="1" smtClean="0">
+                            <a:latin typeface="Cambria Math"/>
+                          </a:rPr>
+                        </m:ctrlPr>
+                      </m:boxPr>
+                      <m:e>
+                        <m:r>
+                          <a:rPr lang="en-US" sz="2000" b="0" i="1" smtClean="0">
+                            <a:latin typeface="Cambria Math"/>
+                          </a:rPr>
+                          <m:t>≔</m:t>
+                        </m:r>
+                      </m:e>
+                    </m:box>
+                    <m:r>
+                      <a:rPr lang="en-US" sz="2000" b="0" i="1" smtClean="0">
+                        <a:latin typeface="Cambria Math"/>
+                      </a:rPr>
+                      <m:t> </m:t>
+                    </m:r>
+                    <m:r>
+                      <a:rPr lang="en-US" sz="2000" b="0" i="1" smtClean="0">
+                        <a:latin typeface="Cambria Math"/>
+                      </a:rPr>
+                      <m:t>𝑓</m:t>
+                    </m:r>
+                    <m:r>
+                      <a:rPr lang="en-US" sz="2000" b="0" i="1" smtClean="0">
+                        <a:latin typeface="Cambria Math"/>
+                      </a:rPr>
+                      <m:t>[   </m:t>
+                    </m:r>
+                  </m:oMath>
+                </a14:m>
+                <a:r>
+                  <a:rPr lang="en-US" sz="2400" b="1" dirty="0" smtClean="0">
+                    <a:latin typeface="Courier New" pitchFamily="49" charset="0"/>
+                    <a:ea typeface="Cambria Math"/>
+                    <a:cs typeface="Courier New" pitchFamily="49" charset="0"/>
+                  </a:rPr>
+                  <a:t>while</a:t>
+                </a:r>
+                <a:r>
+                  <a:rPr lang="en-US" sz="2400" dirty="0" smtClean="0">
+                    <a:ea typeface="Cambria Math"/>
+                  </a:rPr>
+                  <a:t> </a:t>
+                </a:r>
+                <a14:m>
+                  <m:oMath xmlns:m="http://schemas.openxmlformats.org/officeDocument/2006/math">
+                    <m:f>
+                      <m:fPr>
+                        <m:type m:val="lin"/>
+                        <m:ctrlPr>
+                          <a:rPr lang="en-US" sz="2400" i="1">
+                            <a:latin typeface="Cambria Math"/>
+                            <a:ea typeface="Cambria Math"/>
+                          </a:rPr>
+                        </m:ctrlPr>
+                      </m:fPr>
+                      <m:num>
+                        <m:d>
+                          <m:dPr>
+                            <m:begChr m:val="|"/>
+                            <m:endChr m:val="|"/>
                             <m:ctrlPr>
-                              <a:rPr lang="en-US" sz="2400" b="0" i="1" smtClean="0">
-                                <a:latin typeface="Cambria Math"/>
-                              </a:rPr>
-                            </m:ctrlPr>
-                          </m:sSubPr>
-                          <m:e>
-                            <m:r>
-                              <a:rPr lang="en-US" sz="2400" b="0" i="1" smtClean="0">
-                                <a:latin typeface="Cambria Math"/>
-                              </a:rPr>
-                              <m:t>,  </m:t>
-                            </m:r>
-                            <m:r>
-                              <a:rPr lang="en-US" sz="2400" b="0" i="1" smtClean="0">
+                              <a:rPr lang="en-US" sz="2400" i="1">
                                 <a:latin typeface="Cambria Math"/>
                                 <a:ea typeface="Cambria Math"/>
                               </a:rPr>
-                              <m:t>𝜏</m:t>
-                            </m:r>
-                          </m:e>
-                          <m:sub>
+                            </m:ctrlPr>
+                          </m:dPr>
+                          <m:e>
                             <m:r>
-                              <a:rPr lang="en-US" sz="2400" b="0" i="1" smtClean="0">
+                              <a:rPr lang="en-US" sz="2400" i="1">
                                 <a:latin typeface="Cambria Math"/>
                                 <a:ea typeface="Cambria Math"/>
                               </a:rPr>
-                              <m:t>𝑚</m:t>
+                              <m:t>𝑡𝑟</m:t>
                             </m:r>
-                          </m:sub>
-                        </m:sSub>
+                            <m:r>
+                              <a:rPr lang="en-US" sz="2400" b="1" i="1" smtClean="0">
+                                <a:latin typeface="Cambria Math"/>
+                                <a:ea typeface="Cambria Math"/>
+                              </a:rPr>
+                              <m:t>𝒙</m:t>
+                            </m:r>
+                            <m:r>
+                              <a:rPr lang="en-US" sz="2400" i="1">
+                                <a:latin typeface="Cambria Math"/>
+                                <a:ea typeface="Cambria Math"/>
+                              </a:rPr>
+                              <m:t>−</m:t>
+                            </m:r>
+                            <m:r>
+                              <a:rPr lang="en-US" sz="2400" i="1">
+                                <a:latin typeface="Cambria Math"/>
+                                <a:ea typeface="Cambria Math"/>
+                              </a:rPr>
+                              <m:t>𝑛</m:t>
+                            </m:r>
+                          </m:e>
+                        </m:d>
+                      </m:num>
+                      <m:den>
                         <m:r>
+                          <a:rPr lang="en-US" sz="2400" i="1">
+                            <a:latin typeface="Cambria Math"/>
+                            <a:ea typeface="Cambria Math"/>
+                          </a:rPr>
+                          <m:t>𝑛</m:t>
+                        </m:r>
+                      </m:den>
+                    </m:f>
+                    <m:r>
+                      <a:rPr lang="en-US" sz="2400" b="0" i="1" smtClean="0">
+                        <a:latin typeface="Cambria Math"/>
+                        <a:ea typeface="Cambria Math"/>
+                      </a:rPr>
+                      <m:t>&gt; </m:t>
+                    </m:r>
+                    <m:r>
+                      <m:rPr>
+                        <m:sty m:val="p"/>
+                      </m:rPr>
+                      <a:rPr lang="el-GR" sz="2400" b="0" i="1" smtClean="0">
+                        <a:latin typeface="Cambria Math"/>
+                        <a:ea typeface="Cambria Math"/>
+                      </a:rPr>
+                      <m:t>τ</m:t>
+                    </m:r>
+                  </m:oMath>
+                </a14:m>
+                <a:endParaRPr lang="en-US" sz="2400" b="0" dirty="0" smtClean="0">
+                  <a:ea typeface="Cambria Math"/>
+                </a:endParaRPr>
+              </a:p>
+              <a:p>
+                <a:pPr marL="274320">
+                  <a:spcBef>
+                    <a:spcPts val="600"/>
+                  </a:spcBef>
+                  <a:spcAft>
+                    <a:spcPts val="600"/>
+                  </a:spcAft>
+                </a:pPr>
+                <a14:m>
+                  <m:oMath xmlns:m="http://schemas.openxmlformats.org/officeDocument/2006/math">
+                    <m:r>
+                      <a:rPr lang="en-US" sz="2400" b="1" i="1" smtClean="0">
+                        <a:latin typeface="Cambria Math"/>
+                        <a:ea typeface="Cambria Math"/>
+                      </a:rPr>
+                      <m:t>𝒙</m:t>
+                    </m:r>
+                    <m:r>
+                      <a:rPr lang="en-US" sz="2400" b="0" i="1" smtClean="0">
+                        <a:latin typeface="Cambria Math"/>
+                        <a:ea typeface="Cambria Math"/>
+                      </a:rPr>
+                      <m:t> ←</m:t>
+                    </m:r>
+                    <m:r>
+                      <m:rPr>
+                        <m:nor/>
+                      </m:rPr>
+                      <a:rPr lang="en-US" sz="2400" b="1" i="0" smtClean="0">
+                        <a:latin typeface="Courier New" pitchFamily="49" charset="0"/>
+                        <a:ea typeface="Cambria Math"/>
+                        <a:cs typeface="Courier New" pitchFamily="49" charset="0"/>
+                      </a:rPr>
+                      <m:t>map</m:t>
+                    </m:r>
+                    <m:r>
+                      <m:rPr>
+                        <m:nor/>
+                      </m:rPr>
+                      <a:rPr lang="en-US" sz="2400" b="0" i="1" baseline="-25000" smtClean="0">
+                        <a:latin typeface="Cambria Math"/>
+                        <a:ea typeface="Cambria Math"/>
+                      </a:rPr>
+                      <m:t>NS</m:t>
+                    </m:r>
+                    <m:r>
+                      <a:rPr lang="en-US" sz="2400" b="0" i="1" baseline="-25000" smtClean="0">
+                        <a:latin typeface="Cambria Math"/>
+                        <a:ea typeface="Cambria Math"/>
+                      </a:rPr>
+                      <m:t> </m:t>
+                    </m:r>
+                    <m:d>
+                      <m:dPr>
+                        <m:begChr m:val="["/>
+                        <m:endChr m:val="]"/>
+                        <m:ctrlPr>
                           <a:rPr lang="en-US" sz="2400" b="0" i="1" smtClean="0">
                             <a:latin typeface="Cambria Math"/>
+                            <a:ea typeface="Cambria Math"/>
                           </a:rPr>
-                          <m:t> </m:t>
+                        </m:ctrlPr>
+                      </m:dPr>
+                      <m:e>
+                        <m:r>
+                          <a:rPr lang="en-US" sz="2400" b="1" i="1" smtClean="0">
+                            <a:latin typeface="Cambria Math"/>
+                            <a:ea typeface="Cambria Math"/>
+                          </a:rPr>
+                          <m:t>𝒙</m:t>
                         </m:r>
                       </m:e>
                     </m:d>
                   </m:oMath>
                 </a14:m>
-                <a:r>
-                  <a:rPr lang="en-US" sz="2400" dirty="0" smtClean="0"/>
-                  <a:t> </a:t>
-                </a:r>
+                <a:endParaRPr lang="en-US" sz="2400" b="0" i="1" dirty="0" smtClean="0">
+                  <a:latin typeface="Cambria Math"/>
+                  <a:ea typeface="Cambria Math"/>
+                </a:endParaRPr>
+              </a:p>
+              <a:p>
+                <a:pPr marL="274320">
+                  <a:spcBef>
+                    <a:spcPts val="600"/>
+                  </a:spcBef>
+                  <a:spcAft>
+                    <a:spcPts val="600"/>
+                  </a:spcAft>
+                </a:pPr>
+                <a14:m>
+                  <m:oMath xmlns:m="http://schemas.openxmlformats.org/officeDocument/2006/math">
+                    <m:r>
+                      <a:rPr lang="en-US" sz="1800" b="1" i="1" smtClean="0">
+                        <a:latin typeface="Cambria Math"/>
+                        <a:ea typeface="Cambria Math"/>
+                      </a:rPr>
+                      <m:t>𝒛</m:t>
+                    </m:r>
+                    <m:r>
+                      <a:rPr lang="en-US" sz="1800" b="1" i="1" smtClean="0">
+                        <a:latin typeface="Cambria Math"/>
+                        <a:ea typeface="Cambria Math"/>
+                      </a:rPr>
+                      <m:t>←</m:t>
+                    </m:r>
+                    <m:r>
+                      <a:rPr lang="en-US" sz="1800" b="1" i="1" smtClean="0">
+                        <a:latin typeface="Cambria Math"/>
+                        <a:ea typeface="Cambria Math"/>
+                      </a:rPr>
+                      <m:t>𝒛</m:t>
+                    </m:r>
+                    <m:r>
+                      <a:rPr lang="en-US" sz="1800" b="1" i="1" smtClean="0">
+                        <a:latin typeface="Cambria Math"/>
+                        <a:ea typeface="Cambria Math"/>
+                      </a:rPr>
+                      <m:t>  </m:t>
+                    </m:r>
+                    <m:sSub>
+                      <m:sSubPr>
+                        <m:ctrlPr>
+                          <a:rPr lang="en-US" sz="1800" b="1" i="1" smtClean="0">
+                            <a:latin typeface="Cambria Math"/>
+                            <a:ea typeface="Cambria Math"/>
+                          </a:rPr>
+                        </m:ctrlPr>
+                      </m:sSubPr>
+                      <m:e>
+                        <m:r>
+                          <a:rPr lang="en-US" sz="1800" b="1" i="1">
+                            <a:latin typeface="Cambria Math"/>
+                            <a:ea typeface="Cambria Math"/>
+                            <a:sym typeface="Symbol"/>
+                          </a:rPr>
+                          <m:t></m:t>
+                        </m:r>
+                      </m:e>
+                      <m:sub>
+                        <m:r>
+                          <a:rPr lang="el-GR" sz="1800" b="1" i="1">
+                            <a:latin typeface="Cambria Math"/>
+                            <a:ea typeface="Cambria Math"/>
+                          </a:rPr>
+                          <m:t>𝝉</m:t>
+                        </m:r>
+                        <m:r>
+                          <m:rPr>
+                            <m:nor/>
+                          </m:rPr>
+                          <a:rPr lang="en-US" sz="1800" dirty="0">
+                            <a:ea typeface="Cambria Math"/>
+                          </a:rPr>
+                          <m:t> </m:t>
+                        </m:r>
+                      </m:sub>
+                    </m:sSub>
+                    <m:r>
+                      <a:rPr lang="en-US" sz="1800" b="1" i="1" smtClean="0">
+                        <a:latin typeface="Cambria Math"/>
+                        <a:ea typeface="Cambria Math"/>
+                      </a:rPr>
+                      <m:t>𝒙</m:t>
+                    </m:r>
+                  </m:oMath>
+                </a14:m>
+                <a:endParaRPr lang="en-US" sz="1800" b="1" i="1" dirty="0" smtClean="0">
+                  <a:latin typeface="Cambria Math"/>
+                  <a:ea typeface="Cambria Math"/>
+                </a:endParaRPr>
               </a:p>
               <a:p>
                 <a:pPr marL="274320">
@@ -4624,12 +4644,74 @@
                   </a:spcAft>
                 </a:pPr>
                 <a:r>
-                  <a:rPr lang="en-US" sz="2200" u="sng" dirty="0"/>
-                  <a:t>r</a:t>
+                  <a:rPr lang="en-US" sz="2400" b="0" dirty="0" smtClean="0">
+                    <a:ea typeface="Cambria Math"/>
+                  </a:rPr>
+                  <a:t>x</a:t>
                 </a:r>
+                <a14:m>
+                  <m:oMath xmlns:m="http://schemas.openxmlformats.org/officeDocument/2006/math">
+                    <m:r>
+                      <a:rPr lang="en-US" sz="2400" b="0" i="1" smtClean="0">
+                        <a:latin typeface="Cambria Math"/>
+                        <a:ea typeface="Cambria Math"/>
+                      </a:rPr>
+                      <m:t> </m:t>
+                    </m:r>
+                  </m:oMath>
+                </a14:m>
+                <a:endParaRPr lang="en-US" sz="2400" b="0" dirty="0" smtClean="0">
+                  <a:ea typeface="Cambria Math"/>
+                </a:endParaRPr>
+              </a:p>
+              <a:p>
+                <a:pPr marL="274320">
+                  <a:spcBef>
+                    <a:spcPts val="600"/>
+                  </a:spcBef>
+                  <a:spcAft>
+                    <a:spcPts val="600"/>
+                  </a:spcAft>
+                </a:pPr>
+                <a:endParaRPr lang="en-US" sz="2200" u="sng" dirty="0" smtClean="0"/>
+              </a:p>
+              <a:p>
+                <a:pPr marL="0" indent="0">
+                  <a:spcBef>
+                    <a:spcPts val="600"/>
+                  </a:spcBef>
+                  <a:spcAft>
+                    <a:spcPts val="600"/>
+                  </a:spcAft>
+                  <a:buNone/>
+                </a:pPr>
+                <a:endParaRPr lang="en-US" sz="2200" u="sng" dirty="0"/>
+              </a:p>
+              <a:p>
+                <a:pPr marL="0" indent="0">
+                  <a:spcBef>
+                    <a:spcPts val="600"/>
+                  </a:spcBef>
+                  <a:spcAft>
+                    <a:spcPts val="600"/>
+                  </a:spcAft>
+                  <a:buNone/>
+                </a:pPr>
+                <a:endParaRPr lang="en-US" sz="2200" u="sng" dirty="0" smtClean="0"/>
+              </a:p>
+              <a:p>
+                <a:pPr marL="0" indent="0">
+                  <a:spcBef>
+                    <a:spcPts val="600"/>
+                  </a:spcBef>
+                  <a:spcAft>
+                    <a:spcPts val="600"/>
+                  </a:spcAft>
+                  <a:buNone/>
+                </a:pPr>
                 <a:r>
                   <a:rPr lang="en-US" sz="2200" u="sng" dirty="0" smtClean="0"/>
-                  <a:t>esolution </a:t>
+                  <a:t>resolution </a:t>
                 </a:r>
                 <a:r>
                   <a:rPr lang="en-US" sz="2200" u="sng" dirty="0"/>
@@ -5528,8 +5610,8 @@
             </p:nvSpPr>
             <p:spPr>
               <a:xfrm>
-                <a:off x="304800" y="1997108"/>
-                <a:ext cx="8686800" cy="4251292"/>
+                <a:off x="228600" y="1981200"/>
+                <a:ext cx="8686800" cy="7298280"/>
               </a:xfrm>
               <a:prstGeom prst="rect">
                 <a:avLst/>
@@ -7967,12 +8049,8 @@
                   </a:spcAft>
                 </a:pPr>
                 <a:r>
-                  <a:rPr lang="en-US" sz="2200" u="sng" dirty="0"/>
-                  <a:t>r</a:t>
-                </a:r>
-                <a:r>
                   <a:rPr lang="en-US" sz="2200" u="sng" dirty="0" smtClean="0"/>
-                  <a:t>esolution </a:t>
+                  <a:t>resolution </a:t>
                 </a:r>
                 <a:r>
                   <a:rPr lang="en-US" sz="2200" u="sng" dirty="0"/>
@@ -8719,12 +8797,12 @@
                   </a:spcAft>
                 </a:pPr>
                 <a:r>
-                  <a:rPr lang="en-US" sz="2200" u="sng" dirty="0"/>
-                  <a:t>a</a:t>
+                  <a:rPr lang="en-US" sz="2200" u="sng" dirty="0" smtClean="0"/>
+                  <a:t>for </a:t>
                 </a:r>
                 <a:r>
                   <a:rPr lang="en-US" sz="2200" u="sng" dirty="0" smtClean="0"/>
-                  <a:t>t each layer, the error:</a:t>
+                  <a:t>each layer, the error:</a:t>
                 </a:r>
                 <a:endParaRPr lang="en-US" sz="2200" i="1" dirty="0" smtClean="0">
                   <a:latin typeface="Cambria Math"/>
@@ -8741,34 +8819,53 @@
                 </a:pPr>
                 <a14:m>
                   <m:oMath xmlns:m="http://schemas.openxmlformats.org/officeDocument/2006/math">
-                    <m:sSub>
-                      <m:sSubPr>
+                    <m:r>
+                      <a:rPr lang="en-US" sz="2800" b="0" i="1" smtClean="0">
+                        <a:latin typeface="Cambria Math"/>
+                        <a:ea typeface="Cambria Math"/>
+                      </a:rPr>
+                      <m:t>𝜀</m:t>
+                    </m:r>
+                    <m:d>
+                      <m:dPr>
                         <m:ctrlPr>
                           <a:rPr lang="en-US" sz="2800" b="0" i="1" smtClean="0">
                             <a:latin typeface="Cambria Math"/>
                             <a:ea typeface="Cambria Math"/>
                           </a:rPr>
                         </m:ctrlPr>
-                      </m:sSubPr>
+                      </m:dPr>
                       <m:e>
-                        <m:r>
-                          <a:rPr lang="en-US" sz="2800" b="0" i="1" smtClean="0">
-                            <a:latin typeface="Cambria Math"/>
-                            <a:ea typeface="Cambria Math"/>
-                          </a:rPr>
-                          <m:t>𝜀</m:t>
-                        </m:r>
+                        <m:sSub>
+                          <m:sSubPr>
+                            <m:ctrlPr>
+                              <a:rPr lang="en-US" sz="2800" b="0" i="1" smtClean="0">
+                                <a:latin typeface="Cambria Math"/>
+                                <a:ea typeface="Cambria Math"/>
+                              </a:rPr>
+                            </m:ctrlPr>
+                          </m:sSubPr>
+                          <m:e>
+                            <m:r>
+                              <a:rPr lang="en-US" sz="2800" b="0" i="1" smtClean="0">
+                                <a:latin typeface="Cambria Math"/>
+                                <a:ea typeface="Cambria Math"/>
+                              </a:rPr>
+                              <m:t>𝜏</m:t>
+                            </m:r>
+                          </m:e>
+                          <m:sub>
+                            <m:r>
+                              <a:rPr lang="en-US" sz="2800" b="0" i="1" smtClean="0">
+                                <a:latin typeface="Cambria Math"/>
+                                <a:ea typeface="Cambria Math"/>
+                              </a:rPr>
+                              <m:t>𝑗</m:t>
+                            </m:r>
+                          </m:sub>
+                        </m:sSub>
                       </m:e>
-                      <m:sub>
-                        <m:r>
-                          <a:rPr lang="en-US" sz="2800" b="0" i="1" smtClean="0">
-                            <a:latin typeface="Cambria Math"/>
-                            <a:ea typeface="Cambria Math"/>
-                          </a:rPr>
-                          <m:t>𝑗</m:t>
-                        </m:r>
-                      </m:sub>
-                    </m:sSub>
+                    </m:d>
                     <m:r>
                       <a:rPr lang="en-US" sz="2800" b="0" i="1" smtClean="0">
                         <a:latin typeface="Cambria Math"/>
@@ -17310,6 +17407,77 @@
           </a:p>
         </p:txBody>
       </p:sp>
+      <p:pic>
+        <p:nvPicPr>
+          <p:cNvPr id="6" name="Picture 5"/>
+          <p:cNvPicPr>
+            <a:picLocks noChangeAspect="1"/>
+          </p:cNvPicPr>
+          <p:nvPr/>
+        </p:nvPicPr>
+        <p:blipFill rotWithShape="1">
+          <a:blip r:embed="rId2" cstate="print">
+            <a:extLst>
+              <a:ext uri="{28A0092B-C50C-407E-A947-70E740481C1C}">
+                <a14:useLocalDpi xmlns:a14="http://schemas.microsoft.com/office/drawing/2010/main" val="0"/>
+              </a:ext>
+            </a:extLst>
+          </a:blip>
+          <a:srcRect l="21200" r="20133"/>
+          <a:stretch/>
+        </p:blipFill>
+        <p:spPr>
+          <a:xfrm>
+            <a:off x="6370320" y="6001443"/>
+            <a:ext cx="484632" cy="826077"/>
+          </a:xfrm>
+          <a:prstGeom prst="rect">
+            <a:avLst/>
+          </a:prstGeom>
+        </p:spPr>
+      </p:pic>
+      <p:sp>
+        <p:nvSpPr>
+          <p:cNvPr id="7" name="Striped Right Arrow 6"/>
+          <p:cNvSpPr/>
+          <p:nvPr/>
+        </p:nvSpPr>
+        <p:spPr>
+          <a:xfrm>
+            <a:off x="6471920" y="5894416"/>
+            <a:ext cx="538480" cy="145704"/>
+          </a:xfrm>
+          <a:prstGeom prst="stripedRightArrow">
+            <a:avLst/>
+          </a:prstGeom>
+        </p:spPr>
+        <p:style>
+          <a:lnRef idx="1">
+            <a:schemeClr val="accent3"/>
+          </a:lnRef>
+          <a:fillRef idx="2">
+            <a:schemeClr val="accent3"/>
+          </a:fillRef>
+          <a:effectRef idx="1">
+            <a:schemeClr val="accent3"/>
+          </a:effectRef>
+          <a:fontRef idx="minor">
+            <a:schemeClr val="dk1"/>
+          </a:fontRef>
+        </p:style>
+        <p:txBody>
+          <a:bodyPr rtlCol="0" anchor="ctr"/>
+          <a:lstStyle/>
+          <a:p>
+            <a:pPr algn="ctr"/>
+            <a:endParaRPr lang="en-US">
+              <a:solidFill>
+                <a:srgbClr val="FF0000"/>
+              </a:solidFill>
+            </a:endParaRPr>
+          </a:p>
+        </p:txBody>
+      </p:sp>
     </p:spTree>
     <p:extLst>
       <p:ext uri="{BB962C8B-B14F-4D97-AF65-F5344CB8AC3E}">

--- a/sandwitch_results_3_2015/spamm_big_picture.pptx
+++ b/sandwitch_results_3_2015/spamm_big_picture.pptx
@@ -4184,8 +4184,8 @@
             </p:nvSpPr>
             <p:spPr>
               <a:xfrm>
-                <a:off x="228600" y="1981200"/>
-                <a:ext cx="8686800" cy="7298280"/>
+                <a:off x="0" y="2057400"/>
+                <a:ext cx="8686800" cy="2728119"/>
               </a:xfrm>
               <a:prstGeom prst="rect">
                 <a:avLst/>
@@ -4212,13 +4212,14 @@
               </a:bodyPr>
               <a:lstStyle/>
               <a:p>
-                <a:pPr marL="274320">
+                <a:pPr marL="0" indent="0">
                   <a:spcBef>
                     <a:spcPts val="600"/>
                   </a:spcBef>
                   <a:spcAft>
                     <a:spcPts val="600"/>
                   </a:spcAft>
+                  <a:buNone/>
                 </a:pPr>
                 <a:r>
                   <a:rPr lang="en-US" sz="2200" u="sng" dirty="0" smtClean="0"/>
@@ -4237,13 +4238,14 @@
                 </a:endParaRPr>
               </a:p>
               <a:p>
-                <a:pPr marL="274320">
+                <a:pPr marL="0" indent="0">
                   <a:spcBef>
                     <a:spcPts val="600"/>
                   </a:spcBef>
                   <a:spcAft>
                     <a:spcPts val="600"/>
                   </a:spcAft>
+                  <a:buNone/>
                 </a:pPr>
                 <a14:m>
                   <m:oMath xmlns:m="http://schemas.openxmlformats.org/officeDocument/2006/math">
@@ -4343,19 +4345,7 @@
                       <a:rPr lang="en-US" sz="2000" b="0" i="1" smtClean="0">
                         <a:latin typeface="Cambria Math"/>
                       </a:rPr>
-                      <m:t> </m:t>
-                    </m:r>
-                    <m:r>
-                      <a:rPr lang="en-US" sz="2000" b="0" i="1" smtClean="0">
-                        <a:latin typeface="Cambria Math"/>
-                      </a:rPr>
-                      <m:t>𝑓</m:t>
-                    </m:r>
-                    <m:r>
-                      <a:rPr lang="en-US" sz="2000" b="0" i="1" smtClean="0">
-                        <a:latin typeface="Cambria Math"/>
-                      </a:rPr>
-                      <m:t>[   </m:t>
+                      <m:t>  </m:t>
                     </m:r>
                   </m:oMath>
                 </a14:m>
@@ -4375,146 +4365,52 @@
                 </a:r>
                 <a14:m>
                   <m:oMath xmlns:m="http://schemas.openxmlformats.org/officeDocument/2006/math">
-                    <m:f>
-                      <m:fPr>
-                        <m:type m:val="lin"/>
+                    <m:m>
+                      <m:mPr>
+                        <m:mcs>
+                          <m:mc>
+                            <m:mcPr>
+                              <m:count m:val="1"/>
+                              <m:mcJc m:val="center"/>
+                            </m:mcPr>
+                          </m:mc>
+                        </m:mcs>
                         <m:ctrlPr>
-                          <a:rPr lang="en-US" sz="2400" i="1">
+                          <a:rPr lang="en-US" sz="2400" b="0" i="1" smtClean="0">
                             <a:latin typeface="Cambria Math"/>
                             <a:ea typeface="Cambria Math"/>
                           </a:rPr>
                         </m:ctrlPr>
-                      </m:fPr>
-                      <m:num>
-                        <m:d>
-                          <m:dPr>
-                            <m:begChr m:val="|"/>
-                            <m:endChr m:val="|"/>
-                            <m:ctrlPr>
-                              <a:rPr lang="en-US" sz="2400" i="1">
-                                <a:latin typeface="Cambria Math"/>
-                                <a:ea typeface="Cambria Math"/>
-                              </a:rPr>
-                            </m:ctrlPr>
-                          </m:dPr>
-                          <m:e>
-                            <m:r>
-                              <a:rPr lang="en-US" sz="2400" i="1">
-                                <a:latin typeface="Cambria Math"/>
-                                <a:ea typeface="Cambria Math"/>
-                              </a:rPr>
-                              <m:t>𝑡𝑟</m:t>
-                            </m:r>
-                            <m:r>
-                              <a:rPr lang="en-US" sz="2400" b="1" i="1" smtClean="0">
-                                <a:latin typeface="Cambria Math"/>
-                                <a:ea typeface="Cambria Math"/>
-                              </a:rPr>
-                              <m:t>𝒙</m:t>
-                            </m:r>
-                            <m:r>
-                              <a:rPr lang="en-US" sz="2400" i="1">
-                                <a:latin typeface="Cambria Math"/>
-                                <a:ea typeface="Cambria Math"/>
-                              </a:rPr>
-                              <m:t>−</m:t>
-                            </m:r>
-                            <m:r>
-                              <a:rPr lang="en-US" sz="2400" i="1">
-                                <a:latin typeface="Cambria Math"/>
-                                <a:ea typeface="Cambria Math"/>
-                              </a:rPr>
-                              <m:t>𝑛</m:t>
-                            </m:r>
-                          </m:e>
-                        </m:d>
-                      </m:num>
-                      <m:den>
-                        <m:r>
-                          <a:rPr lang="en-US" sz="2400" i="1">
-                            <a:latin typeface="Cambria Math"/>
-                            <a:ea typeface="Cambria Math"/>
-                          </a:rPr>
-                          <m:t>𝑛</m:t>
-                        </m:r>
-                      </m:den>
-                    </m:f>
-                    <m:r>
-                      <a:rPr lang="en-US" sz="2400" b="0" i="1" smtClean="0">
-                        <a:latin typeface="Cambria Math"/>
-                        <a:ea typeface="Cambria Math"/>
-                      </a:rPr>
-                      <m:t>&gt; </m:t>
-                    </m:r>
-                    <m:r>
-                      <m:rPr>
-                        <m:sty m:val="p"/>
-                      </m:rPr>
-                      <a:rPr lang="el-GR" sz="2400" b="0" i="1" smtClean="0">
-                        <a:latin typeface="Cambria Math"/>
-                        <a:ea typeface="Cambria Math"/>
-                      </a:rPr>
-                      <m:t>τ</m:t>
-                    </m:r>
-                  </m:oMath>
-                </a14:m>
-                <a:endParaRPr lang="en-US" sz="2400" b="0" dirty="0" smtClean="0">
-                  <a:ea typeface="Cambria Math"/>
-                </a:endParaRPr>
-              </a:p>
-              <a:p>
-                <a:pPr marL="274320">
-                  <a:spcBef>
-                    <a:spcPts val="600"/>
-                  </a:spcBef>
-                  <a:spcAft>
-                    <a:spcPts val="600"/>
-                  </a:spcAft>
-                </a:pPr>
-                <a14:m>
-                  <m:oMath xmlns:m="http://schemas.openxmlformats.org/officeDocument/2006/math">
-                    <m:r>
-                      <a:rPr lang="en-US" sz="2400" b="1" i="1" smtClean="0">
-                        <a:latin typeface="Cambria Math"/>
-                        <a:ea typeface="Cambria Math"/>
-                      </a:rPr>
-                      <m:t>𝒙</m:t>
-                    </m:r>
-                    <m:r>
-                      <a:rPr lang="en-US" sz="2400" b="0" i="1" smtClean="0">
-                        <a:latin typeface="Cambria Math"/>
-                        <a:ea typeface="Cambria Math"/>
-                      </a:rPr>
-                      <m:t> ←</m:t>
-                    </m:r>
-                    <m:r>
-                      <m:rPr>
-                        <m:nor/>
-                      </m:rPr>
-                      <a:rPr lang="en-US" sz="2400" b="1" i="0" smtClean="0">
-                        <a:latin typeface="Courier New" pitchFamily="49" charset="0"/>
-                        <a:ea typeface="Cambria Math"/>
-                        <a:cs typeface="Courier New" pitchFamily="49" charset="0"/>
-                      </a:rPr>
-                      <m:t>map</m:t>
-                    </m:r>
-                    <m:r>
-                      <m:rPr>
-                        <m:nor/>
-                      </m:rPr>
-                      <a:rPr lang="en-US" sz="2400" b="0" i="1" baseline="-25000" smtClean="0">
-                        <a:latin typeface="Cambria Math"/>
-                        <a:ea typeface="Cambria Math"/>
-                      </a:rPr>
-                      <m:t>NS</m:t>
-                    </m:r>
-                    <m:r>
-                      <a:rPr lang="en-US" sz="2400" b="0" i="1" baseline="-25000" smtClean="0">
-                        <a:latin typeface="Cambria Math"/>
-                        <a:ea typeface="Cambria Math"/>
-                      </a:rPr>
-                      <m:t> </m:t>
-                    </m:r>
+                      </m:mPr>
+                      <m:mr>
+                        <m:e>
+                          <m:d>
+                            <m:dPr>
+                              <m:begChr m:val="["/>
+                              <m:endChr m:val="]"/>
+                              <m:ctrlPr>
+                                <a:rPr lang="en-US" sz="2400" b="0" i="1" smtClean="0">
+                                  <a:latin typeface="Cambria Math"/>
+                                  <a:ea typeface="Cambria Math"/>
+                                </a:rPr>
+                              </m:ctrlPr>
+                            </m:dPr>
+                            <m:e>
+                              <m:r>
+                                <a:rPr lang="en-US" sz="2400" b="0" i="1" smtClean="0">
+                                  <a:latin typeface="Cambria Math"/>
+                                  <a:ea typeface="Cambria Math"/>
+                                </a:rPr>
+                                <m:t>𝑣𝑣</m:t>
+                              </m:r>
+                            </m:e>
+                          </m:d>
+                        </m:e>
+                      </m:mr>
+                      <m:mr>
+                        <m:e/>
+                      </m:mr>
+                    </m:m>
                     <m:d>
                       <m:dPr>
                         <m:begChr m:val="["/>
@@ -4528,12 +4424,339 @@
                       </m:dPr>
                       <m:e>
                         <m:r>
-                          <a:rPr lang="en-US" sz="2400" b="1" i="1" smtClean="0">
+                          <a:rPr lang="en-US" sz="2400" b="0" i="1" smtClean="0">
                             <a:latin typeface="Cambria Math"/>
                             <a:ea typeface="Cambria Math"/>
                           </a:rPr>
-                          <m:t>𝒙</m:t>
+                          <m:t> </m:t>
                         </m:r>
+                        <m:eqArr>
+                          <m:eqArrPr>
+                            <m:ctrlPr>
+                              <a:rPr lang="en-US" sz="2400" b="1" i="1">
+                                <a:latin typeface="Cambria Math"/>
+                                <a:ea typeface="Cambria Math"/>
+                              </a:rPr>
+                            </m:ctrlPr>
+                          </m:eqArrPr>
+                          <m:e>
+                            <m:r>
+                              <a:rPr lang="en-US" sz="2400" b="1" i="1">
+                                <a:latin typeface="Cambria Math"/>
+                                <a:ea typeface="Cambria Math"/>
+                              </a:rPr>
+                              <m:t>𝒙</m:t>
+                            </m:r>
+                            <m:r>
+                              <a:rPr lang="en-US" sz="2400" i="1">
+                                <a:latin typeface="Cambria Math"/>
+                                <a:ea typeface="Cambria Math"/>
+                              </a:rPr>
+                              <m:t>←</m:t>
+                            </m:r>
+                            <m:r>
+                              <m:rPr>
+                                <m:nor/>
+                              </m:rPr>
+                              <a:rPr lang="en-US" sz="2400">
+                                <a:latin typeface="Courier New" pitchFamily="49" charset="0"/>
+                                <a:ea typeface="Cambria Math"/>
+                                <a:cs typeface="Courier New" pitchFamily="49" charset="0"/>
+                              </a:rPr>
+                              <m:t>map</m:t>
+                            </m:r>
+                            <m:r>
+                              <m:rPr>
+                                <m:nor/>
+                              </m:rPr>
+                              <a:rPr lang="en-US" sz="2400" i="1" baseline="-25000">
+                                <a:latin typeface="Cambria Math"/>
+                                <a:ea typeface="Cambria Math"/>
+                              </a:rPr>
+                              <m:t>NS</m:t>
+                            </m:r>
+                            <m:r>
+                              <a:rPr lang="en-US" sz="2400" i="1" baseline="-25000">
+                                <a:latin typeface="Cambria Math"/>
+                                <a:ea typeface="Cambria Math"/>
+                              </a:rPr>
+                              <m:t> </m:t>
+                            </m:r>
+                            <m:d>
+                              <m:dPr>
+                                <m:begChr m:val="["/>
+                                <m:endChr m:val="]"/>
+                                <m:ctrlPr>
+                                  <a:rPr lang="en-US" sz="2400" i="1">
+                                    <a:latin typeface="Cambria Math"/>
+                                    <a:ea typeface="Cambria Math"/>
+                                  </a:rPr>
+                                </m:ctrlPr>
+                              </m:dPr>
+                              <m:e>
+                                <m:r>
+                                  <a:rPr lang="en-US" sz="2400" b="1" i="1">
+                                    <a:latin typeface="Cambria Math"/>
+                                    <a:ea typeface="Cambria Math"/>
+                                  </a:rPr>
+                                  <m:t>𝒙</m:t>
+                                </m:r>
+                              </m:e>
+                            </m:d>
+                            <m:r>
+                              <a:rPr lang="en-US" sz="2400" b="0" i="1" smtClean="0">
+                                <a:latin typeface="Cambria Math"/>
+                                <a:ea typeface="Cambria Math"/>
+                              </a:rPr>
+                              <m:t>       </m:t>
+                            </m:r>
+                          </m:e>
+                          <m:e>
+                            <m:r>
+                              <a:rPr lang="en-US" sz="2400" b="1" i="1">
+                                <a:latin typeface="Cambria Math"/>
+                                <a:ea typeface="Cambria Math"/>
+                              </a:rPr>
+                              <m:t>𝒛</m:t>
+                            </m:r>
+                            <m:r>
+                              <a:rPr lang="en-US" sz="2400" b="1" i="1">
+                                <a:latin typeface="Cambria Math"/>
+                                <a:ea typeface="Cambria Math"/>
+                              </a:rPr>
+                              <m:t>←</m:t>
+                            </m:r>
+                            <m:r>
+                              <a:rPr lang="en-US" sz="2400" b="1" i="1">
+                                <a:latin typeface="Cambria Math"/>
+                                <a:ea typeface="Cambria Math"/>
+                              </a:rPr>
+                              <m:t>𝒛</m:t>
+                            </m:r>
+                            <m:r>
+                              <a:rPr lang="en-US" sz="2400" b="1" i="1">
+                                <a:latin typeface="Cambria Math"/>
+                                <a:ea typeface="Cambria Math"/>
+                              </a:rPr>
+                              <m:t>  </m:t>
+                            </m:r>
+                            <m:sSub>
+                              <m:sSubPr>
+                                <m:ctrlPr>
+                                  <a:rPr lang="en-US" sz="2400" b="1" i="1">
+                                    <a:latin typeface="Cambria Math"/>
+                                    <a:ea typeface="Cambria Math"/>
+                                  </a:rPr>
+                                </m:ctrlPr>
+                              </m:sSubPr>
+                              <m:e>
+                                <m:r>
+                                  <a:rPr lang="en-US" sz="2400" b="1" i="1">
+                                    <a:latin typeface="Cambria Math"/>
+                                    <a:ea typeface="Cambria Math"/>
+                                    <a:sym typeface="Symbol"/>
+                                  </a:rPr>
+                                  <m:t></m:t>
+                                </m:r>
+                              </m:e>
+                              <m:sub>
+                                <m:r>
+                                  <a:rPr lang="el-GR" sz="2400" b="1" i="1">
+                                    <a:latin typeface="Cambria Math"/>
+                                    <a:ea typeface="Cambria Math"/>
+                                  </a:rPr>
+                                  <m:t>𝝉</m:t>
+                                </m:r>
+                                <m:r>
+                                  <m:rPr>
+                                    <m:nor/>
+                                  </m:rPr>
+                                  <a:rPr lang="en-US" sz="2400" dirty="0">
+                                    <a:ea typeface="Cambria Math"/>
+                                  </a:rPr>
+                                  <m:t> </m:t>
+                                </m:r>
+                              </m:sub>
+                            </m:sSub>
+                            <m:r>
+                              <a:rPr lang="en-US" sz="2400" b="1" i="1">
+                                <a:latin typeface="Cambria Math"/>
+                                <a:ea typeface="Cambria Math"/>
+                              </a:rPr>
+                              <m:t>𝒙</m:t>
+                            </m:r>
+                            <m:r>
+                              <m:rPr>
+                                <m:nor/>
+                              </m:rPr>
+                              <a:rPr lang="en-US" sz="2400" b="1" i="1" smtClean="0">
+                                <a:latin typeface="Cambria Math"/>
+                                <a:ea typeface="Cambria Math"/>
+                              </a:rPr>
+                              <m:t>           </m:t>
+                            </m:r>
+                            <m:r>
+                              <m:rPr>
+                                <m:nor/>
+                              </m:rPr>
+                              <a:rPr lang="en-US" sz="2400" b="1" i="1" dirty="0">
+                                <a:latin typeface="Cambria Math"/>
+                                <a:ea typeface="Cambria Math"/>
+                              </a:rPr>
+                              <m:t> </m:t>
+                            </m:r>
+                          </m:e>
+                          <m:e>
+                            <m:r>
+                              <a:rPr lang="en-US" sz="2400" b="1" i="1">
+                                <a:latin typeface="Cambria Math"/>
+                                <a:ea typeface="Cambria Math"/>
+                              </a:rPr>
+                              <m:t>𝒙</m:t>
+                            </m:r>
+                            <m:r>
+                              <a:rPr lang="en-US" sz="2400" b="1" i="1">
+                                <a:latin typeface="Cambria Math"/>
+                                <a:ea typeface="Cambria Math"/>
+                              </a:rPr>
+                              <m:t>←</m:t>
+                            </m:r>
+                            <m:r>
+                              <a:rPr lang="en-US" sz="2400" b="1" i="1">
+                                <a:latin typeface="Cambria Math"/>
+                                <a:ea typeface="Cambria Math"/>
+                              </a:rPr>
+                              <m:t>𝒛</m:t>
+                            </m:r>
+                            <m:r>
+                              <a:rPr lang="en-US" sz="2400" b="1" i="1">
+                                <a:latin typeface="Cambria Math"/>
+                                <a:ea typeface="Cambria Math"/>
+                              </a:rPr>
+                              <m:t> </m:t>
+                            </m:r>
+                            <m:sSub>
+                              <m:sSubPr>
+                                <m:ctrlPr>
+                                  <a:rPr lang="en-US" sz="2400" b="1" i="1">
+                                    <a:latin typeface="Cambria Math"/>
+                                    <a:ea typeface="Cambria Math"/>
+                                  </a:rPr>
+                                </m:ctrlPr>
+                              </m:sSubPr>
+                              <m:e>
+                                <m:r>
+                                  <a:rPr lang="en-US" sz="2400" b="1" i="1">
+                                    <a:latin typeface="Cambria Math"/>
+                                    <a:ea typeface="Cambria Math"/>
+                                    <a:sym typeface="Symbol"/>
+                                  </a:rPr>
+                                  <m:t></m:t>
+                                </m:r>
+                              </m:e>
+                              <m:sub>
+                                <m:r>
+                                  <a:rPr lang="el-GR" sz="2400" b="1" i="1">
+                                    <a:latin typeface="Cambria Math"/>
+                                    <a:ea typeface="Cambria Math"/>
+                                  </a:rPr>
+                                  <m:t>𝝉</m:t>
+                                </m:r>
+                                <m:r>
+                                  <m:rPr>
+                                    <m:nor/>
+                                  </m:rPr>
+                                  <a:rPr lang="en-US" sz="2400" dirty="0">
+                                    <a:ea typeface="Cambria Math"/>
+                                  </a:rPr>
+                                  <m:t> </m:t>
+                                </m:r>
+                              </m:sub>
+                            </m:sSub>
+                            <m:r>
+                              <a:rPr lang="en-US" sz="2400" b="1" i="1">
+                                <a:latin typeface="Cambria Math"/>
+                                <a:ea typeface="Cambria Math"/>
+                              </a:rPr>
+                              <m:t>𝒙</m:t>
+                            </m:r>
+                            <m:r>
+                              <a:rPr lang="en-US" sz="2400" b="1" i="1">
+                                <a:latin typeface="Cambria Math"/>
+                                <a:ea typeface="Cambria Math"/>
+                              </a:rPr>
+                              <m:t> </m:t>
+                            </m:r>
+                            <m:sSub>
+                              <m:sSubPr>
+                                <m:ctrlPr>
+                                  <a:rPr lang="en-US" sz="2400" b="1" i="1">
+                                    <a:latin typeface="Cambria Math"/>
+                                    <a:ea typeface="Cambria Math"/>
+                                  </a:rPr>
+                                </m:ctrlPr>
+                              </m:sSubPr>
+                              <m:e>
+                                <m:r>
+                                  <a:rPr lang="en-US" sz="2400" b="1" i="1">
+                                    <a:latin typeface="Cambria Math"/>
+                                    <a:ea typeface="Cambria Math"/>
+                                    <a:sym typeface="Symbol"/>
+                                  </a:rPr>
+                                  <m:t></m:t>
+                                </m:r>
+                              </m:e>
+                              <m:sub>
+                                <m:r>
+                                  <a:rPr lang="el-GR" sz="2400" b="1" i="1">
+                                    <a:latin typeface="Cambria Math"/>
+                                    <a:ea typeface="Cambria Math"/>
+                                  </a:rPr>
+                                  <m:t>𝝉</m:t>
+                                </m:r>
+                                <m:r>
+                                  <m:rPr>
+                                    <m:nor/>
+                                  </m:rPr>
+                                  <a:rPr lang="en-US" sz="2400" dirty="0">
+                                    <a:ea typeface="Cambria Math"/>
+                                  </a:rPr>
+                                  <m:t> </m:t>
+                                </m:r>
+                              </m:sub>
+                            </m:sSub>
+                            <m:r>
+                              <a:rPr lang="en-US" sz="2400" b="1" i="1">
+                                <a:latin typeface="Cambria Math"/>
+                                <a:ea typeface="Cambria Math"/>
+                              </a:rPr>
+                              <m:t>𝒛</m:t>
+                            </m:r>
+                            <m:r>
+                              <m:rPr>
+                                <m:nor/>
+                              </m:rPr>
+                              <a:rPr lang="en-US" sz="2400" dirty="0"/>
+                              <m:t> </m:t>
+                            </m:r>
+                            <m:r>
+                              <m:rPr>
+                                <m:nor/>
+                              </m:rPr>
+                              <a:rPr lang="en-US" sz="2400" i="1" dirty="0">
+                                <a:latin typeface="Cambria Math"/>
+                              </a:rPr>
+                              <m:t> </m:t>
+                            </m:r>
+                            <m:r>
+                              <m:rPr>
+                                <m:nor/>
+                              </m:rPr>
+                              <a:rPr lang="en-US" sz="2400" dirty="0"/>
+                              <m:t> </m:t>
+                            </m:r>
+                          </m:e>
+                        </m:eqArr>
                       </m:e>
                     </m:d>
                   </m:oMath>
@@ -4542,138 +4765,6 @@
                   <a:latin typeface="Cambria Math"/>
                   <a:ea typeface="Cambria Math"/>
                 </a:endParaRPr>
-              </a:p>
-              <a:p>
-                <a:pPr marL="274320">
-                  <a:spcBef>
-                    <a:spcPts val="600"/>
-                  </a:spcBef>
-                  <a:spcAft>
-                    <a:spcPts val="600"/>
-                  </a:spcAft>
-                </a:pPr>
-                <a14:m>
-                  <m:oMath xmlns:m="http://schemas.openxmlformats.org/officeDocument/2006/math">
-                    <m:r>
-                      <a:rPr lang="en-US" sz="1800" b="1" i="1" smtClean="0">
-                        <a:latin typeface="Cambria Math"/>
-                        <a:ea typeface="Cambria Math"/>
-                      </a:rPr>
-                      <m:t>𝒛</m:t>
-                    </m:r>
-                    <m:r>
-                      <a:rPr lang="en-US" sz="1800" b="1" i="1" smtClean="0">
-                        <a:latin typeface="Cambria Math"/>
-                        <a:ea typeface="Cambria Math"/>
-                      </a:rPr>
-                      <m:t>←</m:t>
-                    </m:r>
-                    <m:r>
-                      <a:rPr lang="en-US" sz="1800" b="1" i="1" smtClean="0">
-                        <a:latin typeface="Cambria Math"/>
-                        <a:ea typeface="Cambria Math"/>
-                      </a:rPr>
-                      <m:t>𝒛</m:t>
-                    </m:r>
-                    <m:r>
-                      <a:rPr lang="en-US" sz="1800" b="1" i="1" smtClean="0">
-                        <a:latin typeface="Cambria Math"/>
-                        <a:ea typeface="Cambria Math"/>
-                      </a:rPr>
-                      <m:t>  </m:t>
-                    </m:r>
-                    <m:sSub>
-                      <m:sSubPr>
-                        <m:ctrlPr>
-                          <a:rPr lang="en-US" sz="1800" b="1" i="1" smtClean="0">
-                            <a:latin typeface="Cambria Math"/>
-                            <a:ea typeface="Cambria Math"/>
-                          </a:rPr>
-                        </m:ctrlPr>
-                      </m:sSubPr>
-                      <m:e>
-                        <m:r>
-                          <a:rPr lang="en-US" sz="1800" b="1" i="1">
-                            <a:latin typeface="Cambria Math"/>
-                            <a:ea typeface="Cambria Math"/>
-                            <a:sym typeface="Symbol"/>
-                          </a:rPr>
-                          <m:t></m:t>
-                        </m:r>
-                      </m:e>
-                      <m:sub>
-                        <m:r>
-                          <a:rPr lang="el-GR" sz="1800" b="1" i="1">
-                            <a:latin typeface="Cambria Math"/>
-                            <a:ea typeface="Cambria Math"/>
-                          </a:rPr>
-                          <m:t>𝝉</m:t>
-                        </m:r>
-                        <m:r>
-                          <m:rPr>
-                            <m:nor/>
-                          </m:rPr>
-                          <a:rPr lang="en-US" sz="1800" dirty="0">
-                            <a:ea typeface="Cambria Math"/>
-                          </a:rPr>
-                          <m:t> </m:t>
-                        </m:r>
-                      </m:sub>
-                    </m:sSub>
-                    <m:r>
-                      <a:rPr lang="en-US" sz="1800" b="1" i="1" smtClean="0">
-                        <a:latin typeface="Cambria Math"/>
-                        <a:ea typeface="Cambria Math"/>
-                      </a:rPr>
-                      <m:t>𝒙</m:t>
-                    </m:r>
-                  </m:oMath>
-                </a14:m>
-                <a:endParaRPr lang="en-US" sz="1800" b="1" i="1" dirty="0" smtClean="0">
-                  <a:latin typeface="Cambria Math"/>
-                  <a:ea typeface="Cambria Math"/>
-                </a:endParaRPr>
-              </a:p>
-              <a:p>
-                <a:pPr marL="274320">
-                  <a:spcBef>
-                    <a:spcPts val="600"/>
-                  </a:spcBef>
-                  <a:spcAft>
-                    <a:spcPts val="600"/>
-                  </a:spcAft>
-                </a:pPr>
-                <a:r>
-                  <a:rPr lang="en-US" sz="2400" b="0" dirty="0" smtClean="0">
-                    <a:ea typeface="Cambria Math"/>
-                  </a:rPr>
-                  <a:t>x</a:t>
-                </a:r>
-                <a14:m>
-                  <m:oMath xmlns:m="http://schemas.openxmlformats.org/officeDocument/2006/math">
-                    <m:r>
-                      <a:rPr lang="en-US" sz="2400" b="0" i="1" smtClean="0">
-                        <a:latin typeface="Cambria Math"/>
-                        <a:ea typeface="Cambria Math"/>
-                      </a:rPr>
-                      <m:t> </m:t>
-                    </m:r>
-                  </m:oMath>
-                </a14:m>
-                <a:endParaRPr lang="en-US" sz="2400" b="0" dirty="0" smtClean="0">
-                  <a:ea typeface="Cambria Math"/>
-                </a:endParaRPr>
-              </a:p>
-              <a:p>
-                <a:pPr marL="274320">
-                  <a:spcBef>
-                    <a:spcPts val="600"/>
-                  </a:spcBef>
-                  <a:spcAft>
-                    <a:spcPts val="600"/>
-                  </a:spcAft>
-                </a:pPr>
-                <a:endParaRPr lang="en-US" sz="2200" u="sng" dirty="0" smtClean="0"/>
               </a:p>
               <a:p>
                 <a:pPr marL="0" indent="0">
@@ -4685,7 +4776,92 @@
                   </a:spcAft>
                   <a:buNone/>
                 </a:pPr>
-                <a:endParaRPr lang="en-US" sz="2200" u="sng" dirty="0"/>
+                <a14:m>
+                  <m:oMathPara xmlns:m="http://schemas.openxmlformats.org/officeDocument/2006/math">
+                    <m:oMathParaPr>
+                      <m:jc m:val="centerGroup"/>
+                    </m:oMathParaPr>
+                    <m:oMath xmlns:m="http://schemas.openxmlformats.org/officeDocument/2006/math">
+                      <m:r>
+                        <a:rPr lang="en-US" sz="2400" b="1" i="1" smtClean="0">
+                          <a:latin typeface="Cambria Math"/>
+                          <a:ea typeface="Cambria Math"/>
+                        </a:rPr>
+                        <m:t>𝒛</m:t>
+                      </m:r>
+                      <m:r>
+                        <a:rPr lang="en-US" sz="2400" b="1" i="1" smtClean="0">
+                          <a:latin typeface="Cambria Math"/>
+                          <a:ea typeface="Cambria Math"/>
+                        </a:rPr>
+                        <m:t>←</m:t>
+                      </m:r>
+                      <m:r>
+                        <a:rPr lang="en-US" sz="2400" b="1" i="1" smtClean="0">
+                          <a:latin typeface="Cambria Math"/>
+                          <a:ea typeface="Cambria Math"/>
+                        </a:rPr>
+                        <m:t>𝒛</m:t>
+                      </m:r>
+                      <m:r>
+                        <a:rPr lang="en-US" sz="2400" b="1" i="1" smtClean="0">
+                          <a:latin typeface="Cambria Math"/>
+                          <a:ea typeface="Cambria Math"/>
+                        </a:rPr>
+                        <m:t>  </m:t>
+                      </m:r>
+                      <m:sSub>
+                        <m:sSubPr>
+                          <m:ctrlPr>
+                            <a:rPr lang="en-US" sz="2400" b="1" i="1" smtClean="0">
+                              <a:latin typeface="Cambria Math"/>
+                              <a:ea typeface="Cambria Math"/>
+                            </a:rPr>
+                          </m:ctrlPr>
+                        </m:sSubPr>
+                        <m:e>
+                          <m:r>
+                            <a:rPr lang="en-US" sz="2400" b="1" i="1">
+                              <a:latin typeface="Cambria Math"/>
+                              <a:ea typeface="Cambria Math"/>
+                              <a:sym typeface="Symbol"/>
+                            </a:rPr>
+                            <m:t></m:t>
+                          </m:r>
+                        </m:e>
+                        <m:sub>
+                          <m:r>
+                            <a:rPr lang="el-GR" sz="2400" b="1" i="1">
+                              <a:latin typeface="Cambria Math"/>
+                              <a:ea typeface="Cambria Math"/>
+                            </a:rPr>
+                            <m:t>𝝉</m:t>
+                          </m:r>
+                          <m:r>
+                            <m:rPr>
+                              <m:nor/>
+                            </m:rPr>
+                            <a:rPr lang="en-US" sz="2400" dirty="0">
+                              <a:ea typeface="Cambria Math"/>
+                            </a:rPr>
+                            <m:t> </m:t>
+                          </m:r>
+                        </m:sub>
+                      </m:sSub>
+                      <m:r>
+                        <a:rPr lang="en-US" sz="2400" b="1" i="1" smtClean="0">
+                          <a:latin typeface="Cambria Math"/>
+                          <a:ea typeface="Cambria Math"/>
+                        </a:rPr>
+                        <m:t>𝒙</m:t>
+                      </m:r>
+                    </m:oMath>
+                  </m:oMathPara>
+                </a14:m>
+                <a:endParaRPr lang="en-US" sz="2400" b="1" i="1" dirty="0" smtClean="0">
+                  <a:latin typeface="Cambria Math"/>
+                  <a:ea typeface="Cambria Math"/>
+                </a:endParaRPr>
               </a:p>
               <a:p>
                 <a:pPr marL="0" indent="0">
@@ -4697,773 +4873,40 @@
                   </a:spcAft>
                   <a:buNone/>
                 </a:pPr>
-                <a:endParaRPr lang="en-US" sz="2200" u="sng" dirty="0" smtClean="0"/>
-              </a:p>
-              <a:p>
-                <a:pPr marL="0" indent="0">
-                  <a:spcBef>
-                    <a:spcPts val="600"/>
-                  </a:spcBef>
-                  <a:spcAft>
-                    <a:spcPts val="600"/>
-                  </a:spcAft>
-                  <a:buNone/>
-                </a:pPr>
-                <a:r>
-                  <a:rPr lang="en-US" sz="2200" u="sng" dirty="0" smtClean="0"/>
-                  <a:t>resolution </a:t>
-                </a:r>
-                <a:r>
-                  <a:rPr lang="en-US" sz="2200" u="sng" dirty="0"/>
-                  <a:t>of the </a:t>
-                </a:r>
-                <a:r>
-                  <a:rPr lang="en-US" sz="2200" u="sng" dirty="0" smtClean="0"/>
-                  <a:t>identity:</a:t>
-                </a:r>
-                <a:endParaRPr lang="en-US" sz="2200" dirty="0"/>
-              </a:p>
-              <a:p>
-                <a:pPr marL="274320">
-                  <a:spcBef>
-                    <a:spcPts val="600"/>
-                  </a:spcBef>
-                  <a:spcAft>
-                    <a:spcPts val="600"/>
-                  </a:spcAft>
-                </a:pPr>
                 <a14:m>
                   <m:oMath xmlns:m="http://schemas.openxmlformats.org/officeDocument/2006/math">
+                    <m:r>
+                      <a:rPr lang="en-US" sz="2400" b="1" i="1">
+                        <a:latin typeface="Cambria Math"/>
+                        <a:ea typeface="Cambria Math"/>
+                      </a:rPr>
+                      <m:t>𝒙</m:t>
+                    </m:r>
+                    <m:r>
+                      <a:rPr lang="en-US" sz="2400" b="1" i="1" smtClean="0">
+                        <a:latin typeface="Cambria Math"/>
+                        <a:ea typeface="Cambria Math"/>
+                      </a:rPr>
+                      <m:t>←</m:t>
+                    </m:r>
+                    <m:r>
+                      <a:rPr lang="en-US" sz="2400" b="1" i="1">
+                        <a:latin typeface="Cambria Math"/>
+                        <a:ea typeface="Cambria Math"/>
+                      </a:rPr>
+                      <m:t>𝒛</m:t>
+                    </m:r>
+                    <m:r>
+                      <a:rPr lang="en-US" sz="2400" b="1" i="1">
+                        <a:latin typeface="Cambria Math"/>
+                        <a:ea typeface="Cambria Math"/>
+                      </a:rPr>
+                      <m:t> </m:t>
+                    </m:r>
                     <m:sSub>
                       <m:sSubPr>
                         <m:ctrlPr>
-                          <a:rPr lang="en-US" sz="2800" b="1" i="1" smtClean="0">
-                            <a:latin typeface="Cambria Math"/>
-                          </a:rPr>
-                        </m:ctrlPr>
-                      </m:sSubPr>
-                      <m:e>
-                        <m:r>
-                          <a:rPr lang="en-US" sz="2800" b="1" i="1" smtClean="0">
-                            <a:latin typeface="Cambria Math"/>
-                          </a:rPr>
-                          <m:t>𝒙</m:t>
-                        </m:r>
-                      </m:e>
-                      <m:sub>
-                        <m:r>
-                          <a:rPr lang="en-US" sz="2800" b="0" i="1" smtClean="0">
-                            <a:latin typeface="Cambria Math"/>
-                          </a:rPr>
-                          <m:t>𝑚</m:t>
-                        </m:r>
-                      </m:sub>
-                    </m:sSub>
-                    <m:r>
-                      <a:rPr lang="en-US" sz="2800" b="0" i="1" smtClean="0">
-                        <a:latin typeface="Cambria Math"/>
-                      </a:rPr>
-                      <m:t>= </m:t>
-                    </m:r>
-                    <m:d>
-                      <m:dPr>
-                        <m:begChr m:val="⟨"/>
-                        <m:endChr m:val="⟩"/>
-                        <m:ctrlPr>
-                          <a:rPr lang="en-US" sz="2800" b="0" i="1" smtClean="0">
-                            <a:latin typeface="Cambria Math"/>
-                          </a:rPr>
-                        </m:ctrlPr>
-                      </m:dPr>
-                      <m:e>
-                        <m:sSub>
-                          <m:sSubPr>
-                            <m:ctrlPr>
-                              <a:rPr lang="en-US" sz="2800" b="0" i="1" smtClean="0">
-                                <a:latin typeface="Cambria Math"/>
-                              </a:rPr>
-                            </m:ctrlPr>
-                          </m:sSubPr>
-                          <m:e>
-                            <m:sSup>
-                              <m:sSupPr>
-                                <m:ctrlPr>
-                                  <a:rPr lang="en-US" sz="2800" b="0" i="1" smtClean="0">
-                                    <a:latin typeface="Cambria Math"/>
-                                  </a:rPr>
-                                </m:ctrlPr>
-                              </m:sSupPr>
-                              <m:e>
-                                <m:r>
-                                  <a:rPr lang="en-US" sz="2800" b="1" i="1" smtClean="0">
-                                    <a:latin typeface="Cambria Math"/>
-                                  </a:rPr>
-                                  <m:t>𝒛</m:t>
-                                </m:r>
-                              </m:e>
-                              <m:sup>
-                                <m:argPr>
-                                  <m:argSz m:val="-1"/>
-                                </m:argPr>
-                                <m:r>
-                                  <a:rPr lang="en-US" sz="2800" b="0" i="1" smtClean="0">
-                                    <a:latin typeface="Cambria Math"/>
-                                  </a:rPr>
-                                  <m:t>𝑡</m:t>
-                                </m:r>
-                              </m:sup>
-                            </m:sSup>
-                          </m:e>
-                          <m:sub>
-                            <m:argPr>
-                              <m:argSz m:val="-1"/>
-                            </m:argPr>
-                            <m:r>
-                              <a:rPr lang="en-US" sz="2800" b="0" i="1" smtClean="0">
-                                <a:latin typeface="Cambria Math"/>
-                              </a:rPr>
-                              <m:t>𝑚</m:t>
-                            </m:r>
-                          </m:sub>
-                        </m:sSub>
-                      </m:e>
-                      <m:e>
-                        <m:d>
-                          <m:dPr>
-                            <m:begChr m:val="⟨"/>
-                            <m:endChr m:val="⟩"/>
-                            <m:ctrlPr>
-                              <a:rPr lang="en-US" sz="2800" b="0" i="1" smtClean="0">
-                                <a:latin typeface="Cambria Math"/>
-                              </a:rPr>
-                            </m:ctrlPr>
-                          </m:dPr>
-                          <m:e>
-                            <m:sSub>
-                              <m:sSubPr>
-                                <m:ctrlPr>
-                                  <a:rPr lang="en-US" sz="2800" b="0" i="1" smtClean="0">
-                                    <a:latin typeface="Cambria Math"/>
-                                  </a:rPr>
-                                </m:ctrlPr>
-                              </m:sSubPr>
-                              <m:e>
-                                <m:sSup>
-                                  <m:sSupPr>
-                                    <m:ctrlPr>
-                                      <a:rPr lang="en-US" sz="2800" b="0" i="1" smtClean="0">
-                                        <a:latin typeface="Cambria Math"/>
-                                      </a:rPr>
-                                    </m:ctrlPr>
-                                  </m:sSupPr>
-                                  <m:e>
-                                    <m:r>
-                                      <a:rPr lang="en-US" sz="2800" b="1" i="1" smtClean="0">
-                                        <a:latin typeface="Cambria Math"/>
-                                      </a:rPr>
-                                      <m:t>𝒛</m:t>
-                                    </m:r>
-                                  </m:e>
-                                  <m:sup>
-                                    <m:argPr>
-                                      <m:argSz m:val="-1"/>
-                                    </m:argPr>
-                                    <m:r>
-                                      <a:rPr lang="en-US" sz="2800" b="0" i="1" smtClean="0">
-                                        <a:latin typeface="Cambria Math"/>
-                                      </a:rPr>
-                                      <m:t>𝑡</m:t>
-                                    </m:r>
-                                  </m:sup>
-                                </m:sSup>
-                              </m:e>
-                              <m:sub>
-                                <m:argPr>
-                                  <m:argSz m:val="-1"/>
-                                </m:argPr>
-                                <m:r>
-                                  <a:rPr lang="en-US" sz="2800" b="0" i="1" smtClean="0">
-                                    <a:latin typeface="Cambria Math"/>
-                                  </a:rPr>
-                                  <m:t>𝑚</m:t>
-                                </m:r>
-                                <m:r>
-                                  <a:rPr lang="en-US" sz="2800" b="0" i="1" smtClean="0">
-                                    <a:latin typeface="Cambria Math"/>
-                                  </a:rPr>
-                                  <m:t>−1</m:t>
-                                </m:r>
-                              </m:sub>
-                            </m:sSub>
-                          </m:e>
-                          <m:e>
-                            <m:r>
-                              <a:rPr lang="en-US" sz="2800" b="0" i="1" smtClean="0">
-                                <a:latin typeface="Cambria Math"/>
-                              </a:rPr>
-                              <m:t> </m:t>
-                            </m:r>
-                            <m:r>
-                              <a:rPr lang="en-US" sz="2800" b="0" i="1" smtClean="0">
-                                <a:latin typeface="Cambria Math"/>
-                                <a:ea typeface="Cambria Math"/>
-                              </a:rPr>
-                              <m:t>⋯</m:t>
-                            </m:r>
-                            <m:r>
-                              <a:rPr lang="en-US" sz="2800" b="0" i="1" smtClean="0">
-                                <a:latin typeface="Cambria Math"/>
-                              </a:rPr>
-                              <m:t> </m:t>
-                            </m:r>
-                            <m:d>
-                              <m:dPr>
-                                <m:begChr m:val="⟨"/>
-                                <m:endChr m:val="⟩"/>
-                                <m:ctrlPr>
-                                  <a:rPr lang="en-US" sz="2800" b="0" i="1" smtClean="0">
-                                    <a:latin typeface="Cambria Math"/>
-                                  </a:rPr>
-                                </m:ctrlPr>
-                              </m:dPr>
-                              <m:e>
-                                <m:sSub>
-                                  <m:sSubPr>
-                                    <m:ctrlPr>
-                                      <a:rPr lang="en-US" sz="2800" b="0" i="1" smtClean="0">
-                                        <a:latin typeface="Cambria Math"/>
-                                      </a:rPr>
-                                    </m:ctrlPr>
-                                  </m:sSubPr>
-                                  <m:e>
-                                    <m:sSup>
-                                      <m:sSupPr>
-                                        <m:ctrlPr>
-                                          <a:rPr lang="en-US" sz="2800" b="0" i="1" smtClean="0">
-                                            <a:latin typeface="Cambria Math"/>
-                                          </a:rPr>
-                                        </m:ctrlPr>
-                                      </m:sSupPr>
-                                      <m:e>
-                                        <m:r>
-                                          <a:rPr lang="en-US" sz="2800" b="1" i="1" smtClean="0">
-                                            <a:latin typeface="Cambria Math"/>
-                                          </a:rPr>
-                                          <m:t>𝒛</m:t>
-                                        </m:r>
-                                      </m:e>
-                                      <m:sup>
-                                        <m:argPr>
-                                          <m:argSz m:val="-1"/>
-                                        </m:argPr>
-                                        <m:r>
-                                          <a:rPr lang="en-US" sz="2800" b="0" i="1" smtClean="0">
-                                            <a:latin typeface="Cambria Math"/>
-                                          </a:rPr>
-                                          <m:t>𝑡</m:t>
-                                        </m:r>
-                                      </m:sup>
-                                    </m:sSup>
-                                  </m:e>
-                                  <m:sub/>
-                                </m:sSub>
-                              </m:e>
-                              <m:e>
-                                <m:r>
-                                  <a:rPr lang="en-US" sz="2800" b="1" i="1" smtClean="0">
-                                    <a:latin typeface="Cambria Math"/>
-                                  </a:rPr>
-                                  <m:t> </m:t>
-                                </m:r>
-                                <m:r>
-                                  <a:rPr lang="en-US" sz="2800" b="1" i="1" smtClean="0">
-                                    <a:latin typeface="Cambria Math"/>
-                                  </a:rPr>
-                                  <m:t>𝒔</m:t>
-                                </m:r>
-                                <m:r>
-                                  <a:rPr lang="en-US" sz="2800" b="1" i="1" smtClean="0">
-                                    <a:latin typeface="Cambria Math"/>
-                                  </a:rPr>
-                                  <m:t> </m:t>
-                                </m:r>
-                              </m:e>
-                              <m:e>
-                                <m:sSub>
-                                  <m:sSubPr>
-                                    <m:ctrlPr>
-                                      <a:rPr lang="en-US" sz="2800" b="0" i="1" smtClean="0">
-                                        <a:latin typeface="Cambria Math"/>
-                                      </a:rPr>
-                                    </m:ctrlPr>
-                                  </m:sSubPr>
-                                  <m:e>
-                                    <m:r>
-                                      <a:rPr lang="en-US" sz="2800" b="1" i="1" smtClean="0">
-                                        <a:latin typeface="Cambria Math"/>
-                                      </a:rPr>
-                                      <m:t>𝒛</m:t>
-                                    </m:r>
-                                  </m:e>
-                                  <m:sub>
-                                    <m:argPr>
-                                      <m:argSz m:val="-1"/>
-                                    </m:argPr>
-                                    <m:r>
-                                      <a:rPr lang="en-US" sz="2800" b="0" i="1" smtClean="0">
-                                        <a:latin typeface="Cambria Math"/>
-                                      </a:rPr>
-                                      <m:t>0</m:t>
-                                    </m:r>
-                                  </m:sub>
-                                </m:sSub>
-                              </m:e>
-                            </m:d>
-                            <m:r>
-                              <a:rPr lang="en-US" sz="2800" b="0" i="1" smtClean="0">
-                                <a:latin typeface="Cambria Math"/>
-                                <a:ea typeface="Cambria Math"/>
-                              </a:rPr>
-                              <m:t>⋯</m:t>
-                            </m:r>
-                          </m:e>
-                          <m:e>
-                            <m:sSub>
-                              <m:sSubPr>
-                                <m:ctrlPr>
-                                  <a:rPr lang="en-US" sz="2800" b="0" i="1" smtClean="0">
-                                    <a:latin typeface="Cambria Math"/>
-                                  </a:rPr>
-                                </m:ctrlPr>
-                              </m:sSubPr>
-                              <m:e>
-                                <m:r>
-                                  <a:rPr lang="en-US" sz="2800" b="1" i="1" smtClean="0">
-                                    <a:latin typeface="Cambria Math"/>
-                                  </a:rPr>
-                                  <m:t>𝒛</m:t>
-                                </m:r>
-                              </m:e>
-                              <m:sub>
-                                <m:argPr>
-                                  <m:argSz m:val="-1"/>
-                                </m:argPr>
-                                <m:r>
-                                  <a:rPr lang="en-US" sz="2800" b="0" i="1" smtClean="0">
-                                    <a:latin typeface="Cambria Math"/>
-                                  </a:rPr>
-                                  <m:t>𝑚</m:t>
-                                </m:r>
-                                <m:r>
-                                  <a:rPr lang="en-US" sz="2800" b="0" i="1" smtClean="0">
-                                    <a:latin typeface="Cambria Math"/>
-                                  </a:rPr>
-                                  <m:t>−1</m:t>
-                                </m:r>
-                              </m:sub>
-                            </m:sSub>
-                          </m:e>
-                        </m:d>
-                      </m:e>
-                      <m:e>
-                        <m:sSub>
-                          <m:sSubPr>
-                            <m:ctrlPr>
-                              <a:rPr lang="en-US" sz="2800" b="0" i="1" smtClean="0">
-                                <a:latin typeface="Cambria Math"/>
-                              </a:rPr>
-                            </m:ctrlPr>
-                          </m:sSubPr>
-                          <m:e>
-                            <m:r>
-                              <a:rPr lang="en-US" sz="2800" b="1" i="1" smtClean="0">
-                                <a:latin typeface="Cambria Math"/>
-                              </a:rPr>
-                              <m:t>𝒛</m:t>
-                            </m:r>
-                          </m:e>
-                          <m:sub>
-                            <m:argPr>
-                              <m:argSz m:val="-1"/>
-                            </m:argPr>
-                            <m:r>
-                              <a:rPr lang="en-US" sz="2800" b="0" i="1" smtClean="0">
-                                <a:latin typeface="Cambria Math"/>
-                              </a:rPr>
-                              <m:t>𝑚</m:t>
-                            </m:r>
-                          </m:sub>
-                        </m:sSub>
-                      </m:e>
-                    </m:d>
-                    <m:r>
-                      <a:rPr lang="en-US" sz="2800" b="0" i="1" smtClean="0">
-                        <a:latin typeface="Cambria Math"/>
-                      </a:rPr>
-                      <m:t>→</m:t>
-                    </m:r>
-                    <m:r>
-                      <a:rPr lang="en-US" sz="2800" b="1" i="1" smtClean="0">
-                        <a:latin typeface="Cambria Math"/>
-                      </a:rPr>
-                      <m:t>𝑰</m:t>
-                    </m:r>
-                  </m:oMath>
-                </a14:m>
-                <a:endParaRPr lang="en-US" sz="2400" i="1" dirty="0" smtClean="0">
-                  <a:latin typeface="Cambria Math"/>
-                </a:endParaRPr>
-              </a:p>
-              <a:p>
-                <a:pPr marL="274320">
-                  <a:spcBef>
-                    <a:spcPts val="600"/>
-                  </a:spcBef>
-                  <a:spcAft>
-                    <a:spcPts val="600"/>
-                  </a:spcAft>
-                </a:pPr>
-                <a:r>
-                  <a:rPr lang="en-US" sz="2200" u="sng" dirty="0" smtClean="0"/>
-                  <a:t>sandwich factors:</a:t>
-                </a:r>
-                <a:endParaRPr lang="en-US" sz="2200" i="1" dirty="0" smtClean="0">
-                  <a:latin typeface="Cambria Math"/>
-                </a:endParaRPr>
-              </a:p>
-              <a:p>
-                <a:pPr marL="274320">
-                  <a:spcBef>
-                    <a:spcPts val="600"/>
-                  </a:spcBef>
-                  <a:spcAft>
-                    <a:spcPts val="600"/>
-                  </a:spcAft>
-                </a:pPr>
-                <a14:m>
-                  <m:oMath xmlns:m="http://schemas.openxmlformats.org/officeDocument/2006/math">
-                    <m:d>
-                      <m:dPr>
-                        <m:begChr m:val="|"/>
-                        <m:endChr m:val=""/>
-                        <m:ctrlPr>
-                          <a:rPr lang="en-US" sz="2800" i="1" smtClean="0">
-                            <a:latin typeface="Cambria Math"/>
-                          </a:rPr>
-                        </m:ctrlPr>
-                      </m:dPr>
-                      <m:e>
-                        <m:d>
-                          <m:dPr>
-                            <m:begChr m:val=""/>
-                            <m:endChr m:val="⟩"/>
-                            <m:ctrlPr>
-                              <a:rPr lang="en-US" sz="2800" i="1" smtClean="0">
-                                <a:latin typeface="Cambria Math"/>
-                              </a:rPr>
-                            </m:ctrlPr>
-                          </m:dPr>
-                          <m:e>
-                            <m:r>
-                              <a:rPr lang="en-US" sz="2800" b="1" i="1" smtClean="0">
-                                <a:latin typeface="Cambria Math"/>
-                              </a:rPr>
-                              <m:t>𝒛</m:t>
-                            </m:r>
-                          </m:e>
-                        </m:d>
-                      </m:e>
-                    </m:d>
-                    <m:r>
-                      <a:rPr lang="en-US" sz="2800" b="0" i="0" smtClean="0">
-                        <a:latin typeface="Cambria Math"/>
-                      </a:rPr>
-                      <m:t>= </m:t>
-                    </m:r>
-                    <m:d>
-                      <m:dPr>
-                        <m:begChr m:val="|"/>
-                        <m:endChr m:val=""/>
-                        <m:ctrlPr>
-                          <a:rPr lang="en-US" sz="2800" i="1" smtClean="0">
-                            <a:latin typeface="Cambria Math"/>
-                          </a:rPr>
-                        </m:ctrlPr>
-                      </m:dPr>
-                      <m:e>
-                        <m:d>
-                          <m:dPr>
-                            <m:begChr m:val=""/>
-                            <m:endChr m:val="⟩"/>
-                            <m:ctrlPr>
-                              <a:rPr lang="en-US" sz="2800" i="1" smtClean="0">
-                                <a:latin typeface="Cambria Math"/>
-                              </a:rPr>
-                            </m:ctrlPr>
-                          </m:dPr>
-                          <m:e>
-                            <m:sSub>
-                              <m:sSubPr>
-                                <m:ctrlPr>
-                                  <a:rPr lang="en-US" sz="2800" i="1" smtClean="0">
-                                    <a:latin typeface="Cambria Math"/>
-                                  </a:rPr>
-                                </m:ctrlPr>
-                              </m:sSubPr>
-                              <m:e>
-                                <m:r>
-                                  <a:rPr lang="en-US" sz="2800" b="1" i="1" smtClean="0">
-                                    <a:latin typeface="Cambria Math"/>
-                                  </a:rPr>
-                                  <m:t>𝒛</m:t>
-                                </m:r>
-                              </m:e>
-                              <m:sub>
-                                <m:argPr>
-                                  <m:argSz m:val="-1"/>
-                                </m:argPr>
-                                <m:r>
-                                  <a:rPr lang="en-US" sz="2800" b="0" i="1" smtClean="0">
-                                    <a:latin typeface="Cambria Math"/>
-                                  </a:rPr>
-                                  <m:t>0</m:t>
-                                </m:r>
-                              </m:sub>
-                            </m:sSub>
-                          </m:e>
-                        </m:d>
-                        <m:r>
-                          <a:rPr lang="en-US" sz="2800" b="0" i="1" smtClean="0">
-                            <a:latin typeface="Cambria Math"/>
-                          </a:rPr>
-                          <m:t> </m:t>
-                        </m:r>
-                      </m:e>
-                    </m:d>
-                    <m:r>
-                      <a:rPr lang="en-US" sz="2800" b="0" i="1" smtClean="0">
-                        <a:latin typeface="Cambria Math"/>
-                        <a:ea typeface="Cambria Math"/>
-                      </a:rPr>
-                      <m:t>⋯ </m:t>
-                    </m:r>
-                    <m:d>
-                      <m:dPr>
-                        <m:begChr m:val="|"/>
-                        <m:endChr m:val=""/>
-                        <m:ctrlPr>
-                          <a:rPr lang="en-US" sz="2800" i="1" smtClean="0">
-                            <a:latin typeface="Cambria Math"/>
-                          </a:rPr>
-                        </m:ctrlPr>
-                      </m:dPr>
-                      <m:e>
-                        <m:d>
-                          <m:dPr>
-                            <m:begChr m:val=""/>
-                            <m:endChr m:val="⟩"/>
-                            <m:ctrlPr>
-                              <a:rPr lang="en-US" sz="2800" i="1" smtClean="0">
-                                <a:latin typeface="Cambria Math"/>
-                              </a:rPr>
-                            </m:ctrlPr>
-                          </m:dPr>
-                          <m:e>
-                            <m:sSub>
-                              <m:sSubPr>
-                                <m:ctrlPr>
-                                  <a:rPr lang="en-US" sz="2800" i="1" smtClean="0">
-                                    <a:latin typeface="Cambria Math"/>
-                                  </a:rPr>
-                                </m:ctrlPr>
-                              </m:sSubPr>
-                              <m:e>
-                                <m:r>
-                                  <a:rPr lang="en-US" sz="2800" b="1" i="1" smtClean="0">
-                                    <a:latin typeface="Cambria Math"/>
-                                  </a:rPr>
-                                  <m:t>𝒛</m:t>
-                                </m:r>
-                              </m:e>
-                              <m:sub>
-                                <m:argPr>
-                                  <m:argSz m:val="-1"/>
-                                </m:argPr>
-                                <m:r>
-                                  <a:rPr lang="en-US" sz="2800" b="0" i="1" smtClean="0">
-                                    <a:latin typeface="Cambria Math"/>
-                                  </a:rPr>
-                                  <m:t>𝑚</m:t>
-                                </m:r>
-                                <m:r>
-                                  <a:rPr lang="en-US" sz="2800" b="0" i="1" smtClean="0">
-                                    <a:latin typeface="Cambria Math"/>
-                                  </a:rPr>
-                                  <m:t>−1</m:t>
-                                </m:r>
-                              </m:sub>
-                            </m:sSub>
-                          </m:e>
-                        </m:d>
-                      </m:e>
-                    </m:d>
-                    <m:d>
-                      <m:dPr>
-                        <m:begChr m:val="|"/>
-                        <m:endChr m:val=""/>
-                        <m:ctrlPr>
-                          <a:rPr lang="en-US" sz="2800" i="1" smtClean="0">
-                            <a:latin typeface="Cambria Math"/>
-                          </a:rPr>
-                        </m:ctrlPr>
-                      </m:dPr>
-                      <m:e>
-                        <m:d>
-                          <m:dPr>
-                            <m:begChr m:val=""/>
-                            <m:endChr m:val="⟩"/>
-                            <m:ctrlPr>
-                              <a:rPr lang="en-US" sz="2800" i="1" smtClean="0">
-                                <a:latin typeface="Cambria Math"/>
-                              </a:rPr>
-                            </m:ctrlPr>
-                          </m:dPr>
-                          <m:e>
-                            <m:sSub>
-                              <m:sSubPr>
-                                <m:ctrlPr>
-                                  <a:rPr lang="en-US" sz="2800" i="1" smtClean="0">
-                                    <a:latin typeface="Cambria Math"/>
-                                  </a:rPr>
-                                </m:ctrlPr>
-                              </m:sSubPr>
-                              <m:e>
-                                <m:r>
-                                  <a:rPr lang="en-US" sz="2800" b="1" i="1" smtClean="0">
-                                    <a:latin typeface="Cambria Math"/>
-                                  </a:rPr>
-                                  <m:t>𝒛</m:t>
-                                </m:r>
-                              </m:e>
-                              <m:sub>
-                                <m:argPr>
-                                  <m:argSz m:val="-1"/>
-                                </m:argPr>
-                                <m:r>
-                                  <a:rPr lang="en-US" sz="2800" b="0" i="1" smtClean="0">
-                                    <a:latin typeface="Cambria Math"/>
-                                  </a:rPr>
-                                  <m:t>𝑚</m:t>
-                                </m:r>
-                              </m:sub>
-                            </m:sSub>
-                          </m:e>
-                        </m:d>
-                      </m:e>
-                    </m:d>
-                    <m:r>
-                      <a:rPr lang="en-US" sz="2800" b="0" i="0" smtClean="0">
-                        <a:latin typeface="Cambria Math"/>
-                      </a:rPr>
-                      <m:t>→</m:t>
-                    </m:r>
-                    <m:d>
-                      <m:dPr>
-                        <m:begChr m:val="|"/>
-                        <m:endChr m:val=""/>
-                        <m:ctrlPr>
-                          <a:rPr lang="en-US" sz="2800" i="1" smtClean="0">
-                            <a:latin typeface="Cambria Math"/>
-                          </a:rPr>
-                        </m:ctrlPr>
-                      </m:dPr>
-                      <m:e>
-                        <m:d>
-                          <m:dPr>
-                            <m:begChr m:val=""/>
-                            <m:endChr m:val="⟩"/>
-                            <m:ctrlPr>
-                              <a:rPr lang="en-US" sz="2800" i="1" smtClean="0">
-                                <a:latin typeface="Cambria Math"/>
-                              </a:rPr>
-                            </m:ctrlPr>
-                          </m:dPr>
-                          <m:e>
-                            <m:sSup>
-                              <m:sSupPr>
-                                <m:ctrlPr>
-                                  <a:rPr lang="en-US" sz="2800" i="1" smtClean="0">
-                                    <a:latin typeface="Cambria Math"/>
-                                  </a:rPr>
-                                </m:ctrlPr>
-                              </m:sSupPr>
-                              <m:e>
-                                <m:r>
-                                  <a:rPr lang="en-US" sz="2800" b="1" i="1" smtClean="0">
-                                    <a:latin typeface="Cambria Math"/>
-                                  </a:rPr>
-                                  <m:t>𝒔</m:t>
-                                </m:r>
-                              </m:e>
-                              <m:sup>
-                                <m:argPr>
-                                  <m:argSz m:val="-1"/>
-                                </m:argPr>
-                                <m:r>
-                                  <a:rPr lang="en-US" sz="2800" b="0" i="1" smtClean="0">
-                                    <a:latin typeface="Cambria Math"/>
-                                  </a:rPr>
-                                  <m:t>−1/2</m:t>
-                                </m:r>
-                              </m:sup>
-                            </m:sSup>
-                          </m:e>
-                        </m:d>
-                      </m:e>
-                    </m:d>
-                  </m:oMath>
-                </a14:m>
-                <a:endParaRPr lang="en-US" sz="2800" b="0" i="1" dirty="0" smtClean="0">
-                  <a:latin typeface="Cambria Math"/>
-                  <a:ea typeface="Cambria Math"/>
-                </a:endParaRPr>
-              </a:p>
-              <a:p>
-                <a:pPr marL="274320">
-                  <a:spcBef>
-                    <a:spcPts val="600"/>
-                  </a:spcBef>
-                  <a:spcAft>
-                    <a:spcPts val="600"/>
-                  </a:spcAft>
-                </a:pPr>
-                <a:r>
-                  <a:rPr lang="en-US" sz="2200" u="sng" dirty="0"/>
-                  <a:t>a</a:t>
-                </a:r>
-                <a:r>
-                  <a:rPr lang="en-US" sz="2200" u="sng" dirty="0" smtClean="0"/>
-                  <a:t>t each layer, the error:</a:t>
-                </a:r>
-                <a:endParaRPr lang="en-US" sz="2200" i="1" dirty="0" smtClean="0">
-                  <a:latin typeface="Cambria Math"/>
-                </a:endParaRPr>
-              </a:p>
-              <a:p>
-                <a:pPr marL="274320">
-                  <a:spcBef>
-                    <a:spcPts val="600"/>
-                  </a:spcBef>
-                  <a:spcAft>
-                    <a:spcPts val="600"/>
-                  </a:spcAft>
-                </a:pPr>
-                <a14:m>
-                  <m:oMath xmlns:m="http://schemas.openxmlformats.org/officeDocument/2006/math">
-                    <m:sSub>
-                      <m:sSubPr>
-                        <m:ctrlPr>
-                          <a:rPr lang="en-US" sz="2800" b="0" i="1" smtClean="0">
+                          <a:rPr lang="en-US" sz="2400" b="1" i="1">
                             <a:latin typeface="Cambria Math"/>
                             <a:ea typeface="Cambria Math"/>
                           </a:rPr>
@@ -5471,115 +4914,92 @@
                       </m:sSubPr>
                       <m:e>
                         <m:r>
-                          <a:rPr lang="en-US" sz="2800" b="0" i="1" smtClean="0">
+                          <a:rPr lang="en-US" sz="2400" b="1" i="1">
                             <a:latin typeface="Cambria Math"/>
                             <a:ea typeface="Cambria Math"/>
+                            <a:sym typeface="Symbol"/>
                           </a:rPr>
-                          <m:t>𝜀</m:t>
+                          <m:t></m:t>
                         </m:r>
                       </m:e>
                       <m:sub>
                         <m:r>
-                          <a:rPr lang="en-US" sz="2800" b="0" i="1" smtClean="0">
+                          <a:rPr lang="el-GR" sz="2400" b="1" i="1">
                             <a:latin typeface="Cambria Math"/>
                             <a:ea typeface="Cambria Math"/>
                           </a:rPr>
-                          <m:t>𝑗</m:t>
+                          <m:t>𝝉</m:t>
+                        </m:r>
+                        <m:r>
+                          <m:rPr>
+                            <m:nor/>
+                          </m:rPr>
+                          <a:rPr lang="en-US" sz="2400" dirty="0">
+                            <a:ea typeface="Cambria Math"/>
+                          </a:rPr>
+                          <m:t> </m:t>
                         </m:r>
                       </m:sub>
                     </m:sSub>
                     <m:r>
-                      <a:rPr lang="en-US" sz="2800" b="0" i="1" smtClean="0">
+                      <a:rPr lang="en-US" sz="2400" b="1" i="1">
                         <a:latin typeface="Cambria Math"/>
                         <a:ea typeface="Cambria Math"/>
                       </a:rPr>
-                      <m:t>=</m:t>
+                      <m:t>𝒙</m:t>
                     </m:r>
-                    <m:f>
-                      <m:fPr>
-                        <m:type m:val="lin"/>
+                    <m:r>
+                      <a:rPr lang="en-US" sz="2400" b="1" i="1" smtClean="0">
+                        <a:latin typeface="Cambria Math"/>
+                        <a:ea typeface="Cambria Math"/>
+                      </a:rPr>
+                      <m:t> </m:t>
+                    </m:r>
+                    <m:sSub>
+                      <m:sSubPr>
                         <m:ctrlPr>
-                          <a:rPr lang="en-US" sz="2800" b="0" i="1" smtClean="0">
+                          <a:rPr lang="en-US" sz="2400" b="1" i="1">
                             <a:latin typeface="Cambria Math"/>
                             <a:ea typeface="Cambria Math"/>
                           </a:rPr>
                         </m:ctrlPr>
-                      </m:fPr>
-                      <m:num>
-                        <m:d>
-                          <m:dPr>
-                            <m:begChr m:val="|"/>
-                            <m:endChr m:val="|"/>
-                            <m:ctrlPr>
-                              <a:rPr lang="en-US" sz="2800" i="1">
-                                <a:latin typeface="Cambria Math"/>
-                                <a:ea typeface="Cambria Math"/>
-                              </a:rPr>
-                            </m:ctrlPr>
-                          </m:dPr>
-                          <m:e>
-                            <m:r>
-                              <a:rPr lang="en-US" sz="2800" i="1">
-                                <a:latin typeface="Cambria Math"/>
-                                <a:ea typeface="Cambria Math"/>
-                              </a:rPr>
-                              <m:t>𝑡𝑟</m:t>
-                            </m:r>
-                            <m:sSub>
-                              <m:sSubPr>
-                                <m:ctrlPr>
-                                  <a:rPr lang="en-US" sz="2800" i="1" smtClean="0">
-                                    <a:latin typeface="Cambria Math"/>
-                                    <a:ea typeface="Cambria Math"/>
-                                  </a:rPr>
-                                </m:ctrlPr>
-                              </m:sSubPr>
-                              <m:e>
-                                <m:r>
-                                  <a:rPr lang="en-US" sz="2800" b="1" i="1" smtClean="0">
-                                    <a:latin typeface="Cambria Math"/>
-                                    <a:ea typeface="Cambria Math"/>
-                                  </a:rPr>
-                                  <m:t>𝒙</m:t>
-                                </m:r>
-                              </m:e>
-                              <m:sub>
-                                <m:r>
-                                  <a:rPr lang="en-US" sz="2800" b="0" i="1" smtClean="0">
-                                    <a:latin typeface="Cambria Math"/>
-                                    <a:ea typeface="Cambria Math"/>
-                                  </a:rPr>
-                                  <m:t>𝑗</m:t>
-                                </m:r>
-                              </m:sub>
-                            </m:sSub>
-                            <m:r>
-                              <a:rPr lang="en-US" sz="2800" i="1">
-                                <a:latin typeface="Cambria Math"/>
-                                <a:ea typeface="Cambria Math"/>
-                              </a:rPr>
-                              <m:t>−</m:t>
-                            </m:r>
-                            <m:r>
-                              <a:rPr lang="en-US" sz="2800" b="0" i="1" smtClean="0">
-                                <a:latin typeface="Cambria Math"/>
-                                <a:ea typeface="Cambria Math"/>
-                              </a:rPr>
-                              <m:t>𝑛</m:t>
-                            </m:r>
-                          </m:e>
-                        </m:d>
-                      </m:num>
-                      <m:den>
+                      </m:sSubPr>
+                      <m:e>
                         <m:r>
-                          <a:rPr lang="en-US" sz="2800" b="0" i="1" smtClean="0">
+                          <a:rPr lang="en-US" sz="2400" b="1" i="1">
+                            <a:latin typeface="Cambria Math"/>
+                            <a:ea typeface="Cambria Math"/>
+                            <a:sym typeface="Symbol"/>
+                          </a:rPr>
+                          <m:t></m:t>
+                        </m:r>
+                      </m:e>
+                      <m:sub>
+                        <m:r>
+                          <a:rPr lang="el-GR" sz="2400" b="1" i="1">
                             <a:latin typeface="Cambria Math"/>
                             <a:ea typeface="Cambria Math"/>
                           </a:rPr>
-                          <m:t>𝑛</m:t>
+                          <m:t>𝝉</m:t>
                         </m:r>
-                      </m:den>
-                    </m:f>
+                        <m:r>
+                          <m:rPr>
+                            <m:nor/>
+                          </m:rPr>
+                          <a:rPr lang="en-US" sz="2400" dirty="0">
+                            <a:ea typeface="Cambria Math"/>
+                          </a:rPr>
+                          <m:t> </m:t>
+                        </m:r>
+                      </m:sub>
+                    </m:sSub>
+                    <m:r>
+                      <a:rPr lang="en-US" sz="2400" b="1" i="1" smtClean="0">
+                        <a:latin typeface="Cambria Math"/>
+                        <a:ea typeface="Cambria Math"/>
+                      </a:rPr>
+                      <m:t>𝒛</m:t>
+                    </m:r>
                   </m:oMath>
                 </a14:m>
                 <a:r>
@@ -5610,8 +5030,8 @@
             </p:nvSpPr>
             <p:spPr>
               <a:xfrm>
-                <a:off x="228600" y="1981200"/>
-                <a:ext cx="8686800" cy="7298280"/>
+                <a:off x="0" y="2057400"/>
+                <a:ext cx="8686800" cy="2728119"/>
               </a:xfrm>
               <a:prstGeom prst="rect">
                 <a:avLst/>
@@ -5623,6 +5043,1086 @@
                 </a:stretch>
               </a:blipFill>
               <a:ln/>
+            </p:spPr>
+            <p:txBody>
+              <a:bodyPr/>
+              <a:lstStyle/>
+              <a:p>
+                <a:r>
+                  <a:rPr lang="en-US">
+                    <a:noFill/>
+                  </a:rPr>
+                  <a:t> </a:t>
+                </a:r>
+              </a:p>
+            </p:txBody>
+          </p:sp>
+        </mc:Fallback>
+      </mc:AlternateContent>
+      <mc:AlternateContent xmlns:mc="http://schemas.openxmlformats.org/markup-compatibility/2006">
+        <mc:Choice xmlns:a14="http://schemas.microsoft.com/office/drawing/2010/main" Requires="a14">
+          <p:sp>
+            <p:nvSpPr>
+              <p:cNvPr id="6" name="Rectangle 5"/>
+              <p:cNvSpPr/>
+              <p:nvPr/>
+            </p:nvSpPr>
+            <p:spPr>
+              <a:xfrm>
+                <a:off x="3729461" y="5193268"/>
+                <a:ext cx="1685077" cy="369332"/>
+              </a:xfrm>
+              <a:prstGeom prst="rect">
+                <a:avLst/>
+              </a:prstGeom>
+            </p:spPr>
+            <p:txBody>
+              <a:bodyPr wrap="none">
+                <a:spAutoFit/>
+              </a:bodyPr>
+              <a:lstStyle/>
+              <a:p>
+                <a14:m>
+                  <m:oMathPara xmlns:m="http://schemas.openxmlformats.org/officeDocument/2006/math">
+                    <m:oMathParaPr>
+                      <m:jc m:val="centerGroup"/>
+                    </m:oMathParaPr>
+                    <m:oMath xmlns:m="http://schemas.openxmlformats.org/officeDocument/2006/math">
+                      <m:r>
+                        <m:rPr>
+                          <m:nor/>
+                        </m:rPr>
+                        <a:rPr lang="en-US" b="1" dirty="0">
+                          <a:latin typeface="Courier New" pitchFamily="49" charset="0"/>
+                          <a:ea typeface="Cambria Math"/>
+                          <a:cs typeface="Courier New" pitchFamily="49" charset="0"/>
+                        </a:rPr>
+                        <m:t>return</m:t>
+                      </m:r>
+                      <m:r>
+                        <a:rPr lang="en-US" i="1" dirty="0">
+                          <a:latin typeface="Cambria Math"/>
+                          <a:ea typeface="Cambria Math"/>
+                          <a:cs typeface="Courier New" pitchFamily="49" charset="0"/>
+                        </a:rPr>
+                        <m:t> </m:t>
+                      </m:r>
+                      <m:r>
+                        <a:rPr lang="en-US" i="1">
+                          <a:latin typeface="Cambria Math"/>
+                          <a:ea typeface="Cambria Math"/>
+                        </a:rPr>
+                        <m:t>{</m:t>
+                      </m:r>
+                      <m:r>
+                        <a:rPr lang="en-US" b="1" i="1">
+                          <a:latin typeface="Cambria Math"/>
+                          <a:ea typeface="Cambria Math"/>
+                        </a:rPr>
+                        <m:t>𝒙</m:t>
+                      </m:r>
+                      <m:r>
+                        <a:rPr lang="en-US" i="1">
+                          <a:latin typeface="Cambria Math"/>
+                          <a:ea typeface="Cambria Math"/>
+                        </a:rPr>
+                        <m:t>, </m:t>
+                      </m:r>
+                      <m:r>
+                        <a:rPr lang="en-US" b="1" i="1">
+                          <a:latin typeface="Cambria Math"/>
+                          <a:ea typeface="Cambria Math"/>
+                        </a:rPr>
+                        <m:t>𝒛</m:t>
+                      </m:r>
+                      <m:r>
+                        <a:rPr lang="en-US" i="1">
+                          <a:latin typeface="Cambria Math"/>
+                          <a:ea typeface="Cambria Math"/>
+                        </a:rPr>
+                        <m:t>} </m:t>
+                      </m:r>
+                    </m:oMath>
+                  </m:oMathPara>
+                </a14:m>
+                <a:endParaRPr lang="en-US" dirty="0"/>
+              </a:p>
+            </p:txBody>
+          </p:sp>
+        </mc:Choice>
+        <mc:Fallback>
+          <p:sp>
+            <p:nvSpPr>
+              <p:cNvPr id="6" name="Rectangle 5"/>
+              <p:cNvSpPr>
+                <a:spLocks noRot="1" noChangeAspect="1" noMove="1" noResize="1" noEditPoints="1" noAdjustHandles="1" noChangeArrowheads="1" noChangeShapeType="1" noTextEdit="1"/>
+              </p:cNvSpPr>
+              <p:nvPr/>
+            </p:nvSpPr>
+            <p:spPr>
+              <a:xfrm>
+                <a:off x="3729461" y="5193268"/>
+                <a:ext cx="1685077" cy="369332"/>
+              </a:xfrm>
+              <a:prstGeom prst="rect">
+                <a:avLst/>
+              </a:prstGeom>
+              <a:blipFill rotWithShape="1">
+                <a:blip r:embed="rId3"/>
+                <a:stretch>
+                  <a:fillRect b="-14754"/>
+                </a:stretch>
+              </a:blipFill>
+            </p:spPr>
+            <p:txBody>
+              <a:bodyPr/>
+              <a:lstStyle/>
+              <a:p>
+                <a:r>
+                  <a:rPr lang="en-US">
+                    <a:noFill/>
+                  </a:rPr>
+                  <a:t> </a:t>
+                </a:r>
+              </a:p>
+            </p:txBody>
+          </p:sp>
+        </mc:Fallback>
+      </mc:AlternateContent>
+      <mc:AlternateContent xmlns:mc="http://schemas.openxmlformats.org/markup-compatibility/2006">
+        <mc:Choice xmlns:a14="http://schemas.microsoft.com/office/drawing/2010/main" Requires="a14">
+          <p:sp>
+            <p:nvSpPr>
+              <p:cNvPr id="7" name="Rectangle 6"/>
+              <p:cNvSpPr/>
+              <p:nvPr/>
+            </p:nvSpPr>
+            <p:spPr>
+              <a:xfrm>
+                <a:off x="3617412" y="4583668"/>
+                <a:ext cx="1909176" cy="369332"/>
+              </a:xfrm>
+              <a:prstGeom prst="rect">
+                <a:avLst/>
+              </a:prstGeom>
+            </p:spPr>
+            <p:txBody>
+              <a:bodyPr wrap="none">
+                <a:spAutoFit/>
+              </a:bodyPr>
+              <a:lstStyle/>
+              <a:p>
+                <a14:m>
+                  <m:oMathPara xmlns:m="http://schemas.openxmlformats.org/officeDocument/2006/math">
+                    <m:oMathParaPr>
+                      <m:jc m:val="centerGroup"/>
+                    </m:oMathParaPr>
+                    <m:oMath xmlns:m="http://schemas.openxmlformats.org/officeDocument/2006/math">
+                      <m:f>
+                        <m:fPr>
+                          <m:type m:val="lin"/>
+                          <m:ctrlPr>
+                            <a:rPr lang="en-US" i="1">
+                              <a:latin typeface="Cambria Math"/>
+                              <a:ea typeface="Cambria Math"/>
+                            </a:rPr>
+                          </m:ctrlPr>
+                        </m:fPr>
+                        <m:num>
+                          <m:d>
+                            <m:dPr>
+                              <m:begChr m:val="|"/>
+                              <m:endChr m:val="|"/>
+                              <m:ctrlPr>
+                                <a:rPr lang="en-US" i="1">
+                                  <a:latin typeface="Cambria Math"/>
+                                  <a:ea typeface="Cambria Math"/>
+                                </a:rPr>
+                              </m:ctrlPr>
+                            </m:dPr>
+                            <m:e>
+                              <m:r>
+                                <a:rPr lang="en-US" i="1">
+                                  <a:latin typeface="Cambria Math"/>
+                                  <a:ea typeface="Cambria Math"/>
+                                </a:rPr>
+                                <m:t>𝑡𝑟</m:t>
+                              </m:r>
+                              <m:r>
+                                <a:rPr lang="en-US" b="1" i="1">
+                                  <a:latin typeface="Cambria Math"/>
+                                  <a:ea typeface="Cambria Math"/>
+                                </a:rPr>
+                                <m:t>𝒙</m:t>
+                              </m:r>
+                              <m:r>
+                                <a:rPr lang="en-US" i="1">
+                                  <a:latin typeface="Cambria Math"/>
+                                  <a:ea typeface="Cambria Math"/>
+                                </a:rPr>
+                                <m:t>−</m:t>
+                              </m:r>
+                              <m:r>
+                                <a:rPr lang="en-US" i="1">
+                                  <a:latin typeface="Cambria Math"/>
+                                  <a:ea typeface="Cambria Math"/>
+                                </a:rPr>
+                                <m:t>𝑛</m:t>
+                              </m:r>
+                            </m:e>
+                          </m:d>
+                        </m:num>
+                        <m:den>
+                          <m:r>
+                            <a:rPr lang="en-US" i="1">
+                              <a:latin typeface="Cambria Math"/>
+                              <a:ea typeface="Cambria Math"/>
+                            </a:rPr>
+                            <m:t>𝑛</m:t>
+                          </m:r>
+                        </m:den>
+                      </m:f>
+                      <m:r>
+                        <a:rPr lang="en-US" i="1">
+                          <a:latin typeface="Cambria Math"/>
+                          <a:ea typeface="Cambria Math"/>
+                        </a:rPr>
+                        <m:t>&gt; </m:t>
+                      </m:r>
+                      <m:r>
+                        <m:rPr>
+                          <m:sty m:val="p"/>
+                        </m:rPr>
+                        <a:rPr lang="el-GR" i="1">
+                          <a:latin typeface="Cambria Math"/>
+                          <a:ea typeface="Cambria Math"/>
+                        </a:rPr>
+                        <m:t>τ</m:t>
+                      </m:r>
+                      <m:r>
+                        <a:rPr lang="en-US" i="1">
+                          <a:latin typeface="Cambria Math"/>
+                          <a:ea typeface="Cambria Math"/>
+                        </a:rPr>
+                        <m:t> </m:t>
+                      </m:r>
+                    </m:oMath>
+                  </m:oMathPara>
+                </a14:m>
+                <a:endParaRPr lang="en-US" dirty="0"/>
+              </a:p>
+            </p:txBody>
+          </p:sp>
+        </mc:Choice>
+        <mc:Fallback>
+          <p:sp>
+            <p:nvSpPr>
+              <p:cNvPr id="7" name="Rectangle 6"/>
+              <p:cNvSpPr>
+                <a:spLocks noRot="1" noChangeAspect="1" noMove="1" noResize="1" noEditPoints="1" noAdjustHandles="1" noChangeArrowheads="1" noChangeShapeType="1" noTextEdit="1"/>
+              </p:cNvSpPr>
+              <p:nvPr/>
+            </p:nvSpPr>
+            <p:spPr>
+              <a:xfrm>
+                <a:off x="3617412" y="4583668"/>
+                <a:ext cx="1909176" cy="369332"/>
+              </a:xfrm>
+              <a:prstGeom prst="rect">
+                <a:avLst/>
+              </a:prstGeom>
+              <a:blipFill rotWithShape="1">
+                <a:blip r:embed="rId4"/>
+                <a:stretch>
+                  <a:fillRect t="-116393" b="-175410"/>
+                </a:stretch>
+              </a:blipFill>
+            </p:spPr>
+            <p:txBody>
+              <a:bodyPr/>
+              <a:lstStyle/>
+              <a:p>
+                <a:r>
+                  <a:rPr lang="en-US">
+                    <a:noFill/>
+                  </a:rPr>
+                  <a:t> </a:t>
+                </a:r>
+              </a:p>
+            </p:txBody>
+          </p:sp>
+        </mc:Fallback>
+      </mc:AlternateContent>
+      <mc:AlternateContent xmlns:mc="http://schemas.openxmlformats.org/markup-compatibility/2006">
+        <mc:Choice xmlns:a14="http://schemas.microsoft.com/office/drawing/2010/main" Requires="a14">
+          <p:sp>
+            <p:nvSpPr>
+              <p:cNvPr id="8" name="Rectangle 7"/>
+              <p:cNvSpPr/>
+              <p:nvPr/>
+            </p:nvSpPr>
+            <p:spPr>
+              <a:xfrm>
+                <a:off x="3769812" y="4736068"/>
+                <a:ext cx="1909176" cy="369332"/>
+              </a:xfrm>
+              <a:prstGeom prst="rect">
+                <a:avLst/>
+              </a:prstGeom>
+            </p:spPr>
+            <p:txBody>
+              <a:bodyPr wrap="none">
+                <a:spAutoFit/>
+              </a:bodyPr>
+              <a:lstStyle/>
+              <a:p>
+                <a14:m>
+                  <m:oMathPara xmlns:m="http://schemas.openxmlformats.org/officeDocument/2006/math">
+                    <m:oMathParaPr>
+                      <m:jc m:val="centerGroup"/>
+                    </m:oMathParaPr>
+                    <m:oMath xmlns:m="http://schemas.openxmlformats.org/officeDocument/2006/math">
+                      <m:f>
+                        <m:fPr>
+                          <m:type m:val="lin"/>
+                          <m:ctrlPr>
+                            <a:rPr lang="en-US" i="1">
+                              <a:latin typeface="Cambria Math"/>
+                              <a:ea typeface="Cambria Math"/>
+                            </a:rPr>
+                          </m:ctrlPr>
+                        </m:fPr>
+                        <m:num>
+                          <m:d>
+                            <m:dPr>
+                              <m:begChr m:val="|"/>
+                              <m:endChr m:val="|"/>
+                              <m:ctrlPr>
+                                <a:rPr lang="en-US" i="1">
+                                  <a:latin typeface="Cambria Math"/>
+                                  <a:ea typeface="Cambria Math"/>
+                                </a:rPr>
+                              </m:ctrlPr>
+                            </m:dPr>
+                            <m:e>
+                              <m:r>
+                                <a:rPr lang="en-US" i="1">
+                                  <a:latin typeface="Cambria Math"/>
+                                  <a:ea typeface="Cambria Math"/>
+                                </a:rPr>
+                                <m:t>𝑡𝑟</m:t>
+                              </m:r>
+                              <m:r>
+                                <a:rPr lang="en-US" b="1" i="1">
+                                  <a:latin typeface="Cambria Math"/>
+                                  <a:ea typeface="Cambria Math"/>
+                                </a:rPr>
+                                <m:t>𝒙</m:t>
+                              </m:r>
+                              <m:r>
+                                <a:rPr lang="en-US" i="1">
+                                  <a:latin typeface="Cambria Math"/>
+                                  <a:ea typeface="Cambria Math"/>
+                                </a:rPr>
+                                <m:t>−</m:t>
+                              </m:r>
+                              <m:r>
+                                <a:rPr lang="en-US" i="1">
+                                  <a:latin typeface="Cambria Math"/>
+                                  <a:ea typeface="Cambria Math"/>
+                                </a:rPr>
+                                <m:t>𝑛</m:t>
+                              </m:r>
+                            </m:e>
+                          </m:d>
+                        </m:num>
+                        <m:den>
+                          <m:r>
+                            <a:rPr lang="en-US" i="1">
+                              <a:latin typeface="Cambria Math"/>
+                              <a:ea typeface="Cambria Math"/>
+                            </a:rPr>
+                            <m:t>𝑛</m:t>
+                          </m:r>
+                        </m:den>
+                      </m:f>
+                      <m:r>
+                        <a:rPr lang="en-US" i="1">
+                          <a:latin typeface="Cambria Math"/>
+                          <a:ea typeface="Cambria Math"/>
+                        </a:rPr>
+                        <m:t>&gt; </m:t>
+                      </m:r>
+                      <m:r>
+                        <m:rPr>
+                          <m:sty m:val="p"/>
+                        </m:rPr>
+                        <a:rPr lang="el-GR" i="1">
+                          <a:latin typeface="Cambria Math"/>
+                          <a:ea typeface="Cambria Math"/>
+                        </a:rPr>
+                        <m:t>τ</m:t>
+                      </m:r>
+                      <m:r>
+                        <a:rPr lang="en-US" i="1">
+                          <a:latin typeface="Cambria Math"/>
+                          <a:ea typeface="Cambria Math"/>
+                        </a:rPr>
+                        <m:t> </m:t>
+                      </m:r>
+                    </m:oMath>
+                  </m:oMathPara>
+                </a14:m>
+                <a:endParaRPr lang="en-US" dirty="0"/>
+              </a:p>
+            </p:txBody>
+          </p:sp>
+        </mc:Choice>
+        <mc:Fallback>
+          <p:sp>
+            <p:nvSpPr>
+              <p:cNvPr id="8" name="Rectangle 7"/>
+              <p:cNvSpPr>
+                <a:spLocks noRot="1" noChangeAspect="1" noMove="1" noResize="1" noEditPoints="1" noAdjustHandles="1" noChangeArrowheads="1" noChangeShapeType="1" noTextEdit="1"/>
+              </p:cNvSpPr>
+              <p:nvPr/>
+            </p:nvSpPr>
+            <p:spPr>
+              <a:xfrm>
+                <a:off x="3769812" y="4736068"/>
+                <a:ext cx="1909176" cy="369332"/>
+              </a:xfrm>
+              <a:prstGeom prst="rect">
+                <a:avLst/>
+              </a:prstGeom>
+              <a:blipFill rotWithShape="1">
+                <a:blip r:embed="rId4"/>
+                <a:stretch>
+                  <a:fillRect t="-116393" b="-175410"/>
+                </a:stretch>
+              </a:blipFill>
+            </p:spPr>
+            <p:txBody>
+              <a:bodyPr/>
+              <a:lstStyle/>
+              <a:p>
+                <a:r>
+                  <a:rPr lang="en-US">
+                    <a:noFill/>
+                  </a:rPr>
+                  <a:t> </a:t>
+                </a:r>
+              </a:p>
+            </p:txBody>
+          </p:sp>
+        </mc:Fallback>
+      </mc:AlternateContent>
+      <mc:AlternateContent xmlns:mc="http://schemas.openxmlformats.org/markup-compatibility/2006">
+        <mc:Choice xmlns:a14="http://schemas.microsoft.com/office/drawing/2010/main" Requires="a14">
+          <p:sp>
+            <p:nvSpPr>
+              <p:cNvPr id="9" name="Rectangle 8"/>
+              <p:cNvSpPr/>
+              <p:nvPr/>
+            </p:nvSpPr>
+            <p:spPr>
+              <a:xfrm>
+                <a:off x="3922212" y="4888468"/>
+                <a:ext cx="1909176" cy="369332"/>
+              </a:xfrm>
+              <a:prstGeom prst="rect">
+                <a:avLst/>
+              </a:prstGeom>
+            </p:spPr>
+            <p:txBody>
+              <a:bodyPr wrap="none">
+                <a:spAutoFit/>
+              </a:bodyPr>
+              <a:lstStyle/>
+              <a:p>
+                <a14:m>
+                  <m:oMathPara xmlns:m="http://schemas.openxmlformats.org/officeDocument/2006/math">
+                    <m:oMathParaPr>
+                      <m:jc m:val="centerGroup"/>
+                    </m:oMathParaPr>
+                    <m:oMath xmlns:m="http://schemas.openxmlformats.org/officeDocument/2006/math">
+                      <m:f>
+                        <m:fPr>
+                          <m:type m:val="lin"/>
+                          <m:ctrlPr>
+                            <a:rPr lang="en-US" i="1">
+                              <a:latin typeface="Cambria Math"/>
+                              <a:ea typeface="Cambria Math"/>
+                            </a:rPr>
+                          </m:ctrlPr>
+                        </m:fPr>
+                        <m:num>
+                          <m:d>
+                            <m:dPr>
+                              <m:begChr m:val="|"/>
+                              <m:endChr m:val="|"/>
+                              <m:ctrlPr>
+                                <a:rPr lang="en-US" i="1">
+                                  <a:latin typeface="Cambria Math"/>
+                                  <a:ea typeface="Cambria Math"/>
+                                </a:rPr>
+                              </m:ctrlPr>
+                            </m:dPr>
+                            <m:e>
+                              <m:r>
+                                <a:rPr lang="en-US" i="1">
+                                  <a:latin typeface="Cambria Math"/>
+                                  <a:ea typeface="Cambria Math"/>
+                                </a:rPr>
+                                <m:t>𝑡𝑟</m:t>
+                              </m:r>
+                              <m:r>
+                                <a:rPr lang="en-US" b="1" i="1">
+                                  <a:latin typeface="Cambria Math"/>
+                                  <a:ea typeface="Cambria Math"/>
+                                </a:rPr>
+                                <m:t>𝒙</m:t>
+                              </m:r>
+                              <m:r>
+                                <a:rPr lang="en-US" i="1">
+                                  <a:latin typeface="Cambria Math"/>
+                                  <a:ea typeface="Cambria Math"/>
+                                </a:rPr>
+                                <m:t>−</m:t>
+                              </m:r>
+                              <m:r>
+                                <a:rPr lang="en-US" i="1">
+                                  <a:latin typeface="Cambria Math"/>
+                                  <a:ea typeface="Cambria Math"/>
+                                </a:rPr>
+                                <m:t>𝑛</m:t>
+                              </m:r>
+                            </m:e>
+                          </m:d>
+                        </m:num>
+                        <m:den>
+                          <m:r>
+                            <a:rPr lang="en-US" i="1">
+                              <a:latin typeface="Cambria Math"/>
+                              <a:ea typeface="Cambria Math"/>
+                            </a:rPr>
+                            <m:t>𝑛</m:t>
+                          </m:r>
+                        </m:den>
+                      </m:f>
+                      <m:r>
+                        <a:rPr lang="en-US" i="1">
+                          <a:latin typeface="Cambria Math"/>
+                          <a:ea typeface="Cambria Math"/>
+                        </a:rPr>
+                        <m:t>&gt; </m:t>
+                      </m:r>
+                      <m:r>
+                        <m:rPr>
+                          <m:sty m:val="p"/>
+                        </m:rPr>
+                        <a:rPr lang="el-GR" i="1">
+                          <a:latin typeface="Cambria Math"/>
+                          <a:ea typeface="Cambria Math"/>
+                        </a:rPr>
+                        <m:t>τ</m:t>
+                      </m:r>
+                      <m:r>
+                        <a:rPr lang="en-US" i="1">
+                          <a:latin typeface="Cambria Math"/>
+                          <a:ea typeface="Cambria Math"/>
+                        </a:rPr>
+                        <m:t> </m:t>
+                      </m:r>
+                    </m:oMath>
+                  </m:oMathPara>
+                </a14:m>
+                <a:endParaRPr lang="en-US" dirty="0"/>
+              </a:p>
+            </p:txBody>
+          </p:sp>
+        </mc:Choice>
+        <mc:Fallback>
+          <p:sp>
+            <p:nvSpPr>
+              <p:cNvPr id="9" name="Rectangle 8"/>
+              <p:cNvSpPr>
+                <a:spLocks noRot="1" noChangeAspect="1" noMove="1" noResize="1" noEditPoints="1" noAdjustHandles="1" noChangeArrowheads="1" noChangeShapeType="1" noTextEdit="1"/>
+              </p:cNvSpPr>
+              <p:nvPr/>
+            </p:nvSpPr>
+            <p:spPr>
+              <a:xfrm>
+                <a:off x="3922212" y="4888468"/>
+                <a:ext cx="1909176" cy="369332"/>
+              </a:xfrm>
+              <a:prstGeom prst="rect">
+                <a:avLst/>
+              </a:prstGeom>
+              <a:blipFill rotWithShape="1">
+                <a:blip r:embed="rId4"/>
+                <a:stretch>
+                  <a:fillRect t="-116393" b="-175410"/>
+                </a:stretch>
+              </a:blipFill>
+            </p:spPr>
+            <p:txBody>
+              <a:bodyPr/>
+              <a:lstStyle/>
+              <a:p>
+                <a:r>
+                  <a:rPr lang="en-US">
+                    <a:noFill/>
+                  </a:rPr>
+                  <a:t> </a:t>
+                </a:r>
+              </a:p>
+            </p:txBody>
+          </p:sp>
+        </mc:Fallback>
+      </mc:AlternateContent>
+      <mc:AlternateContent xmlns:mc="http://schemas.openxmlformats.org/markup-compatibility/2006">
+        <mc:Choice xmlns:a14="http://schemas.microsoft.com/office/drawing/2010/main" Requires="a14">
+          <p:sp>
+            <p:nvSpPr>
+              <p:cNvPr id="10" name="Rectangle 9"/>
+              <p:cNvSpPr/>
+              <p:nvPr/>
+            </p:nvSpPr>
+            <p:spPr>
+              <a:xfrm>
+                <a:off x="4074612" y="5040868"/>
+                <a:ext cx="1909176" cy="369332"/>
+              </a:xfrm>
+              <a:prstGeom prst="rect">
+                <a:avLst/>
+              </a:prstGeom>
+            </p:spPr>
+            <p:txBody>
+              <a:bodyPr wrap="none">
+                <a:spAutoFit/>
+              </a:bodyPr>
+              <a:lstStyle/>
+              <a:p>
+                <a14:m>
+                  <m:oMathPara xmlns:m="http://schemas.openxmlformats.org/officeDocument/2006/math">
+                    <m:oMathParaPr>
+                      <m:jc m:val="centerGroup"/>
+                    </m:oMathParaPr>
+                    <m:oMath xmlns:m="http://schemas.openxmlformats.org/officeDocument/2006/math">
+                      <m:f>
+                        <m:fPr>
+                          <m:type m:val="lin"/>
+                          <m:ctrlPr>
+                            <a:rPr lang="en-US" i="1">
+                              <a:latin typeface="Cambria Math"/>
+                              <a:ea typeface="Cambria Math"/>
+                            </a:rPr>
+                          </m:ctrlPr>
+                        </m:fPr>
+                        <m:num>
+                          <m:d>
+                            <m:dPr>
+                              <m:begChr m:val="|"/>
+                              <m:endChr m:val="|"/>
+                              <m:ctrlPr>
+                                <a:rPr lang="en-US" i="1">
+                                  <a:latin typeface="Cambria Math"/>
+                                  <a:ea typeface="Cambria Math"/>
+                                </a:rPr>
+                              </m:ctrlPr>
+                            </m:dPr>
+                            <m:e>
+                              <m:r>
+                                <a:rPr lang="en-US" i="1">
+                                  <a:latin typeface="Cambria Math"/>
+                                  <a:ea typeface="Cambria Math"/>
+                                </a:rPr>
+                                <m:t>𝑡𝑟</m:t>
+                              </m:r>
+                              <m:r>
+                                <a:rPr lang="en-US" b="1" i="1">
+                                  <a:latin typeface="Cambria Math"/>
+                                  <a:ea typeface="Cambria Math"/>
+                                </a:rPr>
+                                <m:t>𝒙</m:t>
+                              </m:r>
+                              <m:r>
+                                <a:rPr lang="en-US" i="1">
+                                  <a:latin typeface="Cambria Math"/>
+                                  <a:ea typeface="Cambria Math"/>
+                                </a:rPr>
+                                <m:t>−</m:t>
+                              </m:r>
+                              <m:r>
+                                <a:rPr lang="en-US" i="1">
+                                  <a:latin typeface="Cambria Math"/>
+                                  <a:ea typeface="Cambria Math"/>
+                                </a:rPr>
+                                <m:t>𝑛</m:t>
+                              </m:r>
+                            </m:e>
+                          </m:d>
+                        </m:num>
+                        <m:den>
+                          <m:r>
+                            <a:rPr lang="en-US" i="1">
+                              <a:latin typeface="Cambria Math"/>
+                              <a:ea typeface="Cambria Math"/>
+                            </a:rPr>
+                            <m:t>𝑛</m:t>
+                          </m:r>
+                        </m:den>
+                      </m:f>
+                      <m:r>
+                        <a:rPr lang="en-US" i="1">
+                          <a:latin typeface="Cambria Math"/>
+                          <a:ea typeface="Cambria Math"/>
+                        </a:rPr>
+                        <m:t>&gt; </m:t>
+                      </m:r>
+                      <m:r>
+                        <m:rPr>
+                          <m:sty m:val="p"/>
+                        </m:rPr>
+                        <a:rPr lang="el-GR" i="1">
+                          <a:latin typeface="Cambria Math"/>
+                          <a:ea typeface="Cambria Math"/>
+                        </a:rPr>
+                        <m:t>τ</m:t>
+                      </m:r>
+                      <m:r>
+                        <a:rPr lang="en-US" i="1">
+                          <a:latin typeface="Cambria Math"/>
+                          <a:ea typeface="Cambria Math"/>
+                        </a:rPr>
+                        <m:t> </m:t>
+                      </m:r>
+                    </m:oMath>
+                  </m:oMathPara>
+                </a14:m>
+                <a:endParaRPr lang="en-US" dirty="0"/>
+              </a:p>
+            </p:txBody>
+          </p:sp>
+        </mc:Choice>
+        <mc:Fallback>
+          <p:sp>
+            <p:nvSpPr>
+              <p:cNvPr id="10" name="Rectangle 9"/>
+              <p:cNvSpPr>
+                <a:spLocks noRot="1" noChangeAspect="1" noMove="1" noResize="1" noEditPoints="1" noAdjustHandles="1" noChangeArrowheads="1" noChangeShapeType="1" noTextEdit="1"/>
+              </p:cNvSpPr>
+              <p:nvPr/>
+            </p:nvSpPr>
+            <p:spPr>
+              <a:xfrm>
+                <a:off x="4074612" y="5040868"/>
+                <a:ext cx="1909176" cy="369332"/>
+              </a:xfrm>
+              <a:prstGeom prst="rect">
+                <a:avLst/>
+              </a:prstGeom>
+              <a:blipFill rotWithShape="1">
+                <a:blip r:embed="rId4"/>
+                <a:stretch>
+                  <a:fillRect t="-116393" b="-175410"/>
+                </a:stretch>
+              </a:blipFill>
+            </p:spPr>
+            <p:txBody>
+              <a:bodyPr/>
+              <a:lstStyle/>
+              <a:p>
+                <a:r>
+                  <a:rPr lang="en-US">
+                    <a:noFill/>
+                  </a:rPr>
+                  <a:t> </a:t>
+                </a:r>
+              </a:p>
+            </p:txBody>
+          </p:sp>
+        </mc:Fallback>
+      </mc:AlternateContent>
+      <mc:AlternateContent xmlns:mc="http://schemas.openxmlformats.org/markup-compatibility/2006">
+        <mc:Choice xmlns:a14="http://schemas.microsoft.com/office/drawing/2010/main" Requires="a14">
+          <p:sp>
+            <p:nvSpPr>
+              <p:cNvPr id="11" name="Rectangle 10"/>
+              <p:cNvSpPr/>
+              <p:nvPr/>
+            </p:nvSpPr>
+            <p:spPr>
+              <a:xfrm>
+                <a:off x="4227012" y="5193268"/>
+                <a:ext cx="1909176" cy="369332"/>
+              </a:xfrm>
+              <a:prstGeom prst="rect">
+                <a:avLst/>
+              </a:prstGeom>
+            </p:spPr>
+            <p:txBody>
+              <a:bodyPr wrap="none">
+                <a:spAutoFit/>
+              </a:bodyPr>
+              <a:lstStyle/>
+              <a:p>
+                <a14:m>
+                  <m:oMathPara xmlns:m="http://schemas.openxmlformats.org/officeDocument/2006/math">
+                    <m:oMathParaPr>
+                      <m:jc m:val="centerGroup"/>
+                    </m:oMathParaPr>
+                    <m:oMath xmlns:m="http://schemas.openxmlformats.org/officeDocument/2006/math">
+                      <m:f>
+                        <m:fPr>
+                          <m:type m:val="lin"/>
+                          <m:ctrlPr>
+                            <a:rPr lang="en-US" i="1">
+                              <a:latin typeface="Cambria Math"/>
+                              <a:ea typeface="Cambria Math"/>
+                            </a:rPr>
+                          </m:ctrlPr>
+                        </m:fPr>
+                        <m:num>
+                          <m:d>
+                            <m:dPr>
+                              <m:begChr m:val="|"/>
+                              <m:endChr m:val="|"/>
+                              <m:ctrlPr>
+                                <a:rPr lang="en-US" i="1">
+                                  <a:latin typeface="Cambria Math"/>
+                                  <a:ea typeface="Cambria Math"/>
+                                </a:rPr>
+                              </m:ctrlPr>
+                            </m:dPr>
+                            <m:e>
+                              <m:r>
+                                <a:rPr lang="en-US" i="1">
+                                  <a:latin typeface="Cambria Math"/>
+                                  <a:ea typeface="Cambria Math"/>
+                                </a:rPr>
+                                <m:t>𝑡𝑟</m:t>
+                              </m:r>
+                              <m:r>
+                                <a:rPr lang="en-US" b="1" i="1">
+                                  <a:latin typeface="Cambria Math"/>
+                                  <a:ea typeface="Cambria Math"/>
+                                </a:rPr>
+                                <m:t>𝒙</m:t>
+                              </m:r>
+                              <m:r>
+                                <a:rPr lang="en-US" i="1">
+                                  <a:latin typeface="Cambria Math"/>
+                                  <a:ea typeface="Cambria Math"/>
+                                </a:rPr>
+                                <m:t>−</m:t>
+                              </m:r>
+                              <m:r>
+                                <a:rPr lang="en-US" i="1">
+                                  <a:latin typeface="Cambria Math"/>
+                                  <a:ea typeface="Cambria Math"/>
+                                </a:rPr>
+                                <m:t>𝑛</m:t>
+                              </m:r>
+                            </m:e>
+                          </m:d>
+                        </m:num>
+                        <m:den>
+                          <m:r>
+                            <a:rPr lang="en-US" i="1">
+                              <a:latin typeface="Cambria Math"/>
+                              <a:ea typeface="Cambria Math"/>
+                            </a:rPr>
+                            <m:t>𝑛</m:t>
+                          </m:r>
+                        </m:den>
+                      </m:f>
+                      <m:r>
+                        <a:rPr lang="en-US" i="1">
+                          <a:latin typeface="Cambria Math"/>
+                          <a:ea typeface="Cambria Math"/>
+                        </a:rPr>
+                        <m:t>&gt; </m:t>
+                      </m:r>
+                      <m:r>
+                        <m:rPr>
+                          <m:sty m:val="p"/>
+                        </m:rPr>
+                        <a:rPr lang="el-GR" i="1">
+                          <a:latin typeface="Cambria Math"/>
+                          <a:ea typeface="Cambria Math"/>
+                        </a:rPr>
+                        <m:t>τ</m:t>
+                      </m:r>
+                      <m:r>
+                        <a:rPr lang="en-US" i="1">
+                          <a:latin typeface="Cambria Math"/>
+                          <a:ea typeface="Cambria Math"/>
+                        </a:rPr>
+                        <m:t> </m:t>
+                      </m:r>
+                    </m:oMath>
+                  </m:oMathPara>
+                </a14:m>
+                <a:endParaRPr lang="en-US" dirty="0"/>
+              </a:p>
+            </p:txBody>
+          </p:sp>
+        </mc:Choice>
+        <mc:Fallback>
+          <p:sp>
+            <p:nvSpPr>
+              <p:cNvPr id="11" name="Rectangle 10"/>
+              <p:cNvSpPr>
+                <a:spLocks noRot="1" noChangeAspect="1" noMove="1" noResize="1" noEditPoints="1" noAdjustHandles="1" noChangeArrowheads="1" noChangeShapeType="1" noTextEdit="1"/>
+              </p:cNvSpPr>
+              <p:nvPr/>
+            </p:nvSpPr>
+            <p:spPr>
+              <a:xfrm>
+                <a:off x="4227012" y="5193268"/>
+                <a:ext cx="1909176" cy="369332"/>
+              </a:xfrm>
+              <a:prstGeom prst="rect">
+                <a:avLst/>
+              </a:prstGeom>
+              <a:blipFill rotWithShape="1">
+                <a:blip r:embed="rId4"/>
+                <a:stretch>
+                  <a:fillRect t="-116393" b="-175410"/>
+                </a:stretch>
+              </a:blipFill>
+            </p:spPr>
+            <p:txBody>
+              <a:bodyPr/>
+              <a:lstStyle/>
+              <a:p>
+                <a:r>
+                  <a:rPr lang="en-US">
+                    <a:noFill/>
+                  </a:rPr>
+                  <a:t> </a:t>
+                </a:r>
+              </a:p>
+            </p:txBody>
+          </p:sp>
+        </mc:Fallback>
+      </mc:AlternateContent>
+      <mc:AlternateContent xmlns:mc="http://schemas.openxmlformats.org/markup-compatibility/2006">
+        <mc:Choice xmlns:a14="http://schemas.microsoft.com/office/drawing/2010/main" Requires="a14">
+          <p:sp>
+            <p:nvSpPr>
+              <p:cNvPr id="12" name="Rectangle 11"/>
+              <p:cNvSpPr/>
+              <p:nvPr/>
+            </p:nvSpPr>
+            <p:spPr>
+              <a:xfrm>
+                <a:off x="3881861" y="5345668"/>
+                <a:ext cx="1685077" cy="369332"/>
+              </a:xfrm>
+              <a:prstGeom prst="rect">
+                <a:avLst/>
+              </a:prstGeom>
+            </p:spPr>
+            <p:txBody>
+              <a:bodyPr wrap="none">
+                <a:spAutoFit/>
+              </a:bodyPr>
+              <a:lstStyle/>
+              <a:p>
+                <a14:m>
+                  <m:oMathPara xmlns:m="http://schemas.openxmlformats.org/officeDocument/2006/math">
+                    <m:oMathParaPr>
+                      <m:jc m:val="centerGroup"/>
+                    </m:oMathParaPr>
+                    <m:oMath xmlns:m="http://schemas.openxmlformats.org/officeDocument/2006/math">
+                      <m:r>
+                        <m:rPr>
+                          <m:nor/>
+                        </m:rPr>
+                        <a:rPr lang="en-US" b="1" dirty="0">
+                          <a:latin typeface="Courier New" pitchFamily="49" charset="0"/>
+                          <a:ea typeface="Cambria Math"/>
+                          <a:cs typeface="Courier New" pitchFamily="49" charset="0"/>
+                        </a:rPr>
+                        <m:t>return</m:t>
+                      </m:r>
+                      <m:r>
+                        <a:rPr lang="en-US" i="1" dirty="0">
+                          <a:latin typeface="Cambria Math"/>
+                          <a:ea typeface="Cambria Math"/>
+                          <a:cs typeface="Courier New" pitchFamily="49" charset="0"/>
+                        </a:rPr>
+                        <m:t> </m:t>
+                      </m:r>
+                      <m:r>
+                        <a:rPr lang="en-US" i="1">
+                          <a:latin typeface="Cambria Math"/>
+                          <a:ea typeface="Cambria Math"/>
+                        </a:rPr>
+                        <m:t>{</m:t>
+                      </m:r>
+                      <m:r>
+                        <a:rPr lang="en-US" b="1" i="1">
+                          <a:latin typeface="Cambria Math"/>
+                          <a:ea typeface="Cambria Math"/>
+                        </a:rPr>
+                        <m:t>𝒙</m:t>
+                      </m:r>
+                      <m:r>
+                        <a:rPr lang="en-US" i="1">
+                          <a:latin typeface="Cambria Math"/>
+                          <a:ea typeface="Cambria Math"/>
+                        </a:rPr>
+                        <m:t>, </m:t>
+                      </m:r>
+                      <m:r>
+                        <a:rPr lang="en-US" b="1" i="1">
+                          <a:latin typeface="Cambria Math"/>
+                          <a:ea typeface="Cambria Math"/>
+                        </a:rPr>
+                        <m:t>𝒛</m:t>
+                      </m:r>
+                      <m:r>
+                        <a:rPr lang="en-US" i="1">
+                          <a:latin typeface="Cambria Math"/>
+                          <a:ea typeface="Cambria Math"/>
+                        </a:rPr>
+                        <m:t>} </m:t>
+                      </m:r>
+                    </m:oMath>
+                  </m:oMathPara>
+                </a14:m>
+                <a:endParaRPr lang="en-US" dirty="0"/>
+              </a:p>
+            </p:txBody>
+          </p:sp>
+        </mc:Choice>
+        <mc:Fallback>
+          <p:sp>
+            <p:nvSpPr>
+              <p:cNvPr id="12" name="Rectangle 11"/>
+              <p:cNvSpPr>
+                <a:spLocks noRot="1" noChangeAspect="1" noMove="1" noResize="1" noEditPoints="1" noAdjustHandles="1" noChangeArrowheads="1" noChangeShapeType="1" noTextEdit="1"/>
+              </p:cNvSpPr>
+              <p:nvPr/>
+            </p:nvSpPr>
+            <p:spPr>
+              <a:xfrm>
+                <a:off x="3881861" y="5345668"/>
+                <a:ext cx="1685077" cy="369332"/>
+              </a:xfrm>
+              <a:prstGeom prst="rect">
+                <a:avLst/>
+              </a:prstGeom>
+              <a:blipFill rotWithShape="1">
+                <a:blip r:embed="rId3"/>
+                <a:stretch>
+                  <a:fillRect b="-14754"/>
+                </a:stretch>
+              </a:blipFill>
             </p:spPr>
             <p:txBody>
               <a:bodyPr/>

--- a/sandwitch_results_3_2015/spamm_big_picture.pptx
+++ b/sandwitch_results_3_2015/spamm_big_picture.pptx
@@ -4151,9 +4151,291 @@
           <a:chExt cx="0" cy="0"/>
         </a:xfrm>
       </p:grpSpPr>
+      <p:pic>
+        <p:nvPicPr>
+          <p:cNvPr id="21" name="Picture 20"/>
+          <p:cNvPicPr>
+            <a:picLocks noChangeAspect="1"/>
+          </p:cNvPicPr>
+          <p:nvPr/>
+        </p:nvPicPr>
+        <p:blipFill>
+          <a:blip r:embed="rId2" cstate="print">
+            <a:extLst>
+              <a:ext uri="{28A0092B-C50C-407E-A947-70E740481C1C}">
+                <a14:useLocalDpi xmlns:a14="http://schemas.microsoft.com/office/drawing/2010/main" val="0"/>
+              </a:ext>
+            </a:extLst>
+          </a:blip>
+          <a:stretch>
+            <a:fillRect/>
+          </a:stretch>
+        </p:blipFill>
+        <p:spPr>
+          <a:xfrm>
+            <a:off x="3413760" y="5334000"/>
+            <a:ext cx="1005840" cy="1005840"/>
+          </a:xfrm>
+          <a:prstGeom prst="rect">
+            <a:avLst/>
+          </a:prstGeom>
+        </p:spPr>
+      </p:pic>
+      <p:pic>
+        <p:nvPicPr>
+          <p:cNvPr id="14" name="Picture 13"/>
+          <p:cNvPicPr>
+            <a:picLocks noChangeAspect="1"/>
+          </p:cNvPicPr>
+          <p:nvPr/>
+        </p:nvPicPr>
+        <p:blipFill>
+          <a:blip r:embed="rId3" cstate="print">
+            <a:extLst>
+              <a:ext uri="{28A0092B-C50C-407E-A947-70E740481C1C}">
+                <a14:useLocalDpi xmlns:a14="http://schemas.microsoft.com/office/drawing/2010/main" val="0"/>
+              </a:ext>
+            </a:extLst>
+          </a:blip>
+          <a:stretch>
+            <a:fillRect/>
+          </a:stretch>
+        </p:blipFill>
+        <p:spPr>
+          <a:xfrm>
+            <a:off x="5570727" y="5562600"/>
+            <a:ext cx="601473" cy="1005840"/>
+          </a:xfrm>
+          <a:prstGeom prst="rect">
+            <a:avLst/>
+          </a:prstGeom>
+        </p:spPr>
+      </p:pic>
+      <p:pic>
+        <p:nvPicPr>
+          <p:cNvPr id="3" name="Picture 2"/>
+          <p:cNvPicPr>
+            <a:picLocks noChangeAspect="1"/>
+          </p:cNvPicPr>
+          <p:nvPr/>
+        </p:nvPicPr>
+        <p:blipFill>
+          <a:blip r:embed="rId4">
+            <a:extLst>
+              <a:ext uri="{28A0092B-C50C-407E-A947-70E740481C1C}">
+                <a14:useLocalDpi xmlns:a14="http://schemas.microsoft.com/office/drawing/2010/main" val="0"/>
+              </a:ext>
+            </a:extLst>
+          </a:blip>
+          <a:stretch>
+            <a:fillRect/>
+          </a:stretch>
+        </p:blipFill>
+        <p:spPr>
+          <a:xfrm>
+            <a:off x="3627120" y="1828800"/>
+            <a:ext cx="5364480" cy="4023360"/>
+          </a:xfrm>
+          <a:prstGeom prst="rect">
+            <a:avLst/>
+          </a:prstGeom>
+        </p:spPr>
+      </p:pic>
+      <mc:AlternateContent xmlns:mc="http://schemas.openxmlformats.org/markup-compatibility/2006">
+        <mc:Choice xmlns:a14="http://schemas.microsoft.com/office/drawing/2010/main" Requires="a14">
+          <p:sp>
+            <p:nvSpPr>
+              <p:cNvPr id="16" name="TextBox 15"/>
+              <p:cNvSpPr txBox="1"/>
+              <p:nvPr/>
+            </p:nvSpPr>
+            <p:spPr>
+              <a:xfrm>
+                <a:off x="274320" y="2050971"/>
+                <a:ext cx="3459480" cy="3785652"/>
+              </a:xfrm>
+              <a:prstGeom prst="rect">
+                <a:avLst/>
+              </a:prstGeom>
+              <a:noFill/>
+            </p:spPr>
+            <p:txBody>
+              <a:bodyPr wrap="square" rtlCol="0">
+                <a:spAutoFit/>
+              </a:bodyPr>
+              <a:lstStyle/>
+              <a:p>
+                <a:pPr>
+                  <a:spcBef>
+                    <a:spcPts val="600"/>
+                  </a:spcBef>
+                  <a:spcAft>
+                    <a:spcPts val="600"/>
+                  </a:spcAft>
+                </a:pPr>
+                <a:r>
+                  <a:rPr lang="en-US" sz="2200" dirty="0" smtClean="0"/>
+                  <a:t>In the J. Chen &amp; E. Chow scheme,  scaling increases  gradient at the origin, accelerating convergence of the minimu</a:t>
+                </a:r>
+                <a:r>
+                  <a:rPr lang="en-US" sz="2200" dirty="0" smtClean="0"/>
+                  <a:t>m EV </a:t>
+                </a:r>
+                <a14:m>
+                  <m:oMath xmlns:m="http://schemas.openxmlformats.org/officeDocument/2006/math">
+                    <m:r>
+                      <a:rPr lang="en-US" sz="2200" i="1" dirty="0" smtClean="0">
+                        <a:latin typeface="Cambria Math"/>
+                        <a:ea typeface="Cambria Math" pitchFamily="18" charset="0"/>
+                      </a:rPr>
+                      <m:t>𝑥</m:t>
+                    </m:r>
+                    <m:r>
+                      <a:rPr lang="en-US" sz="2200" i="1" baseline="-25000" dirty="0" smtClean="0">
+                        <a:latin typeface="Cambria Math"/>
+                        <a:ea typeface="Cambria Math" pitchFamily="18" charset="0"/>
+                      </a:rPr>
+                      <m:t>0</m:t>
+                    </m:r>
+                  </m:oMath>
+                </a14:m>
+                <a:endParaRPr lang="en-US" sz="2200" dirty="0" smtClean="0"/>
+              </a:p>
+              <a:p>
+                <a:pPr>
+                  <a:spcBef>
+                    <a:spcPts val="600"/>
+                  </a:spcBef>
+                  <a:spcAft>
+                    <a:spcPts val="600"/>
+                  </a:spcAft>
+                </a:pPr>
+                <a:r>
+                  <a:rPr lang="en-US" sz="2200" dirty="0" smtClean="0"/>
+                  <a:t>A full acceleration of </a:t>
+                </a:r>
+                <a14:m>
+                  <m:oMath xmlns:m="http://schemas.openxmlformats.org/officeDocument/2006/math">
+                    <m:r>
+                      <a:rPr lang="en-US" sz="2200" i="1">
+                        <a:latin typeface="Cambria Math"/>
+                        <a:ea typeface="Cambria Math"/>
+                      </a:rPr>
+                      <m:t>𝛼</m:t>
+                    </m:r>
+                    <m:r>
+                      <a:rPr lang="en-US" sz="2200" b="0" i="1" smtClean="0">
+                        <a:latin typeface="Cambria Math"/>
+                        <a:ea typeface="Cambria Math"/>
+                      </a:rPr>
+                      <m:t>=3</m:t>
+                    </m:r>
+                  </m:oMath>
+                </a14:m>
+                <a:r>
+                  <a:rPr lang="en-US" sz="2200" dirty="0" smtClean="0"/>
+                  <a:t> isn’t possible though, due to instability at </a:t>
+                </a:r>
+                <a14:m>
+                  <m:oMath xmlns:m="http://schemas.openxmlformats.org/officeDocument/2006/math">
+                    <m:r>
+                      <a:rPr lang="en-US" sz="2200" i="1" dirty="0" smtClean="0">
+                        <a:latin typeface="Cambria Math"/>
+                      </a:rPr>
+                      <m:t>𝑥</m:t>
+                    </m:r>
+                    <m:r>
+                      <a:rPr lang="en-US" sz="2200" i="1" dirty="0" smtClean="0">
+                        <a:latin typeface="Cambria Math"/>
+                      </a:rPr>
+                      <m:t>=1</m:t>
+                    </m:r>
+                  </m:oMath>
+                </a14:m>
+                <a:r>
+                  <a:rPr lang="en-US" sz="2200" dirty="0" smtClean="0"/>
+                  <a:t>.  </a:t>
+                </a:r>
+                <a14:m>
+                  <m:oMath xmlns:m="http://schemas.openxmlformats.org/officeDocument/2006/math">
+                    <m:r>
+                      <a:rPr lang="en-US" sz="2200" i="1">
+                        <a:latin typeface="Cambria Math"/>
+                        <a:ea typeface="Cambria Math"/>
+                      </a:rPr>
+                      <m:t>𝛼</m:t>
+                    </m:r>
+                    <m:r>
+                      <a:rPr lang="en-US" sz="2200" i="1">
+                        <a:latin typeface="Cambria Math"/>
+                        <a:ea typeface="Cambria Math"/>
+                      </a:rPr>
+                      <m:t>=2.85</m:t>
+                    </m:r>
+                  </m:oMath>
+                </a14:m>
+                <a:r>
+                  <a:rPr lang="en-US" sz="2200" dirty="0" smtClean="0"/>
+                  <a:t> stabilizes the right.</a:t>
+                </a:r>
+                <a:endParaRPr lang="en-US" sz="2200" dirty="0"/>
+              </a:p>
+              <a:p>
+                <a:pPr>
+                  <a:spcBef>
+                    <a:spcPts val="600"/>
+                  </a:spcBef>
+                  <a:spcAft>
+                    <a:spcPts val="600"/>
+                  </a:spcAft>
+                </a:pPr>
+                <a:endParaRPr lang="en-US" sz="2200" dirty="0" smtClean="0"/>
+              </a:p>
+            </p:txBody>
+          </p:sp>
+        </mc:Choice>
+        <mc:Fallback>
+          <p:sp>
+            <p:nvSpPr>
+              <p:cNvPr id="16" name="TextBox 15"/>
+              <p:cNvSpPr txBox="1">
+                <a:spLocks noRot="1" noChangeAspect="1" noMove="1" noResize="1" noEditPoints="1" noAdjustHandles="1" noChangeArrowheads="1" noChangeShapeType="1" noTextEdit="1"/>
+              </p:cNvSpPr>
+              <p:nvPr/>
+            </p:nvSpPr>
+            <p:spPr>
+              <a:xfrm>
+                <a:off x="274320" y="2050971"/>
+                <a:ext cx="3459480" cy="3785652"/>
+              </a:xfrm>
+              <a:prstGeom prst="rect">
+                <a:avLst/>
+              </a:prstGeom>
+              <a:blipFill rotWithShape="1">
+                <a:blip r:embed="rId5"/>
+                <a:stretch>
+                  <a:fillRect l="-2113" t="-966" r="-2289"/>
+                </a:stretch>
+              </a:blipFill>
+            </p:spPr>
+            <p:txBody>
+              <a:bodyPr/>
+              <a:lstStyle/>
+              <a:p>
+                <a:r>
+                  <a:rPr lang="en-US">
+                    <a:noFill/>
+                  </a:rPr>
+                  <a:t> </a:t>
+                </a:r>
+              </a:p>
+            </p:txBody>
+          </p:sp>
+        </mc:Fallback>
+      </mc:AlternateContent>
       <p:sp>
         <p:nvSpPr>
-          <p:cNvPr id="2" name="Title 1"/>
+          <p:cNvPr id="17" name="Title 1"/>
           <p:cNvSpPr>
             <a:spLocks noGrp="1"/>
           </p:cNvSpPr>
@@ -4161,12 +4443,27 @@
             <p:ph type="title"/>
           </p:nvPr>
         </p:nvSpPr>
-        <p:spPr/>
+        <p:spPr>
+          <a:xfrm>
+            <a:off x="-152400" y="152400"/>
+            <a:ext cx="5029200" cy="533400"/>
+          </a:xfrm>
+        </p:spPr>
         <p:txBody>
-          <a:bodyPr/>
+          <a:bodyPr>
+            <a:normAutofit fontScale="90000"/>
+          </a:bodyPr>
           <a:lstStyle/>
           <a:p>
-            <a:endParaRPr lang="en-US" dirty="0"/>
+            <a:r>
+              <a:rPr lang="en-US" sz="3200" b="1" dirty="0" smtClean="0">
+                <a:latin typeface="Comic Sans MS" pitchFamily="66" charset="0"/>
+              </a:rPr>
+              <a:t>Scaled Newton Schulz</a:t>
+            </a:r>
+            <a:endParaRPr lang="en-US" sz="3200" b="1" dirty="0">
+              <a:latin typeface="Comic Sans MS" pitchFamily="66" charset="0"/>
+            </a:endParaRPr>
           </a:p>
         </p:txBody>
       </p:sp>
@@ -4174,91 +4471,76 @@
         <mc:Choice xmlns:a14="http://schemas.microsoft.com/office/drawing/2010/main" Requires="a14">
           <p:sp>
             <p:nvSpPr>
-              <p:cNvPr id="4" name="Content Placeholder 3"/>
-              <p:cNvSpPr txBox="1">
-                <a:spLocks noGrp="1"/>
-              </p:cNvSpPr>
-              <p:nvPr>
-                <p:ph idx="1"/>
-              </p:nvPr>
+              <p:cNvPr id="18" name="TextBox 17"/>
+              <p:cNvSpPr txBox="1"/>
+              <p:nvPr/>
             </p:nvSpPr>
             <p:spPr>
               <a:xfrm>
-                <a:off x="0" y="2057400"/>
-                <a:ext cx="8686800" cy="2728119"/>
+                <a:off x="304800" y="609600"/>
+                <a:ext cx="8534400" cy="1911934"/>
               </a:xfrm>
               <a:prstGeom prst="rect">
                 <a:avLst/>
               </a:prstGeom>
-              <a:ln/>
+              <a:noFill/>
             </p:spPr>
-            <p:style>
-              <a:lnRef idx="0">
-                <a:schemeClr val="accent4"/>
-              </a:lnRef>
-              <a:fillRef idx="3">
-                <a:schemeClr val="accent4"/>
-              </a:fillRef>
-              <a:effectRef idx="3">
-                <a:schemeClr val="accent4"/>
-              </a:effectRef>
-              <a:fontRef idx="minor">
-                <a:schemeClr val="lt1"/>
-              </a:fontRef>
-            </p:style>
             <p:txBody>
               <a:bodyPr wrap="square" rtlCol="0">
                 <a:spAutoFit/>
               </a:bodyPr>
               <a:lstStyle/>
               <a:p>
-                <a:pPr marL="0" indent="0">
+                <a:pPr marL="342900" indent="-342900">
                   <a:spcBef>
-                    <a:spcPts val="600"/>
+                    <a:spcPts val="1200"/>
                   </a:spcBef>
                   <a:spcAft>
                     <a:spcPts val="600"/>
                   </a:spcAft>
-                  <a:buNone/>
+                  <a:buFont typeface="Arial" pitchFamily="34" charset="0"/>
+                  <a:buChar char="•"/>
                 </a:pPr>
                 <a:r>
-                  <a:rPr lang="en-US" sz="2200" u="sng" dirty="0" smtClean="0"/>
-                  <a:t>nested NS </a:t>
+                  <a:rPr lang="en-US" sz="2000" dirty="0" smtClean="0"/>
+                  <a:t>The naïve</a:t>
                 </a:r>
                 <a:r>
-                  <a:rPr lang="en-US" sz="2200" u="sng" dirty="0" err="1" smtClean="0"/>
-                  <a:t>functionals</a:t>
+                  <a:rPr lang="en-US" sz="1200" dirty="0" smtClean="0"/>
+                  <a:t> </a:t>
                 </a:r>
                 <a:r>
-                  <a:rPr lang="en-US" sz="2200" u="sng" dirty="0" smtClean="0"/>
-                  <a:t>:</a:t>
+                  <a:rPr lang="en-US" sz="2000" i="1" dirty="0" smtClean="0">
+                    <a:latin typeface="Cambria Math" pitchFamily="18" charset="0"/>
+                    <a:ea typeface="Cambria Math" pitchFamily="18" charset="0"/>
+                  </a:rPr>
+                  <a:t>NS</a:t>
                 </a:r>
-                <a:endParaRPr lang="en-US" sz="2200" i="1" dirty="0" smtClean="0">
-                  <a:latin typeface="Cambria Math"/>
-                </a:endParaRPr>
-              </a:p>
-              <a:p>
-                <a:pPr marL="0" indent="0">
-                  <a:spcBef>
-                    <a:spcPts val="600"/>
-                  </a:spcBef>
-                  <a:spcAft>
-                    <a:spcPts val="600"/>
-                  </a:spcAft>
-                  <a:buNone/>
-                </a:pPr>
+                <a:r>
+                  <a:rPr lang="en-US" sz="2000" dirty="0" smtClean="0"/>
+                  <a:t> map is:  </a:t>
+                </a:r>
                 <a14:m>
                   <m:oMath xmlns:m="http://schemas.openxmlformats.org/officeDocument/2006/math">
                     <m:r>
-                      <a:rPr lang="en-US" sz="2000" b="0" i="1" smtClean="0">
+                      <m:rPr>
+                        <m:nor/>
+                      </m:rPr>
+                      <a:rPr lang="en-US" sz="2000" b="0" i="0" smtClean="0">
+                        <a:latin typeface="Courier New" pitchFamily="49" charset="0"/>
+                        <a:cs typeface="Courier New" pitchFamily="49" charset="0"/>
+                      </a:rPr>
+                      <m:t>map</m:t>
+                    </m:r>
+                    <m:r>
+                      <a:rPr lang="en-US" sz="2000" b="0" i="1" baseline="-25000" smtClean="0">
                         <a:latin typeface="Cambria Math"/>
+                        <a:cs typeface="Courier New" pitchFamily="49" charset="0"/>
                       </a:rPr>
                       <m:t>𝑁𝑆</m:t>
                     </m:r>
                     <m:d>
                       <m:dPr>
-                        <m:begChr m:val="["/>
-                        <m:endChr m:val="]"/>
                         <m:ctrlPr>
                           <a:rPr lang="en-US" sz="2000" b="0" i="1" smtClean="0">
                             <a:latin typeface="Cambria Math"/>
@@ -4270,60 +4552,10 @@
                           <a:rPr lang="en-US" sz="2000" b="0" i="1" smtClean="0">
                             <a:latin typeface="Cambria Math"/>
                           </a:rPr>
-                          <m:t> </m:t>
-                        </m:r>
-                        <m:d>
-                          <m:dPr>
-                            <m:begChr m:val="{"/>
-                            <m:endChr m:val="}"/>
-                            <m:ctrlPr>
-                              <a:rPr lang="en-US" sz="2000" b="0" i="1" smtClean="0">
-                                <a:latin typeface="Cambria Math"/>
-                              </a:rPr>
-                            </m:ctrlPr>
-                          </m:dPr>
-                          <m:e>
-                            <m:r>
-                              <a:rPr lang="en-US" sz="2000" b="1" i="1" smtClean="0">
-                                <a:latin typeface="Cambria Math"/>
-                              </a:rPr>
-                              <m:t>𝒙</m:t>
-                            </m:r>
-                            <m:r>
-                              <a:rPr lang="en-US" sz="2000" b="0" i="1" smtClean="0">
-                                <a:latin typeface="Cambria Math"/>
-                              </a:rPr>
-                              <m:t>, </m:t>
-                            </m:r>
-                            <m:r>
-                              <a:rPr lang="en-US" sz="2000" b="1" i="1" smtClean="0">
-                                <a:latin typeface="Cambria Math"/>
-                              </a:rPr>
-                              <m:t>𝒛</m:t>
-                            </m:r>
-                          </m:e>
-                        </m:d>
-                        <m:r>
-                          <a:rPr lang="en-US" sz="2000" b="0" i="1" smtClean="0">
-                            <a:latin typeface="Cambria Math"/>
-                          </a:rPr>
-                          <m:t>, </m:t>
-                        </m:r>
-                        <m:r>
-                          <a:rPr lang="en-US" sz="2000" b="0" i="1" smtClean="0">
-                            <a:latin typeface="Cambria Math"/>
-                            <a:ea typeface="Cambria Math"/>
-                          </a:rPr>
-                          <m:t>𝜏</m:t>
+                          <m:t>𝑥</m:t>
                         </m:r>
                       </m:e>
                     </m:d>
-                    <m:r>
-                      <a:rPr lang="en-US" sz="2000" b="0" i="1" smtClean="0">
-                        <a:latin typeface="Cambria Math"/>
-                      </a:rPr>
-                      <m:t> </m:t>
-                    </m:r>
                     <m:box>
                       <m:boxPr>
                         <m:ctrlPr>
@@ -4345,674 +4577,343 @@
                       <a:rPr lang="en-US" sz="2000" b="0" i="1" smtClean="0">
                         <a:latin typeface="Cambria Math"/>
                       </a:rPr>
-                      <m:t>  </m:t>
+                      <m:t> </m:t>
                     </m:r>
-                  </m:oMath>
-                </a14:m>
-                <a:r>
-                  <a:rPr lang="en-US" sz="2400" b="1" dirty="0" smtClean="0">
-                    <a:latin typeface="Courier New" pitchFamily="49" charset="0"/>
-                    <a:ea typeface="Cambria Math"/>
-                    <a:cs typeface="Courier New" pitchFamily="49" charset="0"/>
-                  </a:rPr>
-                  <a:t>while</a:t>
-                </a:r>
-                <a:r>
-                  <a:rPr lang="en-US" sz="2400" dirty="0" smtClean="0">
-                    <a:ea typeface="Cambria Math"/>
-                  </a:rPr>
-                  <a:t> </a:t>
-                </a:r>
-                <a14:m>
-                  <m:oMath xmlns:m="http://schemas.openxmlformats.org/officeDocument/2006/math">
-                    <m:m>
-                      <m:mPr>
-                        <m:mcs>
-                          <m:mc>
-                            <m:mcPr>
-                              <m:count m:val="1"/>
-                              <m:mcJc m:val="center"/>
-                            </m:mcPr>
-                          </m:mc>
-                        </m:mcs>
-                        <m:ctrlPr>
-                          <a:rPr lang="en-US" sz="2400" b="0" i="1" smtClean="0">
-                            <a:latin typeface="Cambria Math"/>
-                            <a:ea typeface="Cambria Math"/>
-                          </a:rPr>
-                        </m:ctrlPr>
-                      </m:mPr>
-                      <m:mr>
-                        <m:e>
-                          <m:d>
-                            <m:dPr>
-                              <m:begChr m:val="["/>
-                              <m:endChr m:val="]"/>
-                              <m:ctrlPr>
-                                <a:rPr lang="en-US" sz="2400" b="0" i="1" smtClean="0">
-                                  <a:latin typeface="Cambria Math"/>
-                                  <a:ea typeface="Cambria Math"/>
-                                </a:rPr>
-                              </m:ctrlPr>
-                            </m:dPr>
-                            <m:e>
-                              <m:r>
-                                <a:rPr lang="en-US" sz="2400" b="0" i="1" smtClean="0">
-                                  <a:latin typeface="Cambria Math"/>
-                                  <a:ea typeface="Cambria Math"/>
-                                </a:rPr>
-                                <m:t>𝑣𝑣</m:t>
-                              </m:r>
-                            </m:e>
-                          </m:d>
-                        </m:e>
-                      </m:mr>
-                      <m:mr>
-                        <m:e/>
-                      </m:mr>
-                    </m:m>
+                    <m:r>
+                      <a:rPr lang="en-US" sz="2000" b="0" i="1" smtClean="0">
+                        <a:latin typeface="Cambria Math"/>
+                      </a:rPr>
+                      <m:t>𝑧</m:t>
+                    </m:r>
                     <m:d>
                       <m:dPr>
-                        <m:begChr m:val="["/>
-                        <m:endChr m:val="]"/>
                         <m:ctrlPr>
-                          <a:rPr lang="en-US" sz="2400" b="0" i="1" smtClean="0">
+                          <a:rPr lang="en-US" sz="2000" b="0" i="1" smtClean="0">
                             <a:latin typeface="Cambria Math"/>
-                            <a:ea typeface="Cambria Math"/>
                           </a:rPr>
                         </m:ctrlPr>
                       </m:dPr>
                       <m:e>
                         <m:r>
-                          <a:rPr lang="en-US" sz="2400" b="0" i="1" smtClean="0">
+                          <a:rPr lang="en-US" sz="2000" b="0" i="1" smtClean="0">
+                            <a:latin typeface="Cambria Math"/>
+                          </a:rPr>
+                          <m:t>𝑥</m:t>
+                        </m:r>
+                      </m:e>
+                    </m:d>
+                    <m:r>
+                      <a:rPr lang="en-US" sz="2000" b="0" i="1" smtClean="0">
+                        <a:latin typeface="Cambria Math"/>
+                        <a:ea typeface="Cambria Math"/>
+                      </a:rPr>
+                      <m:t>∙</m:t>
+                    </m:r>
+                    <m:r>
+                      <a:rPr lang="en-US" sz="2000" b="0" i="1" smtClean="0">
+                        <a:latin typeface="Cambria Math"/>
+                      </a:rPr>
+                      <m:t> </m:t>
+                    </m:r>
+                    <m:r>
+                      <a:rPr lang="en-US" sz="2000" b="0" i="1" smtClean="0">
+                        <a:latin typeface="Cambria Math"/>
+                      </a:rPr>
+                      <m:t>𝑥</m:t>
+                    </m:r>
+                    <m:r>
+                      <a:rPr lang="en-US" sz="2000" b="0" i="1" smtClean="0">
+                        <a:latin typeface="Cambria Math"/>
+                        <a:ea typeface="Cambria Math"/>
+                      </a:rPr>
+                      <m:t>∙</m:t>
+                    </m:r>
+                    <m:r>
+                      <a:rPr lang="en-US" sz="2000" b="0" i="1" smtClean="0">
+                        <a:latin typeface="Cambria Math"/>
+                      </a:rPr>
+                      <m:t> </m:t>
+                    </m:r>
+                    <m:r>
+                      <a:rPr lang="en-US" sz="2000" b="0" i="1" smtClean="0">
+                        <a:latin typeface="Cambria Math"/>
+                      </a:rPr>
+                      <m:t>𝑧</m:t>
+                    </m:r>
+                    <m:d>
+                      <m:dPr>
+                        <m:ctrlPr>
+                          <a:rPr lang="en-US" sz="2000" b="0" i="1" smtClean="0">
+                            <a:latin typeface="Cambria Math"/>
+                          </a:rPr>
+                        </m:ctrlPr>
+                      </m:dPr>
+                      <m:e>
+                        <m:r>
+                          <a:rPr lang="en-US" sz="2000" b="0" i="1" smtClean="0">
+                            <a:latin typeface="Cambria Math"/>
+                          </a:rPr>
+                          <m:t>𝑥</m:t>
+                        </m:r>
+                      </m:e>
+                    </m:d>
+                    <m:r>
+                      <a:rPr lang="en-US" sz="2000" b="0" i="1" smtClean="0">
+                        <a:latin typeface="Cambria Math"/>
+                      </a:rPr>
+                      <m:t>,</m:t>
+                    </m:r>
+                    <m:r>
+                      <m:rPr>
+                        <m:nor/>
+                      </m:rPr>
+                      <a:rPr lang="en-US" sz="2000" b="0" i="0" smtClean="0">
+                        <a:latin typeface="Cambria Math"/>
+                      </a:rPr>
+                      <m:t> </m:t>
+                    </m:r>
+                    <m:r>
+                      <m:rPr>
+                        <m:nor/>
+                      </m:rPr>
+                      <a:rPr lang="en-US" sz="2000" b="0" i="0" smtClean="0">
+                        <a:latin typeface="Cambria Math"/>
+                      </a:rPr>
+                      <m:t>with</m:t>
+                    </m:r>
+                    <m:r>
+                      <a:rPr lang="en-US" sz="2000" b="0" i="1" smtClean="0">
+                        <a:latin typeface="Cambria Math"/>
+                      </a:rPr>
+                      <m:t> </m:t>
+                    </m:r>
+                    <m:r>
+                      <a:rPr lang="en-US" sz="2000" b="0" i="1" smtClean="0">
+                        <a:latin typeface="Cambria Math"/>
+                      </a:rPr>
+                      <m:t>𝑧</m:t>
+                    </m:r>
+                    <m:d>
+                      <m:dPr>
+                        <m:ctrlPr>
+                          <a:rPr lang="en-US" sz="2000" b="0" i="1" smtClean="0">
+                            <a:latin typeface="Cambria Math"/>
+                          </a:rPr>
+                        </m:ctrlPr>
+                      </m:dPr>
+                      <m:e>
+                        <m:r>
+                          <a:rPr lang="en-US" sz="2000" b="0" i="1" smtClean="0">
+                            <a:latin typeface="Cambria Math"/>
+                          </a:rPr>
+                          <m:t>𝑥</m:t>
+                        </m:r>
+                      </m:e>
+                    </m:d>
+                    <m:r>
+                      <a:rPr lang="en-US" sz="2000" b="0" i="1" smtClean="0">
+                        <a:latin typeface="Cambria Math"/>
+                      </a:rPr>
+                      <m:t>=</m:t>
+                    </m:r>
+                    <m:f>
+                      <m:fPr>
+                        <m:ctrlPr>
+                          <a:rPr lang="en-US" sz="2000" b="0" i="1" smtClean="0">
+                            <a:latin typeface="Cambria Math"/>
+                          </a:rPr>
+                        </m:ctrlPr>
+                      </m:fPr>
+                      <m:num>
+                        <m:r>
+                          <a:rPr lang="en-US" sz="2000" b="0" i="1" smtClean="0">
+                            <a:latin typeface="Cambria Math"/>
+                          </a:rPr>
+                          <m:t>1</m:t>
+                        </m:r>
+                      </m:num>
+                      <m:den>
+                        <m:r>
+                          <a:rPr lang="en-US" sz="2000" b="0" i="1" smtClean="0">
+                            <a:latin typeface="Cambria Math"/>
+                          </a:rPr>
+                          <m:t>2</m:t>
+                        </m:r>
+                      </m:den>
+                    </m:f>
+                    <m:d>
+                      <m:dPr>
+                        <m:ctrlPr>
+                          <a:rPr lang="en-US" sz="2000" b="0" i="1" smtClean="0">
+                            <a:latin typeface="Cambria Math"/>
+                          </a:rPr>
+                        </m:ctrlPr>
+                      </m:dPr>
+                      <m:e>
+                        <m:r>
+                          <a:rPr lang="en-US" sz="2000" b="0" i="1" smtClean="0">
+                            <a:latin typeface="Cambria Math"/>
+                          </a:rPr>
+                          <m:t>3−</m:t>
+                        </m:r>
+                        <m:r>
+                          <a:rPr lang="en-US" sz="2000" b="0" i="1" smtClean="0">
+                            <a:latin typeface="Cambria Math"/>
+                          </a:rPr>
+                          <m:t>𝑥</m:t>
+                        </m:r>
+                      </m:e>
+                    </m:d>
+                  </m:oMath>
+                </a14:m>
+                <a:endParaRPr lang="en-US" sz="2000" dirty="0" smtClean="0"/>
+              </a:p>
+              <a:p>
+                <a:pPr marL="342900" indent="-342900">
+                  <a:spcBef>
+                    <a:spcPts val="1200"/>
+                  </a:spcBef>
+                  <a:spcAft>
+                    <a:spcPts val="600"/>
+                  </a:spcAft>
+                  <a:buFont typeface="Arial" pitchFamily="34" charset="0"/>
+                  <a:buChar char="•"/>
+                </a:pPr>
+                <a:r>
+                  <a:rPr lang="en-US" sz="2000" dirty="0" smtClean="0"/>
+                  <a:t>Much recent work on the scaled </a:t>
+                </a:r>
+                <a:r>
+                  <a:rPr lang="en-US" sz="2000" i="1" dirty="0" smtClean="0">
+                    <a:latin typeface="Cambria Math" pitchFamily="18" charset="0"/>
+                    <a:ea typeface="Cambria Math" pitchFamily="18" charset="0"/>
+                  </a:rPr>
+                  <a:t>NS</a:t>
+                </a:r>
+                <a:r>
+                  <a:rPr lang="en-US" sz="1000" i="1" dirty="0" smtClean="0">
+                    <a:latin typeface="Cambria Math" pitchFamily="18" charset="0"/>
+                    <a:ea typeface="Cambria Math" pitchFamily="18" charset="0"/>
+                  </a:rPr>
+                  <a:t> </a:t>
+                </a:r>
+                <a:r>
+                  <a:rPr lang="en-US" sz="2000" dirty="0" smtClean="0"/>
+                  <a:t>;  </a:t>
+                </a:r>
+                <a14:m>
+                  <m:oMath xmlns:m="http://schemas.openxmlformats.org/officeDocument/2006/math">
+                    <m:r>
+                      <m:rPr>
+                        <m:nor/>
+                      </m:rPr>
+                      <a:rPr lang="en-US" sz="2000">
+                        <a:latin typeface="Courier New" pitchFamily="49" charset="0"/>
+                        <a:cs typeface="Courier New" pitchFamily="49" charset="0"/>
+                      </a:rPr>
+                      <m:t>map</m:t>
+                    </m:r>
+                    <m:r>
+                      <a:rPr lang="en-US" sz="2000" b="0" i="1" baseline="-25000" smtClean="0">
+                        <a:latin typeface="Cambria Math"/>
+                        <a:cs typeface="Courier New" pitchFamily="49" charset="0"/>
+                      </a:rPr>
+                      <m:t>𝑠𝑁</m:t>
+                    </m:r>
+                    <m:r>
+                      <a:rPr lang="en-US" sz="2000" i="1" baseline="-25000">
+                        <a:latin typeface="Cambria Math"/>
+                        <a:cs typeface="Courier New" pitchFamily="49" charset="0"/>
+                      </a:rPr>
+                      <m:t>𝑆</m:t>
+                    </m:r>
+                    <m:d>
+                      <m:dPr>
+                        <m:ctrlPr>
+                          <a:rPr lang="en-US" sz="2000" i="1">
+                            <a:latin typeface="Cambria Math"/>
+                          </a:rPr>
+                        </m:ctrlPr>
+                      </m:dPr>
+                      <m:e>
+                        <m:r>
+                          <a:rPr lang="en-US" sz="2000" b="0" i="1" smtClean="0">
+                            <a:latin typeface="Cambria Math"/>
+                          </a:rPr>
+                          <m:t> </m:t>
+                        </m:r>
+                        <m:r>
+                          <a:rPr lang="en-US" sz="2000" b="0" i="1" smtClean="0">
+                            <a:latin typeface="Cambria Math"/>
+                            <a:ea typeface="Cambria Math"/>
+                          </a:rPr>
+                          <m:t>𝛼</m:t>
+                        </m:r>
+                        <m:r>
+                          <a:rPr lang="en-US" sz="2000" b="0" i="1" smtClean="0">
                             <a:latin typeface="Cambria Math"/>
                             <a:ea typeface="Cambria Math"/>
                           </a:rPr>
                           <m:t> </m:t>
                         </m:r>
-                        <m:eqArr>
-                          <m:eqArrPr>
-                            <m:ctrlPr>
-                              <a:rPr lang="en-US" sz="2400" b="1" i="1">
-                                <a:latin typeface="Cambria Math"/>
-                                <a:ea typeface="Cambria Math"/>
-                              </a:rPr>
-                            </m:ctrlPr>
-                          </m:eqArrPr>
-                          <m:e>
-                            <m:r>
-                              <a:rPr lang="en-US" sz="2400" b="1" i="1">
-                                <a:latin typeface="Cambria Math"/>
-                                <a:ea typeface="Cambria Math"/>
-                              </a:rPr>
-                              <m:t>𝒙</m:t>
-                            </m:r>
-                            <m:r>
-                              <a:rPr lang="en-US" sz="2400" i="1">
-                                <a:latin typeface="Cambria Math"/>
-                                <a:ea typeface="Cambria Math"/>
-                              </a:rPr>
-                              <m:t>←</m:t>
-                            </m:r>
-                            <m:r>
-                              <m:rPr>
-                                <m:nor/>
-                              </m:rPr>
-                              <a:rPr lang="en-US" sz="2400">
-                                <a:latin typeface="Courier New" pitchFamily="49" charset="0"/>
-                                <a:ea typeface="Cambria Math"/>
-                                <a:cs typeface="Courier New" pitchFamily="49" charset="0"/>
-                              </a:rPr>
-                              <m:t>map</m:t>
-                            </m:r>
-                            <m:r>
-                              <m:rPr>
-                                <m:nor/>
-                              </m:rPr>
-                              <a:rPr lang="en-US" sz="2400" i="1" baseline="-25000">
-                                <a:latin typeface="Cambria Math"/>
-                                <a:ea typeface="Cambria Math"/>
-                              </a:rPr>
-                              <m:t>NS</m:t>
-                            </m:r>
-                            <m:r>
-                              <a:rPr lang="en-US" sz="2400" i="1" baseline="-25000">
-                                <a:latin typeface="Cambria Math"/>
-                                <a:ea typeface="Cambria Math"/>
-                              </a:rPr>
-                              <m:t> </m:t>
-                            </m:r>
-                            <m:d>
-                              <m:dPr>
-                                <m:begChr m:val="["/>
-                                <m:endChr m:val="]"/>
-                                <m:ctrlPr>
-                                  <a:rPr lang="en-US" sz="2400" i="1">
-                                    <a:latin typeface="Cambria Math"/>
-                                    <a:ea typeface="Cambria Math"/>
-                                  </a:rPr>
-                                </m:ctrlPr>
-                              </m:dPr>
-                              <m:e>
-                                <m:r>
-                                  <a:rPr lang="en-US" sz="2400" b="1" i="1">
-                                    <a:latin typeface="Cambria Math"/>
-                                    <a:ea typeface="Cambria Math"/>
-                                  </a:rPr>
-                                  <m:t>𝒙</m:t>
-                                </m:r>
-                              </m:e>
-                            </m:d>
-                            <m:r>
-                              <a:rPr lang="en-US" sz="2400" b="0" i="1" smtClean="0">
-                                <a:latin typeface="Cambria Math"/>
-                                <a:ea typeface="Cambria Math"/>
-                              </a:rPr>
-                              <m:t>       </m:t>
-                            </m:r>
-                          </m:e>
-                          <m:e>
-                            <m:r>
-                              <a:rPr lang="en-US" sz="2400" b="1" i="1">
-                                <a:latin typeface="Cambria Math"/>
-                                <a:ea typeface="Cambria Math"/>
-                              </a:rPr>
-                              <m:t>𝒛</m:t>
-                            </m:r>
-                            <m:r>
-                              <a:rPr lang="en-US" sz="2400" b="1" i="1">
-                                <a:latin typeface="Cambria Math"/>
-                                <a:ea typeface="Cambria Math"/>
-                              </a:rPr>
-                              <m:t>←</m:t>
-                            </m:r>
-                            <m:r>
-                              <a:rPr lang="en-US" sz="2400" b="1" i="1">
-                                <a:latin typeface="Cambria Math"/>
-                                <a:ea typeface="Cambria Math"/>
-                              </a:rPr>
-                              <m:t>𝒛</m:t>
-                            </m:r>
-                            <m:r>
-                              <a:rPr lang="en-US" sz="2400" b="1" i="1">
-                                <a:latin typeface="Cambria Math"/>
-                                <a:ea typeface="Cambria Math"/>
-                              </a:rPr>
-                              <m:t>  </m:t>
-                            </m:r>
-                            <m:sSub>
-                              <m:sSubPr>
-                                <m:ctrlPr>
-                                  <a:rPr lang="en-US" sz="2400" b="1" i="1">
-                                    <a:latin typeface="Cambria Math"/>
-                                    <a:ea typeface="Cambria Math"/>
-                                  </a:rPr>
-                                </m:ctrlPr>
-                              </m:sSubPr>
-                              <m:e>
-                                <m:r>
-                                  <a:rPr lang="en-US" sz="2400" b="1" i="1">
-                                    <a:latin typeface="Cambria Math"/>
-                                    <a:ea typeface="Cambria Math"/>
-                                    <a:sym typeface="Symbol"/>
-                                  </a:rPr>
-                                  <m:t></m:t>
-                                </m:r>
-                              </m:e>
-                              <m:sub>
-                                <m:r>
-                                  <a:rPr lang="el-GR" sz="2400" b="1" i="1">
-                                    <a:latin typeface="Cambria Math"/>
-                                    <a:ea typeface="Cambria Math"/>
-                                  </a:rPr>
-                                  <m:t>𝝉</m:t>
-                                </m:r>
-                                <m:r>
-                                  <m:rPr>
-                                    <m:nor/>
-                                  </m:rPr>
-                                  <a:rPr lang="en-US" sz="2400" dirty="0">
-                                    <a:ea typeface="Cambria Math"/>
-                                  </a:rPr>
-                                  <m:t> </m:t>
-                                </m:r>
-                              </m:sub>
-                            </m:sSub>
-                            <m:r>
-                              <a:rPr lang="en-US" sz="2400" b="1" i="1">
-                                <a:latin typeface="Cambria Math"/>
-                                <a:ea typeface="Cambria Math"/>
-                              </a:rPr>
-                              <m:t>𝒙</m:t>
-                            </m:r>
-                            <m:r>
-                              <m:rPr>
-                                <m:nor/>
-                              </m:rPr>
-                              <a:rPr lang="en-US" sz="2400" b="1" i="1" smtClean="0">
-                                <a:latin typeface="Cambria Math"/>
-                                <a:ea typeface="Cambria Math"/>
-                              </a:rPr>
-                              <m:t>           </m:t>
-                            </m:r>
-                            <m:r>
-                              <m:rPr>
-                                <m:nor/>
-                              </m:rPr>
-                              <a:rPr lang="en-US" sz="2400" b="1" i="1" dirty="0">
-                                <a:latin typeface="Cambria Math"/>
-                                <a:ea typeface="Cambria Math"/>
-                              </a:rPr>
-                              <m:t> </m:t>
-                            </m:r>
-                          </m:e>
-                          <m:e>
-                            <m:r>
-                              <a:rPr lang="en-US" sz="2400" b="1" i="1">
-                                <a:latin typeface="Cambria Math"/>
-                                <a:ea typeface="Cambria Math"/>
-                              </a:rPr>
-                              <m:t>𝒙</m:t>
-                            </m:r>
-                            <m:r>
-                              <a:rPr lang="en-US" sz="2400" b="1" i="1">
-                                <a:latin typeface="Cambria Math"/>
-                                <a:ea typeface="Cambria Math"/>
-                              </a:rPr>
-                              <m:t>←</m:t>
-                            </m:r>
-                            <m:r>
-                              <a:rPr lang="en-US" sz="2400" b="1" i="1">
-                                <a:latin typeface="Cambria Math"/>
-                                <a:ea typeface="Cambria Math"/>
-                              </a:rPr>
-                              <m:t>𝒛</m:t>
-                            </m:r>
-                            <m:r>
-                              <a:rPr lang="en-US" sz="2400" b="1" i="1">
-                                <a:latin typeface="Cambria Math"/>
-                                <a:ea typeface="Cambria Math"/>
-                              </a:rPr>
-                              <m:t> </m:t>
-                            </m:r>
-                            <m:sSub>
-                              <m:sSubPr>
-                                <m:ctrlPr>
-                                  <a:rPr lang="en-US" sz="2400" b="1" i="1">
-                                    <a:latin typeface="Cambria Math"/>
-                                    <a:ea typeface="Cambria Math"/>
-                                  </a:rPr>
-                                </m:ctrlPr>
-                              </m:sSubPr>
-                              <m:e>
-                                <m:r>
-                                  <a:rPr lang="en-US" sz="2400" b="1" i="1">
-                                    <a:latin typeface="Cambria Math"/>
-                                    <a:ea typeface="Cambria Math"/>
-                                    <a:sym typeface="Symbol"/>
-                                  </a:rPr>
-                                  <m:t></m:t>
-                                </m:r>
-                              </m:e>
-                              <m:sub>
-                                <m:r>
-                                  <a:rPr lang="el-GR" sz="2400" b="1" i="1">
-                                    <a:latin typeface="Cambria Math"/>
-                                    <a:ea typeface="Cambria Math"/>
-                                  </a:rPr>
-                                  <m:t>𝝉</m:t>
-                                </m:r>
-                                <m:r>
-                                  <m:rPr>
-                                    <m:nor/>
-                                  </m:rPr>
-                                  <a:rPr lang="en-US" sz="2400" dirty="0">
-                                    <a:ea typeface="Cambria Math"/>
-                                  </a:rPr>
-                                  <m:t> </m:t>
-                                </m:r>
-                              </m:sub>
-                            </m:sSub>
-                            <m:r>
-                              <a:rPr lang="en-US" sz="2400" b="1" i="1">
-                                <a:latin typeface="Cambria Math"/>
-                                <a:ea typeface="Cambria Math"/>
-                              </a:rPr>
-                              <m:t>𝒙</m:t>
-                            </m:r>
-                            <m:r>
-                              <a:rPr lang="en-US" sz="2400" b="1" i="1">
-                                <a:latin typeface="Cambria Math"/>
-                                <a:ea typeface="Cambria Math"/>
-                              </a:rPr>
-                              <m:t> </m:t>
-                            </m:r>
-                            <m:sSub>
-                              <m:sSubPr>
-                                <m:ctrlPr>
-                                  <a:rPr lang="en-US" sz="2400" b="1" i="1">
-                                    <a:latin typeface="Cambria Math"/>
-                                    <a:ea typeface="Cambria Math"/>
-                                  </a:rPr>
-                                </m:ctrlPr>
-                              </m:sSubPr>
-                              <m:e>
-                                <m:r>
-                                  <a:rPr lang="en-US" sz="2400" b="1" i="1">
-                                    <a:latin typeface="Cambria Math"/>
-                                    <a:ea typeface="Cambria Math"/>
-                                    <a:sym typeface="Symbol"/>
-                                  </a:rPr>
-                                  <m:t></m:t>
-                                </m:r>
-                              </m:e>
-                              <m:sub>
-                                <m:r>
-                                  <a:rPr lang="el-GR" sz="2400" b="1" i="1">
-                                    <a:latin typeface="Cambria Math"/>
-                                    <a:ea typeface="Cambria Math"/>
-                                  </a:rPr>
-                                  <m:t>𝝉</m:t>
-                                </m:r>
-                                <m:r>
-                                  <m:rPr>
-                                    <m:nor/>
-                                  </m:rPr>
-                                  <a:rPr lang="en-US" sz="2400" dirty="0">
-                                    <a:ea typeface="Cambria Math"/>
-                                  </a:rPr>
-                                  <m:t> </m:t>
-                                </m:r>
-                              </m:sub>
-                            </m:sSub>
-                            <m:r>
-                              <a:rPr lang="en-US" sz="2400" b="1" i="1">
-                                <a:latin typeface="Cambria Math"/>
-                                <a:ea typeface="Cambria Math"/>
-                              </a:rPr>
-                              <m:t>𝒛</m:t>
-                            </m:r>
-                            <m:r>
-                              <m:rPr>
-                                <m:nor/>
-                              </m:rPr>
-                              <a:rPr lang="en-US" sz="2400" dirty="0"/>
-                              <m:t> </m:t>
-                            </m:r>
-                            <m:r>
-                              <m:rPr>
-                                <m:nor/>
-                              </m:rPr>
-                              <a:rPr lang="en-US" sz="2400" i="1" dirty="0">
-                                <a:latin typeface="Cambria Math"/>
-                              </a:rPr>
-                              <m:t> </m:t>
-                            </m:r>
-                            <m:r>
-                              <m:rPr>
-                                <m:nor/>
-                              </m:rPr>
-                              <a:rPr lang="en-US" sz="2400" dirty="0"/>
-                              <m:t> </m:t>
-                            </m:r>
-                          </m:e>
-                        </m:eqArr>
+                        <m:r>
+                          <a:rPr lang="en-US" sz="2000" b="0" i="1" smtClean="0">
+                            <a:latin typeface="Cambria Math"/>
+                            <a:ea typeface="Cambria Math"/>
+                          </a:rPr>
+                          <m:t>𝑥</m:t>
+                        </m:r>
+                        <m:r>
+                          <a:rPr lang="en-US" sz="2000" b="0" i="1" smtClean="0">
+                            <a:latin typeface="Cambria Math"/>
+                          </a:rPr>
+                          <m:t> </m:t>
+                        </m:r>
                       </m:e>
                     </m:d>
                   </m:oMath>
                 </a14:m>
-                <a:endParaRPr lang="en-US" sz="2400" b="0" i="1" dirty="0" smtClean="0">
-                  <a:latin typeface="Cambria Math"/>
-                  <a:ea typeface="Cambria Math"/>
-                </a:endParaRPr>
+                <a:r>
+                  <a:rPr lang="en-US" sz="2000" dirty="0" smtClean="0"/>
+                  <a:t>.  See for example Pan &amp; Schreiber ‘91,  </a:t>
+                </a:r>
+                <a:r>
+                  <a:rPr lang="en-US" sz="2000" dirty="0" err="1" smtClean="0"/>
+                  <a:t>Higham</a:t>
+                </a:r>
+                <a:r>
+                  <a:rPr lang="en-US" sz="2000" dirty="0" smtClean="0"/>
+                  <a:t> ‘97, </a:t>
+                </a:r>
+                <a:r>
+                  <a:rPr lang="en-US" sz="2000" dirty="0" err="1" smtClean="0"/>
+                  <a:t>Janzik</a:t>
+                </a:r>
+                <a:r>
+                  <a:rPr lang="en-US" sz="2000" dirty="0" smtClean="0"/>
+                  <a:t> et al ’07, </a:t>
+                </a:r>
+                <a:r>
+                  <a:rPr lang="en-US" sz="2000" b="1" i="1" dirty="0" smtClean="0"/>
+                  <a:t>Chen &amp; Chow ‘14</a:t>
+                </a:r>
+                <a:r>
+                  <a:rPr lang="en-US" sz="2000" dirty="0" smtClean="0"/>
+                  <a:t>.</a:t>
+                </a:r>
               </a:p>
               <a:p>
-                <a:pPr marL="0" indent="0">
+                <a:pPr marL="342900" indent="-342900">
                   <a:spcBef>
-                    <a:spcPts val="600"/>
+                    <a:spcPts val="1200"/>
                   </a:spcBef>
                   <a:spcAft>
                     <a:spcPts val="600"/>
                   </a:spcAft>
-                  <a:buNone/>
+                  <a:buFont typeface="Arial" pitchFamily="34" charset="0"/>
+                  <a:buChar char="•"/>
                 </a:pPr>
-                <a14:m>
-                  <m:oMathPara xmlns:m="http://schemas.openxmlformats.org/officeDocument/2006/math">
-                    <m:oMathParaPr>
-                      <m:jc m:val="centerGroup"/>
-                    </m:oMathParaPr>
-                    <m:oMath xmlns:m="http://schemas.openxmlformats.org/officeDocument/2006/math">
-                      <m:r>
-                        <a:rPr lang="en-US" sz="2400" b="1" i="1" smtClean="0">
-                          <a:latin typeface="Cambria Math"/>
-                          <a:ea typeface="Cambria Math"/>
-                        </a:rPr>
-                        <m:t>𝒛</m:t>
-                      </m:r>
-                      <m:r>
-                        <a:rPr lang="en-US" sz="2400" b="1" i="1" smtClean="0">
-                          <a:latin typeface="Cambria Math"/>
-                          <a:ea typeface="Cambria Math"/>
-                        </a:rPr>
-                        <m:t>←</m:t>
-                      </m:r>
-                      <m:r>
-                        <a:rPr lang="en-US" sz="2400" b="1" i="1" smtClean="0">
-                          <a:latin typeface="Cambria Math"/>
-                          <a:ea typeface="Cambria Math"/>
-                        </a:rPr>
-                        <m:t>𝒛</m:t>
-                      </m:r>
-                      <m:r>
-                        <a:rPr lang="en-US" sz="2400" b="1" i="1" smtClean="0">
-                          <a:latin typeface="Cambria Math"/>
-                          <a:ea typeface="Cambria Math"/>
-                        </a:rPr>
-                        <m:t>  </m:t>
-                      </m:r>
-                      <m:sSub>
-                        <m:sSubPr>
-                          <m:ctrlPr>
-                            <a:rPr lang="en-US" sz="2400" b="1" i="1" smtClean="0">
-                              <a:latin typeface="Cambria Math"/>
-                              <a:ea typeface="Cambria Math"/>
-                            </a:rPr>
-                          </m:ctrlPr>
-                        </m:sSubPr>
-                        <m:e>
-                          <m:r>
-                            <a:rPr lang="en-US" sz="2400" b="1" i="1">
-                              <a:latin typeface="Cambria Math"/>
-                              <a:ea typeface="Cambria Math"/>
-                              <a:sym typeface="Symbol"/>
-                            </a:rPr>
-                            <m:t></m:t>
-                          </m:r>
-                        </m:e>
-                        <m:sub>
-                          <m:r>
-                            <a:rPr lang="el-GR" sz="2400" b="1" i="1">
-                              <a:latin typeface="Cambria Math"/>
-                              <a:ea typeface="Cambria Math"/>
-                            </a:rPr>
-                            <m:t>𝝉</m:t>
-                          </m:r>
-                          <m:r>
-                            <m:rPr>
-                              <m:nor/>
-                            </m:rPr>
-                            <a:rPr lang="en-US" sz="2400" dirty="0">
-                              <a:ea typeface="Cambria Math"/>
-                            </a:rPr>
-                            <m:t> </m:t>
-                          </m:r>
-                        </m:sub>
-                      </m:sSub>
-                      <m:r>
-                        <a:rPr lang="en-US" sz="2400" b="1" i="1" smtClean="0">
-                          <a:latin typeface="Cambria Math"/>
-                          <a:ea typeface="Cambria Math"/>
-                        </a:rPr>
-                        <m:t>𝒙</m:t>
-                      </m:r>
-                    </m:oMath>
-                  </m:oMathPara>
-                </a14:m>
-                <a:endParaRPr lang="en-US" sz="2400" b="1" i="1" dirty="0" smtClean="0">
-                  <a:latin typeface="Cambria Math"/>
-                  <a:ea typeface="Cambria Math"/>
-                </a:endParaRPr>
-              </a:p>
-              <a:p>
-                <a:pPr marL="0" indent="0">
-                  <a:spcBef>
-                    <a:spcPts val="600"/>
-                  </a:spcBef>
-                  <a:spcAft>
-                    <a:spcPts val="600"/>
-                  </a:spcAft>
-                  <a:buNone/>
-                </a:pPr>
-                <a14:m>
-                  <m:oMath xmlns:m="http://schemas.openxmlformats.org/officeDocument/2006/math">
-                    <m:r>
-                      <a:rPr lang="en-US" sz="2400" b="1" i="1">
-                        <a:latin typeface="Cambria Math"/>
-                        <a:ea typeface="Cambria Math"/>
-                      </a:rPr>
-                      <m:t>𝒙</m:t>
-                    </m:r>
-                    <m:r>
-                      <a:rPr lang="en-US" sz="2400" b="1" i="1" smtClean="0">
-                        <a:latin typeface="Cambria Math"/>
-                        <a:ea typeface="Cambria Math"/>
-                      </a:rPr>
-                      <m:t>←</m:t>
-                    </m:r>
-                    <m:r>
-                      <a:rPr lang="en-US" sz="2400" b="1" i="1">
-                        <a:latin typeface="Cambria Math"/>
-                        <a:ea typeface="Cambria Math"/>
-                      </a:rPr>
-                      <m:t>𝒛</m:t>
-                    </m:r>
-                    <m:r>
-                      <a:rPr lang="en-US" sz="2400" b="1" i="1">
-                        <a:latin typeface="Cambria Math"/>
-                        <a:ea typeface="Cambria Math"/>
-                      </a:rPr>
-                      <m:t> </m:t>
-                    </m:r>
-                    <m:sSub>
-                      <m:sSubPr>
-                        <m:ctrlPr>
-                          <a:rPr lang="en-US" sz="2400" b="1" i="1">
-                            <a:latin typeface="Cambria Math"/>
-                            <a:ea typeface="Cambria Math"/>
-                          </a:rPr>
-                        </m:ctrlPr>
-                      </m:sSubPr>
-                      <m:e>
-                        <m:r>
-                          <a:rPr lang="en-US" sz="2400" b="1" i="1">
-                            <a:latin typeface="Cambria Math"/>
-                            <a:ea typeface="Cambria Math"/>
-                            <a:sym typeface="Symbol"/>
-                          </a:rPr>
-                          <m:t></m:t>
-                        </m:r>
-                      </m:e>
-                      <m:sub>
-                        <m:r>
-                          <a:rPr lang="el-GR" sz="2400" b="1" i="1">
-                            <a:latin typeface="Cambria Math"/>
-                            <a:ea typeface="Cambria Math"/>
-                          </a:rPr>
-                          <m:t>𝝉</m:t>
-                        </m:r>
-                        <m:r>
-                          <m:rPr>
-                            <m:nor/>
-                          </m:rPr>
-                          <a:rPr lang="en-US" sz="2400" dirty="0">
-                            <a:ea typeface="Cambria Math"/>
-                          </a:rPr>
-                          <m:t> </m:t>
-                        </m:r>
-                      </m:sub>
-                    </m:sSub>
-                    <m:r>
-                      <a:rPr lang="en-US" sz="2400" b="1" i="1">
-                        <a:latin typeface="Cambria Math"/>
-                        <a:ea typeface="Cambria Math"/>
-                      </a:rPr>
-                      <m:t>𝒙</m:t>
-                    </m:r>
-                    <m:r>
-                      <a:rPr lang="en-US" sz="2400" b="1" i="1" smtClean="0">
-                        <a:latin typeface="Cambria Math"/>
-                        <a:ea typeface="Cambria Math"/>
-                      </a:rPr>
-                      <m:t> </m:t>
-                    </m:r>
-                    <m:sSub>
-                      <m:sSubPr>
-                        <m:ctrlPr>
-                          <a:rPr lang="en-US" sz="2400" b="1" i="1">
-                            <a:latin typeface="Cambria Math"/>
-                            <a:ea typeface="Cambria Math"/>
-                          </a:rPr>
-                        </m:ctrlPr>
-                      </m:sSubPr>
-                      <m:e>
-                        <m:r>
-                          <a:rPr lang="en-US" sz="2400" b="1" i="1">
-                            <a:latin typeface="Cambria Math"/>
-                            <a:ea typeface="Cambria Math"/>
-                            <a:sym typeface="Symbol"/>
-                          </a:rPr>
-                          <m:t></m:t>
-                        </m:r>
-                      </m:e>
-                      <m:sub>
-                        <m:r>
-                          <a:rPr lang="el-GR" sz="2400" b="1" i="1">
-                            <a:latin typeface="Cambria Math"/>
-                            <a:ea typeface="Cambria Math"/>
-                          </a:rPr>
-                          <m:t>𝝉</m:t>
-                        </m:r>
-                        <m:r>
-                          <m:rPr>
-                            <m:nor/>
-                          </m:rPr>
-                          <a:rPr lang="en-US" sz="2400" dirty="0">
-                            <a:ea typeface="Cambria Math"/>
-                          </a:rPr>
-                          <m:t> </m:t>
-                        </m:r>
-                      </m:sub>
-                    </m:sSub>
-                    <m:r>
-                      <a:rPr lang="en-US" sz="2400" b="1" i="1" smtClean="0">
-                        <a:latin typeface="Cambria Math"/>
-                        <a:ea typeface="Cambria Math"/>
-                      </a:rPr>
-                      <m:t>𝒛</m:t>
-                    </m:r>
-                  </m:oMath>
-                </a14:m>
-                <a:r>
-                  <a:rPr lang="en-US" sz="2400" dirty="0" smtClean="0"/>
-                  <a:t> </a:t>
-                </a:r>
-                <a:r>
-                  <a:rPr lang="en-US" sz="2400" i="1" dirty="0" smtClean="0">
-                    <a:latin typeface="Cambria Math"/>
-                  </a:rPr>
-                  <a:t> </a:t>
-                </a:r>
-                <a:endParaRPr lang="en-US" sz="2400" dirty="0"/>
+                <a:endParaRPr lang="en-US" sz="2000" dirty="0"/>
               </a:p>
             </p:txBody>
           </p:sp>
@@ -5020,1107 +4921,24 @@
         <mc:Fallback>
           <p:sp>
             <p:nvSpPr>
-              <p:cNvPr id="4" name="Content Placeholder 3"/>
+              <p:cNvPr id="18" name="TextBox 17"/>
               <p:cNvSpPr txBox="1">
-                <a:spLocks noGrp="1" noRot="1" noChangeAspect="1" noMove="1" noResize="1" noEditPoints="1" noAdjustHandles="1" noChangeArrowheads="1" noChangeShapeType="1" noTextEdit="1"/>
-              </p:cNvSpPr>
-              <p:nvPr>
-                <p:ph idx="1"/>
-              </p:nvPr>
-            </p:nvSpPr>
-            <p:spPr>
-              <a:xfrm>
-                <a:off x="0" y="2057400"/>
-                <a:ext cx="8686800" cy="2728119"/>
-              </a:xfrm>
-              <a:prstGeom prst="rect">
-                <a:avLst/>
-              </a:prstGeom>
-              <a:blipFill rotWithShape="1">
-                <a:blip r:embed="rId2"/>
-                <a:stretch>
-                  <a:fillRect/>
-                </a:stretch>
-              </a:blipFill>
-              <a:ln/>
-            </p:spPr>
-            <p:txBody>
-              <a:bodyPr/>
-              <a:lstStyle/>
-              <a:p>
-                <a:r>
-                  <a:rPr lang="en-US">
-                    <a:noFill/>
-                  </a:rPr>
-                  <a:t> </a:t>
-                </a:r>
-              </a:p>
-            </p:txBody>
-          </p:sp>
-        </mc:Fallback>
-      </mc:AlternateContent>
-      <mc:AlternateContent xmlns:mc="http://schemas.openxmlformats.org/markup-compatibility/2006">
-        <mc:Choice xmlns:a14="http://schemas.microsoft.com/office/drawing/2010/main" Requires="a14">
-          <p:sp>
-            <p:nvSpPr>
-              <p:cNvPr id="6" name="Rectangle 5"/>
-              <p:cNvSpPr/>
-              <p:nvPr/>
-            </p:nvSpPr>
-            <p:spPr>
-              <a:xfrm>
-                <a:off x="3729461" y="5193268"/>
-                <a:ext cx="1685077" cy="369332"/>
-              </a:xfrm>
-              <a:prstGeom prst="rect">
-                <a:avLst/>
-              </a:prstGeom>
-            </p:spPr>
-            <p:txBody>
-              <a:bodyPr wrap="none">
-                <a:spAutoFit/>
-              </a:bodyPr>
-              <a:lstStyle/>
-              <a:p>
-                <a14:m>
-                  <m:oMathPara xmlns:m="http://schemas.openxmlformats.org/officeDocument/2006/math">
-                    <m:oMathParaPr>
-                      <m:jc m:val="centerGroup"/>
-                    </m:oMathParaPr>
-                    <m:oMath xmlns:m="http://schemas.openxmlformats.org/officeDocument/2006/math">
-                      <m:r>
-                        <m:rPr>
-                          <m:nor/>
-                        </m:rPr>
-                        <a:rPr lang="en-US" b="1" dirty="0">
-                          <a:latin typeface="Courier New" pitchFamily="49" charset="0"/>
-                          <a:ea typeface="Cambria Math"/>
-                          <a:cs typeface="Courier New" pitchFamily="49" charset="0"/>
-                        </a:rPr>
-                        <m:t>return</m:t>
-                      </m:r>
-                      <m:r>
-                        <a:rPr lang="en-US" i="1" dirty="0">
-                          <a:latin typeface="Cambria Math"/>
-                          <a:ea typeface="Cambria Math"/>
-                          <a:cs typeface="Courier New" pitchFamily="49" charset="0"/>
-                        </a:rPr>
-                        <m:t> </m:t>
-                      </m:r>
-                      <m:r>
-                        <a:rPr lang="en-US" i="1">
-                          <a:latin typeface="Cambria Math"/>
-                          <a:ea typeface="Cambria Math"/>
-                        </a:rPr>
-                        <m:t>{</m:t>
-                      </m:r>
-                      <m:r>
-                        <a:rPr lang="en-US" b="1" i="1">
-                          <a:latin typeface="Cambria Math"/>
-                          <a:ea typeface="Cambria Math"/>
-                        </a:rPr>
-                        <m:t>𝒙</m:t>
-                      </m:r>
-                      <m:r>
-                        <a:rPr lang="en-US" i="1">
-                          <a:latin typeface="Cambria Math"/>
-                          <a:ea typeface="Cambria Math"/>
-                        </a:rPr>
-                        <m:t>, </m:t>
-                      </m:r>
-                      <m:r>
-                        <a:rPr lang="en-US" b="1" i="1">
-                          <a:latin typeface="Cambria Math"/>
-                          <a:ea typeface="Cambria Math"/>
-                        </a:rPr>
-                        <m:t>𝒛</m:t>
-                      </m:r>
-                      <m:r>
-                        <a:rPr lang="en-US" i="1">
-                          <a:latin typeface="Cambria Math"/>
-                          <a:ea typeface="Cambria Math"/>
-                        </a:rPr>
-                        <m:t>} </m:t>
-                      </m:r>
-                    </m:oMath>
-                  </m:oMathPara>
-                </a14:m>
-                <a:endParaRPr lang="en-US" dirty="0"/>
-              </a:p>
-            </p:txBody>
-          </p:sp>
-        </mc:Choice>
-        <mc:Fallback>
-          <p:sp>
-            <p:nvSpPr>
-              <p:cNvPr id="6" name="Rectangle 5"/>
-              <p:cNvSpPr>
                 <a:spLocks noRot="1" noChangeAspect="1" noMove="1" noResize="1" noEditPoints="1" noAdjustHandles="1" noChangeArrowheads="1" noChangeShapeType="1" noTextEdit="1"/>
               </p:cNvSpPr>
               <p:nvPr/>
             </p:nvSpPr>
             <p:spPr>
               <a:xfrm>
-                <a:off x="3729461" y="5193268"/>
-                <a:ext cx="1685077" cy="369332"/>
+                <a:off x="304800" y="609600"/>
+                <a:ext cx="8534400" cy="1911934"/>
               </a:xfrm>
               <a:prstGeom prst="rect">
                 <a:avLst/>
               </a:prstGeom>
               <a:blipFill rotWithShape="1">
-                <a:blip r:embed="rId3"/>
+                <a:blip r:embed="rId6"/>
                 <a:stretch>
-                  <a:fillRect b="-14754"/>
-                </a:stretch>
-              </a:blipFill>
-            </p:spPr>
-            <p:txBody>
-              <a:bodyPr/>
-              <a:lstStyle/>
-              <a:p>
-                <a:r>
-                  <a:rPr lang="en-US">
-                    <a:noFill/>
-                  </a:rPr>
-                  <a:t> </a:t>
-                </a:r>
-              </a:p>
-            </p:txBody>
-          </p:sp>
-        </mc:Fallback>
-      </mc:AlternateContent>
-      <mc:AlternateContent xmlns:mc="http://schemas.openxmlformats.org/markup-compatibility/2006">
-        <mc:Choice xmlns:a14="http://schemas.microsoft.com/office/drawing/2010/main" Requires="a14">
-          <p:sp>
-            <p:nvSpPr>
-              <p:cNvPr id="7" name="Rectangle 6"/>
-              <p:cNvSpPr/>
-              <p:nvPr/>
-            </p:nvSpPr>
-            <p:spPr>
-              <a:xfrm>
-                <a:off x="3617412" y="4583668"/>
-                <a:ext cx="1909176" cy="369332"/>
-              </a:xfrm>
-              <a:prstGeom prst="rect">
-                <a:avLst/>
-              </a:prstGeom>
-            </p:spPr>
-            <p:txBody>
-              <a:bodyPr wrap="none">
-                <a:spAutoFit/>
-              </a:bodyPr>
-              <a:lstStyle/>
-              <a:p>
-                <a14:m>
-                  <m:oMathPara xmlns:m="http://schemas.openxmlformats.org/officeDocument/2006/math">
-                    <m:oMathParaPr>
-                      <m:jc m:val="centerGroup"/>
-                    </m:oMathParaPr>
-                    <m:oMath xmlns:m="http://schemas.openxmlformats.org/officeDocument/2006/math">
-                      <m:f>
-                        <m:fPr>
-                          <m:type m:val="lin"/>
-                          <m:ctrlPr>
-                            <a:rPr lang="en-US" i="1">
-                              <a:latin typeface="Cambria Math"/>
-                              <a:ea typeface="Cambria Math"/>
-                            </a:rPr>
-                          </m:ctrlPr>
-                        </m:fPr>
-                        <m:num>
-                          <m:d>
-                            <m:dPr>
-                              <m:begChr m:val="|"/>
-                              <m:endChr m:val="|"/>
-                              <m:ctrlPr>
-                                <a:rPr lang="en-US" i="1">
-                                  <a:latin typeface="Cambria Math"/>
-                                  <a:ea typeface="Cambria Math"/>
-                                </a:rPr>
-                              </m:ctrlPr>
-                            </m:dPr>
-                            <m:e>
-                              <m:r>
-                                <a:rPr lang="en-US" i="1">
-                                  <a:latin typeface="Cambria Math"/>
-                                  <a:ea typeface="Cambria Math"/>
-                                </a:rPr>
-                                <m:t>𝑡𝑟</m:t>
-                              </m:r>
-                              <m:r>
-                                <a:rPr lang="en-US" b="1" i="1">
-                                  <a:latin typeface="Cambria Math"/>
-                                  <a:ea typeface="Cambria Math"/>
-                                </a:rPr>
-                                <m:t>𝒙</m:t>
-                              </m:r>
-                              <m:r>
-                                <a:rPr lang="en-US" i="1">
-                                  <a:latin typeface="Cambria Math"/>
-                                  <a:ea typeface="Cambria Math"/>
-                                </a:rPr>
-                                <m:t>−</m:t>
-                              </m:r>
-                              <m:r>
-                                <a:rPr lang="en-US" i="1">
-                                  <a:latin typeface="Cambria Math"/>
-                                  <a:ea typeface="Cambria Math"/>
-                                </a:rPr>
-                                <m:t>𝑛</m:t>
-                              </m:r>
-                            </m:e>
-                          </m:d>
-                        </m:num>
-                        <m:den>
-                          <m:r>
-                            <a:rPr lang="en-US" i="1">
-                              <a:latin typeface="Cambria Math"/>
-                              <a:ea typeface="Cambria Math"/>
-                            </a:rPr>
-                            <m:t>𝑛</m:t>
-                          </m:r>
-                        </m:den>
-                      </m:f>
-                      <m:r>
-                        <a:rPr lang="en-US" i="1">
-                          <a:latin typeface="Cambria Math"/>
-                          <a:ea typeface="Cambria Math"/>
-                        </a:rPr>
-                        <m:t>&gt; </m:t>
-                      </m:r>
-                      <m:r>
-                        <m:rPr>
-                          <m:sty m:val="p"/>
-                        </m:rPr>
-                        <a:rPr lang="el-GR" i="1">
-                          <a:latin typeface="Cambria Math"/>
-                          <a:ea typeface="Cambria Math"/>
-                        </a:rPr>
-                        <m:t>τ</m:t>
-                      </m:r>
-                      <m:r>
-                        <a:rPr lang="en-US" i="1">
-                          <a:latin typeface="Cambria Math"/>
-                          <a:ea typeface="Cambria Math"/>
-                        </a:rPr>
-                        <m:t> </m:t>
-                      </m:r>
-                    </m:oMath>
-                  </m:oMathPara>
-                </a14:m>
-                <a:endParaRPr lang="en-US" dirty="0"/>
-              </a:p>
-            </p:txBody>
-          </p:sp>
-        </mc:Choice>
-        <mc:Fallback>
-          <p:sp>
-            <p:nvSpPr>
-              <p:cNvPr id="7" name="Rectangle 6"/>
-              <p:cNvSpPr>
-                <a:spLocks noRot="1" noChangeAspect="1" noMove="1" noResize="1" noEditPoints="1" noAdjustHandles="1" noChangeArrowheads="1" noChangeShapeType="1" noTextEdit="1"/>
-              </p:cNvSpPr>
-              <p:nvPr/>
-            </p:nvSpPr>
-            <p:spPr>
-              <a:xfrm>
-                <a:off x="3617412" y="4583668"/>
-                <a:ext cx="1909176" cy="369332"/>
-              </a:xfrm>
-              <a:prstGeom prst="rect">
-                <a:avLst/>
-              </a:prstGeom>
-              <a:blipFill rotWithShape="1">
-                <a:blip r:embed="rId4"/>
-                <a:stretch>
-                  <a:fillRect t="-116393" b="-175410"/>
-                </a:stretch>
-              </a:blipFill>
-            </p:spPr>
-            <p:txBody>
-              <a:bodyPr/>
-              <a:lstStyle/>
-              <a:p>
-                <a:r>
-                  <a:rPr lang="en-US">
-                    <a:noFill/>
-                  </a:rPr>
-                  <a:t> </a:t>
-                </a:r>
-              </a:p>
-            </p:txBody>
-          </p:sp>
-        </mc:Fallback>
-      </mc:AlternateContent>
-      <mc:AlternateContent xmlns:mc="http://schemas.openxmlformats.org/markup-compatibility/2006">
-        <mc:Choice xmlns:a14="http://schemas.microsoft.com/office/drawing/2010/main" Requires="a14">
-          <p:sp>
-            <p:nvSpPr>
-              <p:cNvPr id="8" name="Rectangle 7"/>
-              <p:cNvSpPr/>
-              <p:nvPr/>
-            </p:nvSpPr>
-            <p:spPr>
-              <a:xfrm>
-                <a:off x="3769812" y="4736068"/>
-                <a:ext cx="1909176" cy="369332"/>
-              </a:xfrm>
-              <a:prstGeom prst="rect">
-                <a:avLst/>
-              </a:prstGeom>
-            </p:spPr>
-            <p:txBody>
-              <a:bodyPr wrap="none">
-                <a:spAutoFit/>
-              </a:bodyPr>
-              <a:lstStyle/>
-              <a:p>
-                <a14:m>
-                  <m:oMathPara xmlns:m="http://schemas.openxmlformats.org/officeDocument/2006/math">
-                    <m:oMathParaPr>
-                      <m:jc m:val="centerGroup"/>
-                    </m:oMathParaPr>
-                    <m:oMath xmlns:m="http://schemas.openxmlformats.org/officeDocument/2006/math">
-                      <m:f>
-                        <m:fPr>
-                          <m:type m:val="lin"/>
-                          <m:ctrlPr>
-                            <a:rPr lang="en-US" i="1">
-                              <a:latin typeface="Cambria Math"/>
-                              <a:ea typeface="Cambria Math"/>
-                            </a:rPr>
-                          </m:ctrlPr>
-                        </m:fPr>
-                        <m:num>
-                          <m:d>
-                            <m:dPr>
-                              <m:begChr m:val="|"/>
-                              <m:endChr m:val="|"/>
-                              <m:ctrlPr>
-                                <a:rPr lang="en-US" i="1">
-                                  <a:latin typeface="Cambria Math"/>
-                                  <a:ea typeface="Cambria Math"/>
-                                </a:rPr>
-                              </m:ctrlPr>
-                            </m:dPr>
-                            <m:e>
-                              <m:r>
-                                <a:rPr lang="en-US" i="1">
-                                  <a:latin typeface="Cambria Math"/>
-                                  <a:ea typeface="Cambria Math"/>
-                                </a:rPr>
-                                <m:t>𝑡𝑟</m:t>
-                              </m:r>
-                              <m:r>
-                                <a:rPr lang="en-US" b="1" i="1">
-                                  <a:latin typeface="Cambria Math"/>
-                                  <a:ea typeface="Cambria Math"/>
-                                </a:rPr>
-                                <m:t>𝒙</m:t>
-                              </m:r>
-                              <m:r>
-                                <a:rPr lang="en-US" i="1">
-                                  <a:latin typeface="Cambria Math"/>
-                                  <a:ea typeface="Cambria Math"/>
-                                </a:rPr>
-                                <m:t>−</m:t>
-                              </m:r>
-                              <m:r>
-                                <a:rPr lang="en-US" i="1">
-                                  <a:latin typeface="Cambria Math"/>
-                                  <a:ea typeface="Cambria Math"/>
-                                </a:rPr>
-                                <m:t>𝑛</m:t>
-                              </m:r>
-                            </m:e>
-                          </m:d>
-                        </m:num>
-                        <m:den>
-                          <m:r>
-                            <a:rPr lang="en-US" i="1">
-                              <a:latin typeface="Cambria Math"/>
-                              <a:ea typeface="Cambria Math"/>
-                            </a:rPr>
-                            <m:t>𝑛</m:t>
-                          </m:r>
-                        </m:den>
-                      </m:f>
-                      <m:r>
-                        <a:rPr lang="en-US" i="1">
-                          <a:latin typeface="Cambria Math"/>
-                          <a:ea typeface="Cambria Math"/>
-                        </a:rPr>
-                        <m:t>&gt; </m:t>
-                      </m:r>
-                      <m:r>
-                        <m:rPr>
-                          <m:sty m:val="p"/>
-                        </m:rPr>
-                        <a:rPr lang="el-GR" i="1">
-                          <a:latin typeface="Cambria Math"/>
-                          <a:ea typeface="Cambria Math"/>
-                        </a:rPr>
-                        <m:t>τ</m:t>
-                      </m:r>
-                      <m:r>
-                        <a:rPr lang="en-US" i="1">
-                          <a:latin typeface="Cambria Math"/>
-                          <a:ea typeface="Cambria Math"/>
-                        </a:rPr>
-                        <m:t> </m:t>
-                      </m:r>
-                    </m:oMath>
-                  </m:oMathPara>
-                </a14:m>
-                <a:endParaRPr lang="en-US" dirty="0"/>
-              </a:p>
-            </p:txBody>
-          </p:sp>
-        </mc:Choice>
-        <mc:Fallback>
-          <p:sp>
-            <p:nvSpPr>
-              <p:cNvPr id="8" name="Rectangle 7"/>
-              <p:cNvSpPr>
-                <a:spLocks noRot="1" noChangeAspect="1" noMove="1" noResize="1" noEditPoints="1" noAdjustHandles="1" noChangeArrowheads="1" noChangeShapeType="1" noTextEdit="1"/>
-              </p:cNvSpPr>
-              <p:nvPr/>
-            </p:nvSpPr>
-            <p:spPr>
-              <a:xfrm>
-                <a:off x="3769812" y="4736068"/>
-                <a:ext cx="1909176" cy="369332"/>
-              </a:xfrm>
-              <a:prstGeom prst="rect">
-                <a:avLst/>
-              </a:prstGeom>
-              <a:blipFill rotWithShape="1">
-                <a:blip r:embed="rId4"/>
-                <a:stretch>
-                  <a:fillRect t="-116393" b="-175410"/>
-                </a:stretch>
-              </a:blipFill>
-            </p:spPr>
-            <p:txBody>
-              <a:bodyPr/>
-              <a:lstStyle/>
-              <a:p>
-                <a:r>
-                  <a:rPr lang="en-US">
-                    <a:noFill/>
-                  </a:rPr>
-                  <a:t> </a:t>
-                </a:r>
-              </a:p>
-            </p:txBody>
-          </p:sp>
-        </mc:Fallback>
-      </mc:AlternateContent>
-      <mc:AlternateContent xmlns:mc="http://schemas.openxmlformats.org/markup-compatibility/2006">
-        <mc:Choice xmlns:a14="http://schemas.microsoft.com/office/drawing/2010/main" Requires="a14">
-          <p:sp>
-            <p:nvSpPr>
-              <p:cNvPr id="9" name="Rectangle 8"/>
-              <p:cNvSpPr/>
-              <p:nvPr/>
-            </p:nvSpPr>
-            <p:spPr>
-              <a:xfrm>
-                <a:off x="3922212" y="4888468"/>
-                <a:ext cx="1909176" cy="369332"/>
-              </a:xfrm>
-              <a:prstGeom prst="rect">
-                <a:avLst/>
-              </a:prstGeom>
-            </p:spPr>
-            <p:txBody>
-              <a:bodyPr wrap="none">
-                <a:spAutoFit/>
-              </a:bodyPr>
-              <a:lstStyle/>
-              <a:p>
-                <a14:m>
-                  <m:oMathPara xmlns:m="http://schemas.openxmlformats.org/officeDocument/2006/math">
-                    <m:oMathParaPr>
-                      <m:jc m:val="centerGroup"/>
-                    </m:oMathParaPr>
-                    <m:oMath xmlns:m="http://schemas.openxmlformats.org/officeDocument/2006/math">
-                      <m:f>
-                        <m:fPr>
-                          <m:type m:val="lin"/>
-                          <m:ctrlPr>
-                            <a:rPr lang="en-US" i="1">
-                              <a:latin typeface="Cambria Math"/>
-                              <a:ea typeface="Cambria Math"/>
-                            </a:rPr>
-                          </m:ctrlPr>
-                        </m:fPr>
-                        <m:num>
-                          <m:d>
-                            <m:dPr>
-                              <m:begChr m:val="|"/>
-                              <m:endChr m:val="|"/>
-                              <m:ctrlPr>
-                                <a:rPr lang="en-US" i="1">
-                                  <a:latin typeface="Cambria Math"/>
-                                  <a:ea typeface="Cambria Math"/>
-                                </a:rPr>
-                              </m:ctrlPr>
-                            </m:dPr>
-                            <m:e>
-                              <m:r>
-                                <a:rPr lang="en-US" i="1">
-                                  <a:latin typeface="Cambria Math"/>
-                                  <a:ea typeface="Cambria Math"/>
-                                </a:rPr>
-                                <m:t>𝑡𝑟</m:t>
-                              </m:r>
-                              <m:r>
-                                <a:rPr lang="en-US" b="1" i="1">
-                                  <a:latin typeface="Cambria Math"/>
-                                  <a:ea typeface="Cambria Math"/>
-                                </a:rPr>
-                                <m:t>𝒙</m:t>
-                              </m:r>
-                              <m:r>
-                                <a:rPr lang="en-US" i="1">
-                                  <a:latin typeface="Cambria Math"/>
-                                  <a:ea typeface="Cambria Math"/>
-                                </a:rPr>
-                                <m:t>−</m:t>
-                              </m:r>
-                              <m:r>
-                                <a:rPr lang="en-US" i="1">
-                                  <a:latin typeface="Cambria Math"/>
-                                  <a:ea typeface="Cambria Math"/>
-                                </a:rPr>
-                                <m:t>𝑛</m:t>
-                              </m:r>
-                            </m:e>
-                          </m:d>
-                        </m:num>
-                        <m:den>
-                          <m:r>
-                            <a:rPr lang="en-US" i="1">
-                              <a:latin typeface="Cambria Math"/>
-                              <a:ea typeface="Cambria Math"/>
-                            </a:rPr>
-                            <m:t>𝑛</m:t>
-                          </m:r>
-                        </m:den>
-                      </m:f>
-                      <m:r>
-                        <a:rPr lang="en-US" i="1">
-                          <a:latin typeface="Cambria Math"/>
-                          <a:ea typeface="Cambria Math"/>
-                        </a:rPr>
-                        <m:t>&gt; </m:t>
-                      </m:r>
-                      <m:r>
-                        <m:rPr>
-                          <m:sty m:val="p"/>
-                        </m:rPr>
-                        <a:rPr lang="el-GR" i="1">
-                          <a:latin typeface="Cambria Math"/>
-                          <a:ea typeface="Cambria Math"/>
-                        </a:rPr>
-                        <m:t>τ</m:t>
-                      </m:r>
-                      <m:r>
-                        <a:rPr lang="en-US" i="1">
-                          <a:latin typeface="Cambria Math"/>
-                          <a:ea typeface="Cambria Math"/>
-                        </a:rPr>
-                        <m:t> </m:t>
-                      </m:r>
-                    </m:oMath>
-                  </m:oMathPara>
-                </a14:m>
-                <a:endParaRPr lang="en-US" dirty="0"/>
-              </a:p>
-            </p:txBody>
-          </p:sp>
-        </mc:Choice>
-        <mc:Fallback>
-          <p:sp>
-            <p:nvSpPr>
-              <p:cNvPr id="9" name="Rectangle 8"/>
-              <p:cNvSpPr>
-                <a:spLocks noRot="1" noChangeAspect="1" noMove="1" noResize="1" noEditPoints="1" noAdjustHandles="1" noChangeArrowheads="1" noChangeShapeType="1" noTextEdit="1"/>
-              </p:cNvSpPr>
-              <p:nvPr/>
-            </p:nvSpPr>
-            <p:spPr>
-              <a:xfrm>
-                <a:off x="3922212" y="4888468"/>
-                <a:ext cx="1909176" cy="369332"/>
-              </a:xfrm>
-              <a:prstGeom prst="rect">
-                <a:avLst/>
-              </a:prstGeom>
-              <a:blipFill rotWithShape="1">
-                <a:blip r:embed="rId4"/>
-                <a:stretch>
-                  <a:fillRect t="-116393" b="-175410"/>
-                </a:stretch>
-              </a:blipFill>
-            </p:spPr>
-            <p:txBody>
-              <a:bodyPr/>
-              <a:lstStyle/>
-              <a:p>
-                <a:r>
-                  <a:rPr lang="en-US">
-                    <a:noFill/>
-                  </a:rPr>
-                  <a:t> </a:t>
-                </a:r>
-              </a:p>
-            </p:txBody>
-          </p:sp>
-        </mc:Fallback>
-      </mc:AlternateContent>
-      <mc:AlternateContent xmlns:mc="http://schemas.openxmlformats.org/markup-compatibility/2006">
-        <mc:Choice xmlns:a14="http://schemas.microsoft.com/office/drawing/2010/main" Requires="a14">
-          <p:sp>
-            <p:nvSpPr>
-              <p:cNvPr id="10" name="Rectangle 9"/>
-              <p:cNvSpPr/>
-              <p:nvPr/>
-            </p:nvSpPr>
-            <p:spPr>
-              <a:xfrm>
-                <a:off x="4074612" y="5040868"/>
-                <a:ext cx="1909176" cy="369332"/>
-              </a:xfrm>
-              <a:prstGeom prst="rect">
-                <a:avLst/>
-              </a:prstGeom>
-            </p:spPr>
-            <p:txBody>
-              <a:bodyPr wrap="none">
-                <a:spAutoFit/>
-              </a:bodyPr>
-              <a:lstStyle/>
-              <a:p>
-                <a14:m>
-                  <m:oMathPara xmlns:m="http://schemas.openxmlformats.org/officeDocument/2006/math">
-                    <m:oMathParaPr>
-                      <m:jc m:val="centerGroup"/>
-                    </m:oMathParaPr>
-                    <m:oMath xmlns:m="http://schemas.openxmlformats.org/officeDocument/2006/math">
-                      <m:f>
-                        <m:fPr>
-                          <m:type m:val="lin"/>
-                          <m:ctrlPr>
-                            <a:rPr lang="en-US" i="1">
-                              <a:latin typeface="Cambria Math"/>
-                              <a:ea typeface="Cambria Math"/>
-                            </a:rPr>
-                          </m:ctrlPr>
-                        </m:fPr>
-                        <m:num>
-                          <m:d>
-                            <m:dPr>
-                              <m:begChr m:val="|"/>
-                              <m:endChr m:val="|"/>
-                              <m:ctrlPr>
-                                <a:rPr lang="en-US" i="1">
-                                  <a:latin typeface="Cambria Math"/>
-                                  <a:ea typeface="Cambria Math"/>
-                                </a:rPr>
-                              </m:ctrlPr>
-                            </m:dPr>
-                            <m:e>
-                              <m:r>
-                                <a:rPr lang="en-US" i="1">
-                                  <a:latin typeface="Cambria Math"/>
-                                  <a:ea typeface="Cambria Math"/>
-                                </a:rPr>
-                                <m:t>𝑡𝑟</m:t>
-                              </m:r>
-                              <m:r>
-                                <a:rPr lang="en-US" b="1" i="1">
-                                  <a:latin typeface="Cambria Math"/>
-                                  <a:ea typeface="Cambria Math"/>
-                                </a:rPr>
-                                <m:t>𝒙</m:t>
-                              </m:r>
-                              <m:r>
-                                <a:rPr lang="en-US" i="1">
-                                  <a:latin typeface="Cambria Math"/>
-                                  <a:ea typeface="Cambria Math"/>
-                                </a:rPr>
-                                <m:t>−</m:t>
-                              </m:r>
-                              <m:r>
-                                <a:rPr lang="en-US" i="1">
-                                  <a:latin typeface="Cambria Math"/>
-                                  <a:ea typeface="Cambria Math"/>
-                                </a:rPr>
-                                <m:t>𝑛</m:t>
-                              </m:r>
-                            </m:e>
-                          </m:d>
-                        </m:num>
-                        <m:den>
-                          <m:r>
-                            <a:rPr lang="en-US" i="1">
-                              <a:latin typeface="Cambria Math"/>
-                              <a:ea typeface="Cambria Math"/>
-                            </a:rPr>
-                            <m:t>𝑛</m:t>
-                          </m:r>
-                        </m:den>
-                      </m:f>
-                      <m:r>
-                        <a:rPr lang="en-US" i="1">
-                          <a:latin typeface="Cambria Math"/>
-                          <a:ea typeface="Cambria Math"/>
-                        </a:rPr>
-                        <m:t>&gt; </m:t>
-                      </m:r>
-                      <m:r>
-                        <m:rPr>
-                          <m:sty m:val="p"/>
-                        </m:rPr>
-                        <a:rPr lang="el-GR" i="1">
-                          <a:latin typeface="Cambria Math"/>
-                          <a:ea typeface="Cambria Math"/>
-                        </a:rPr>
-                        <m:t>τ</m:t>
-                      </m:r>
-                      <m:r>
-                        <a:rPr lang="en-US" i="1">
-                          <a:latin typeface="Cambria Math"/>
-                          <a:ea typeface="Cambria Math"/>
-                        </a:rPr>
-                        <m:t> </m:t>
-                      </m:r>
-                    </m:oMath>
-                  </m:oMathPara>
-                </a14:m>
-                <a:endParaRPr lang="en-US" dirty="0"/>
-              </a:p>
-            </p:txBody>
-          </p:sp>
-        </mc:Choice>
-        <mc:Fallback>
-          <p:sp>
-            <p:nvSpPr>
-              <p:cNvPr id="10" name="Rectangle 9"/>
-              <p:cNvSpPr>
-                <a:spLocks noRot="1" noChangeAspect="1" noMove="1" noResize="1" noEditPoints="1" noAdjustHandles="1" noChangeArrowheads="1" noChangeShapeType="1" noTextEdit="1"/>
-              </p:cNvSpPr>
-              <p:nvPr/>
-            </p:nvSpPr>
-            <p:spPr>
-              <a:xfrm>
-                <a:off x="4074612" y="5040868"/>
-                <a:ext cx="1909176" cy="369332"/>
-              </a:xfrm>
-              <a:prstGeom prst="rect">
-                <a:avLst/>
-              </a:prstGeom>
-              <a:blipFill rotWithShape="1">
-                <a:blip r:embed="rId4"/>
-                <a:stretch>
-                  <a:fillRect t="-116393" b="-175410"/>
-                </a:stretch>
-              </a:blipFill>
-            </p:spPr>
-            <p:txBody>
-              <a:bodyPr/>
-              <a:lstStyle/>
-              <a:p>
-                <a:r>
-                  <a:rPr lang="en-US">
-                    <a:noFill/>
-                  </a:rPr>
-                  <a:t> </a:t>
-                </a:r>
-              </a:p>
-            </p:txBody>
-          </p:sp>
-        </mc:Fallback>
-      </mc:AlternateContent>
-      <mc:AlternateContent xmlns:mc="http://schemas.openxmlformats.org/markup-compatibility/2006">
-        <mc:Choice xmlns:a14="http://schemas.microsoft.com/office/drawing/2010/main" Requires="a14">
-          <p:sp>
-            <p:nvSpPr>
-              <p:cNvPr id="11" name="Rectangle 10"/>
-              <p:cNvSpPr/>
-              <p:nvPr/>
-            </p:nvSpPr>
-            <p:spPr>
-              <a:xfrm>
-                <a:off x="4227012" y="5193268"/>
-                <a:ext cx="1909176" cy="369332"/>
-              </a:xfrm>
-              <a:prstGeom prst="rect">
-                <a:avLst/>
-              </a:prstGeom>
-            </p:spPr>
-            <p:txBody>
-              <a:bodyPr wrap="none">
-                <a:spAutoFit/>
-              </a:bodyPr>
-              <a:lstStyle/>
-              <a:p>
-                <a14:m>
-                  <m:oMathPara xmlns:m="http://schemas.openxmlformats.org/officeDocument/2006/math">
-                    <m:oMathParaPr>
-                      <m:jc m:val="centerGroup"/>
-                    </m:oMathParaPr>
-                    <m:oMath xmlns:m="http://schemas.openxmlformats.org/officeDocument/2006/math">
-                      <m:f>
-                        <m:fPr>
-                          <m:type m:val="lin"/>
-                          <m:ctrlPr>
-                            <a:rPr lang="en-US" i="1">
-                              <a:latin typeface="Cambria Math"/>
-                              <a:ea typeface="Cambria Math"/>
-                            </a:rPr>
-                          </m:ctrlPr>
-                        </m:fPr>
-                        <m:num>
-                          <m:d>
-                            <m:dPr>
-                              <m:begChr m:val="|"/>
-                              <m:endChr m:val="|"/>
-                              <m:ctrlPr>
-                                <a:rPr lang="en-US" i="1">
-                                  <a:latin typeface="Cambria Math"/>
-                                  <a:ea typeface="Cambria Math"/>
-                                </a:rPr>
-                              </m:ctrlPr>
-                            </m:dPr>
-                            <m:e>
-                              <m:r>
-                                <a:rPr lang="en-US" i="1">
-                                  <a:latin typeface="Cambria Math"/>
-                                  <a:ea typeface="Cambria Math"/>
-                                </a:rPr>
-                                <m:t>𝑡𝑟</m:t>
-                              </m:r>
-                              <m:r>
-                                <a:rPr lang="en-US" b="1" i="1">
-                                  <a:latin typeface="Cambria Math"/>
-                                  <a:ea typeface="Cambria Math"/>
-                                </a:rPr>
-                                <m:t>𝒙</m:t>
-                              </m:r>
-                              <m:r>
-                                <a:rPr lang="en-US" i="1">
-                                  <a:latin typeface="Cambria Math"/>
-                                  <a:ea typeface="Cambria Math"/>
-                                </a:rPr>
-                                <m:t>−</m:t>
-                              </m:r>
-                              <m:r>
-                                <a:rPr lang="en-US" i="1">
-                                  <a:latin typeface="Cambria Math"/>
-                                  <a:ea typeface="Cambria Math"/>
-                                </a:rPr>
-                                <m:t>𝑛</m:t>
-                              </m:r>
-                            </m:e>
-                          </m:d>
-                        </m:num>
-                        <m:den>
-                          <m:r>
-                            <a:rPr lang="en-US" i="1">
-                              <a:latin typeface="Cambria Math"/>
-                              <a:ea typeface="Cambria Math"/>
-                            </a:rPr>
-                            <m:t>𝑛</m:t>
-                          </m:r>
-                        </m:den>
-                      </m:f>
-                      <m:r>
-                        <a:rPr lang="en-US" i="1">
-                          <a:latin typeface="Cambria Math"/>
-                          <a:ea typeface="Cambria Math"/>
-                        </a:rPr>
-                        <m:t>&gt; </m:t>
-                      </m:r>
-                      <m:r>
-                        <m:rPr>
-                          <m:sty m:val="p"/>
-                        </m:rPr>
-                        <a:rPr lang="el-GR" i="1">
-                          <a:latin typeface="Cambria Math"/>
-                          <a:ea typeface="Cambria Math"/>
-                        </a:rPr>
-                        <m:t>τ</m:t>
-                      </m:r>
-                      <m:r>
-                        <a:rPr lang="en-US" i="1">
-                          <a:latin typeface="Cambria Math"/>
-                          <a:ea typeface="Cambria Math"/>
-                        </a:rPr>
-                        <m:t> </m:t>
-                      </m:r>
-                    </m:oMath>
-                  </m:oMathPara>
-                </a14:m>
-                <a:endParaRPr lang="en-US" dirty="0"/>
-              </a:p>
-            </p:txBody>
-          </p:sp>
-        </mc:Choice>
-        <mc:Fallback>
-          <p:sp>
-            <p:nvSpPr>
-              <p:cNvPr id="11" name="Rectangle 10"/>
-              <p:cNvSpPr>
-                <a:spLocks noRot="1" noChangeAspect="1" noMove="1" noResize="1" noEditPoints="1" noAdjustHandles="1" noChangeArrowheads="1" noChangeShapeType="1" noTextEdit="1"/>
-              </p:cNvSpPr>
-              <p:nvPr/>
-            </p:nvSpPr>
-            <p:spPr>
-              <a:xfrm>
-                <a:off x="4227012" y="5193268"/>
-                <a:ext cx="1909176" cy="369332"/>
-              </a:xfrm>
-              <a:prstGeom prst="rect">
-                <a:avLst/>
-              </a:prstGeom>
-              <a:blipFill rotWithShape="1">
-                <a:blip r:embed="rId4"/>
-                <a:stretch>
-                  <a:fillRect t="-116393" b="-175410"/>
-                </a:stretch>
-              </a:blipFill>
-            </p:spPr>
-            <p:txBody>
-              <a:bodyPr/>
-              <a:lstStyle/>
-              <a:p>
-                <a:r>
-                  <a:rPr lang="en-US">
-                    <a:noFill/>
-                  </a:rPr>
-                  <a:t> </a:t>
-                </a:r>
-              </a:p>
-            </p:txBody>
-          </p:sp>
-        </mc:Fallback>
-      </mc:AlternateContent>
-      <mc:AlternateContent xmlns:mc="http://schemas.openxmlformats.org/markup-compatibility/2006">
-        <mc:Choice xmlns:a14="http://schemas.microsoft.com/office/drawing/2010/main" Requires="a14">
-          <p:sp>
-            <p:nvSpPr>
-              <p:cNvPr id="12" name="Rectangle 11"/>
-              <p:cNvSpPr/>
-              <p:nvPr/>
-            </p:nvSpPr>
-            <p:spPr>
-              <a:xfrm>
-                <a:off x="3881861" y="5345668"/>
-                <a:ext cx="1685077" cy="369332"/>
-              </a:xfrm>
-              <a:prstGeom prst="rect">
-                <a:avLst/>
-              </a:prstGeom>
-            </p:spPr>
-            <p:txBody>
-              <a:bodyPr wrap="none">
-                <a:spAutoFit/>
-              </a:bodyPr>
-              <a:lstStyle/>
-              <a:p>
-                <a14:m>
-                  <m:oMathPara xmlns:m="http://schemas.openxmlformats.org/officeDocument/2006/math">
-                    <m:oMathParaPr>
-                      <m:jc m:val="centerGroup"/>
-                    </m:oMathParaPr>
-                    <m:oMath xmlns:m="http://schemas.openxmlformats.org/officeDocument/2006/math">
-                      <m:r>
-                        <m:rPr>
-                          <m:nor/>
-                        </m:rPr>
-                        <a:rPr lang="en-US" b="1" dirty="0">
-                          <a:latin typeface="Courier New" pitchFamily="49" charset="0"/>
-                          <a:ea typeface="Cambria Math"/>
-                          <a:cs typeface="Courier New" pitchFamily="49" charset="0"/>
-                        </a:rPr>
-                        <m:t>return</m:t>
-                      </m:r>
-                      <m:r>
-                        <a:rPr lang="en-US" i="1" dirty="0">
-                          <a:latin typeface="Cambria Math"/>
-                          <a:ea typeface="Cambria Math"/>
-                          <a:cs typeface="Courier New" pitchFamily="49" charset="0"/>
-                        </a:rPr>
-                        <m:t> </m:t>
-                      </m:r>
-                      <m:r>
-                        <a:rPr lang="en-US" i="1">
-                          <a:latin typeface="Cambria Math"/>
-                          <a:ea typeface="Cambria Math"/>
-                        </a:rPr>
-                        <m:t>{</m:t>
-                      </m:r>
-                      <m:r>
-                        <a:rPr lang="en-US" b="1" i="1">
-                          <a:latin typeface="Cambria Math"/>
-                          <a:ea typeface="Cambria Math"/>
-                        </a:rPr>
-                        <m:t>𝒙</m:t>
-                      </m:r>
-                      <m:r>
-                        <a:rPr lang="en-US" i="1">
-                          <a:latin typeface="Cambria Math"/>
-                          <a:ea typeface="Cambria Math"/>
-                        </a:rPr>
-                        <m:t>, </m:t>
-                      </m:r>
-                      <m:r>
-                        <a:rPr lang="en-US" b="1" i="1">
-                          <a:latin typeface="Cambria Math"/>
-                          <a:ea typeface="Cambria Math"/>
-                        </a:rPr>
-                        <m:t>𝒛</m:t>
-                      </m:r>
-                      <m:r>
-                        <a:rPr lang="en-US" i="1">
-                          <a:latin typeface="Cambria Math"/>
-                          <a:ea typeface="Cambria Math"/>
-                        </a:rPr>
-                        <m:t>} </m:t>
-                      </m:r>
-                    </m:oMath>
-                  </m:oMathPara>
-                </a14:m>
-                <a:endParaRPr lang="en-US" dirty="0"/>
-              </a:p>
-            </p:txBody>
-          </p:sp>
-        </mc:Choice>
-        <mc:Fallback>
-          <p:sp>
-            <p:nvSpPr>
-              <p:cNvPr id="12" name="Rectangle 11"/>
-              <p:cNvSpPr>
-                <a:spLocks noRot="1" noChangeAspect="1" noMove="1" noResize="1" noEditPoints="1" noAdjustHandles="1" noChangeArrowheads="1" noChangeShapeType="1" noTextEdit="1"/>
-              </p:cNvSpPr>
-              <p:nvPr/>
-            </p:nvSpPr>
-            <p:spPr>
-              <a:xfrm>
-                <a:off x="3881861" y="5345668"/>
-                <a:ext cx="1685077" cy="369332"/>
-              </a:xfrm>
-              <a:prstGeom prst="rect">
-                <a:avLst/>
-              </a:prstGeom>
-              <a:blipFill rotWithShape="1">
-                <a:blip r:embed="rId3"/>
-                <a:stretch>
-                  <a:fillRect b="-14754"/>
+                  <a:fillRect l="-571"/>
                 </a:stretch>
               </a:blipFill>
             </p:spPr>
@@ -6169,6 +4987,254 @@
           <a:chExt cx="0" cy="0"/>
         </a:xfrm>
       </p:grpSpPr>
+      <mc:AlternateContent xmlns:mc="http://schemas.openxmlformats.org/markup-compatibility/2006">
+        <mc:Choice xmlns:a14="http://schemas.microsoft.com/office/drawing/2010/main" Requires="a14">
+          <p:sp>
+            <p:nvSpPr>
+              <p:cNvPr id="9" name="TextBox 8"/>
+              <p:cNvSpPr txBox="1"/>
+              <p:nvPr/>
+            </p:nvSpPr>
+            <p:spPr>
+              <a:xfrm>
+                <a:off x="304800" y="1066800"/>
+                <a:ext cx="8915400" cy="5786199"/>
+              </a:xfrm>
+              <a:prstGeom prst="rect">
+                <a:avLst/>
+              </a:prstGeom>
+              <a:noFill/>
+            </p:spPr>
+            <p:txBody>
+              <a:bodyPr wrap="square" rtlCol="0">
+                <a:spAutoFit/>
+              </a:bodyPr>
+              <a:lstStyle/>
+              <a:p>
+                <a:pPr marL="457200" indent="-457200">
+                  <a:spcBef>
+                    <a:spcPts val="1000"/>
+                  </a:spcBef>
+                  <a:spcAft>
+                    <a:spcPts val="800"/>
+                  </a:spcAft>
+                  <a:buFont typeface="Arial" pitchFamily="34" charset="0"/>
+                  <a:buChar char="•"/>
+                </a:pPr>
+                <a:r>
+                  <a:rPr lang="en-US" sz="2800" dirty="0" smtClean="0"/>
+                  <a:t>Under severe ill-conditioning, double precision is unstable unless stabilized by the left transpose.</a:t>
+                </a:r>
+              </a:p>
+              <a:p>
+                <a:pPr marL="457200" indent="-457200">
+                  <a:spcBef>
+                    <a:spcPts val="1000"/>
+                  </a:spcBef>
+                  <a:spcAft>
+                    <a:spcPts val="800"/>
+                  </a:spcAft>
+                  <a:buFont typeface="Arial" pitchFamily="34" charset="0"/>
+                  <a:buChar char="•"/>
+                </a:pPr>
+                <a:r>
+                  <a:rPr lang="en-US" sz="2800" dirty="0" smtClean="0"/>
+                  <a:t>Left-right stabilized </a:t>
+                </a:r>
+                <a:r>
+                  <a:rPr lang="en-US" sz="2800" dirty="0" err="1" smtClean="0"/>
+                  <a:t>SpAMM</a:t>
+                </a:r>
+                <a:r>
+                  <a:rPr lang="en-US" sz="2800" dirty="0" smtClean="0"/>
+                  <a:t> contraction:  </a:t>
+                </a:r>
+              </a:p>
+              <a:p>
+                <a:pPr marL="457200" indent="-457200">
+                  <a:spcBef>
+                    <a:spcPts val="1000"/>
+                  </a:spcBef>
+                  <a:spcAft>
+                    <a:spcPts val="800"/>
+                  </a:spcAft>
+                  <a:buFont typeface="Arial" pitchFamily="34" charset="0"/>
+                  <a:buChar char="•"/>
+                </a:pPr>
+                <a:endParaRPr lang="en-US" sz="2800" dirty="0"/>
+              </a:p>
+              <a:p>
+                <a:pPr marL="457200" indent="-457200">
+                  <a:spcBef>
+                    <a:spcPts val="1000"/>
+                  </a:spcBef>
+                  <a:spcAft>
+                    <a:spcPts val="800"/>
+                  </a:spcAft>
+                  <a:buFont typeface="Arial" pitchFamily="34" charset="0"/>
+                  <a:buChar char="•"/>
+                </a:pPr>
+                <a:endParaRPr lang="en-US" sz="2800" dirty="0" smtClean="0"/>
+              </a:p>
+              <a:p>
+                <a:pPr>
+                  <a:spcBef>
+                    <a:spcPts val="1000"/>
+                  </a:spcBef>
+                  <a:spcAft>
+                    <a:spcPts val="800"/>
+                  </a:spcAft>
+                </a:pPr>
+                <a:endParaRPr lang="en-US" sz="2800" dirty="0" smtClean="0"/>
+              </a:p>
+              <a:p>
+                <a:pPr marL="457200" indent="-457200">
+                  <a:spcBef>
+                    <a:spcPts val="1000"/>
+                  </a:spcBef>
+                  <a:spcAft>
+                    <a:spcPts val="800"/>
+                  </a:spcAft>
+                  <a:buFont typeface="Arial" pitchFamily="34" charset="0"/>
+                  <a:buChar char="•"/>
+                </a:pPr>
+                <a:r>
+                  <a:rPr lang="en-US" sz="2800" dirty="0"/>
+                  <a:t>T</a:t>
+                </a:r>
+                <a:r>
+                  <a:rPr lang="en-US" sz="2800" dirty="0" smtClean="0"/>
+                  <a:t>he full, asymmetric case w/transpose </a:t>
+                </a:r>
+                <a:r>
+                  <a:rPr lang="en-US" sz="2800" dirty="0" smtClean="0"/>
+                  <a:t>is more forgiving with respect to </a:t>
+                </a:r>
+                <a:r>
+                  <a:rPr lang="en-US" sz="2800" dirty="0" smtClean="0"/>
+                  <a:t>approximation, </a:t>
+                </a:r>
+                <a14:m>
+                  <m:oMath xmlns:m="http://schemas.openxmlformats.org/officeDocument/2006/math">
+                    <m:sSub>
+                      <m:sSubPr>
+                        <m:ctrlPr>
+                          <a:rPr lang="en-US" sz="2800" b="1" i="1">
+                            <a:latin typeface="Cambria Math"/>
+                            <a:ea typeface="Cambria Math"/>
+                          </a:rPr>
+                        </m:ctrlPr>
+                      </m:sSubPr>
+                      <m:e>
+                        <m:r>
+                          <a:rPr lang="en-US" sz="2800" b="1" i="1">
+                            <a:latin typeface="Cambria Math"/>
+                            <a:ea typeface="Cambria Math"/>
+                            <a:sym typeface="Symbol"/>
+                          </a:rPr>
+                          <m:t></m:t>
+                        </m:r>
+                      </m:e>
+                      <m:sub>
+                        <m:r>
+                          <a:rPr lang="el-GR" sz="2800" b="1" i="1">
+                            <a:latin typeface="Cambria Math"/>
+                            <a:ea typeface="Cambria Math"/>
+                          </a:rPr>
+                          <m:t>𝝉</m:t>
+                        </m:r>
+                        <m:r>
+                          <m:rPr>
+                            <m:nor/>
+                          </m:rPr>
+                          <a:rPr lang="en-US" sz="2800" dirty="0">
+                            <a:ea typeface="Cambria Math"/>
+                          </a:rPr>
+                          <m:t> </m:t>
+                        </m:r>
+                      </m:sub>
+                    </m:sSub>
+                  </m:oMath>
+                </a14:m>
+                <a:r>
+                  <a:rPr lang="en-US" sz="2800" dirty="0" smtClean="0"/>
+                  <a:t>, than</a:t>
+                </a:r>
+                <a:r>
+                  <a:rPr lang="en-US" sz="2800" dirty="0" smtClean="0"/>
+                  <a:t> </a:t>
+                </a:r>
+                <a:r>
+                  <a:rPr lang="en-US" sz="2800" dirty="0" smtClean="0"/>
+                  <a:t>“</a:t>
+                </a:r>
+                <a:r>
+                  <a:rPr lang="en-US" sz="2800" dirty="0"/>
+                  <a:t>DB iteration</a:t>
+                </a:r>
+                <a:r>
+                  <a:rPr lang="en-US" sz="2800" dirty="0" smtClean="0"/>
+                  <a:t>” and symmetrized </a:t>
+                </a:r>
+                <a:r>
+                  <a:rPr lang="en-US" sz="2800" dirty="0" smtClean="0"/>
+                  <a:t>versions.  </a:t>
+                </a:r>
+                <a:endParaRPr lang="en-US" sz="2800" dirty="0"/>
+              </a:p>
+              <a:p>
+                <a:pPr>
+                  <a:spcBef>
+                    <a:spcPts val="1000"/>
+                  </a:spcBef>
+                  <a:spcAft>
+                    <a:spcPts val="800"/>
+                  </a:spcAft>
+                </a:pPr>
+                <a:endParaRPr lang="en-US" sz="2800" dirty="0"/>
+              </a:p>
+            </p:txBody>
+          </p:sp>
+        </mc:Choice>
+        <mc:Fallback>
+          <p:sp>
+            <p:nvSpPr>
+              <p:cNvPr id="9" name="TextBox 8"/>
+              <p:cNvSpPr txBox="1">
+                <a:spLocks noRot="1" noChangeAspect="1" noMove="1" noResize="1" noEditPoints="1" noAdjustHandles="1" noChangeArrowheads="1" noChangeShapeType="1" noTextEdit="1"/>
+              </p:cNvSpPr>
+              <p:nvPr/>
+            </p:nvSpPr>
+            <p:spPr>
+              <a:xfrm>
+                <a:off x="304800" y="1066800"/>
+                <a:ext cx="8915400" cy="5786199"/>
+              </a:xfrm>
+              <a:prstGeom prst="rect">
+                <a:avLst/>
+              </a:prstGeom>
+              <a:blipFill rotWithShape="1">
+                <a:blip r:embed="rId2"/>
+                <a:stretch>
+                  <a:fillRect l="-1162" t="-948"/>
+                </a:stretch>
+              </a:blipFill>
+            </p:spPr>
+            <p:txBody>
+              <a:bodyPr/>
+              <a:lstStyle/>
+              <a:p>
+                <a:r>
+                  <a:rPr lang="en-US">
+                    <a:noFill/>
+                  </a:rPr>
+                  <a:t> </a:t>
+                </a:r>
+              </a:p>
+            </p:txBody>
+          </p:sp>
+        </mc:Fallback>
+      </mc:AlternateContent>
       <p:sp>
         <p:nvSpPr>
           <p:cNvPr id="13" name="Line Callout 1 (Border and Accent Bar) 12"/>
@@ -6425,7 +5491,7 @@
                 <a:avLst/>
               </a:prstGeom>
               <a:blipFill rotWithShape="1">
-                <a:blip r:embed="rId2"/>
+                <a:blip r:embed="rId3"/>
                 <a:stretch>
                   <a:fillRect/>
                 </a:stretch>
@@ -6450,206 +5516,6 @@
         <mc:Choice xmlns:a14="http://schemas.microsoft.com/office/drawing/2010/main" Requires="a14">
           <p:sp>
             <p:nvSpPr>
-              <p:cNvPr id="9" name="TextBox 8"/>
-              <p:cNvSpPr txBox="1"/>
-              <p:nvPr/>
-            </p:nvSpPr>
-            <p:spPr>
-              <a:xfrm>
-                <a:off x="304800" y="1066800"/>
-                <a:ext cx="8915400" cy="5786199"/>
-              </a:xfrm>
-              <a:prstGeom prst="rect">
-                <a:avLst/>
-              </a:prstGeom>
-              <a:noFill/>
-            </p:spPr>
-            <p:txBody>
-              <a:bodyPr wrap="square" rtlCol="0">
-                <a:spAutoFit/>
-              </a:bodyPr>
-              <a:lstStyle/>
-              <a:p>
-                <a:pPr marL="457200" indent="-457200">
-                  <a:spcBef>
-                    <a:spcPts val="1000"/>
-                  </a:spcBef>
-                  <a:spcAft>
-                    <a:spcPts val="800"/>
-                  </a:spcAft>
-                  <a:buFont typeface="Arial" pitchFamily="34" charset="0"/>
-                  <a:buChar char="•"/>
-                </a:pPr>
-                <a:r>
-                  <a:rPr lang="en-US" sz="2800" dirty="0" smtClean="0"/>
-                  <a:t>Under </a:t>
-                </a:r>
-                <a:r>
-                  <a:rPr lang="en-US" sz="2800" dirty="0" smtClean="0"/>
-                  <a:t>severe ill-conditioning, double precision is unstable unless stabilized by the left transpose.</a:t>
-                </a:r>
-              </a:p>
-              <a:p>
-                <a:pPr marL="457200" indent="-457200">
-                  <a:spcBef>
-                    <a:spcPts val="1000"/>
-                  </a:spcBef>
-                  <a:spcAft>
-                    <a:spcPts val="800"/>
-                  </a:spcAft>
-                  <a:buFont typeface="Arial" pitchFamily="34" charset="0"/>
-                  <a:buChar char="•"/>
-                </a:pPr>
-                <a:r>
-                  <a:rPr lang="en-US" sz="2800" dirty="0" smtClean="0"/>
-                  <a:t>Left-right stabilized </a:t>
-                </a:r>
-                <a:r>
-                  <a:rPr lang="en-US" sz="2800" dirty="0" err="1" smtClean="0"/>
-                  <a:t>SpAMM</a:t>
-                </a:r>
-                <a:r>
-                  <a:rPr lang="en-US" sz="2800" dirty="0" smtClean="0"/>
-                  <a:t> contraction:  </a:t>
-                </a:r>
-              </a:p>
-              <a:p>
-                <a:pPr marL="457200" indent="-457200">
-                  <a:spcBef>
-                    <a:spcPts val="1000"/>
-                  </a:spcBef>
-                  <a:spcAft>
-                    <a:spcPts val="800"/>
-                  </a:spcAft>
-                  <a:buFont typeface="Arial" pitchFamily="34" charset="0"/>
-                  <a:buChar char="•"/>
-                </a:pPr>
-                <a:endParaRPr lang="en-US" sz="2800" dirty="0"/>
-              </a:p>
-              <a:p>
-                <a:pPr marL="457200" indent="-457200">
-                  <a:spcBef>
-                    <a:spcPts val="1000"/>
-                  </a:spcBef>
-                  <a:spcAft>
-                    <a:spcPts val="800"/>
-                  </a:spcAft>
-                  <a:buFont typeface="Arial" pitchFamily="34" charset="0"/>
-                  <a:buChar char="•"/>
-                </a:pPr>
-                <a:endParaRPr lang="en-US" sz="2800" dirty="0" smtClean="0"/>
-              </a:p>
-              <a:p>
-                <a:pPr>
-                  <a:spcBef>
-                    <a:spcPts val="1000"/>
-                  </a:spcBef>
-                  <a:spcAft>
-                    <a:spcPts val="800"/>
-                  </a:spcAft>
-                </a:pPr>
-                <a:endParaRPr lang="en-US" sz="2800" dirty="0" smtClean="0"/>
-              </a:p>
-              <a:p>
-                <a:pPr marL="457200" indent="-457200">
-                  <a:spcBef>
-                    <a:spcPts val="1000"/>
-                  </a:spcBef>
-                  <a:spcAft>
-                    <a:spcPts val="800"/>
-                  </a:spcAft>
-                  <a:buFont typeface="Arial" pitchFamily="34" charset="0"/>
-                  <a:buChar char="•"/>
-                </a:pPr>
-                <a:r>
-                  <a:rPr lang="en-US" sz="2800" dirty="0" smtClean="0"/>
-                  <a:t>Still, </a:t>
-                </a:r>
-                <a:r>
-                  <a:rPr lang="en-US" sz="2800" dirty="0" err="1" smtClean="0"/>
-                  <a:t>SpAMM</a:t>
-                </a:r>
-                <a:r>
-                  <a:rPr lang="en-US" sz="2800" dirty="0" smtClean="0"/>
-                  <a:t> introduces a (small) twist in the full matrix; the asymmetric (full) case is more forgiving with respect to approximation (</a:t>
-                </a:r>
-                <a14:m>
-                  <m:oMath xmlns:m="http://schemas.openxmlformats.org/officeDocument/2006/math">
-                    <m:r>
-                      <a:rPr lang="en-US" sz="2800" b="1" i="1" smtClean="0">
-                        <a:solidFill>
-                          <a:schemeClr val="tx1"/>
-                        </a:solidFill>
-                        <a:latin typeface="Cambria Math"/>
-                        <a:ea typeface="Cambria Math"/>
-                      </a:rPr>
-                      <m:t>𝝉</m:t>
-                    </m:r>
-                  </m:oMath>
-                </a14:m>
-                <a:r>
-                  <a:rPr lang="en-US" sz="2800" dirty="0" smtClean="0"/>
-                  <a:t>), relative to symmetric versions.  </a:t>
-                </a:r>
-                <a:endParaRPr lang="en-US" sz="2800" dirty="0"/>
-              </a:p>
-              <a:p>
-                <a:pPr>
-                  <a:spcBef>
-                    <a:spcPts val="1000"/>
-                  </a:spcBef>
-                  <a:spcAft>
-                    <a:spcPts val="800"/>
-                  </a:spcAft>
-                </a:pPr>
-                <a:endParaRPr lang="en-US" sz="2800" dirty="0"/>
-              </a:p>
-            </p:txBody>
-          </p:sp>
-        </mc:Choice>
-        <mc:Fallback>
-          <p:sp>
-            <p:nvSpPr>
-              <p:cNvPr id="9" name="TextBox 8"/>
-              <p:cNvSpPr txBox="1">
-                <a:spLocks noRot="1" noChangeAspect="1" noMove="1" noResize="1" noEditPoints="1" noAdjustHandles="1" noChangeArrowheads="1" noChangeShapeType="1" noTextEdit="1"/>
-              </p:cNvSpPr>
-              <p:nvPr/>
-            </p:nvSpPr>
-            <p:spPr>
-              <a:xfrm>
-                <a:off x="304800" y="1066800"/>
-                <a:ext cx="8915400" cy="5786199"/>
-              </a:xfrm>
-              <a:prstGeom prst="rect">
-                <a:avLst/>
-              </a:prstGeom>
-              <a:blipFill rotWithShape="1">
-                <a:blip r:embed="rId3"/>
-                <a:stretch>
-                  <a:fillRect l="-1162" t="-948" r="-547"/>
-                </a:stretch>
-              </a:blipFill>
-            </p:spPr>
-            <p:txBody>
-              <a:bodyPr/>
-              <a:lstStyle/>
-              <a:p>
-                <a:r>
-                  <a:rPr lang="en-US">
-                    <a:noFill/>
-                  </a:rPr>
-                  <a:t> </a:t>
-                </a:r>
-              </a:p>
-            </p:txBody>
-          </p:sp>
-        </mc:Fallback>
-      </mc:AlternateContent>
-      <mc:AlternateContent xmlns:mc="http://schemas.openxmlformats.org/markup-compatibility/2006" xmlns:a14="http://schemas.microsoft.com/office/drawing/2010/main">
-        <mc:Choice Requires="a14">
-          <p:sp>
-            <p:nvSpPr>
               <p:cNvPr id="10" name="TextBox 9"/>
               <p:cNvSpPr txBox="1"/>
               <p:nvPr/>
@@ -6657,7 +5523,7 @@
             <p:spPr>
               <a:xfrm>
                 <a:off x="2587752" y="4020073"/>
-                <a:ext cx="4478727" cy="830997"/>
+                <a:ext cx="4117602" cy="489301"/>
               </a:xfrm>
               <a:prstGeom prst="rect">
                 <a:avLst/>
@@ -6678,38 +5544,6 @@
                   </a:rPr>
                   <a:t>left (T): first, </a:t>
                 </a:r>
-                <a:r>
-                  <a:rPr lang="en-US" sz="2400" b="1" dirty="0" err="1" smtClean="0">
-                    <a:solidFill>
-                      <a:srgbClr val="7030A0"/>
-                    </a:solidFill>
-                  </a:rPr>
-                  <a:t>SpAMM</a:t>
-                </a:r>
-                <a:r>
-                  <a:rPr lang="en-US" sz="2400" b="1" dirty="0" smtClean="0">
-                    <a:solidFill>
-                      <a:srgbClr val="7030A0"/>
-                    </a:solidFill>
-                  </a:rPr>
-                  <a:t> @ </a:t>
-                </a:r>
-                <a:r>
-                  <a:rPr lang="en-US" sz="2400" b="1" baseline="-10000" dirty="0" smtClean="0">
-                    <a:solidFill>
-                      <a:srgbClr val="7030A0"/>
-                    </a:solidFill>
-                  </a:rPr>
-                  <a:t>~</a:t>
-                </a:r>
-                <a:r>
-                  <a:rPr lang="en-US" sz="2400" b="1" dirty="0" smtClean="0">
-                    <a:solidFill>
-                      <a:srgbClr val="7030A0"/>
-                    </a:solidFill>
-                  </a:rPr>
-                  <a:t>1d-2 </a:t>
-                </a:r>
                 <a14:m>
                   <m:oMath xmlns:m="http://schemas.openxmlformats.org/officeDocument/2006/math">
                     <m:r>
@@ -6720,7 +5554,7 @@
                         <a:latin typeface="Cambria Math"/>
                         <a:ea typeface="Cambria Math"/>
                       </a:rPr>
-                      <m:t>×</m:t>
+                      <m:t>𝒂</m:t>
                     </m:r>
                     <m:r>
                       <a:rPr lang="en-US" sz="2400" b="1" i="1" smtClean="0">
@@ -6730,17 +5564,162 @@
                         <a:latin typeface="Cambria Math"/>
                         <a:ea typeface="Cambria Math"/>
                       </a:rPr>
-                      <m:t>𝝉</m:t>
+                      <m:t>←</m:t>
+                    </m:r>
+                    <m:r>
+                      <a:rPr lang="en-US" sz="2400" b="1" i="0" smtClean="0">
+                        <a:solidFill>
+                          <a:srgbClr val="7030A0"/>
+                        </a:solidFill>
+                        <a:latin typeface="Cambria Math"/>
+                        <a:ea typeface="Cambria Math"/>
+                      </a:rPr>
+                      <m:t>𝐳</m:t>
+                    </m:r>
+                    <m:r>
+                      <a:rPr lang="en-US" sz="2400" b="1" i="0" smtClean="0">
+                        <a:solidFill>
+                          <a:srgbClr val="7030A0"/>
+                        </a:solidFill>
+                        <a:latin typeface="Cambria Math"/>
+                        <a:ea typeface="Cambria Math"/>
+                      </a:rPr>
+                      <m:t> </m:t>
+                    </m:r>
+                    <m:sSub>
+                      <m:sSubPr>
+                        <m:ctrlPr>
+                          <a:rPr lang="en-US" sz="2400" b="1" i="1">
+                            <a:solidFill>
+                              <a:srgbClr val="7030A0"/>
+                            </a:solidFill>
+                            <a:latin typeface="Cambria Math"/>
+                            <a:ea typeface="Cambria Math"/>
+                          </a:rPr>
+                        </m:ctrlPr>
+                      </m:sSubPr>
+                      <m:e>
+                        <m:r>
+                          <a:rPr lang="en-US" sz="2400" b="1" i="1" smtClean="0">
+                            <a:solidFill>
+                              <a:srgbClr val="7030A0"/>
+                            </a:solidFill>
+                            <a:latin typeface="Cambria Math"/>
+                            <a:ea typeface="Cambria Math"/>
+                            <a:sym typeface="Symbol"/>
+                          </a:rPr>
+                          <m:t></m:t>
+                        </m:r>
+                      </m:e>
+                      <m:sub>
+                        <m:argPr>
+                          <m:argSz m:val="-1"/>
+                        </m:argPr>
+                        <m:r>
+                          <a:rPr lang="en-US" sz="2400" b="1" i="1" smtClean="0">
+                            <a:solidFill>
+                              <a:srgbClr val="7030A0"/>
+                            </a:solidFill>
+                            <a:latin typeface="Cambria Math"/>
+                            <a:ea typeface="Cambria Math"/>
+                            <a:sym typeface="Symbol"/>
+                          </a:rPr>
+                          <m:t>𝑻</m:t>
+                        </m:r>
+                        <m:r>
+                          <a:rPr lang="en-US" sz="2400" b="1" i="1" smtClean="0">
+                            <a:solidFill>
+                              <a:srgbClr val="7030A0"/>
+                            </a:solidFill>
+                            <a:latin typeface="Cambria Math"/>
+                            <a:ea typeface="Cambria Math"/>
+                            <a:sym typeface="Symbol"/>
+                          </a:rPr>
+                          <m:t>,  </m:t>
+                        </m:r>
+                        <m:r>
+                          <a:rPr lang="el-GR" sz="2400" b="1" i="1">
+                            <a:solidFill>
+                              <a:srgbClr val="7030A0"/>
+                            </a:solidFill>
+                            <a:latin typeface="Cambria Math"/>
+                            <a:ea typeface="Cambria Math"/>
+                          </a:rPr>
+                          <m:t>𝝉</m:t>
+                        </m:r>
+                        <m:r>
+                          <a:rPr lang="el-GR" sz="2400" b="1" i="1" smtClean="0">
+                            <a:solidFill>
+                              <a:srgbClr val="7030A0"/>
+                            </a:solidFill>
+                            <a:latin typeface="Cambria Math"/>
+                            <a:ea typeface="Cambria Math"/>
+                          </a:rPr>
+                          <m:t>×</m:t>
+                        </m:r>
+                        <m:sSup>
+                          <m:sSupPr>
+                            <m:ctrlPr>
+                              <a:rPr lang="el-GR" sz="2400" i="1" smtClean="0">
+                                <a:solidFill>
+                                  <a:srgbClr val="7030A0"/>
+                                </a:solidFill>
+                                <a:latin typeface="Cambria Math"/>
+                                <a:ea typeface="Cambria Math"/>
+                              </a:rPr>
+                            </m:ctrlPr>
+                          </m:sSupPr>
+                          <m:e>
+                            <m:r>
+                              <a:rPr lang="en-US" sz="2400" b="0" i="1" smtClean="0">
+                                <a:solidFill>
+                                  <a:srgbClr val="7030A0"/>
+                                </a:solidFill>
+                                <a:latin typeface="Cambria Math"/>
+                                <a:ea typeface="Cambria Math"/>
+                              </a:rPr>
+                              <m:t>10</m:t>
+                            </m:r>
+                          </m:e>
+                          <m:sup>
+                            <m:r>
+                              <a:rPr lang="en-US" sz="2400" b="0" i="1" smtClean="0">
+                                <a:solidFill>
+                                  <a:srgbClr val="7030A0"/>
+                                </a:solidFill>
+                                <a:latin typeface="Cambria Math"/>
+                                <a:ea typeface="Cambria Math"/>
+                              </a:rPr>
+                              <m:t>−2</m:t>
+                            </m:r>
+                          </m:sup>
+                        </m:sSup>
+                        <m:r>
+                          <m:rPr>
+                            <m:nor/>
+                          </m:rPr>
+                          <a:rPr lang="en-US" sz="2400" b="1" dirty="0">
+                            <a:solidFill>
+                              <a:srgbClr val="7030A0"/>
+                            </a:solidFill>
+                            <a:ea typeface="Cambria Math"/>
+                          </a:rPr>
+                          <m:t> </m:t>
+                        </m:r>
+                      </m:sub>
+                    </m:sSub>
+                    <m:r>
+                      <a:rPr lang="en-US" sz="2400" b="1" i="1" dirty="0" smtClean="0">
+                        <a:solidFill>
+                          <a:srgbClr val="7030A0"/>
+                        </a:solidFill>
+                        <a:latin typeface="Cambria Math"/>
+                        <a:ea typeface="Cambria Math"/>
+                      </a:rPr>
+                      <m:t>𝒔</m:t>
                     </m:r>
                   </m:oMath>
                 </a14:m>
-                <a:endParaRPr lang="en-US" sz="2400" b="1" dirty="0">
-                  <a:solidFill>
-                    <a:srgbClr val="7030A0"/>
-                  </a:solidFill>
-                </a:endParaRPr>
-              </a:p>
-              <a:p>
                 <a:r>
                   <a:rPr lang="en-US" sz="2400" b="1" dirty="0" smtClean="0">
                     <a:solidFill>
@@ -6758,7 +5737,7 @@
             </p:txBody>
           </p:sp>
         </mc:Choice>
-        <mc:Fallback xmlns="">
+        <mc:Fallback>
           <p:sp>
             <p:nvSpPr>
               <p:cNvPr id="10" name="TextBox 9"/>
@@ -6770,7 +5749,7 @@
             <p:spPr>
               <a:xfrm>
                 <a:off x="2587752" y="4020073"/>
-                <a:ext cx="4478727" cy="830997"/>
+                <a:ext cx="4117602" cy="489301"/>
               </a:xfrm>
               <a:prstGeom prst="rect">
                 <a:avLst/>
@@ -6778,7 +5757,7 @@
               <a:blipFill rotWithShape="1">
                 <a:blip r:embed="rId4"/>
                 <a:stretch>
-                  <a:fillRect l="-2180" t="-5839"/>
+                  <a:fillRect l="-2370" t="-8642" b="-22222"/>
                 </a:stretch>
               </a:blipFill>
             </p:spPr>
@@ -6797,8 +5776,8 @@
           </p:sp>
         </mc:Fallback>
       </mc:AlternateContent>
-      <mc:AlternateContent xmlns:mc="http://schemas.openxmlformats.org/markup-compatibility/2006" xmlns:a14="http://schemas.microsoft.com/office/drawing/2010/main">
-        <mc:Choice Requires="a14">
+      <mc:AlternateContent xmlns:mc="http://schemas.openxmlformats.org/markup-compatibility/2006">
+        <mc:Choice xmlns:a14="http://schemas.microsoft.com/office/drawing/2010/main" Requires="a14">
           <p:sp>
             <p:nvSpPr>
               <p:cNvPr id="14" name="TextBox 13"/>
@@ -6808,7 +5787,7 @@
             <p:spPr>
               <a:xfrm>
                 <a:off x="5405891" y="3248243"/>
-                <a:ext cx="2940549" cy="830997"/>
+                <a:ext cx="2787623" cy="461665"/>
               </a:xfrm>
               <a:prstGeom prst="rect">
                 <a:avLst/>
@@ -6824,66 +5803,147 @@
                 <a:r>
                   <a:rPr lang="en-US" sz="2400" b="1" dirty="0" smtClean="0">
                     <a:solidFill>
-                      <a:srgbClr val="00B050"/>
+                      <a:schemeClr val="accent3">
+                        <a:lumMod val="50000"/>
+                      </a:schemeClr>
                     </a:solidFill>
                   </a:rPr>
                   <a:t>right(N): </a:t>
-                </a:r>
-                <a:r>
-                  <a:rPr lang="en-US" sz="2400" b="1" dirty="0" err="1" smtClean="0">
-                    <a:solidFill>
-                      <a:srgbClr val="00B050"/>
-                    </a:solidFill>
-                  </a:rPr>
-                  <a:t>SpAMM</a:t>
-                </a:r>
-                <a:r>
-                  <a:rPr lang="en-US" sz="2400" b="1" dirty="0" smtClean="0">
-                    <a:solidFill>
-                      <a:srgbClr val="00B050"/>
-                    </a:solidFill>
-                  </a:rPr>
-                  <a:t> @ </a:t>
                 </a:r>
                 <a14:m>
                   <m:oMath xmlns:m="http://schemas.openxmlformats.org/officeDocument/2006/math">
                     <m:r>
                       <a:rPr lang="en-US" sz="2400" b="1" i="1" smtClean="0">
                         <a:solidFill>
-                          <a:srgbClr val="00B050"/>
+                          <a:schemeClr val="accent3">
+                            <a:lumMod val="50000"/>
+                          </a:schemeClr>
                         </a:solidFill>
                         <a:latin typeface="Cambria Math"/>
                         <a:ea typeface="Cambria Math"/>
                       </a:rPr>
-                      <m:t>𝝉</m:t>
+                      <m:t>𝒙</m:t>
+                    </m:r>
+                    <m:r>
+                      <a:rPr lang="en-US" sz="2400" b="1" i="1" smtClean="0">
+                        <a:solidFill>
+                          <a:schemeClr val="accent3">
+                            <a:lumMod val="50000"/>
+                          </a:schemeClr>
+                        </a:solidFill>
+                        <a:latin typeface="Cambria Math"/>
+                        <a:ea typeface="Cambria Math"/>
+                      </a:rPr>
+                      <m:t>←</m:t>
+                    </m:r>
+                    <m:r>
+                      <a:rPr lang="en-US" sz="2400" b="1" i="1" smtClean="0">
+                        <a:solidFill>
+                          <a:schemeClr val="accent3">
+                            <a:lumMod val="50000"/>
+                          </a:schemeClr>
+                        </a:solidFill>
+                        <a:latin typeface="Cambria Math"/>
+                        <a:ea typeface="Cambria Math"/>
+                      </a:rPr>
+                      <m:t>𝒂</m:t>
+                    </m:r>
+                    <m:r>
+                      <a:rPr lang="en-US" sz="2400" b="1" i="1" smtClean="0">
+                        <a:solidFill>
+                          <a:schemeClr val="accent3">
+                            <a:lumMod val="50000"/>
+                          </a:schemeClr>
+                        </a:solidFill>
+                        <a:latin typeface="Cambria Math"/>
+                        <a:ea typeface="Cambria Math"/>
+                      </a:rPr>
+                      <m:t> </m:t>
+                    </m:r>
+                    <m:sSub>
+                      <m:sSubPr>
+                        <m:ctrlPr>
+                          <a:rPr lang="en-US" sz="2400" b="1" i="1">
+                            <a:solidFill>
+                              <a:schemeClr val="accent3">
+                                <a:lumMod val="50000"/>
+                              </a:schemeClr>
+                            </a:solidFill>
+                            <a:latin typeface="Cambria Math"/>
+                            <a:ea typeface="Cambria Math"/>
+                          </a:rPr>
+                        </m:ctrlPr>
+                      </m:sSubPr>
+                      <m:e>
+                        <m:r>
+                          <a:rPr lang="en-US" sz="2400" b="1" i="1">
+                            <a:solidFill>
+                              <a:schemeClr val="accent3">
+                                <a:lumMod val="50000"/>
+                              </a:schemeClr>
+                            </a:solidFill>
+                            <a:latin typeface="Cambria Math"/>
+                            <a:ea typeface="Cambria Math"/>
+                            <a:sym typeface="Symbol"/>
+                          </a:rPr>
+                          <m:t></m:t>
+                        </m:r>
+                      </m:e>
+                      <m:sub>
+                        <m:r>
+                          <a:rPr lang="el-GR" sz="2400" b="1" i="1">
+                            <a:solidFill>
+                              <a:schemeClr val="accent3">
+                                <a:lumMod val="50000"/>
+                              </a:schemeClr>
+                            </a:solidFill>
+                            <a:latin typeface="Cambria Math"/>
+                            <a:ea typeface="Cambria Math"/>
+                          </a:rPr>
+                          <m:t>𝝉</m:t>
+                        </m:r>
+                        <m:r>
+                          <m:rPr>
+                            <m:nor/>
+                          </m:rPr>
+                          <a:rPr lang="en-US" sz="2400" b="1" dirty="0">
+                            <a:solidFill>
+                              <a:schemeClr val="accent3">
+                                <a:lumMod val="50000"/>
+                              </a:schemeClr>
+                            </a:solidFill>
+                            <a:ea typeface="Cambria Math"/>
+                          </a:rPr>
+                          <m:t> </m:t>
+                        </m:r>
+                      </m:sub>
+                    </m:sSub>
+                    <m:r>
+                      <a:rPr lang="en-US" sz="2400" b="1" i="1" dirty="0" smtClean="0">
+                        <a:solidFill>
+                          <a:schemeClr val="accent3">
+                            <a:lumMod val="50000"/>
+                          </a:schemeClr>
+                        </a:solidFill>
+                        <a:latin typeface="Cambria Math"/>
+                        <a:ea typeface="Cambria Math"/>
+                      </a:rPr>
+                      <m:t>𝒛</m:t>
                     </m:r>
                   </m:oMath>
                 </a14:m>
                 <a:endParaRPr lang="en-US" sz="2400" b="1" dirty="0">
                   <a:solidFill>
-                    <a:srgbClr val="00B050"/>
-                  </a:solidFill>
-                </a:endParaRPr>
-              </a:p>
-              <a:p>
-                <a:r>
-                  <a:rPr lang="en-US" sz="2400" b="1" dirty="0" smtClean="0">
-                    <a:solidFill>
-                      <a:srgbClr val="7030A0"/>
-                    </a:solidFill>
-                  </a:rPr>
-                  <a:t> </a:t>
-                </a:r>
-                <a:endParaRPr lang="en-US" sz="2400" b="1" dirty="0">
-                  <a:solidFill>
-                    <a:srgbClr val="7030A0"/>
+                    <a:schemeClr val="accent3">
+                      <a:lumMod val="50000"/>
+                    </a:schemeClr>
                   </a:solidFill>
                 </a:endParaRPr>
               </a:p>
             </p:txBody>
           </p:sp>
         </mc:Choice>
-        <mc:Fallback xmlns="">
+        <mc:Fallback>
           <p:sp>
             <p:nvSpPr>
               <p:cNvPr id="14" name="TextBox 13"/>
@@ -6895,7 +5955,7 @@
             <p:spPr>
               <a:xfrm>
                 <a:off x="5405891" y="3248243"/>
-                <a:ext cx="2940549" cy="830997"/>
+                <a:ext cx="2787623" cy="461665"/>
               </a:xfrm>
               <a:prstGeom prst="rect">
                 <a:avLst/>
@@ -6903,7 +5963,7 @@
               <a:blipFill rotWithShape="1">
                 <a:blip r:embed="rId5"/>
                 <a:stretch>
-                  <a:fillRect l="-3320" t="-5882"/>
+                  <a:fillRect l="-3501" t="-10526" b="-28947"/>
                 </a:stretch>
               </a:blipFill>
             </p:spPr>
@@ -7114,8 +6174,8 @@
           </a:prstGeom>
         </p:spPr>
       </p:pic>
-      <mc:AlternateContent xmlns:mc="http://schemas.openxmlformats.org/markup-compatibility/2006">
-        <mc:Choice xmlns:a14="http://schemas.microsoft.com/office/drawing/2010/main" Requires="a14">
+      <mc:AlternateContent xmlns:mc="http://schemas.openxmlformats.org/markup-compatibility/2006" xmlns:a14="http://schemas.microsoft.com/office/drawing/2010/main">
+        <mc:Choice Requires="a14">
           <p:sp>
             <p:nvSpPr>
               <p:cNvPr id="12" name="TextBox 11"/>
@@ -7318,14 +6378,6 @@
                   </a:rPr>
                   <a:t> </a:t>
                 </a:r>
-                <a:endParaRPr lang="en-US" sz="2400" b="1" i="1" dirty="0" smtClean="0">
-                  <a:solidFill>
-                    <a:schemeClr val="tx2">
-                      <a:lumMod val="60000"/>
-                      <a:lumOff val="40000"/>
-                    </a:schemeClr>
-                  </a:solidFill>
-                </a:endParaRPr>
               </a:p>
               <a:p>
                 <a:pPr marL="342900" indent="-342900">
@@ -7465,14 +6517,6 @@
                   </a:rPr>
                   <a:t>NS </a:t>
                 </a:r>
-                <a:endParaRPr lang="en-US" sz="2400" b="1" i="1" dirty="0" smtClean="0">
-                  <a:solidFill>
-                    <a:schemeClr val="tx2">
-                      <a:lumMod val="60000"/>
-                      <a:lumOff val="40000"/>
-                    </a:schemeClr>
-                  </a:solidFill>
-                </a:endParaRPr>
               </a:p>
               <a:p>
                 <a:pPr marL="342900" indent="-342900">
@@ -7519,7 +6563,7 @@
             </p:txBody>
           </p:sp>
         </mc:Choice>
-        <mc:Fallback>
+        <mc:Fallback xmlns="">
           <p:sp>
             <p:nvSpPr>
               <p:cNvPr id="12" name="TextBox 11"/>
@@ -7558,8 +6602,8 @@
           </p:sp>
         </mc:Fallback>
       </mc:AlternateContent>
-      <mc:AlternateContent xmlns:mc="http://schemas.openxmlformats.org/markup-compatibility/2006">
-        <mc:Choice xmlns:a14="http://schemas.microsoft.com/office/drawing/2010/main" Requires="a14">
+      <mc:AlternateContent xmlns:mc="http://schemas.openxmlformats.org/markup-compatibility/2006" xmlns:a14="http://schemas.microsoft.com/office/drawing/2010/main">
+        <mc:Choice Requires="a14">
           <p:sp>
             <p:nvSpPr>
               <p:cNvPr id="13" name="Rectangle 12"/>
@@ -7640,11 +6684,7 @@
                 </a:pPr>
                 <a:r>
                   <a:rPr lang="en-US" sz="2400" dirty="0" smtClean="0"/>
-                  <a:t>Ill-conditioning </a:t>
-                </a:r>
-                <a:r>
-                  <a:rPr lang="en-US" sz="2400" dirty="0" smtClean="0"/>
-                  <a:t>and </a:t>
+                  <a:t>Ill-conditioning and </a:t>
                 </a:r>
                 <a:r>
                   <a:rPr lang="en-US" sz="2400" dirty="0" err="1" smtClean="0"/>
@@ -7758,7 +6798,7 @@
             </p:txBody>
           </p:sp>
         </mc:Choice>
-        <mc:Fallback>
+        <mc:Fallback xmlns="">
           <p:sp>
             <p:nvSpPr>
               <p:cNvPr id="13" name="Rectangle 12"/>
@@ -7985,7 +7025,16 @@
                 </a:solidFill>
                 <a:latin typeface="Comic Sans MS" pitchFamily="66" charset="0"/>
               </a:rPr>
-              <a:t> Stabilized </a:t>
+              <a:t> </a:t>
+            </a:r>
+            <a:r>
+              <a:rPr lang="en-US" sz="3200" b="1" dirty="0" smtClean="0">
+                <a:solidFill>
+                  <a:prstClr val="black"/>
+                </a:solidFill>
+                <a:latin typeface="Comic Sans MS" pitchFamily="66" charset="0"/>
+              </a:rPr>
+              <a:t>Stabilized, </a:t>
             </a:r>
             <a:r>
               <a:rPr lang="en-US" sz="3200" b="1" dirty="0">
@@ -8109,7 +7158,7 @@
             </p:nvSpPr>
             <p:spPr>
               <a:xfrm>
-                <a:off x="396240" y="2438400"/>
+                <a:off x="396240" y="2590800"/>
                 <a:ext cx="8366760" cy="4097404"/>
               </a:xfrm>
               <a:prstGeom prst="rect">
@@ -9298,11 +8347,7 @@
                 </a:pPr>
                 <a:r>
                   <a:rPr lang="en-US" sz="2200" u="sng" dirty="0" smtClean="0"/>
-                  <a:t>for </a:t>
-                </a:r>
-                <a:r>
-                  <a:rPr lang="en-US" sz="2200" u="sng" dirty="0" smtClean="0"/>
-                  <a:t>each layer, the error:</a:t>
+                  <a:t>for each layer, the error:</a:t>
                 </a:r>
                 <a:endParaRPr lang="en-US" sz="2200" i="1" dirty="0" smtClean="0">
                   <a:latin typeface="Cambria Math"/>
@@ -9510,7 +8555,7 @@
             </p:nvSpPr>
             <p:spPr>
               <a:xfrm>
-                <a:off x="396240" y="2438400"/>
+                <a:off x="396240" y="2590800"/>
                 <a:ext cx="8366760" cy="4097404"/>
               </a:xfrm>
               <a:prstGeom prst="rect">
@@ -9549,8 +8594,8 @@
             </p:nvSpPr>
             <p:spPr>
               <a:xfrm>
-                <a:off x="1244600" y="731520"/>
-                <a:ext cx="7366000" cy="1723549"/>
+                <a:off x="558800" y="837962"/>
+                <a:ext cx="8432800" cy="1600438"/>
               </a:xfrm>
               <a:prstGeom prst="rect">
                 <a:avLst/>
@@ -9574,29 +8619,29 @@
                   <a:buChar char="•"/>
                 </a:pPr>
                 <a:r>
-                  <a:rPr lang="en-US" sz="2400" dirty="0" smtClean="0"/>
+                  <a:rPr lang="en-US" sz="2200" dirty="0" smtClean="0"/>
                   <a:t>Nest Newton </a:t>
                 </a:r>
                 <a:r>
-                  <a:rPr lang="en-US" sz="2400" dirty="0" err="1" smtClean="0"/>
+                  <a:rPr lang="en-US" sz="2200" dirty="0" err="1" smtClean="0"/>
                   <a:t>Shulz</a:t>
                 </a:r>
                 <a:r>
-                  <a:rPr lang="en-US" sz="2400" dirty="0" smtClean="0"/>
+                  <a:rPr lang="en-US" sz="2200" dirty="0" smtClean="0"/>
                   <a:t> </a:t>
                 </a:r>
                 <a:r>
-                  <a:rPr lang="en-US" sz="2400" dirty="0" err="1" smtClean="0"/>
+                  <a:rPr lang="en-US" sz="2200" dirty="0" err="1" smtClean="0"/>
                   <a:t>functionals</a:t>
                 </a:r>
                 <a:r>
-                  <a:rPr lang="en-US" sz="2400" dirty="0" smtClean="0"/>
+                  <a:rPr lang="en-US" sz="2200" dirty="0" smtClean="0"/>
                   <a:t>,  </a:t>
                 </a:r>
                 <a14:m>
                   <m:oMath xmlns:m="http://schemas.openxmlformats.org/officeDocument/2006/math">
                     <m:r>
-                      <a:rPr lang="en-US" sz="2400" i="1" dirty="0" smtClean="0">
+                      <a:rPr lang="en-US" sz="2200" b="0" i="1" dirty="0" smtClean="0">
                         <a:latin typeface="Cambria Math"/>
                       </a:rPr>
                       <m:t>𝑁𝑆</m:t>
@@ -9606,7 +8651,7 @@
                         <m:begChr m:val="["/>
                         <m:endChr m:val="]"/>
                         <m:ctrlPr>
-                          <a:rPr lang="en-US" sz="2400" i="1" dirty="0" smtClean="0">
+                          <a:rPr lang="en-US" sz="2200" i="1" dirty="0" smtClean="0">
                             <a:latin typeface="Cambria Math"/>
                             <a:ea typeface="Cambria Math"/>
                           </a:rPr>
@@ -9614,7 +8659,7 @@
                       </m:dPr>
                       <m:e>
                         <m:r>
-                          <a:rPr lang="en-US" sz="2400" i="1" dirty="0" smtClean="0">
+                          <a:rPr lang="en-US" sz="2200" b="0" i="1" dirty="0" smtClean="0">
                             <a:latin typeface="Cambria Math"/>
                             <a:ea typeface="Cambria Math"/>
                           </a:rPr>
@@ -9623,7 +8668,7 @@
                       </m:e>
                     </m:d>
                     <m:r>
-                      <a:rPr lang="en-US" sz="2400" b="0" i="0" dirty="0" smtClean="0">
+                      <a:rPr lang="en-US" sz="2200" b="0" i="0" dirty="0" smtClean="0">
                         <a:latin typeface="Cambria Math"/>
                         <a:ea typeface="Cambria Math"/>
                       </a:rPr>
@@ -9632,15 +8677,15 @@
                   </m:oMath>
                 </a14:m>
                 <a:r>
-                  <a:rPr lang="en-US" sz="2400" dirty="0" smtClean="0"/>
+                  <a:rPr lang="en-US" sz="2200" dirty="0" smtClean="0"/>
                   <a:t>, with increasing </a:t>
                 </a:r>
                 <a:r>
-                  <a:rPr lang="en-US" sz="2400" dirty="0" err="1" smtClean="0"/>
+                  <a:rPr lang="en-US" sz="2200" dirty="0" err="1" smtClean="0"/>
                   <a:t>SpAMM</a:t>
                 </a:r>
                 <a:r>
-                  <a:rPr lang="en-US" sz="2400" dirty="0" smtClean="0"/>
+                  <a:rPr lang="en-US" sz="2200" dirty="0" smtClean="0"/>
                   <a:t> resolution,  </a:t>
                 </a:r>
                 <a14:m>
@@ -9648,14 +8693,14 @@
                     <m:sSub>
                       <m:sSubPr>
                         <m:ctrlPr>
-                          <a:rPr lang="en-US" sz="2400" i="1" smtClean="0">
+                          <a:rPr lang="en-US" sz="2200" i="1" smtClean="0">
                             <a:latin typeface="Cambria Math"/>
                           </a:rPr>
                         </m:ctrlPr>
                       </m:sSubPr>
                       <m:e>
                         <m:r>
-                          <a:rPr lang="en-US" sz="2400" i="1" smtClean="0">
+                          <a:rPr lang="en-US" sz="2200" b="0" i="1" smtClean="0">
                             <a:latin typeface="Cambria Math"/>
                             <a:ea typeface="Cambria Math"/>
                           </a:rPr>
@@ -9664,13 +8709,13 @@
                       </m:e>
                       <m:sub>
                         <m:r>
-                          <a:rPr lang="en-US" sz="2400" b="0" i="1" smtClean="0">
+                          <a:rPr lang="en-US" sz="2200" b="0" i="1" smtClean="0">
                             <a:latin typeface="Cambria Math"/>
                           </a:rPr>
                           <m:t>𝑚</m:t>
                         </m:r>
                         <m:r>
-                          <a:rPr lang="en-US" sz="2400" b="0" i="1" smtClean="0">
+                          <a:rPr lang="en-US" sz="2200" b="0" i="1" smtClean="0">
                             <a:latin typeface="Cambria Math"/>
                           </a:rPr>
                           <m:t> </m:t>
@@ -9678,7 +8723,7 @@
                       </m:sub>
                     </m:sSub>
                     <m:r>
-                      <a:rPr lang="en-US" sz="2400" i="1" smtClean="0">
+                      <a:rPr lang="en-US" sz="2200" b="0" i="1" smtClean="0">
                         <a:latin typeface="Cambria Math"/>
                         <a:ea typeface="Cambria Math"/>
                       </a:rPr>
@@ -9687,14 +8732,14 @@
                     <m:sSub>
                       <m:sSubPr>
                         <m:ctrlPr>
-                          <a:rPr lang="en-US" sz="2400" i="1">
+                          <a:rPr lang="en-US" sz="2200" i="1">
                             <a:latin typeface="Cambria Math"/>
                           </a:rPr>
                         </m:ctrlPr>
                       </m:sSubPr>
                       <m:e>
                         <m:r>
-                          <a:rPr lang="en-US" sz="2400" i="1">
+                          <a:rPr lang="en-US" sz="2200" b="0" i="1">
                             <a:latin typeface="Cambria Math"/>
                             <a:ea typeface="Cambria Math"/>
                           </a:rPr>
@@ -9703,19 +8748,19 @@
                       </m:e>
                       <m:sub>
                         <m:r>
-                          <a:rPr lang="en-US" sz="2400" i="1">
+                          <a:rPr lang="en-US" sz="2200" b="0" i="1">
                             <a:latin typeface="Cambria Math"/>
                           </a:rPr>
                           <m:t>𝑚</m:t>
                         </m:r>
                         <m:r>
-                          <a:rPr lang="en-US" sz="2400" b="0" i="1" smtClean="0">
+                          <a:rPr lang="en-US" sz="2200" b="0" i="1" smtClean="0">
                             <a:latin typeface="Cambria Math"/>
                           </a:rPr>
                           <m:t>−1</m:t>
                         </m:r>
                         <m:r>
-                          <a:rPr lang="en-US" sz="2400" i="1">
+                          <a:rPr lang="en-US" sz="2200" b="0" i="1">
                             <a:latin typeface="Cambria Math"/>
                           </a:rPr>
                           <m:t> </m:t>
@@ -9723,30 +8768,23 @@
                       </m:sub>
                     </m:sSub>
                     <m:r>
-                      <a:rPr lang="en-US" sz="2400" i="1" smtClean="0">
+                      <a:rPr lang="en-US" sz="2200" b="0" i="1" smtClean="0">
                         <a:latin typeface="Cambria Math"/>
                         <a:ea typeface="Cambria Math"/>
                       </a:rPr>
-                      <m:t>&lt;</m:t>
-                    </m:r>
-                    <m:r>
-                      <a:rPr lang="en-US" sz="2400" b="0" i="1" smtClean="0">
-                        <a:latin typeface="Cambria Math"/>
-                        <a:ea typeface="Cambria Math"/>
-                      </a:rPr>
-                      <m:t> ⋯ &lt; </m:t>
+                      <m:t>&lt; ⋯ &lt; </m:t>
                     </m:r>
                     <m:sSub>
                       <m:sSubPr>
                         <m:ctrlPr>
-                          <a:rPr lang="en-US" sz="2400" i="1">
+                          <a:rPr lang="en-US" sz="2200" i="1">
                             <a:latin typeface="Cambria Math"/>
                           </a:rPr>
                         </m:ctrlPr>
                       </m:sSubPr>
                       <m:e>
                         <m:r>
-                          <a:rPr lang="en-US" sz="2400" i="1">
+                          <a:rPr lang="en-US" sz="2200" b="0" i="1">
                             <a:latin typeface="Cambria Math"/>
                             <a:ea typeface="Cambria Math"/>
                           </a:rPr>
@@ -9755,7 +8793,7 @@
                       </m:e>
                       <m:sub>
                         <m:r>
-                          <a:rPr lang="en-US" sz="2400" b="0" i="1" smtClean="0">
+                          <a:rPr lang="en-US" sz="2200" b="0" i="1" smtClean="0">
                             <a:latin typeface="Cambria Math"/>
                             <a:ea typeface="Cambria Math"/>
                           </a:rPr>
@@ -9766,7 +8804,7 @@
                   </m:oMath>
                 </a14:m>
                 <a:r>
-                  <a:rPr lang="en-US" sz="2400" dirty="0" smtClean="0"/>
+                  <a:rPr lang="en-US" sz="2200" dirty="0" smtClean="0"/>
                   <a:t> .</a:t>
                 </a:r>
               </a:p>
@@ -9782,13 +8820,13 @@
                   <a:buChar char="•"/>
                 </a:pPr>
                 <a:r>
-                  <a:rPr lang="en-US" sz="2400" dirty="0" smtClean="0"/>
+                  <a:rPr lang="en-US" sz="2200" dirty="0" smtClean="0"/>
                   <a:t>Use error </a:t>
                 </a:r>
                 <a14:m>
                   <m:oMath xmlns:m="http://schemas.openxmlformats.org/officeDocument/2006/math">
                     <m:r>
-                      <a:rPr lang="en-US" sz="2400" i="1">
+                      <a:rPr lang="en-US" sz="2200" b="0" i="1">
                         <a:latin typeface="Cambria Math"/>
                         <a:ea typeface="Cambria Math"/>
                       </a:rPr>
@@ -9797,7 +8835,7 @@
                   </m:oMath>
                 </a14:m>
                 <a:r>
-                  <a:rPr lang="en-US" sz="2400" dirty="0" smtClean="0"/>
+                  <a:rPr lang="en-US" sz="2200" dirty="0" smtClean="0"/>
                   <a:t> rather than </a:t>
                 </a:r>
                 <a14:m>
@@ -9805,7 +8843,7 @@
                     <m:sSub>
                       <m:sSubPr>
                         <m:ctrlPr>
-                          <a:rPr lang="en-US" sz="2400" b="0" i="1" smtClean="0">
+                          <a:rPr lang="en-US" sz="2200" i="1" smtClean="0">
                             <a:latin typeface="Cambria Math"/>
                             <a:ea typeface="Cambria Math"/>
                           </a:rPr>
@@ -9813,7 +8851,7 @@
                       </m:sSubPr>
                       <m:e>
                         <m:r>
-                          <a:rPr lang="en-US" sz="2400" b="0" i="1" smtClean="0">
+                          <a:rPr lang="en-US" sz="2200" b="0" i="1" smtClean="0">
                             <a:latin typeface="Cambria Math"/>
                             <a:ea typeface="Cambria Math"/>
                           </a:rPr>
@@ -9822,7 +8860,7 @@
                       </m:e>
                       <m:sub>
                         <m:r>
-                          <a:rPr lang="en-US" sz="2400" b="0" i="1" smtClean="0">
+                          <a:rPr lang="en-US" sz="2200" b="0" i="1" smtClean="0">
                             <a:latin typeface="Cambria Math"/>
                             <a:ea typeface="Cambria Math"/>
                           </a:rPr>
@@ -9833,26 +8871,50 @@
                   </m:oMath>
                 </a14:m>
                 <a:r>
-                  <a:rPr lang="en-US" sz="2400" dirty="0" smtClean="0"/>
+                  <a:rPr lang="en-US" sz="2200" dirty="0" smtClean="0"/>
                   <a:t> (min EV) to manage transition between scaled &amp; </a:t>
                 </a:r>
                 <a:r>
-                  <a:rPr lang="en-US" sz="2400" dirty="0" err="1" smtClean="0"/>
+                  <a:rPr lang="en-US" sz="2200" dirty="0" err="1" smtClean="0"/>
                   <a:t>unscaled</a:t>
                 </a:r>
                 <a:r>
-                  <a:rPr lang="en-US" sz="2400" dirty="0"/>
+                  <a:rPr lang="en-US" sz="2200" dirty="0"/>
                   <a:t> </a:t>
                 </a:r>
                 <a:r>
-                  <a:rPr lang="en-US" sz="2400" dirty="0" smtClean="0"/>
-                  <a:t>NS.</a:t>
+                  <a:rPr lang="en-US" sz="2200" dirty="0" smtClean="0"/>
+                  <a:t>NS. Use </a:t>
                 </a:r>
                 <a:r>
-                  <a:rPr lang="en-US" sz="2400" dirty="0" smtClean="0"/>
+                  <a:rPr lang="en-US" sz="2200" dirty="0" smtClean="0"/>
+                  <a:t>“DB </a:t>
+                </a:r>
+                <a:r>
+                  <a:rPr lang="en-US" sz="2200" dirty="0"/>
+                  <a:t>iteration” beyond </a:t>
+                </a:r>
+                <a:r>
+                  <a:rPr lang="en-US" sz="2200" dirty="0" smtClean="0"/>
+                  <a:t>0</a:t>
+                </a:r>
+                <a:r>
+                  <a:rPr lang="en-US" sz="2200" baseline="30000" dirty="0" smtClean="0"/>
+                  <a:t>th</a:t>
+                </a:r>
+                <a:r>
+                  <a:rPr lang="en-US" sz="2200" dirty="0" smtClean="0"/>
+                  <a:t> iteration</a:t>
+                </a:r>
+                <a:r>
+                  <a:rPr lang="en-US" sz="2200" dirty="0"/>
+                  <a:t>.</a:t>
+                </a:r>
+                <a:r>
+                  <a:rPr lang="en-US" sz="2200" dirty="0" smtClean="0"/>
                   <a:t> </a:t>
                 </a:r>
-                <a:endParaRPr lang="en-US" sz="2400" dirty="0" smtClean="0"/>
+                <a:endParaRPr lang="en-US" sz="2200" dirty="0" smtClean="0"/>
               </a:p>
             </p:txBody>
           </p:sp>
@@ -9868,8 +8930,8 @@
             </p:nvSpPr>
             <p:spPr>
               <a:xfrm>
-                <a:off x="1244600" y="731520"/>
-                <a:ext cx="7366000" cy="1723549"/>
+                <a:off x="558800" y="837962"/>
+                <a:ext cx="8432800" cy="1600438"/>
               </a:xfrm>
               <a:prstGeom prst="rect">
                 <a:avLst/>
@@ -9877,7 +8939,7 @@
               <a:blipFill rotWithShape="1">
                 <a:blip r:embed="rId3"/>
                 <a:stretch>
-                  <a:fillRect l="-1075" t="-2827" r="-910" b="-7067"/>
+                  <a:fillRect l="-868" t="-2281" b="-6464"/>
                 </a:stretch>
               </a:blipFill>
             </p:spPr>
@@ -9896,35 +8958,6 @@
           </p:sp>
         </mc:Fallback>
       </mc:AlternateContent>
-      <p:pic>
-        <p:nvPicPr>
-          <p:cNvPr id="9" name="Picture 8"/>
-          <p:cNvPicPr>
-            <a:picLocks noChangeAspect="1"/>
-          </p:cNvPicPr>
-          <p:nvPr/>
-        </p:nvPicPr>
-        <p:blipFill rotWithShape="1">
-          <a:blip r:embed="rId4" cstate="print">
-            <a:extLst>
-              <a:ext uri="{28A0092B-C50C-407E-A947-70E740481C1C}">
-                <a14:useLocalDpi xmlns:a14="http://schemas.microsoft.com/office/drawing/2010/main" val="0"/>
-              </a:ext>
-            </a:extLst>
-          </a:blip>
-          <a:srcRect l="21200" r="20133"/>
-          <a:stretch/>
-        </p:blipFill>
-        <p:spPr>
-          <a:xfrm>
-            <a:off x="381000" y="761999"/>
-            <a:ext cx="914400" cy="1558634"/>
-          </a:xfrm>
-          <a:prstGeom prst="rect">
-            <a:avLst/>
-          </a:prstGeom>
-        </p:spPr>
-      </p:pic>
     </p:spTree>
     <p:extLst>
       <p:ext uri="{BB962C8B-B14F-4D97-AF65-F5344CB8AC3E}">
@@ -10556,8 +9589,8 @@
           </p:sp>
         </mc:Fallback>
       </mc:AlternateContent>
-      <mc:AlternateContent xmlns:mc="http://schemas.openxmlformats.org/markup-compatibility/2006">
-        <mc:Choice xmlns:a14="http://schemas.microsoft.com/office/drawing/2010/main" Requires="a14">
+      <mc:AlternateContent xmlns:mc="http://schemas.openxmlformats.org/markup-compatibility/2006" xmlns:a14="http://schemas.microsoft.com/office/drawing/2010/main">
+        <mc:Choice Requires="a14">
           <p:sp>
             <p:nvSpPr>
               <p:cNvPr id="7" name="TextBox 6"/>
@@ -10766,7 +9799,7 @@
             </p:txBody>
           </p:sp>
         </mc:Choice>
-        <mc:Fallback>
+        <mc:Fallback xmlns="">
           <p:sp>
             <p:nvSpPr>
               <p:cNvPr id="7" name="TextBox 6"/>
@@ -10805,8 +9838,8 @@
           </p:sp>
         </mc:Fallback>
       </mc:AlternateContent>
-      <mc:AlternateContent xmlns:mc="http://schemas.openxmlformats.org/markup-compatibility/2006">
-        <mc:Choice xmlns:a14="http://schemas.microsoft.com/office/drawing/2010/main" Requires="a14">
+      <mc:AlternateContent xmlns:mc="http://schemas.openxmlformats.org/markup-compatibility/2006" xmlns:a14="http://schemas.microsoft.com/office/drawing/2010/main">
+        <mc:Choice Requires="a14">
           <p:sp>
             <p:nvSpPr>
               <p:cNvPr id="8" name="TextBox 7"/>
@@ -11015,7 +10048,7 @@
             </p:txBody>
           </p:sp>
         </mc:Choice>
-        <mc:Fallback>
+        <mc:Fallback xmlns="">
           <p:sp>
             <p:nvSpPr>
               <p:cNvPr id="8" name="TextBox 7"/>
@@ -11223,8 +10256,8 @@
           </a:prstGeom>
         </p:spPr>
       </p:pic>
-      <mc:AlternateContent xmlns:mc="http://schemas.openxmlformats.org/markup-compatibility/2006">
-        <mc:Choice xmlns:a14="http://schemas.microsoft.com/office/drawing/2010/main" Requires="a14">
+      <mc:AlternateContent xmlns:mc="http://schemas.openxmlformats.org/markup-compatibility/2006" xmlns:a14="http://schemas.microsoft.com/office/drawing/2010/main">
+        <mc:Choice Requires="a14">
           <p:sp>
             <p:nvSpPr>
               <p:cNvPr id="5" name="Title 1"/>
@@ -11353,13 +10386,7 @@
                   <a:rPr lang="en-US" sz="2800" b="1" dirty="0" smtClean="0">
                     <a:latin typeface="Comic Sans MS" pitchFamily="66" charset="0"/>
                   </a:rPr>
-                  <a:t>, </a:t>
-                </a:r>
-                <a:r>
-                  <a:rPr lang="en-US" sz="2800" b="1" dirty="0" smtClean="0">
-                    <a:latin typeface="Comic Sans MS" pitchFamily="66" charset="0"/>
-                  </a:rPr>
-                  <a:t>TZV2P</a:t>
+                  <a:t>, TZV2P</a:t>
                 </a:r>
                 <a:endParaRPr lang="en-US" sz="2800" b="1" dirty="0">
                   <a:latin typeface="Comic Sans MS" pitchFamily="66" charset="0"/>
@@ -11368,7 +10395,7 @@
             </p:txBody>
           </p:sp>
         </mc:Choice>
-        <mc:Fallback>
+        <mc:Fallback xmlns="">
           <p:sp>
             <p:nvSpPr>
               <p:cNvPr id="5" name="Title 1"/>
@@ -11442,15 +10469,7 @@
             <a:pPr algn="ctr"/>
             <a:r>
               <a:rPr lang="en-US" sz="2000" i="1" dirty="0" smtClean="0"/>
-              <a:t>With recursive preconditioning, one resolutions </a:t>
-            </a:r>
-            <a:r>
-              <a:rPr lang="en-US" sz="2000" i="1" dirty="0" smtClean="0"/>
-              <a:t>result </a:t>
-            </a:r>
-            <a:r>
-              <a:rPr lang="en-US" sz="2000" i="1" dirty="0" smtClean="0"/>
-              <a:t>is another’s error! </a:t>
+              <a:t>With recursive preconditioning, one resolutions result is another’s error! </a:t>
             </a:r>
             <a:endParaRPr lang="en-US" sz="2000" i="1" dirty="0"/>
           </a:p>
@@ -17813,56 +16832,6 @@
       </p:grpSpPr>
       <p:sp>
         <p:nvSpPr>
-          <p:cNvPr id="4" name="TextBox 3"/>
-          <p:cNvSpPr txBox="1"/>
-          <p:nvPr/>
-        </p:nvSpPr>
-        <p:spPr>
-          <a:xfrm>
-            <a:off x="6271647" y="-457200"/>
-            <a:ext cx="6072753" cy="923330"/>
-          </a:xfrm>
-          <a:prstGeom prst="rect">
-            <a:avLst/>
-          </a:prstGeom>
-          <a:noFill/>
-        </p:spPr>
-        <p:txBody>
-          <a:bodyPr wrap="none" rtlCol="0">
-            <a:spAutoFit/>
-          </a:bodyPr>
-          <a:lstStyle/>
-          <a:p>
-            <a:r>
-              <a:rPr lang="en-US" dirty="0" smtClean="0"/>
-              <a:t>What </a:t>
-            </a:r>
-            <a:r>
-              <a:rPr lang="en-US" dirty="0" err="1" smtClean="0"/>
-              <a:t>Jie</a:t>
-            </a:r>
-            <a:r>
-              <a:rPr lang="en-US" dirty="0" smtClean="0"/>
-              <a:t> did (words),  our idea NS scheme </a:t>
-            </a:r>
-          </a:p>
-          <a:p>
-            <a:r>
-              <a:rPr lang="en-US" dirty="0" smtClean="0"/>
-              <a:t>picture of mapping, show NS scheme with scaling. </a:t>
-            </a:r>
-          </a:p>
-          <a:p>
-            <a:r>
-              <a:rPr lang="en-US" dirty="0" smtClean="0"/>
-              <a:t>Ask, what about approximations that make go faster?  algebras</a:t>
-            </a:r>
-            <a:endParaRPr lang="en-US" dirty="0"/>
-          </a:p>
-        </p:txBody>
-      </p:sp>
-      <p:sp>
-        <p:nvSpPr>
           <p:cNvPr id="5" name="Title 1"/>
           <p:cNvSpPr>
             <a:spLocks noGrp="1"/>
@@ -17873,7 +16842,7 @@
         </p:nvSpPr>
         <p:spPr>
           <a:xfrm>
-            <a:off x="228600" y="304800"/>
+            <a:off x="228600" y="228600"/>
             <a:ext cx="8763000" cy="685800"/>
           </a:xfrm>
         </p:spPr>
@@ -17887,7 +16856,19 @@
               <a:rPr lang="en-US" sz="3200" b="1" dirty="0" smtClean="0">
                 <a:latin typeface="Comic Sans MS" pitchFamily="66" charset="0"/>
               </a:rPr>
-              <a:t>Newton Schulz for S</a:t>
+              <a:t>Newton Schulz for </a:t>
+            </a:r>
+            <a:r>
+              <a:rPr lang="en-US" sz="3200" b="1" i="1" dirty="0" smtClean="0">
+                <a:latin typeface="Comic Sans MS" pitchFamily="66" charset="0"/>
+              </a:rPr>
+              <a:t>S</a:t>
+            </a:r>
+            <a:r>
+              <a:rPr lang="en-US" sz="2000" b="1" baseline="30000" dirty="0" smtClean="0">
+                <a:latin typeface="Comic Sans MS" pitchFamily="66" charset="0"/>
+              </a:rPr>
+              <a:t> </a:t>
             </a:r>
             <a:r>
               <a:rPr lang="en-US" sz="3200" b="1" baseline="30000" dirty="0" smtClean="0">
@@ -17899,7 +16880,13 @@
               <a:rPr lang="en-US" sz="3200" b="1" dirty="0" smtClean="0">
                 <a:latin typeface="Comic Sans MS" pitchFamily="66" charset="0"/>
               </a:rPr>
-              <a:t> (the Metric Problem)</a:t>
+              <a:t> </a:t>
+            </a:r>
+            <a:r>
+              <a:rPr lang="en-US" sz="3200" b="1" dirty="0" smtClean="0">
+                <a:latin typeface="Comic Sans MS" pitchFamily="66" charset="0"/>
+              </a:rPr>
+              <a:t>(the Metric Problem)</a:t>
             </a:r>
             <a:endParaRPr lang="en-US" sz="3200" b="1" dirty="0">
               <a:latin typeface="Comic Sans MS" pitchFamily="66" charset="0"/>
@@ -17907,74 +16894,1406 @@
           </a:p>
         </p:txBody>
       </p:sp>
-      <p:pic>
-        <p:nvPicPr>
-          <p:cNvPr id="6" name="Picture 5"/>
-          <p:cNvPicPr>
-            <a:picLocks noChangeAspect="1"/>
-          </p:cNvPicPr>
+      <mc:AlternateContent xmlns:mc="http://schemas.openxmlformats.org/markup-compatibility/2006">
+        <mc:Choice xmlns:a14="http://schemas.microsoft.com/office/drawing/2010/main" Requires="a14">
+          <p:sp>
+            <p:nvSpPr>
+              <p:cNvPr id="8" name="Content Placeholder 3"/>
+              <p:cNvSpPr txBox="1">
+                <a:spLocks noGrp="1"/>
+              </p:cNvSpPr>
+              <p:nvPr>
+                <p:ph idx="1"/>
+              </p:nvPr>
+            </p:nvSpPr>
+            <p:spPr>
+              <a:xfrm>
+                <a:off x="418011" y="2667000"/>
+                <a:ext cx="8305800" cy="1803186"/>
+              </a:xfrm>
+              <a:prstGeom prst="rect">
+                <a:avLst/>
+              </a:prstGeom>
+              <a:ln/>
+            </p:spPr>
+            <p:style>
+              <a:lnRef idx="1">
+                <a:schemeClr val="accent4"/>
+              </a:lnRef>
+              <a:fillRef idx="2">
+                <a:schemeClr val="accent4"/>
+              </a:fillRef>
+              <a:effectRef idx="1">
+                <a:schemeClr val="accent4"/>
+              </a:effectRef>
+              <a:fontRef idx="minor">
+                <a:schemeClr val="dk1"/>
+              </a:fontRef>
+            </p:style>
+            <p:txBody>
+              <a:bodyPr wrap="square" rtlCol="0">
+                <a:spAutoFit/>
+              </a:bodyPr>
+              <a:lstStyle/>
+              <a:p>
+                <a:pPr marL="0" indent="0">
+                  <a:spcBef>
+                    <a:spcPts val="600"/>
+                  </a:spcBef>
+                  <a:spcAft>
+                    <a:spcPts val="600"/>
+                  </a:spcAft>
+                  <a:buNone/>
+                </a:pPr>
+                <a14:m>
+                  <m:oMath xmlns:m="http://schemas.openxmlformats.org/officeDocument/2006/math">
+                    <m:r>
+                      <a:rPr lang="en-US" sz="2000" b="0" i="1" smtClean="0">
+                        <a:latin typeface="Cambria Math"/>
+                      </a:rPr>
+                      <m:t>𝑁𝑆</m:t>
+                    </m:r>
+                    <m:d>
+                      <m:dPr>
+                        <m:begChr m:val="["/>
+                        <m:endChr m:val="]"/>
+                        <m:ctrlPr>
+                          <a:rPr lang="en-US" sz="2000" b="0" i="1" smtClean="0">
+                            <a:latin typeface="Cambria Math"/>
+                          </a:rPr>
+                        </m:ctrlPr>
+                      </m:dPr>
+                      <m:e>
+                        <m:r>
+                          <a:rPr lang="en-US" sz="2000" b="0" i="1" smtClean="0">
+                            <a:latin typeface="Cambria Math"/>
+                          </a:rPr>
+                          <m:t> </m:t>
+                        </m:r>
+                        <m:d>
+                          <m:dPr>
+                            <m:begChr m:val="{"/>
+                            <m:endChr m:val="}"/>
+                            <m:ctrlPr>
+                              <a:rPr lang="en-US" sz="2000" b="0" i="1" smtClean="0">
+                                <a:latin typeface="Cambria Math"/>
+                              </a:rPr>
+                            </m:ctrlPr>
+                          </m:dPr>
+                          <m:e>
+                            <m:r>
+                              <a:rPr lang="en-US" sz="2000" b="1" i="1" smtClean="0">
+                                <a:latin typeface="Cambria Math"/>
+                              </a:rPr>
+                              <m:t>𝒙</m:t>
+                            </m:r>
+                            <m:r>
+                              <a:rPr lang="en-US" sz="2000" b="0" i="1" smtClean="0">
+                                <a:latin typeface="Cambria Math"/>
+                              </a:rPr>
+                              <m:t>, </m:t>
+                            </m:r>
+                            <m:r>
+                              <a:rPr lang="en-US" sz="2000" b="1" i="1" smtClean="0">
+                                <a:latin typeface="Cambria Math"/>
+                              </a:rPr>
+                              <m:t>𝒛</m:t>
+                            </m:r>
+                          </m:e>
+                        </m:d>
+                        <m:r>
+                          <a:rPr lang="en-US" sz="2000" b="0" i="1" smtClean="0">
+                            <a:latin typeface="Cambria Math"/>
+                          </a:rPr>
+                          <m:t>, </m:t>
+                        </m:r>
+                        <m:r>
+                          <a:rPr lang="en-US" sz="2000" b="0" i="1" smtClean="0">
+                            <a:latin typeface="Cambria Math"/>
+                            <a:ea typeface="Cambria Math"/>
+                          </a:rPr>
+                          <m:t>𝜏</m:t>
+                        </m:r>
+                      </m:e>
+                    </m:d>
+                    <m:r>
+                      <a:rPr lang="en-US" sz="2000" b="0" i="1" smtClean="0">
+                        <a:latin typeface="Cambria Math"/>
+                      </a:rPr>
+                      <m:t> </m:t>
+                    </m:r>
+                    <m:box>
+                      <m:boxPr>
+                        <m:ctrlPr>
+                          <a:rPr lang="en-US" sz="2000" b="0" i="1" smtClean="0">
+                            <a:latin typeface="Cambria Math"/>
+                          </a:rPr>
+                        </m:ctrlPr>
+                      </m:boxPr>
+                      <m:e>
+                        <m:r>
+                          <a:rPr lang="en-US" sz="2000" b="0" i="1" smtClean="0">
+                            <a:latin typeface="Cambria Math"/>
+                          </a:rPr>
+                          <m:t>≔</m:t>
+                        </m:r>
+                      </m:e>
+                    </m:box>
+                    <m:r>
+                      <a:rPr lang="en-US" sz="2000" b="0" i="1" smtClean="0">
+                        <a:latin typeface="Cambria Math"/>
+                      </a:rPr>
+                      <m:t>  </m:t>
+                    </m:r>
+                  </m:oMath>
+                </a14:m>
+                <a:r>
+                  <a:rPr lang="en-US" sz="2400" b="1" dirty="0" smtClean="0">
+                    <a:latin typeface="Courier New" pitchFamily="49" charset="0"/>
+                    <a:ea typeface="Cambria Math"/>
+                    <a:cs typeface="Courier New" pitchFamily="49" charset="0"/>
+                  </a:rPr>
+                  <a:t>while</a:t>
+                </a:r>
+                <a:r>
+                  <a:rPr lang="en-US" sz="2400" dirty="0" smtClean="0">
+                    <a:ea typeface="Cambria Math"/>
+                  </a:rPr>
+                  <a:t> </a:t>
+                </a:r>
+                <a14:m>
+                  <m:oMath xmlns:m="http://schemas.openxmlformats.org/officeDocument/2006/math">
+                    <m:d>
+                      <m:dPr>
+                        <m:ctrlPr>
+                          <a:rPr lang="en-US" sz="2400" b="0" i="1" smtClean="0">
+                            <a:latin typeface="Cambria Math"/>
+                            <a:ea typeface="Cambria Math"/>
+                          </a:rPr>
+                        </m:ctrlPr>
+                      </m:dPr>
+                      <m:e>
+                        <m:r>
+                          <a:rPr lang="en-US" sz="2400" b="0" i="1" smtClean="0">
+                            <a:latin typeface="Cambria Math"/>
+                            <a:ea typeface="Cambria Math"/>
+                          </a:rPr>
+                          <m:t> </m:t>
+                        </m:r>
+                        <m:f>
+                          <m:fPr>
+                            <m:type m:val="lin"/>
+                            <m:ctrlPr>
+                              <a:rPr lang="en-US" sz="2400" i="1">
+                                <a:latin typeface="Cambria Math"/>
+                                <a:ea typeface="Cambria Math"/>
+                              </a:rPr>
+                            </m:ctrlPr>
+                          </m:fPr>
+                          <m:num>
+                            <m:d>
+                              <m:dPr>
+                                <m:begChr m:val="|"/>
+                                <m:endChr m:val="|"/>
+                                <m:ctrlPr>
+                                  <a:rPr lang="en-US" sz="2400" i="1">
+                                    <a:latin typeface="Cambria Math"/>
+                                    <a:ea typeface="Cambria Math"/>
+                                  </a:rPr>
+                                </m:ctrlPr>
+                              </m:dPr>
+                              <m:e>
+                                <m:r>
+                                  <a:rPr lang="en-US" sz="2400" i="1">
+                                    <a:latin typeface="Cambria Math"/>
+                                    <a:ea typeface="Cambria Math"/>
+                                  </a:rPr>
+                                  <m:t>𝑡𝑟</m:t>
+                                </m:r>
+                                <m:r>
+                                  <a:rPr lang="en-US" sz="2400" b="1" i="1">
+                                    <a:latin typeface="Cambria Math"/>
+                                    <a:ea typeface="Cambria Math"/>
+                                  </a:rPr>
+                                  <m:t>𝒙</m:t>
+                                </m:r>
+                                <m:r>
+                                  <a:rPr lang="en-US" sz="2400" i="1">
+                                    <a:latin typeface="Cambria Math"/>
+                                    <a:ea typeface="Cambria Math"/>
+                                  </a:rPr>
+                                  <m:t>−</m:t>
+                                </m:r>
+                                <m:r>
+                                  <a:rPr lang="en-US" sz="2400" i="1">
+                                    <a:latin typeface="Cambria Math"/>
+                                    <a:ea typeface="Cambria Math"/>
+                                  </a:rPr>
+                                  <m:t>𝑛</m:t>
+                                </m:r>
+                              </m:e>
+                            </m:d>
+                          </m:num>
+                          <m:den>
+                            <m:r>
+                              <a:rPr lang="en-US" sz="2400" i="1">
+                                <a:latin typeface="Cambria Math"/>
+                                <a:ea typeface="Cambria Math"/>
+                              </a:rPr>
+                              <m:t>𝑛</m:t>
+                            </m:r>
+                          </m:den>
+                        </m:f>
+                        <m:r>
+                          <a:rPr lang="en-US" sz="2400" i="1" smtClean="0">
+                            <a:latin typeface="Cambria Math"/>
+                            <a:ea typeface="Cambria Math"/>
+                          </a:rPr>
+                          <m:t>&gt; </m:t>
+                        </m:r>
+                        <m:r>
+                          <m:rPr>
+                            <m:sty m:val="p"/>
+                          </m:rPr>
+                          <a:rPr lang="el-GR" sz="2400" i="1">
+                            <a:latin typeface="Cambria Math"/>
+                            <a:ea typeface="Cambria Math"/>
+                          </a:rPr>
+                          <m:t>τ</m:t>
+                        </m:r>
+                        <m:r>
+                          <a:rPr lang="en-US" sz="2400" i="1">
+                            <a:latin typeface="Cambria Math"/>
+                            <a:ea typeface="Cambria Math"/>
+                          </a:rPr>
+                          <m:t> </m:t>
+                        </m:r>
+                      </m:e>
+                    </m:d>
+                    <m:d>
+                      <m:dPr>
+                        <m:begChr m:val="["/>
+                        <m:endChr m:val="]"/>
+                        <m:ctrlPr>
+                          <a:rPr lang="en-US" sz="2400" b="0" i="1" smtClean="0">
+                            <a:latin typeface="Cambria Math"/>
+                            <a:ea typeface="Cambria Math"/>
+                          </a:rPr>
+                        </m:ctrlPr>
+                      </m:dPr>
+                      <m:e>
+                        <m:r>
+                          <a:rPr lang="en-US" sz="2400" b="0" i="1" smtClean="0">
+                            <a:latin typeface="Cambria Math"/>
+                            <a:ea typeface="Cambria Math"/>
+                          </a:rPr>
+                          <m:t> </m:t>
+                        </m:r>
+                        <m:eqArr>
+                          <m:eqArrPr>
+                            <m:ctrlPr>
+                              <a:rPr lang="en-US" sz="2400" b="1" i="1">
+                                <a:latin typeface="Cambria Math"/>
+                                <a:ea typeface="Cambria Math"/>
+                              </a:rPr>
+                            </m:ctrlPr>
+                          </m:eqArrPr>
+                          <m:e>
+                            <m:r>
+                              <a:rPr lang="en-US" sz="2400" b="1" i="1">
+                                <a:latin typeface="Cambria Math"/>
+                                <a:ea typeface="Cambria Math"/>
+                              </a:rPr>
+                              <m:t>𝒙</m:t>
+                            </m:r>
+                            <m:r>
+                              <a:rPr lang="en-US" sz="2400" i="1">
+                                <a:latin typeface="Cambria Math"/>
+                                <a:ea typeface="Cambria Math"/>
+                              </a:rPr>
+                              <m:t>←</m:t>
+                            </m:r>
+                            <m:r>
+                              <m:rPr>
+                                <m:nor/>
+                              </m:rPr>
+                              <a:rPr lang="en-US" sz="2400">
+                                <a:latin typeface="Courier New" pitchFamily="49" charset="0"/>
+                                <a:ea typeface="Cambria Math"/>
+                                <a:cs typeface="Courier New" pitchFamily="49" charset="0"/>
+                              </a:rPr>
+                              <m:t>map</m:t>
+                            </m:r>
+                            <m:r>
+                              <m:rPr>
+                                <m:nor/>
+                              </m:rPr>
+                              <a:rPr lang="en-US" sz="2400" i="1" baseline="-25000">
+                                <a:latin typeface="Cambria Math"/>
+                                <a:ea typeface="Cambria Math"/>
+                              </a:rPr>
+                              <m:t>NS</m:t>
+                            </m:r>
+                            <m:r>
+                              <a:rPr lang="en-US" sz="2400" i="1" baseline="-25000">
+                                <a:latin typeface="Cambria Math"/>
+                                <a:ea typeface="Cambria Math"/>
+                              </a:rPr>
+                              <m:t> </m:t>
+                            </m:r>
+                            <m:d>
+                              <m:dPr>
+                                <m:begChr m:val="["/>
+                                <m:endChr m:val="]"/>
+                                <m:ctrlPr>
+                                  <a:rPr lang="en-US" sz="2400" i="1">
+                                    <a:latin typeface="Cambria Math"/>
+                                    <a:ea typeface="Cambria Math"/>
+                                  </a:rPr>
+                                </m:ctrlPr>
+                              </m:dPr>
+                              <m:e>
+                                <m:r>
+                                  <a:rPr lang="en-US" sz="2400" b="1" i="1">
+                                    <a:latin typeface="Cambria Math"/>
+                                    <a:ea typeface="Cambria Math"/>
+                                  </a:rPr>
+                                  <m:t>𝒙</m:t>
+                                </m:r>
+                              </m:e>
+                            </m:d>
+                            <m:r>
+                              <a:rPr lang="en-US" sz="2400" b="0" i="1" smtClean="0">
+                                <a:latin typeface="Cambria Math"/>
+                                <a:ea typeface="Cambria Math"/>
+                              </a:rPr>
+                              <m:t>       </m:t>
+                            </m:r>
+                          </m:e>
+                          <m:e>
+                            <m:r>
+                              <a:rPr lang="en-US" sz="2400" b="1" i="1">
+                                <a:latin typeface="Cambria Math"/>
+                                <a:ea typeface="Cambria Math"/>
+                              </a:rPr>
+                              <m:t>𝒛</m:t>
+                            </m:r>
+                            <m:r>
+                              <a:rPr lang="en-US" sz="2400" b="1" i="1">
+                                <a:latin typeface="Cambria Math"/>
+                                <a:ea typeface="Cambria Math"/>
+                              </a:rPr>
+                              <m:t>←</m:t>
+                            </m:r>
+                            <m:r>
+                              <a:rPr lang="en-US" sz="2400" b="1" i="1">
+                                <a:latin typeface="Cambria Math"/>
+                                <a:ea typeface="Cambria Math"/>
+                              </a:rPr>
+                              <m:t>𝒛</m:t>
+                            </m:r>
+                            <m:r>
+                              <a:rPr lang="en-US" sz="2400" b="1" i="1">
+                                <a:latin typeface="Cambria Math"/>
+                                <a:ea typeface="Cambria Math"/>
+                              </a:rPr>
+                              <m:t>  </m:t>
+                            </m:r>
+                            <m:sSub>
+                              <m:sSubPr>
+                                <m:ctrlPr>
+                                  <a:rPr lang="en-US" sz="2400" b="1" i="1">
+                                    <a:latin typeface="Cambria Math"/>
+                                    <a:ea typeface="Cambria Math"/>
+                                  </a:rPr>
+                                </m:ctrlPr>
+                              </m:sSubPr>
+                              <m:e>
+                                <m:r>
+                                  <a:rPr lang="en-US" sz="2400" b="1" i="1">
+                                    <a:latin typeface="Cambria Math"/>
+                                    <a:ea typeface="Cambria Math"/>
+                                    <a:sym typeface="Symbol"/>
+                                  </a:rPr>
+                                  <m:t></m:t>
+                                </m:r>
+                              </m:e>
+                              <m:sub>
+                                <m:r>
+                                  <a:rPr lang="el-GR" sz="2400" b="0" i="1">
+                                    <a:latin typeface="Cambria Math"/>
+                                    <a:ea typeface="Cambria Math"/>
+                                  </a:rPr>
+                                  <m:t>𝜏</m:t>
+                                </m:r>
+                                <m:r>
+                                  <m:rPr>
+                                    <m:nor/>
+                                  </m:rPr>
+                                  <a:rPr lang="en-US" sz="2400" dirty="0">
+                                    <a:ea typeface="Cambria Math"/>
+                                  </a:rPr>
+                                  <m:t> </m:t>
+                                </m:r>
+                              </m:sub>
+                            </m:sSub>
+                            <m:r>
+                              <a:rPr lang="en-US" sz="2400" b="1" i="1">
+                                <a:latin typeface="Cambria Math"/>
+                                <a:ea typeface="Cambria Math"/>
+                              </a:rPr>
+                              <m:t>𝒙</m:t>
+                            </m:r>
+                            <m:r>
+                              <m:rPr>
+                                <m:nor/>
+                              </m:rPr>
+                              <a:rPr lang="en-US" sz="2400" b="1" i="1" smtClean="0">
+                                <a:latin typeface="Cambria Math"/>
+                                <a:ea typeface="Cambria Math"/>
+                              </a:rPr>
+                              <m:t>           </m:t>
+                            </m:r>
+                            <m:r>
+                              <m:rPr>
+                                <m:nor/>
+                              </m:rPr>
+                              <a:rPr lang="en-US" sz="2400" b="1" i="1" dirty="0">
+                                <a:latin typeface="Cambria Math"/>
+                                <a:ea typeface="Cambria Math"/>
+                              </a:rPr>
+                              <m:t> </m:t>
+                            </m:r>
+                          </m:e>
+                          <m:e>
+                            <m:r>
+                              <a:rPr lang="en-US" sz="2400" b="1" i="1">
+                                <a:latin typeface="Cambria Math"/>
+                                <a:ea typeface="Cambria Math"/>
+                              </a:rPr>
+                              <m:t>𝒙</m:t>
+                            </m:r>
+                            <m:r>
+                              <a:rPr lang="en-US" sz="2400" b="1" i="1">
+                                <a:latin typeface="Cambria Math"/>
+                                <a:ea typeface="Cambria Math"/>
+                              </a:rPr>
+                              <m:t>←</m:t>
+                            </m:r>
+                            <m:r>
+                              <a:rPr lang="en-US" sz="2400" b="1" i="1">
+                                <a:latin typeface="Cambria Math"/>
+                                <a:ea typeface="Cambria Math"/>
+                              </a:rPr>
+                              <m:t>𝒛</m:t>
+                            </m:r>
+                            <m:r>
+                              <a:rPr lang="en-US" sz="2400" b="1" i="1">
+                                <a:latin typeface="Cambria Math"/>
+                                <a:ea typeface="Cambria Math"/>
+                              </a:rPr>
+                              <m:t> </m:t>
+                            </m:r>
+                            <m:sSub>
+                              <m:sSubPr>
+                                <m:ctrlPr>
+                                  <a:rPr lang="en-US" sz="2400" b="1" i="1">
+                                    <a:latin typeface="Cambria Math"/>
+                                    <a:ea typeface="Cambria Math"/>
+                                  </a:rPr>
+                                </m:ctrlPr>
+                              </m:sSubPr>
+                              <m:e>
+                                <m:r>
+                                  <a:rPr lang="en-US" sz="2400" b="1" i="1">
+                                    <a:latin typeface="Cambria Math"/>
+                                    <a:ea typeface="Cambria Math"/>
+                                    <a:sym typeface="Symbol"/>
+                                  </a:rPr>
+                                  <m:t></m:t>
+                                </m:r>
+                              </m:e>
+                              <m:sub>
+                                <m:r>
+                                  <a:rPr lang="el-GR" sz="2400" b="0" i="1">
+                                    <a:latin typeface="Cambria Math"/>
+                                    <a:ea typeface="Cambria Math"/>
+                                  </a:rPr>
+                                  <m:t>𝜏</m:t>
+                                </m:r>
+                                <m:r>
+                                  <m:rPr>
+                                    <m:nor/>
+                                  </m:rPr>
+                                  <a:rPr lang="en-US" sz="2400" dirty="0">
+                                    <a:ea typeface="Cambria Math"/>
+                                  </a:rPr>
+                                  <m:t> </m:t>
+                                </m:r>
+                              </m:sub>
+                            </m:sSub>
+                            <m:r>
+                              <a:rPr lang="en-US" sz="2400" b="1" i="1">
+                                <a:latin typeface="Cambria Math"/>
+                                <a:ea typeface="Cambria Math"/>
+                              </a:rPr>
+                              <m:t>𝒙</m:t>
+                            </m:r>
+                            <m:r>
+                              <a:rPr lang="en-US" sz="2400" b="1" i="1">
+                                <a:latin typeface="Cambria Math"/>
+                                <a:ea typeface="Cambria Math"/>
+                              </a:rPr>
+                              <m:t> </m:t>
+                            </m:r>
+                            <m:sSub>
+                              <m:sSubPr>
+                                <m:ctrlPr>
+                                  <a:rPr lang="en-US" sz="2400" b="1" i="1">
+                                    <a:latin typeface="Cambria Math"/>
+                                    <a:ea typeface="Cambria Math"/>
+                                  </a:rPr>
+                                </m:ctrlPr>
+                              </m:sSubPr>
+                              <m:e>
+                                <m:r>
+                                  <a:rPr lang="en-US" sz="2400" b="1" i="1">
+                                    <a:latin typeface="Cambria Math"/>
+                                    <a:ea typeface="Cambria Math"/>
+                                    <a:sym typeface="Symbol"/>
+                                  </a:rPr>
+                                  <m:t></m:t>
+                                </m:r>
+                              </m:e>
+                              <m:sub>
+                                <m:r>
+                                  <a:rPr lang="el-GR" sz="2400" b="0" i="1">
+                                    <a:latin typeface="Cambria Math"/>
+                                    <a:ea typeface="Cambria Math"/>
+                                  </a:rPr>
+                                  <m:t>𝜏</m:t>
+                                </m:r>
+                                <m:r>
+                                  <m:rPr>
+                                    <m:nor/>
+                                  </m:rPr>
+                                  <a:rPr lang="en-US" sz="2400" dirty="0">
+                                    <a:ea typeface="Cambria Math"/>
+                                  </a:rPr>
+                                  <m:t> </m:t>
+                                </m:r>
+                              </m:sub>
+                            </m:sSub>
+                            <m:r>
+                              <a:rPr lang="en-US" sz="2400" b="1" i="1">
+                                <a:latin typeface="Cambria Math"/>
+                                <a:ea typeface="Cambria Math"/>
+                              </a:rPr>
+                              <m:t>𝒛</m:t>
+                            </m:r>
+                            <m:r>
+                              <m:rPr>
+                                <m:nor/>
+                              </m:rPr>
+                              <a:rPr lang="en-US" sz="2400" dirty="0"/>
+                              <m:t> </m:t>
+                            </m:r>
+                            <m:r>
+                              <m:rPr>
+                                <m:nor/>
+                              </m:rPr>
+                              <a:rPr lang="en-US" sz="2400" i="1" dirty="0">
+                                <a:latin typeface="Cambria Math"/>
+                              </a:rPr>
+                              <m:t> </m:t>
+                            </m:r>
+                            <m:r>
+                              <m:rPr>
+                                <m:nor/>
+                              </m:rPr>
+                              <a:rPr lang="en-US" sz="2400" dirty="0"/>
+                              <m:t> </m:t>
+                            </m:r>
+                          </m:e>
+                        </m:eqArr>
+                      </m:e>
+                    </m:d>
+                  </m:oMath>
+                </a14:m>
+                <a:endParaRPr lang="en-US" sz="2400" b="0" i="1" dirty="0" smtClean="0">
+                  <a:latin typeface="Cambria Math"/>
+                  <a:ea typeface="Cambria Math"/>
+                </a:endParaRPr>
+              </a:p>
+              <a:p>
+                <a:pPr marL="0" indent="0" algn="ctr">
+                  <a:spcBef>
+                    <a:spcPts val="600"/>
+                  </a:spcBef>
+                  <a:spcAft>
+                    <a:spcPts val="600"/>
+                  </a:spcAft>
+                  <a:buNone/>
+                </a:pPr>
+                <a14:m>
+                  <m:oMath xmlns:m="http://schemas.openxmlformats.org/officeDocument/2006/math">
+                    <m:r>
+                      <a:rPr lang="en-US" sz="2400" b="1" i="1">
+                        <a:latin typeface="Cambria Math"/>
+                        <a:ea typeface="Cambria Math"/>
+                      </a:rPr>
+                      <m:t>𝒙</m:t>
+                    </m:r>
+                    <m:r>
+                      <a:rPr lang="en-US" sz="2400" b="0" i="1" smtClean="0">
+                        <a:latin typeface="Cambria Math"/>
+                        <a:ea typeface="Cambria Math"/>
+                      </a:rPr>
+                      <m:t>→</m:t>
+                    </m:r>
+                    <m:r>
+                      <a:rPr lang="en-US" sz="2400" b="1" i="1" smtClean="0">
+                        <a:latin typeface="Cambria Math"/>
+                        <a:ea typeface="Cambria Math"/>
+                      </a:rPr>
+                      <m:t>𝑰</m:t>
+                    </m:r>
+                    <m:r>
+                      <a:rPr lang="en-US" sz="2400" b="0" i="1" smtClean="0">
+                        <a:latin typeface="Cambria Math"/>
+                        <a:ea typeface="Cambria Math"/>
+                      </a:rPr>
+                      <m:t>  </m:t>
+                    </m:r>
+                    <m:r>
+                      <m:rPr>
+                        <m:nor/>
+                      </m:rPr>
+                      <a:rPr lang="en-US" sz="2400" i="0" smtClean="0">
+                        <a:latin typeface="Cambria Math"/>
+                        <a:ea typeface="Cambria Math"/>
+                      </a:rPr>
+                      <m:t>and</m:t>
+                    </m:r>
+                    <m:r>
+                      <m:rPr>
+                        <m:nor/>
+                      </m:rPr>
+                      <a:rPr lang="en-US" sz="2400" i="0" smtClean="0">
+                        <a:latin typeface="Cambria Math"/>
+                        <a:ea typeface="Cambria Math"/>
+                      </a:rPr>
+                      <m:t> </m:t>
+                    </m:r>
+                    <m:r>
+                      <a:rPr lang="en-US" sz="2400" b="0" i="1" smtClean="0">
+                        <a:latin typeface="Cambria Math"/>
+                        <a:ea typeface="Cambria Math"/>
+                      </a:rPr>
+                      <m:t> </m:t>
+                    </m:r>
+                    <m:r>
+                      <a:rPr lang="en-US" sz="2400" b="1" i="1" smtClean="0">
+                        <a:latin typeface="Cambria Math"/>
+                        <a:ea typeface="Cambria Math"/>
+                      </a:rPr>
+                      <m:t>𝒛</m:t>
+                    </m:r>
+                    <m:r>
+                      <a:rPr lang="en-US" sz="2400" b="1" i="1" smtClean="0">
+                        <a:latin typeface="Cambria Math"/>
+                        <a:ea typeface="Cambria Math"/>
+                      </a:rPr>
+                      <m:t>→</m:t>
+                    </m:r>
+                    <m:sSup>
+                      <m:sSupPr>
+                        <m:ctrlPr>
+                          <a:rPr lang="en-US" sz="2400" b="1" i="1" smtClean="0">
+                            <a:latin typeface="Cambria Math"/>
+                            <a:ea typeface="Cambria Math"/>
+                          </a:rPr>
+                        </m:ctrlPr>
+                      </m:sSupPr>
+                      <m:e>
+                        <m:r>
+                          <a:rPr lang="en-US" sz="2400" b="1" i="1" smtClean="0">
+                            <a:latin typeface="Cambria Math"/>
+                            <a:ea typeface="Cambria Math"/>
+                          </a:rPr>
+                          <m:t>𝒔</m:t>
+                        </m:r>
+                      </m:e>
+                      <m:sup>
+                        <m:r>
+                          <a:rPr lang="en-US" sz="2400" b="1" i="1" smtClean="0">
+                            <a:latin typeface="Cambria Math"/>
+                            <a:ea typeface="Cambria Math"/>
+                          </a:rPr>
+                          <m:t>−</m:t>
+                        </m:r>
+                        <m:r>
+                          <a:rPr lang="en-US" sz="2400" b="1" i="1" smtClean="0">
+                            <a:latin typeface="Cambria Math"/>
+                            <a:ea typeface="Cambria Math"/>
+                          </a:rPr>
+                          <m:t>𝟏</m:t>
+                        </m:r>
+                        <m:r>
+                          <a:rPr lang="en-US" sz="2400" b="1" i="1" smtClean="0">
+                            <a:latin typeface="Cambria Math"/>
+                            <a:ea typeface="Cambria Math"/>
+                          </a:rPr>
+                          <m:t>/</m:t>
+                        </m:r>
+                        <m:r>
+                          <a:rPr lang="en-US" sz="2400" b="1" i="1" smtClean="0">
+                            <a:latin typeface="Cambria Math"/>
+                            <a:ea typeface="Cambria Math"/>
+                          </a:rPr>
+                          <m:t>𝟐</m:t>
+                        </m:r>
+                      </m:sup>
+                    </m:sSup>
+                    <m:r>
+                      <a:rPr lang="en-US" sz="2400" b="1" i="1" smtClean="0">
+                        <a:latin typeface="Cambria Math"/>
+                        <a:ea typeface="Cambria Math"/>
+                      </a:rPr>
+                      <m:t> </m:t>
+                    </m:r>
+                    <m:r>
+                      <m:rPr>
+                        <m:nor/>
+                      </m:rPr>
+                      <a:rPr lang="en-US" sz="2400" b="0" i="0" smtClean="0">
+                        <a:latin typeface="Cambria Math"/>
+                        <a:ea typeface="Cambria Math"/>
+                      </a:rPr>
+                      <m:t> </m:t>
+                    </m:r>
+                    <m:r>
+                      <m:rPr>
+                        <m:nor/>
+                      </m:rPr>
+                      <a:rPr lang="en-US" sz="2400" b="0" i="0" smtClean="0">
+                        <a:latin typeface="Cambria Math"/>
+                        <a:ea typeface="Cambria Math"/>
+                      </a:rPr>
+                      <m:t>with</m:t>
+                    </m:r>
+                    <m:r>
+                      <a:rPr lang="en-US" sz="2400" b="1" i="1" smtClean="0">
+                        <a:latin typeface="Cambria Math"/>
+                        <a:ea typeface="Cambria Math"/>
+                      </a:rPr>
+                      <m:t>  </m:t>
+                    </m:r>
+                    <m:r>
+                      <a:rPr lang="en-US" sz="2400" b="0" i="1" smtClean="0">
+                        <a:latin typeface="Cambria Math"/>
+                        <a:ea typeface="Cambria Math"/>
+                      </a:rPr>
+                      <m:t>𝜏</m:t>
+                    </m:r>
+                    <m:r>
+                      <a:rPr lang="en-US" sz="2400" b="0" i="1" smtClean="0">
+                        <a:latin typeface="Cambria Math"/>
+                        <a:ea typeface="Cambria Math"/>
+                      </a:rPr>
+                      <m:t> →0</m:t>
+                    </m:r>
+                  </m:oMath>
+                </a14:m>
+                <a:r>
+                  <a:rPr lang="en-US" sz="2400" i="1" dirty="0" smtClean="0">
+                    <a:latin typeface="Cambria Math"/>
+                    <a:ea typeface="Cambria Math"/>
+                  </a:rPr>
+                  <a:t> </a:t>
+                </a:r>
+              </a:p>
+            </p:txBody>
+          </p:sp>
+        </mc:Choice>
+        <mc:Fallback>
+          <p:sp>
+            <p:nvSpPr>
+              <p:cNvPr id="8" name="Content Placeholder 3"/>
+              <p:cNvSpPr txBox="1">
+                <a:spLocks noGrp="1" noRot="1" noChangeAspect="1" noMove="1" noResize="1" noEditPoints="1" noAdjustHandles="1" noChangeArrowheads="1" noChangeShapeType="1" noTextEdit="1"/>
+              </p:cNvSpPr>
+              <p:nvPr>
+                <p:ph idx="1"/>
+              </p:nvPr>
+            </p:nvSpPr>
+            <p:spPr>
+              <a:xfrm>
+                <a:off x="418011" y="2667000"/>
+                <a:ext cx="8305800" cy="1803186"/>
+              </a:xfrm>
+              <a:prstGeom prst="rect">
+                <a:avLst/>
+              </a:prstGeom>
+              <a:blipFill rotWithShape="1">
+                <a:blip r:embed="rId2"/>
+                <a:stretch>
+                  <a:fillRect/>
+                </a:stretch>
+              </a:blipFill>
+              <a:ln/>
+            </p:spPr>
+            <p:txBody>
+              <a:bodyPr/>
+              <a:lstStyle/>
+              <a:p>
+                <a:r>
+                  <a:rPr lang="en-US">
+                    <a:noFill/>
+                  </a:rPr>
+                  <a:t> </a:t>
+                </a:r>
+              </a:p>
+            </p:txBody>
+          </p:sp>
+        </mc:Fallback>
+      </mc:AlternateContent>
+      <mc:AlternateContent xmlns:mc="http://schemas.openxmlformats.org/markup-compatibility/2006">
+        <mc:Choice xmlns:a14="http://schemas.microsoft.com/office/drawing/2010/main" Requires="a14">
+          <p:sp>
+            <p:nvSpPr>
+              <p:cNvPr id="9" name="Rectangle 8"/>
+              <p:cNvSpPr/>
+              <p:nvPr/>
+            </p:nvSpPr>
+            <p:spPr>
+              <a:xfrm>
+                <a:off x="2224529" y="3424535"/>
+                <a:ext cx="2182008" cy="461665"/>
+              </a:xfrm>
+              <a:prstGeom prst="rect">
+                <a:avLst/>
+              </a:prstGeom>
+            </p:spPr>
+            <p:txBody>
+              <a:bodyPr wrap="none">
+                <a:spAutoFit/>
+              </a:bodyPr>
+              <a:lstStyle/>
+              <a:p>
+                <a:pPr/>
+                <a14:m>
+                  <m:oMathPara xmlns:m="http://schemas.openxmlformats.org/officeDocument/2006/math">
+                    <m:oMathParaPr>
+                      <m:jc m:val="centerGroup"/>
+                    </m:oMathParaPr>
+                    <m:oMath xmlns:m="http://schemas.openxmlformats.org/officeDocument/2006/math">
+                      <m:r>
+                        <m:rPr>
+                          <m:nor/>
+                        </m:rPr>
+                        <a:rPr lang="en-US" sz="2400" b="1" dirty="0">
+                          <a:latin typeface="Courier New" pitchFamily="49" charset="0"/>
+                          <a:ea typeface="Cambria Math"/>
+                          <a:cs typeface="Courier New" pitchFamily="49" charset="0"/>
+                        </a:rPr>
+                        <m:t>return</m:t>
+                      </m:r>
+                      <m:r>
+                        <a:rPr lang="en-US" sz="2400" i="1" dirty="0">
+                          <a:latin typeface="Cambria Math"/>
+                          <a:ea typeface="Cambria Math"/>
+                          <a:cs typeface="Courier New" pitchFamily="49" charset="0"/>
+                        </a:rPr>
+                        <m:t> </m:t>
+                      </m:r>
+                      <m:r>
+                        <a:rPr lang="en-US" sz="2400" i="1">
+                          <a:latin typeface="Cambria Math"/>
+                          <a:ea typeface="Cambria Math"/>
+                        </a:rPr>
+                        <m:t>{</m:t>
+                      </m:r>
+                      <m:r>
+                        <a:rPr lang="en-US" sz="2400" b="1" i="1">
+                          <a:latin typeface="Cambria Math"/>
+                          <a:ea typeface="Cambria Math"/>
+                        </a:rPr>
+                        <m:t>𝒙</m:t>
+                      </m:r>
+                      <m:r>
+                        <a:rPr lang="en-US" sz="2400" i="1">
+                          <a:latin typeface="Cambria Math"/>
+                          <a:ea typeface="Cambria Math"/>
+                        </a:rPr>
+                        <m:t>, </m:t>
+                      </m:r>
+                      <m:r>
+                        <a:rPr lang="en-US" sz="2400" b="1" i="1">
+                          <a:latin typeface="Cambria Math"/>
+                          <a:ea typeface="Cambria Math"/>
+                        </a:rPr>
+                        <m:t>𝒛</m:t>
+                      </m:r>
+                      <m:r>
+                        <a:rPr lang="en-US" sz="2400" i="1">
+                          <a:latin typeface="Cambria Math"/>
+                          <a:ea typeface="Cambria Math"/>
+                        </a:rPr>
+                        <m:t>} </m:t>
+                      </m:r>
+                    </m:oMath>
+                  </m:oMathPara>
+                </a14:m>
+                <a:endParaRPr lang="en-US" sz="2400" dirty="0"/>
+              </a:p>
+            </p:txBody>
+          </p:sp>
+        </mc:Choice>
+        <mc:Fallback>
+          <p:sp>
+            <p:nvSpPr>
+              <p:cNvPr id="9" name="Rectangle 8"/>
+              <p:cNvSpPr>
+                <a:spLocks noRot="1" noChangeAspect="1" noMove="1" noResize="1" noEditPoints="1" noAdjustHandles="1" noChangeArrowheads="1" noChangeShapeType="1" noTextEdit="1"/>
+              </p:cNvSpPr>
+              <p:nvPr/>
+            </p:nvSpPr>
+            <p:spPr>
+              <a:xfrm>
+                <a:off x="2224529" y="3424535"/>
+                <a:ext cx="2182008" cy="461665"/>
+              </a:xfrm>
+              <a:prstGeom prst="rect">
+                <a:avLst/>
+              </a:prstGeom>
+              <a:blipFill rotWithShape="1">
+                <a:blip r:embed="rId3"/>
+                <a:stretch>
+                  <a:fillRect b="-17105"/>
+                </a:stretch>
+              </a:blipFill>
+            </p:spPr>
+            <p:txBody>
+              <a:bodyPr/>
+              <a:lstStyle/>
+              <a:p>
+                <a:r>
+                  <a:rPr lang="en-US">
+                    <a:noFill/>
+                  </a:rPr>
+                  <a:t> </a:t>
+                </a:r>
+              </a:p>
+            </p:txBody>
+          </p:sp>
+        </mc:Fallback>
+      </mc:AlternateContent>
+      <mc:AlternateContent xmlns:mc="http://schemas.openxmlformats.org/markup-compatibility/2006">
+        <mc:Choice xmlns:a14="http://schemas.microsoft.com/office/drawing/2010/main" Requires="a14">
+          <p:sp>
+            <p:nvSpPr>
+              <p:cNvPr id="3" name="TextBox 2"/>
+              <p:cNvSpPr txBox="1"/>
+              <p:nvPr/>
+            </p:nvSpPr>
+            <p:spPr>
+              <a:xfrm>
+                <a:off x="381000" y="889386"/>
+                <a:ext cx="8305800" cy="1557799"/>
+              </a:xfrm>
+              <a:prstGeom prst="rect">
+                <a:avLst/>
+              </a:prstGeom>
+              <a:noFill/>
+            </p:spPr>
+            <p:txBody>
+              <a:bodyPr wrap="square" rtlCol="0">
+                <a:spAutoFit/>
+              </a:bodyPr>
+              <a:lstStyle/>
+              <a:p>
+                <a:pPr marL="342900" indent="-342900">
+                  <a:spcBef>
+                    <a:spcPts val="600"/>
+                  </a:spcBef>
+                  <a:spcAft>
+                    <a:spcPts val="600"/>
+                  </a:spcAft>
+                  <a:buFont typeface="Arial" pitchFamily="34" charset="0"/>
+                  <a:buChar char="•"/>
+                </a:pPr>
+                <a:r>
+                  <a:rPr lang="en-US" sz="2400" dirty="0" smtClean="0"/>
+                  <a:t>Problem of metric and gap ill-conditioning connected through </a:t>
+                </a:r>
+                <a:r>
+                  <a:rPr lang="en-US" sz="2400" dirty="0" err="1" smtClean="0"/>
+                  <a:t>Higham’s</a:t>
+                </a:r>
+                <a:r>
+                  <a:rPr lang="en-US" sz="2400" dirty="0" smtClean="0"/>
+                  <a:t> identity (</a:t>
+                </a:r>
+                <a:r>
+                  <a:rPr lang="en-US" sz="2400" dirty="0" err="1" smtClean="0"/>
+                  <a:t>Higham</a:t>
+                </a:r>
+                <a:r>
+                  <a:rPr lang="en-US" sz="2400" dirty="0" smtClean="0"/>
+                  <a:t> ‘97), </a:t>
+                </a:r>
+                <a:r>
+                  <a:rPr lang="en-US" sz="2000" dirty="0"/>
+                  <a:t>sign </a:t>
+                </a:r>
+                <a14:m>
+                  <m:oMath xmlns:m="http://schemas.openxmlformats.org/officeDocument/2006/math">
+                    <m:d>
+                      <m:dPr>
+                        <m:ctrlPr>
+                          <a:rPr lang="en-US" sz="2000" i="1">
+                            <a:latin typeface="Cambria Math"/>
+                          </a:rPr>
+                        </m:ctrlPr>
+                      </m:dPr>
+                      <m:e>
+                        <m:d>
+                          <m:dPr>
+                            <m:begChr m:val="["/>
+                            <m:endChr m:val="]"/>
+                            <m:ctrlPr>
+                              <a:rPr lang="en-US" sz="2000" i="1">
+                                <a:latin typeface="Cambria Math"/>
+                              </a:rPr>
+                            </m:ctrlPr>
+                          </m:dPr>
+                          <m:e>
+                            <m:m>
+                              <m:mPr>
+                                <m:mcs>
+                                  <m:mc>
+                                    <m:mcPr>
+                                      <m:count m:val="2"/>
+                                      <m:mcJc m:val="center"/>
+                                    </m:mcPr>
+                                  </m:mc>
+                                </m:mcs>
+                                <m:ctrlPr>
+                                  <a:rPr lang="en-US" sz="2000" i="1">
+                                    <a:latin typeface="Cambria Math"/>
+                                  </a:rPr>
+                                </m:ctrlPr>
+                              </m:mPr>
+                              <m:mr>
+                                <m:e>
+                                  <m:r>
+                                    <m:rPr>
+                                      <m:brk m:alnAt="7"/>
+                                    </m:rPr>
+                                    <a:rPr lang="en-US" sz="2000" i="1">
+                                      <a:latin typeface="Cambria Math"/>
+                                    </a:rPr>
+                                    <m:t>0</m:t>
+                                  </m:r>
+                                </m:e>
+                                <m:e>
+                                  <m:r>
+                                    <a:rPr lang="en-US" sz="2000" b="1" i="1">
+                                      <a:latin typeface="Cambria Math"/>
+                                    </a:rPr>
+                                    <m:t>𝒔</m:t>
+                                  </m:r>
+                                </m:e>
+                              </m:mr>
+                              <m:mr>
+                                <m:e>
+                                  <m:r>
+                                    <a:rPr lang="en-US" sz="2000" b="1" i="1">
+                                      <a:latin typeface="Cambria Math"/>
+                                    </a:rPr>
+                                    <m:t>𝑰</m:t>
+                                  </m:r>
+                                </m:e>
+                                <m:e>
+                                  <m:r>
+                                    <a:rPr lang="en-US" sz="2000" i="1">
+                                      <a:latin typeface="Cambria Math"/>
+                                    </a:rPr>
+                                    <m:t>0</m:t>
+                                  </m:r>
+                                </m:e>
+                              </m:mr>
+                            </m:m>
+                          </m:e>
+                        </m:d>
+                      </m:e>
+                    </m:d>
+                    <m:r>
+                      <a:rPr lang="en-US" sz="2000" i="1">
+                        <a:latin typeface="Cambria Math"/>
+                      </a:rPr>
+                      <m:t>= </m:t>
+                    </m:r>
+                    <m:d>
+                      <m:dPr>
+                        <m:begChr m:val="["/>
+                        <m:endChr m:val="]"/>
+                        <m:ctrlPr>
+                          <a:rPr lang="en-US" sz="2000" i="1">
+                            <a:latin typeface="Cambria Math"/>
+                          </a:rPr>
+                        </m:ctrlPr>
+                      </m:dPr>
+                      <m:e>
+                        <m:m>
+                          <m:mPr>
+                            <m:mcs>
+                              <m:mc>
+                                <m:mcPr>
+                                  <m:count m:val="2"/>
+                                  <m:mcJc m:val="center"/>
+                                </m:mcPr>
+                              </m:mc>
+                            </m:mcs>
+                            <m:ctrlPr>
+                              <a:rPr lang="en-US" sz="2000" i="1">
+                                <a:latin typeface="Cambria Math"/>
+                              </a:rPr>
+                            </m:ctrlPr>
+                          </m:mPr>
+                          <m:mr>
+                            <m:e>
+                              <m:r>
+                                <m:rPr>
+                                  <m:brk m:alnAt="7"/>
+                                </m:rPr>
+                                <a:rPr lang="en-US" sz="2000" i="1">
+                                  <a:latin typeface="Cambria Math"/>
+                                </a:rPr>
+                                <m:t>0</m:t>
+                              </m:r>
+                            </m:e>
+                            <m:e>
+                              <m:sSup>
+                                <m:sSupPr>
+                                  <m:ctrlPr>
+                                    <a:rPr lang="en-US" sz="2000" i="1">
+                                      <a:latin typeface="Cambria Math"/>
+                                    </a:rPr>
+                                  </m:ctrlPr>
+                                </m:sSupPr>
+                                <m:e>
+                                  <m:r>
+                                    <a:rPr lang="en-US" sz="2000" b="1" i="1">
+                                      <a:latin typeface="Cambria Math"/>
+                                    </a:rPr>
+                                    <m:t>𝒔</m:t>
+                                  </m:r>
+                                </m:e>
+                                <m:sup>
+                                  <m:r>
+                                    <a:rPr lang="en-US" sz="2000" i="1">
+                                      <a:latin typeface="Cambria Math"/>
+                                    </a:rPr>
+                                    <m:t>1/2</m:t>
+                                  </m:r>
+                                </m:sup>
+                              </m:sSup>
+                            </m:e>
+                          </m:mr>
+                          <m:mr>
+                            <m:e>
+                              <m:sSup>
+                                <m:sSupPr>
+                                  <m:ctrlPr>
+                                    <a:rPr lang="en-US" sz="2000" i="1">
+                                      <a:latin typeface="Cambria Math"/>
+                                    </a:rPr>
+                                  </m:ctrlPr>
+                                </m:sSupPr>
+                                <m:e>
+                                  <m:r>
+                                    <a:rPr lang="en-US" sz="2000" b="1" i="1">
+                                      <a:latin typeface="Cambria Math"/>
+                                    </a:rPr>
+                                    <m:t>𝒔</m:t>
+                                  </m:r>
+                                </m:e>
+                                <m:sup>
+                                  <m:r>
+                                    <a:rPr lang="en-US" sz="2000" i="1">
+                                      <a:latin typeface="Cambria Math"/>
+                                    </a:rPr>
+                                    <m:t>−1/2</m:t>
+                                  </m:r>
+                                </m:sup>
+                              </m:sSup>
+                            </m:e>
+                            <m:e>
+                              <m:r>
+                                <a:rPr lang="en-US" sz="2000" i="1">
+                                  <a:latin typeface="Cambria Math"/>
+                                </a:rPr>
+                                <m:t>0</m:t>
+                              </m:r>
+                            </m:e>
+                          </m:mr>
+                        </m:m>
+                      </m:e>
+                    </m:d>
+                  </m:oMath>
+                </a14:m>
+                <a:r>
+                  <a:rPr lang="en-US" sz="2000" dirty="0" smtClean="0"/>
+                  <a:t>. </a:t>
+                </a:r>
+                <a:endParaRPr lang="en-US" sz="2000" dirty="0"/>
+              </a:p>
+              <a:p>
+                <a:pPr marL="342900" indent="-342900">
+                  <a:spcBef>
+                    <a:spcPts val="600"/>
+                  </a:spcBef>
+                  <a:spcAft>
+                    <a:spcPts val="600"/>
+                  </a:spcAft>
+                  <a:buFont typeface="Arial" pitchFamily="34" charset="0"/>
+                  <a:buChar char="•"/>
+                </a:pPr>
+                <a:r>
+                  <a:rPr lang="en-US" sz="2400" dirty="0"/>
+                  <a:t>T</a:t>
+                </a:r>
+                <a:r>
+                  <a:rPr lang="en-US" sz="2400" dirty="0" smtClean="0"/>
+                  <a:t>he generic </a:t>
+                </a:r>
+                <a:r>
+                  <a:rPr lang="en-US" sz="2400" dirty="0" err="1" smtClean="0"/>
+                  <a:t>SpAMM</a:t>
+                </a:r>
+                <a:r>
+                  <a:rPr lang="en-US" sz="2400" dirty="0" smtClean="0"/>
+                  <a:t> based </a:t>
+                </a:r>
+                <a:r>
+                  <a:rPr lang="en-US" sz="2400" i="1" dirty="0" smtClean="0">
+                    <a:latin typeface="Cambria Math" pitchFamily="18" charset="0"/>
+                    <a:ea typeface="Cambria Math" pitchFamily="18" charset="0"/>
+                  </a:rPr>
+                  <a:t>NS</a:t>
+                </a:r>
+                <a:r>
+                  <a:rPr lang="en-US" sz="2400" dirty="0" smtClean="0"/>
+                  <a:t>  is:</a:t>
+                </a:r>
+                <a:endParaRPr lang="en-US" sz="2400" dirty="0"/>
+              </a:p>
+            </p:txBody>
+          </p:sp>
+        </mc:Choice>
+        <mc:Fallback>
+          <p:sp>
+            <p:nvSpPr>
+              <p:cNvPr id="3" name="TextBox 2"/>
+              <p:cNvSpPr txBox="1">
+                <a:spLocks noRot="1" noChangeAspect="1" noMove="1" noResize="1" noEditPoints="1" noAdjustHandles="1" noChangeArrowheads="1" noChangeShapeType="1" noTextEdit="1"/>
+              </p:cNvSpPr>
+              <p:nvPr/>
+            </p:nvSpPr>
+            <p:spPr>
+              <a:xfrm>
+                <a:off x="381000" y="889386"/>
+                <a:ext cx="8305800" cy="1557799"/>
+              </a:xfrm>
+              <a:prstGeom prst="rect">
+                <a:avLst/>
+              </a:prstGeom>
+              <a:blipFill rotWithShape="1">
+                <a:blip r:embed="rId4"/>
+                <a:stretch>
+                  <a:fillRect l="-1028" t="-3137" b="-8235"/>
+                </a:stretch>
+              </a:blipFill>
+            </p:spPr>
+            <p:txBody>
+              <a:bodyPr/>
+              <a:lstStyle/>
+              <a:p>
+                <a:r>
+                  <a:rPr lang="en-US">
+                    <a:noFill/>
+                  </a:rPr>
+                  <a:t> </a:t>
+                </a:r>
+              </a:p>
+            </p:txBody>
+          </p:sp>
+        </mc:Fallback>
+      </mc:AlternateContent>
+      <p:sp>
+        <p:nvSpPr>
+          <p:cNvPr id="10" name="Rectangle 9"/>
+          <p:cNvSpPr/>
           <p:nvPr/>
-        </p:nvPicPr>
-        <p:blipFill rotWithShape="1">
-          <a:blip r:embed="rId2" cstate="print">
-            <a:extLst>
-              <a:ext uri="{28A0092B-C50C-407E-A947-70E740481C1C}">
-                <a14:useLocalDpi xmlns:a14="http://schemas.microsoft.com/office/drawing/2010/main" val="0"/>
-              </a:ext>
-            </a:extLst>
-          </a:blip>
-          <a:srcRect l="21200" r="20133"/>
-          <a:stretch/>
-        </p:blipFill>
+        </p:nvSpPr>
         <p:spPr>
           <a:xfrm>
-            <a:off x="6370320" y="6001443"/>
-            <a:ext cx="484632" cy="826077"/>
+            <a:off x="478970" y="4895671"/>
+            <a:ext cx="7086600" cy="1200329"/>
           </a:xfrm>
           <a:prstGeom prst="rect">
             <a:avLst/>
           </a:prstGeom>
         </p:spPr>
-      </p:pic>
-      <p:sp>
-        <p:nvSpPr>
-          <p:cNvPr id="7" name="Striped Right Arrow 6"/>
-          <p:cNvSpPr/>
-          <p:nvPr/>
-        </p:nvSpPr>
-        <p:spPr>
-          <a:xfrm>
-            <a:off x="6471920" y="5894416"/>
-            <a:ext cx="538480" cy="145704"/>
-          </a:xfrm>
-          <a:prstGeom prst="stripedRightArrow">
-            <a:avLst/>
-          </a:prstGeom>
-        </p:spPr>
-        <p:style>
-          <a:lnRef idx="1">
-            <a:schemeClr val="accent3"/>
-          </a:lnRef>
-          <a:fillRef idx="2">
-            <a:schemeClr val="accent3"/>
-          </a:fillRef>
-          <a:effectRef idx="1">
-            <a:schemeClr val="accent3"/>
-          </a:effectRef>
-          <a:fontRef idx="minor">
-            <a:schemeClr val="dk1"/>
-          </a:fontRef>
-        </p:style>
         <p:txBody>
-          <a:bodyPr rtlCol="0" anchor="ctr"/>
+          <a:bodyPr wrap="square">
+            <a:spAutoFit/>
+          </a:bodyPr>
           <a:lstStyle/>
           <a:p>
-            <a:pPr algn="ctr"/>
-            <a:endParaRPr lang="en-US">
-              <a:solidFill>
-                <a:srgbClr val="FF0000"/>
-              </a:solidFill>
-            </a:endParaRPr>
+            <a:pPr marL="342900" indent="-342900">
+              <a:spcBef>
+                <a:spcPts val="600"/>
+              </a:spcBef>
+              <a:spcAft>
+                <a:spcPts val="600"/>
+              </a:spcAft>
+              <a:buFont typeface="Arial" pitchFamily="34" charset="0"/>
+              <a:buChar char="•"/>
+            </a:pPr>
+            <a:r>
+              <a:rPr lang="en-US" sz="2400" dirty="0"/>
+              <a:t>Many variations, including scaled versions, stabilized versions like “DB iteration”, involving dual </a:t>
+            </a:r>
+            <a:r>
+              <a:rPr lang="en-US" sz="2400" b="1" i="1" dirty="0">
+                <a:latin typeface="Cambria Math" pitchFamily="18" charset="0"/>
+                <a:ea typeface="Cambria Math" pitchFamily="18" charset="0"/>
+              </a:rPr>
+              <a:t>y</a:t>
+            </a:r>
+            <a:r>
+              <a:rPr lang="en-US" sz="2400" dirty="0"/>
+              <a:t>  &amp;</a:t>
+            </a:r>
+            <a:r>
+              <a:rPr lang="en-US" sz="2400" b="1" i="1" dirty="0">
+                <a:latin typeface="Cambria Math" pitchFamily="18" charset="0"/>
+                <a:ea typeface="Cambria Math" pitchFamily="18" charset="0"/>
+              </a:rPr>
+              <a:t> z  </a:t>
+            </a:r>
+            <a:r>
+              <a:rPr lang="en-US" sz="2400" dirty="0"/>
+              <a:t>channels</a:t>
+            </a:r>
+            <a:r>
+              <a:rPr lang="en-US" sz="2400" dirty="0" smtClean="0"/>
+              <a:t>.  </a:t>
+            </a:r>
+            <a:endParaRPr lang="en-US" sz="2400" dirty="0"/>
           </a:p>
         </p:txBody>
       </p:sp>

--- a/sandwitch_results_3_2015/spamm_big_picture.pptx
+++ b/sandwitch_results_3_2015/spamm_big_picture.pptx
@@ -5,7 +5,7 @@
     <p:sldMasterId id="2147483648" r:id="rId1"/>
   </p:sldMasterIdLst>
   <p:notesMasterIdLst>
-    <p:notesMasterId r:id="rId24"/>
+    <p:notesMasterId r:id="rId23"/>
   </p:notesMasterIdLst>
   <p:sldIdLst>
     <p:sldId id="282" r:id="rId2"/>
@@ -18,18 +18,17 @@
     <p:sldId id="269" r:id="rId9"/>
     <p:sldId id="259" r:id="rId10"/>
     <p:sldId id="275" r:id="rId11"/>
-    <p:sldId id="257" r:id="rId12"/>
-    <p:sldId id="261" r:id="rId13"/>
+    <p:sldId id="261" r:id="rId12"/>
+    <p:sldId id="257" r:id="rId13"/>
     <p:sldId id="272" r:id="rId14"/>
     <p:sldId id="274" r:id="rId15"/>
     <p:sldId id="260" r:id="rId16"/>
     <p:sldId id="273" r:id="rId17"/>
     <p:sldId id="262" r:id="rId18"/>
-    <p:sldId id="258" r:id="rId19"/>
-    <p:sldId id="276" r:id="rId20"/>
-    <p:sldId id="277" r:id="rId21"/>
-    <p:sldId id="278" r:id="rId22"/>
-    <p:sldId id="279" r:id="rId23"/>
+    <p:sldId id="276" r:id="rId19"/>
+    <p:sldId id="277" r:id="rId20"/>
+    <p:sldId id="278" r:id="rId21"/>
+    <p:sldId id="279" r:id="rId22"/>
   </p:sldIdLst>
   <p:sldSz cx="9144000" cy="6858000" type="screen4x3"/>
   <p:notesSz cx="6858000" cy="9144000"/>
@@ -714,7 +713,7 @@
           <a:p>
             <a:fld id="{1CFA42DE-160A-4E7C-89E2-22791C61C9FD}" type="slidenum">
               <a:rPr lang="en-US" smtClean="0"/>
-              <a:t>12</a:t>
+              <a:t>11</a:t>
             </a:fld>
             <a:endParaRPr lang="en-US"/>
           </a:p>
@@ -724,90 +723,6 @@
     <p:extLst>
       <p:ext uri="{BB962C8B-B14F-4D97-AF65-F5344CB8AC3E}">
         <p14:creationId xmlns:p14="http://schemas.microsoft.com/office/powerpoint/2010/main" val="3902017969"/>
-      </p:ext>
-    </p:extLst>
-  </p:cSld>
-  <p:clrMapOvr>
-    <a:masterClrMapping/>
-  </p:clrMapOvr>
-</p:notes>
-</file>
-
-<file path=ppt/notesSlides/notesSlide4.xml><?xml version="1.0" encoding="utf-8"?>
-<p:notes xmlns:a="http://schemas.openxmlformats.org/drawingml/2006/main" xmlns:r="http://schemas.openxmlformats.org/officeDocument/2006/relationships" xmlns:p="http://schemas.openxmlformats.org/presentationml/2006/main">
-  <p:cSld>
-    <p:spTree>
-      <p:nvGrpSpPr>
-        <p:cNvPr id="1" name=""/>
-        <p:cNvGrpSpPr/>
-        <p:nvPr/>
-      </p:nvGrpSpPr>
-      <p:grpSpPr>
-        <a:xfrm>
-          <a:off x="0" y="0"/>
-          <a:ext cx="0" cy="0"/>
-          <a:chOff x="0" y="0"/>
-          <a:chExt cx="0" cy="0"/>
-        </a:xfrm>
-      </p:grpSpPr>
-      <p:sp>
-        <p:nvSpPr>
-          <p:cNvPr id="2" name="Slide Image Placeholder 1"/>
-          <p:cNvSpPr>
-            <a:spLocks noGrp="1" noRot="1" noChangeAspect="1"/>
-          </p:cNvSpPr>
-          <p:nvPr>
-            <p:ph type="sldImg"/>
-          </p:nvPr>
-        </p:nvSpPr>
-        <p:spPr/>
-      </p:sp>
-      <p:sp>
-        <p:nvSpPr>
-          <p:cNvPr id="3" name="Notes Placeholder 2"/>
-          <p:cNvSpPr>
-            <a:spLocks noGrp="1"/>
-          </p:cNvSpPr>
-          <p:nvPr>
-            <p:ph type="body" idx="1"/>
-          </p:nvPr>
-        </p:nvSpPr>
-        <p:spPr/>
-        <p:txBody>
-          <a:bodyPr/>
-          <a:lstStyle/>
-          <a:p>
-            <a:endParaRPr lang="en-US" dirty="0"/>
-          </a:p>
-        </p:txBody>
-      </p:sp>
-      <p:sp>
-        <p:nvSpPr>
-          <p:cNvPr id="4" name="Slide Number Placeholder 3"/>
-          <p:cNvSpPr>
-            <a:spLocks noGrp="1"/>
-          </p:cNvSpPr>
-          <p:nvPr>
-            <p:ph type="sldNum" sz="quarter" idx="10"/>
-          </p:nvPr>
-        </p:nvSpPr>
-        <p:spPr/>
-        <p:txBody>
-          <a:bodyPr/>
-          <a:lstStyle/>
-          <a:p>
-            <a:fld id="{1CFA42DE-160A-4E7C-89E2-22791C61C9FD}" type="slidenum">
-              <a:rPr lang="en-US" smtClean="0"/>
-              <a:t>18</a:t>
-            </a:fld>
-            <a:endParaRPr lang="en-US"/>
-          </a:p>
-        </p:txBody>
-      </p:sp>
-    </p:spTree>
-    <p:extLst>
-      <p:ext uri="{BB962C8B-B14F-4D97-AF65-F5344CB8AC3E}">
-        <p14:creationId xmlns:p14="http://schemas.microsoft.com/office/powerpoint/2010/main" val="1944396536"/>
       </p:ext>
     </p:extLst>
   </p:cSld>
@@ -4251,8 +4166,8 @@
             </p:nvSpPr>
             <p:spPr>
               <a:xfrm>
-                <a:off x="274320" y="2050971"/>
-                <a:ext cx="3459480" cy="3785652"/>
+                <a:off x="320040" y="2395478"/>
+                <a:ext cx="3642360" cy="2862322"/>
               </a:xfrm>
               <a:prstGeom prst="rect">
                 <a:avLst/>
@@ -4267,31 +4182,31 @@
               <a:p>
                 <a:pPr>
                   <a:spcBef>
-                    <a:spcPts val="600"/>
+                    <a:spcPts val="1200"/>
                   </a:spcBef>
                   <a:spcAft>
                     <a:spcPts val="600"/>
                   </a:spcAft>
                 </a:pPr>
                 <a:r>
-                  <a:rPr lang="en-US" sz="2200" dirty="0" smtClean="0"/>
-                  <a:t>In the J. Chen &amp; E. Chow scheme,  scaling increases  gradient at the origin, accelerating convergence of the minimu</a:t>
-                </a:r>
-                <a:r>
-                  <a:rPr lang="en-US" sz="2200" dirty="0" smtClean="0"/>
+                  <a:rPr lang="en-US" sz="2000" dirty="0" smtClean="0"/>
+                  <a:t>In the Chen &amp; Chow scheme,  scaling increases gradient at the origin, accelerating convergence of the minimu</a:t>
+                </a:r>
+                <a:r>
+                  <a:rPr lang="en-US" sz="2000" dirty="0" smtClean="0"/>
                   <a:t>m EV </a:t>
                 </a:r>
                 <a14:m>
                   <m:oMath xmlns:m="http://schemas.openxmlformats.org/officeDocument/2006/math">
                     <m:r>
-                      <a:rPr lang="en-US" sz="2200" i="1" dirty="0" smtClean="0">
+                      <a:rPr lang="en-US" sz="2000" i="1" dirty="0" smtClean="0">
                         <a:latin typeface="Cambria Math"/>
                         <a:ea typeface="Cambria Math" pitchFamily="18" charset="0"/>
                       </a:rPr>
                       <m:t>𝑥</m:t>
                     </m:r>
                     <m:r>
-                      <a:rPr lang="en-US" sz="2200" i="1" baseline="-25000" dirty="0" smtClean="0">
+                      <a:rPr lang="en-US" sz="2000" i="1" baseline="-25000" dirty="0" smtClean="0">
                         <a:latin typeface="Cambria Math"/>
                         <a:ea typeface="Cambria Math" pitchFamily="18" charset="0"/>
                       </a:rPr>
@@ -4299,7 +4214,7 @@
                     </m:r>
                   </m:oMath>
                 </a14:m>
-                <a:endParaRPr lang="en-US" sz="2200" dirty="0" smtClean="0"/>
+                <a:endParaRPr lang="en-US" sz="2000" dirty="0" smtClean="0"/>
               </a:p>
               <a:p>
                 <a:pPr>
@@ -4311,20 +4226,20 @@
                   </a:spcAft>
                 </a:pPr>
                 <a:r>
-                  <a:rPr lang="en-US" sz="2200" dirty="0" smtClean="0"/>
+                  <a:rPr lang="en-US" sz="2000" dirty="0" smtClean="0"/>
                   <a:t>A full acceleration of </a:t>
                 </a:r>
                 <a14:m>
                   <m:oMath xmlns:m="http://schemas.openxmlformats.org/officeDocument/2006/math">
                     <m:r>
-                      <a:rPr lang="en-US" sz="2200" i="1">
+                      <a:rPr lang="en-US" sz="2000" i="1">
                         <a:latin typeface="Cambria Math"/>
                         <a:ea typeface="Cambria Math"/>
                       </a:rPr>
                       <m:t>𝛼</m:t>
                     </m:r>
                     <m:r>
-                      <a:rPr lang="en-US" sz="2200" b="0" i="1" smtClean="0">
+                      <a:rPr lang="en-US" sz="2000" b="0" i="1" smtClean="0">
                         <a:latin typeface="Cambria Math"/>
                         <a:ea typeface="Cambria Math"/>
                       </a:rPr>
@@ -4333,19 +4248,19 @@
                   </m:oMath>
                 </a14:m>
                 <a:r>
-                  <a:rPr lang="en-US" sz="2200" dirty="0" smtClean="0"/>
-                  <a:t> isn’t possible though, due to instability at </a:t>
+                  <a:rPr lang="en-US" sz="2000" dirty="0" smtClean="0"/>
+                  <a:t> isn’t possible due to instability at </a:t>
                 </a:r>
                 <a14:m>
                   <m:oMath xmlns:m="http://schemas.openxmlformats.org/officeDocument/2006/math">
                     <m:r>
-                      <a:rPr lang="en-US" sz="2200" i="1" dirty="0" smtClean="0">
+                      <a:rPr lang="en-US" sz="2000" i="1" dirty="0" smtClean="0">
                         <a:latin typeface="Cambria Math"/>
                       </a:rPr>
                       <m:t>𝑥</m:t>
                     </m:r>
                     <m:r>
-                      <a:rPr lang="en-US" sz="2200" i="1" dirty="0" smtClean="0">
+                      <a:rPr lang="en-US" sz="2000" i="1" dirty="0" smtClean="0">
                         <a:latin typeface="Cambria Math"/>
                       </a:rPr>
                       <m:t>=1</m:t>
@@ -4353,32 +4268,39 @@
                   </m:oMath>
                 </a14:m>
                 <a:r>
-                  <a:rPr lang="en-US" sz="2200" dirty="0" smtClean="0"/>
+                  <a:rPr lang="en-US" sz="2000" dirty="0" smtClean="0"/>
                   <a:t>.  </a:t>
                 </a:r>
                 <a14:m>
                   <m:oMath xmlns:m="http://schemas.openxmlformats.org/officeDocument/2006/math">
                     <m:r>
-                      <a:rPr lang="en-US" sz="2200" i="1">
+                      <a:rPr lang="en-US" sz="2000" i="1">
                         <a:latin typeface="Cambria Math"/>
                         <a:ea typeface="Cambria Math"/>
                       </a:rPr>
                       <m:t>𝛼</m:t>
                     </m:r>
                     <m:r>
-                      <a:rPr lang="en-US" sz="2200" i="1">
+                      <a:rPr lang="en-US" sz="2000" i="1" smtClean="0">
                         <a:latin typeface="Cambria Math"/>
                         <a:ea typeface="Cambria Math"/>
                       </a:rPr>
-                      <m:t>=2.85</m:t>
+                      <m:t>~</m:t>
+                    </m:r>
+                    <m:r>
+                      <a:rPr lang="en-US" sz="2000" b="0" i="1" smtClean="0">
+                        <a:latin typeface="Cambria Math"/>
+                        <a:ea typeface="Cambria Math"/>
+                      </a:rPr>
+                      <m:t>2.85</m:t>
                     </m:r>
                   </m:oMath>
                 </a14:m>
                 <a:r>
-                  <a:rPr lang="en-US" sz="2200" dirty="0" smtClean="0"/>
-                  <a:t> stabilizes the right.</a:t>
-                </a:r>
-                <a:endParaRPr lang="en-US" sz="2200" dirty="0"/>
+                  <a:rPr lang="en-US" sz="2000" dirty="0" smtClean="0"/>
+                  <a:t> stabilizes.</a:t>
+                </a:r>
+                <a:endParaRPr lang="en-US" sz="2000" dirty="0"/>
               </a:p>
               <a:p>
                 <a:pPr>
@@ -4389,7 +4311,7 @@
                     <a:spcPts val="600"/>
                   </a:spcAft>
                 </a:pPr>
-                <a:endParaRPr lang="en-US" sz="2200" dirty="0" smtClean="0"/>
+                <a:endParaRPr lang="en-US" sz="2000" dirty="0" smtClean="0"/>
               </a:p>
             </p:txBody>
           </p:sp>
@@ -4405,8 +4327,8 @@
             </p:nvSpPr>
             <p:spPr>
               <a:xfrm>
-                <a:off x="274320" y="2050971"/>
-                <a:ext cx="3459480" cy="3785652"/>
+                <a:off x="320040" y="2395478"/>
+                <a:ext cx="3642360" cy="2862322"/>
               </a:xfrm>
               <a:prstGeom prst="rect">
                 <a:avLst/>
@@ -4414,7 +4336,7 @@
               <a:blipFill rotWithShape="1">
                 <a:blip r:embed="rId5"/>
                 <a:stretch>
-                  <a:fillRect l="-2113" t="-966" r="-2289"/>
+                  <a:fillRect l="-1843" t="-1064"/>
                 </a:stretch>
               </a:blipFill>
             </p:spPr>
@@ -4445,8 +4367,8 @@
         </p:nvSpPr>
         <p:spPr>
           <a:xfrm>
-            <a:off x="-152400" y="152400"/>
-            <a:ext cx="5029200" cy="533400"/>
+            <a:off x="-230779" y="152400"/>
+            <a:ext cx="8649789" cy="533400"/>
           </a:xfrm>
         </p:spPr>
         <p:txBody>
@@ -4459,7 +4381,7 @@
               <a:rPr lang="en-US" sz="3200" b="1" dirty="0" smtClean="0">
                 <a:latin typeface="Comic Sans MS" pitchFamily="66" charset="0"/>
               </a:rPr>
-              <a:t>Scaled Newton Schulz</a:t>
+              <a:t>Scaled Newton Schulz (Chen &amp; Chow ’14)</a:t>
             </a:r>
             <a:endParaRPr lang="en-US" sz="3200" b="1" dirty="0">
               <a:latin typeface="Comic Sans MS" pitchFamily="66" charset="0"/>
@@ -4477,8 +4399,8 @@
             </p:nvSpPr>
             <p:spPr>
               <a:xfrm>
-                <a:off x="304800" y="609600"/>
-                <a:ext cx="8534400" cy="1911934"/>
+                <a:off x="291737" y="687978"/>
+                <a:ext cx="8534400" cy="1577098"/>
               </a:xfrm>
               <a:prstGeom prst="rect">
                 <a:avLst/>
@@ -4493,7 +4415,7 @@
               <a:p>
                 <a:pPr marL="342900" indent="-342900">
                   <a:spcBef>
-                    <a:spcPts val="1200"/>
+                    <a:spcPts val="600"/>
                   </a:spcBef>
                   <a:spcAft>
                     <a:spcPts val="600"/>
@@ -4573,149 +4495,6 @@
                         </m:r>
                       </m:e>
                     </m:box>
-                    <m:r>
-                      <a:rPr lang="en-US" sz="2000" b="0" i="1" smtClean="0">
-                        <a:latin typeface="Cambria Math"/>
-                      </a:rPr>
-                      <m:t> </m:t>
-                    </m:r>
-                    <m:r>
-                      <a:rPr lang="en-US" sz="2000" b="0" i="1" smtClean="0">
-                        <a:latin typeface="Cambria Math"/>
-                      </a:rPr>
-                      <m:t>𝑧</m:t>
-                    </m:r>
-                    <m:d>
-                      <m:dPr>
-                        <m:ctrlPr>
-                          <a:rPr lang="en-US" sz="2000" b="0" i="1" smtClean="0">
-                            <a:latin typeface="Cambria Math"/>
-                          </a:rPr>
-                        </m:ctrlPr>
-                      </m:dPr>
-                      <m:e>
-                        <m:r>
-                          <a:rPr lang="en-US" sz="2000" b="0" i="1" smtClean="0">
-                            <a:latin typeface="Cambria Math"/>
-                          </a:rPr>
-                          <m:t>𝑥</m:t>
-                        </m:r>
-                      </m:e>
-                    </m:d>
-                    <m:r>
-                      <a:rPr lang="en-US" sz="2000" b="0" i="1" smtClean="0">
-                        <a:latin typeface="Cambria Math"/>
-                        <a:ea typeface="Cambria Math"/>
-                      </a:rPr>
-                      <m:t>∙</m:t>
-                    </m:r>
-                    <m:r>
-                      <a:rPr lang="en-US" sz="2000" b="0" i="1" smtClean="0">
-                        <a:latin typeface="Cambria Math"/>
-                      </a:rPr>
-                      <m:t> </m:t>
-                    </m:r>
-                    <m:r>
-                      <a:rPr lang="en-US" sz="2000" b="0" i="1" smtClean="0">
-                        <a:latin typeface="Cambria Math"/>
-                      </a:rPr>
-                      <m:t>𝑥</m:t>
-                    </m:r>
-                    <m:r>
-                      <a:rPr lang="en-US" sz="2000" b="0" i="1" smtClean="0">
-                        <a:latin typeface="Cambria Math"/>
-                        <a:ea typeface="Cambria Math"/>
-                      </a:rPr>
-                      <m:t>∙</m:t>
-                    </m:r>
-                    <m:r>
-                      <a:rPr lang="en-US" sz="2000" b="0" i="1" smtClean="0">
-                        <a:latin typeface="Cambria Math"/>
-                      </a:rPr>
-                      <m:t> </m:t>
-                    </m:r>
-                    <m:r>
-                      <a:rPr lang="en-US" sz="2000" b="0" i="1" smtClean="0">
-                        <a:latin typeface="Cambria Math"/>
-                      </a:rPr>
-                      <m:t>𝑧</m:t>
-                    </m:r>
-                    <m:d>
-                      <m:dPr>
-                        <m:ctrlPr>
-                          <a:rPr lang="en-US" sz="2000" b="0" i="1" smtClean="0">
-                            <a:latin typeface="Cambria Math"/>
-                          </a:rPr>
-                        </m:ctrlPr>
-                      </m:dPr>
-                      <m:e>
-                        <m:r>
-                          <a:rPr lang="en-US" sz="2000" b="0" i="1" smtClean="0">
-                            <a:latin typeface="Cambria Math"/>
-                          </a:rPr>
-                          <m:t>𝑥</m:t>
-                        </m:r>
-                      </m:e>
-                    </m:d>
-                    <m:r>
-                      <a:rPr lang="en-US" sz="2000" b="0" i="1" smtClean="0">
-                        <a:latin typeface="Cambria Math"/>
-                      </a:rPr>
-                      <m:t>,</m:t>
-                    </m:r>
-                    <m:r>
-                      <m:rPr>
-                        <m:nor/>
-                      </m:rPr>
-                      <a:rPr lang="en-US" sz="2000" b="0" i="0" smtClean="0">
-                        <a:latin typeface="Cambria Math"/>
-                      </a:rPr>
-                      <m:t> </m:t>
-                    </m:r>
-                    <m:r>
-                      <m:rPr>
-                        <m:nor/>
-                      </m:rPr>
-                      <a:rPr lang="en-US" sz="2000" b="0" i="0" smtClean="0">
-                        <a:latin typeface="Cambria Math"/>
-                      </a:rPr>
-                      <m:t>with</m:t>
-                    </m:r>
-                    <m:r>
-                      <a:rPr lang="en-US" sz="2000" b="0" i="1" smtClean="0">
-                        <a:latin typeface="Cambria Math"/>
-                      </a:rPr>
-                      <m:t> </m:t>
-                    </m:r>
-                    <m:r>
-                      <a:rPr lang="en-US" sz="2000" b="0" i="1" smtClean="0">
-                        <a:latin typeface="Cambria Math"/>
-                      </a:rPr>
-                      <m:t>𝑧</m:t>
-                    </m:r>
-                    <m:d>
-                      <m:dPr>
-                        <m:ctrlPr>
-                          <a:rPr lang="en-US" sz="2000" b="0" i="1" smtClean="0">
-                            <a:latin typeface="Cambria Math"/>
-                          </a:rPr>
-                        </m:ctrlPr>
-                      </m:dPr>
-                      <m:e>
-                        <m:r>
-                          <a:rPr lang="en-US" sz="2000" b="0" i="1" smtClean="0">
-                            <a:latin typeface="Cambria Math"/>
-                          </a:rPr>
-                          <m:t>𝑥</m:t>
-                        </m:r>
-                      </m:e>
-                    </m:d>
-                    <m:r>
-                      <a:rPr lang="en-US" sz="2000" b="0" i="1" smtClean="0">
-                        <a:latin typeface="Cambria Math"/>
-                      </a:rPr>
-                      <m:t>=</m:t>
-                    </m:r>
                     <m:f>
                       <m:fPr>
                         <m:ctrlPr>
@@ -4766,22 +4545,161 @@
                     </m:d>
                   </m:oMath>
                 </a14:m>
-                <a:endParaRPr lang="en-US" sz="2000" dirty="0" smtClean="0"/>
-              </a:p>
-              <a:p>
-                <a:pPr marL="342900" indent="-342900">
-                  <a:spcBef>
-                    <a:spcPts val="1200"/>
-                  </a:spcBef>
-                  <a:spcAft>
-                    <a:spcPts val="600"/>
-                  </a:spcAft>
-                  <a:buFont typeface="Arial" pitchFamily="34" charset="0"/>
-                  <a:buChar char="•"/>
-                </a:pPr>
                 <a:r>
                   <a:rPr lang="en-US" sz="2000" dirty="0" smtClean="0"/>
-                  <a:t>Much recent work on the scaled </a:t>
+                  <a:t>, corresponding to the logistic </a:t>
+                </a:r>
+                <a14:m>
+                  <m:oMath xmlns:m="http://schemas.openxmlformats.org/officeDocument/2006/math">
+                    <m:r>
+                      <a:rPr lang="en-US" sz="2000" b="0" i="1" smtClean="0">
+                        <a:latin typeface="Cambria Math"/>
+                      </a:rPr>
+                      <m:t>𝑥</m:t>
+                    </m:r>
+                    <m:r>
+                      <a:rPr lang="en-US" sz="2000" b="0" i="1" smtClean="0">
+                        <a:latin typeface="Cambria Math"/>
+                        <a:ea typeface="Cambria Math"/>
+                      </a:rPr>
+                      <m:t>← </m:t>
+                    </m:r>
+                  </m:oMath>
+                </a14:m>
+                <a:r>
+                  <a:rPr lang="en-US" sz="2000" dirty="0" smtClean="0"/>
+                  <a:t> </a:t>
+                </a:r>
+                <a14:m>
+                  <m:oMath xmlns:m="http://schemas.openxmlformats.org/officeDocument/2006/math">
+                    <m:f>
+                      <m:fPr>
+                        <m:ctrlPr>
+                          <a:rPr lang="en-US" sz="2000" i="1">
+                            <a:latin typeface="Cambria Math"/>
+                          </a:rPr>
+                        </m:ctrlPr>
+                      </m:fPr>
+                      <m:num>
+                        <m:r>
+                          <a:rPr lang="en-US" sz="2000" i="1">
+                            <a:latin typeface="Cambria Math"/>
+                          </a:rPr>
+                          <m:t>1</m:t>
+                        </m:r>
+                      </m:num>
+                      <m:den>
+                        <m:r>
+                          <a:rPr lang="en-US" sz="2000" i="1">
+                            <a:latin typeface="Cambria Math"/>
+                          </a:rPr>
+                          <m:t>2</m:t>
+                        </m:r>
+                      </m:den>
+                    </m:f>
+                    <m:d>
+                      <m:dPr>
+                        <m:ctrlPr>
+                          <a:rPr lang="en-US" sz="2000" i="1">
+                            <a:latin typeface="Cambria Math"/>
+                          </a:rPr>
+                        </m:ctrlPr>
+                      </m:dPr>
+                      <m:e>
+                        <m:r>
+                          <a:rPr lang="en-US" sz="2000" i="1">
+                            <a:latin typeface="Cambria Math"/>
+                          </a:rPr>
+                          <m:t>3−</m:t>
+                        </m:r>
+                        <m:r>
+                          <a:rPr lang="en-US" sz="2000" i="1">
+                            <a:latin typeface="Cambria Math"/>
+                          </a:rPr>
+                          <m:t>𝑥</m:t>
+                        </m:r>
+                      </m:e>
+                    </m:d>
+                    <m:r>
+                      <a:rPr lang="en-US" sz="2000" b="0" i="1" smtClean="0">
+                        <a:latin typeface="Cambria Math"/>
+                      </a:rPr>
+                      <m:t> </m:t>
+                    </m:r>
+                    <m:r>
+                      <a:rPr lang="en-US" sz="2000" i="1" smtClean="0">
+                        <a:latin typeface="Cambria Math"/>
+                        <a:ea typeface="Cambria Math"/>
+                      </a:rPr>
+                      <m:t>∙</m:t>
+                    </m:r>
+                    <m:r>
+                      <a:rPr lang="en-US" sz="2000" b="0" i="1" smtClean="0">
+                        <a:latin typeface="Cambria Math"/>
+                        <a:ea typeface="Cambria Math"/>
+                      </a:rPr>
+                      <m:t>𝑥</m:t>
+                    </m:r>
+                    <m:r>
+                      <a:rPr lang="en-US" sz="2000" b="0" i="1" smtClean="0">
+                        <a:latin typeface="Cambria Math"/>
+                        <a:ea typeface="Cambria Math"/>
+                      </a:rPr>
+                      <m:t>∙ </m:t>
+                    </m:r>
+                    <m:f>
+                      <m:fPr>
+                        <m:ctrlPr>
+                          <a:rPr lang="en-US" sz="2000" i="1">
+                            <a:latin typeface="Cambria Math"/>
+                          </a:rPr>
+                        </m:ctrlPr>
+                      </m:fPr>
+                      <m:num>
+                        <m:r>
+                          <a:rPr lang="en-US" sz="2000" i="1">
+                            <a:latin typeface="Cambria Math"/>
+                          </a:rPr>
+                          <m:t>1</m:t>
+                        </m:r>
+                      </m:num>
+                      <m:den>
+                        <m:r>
+                          <a:rPr lang="en-US" sz="2000" i="1">
+                            <a:latin typeface="Cambria Math"/>
+                          </a:rPr>
+                          <m:t>2</m:t>
+                        </m:r>
+                      </m:den>
+                    </m:f>
+                    <m:d>
+                      <m:dPr>
+                        <m:ctrlPr>
+                          <a:rPr lang="en-US" sz="2000" i="1">
+                            <a:latin typeface="Cambria Math"/>
+                          </a:rPr>
+                        </m:ctrlPr>
+                      </m:dPr>
+                      <m:e>
+                        <m:r>
+                          <a:rPr lang="en-US" sz="2000" i="1">
+                            <a:latin typeface="Cambria Math"/>
+                          </a:rPr>
+                          <m:t>3−</m:t>
+                        </m:r>
+                        <m:r>
+                          <a:rPr lang="en-US" sz="2000" i="1">
+                            <a:latin typeface="Cambria Math"/>
+                          </a:rPr>
+                          <m:t>𝑥</m:t>
+                        </m:r>
+                      </m:e>
+                    </m:d>
+                  </m:oMath>
+                </a14:m>
+                <a:r>
+                  <a:rPr lang="en-US" sz="2000" dirty="0" smtClean="0"/>
+                  <a:t>.  Much recent work on the scaled </a:t>
                 </a:r>
                 <a:r>
                   <a:rPr lang="en-US" sz="2000" i="1" dirty="0" smtClean="0">
@@ -4818,7 +4736,7 @@
                         <a:latin typeface="Cambria Math"/>
                         <a:cs typeface="Courier New" pitchFamily="49" charset="0"/>
                       </a:rPr>
-                      <m:t>𝑠𝑁</m:t>
+                      <m:t>𝑁</m:t>
                     </m:r>
                     <m:r>
                       <a:rPr lang="en-US" sz="2000" i="1" baseline="-25000">
@@ -4902,19 +4820,6 @@
                   <a:t>.</a:t>
                 </a:r>
               </a:p>
-              <a:p>
-                <a:pPr marL="342900" indent="-342900">
-                  <a:spcBef>
-                    <a:spcPts val="1200"/>
-                  </a:spcBef>
-                  <a:spcAft>
-                    <a:spcPts val="600"/>
-                  </a:spcAft>
-                  <a:buFont typeface="Arial" pitchFamily="34" charset="0"/>
-                  <a:buChar char="•"/>
-                </a:pPr>
-                <a:endParaRPr lang="en-US" sz="2000" dirty="0"/>
-              </a:p>
             </p:txBody>
           </p:sp>
         </mc:Choice>
@@ -4929,8 +4834,8 @@
             </p:nvSpPr>
             <p:spPr>
               <a:xfrm>
-                <a:off x="304800" y="609600"/>
-                <a:ext cx="8534400" cy="1911934"/>
+                <a:off x="291737" y="687978"/>
+                <a:ext cx="8534400" cy="1577098"/>
               </a:xfrm>
               <a:prstGeom prst="rect">
                 <a:avLst/>
@@ -4938,7 +4843,422 @@
               <a:blipFill rotWithShape="1">
                 <a:blip r:embed="rId6"/>
                 <a:stretch>
-                  <a:fillRect l="-571"/>
+                  <a:fillRect l="-643" b="-5792"/>
+                </a:stretch>
+              </a:blipFill>
+            </p:spPr>
+            <p:txBody>
+              <a:bodyPr/>
+              <a:lstStyle/>
+              <a:p>
+                <a:r>
+                  <a:rPr lang="en-US">
+                    <a:noFill/>
+                  </a:rPr>
+                  <a:t> </a:t>
+                </a:r>
+              </a:p>
+            </p:txBody>
+          </p:sp>
+        </mc:Fallback>
+      </mc:AlternateContent>
+      <mc:AlternateContent xmlns:mc="http://schemas.openxmlformats.org/markup-compatibility/2006">
+        <mc:Choice xmlns:a14="http://schemas.microsoft.com/office/drawing/2010/main" Requires="a14">
+          <p:sp>
+            <p:nvSpPr>
+              <p:cNvPr id="22" name="Rounded Rectangular Callout 21"/>
+              <p:cNvSpPr/>
+              <p:nvPr/>
+            </p:nvSpPr>
+            <p:spPr>
+              <a:xfrm>
+                <a:off x="929640" y="5013960"/>
+                <a:ext cx="2270760" cy="1615440"/>
+              </a:xfrm>
+              <a:prstGeom prst="wedgeRoundRectCallout">
+                <a:avLst>
+                  <a:gd name="adj1" fmla="val 74993"/>
+                  <a:gd name="adj2" fmla="val -24674"/>
+                  <a:gd name="adj3" fmla="val 16667"/>
+                </a:avLst>
+              </a:prstGeom>
+            </p:spPr>
+            <p:style>
+              <a:lnRef idx="1">
+                <a:schemeClr val="accent3"/>
+              </a:lnRef>
+              <a:fillRef idx="2">
+                <a:schemeClr val="accent3"/>
+              </a:fillRef>
+              <a:effectRef idx="1">
+                <a:schemeClr val="accent3"/>
+              </a:effectRef>
+              <a:fontRef idx="minor">
+                <a:schemeClr val="dk1"/>
+              </a:fontRef>
+            </p:style>
+            <p:txBody>
+              <a:bodyPr rtlCol="0" anchor="ctr"/>
+              <a:lstStyle/>
+              <a:p>
+                <a:pPr algn="ctr"/>
+                <a:r>
+                  <a:rPr lang="en-US" dirty="0" smtClean="0"/>
+                  <a:t>Convergence given by gradient:                  </a:t>
+                </a:r>
+                <a14:m>
+                  <m:oMath xmlns:m="http://schemas.openxmlformats.org/officeDocument/2006/math">
+                    <m:r>
+                      <m:rPr>
+                        <m:sty m:val="p"/>
+                      </m:rPr>
+                      <a:rPr lang="en-US" b="0" i="0" dirty="0" smtClean="0">
+                        <a:latin typeface="Cambria Math"/>
+                        <a:ea typeface="Cambria Math" pitchFamily="18" charset="0"/>
+                      </a:rPr>
+                      <m:t>g</m:t>
+                    </m:r>
+                    <m:d>
+                      <m:dPr>
+                        <m:ctrlPr>
+                          <a:rPr lang="en-US" b="0" i="0" dirty="0" smtClean="0">
+                            <a:latin typeface="Cambria Math"/>
+                            <a:ea typeface="Cambria Math" pitchFamily="18" charset="0"/>
+                          </a:rPr>
+                        </m:ctrlPr>
+                      </m:dPr>
+                      <m:e>
+                        <m:r>
+                          <a:rPr lang="en-US" i="1" dirty="0">
+                            <a:latin typeface="Cambria Math"/>
+                            <a:ea typeface="Cambria Math" pitchFamily="18" charset="0"/>
+                          </a:rPr>
+                          <m:t>𝑥</m:t>
+                        </m:r>
+                        <m:r>
+                          <a:rPr lang="en-US" b="0" i="1" baseline="-25000" dirty="0" smtClean="0">
+                            <a:latin typeface="Cambria Math"/>
+                            <a:ea typeface="Cambria Math" pitchFamily="18" charset="0"/>
+                          </a:rPr>
+                          <m:t>0</m:t>
+                        </m:r>
+                      </m:e>
+                    </m:d>
+                    <m:r>
+                      <a:rPr lang="en-US" b="0" i="1" dirty="0" smtClean="0">
+                        <a:latin typeface="Cambria Math"/>
+                        <a:ea typeface="Cambria Math" pitchFamily="18" charset="0"/>
+                      </a:rPr>
+                      <m:t>=</m:t>
+                    </m:r>
+                    <m:r>
+                      <a:rPr lang="el-GR" b="1" i="1" dirty="0" smtClean="0">
+                        <a:latin typeface="Cambria Math"/>
+                        <a:ea typeface="Cambria Math"/>
+                      </a:rPr>
+                      <m:t>𝜶</m:t>
+                    </m:r>
+                    <m:r>
+                      <a:rPr lang="en-US" i="1" dirty="0" smtClean="0">
+                        <a:latin typeface="Cambria Math"/>
+                        <a:ea typeface="Cambria Math"/>
+                      </a:rPr>
+                      <m:t>×</m:t>
+                    </m:r>
+                    <m:d>
+                      <m:dPr>
+                        <m:ctrlPr>
+                          <a:rPr lang="en-US" i="1" dirty="0" smtClean="0">
+                            <a:latin typeface="Cambria Math"/>
+                            <a:ea typeface="Cambria Math"/>
+                          </a:rPr>
+                        </m:ctrlPr>
+                      </m:dPr>
+                      <m:e>
+                        <m:f>
+                          <m:fPr>
+                            <m:ctrlPr>
+                              <a:rPr lang="en-US" i="1" dirty="0" smtClean="0">
+                                <a:latin typeface="Cambria Math"/>
+                                <a:ea typeface="Cambria Math"/>
+                              </a:rPr>
+                            </m:ctrlPr>
+                          </m:fPr>
+                          <m:num>
+                            <m:r>
+                              <a:rPr lang="en-US" b="0" i="1" dirty="0" smtClean="0">
+                                <a:latin typeface="Cambria Math"/>
+                                <a:ea typeface="Cambria Math"/>
+                              </a:rPr>
+                              <m:t>9</m:t>
+                            </m:r>
+                          </m:num>
+                          <m:den>
+                            <m:r>
+                              <a:rPr lang="en-US" b="0" i="1" dirty="0" smtClean="0">
+                                <a:latin typeface="Cambria Math"/>
+                                <a:ea typeface="Cambria Math"/>
+                              </a:rPr>
+                              <m:t>4</m:t>
+                            </m:r>
+                          </m:den>
+                        </m:f>
+                      </m:e>
+                    </m:d>
+                    <m:r>
+                      <a:rPr lang="en-US" i="1" dirty="0" smtClean="0">
+                        <a:latin typeface="Cambria Math"/>
+                      </a:rPr>
+                      <m:t> </m:t>
+                    </m:r>
+                  </m:oMath>
+                </a14:m>
+                <a:r>
+                  <a:rPr lang="en-US" dirty="0" smtClean="0"/>
+                  <a:t>. Scaling attenuated,  </a:t>
+                </a:r>
+                <a14:m>
+                  <m:oMath xmlns:m="http://schemas.openxmlformats.org/officeDocument/2006/math">
+                    <m:r>
+                      <m:rPr>
+                        <m:sty m:val="p"/>
+                      </m:rPr>
+                      <a:rPr lang="el-GR" i="1" smtClean="0">
+                        <a:latin typeface="Cambria Math"/>
+                        <a:ea typeface="Cambria Math"/>
+                      </a:rPr>
+                      <m:t>α</m:t>
+                    </m:r>
+                    <m:r>
+                      <a:rPr lang="en-US" i="1">
+                        <a:latin typeface="Cambria Math"/>
+                        <a:ea typeface="Cambria Math"/>
+                      </a:rPr>
+                      <m:t>→1</m:t>
+                    </m:r>
+                  </m:oMath>
+                </a14:m>
+                <a:r>
+                  <a:rPr lang="en-US" dirty="0"/>
+                  <a:t> </a:t>
+                </a:r>
+                <a:r>
+                  <a:rPr lang="en-US" dirty="0" smtClean="0"/>
+                  <a:t>as</a:t>
+                </a:r>
+                <a14:m>
+                  <m:oMath xmlns:m="http://schemas.openxmlformats.org/officeDocument/2006/math">
+                    <m:r>
+                      <a:rPr lang="en-US" b="0" i="0" dirty="0" smtClean="0">
+                        <a:latin typeface="Cambria Math"/>
+                        <a:ea typeface="Cambria Math" pitchFamily="18" charset="0"/>
+                      </a:rPr>
+                      <m:t> </m:t>
+                    </m:r>
+                    <m:r>
+                      <a:rPr lang="en-US" i="1" dirty="0">
+                        <a:latin typeface="Cambria Math"/>
+                        <a:ea typeface="Cambria Math" pitchFamily="18" charset="0"/>
+                      </a:rPr>
+                      <m:t>𝑥</m:t>
+                    </m:r>
+                    <m:r>
+                      <a:rPr lang="en-US" i="1" baseline="-25000" dirty="0">
+                        <a:latin typeface="Cambria Math"/>
+                        <a:ea typeface="Cambria Math" pitchFamily="18" charset="0"/>
+                      </a:rPr>
+                      <m:t>0</m:t>
+                    </m:r>
+                    <m:r>
+                      <a:rPr lang="en-US" i="1" smtClean="0">
+                        <a:latin typeface="Cambria Math"/>
+                        <a:ea typeface="Cambria Math"/>
+                      </a:rPr>
+                      <m:t>→</m:t>
+                    </m:r>
+                    <m:r>
+                      <a:rPr lang="en-US" b="0" i="1" smtClean="0">
+                        <a:latin typeface="Cambria Math"/>
+                        <a:ea typeface="Cambria Math"/>
+                      </a:rPr>
+                      <m:t>1</m:t>
+                    </m:r>
+                  </m:oMath>
+                </a14:m>
+                <a:r>
+                  <a:rPr lang="en-US" dirty="0" smtClean="0"/>
+                  <a:t> </a:t>
+                </a:r>
+                <a:endParaRPr lang="en-US" dirty="0"/>
+              </a:p>
+            </p:txBody>
+          </p:sp>
+        </mc:Choice>
+        <mc:Fallback>
+          <p:sp>
+            <p:nvSpPr>
+              <p:cNvPr id="22" name="Rounded Rectangular Callout 21"/>
+              <p:cNvSpPr>
+                <a:spLocks noRot="1" noChangeAspect="1" noMove="1" noResize="1" noEditPoints="1" noAdjustHandles="1" noChangeArrowheads="1" noChangeShapeType="1" noTextEdit="1"/>
+              </p:cNvSpPr>
+              <p:nvPr/>
+            </p:nvSpPr>
+            <p:spPr>
+              <a:xfrm>
+                <a:off x="929640" y="5013960"/>
+                <a:ext cx="2270760" cy="1615440"/>
+              </a:xfrm>
+              <a:prstGeom prst="wedgeRoundRectCallout">
+                <a:avLst>
+                  <a:gd name="adj1" fmla="val 74993"/>
+                  <a:gd name="adj2" fmla="val -24674"/>
+                  <a:gd name="adj3" fmla="val 16667"/>
+                </a:avLst>
+              </a:prstGeom>
+              <a:blipFill rotWithShape="1">
+                <a:blip r:embed="rId7"/>
+                <a:stretch>
+                  <a:fillRect/>
+                </a:stretch>
+              </a:blipFill>
+            </p:spPr>
+            <p:txBody>
+              <a:bodyPr/>
+              <a:lstStyle/>
+              <a:p>
+                <a:r>
+                  <a:rPr lang="en-US">
+                    <a:noFill/>
+                  </a:rPr>
+                  <a:t> </a:t>
+                </a:r>
+              </a:p>
+            </p:txBody>
+          </p:sp>
+        </mc:Fallback>
+      </mc:AlternateContent>
+      <mc:AlternateContent xmlns:mc="http://schemas.openxmlformats.org/markup-compatibility/2006">
+        <mc:Choice xmlns:a14="http://schemas.microsoft.com/office/drawing/2010/main" Requires="a14">
+          <p:sp>
+            <p:nvSpPr>
+              <p:cNvPr id="23" name="Rectangular Callout 22"/>
+              <p:cNvSpPr/>
+              <p:nvPr/>
+            </p:nvSpPr>
+            <p:spPr>
+              <a:xfrm>
+                <a:off x="6477000" y="5715000"/>
+                <a:ext cx="2514600" cy="990600"/>
+              </a:xfrm>
+              <a:prstGeom prst="wedgeRectCallout">
+                <a:avLst>
+                  <a:gd name="adj1" fmla="val -72749"/>
+                  <a:gd name="adj2" fmla="val -42602"/>
+                </a:avLst>
+              </a:prstGeom>
+            </p:spPr>
+            <p:style>
+              <a:lnRef idx="1">
+                <a:schemeClr val="accent4"/>
+              </a:lnRef>
+              <a:fillRef idx="2">
+                <a:schemeClr val="accent4"/>
+              </a:fillRef>
+              <a:effectRef idx="1">
+                <a:schemeClr val="accent4"/>
+              </a:effectRef>
+              <a:fontRef idx="minor">
+                <a:schemeClr val="dk1"/>
+              </a:fontRef>
+            </p:style>
+            <p:txBody>
+              <a:bodyPr rtlCol="0" anchor="ctr"/>
+              <a:lstStyle/>
+              <a:p>
+                <a:pPr algn="ctr"/>
+                <a:r>
+                  <a:rPr lang="en-US" dirty="0" smtClean="0">
+                    <a:ea typeface="Cambria Math"/>
+                  </a:rPr>
+                  <a:t>Using </a:t>
+                </a:r>
+                <a14:m>
+                  <m:oMath xmlns:m="http://schemas.openxmlformats.org/officeDocument/2006/math">
+                    <m:r>
+                      <a:rPr lang="en-US" i="1" dirty="0" smtClean="0">
+                        <a:latin typeface="Cambria Math"/>
+                        <a:ea typeface="Cambria Math"/>
+                      </a:rPr>
+                      <m:t>𝛼</m:t>
+                    </m:r>
+                    <m:r>
+                      <a:rPr lang="en-US" i="1" dirty="0" smtClean="0">
+                        <a:latin typeface="Cambria Math"/>
+                        <a:ea typeface="Cambria Math"/>
+                      </a:rPr>
+                      <m:t>~2.85 </m:t>
+                    </m:r>
+                  </m:oMath>
+                </a14:m>
+                <a:r>
+                  <a:rPr lang="en-US" dirty="0" smtClean="0"/>
+                  <a:t>instead of </a:t>
+                </a:r>
+                <a14:m>
+                  <m:oMath xmlns:m="http://schemas.openxmlformats.org/officeDocument/2006/math">
+                    <m:r>
+                      <a:rPr lang="en-US" i="1">
+                        <a:latin typeface="Cambria Math"/>
+                        <a:ea typeface="Cambria Math"/>
+                      </a:rPr>
+                      <m:t>𝛼</m:t>
+                    </m:r>
+                    <m:r>
+                      <a:rPr lang="en-US" i="1">
+                        <a:latin typeface="Cambria Math"/>
+                        <a:ea typeface="Cambria Math"/>
+                      </a:rPr>
+                      <m:t>=3</m:t>
+                    </m:r>
+                  </m:oMath>
+                </a14:m>
+                <a:r>
+                  <a:rPr lang="en-US" dirty="0"/>
+                  <a:t> </a:t>
+                </a:r>
+                <a:r>
+                  <a:rPr lang="en-US" dirty="0" smtClean="0"/>
+                  <a:t>stabilizes map for double precision. </a:t>
+                </a:r>
+                <a:endParaRPr lang="en-US" dirty="0"/>
+              </a:p>
+            </p:txBody>
+          </p:sp>
+        </mc:Choice>
+        <mc:Fallback>
+          <p:sp>
+            <p:nvSpPr>
+              <p:cNvPr id="23" name="Rectangular Callout 22"/>
+              <p:cNvSpPr>
+                <a:spLocks noRot="1" noChangeAspect="1" noMove="1" noResize="1" noEditPoints="1" noAdjustHandles="1" noChangeArrowheads="1" noChangeShapeType="1" noTextEdit="1"/>
+              </p:cNvSpPr>
+              <p:nvPr/>
+            </p:nvSpPr>
+            <p:spPr>
+              <a:xfrm>
+                <a:off x="6477000" y="5715000"/>
+                <a:ext cx="2514600" cy="990600"/>
+              </a:xfrm>
+              <a:prstGeom prst="wedgeRectCallout">
+                <a:avLst>
+                  <a:gd name="adj1" fmla="val -72749"/>
+                  <a:gd name="adj2" fmla="val -42602"/>
+                </a:avLst>
+              </a:prstGeom>
+              <a:blipFill rotWithShape="1">
+                <a:blip r:embed="rId8"/>
+                <a:stretch>
+                  <a:fillRect/>
                 </a:stretch>
               </a:blipFill>
             </p:spPr>
@@ -4987,6 +5307,730 @@
           <a:chExt cx="0" cy="0"/>
         </a:xfrm>
       </p:grpSpPr>
+      <p:pic>
+        <p:nvPicPr>
+          <p:cNvPr id="9" name="Picture 8"/>
+          <p:cNvPicPr>
+            <a:picLocks noChangeAspect="1"/>
+          </p:cNvPicPr>
+          <p:nvPr/>
+        </p:nvPicPr>
+        <p:blipFill rotWithShape="1">
+          <a:blip r:embed="rId3" cstate="print">
+            <a:extLst>
+              <a:ext uri="{28A0092B-C50C-407E-A947-70E740481C1C}">
+                <a14:useLocalDpi xmlns:a14="http://schemas.microsoft.com/office/drawing/2010/main" val="0"/>
+              </a:ext>
+            </a:extLst>
+          </a:blip>
+          <a:srcRect l="21200" r="20133"/>
+          <a:stretch/>
+        </p:blipFill>
+        <p:spPr>
+          <a:xfrm>
+            <a:off x="6370320" y="6001443"/>
+            <a:ext cx="484632" cy="826077"/>
+          </a:xfrm>
+          <a:prstGeom prst="rect">
+            <a:avLst/>
+          </a:prstGeom>
+        </p:spPr>
+      </p:pic>
+      <p:pic>
+        <p:nvPicPr>
+          <p:cNvPr id="7" name="Picture 6"/>
+          <p:cNvPicPr>
+            <a:picLocks noChangeAspect="1"/>
+          </p:cNvPicPr>
+          <p:nvPr/>
+        </p:nvPicPr>
+        <p:blipFill rotWithShape="1">
+          <a:blip r:embed="rId4" cstate="print">
+            <a:extLst>
+              <a:ext uri="{28A0092B-C50C-407E-A947-70E740481C1C}">
+                <a14:useLocalDpi xmlns:a14="http://schemas.microsoft.com/office/drawing/2010/main" val="0"/>
+              </a:ext>
+            </a:extLst>
+          </a:blip>
+          <a:srcRect l="16747" t="3713" r="15732" b="8254"/>
+          <a:stretch/>
+        </p:blipFill>
+        <p:spPr>
+          <a:xfrm>
+            <a:off x="1963692" y="6090921"/>
+            <a:ext cx="502920" cy="655707"/>
+          </a:xfrm>
+          <a:prstGeom prst="rect">
+            <a:avLst/>
+          </a:prstGeom>
+        </p:spPr>
+      </p:pic>
+      <p:pic>
+        <p:nvPicPr>
+          <p:cNvPr id="8" name="Picture 7"/>
+          <p:cNvPicPr>
+            <a:picLocks noChangeAspect="1"/>
+          </p:cNvPicPr>
+          <p:nvPr/>
+        </p:nvPicPr>
+        <p:blipFill>
+          <a:blip r:embed="rId5">
+            <a:extLst>
+              <a:ext uri="{28A0092B-C50C-407E-A947-70E740481C1C}">
+                <a14:useLocalDpi xmlns:a14="http://schemas.microsoft.com/office/drawing/2010/main" val="0"/>
+              </a:ext>
+            </a:extLst>
+          </a:blip>
+          <a:stretch>
+            <a:fillRect/>
+          </a:stretch>
+        </p:blipFill>
+        <p:spPr>
+          <a:xfrm>
+            <a:off x="685800" y="1595120"/>
+            <a:ext cx="7863839" cy="4669155"/>
+          </a:xfrm>
+          <a:prstGeom prst="rect">
+            <a:avLst/>
+          </a:prstGeom>
+        </p:spPr>
+      </p:pic>
+      <mc:AlternateContent xmlns:mc="http://schemas.openxmlformats.org/markup-compatibility/2006">
+        <mc:Choice xmlns:a14="http://schemas.microsoft.com/office/drawing/2010/main" Requires="a14">
+          <p:sp>
+            <p:nvSpPr>
+              <p:cNvPr id="12" name="TextBox 11"/>
+              <p:cNvSpPr txBox="1"/>
+              <p:nvPr/>
+            </p:nvSpPr>
+            <p:spPr>
+              <a:xfrm>
+                <a:off x="1600200" y="2133600"/>
+                <a:ext cx="6096000" cy="2246769"/>
+              </a:xfrm>
+              <a:prstGeom prst="rect">
+                <a:avLst/>
+              </a:prstGeom>
+              <a:solidFill>
+                <a:schemeClr val="lt1">
+                  <a:alpha val="77000"/>
+                </a:schemeClr>
+              </a:solidFill>
+            </p:spPr>
+            <p:txBody>
+              <a:bodyPr wrap="square" rtlCol="0">
+                <a:spAutoFit/>
+              </a:bodyPr>
+              <a:lstStyle/>
+              <a:p>
+                <a:pPr marL="342900" indent="-342900">
+                  <a:spcBef>
+                    <a:spcPts val="600"/>
+                  </a:spcBef>
+                  <a:spcAft>
+                    <a:spcPts val="600"/>
+                  </a:spcAft>
+                  <a:buFont typeface="Arial" pitchFamily="34" charset="0"/>
+                  <a:buChar char="•"/>
+                </a:pPr>
+                <a:r>
+                  <a:rPr lang="en-US" sz="2400" b="1" i="1" dirty="0" smtClean="0">
+                    <a:solidFill>
+                      <a:schemeClr val="tx2">
+                        <a:lumMod val="60000"/>
+                        <a:lumOff val="40000"/>
+                      </a:schemeClr>
+                    </a:solidFill>
+                  </a:rPr>
+                  <a:t>Inflections spread, map ruggedized.  </a:t>
+                </a:r>
+              </a:p>
+              <a:p>
+                <a:pPr marL="342900" indent="-342900">
+                  <a:spcBef>
+                    <a:spcPts val="600"/>
+                  </a:spcBef>
+                  <a:spcAft>
+                    <a:spcPts val="600"/>
+                  </a:spcAft>
+                  <a:buFont typeface="Arial" pitchFamily="34" charset="0"/>
+                  <a:buChar char="•"/>
+                </a:pPr>
+                <a:r>
+                  <a:rPr lang="en-US" sz="2400" b="1" i="1" dirty="0">
+                    <a:solidFill>
+                      <a:schemeClr val="tx2">
+                        <a:lumMod val="60000"/>
+                        <a:lumOff val="40000"/>
+                      </a:schemeClr>
+                    </a:solidFill>
+                  </a:rPr>
+                  <a:t>M</a:t>
+                </a:r>
+                <a:r>
+                  <a:rPr lang="en-US" sz="2400" b="1" i="1" dirty="0" smtClean="0">
+                    <a:solidFill>
+                      <a:schemeClr val="tx2">
+                        <a:lumMod val="60000"/>
+                        <a:lumOff val="40000"/>
+                      </a:schemeClr>
+                    </a:solidFill>
+                  </a:rPr>
+                  <a:t>in eigenvalue lost: </a:t>
+                </a:r>
+                <a14:m>
+                  <m:oMath xmlns:m="http://schemas.openxmlformats.org/officeDocument/2006/math">
+                    <m:r>
+                      <a:rPr lang="en-US" sz="2400" b="1" i="1" smtClean="0">
+                        <a:solidFill>
+                          <a:schemeClr val="tx2">
+                            <a:lumMod val="60000"/>
+                            <a:lumOff val="40000"/>
+                          </a:schemeClr>
+                        </a:solidFill>
+                        <a:latin typeface="Cambria Math"/>
+                        <a:ea typeface="Cambria Math"/>
+                      </a:rPr>
+                      <m:t>𝒙</m:t>
+                    </m:r>
+                    <m:r>
+                      <a:rPr lang="en-US" sz="2400" b="1" i="1" baseline="-25000" smtClean="0">
+                        <a:solidFill>
+                          <a:schemeClr val="tx2">
+                            <a:lumMod val="60000"/>
+                            <a:lumOff val="40000"/>
+                          </a:schemeClr>
+                        </a:solidFill>
+                        <a:latin typeface="Cambria Math"/>
+                        <a:ea typeface="Cambria Math"/>
+                      </a:rPr>
+                      <m:t>𝒐</m:t>
+                    </m:r>
+                    <m:r>
+                      <a:rPr lang="en-US" sz="2400" b="1" i="1" baseline="-5000" smtClean="0">
+                        <a:solidFill>
+                          <a:schemeClr val="tx2">
+                            <a:lumMod val="60000"/>
+                            <a:lumOff val="40000"/>
+                          </a:schemeClr>
+                        </a:solidFill>
+                        <a:latin typeface="Cambria Math"/>
+                        <a:ea typeface="Cambria Math"/>
+                      </a:rPr>
+                      <m:t>∓</m:t>
+                    </m:r>
+                    <m:r>
+                      <a:rPr lang="en-US" sz="2400" b="1" i="1" smtClean="0">
+                        <a:solidFill>
+                          <a:schemeClr val="tx2">
+                            <a:lumMod val="60000"/>
+                            <a:lumOff val="40000"/>
+                          </a:schemeClr>
+                        </a:solidFill>
+                        <a:latin typeface="Cambria Math"/>
+                        <a:ea typeface="Cambria Math"/>
+                      </a:rPr>
+                      <m:t>𝜹</m:t>
+                    </m:r>
+                    <m:d>
+                      <m:dPr>
+                        <m:ctrlPr>
+                          <a:rPr lang="en-US" sz="2400" b="1" i="1" smtClean="0">
+                            <a:solidFill>
+                              <a:schemeClr val="tx2">
+                                <a:lumMod val="60000"/>
+                                <a:lumOff val="40000"/>
+                              </a:schemeClr>
+                            </a:solidFill>
+                            <a:latin typeface="Cambria Math"/>
+                            <a:ea typeface="Cambria Math"/>
+                          </a:rPr>
+                        </m:ctrlPr>
+                      </m:dPr>
+                      <m:e>
+                        <m:r>
+                          <a:rPr lang="en-US" sz="2400" b="1" i="1" smtClean="0">
+                            <a:solidFill>
+                              <a:schemeClr val="tx2">
+                                <a:lumMod val="60000"/>
+                                <a:lumOff val="40000"/>
+                              </a:schemeClr>
+                            </a:solidFill>
+                            <a:latin typeface="Cambria Math"/>
+                            <a:ea typeface="Cambria Math"/>
+                          </a:rPr>
+                          <m:t>𝝉</m:t>
+                        </m:r>
+                      </m:e>
+                    </m:d>
+                  </m:oMath>
+                </a14:m>
+                <a:r>
+                  <a:rPr lang="en-US" sz="2400" b="1" i="1" dirty="0" smtClean="0">
+                    <a:solidFill>
+                      <a:schemeClr val="tx2">
+                        <a:lumMod val="60000"/>
+                        <a:lumOff val="40000"/>
+                      </a:schemeClr>
+                    </a:solidFill>
+                  </a:rPr>
+                  <a:t>.  Scaling acceleration less than 2.85</a:t>
+                </a:r>
+                <a:r>
+                  <a:rPr lang="en-US" sz="2400" b="1" i="1" baseline="-5000" dirty="0" smtClean="0">
+                    <a:solidFill>
+                      <a:schemeClr val="tx2">
+                        <a:lumMod val="60000"/>
+                        <a:lumOff val="40000"/>
+                      </a:schemeClr>
+                    </a:solidFill>
+                    <a:sym typeface="Wingdings 2"/>
+                  </a:rPr>
+                  <a:t></a:t>
+                </a:r>
+                <a:r>
+                  <a:rPr lang="en-US" sz="2400" b="1" i="1" dirty="0" smtClean="0">
+                    <a:solidFill>
+                      <a:schemeClr val="tx2">
+                        <a:lumMod val="60000"/>
+                        <a:lumOff val="40000"/>
+                      </a:schemeClr>
+                    </a:solidFill>
+                  </a:rPr>
+                  <a:t> </a:t>
+                </a:r>
+              </a:p>
+              <a:p>
+                <a:pPr marL="342900" indent="-342900">
+                  <a:spcBef>
+                    <a:spcPts val="600"/>
+                  </a:spcBef>
+                  <a:spcAft>
+                    <a:spcPts val="600"/>
+                  </a:spcAft>
+                  <a:buFont typeface="Arial" pitchFamily="34" charset="0"/>
+                  <a:buChar char="•"/>
+                </a:pPr>
+                <a:r>
+                  <a:rPr lang="en-US" sz="2400" b="1" i="1" dirty="0" smtClean="0">
+                    <a:solidFill>
+                      <a:schemeClr val="tx2">
+                        <a:lumMod val="60000"/>
+                        <a:lumOff val="40000"/>
+                      </a:schemeClr>
+                    </a:solidFill>
+                  </a:rPr>
+                  <a:t>How </a:t>
+                </a:r>
+                <a:r>
+                  <a:rPr lang="en-US" sz="2400" b="1" i="1" dirty="0" smtClean="0">
+                    <a:solidFill>
+                      <a:schemeClr val="tx2">
+                        <a:lumMod val="60000"/>
+                        <a:lumOff val="40000"/>
+                      </a:schemeClr>
+                    </a:solidFill>
+                  </a:rPr>
+                  <a:t>much acceleration can be kept under extreme conditions? </a:t>
+                </a:r>
+                <a:endParaRPr lang="en-US" sz="2400" b="1" i="1" dirty="0">
+                  <a:solidFill>
+                    <a:schemeClr val="tx2">
+                      <a:lumMod val="60000"/>
+                      <a:lumOff val="40000"/>
+                    </a:schemeClr>
+                  </a:solidFill>
+                </a:endParaRPr>
+              </a:p>
+            </p:txBody>
+          </p:sp>
+        </mc:Choice>
+        <mc:Fallback>
+          <p:sp>
+            <p:nvSpPr>
+              <p:cNvPr id="12" name="TextBox 11"/>
+              <p:cNvSpPr txBox="1">
+                <a:spLocks noRot="1" noChangeAspect="1" noMove="1" noResize="1" noEditPoints="1" noAdjustHandles="1" noChangeArrowheads="1" noChangeShapeType="1" noTextEdit="1"/>
+              </p:cNvSpPr>
+              <p:nvPr/>
+            </p:nvSpPr>
+            <p:spPr>
+              <a:xfrm>
+                <a:off x="1600200" y="2133600"/>
+                <a:ext cx="6096000" cy="2246769"/>
+              </a:xfrm>
+              <a:prstGeom prst="rect">
+                <a:avLst/>
+              </a:prstGeom>
+              <a:blipFill rotWithShape="1">
+                <a:blip r:embed="rId6"/>
+                <a:stretch>
+                  <a:fillRect l="-1400" t="-2168" b="-5149"/>
+                </a:stretch>
+              </a:blipFill>
+            </p:spPr>
+            <p:txBody>
+              <a:bodyPr/>
+              <a:lstStyle/>
+              <a:p>
+                <a:r>
+                  <a:rPr lang="en-US">
+                    <a:noFill/>
+                  </a:rPr>
+                  <a:t> </a:t>
+                </a:r>
+              </a:p>
+            </p:txBody>
+          </p:sp>
+        </mc:Fallback>
+      </mc:AlternateContent>
+      <mc:AlternateContent xmlns:mc="http://schemas.openxmlformats.org/markup-compatibility/2006">
+        <mc:Choice xmlns:a14="http://schemas.microsoft.com/office/drawing/2010/main" Requires="a14">
+          <p:sp>
+            <p:nvSpPr>
+              <p:cNvPr id="13" name="Rectangle 12"/>
+              <p:cNvSpPr/>
+              <p:nvPr/>
+            </p:nvSpPr>
+            <p:spPr>
+              <a:xfrm>
+                <a:off x="367937" y="162061"/>
+                <a:ext cx="8534400" cy="1502976"/>
+              </a:xfrm>
+              <a:prstGeom prst="rect">
+                <a:avLst/>
+              </a:prstGeom>
+            </p:spPr>
+            <p:txBody>
+              <a:bodyPr wrap="square">
+                <a:spAutoFit/>
+              </a:bodyPr>
+              <a:lstStyle/>
+              <a:p>
+                <a:pPr lvl="0">
+                  <a:spcBef>
+                    <a:spcPts val="1000"/>
+                  </a:spcBef>
+                  <a:spcAft>
+                    <a:spcPts val="800"/>
+                  </a:spcAft>
+                </a:pPr>
+                <a:r>
+                  <a:rPr lang="en-US" sz="3200" b="1" dirty="0" err="1">
+                    <a:solidFill>
+                      <a:prstClr val="black"/>
+                    </a:solidFill>
+                    <a:latin typeface="Comic Sans MS" pitchFamily="66" charset="0"/>
+                  </a:rPr>
+                  <a:t>SpAMM</a:t>
+                </a:r>
+                <a:r>
+                  <a:rPr lang="en-US" sz="3200" b="1" dirty="0">
+                    <a:solidFill>
+                      <a:prstClr val="black"/>
+                    </a:solidFill>
+                    <a:latin typeface="Comic Sans MS" pitchFamily="66" charset="0"/>
+                  </a:rPr>
+                  <a:t> Stabilized Scaled NS (</a:t>
+                </a:r>
+                <a:r>
+                  <a:rPr lang="en-US" sz="3200" b="1" dirty="0" smtClean="0">
+                    <a:solidFill>
+                      <a:prstClr val="black"/>
+                    </a:solidFill>
+                    <a:latin typeface="Comic Sans MS" pitchFamily="66" charset="0"/>
+                  </a:rPr>
+                  <a:t>I)</a:t>
+                </a:r>
+                <a:endParaRPr lang="en-US" sz="3200" dirty="0">
+                  <a:solidFill>
+                    <a:prstClr val="black"/>
+                  </a:solidFill>
+                  <a:latin typeface="Comic Sans MS" pitchFamily="66" charset="0"/>
+                </a:endParaRPr>
+              </a:p>
+              <a:p>
+                <a:pPr>
+                  <a:spcBef>
+                    <a:spcPts val="600"/>
+                  </a:spcBef>
+                  <a:spcAft>
+                    <a:spcPts val="600"/>
+                  </a:spcAft>
+                </a:pPr>
+                <a:r>
+                  <a:rPr lang="en-US" sz="2400" dirty="0" smtClean="0"/>
+                  <a:t>Ill-conditioning </a:t>
+                </a:r>
+                <a:r>
+                  <a:rPr lang="en-US" sz="2400" dirty="0" smtClean="0"/>
+                  <a:t>and </a:t>
+                </a:r>
+                <a:r>
+                  <a:rPr lang="en-US" sz="2400" dirty="0" err="1" smtClean="0"/>
+                  <a:t>SpAMM</a:t>
+                </a:r>
+                <a:r>
+                  <a:rPr lang="en-US" sz="2400" dirty="0"/>
+                  <a:t> </a:t>
+                </a:r>
+                <a:r>
+                  <a:rPr lang="en-US" sz="2400" dirty="0" smtClean="0"/>
+                  <a:t>can bounce EVs out of bounds by </a:t>
+                </a:r>
+                <a14:m>
+                  <m:oMath xmlns:m="http://schemas.openxmlformats.org/officeDocument/2006/math">
+                    <m:r>
+                      <a:rPr lang="en-US" sz="2400" i="1" baseline="-5000" smtClean="0">
+                        <a:latin typeface="Cambria Math"/>
+                        <a:ea typeface="Cambria Math"/>
+                      </a:rPr>
+                      <m:t>∓</m:t>
+                    </m:r>
+                    <m:r>
+                      <a:rPr lang="en-US" sz="2400" i="1" smtClean="0">
+                        <a:latin typeface="Cambria Math"/>
+                        <a:ea typeface="Cambria Math"/>
+                      </a:rPr>
+                      <m:t>𝛿</m:t>
+                    </m:r>
+                    <m:d>
+                      <m:dPr>
+                        <m:ctrlPr>
+                          <a:rPr lang="en-US" sz="2400" i="1" smtClean="0">
+                            <a:latin typeface="Cambria Math"/>
+                            <a:ea typeface="Cambria Math"/>
+                          </a:rPr>
+                        </m:ctrlPr>
+                      </m:dPr>
+                      <m:e>
+                        <m:r>
+                          <a:rPr lang="en-US" sz="2400" i="1" smtClean="0">
+                            <a:latin typeface="Cambria Math"/>
+                            <a:ea typeface="Cambria Math"/>
+                          </a:rPr>
+                          <m:t>𝜏</m:t>
+                        </m:r>
+                      </m:e>
+                    </m:d>
+                  </m:oMath>
+                </a14:m>
+                <a:r>
+                  <a:rPr lang="en-US" sz="2400" dirty="0" smtClean="0"/>
+                  <a:t>.   </a:t>
+                </a:r>
+                <a:r>
+                  <a:rPr lang="en-US" sz="3600" b="1" baseline="-10000" dirty="0" smtClean="0">
+                    <a:sym typeface="Wingdings"/>
+                  </a:rPr>
+                  <a:t></a:t>
+                </a:r>
+                <a:r>
+                  <a:rPr lang="en-US" sz="2400" b="1" dirty="0" smtClean="0">
+                    <a:sym typeface="Wingdings"/>
+                  </a:rPr>
+                  <a:t> </a:t>
+                </a:r>
+                <a:r>
+                  <a:rPr lang="en-US" sz="2400" dirty="0" smtClean="0">
+                    <a:sym typeface="Wingdings"/>
+                  </a:rPr>
+                  <a:t>stabilize by spreading 0/1 inflections by </a:t>
+                </a:r>
+                <a14:m>
+                  <m:oMath xmlns:m="http://schemas.openxmlformats.org/officeDocument/2006/math">
+                    <m:r>
+                      <a:rPr lang="en-US" sz="2400" i="1" baseline="-5000" smtClean="0">
+                        <a:latin typeface="Cambria Math"/>
+                        <a:ea typeface="Cambria Math"/>
+                      </a:rPr>
+                      <m:t>~</m:t>
+                    </m:r>
+                    <m:r>
+                      <a:rPr lang="en-US" sz="2400" b="0" i="1" baseline="-5000" smtClean="0">
+                        <a:latin typeface="Cambria Math"/>
+                        <a:ea typeface="Cambria Math"/>
+                      </a:rPr>
+                      <m:t> </m:t>
+                    </m:r>
+                    <m:r>
+                      <a:rPr lang="en-US" sz="2400" i="1" baseline="-5000" smtClean="0">
+                        <a:latin typeface="Cambria Math"/>
+                        <a:ea typeface="Cambria Math"/>
+                      </a:rPr>
+                      <m:t>∓</m:t>
+                    </m:r>
+                    <m:r>
+                      <a:rPr lang="en-US" sz="2400" i="1" smtClean="0">
+                        <a:latin typeface="Cambria Math"/>
+                        <a:ea typeface="Cambria Math"/>
+                      </a:rPr>
+                      <m:t>𝛿</m:t>
+                    </m:r>
+                  </m:oMath>
+                </a14:m>
+                <a:r>
+                  <a:rPr lang="en-US" sz="2400" dirty="0" smtClean="0"/>
+                  <a:t>.</a:t>
+                </a:r>
+                <a:endParaRPr lang="en-US" sz="2400" dirty="0"/>
+              </a:p>
+            </p:txBody>
+          </p:sp>
+        </mc:Choice>
+        <mc:Fallback>
+          <p:sp>
+            <p:nvSpPr>
+              <p:cNvPr id="13" name="Rectangle 12"/>
+              <p:cNvSpPr>
+                <a:spLocks noRot="1" noChangeAspect="1" noMove="1" noResize="1" noEditPoints="1" noAdjustHandles="1" noChangeArrowheads="1" noChangeShapeType="1" noTextEdit="1"/>
+              </p:cNvSpPr>
+              <p:nvPr/>
+            </p:nvSpPr>
+            <p:spPr>
+              <a:xfrm>
+                <a:off x="367937" y="162061"/>
+                <a:ext cx="8534400" cy="1502976"/>
+              </a:xfrm>
+              <a:prstGeom prst="rect">
+                <a:avLst/>
+              </a:prstGeom>
+              <a:blipFill rotWithShape="1">
+                <a:blip r:embed="rId7"/>
+                <a:stretch>
+                  <a:fillRect l="-1786" t="-5285" b="-10976"/>
+                </a:stretch>
+              </a:blipFill>
+            </p:spPr>
+            <p:txBody>
+              <a:bodyPr/>
+              <a:lstStyle/>
+              <a:p>
+                <a:r>
+                  <a:rPr lang="en-US">
+                    <a:noFill/>
+                  </a:rPr>
+                  <a:t> </a:t>
+                </a:r>
+              </a:p>
+            </p:txBody>
+          </p:sp>
+        </mc:Fallback>
+      </mc:AlternateContent>
+      <p:sp>
+        <p:nvSpPr>
+          <p:cNvPr id="15" name="Striped Right Arrow 14"/>
+          <p:cNvSpPr/>
+          <p:nvPr/>
+        </p:nvSpPr>
+        <p:spPr>
+          <a:xfrm flipH="1">
+            <a:off x="1605280" y="5892800"/>
+            <a:ext cx="487680" cy="147320"/>
+          </a:xfrm>
+          <a:prstGeom prst="stripedRightArrow">
+            <a:avLst/>
+          </a:prstGeom>
+        </p:spPr>
+        <p:style>
+          <a:lnRef idx="1">
+            <a:schemeClr val="accent3"/>
+          </a:lnRef>
+          <a:fillRef idx="2">
+            <a:schemeClr val="accent3"/>
+          </a:fillRef>
+          <a:effectRef idx="1">
+            <a:schemeClr val="accent3"/>
+          </a:effectRef>
+          <a:fontRef idx="minor">
+            <a:schemeClr val="dk1"/>
+          </a:fontRef>
+        </p:style>
+        <p:txBody>
+          <a:bodyPr rtlCol="0" anchor="ctr"/>
+          <a:lstStyle/>
+          <a:p>
+            <a:pPr algn="ctr"/>
+            <a:endParaRPr lang="en-US">
+              <a:solidFill>
+                <a:srgbClr val="00B050"/>
+              </a:solidFill>
+            </a:endParaRPr>
+          </a:p>
+        </p:txBody>
+      </p:sp>
+      <p:sp>
+        <p:nvSpPr>
+          <p:cNvPr id="16" name="Striped Right Arrow 15"/>
+          <p:cNvSpPr/>
+          <p:nvPr/>
+        </p:nvSpPr>
+        <p:spPr>
+          <a:xfrm>
+            <a:off x="6471920" y="5894416"/>
+            <a:ext cx="538480" cy="145704"/>
+          </a:xfrm>
+          <a:prstGeom prst="stripedRightArrow">
+            <a:avLst/>
+          </a:prstGeom>
+        </p:spPr>
+        <p:style>
+          <a:lnRef idx="1">
+            <a:schemeClr val="accent3"/>
+          </a:lnRef>
+          <a:fillRef idx="2">
+            <a:schemeClr val="accent3"/>
+          </a:fillRef>
+          <a:effectRef idx="1">
+            <a:schemeClr val="accent3"/>
+          </a:effectRef>
+          <a:fontRef idx="minor">
+            <a:schemeClr val="dk1"/>
+          </a:fontRef>
+        </p:style>
+        <p:txBody>
+          <a:bodyPr rtlCol="0" anchor="ctr"/>
+          <a:lstStyle/>
+          <a:p>
+            <a:pPr algn="ctr"/>
+            <a:endParaRPr lang="en-US">
+              <a:solidFill>
+                <a:srgbClr val="FF0000"/>
+              </a:solidFill>
+            </a:endParaRPr>
+          </a:p>
+        </p:txBody>
+      </p:sp>
+    </p:spTree>
+    <p:extLst>
+      <p:ext uri="{BB962C8B-B14F-4D97-AF65-F5344CB8AC3E}">
+        <p14:creationId xmlns:p14="http://schemas.microsoft.com/office/powerpoint/2010/main" val="422847147"/>
+      </p:ext>
+    </p:extLst>
+  </p:cSld>
+  <p:clrMapOvr>
+    <a:masterClrMapping/>
+  </p:clrMapOvr>
+</p:sld>
+</file>
+
+<file path=ppt/slides/slide12.xml><?xml version="1.0" encoding="utf-8"?>
+<p:sld xmlns:a="http://schemas.openxmlformats.org/drawingml/2006/main" xmlns:r="http://schemas.openxmlformats.org/officeDocument/2006/relationships" xmlns:p="http://schemas.openxmlformats.org/presentationml/2006/main">
+  <p:cSld>
+    <p:spTree>
+      <p:nvGrpSpPr>
+        <p:cNvPr id="1" name=""/>
+        <p:cNvGrpSpPr/>
+        <p:nvPr/>
+      </p:nvGrpSpPr>
+      <p:grpSpPr>
+        <a:xfrm>
+          <a:off x="0" y="0"/>
+          <a:ext cx="0" cy="0"/>
+          <a:chOff x="0" y="0"/>
+          <a:chExt cx="0" cy="0"/>
+        </a:xfrm>
+      </p:grpSpPr>
       <mc:AlternateContent xmlns:mc="http://schemas.openxmlformats.org/markup-compatibility/2006">
         <mc:Choice xmlns:a14="http://schemas.microsoft.com/office/drawing/2010/main" Requires="a14">
           <p:sp>
@@ -4997,8 +6041,8 @@
             </p:nvSpPr>
             <p:spPr>
               <a:xfrm>
-                <a:off x="304800" y="1066800"/>
-                <a:ext cx="8915400" cy="5786199"/>
+                <a:off x="304800" y="990600"/>
+                <a:ext cx="8305800" cy="5889369"/>
               </a:xfrm>
               <a:prstGeom prst="rect">
                 <a:avLst/>
@@ -5013,113 +6057,28 @@
               <a:p>
                 <a:pPr marL="457200" indent="-457200">
                   <a:spcBef>
-                    <a:spcPts val="1000"/>
+                    <a:spcPts val="1200"/>
                   </a:spcBef>
                   <a:spcAft>
-                    <a:spcPts val="800"/>
+                    <a:spcPts val="1200"/>
                   </a:spcAft>
                   <a:buFont typeface="Arial" pitchFamily="34" charset="0"/>
                   <a:buChar char="•"/>
                 </a:pPr>
                 <a:r>
-                  <a:rPr lang="en-US" sz="2800" dirty="0" smtClean="0"/>
-                  <a:t>Under severe ill-conditioning, double precision is unstable unless stabilized by the left transpose.</a:t>
-                </a:r>
-              </a:p>
-              <a:p>
-                <a:pPr marL="457200" indent="-457200">
-                  <a:spcBef>
-                    <a:spcPts val="1000"/>
-                  </a:spcBef>
-                  <a:spcAft>
-                    <a:spcPts val="800"/>
-                  </a:spcAft>
-                  <a:buFont typeface="Arial" pitchFamily="34" charset="0"/>
-                  <a:buChar char="•"/>
-                </a:pPr>
-                <a:r>
-                  <a:rPr lang="en-US" sz="2800" dirty="0" smtClean="0"/>
-                  <a:t>Left-right stabilized </a:t>
-                </a:r>
-                <a:r>
-                  <a:rPr lang="en-US" sz="2800" dirty="0" err="1" smtClean="0"/>
-                  <a:t>SpAMM</a:t>
-                </a:r>
-                <a:r>
-                  <a:rPr lang="en-US" sz="2800" dirty="0" smtClean="0"/>
-                  <a:t> contraction:  </a:t>
-                </a:r>
-              </a:p>
-              <a:p>
-                <a:pPr marL="457200" indent="-457200">
-                  <a:spcBef>
-                    <a:spcPts val="1000"/>
-                  </a:spcBef>
-                  <a:spcAft>
-                    <a:spcPts val="800"/>
-                  </a:spcAft>
-                  <a:buFont typeface="Arial" pitchFamily="34" charset="0"/>
-                  <a:buChar char="•"/>
-                </a:pPr>
-                <a:endParaRPr lang="en-US" sz="2800" dirty="0"/>
-              </a:p>
-              <a:p>
-                <a:pPr marL="457200" indent="-457200">
-                  <a:spcBef>
-                    <a:spcPts val="1000"/>
-                  </a:spcBef>
-                  <a:spcAft>
-                    <a:spcPts val="800"/>
-                  </a:spcAft>
-                  <a:buFont typeface="Arial" pitchFamily="34" charset="0"/>
-                  <a:buChar char="•"/>
-                </a:pPr>
-                <a:endParaRPr lang="en-US" sz="2800" dirty="0" smtClean="0"/>
-              </a:p>
-              <a:p>
-                <a:pPr>
-                  <a:spcBef>
-                    <a:spcPts val="1000"/>
-                  </a:spcBef>
-                  <a:spcAft>
-                    <a:spcPts val="800"/>
-                  </a:spcAft>
-                </a:pPr>
-                <a:endParaRPr lang="en-US" sz="2800" dirty="0" smtClean="0"/>
-              </a:p>
-              <a:p>
-                <a:pPr marL="457200" indent="-457200">
-                  <a:spcBef>
-                    <a:spcPts val="1000"/>
-                  </a:spcBef>
-                  <a:spcAft>
-                    <a:spcPts val="800"/>
-                  </a:spcAft>
-                  <a:buFont typeface="Arial" pitchFamily="34" charset="0"/>
-                  <a:buChar char="•"/>
-                </a:pPr>
-                <a:r>
-                  <a:rPr lang="en-US" sz="2800" dirty="0"/>
-                  <a:t>T</a:t>
-                </a:r>
-                <a:r>
-                  <a:rPr lang="en-US" sz="2800" dirty="0" smtClean="0"/>
-                  <a:t>he full, asymmetric case w/transpose </a:t>
-                </a:r>
-                <a:r>
-                  <a:rPr lang="en-US" sz="2800" dirty="0" smtClean="0"/>
-                  <a:t>is more forgiving with respect to </a:t>
-                </a:r>
-                <a:r>
-                  <a:rPr lang="en-US" sz="2800" dirty="0" smtClean="0"/>
-                  <a:t>approximation, </a:t>
+                  <a:rPr lang="en-US" sz="2400" dirty="0" smtClean="0"/>
+                  <a:t>Tried many approaches to stability under</a:t>
+                </a:r>
+                <a:r>
+                  <a:rPr lang="en-US" sz="2400" dirty="0"/>
+                  <a:t> severe </a:t>
                 </a:r>
                 <a14:m>
                   <m:oMath xmlns:m="http://schemas.openxmlformats.org/officeDocument/2006/math">
                     <m:sSub>
                       <m:sSubPr>
                         <m:ctrlPr>
-                          <a:rPr lang="en-US" sz="2800" b="1" i="1">
+                          <a:rPr lang="en-US" sz="2400" b="1" i="1">
                             <a:latin typeface="Cambria Math"/>
                             <a:ea typeface="Cambria Math"/>
                           </a:rPr>
@@ -5127,7 +6086,7 @@
                       </m:sSubPr>
                       <m:e>
                         <m:r>
-                          <a:rPr lang="en-US" sz="2800" b="1" i="1">
+                          <a:rPr lang="en-US" sz="2400" b="1" i="1">
                             <a:latin typeface="Cambria Math"/>
                             <a:ea typeface="Cambria Math"/>
                             <a:sym typeface="Symbol"/>
@@ -5137,7 +6096,99 @@
                       </m:e>
                       <m:sub>
                         <m:r>
-                          <a:rPr lang="el-GR" sz="2800" b="1" i="1">
+                          <a:rPr lang="el-GR" sz="2400" i="1">
+                            <a:latin typeface="Cambria Math"/>
+                            <a:ea typeface="Cambria Math"/>
+                          </a:rPr>
+                          <m:t>𝜏</m:t>
+                        </m:r>
+                        <m:r>
+                          <m:rPr>
+                            <m:nor/>
+                          </m:rPr>
+                          <a:rPr lang="en-US" sz="2400" b="1" i="1" dirty="0">
+                            <a:ea typeface="Cambria Math"/>
+                          </a:rPr>
+                          <m:t> </m:t>
+                        </m:r>
+                      </m:sub>
+                    </m:sSub>
+                  </m:oMath>
+                </a14:m>
+                <a:r>
+                  <a:rPr lang="en-US" sz="2400" dirty="0" smtClean="0"/>
+                  <a:t>approximation</a:t>
+                </a:r>
+                <a:r>
+                  <a:rPr lang="en-US" sz="2400" dirty="0" smtClean="0"/>
+                  <a:t>.  Found use of the left transpose </a:t>
+                </a:r>
+                <a:r>
+                  <a:rPr lang="en-US" sz="2400" dirty="0" err="1" smtClean="0"/>
+                  <a:t>SpAMM</a:t>
+                </a:r>
+                <a:r>
+                  <a:rPr lang="en-US" sz="2400" dirty="0" smtClean="0"/>
+                  <a:t>, </a:t>
+                </a:r>
+                <a14:m>
+                  <m:oMath xmlns:m="http://schemas.openxmlformats.org/officeDocument/2006/math">
+                    <m:sSub>
+                      <m:sSubPr>
+                        <m:ctrlPr>
+                          <a:rPr lang="en-US" sz="2400" b="1" i="1" smtClean="0">
+                            <a:solidFill>
+                              <a:schemeClr val="tx1"/>
+                            </a:solidFill>
+                            <a:latin typeface="Cambria Math"/>
+                            <a:ea typeface="Cambria Math"/>
+                          </a:rPr>
+                        </m:ctrlPr>
+                      </m:sSubPr>
+                      <m:e>
+                        <m:r>
+                          <a:rPr lang="en-US" sz="2400" b="1" i="1">
+                            <a:solidFill>
+                              <a:schemeClr val="tx1"/>
+                            </a:solidFill>
+                            <a:latin typeface="Cambria Math"/>
+                            <a:ea typeface="Cambria Math"/>
+                            <a:sym typeface="Symbol"/>
+                          </a:rPr>
+                          <m:t></m:t>
+                        </m:r>
+                      </m:e>
+                      <m:sub>
+                        <m:argPr>
+                          <m:argSz m:val="-1"/>
+                        </m:argPr>
+                        <m:r>
+                          <a:rPr lang="en-US" sz="2400" b="1" i="1" smtClean="0">
+                            <a:solidFill>
+                              <a:schemeClr val="tx1"/>
+                            </a:solidFill>
+                            <a:latin typeface="Cambria Math"/>
+                            <a:ea typeface="Cambria Math"/>
+                            <a:sym typeface="Symbol"/>
+                          </a:rPr>
+                          <m:t>𝑳𝑻</m:t>
+                        </m:r>
+                        <m:r>
+                          <a:rPr lang="en-US" sz="2400" b="1" i="1">
+                            <a:solidFill>
+                              <a:schemeClr val="tx1"/>
+                            </a:solidFill>
+                            <a:latin typeface="Cambria Math"/>
+                            <a:ea typeface="Cambria Math"/>
+                            <a:sym typeface="Symbol"/>
+                          </a:rPr>
+                          <m:t>,  </m:t>
+                        </m:r>
+                        <m:r>
+                          <a:rPr lang="el-GR" sz="2400" b="1" i="1">
+                            <a:solidFill>
+                              <a:schemeClr val="tx1"/>
+                            </a:solidFill>
                             <a:latin typeface="Cambria Math"/>
                             <a:ea typeface="Cambria Math"/>
                           </a:rPr>
@@ -5147,7 +6198,10 @@
                           <m:rPr>
                             <m:nor/>
                           </m:rPr>
-                          <a:rPr lang="en-US" sz="2800" dirty="0">
+                          <a:rPr lang="en-US" sz="2400" b="1" dirty="0">
+                            <a:solidFill>
+                              <a:schemeClr val="tx1"/>
+                            </a:solidFill>
                             <a:ea typeface="Cambria Math"/>
                           </a:rPr>
                           <m:t> </m:t>
@@ -5157,38 +6211,161 @@
                   </m:oMath>
                 </a14:m>
                 <a:r>
-                  <a:rPr lang="en-US" sz="2800" dirty="0" smtClean="0"/>
-                  <a:t>, than</a:t>
-                </a:r>
-                <a:r>
-                  <a:rPr lang="en-US" sz="2800" dirty="0" smtClean="0"/>
-                  <a:t> </a:t>
-                </a:r>
-                <a:r>
-                  <a:rPr lang="en-US" sz="2800" dirty="0" smtClean="0"/>
-                  <a:t>“</a:t>
-                </a:r>
-                <a:r>
-                  <a:rPr lang="en-US" sz="2800" dirty="0"/>
-                  <a:t>DB iteration</a:t>
-                </a:r>
-                <a:r>
-                  <a:rPr lang="en-US" sz="2800" dirty="0" smtClean="0"/>
-                  <a:t>” and symmetrized </a:t>
-                </a:r>
-                <a:r>
-                  <a:rPr lang="en-US" sz="2800" dirty="0" smtClean="0"/>
-                  <a:t>versions.  </a:t>
-                </a:r>
+                  <a:rPr lang="en-US" sz="2400" dirty="0" smtClean="0"/>
+                  <a:t>, to be most stable, especially for ill-conditioned matrices. </a:t>
+                </a:r>
+                <a:endParaRPr lang="en-US" sz="2400" dirty="0" smtClean="0"/>
+              </a:p>
+              <a:p>
+                <a:pPr marL="457200" indent="-457200">
+                  <a:spcBef>
+                    <a:spcPts val="1200"/>
+                  </a:spcBef>
+                  <a:spcAft>
+                    <a:spcPts val="1200"/>
+                  </a:spcAft>
+                  <a:buFont typeface="Arial" pitchFamily="34" charset="0"/>
+                  <a:buChar char="•"/>
+                </a:pPr>
+                <a:r>
+                  <a:rPr lang="en-US" sz="2400" dirty="0" smtClean="0"/>
+                  <a:t>Left-right stabilized </a:t>
+                </a:r>
+                <a:r>
+                  <a:rPr lang="en-US" sz="2400" dirty="0" err="1" smtClean="0"/>
+                  <a:t>SpAMM</a:t>
+                </a:r>
+                <a:r>
+                  <a:rPr lang="en-US" sz="2400" dirty="0" smtClean="0"/>
+                  <a:t> contraction:  </a:t>
+                </a:r>
+              </a:p>
+              <a:p>
+                <a:pPr marL="457200" indent="-457200">
+                  <a:spcBef>
+                    <a:spcPts val="1200"/>
+                  </a:spcBef>
+                  <a:spcAft>
+                    <a:spcPts val="1200"/>
+                  </a:spcAft>
+                  <a:buFont typeface="Arial" pitchFamily="34" charset="0"/>
+                  <a:buChar char="•"/>
+                </a:pPr>
                 <a:endParaRPr lang="en-US" sz="2800" dirty="0"/>
               </a:p>
               <a:p>
                 <a:pPr>
                   <a:spcBef>
-                    <a:spcPts val="1000"/>
+                    <a:spcPts val="1200"/>
                   </a:spcBef>
                   <a:spcAft>
-                    <a:spcPts val="800"/>
+                    <a:spcPts val="1200"/>
+                  </a:spcAft>
+                </a:pPr>
+                <a:endParaRPr lang="en-US" sz="2800" dirty="0" smtClean="0"/>
+              </a:p>
+              <a:p>
+                <a:pPr marL="457200" indent="-457200">
+                  <a:spcBef>
+                    <a:spcPts val="1200"/>
+                  </a:spcBef>
+                  <a:spcAft>
+                    <a:spcPts val="1200"/>
+                  </a:spcAft>
+                  <a:buFont typeface="Arial" pitchFamily="34" charset="0"/>
+                  <a:buChar char="•"/>
+                </a:pPr>
+                <a:r>
+                  <a:rPr lang="en-US" sz="2400" dirty="0"/>
+                  <a:t>T</a:t>
+                </a:r>
+                <a:r>
+                  <a:rPr lang="en-US" sz="2400" dirty="0" smtClean="0"/>
+                  <a:t>he full, asymmetric case w/transpose </a:t>
+                </a:r>
+                <a:r>
+                  <a:rPr lang="en-US" sz="2400" dirty="0" smtClean="0"/>
+                  <a:t>is more forgiving with respect to </a:t>
+                </a:r>
+                <a:r>
+                  <a:rPr lang="en-US" sz="2400" dirty="0" smtClean="0"/>
+                  <a:t>approximation, </a:t>
+                </a:r>
+                <a14:m>
+                  <m:oMath xmlns:m="http://schemas.openxmlformats.org/officeDocument/2006/math">
+                    <m:sSub>
+                      <m:sSubPr>
+                        <m:ctrlPr>
+                          <a:rPr lang="en-US" sz="2400" b="1" i="1">
+                            <a:latin typeface="Cambria Math"/>
+                            <a:ea typeface="Cambria Math"/>
+                          </a:rPr>
+                        </m:ctrlPr>
+                      </m:sSubPr>
+                      <m:e>
+                        <m:r>
+                          <a:rPr lang="en-US" sz="2400" b="1" i="1">
+                            <a:latin typeface="Cambria Math"/>
+                            <a:ea typeface="Cambria Math"/>
+                            <a:sym typeface="Symbol"/>
+                          </a:rPr>
+                          <m:t></m:t>
+                        </m:r>
+                      </m:e>
+                      <m:sub>
+                        <m:r>
+                          <a:rPr lang="el-GR" sz="2400" b="1" i="1">
+                            <a:latin typeface="Cambria Math"/>
+                            <a:ea typeface="Cambria Math"/>
+                          </a:rPr>
+                          <m:t>𝝉</m:t>
+                        </m:r>
+                        <m:r>
+                          <m:rPr>
+                            <m:nor/>
+                          </m:rPr>
+                          <a:rPr lang="en-US" sz="2400" dirty="0">
+                            <a:ea typeface="Cambria Math"/>
+                          </a:rPr>
+                          <m:t> </m:t>
+                        </m:r>
+                      </m:sub>
+                    </m:sSub>
+                  </m:oMath>
+                </a14:m>
+                <a:r>
+                  <a:rPr lang="en-US" sz="2400" dirty="0" smtClean="0"/>
+                  <a:t>, than</a:t>
+                </a:r>
+                <a:r>
+                  <a:rPr lang="en-US" sz="2400" dirty="0" smtClean="0"/>
+                  <a:t> </a:t>
+                </a:r>
+                <a:r>
+                  <a:rPr lang="en-US" sz="2400" dirty="0" smtClean="0"/>
+                  <a:t>“</a:t>
+                </a:r>
+                <a:r>
+                  <a:rPr lang="en-US" sz="2400" dirty="0"/>
+                  <a:t>DB iteration</a:t>
+                </a:r>
+                <a:r>
+                  <a:rPr lang="en-US" sz="2400" dirty="0" smtClean="0"/>
+                  <a:t>” and symmetrized </a:t>
+                </a:r>
+                <a:r>
+                  <a:rPr lang="en-US" sz="2400" dirty="0" smtClean="0"/>
+                  <a:t>versions.  </a:t>
+                </a:r>
+                <a:endParaRPr lang="en-US" sz="2400" dirty="0"/>
+              </a:p>
+              <a:p>
+                <a:pPr>
+                  <a:spcBef>
+                    <a:spcPts val="1200"/>
+                  </a:spcBef>
+                  <a:spcAft>
+                    <a:spcPts val="1200"/>
                   </a:spcAft>
                 </a:pPr>
                 <a:endParaRPr lang="en-US" sz="2800" dirty="0"/>
@@ -5207,8 +6384,8 @@
             </p:nvSpPr>
             <p:spPr>
               <a:xfrm>
-                <a:off x="304800" y="1066800"/>
-                <a:ext cx="8915400" cy="5786199"/>
+                <a:off x="304800" y="990600"/>
+                <a:ext cx="8305800" cy="5889369"/>
               </a:xfrm>
               <a:prstGeom prst="rect">
                 <a:avLst/>
@@ -5216,7 +6393,7 @@
               <a:blipFill rotWithShape="1">
                 <a:blip r:embed="rId2"/>
                 <a:stretch>
-                  <a:fillRect l="-1162" t="-948"/>
+                  <a:fillRect l="-954" t="-828"/>
                 </a:stretch>
               </a:blipFill>
             </p:spPr>
@@ -5243,7 +6420,7 @@
         </p:nvSpPr>
         <p:spPr>
           <a:xfrm flipH="1">
-            <a:off x="2510291" y="2895600"/>
+            <a:off x="2698777" y="3276600"/>
             <a:ext cx="2473960" cy="1000780"/>
           </a:xfrm>
           <a:prstGeom prst="accentBorderCallout1">
@@ -5293,7 +6470,7 @@
         </p:nvSpPr>
         <p:spPr>
           <a:xfrm>
-            <a:off x="2545851" y="2915590"/>
+            <a:off x="2734337" y="3296590"/>
             <a:ext cx="1524000" cy="914400"/>
           </a:xfrm>
           <a:prstGeom prst="borderCallout3">
@@ -5339,8 +6516,8 @@
           </a:p>
         </p:txBody>
       </p:sp>
-      <mc:AlternateContent xmlns:mc="http://schemas.openxmlformats.org/markup-compatibility/2006" xmlns:a14="http://schemas.microsoft.com/office/drawing/2010/main">
-        <mc:Choice Requires="a14">
+      <mc:AlternateContent xmlns:mc="http://schemas.openxmlformats.org/markup-compatibility/2006">
+        <mc:Choice xmlns:a14="http://schemas.microsoft.com/office/drawing/2010/main" Requires="a14">
           <p:sp>
             <p:nvSpPr>
               <p:cNvPr id="4" name="TextBox 3"/>
@@ -5349,7 +6526,7 @@
             </p:nvSpPr>
             <p:spPr>
               <a:xfrm>
-                <a:off x="717051" y="2991790"/>
+                <a:off x="905537" y="3372790"/>
                 <a:ext cx="4267200" cy="707886"/>
               </a:xfrm>
               <a:prstGeom prst="rect">
@@ -5473,7 +6650,7 @@
             </p:txBody>
           </p:sp>
         </mc:Choice>
-        <mc:Fallback xmlns="">
+        <mc:Fallback>
           <p:sp>
             <p:nvSpPr>
               <p:cNvPr id="4" name="TextBox 3"/>
@@ -5484,7 +6661,7 @@
             </p:nvSpPr>
             <p:spPr>
               <a:xfrm>
-                <a:off x="717051" y="2991790"/>
+                <a:off x="905537" y="3372790"/>
                 <a:ext cx="4267200" cy="707886"/>
               </a:xfrm>
               <a:prstGeom prst="rect">
@@ -5522,8 +6699,8 @@
             </p:nvSpPr>
             <p:spPr>
               <a:xfrm>
-                <a:off x="2587752" y="4020073"/>
-                <a:ext cx="4117602" cy="489301"/>
+                <a:off x="2776238" y="4401073"/>
+                <a:ext cx="4141647" cy="489301"/>
               </a:xfrm>
               <a:prstGeom prst="rect">
                 <a:avLst/>
@@ -5542,7 +6719,7 @@
                       <a:srgbClr val="7030A0"/>
                     </a:solidFill>
                   </a:rPr>
-                  <a:t>left (T): first, </a:t>
+                  <a:t>left (T) first: </a:t>
                 </a:r>
                 <a14:m>
                   <m:oMath xmlns:m="http://schemas.openxmlformats.org/officeDocument/2006/math">
@@ -5624,7 +6801,7 @@
                             <a:ea typeface="Cambria Math"/>
                             <a:sym typeface="Symbol"/>
                           </a:rPr>
-                          <m:t>𝑻</m:t>
+                          <m:t>𝑳𝑻</m:t>
                         </m:r>
                         <m:r>
                           <a:rPr lang="en-US" sz="2400" b="1" i="1" smtClean="0">
@@ -5748,8 +6925,8 @@
             </p:nvSpPr>
             <p:spPr>
               <a:xfrm>
-                <a:off x="2587752" y="4020073"/>
-                <a:ext cx="4117602" cy="489301"/>
+                <a:off x="2776238" y="4401073"/>
+                <a:ext cx="4141647" cy="489301"/>
               </a:xfrm>
               <a:prstGeom prst="rect">
                 <a:avLst/>
@@ -5757,7 +6934,7 @@
               <a:blipFill rotWithShape="1">
                 <a:blip r:embed="rId4"/>
                 <a:stretch>
-                  <a:fillRect l="-2370" t="-8642" b="-22222"/>
+                  <a:fillRect l="-2206" t="-8750" b="-23750"/>
                 </a:stretch>
               </a:blipFill>
             </p:spPr>
@@ -5786,8 +6963,8 @@
             </p:nvSpPr>
             <p:spPr>
               <a:xfrm>
-                <a:off x="5405891" y="3248243"/>
-                <a:ext cx="2787623" cy="461665"/>
+                <a:off x="5594377" y="3629243"/>
+                <a:ext cx="3055324" cy="461665"/>
               </a:xfrm>
               <a:prstGeom prst="rect">
                 <a:avLst/>
@@ -5801,6 +6978,16 @@
               <a:lstStyle/>
               <a:p>
                 <a:r>
+                  <a:rPr lang="en-US" sz="2400" b="1" dirty="0">
+                    <a:solidFill>
+                      <a:schemeClr val="accent3">
+                        <a:lumMod val="50000"/>
+                      </a:schemeClr>
+                    </a:solidFill>
+                  </a:rPr>
+                  <a:t>t</a:t>
+                </a:r>
+                <a:r>
                   <a:rPr lang="en-US" sz="2400" b="1" dirty="0" smtClean="0">
                     <a:solidFill>
                       <a:schemeClr val="accent3">
@@ -5808,7 +6995,7 @@
                       </a:schemeClr>
                     </a:solidFill>
                   </a:rPr>
-                  <a:t>right(N): </a:t>
+                  <a:t>hen right: </a:t>
                 </a:r>
                 <a14:m>
                   <m:oMath xmlns:m="http://schemas.openxmlformats.org/officeDocument/2006/math">
@@ -5954,8 +7141,8 @@
             </p:nvSpPr>
             <p:spPr>
               <a:xfrm>
-                <a:off x="5405891" y="3248243"/>
-                <a:ext cx="2787623" cy="461665"/>
+                <a:off x="5594377" y="3629243"/>
+                <a:ext cx="3055324" cy="461665"/>
               </a:xfrm>
               <a:prstGeom prst="rect">
                 <a:avLst/>
@@ -5963,7 +7150,7 @@
               <a:blipFill rotWithShape="1">
                 <a:blip r:embed="rId5"/>
                 <a:stretch>
-                  <a:fillRect l="-3501" t="-10526" b="-28947"/>
+                  <a:fillRect l="-3194" t="-10526" b="-28947"/>
                 </a:stretch>
               </a:blipFill>
             </p:spPr>
@@ -6012,7 +7199,7 @@
               </a:spcAft>
             </a:pPr>
             <a:r>
-              <a:rPr lang="en-US" sz="3200" b="1" dirty="0" err="1" smtClean="0">
+              <a:rPr lang="en-US" sz="3200" b="1" dirty="0" err="1">
                 <a:solidFill>
                   <a:prstClr val="black"/>
                 </a:solidFill>
@@ -6021,31 +7208,22 @@
               <a:t>SpAMM</a:t>
             </a:r>
             <a:r>
+              <a:rPr lang="en-US" sz="3200" b="1" dirty="0">
+                <a:solidFill>
+                  <a:prstClr val="black"/>
+                </a:solidFill>
+                <a:latin typeface="Comic Sans MS" pitchFamily="66" charset="0"/>
+              </a:rPr>
+              <a:t> Stabilized Scaled NS (</a:t>
+            </a:r>
+            <a:r>
               <a:rPr lang="en-US" sz="3200" b="1" dirty="0" smtClean="0">
                 <a:solidFill>
                   <a:prstClr val="black"/>
                 </a:solidFill>
                 <a:latin typeface="Comic Sans MS" pitchFamily="66" charset="0"/>
               </a:rPr>
-              <a:t> Stabilized </a:t>
-            </a:r>
-            <a:r>
-              <a:rPr lang="en-US" sz="3200" b="1" dirty="0">
-                <a:solidFill>
-                  <a:prstClr val="black"/>
-                </a:solidFill>
-                <a:latin typeface="Comic Sans MS" pitchFamily="66" charset="0"/>
-              </a:rPr>
-              <a:t>Scaled NS (</a:t>
-            </a:r>
-            <a:r>
-              <a:rPr lang="en-US" sz="3200" b="1" dirty="0" smtClean="0">
-                <a:solidFill>
-                  <a:prstClr val="black"/>
-                </a:solidFill>
-                <a:latin typeface="Comic Sans MS" pitchFamily="66" charset="0"/>
-              </a:rPr>
-              <a:t>I)</a:t>
+              <a:t>II)</a:t>
             </a:r>
             <a:endParaRPr lang="en-US" sz="3200" dirty="0">
               <a:solidFill>
@@ -6060,871 +7238,6 @@
     <p:extLst>
       <p:ext uri="{BB962C8B-B14F-4D97-AF65-F5344CB8AC3E}">
         <p14:creationId xmlns:p14="http://schemas.microsoft.com/office/powerpoint/2010/main" val="1943025631"/>
-      </p:ext>
-    </p:extLst>
-  </p:cSld>
-  <p:clrMapOvr>
-    <a:masterClrMapping/>
-  </p:clrMapOvr>
-</p:sld>
-</file>
-
-<file path=ppt/slides/slide12.xml><?xml version="1.0" encoding="utf-8"?>
-<p:sld xmlns:a="http://schemas.openxmlformats.org/drawingml/2006/main" xmlns:r="http://schemas.openxmlformats.org/officeDocument/2006/relationships" xmlns:p="http://schemas.openxmlformats.org/presentationml/2006/main">
-  <p:cSld>
-    <p:spTree>
-      <p:nvGrpSpPr>
-        <p:cNvPr id="1" name=""/>
-        <p:cNvGrpSpPr/>
-        <p:nvPr/>
-      </p:nvGrpSpPr>
-      <p:grpSpPr>
-        <a:xfrm>
-          <a:off x="0" y="0"/>
-          <a:ext cx="0" cy="0"/>
-          <a:chOff x="0" y="0"/>
-          <a:chExt cx="0" cy="0"/>
-        </a:xfrm>
-      </p:grpSpPr>
-      <p:pic>
-        <p:nvPicPr>
-          <p:cNvPr id="9" name="Picture 8"/>
-          <p:cNvPicPr>
-            <a:picLocks noChangeAspect="1"/>
-          </p:cNvPicPr>
-          <p:nvPr/>
-        </p:nvPicPr>
-        <p:blipFill rotWithShape="1">
-          <a:blip r:embed="rId3" cstate="print">
-            <a:extLst>
-              <a:ext uri="{28A0092B-C50C-407E-A947-70E740481C1C}">
-                <a14:useLocalDpi xmlns:a14="http://schemas.microsoft.com/office/drawing/2010/main" val="0"/>
-              </a:ext>
-            </a:extLst>
-          </a:blip>
-          <a:srcRect l="21200" r="20133"/>
-          <a:stretch/>
-        </p:blipFill>
-        <p:spPr>
-          <a:xfrm>
-            <a:off x="6370320" y="6001443"/>
-            <a:ext cx="484632" cy="826077"/>
-          </a:xfrm>
-          <a:prstGeom prst="rect">
-            <a:avLst/>
-          </a:prstGeom>
-        </p:spPr>
-      </p:pic>
-      <p:pic>
-        <p:nvPicPr>
-          <p:cNvPr id="7" name="Picture 6"/>
-          <p:cNvPicPr>
-            <a:picLocks noChangeAspect="1"/>
-          </p:cNvPicPr>
-          <p:nvPr/>
-        </p:nvPicPr>
-        <p:blipFill rotWithShape="1">
-          <a:blip r:embed="rId4" cstate="print">
-            <a:extLst>
-              <a:ext uri="{28A0092B-C50C-407E-A947-70E740481C1C}">
-                <a14:useLocalDpi xmlns:a14="http://schemas.microsoft.com/office/drawing/2010/main" val="0"/>
-              </a:ext>
-            </a:extLst>
-          </a:blip>
-          <a:srcRect l="16747" t="3713" r="15732" b="8254"/>
-          <a:stretch/>
-        </p:blipFill>
-        <p:spPr>
-          <a:xfrm>
-            <a:off x="1963692" y="6090921"/>
-            <a:ext cx="502920" cy="655707"/>
-          </a:xfrm>
-          <a:prstGeom prst="rect">
-            <a:avLst/>
-          </a:prstGeom>
-        </p:spPr>
-      </p:pic>
-      <p:pic>
-        <p:nvPicPr>
-          <p:cNvPr id="8" name="Picture 7"/>
-          <p:cNvPicPr>
-            <a:picLocks noChangeAspect="1"/>
-          </p:cNvPicPr>
-          <p:nvPr/>
-        </p:nvPicPr>
-        <p:blipFill>
-          <a:blip r:embed="rId5">
-            <a:extLst>
-              <a:ext uri="{28A0092B-C50C-407E-A947-70E740481C1C}">
-                <a14:useLocalDpi xmlns:a14="http://schemas.microsoft.com/office/drawing/2010/main" val="0"/>
-              </a:ext>
-            </a:extLst>
-          </a:blip>
-          <a:stretch>
-            <a:fillRect/>
-          </a:stretch>
-        </p:blipFill>
-        <p:spPr>
-          <a:xfrm>
-            <a:off x="685800" y="1595120"/>
-            <a:ext cx="7863839" cy="4669155"/>
-          </a:xfrm>
-          <a:prstGeom prst="rect">
-            <a:avLst/>
-          </a:prstGeom>
-        </p:spPr>
-      </p:pic>
-      <mc:AlternateContent xmlns:mc="http://schemas.openxmlformats.org/markup-compatibility/2006" xmlns:a14="http://schemas.microsoft.com/office/drawing/2010/main">
-        <mc:Choice Requires="a14">
-          <p:sp>
-            <p:nvSpPr>
-              <p:cNvPr id="12" name="TextBox 11"/>
-              <p:cNvSpPr txBox="1"/>
-              <p:nvPr/>
-            </p:nvSpPr>
-            <p:spPr>
-              <a:xfrm>
-                <a:off x="1600200" y="2133600"/>
-                <a:ext cx="6553200" cy="3139321"/>
-              </a:xfrm>
-              <a:prstGeom prst="rect">
-                <a:avLst/>
-              </a:prstGeom>
-              <a:solidFill>
-                <a:schemeClr val="lt1">
-                  <a:alpha val="77000"/>
-                </a:schemeClr>
-              </a:solidFill>
-            </p:spPr>
-            <p:txBody>
-              <a:bodyPr wrap="square" rtlCol="0">
-                <a:spAutoFit/>
-              </a:bodyPr>
-              <a:lstStyle/>
-              <a:p>
-                <a:pPr marL="342900" indent="-342900">
-                  <a:spcBef>
-                    <a:spcPts val="600"/>
-                  </a:spcBef>
-                  <a:spcAft>
-                    <a:spcPts val="600"/>
-                  </a:spcAft>
-                  <a:buFont typeface="Arial" pitchFamily="34" charset="0"/>
-                  <a:buChar char="•"/>
-                </a:pPr>
-                <a:r>
-                  <a:rPr lang="en-US" sz="2400" b="1" i="1" dirty="0" smtClean="0">
-                    <a:solidFill>
-                      <a:schemeClr val="tx2">
-                        <a:lumMod val="60000"/>
-                        <a:lumOff val="40000"/>
-                      </a:schemeClr>
-                    </a:solidFill>
-                  </a:rPr>
-                  <a:t>Inflections spread, map ruggedized.  </a:t>
-                </a:r>
-              </a:p>
-              <a:p>
-                <a:pPr marL="342900" indent="-342900">
-                  <a:spcBef>
-                    <a:spcPts val="600"/>
-                  </a:spcBef>
-                  <a:spcAft>
-                    <a:spcPts val="600"/>
-                  </a:spcAft>
-                  <a:buFont typeface="Arial" pitchFamily="34" charset="0"/>
-                  <a:buChar char="•"/>
-                </a:pPr>
-                <a:r>
-                  <a:rPr lang="en-US" sz="2400" b="1" i="1" dirty="0">
-                    <a:solidFill>
-                      <a:schemeClr val="tx2">
-                        <a:lumMod val="60000"/>
-                        <a:lumOff val="40000"/>
-                      </a:schemeClr>
-                    </a:solidFill>
-                  </a:rPr>
-                  <a:t>M</a:t>
-                </a:r>
-                <a:r>
-                  <a:rPr lang="en-US" sz="2400" b="1" i="1" dirty="0" smtClean="0">
-                    <a:solidFill>
-                      <a:schemeClr val="tx2">
-                        <a:lumMod val="60000"/>
-                        <a:lumOff val="40000"/>
-                      </a:schemeClr>
-                    </a:solidFill>
-                  </a:rPr>
-                  <a:t>in eigenvalue lost: </a:t>
-                </a:r>
-                <a14:m>
-                  <m:oMath xmlns:m="http://schemas.openxmlformats.org/officeDocument/2006/math">
-                    <m:r>
-                      <a:rPr lang="en-US" sz="2400" b="1" i="1" smtClean="0">
-                        <a:solidFill>
-                          <a:schemeClr val="tx2">
-                            <a:lumMod val="60000"/>
-                            <a:lumOff val="40000"/>
-                          </a:schemeClr>
-                        </a:solidFill>
-                        <a:latin typeface="Cambria Math"/>
-                        <a:ea typeface="Cambria Math"/>
-                      </a:rPr>
-                      <m:t>𝒙</m:t>
-                    </m:r>
-                    <m:r>
-                      <a:rPr lang="en-US" sz="2400" b="1" i="1" baseline="-25000" smtClean="0">
-                        <a:solidFill>
-                          <a:schemeClr val="tx2">
-                            <a:lumMod val="60000"/>
-                            <a:lumOff val="40000"/>
-                          </a:schemeClr>
-                        </a:solidFill>
-                        <a:latin typeface="Cambria Math"/>
-                        <a:ea typeface="Cambria Math"/>
-                      </a:rPr>
-                      <m:t>𝒐</m:t>
-                    </m:r>
-                    <m:r>
-                      <a:rPr lang="en-US" sz="2400" b="1" i="1" baseline="-5000" smtClean="0">
-                        <a:solidFill>
-                          <a:schemeClr val="tx2">
-                            <a:lumMod val="60000"/>
-                            <a:lumOff val="40000"/>
-                          </a:schemeClr>
-                        </a:solidFill>
-                        <a:latin typeface="Cambria Math"/>
-                        <a:ea typeface="Cambria Math"/>
-                      </a:rPr>
-                      <m:t>∓</m:t>
-                    </m:r>
-                    <m:r>
-                      <a:rPr lang="en-US" sz="2400" b="1" i="1" smtClean="0">
-                        <a:solidFill>
-                          <a:schemeClr val="tx2">
-                            <a:lumMod val="60000"/>
-                            <a:lumOff val="40000"/>
-                          </a:schemeClr>
-                        </a:solidFill>
-                        <a:latin typeface="Cambria Math"/>
-                        <a:ea typeface="Cambria Math"/>
-                      </a:rPr>
-                      <m:t>𝜹</m:t>
-                    </m:r>
-                    <m:d>
-                      <m:dPr>
-                        <m:ctrlPr>
-                          <a:rPr lang="en-US" sz="2400" b="1" i="1" smtClean="0">
-                            <a:solidFill>
-                              <a:schemeClr val="tx2">
-                                <a:lumMod val="60000"/>
-                                <a:lumOff val="40000"/>
-                              </a:schemeClr>
-                            </a:solidFill>
-                            <a:latin typeface="Cambria Math"/>
-                            <a:ea typeface="Cambria Math"/>
-                          </a:rPr>
-                        </m:ctrlPr>
-                      </m:dPr>
-                      <m:e>
-                        <m:r>
-                          <a:rPr lang="en-US" sz="2400" b="1" i="1" smtClean="0">
-                            <a:solidFill>
-                              <a:schemeClr val="tx2">
-                                <a:lumMod val="60000"/>
-                                <a:lumOff val="40000"/>
-                              </a:schemeClr>
-                            </a:solidFill>
-                            <a:latin typeface="Cambria Math"/>
-                            <a:ea typeface="Cambria Math"/>
-                          </a:rPr>
-                          <m:t>𝝉</m:t>
-                        </m:r>
-                      </m:e>
-                    </m:d>
-                  </m:oMath>
-                </a14:m>
-                <a:r>
-                  <a:rPr lang="en-US" sz="2400" b="1" i="1" dirty="0" smtClean="0">
-                    <a:solidFill>
-                      <a:schemeClr val="tx2">
-                        <a:lumMod val="60000"/>
-                        <a:lumOff val="40000"/>
-                      </a:schemeClr>
-                    </a:solidFill>
-                  </a:rPr>
-                  <a:t>.  Scaling acceleration less than 2.85</a:t>
-                </a:r>
-                <a:r>
-                  <a:rPr lang="en-US" sz="2400" b="1" i="1" baseline="-5000" dirty="0" smtClean="0">
-                    <a:solidFill>
-                      <a:schemeClr val="tx2">
-                        <a:lumMod val="60000"/>
-                        <a:lumOff val="40000"/>
-                      </a:schemeClr>
-                    </a:solidFill>
-                    <a:sym typeface="Wingdings 2"/>
-                  </a:rPr>
-                  <a:t></a:t>
-                </a:r>
-                <a:r>
-                  <a:rPr lang="en-US" sz="2400" b="1" i="1" dirty="0" smtClean="0">
-                    <a:solidFill>
-                      <a:schemeClr val="tx2">
-                        <a:lumMod val="60000"/>
-                        <a:lumOff val="40000"/>
-                      </a:schemeClr>
-                    </a:solidFill>
-                  </a:rPr>
-                  <a:t> </a:t>
-                </a:r>
-              </a:p>
-              <a:p>
-                <a:pPr marL="342900" indent="-342900">
-                  <a:spcBef>
-                    <a:spcPts val="600"/>
-                  </a:spcBef>
-                  <a:spcAft>
-                    <a:spcPts val="600"/>
-                  </a:spcAft>
-                  <a:buFont typeface="Arial" pitchFamily="34" charset="0"/>
-                  <a:buChar char="•"/>
-                </a:pPr>
-                <a:r>
-                  <a:rPr lang="en-US" sz="2400" b="1" i="1" dirty="0">
-                    <a:solidFill>
-                      <a:schemeClr val="tx2">
-                        <a:lumMod val="60000"/>
-                        <a:lumOff val="40000"/>
-                      </a:schemeClr>
-                    </a:solidFill>
-                  </a:rPr>
-                  <a:t>Use </a:t>
-                </a:r>
-                <a:r>
-                  <a:rPr lang="en-US" sz="2400" b="1" i="1" dirty="0" smtClean="0">
-                    <a:solidFill>
-                      <a:schemeClr val="tx2">
-                        <a:lumMod val="60000"/>
-                        <a:lumOff val="40000"/>
-                      </a:schemeClr>
-                    </a:solidFill>
-                  </a:rPr>
-                  <a:t>error rather </a:t>
-                </a:r>
-                <a:r>
-                  <a:rPr lang="en-US" sz="2400" b="1" i="1" dirty="0">
-                    <a:solidFill>
-                      <a:schemeClr val="tx2">
-                        <a:lumMod val="60000"/>
-                        <a:lumOff val="40000"/>
-                      </a:schemeClr>
-                    </a:solidFill>
-                  </a:rPr>
-                  <a:t>than </a:t>
-                </a:r>
-                <a14:m>
-                  <m:oMath xmlns:m="http://schemas.openxmlformats.org/officeDocument/2006/math">
-                    <m:sSub>
-                      <m:sSubPr>
-                        <m:ctrlPr>
-                          <a:rPr lang="en-US" sz="2400" b="1" i="1">
-                            <a:solidFill>
-                              <a:schemeClr val="tx2">
-                                <a:lumMod val="60000"/>
-                                <a:lumOff val="40000"/>
-                              </a:schemeClr>
-                            </a:solidFill>
-                            <a:latin typeface="Cambria Math"/>
-                            <a:ea typeface="Cambria Math"/>
-                          </a:rPr>
-                        </m:ctrlPr>
-                      </m:sSubPr>
-                      <m:e>
-                        <m:r>
-                          <a:rPr lang="en-US" sz="2400" b="1" i="1">
-                            <a:solidFill>
-                              <a:schemeClr val="tx2">
-                                <a:lumMod val="60000"/>
-                                <a:lumOff val="40000"/>
-                              </a:schemeClr>
-                            </a:solidFill>
-                            <a:latin typeface="Cambria Math"/>
-                            <a:ea typeface="Cambria Math"/>
-                          </a:rPr>
-                          <m:t>𝒙</m:t>
-                        </m:r>
-                      </m:e>
-                      <m:sub>
-                        <m:r>
-                          <a:rPr lang="en-US" sz="2400" b="1" i="1">
-                            <a:solidFill>
-                              <a:schemeClr val="tx2">
-                                <a:lumMod val="60000"/>
-                                <a:lumOff val="40000"/>
-                              </a:schemeClr>
-                            </a:solidFill>
-                            <a:latin typeface="Cambria Math"/>
-                            <a:ea typeface="Cambria Math"/>
-                          </a:rPr>
-                          <m:t>𝟎</m:t>
-                        </m:r>
-                      </m:sub>
-                    </m:sSub>
-                  </m:oMath>
-                </a14:m>
-                <a:r>
-                  <a:rPr lang="en-US" sz="2400" b="1" i="1" dirty="0">
-                    <a:solidFill>
-                      <a:schemeClr val="tx2">
-                        <a:lumMod val="60000"/>
-                        <a:lumOff val="40000"/>
-                      </a:schemeClr>
-                    </a:solidFill>
-                  </a:rPr>
-                  <a:t> (min EV) to manage transition between scaled &amp; </a:t>
-                </a:r>
-                <a:r>
-                  <a:rPr lang="en-US" sz="2400" b="1" i="1" dirty="0" err="1">
-                    <a:solidFill>
-                      <a:schemeClr val="tx2">
-                        <a:lumMod val="60000"/>
-                        <a:lumOff val="40000"/>
-                      </a:schemeClr>
-                    </a:solidFill>
-                  </a:rPr>
-                  <a:t>unscaled</a:t>
-                </a:r>
-                <a:r>
-                  <a:rPr lang="en-US" sz="2400" b="1" i="1" dirty="0">
-                    <a:solidFill>
-                      <a:schemeClr val="tx2">
-                        <a:lumMod val="60000"/>
-                        <a:lumOff val="40000"/>
-                      </a:schemeClr>
-                    </a:solidFill>
-                  </a:rPr>
-                  <a:t> </a:t>
-                </a:r>
-                <a:r>
-                  <a:rPr lang="en-US" sz="2400" b="1" i="1" dirty="0" smtClean="0">
-                    <a:solidFill>
-                      <a:schemeClr val="tx2">
-                        <a:lumMod val="60000"/>
-                        <a:lumOff val="40000"/>
-                      </a:schemeClr>
-                    </a:solidFill>
-                  </a:rPr>
-                  <a:t>NS </a:t>
-                </a:r>
-              </a:p>
-              <a:p>
-                <a:pPr marL="342900" indent="-342900">
-                  <a:spcBef>
-                    <a:spcPts val="600"/>
-                  </a:spcBef>
-                  <a:spcAft>
-                    <a:spcPts val="600"/>
-                  </a:spcAft>
-                  <a:buFont typeface="Arial" pitchFamily="34" charset="0"/>
-                  <a:buChar char="•"/>
-                </a:pPr>
-                <a:r>
-                  <a:rPr lang="en-US" sz="2400" b="1" i="1" dirty="0">
-                    <a:solidFill>
-                      <a:schemeClr val="tx2">
-                        <a:lumMod val="60000"/>
-                        <a:lumOff val="40000"/>
-                      </a:schemeClr>
-                    </a:solidFill>
-                  </a:rPr>
-                  <a:t>H</a:t>
-                </a:r>
-                <a:r>
-                  <a:rPr lang="en-US" sz="2400" b="1" i="1" dirty="0" smtClean="0">
-                    <a:solidFill>
-                      <a:schemeClr val="tx2">
-                        <a:lumMod val="60000"/>
-                        <a:lumOff val="40000"/>
-                      </a:schemeClr>
-                    </a:solidFill>
-                  </a:rPr>
-                  <a:t>ow much acceleration can be kept under extreme conditions? </a:t>
-                </a:r>
-                <a:endParaRPr lang="en-US" sz="2400" b="1" i="1" dirty="0">
-                  <a:solidFill>
-                    <a:schemeClr val="tx2">
-                      <a:lumMod val="60000"/>
-                      <a:lumOff val="40000"/>
-                    </a:schemeClr>
-                  </a:solidFill>
-                </a:endParaRPr>
-              </a:p>
-            </p:txBody>
-          </p:sp>
-        </mc:Choice>
-        <mc:Fallback xmlns="">
-          <p:sp>
-            <p:nvSpPr>
-              <p:cNvPr id="12" name="TextBox 11"/>
-              <p:cNvSpPr txBox="1">
-                <a:spLocks noRot="1" noChangeAspect="1" noMove="1" noResize="1" noEditPoints="1" noAdjustHandles="1" noChangeArrowheads="1" noChangeShapeType="1" noTextEdit="1"/>
-              </p:cNvSpPr>
-              <p:nvPr/>
-            </p:nvSpPr>
-            <p:spPr>
-              <a:xfrm>
-                <a:off x="1600200" y="2133600"/>
-                <a:ext cx="6553200" cy="3139321"/>
-              </a:xfrm>
-              <a:prstGeom prst="rect">
-                <a:avLst/>
-              </a:prstGeom>
-              <a:blipFill rotWithShape="1">
-                <a:blip r:embed="rId6"/>
-                <a:stretch>
-                  <a:fillRect l="-1302" t="-1553" b="-3495"/>
-                </a:stretch>
-              </a:blipFill>
-            </p:spPr>
-            <p:txBody>
-              <a:bodyPr/>
-              <a:lstStyle/>
-              <a:p>
-                <a:r>
-                  <a:rPr lang="en-US">
-                    <a:noFill/>
-                  </a:rPr>
-                  <a:t> </a:t>
-                </a:r>
-              </a:p>
-            </p:txBody>
-          </p:sp>
-        </mc:Fallback>
-      </mc:AlternateContent>
-      <mc:AlternateContent xmlns:mc="http://schemas.openxmlformats.org/markup-compatibility/2006" xmlns:a14="http://schemas.microsoft.com/office/drawing/2010/main">
-        <mc:Choice Requires="a14">
-          <p:sp>
-            <p:nvSpPr>
-              <p:cNvPr id="13" name="Rectangle 12"/>
-              <p:cNvSpPr/>
-              <p:nvPr/>
-            </p:nvSpPr>
-            <p:spPr>
-              <a:xfrm>
-                <a:off x="367937" y="162061"/>
-                <a:ext cx="8534400" cy="1502976"/>
-              </a:xfrm>
-              <a:prstGeom prst="rect">
-                <a:avLst/>
-              </a:prstGeom>
-            </p:spPr>
-            <p:txBody>
-              <a:bodyPr wrap="square">
-                <a:spAutoFit/>
-              </a:bodyPr>
-              <a:lstStyle/>
-              <a:p>
-                <a:pPr>
-                  <a:spcBef>
-                    <a:spcPts val="1000"/>
-                  </a:spcBef>
-                  <a:spcAft>
-                    <a:spcPts val="800"/>
-                  </a:spcAft>
-                </a:pPr>
-                <a:r>
-                  <a:rPr lang="en-US" sz="3200" b="1" dirty="0" smtClean="0">
-                    <a:latin typeface="Comic Sans MS" pitchFamily="66" charset="0"/>
-                  </a:rPr>
-                  <a:t>A Stabilized </a:t>
-                </a:r>
-                <a:r>
-                  <a:rPr lang="en-US" sz="3200" b="1" dirty="0" err="1">
-                    <a:latin typeface="Comic Sans MS" pitchFamily="66" charset="0"/>
-                  </a:rPr>
-                  <a:t>SpAMM</a:t>
-                </a:r>
-                <a:r>
-                  <a:rPr lang="en-US" sz="3200" b="1" dirty="0">
-                    <a:latin typeface="Comic Sans MS" pitchFamily="66" charset="0"/>
-                  </a:rPr>
-                  <a:t> </a:t>
-                </a:r>
-                <a:r>
-                  <a:rPr lang="en-US" sz="3200" b="1" dirty="0" smtClean="0">
-                    <a:latin typeface="Comic Sans MS" pitchFamily="66" charset="0"/>
-                  </a:rPr>
-                  <a:t>for Scaled </a:t>
-                </a:r>
-                <a:r>
-                  <a:rPr lang="en-US" sz="3200" b="1" dirty="0">
-                    <a:latin typeface="Comic Sans MS" pitchFamily="66" charset="0"/>
-                  </a:rPr>
-                  <a:t>NS (</a:t>
-                </a:r>
-                <a:r>
-                  <a:rPr lang="en-US" sz="3200" b="1" dirty="0" smtClean="0">
-                    <a:latin typeface="Comic Sans MS" pitchFamily="66" charset="0"/>
-                  </a:rPr>
-                  <a:t>II)</a:t>
-                </a:r>
-                <a:endParaRPr lang="en-US" sz="3200" dirty="0">
-                  <a:latin typeface="Comic Sans MS" pitchFamily="66" charset="0"/>
-                </a:endParaRPr>
-              </a:p>
-              <a:p>
-                <a:pPr>
-                  <a:spcBef>
-                    <a:spcPts val="600"/>
-                  </a:spcBef>
-                  <a:spcAft>
-                    <a:spcPts val="600"/>
-                  </a:spcAft>
-                </a:pPr>
-                <a:r>
-                  <a:rPr lang="en-US" sz="2400" dirty="0" smtClean="0"/>
-                  <a:t>Ill-conditioning and </a:t>
-                </a:r>
-                <a:r>
-                  <a:rPr lang="en-US" sz="2400" dirty="0" err="1" smtClean="0"/>
-                  <a:t>SpAMM</a:t>
-                </a:r>
-                <a:r>
-                  <a:rPr lang="en-US" sz="2400" dirty="0"/>
-                  <a:t> </a:t>
-                </a:r>
-                <a:r>
-                  <a:rPr lang="en-US" sz="2400" dirty="0" smtClean="0"/>
-                  <a:t>can bounce EVs out of bounds by </a:t>
-                </a:r>
-                <a14:m>
-                  <m:oMath xmlns:m="http://schemas.openxmlformats.org/officeDocument/2006/math">
-                    <m:r>
-                      <a:rPr lang="en-US" sz="2400" i="1" baseline="-5000" smtClean="0">
-                        <a:latin typeface="Cambria Math"/>
-                        <a:ea typeface="Cambria Math"/>
-                      </a:rPr>
-                      <m:t>∓</m:t>
-                    </m:r>
-                    <m:r>
-                      <a:rPr lang="en-US" sz="2400" i="1" smtClean="0">
-                        <a:latin typeface="Cambria Math"/>
-                        <a:ea typeface="Cambria Math"/>
-                      </a:rPr>
-                      <m:t>𝛿</m:t>
-                    </m:r>
-                    <m:d>
-                      <m:dPr>
-                        <m:ctrlPr>
-                          <a:rPr lang="en-US" sz="2400" i="1" smtClean="0">
-                            <a:latin typeface="Cambria Math"/>
-                            <a:ea typeface="Cambria Math"/>
-                          </a:rPr>
-                        </m:ctrlPr>
-                      </m:dPr>
-                      <m:e>
-                        <m:r>
-                          <a:rPr lang="en-US" sz="2400" i="1" smtClean="0">
-                            <a:latin typeface="Cambria Math"/>
-                            <a:ea typeface="Cambria Math"/>
-                          </a:rPr>
-                          <m:t>𝜏</m:t>
-                        </m:r>
-                      </m:e>
-                    </m:d>
-                  </m:oMath>
-                </a14:m>
-                <a:r>
-                  <a:rPr lang="en-US" sz="2400" dirty="0" smtClean="0"/>
-                  <a:t>.   </a:t>
-                </a:r>
-                <a:r>
-                  <a:rPr lang="en-US" sz="3600" b="1" baseline="-10000" dirty="0" smtClean="0">
-                    <a:sym typeface="Wingdings"/>
-                  </a:rPr>
-                  <a:t></a:t>
-                </a:r>
-                <a:r>
-                  <a:rPr lang="en-US" sz="2400" b="1" dirty="0" smtClean="0">
-                    <a:sym typeface="Wingdings"/>
-                  </a:rPr>
-                  <a:t> </a:t>
-                </a:r>
-                <a:r>
-                  <a:rPr lang="en-US" sz="2400" dirty="0" smtClean="0">
-                    <a:sym typeface="Wingdings"/>
-                  </a:rPr>
-                  <a:t>stabilize by spreading 0/1 inflections by </a:t>
-                </a:r>
-                <a14:m>
-                  <m:oMath xmlns:m="http://schemas.openxmlformats.org/officeDocument/2006/math">
-                    <m:r>
-                      <a:rPr lang="en-US" sz="2400" i="1" baseline="-5000" smtClean="0">
-                        <a:latin typeface="Cambria Math"/>
-                        <a:ea typeface="Cambria Math"/>
-                      </a:rPr>
-                      <m:t>~</m:t>
-                    </m:r>
-                    <m:r>
-                      <a:rPr lang="en-US" sz="2400" b="0" i="1" baseline="-5000" smtClean="0">
-                        <a:latin typeface="Cambria Math"/>
-                        <a:ea typeface="Cambria Math"/>
-                      </a:rPr>
-                      <m:t> </m:t>
-                    </m:r>
-                    <m:r>
-                      <a:rPr lang="en-US" sz="2400" i="1" baseline="-5000" smtClean="0">
-                        <a:latin typeface="Cambria Math"/>
-                        <a:ea typeface="Cambria Math"/>
-                      </a:rPr>
-                      <m:t>∓</m:t>
-                    </m:r>
-                    <m:r>
-                      <a:rPr lang="en-US" sz="2400" i="1" smtClean="0">
-                        <a:latin typeface="Cambria Math"/>
-                        <a:ea typeface="Cambria Math"/>
-                      </a:rPr>
-                      <m:t>𝛿</m:t>
-                    </m:r>
-                  </m:oMath>
-                </a14:m>
-                <a:r>
-                  <a:rPr lang="en-US" sz="2400" dirty="0" smtClean="0"/>
-                  <a:t>.</a:t>
-                </a:r>
-                <a:endParaRPr lang="en-US" sz="2400" dirty="0"/>
-              </a:p>
-            </p:txBody>
-          </p:sp>
-        </mc:Choice>
-        <mc:Fallback xmlns="">
-          <p:sp>
-            <p:nvSpPr>
-              <p:cNvPr id="13" name="Rectangle 12"/>
-              <p:cNvSpPr>
-                <a:spLocks noRot="1" noChangeAspect="1" noMove="1" noResize="1" noEditPoints="1" noAdjustHandles="1" noChangeArrowheads="1" noChangeShapeType="1" noTextEdit="1"/>
-              </p:cNvSpPr>
-              <p:nvPr/>
-            </p:nvSpPr>
-            <p:spPr>
-              <a:xfrm>
-                <a:off x="367937" y="162061"/>
-                <a:ext cx="8534400" cy="1502976"/>
-              </a:xfrm>
-              <a:prstGeom prst="rect">
-                <a:avLst/>
-              </a:prstGeom>
-              <a:blipFill rotWithShape="1">
-                <a:blip r:embed="rId7"/>
-                <a:stretch>
-                  <a:fillRect l="-1786" t="-5285" b="-10976"/>
-                </a:stretch>
-              </a:blipFill>
-            </p:spPr>
-            <p:txBody>
-              <a:bodyPr/>
-              <a:lstStyle/>
-              <a:p>
-                <a:r>
-                  <a:rPr lang="en-US">
-                    <a:noFill/>
-                  </a:rPr>
-                  <a:t> </a:t>
-                </a:r>
-              </a:p>
-            </p:txBody>
-          </p:sp>
-        </mc:Fallback>
-      </mc:AlternateContent>
-      <p:sp>
-        <p:nvSpPr>
-          <p:cNvPr id="15" name="Striped Right Arrow 14"/>
-          <p:cNvSpPr/>
-          <p:nvPr/>
-        </p:nvSpPr>
-        <p:spPr>
-          <a:xfrm flipH="1">
-            <a:off x="1605280" y="5892800"/>
-            <a:ext cx="487680" cy="147320"/>
-          </a:xfrm>
-          <a:prstGeom prst="stripedRightArrow">
-            <a:avLst/>
-          </a:prstGeom>
-        </p:spPr>
-        <p:style>
-          <a:lnRef idx="1">
-            <a:schemeClr val="accent3"/>
-          </a:lnRef>
-          <a:fillRef idx="2">
-            <a:schemeClr val="accent3"/>
-          </a:fillRef>
-          <a:effectRef idx="1">
-            <a:schemeClr val="accent3"/>
-          </a:effectRef>
-          <a:fontRef idx="minor">
-            <a:schemeClr val="dk1"/>
-          </a:fontRef>
-        </p:style>
-        <p:txBody>
-          <a:bodyPr rtlCol="0" anchor="ctr"/>
-          <a:lstStyle/>
-          <a:p>
-            <a:pPr algn="ctr"/>
-            <a:endParaRPr lang="en-US">
-              <a:solidFill>
-                <a:srgbClr val="00B050"/>
-              </a:solidFill>
-            </a:endParaRPr>
-          </a:p>
-        </p:txBody>
-      </p:sp>
-      <p:sp>
-        <p:nvSpPr>
-          <p:cNvPr id="16" name="Striped Right Arrow 15"/>
-          <p:cNvSpPr/>
-          <p:nvPr/>
-        </p:nvSpPr>
-        <p:spPr>
-          <a:xfrm>
-            <a:off x="6471920" y="5894416"/>
-            <a:ext cx="538480" cy="145704"/>
-          </a:xfrm>
-          <a:prstGeom prst="stripedRightArrow">
-            <a:avLst/>
-          </a:prstGeom>
-        </p:spPr>
-        <p:style>
-          <a:lnRef idx="1">
-            <a:schemeClr val="accent3"/>
-          </a:lnRef>
-          <a:fillRef idx="2">
-            <a:schemeClr val="accent3"/>
-          </a:fillRef>
-          <a:effectRef idx="1">
-            <a:schemeClr val="accent3"/>
-          </a:effectRef>
-          <a:fontRef idx="minor">
-            <a:schemeClr val="dk1"/>
-          </a:fontRef>
-        </p:style>
-        <p:txBody>
-          <a:bodyPr rtlCol="0" anchor="ctr"/>
-          <a:lstStyle/>
-          <a:p>
-            <a:pPr algn="ctr"/>
-            <a:endParaRPr lang="en-US">
-              <a:solidFill>
-                <a:srgbClr val="FF0000"/>
-              </a:solidFill>
-            </a:endParaRPr>
-          </a:p>
-        </p:txBody>
-      </p:sp>
-    </p:spTree>
-    <p:extLst>
-      <p:ext uri="{BB962C8B-B14F-4D97-AF65-F5344CB8AC3E}">
-        <p14:creationId xmlns:p14="http://schemas.microsoft.com/office/powerpoint/2010/main" val="422847147"/>
       </p:ext>
     </p:extLst>
   </p:cSld>
@@ -6951,18 +7264,108 @@
           <a:chExt cx="0" cy="0"/>
         </a:xfrm>
       </p:grpSpPr>
+      <p:sp>
+        <p:nvSpPr>
+          <p:cNvPr id="3" name="Rectangle 2"/>
+          <p:cNvSpPr/>
+          <p:nvPr/>
+        </p:nvSpPr>
+        <p:spPr>
+          <a:xfrm>
+            <a:off x="381000" y="177225"/>
+            <a:ext cx="8534400" cy="584775"/>
+          </a:xfrm>
+          <a:prstGeom prst="rect">
+            <a:avLst/>
+          </a:prstGeom>
+        </p:spPr>
+        <p:txBody>
+          <a:bodyPr wrap="square">
+            <a:spAutoFit/>
+          </a:bodyPr>
+          <a:lstStyle/>
+          <a:p>
+            <a:pPr lvl="0">
+              <a:spcBef>
+                <a:spcPts val="1000"/>
+              </a:spcBef>
+              <a:spcAft>
+                <a:spcPts val="800"/>
+              </a:spcAft>
+            </a:pPr>
+            <a:r>
+              <a:rPr lang="en-US" sz="3200" b="1" dirty="0" err="1" smtClean="0">
+                <a:solidFill>
+                  <a:prstClr val="black"/>
+                </a:solidFill>
+                <a:latin typeface="Comic Sans MS" pitchFamily="66" charset="0"/>
+              </a:rPr>
+              <a:t>SpAMM</a:t>
+            </a:r>
+            <a:r>
+              <a:rPr lang="en-US" sz="3200" b="1" dirty="0" smtClean="0">
+                <a:solidFill>
+                  <a:prstClr val="black"/>
+                </a:solidFill>
+                <a:latin typeface="Comic Sans MS" pitchFamily="66" charset="0"/>
+              </a:rPr>
+              <a:t> </a:t>
+            </a:r>
+            <a:r>
+              <a:rPr lang="en-US" sz="3200" b="1" dirty="0" smtClean="0">
+                <a:solidFill>
+                  <a:prstClr val="black"/>
+                </a:solidFill>
+                <a:latin typeface="Comic Sans MS" pitchFamily="66" charset="0"/>
+              </a:rPr>
+              <a:t>Stabilized </a:t>
+            </a:r>
+            <a:r>
+              <a:rPr lang="en-US" sz="3200" b="1" dirty="0">
+                <a:solidFill>
+                  <a:prstClr val="black"/>
+                </a:solidFill>
+                <a:latin typeface="Comic Sans MS" pitchFamily="66" charset="0"/>
+              </a:rPr>
+              <a:t>Scaled NS (</a:t>
+            </a:r>
+            <a:r>
+              <a:rPr lang="en-US" sz="3200" b="1" dirty="0" smtClean="0">
+                <a:solidFill>
+                  <a:prstClr val="black"/>
+                </a:solidFill>
+                <a:latin typeface="Comic Sans MS" pitchFamily="66" charset="0"/>
+              </a:rPr>
+              <a:t>III</a:t>
+            </a:r>
+            <a:r>
+              <a:rPr lang="en-US" sz="3200" b="1" dirty="0">
+                <a:solidFill>
+                  <a:prstClr val="black"/>
+                </a:solidFill>
+                <a:latin typeface="Comic Sans MS" pitchFamily="66" charset="0"/>
+              </a:rPr>
+              <a:t>)</a:t>
+            </a:r>
+            <a:endParaRPr lang="en-US" sz="3200" dirty="0">
+              <a:solidFill>
+                <a:prstClr val="black"/>
+              </a:solidFill>
+              <a:latin typeface="Comic Sans MS" pitchFamily="66" charset="0"/>
+            </a:endParaRPr>
+          </a:p>
+        </p:txBody>
+      </p:sp>
       <p:pic>
         <p:nvPicPr>
-          <p:cNvPr id="4" name="Content Placeholder 3"/>
+          <p:cNvPr id="5" name="Picture 4"/>
           <p:cNvPicPr>
-            <a:picLocks noGrp="1" noChangeAspect="1"/>
+            <a:picLocks noChangeAspect="1"/>
           </p:cNvPicPr>
-          <p:nvPr>
-            <p:ph idx="1"/>
-          </p:nvPr>
+          <p:nvPr/>
         </p:nvPicPr>
         <p:blipFill>
-          <a:blip r:embed="rId2">
+          <a:blip r:embed="rId2" cstate="print">
             <a:extLst>
               <a:ext uri="{28A0092B-C50C-407E-A947-70E740481C1C}">
                 <a14:useLocalDpi xmlns:a14="http://schemas.microsoft.com/office/drawing/2010/main" val="0"/>
@@ -6975,103 +7378,485 @@
         </p:blipFill>
         <p:spPr>
           <a:xfrm>
-            <a:off x="1554691" y="1600200"/>
-            <a:ext cx="6034617" cy="4525963"/>
+            <a:off x="5431970" y="4907277"/>
+            <a:ext cx="1005840" cy="1005840"/>
+          </a:xfrm>
+          <a:prstGeom prst="rect">
+            <a:avLst/>
+          </a:prstGeom>
+        </p:spPr>
+      </p:pic>
+      <p:pic>
+        <p:nvPicPr>
+          <p:cNvPr id="4" name="Content Placeholder 3"/>
+          <p:cNvPicPr>
+            <a:picLocks noGrp="1" noChangeAspect="1"/>
+          </p:cNvPicPr>
+          <p:nvPr>
+            <p:ph idx="1"/>
+          </p:nvPr>
+        </p:nvPicPr>
+        <p:blipFill>
+          <a:blip r:embed="rId3">
+            <a:extLst>
+              <a:ext uri="{28A0092B-C50C-407E-A947-70E740481C1C}">
+                <a14:useLocalDpi xmlns:a14="http://schemas.microsoft.com/office/drawing/2010/main" val="0"/>
+              </a:ext>
+            </a:extLst>
+          </a:blip>
+          <a:stretch>
+            <a:fillRect/>
+          </a:stretch>
+        </p:blipFill>
+        <p:spPr>
+          <a:xfrm>
+            <a:off x="822960" y="1798320"/>
+            <a:ext cx="6949440" cy="5212080"/>
           </a:xfrm>
         </p:spPr>
       </p:pic>
       <p:sp>
         <p:nvSpPr>
-          <p:cNvPr id="3" name="Rectangle 2"/>
+          <p:cNvPr id="6" name="Rectangular Callout 5"/>
           <p:cNvSpPr/>
           <p:nvPr/>
         </p:nvSpPr>
         <p:spPr>
           <a:xfrm>
-            <a:off x="457200" y="329625"/>
-            <a:ext cx="8534400" cy="584775"/>
+            <a:off x="6193970" y="3230877"/>
+            <a:ext cx="2743200" cy="1332130"/>
           </a:xfrm>
-          <a:prstGeom prst="rect">
-            <a:avLst/>
+          <a:prstGeom prst="wedgeRectCallout">
+            <a:avLst>
+              <a:gd name="adj1" fmla="val -58724"/>
+              <a:gd name="adj2" fmla="val 86326"/>
+            </a:avLst>
           </a:prstGeom>
         </p:spPr>
+        <p:style>
+          <a:lnRef idx="1">
+            <a:schemeClr val="accent3"/>
+          </a:lnRef>
+          <a:fillRef idx="2">
+            <a:schemeClr val="accent3"/>
+          </a:fillRef>
+          <a:effectRef idx="1">
+            <a:schemeClr val="accent3"/>
+          </a:effectRef>
+          <a:fontRef idx="minor">
+            <a:schemeClr val="dk1"/>
+          </a:fontRef>
+        </p:style>
         <p:txBody>
-          <a:bodyPr wrap="square">
-            <a:spAutoFit/>
-          </a:bodyPr>
+          <a:bodyPr rtlCol="0" anchor="ctr"/>
           <a:lstStyle/>
           <a:p>
-            <a:pPr lvl="0">
-              <a:spcBef>
-                <a:spcPts val="1000"/>
-              </a:spcBef>
-              <a:spcAft>
-                <a:spcPts val="800"/>
-              </a:spcAft>
-            </a:pPr>
-            <a:r>
-              <a:rPr lang="en-US" sz="3200" b="1" dirty="0" err="1" smtClean="0">
-                <a:solidFill>
-                  <a:prstClr val="black"/>
-                </a:solidFill>
-                <a:latin typeface="Comic Sans MS" pitchFamily="66" charset="0"/>
-              </a:rPr>
-              <a:t>SpAMM</a:t>
-            </a:r>
-            <a:r>
-              <a:rPr lang="en-US" sz="3200" b="1" dirty="0" smtClean="0">
-                <a:solidFill>
-                  <a:prstClr val="black"/>
-                </a:solidFill>
-                <a:latin typeface="Comic Sans MS" pitchFamily="66" charset="0"/>
-              </a:rPr>
-              <a:t> </a:t>
-            </a:r>
-            <a:r>
-              <a:rPr lang="en-US" sz="3200" b="1" dirty="0" smtClean="0">
-                <a:solidFill>
-                  <a:prstClr val="black"/>
-                </a:solidFill>
-                <a:latin typeface="Comic Sans MS" pitchFamily="66" charset="0"/>
-              </a:rPr>
-              <a:t>Stabilized, </a:t>
-            </a:r>
-            <a:r>
-              <a:rPr lang="en-US" sz="3200" b="1" dirty="0">
-                <a:solidFill>
-                  <a:prstClr val="black"/>
-                </a:solidFill>
-                <a:latin typeface="Comic Sans MS" pitchFamily="66" charset="0"/>
-              </a:rPr>
-              <a:t>Scaled NS (</a:t>
-            </a:r>
-            <a:r>
-              <a:rPr lang="en-US" sz="3200" b="1" dirty="0" smtClean="0">
-                <a:solidFill>
-                  <a:prstClr val="black"/>
-                </a:solidFill>
-                <a:latin typeface="Comic Sans MS" pitchFamily="66" charset="0"/>
-              </a:rPr>
-              <a:t>III</a:t>
-            </a:r>
-            <a:r>
-              <a:rPr lang="en-US" sz="3200" b="1" dirty="0">
-                <a:solidFill>
-                  <a:prstClr val="black"/>
-                </a:solidFill>
-                <a:latin typeface="Comic Sans MS" pitchFamily="66" charset="0"/>
-              </a:rPr>
-              <a:t>)</a:t>
-            </a:r>
-            <a:endParaRPr lang="en-US" sz="3200" dirty="0">
-              <a:solidFill>
-                <a:prstClr val="black"/>
-              </a:solidFill>
-              <a:latin typeface="Comic Sans MS" pitchFamily="66" charset="0"/>
-            </a:endParaRPr>
+            <a:pPr algn="ctr"/>
+            <a:endParaRPr lang="en-US" dirty="0"/>
           </a:p>
         </p:txBody>
       </p:sp>
+      <mc:AlternateContent xmlns:mc="http://schemas.openxmlformats.org/markup-compatibility/2006">
+        <mc:Choice xmlns:a14="http://schemas.microsoft.com/office/drawing/2010/main" Requires="a14">
+          <p:sp>
+            <p:nvSpPr>
+              <p:cNvPr id="2" name="Rectangle 1"/>
+              <p:cNvSpPr/>
+              <p:nvPr/>
+            </p:nvSpPr>
+            <p:spPr>
+              <a:xfrm>
+                <a:off x="457200" y="821535"/>
+                <a:ext cx="7772400" cy="1388265"/>
+              </a:xfrm>
+              <a:prstGeom prst="rect">
+                <a:avLst/>
+              </a:prstGeom>
+            </p:spPr>
+            <p:txBody>
+              <a:bodyPr wrap="square">
+                <a:spAutoFit/>
+              </a:bodyPr>
+              <a:lstStyle/>
+              <a:p>
+                <a:pPr marL="342900" indent="-342900">
+                  <a:spcBef>
+                    <a:spcPts val="600"/>
+                  </a:spcBef>
+                  <a:spcAft>
+                    <a:spcPts val="600"/>
+                  </a:spcAft>
+                  <a:buFont typeface="Arial" pitchFamily="34" charset="0"/>
+                  <a:buChar char="•"/>
+                </a:pPr>
+                <a:r>
+                  <a:rPr lang="en-US" sz="2400" dirty="0" smtClean="0">
+                    <a:latin typeface="+mj-lt"/>
+                  </a:rPr>
+                  <a:t>Extreme Ill-Conditioning</a:t>
+                </a:r>
+                <a:r>
+                  <a:rPr lang="en-US" sz="2400" dirty="0">
+                    <a:latin typeface="+mj-lt"/>
+                  </a:rPr>
+                  <a:t>: </a:t>
+                </a:r>
+                <a14:m>
+                  <m:oMath xmlns:m="http://schemas.openxmlformats.org/officeDocument/2006/math">
+                    <m:r>
+                      <a:rPr lang="en-US" sz="2400" b="0" i="1">
+                        <a:latin typeface="+mj-lt"/>
+                        <a:ea typeface="Cambria Math"/>
+                      </a:rPr>
+                      <m:t>𝞳</m:t>
+                    </m:r>
+                    <m:d>
+                      <m:dPr>
+                        <m:ctrlPr>
+                          <a:rPr lang="en-US" sz="2400" i="1">
+                            <a:latin typeface="+mj-lt"/>
+                            <a:ea typeface="Cambria Math"/>
+                          </a:rPr>
+                        </m:ctrlPr>
+                      </m:dPr>
+                      <m:e>
+                        <m:r>
+                          <a:rPr lang="en-US" sz="2400" b="0" i="1">
+                            <a:latin typeface="+mj-lt"/>
+                            <a:ea typeface="Cambria Math"/>
+                          </a:rPr>
+                          <m:t>𝑠</m:t>
+                        </m:r>
+                      </m:e>
+                    </m:d>
+                    <m:r>
+                      <a:rPr lang="en-US" sz="2400" b="0" i="1">
+                        <a:latin typeface="+mj-lt"/>
+                        <a:ea typeface="Cambria Math"/>
+                      </a:rPr>
+                      <m:t>=</m:t>
+                    </m:r>
+                    <m:sSup>
+                      <m:sSupPr>
+                        <m:ctrlPr>
+                          <a:rPr lang="en-US" sz="2400" i="1">
+                            <a:latin typeface="+mj-lt"/>
+                            <a:ea typeface="Cambria Math"/>
+                          </a:rPr>
+                        </m:ctrlPr>
+                      </m:sSupPr>
+                      <m:e>
+                        <m:r>
+                          <a:rPr lang="en-US" sz="2400" b="0" i="1">
+                            <a:latin typeface="+mj-lt"/>
+                            <a:ea typeface="Cambria Math"/>
+                          </a:rPr>
+                          <m:t>10</m:t>
+                        </m:r>
+                      </m:e>
+                      <m:sup>
+                        <m:r>
+                          <a:rPr lang="en-US" sz="2400" b="0" i="1">
+                            <a:latin typeface="+mj-lt"/>
+                            <a:ea typeface="Cambria Math"/>
+                          </a:rPr>
+                          <m:t>11</m:t>
+                        </m:r>
+                      </m:sup>
+                    </m:sSup>
+                    <m:r>
+                      <a:rPr lang="en-US" sz="2400" b="0" i="1">
+                        <a:latin typeface="+mj-lt"/>
+                        <a:ea typeface="Cambria Math"/>
+                      </a:rPr>
+                      <m:t>,</m:t>
+                    </m:r>
+                  </m:oMath>
+                </a14:m>
+                <a:r>
+                  <a:rPr lang="en-US" sz="2400" dirty="0">
+                    <a:latin typeface="+mj-lt"/>
+                  </a:rPr>
+                  <a:t> (3,3</a:t>
+                </a:r>
+                <a:r>
+                  <a:rPr lang="en-US" sz="2400" dirty="0" smtClean="0">
+                    <a:latin typeface="+mj-lt"/>
+                  </a:rPr>
+                  <a:t>) x 8 nanotube</a:t>
+                </a:r>
+              </a:p>
+              <a:p>
+                <a:pPr marL="342900" indent="-342900">
+                  <a:spcBef>
+                    <a:spcPts val="600"/>
+                  </a:spcBef>
+                  <a:spcAft>
+                    <a:spcPts val="600"/>
+                  </a:spcAft>
+                  <a:buFont typeface="Arial" pitchFamily="34" charset="0"/>
+                  <a:buChar char="•"/>
+                </a:pPr>
+                <a:r>
+                  <a:rPr lang="en-US" sz="2400" dirty="0" smtClean="0">
+                    <a:latin typeface="+mj-lt"/>
+                  </a:rPr>
+                  <a:t>Stabilized left transpose </a:t>
+                </a:r>
+                <a:r>
+                  <a:rPr lang="en-US" sz="2400" dirty="0" err="1" smtClean="0">
+                    <a:latin typeface="+mj-lt"/>
+                  </a:rPr>
+                  <a:t>SpAMM</a:t>
+                </a:r>
+                <a:r>
+                  <a:rPr lang="en-US" sz="2400" dirty="0" smtClean="0">
+                    <a:latin typeface="+mj-lt"/>
+                  </a:rPr>
+                  <a:t> </a:t>
+                </a:r>
+                <a:r>
+                  <a:rPr lang="en-US" sz="2400" dirty="0" err="1" smtClean="0">
+                    <a:latin typeface="+mj-lt"/>
+                  </a:rPr>
+                  <a:t>resolvent</a:t>
+                </a:r>
+                <a:r>
+                  <a:rPr lang="en-US" sz="2400" dirty="0" smtClean="0">
+                    <a:latin typeface="+mj-lt"/>
+                  </a:rPr>
+                  <a:t>, stabilized map, &amp; scaling switched by error heuristics (don’t compute </a:t>
+                </a:r>
+                <a14:m>
+                  <m:oMath xmlns:m="http://schemas.openxmlformats.org/officeDocument/2006/math">
+                    <m:r>
+                      <a:rPr lang="en-US" sz="2400" i="1" dirty="0" smtClean="0">
+                        <a:latin typeface="Cambria Math"/>
+                      </a:rPr>
+                      <m:t>𝑥</m:t>
+                    </m:r>
+                    <m:r>
+                      <a:rPr lang="en-US" sz="2400" i="1" baseline="-25000" dirty="0" smtClean="0">
+                        <a:latin typeface="Cambria Math"/>
+                      </a:rPr>
+                      <m:t>0</m:t>
+                    </m:r>
+                  </m:oMath>
+                </a14:m>
+                <a:r>
+                  <a:rPr lang="en-US" sz="2400" dirty="0" smtClean="0">
+                    <a:latin typeface="+mj-lt"/>
+                  </a:rPr>
+                  <a:t>). </a:t>
+                </a:r>
+                <a:endParaRPr lang="en-US" sz="2400" dirty="0">
+                  <a:latin typeface="+mj-lt"/>
+                </a:endParaRPr>
+              </a:p>
+            </p:txBody>
+          </p:sp>
+        </mc:Choice>
+        <mc:Fallback>
+          <p:sp>
+            <p:nvSpPr>
+              <p:cNvPr id="2" name="Rectangle 1"/>
+              <p:cNvSpPr>
+                <a:spLocks noRot="1" noChangeAspect="1" noMove="1" noResize="1" noEditPoints="1" noAdjustHandles="1" noChangeArrowheads="1" noChangeShapeType="1" noTextEdit="1"/>
+              </p:cNvSpPr>
+              <p:nvPr/>
+            </p:nvSpPr>
+            <p:spPr>
+              <a:xfrm>
+                <a:off x="457200" y="821535"/>
+                <a:ext cx="7772400" cy="1388265"/>
+              </a:xfrm>
+              <a:prstGeom prst="rect">
+                <a:avLst/>
+              </a:prstGeom>
+              <a:blipFill rotWithShape="1">
+                <a:blip r:embed="rId4"/>
+                <a:stretch>
+                  <a:fillRect l="-1020" t="-877" r="-1804" b="-8772"/>
+                </a:stretch>
+              </a:blipFill>
+            </p:spPr>
+            <p:txBody>
+              <a:bodyPr/>
+              <a:lstStyle/>
+              <a:p>
+                <a:r>
+                  <a:rPr lang="en-US">
+                    <a:noFill/>
+                  </a:rPr>
+                  <a:t> </a:t>
+                </a:r>
+              </a:p>
+            </p:txBody>
+          </p:sp>
+        </mc:Fallback>
+      </mc:AlternateContent>
+      <mc:AlternateContent xmlns:mc="http://schemas.openxmlformats.org/markup-compatibility/2006">
+        <mc:Choice xmlns:a14="http://schemas.microsoft.com/office/drawing/2010/main" Requires="a14">
+          <p:sp>
+            <p:nvSpPr>
+              <p:cNvPr id="7" name="TextBox 6"/>
+              <p:cNvSpPr txBox="1"/>
+              <p:nvPr/>
+            </p:nvSpPr>
+            <p:spPr>
+              <a:xfrm>
+                <a:off x="6254930" y="3299189"/>
+                <a:ext cx="2804160" cy="1200329"/>
+              </a:xfrm>
+              <a:prstGeom prst="rect">
+                <a:avLst/>
+              </a:prstGeom>
+              <a:noFill/>
+            </p:spPr>
+            <p:txBody>
+              <a:bodyPr wrap="square" rtlCol="0">
+                <a:spAutoFit/>
+              </a:bodyPr>
+              <a:lstStyle/>
+              <a:p>
+                <a:r>
+                  <a:rPr lang="en-US" b="1" dirty="0" smtClean="0"/>
+                  <a:t>Keep </a:t>
+                </a:r>
+                <a14:m>
+                  <m:oMath xmlns:m="http://schemas.openxmlformats.org/officeDocument/2006/math">
+                    <m:r>
+                      <a:rPr lang="en-US" b="1" i="1" dirty="0" smtClean="0">
+                        <a:latin typeface="Cambria Math"/>
+                        <a:ea typeface="Cambria Math"/>
+                      </a:rPr>
+                      <m:t>~</m:t>
+                    </m:r>
+                    <m:r>
+                      <a:rPr lang="en-US" b="1" i="1" dirty="0" smtClean="0">
+                        <a:latin typeface="Cambria Math"/>
+                      </a:rPr>
+                      <m:t>𝟐</m:t>
+                    </m:r>
+                    <m:r>
+                      <a:rPr lang="en-US" b="1" i="1" dirty="0" smtClean="0">
+                        <a:latin typeface="Cambria Math"/>
+                      </a:rPr>
+                      <m:t>/</m:t>
+                    </m:r>
+                    <m:r>
+                      <a:rPr lang="en-US" b="1" i="1" dirty="0" smtClean="0">
+                        <a:latin typeface="Cambria Math"/>
+                      </a:rPr>
+                      <m:t>𝟑</m:t>
+                    </m:r>
+                  </m:oMath>
+                </a14:m>
+                <a:r>
+                  <a:rPr lang="en-US" b="1" dirty="0" smtClean="0"/>
+                  <a:t>  of  scaling</a:t>
+                </a:r>
+                <a:endParaRPr lang="en-US" b="1" dirty="0"/>
+              </a:p>
+              <a:p>
+                <a:r>
+                  <a:rPr lang="en-US" b="1" dirty="0"/>
+                  <a:t>acceleration </a:t>
+                </a:r>
+                <a:r>
+                  <a:rPr lang="en-US" b="1" dirty="0" smtClean="0"/>
+                  <a:t>with extreme </a:t>
+                </a:r>
+                <a14:m>
+                  <m:oMath xmlns:m="http://schemas.openxmlformats.org/officeDocument/2006/math">
+                    <m:sSub>
+                      <m:sSubPr>
+                        <m:ctrlPr>
+                          <a:rPr lang="en-US" b="1" i="1">
+                            <a:latin typeface="Cambria Math"/>
+                            <a:ea typeface="Cambria Math"/>
+                          </a:rPr>
+                        </m:ctrlPr>
+                      </m:sSubPr>
+                      <m:e>
+                        <m:r>
+                          <a:rPr lang="en-US" b="1" i="1">
+                            <a:latin typeface="Cambria Math"/>
+                            <a:ea typeface="Cambria Math"/>
+                            <a:sym typeface="Symbol"/>
+                          </a:rPr>
+                          <m:t></m:t>
+                        </m:r>
+                      </m:e>
+                      <m:sub>
+                        <m:r>
+                          <a:rPr lang="el-GR" b="1" i="1">
+                            <a:latin typeface="Cambria Math"/>
+                            <a:ea typeface="Cambria Math"/>
+                          </a:rPr>
+                          <m:t>𝝉</m:t>
+                        </m:r>
+                        <m:r>
+                          <m:rPr>
+                            <m:nor/>
+                          </m:rPr>
+                          <a:rPr lang="en-US" b="1" dirty="0">
+                            <a:ea typeface="Cambria Math"/>
+                          </a:rPr>
+                          <m:t> </m:t>
+                        </m:r>
+                      </m:sub>
+                    </m:sSub>
+                  </m:oMath>
+                </a14:m>
+                <a:r>
+                  <a:rPr lang="en-US" b="1" dirty="0" smtClean="0"/>
+                  <a:t>approximation &amp;         ill-conditioning!</a:t>
+                </a:r>
+                <a:endParaRPr lang="en-US" b="1" dirty="0"/>
+              </a:p>
+            </p:txBody>
+          </p:sp>
+        </mc:Choice>
+        <mc:Fallback>
+          <p:sp>
+            <p:nvSpPr>
+              <p:cNvPr id="7" name="TextBox 6"/>
+              <p:cNvSpPr txBox="1">
+                <a:spLocks noRot="1" noChangeAspect="1" noMove="1" noResize="1" noEditPoints="1" noAdjustHandles="1" noChangeArrowheads="1" noChangeShapeType="1" noTextEdit="1"/>
+              </p:cNvSpPr>
+              <p:nvPr/>
+            </p:nvSpPr>
+            <p:spPr>
+              <a:xfrm>
+                <a:off x="6254930" y="3299189"/>
+                <a:ext cx="2804160" cy="1200329"/>
+              </a:xfrm>
+              <a:prstGeom prst="rect">
+                <a:avLst/>
+              </a:prstGeom>
+              <a:blipFill rotWithShape="1">
+                <a:blip r:embed="rId5"/>
+                <a:stretch>
+                  <a:fillRect l="-1739" t="-2538" b="-7107"/>
+                </a:stretch>
+              </a:blipFill>
+            </p:spPr>
+            <p:txBody>
+              <a:bodyPr/>
+              <a:lstStyle/>
+              <a:p>
+                <a:r>
+                  <a:rPr lang="en-US">
+                    <a:noFill/>
+                  </a:rPr>
+                  <a:t> </a:t>
+                </a:r>
+              </a:p>
+            </p:txBody>
+          </p:sp>
+        </mc:Fallback>
+      </mc:AlternateContent>
     </p:spTree>
     <p:extLst>
       <p:ext uri="{BB962C8B-B14F-4D97-AF65-F5344CB8AC3E}">
@@ -7167,17 +7952,17 @@
               <a:ln/>
             </p:spPr>
             <p:style>
-              <a:lnRef idx="0">
+              <a:lnRef idx="1">
                 <a:schemeClr val="accent4"/>
               </a:lnRef>
-              <a:fillRef idx="3">
+              <a:fillRef idx="2">
                 <a:schemeClr val="accent4"/>
               </a:fillRef>
-              <a:effectRef idx="3">
+              <a:effectRef idx="1">
                 <a:schemeClr val="accent4"/>
               </a:effectRef>
               <a:fontRef idx="minor">
-                <a:schemeClr val="lt1"/>
+                <a:schemeClr val="dk1"/>
               </a:fontRef>
             </p:style>
             <p:txBody>
@@ -7196,7 +7981,22 @@
                 </a:pPr>
                 <a:r>
                   <a:rPr lang="en-US" sz="2200" u="sng" dirty="0" smtClean="0"/>
-                  <a:t>nested NS </a:t>
+                  <a:t>nested </a:t>
+                </a:r>
+                <a:r>
+                  <a:rPr lang="en-US" sz="2200" i="1" u="sng" dirty="0" smtClean="0">
+                    <a:latin typeface="Cambria Math" pitchFamily="18" charset="0"/>
+                    <a:ea typeface="Cambria Math" pitchFamily="18" charset="0"/>
+                  </a:rPr>
+                  <a:t>NS</a:t>
+                </a:r>
+                <a:r>
+                  <a:rPr lang="en-US" sz="2200" u="sng" dirty="0" smtClean="0"/>
+                  <a:t> </a:t>
+                </a:r>
+                <a:r>
+                  <a:rPr lang="en-US" sz="2200" u="sng" dirty="0" smtClean="0"/>
+                  <a:t> </a:t>
                 </a:r>
                 <a:r>
                   <a:rPr lang="en-US" sz="2200" u="sng" dirty="0" err="1" smtClean="0"/>
@@ -8347,7 +9147,19 @@
                 </a:pPr>
                 <a:r>
                   <a:rPr lang="en-US" sz="2200" u="sng" dirty="0" smtClean="0"/>
-                  <a:t>for each layer, the error:</a:t>
+                  <a:t>for each </a:t>
+                </a:r>
+                <a:r>
+                  <a:rPr lang="en-US" sz="2200" u="sng" dirty="0" smtClean="0"/>
+                  <a:t>slice</a:t>
+                </a:r>
+                <a:r>
+                  <a:rPr lang="en-US" sz="2200" u="sng" dirty="0" smtClean="0"/>
+                  <a:t>, </a:t>
+                </a:r>
+                <a:r>
+                  <a:rPr lang="en-US" sz="2200" u="sng" dirty="0" smtClean="0"/>
+                  <a:t>the error:</a:t>
                 </a:r>
                 <a:endParaRPr lang="en-US" sz="2200" i="1" dirty="0" smtClean="0">
                   <a:latin typeface="Cambria Math"/>
@@ -8883,8 +9695,15 @@
                   <a:t> </a:t>
                 </a:r>
                 <a:r>
+                  <a:rPr lang="en-US" sz="2200" i="1" dirty="0" smtClean="0">
+                    <a:latin typeface="Cambria Math" pitchFamily="18" charset="0"/>
+                    <a:ea typeface="Cambria Math" pitchFamily="18" charset="0"/>
+                  </a:rPr>
+                  <a:t>NS</a:t>
+                </a:r>
+                <a:r>
                   <a:rPr lang="en-US" sz="2200" dirty="0" smtClean="0"/>
-                  <a:t>NS. Use </a:t>
+                  <a:t>. Use </a:t>
                 </a:r>
                 <a:r>
                   <a:rPr lang="en-US" sz="2200" dirty="0" smtClean="0"/>
@@ -8996,36 +9815,6 @@
           <a:chExt cx="0" cy="0"/>
         </a:xfrm>
       </p:grpSpPr>
-      <p:pic>
-        <p:nvPicPr>
-          <p:cNvPr id="9" name="Picture 8"/>
-          <p:cNvPicPr>
-            <a:picLocks noChangeAspect="1"/>
-          </p:cNvPicPr>
-          <p:nvPr/>
-        </p:nvPicPr>
-        <p:blipFill>
-          <a:blip r:embed="rId2" cstate="print">
-            <a:extLst>
-              <a:ext uri="{28A0092B-C50C-407E-A947-70E740481C1C}">
-                <a14:useLocalDpi xmlns:a14="http://schemas.microsoft.com/office/drawing/2010/main" val="0"/>
-              </a:ext>
-            </a:extLst>
-          </a:blip>
-          <a:stretch>
-            <a:fillRect/>
-          </a:stretch>
-        </p:blipFill>
-        <p:spPr>
-          <a:xfrm>
-            <a:off x="5562600" y="5181600"/>
-            <a:ext cx="1005840" cy="1005840"/>
-          </a:xfrm>
-          <a:prstGeom prst="rect">
-            <a:avLst/>
-          </a:prstGeom>
-        </p:spPr>
-      </p:pic>
       <p:sp>
         <p:nvSpPr>
           <p:cNvPr id="6" name="Line Callout 1 (Border and Accent Bar) 5"/>
@@ -9166,7 +9955,7 @@
           <p:nvPr/>
         </p:nvPicPr>
         <p:blipFill>
-          <a:blip r:embed="rId3">
+          <a:blip r:embed="rId2">
             <a:extLst>
               <a:ext uri="{28A0092B-C50C-407E-A947-70E740481C1C}">
                 <a14:useLocalDpi xmlns:a14="http://schemas.microsoft.com/office/drawing/2010/main" val="0"/>
@@ -10087,87 +10876,6 @@
           </p:sp>
         </mc:Fallback>
       </mc:AlternateContent>
-      <p:sp>
-        <p:nvSpPr>
-          <p:cNvPr id="12" name="Rectangular Callout 11"/>
-          <p:cNvSpPr/>
-          <p:nvPr/>
-        </p:nvSpPr>
-        <p:spPr>
-          <a:xfrm>
-            <a:off x="6796996" y="5486399"/>
-            <a:ext cx="1966004" cy="570131"/>
-          </a:xfrm>
-          <a:prstGeom prst="wedgeRectCallout">
-            <a:avLst>
-              <a:gd name="adj1" fmla="val -81431"/>
-              <a:gd name="adj2" fmla="val -84195"/>
-            </a:avLst>
-          </a:prstGeom>
-        </p:spPr>
-        <p:style>
-          <a:lnRef idx="1">
-            <a:schemeClr val="accent4"/>
-          </a:lnRef>
-          <a:fillRef idx="2">
-            <a:schemeClr val="accent4"/>
-          </a:fillRef>
-          <a:effectRef idx="1">
-            <a:schemeClr val="accent4"/>
-          </a:effectRef>
-          <a:fontRef idx="minor">
-            <a:schemeClr val="dk1"/>
-          </a:fontRef>
-        </p:style>
-        <p:txBody>
-          <a:bodyPr rtlCol="0" anchor="ctr"/>
-          <a:lstStyle/>
-          <a:p>
-            <a:pPr algn="ctr"/>
-            <a:endParaRPr lang="en-US" dirty="0"/>
-          </a:p>
-        </p:txBody>
-      </p:sp>
-      <p:sp>
-        <p:nvSpPr>
-          <p:cNvPr id="13" name="TextBox 12"/>
-          <p:cNvSpPr txBox="1"/>
-          <p:nvPr/>
-        </p:nvSpPr>
-        <p:spPr>
-          <a:xfrm>
-            <a:off x="6816457" y="5447491"/>
-            <a:ext cx="1972669" cy="646331"/>
-          </a:xfrm>
-          <a:prstGeom prst="rect">
-            <a:avLst/>
-          </a:prstGeom>
-          <a:noFill/>
-        </p:spPr>
-        <p:txBody>
-          <a:bodyPr wrap="square" rtlCol="0">
-            <a:spAutoFit/>
-          </a:bodyPr>
-          <a:lstStyle/>
-          <a:p>
-            <a:r>
-              <a:rPr lang="en-US" b="1" dirty="0" smtClean="0"/>
-              <a:t>Kept about 2/3 of </a:t>
-            </a:r>
-          </a:p>
-          <a:p>
-            <a:r>
-              <a:rPr lang="en-US" b="1" dirty="0"/>
-              <a:t>a</a:t>
-            </a:r>
-            <a:r>
-              <a:rPr lang="en-US" b="1" dirty="0" smtClean="0"/>
-              <a:t>cceleration !</a:t>
-            </a:r>
-            <a:endParaRPr lang="en-US" b="1" dirty="0"/>
-          </a:p>
-        </p:txBody>
-      </p:sp>
     </p:spTree>
     <p:extLst>
       <p:ext uri="{BB962C8B-B14F-4D97-AF65-F5344CB8AC3E}">
@@ -10248,7 +10956,7 @@
         </p:blipFill>
         <p:spPr>
           <a:xfrm>
-            <a:off x="5181600" y="2442063"/>
+            <a:off x="5181600" y="2518263"/>
             <a:ext cx="640080" cy="834537"/>
           </a:xfrm>
           <a:prstGeom prst="rect">
@@ -10445,7 +11153,10 @@
             <a:ext cx="3352800" cy="1410824"/>
           </a:xfrm>
           <a:prstGeom prst="wedgeEllipseCallout">
-            <a:avLst/>
+            <a:avLst>
+              <a:gd name="adj1" fmla="val -24340"/>
+              <a:gd name="adj2" fmla="val 62500"/>
+            </a:avLst>
           </a:prstGeom>
         </p:spPr>
         <p:style>
@@ -10469,7 +11180,19 @@
             <a:pPr algn="ctr"/>
             <a:r>
               <a:rPr lang="en-US" sz="2000" i="1" dirty="0" smtClean="0"/>
-              <a:t>With recursive preconditioning, one resolutions result is another’s error! </a:t>
+              <a:t>With recursive preconditioning, one resolutions </a:t>
+            </a:r>
+            <a:r>
+              <a:rPr lang="en-US" sz="2000" i="1" dirty="0" smtClean="0"/>
+              <a:t>accuracy</a:t>
+            </a:r>
+            <a:r>
+              <a:rPr lang="en-US" sz="2000" i="1" dirty="0" smtClean="0"/>
+              <a:t> </a:t>
+            </a:r>
+            <a:r>
+              <a:rPr lang="en-US" sz="2000" i="1" dirty="0" smtClean="0"/>
+              <a:t>is another’s error! </a:t>
             </a:r>
             <a:endParaRPr lang="en-US" sz="2000" i="1" dirty="0"/>
           </a:p>
@@ -10557,865 +11280,6 @@
 </file>
 
 <file path=ppt/slides/slide18.xml><?xml version="1.0" encoding="utf-8"?>
-<p:sld xmlns:a="http://schemas.openxmlformats.org/drawingml/2006/main" xmlns:r="http://schemas.openxmlformats.org/officeDocument/2006/relationships" xmlns:p="http://schemas.openxmlformats.org/presentationml/2006/main">
-  <p:cSld>
-    <p:spTree>
-      <p:nvGrpSpPr>
-        <p:cNvPr id="1" name=""/>
-        <p:cNvGrpSpPr/>
-        <p:nvPr/>
-      </p:nvGrpSpPr>
-      <p:grpSpPr>
-        <a:xfrm>
-          <a:off x="0" y="0"/>
-          <a:ext cx="0" cy="0"/>
-          <a:chOff x="0" y="0"/>
-          <a:chExt cx="0" cy="0"/>
-        </a:xfrm>
-      </p:grpSpPr>
-      <p:sp>
-        <p:nvSpPr>
-          <p:cNvPr id="13" name="Rectangle 12"/>
-          <p:cNvSpPr/>
-          <p:nvPr/>
-        </p:nvSpPr>
-        <p:spPr>
-          <a:xfrm>
-            <a:off x="152400" y="152400"/>
-            <a:ext cx="8991600" cy="5400472"/>
-          </a:xfrm>
-          <a:prstGeom prst="rect">
-            <a:avLst/>
-          </a:prstGeom>
-        </p:spPr>
-        <p:style>
-          <a:lnRef idx="1">
-            <a:schemeClr val="accent4"/>
-          </a:lnRef>
-          <a:fillRef idx="2">
-            <a:schemeClr val="accent4"/>
-          </a:fillRef>
-          <a:effectRef idx="1">
-            <a:schemeClr val="accent4"/>
-          </a:effectRef>
-          <a:fontRef idx="minor">
-            <a:schemeClr val="dk1"/>
-          </a:fontRef>
-        </p:style>
-        <p:txBody>
-          <a:bodyPr rtlCol="0" anchor="ctr"/>
-          <a:lstStyle/>
-          <a:p>
-            <a:pPr algn="ctr"/>
-            <a:endParaRPr lang="en-US"/>
-          </a:p>
-        </p:txBody>
-      </p:sp>
-      <p:sp>
-        <p:nvSpPr>
-          <p:cNvPr id="9" name="Rounded Rectangle 8"/>
-          <p:cNvSpPr/>
-          <p:nvPr/>
-        </p:nvSpPr>
-        <p:spPr>
-          <a:xfrm>
-            <a:off x="4616670" y="304800"/>
-            <a:ext cx="4419600" cy="2057400"/>
-          </a:xfrm>
-          <a:prstGeom prst="roundRect">
-            <a:avLst/>
-          </a:prstGeom>
-        </p:spPr>
-        <p:style>
-          <a:lnRef idx="1">
-            <a:schemeClr val="accent3"/>
-          </a:lnRef>
-          <a:fillRef idx="2">
-            <a:schemeClr val="accent3"/>
-          </a:fillRef>
-          <a:effectRef idx="1">
-            <a:schemeClr val="accent3"/>
-          </a:effectRef>
-          <a:fontRef idx="minor">
-            <a:schemeClr val="dk1"/>
-          </a:fontRef>
-        </p:style>
-        <p:txBody>
-          <a:bodyPr rtlCol="0" anchor="ctr"/>
-          <a:lstStyle/>
-          <a:p>
-            <a:r>
-              <a:rPr lang="en-US" b="1" u="sng" dirty="0" smtClean="0">
-                <a:solidFill>
-                  <a:schemeClr val="tx1"/>
-                </a:solidFill>
-              </a:rPr>
-              <a:t>MATH</a:t>
-            </a:r>
-            <a:r>
-              <a:rPr lang="en-US" b="1" dirty="0" smtClean="0">
-                <a:solidFill>
-                  <a:schemeClr val="tx1"/>
-                </a:solidFill>
-              </a:rPr>
-              <a:t>:  Nested Approximates</a:t>
-            </a:r>
-          </a:p>
-          <a:p>
-            <a:pPr marL="285750" indent="-285750">
-              <a:buFont typeface="Arial" pitchFamily="34" charset="0"/>
-              <a:buChar char="•"/>
-            </a:pPr>
-            <a:r>
-              <a:rPr lang="en-US" b="1" dirty="0" smtClean="0">
-                <a:solidFill>
-                  <a:schemeClr val="tx1"/>
-                </a:solidFill>
-              </a:rPr>
-              <a:t>|S</a:t>
-            </a:r>
-            <a:r>
-              <a:rPr lang="en-US" b="1" baseline="30000" dirty="0" smtClean="0">
-                <a:solidFill>
-                  <a:schemeClr val="tx1"/>
-                </a:solidFill>
-              </a:rPr>
-              <a:t>-1/2 </a:t>
-            </a:r>
-            <a:r>
-              <a:rPr lang="en-US" b="1" dirty="0" smtClean="0">
-                <a:solidFill>
-                  <a:schemeClr val="tx1"/>
-                </a:solidFill>
-              </a:rPr>
-              <a:t>&gt; = |S</a:t>
-            </a:r>
-            <a:r>
-              <a:rPr lang="en-US" b="1" baseline="30000" dirty="0" smtClean="0">
-                <a:solidFill>
-                  <a:schemeClr val="tx1"/>
-                </a:solidFill>
-              </a:rPr>
-              <a:t>-1/2 </a:t>
-            </a:r>
-            <a:r>
-              <a:rPr lang="en-US" i="1" baseline="-25000" dirty="0" smtClean="0">
-                <a:solidFill>
-                  <a:schemeClr val="tx1"/>
-                </a:solidFill>
-              </a:rPr>
-              <a:t>1</a:t>
-            </a:r>
-            <a:r>
-              <a:rPr lang="en-US" b="1" baseline="-25000" dirty="0" smtClean="0">
-                <a:solidFill>
-                  <a:schemeClr val="tx1"/>
-                </a:solidFill>
-              </a:rPr>
-              <a:t> </a:t>
-            </a:r>
-            <a:r>
-              <a:rPr lang="en-US" b="1" dirty="0" smtClean="0">
-                <a:solidFill>
-                  <a:schemeClr val="tx1"/>
-                </a:solidFill>
-              </a:rPr>
-              <a:t>&gt; |S</a:t>
-            </a:r>
-            <a:r>
-              <a:rPr lang="en-US" b="1" baseline="30000" dirty="0" smtClean="0">
-                <a:solidFill>
-                  <a:schemeClr val="tx1"/>
-                </a:solidFill>
-              </a:rPr>
-              <a:t>-1/2 </a:t>
-            </a:r>
-            <a:r>
-              <a:rPr lang="en-US" i="1" baseline="-25000" dirty="0" smtClean="0">
-                <a:solidFill>
-                  <a:schemeClr val="tx1"/>
-                </a:solidFill>
-              </a:rPr>
-              <a:t>2</a:t>
-            </a:r>
-            <a:r>
-              <a:rPr lang="en-US" b="1" baseline="-25000" dirty="0" smtClean="0">
-                <a:solidFill>
-                  <a:schemeClr val="tx1"/>
-                </a:solidFill>
-              </a:rPr>
-              <a:t> </a:t>
-            </a:r>
-            <a:r>
-              <a:rPr lang="en-US" b="1" dirty="0" smtClean="0">
-                <a:solidFill>
-                  <a:schemeClr val="tx1"/>
-                </a:solidFill>
-              </a:rPr>
-              <a:t>&gt; ... |S</a:t>
-            </a:r>
-            <a:r>
-              <a:rPr lang="en-US" b="1" baseline="30000" dirty="0" smtClean="0">
-                <a:solidFill>
-                  <a:schemeClr val="tx1"/>
-                </a:solidFill>
-              </a:rPr>
-              <a:t>-1/2 </a:t>
-            </a:r>
-            <a:r>
-              <a:rPr lang="en-US" i="1" baseline="-25000" dirty="0" smtClean="0">
-                <a:solidFill>
-                  <a:schemeClr val="tx1"/>
-                </a:solidFill>
-              </a:rPr>
-              <a:t>m</a:t>
-            </a:r>
-            <a:r>
-              <a:rPr lang="en-US" b="1" baseline="-25000" dirty="0" smtClean="0">
-                <a:solidFill>
-                  <a:schemeClr val="tx1"/>
-                </a:solidFill>
-              </a:rPr>
-              <a:t> </a:t>
-            </a:r>
-            <a:r>
-              <a:rPr lang="en-US" b="1" dirty="0" smtClean="0">
-                <a:solidFill>
-                  <a:schemeClr val="tx1"/>
-                </a:solidFill>
-              </a:rPr>
-              <a:t>&gt; </a:t>
-            </a:r>
-            <a:endParaRPr lang="en-US" dirty="0" smtClean="0">
-              <a:solidFill>
-                <a:schemeClr val="tx1"/>
-              </a:solidFill>
-            </a:endParaRPr>
-          </a:p>
-          <a:p>
-            <a:pPr marL="285750" indent="-285750">
-              <a:buFont typeface="Arial" pitchFamily="34" charset="0"/>
-              <a:buChar char="•"/>
-            </a:pPr>
-            <a:r>
-              <a:rPr lang="en-US" dirty="0" smtClean="0">
-                <a:solidFill>
-                  <a:schemeClr val="tx1"/>
-                </a:solidFill>
-              </a:rPr>
-              <a:t>ill-conditioned matrix inverse via nested </a:t>
-            </a:r>
-            <a:r>
-              <a:rPr lang="en-US" dirty="0" err="1" smtClean="0">
-                <a:solidFill>
-                  <a:schemeClr val="tx1"/>
-                </a:solidFill>
-              </a:rPr>
-              <a:t>SpAMM</a:t>
-            </a:r>
-            <a:r>
-              <a:rPr lang="en-US" dirty="0" smtClean="0">
-                <a:solidFill>
-                  <a:schemeClr val="tx1"/>
-                </a:solidFill>
-              </a:rPr>
-              <a:t> algebras</a:t>
-            </a:r>
-          </a:p>
-          <a:p>
-            <a:pPr marL="285750" indent="-285750">
-              <a:buFont typeface="Arial" pitchFamily="34" charset="0"/>
-              <a:buChar char="•"/>
-            </a:pPr>
-            <a:r>
-              <a:rPr lang="en-US" i="1" dirty="0" smtClean="0">
-                <a:solidFill>
-                  <a:schemeClr val="tx1"/>
-                </a:solidFill>
-              </a:rPr>
-              <a:t>O</a:t>
-            </a:r>
-            <a:r>
-              <a:rPr lang="en-US" dirty="0" smtClean="0">
-                <a:solidFill>
-                  <a:schemeClr val="tx1"/>
-                </a:solidFill>
-              </a:rPr>
-              <a:t>(</a:t>
-            </a:r>
-            <a:r>
-              <a:rPr lang="en-US" i="1" dirty="0" smtClean="0">
-                <a:solidFill>
-                  <a:schemeClr val="tx1"/>
-                </a:solidFill>
-              </a:rPr>
-              <a:t>N</a:t>
-            </a:r>
-            <a:r>
-              <a:rPr lang="en-US" dirty="0" smtClean="0">
-                <a:solidFill>
-                  <a:schemeClr val="tx1"/>
-                </a:solidFill>
-              </a:rPr>
-              <a:t>) &amp; tight precision</a:t>
-            </a:r>
-          </a:p>
-          <a:p>
-            <a:pPr marL="285750" indent="-285750">
-              <a:buFont typeface="Arial" pitchFamily="34" charset="0"/>
-              <a:buChar char="•"/>
-            </a:pPr>
-            <a:r>
-              <a:rPr lang="en-US" b="1" i="1" dirty="0" smtClean="0">
-                <a:solidFill>
-                  <a:schemeClr val="tx1"/>
-                </a:solidFill>
-              </a:rPr>
-              <a:t>Metric and gap ill-conditioning </a:t>
-            </a:r>
-          </a:p>
-        </p:txBody>
-      </p:sp>
-      <p:sp>
-        <p:nvSpPr>
-          <p:cNvPr id="14" name="Rounded Rectangle 13"/>
-          <p:cNvSpPr/>
-          <p:nvPr/>
-        </p:nvSpPr>
-        <p:spPr>
-          <a:xfrm>
-            <a:off x="4724400" y="2648129"/>
-            <a:ext cx="4343400" cy="2152471"/>
-          </a:xfrm>
-          <a:prstGeom prst="roundRect">
-            <a:avLst/>
-          </a:prstGeom>
-        </p:spPr>
-        <p:style>
-          <a:lnRef idx="1">
-            <a:schemeClr val="accent1"/>
-          </a:lnRef>
-          <a:fillRef idx="2">
-            <a:schemeClr val="accent1"/>
-          </a:fillRef>
-          <a:effectRef idx="1">
-            <a:schemeClr val="accent1"/>
-          </a:effectRef>
-          <a:fontRef idx="minor">
-            <a:schemeClr val="dk1"/>
-          </a:fontRef>
-        </p:style>
-        <p:txBody>
-          <a:bodyPr rtlCol="0" anchor="ctr"/>
-          <a:lstStyle/>
-          <a:p>
-            <a:r>
-              <a:rPr lang="en-US" b="1" u="sng" dirty="0" smtClean="0">
-                <a:solidFill>
-                  <a:schemeClr val="tx1"/>
-                </a:solidFill>
-              </a:rPr>
-              <a:t>COMPUTER SCIENCE</a:t>
-            </a:r>
-            <a:r>
-              <a:rPr lang="en-US" b="1" dirty="0" smtClean="0">
-                <a:solidFill>
-                  <a:schemeClr val="tx1"/>
-                </a:solidFill>
-              </a:rPr>
-              <a:t>:  </a:t>
-            </a:r>
-            <a:endParaRPr lang="en-US" dirty="0" smtClean="0">
-              <a:solidFill>
-                <a:schemeClr val="tx1"/>
-              </a:solidFill>
-            </a:endParaRPr>
-          </a:p>
-          <a:p>
-            <a:pPr marL="285750" indent="-285750">
-              <a:buFont typeface="Arial" pitchFamily="34" charset="0"/>
-              <a:buChar char="•"/>
-            </a:pPr>
-            <a:r>
-              <a:rPr lang="en-US" b="1" i="1" dirty="0" err="1">
-                <a:solidFill>
-                  <a:schemeClr val="tx1"/>
-                </a:solidFill>
-              </a:rPr>
-              <a:t>G</a:t>
-            </a:r>
-            <a:r>
-              <a:rPr lang="en-US" b="1" i="1" dirty="0" err="1" smtClean="0">
-                <a:solidFill>
-                  <a:schemeClr val="tx1"/>
-                </a:solidFill>
-              </a:rPr>
-              <a:t>eneracity</a:t>
-            </a:r>
-            <a:r>
-              <a:rPr lang="en-US" dirty="0" smtClean="0">
-                <a:solidFill>
-                  <a:schemeClr val="tx1"/>
-                </a:solidFill>
-              </a:rPr>
-              <a:t> , recursive task parallelism , </a:t>
-            </a:r>
-            <a:r>
-              <a:rPr lang="en-US" dirty="0">
-                <a:solidFill>
-                  <a:schemeClr val="tx1"/>
-                </a:solidFill>
-              </a:rPr>
-              <a:t> s</a:t>
-            </a:r>
-            <a:r>
-              <a:rPr lang="en-US" dirty="0" smtClean="0">
-                <a:solidFill>
-                  <a:schemeClr val="tx1"/>
-                </a:solidFill>
-              </a:rPr>
-              <a:t>trong scaling,  </a:t>
-            </a:r>
-            <a:r>
-              <a:rPr lang="en-US" dirty="0" err="1" smtClean="0">
-                <a:solidFill>
-                  <a:schemeClr val="tx1"/>
-                </a:solidFill>
-              </a:rPr>
-              <a:t>mapreduce</a:t>
-            </a:r>
-            <a:r>
-              <a:rPr lang="en-US" dirty="0" smtClean="0">
-                <a:solidFill>
-                  <a:schemeClr val="tx1"/>
-                </a:solidFill>
-              </a:rPr>
-              <a:t> like  </a:t>
-            </a:r>
-          </a:p>
-          <a:p>
-            <a:pPr marL="285750" indent="-285750">
-              <a:buFont typeface="Arial" pitchFamily="34" charset="0"/>
-              <a:buChar char="•"/>
-            </a:pPr>
-            <a:r>
-              <a:rPr lang="en-US" dirty="0" smtClean="0">
-                <a:solidFill>
-                  <a:schemeClr val="tx1"/>
-                </a:solidFill>
-              </a:rPr>
-              <a:t>Functional programming (FP-F08, </a:t>
-            </a:r>
-            <a:r>
-              <a:rPr lang="en-US" dirty="0" err="1" smtClean="0">
-                <a:solidFill>
-                  <a:schemeClr val="tx1"/>
-                </a:solidFill>
-              </a:rPr>
-              <a:t>scala</a:t>
-            </a:r>
-            <a:r>
-              <a:rPr lang="en-US" dirty="0" smtClean="0">
-                <a:solidFill>
-                  <a:schemeClr val="tx1"/>
-                </a:solidFill>
-              </a:rPr>
-              <a:t>)</a:t>
-            </a:r>
-          </a:p>
-          <a:p>
-            <a:pPr marL="285750" indent="-285750">
-              <a:buFont typeface="Arial" pitchFamily="34" charset="0"/>
-              <a:buChar char="•"/>
-            </a:pPr>
-            <a:r>
-              <a:rPr lang="en-US" b="1" i="1" dirty="0" smtClean="0">
-                <a:solidFill>
-                  <a:schemeClr val="tx1"/>
-                </a:solidFill>
-              </a:rPr>
-              <a:t>Distributed to </a:t>
-            </a:r>
-            <a:r>
-              <a:rPr lang="en-US" b="1" i="1" dirty="0" err="1" smtClean="0">
-                <a:solidFill>
-                  <a:schemeClr val="tx1"/>
-                </a:solidFill>
-              </a:rPr>
-              <a:t>descentralized</a:t>
-            </a:r>
-            <a:r>
-              <a:rPr lang="en-US" b="1" i="1" dirty="0" smtClean="0">
-                <a:solidFill>
-                  <a:schemeClr val="tx1"/>
-                </a:solidFill>
-              </a:rPr>
-              <a:t>: </a:t>
-            </a:r>
-            <a:r>
-              <a:rPr lang="en-US" dirty="0" err="1" smtClean="0">
-                <a:solidFill>
-                  <a:schemeClr val="tx1"/>
-                </a:solidFill>
-              </a:rPr>
-              <a:t>charmm</a:t>
-            </a:r>
-            <a:r>
-              <a:rPr lang="en-US" dirty="0" smtClean="0">
-                <a:solidFill>
-                  <a:schemeClr val="tx1"/>
-                </a:solidFill>
-              </a:rPr>
-              <a:t>++  </a:t>
-            </a:r>
-            <a:r>
-              <a:rPr lang="en-US" dirty="0" smtClean="0">
-                <a:solidFill>
-                  <a:schemeClr val="tx1"/>
-                </a:solidFill>
-                <a:latin typeface="Times New Roman"/>
-                <a:cs typeface="Times New Roman"/>
-              </a:rPr>
-              <a:t>→</a:t>
-            </a:r>
-            <a:r>
-              <a:rPr lang="en-US" dirty="0" smtClean="0">
-                <a:solidFill>
-                  <a:schemeClr val="tx1"/>
-                </a:solidFill>
-              </a:rPr>
-              <a:t>  </a:t>
-            </a:r>
-            <a:r>
-              <a:rPr lang="en-US" dirty="0" err="1" smtClean="0">
-                <a:solidFill>
-                  <a:schemeClr val="tx1"/>
-                </a:solidFill>
-              </a:rPr>
-              <a:t>scala</a:t>
-            </a:r>
-            <a:r>
-              <a:rPr lang="en-US" dirty="0" smtClean="0">
-                <a:solidFill>
-                  <a:schemeClr val="tx1"/>
-                </a:solidFill>
-              </a:rPr>
-              <a:t>/spark </a:t>
-            </a:r>
-          </a:p>
-        </p:txBody>
-      </p:sp>
-      <p:sp>
-        <p:nvSpPr>
-          <p:cNvPr id="15" name="Rounded Rectangle 14"/>
-          <p:cNvSpPr/>
-          <p:nvPr/>
-        </p:nvSpPr>
-        <p:spPr>
-          <a:xfrm>
-            <a:off x="228600" y="304800"/>
-            <a:ext cx="4388070" cy="2057400"/>
-          </a:xfrm>
-          <a:prstGeom prst="roundRect">
-            <a:avLst/>
-          </a:prstGeom>
-        </p:spPr>
-        <p:style>
-          <a:lnRef idx="1">
-            <a:schemeClr val="accent1"/>
-          </a:lnRef>
-          <a:fillRef idx="2">
-            <a:schemeClr val="accent1"/>
-          </a:fillRef>
-          <a:effectRef idx="1">
-            <a:schemeClr val="accent1"/>
-          </a:effectRef>
-          <a:fontRef idx="minor">
-            <a:schemeClr val="dk1"/>
-          </a:fontRef>
-        </p:style>
-        <p:txBody>
-          <a:bodyPr rtlCol="0" anchor="ctr"/>
-          <a:lstStyle/>
-          <a:p>
-            <a:r>
-              <a:rPr lang="en-US" b="1" u="sng" dirty="0" smtClean="0">
-                <a:solidFill>
-                  <a:schemeClr val="tx1"/>
-                </a:solidFill>
-              </a:rPr>
-              <a:t>PHYSICS</a:t>
-            </a:r>
-            <a:r>
-              <a:rPr lang="en-US" b="1" dirty="0" smtClean="0">
-                <a:solidFill>
-                  <a:schemeClr val="tx1"/>
-                </a:solidFill>
-              </a:rPr>
-              <a:t>:  Strong Correlation</a:t>
-            </a:r>
-          </a:p>
-          <a:p>
-            <a:pPr marL="285750" indent="-285750">
-              <a:buFont typeface="Arial" pitchFamily="34" charset="0"/>
-              <a:buChar char="•"/>
-            </a:pPr>
-            <a:r>
-              <a:rPr lang="en-US" dirty="0">
-                <a:solidFill>
-                  <a:schemeClr val="tx1"/>
-                </a:solidFill>
-              </a:rPr>
-              <a:t>1</a:t>
-            </a:r>
-            <a:r>
-              <a:rPr lang="en-US" dirty="0" smtClean="0">
-                <a:solidFill>
-                  <a:schemeClr val="tx1"/>
-                </a:solidFill>
-              </a:rPr>
-              <a:t> determinant KSTs w/ </a:t>
-            </a:r>
-            <a:r>
-              <a:rPr lang="en-US" dirty="0" err="1" smtClean="0">
-                <a:solidFill>
-                  <a:schemeClr val="tx1"/>
-                </a:solidFill>
-              </a:rPr>
-              <a:t>Fock</a:t>
-            </a:r>
-            <a:r>
-              <a:rPr lang="en-US" dirty="0" smtClean="0">
-                <a:solidFill>
-                  <a:schemeClr val="tx1"/>
-                </a:solidFill>
-              </a:rPr>
-              <a:t> exchange</a:t>
-            </a:r>
-          </a:p>
-          <a:p>
-            <a:pPr marL="285750" indent="-285750">
-              <a:buFont typeface="Arial" pitchFamily="34" charset="0"/>
-              <a:buChar char="•"/>
-            </a:pPr>
-            <a:r>
-              <a:rPr lang="en-US" dirty="0" smtClean="0">
-                <a:solidFill>
-                  <a:schemeClr val="tx1"/>
-                </a:solidFill>
-              </a:rPr>
-              <a:t>HF/DFT </a:t>
-            </a:r>
-            <a:r>
-              <a:rPr lang="en-US" dirty="0" smtClean="0">
-                <a:solidFill>
-                  <a:schemeClr val="tx1"/>
-                </a:solidFill>
-                <a:latin typeface="Times New Roman"/>
-                <a:cs typeface="Times New Roman"/>
-              </a:rPr>
-              <a:t>→</a:t>
-            </a:r>
-            <a:r>
-              <a:rPr lang="en-US" dirty="0" smtClean="0">
-                <a:solidFill>
-                  <a:schemeClr val="tx1"/>
-                </a:solidFill>
-              </a:rPr>
-              <a:t> range separated exchange </a:t>
-            </a:r>
-            <a:r>
-              <a:rPr lang="en-US" dirty="0" smtClean="0">
-                <a:solidFill>
-                  <a:schemeClr val="tx1"/>
-                </a:solidFill>
-                <a:latin typeface="Times New Roman"/>
-                <a:cs typeface="Times New Roman"/>
-              </a:rPr>
-              <a:t>→</a:t>
-            </a:r>
-            <a:r>
-              <a:rPr lang="en-US" dirty="0" smtClean="0">
-                <a:solidFill>
-                  <a:schemeClr val="tx1"/>
-                </a:solidFill>
-              </a:rPr>
-              <a:t> correlation on top of exchange (B13)</a:t>
-            </a:r>
-          </a:p>
-          <a:p>
-            <a:pPr marL="285750" indent="-285750">
-              <a:buFont typeface="Arial" pitchFamily="34" charset="0"/>
-              <a:buChar char="•"/>
-            </a:pPr>
-            <a:r>
-              <a:rPr lang="en-US" dirty="0" smtClean="0">
-                <a:solidFill>
-                  <a:schemeClr val="tx1"/>
-                </a:solidFill>
-              </a:rPr>
-              <a:t>Difficult linear algebra toward Mott transition (fractional occupations, ill-conditioning)</a:t>
-            </a:r>
-          </a:p>
-        </p:txBody>
-      </p:sp>
-      <p:sp>
-        <p:nvSpPr>
-          <p:cNvPr id="35" name="Rectangle 34"/>
-          <p:cNvSpPr/>
-          <p:nvPr/>
-        </p:nvSpPr>
-        <p:spPr>
-          <a:xfrm>
-            <a:off x="1143000" y="2743200"/>
-            <a:ext cx="3962400" cy="1219200"/>
-          </a:xfrm>
-          <a:prstGeom prst="rect">
-            <a:avLst/>
-          </a:prstGeom>
-        </p:spPr>
-        <p:style>
-          <a:lnRef idx="1">
-            <a:schemeClr val="accent6"/>
-          </a:lnRef>
-          <a:fillRef idx="2">
-            <a:schemeClr val="accent6"/>
-          </a:fillRef>
-          <a:effectRef idx="1">
-            <a:schemeClr val="accent6"/>
-          </a:effectRef>
-          <a:fontRef idx="minor">
-            <a:schemeClr val="dk1"/>
-          </a:fontRef>
-        </p:style>
-        <p:txBody>
-          <a:bodyPr rtlCol="0" anchor="ctr"/>
-          <a:lstStyle/>
-          <a:p>
-            <a:r>
-              <a:rPr lang="en-US" b="1" i="1" dirty="0" smtClean="0">
-                <a:solidFill>
-                  <a:schemeClr val="tx1"/>
-                </a:solidFill>
-              </a:rPr>
-              <a:t>N-BODY SOLVERS: </a:t>
-            </a:r>
-          </a:p>
-          <a:p>
-            <a:pPr marL="285750" indent="-285750">
-              <a:buFont typeface="Arial" pitchFamily="34" charset="0"/>
-              <a:buChar char="•"/>
-            </a:pPr>
-            <a:r>
-              <a:rPr lang="en-US" i="1" dirty="0" smtClean="0">
-                <a:solidFill>
-                  <a:schemeClr val="tx1"/>
-                </a:solidFill>
-              </a:rPr>
-              <a:t>N</a:t>
-            </a:r>
-            <a:r>
-              <a:rPr lang="en-US" dirty="0" smtClean="0">
-                <a:solidFill>
-                  <a:schemeClr val="tx1"/>
-                </a:solidFill>
-              </a:rPr>
-              <a:t>-Body </a:t>
-            </a:r>
-            <a:r>
-              <a:rPr lang="en-US" dirty="0" err="1" smtClean="0">
-                <a:solidFill>
-                  <a:schemeClr val="tx1"/>
-                </a:solidFill>
-              </a:rPr>
-              <a:t>Fock</a:t>
-            </a:r>
-            <a:r>
-              <a:rPr lang="en-US" dirty="0" smtClean="0">
-                <a:solidFill>
-                  <a:schemeClr val="tx1"/>
-                </a:solidFill>
-              </a:rPr>
-              <a:t> exchange (</a:t>
-            </a:r>
-            <a:r>
-              <a:rPr lang="en-US" dirty="0" err="1" smtClean="0">
-                <a:solidFill>
-                  <a:schemeClr val="tx1"/>
-                </a:solidFill>
-              </a:rPr>
-              <a:t>NoFX</a:t>
-            </a:r>
-            <a:r>
-              <a:rPr lang="en-US" dirty="0" smtClean="0">
-                <a:solidFill>
-                  <a:schemeClr val="tx1"/>
-                </a:solidFill>
-              </a:rPr>
-              <a:t>)</a:t>
-            </a:r>
-          </a:p>
-          <a:p>
-            <a:pPr marL="285750" indent="-285750">
-              <a:buFont typeface="Arial" pitchFamily="34" charset="0"/>
-              <a:buChar char="•"/>
-            </a:pPr>
-            <a:r>
-              <a:rPr lang="en-US" i="1" dirty="0" smtClean="0">
-                <a:solidFill>
-                  <a:schemeClr val="tx1"/>
-                </a:solidFill>
-              </a:rPr>
-              <a:t>N</a:t>
-            </a:r>
-            <a:r>
-              <a:rPr lang="en-US" dirty="0" smtClean="0">
-                <a:solidFill>
-                  <a:schemeClr val="tx1"/>
-                </a:solidFill>
-              </a:rPr>
-              <a:t>-Body Linear Algebra (</a:t>
-            </a:r>
-            <a:r>
-              <a:rPr lang="en-US" dirty="0" err="1" smtClean="0">
-                <a:solidFill>
-                  <a:schemeClr val="tx1"/>
-                </a:solidFill>
-              </a:rPr>
-              <a:t>SpAMM</a:t>
-            </a:r>
-            <a:r>
-              <a:rPr lang="en-US" dirty="0" smtClean="0">
-                <a:solidFill>
-                  <a:schemeClr val="tx1"/>
-                </a:solidFill>
-              </a:rPr>
-              <a:t>)</a:t>
-            </a:r>
-          </a:p>
-          <a:p>
-            <a:endParaRPr lang="en-US" dirty="0" smtClean="0">
-              <a:solidFill>
-                <a:schemeClr val="tx1"/>
-              </a:solidFill>
-            </a:endParaRPr>
-          </a:p>
-        </p:txBody>
-      </p:sp>
-    </p:spTree>
-    <p:extLst>
-      <p:ext uri="{BB962C8B-B14F-4D97-AF65-F5344CB8AC3E}">
-        <p14:creationId xmlns:p14="http://schemas.microsoft.com/office/powerpoint/2010/main" val="2838705589"/>
-      </p:ext>
-    </p:extLst>
-  </p:cSld>
-  <p:clrMapOvr>
-    <a:masterClrMapping/>
-  </p:clrMapOvr>
-</p:sld>
-</file>
-
-<file path=ppt/slides/slide19.xml><?xml version="1.0" encoding="utf-8"?>
 <p:sld xmlns:a="http://schemas.openxmlformats.org/drawingml/2006/main" xmlns:r="http://schemas.openxmlformats.org/officeDocument/2006/relationships" xmlns:p="http://schemas.openxmlformats.org/presentationml/2006/main">
   <p:cSld>
     <p:spTree>
@@ -11824,616 +11688,7 @@
 </p:sld>
 </file>
 
-<file path=ppt/slides/slide2.xml><?xml version="1.0" encoding="utf-8"?>
-<p:sld xmlns:a="http://schemas.openxmlformats.org/drawingml/2006/main" xmlns:r="http://schemas.openxmlformats.org/officeDocument/2006/relationships" xmlns:p="http://schemas.openxmlformats.org/presentationml/2006/main">
-  <p:cSld>
-    <p:spTree>
-      <p:nvGrpSpPr>
-        <p:cNvPr id="1" name=""/>
-        <p:cNvGrpSpPr/>
-        <p:nvPr/>
-      </p:nvGrpSpPr>
-      <p:grpSpPr>
-        <a:xfrm>
-          <a:off x="0" y="0"/>
-          <a:ext cx="0" cy="0"/>
-          <a:chOff x="0" y="0"/>
-          <a:chExt cx="0" cy="0"/>
-        </a:xfrm>
-      </p:grpSpPr>
-      <p:sp>
-        <p:nvSpPr>
-          <p:cNvPr id="4" name="TextBox 3"/>
-          <p:cNvSpPr txBox="1"/>
-          <p:nvPr/>
-        </p:nvSpPr>
-        <p:spPr>
-          <a:xfrm>
-            <a:off x="252451" y="238780"/>
-            <a:ext cx="8662949" cy="523220"/>
-          </a:xfrm>
-          <a:prstGeom prst="rect">
-            <a:avLst/>
-          </a:prstGeom>
-          <a:noFill/>
-        </p:spPr>
-        <p:txBody>
-          <a:bodyPr wrap="none" rtlCol="0">
-            <a:spAutoFit/>
-          </a:bodyPr>
-          <a:lstStyle/>
-          <a:p>
-            <a:r>
-              <a:rPr lang="en-US" sz="2800" b="1" dirty="0" smtClean="0">
-                <a:solidFill>
-                  <a:prstClr val="black"/>
-                </a:solidFill>
-                <a:latin typeface="Comic Sans MS" pitchFamily="66" charset="0"/>
-              </a:rPr>
-              <a:t>Quantum Locality &amp; Kohn’s Nearsighted Principle</a:t>
-            </a:r>
-            <a:endParaRPr lang="en-US" sz="2800" b="1" dirty="0">
-              <a:solidFill>
-                <a:prstClr val="black"/>
-              </a:solidFill>
-              <a:latin typeface="Comic Sans MS" pitchFamily="66" charset="0"/>
-            </a:endParaRPr>
-          </a:p>
-        </p:txBody>
-      </p:sp>
-      <p:pic>
-        <p:nvPicPr>
-          <p:cNvPr id="2" name="Picture 1"/>
-          <p:cNvPicPr>
-            <a:picLocks noChangeAspect="1"/>
-          </p:cNvPicPr>
-          <p:nvPr/>
-        </p:nvPicPr>
-        <p:blipFill>
-          <a:blip r:embed="rId2" cstate="print">
-            <a:extLst>
-              <a:ext uri="{28A0092B-C50C-407E-A947-70E740481C1C}">
-                <a14:useLocalDpi xmlns:a14="http://schemas.microsoft.com/office/drawing/2010/main" val="0"/>
-              </a:ext>
-            </a:extLst>
-          </a:blip>
-          <a:stretch>
-            <a:fillRect/>
-          </a:stretch>
-        </p:blipFill>
-        <p:spPr>
-          <a:xfrm>
-            <a:off x="4495800" y="914400"/>
-            <a:ext cx="4572000" cy="3200400"/>
-          </a:xfrm>
-          <a:prstGeom prst="rect">
-            <a:avLst/>
-          </a:prstGeom>
-        </p:spPr>
-      </p:pic>
-      <p:sp>
-        <p:nvSpPr>
-          <p:cNvPr id="5" name="TextBox 4"/>
-          <p:cNvSpPr txBox="1"/>
-          <p:nvPr/>
-        </p:nvSpPr>
-        <p:spPr>
-          <a:xfrm>
-            <a:off x="304800" y="874216"/>
-            <a:ext cx="4419600" cy="4231928"/>
-          </a:xfrm>
-          <a:prstGeom prst="rect">
-            <a:avLst/>
-          </a:prstGeom>
-          <a:noFill/>
-        </p:spPr>
-        <p:txBody>
-          <a:bodyPr wrap="square" rtlCol="0">
-            <a:spAutoFit/>
-          </a:bodyPr>
-          <a:lstStyle/>
-          <a:p>
-            <a:r>
-              <a:rPr lang="en-US" sz="2400" dirty="0" smtClean="0">
-                <a:solidFill>
-                  <a:prstClr val="black"/>
-                </a:solidFill>
-                <a:latin typeface="Comic Sans MS" pitchFamily="66" charset="0"/>
-              </a:rPr>
-              <a:t>In a local, atom centered representation, quantum mechanical matrices possess decay properties.  For non-metallic systems, matrix elements decay exponentially with atom-atom separation: </a:t>
-            </a:r>
-          </a:p>
-          <a:p>
-            <a:pPr>
-              <a:spcBef>
-                <a:spcPts val="600"/>
-              </a:spcBef>
-            </a:pPr>
-            <a:r>
-              <a:rPr lang="en-US" sz="2400" b="1" dirty="0" err="1" smtClean="0">
-                <a:solidFill>
-                  <a:prstClr val="black"/>
-                </a:solidFill>
-                <a:latin typeface="Comic Sans MS" pitchFamily="66" charset="0"/>
-              </a:rPr>
-              <a:t>P</a:t>
-            </a:r>
-            <a:r>
-              <a:rPr lang="en-US" sz="2400" baseline="-25000" dirty="0" err="1" smtClean="0">
-                <a:solidFill>
-                  <a:prstClr val="black"/>
-                </a:solidFill>
-                <a:latin typeface="Comic Sans MS" pitchFamily="66" charset="0"/>
-              </a:rPr>
-              <a:t>ab</a:t>
-            </a:r>
-            <a:r>
-              <a:rPr lang="en-US" sz="2400" dirty="0" smtClean="0">
-                <a:solidFill>
-                  <a:prstClr val="black"/>
-                </a:solidFill>
-                <a:latin typeface="Comic Sans MS" pitchFamily="66" charset="0"/>
-              </a:rPr>
-              <a:t> ~ </a:t>
-            </a:r>
-            <a:r>
-              <a:rPr lang="en-US" sz="2400" dirty="0" err="1">
-                <a:solidFill>
-                  <a:prstClr val="black"/>
-                </a:solidFill>
-                <a:latin typeface="Comic Sans MS" pitchFamily="66" charset="0"/>
-              </a:rPr>
-              <a:t>e</a:t>
-            </a:r>
-            <a:r>
-              <a:rPr lang="en-US" sz="2400" dirty="0" err="1" smtClean="0">
-                <a:solidFill>
-                  <a:prstClr val="black"/>
-                </a:solidFill>
-                <a:latin typeface="Comic Sans MS" pitchFamily="66" charset="0"/>
-              </a:rPr>
-              <a:t>xp</a:t>
-            </a:r>
-            <a:r>
-              <a:rPr lang="en-US" sz="2400" dirty="0" smtClean="0">
-                <a:solidFill>
-                  <a:prstClr val="black"/>
-                </a:solidFill>
-                <a:latin typeface="Comic Sans MS" pitchFamily="66" charset="0"/>
-              </a:rPr>
-              <a:t>(-</a:t>
-            </a:r>
-            <a:r>
-              <a:rPr lang="el-GR" sz="2400" dirty="0" smtClean="0">
-                <a:solidFill>
-                  <a:prstClr val="black"/>
-                </a:solidFill>
-                <a:latin typeface="Comic Sans MS" pitchFamily="66" charset="0"/>
-              </a:rPr>
-              <a:t>β</a:t>
-            </a:r>
-            <a:r>
-              <a:rPr lang="en-US" sz="2400" dirty="0" smtClean="0">
-                <a:solidFill>
-                  <a:prstClr val="black"/>
-                </a:solidFill>
-                <a:latin typeface="Comic Sans MS" pitchFamily="66" charset="0"/>
-              </a:rPr>
-              <a:t>|</a:t>
-            </a:r>
-            <a:r>
-              <a:rPr lang="en-US" sz="2400" b="1" dirty="0" smtClean="0">
-                <a:solidFill>
-                  <a:prstClr val="black"/>
-                </a:solidFill>
-                <a:latin typeface="Comic Sans MS" pitchFamily="66" charset="0"/>
-              </a:rPr>
-              <a:t>R</a:t>
-            </a:r>
-            <a:r>
-              <a:rPr lang="en-US" sz="2400" baseline="-25000" dirty="0" smtClean="0">
-                <a:solidFill>
-                  <a:prstClr val="black"/>
-                </a:solidFill>
-                <a:latin typeface="Comic Sans MS" pitchFamily="66" charset="0"/>
-              </a:rPr>
-              <a:t>a</a:t>
-            </a:r>
-            <a:r>
-              <a:rPr lang="en-US" sz="2400" dirty="0" smtClean="0">
-                <a:solidFill>
-                  <a:prstClr val="black"/>
-                </a:solidFill>
-                <a:latin typeface="Comic Sans MS" pitchFamily="66" charset="0"/>
-              </a:rPr>
-              <a:t>-</a:t>
-            </a:r>
-            <a:r>
-              <a:rPr lang="en-US" sz="2400" b="1" dirty="0" err="1" smtClean="0">
-                <a:solidFill>
-                  <a:prstClr val="black"/>
-                </a:solidFill>
-                <a:latin typeface="Comic Sans MS" pitchFamily="66" charset="0"/>
-              </a:rPr>
-              <a:t>R</a:t>
-            </a:r>
-            <a:r>
-              <a:rPr lang="en-US" sz="2400" baseline="-25000" dirty="0" err="1" smtClean="0">
-                <a:solidFill>
-                  <a:prstClr val="black"/>
-                </a:solidFill>
-                <a:latin typeface="Comic Sans MS" pitchFamily="66" charset="0"/>
-              </a:rPr>
-              <a:t>b</a:t>
-            </a:r>
-            <a:r>
-              <a:rPr lang="en-US" sz="2400" dirty="0" smtClean="0">
-                <a:solidFill>
-                  <a:prstClr val="black"/>
-                </a:solidFill>
-                <a:latin typeface="Comic Sans MS" pitchFamily="66" charset="0"/>
-              </a:rPr>
-              <a:t>|)</a:t>
-            </a:r>
-          </a:p>
-          <a:p>
-            <a:endParaRPr lang="en-US" sz="2400" dirty="0">
-              <a:solidFill>
-                <a:prstClr val="black"/>
-              </a:solidFill>
-              <a:latin typeface="Comic Sans MS" pitchFamily="66" charset="0"/>
-            </a:endParaRPr>
-          </a:p>
-          <a:p>
-            <a:endParaRPr lang="en-US" sz="2400" dirty="0" smtClean="0">
-              <a:solidFill>
-                <a:prstClr val="black"/>
-              </a:solidFill>
-              <a:latin typeface="Comic Sans MS" pitchFamily="66" charset="0"/>
-            </a:endParaRPr>
-          </a:p>
-          <a:p>
-            <a:endParaRPr lang="en-US" sz="2400" dirty="0">
-              <a:solidFill>
-                <a:prstClr val="black"/>
-              </a:solidFill>
-              <a:latin typeface="Comic Sans MS" pitchFamily="66" charset="0"/>
-            </a:endParaRPr>
-          </a:p>
-        </p:txBody>
-      </p:sp>
-      <p:sp>
-        <p:nvSpPr>
-          <p:cNvPr id="3" name="Rectangle 2"/>
-          <p:cNvSpPr/>
-          <p:nvPr/>
-        </p:nvSpPr>
-        <p:spPr>
-          <a:xfrm>
-            <a:off x="5943600" y="914400"/>
-            <a:ext cx="3124199" cy="1219200"/>
-          </a:xfrm>
-          <a:prstGeom prst="rect">
-            <a:avLst/>
-          </a:prstGeom>
-          <a:solidFill>
-            <a:schemeClr val="bg1"/>
-          </a:solidFill>
-          <a:ln>
-            <a:solidFill>
-              <a:schemeClr val="bg1"/>
-            </a:solidFill>
-          </a:ln>
-        </p:spPr>
-        <p:style>
-          <a:lnRef idx="2">
-            <a:schemeClr val="accent1">
-              <a:shade val="50000"/>
-            </a:schemeClr>
-          </a:lnRef>
-          <a:fillRef idx="1">
-            <a:schemeClr val="accent1"/>
-          </a:fillRef>
-          <a:effectRef idx="0">
-            <a:schemeClr val="accent1"/>
-          </a:effectRef>
-          <a:fontRef idx="minor">
-            <a:schemeClr val="lt1"/>
-          </a:fontRef>
-        </p:style>
-        <p:txBody>
-          <a:bodyPr rtlCol="0" anchor="ctr"/>
-          <a:lstStyle/>
-          <a:p>
-            <a:pPr algn="ctr"/>
-            <a:endParaRPr lang="en-US"/>
-          </a:p>
-        </p:txBody>
-      </p:sp>
-      <p:sp>
-        <p:nvSpPr>
-          <p:cNvPr id="7" name="TextBox 6"/>
-          <p:cNvSpPr txBox="1"/>
-          <p:nvPr/>
-        </p:nvSpPr>
-        <p:spPr>
-          <a:xfrm>
-            <a:off x="5649877" y="914400"/>
-            <a:ext cx="3365024" cy="1015663"/>
-          </a:xfrm>
-          <a:prstGeom prst="rect">
-            <a:avLst/>
-          </a:prstGeom>
-          <a:solidFill>
-            <a:schemeClr val="bg1"/>
-          </a:solidFill>
-        </p:spPr>
-        <p:txBody>
-          <a:bodyPr wrap="none" rtlCol="0">
-            <a:spAutoFit/>
-          </a:bodyPr>
-          <a:lstStyle/>
-          <a:p>
-            <a:r>
-              <a:rPr lang="en-US" sz="2000" b="1" i="1" dirty="0">
-                <a:solidFill>
-                  <a:srgbClr val="FF0000"/>
-                </a:solidFill>
-                <a:latin typeface="Comic Sans MS" pitchFamily="66" charset="0"/>
-              </a:rPr>
-              <a:t>b</a:t>
-            </a:r>
-            <a:r>
-              <a:rPr lang="en-US" sz="2000" b="1" i="1" dirty="0" smtClean="0">
-                <a:solidFill>
-                  <a:srgbClr val="FF0000"/>
-                </a:solidFill>
-                <a:latin typeface="Comic Sans MS" pitchFamily="66" charset="0"/>
-              </a:rPr>
-              <a:t>ulk water</a:t>
-            </a:r>
-          </a:p>
-          <a:p>
-            <a:r>
-              <a:rPr lang="en-US" sz="2000" b="1" i="1" dirty="0">
-                <a:solidFill>
-                  <a:srgbClr val="FFC000"/>
-                </a:solidFill>
-                <a:latin typeface="Comic Sans MS" pitchFamily="66" charset="0"/>
-              </a:rPr>
-              <a:t>s</a:t>
-            </a:r>
-            <a:r>
-              <a:rPr lang="en-US" sz="2000" b="1" i="1" dirty="0" smtClean="0">
-                <a:solidFill>
-                  <a:srgbClr val="FFC000"/>
-                </a:solidFill>
-                <a:latin typeface="Comic Sans MS" pitchFamily="66" charset="0"/>
-              </a:rPr>
-              <a:t>emi-conducting nanotube</a:t>
-            </a:r>
-          </a:p>
-          <a:p>
-            <a:r>
-              <a:rPr lang="en-US" sz="2000" b="1" i="1" dirty="0">
-                <a:solidFill>
-                  <a:srgbClr val="0070C0"/>
-                </a:solidFill>
-                <a:latin typeface="Comic Sans MS" pitchFamily="66" charset="0"/>
-              </a:rPr>
-              <a:t>m</a:t>
-            </a:r>
-            <a:r>
-              <a:rPr lang="en-US" sz="2000" b="1" i="1" dirty="0" smtClean="0">
-                <a:solidFill>
-                  <a:srgbClr val="0070C0"/>
-                </a:solidFill>
-                <a:latin typeface="Comic Sans MS" pitchFamily="66" charset="0"/>
-              </a:rPr>
-              <a:t>etallic nanotube</a:t>
-            </a:r>
-            <a:endParaRPr lang="en-US" sz="2000" b="1" dirty="0">
-              <a:solidFill>
-                <a:srgbClr val="0070C0"/>
-              </a:solidFill>
-              <a:latin typeface="Comic Sans MS" pitchFamily="66" charset="0"/>
-            </a:endParaRPr>
-          </a:p>
-        </p:txBody>
-      </p:sp>
-      <p:sp>
-        <p:nvSpPr>
-          <p:cNvPr id="8" name="TextBox 7"/>
-          <p:cNvSpPr txBox="1"/>
-          <p:nvPr/>
-        </p:nvSpPr>
-        <p:spPr>
-          <a:xfrm>
-            <a:off x="304800" y="4267200"/>
-            <a:ext cx="8763000" cy="2554545"/>
-          </a:xfrm>
-          <a:prstGeom prst="rect">
-            <a:avLst/>
-          </a:prstGeom>
-          <a:noFill/>
-        </p:spPr>
-        <p:txBody>
-          <a:bodyPr wrap="square" rtlCol="0">
-            <a:spAutoFit/>
-          </a:bodyPr>
-          <a:lstStyle/>
-          <a:p>
-            <a:pPr>
-              <a:spcBef>
-                <a:spcPts val="600"/>
-              </a:spcBef>
-              <a:spcAft>
-                <a:spcPts val="600"/>
-              </a:spcAft>
-            </a:pPr>
-            <a:r>
-              <a:rPr lang="en-US" sz="2400" dirty="0" smtClean="0">
-                <a:solidFill>
-                  <a:prstClr val="black"/>
-                </a:solidFill>
-                <a:latin typeface="Comic Sans MS" pitchFamily="66" charset="0"/>
-              </a:rPr>
-              <a:t>The rate of matrix decay is controlled by:</a:t>
-            </a:r>
-            <a:endParaRPr lang="en-US" sz="2400" dirty="0">
-              <a:solidFill>
-                <a:prstClr val="black"/>
-              </a:solidFill>
-              <a:latin typeface="Comic Sans MS" pitchFamily="66" charset="0"/>
-            </a:endParaRPr>
-          </a:p>
-          <a:p>
-            <a:pPr marL="342900" indent="-342900">
-              <a:spcBef>
-                <a:spcPts val="600"/>
-              </a:spcBef>
-              <a:spcAft>
-                <a:spcPts val="600"/>
-              </a:spcAft>
-              <a:buFont typeface="Arial" pitchFamily="34" charset="0"/>
-              <a:buChar char="•"/>
-            </a:pPr>
-            <a:r>
-              <a:rPr lang="en-US" sz="2400" dirty="0" smtClean="0">
-                <a:solidFill>
-                  <a:prstClr val="black"/>
-                </a:solidFill>
-                <a:latin typeface="Comic Sans MS" pitchFamily="66" charset="0"/>
-              </a:rPr>
-              <a:t>The HOMO-LUMO or band gap</a:t>
-            </a:r>
-          </a:p>
-          <a:p>
-            <a:pPr marL="342900" indent="-342900">
-              <a:spcBef>
-                <a:spcPts val="600"/>
-              </a:spcBef>
-              <a:spcAft>
-                <a:spcPts val="600"/>
-              </a:spcAft>
-              <a:buFont typeface="Arial" pitchFamily="34" charset="0"/>
-              <a:buChar char="•"/>
-            </a:pPr>
-            <a:r>
-              <a:rPr lang="en-US" sz="2400" dirty="0">
-                <a:solidFill>
-                  <a:prstClr val="black"/>
-                </a:solidFill>
-                <a:latin typeface="Comic Sans MS" pitchFamily="66" charset="0"/>
-              </a:rPr>
-              <a:t>N</a:t>
-            </a:r>
-            <a:r>
-              <a:rPr lang="en-US" sz="2400" dirty="0" smtClean="0">
-                <a:solidFill>
-                  <a:prstClr val="black"/>
-                </a:solidFill>
-                <a:latin typeface="Comic Sans MS" pitchFamily="66" charset="0"/>
-              </a:rPr>
-              <a:t>on-</a:t>
-            </a:r>
-            <a:r>
-              <a:rPr lang="en-US" sz="2400" dirty="0" err="1" smtClean="0">
-                <a:solidFill>
-                  <a:prstClr val="black"/>
-                </a:solidFill>
-                <a:latin typeface="Comic Sans MS" pitchFamily="66" charset="0"/>
-              </a:rPr>
-              <a:t>orthogonality</a:t>
-            </a:r>
-            <a:r>
-              <a:rPr lang="en-US" sz="2400" dirty="0" smtClean="0">
-                <a:solidFill>
-                  <a:prstClr val="black"/>
-                </a:solidFill>
-                <a:latin typeface="Comic Sans MS" pitchFamily="66" charset="0"/>
-              </a:rPr>
-              <a:t> of the basis (metric ill-conditioning)</a:t>
-            </a:r>
-          </a:p>
-          <a:p>
-            <a:pPr marL="342900" indent="-342900">
-              <a:spcBef>
-                <a:spcPts val="600"/>
-              </a:spcBef>
-              <a:spcAft>
-                <a:spcPts val="600"/>
-              </a:spcAft>
-              <a:buFont typeface="Arial" pitchFamily="34" charset="0"/>
-              <a:buChar char="•"/>
-            </a:pPr>
-            <a:r>
-              <a:rPr lang="en-US" sz="2400" dirty="0">
-                <a:solidFill>
-                  <a:prstClr val="black"/>
-                </a:solidFill>
-                <a:latin typeface="Comic Sans MS" pitchFamily="66" charset="0"/>
-              </a:rPr>
-              <a:t>T</a:t>
-            </a:r>
-            <a:r>
-              <a:rPr lang="en-US" sz="2400" dirty="0" smtClean="0">
-                <a:solidFill>
-                  <a:prstClr val="black"/>
-                </a:solidFill>
-                <a:latin typeface="Comic Sans MS" pitchFamily="66" charset="0"/>
-              </a:rPr>
-              <a:t>hese effects may be intertwined</a:t>
-            </a:r>
-          </a:p>
-          <a:p>
-            <a:pPr>
-              <a:spcBef>
-                <a:spcPts val="600"/>
-              </a:spcBef>
-              <a:spcAft>
-                <a:spcPts val="600"/>
-              </a:spcAft>
-            </a:pPr>
-            <a:r>
-              <a:rPr lang="en-US" sz="2400" dirty="0" smtClean="0">
-                <a:solidFill>
-                  <a:prstClr val="black"/>
-                </a:solidFill>
-                <a:latin typeface="Comic Sans MS" pitchFamily="66" charset="0"/>
-              </a:rPr>
-              <a:t> </a:t>
-            </a:r>
-            <a:endParaRPr lang="en-US" sz="2400" dirty="0">
-              <a:solidFill>
-                <a:prstClr val="black"/>
-              </a:solidFill>
-              <a:latin typeface="Comic Sans MS" pitchFamily="66" charset="0"/>
-            </a:endParaRPr>
-          </a:p>
-        </p:txBody>
-      </p:sp>
-    </p:spTree>
-    <p:extLst>
-      <p:ext uri="{BB962C8B-B14F-4D97-AF65-F5344CB8AC3E}">
-        <p14:creationId xmlns:p14="http://schemas.microsoft.com/office/powerpoint/2010/main" val="2174652431"/>
-      </p:ext>
-    </p:extLst>
-  </p:cSld>
-  <p:clrMapOvr>
-    <a:masterClrMapping/>
-  </p:clrMapOvr>
-  <p:timing>
-    <p:tnLst>
-      <p:par>
-        <p:cTn id="1" dur="indefinite" restart="never" nodeType="tmRoot"/>
-      </p:par>
-    </p:tnLst>
-  </p:timing>
-</p:sld>
-</file>
-
-<file path=ppt/slides/slide20.xml><?xml version="1.0" encoding="utf-8"?>
+<file path=ppt/slides/slide19.xml><?xml version="1.0" encoding="utf-8"?>
 <p:sld xmlns:a="http://schemas.openxmlformats.org/drawingml/2006/main" xmlns:r="http://schemas.openxmlformats.org/officeDocument/2006/relationships" xmlns:p="http://schemas.openxmlformats.org/presentationml/2006/main">
   <p:cSld>
     <p:spTree>
@@ -12948,7 +12203,616 @@
 </p:sld>
 </file>
 
-<file path=ppt/slides/slide21.xml><?xml version="1.0" encoding="utf-8"?>
+<file path=ppt/slides/slide2.xml><?xml version="1.0" encoding="utf-8"?>
+<p:sld xmlns:a="http://schemas.openxmlformats.org/drawingml/2006/main" xmlns:r="http://schemas.openxmlformats.org/officeDocument/2006/relationships" xmlns:p="http://schemas.openxmlformats.org/presentationml/2006/main">
+  <p:cSld>
+    <p:spTree>
+      <p:nvGrpSpPr>
+        <p:cNvPr id="1" name=""/>
+        <p:cNvGrpSpPr/>
+        <p:nvPr/>
+      </p:nvGrpSpPr>
+      <p:grpSpPr>
+        <a:xfrm>
+          <a:off x="0" y="0"/>
+          <a:ext cx="0" cy="0"/>
+          <a:chOff x="0" y="0"/>
+          <a:chExt cx="0" cy="0"/>
+        </a:xfrm>
+      </p:grpSpPr>
+      <p:sp>
+        <p:nvSpPr>
+          <p:cNvPr id="4" name="TextBox 3"/>
+          <p:cNvSpPr txBox="1"/>
+          <p:nvPr/>
+        </p:nvSpPr>
+        <p:spPr>
+          <a:xfrm>
+            <a:off x="252451" y="238780"/>
+            <a:ext cx="8662949" cy="523220"/>
+          </a:xfrm>
+          <a:prstGeom prst="rect">
+            <a:avLst/>
+          </a:prstGeom>
+          <a:noFill/>
+        </p:spPr>
+        <p:txBody>
+          <a:bodyPr wrap="none" rtlCol="0">
+            <a:spAutoFit/>
+          </a:bodyPr>
+          <a:lstStyle/>
+          <a:p>
+            <a:r>
+              <a:rPr lang="en-US" sz="2800" b="1" dirty="0" smtClean="0">
+                <a:solidFill>
+                  <a:prstClr val="black"/>
+                </a:solidFill>
+                <a:latin typeface="Comic Sans MS" pitchFamily="66" charset="0"/>
+              </a:rPr>
+              <a:t>Quantum Locality &amp; Kohn’s Nearsighted Principle</a:t>
+            </a:r>
+            <a:endParaRPr lang="en-US" sz="2800" b="1" dirty="0">
+              <a:solidFill>
+                <a:prstClr val="black"/>
+              </a:solidFill>
+              <a:latin typeface="Comic Sans MS" pitchFamily="66" charset="0"/>
+            </a:endParaRPr>
+          </a:p>
+        </p:txBody>
+      </p:sp>
+      <p:pic>
+        <p:nvPicPr>
+          <p:cNvPr id="2" name="Picture 1"/>
+          <p:cNvPicPr>
+            <a:picLocks noChangeAspect="1"/>
+          </p:cNvPicPr>
+          <p:nvPr/>
+        </p:nvPicPr>
+        <p:blipFill>
+          <a:blip r:embed="rId2" cstate="print">
+            <a:extLst>
+              <a:ext uri="{28A0092B-C50C-407E-A947-70E740481C1C}">
+                <a14:useLocalDpi xmlns:a14="http://schemas.microsoft.com/office/drawing/2010/main" val="0"/>
+              </a:ext>
+            </a:extLst>
+          </a:blip>
+          <a:stretch>
+            <a:fillRect/>
+          </a:stretch>
+        </p:blipFill>
+        <p:spPr>
+          <a:xfrm>
+            <a:off x="4495800" y="914400"/>
+            <a:ext cx="4572000" cy="3200400"/>
+          </a:xfrm>
+          <a:prstGeom prst="rect">
+            <a:avLst/>
+          </a:prstGeom>
+        </p:spPr>
+      </p:pic>
+      <p:sp>
+        <p:nvSpPr>
+          <p:cNvPr id="5" name="TextBox 4"/>
+          <p:cNvSpPr txBox="1"/>
+          <p:nvPr/>
+        </p:nvSpPr>
+        <p:spPr>
+          <a:xfrm>
+            <a:off x="304800" y="874216"/>
+            <a:ext cx="4419600" cy="4231928"/>
+          </a:xfrm>
+          <a:prstGeom prst="rect">
+            <a:avLst/>
+          </a:prstGeom>
+          <a:noFill/>
+        </p:spPr>
+        <p:txBody>
+          <a:bodyPr wrap="square" rtlCol="0">
+            <a:spAutoFit/>
+          </a:bodyPr>
+          <a:lstStyle/>
+          <a:p>
+            <a:r>
+              <a:rPr lang="en-US" sz="2400" dirty="0" smtClean="0">
+                <a:solidFill>
+                  <a:prstClr val="black"/>
+                </a:solidFill>
+                <a:latin typeface="Comic Sans MS" pitchFamily="66" charset="0"/>
+              </a:rPr>
+              <a:t>In a local, atom centered representation, quantum mechanical matrices possess decay properties.  For non-metallic systems, matrix elements decay exponentially with atom-atom separation: </a:t>
+            </a:r>
+          </a:p>
+          <a:p>
+            <a:pPr>
+              <a:spcBef>
+                <a:spcPts val="600"/>
+              </a:spcBef>
+            </a:pPr>
+            <a:r>
+              <a:rPr lang="en-US" sz="2400" b="1" dirty="0" err="1" smtClean="0">
+                <a:solidFill>
+                  <a:prstClr val="black"/>
+                </a:solidFill>
+                <a:latin typeface="Comic Sans MS" pitchFamily="66" charset="0"/>
+              </a:rPr>
+              <a:t>P</a:t>
+            </a:r>
+            <a:r>
+              <a:rPr lang="en-US" sz="2400" baseline="-25000" dirty="0" err="1" smtClean="0">
+                <a:solidFill>
+                  <a:prstClr val="black"/>
+                </a:solidFill>
+                <a:latin typeface="Comic Sans MS" pitchFamily="66" charset="0"/>
+              </a:rPr>
+              <a:t>ab</a:t>
+            </a:r>
+            <a:r>
+              <a:rPr lang="en-US" sz="2400" dirty="0" smtClean="0">
+                <a:solidFill>
+                  <a:prstClr val="black"/>
+                </a:solidFill>
+                <a:latin typeface="Comic Sans MS" pitchFamily="66" charset="0"/>
+              </a:rPr>
+              <a:t> ~ </a:t>
+            </a:r>
+            <a:r>
+              <a:rPr lang="en-US" sz="2400" dirty="0" err="1">
+                <a:solidFill>
+                  <a:prstClr val="black"/>
+                </a:solidFill>
+                <a:latin typeface="Comic Sans MS" pitchFamily="66" charset="0"/>
+              </a:rPr>
+              <a:t>e</a:t>
+            </a:r>
+            <a:r>
+              <a:rPr lang="en-US" sz="2400" dirty="0" err="1" smtClean="0">
+                <a:solidFill>
+                  <a:prstClr val="black"/>
+                </a:solidFill>
+                <a:latin typeface="Comic Sans MS" pitchFamily="66" charset="0"/>
+              </a:rPr>
+              <a:t>xp</a:t>
+            </a:r>
+            <a:r>
+              <a:rPr lang="en-US" sz="2400" dirty="0" smtClean="0">
+                <a:solidFill>
+                  <a:prstClr val="black"/>
+                </a:solidFill>
+                <a:latin typeface="Comic Sans MS" pitchFamily="66" charset="0"/>
+              </a:rPr>
+              <a:t>(-</a:t>
+            </a:r>
+            <a:r>
+              <a:rPr lang="el-GR" sz="2400" dirty="0" smtClean="0">
+                <a:solidFill>
+                  <a:prstClr val="black"/>
+                </a:solidFill>
+                <a:latin typeface="Comic Sans MS" pitchFamily="66" charset="0"/>
+              </a:rPr>
+              <a:t>β</a:t>
+            </a:r>
+            <a:r>
+              <a:rPr lang="en-US" sz="2400" dirty="0" smtClean="0">
+                <a:solidFill>
+                  <a:prstClr val="black"/>
+                </a:solidFill>
+                <a:latin typeface="Comic Sans MS" pitchFamily="66" charset="0"/>
+              </a:rPr>
+              <a:t>|</a:t>
+            </a:r>
+            <a:r>
+              <a:rPr lang="en-US" sz="2400" b="1" dirty="0" smtClean="0">
+                <a:solidFill>
+                  <a:prstClr val="black"/>
+                </a:solidFill>
+                <a:latin typeface="Comic Sans MS" pitchFamily="66" charset="0"/>
+              </a:rPr>
+              <a:t>R</a:t>
+            </a:r>
+            <a:r>
+              <a:rPr lang="en-US" sz="2400" baseline="-25000" dirty="0" smtClean="0">
+                <a:solidFill>
+                  <a:prstClr val="black"/>
+                </a:solidFill>
+                <a:latin typeface="Comic Sans MS" pitchFamily="66" charset="0"/>
+              </a:rPr>
+              <a:t>a</a:t>
+            </a:r>
+            <a:r>
+              <a:rPr lang="en-US" sz="2400" dirty="0" smtClean="0">
+                <a:solidFill>
+                  <a:prstClr val="black"/>
+                </a:solidFill>
+                <a:latin typeface="Comic Sans MS" pitchFamily="66" charset="0"/>
+              </a:rPr>
+              <a:t>-</a:t>
+            </a:r>
+            <a:r>
+              <a:rPr lang="en-US" sz="2400" b="1" dirty="0" err="1" smtClean="0">
+                <a:solidFill>
+                  <a:prstClr val="black"/>
+                </a:solidFill>
+                <a:latin typeface="Comic Sans MS" pitchFamily="66" charset="0"/>
+              </a:rPr>
+              <a:t>R</a:t>
+            </a:r>
+            <a:r>
+              <a:rPr lang="en-US" sz="2400" baseline="-25000" dirty="0" err="1" smtClean="0">
+                <a:solidFill>
+                  <a:prstClr val="black"/>
+                </a:solidFill>
+                <a:latin typeface="Comic Sans MS" pitchFamily="66" charset="0"/>
+              </a:rPr>
+              <a:t>b</a:t>
+            </a:r>
+            <a:r>
+              <a:rPr lang="en-US" sz="2400" dirty="0" smtClean="0">
+                <a:solidFill>
+                  <a:prstClr val="black"/>
+                </a:solidFill>
+                <a:latin typeface="Comic Sans MS" pitchFamily="66" charset="0"/>
+              </a:rPr>
+              <a:t>|)</a:t>
+            </a:r>
+          </a:p>
+          <a:p>
+            <a:endParaRPr lang="en-US" sz="2400" dirty="0">
+              <a:solidFill>
+                <a:prstClr val="black"/>
+              </a:solidFill>
+              <a:latin typeface="Comic Sans MS" pitchFamily="66" charset="0"/>
+            </a:endParaRPr>
+          </a:p>
+          <a:p>
+            <a:endParaRPr lang="en-US" sz="2400" dirty="0" smtClean="0">
+              <a:solidFill>
+                <a:prstClr val="black"/>
+              </a:solidFill>
+              <a:latin typeface="Comic Sans MS" pitchFamily="66" charset="0"/>
+            </a:endParaRPr>
+          </a:p>
+          <a:p>
+            <a:endParaRPr lang="en-US" sz="2400" dirty="0">
+              <a:solidFill>
+                <a:prstClr val="black"/>
+              </a:solidFill>
+              <a:latin typeface="Comic Sans MS" pitchFamily="66" charset="0"/>
+            </a:endParaRPr>
+          </a:p>
+        </p:txBody>
+      </p:sp>
+      <p:sp>
+        <p:nvSpPr>
+          <p:cNvPr id="3" name="Rectangle 2"/>
+          <p:cNvSpPr/>
+          <p:nvPr/>
+        </p:nvSpPr>
+        <p:spPr>
+          <a:xfrm>
+            <a:off x="5943600" y="914400"/>
+            <a:ext cx="3124199" cy="1219200"/>
+          </a:xfrm>
+          <a:prstGeom prst="rect">
+            <a:avLst/>
+          </a:prstGeom>
+          <a:solidFill>
+            <a:schemeClr val="bg1"/>
+          </a:solidFill>
+          <a:ln>
+            <a:solidFill>
+              <a:schemeClr val="bg1"/>
+            </a:solidFill>
+          </a:ln>
+        </p:spPr>
+        <p:style>
+          <a:lnRef idx="2">
+            <a:schemeClr val="accent1">
+              <a:shade val="50000"/>
+            </a:schemeClr>
+          </a:lnRef>
+          <a:fillRef idx="1">
+            <a:schemeClr val="accent1"/>
+          </a:fillRef>
+          <a:effectRef idx="0">
+            <a:schemeClr val="accent1"/>
+          </a:effectRef>
+          <a:fontRef idx="minor">
+            <a:schemeClr val="lt1"/>
+          </a:fontRef>
+        </p:style>
+        <p:txBody>
+          <a:bodyPr rtlCol="0" anchor="ctr"/>
+          <a:lstStyle/>
+          <a:p>
+            <a:pPr algn="ctr"/>
+            <a:endParaRPr lang="en-US"/>
+          </a:p>
+        </p:txBody>
+      </p:sp>
+      <p:sp>
+        <p:nvSpPr>
+          <p:cNvPr id="7" name="TextBox 6"/>
+          <p:cNvSpPr txBox="1"/>
+          <p:nvPr/>
+        </p:nvSpPr>
+        <p:spPr>
+          <a:xfrm>
+            <a:off x="5649877" y="914400"/>
+            <a:ext cx="3365024" cy="1015663"/>
+          </a:xfrm>
+          <a:prstGeom prst="rect">
+            <a:avLst/>
+          </a:prstGeom>
+          <a:solidFill>
+            <a:schemeClr val="bg1"/>
+          </a:solidFill>
+        </p:spPr>
+        <p:txBody>
+          <a:bodyPr wrap="none" rtlCol="0">
+            <a:spAutoFit/>
+          </a:bodyPr>
+          <a:lstStyle/>
+          <a:p>
+            <a:r>
+              <a:rPr lang="en-US" sz="2000" b="1" i="1" dirty="0">
+                <a:solidFill>
+                  <a:srgbClr val="FF0000"/>
+                </a:solidFill>
+                <a:latin typeface="Comic Sans MS" pitchFamily="66" charset="0"/>
+              </a:rPr>
+              <a:t>b</a:t>
+            </a:r>
+            <a:r>
+              <a:rPr lang="en-US" sz="2000" b="1" i="1" dirty="0" smtClean="0">
+                <a:solidFill>
+                  <a:srgbClr val="FF0000"/>
+                </a:solidFill>
+                <a:latin typeface="Comic Sans MS" pitchFamily="66" charset="0"/>
+              </a:rPr>
+              <a:t>ulk water</a:t>
+            </a:r>
+          </a:p>
+          <a:p>
+            <a:r>
+              <a:rPr lang="en-US" sz="2000" b="1" i="1" dirty="0">
+                <a:solidFill>
+                  <a:srgbClr val="FFC000"/>
+                </a:solidFill>
+                <a:latin typeface="Comic Sans MS" pitchFamily="66" charset="0"/>
+              </a:rPr>
+              <a:t>s</a:t>
+            </a:r>
+            <a:r>
+              <a:rPr lang="en-US" sz="2000" b="1" i="1" dirty="0" smtClean="0">
+                <a:solidFill>
+                  <a:srgbClr val="FFC000"/>
+                </a:solidFill>
+                <a:latin typeface="Comic Sans MS" pitchFamily="66" charset="0"/>
+              </a:rPr>
+              <a:t>emi-conducting nanotube</a:t>
+            </a:r>
+          </a:p>
+          <a:p>
+            <a:r>
+              <a:rPr lang="en-US" sz="2000" b="1" i="1" dirty="0">
+                <a:solidFill>
+                  <a:srgbClr val="0070C0"/>
+                </a:solidFill>
+                <a:latin typeface="Comic Sans MS" pitchFamily="66" charset="0"/>
+              </a:rPr>
+              <a:t>m</a:t>
+            </a:r>
+            <a:r>
+              <a:rPr lang="en-US" sz="2000" b="1" i="1" dirty="0" smtClean="0">
+                <a:solidFill>
+                  <a:srgbClr val="0070C0"/>
+                </a:solidFill>
+                <a:latin typeface="Comic Sans MS" pitchFamily="66" charset="0"/>
+              </a:rPr>
+              <a:t>etallic nanotube</a:t>
+            </a:r>
+            <a:endParaRPr lang="en-US" sz="2000" b="1" dirty="0">
+              <a:solidFill>
+                <a:srgbClr val="0070C0"/>
+              </a:solidFill>
+              <a:latin typeface="Comic Sans MS" pitchFamily="66" charset="0"/>
+            </a:endParaRPr>
+          </a:p>
+        </p:txBody>
+      </p:sp>
+      <p:sp>
+        <p:nvSpPr>
+          <p:cNvPr id="8" name="TextBox 7"/>
+          <p:cNvSpPr txBox="1"/>
+          <p:nvPr/>
+        </p:nvSpPr>
+        <p:spPr>
+          <a:xfrm>
+            <a:off x="304800" y="4267200"/>
+            <a:ext cx="8763000" cy="2554545"/>
+          </a:xfrm>
+          <a:prstGeom prst="rect">
+            <a:avLst/>
+          </a:prstGeom>
+          <a:noFill/>
+        </p:spPr>
+        <p:txBody>
+          <a:bodyPr wrap="square" rtlCol="0">
+            <a:spAutoFit/>
+          </a:bodyPr>
+          <a:lstStyle/>
+          <a:p>
+            <a:pPr>
+              <a:spcBef>
+                <a:spcPts val="600"/>
+              </a:spcBef>
+              <a:spcAft>
+                <a:spcPts val="600"/>
+              </a:spcAft>
+            </a:pPr>
+            <a:r>
+              <a:rPr lang="en-US" sz="2400" dirty="0" smtClean="0">
+                <a:solidFill>
+                  <a:prstClr val="black"/>
+                </a:solidFill>
+                <a:latin typeface="Comic Sans MS" pitchFamily="66" charset="0"/>
+              </a:rPr>
+              <a:t>The rate of matrix decay is controlled by:</a:t>
+            </a:r>
+            <a:endParaRPr lang="en-US" sz="2400" dirty="0">
+              <a:solidFill>
+                <a:prstClr val="black"/>
+              </a:solidFill>
+              <a:latin typeface="Comic Sans MS" pitchFamily="66" charset="0"/>
+            </a:endParaRPr>
+          </a:p>
+          <a:p>
+            <a:pPr marL="342900" indent="-342900">
+              <a:spcBef>
+                <a:spcPts val="600"/>
+              </a:spcBef>
+              <a:spcAft>
+                <a:spcPts val="600"/>
+              </a:spcAft>
+              <a:buFont typeface="Arial" pitchFamily="34" charset="0"/>
+              <a:buChar char="•"/>
+            </a:pPr>
+            <a:r>
+              <a:rPr lang="en-US" sz="2400" dirty="0" smtClean="0">
+                <a:solidFill>
+                  <a:prstClr val="black"/>
+                </a:solidFill>
+                <a:latin typeface="Comic Sans MS" pitchFamily="66" charset="0"/>
+              </a:rPr>
+              <a:t>The HOMO-LUMO or band gap</a:t>
+            </a:r>
+          </a:p>
+          <a:p>
+            <a:pPr marL="342900" indent="-342900">
+              <a:spcBef>
+                <a:spcPts val="600"/>
+              </a:spcBef>
+              <a:spcAft>
+                <a:spcPts val="600"/>
+              </a:spcAft>
+              <a:buFont typeface="Arial" pitchFamily="34" charset="0"/>
+              <a:buChar char="•"/>
+            </a:pPr>
+            <a:r>
+              <a:rPr lang="en-US" sz="2400" dirty="0">
+                <a:solidFill>
+                  <a:prstClr val="black"/>
+                </a:solidFill>
+                <a:latin typeface="Comic Sans MS" pitchFamily="66" charset="0"/>
+              </a:rPr>
+              <a:t>N</a:t>
+            </a:r>
+            <a:r>
+              <a:rPr lang="en-US" sz="2400" dirty="0" smtClean="0">
+                <a:solidFill>
+                  <a:prstClr val="black"/>
+                </a:solidFill>
+                <a:latin typeface="Comic Sans MS" pitchFamily="66" charset="0"/>
+              </a:rPr>
+              <a:t>on-</a:t>
+            </a:r>
+            <a:r>
+              <a:rPr lang="en-US" sz="2400" dirty="0" err="1" smtClean="0">
+                <a:solidFill>
+                  <a:prstClr val="black"/>
+                </a:solidFill>
+                <a:latin typeface="Comic Sans MS" pitchFamily="66" charset="0"/>
+              </a:rPr>
+              <a:t>orthogonality</a:t>
+            </a:r>
+            <a:r>
+              <a:rPr lang="en-US" sz="2400" dirty="0" smtClean="0">
+                <a:solidFill>
+                  <a:prstClr val="black"/>
+                </a:solidFill>
+                <a:latin typeface="Comic Sans MS" pitchFamily="66" charset="0"/>
+              </a:rPr>
+              <a:t> of the basis (metric ill-conditioning)</a:t>
+            </a:r>
+          </a:p>
+          <a:p>
+            <a:pPr marL="342900" indent="-342900">
+              <a:spcBef>
+                <a:spcPts val="600"/>
+              </a:spcBef>
+              <a:spcAft>
+                <a:spcPts val="600"/>
+              </a:spcAft>
+              <a:buFont typeface="Arial" pitchFamily="34" charset="0"/>
+              <a:buChar char="•"/>
+            </a:pPr>
+            <a:r>
+              <a:rPr lang="en-US" sz="2400" dirty="0">
+                <a:solidFill>
+                  <a:prstClr val="black"/>
+                </a:solidFill>
+                <a:latin typeface="Comic Sans MS" pitchFamily="66" charset="0"/>
+              </a:rPr>
+              <a:t>T</a:t>
+            </a:r>
+            <a:r>
+              <a:rPr lang="en-US" sz="2400" dirty="0" smtClean="0">
+                <a:solidFill>
+                  <a:prstClr val="black"/>
+                </a:solidFill>
+                <a:latin typeface="Comic Sans MS" pitchFamily="66" charset="0"/>
+              </a:rPr>
+              <a:t>hese effects may be intertwined</a:t>
+            </a:r>
+          </a:p>
+          <a:p>
+            <a:pPr>
+              <a:spcBef>
+                <a:spcPts val="600"/>
+              </a:spcBef>
+              <a:spcAft>
+                <a:spcPts val="600"/>
+              </a:spcAft>
+            </a:pPr>
+            <a:r>
+              <a:rPr lang="en-US" sz="2400" dirty="0" smtClean="0">
+                <a:solidFill>
+                  <a:prstClr val="black"/>
+                </a:solidFill>
+                <a:latin typeface="Comic Sans MS" pitchFamily="66" charset="0"/>
+              </a:rPr>
+              <a:t> </a:t>
+            </a:r>
+            <a:endParaRPr lang="en-US" sz="2400" dirty="0">
+              <a:solidFill>
+                <a:prstClr val="black"/>
+              </a:solidFill>
+              <a:latin typeface="Comic Sans MS" pitchFamily="66" charset="0"/>
+            </a:endParaRPr>
+          </a:p>
+        </p:txBody>
+      </p:sp>
+    </p:spTree>
+    <p:extLst>
+      <p:ext uri="{BB962C8B-B14F-4D97-AF65-F5344CB8AC3E}">
+        <p14:creationId xmlns:p14="http://schemas.microsoft.com/office/powerpoint/2010/main" val="2174652431"/>
+      </p:ext>
+    </p:extLst>
+  </p:cSld>
+  <p:clrMapOvr>
+    <a:masterClrMapping/>
+  </p:clrMapOvr>
+  <p:timing>
+    <p:tnLst>
+      <p:par>
+        <p:cTn id="1" dur="indefinite" restart="never" nodeType="tmRoot"/>
+      </p:par>
+    </p:tnLst>
+  </p:timing>
+</p:sld>
+</file>
+
+<file path=ppt/slides/slide20.xml><?xml version="1.0" encoding="utf-8"?>
 <p:sld xmlns:a="http://schemas.openxmlformats.org/drawingml/2006/main" xmlns:r="http://schemas.openxmlformats.org/officeDocument/2006/relationships" xmlns:p="http://schemas.openxmlformats.org/presentationml/2006/main">
   <p:cSld>
     <p:spTree>
@@ -13464,7 +13328,7 @@
 </p:sld>
 </file>
 
-<file path=ppt/slides/slide22.xml><?xml version="1.0" encoding="utf-8"?>
+<file path=ppt/slides/slide21.xml><?xml version="1.0" encoding="utf-8"?>
 <p:sld xmlns:a="http://schemas.openxmlformats.org/drawingml/2006/main" xmlns:r="http://schemas.openxmlformats.org/officeDocument/2006/relationships" xmlns:p="http://schemas.openxmlformats.org/presentationml/2006/main">
   <p:cSld>
     <p:spTree>
@@ -14733,7 +14597,7 @@
         <p:spPr>
           <a:xfrm>
             <a:off x="662088" y="152400"/>
-            <a:ext cx="8024712" cy="609600"/>
+            <a:ext cx="8024712" cy="1136074"/>
           </a:xfrm>
           <a:prstGeom prst="rect">
             <a:avLst/>
@@ -16832,6 +16696,396 @@
       </p:grpSpPr>
       <p:sp>
         <p:nvSpPr>
+          <p:cNvPr id="11" name="Rectangle 10"/>
+          <p:cNvSpPr/>
+          <p:nvPr/>
+        </p:nvSpPr>
+        <p:spPr>
+          <a:xfrm>
+            <a:off x="3331030" y="1408611"/>
+            <a:ext cx="4136570" cy="731520"/>
+          </a:xfrm>
+          <a:prstGeom prst="rect">
+            <a:avLst/>
+          </a:prstGeom>
+        </p:spPr>
+        <p:style>
+          <a:lnRef idx="1">
+            <a:schemeClr val="accent1"/>
+          </a:lnRef>
+          <a:fillRef idx="2">
+            <a:schemeClr val="accent1"/>
+          </a:fillRef>
+          <a:effectRef idx="1">
+            <a:schemeClr val="accent1"/>
+          </a:effectRef>
+          <a:fontRef idx="minor">
+            <a:schemeClr val="dk1"/>
+          </a:fontRef>
+        </p:style>
+        <p:txBody>
+          <a:bodyPr rtlCol="0" anchor="ctr"/>
+          <a:lstStyle/>
+          <a:p>
+            <a:pPr algn="ctr"/>
+            <a:endParaRPr lang="en-US"/>
+          </a:p>
+        </p:txBody>
+      </p:sp>
+      <mc:AlternateContent xmlns:mc="http://schemas.openxmlformats.org/markup-compatibility/2006">
+        <mc:Choice xmlns:a14="http://schemas.microsoft.com/office/drawing/2010/main" Requires="a14">
+          <p:sp>
+            <p:nvSpPr>
+              <p:cNvPr id="3" name="TextBox 2"/>
+              <p:cNvSpPr txBox="1"/>
+              <p:nvPr/>
+            </p:nvSpPr>
+            <p:spPr>
+              <a:xfrm>
+                <a:off x="381000" y="1018759"/>
+                <a:ext cx="8763000" cy="1672189"/>
+              </a:xfrm>
+              <a:prstGeom prst="rect">
+                <a:avLst/>
+              </a:prstGeom>
+              <a:noFill/>
+            </p:spPr>
+            <p:txBody>
+              <a:bodyPr wrap="square" rtlCol="0">
+                <a:spAutoFit/>
+              </a:bodyPr>
+              <a:lstStyle/>
+              <a:p>
+                <a:pPr marL="342900" indent="-342900">
+                  <a:spcBef>
+                    <a:spcPts val="1200"/>
+                  </a:spcBef>
+                  <a:spcAft>
+                    <a:spcPts val="600"/>
+                  </a:spcAft>
+                  <a:buFont typeface="Arial" pitchFamily="34" charset="0"/>
+                  <a:buChar char="•"/>
+                </a:pPr>
+                <a:r>
+                  <a:rPr lang="en-US" sz="2200" dirty="0" smtClean="0"/>
+                  <a:t>Problem of metric and gap ill-conditioning connected through </a:t>
+                </a:r>
+                <a:r>
+                  <a:rPr lang="en-US" sz="2200" dirty="0" err="1" smtClean="0"/>
+                  <a:t>Higham’s</a:t>
+                </a:r>
+                <a:r>
+                  <a:rPr lang="en-US" sz="2200" dirty="0" smtClean="0"/>
+                  <a:t> identity (</a:t>
+                </a:r>
+                <a:r>
+                  <a:rPr lang="en-US" sz="2200" dirty="0" err="1" smtClean="0"/>
+                  <a:t>Higham</a:t>
+                </a:r>
+                <a:r>
+                  <a:rPr lang="en-US" sz="2200" dirty="0" smtClean="0"/>
+                  <a:t> ‘97):</a:t>
+                </a:r>
+                <a:r>
+                  <a:rPr lang="en-US" sz="2400" dirty="0"/>
+                  <a:t> </a:t>
+                </a:r>
+                <a:r>
+                  <a:rPr lang="en-US" sz="2400" dirty="0" smtClean="0"/>
+                  <a:t> </a:t>
+                </a:r>
+                <a14:m>
+                  <m:oMath xmlns:m="http://schemas.openxmlformats.org/officeDocument/2006/math">
+                    <m:r>
+                      <m:rPr>
+                        <m:sty m:val="p"/>
+                      </m:rPr>
+                      <a:rPr lang="en-US" sz="2400" b="0" i="0" smtClean="0">
+                        <a:latin typeface="Cambria Math"/>
+                      </a:rPr>
+                      <m:t>sign</m:t>
+                    </m:r>
+                    <m:d>
+                      <m:dPr>
+                        <m:ctrlPr>
+                          <a:rPr lang="en-US" sz="2400" i="1">
+                            <a:latin typeface="Cambria Math"/>
+                          </a:rPr>
+                        </m:ctrlPr>
+                      </m:dPr>
+                      <m:e>
+                        <m:d>
+                          <m:dPr>
+                            <m:begChr m:val="["/>
+                            <m:endChr m:val="]"/>
+                            <m:ctrlPr>
+                              <a:rPr lang="en-US" sz="2400" i="1">
+                                <a:latin typeface="Cambria Math"/>
+                              </a:rPr>
+                            </m:ctrlPr>
+                          </m:dPr>
+                          <m:e>
+                            <m:m>
+                              <m:mPr>
+                                <m:mcs>
+                                  <m:mc>
+                                    <m:mcPr>
+                                      <m:count m:val="2"/>
+                                      <m:mcJc m:val="center"/>
+                                    </m:mcPr>
+                                  </m:mc>
+                                </m:mcs>
+                                <m:ctrlPr>
+                                  <a:rPr lang="en-US" sz="2400" i="1">
+                                    <a:latin typeface="Cambria Math"/>
+                                  </a:rPr>
+                                </m:ctrlPr>
+                              </m:mPr>
+                              <m:mr>
+                                <m:e>
+                                  <m:r>
+                                    <m:rPr>
+                                      <m:brk m:alnAt="7"/>
+                                    </m:rPr>
+                                    <a:rPr lang="en-US" sz="2400" i="1">
+                                      <a:latin typeface="Cambria Math"/>
+                                    </a:rPr>
+                                    <m:t>0</m:t>
+                                  </m:r>
+                                </m:e>
+                                <m:e>
+                                  <m:r>
+                                    <a:rPr lang="en-US" sz="2400" b="1" i="1">
+                                      <a:latin typeface="Cambria Math"/>
+                                    </a:rPr>
+                                    <m:t>𝒔</m:t>
+                                  </m:r>
+                                </m:e>
+                              </m:mr>
+                              <m:mr>
+                                <m:e>
+                                  <m:r>
+                                    <a:rPr lang="en-US" sz="2400" b="1" i="1">
+                                      <a:latin typeface="Cambria Math"/>
+                                    </a:rPr>
+                                    <m:t>𝑰</m:t>
+                                  </m:r>
+                                </m:e>
+                                <m:e>
+                                  <m:r>
+                                    <a:rPr lang="en-US" sz="2400" i="1">
+                                      <a:latin typeface="Cambria Math"/>
+                                    </a:rPr>
+                                    <m:t>0</m:t>
+                                  </m:r>
+                                </m:e>
+                              </m:mr>
+                            </m:m>
+                          </m:e>
+                        </m:d>
+                      </m:e>
+                    </m:d>
+                    <m:r>
+                      <a:rPr lang="en-US" sz="2400" i="1">
+                        <a:latin typeface="Cambria Math"/>
+                      </a:rPr>
+                      <m:t>= </m:t>
+                    </m:r>
+                    <m:d>
+                      <m:dPr>
+                        <m:begChr m:val="["/>
+                        <m:endChr m:val="]"/>
+                        <m:ctrlPr>
+                          <a:rPr lang="en-US" sz="2400" i="1">
+                            <a:latin typeface="Cambria Math"/>
+                          </a:rPr>
+                        </m:ctrlPr>
+                      </m:dPr>
+                      <m:e>
+                        <m:m>
+                          <m:mPr>
+                            <m:mcs>
+                              <m:mc>
+                                <m:mcPr>
+                                  <m:count m:val="2"/>
+                                  <m:mcJc m:val="center"/>
+                                </m:mcPr>
+                              </m:mc>
+                            </m:mcs>
+                            <m:ctrlPr>
+                              <a:rPr lang="en-US" sz="2400" i="1">
+                                <a:latin typeface="Cambria Math"/>
+                              </a:rPr>
+                            </m:ctrlPr>
+                          </m:mPr>
+                          <m:mr>
+                            <m:e>
+                              <m:r>
+                                <m:rPr>
+                                  <m:brk m:alnAt="7"/>
+                                </m:rPr>
+                                <a:rPr lang="en-US" sz="2400" i="1">
+                                  <a:latin typeface="Cambria Math"/>
+                                </a:rPr>
+                                <m:t>0</m:t>
+                              </m:r>
+                            </m:e>
+                            <m:e>
+                              <m:sSup>
+                                <m:sSupPr>
+                                  <m:ctrlPr>
+                                    <a:rPr lang="en-US" sz="2400" i="1">
+                                      <a:latin typeface="Cambria Math"/>
+                                    </a:rPr>
+                                  </m:ctrlPr>
+                                </m:sSupPr>
+                                <m:e>
+                                  <m:r>
+                                    <a:rPr lang="en-US" sz="2400" b="1" i="1">
+                                      <a:latin typeface="Cambria Math"/>
+                                    </a:rPr>
+                                    <m:t>𝒔</m:t>
+                                  </m:r>
+                                </m:e>
+                                <m:sup>
+                                  <m:r>
+                                    <a:rPr lang="en-US" sz="2400" i="1">
+                                      <a:latin typeface="Cambria Math"/>
+                                    </a:rPr>
+                                    <m:t>1/2</m:t>
+                                  </m:r>
+                                </m:sup>
+                              </m:sSup>
+                            </m:e>
+                          </m:mr>
+                          <m:mr>
+                            <m:e>
+                              <m:sSup>
+                                <m:sSupPr>
+                                  <m:ctrlPr>
+                                    <a:rPr lang="en-US" sz="2400" i="1">
+                                      <a:latin typeface="Cambria Math"/>
+                                    </a:rPr>
+                                  </m:ctrlPr>
+                                </m:sSupPr>
+                                <m:e>
+                                  <m:r>
+                                    <a:rPr lang="en-US" sz="2400" b="1" i="1">
+                                      <a:latin typeface="Cambria Math"/>
+                                    </a:rPr>
+                                    <m:t>𝒔</m:t>
+                                  </m:r>
+                                </m:e>
+                                <m:sup>
+                                  <m:r>
+                                    <a:rPr lang="en-US" sz="2400" i="1">
+                                      <a:latin typeface="Cambria Math"/>
+                                    </a:rPr>
+                                    <m:t>−1/2</m:t>
+                                  </m:r>
+                                </m:sup>
+                              </m:sSup>
+                            </m:e>
+                            <m:e>
+                              <m:r>
+                                <a:rPr lang="en-US" sz="2400" i="1">
+                                  <a:latin typeface="Cambria Math"/>
+                                </a:rPr>
+                                <m:t>0</m:t>
+                              </m:r>
+                            </m:e>
+                          </m:mr>
+                        </m:m>
+                      </m:e>
+                    </m:d>
+                  </m:oMath>
+                </a14:m>
+                <a:r>
+                  <a:rPr lang="en-US" sz="2000" dirty="0" smtClean="0"/>
+                  <a:t> </a:t>
+                </a:r>
+                <a:endParaRPr lang="en-US" sz="2000" dirty="0"/>
+              </a:p>
+              <a:p>
+                <a:pPr marL="342900" indent="-342900">
+                  <a:spcBef>
+                    <a:spcPts val="1200"/>
+                  </a:spcBef>
+                  <a:spcAft>
+                    <a:spcPts val="600"/>
+                  </a:spcAft>
+                  <a:buFont typeface="Arial" pitchFamily="34" charset="0"/>
+                  <a:buChar char="•"/>
+                </a:pPr>
+                <a:r>
+                  <a:rPr lang="en-US" sz="2200" dirty="0" smtClean="0"/>
+                  <a:t>A generic </a:t>
+                </a:r>
+                <a:r>
+                  <a:rPr lang="en-US" sz="2200" i="1" dirty="0" smtClean="0">
+                    <a:latin typeface="Cambria Math" pitchFamily="18" charset="0"/>
+                    <a:ea typeface="Cambria Math" pitchFamily="18" charset="0"/>
+                  </a:rPr>
+                  <a:t>NS</a:t>
+                </a:r>
+                <a:r>
+                  <a:rPr lang="en-US" sz="2200" dirty="0" smtClean="0"/>
+                  <a:t>  with </a:t>
+                </a:r>
+                <a:r>
+                  <a:rPr lang="en-US" sz="2200" dirty="0" err="1" smtClean="0"/>
+                  <a:t>SpAMM</a:t>
+                </a:r>
+                <a:r>
+                  <a:rPr lang="en-US" sz="2200" dirty="0" smtClean="0"/>
+                  <a:t> approximation is:</a:t>
+                </a:r>
+                <a:endParaRPr lang="en-US" sz="2200" dirty="0"/>
+              </a:p>
+            </p:txBody>
+          </p:sp>
+        </mc:Choice>
+        <mc:Fallback>
+          <p:sp>
+            <p:nvSpPr>
+              <p:cNvPr id="3" name="TextBox 2"/>
+              <p:cNvSpPr txBox="1">
+                <a:spLocks noRot="1" noChangeAspect="1" noMove="1" noResize="1" noEditPoints="1" noAdjustHandles="1" noChangeArrowheads="1" noChangeShapeType="1" noTextEdit="1"/>
+              </p:cNvSpPr>
+              <p:nvPr/>
+            </p:nvSpPr>
+            <p:spPr>
+              <a:xfrm>
+                <a:off x="381000" y="1018759"/>
+                <a:ext cx="8763000" cy="1672189"/>
+              </a:xfrm>
+              <a:prstGeom prst="rect">
+                <a:avLst/>
+              </a:prstGeom>
+              <a:blipFill rotWithShape="1">
+                <a:blip r:embed="rId2"/>
+                <a:stretch>
+                  <a:fillRect l="-835" t="-2190" b="-7299"/>
+                </a:stretch>
+              </a:blipFill>
+            </p:spPr>
+            <p:txBody>
+              <a:bodyPr/>
+              <a:lstStyle/>
+              <a:p>
+                <a:r>
+                  <a:rPr lang="en-US">
+                    <a:noFill/>
+                  </a:rPr>
+                  <a:t> </a:t>
+                </a:r>
+              </a:p>
+            </p:txBody>
+          </p:sp>
+        </mc:Fallback>
+      </mc:AlternateContent>
+      <p:sp>
+        <p:nvSpPr>
           <p:cNvPr id="5" name="Title 1"/>
           <p:cNvSpPr>
             <a:spLocks noGrp="1"/>
@@ -16908,7 +17162,7 @@
             </p:nvSpPr>
             <p:spPr>
               <a:xfrm>
-                <a:off x="418011" y="2667000"/>
+                <a:off x="418011" y="2855899"/>
                 <a:ext cx="8305800" cy="1803186"/>
               </a:xfrm>
               <a:prstGeom prst="rect">
@@ -17729,14 +17983,14 @@
             </p:nvSpPr>
             <p:spPr>
               <a:xfrm>
-                <a:off x="418011" y="2667000"/>
+                <a:off x="418011" y="2855899"/>
                 <a:ext cx="8305800" cy="1803186"/>
               </a:xfrm>
               <a:prstGeom prst="rect">
                 <a:avLst/>
               </a:prstGeom>
               <a:blipFill rotWithShape="1">
-                <a:blip r:embed="rId2"/>
+                <a:blip r:embed="rId3"/>
                 <a:stretch>
                   <a:fillRect/>
                 </a:stretch>
@@ -17768,7 +18022,7 @@
             </p:nvSpPr>
             <p:spPr>
               <a:xfrm>
-                <a:off x="2224529" y="3424535"/>
+                <a:off x="2224529" y="3613434"/>
                 <a:ext cx="2182008" cy="461665"/>
               </a:xfrm>
               <a:prstGeom prst="rect">
@@ -17861,16 +18115,16 @@
             </p:nvSpPr>
             <p:spPr>
               <a:xfrm>
-                <a:off x="2224529" y="3424535"/>
+                <a:off x="2224529" y="3613434"/>
                 <a:ext cx="2182008" cy="461665"/>
               </a:xfrm>
               <a:prstGeom prst="rect">
                 <a:avLst/>
               </a:prstGeom>
               <a:blipFill rotWithShape="1">
-                <a:blip r:embed="rId3"/>
+                <a:blip r:embed="rId4"/>
                 <a:stretch>
-                  <a:fillRect b="-17105"/>
+                  <a:fillRect b="-18667"/>
                 </a:stretch>
               </a:blipFill>
             </p:spPr>
@@ -17893,22 +18147,21 @@
         <mc:Choice xmlns:a14="http://schemas.microsoft.com/office/drawing/2010/main" Requires="a14">
           <p:sp>
             <p:nvSpPr>
-              <p:cNvPr id="3" name="TextBox 2"/>
-              <p:cNvSpPr txBox="1"/>
+              <p:cNvPr id="10" name="Rectangle 9"/>
+              <p:cNvSpPr/>
               <p:nvPr/>
             </p:nvSpPr>
             <p:spPr>
               <a:xfrm>
-                <a:off x="381000" y="889386"/>
-                <a:ext cx="8305800" cy="1557799"/>
+                <a:off x="478970" y="4983540"/>
+                <a:ext cx="8207830" cy="1569660"/>
               </a:xfrm>
               <a:prstGeom prst="rect">
                 <a:avLst/>
               </a:prstGeom>
-              <a:noFill/>
             </p:spPr>
             <p:txBody>
-              <a:bodyPr wrap="square" rtlCol="0">
+              <a:bodyPr wrap="square">
                 <a:spAutoFit/>
               </a:bodyPr>
               <a:lstStyle/>
@@ -17925,270 +18178,115 @@
                 </a:pPr>
                 <a:r>
                   <a:rPr lang="en-US" sz="2400" dirty="0" smtClean="0"/>
-                  <a:t>Problem of metric and gap ill-conditioning connected through </a:t>
-                </a:r>
-                <a:r>
-                  <a:rPr lang="en-US" sz="2400" dirty="0" err="1" smtClean="0"/>
-                  <a:t>Higham’s</a:t>
+                  <a:t>Many variations in literature, </a:t>
+                </a:r>
+                <a:r>
+                  <a:rPr lang="en-US" sz="2400" dirty="0"/>
+                  <a:t>including scaled versions, stabilized versions like “DB </a:t>
                 </a:r>
                 <a:r>
                   <a:rPr lang="en-US" sz="2400" dirty="0" smtClean="0"/>
-                  <a:t> identity (</a:t>
-                </a:r>
-                <a:r>
-                  <a:rPr lang="en-US" sz="2400" dirty="0" err="1" smtClean="0"/>
-                  <a:t>Higham</a:t>
-                </a:r>
-                <a:r>
-                  <a:rPr lang="en-US" sz="2400" dirty="0" smtClean="0"/>
-                  <a:t> ‘97), </a:t>
-                </a:r>
-                <a:r>
-                  <a:rPr lang="en-US" sz="2000" dirty="0"/>
-                  <a:t>sign </a:t>
-                </a:r>
-                <a14:m>
-                  <m:oMath xmlns:m="http://schemas.openxmlformats.org/officeDocument/2006/math">
-                    <m:d>
-                      <m:dPr>
-                        <m:ctrlPr>
-                          <a:rPr lang="en-US" sz="2000" i="1">
-                            <a:latin typeface="Cambria Math"/>
-                          </a:rPr>
-                        </m:ctrlPr>
-                      </m:dPr>
-                      <m:e>
-                        <m:d>
-                          <m:dPr>
-                            <m:begChr m:val="["/>
-                            <m:endChr m:val="]"/>
-                            <m:ctrlPr>
-                              <a:rPr lang="en-US" sz="2000" i="1">
-                                <a:latin typeface="Cambria Math"/>
-                              </a:rPr>
-                            </m:ctrlPr>
-                          </m:dPr>
-                          <m:e>
-                            <m:m>
-                              <m:mPr>
-                                <m:mcs>
-                                  <m:mc>
-                                    <m:mcPr>
-                                      <m:count m:val="2"/>
-                                      <m:mcJc m:val="center"/>
-                                    </m:mcPr>
-                                  </m:mc>
-                                </m:mcs>
-                                <m:ctrlPr>
-                                  <a:rPr lang="en-US" sz="2000" i="1">
-                                    <a:latin typeface="Cambria Math"/>
-                                  </a:rPr>
-                                </m:ctrlPr>
-                              </m:mPr>
-                              <m:mr>
-                                <m:e>
-                                  <m:r>
-                                    <m:rPr>
-                                      <m:brk m:alnAt="7"/>
-                                    </m:rPr>
-                                    <a:rPr lang="en-US" sz="2000" i="1">
-                                      <a:latin typeface="Cambria Math"/>
-                                    </a:rPr>
-                                    <m:t>0</m:t>
-                                  </m:r>
-                                </m:e>
-                                <m:e>
-                                  <m:r>
-                                    <a:rPr lang="en-US" sz="2000" b="1" i="1">
-                                      <a:latin typeface="Cambria Math"/>
-                                    </a:rPr>
-                                    <m:t>𝒔</m:t>
-                                  </m:r>
-                                </m:e>
-                              </m:mr>
-                              <m:mr>
-                                <m:e>
-                                  <m:r>
-                                    <a:rPr lang="en-US" sz="2000" b="1" i="1">
-                                      <a:latin typeface="Cambria Math"/>
-                                    </a:rPr>
-                                    <m:t>𝑰</m:t>
-                                  </m:r>
-                                </m:e>
-                                <m:e>
-                                  <m:r>
-                                    <a:rPr lang="en-US" sz="2000" i="1">
-                                      <a:latin typeface="Cambria Math"/>
-                                    </a:rPr>
-                                    <m:t>0</m:t>
-                                  </m:r>
-                                </m:e>
-                              </m:mr>
-                            </m:m>
-                          </m:e>
-                        </m:d>
-                      </m:e>
-                    </m:d>
-                    <m:r>
-                      <a:rPr lang="en-US" sz="2000" i="1">
-                        <a:latin typeface="Cambria Math"/>
-                      </a:rPr>
-                      <m:t>= </m:t>
-                    </m:r>
-                    <m:d>
-                      <m:dPr>
-                        <m:begChr m:val="["/>
-                        <m:endChr m:val="]"/>
-                        <m:ctrlPr>
-                          <a:rPr lang="en-US" sz="2000" i="1">
-                            <a:latin typeface="Cambria Math"/>
-                          </a:rPr>
-                        </m:ctrlPr>
-                      </m:dPr>
-                      <m:e>
-                        <m:m>
-                          <m:mPr>
-                            <m:mcs>
-                              <m:mc>
-                                <m:mcPr>
-                                  <m:count m:val="2"/>
-                                  <m:mcJc m:val="center"/>
-                                </m:mcPr>
-                              </m:mc>
-                            </m:mcs>
-                            <m:ctrlPr>
-                              <a:rPr lang="en-US" sz="2000" i="1">
-                                <a:latin typeface="Cambria Math"/>
-                              </a:rPr>
-                            </m:ctrlPr>
-                          </m:mPr>
-                          <m:mr>
-                            <m:e>
-                              <m:r>
-                                <m:rPr>
-                                  <m:brk m:alnAt="7"/>
-                                </m:rPr>
-                                <a:rPr lang="en-US" sz="2000" i="1">
-                                  <a:latin typeface="Cambria Math"/>
-                                </a:rPr>
-                                <m:t>0</m:t>
-                              </m:r>
-                            </m:e>
-                            <m:e>
-                              <m:sSup>
-                                <m:sSupPr>
-                                  <m:ctrlPr>
-                                    <a:rPr lang="en-US" sz="2000" i="1">
-                                      <a:latin typeface="Cambria Math"/>
-                                    </a:rPr>
-                                  </m:ctrlPr>
-                                </m:sSupPr>
-                                <m:e>
-                                  <m:r>
-                                    <a:rPr lang="en-US" sz="2000" b="1" i="1">
-                                      <a:latin typeface="Cambria Math"/>
-                                    </a:rPr>
-                                    <m:t>𝒔</m:t>
-                                  </m:r>
-                                </m:e>
-                                <m:sup>
-                                  <m:r>
-                                    <a:rPr lang="en-US" sz="2000" i="1">
-                                      <a:latin typeface="Cambria Math"/>
-                                    </a:rPr>
-                                    <m:t>1/2</m:t>
-                                  </m:r>
-                                </m:sup>
-                              </m:sSup>
-                            </m:e>
-                          </m:mr>
-                          <m:mr>
-                            <m:e>
-                              <m:sSup>
-                                <m:sSupPr>
-                                  <m:ctrlPr>
-                                    <a:rPr lang="en-US" sz="2000" i="1">
-                                      <a:latin typeface="Cambria Math"/>
-                                    </a:rPr>
-                                  </m:ctrlPr>
-                                </m:sSupPr>
-                                <m:e>
-                                  <m:r>
-                                    <a:rPr lang="en-US" sz="2000" b="1" i="1">
-                                      <a:latin typeface="Cambria Math"/>
-                                    </a:rPr>
-                                    <m:t>𝒔</m:t>
-                                  </m:r>
-                                </m:e>
-                                <m:sup>
-                                  <m:r>
-                                    <a:rPr lang="en-US" sz="2000" i="1">
-                                      <a:latin typeface="Cambria Math"/>
-                                    </a:rPr>
-                                    <m:t>−1/2</m:t>
-                                  </m:r>
-                                </m:sup>
-                              </m:sSup>
-                            </m:e>
-                            <m:e>
-                              <m:r>
-                                <a:rPr lang="en-US" sz="2000" i="1">
-                                  <a:latin typeface="Cambria Math"/>
-                                </a:rPr>
-                                <m:t>0</m:t>
-                              </m:r>
-                            </m:e>
-                          </m:mr>
-                        </m:m>
-                      </m:e>
-                    </m:d>
-                  </m:oMath>
-                </a14:m>
-                <a:r>
-                  <a:rPr lang="en-US" sz="2000" dirty="0" smtClean="0"/>
-                  <a:t>. </a:t>
-                </a:r>
-                <a:endParaRPr lang="en-US" sz="2000" dirty="0"/>
-              </a:p>
-              <a:p>
-                <a:pPr marL="342900" indent="-342900">
-                  <a:spcBef>
-                    <a:spcPts val="600"/>
-                  </a:spcBef>
-                  <a:spcAft>
-                    <a:spcPts val="600"/>
-                  </a:spcAft>
-                  <a:buFont typeface="Arial" pitchFamily="34" charset="0"/>
-                  <a:buChar char="•"/>
-                </a:pPr>
+                  <a:t>iteration” involving </a:t>
+                </a:r>
                 <a:r>
                   <a:rPr lang="en-US" sz="2400" dirty="0"/>
-                  <a:t>T</a:t>
-                </a:r>
-                <a:r>
-                  <a:rPr lang="en-US" sz="2400" dirty="0" smtClean="0"/>
-                  <a:t>he generic </a:t>
-                </a:r>
-                <a:r>
-                  <a:rPr lang="en-US" sz="2400" dirty="0" err="1" smtClean="0"/>
-                  <a:t>SpAMM</a:t>
-                </a:r>
-                <a:r>
-                  <a:rPr lang="en-US" sz="2400" dirty="0" smtClean="0"/>
-                  <a:t> based </a:t>
-                </a:r>
-                <a:r>
-                  <a:rPr lang="en-US" sz="2400" i="1" dirty="0" smtClean="0">
+                  <a:t>dual </a:t>
+                </a:r>
+                <a:r>
+                  <a:rPr lang="en-US" sz="2400" b="1" i="1" dirty="0">
                     <a:latin typeface="Cambria Math" pitchFamily="18" charset="0"/>
                     <a:ea typeface="Cambria Math" pitchFamily="18" charset="0"/>
                   </a:rPr>
-                  <a:t>NS</a:t>
+                  <a:t>y</a:t>
+                </a:r>
+                <a:r>
+                  <a:rPr lang="en-US" sz="2400" dirty="0"/>
+                  <a:t>  &amp;</a:t>
+                </a:r>
+                <a:r>
+                  <a:rPr lang="en-US" sz="2400" b="1" i="1" dirty="0">
+                    <a:latin typeface="Cambria Math" pitchFamily="18" charset="0"/>
+                    <a:ea typeface="Cambria Math" pitchFamily="18" charset="0"/>
+                  </a:rPr>
+                  <a:t> z  </a:t>
                 </a:r>
                 <a:r>
                   <a:rPr lang="en-US" sz="2400" dirty="0" smtClean="0"/>
-                  <a:t>  is:</a:t>
-                </a:r>
-                <a:endParaRPr lang="en-US" sz="2400" dirty="0"/>
+                  <a:t>channels, and so on.  </a:t>
+                </a:r>
+                <a:r>
+                  <a:rPr lang="en-US" sz="2400" b="1" i="1" dirty="0" smtClean="0"/>
+                  <a:t>What is the fastest, most stable method under severe </a:t>
+                </a:r>
+                <a14:m>
+                  <m:oMath xmlns:m="http://schemas.openxmlformats.org/officeDocument/2006/math">
+                    <m:sSub>
+                      <m:sSubPr>
+                        <m:ctrlPr>
+                          <a:rPr lang="en-US" sz="2400" b="1" i="1">
+                            <a:latin typeface="Cambria Math"/>
+                            <a:ea typeface="Cambria Math"/>
+                          </a:rPr>
+                        </m:ctrlPr>
+                      </m:sSubPr>
+                      <m:e>
+                        <m:r>
+                          <a:rPr lang="en-US" sz="2400" b="1" i="1">
+                            <a:latin typeface="Cambria Math"/>
+                            <a:ea typeface="Cambria Math"/>
+                            <a:sym typeface="Symbol"/>
+                          </a:rPr>
+                          <m:t></m:t>
+                        </m:r>
+                      </m:e>
+                      <m:sub>
+                        <m:r>
+                          <a:rPr lang="el-GR" sz="2400" b="0" i="1">
+                            <a:latin typeface="Cambria Math"/>
+                            <a:ea typeface="Cambria Math"/>
+                          </a:rPr>
+                          <m:t>𝜏</m:t>
+                        </m:r>
+                        <m:r>
+                          <m:rPr>
+                            <m:nor/>
+                          </m:rPr>
+                          <a:rPr lang="en-US" sz="2400" b="1" i="1" dirty="0">
+                            <a:ea typeface="Cambria Math"/>
+                          </a:rPr>
+                          <m:t> </m:t>
+                        </m:r>
+                      </m:sub>
+                    </m:sSub>
+                  </m:oMath>
+                </a14:m>
+                <a:r>
+                  <a:rPr lang="en-US" sz="2400" b="1" i="1" dirty="0" smtClean="0"/>
+                  <a:t>approximation (</a:t>
+                </a:r>
+                <a14:m>
+                  <m:oMath xmlns:m="http://schemas.openxmlformats.org/officeDocument/2006/math">
+                    <m:r>
+                      <a:rPr lang="en-US" sz="2400" b="1" i="1" smtClean="0">
+                        <a:latin typeface="Cambria Math"/>
+                        <a:ea typeface="Cambria Math"/>
+                      </a:rPr>
+                      <m:t> </m:t>
+                    </m:r>
+                    <m:r>
+                      <a:rPr lang="en-US" sz="2400" b="1" i="1" smtClean="0">
+                        <a:latin typeface="Cambria Math"/>
+                        <a:ea typeface="Cambria Math"/>
+                      </a:rPr>
+                      <m:t>𝝉</m:t>
+                    </m:r>
+                  </m:oMath>
+                </a14:m>
+                <a:r>
+                  <a:rPr lang="en-US" sz="2400" b="1" i="1" dirty="0" smtClean="0"/>
+                  <a:t> is large )? </a:t>
+                </a:r>
+                <a:endParaRPr lang="en-US" sz="2400" b="1" i="1" dirty="0"/>
               </a:p>
             </p:txBody>
           </p:sp>
@@ -18196,24 +18294,24 @@
         <mc:Fallback>
           <p:sp>
             <p:nvSpPr>
-              <p:cNvPr id="3" name="TextBox 2"/>
-              <p:cNvSpPr txBox="1">
+              <p:cNvPr id="10" name="Rectangle 9"/>
+              <p:cNvSpPr>
                 <a:spLocks noRot="1" noChangeAspect="1" noMove="1" noResize="1" noEditPoints="1" noAdjustHandles="1" noChangeArrowheads="1" noChangeShapeType="1" noTextEdit="1"/>
               </p:cNvSpPr>
               <p:nvPr/>
             </p:nvSpPr>
             <p:spPr>
               <a:xfrm>
-                <a:off x="381000" y="889386"/>
-                <a:ext cx="8305800" cy="1557799"/>
+                <a:off x="478970" y="4983540"/>
+                <a:ext cx="8207830" cy="1569660"/>
               </a:xfrm>
               <a:prstGeom prst="rect">
                 <a:avLst/>
               </a:prstGeom>
               <a:blipFill rotWithShape="1">
-                <a:blip r:embed="rId4"/>
+                <a:blip r:embed="rId5"/>
                 <a:stretch>
-                  <a:fillRect l="-1028" t="-3137" b="-8235"/>
+                  <a:fillRect l="-1040" t="-3113" r="-1932" b="-8171"/>
                 </a:stretch>
               </a:blipFill>
             </p:spPr>
@@ -18232,71 +18330,6 @@
           </p:sp>
         </mc:Fallback>
       </mc:AlternateContent>
-      <p:sp>
-        <p:nvSpPr>
-          <p:cNvPr id="10" name="Rectangle 9"/>
-          <p:cNvSpPr/>
-          <p:nvPr/>
-        </p:nvSpPr>
-        <p:spPr>
-          <a:xfrm>
-            <a:off x="478970" y="4895671"/>
-            <a:ext cx="7086600" cy="1200329"/>
-          </a:xfrm>
-          <a:prstGeom prst="rect">
-            <a:avLst/>
-          </a:prstGeom>
-        </p:spPr>
-        <p:txBody>
-          <a:bodyPr wrap="square">
-            <a:spAutoFit/>
-          </a:bodyPr>
-          <a:lstStyle/>
-          <a:p>
-            <a:pPr marL="342900" indent="-342900">
-              <a:spcBef>
-                <a:spcPts val="600"/>
-              </a:spcBef>
-              <a:spcAft>
-                <a:spcPts val="600"/>
-              </a:spcAft>
-              <a:buFont typeface="Arial" pitchFamily="34" charset="0"/>
-              <a:buChar char="•"/>
-            </a:pPr>
-            <a:r>
-              <a:rPr lang="en-US" sz="2400" dirty="0"/>
-              <a:t>Many variations, including scaled versions, stabilized versions like “DB iteration”, involving dual </a:t>
-            </a:r>
-            <a:r>
-              <a:rPr lang="en-US" sz="2400" b="1" i="1" dirty="0">
-                <a:latin typeface="Cambria Math" pitchFamily="18" charset="0"/>
-                <a:ea typeface="Cambria Math" pitchFamily="18" charset="0"/>
-              </a:rPr>
-              <a:t>y</a:t>
-            </a:r>
-            <a:r>
-              <a:rPr lang="en-US" sz="2400" dirty="0"/>
-              <a:t>  &amp;</a:t>
-            </a:r>
-            <a:r>
-              <a:rPr lang="en-US" sz="2400" b="1" i="1" dirty="0">
-                <a:latin typeface="Cambria Math" pitchFamily="18" charset="0"/>
-                <a:ea typeface="Cambria Math" pitchFamily="18" charset="0"/>
-              </a:rPr>
-              <a:t> z  </a:t>
-            </a:r>
-            <a:r>
-              <a:rPr lang="en-US" sz="2400" dirty="0"/>
-              <a:t>channels</a:t>
-            </a:r>
-            <a:r>
-              <a:rPr lang="en-US" sz="2400" dirty="0" smtClean="0"/>
-              <a:t>.  </a:t>
-            </a:r>
-            <a:endParaRPr lang="en-US" sz="2400" dirty="0"/>
-          </a:p>
-        </p:txBody>
-      </p:sp>
     </p:spTree>
     <p:extLst>
       <p:ext uri="{BB962C8B-B14F-4D97-AF65-F5344CB8AC3E}">

--- a/sandwitch_results_3_2015/spamm_big_picture.pptx
+++ b/sandwitch_results_3_2015/spamm_big_picture.pptx
@@ -14153,7 +14153,7 @@
         </p:nvSpPr>
         <p:spPr>
           <a:xfrm>
-            <a:off x="228600" y="1288474"/>
+            <a:off x="304800" y="1374378"/>
             <a:ext cx="8534400" cy="11884422"/>
           </a:xfrm>
           <a:prstGeom prst="rect">
@@ -14188,8 +14188,33 @@
                 <a:latin typeface="+mj-lt"/>
                 <a:cs typeface="Times New Roman" pitchFamily="18" charset="0"/>
               </a:rPr>
-              <a:t>long-range entanglement,  a host of technologically important properties emerge from long-range, strong-correlation effects.  </a:t>
-            </a:r>
+              <a:t>long-range </a:t>
+            </a:r>
+            <a:r>
+              <a:rPr lang="en-US" sz="2200" dirty="0" smtClean="0">
+                <a:latin typeface="+mj-lt"/>
+                <a:cs typeface="Times New Roman" pitchFamily="18" charset="0"/>
+              </a:rPr>
+              <a:t>entanglement, the interesting chemistry and technologically </a:t>
+            </a:r>
+            <a:r>
+              <a:rPr lang="en-US" sz="2200" dirty="0" smtClean="0">
+                <a:latin typeface="+mj-lt"/>
+                <a:cs typeface="Times New Roman" pitchFamily="18" charset="0"/>
+              </a:rPr>
+              <a:t>important properties emerge from long-range, strong-correlation </a:t>
+            </a:r>
+            <a:r>
+              <a:rPr lang="en-US" sz="2200" dirty="0" smtClean="0">
+                <a:latin typeface="+mj-lt"/>
+                <a:cs typeface="Times New Roman" pitchFamily="18" charset="0"/>
+              </a:rPr>
+              <a:t>effects.    </a:t>
+            </a:r>
+            <a:endParaRPr lang="en-US" sz="2200" dirty="0" smtClean="0">
+              <a:latin typeface="+mj-lt"/>
+              <a:cs typeface="Times New Roman" pitchFamily="18" charset="0"/>
+            </a:endParaRPr>
           </a:p>
           <a:p>
             <a:endParaRPr lang="en-US" sz="2200" dirty="0">
@@ -14203,8 +14228,33 @@
                 <a:latin typeface="+mj-lt"/>
                 <a:cs typeface="Times New Roman" pitchFamily="18" charset="0"/>
               </a:rPr>
-              <a:t>These long range effects involve slow decay due to metric (basis) and gap ill-conditioning.   </a:t>
-            </a:r>
+              <a:t>These long range effects involve slow decay due to metric (basis) and gap </a:t>
+            </a:r>
+            <a:r>
+              <a:rPr lang="en-US" sz="2200" dirty="0" smtClean="0">
+                <a:latin typeface="+mj-lt"/>
+                <a:cs typeface="Times New Roman" pitchFamily="18" charset="0"/>
+              </a:rPr>
+              <a:t>ill-conditioning</a:t>
+            </a:r>
+            <a:r>
+              <a:rPr lang="en-US" sz="2200" dirty="0">
+                <a:latin typeface="+mj-lt"/>
+                <a:cs typeface="Times New Roman" pitchFamily="18" charset="0"/>
+              </a:rPr>
+              <a:t> </a:t>
+            </a:r>
+            <a:r>
+              <a:rPr lang="en-US" sz="2200" dirty="0" smtClean="0">
+                <a:latin typeface="+mj-lt"/>
+                <a:cs typeface="Times New Roman" pitchFamily="18" charset="0"/>
+              </a:rPr>
+              <a:t>that preclude sparse matrix methods. </a:t>
+            </a:r>
+            <a:endParaRPr lang="en-US" sz="2200" dirty="0" smtClean="0">
+              <a:latin typeface="+mj-lt"/>
+              <a:cs typeface="Times New Roman" pitchFamily="18" charset="0"/>
+            </a:endParaRPr>
           </a:p>
           <a:p>
             <a:endParaRPr lang="en-US" sz="2200" dirty="0">
@@ -14596,7 +14646,7 @@
         </p:nvSpPr>
         <p:spPr>
           <a:xfrm>
-            <a:off x="662088" y="152400"/>
+            <a:off x="662088" y="235526"/>
             <a:ext cx="8024712" cy="1136074"/>
           </a:xfrm>
           <a:prstGeom prst="rect">
@@ -14671,7 +14721,7 @@
         </p:blipFill>
         <p:spPr>
           <a:xfrm>
-            <a:off x="5638800" y="4288729"/>
+            <a:off x="-2606040" y="4212529"/>
             <a:ext cx="2834640" cy="2340671"/>
           </a:xfrm>
           <a:prstGeom prst="rect">
@@ -14679,6 +14729,175 @@
           </a:prstGeom>
         </p:spPr>
       </p:pic>
+      <p:pic>
+        <p:nvPicPr>
+          <p:cNvPr id="7" name="Picture 6"/>
+          <p:cNvPicPr>
+            <a:picLocks noChangeAspect="1"/>
+          </p:cNvPicPr>
+          <p:nvPr/>
+        </p:nvPicPr>
+        <p:blipFill>
+          <a:blip r:embed="rId3" cstate="print">
+            <a:extLst>
+              <a:ext uri="{28A0092B-C50C-407E-A947-70E740481C1C}">
+                <a14:useLocalDpi xmlns:a14="http://schemas.microsoft.com/office/drawing/2010/main" val="0"/>
+              </a:ext>
+            </a:extLst>
+          </a:blip>
+          <a:stretch>
+            <a:fillRect/>
+          </a:stretch>
+        </p:blipFill>
+        <p:spPr>
+          <a:xfrm>
+            <a:off x="7162800" y="3581400"/>
+            <a:ext cx="4572000" cy="3200400"/>
+          </a:xfrm>
+          <a:prstGeom prst="rect">
+            <a:avLst/>
+          </a:prstGeom>
+        </p:spPr>
+      </p:pic>
+      <p:sp>
+        <p:nvSpPr>
+          <p:cNvPr id="8" name="Rectangle 7"/>
+          <p:cNvSpPr/>
+          <p:nvPr/>
+        </p:nvSpPr>
+        <p:spPr>
+          <a:xfrm>
+            <a:off x="8610600" y="3581400"/>
+            <a:ext cx="3124199" cy="1219200"/>
+          </a:xfrm>
+          <a:prstGeom prst="rect">
+            <a:avLst/>
+          </a:prstGeom>
+          <a:solidFill>
+            <a:schemeClr val="bg1"/>
+          </a:solidFill>
+          <a:ln>
+            <a:solidFill>
+              <a:schemeClr val="bg1"/>
+            </a:solidFill>
+          </a:ln>
+        </p:spPr>
+        <p:style>
+          <a:lnRef idx="2">
+            <a:schemeClr val="accent1">
+              <a:shade val="50000"/>
+            </a:schemeClr>
+          </a:lnRef>
+          <a:fillRef idx="1">
+            <a:schemeClr val="accent1"/>
+          </a:fillRef>
+          <a:effectRef idx="0">
+            <a:schemeClr val="accent1"/>
+          </a:effectRef>
+          <a:fontRef idx="minor">
+            <a:schemeClr val="lt1"/>
+          </a:fontRef>
+        </p:style>
+        <p:txBody>
+          <a:bodyPr rtlCol="0" anchor="ctr"/>
+          <a:lstStyle/>
+          <a:p>
+            <a:pPr algn="ctr"/>
+            <a:endParaRPr lang="en-US"/>
+          </a:p>
+        </p:txBody>
+      </p:sp>
+      <p:sp>
+        <p:nvSpPr>
+          <p:cNvPr id="9" name="TextBox 8"/>
+          <p:cNvSpPr txBox="1"/>
+          <p:nvPr/>
+        </p:nvSpPr>
+        <p:spPr>
+          <a:xfrm>
+            <a:off x="8316877" y="3581400"/>
+            <a:ext cx="3365024" cy="1015663"/>
+          </a:xfrm>
+          <a:prstGeom prst="rect">
+            <a:avLst/>
+          </a:prstGeom>
+          <a:solidFill>
+            <a:schemeClr val="bg1"/>
+          </a:solidFill>
+        </p:spPr>
+        <p:txBody>
+          <a:bodyPr wrap="none" rtlCol="0">
+            <a:spAutoFit/>
+          </a:bodyPr>
+          <a:lstStyle/>
+          <a:p>
+            <a:r>
+              <a:rPr lang="en-US" sz="2000" b="1" i="1" dirty="0">
+                <a:solidFill>
+                  <a:srgbClr val="FF0000"/>
+                </a:solidFill>
+                <a:latin typeface="Comic Sans MS" pitchFamily="66" charset="0"/>
+              </a:rPr>
+              <a:t>b</a:t>
+            </a:r>
+            <a:r>
+              <a:rPr lang="en-US" sz="2000" b="1" i="1" dirty="0" smtClean="0">
+                <a:solidFill>
+                  <a:srgbClr val="FF0000"/>
+                </a:solidFill>
+                <a:latin typeface="Comic Sans MS" pitchFamily="66" charset="0"/>
+              </a:rPr>
+              <a:t>ulk water</a:t>
+            </a:r>
+          </a:p>
+          <a:p>
+            <a:r>
+              <a:rPr lang="en-US" sz="2000" b="1" i="1" dirty="0">
+                <a:solidFill>
+                  <a:srgbClr val="FFC000"/>
+                </a:solidFill>
+                <a:latin typeface="Comic Sans MS" pitchFamily="66" charset="0"/>
+              </a:rPr>
+              <a:t>s</a:t>
+            </a:r>
+            <a:r>
+              <a:rPr lang="en-US" sz="2000" b="1" i="1" dirty="0" smtClean="0">
+                <a:solidFill>
+                  <a:srgbClr val="FFC000"/>
+                </a:solidFill>
+                <a:latin typeface="Comic Sans MS" pitchFamily="66" charset="0"/>
+              </a:rPr>
+              <a:t>emi-conducting nanotube</a:t>
+            </a:r>
+          </a:p>
+          <a:p>
+            <a:r>
+              <a:rPr lang="en-US" sz="2000" b="1" i="1" dirty="0">
+                <a:solidFill>
+                  <a:srgbClr val="0070C0"/>
+                </a:solidFill>
+                <a:latin typeface="Comic Sans MS" pitchFamily="66" charset="0"/>
+              </a:rPr>
+              <a:t>m</a:t>
+            </a:r>
+            <a:r>
+              <a:rPr lang="en-US" sz="2000" b="1" i="1" dirty="0" smtClean="0">
+                <a:solidFill>
+                  <a:srgbClr val="0070C0"/>
+                </a:solidFill>
+                <a:latin typeface="Comic Sans MS" pitchFamily="66" charset="0"/>
+              </a:rPr>
+              <a:t>etallic nanotube</a:t>
+            </a:r>
+            <a:endParaRPr lang="en-US" sz="2000" b="1" dirty="0">
+              <a:solidFill>
+                <a:srgbClr val="0070C0"/>
+              </a:solidFill>
+              <a:latin typeface="Comic Sans MS" pitchFamily="66" charset="0"/>
+            </a:endParaRPr>
+          </a:p>
+        </p:txBody>
+      </p:sp>
     </p:spTree>
     <p:extLst>
       <p:ext uri="{BB962C8B-B14F-4D97-AF65-F5344CB8AC3E}">

--- a/sandwitch_results_3_2015/spamm_big_picture.pptx
+++ b/sandwitch_results_3_2015/spamm_big_picture.pptx
@@ -5,12 +5,12 @@
     <p:sldMasterId id="2147483648" r:id="rId1"/>
   </p:sldMasterIdLst>
   <p:notesMasterIdLst>
-    <p:notesMasterId r:id="rId23"/>
+    <p:notesMasterId r:id="rId22"/>
   </p:notesMasterIdLst>
   <p:sldIdLst>
     <p:sldId id="282" r:id="rId2"/>
     <p:sldId id="281" r:id="rId3"/>
-    <p:sldId id="280" r:id="rId4"/>
+    <p:sldId id="283" r:id="rId4"/>
     <p:sldId id="266" r:id="rId5"/>
     <p:sldId id="264" r:id="rId6"/>
     <p:sldId id="263" r:id="rId7"/>
@@ -24,11 +24,10 @@
     <p:sldId id="274" r:id="rId15"/>
     <p:sldId id="260" r:id="rId16"/>
     <p:sldId id="273" r:id="rId17"/>
-    <p:sldId id="262" r:id="rId18"/>
+    <p:sldId id="284" r:id="rId18"/>
     <p:sldId id="276" r:id="rId19"/>
-    <p:sldId id="277" r:id="rId20"/>
-    <p:sldId id="278" r:id="rId21"/>
-    <p:sldId id="279" r:id="rId22"/>
+    <p:sldId id="278" r:id="rId20"/>
+    <p:sldId id="279" r:id="rId21"/>
   </p:sldIdLst>
   <p:sldSz cx="9144000" cy="6858000" type="screen4x3"/>
   <p:notesSz cx="6858000" cy="9144000"/>
@@ -543,90 +542,6 @@
           <a:bodyPr/>
           <a:lstStyle/>
           <a:p>
-            <a:fld id="{7B78DCCA-C640-4451-AB38-C8693197612E}" type="slidenum">
-              <a:rPr lang="en-US" smtClean="0"/>
-              <a:t>3</a:t>
-            </a:fld>
-            <a:endParaRPr lang="en-US"/>
-          </a:p>
-        </p:txBody>
-      </p:sp>
-    </p:spTree>
-    <p:extLst>
-      <p:ext uri="{BB962C8B-B14F-4D97-AF65-F5344CB8AC3E}">
-        <p14:creationId xmlns:p14="http://schemas.microsoft.com/office/powerpoint/2010/main" val="1654567189"/>
-      </p:ext>
-    </p:extLst>
-  </p:cSld>
-  <p:clrMapOvr>
-    <a:masterClrMapping/>
-  </p:clrMapOvr>
-</p:notes>
-</file>
-
-<file path=ppt/notesSlides/notesSlide2.xml><?xml version="1.0" encoding="utf-8"?>
-<p:notes xmlns:a="http://schemas.openxmlformats.org/drawingml/2006/main" xmlns:r="http://schemas.openxmlformats.org/officeDocument/2006/relationships" xmlns:p="http://schemas.openxmlformats.org/presentationml/2006/main">
-  <p:cSld>
-    <p:spTree>
-      <p:nvGrpSpPr>
-        <p:cNvPr id="1" name=""/>
-        <p:cNvGrpSpPr/>
-        <p:nvPr/>
-      </p:nvGrpSpPr>
-      <p:grpSpPr>
-        <a:xfrm>
-          <a:off x="0" y="0"/>
-          <a:ext cx="0" cy="0"/>
-          <a:chOff x="0" y="0"/>
-          <a:chExt cx="0" cy="0"/>
-        </a:xfrm>
-      </p:grpSpPr>
-      <p:sp>
-        <p:nvSpPr>
-          <p:cNvPr id="2" name="Slide Image Placeholder 1"/>
-          <p:cNvSpPr>
-            <a:spLocks noGrp="1" noRot="1" noChangeAspect="1"/>
-          </p:cNvSpPr>
-          <p:nvPr>
-            <p:ph type="sldImg"/>
-          </p:nvPr>
-        </p:nvSpPr>
-        <p:spPr/>
-      </p:sp>
-      <p:sp>
-        <p:nvSpPr>
-          <p:cNvPr id="3" name="Notes Placeholder 2"/>
-          <p:cNvSpPr>
-            <a:spLocks noGrp="1"/>
-          </p:cNvSpPr>
-          <p:nvPr>
-            <p:ph type="body" idx="1"/>
-          </p:nvPr>
-        </p:nvSpPr>
-        <p:spPr/>
-        <p:txBody>
-          <a:bodyPr/>
-          <a:lstStyle/>
-          <a:p>
-            <a:endParaRPr lang="en-US" dirty="0"/>
-          </a:p>
-        </p:txBody>
-      </p:sp>
-      <p:sp>
-        <p:nvSpPr>
-          <p:cNvPr id="4" name="Slide Number Placeholder 3"/>
-          <p:cNvSpPr>
-            <a:spLocks noGrp="1"/>
-          </p:cNvSpPr>
-          <p:nvPr>
-            <p:ph type="sldNum" sz="quarter" idx="10"/>
-          </p:nvPr>
-        </p:nvSpPr>
-        <p:spPr/>
-        <p:txBody>
-          <a:bodyPr/>
-          <a:lstStyle/>
-          <a:p>
             <a:fld id="{1CFA42DE-160A-4E7C-89E2-22791C61C9FD}" type="slidenum">
               <a:rPr lang="en-US" smtClean="0"/>
               <a:t>6</a:t>
@@ -648,7 +563,7 @@
 </p:notes>
 </file>
 
-<file path=ppt/notesSlides/notesSlide3.xml><?xml version="1.0" encoding="utf-8"?>
+<file path=ppt/notesSlides/notesSlide2.xml><?xml version="1.0" encoding="utf-8"?>
 <p:notes xmlns:a="http://schemas.openxmlformats.org/drawingml/2006/main" xmlns:r="http://schemas.openxmlformats.org/officeDocument/2006/relationships" xmlns:p="http://schemas.openxmlformats.org/presentationml/2006/main">
   <p:cSld>
     <p:spTree>
@@ -3722,171 +3637,14 @@
       </p:grpSpPr>
       <p:sp>
         <p:nvSpPr>
-          <p:cNvPr id="4" name="TextBox 3"/>
-          <p:cNvSpPr txBox="1"/>
-          <p:nvPr/>
-        </p:nvSpPr>
-        <p:spPr>
-          <a:xfrm>
-            <a:off x="110067" y="485255"/>
-            <a:ext cx="8915400" cy="2585323"/>
-          </a:xfrm>
-          <a:prstGeom prst="rect">
-            <a:avLst/>
-          </a:prstGeom>
-          <a:noFill/>
-        </p:spPr>
-        <p:txBody>
-          <a:bodyPr wrap="square" rtlCol="0">
-            <a:spAutoFit/>
-          </a:bodyPr>
-          <a:lstStyle/>
-          <a:p>
-            <a:pPr algn="ctr">
-              <a:spcBef>
-                <a:spcPts val="600"/>
-              </a:spcBef>
-              <a:spcAft>
-                <a:spcPts val="600"/>
-              </a:spcAft>
-            </a:pPr>
-            <a:r>
-              <a:rPr lang="en-US" sz="3400" b="1" i="1" dirty="0" smtClean="0">
-                <a:latin typeface="Comic Sans MS" pitchFamily="66" charset="0"/>
-              </a:rPr>
-              <a:t>O</a:t>
-            </a:r>
-            <a:r>
-              <a:rPr lang="en-US" sz="800" b="1" i="1" dirty="0" smtClean="0">
-                <a:latin typeface="Comic Sans MS" pitchFamily="66" charset="0"/>
-              </a:rPr>
-              <a:t> </a:t>
-            </a:r>
-            <a:r>
-              <a:rPr lang="en-US" sz="3400" b="1" dirty="0" smtClean="0">
-                <a:latin typeface="Comic Sans MS" pitchFamily="66" charset="0"/>
-              </a:rPr>
-              <a:t>(</a:t>
-            </a:r>
-            <a:r>
-              <a:rPr lang="en-US" sz="3400" b="1" i="1" dirty="0" smtClean="0">
-                <a:latin typeface="Comic Sans MS" pitchFamily="66" charset="0"/>
-              </a:rPr>
-              <a:t>N</a:t>
-            </a:r>
-            <a:r>
-              <a:rPr lang="en-US" sz="1400" b="1" i="1" dirty="0" smtClean="0">
-                <a:latin typeface="Comic Sans MS" pitchFamily="66" charset="0"/>
-              </a:rPr>
-              <a:t> </a:t>
-            </a:r>
-            <a:r>
-              <a:rPr lang="en-US" sz="3400" b="1" dirty="0" smtClean="0">
-                <a:latin typeface="Comic Sans MS" pitchFamily="66" charset="0"/>
-              </a:rPr>
-              <a:t>) Quantum Chemistry Made Simple</a:t>
-            </a:r>
-          </a:p>
-          <a:p>
-            <a:pPr algn="ctr">
-              <a:spcBef>
-                <a:spcPts val="600"/>
-              </a:spcBef>
-              <a:spcAft>
-                <a:spcPts val="600"/>
-              </a:spcAft>
-            </a:pPr>
-            <a:endParaRPr lang="en-US" sz="3400" b="1" dirty="0">
-              <a:latin typeface="Comic Sans MS" pitchFamily="66" charset="0"/>
-            </a:endParaRPr>
-          </a:p>
-          <a:p>
-            <a:pPr algn="ctr">
-              <a:spcBef>
-                <a:spcPts val="600"/>
-              </a:spcBef>
-              <a:spcAft>
-                <a:spcPts val="600"/>
-              </a:spcAft>
-            </a:pPr>
-            <a:r>
-              <a:rPr lang="en-US" sz="3200" b="1" i="1" dirty="0" smtClean="0">
-                <a:latin typeface="Comic Sans MS" pitchFamily="66" charset="0"/>
-              </a:rPr>
-              <a:t>In N</a:t>
-            </a:r>
-            <a:r>
-              <a:rPr lang="en-US" sz="1000" b="1" i="1" dirty="0" smtClean="0">
-                <a:latin typeface="Comic Sans MS" pitchFamily="66" charset="0"/>
-              </a:rPr>
-              <a:t> </a:t>
-            </a:r>
-            <a:r>
-              <a:rPr lang="en-US" sz="3200" b="1" i="1" baseline="30000" dirty="0" smtClean="0">
-                <a:latin typeface="Comic Sans MS" pitchFamily="66" charset="0"/>
-              </a:rPr>
-              <a:t>4</a:t>
-            </a:r>
-            <a:r>
-              <a:rPr lang="en-US" sz="3200" b="1" i="1" dirty="0" smtClean="0">
-                <a:latin typeface="Comic Sans MS" pitchFamily="66" charset="0"/>
-                <a:sym typeface="Wingdings" pitchFamily="2" charset="2"/>
-              </a:rPr>
-              <a:t> N, </a:t>
-            </a:r>
-            <a:r>
-              <a:rPr lang="en-US" sz="3200" b="1" i="1" dirty="0" smtClean="0">
-                <a:latin typeface="Comic Sans MS" pitchFamily="66" charset="0"/>
-              </a:rPr>
-              <a:t>do not accumulate, eliminate </a:t>
-            </a:r>
-          </a:p>
-          <a:p>
-            <a:pPr>
-              <a:spcBef>
-                <a:spcPts val="600"/>
-              </a:spcBef>
-              <a:spcAft>
-                <a:spcPts val="600"/>
-              </a:spcAft>
-            </a:pPr>
-            <a:r>
-              <a:rPr lang="en-US" sz="3200" b="1" i="1" dirty="0">
-                <a:latin typeface="Comic Sans MS" pitchFamily="66" charset="0"/>
-              </a:rPr>
-              <a:t> </a:t>
-            </a:r>
-            <a:r>
-              <a:rPr lang="en-US" sz="3200" b="1" i="1" dirty="0" smtClean="0">
-                <a:latin typeface="Comic Sans MS" pitchFamily="66" charset="0"/>
-              </a:rPr>
-              <a:t>                              </a:t>
-            </a:r>
-            <a:r>
-              <a:rPr lang="en-US" sz="3200" b="1" dirty="0" smtClean="0">
-                <a:latin typeface="Comic Sans MS" pitchFamily="66" charset="0"/>
-              </a:rPr>
-              <a:t>- </a:t>
-            </a:r>
-            <a:r>
-              <a:rPr lang="en-US" sz="3200" dirty="0" smtClean="0">
-                <a:latin typeface="Comic Sans MS" pitchFamily="66" charset="0"/>
-              </a:rPr>
-              <a:t>Bruce Lee</a:t>
-            </a:r>
-          </a:p>
-        </p:txBody>
-      </p:sp>
-      <p:sp>
-        <p:nvSpPr>
           <p:cNvPr id="6" name="TextBox 5"/>
           <p:cNvSpPr txBox="1"/>
           <p:nvPr/>
         </p:nvSpPr>
         <p:spPr>
           <a:xfrm>
-            <a:off x="305467" y="3595807"/>
-            <a:ext cx="8381333" cy="1661993"/>
+            <a:off x="2743200" y="2304871"/>
+            <a:ext cx="5837046" cy="1200329"/>
           </a:xfrm>
           <a:prstGeom prst="rect">
             <a:avLst/>
@@ -3901,19 +3659,19 @@
           <a:p>
             <a:pPr algn="r"/>
             <a:r>
-              <a:rPr lang="en-US" sz="3400" dirty="0" smtClean="0">
+              <a:rPr lang="en-US" sz="2400" dirty="0" smtClean="0">
                 <a:latin typeface="+mj-lt"/>
               </a:rPr>
               <a:t>Matt </a:t>
             </a:r>
             <a:r>
-              <a:rPr lang="en-US" sz="3400" dirty="0" err="1" smtClean="0">
+              <a:rPr lang="en-US" sz="2400" dirty="0" err="1" smtClean="0">
                 <a:latin typeface="+mj-lt"/>
               </a:rPr>
               <a:t>Challacombe</a:t>
             </a:r>
             <a:r>
-              <a:rPr lang="en-US" sz="3400" dirty="0" smtClean="0">
+              <a:rPr lang="en-US" sz="2400" dirty="0" smtClean="0">
                 <a:latin typeface="+mj-lt"/>
               </a:rPr>
               <a:t>, Nicolas Bock &amp; Terry Haut</a:t>
@@ -3922,7 +3680,7 @@
           <a:p>
             <a:pPr algn="r"/>
             <a:r>
-              <a:rPr lang="en-US" sz="3400" dirty="0" smtClean="0">
+              <a:rPr lang="en-US" sz="2400" dirty="0" smtClean="0">
                 <a:latin typeface="+mj-lt"/>
               </a:rPr>
               <a:t>Los Alamos National Laboratory</a:t>
@@ -3931,18 +3689,18 @@
           <a:p>
             <a:pPr algn="r"/>
             <a:r>
-              <a:rPr lang="en-US" sz="3400" dirty="0">
+              <a:rPr lang="en-US" sz="2400" dirty="0">
                 <a:latin typeface="+mj-lt"/>
               </a:rPr>
               <a:t>m</a:t>
             </a:r>
             <a:r>
-              <a:rPr lang="en-US" sz="3400" dirty="0" smtClean="0">
+              <a:rPr lang="en-US" sz="2400" dirty="0" smtClean="0">
                 <a:latin typeface="+mj-lt"/>
               </a:rPr>
               <a:t>att.challacombe@freeon.org</a:t>
             </a:r>
-            <a:endParaRPr lang="en-US" sz="3400" dirty="0">
+            <a:endParaRPr lang="en-US" sz="2400" dirty="0">
               <a:latin typeface="+mj-lt"/>
             </a:endParaRPr>
           </a:p>
@@ -3975,8 +3733,26 @@
                 <a:latin typeface="Courier New" pitchFamily="49" charset="0"/>
                 <a:cs typeface="Courier New" pitchFamily="49" charset="0"/>
               </a:rPr>
-              <a:t>Spooky Stuff: LA-UR-10-07458//LA-UR 11-06091//LA-UR-14-22050//LA-UR-14-20354</a:t>
-            </a:r>
+              <a:t>LA-UR-10-07458</a:t>
+            </a:r>
+            <a:r>
+              <a:rPr lang="en-US" sz="1400" b="1" dirty="0" smtClean="0">
+                <a:latin typeface="Courier New" pitchFamily="49" charset="0"/>
+                <a:cs typeface="Courier New" pitchFamily="49" charset="0"/>
+              </a:rPr>
+              <a:t>//LA-UR 11-06091//LA-UR-14-22050//</a:t>
+            </a:r>
+            <a:r>
+              <a:rPr lang="en-US" sz="1400" b="1" dirty="0" smtClean="0">
+                <a:latin typeface="Courier New" pitchFamily="49" charset="0"/>
+                <a:cs typeface="Courier New" pitchFamily="49" charset="0"/>
+              </a:rPr>
+              <a:t>LA-UR-14-20354//</a:t>
+            </a:r>
+            <a:endParaRPr lang="en-US" sz="1400" b="1" dirty="0" smtClean="0">
+              <a:latin typeface="Courier New" pitchFamily="49" charset="0"/>
+              <a:cs typeface="Courier New" pitchFamily="49" charset="0"/>
+            </a:endParaRPr>
           </a:p>
           <a:p>
             <a:r>
@@ -4026,6 +3802,109 @@
               <a:latin typeface="Courier New" pitchFamily="49" charset="0"/>
               <a:cs typeface="Courier New" pitchFamily="49" charset="0"/>
             </a:endParaRPr>
+          </a:p>
+        </p:txBody>
+      </p:sp>
+      <p:sp>
+        <p:nvSpPr>
+          <p:cNvPr id="2" name="Rectangle 1"/>
+          <p:cNvSpPr/>
+          <p:nvPr/>
+        </p:nvSpPr>
+        <p:spPr>
+          <a:xfrm>
+            <a:off x="228600" y="4073604"/>
+            <a:ext cx="9296400" cy="1107996"/>
+          </a:xfrm>
+          <a:prstGeom prst="rect">
+            <a:avLst/>
+          </a:prstGeom>
+        </p:spPr>
+        <p:txBody>
+          <a:bodyPr wrap="square">
+            <a:spAutoFit/>
+          </a:bodyPr>
+          <a:lstStyle/>
+          <a:p>
+            <a:r>
+              <a:rPr lang="en-US" sz="2000" dirty="0" smtClean="0"/>
+              <a:t>“</a:t>
+            </a:r>
+            <a:r>
+              <a:rPr lang="en-US" sz="2000" i="1" dirty="0" smtClean="0"/>
+              <a:t>Linear-Complexity </a:t>
+            </a:r>
+            <a:r>
+              <a:rPr lang="en-US" sz="2000" i="1" dirty="0"/>
+              <a:t>Dense Linear </a:t>
+            </a:r>
+            <a:r>
+              <a:rPr lang="en-US" sz="2000" i="1" dirty="0" smtClean="0"/>
+              <a:t>Algebra, Parallelization </a:t>
+            </a:r>
+            <a:r>
+              <a:rPr lang="en-US" sz="2000" i="1" dirty="0"/>
+              <a:t>and Applications </a:t>
+            </a:r>
+            <a:r>
+              <a:rPr lang="en-US" sz="2000" dirty="0" smtClean="0"/>
+              <a:t>“</a:t>
+            </a:r>
+          </a:p>
+          <a:p>
+            <a:r>
+              <a:rPr lang="en-US" sz="2800" b="1" dirty="0" smtClean="0"/>
+              <a:t>SIAM CS&amp;E 2015, Salt Lake</a:t>
+            </a:r>
+            <a:endParaRPr lang="en-US" sz="2800" b="1" dirty="0"/>
+          </a:p>
+          <a:p>
+            <a:endParaRPr lang="en-US" dirty="0"/>
+          </a:p>
+        </p:txBody>
+      </p:sp>
+      <p:sp>
+        <p:nvSpPr>
+          <p:cNvPr id="3" name="Rectangle 2"/>
+          <p:cNvSpPr/>
+          <p:nvPr/>
+        </p:nvSpPr>
+        <p:spPr>
+          <a:xfrm>
+            <a:off x="466725" y="285750"/>
+            <a:ext cx="8610600" cy="1477328"/>
+          </a:xfrm>
+          <a:prstGeom prst="rect">
+            <a:avLst/>
+          </a:prstGeom>
+        </p:spPr>
+        <p:txBody>
+          <a:bodyPr wrap="square">
+            <a:spAutoFit/>
+          </a:bodyPr>
+          <a:lstStyle/>
+          <a:p>
+            <a:r>
+              <a:rPr lang="en-US" sz="3000" b="1" i="1" dirty="0"/>
+              <a:t>N</a:t>
+            </a:r>
+            <a:r>
+              <a:rPr lang="en-US" sz="3000" b="1" dirty="0"/>
+              <a:t>-Body Algorithms for Matrices with Decay: </a:t>
+            </a:r>
+            <a:r>
+              <a:rPr lang="en-US" sz="3000" b="1" dirty="0" smtClean="0"/>
+              <a:t>Sparse Approximate Matrix Multiplication (</a:t>
+            </a:r>
+            <a:r>
+              <a:rPr lang="en-US" sz="3000" b="1" dirty="0" err="1" smtClean="0"/>
+              <a:t>SpAMM</a:t>
+            </a:r>
+            <a:r>
+              <a:rPr lang="en-US" sz="3000" b="1" dirty="0" smtClean="0"/>
+              <a:t>)         and Inverse Factorization.  </a:t>
+            </a:r>
+            <a:endParaRPr lang="en-US" sz="3000" b="1" dirty="0"/>
           </a:p>
         </p:txBody>
       </p:sp>
@@ -4166,7 +4045,7 @@
             </p:nvSpPr>
             <p:spPr>
               <a:xfrm>
-                <a:off x="320040" y="2395478"/>
+                <a:off x="320040" y="2309753"/>
                 <a:ext cx="3642360" cy="2862322"/>
               </a:xfrm>
               <a:prstGeom prst="rect">
@@ -4190,11 +4069,7 @@
                 </a:pPr>
                 <a:r>
                   <a:rPr lang="en-US" sz="2000" dirty="0" smtClean="0"/>
-                  <a:t>In the Chen &amp; Chow scheme,  scaling increases gradient at the origin, accelerating convergence of the minimu</a:t>
-                </a:r>
-                <a:r>
-                  <a:rPr lang="en-US" sz="2000" dirty="0" smtClean="0"/>
-                  <a:t>m EV </a:t>
+                  <a:t>In the Chen &amp; Chow scheme,  scaling increases gradient at the origin, accelerating convergence of the minimum EV </a:t>
                 </a:r>
                 <a14:m>
                   <m:oMath xmlns:m="http://schemas.openxmlformats.org/officeDocument/2006/math">
@@ -4327,7 +4202,7 @@
             </p:nvSpPr>
             <p:spPr>
               <a:xfrm>
-                <a:off x="320040" y="2395478"/>
+                <a:off x="320040" y="2309753"/>
                 <a:ext cx="3642360" cy="2862322"/>
               </a:xfrm>
               <a:prstGeom prst="rect">
@@ -4336,7 +4211,7 @@
               <a:blipFill rotWithShape="1">
                 <a:blip r:embed="rId5"/>
                 <a:stretch>
-                  <a:fillRect l="-1843" t="-1064"/>
+                  <a:fillRect l="-1843" t="-1066"/>
                 </a:stretch>
               </a:blipFill>
             </p:spPr>
@@ -4367,13 +4242,13 @@
         </p:nvSpPr>
         <p:spPr>
           <a:xfrm>
-            <a:off x="-230779" y="152400"/>
-            <a:ext cx="8649789" cy="533400"/>
+            <a:off x="-221254" y="219075"/>
+            <a:ext cx="5640979" cy="533400"/>
           </a:xfrm>
         </p:spPr>
         <p:txBody>
           <a:bodyPr>
-            <a:normAutofit fontScale="90000"/>
+            <a:noAutofit/>
           </a:bodyPr>
           <a:lstStyle/>
           <a:p>
@@ -4381,7 +4256,13 @@
               <a:rPr lang="en-US" sz="3200" b="1" dirty="0" smtClean="0">
                 <a:latin typeface="Comic Sans MS" pitchFamily="66" charset="0"/>
               </a:rPr>
-              <a:t>Scaled Newton Schulz (Chen &amp; Chow ’14)</a:t>
+              <a:t>Scaled Newton </a:t>
+            </a:r>
+            <a:r>
+              <a:rPr lang="en-US" sz="3200" b="1" dirty="0" smtClean="0">
+                <a:latin typeface="Comic Sans MS" pitchFamily="66" charset="0"/>
+              </a:rPr>
+              <a:t>Schulz</a:t>
             </a:r>
             <a:endParaRPr lang="en-US" sz="3200" b="1" dirty="0">
               <a:latin typeface="Comic Sans MS" pitchFamily="66" charset="0"/>
@@ -4717,7 +4598,15 @@
                 </a:r>
                 <a:r>
                   <a:rPr lang="en-US" sz="2000" dirty="0" smtClean="0"/>
-                  <a:t>;  </a:t>
+                  <a:t>  [</a:t>
+                </a:r>
+                <a:r>
+                  <a:rPr lang="en-US" sz="2000" i="1" dirty="0" err="1" smtClean="0"/>
+                  <a:t>ie</a:t>
+                </a:r>
+                <a:r>
+                  <a:rPr lang="en-US" sz="2000" dirty="0" smtClean="0"/>
+                  <a:t>. </a:t>
                 </a:r>
                 <a14:m>
                   <m:oMath xmlns:m="http://schemas.openxmlformats.org/officeDocument/2006/math">
@@ -4793,7 +4682,11 @@
                 </a14:m>
                 <a:r>
                   <a:rPr lang="en-US" sz="2000" dirty="0" smtClean="0"/>
-                  <a:t>.  See for example Pan &amp; Schreiber ‘91,  </a:t>
+                  <a:t> ].  </a:t>
+                </a:r>
+                <a:r>
+                  <a:rPr lang="en-US" sz="2000" dirty="0" smtClean="0"/>
+                  <a:t>See for example Pan &amp; Schreiber ‘91,  </a:t>
                 </a:r>
                 <a:r>
                   <a:rPr lang="en-US" sz="2000" dirty="0" err="1" smtClean="0"/>
@@ -4843,7 +4736,7 @@
               <a:blipFill rotWithShape="1">
                 <a:blip r:embed="rId6"/>
                 <a:stretch>
-                  <a:fillRect l="-643" b="-5792"/>
+                  <a:fillRect l="-643" r="-1143" b="-5792"/>
                 </a:stretch>
               </a:blipFill>
             </p:spPr>
@@ -4872,13 +4765,13 @@
             </p:nvSpPr>
             <p:spPr>
               <a:xfrm>
-                <a:off x="929640" y="5013960"/>
-                <a:ext cx="2270760" cy="1615440"/>
+                <a:off x="533400" y="4800600"/>
+                <a:ext cx="2484120" cy="1828800"/>
               </a:xfrm>
               <a:prstGeom prst="wedgeRoundRectCallout">
                 <a:avLst>
-                  <a:gd name="adj1" fmla="val 74993"/>
-                  <a:gd name="adj2" fmla="val -24674"/>
+                  <a:gd name="adj1" fmla="val 79978"/>
+                  <a:gd name="adj2" fmla="val -13736"/>
                   <a:gd name="adj3" fmla="val 16667"/>
                 </a:avLst>
               </a:prstGeom>
@@ -4904,7 +4797,15 @@
                 <a:pPr algn="ctr"/>
                 <a:r>
                   <a:rPr lang="en-US" dirty="0" smtClean="0"/>
-                  <a:t>Convergence given by gradient:                  </a:t>
+                  <a:t>Convergence </a:t>
+                </a:r>
+                <a:r>
+                  <a:rPr lang="en-US" dirty="0" smtClean="0"/>
+                  <a:t>determined by </a:t>
+                </a:r>
+                <a:r>
+                  <a:rPr lang="en-US" dirty="0" smtClean="0"/>
+                  <a:t>gradient:                  </a:t>
                 </a:r>
                 <a14:m>
                   <m:oMath xmlns:m="http://schemas.openxmlformats.org/officeDocument/2006/math">
@@ -4921,7 +4822,7 @@
                     <m:d>
                       <m:dPr>
                         <m:ctrlPr>
-                          <a:rPr lang="en-US" b="0" i="0" dirty="0" smtClean="0">
+                          <a:rPr lang="en-US" b="0" i="1" dirty="0" smtClean="0">
                             <a:latin typeface="Cambria Math"/>
                             <a:ea typeface="Cambria Math" pitchFamily="18" charset="0"/>
                           </a:rPr>
@@ -5105,13 +5006,13 @@
             </p:nvSpPr>
             <p:spPr>
               <a:xfrm>
-                <a:off x="929640" y="5013960"/>
-                <a:ext cx="2270760" cy="1615440"/>
+                <a:off x="533400" y="4800600"/>
+                <a:ext cx="2484120" cy="1828800"/>
               </a:xfrm>
               <a:prstGeom prst="wedgeRoundRectCallout">
                 <a:avLst>
-                  <a:gd name="adj1" fmla="val 74993"/>
-                  <a:gd name="adj2" fmla="val -24674"/>
+                  <a:gd name="adj1" fmla="val 79978"/>
+                  <a:gd name="adj2" fmla="val -13736"/>
                   <a:gd name="adj3" fmla="val 16667"/>
                 </a:avLst>
               </a:prstGeom>
@@ -5152,8 +5053,8 @@
               </a:xfrm>
               <a:prstGeom prst="wedgeRectCallout">
                 <a:avLst>
-                  <a:gd name="adj1" fmla="val -72749"/>
-                  <a:gd name="adj2" fmla="val -42602"/>
+                  <a:gd name="adj1" fmla="val -68961"/>
+                  <a:gd name="adj2" fmla="val -38756"/>
                 </a:avLst>
               </a:prstGeom>
             </p:spPr>
@@ -5228,7 +5129,11 @@
                 </a:r>
                 <a:r>
                   <a:rPr lang="en-US" dirty="0" smtClean="0"/>
-                  <a:t>stabilizes map for double precision. </a:t>
+                  <a:t>stabilizes map for double </a:t>
+                </a:r>
+                <a:r>
+                  <a:rPr lang="en-US" dirty="0" smtClean="0"/>
+                  <a:t>precision </a:t>
                 </a:r>
                 <a:endParaRPr lang="en-US" dirty="0"/>
               </a:p>
@@ -5251,8 +5156,8 @@
               </a:xfrm>
               <a:prstGeom prst="wedgeRectCallout">
                 <a:avLst>
-                  <a:gd name="adj1" fmla="val -72749"/>
-                  <a:gd name="adj2" fmla="val -42602"/>
+                  <a:gd name="adj1" fmla="val -68961"/>
+                  <a:gd name="adj2" fmla="val -38756"/>
                 </a:avLst>
               </a:prstGeom>
               <a:blipFill rotWithShape="1">
@@ -5395,8 +5300,8 @@
           </a:prstGeom>
         </p:spPr>
       </p:pic>
-      <mc:AlternateContent xmlns:mc="http://schemas.openxmlformats.org/markup-compatibility/2006">
-        <mc:Choice xmlns:a14="http://schemas.microsoft.com/office/drawing/2010/main" Requires="a14">
+      <mc:AlternateContent xmlns:mc="http://schemas.openxmlformats.org/markup-compatibility/2006" xmlns:a14="http://schemas.microsoft.com/office/drawing/2010/main">
+        <mc:Choice Requires="a14">
           <p:sp>
             <p:nvSpPr>
               <p:cNvPr id="12" name="TextBox 11"/>
@@ -5620,18 +5525,7 @@
                       </a:schemeClr>
                     </a:solidFill>
                   </a:rPr>
-                  <a:t>How </a:t>
-                </a:r>
-                <a:r>
-                  <a:rPr lang="en-US" sz="2400" b="1" i="1" dirty="0" smtClean="0">
-                    <a:solidFill>
-                      <a:schemeClr val="tx2">
-                        <a:lumMod val="60000"/>
-                        <a:lumOff val="40000"/>
-                      </a:schemeClr>
-                    </a:solidFill>
-                  </a:rPr>
-                  <a:t>much acceleration can be kept under extreme conditions? </a:t>
+                  <a:t>How much acceleration can be kept under extreme conditions? </a:t>
                 </a:r>
                 <a:endParaRPr lang="en-US" sz="2400" b="1" i="1" dirty="0">
                   <a:solidFill>
@@ -5645,7 +5539,7 @@
             </p:txBody>
           </p:sp>
         </mc:Choice>
-        <mc:Fallback>
+        <mc:Fallback xmlns="">
           <p:sp>
             <p:nvSpPr>
               <p:cNvPr id="12" name="TextBox 11"/>
@@ -5684,8 +5578,8 @@
           </p:sp>
         </mc:Fallback>
       </mc:AlternateContent>
-      <mc:AlternateContent xmlns:mc="http://schemas.openxmlformats.org/markup-compatibility/2006">
-        <mc:Choice xmlns:a14="http://schemas.microsoft.com/office/drawing/2010/main" Requires="a14">
+      <mc:AlternateContent xmlns:mc="http://schemas.openxmlformats.org/markup-compatibility/2006" xmlns:a14="http://schemas.microsoft.com/office/drawing/2010/main">
+        <mc:Choice Requires="a14">
           <p:sp>
             <p:nvSpPr>
               <p:cNvPr id="13" name="Rectangle 12"/>
@@ -5760,11 +5654,7 @@
                 </a:pPr>
                 <a:r>
                   <a:rPr lang="en-US" sz="2400" dirty="0" smtClean="0"/>
-                  <a:t>Ill-conditioning </a:t>
-                </a:r>
-                <a:r>
-                  <a:rPr lang="en-US" sz="2400" dirty="0" smtClean="0"/>
-                  <a:t>and </a:t>
+                  <a:t>Ill-conditioning and </a:t>
                 </a:r>
                 <a:r>
                   <a:rPr lang="en-US" sz="2400" dirty="0" err="1" smtClean="0"/>
@@ -5878,7 +5768,7 @@
             </p:txBody>
           </p:sp>
         </mc:Choice>
-        <mc:Fallback>
+        <mc:Fallback xmlns="">
           <p:sp>
             <p:nvSpPr>
               <p:cNvPr id="13" name="Rectangle 12"/>
@@ -6067,7 +5957,15 @@
                 </a:pPr>
                 <a:r>
                   <a:rPr lang="en-US" sz="2400" dirty="0" smtClean="0"/>
-                  <a:t>Tried many approaches to stability under</a:t>
+                  <a:t>Tried many approaches to </a:t>
+                </a:r>
+                <a:r>
+                  <a:rPr lang="en-US" sz="2400" dirty="0" smtClean="0"/>
+                  <a:t>achieve stability </a:t>
+                </a:r>
+                <a:r>
+                  <a:rPr lang="en-US" sz="2400" dirty="0" smtClean="0"/>
+                  <a:t>under</a:t>
                 </a:r>
                 <a:r>
                   <a:rPr lang="en-US" sz="2400" dirty="0"/>
@@ -6117,11 +6015,7 @@
                 </a14:m>
                 <a:r>
                   <a:rPr lang="en-US" sz="2400" dirty="0" smtClean="0"/>
-                  <a:t>approximation</a:t>
-                </a:r>
-                <a:r>
-                  <a:rPr lang="en-US" sz="2400" dirty="0" smtClean="0"/>
-                  <a:t>.  Found use of the left transpose </a:t>
+                  <a:t>approximation.  Found use of the left transpose </a:t>
                 </a:r>
                 <a:r>
                   <a:rPr lang="en-US" sz="2400" dirty="0" err="1" smtClean="0"/>
@@ -6214,7 +6108,6 @@
                   <a:rPr lang="en-US" sz="2400" dirty="0" smtClean="0"/>
                   <a:t>, to be most stable, especially for ill-conditioned matrices. </a:t>
                 </a:r>
-                <a:endParaRPr lang="en-US" sz="2400" dirty="0" smtClean="0"/>
               </a:p>
               <a:p>
                 <a:pPr marL="457200" indent="-457200">
@@ -6281,15 +6174,15 @@
                 </a:r>
                 <a:r>
                   <a:rPr lang="en-US" sz="2400" dirty="0" smtClean="0"/>
-                  <a:t>he full, asymmetric case w/transpose </a:t>
+                  <a:t>he full, asymmetric case </a:t>
                 </a:r>
                 <a:r>
                   <a:rPr lang="en-US" sz="2400" dirty="0" smtClean="0"/>
-                  <a:t>is more forgiving with respect to </a:t>
+                  <a:t>with left transpose </a:t>
                 </a:r>
                 <a:r>
                   <a:rPr lang="en-US" sz="2400" dirty="0" smtClean="0"/>
-                  <a:t>approximation, </a:t>
+                  <a:t>is more forgiving with respect to approximation, </a:t>
                 </a:r>
                 <a14:m>
                   <m:oMath xmlns:m="http://schemas.openxmlformats.org/officeDocument/2006/math">
@@ -6335,15 +6228,7 @@
                 </a14:m>
                 <a:r>
                   <a:rPr lang="en-US" sz="2400" dirty="0" smtClean="0"/>
-                  <a:t>, than</a:t>
-                </a:r>
-                <a:r>
-                  <a:rPr lang="en-US" sz="2400" dirty="0" smtClean="0"/>
-                  <a:t> </a:t>
-                </a:r>
-                <a:r>
-                  <a:rPr lang="en-US" sz="2400" dirty="0" smtClean="0"/>
-                  <a:t>“</a:t>
+                  <a:t>, than “</a:t>
                 </a:r>
                 <a:r>
                   <a:rPr lang="en-US" sz="2400" dirty="0"/>
@@ -6355,7 +6240,7 @@
                 </a:r>
                 <a:r>
                   <a:rPr lang="en-US" sz="2400" dirty="0" smtClean="0"/>
-                  <a:t>versions.  </a:t>
+                  <a:t>versions (preliminary).  </a:t>
                 </a:r>
                 <a:endParaRPr lang="en-US" sz="2400" dirty="0"/>
               </a:p>
@@ -6393,7 +6278,7 @@
               <a:blipFill rotWithShape="1">
                 <a:blip r:embed="rId2"/>
                 <a:stretch>
-                  <a:fillRect l="-954" t="-828"/>
+                  <a:fillRect l="-954" t="-828" r="-1541"/>
                 </a:stretch>
               </a:blipFill>
             </p:spPr>
@@ -6516,8 +6401,8 @@
           </a:p>
         </p:txBody>
       </p:sp>
-      <mc:AlternateContent xmlns:mc="http://schemas.openxmlformats.org/markup-compatibility/2006">
-        <mc:Choice xmlns:a14="http://schemas.microsoft.com/office/drawing/2010/main" Requires="a14">
+      <mc:AlternateContent xmlns:mc="http://schemas.openxmlformats.org/markup-compatibility/2006" xmlns:a14="http://schemas.microsoft.com/office/drawing/2010/main">
+        <mc:Choice Requires="a14">
           <p:sp>
             <p:nvSpPr>
               <p:cNvPr id="4" name="TextBox 3"/>
@@ -6650,7 +6535,7 @@
             </p:txBody>
           </p:sp>
         </mc:Choice>
-        <mc:Fallback>
+        <mc:Fallback xmlns="">
           <p:sp>
             <p:nvSpPr>
               <p:cNvPr id="4" name="TextBox 3"/>
@@ -6689,8 +6574,8 @@
           </p:sp>
         </mc:Fallback>
       </mc:AlternateContent>
-      <mc:AlternateContent xmlns:mc="http://schemas.openxmlformats.org/markup-compatibility/2006">
-        <mc:Choice xmlns:a14="http://schemas.microsoft.com/office/drawing/2010/main" Requires="a14">
+      <mc:AlternateContent xmlns:mc="http://schemas.openxmlformats.org/markup-compatibility/2006" xmlns:a14="http://schemas.microsoft.com/office/drawing/2010/main">
+        <mc:Choice Requires="a14">
           <p:sp>
             <p:nvSpPr>
               <p:cNvPr id="10" name="TextBox 9"/>
@@ -6847,6 +6732,9 @@
                             </m:ctrlPr>
                           </m:sSupPr>
                           <m:e>
+                            <m:argPr>
+                              <m:argSz m:val="-1"/>
+                            </m:argPr>
                             <m:r>
                               <a:rPr lang="en-US" sz="2400" b="0" i="1" smtClean="0">
                                 <a:solidFill>
@@ -6859,6 +6747,9 @@
                             </m:r>
                           </m:e>
                           <m:sup>
+                            <m:argPr>
+                              <m:argSz m:val="-1"/>
+                            </m:argPr>
                             <m:r>
                               <a:rPr lang="en-US" sz="2400" b="0" i="1" smtClean="0">
                                 <a:solidFill>
@@ -6914,7 +6805,7 @@
             </p:txBody>
           </p:sp>
         </mc:Choice>
-        <mc:Fallback>
+        <mc:Fallback xmlns="">
           <p:sp>
             <p:nvSpPr>
               <p:cNvPr id="10" name="TextBox 9"/>
@@ -6953,8 +6844,8 @@
           </p:sp>
         </mc:Fallback>
       </mc:AlternateContent>
-      <mc:AlternateContent xmlns:mc="http://schemas.openxmlformats.org/markup-compatibility/2006">
-        <mc:Choice xmlns:a14="http://schemas.microsoft.com/office/drawing/2010/main" Requires="a14">
+      <mc:AlternateContent xmlns:mc="http://schemas.openxmlformats.org/markup-compatibility/2006" xmlns:a14="http://schemas.microsoft.com/office/drawing/2010/main">
+        <mc:Choice Requires="a14">
           <p:sp>
             <p:nvSpPr>
               <p:cNvPr id="14" name="TextBox 13"/>
@@ -7130,7 +7021,7 @@
             </p:txBody>
           </p:sp>
         </mc:Choice>
-        <mc:Fallback>
+        <mc:Fallback xmlns="">
           <p:sp>
             <p:nvSpPr>
               <p:cNvPr id="14" name="TextBox 13"/>
@@ -7309,16 +7200,7 @@
                 </a:solidFill>
                 <a:latin typeface="Comic Sans MS" pitchFamily="66" charset="0"/>
               </a:rPr>
-              <a:t> </a:t>
-            </a:r>
-            <a:r>
-              <a:rPr lang="en-US" sz="3200" b="1" dirty="0" smtClean="0">
-                <a:solidFill>
-                  <a:prstClr val="black"/>
-                </a:solidFill>
-                <a:latin typeface="Comic Sans MS" pitchFamily="66" charset="0"/>
-              </a:rPr>
-              <a:t>Stabilized </a:t>
+              <a:t> Stabilized </a:t>
             </a:r>
             <a:r>
               <a:rPr lang="en-US" sz="3200" b="1" dirty="0">
@@ -7467,7 +7349,7 @@
             <p:spPr>
               <a:xfrm>
                 <a:off x="457200" y="821535"/>
-                <a:ext cx="7772400" cy="1388265"/>
+                <a:ext cx="7772400" cy="1354217"/>
               </a:xfrm>
               <a:prstGeom prst="rect">
                 <a:avLst/>
@@ -7505,7 +7387,7 @@
                   <m:oMath xmlns:m="http://schemas.openxmlformats.org/officeDocument/2006/math">
                     <m:r>
                       <a:rPr lang="en-US" sz="2400" b="0" i="1">
-                        <a:latin typeface="+mj-lt"/>
+                        <a:latin typeface="Cambria Math"/>
                         <a:ea typeface="Cambria Math"/>
                       </a:rPr>
                       <m:t>𝞳</m:t>
@@ -7514,7 +7396,7 @@
                       <m:dPr>
                         <m:ctrlPr>
                           <a:rPr lang="en-US" sz="2400" i="1">
-                            <a:latin typeface="+mj-lt"/>
+                            <a:latin typeface="Cambria Math"/>
                             <a:ea typeface="Cambria Math"/>
                           </a:rPr>
                         </m:ctrlPr>
@@ -7522,7 +7404,7 @@
                       <m:e>
                         <m:r>
                           <a:rPr lang="en-US" sz="2400" b="0" i="1">
-                            <a:latin typeface="+mj-lt"/>
+                            <a:latin typeface="Cambria Math"/>
                             <a:ea typeface="Cambria Math"/>
                           </a:rPr>
                           <m:t>𝑠</m:t>
@@ -7531,7 +7413,7 @@
                     </m:d>
                     <m:r>
                       <a:rPr lang="en-US" sz="2400" b="0" i="1">
-                        <a:latin typeface="+mj-lt"/>
+                        <a:latin typeface="Cambria Math"/>
                         <a:ea typeface="Cambria Math"/>
                       </a:rPr>
                       <m:t>=</m:t>
@@ -7540,7 +7422,7 @@
                       <m:sSupPr>
                         <m:ctrlPr>
                           <a:rPr lang="en-US" sz="2400" i="1">
-                            <a:latin typeface="+mj-lt"/>
+                            <a:latin typeface="Cambria Math"/>
                             <a:ea typeface="Cambria Math"/>
                           </a:rPr>
                         </m:ctrlPr>
@@ -7548,7 +7430,7 @@
                       <m:e>
                         <m:r>
                           <a:rPr lang="en-US" sz="2400" b="0" i="1">
-                            <a:latin typeface="+mj-lt"/>
+                            <a:latin typeface="Cambria Math"/>
                             <a:ea typeface="Cambria Math"/>
                           </a:rPr>
                           <m:t>10</m:t>
@@ -7557,7 +7439,7 @@
                       <m:sup>
                         <m:r>
                           <a:rPr lang="en-US" sz="2400" b="0" i="1">
-                            <a:latin typeface="+mj-lt"/>
+                            <a:latin typeface="Cambria Math"/>
                             <a:ea typeface="Cambria Math"/>
                           </a:rPr>
                           <m:t>11</m:t>
@@ -7566,7 +7448,7 @@
                     </m:sSup>
                     <m:r>
                       <a:rPr lang="en-US" sz="2400" b="0" i="1">
-                        <a:latin typeface="+mj-lt"/>
+                        <a:latin typeface="Cambria Math"/>
                         <a:ea typeface="Cambria Math"/>
                       </a:rPr>
                       <m:t>,</m:t>
@@ -7601,7 +7483,13 @@
                   <a:rPr lang="en-US" sz="2400" dirty="0" smtClean="0">
                     <a:latin typeface="+mj-lt"/>
                   </a:rPr>
-                  <a:t>Stabilized left transpose </a:t>
+                  <a:t>Stabilized, </a:t>
+                </a:r>
+                <a:r>
+                  <a:rPr lang="en-US" sz="2400" dirty="0" smtClean="0">
+                    <a:latin typeface="+mj-lt"/>
+                  </a:rPr>
+                  <a:t>left transpose </a:t>
                 </a:r>
                 <a:r>
                   <a:rPr lang="en-US" sz="2400" dirty="0" err="1" smtClean="0">
@@ -7613,19 +7501,13 @@
                   <a:rPr lang="en-US" sz="2400" dirty="0" smtClean="0">
                     <a:latin typeface="+mj-lt"/>
                   </a:rPr>
-                  <a:t> </a:t>
-                </a:r>
-                <a:r>
-                  <a:rPr lang="en-US" sz="2400" dirty="0" err="1" smtClean="0">
-                    <a:latin typeface="+mj-lt"/>
-                  </a:rPr>
-                  <a:t>resolvent</a:t>
+                  <a:t>, </a:t>
                 </a:r>
                 <a:r>
                   <a:rPr lang="en-US" sz="2400" dirty="0" smtClean="0">
                     <a:latin typeface="+mj-lt"/>
                   </a:rPr>
-                  <a:t>, stabilized map, &amp; scaling switched by error heuristics (don’t compute </a:t>
+                  <a:t>stabilized map, &amp; scaling switched by error heuristics (don’t compute </a:t>
                 </a:r>
                 <a14:m>
                   <m:oMath xmlns:m="http://schemas.openxmlformats.org/officeDocument/2006/math">
@@ -7668,7 +7550,7 @@
             <p:spPr>
               <a:xfrm>
                 <a:off x="457200" y="821535"/>
-                <a:ext cx="7772400" cy="1388265"/>
+                <a:ext cx="7772400" cy="1354217"/>
               </a:xfrm>
               <a:prstGeom prst="rect">
                 <a:avLst/>
@@ -7676,7 +7558,7 @@
               <a:blipFill rotWithShape="1">
                 <a:blip r:embed="rId4"/>
                 <a:stretch>
-                  <a:fillRect l="-1020" t="-877" r="-1804" b="-8772"/>
+                  <a:fillRect l="-1020" t="-3604" b="-9459"/>
                 </a:stretch>
               </a:blipFill>
             </p:spPr>
@@ -7695,8 +7577,8 @@
           </p:sp>
         </mc:Fallback>
       </mc:AlternateContent>
-      <mc:AlternateContent xmlns:mc="http://schemas.openxmlformats.org/markup-compatibility/2006">
-        <mc:Choice xmlns:a14="http://schemas.microsoft.com/office/drawing/2010/main" Requires="a14">
+      <mc:AlternateContent xmlns:mc="http://schemas.openxmlformats.org/markup-compatibility/2006" xmlns:a14="http://schemas.microsoft.com/office/drawing/2010/main">
+        <mc:Choice Requires="a14">
           <p:sp>
             <p:nvSpPr>
               <p:cNvPr id="7" name="TextBox 6"/>
@@ -7818,7 +7700,7 @@
             </p:txBody>
           </p:sp>
         </mc:Choice>
-        <mc:Fallback>
+        <mc:Fallback xmlns="">
           <p:sp>
             <p:nvSpPr>
               <p:cNvPr id="7" name="TextBox 6"/>
@@ -7943,7 +7825,7 @@
             </p:nvSpPr>
             <p:spPr>
               <a:xfrm>
-                <a:off x="396240" y="2590800"/>
+                <a:off x="396240" y="2455796"/>
                 <a:ext cx="8366760" cy="4097404"/>
               </a:xfrm>
               <a:prstGeom prst="rect">
@@ -7992,11 +7874,7 @@
                 </a:r>
                 <a:r>
                   <a:rPr lang="en-US" sz="2200" u="sng" dirty="0" smtClean="0"/>
-                  <a:t> </a:t>
-                </a:r>
-                <a:r>
-                  <a:rPr lang="en-US" sz="2200" u="sng" dirty="0" smtClean="0"/>
-                  <a:t> </a:t>
+                  <a:t>  </a:t>
                 </a:r>
                 <a:r>
                   <a:rPr lang="en-US" sz="2200" u="sng" dirty="0" err="1" smtClean="0"/>
@@ -9147,19 +9025,7 @@
                 </a:pPr>
                 <a:r>
                   <a:rPr lang="en-US" sz="2200" u="sng" dirty="0" smtClean="0"/>
-                  <a:t>for each </a:t>
-                </a:r>
-                <a:r>
-                  <a:rPr lang="en-US" sz="2200" u="sng" dirty="0" smtClean="0"/>
-                  <a:t>slice</a:t>
-                </a:r>
-                <a:r>
-                  <a:rPr lang="en-US" sz="2200" u="sng" dirty="0" smtClean="0"/>
-                  <a:t>, </a:t>
-                </a:r>
-                <a:r>
-                  <a:rPr lang="en-US" sz="2200" u="sng" dirty="0" smtClean="0"/>
-                  <a:t>the error:</a:t>
+                  <a:t>for each slice, the error:</a:t>
                 </a:r>
                 <a:endParaRPr lang="en-US" sz="2200" i="1" dirty="0" smtClean="0">
                   <a:latin typeface="Cambria Math"/>
@@ -9367,7 +9233,7 @@
             </p:nvSpPr>
             <p:spPr>
               <a:xfrm>
-                <a:off x="396240" y="2590800"/>
+                <a:off x="396240" y="2455796"/>
                 <a:ext cx="8366760" cy="4097404"/>
               </a:xfrm>
               <a:prstGeom prst="rect">
@@ -9432,7 +9298,11 @@
                 </a:pPr>
                 <a:r>
                   <a:rPr lang="en-US" sz="2200" dirty="0" smtClean="0"/>
-                  <a:t>Nest Newton </a:t>
+                  <a:t>Nested </a:t>
+                </a:r>
+                <a:r>
+                  <a:rPr lang="en-US" sz="2200" dirty="0" smtClean="0"/>
+                  <a:t>Newton </a:t>
                 </a:r>
                 <a:r>
                   <a:rPr lang="en-US" sz="2200" dirty="0" err="1" smtClean="0"/>
@@ -9703,11 +9573,7 @@
                 </a:r>
                 <a:r>
                   <a:rPr lang="en-US" sz="2200" dirty="0" smtClean="0"/>
-                  <a:t>. Use </a:t>
-                </a:r>
-                <a:r>
-                  <a:rPr lang="en-US" sz="2200" dirty="0" smtClean="0"/>
-                  <a:t>“DB </a:t>
+                  <a:t>. Use “DB </a:t>
                 </a:r>
                 <a:r>
                   <a:rPr lang="en-US" sz="2200" dirty="0"/>
@@ -9733,7 +9599,6 @@
                   <a:rPr lang="en-US" sz="2200" dirty="0" smtClean="0"/>
                   <a:t> </a:t>
                 </a:r>
-                <a:endParaRPr lang="en-US" sz="2200" dirty="0" smtClean="0"/>
               </a:p>
             </p:txBody>
           </p:sp>
@@ -10378,8 +10243,8 @@
           </p:sp>
         </mc:Fallback>
       </mc:AlternateContent>
-      <mc:AlternateContent xmlns:mc="http://schemas.openxmlformats.org/markup-compatibility/2006" xmlns:a14="http://schemas.microsoft.com/office/drawing/2010/main">
-        <mc:Choice Requires="a14">
+      <mc:AlternateContent xmlns:mc="http://schemas.openxmlformats.org/markup-compatibility/2006">
+        <mc:Choice xmlns:a14="http://schemas.microsoft.com/office/drawing/2010/main" Requires="a14">
           <p:sp>
             <p:nvSpPr>
               <p:cNvPr id="7" name="TextBox 6"/>
@@ -10388,7 +10253,7 @@
             </p:nvSpPr>
             <p:spPr>
               <a:xfrm>
-                <a:off x="4953000" y="2450068"/>
+                <a:off x="5029200" y="2526268"/>
                 <a:ext cx="2601931" cy="369332"/>
               </a:xfrm>
               <a:prstGeom prst="rect">
@@ -10588,7 +10453,7 @@
             </p:txBody>
           </p:sp>
         </mc:Choice>
-        <mc:Fallback xmlns="">
+        <mc:Fallback>
           <p:sp>
             <p:nvSpPr>
               <p:cNvPr id="7" name="TextBox 6"/>
@@ -10599,7 +10464,7 @@
             </p:nvSpPr>
             <p:spPr>
               <a:xfrm>
-                <a:off x="4953000" y="2450068"/>
+                <a:off x="5029200" y="2526268"/>
                 <a:ext cx="2601931" cy="369332"/>
               </a:xfrm>
               <a:prstGeom prst="rect">
@@ -10908,6 +10773,35 @@
       </p:grpSpPr>
       <p:pic>
         <p:nvPicPr>
+          <p:cNvPr id="7" name="Picture 6"/>
+          <p:cNvPicPr>
+            <a:picLocks noChangeAspect="1"/>
+          </p:cNvPicPr>
+          <p:nvPr/>
+        </p:nvPicPr>
+        <p:blipFill rotWithShape="1">
+          <a:blip r:embed="rId2" cstate="print">
+            <a:extLst>
+              <a:ext uri="{28A0092B-C50C-407E-A947-70E740481C1C}">
+                <a14:useLocalDpi xmlns:a14="http://schemas.microsoft.com/office/drawing/2010/main" val="0"/>
+              </a:ext>
+            </a:extLst>
+          </a:blip>
+          <a:srcRect l="16747" t="3713" r="15732" b="8254"/>
+          <a:stretch/>
+        </p:blipFill>
+        <p:spPr>
+          <a:xfrm>
+            <a:off x="5181600" y="2438400"/>
+            <a:ext cx="640080" cy="834537"/>
+          </a:xfrm>
+          <a:prstGeom prst="rect">
+            <a:avLst/>
+          </a:prstGeom>
+        </p:spPr>
+      </p:pic>
+      <p:pic>
+        <p:nvPicPr>
           <p:cNvPr id="4" name="Content Placeholder 3"/>
           <p:cNvPicPr>
             <a:picLocks noGrp="1" noChangeAspect="1"/>
@@ -10917,7 +10811,7 @@
           </p:nvPr>
         </p:nvPicPr>
         <p:blipFill>
-          <a:blip r:embed="rId2">
+          <a:blip r:embed="rId3">
             <a:extLst>
               <a:ext uri="{28A0092B-C50C-407E-A947-70E740481C1C}">
                 <a14:useLocalDpi xmlns:a14="http://schemas.microsoft.com/office/drawing/2010/main" val="0"/>
@@ -10935,37 +10829,8 @@
           </a:xfrm>
         </p:spPr>
       </p:pic>
-      <p:pic>
-        <p:nvPicPr>
-          <p:cNvPr id="7" name="Picture 6"/>
-          <p:cNvPicPr>
-            <a:picLocks noChangeAspect="1"/>
-          </p:cNvPicPr>
-          <p:nvPr/>
-        </p:nvPicPr>
-        <p:blipFill rotWithShape="1">
-          <a:blip r:embed="rId3" cstate="print">
-            <a:extLst>
-              <a:ext uri="{28A0092B-C50C-407E-A947-70E740481C1C}">
-                <a14:useLocalDpi xmlns:a14="http://schemas.microsoft.com/office/drawing/2010/main" val="0"/>
-              </a:ext>
-            </a:extLst>
-          </a:blip>
-          <a:srcRect l="16747" t="3713" r="15732" b="8254"/>
-          <a:stretch/>
-        </p:blipFill>
-        <p:spPr>
-          <a:xfrm>
-            <a:off x="5181600" y="2518263"/>
-            <a:ext cx="640080" cy="834537"/>
-          </a:xfrm>
-          <a:prstGeom prst="rect">
-            <a:avLst/>
-          </a:prstGeom>
-        </p:spPr>
-      </p:pic>
-      <mc:AlternateContent xmlns:mc="http://schemas.openxmlformats.org/markup-compatibility/2006" xmlns:a14="http://schemas.microsoft.com/office/drawing/2010/main">
-        <mc:Choice Requires="a14">
+      <mc:AlternateContent xmlns:mc="http://schemas.openxmlformats.org/markup-compatibility/2006">
+        <mc:Choice xmlns:a14="http://schemas.microsoft.com/office/drawing/2010/main" Requires="a14">
           <p:sp>
             <p:nvSpPr>
               <p:cNvPr id="5" name="Title 1"/>
@@ -11027,7 +10892,7 @@
                         <a:latin typeface="Cambria Math"/>
                         <a:ea typeface="Cambria Math"/>
                       </a:rPr>
-                      <m:t>=</m:t>
+                      <m:t>~</m:t>
                     </m:r>
                     <m:sSup>
                       <m:sSupPr>
@@ -11103,7 +10968,7 @@
             </p:txBody>
           </p:sp>
         </mc:Choice>
-        <mc:Fallback xmlns="">
+        <mc:Fallback>
           <p:sp>
             <p:nvSpPr>
               <p:cNvPr id="5" name="Title 1"/>
@@ -11122,7 +10987,7 @@
               <a:blipFill rotWithShape="1">
                 <a:blip r:embed="rId4"/>
                 <a:stretch>
-                  <a:fillRect l="-152" r="-76" b="-2174"/>
+                  <a:fillRect b="-2174"/>
                 </a:stretch>
               </a:blipFill>
             </p:spPr>
@@ -11149,13 +11014,13 @@
         </p:nvSpPr>
         <p:spPr>
           <a:xfrm>
-            <a:off x="4724400" y="914400"/>
+            <a:off x="4972050" y="952500"/>
             <a:ext cx="3352800" cy="1410824"/>
           </a:xfrm>
           <a:prstGeom prst="wedgeEllipseCallout">
             <a:avLst>
-              <a:gd name="adj1" fmla="val -24340"/>
-              <a:gd name="adj2" fmla="val 62500"/>
+              <a:gd name="adj1" fmla="val -31443"/>
+              <a:gd name="adj2" fmla="val 59799"/>
             </a:avLst>
           </a:prstGeom>
         </p:spPr>
@@ -11180,19 +11045,7 @@
             <a:pPr algn="ctr"/>
             <a:r>
               <a:rPr lang="en-US" sz="2000" i="1" dirty="0" smtClean="0"/>
-              <a:t>With recursive preconditioning, one resolutions </a:t>
-            </a:r>
-            <a:r>
-              <a:rPr lang="en-US" sz="2000" i="1" dirty="0" smtClean="0"/>
-              <a:t>accuracy</a:t>
-            </a:r>
-            <a:r>
-              <a:rPr lang="en-US" sz="2000" i="1" dirty="0" smtClean="0"/>
-              <a:t> </a:t>
-            </a:r>
-            <a:r>
-              <a:rPr lang="en-US" sz="2000" i="1" dirty="0" smtClean="0"/>
-              <a:t>is another’s error! </a:t>
+              <a:t>With recursive preconditioning, one resolutions accuracy is another’s error! </a:t>
             </a:r>
             <a:endParaRPr lang="en-US" sz="2000" i="1" dirty="0"/>
           </a:p>
@@ -11230,52 +11083,542 @@
       </p:grpSpPr>
       <p:sp>
         <p:nvSpPr>
-          <p:cNvPr id="2" name="Title 1"/>
-          <p:cNvSpPr>
-            <a:spLocks noGrp="1"/>
-          </p:cNvSpPr>
-          <p:nvPr>
-            <p:ph type="title"/>
-          </p:nvPr>
+          <p:cNvPr id="4" name="TextBox 3"/>
+          <p:cNvSpPr txBox="1"/>
+          <p:nvPr/>
         </p:nvSpPr>
-        <p:spPr/>
+        <p:spPr>
+          <a:xfrm>
+            <a:off x="262184" y="222647"/>
+            <a:ext cx="8805616" cy="615553"/>
+          </a:xfrm>
+          <a:prstGeom prst="rect">
+            <a:avLst/>
+          </a:prstGeom>
+          <a:noFill/>
+        </p:spPr>
         <p:txBody>
-          <a:bodyPr/>
+          <a:bodyPr wrap="none" rtlCol="0">
+            <a:spAutoFit/>
+          </a:bodyPr>
           <a:lstStyle/>
           <a:p>
-            <a:endParaRPr lang="en-US" dirty="0"/>
+            <a:r>
+              <a:rPr lang="en-US" sz="3400" b="1" dirty="0" smtClean="0">
+                <a:solidFill>
+                  <a:prstClr val="black"/>
+                </a:solidFill>
+                <a:latin typeface="Comic Sans MS" pitchFamily="66" charset="0"/>
+              </a:rPr>
+              <a:t>Inverse Factors of an Ill-conditioned S </a:t>
+            </a:r>
+            <a:endParaRPr lang="en-US" sz="3400" b="1" dirty="0">
+              <a:solidFill>
+                <a:prstClr val="black"/>
+              </a:solidFill>
+              <a:latin typeface="Courier New" pitchFamily="49" charset="0"/>
+              <a:cs typeface="Courier New" pitchFamily="49" charset="0"/>
+            </a:endParaRPr>
+          </a:p>
+        </p:txBody>
+      </p:sp>
+      <p:pic>
+        <p:nvPicPr>
+          <p:cNvPr id="7" name="Picture 6"/>
+          <p:cNvPicPr>
+            <a:picLocks noChangeAspect="1"/>
+          </p:cNvPicPr>
+          <p:nvPr/>
+        </p:nvPicPr>
+        <p:blipFill rotWithShape="1">
+          <a:blip r:embed="rId2">
+            <a:extLst>
+              <a:ext uri="{28A0092B-C50C-407E-A947-70E740481C1C}">
+                <a14:useLocalDpi xmlns:a14="http://schemas.microsoft.com/office/drawing/2010/main" val="0"/>
+              </a:ext>
+            </a:extLst>
+          </a:blip>
+          <a:srcRect l="8681" t="3598" r="3187"/>
+          <a:stretch/>
+        </p:blipFill>
+        <p:spPr>
+          <a:xfrm>
+            <a:off x="4602854" y="2514600"/>
+            <a:ext cx="4388746" cy="3840480"/>
+          </a:xfrm>
+          <a:prstGeom prst="rect">
+            <a:avLst/>
+          </a:prstGeom>
+        </p:spPr>
+      </p:pic>
+      <p:sp>
+        <p:nvSpPr>
+          <p:cNvPr id="8" name="Rectangle 7"/>
+          <p:cNvSpPr/>
+          <p:nvPr/>
+        </p:nvSpPr>
+        <p:spPr>
+          <a:xfrm>
+            <a:off x="228600" y="1150203"/>
+            <a:ext cx="8718745" cy="830997"/>
+          </a:xfrm>
+          <a:prstGeom prst="rect">
+            <a:avLst/>
+          </a:prstGeom>
+        </p:spPr>
+        <p:txBody>
+          <a:bodyPr wrap="square">
+            <a:spAutoFit/>
+          </a:bodyPr>
+          <a:lstStyle/>
+          <a:p>
+            <a:r>
+              <a:rPr lang="en-US" sz="2400" dirty="0" smtClean="0">
+                <a:latin typeface="Comic Sans MS" pitchFamily="66" charset="0"/>
+              </a:rPr>
+              <a:t>Recall, that for large, triple-zeta + polarization basis sets: </a:t>
+            </a:r>
+            <a:r>
+              <a:rPr lang="en-US" sz="2400" b="1" i="1" dirty="0" smtClean="0">
+                <a:latin typeface="Comic Sans MS" pitchFamily="66" charset="0"/>
+              </a:rPr>
+              <a:t>“sufficiently sparse only for … ∼</a:t>
+            </a:r>
+            <a:r>
+              <a:rPr lang="en-US" sz="2400" b="1" i="1" u="sng" dirty="0" smtClean="0">
+                <a:latin typeface="Comic Sans MS" pitchFamily="66" charset="0"/>
+              </a:rPr>
+              <a:t>10 000</a:t>
+            </a:r>
+            <a:r>
+              <a:rPr lang="en-US" sz="2400" b="1" i="1" dirty="0" smtClean="0">
+                <a:latin typeface="Comic Sans MS" pitchFamily="66" charset="0"/>
+              </a:rPr>
+              <a:t> water molecules”  </a:t>
+            </a:r>
+            <a:endParaRPr lang="en-US" sz="2400" dirty="0">
+              <a:latin typeface="Comic Sans MS" pitchFamily="66" charset="0"/>
+            </a:endParaRPr>
           </a:p>
         </p:txBody>
       </p:sp>
       <p:sp>
         <p:nvSpPr>
-          <p:cNvPr id="3" name="Content Placeholder 2"/>
-          <p:cNvSpPr>
-            <a:spLocks noGrp="1"/>
-          </p:cNvSpPr>
-          <p:nvPr>
-            <p:ph idx="1"/>
-          </p:nvPr>
+          <p:cNvPr id="9" name="Rectangle 8"/>
+          <p:cNvSpPr/>
+          <p:nvPr/>
         </p:nvSpPr>
-        <p:spPr/>
+        <p:spPr>
+          <a:xfrm>
+            <a:off x="276128" y="2133600"/>
+            <a:ext cx="4511772" cy="5539978"/>
+          </a:xfrm>
+          <a:prstGeom prst="rect">
+            <a:avLst/>
+          </a:prstGeom>
+        </p:spPr>
         <p:txBody>
-          <a:bodyPr/>
+          <a:bodyPr wrap="square">
+            <a:spAutoFit/>
+          </a:bodyPr>
           <a:lstStyle/>
           <a:p>
+            <a:r>
+              <a:rPr lang="en-US" sz="2000" dirty="0" smtClean="0">
+                <a:latin typeface="Comic Sans MS" pitchFamily="66" charset="0"/>
+              </a:rPr>
+              <a:t>For 6-311G** basis,  </a:t>
+            </a:r>
+            <a:r>
+              <a:rPr lang="en-US" sz="2000" dirty="0">
+                <a:latin typeface="Comic Sans MS" pitchFamily="66" charset="0"/>
+              </a:rPr>
+              <a:t>d</a:t>
+            </a:r>
+            <a:r>
+              <a:rPr lang="en-US" sz="2000" dirty="0" smtClean="0">
+                <a:latin typeface="Comic Sans MS" pitchFamily="66" charset="0"/>
+              </a:rPr>
+              <a:t>ecay in </a:t>
+            </a:r>
+            <a:r>
+              <a:rPr lang="en-US" sz="2000" b="1" dirty="0" smtClean="0">
+                <a:latin typeface="Comic Sans MS" pitchFamily="66" charset="0"/>
+              </a:rPr>
+              <a:t>S</a:t>
+            </a:r>
+            <a:r>
+              <a:rPr lang="en-US" sz="2000" baseline="30000" dirty="0" smtClean="0">
+                <a:latin typeface="Comic Sans MS" pitchFamily="66" charset="0"/>
+              </a:rPr>
+              <a:t>-1/2</a:t>
+            </a:r>
+            <a:r>
+              <a:rPr lang="en-US" sz="2000" dirty="0" smtClean="0">
+                <a:latin typeface="Comic Sans MS" pitchFamily="66" charset="0"/>
+              </a:rPr>
+              <a:t> is exponential but very, very slow</a:t>
+            </a:r>
+          </a:p>
+          <a:p>
+            <a:endParaRPr lang="en-US" sz="1200" dirty="0" smtClean="0">
+              <a:latin typeface="Comic Sans MS" pitchFamily="66" charset="0"/>
+            </a:endParaRPr>
+          </a:p>
+          <a:p>
+            <a:r>
+              <a:rPr lang="en-US" sz="2200" dirty="0" smtClean="0">
+                <a:latin typeface="Comic Sans MS" pitchFamily="66" charset="0"/>
+              </a:rPr>
+              <a:t>Naïve Newton </a:t>
+            </a:r>
+            <a:r>
+              <a:rPr lang="en-US" sz="2200" dirty="0" smtClean="0">
+                <a:latin typeface="Comic Sans MS" pitchFamily="66" charset="0"/>
+              </a:rPr>
+              <a:t>Schulz iterations [J. Chem. Phys. 126 (2007) p. 124104].  Target error  1e-8 in matrix elements</a:t>
+            </a:r>
+            <a:r>
+              <a:rPr lang="en-US" sz="2000" dirty="0" smtClean="0">
+                <a:latin typeface="Comic Sans MS" pitchFamily="66" charset="0"/>
+              </a:rPr>
+              <a:t>.   </a:t>
+            </a:r>
+          </a:p>
+          <a:p>
+            <a:endParaRPr lang="en-US" sz="1200" dirty="0">
+              <a:latin typeface="Comic Sans MS" pitchFamily="66" charset="0"/>
+            </a:endParaRPr>
+          </a:p>
+          <a:p>
+            <a:r>
+              <a:rPr lang="en-US" sz="2200" dirty="0" smtClean="0">
+                <a:latin typeface="Comic Sans MS" pitchFamily="66" charset="0"/>
+              </a:rPr>
+              <a:t>Substantiates BCSR results of </a:t>
+            </a:r>
+            <a:r>
+              <a:rPr lang="en-US" sz="2200" dirty="0" err="1" smtClean="0">
+                <a:latin typeface="Comic Sans MS" pitchFamily="66" charset="0"/>
+              </a:rPr>
+              <a:t>Hutter</a:t>
+            </a:r>
+            <a:r>
+              <a:rPr lang="en-US" sz="2200" dirty="0" smtClean="0">
+                <a:latin typeface="Comic Sans MS" pitchFamily="66" charset="0"/>
+              </a:rPr>
+              <a:t> group [~10</a:t>
+            </a:r>
+            <a:r>
+              <a:rPr lang="en-US" sz="2200" baseline="30000" dirty="0" smtClean="0">
+                <a:latin typeface="Comic Sans MS" pitchFamily="66" charset="0"/>
+              </a:rPr>
+              <a:t>4</a:t>
+            </a:r>
+            <a:r>
+              <a:rPr lang="en-US" sz="2200" dirty="0" smtClean="0">
+                <a:latin typeface="Comic Sans MS" pitchFamily="66" charset="0"/>
+              </a:rPr>
+              <a:t> waters]</a:t>
+            </a:r>
+          </a:p>
+          <a:p>
+            <a:endParaRPr lang="en-US" sz="1200" dirty="0">
+              <a:latin typeface="Comic Sans MS" pitchFamily="66" charset="0"/>
+            </a:endParaRPr>
+          </a:p>
+          <a:p>
+            <a:r>
+              <a:rPr lang="en-US" sz="2200" dirty="0" err="1" smtClean="0">
+                <a:latin typeface="Comic Sans MS" pitchFamily="66" charset="0"/>
+              </a:rPr>
+              <a:t>Unoptimized</a:t>
+            </a:r>
+            <a:r>
+              <a:rPr lang="en-US" sz="2200" dirty="0" smtClean="0">
+                <a:latin typeface="Comic Sans MS" pitchFamily="66" charset="0"/>
+              </a:rPr>
+              <a:t> </a:t>
+            </a:r>
+            <a:r>
+              <a:rPr lang="en-US" sz="2200" dirty="0" err="1" smtClean="0">
+                <a:latin typeface="Comic Sans MS" pitchFamily="66" charset="0"/>
+              </a:rPr>
+              <a:t>SpAMM</a:t>
+            </a:r>
+            <a:r>
+              <a:rPr lang="en-US" sz="2200" dirty="0" smtClean="0">
+                <a:latin typeface="Comic Sans MS" pitchFamily="66" charset="0"/>
+              </a:rPr>
+              <a:t> 4x4 </a:t>
+            </a:r>
+            <a:r>
+              <a:rPr lang="en-US" sz="2200" dirty="0" err="1" smtClean="0">
+                <a:latin typeface="Comic Sans MS" pitchFamily="66" charset="0"/>
+              </a:rPr>
+              <a:t>vs</a:t>
+            </a:r>
+            <a:r>
+              <a:rPr lang="en-US" sz="2200" dirty="0" smtClean="0">
+                <a:latin typeface="Comic Sans MS" pitchFamily="66" charset="0"/>
+              </a:rPr>
+              <a:t> max optimized MKL/DSYEV crossover  @ 250 waters.</a:t>
+            </a:r>
+          </a:p>
+          <a:p>
+            <a:endParaRPr lang="en-US" sz="2000" dirty="0" smtClean="0">
+              <a:latin typeface="Comic Sans MS" pitchFamily="66" charset="0"/>
+            </a:endParaRPr>
+          </a:p>
+          <a:p>
+            <a:endParaRPr lang="en-US" sz="2000" dirty="0" smtClean="0">
+              <a:latin typeface="Comic Sans MS" pitchFamily="66" charset="0"/>
+            </a:endParaRPr>
+          </a:p>
+          <a:p>
+            <a:endParaRPr lang="en-US" sz="2000" dirty="0">
+              <a:latin typeface="Comic Sans MS" pitchFamily="66" charset="0"/>
+            </a:endParaRPr>
+          </a:p>
+          <a:p>
+            <a:endParaRPr lang="en-US" sz="2000" dirty="0">
+              <a:latin typeface="Comic Sans MS" pitchFamily="66" charset="0"/>
+            </a:endParaRPr>
+          </a:p>
+        </p:txBody>
+      </p:sp>
+      <p:cxnSp>
+        <p:nvCxnSpPr>
+          <p:cNvPr id="13" name="Straight Arrow Connector 12"/>
+          <p:cNvCxnSpPr/>
+          <p:nvPr/>
+        </p:nvCxnSpPr>
+        <p:spPr>
+          <a:xfrm flipV="1">
+            <a:off x="3962400" y="3657600"/>
+            <a:ext cx="2428069" cy="1447800"/>
+          </a:xfrm>
+          <a:prstGeom prst="straightConnector1">
+            <a:avLst/>
+          </a:prstGeom>
+          <a:ln w="19050">
+            <a:solidFill>
+              <a:srgbClr val="00B050"/>
+            </a:solidFill>
+            <a:tailEnd type="arrow"/>
+          </a:ln>
+        </p:spPr>
+        <p:style>
+          <a:lnRef idx="1">
+            <a:schemeClr val="accent1"/>
+          </a:lnRef>
+          <a:fillRef idx="0">
+            <a:schemeClr val="accent1"/>
+          </a:fillRef>
+          <a:effectRef idx="0">
+            <a:schemeClr val="accent1"/>
+          </a:effectRef>
+          <a:fontRef idx="minor">
+            <a:schemeClr val="tx1"/>
+          </a:fontRef>
+        </p:style>
+      </p:cxnSp>
+      <p:cxnSp>
+        <p:nvCxnSpPr>
+          <p:cNvPr id="20" name="Straight Arrow Connector 19"/>
+          <p:cNvCxnSpPr/>
+          <p:nvPr/>
+        </p:nvCxnSpPr>
+        <p:spPr>
+          <a:xfrm flipV="1">
+            <a:off x="3962400" y="4381500"/>
+            <a:ext cx="2286000" cy="723900"/>
+          </a:xfrm>
+          <a:prstGeom prst="straightConnector1">
+            <a:avLst/>
+          </a:prstGeom>
+          <a:ln w="25400">
+            <a:solidFill>
+              <a:srgbClr val="00B050"/>
+            </a:solidFill>
+            <a:tailEnd type="arrow"/>
+          </a:ln>
+        </p:spPr>
+        <p:style>
+          <a:lnRef idx="1">
+            <a:schemeClr val="accent1"/>
+          </a:lnRef>
+          <a:fillRef idx="0">
+            <a:schemeClr val="accent1"/>
+          </a:fillRef>
+          <a:effectRef idx="0">
+            <a:schemeClr val="accent1"/>
+          </a:effectRef>
+          <a:fontRef idx="minor">
+            <a:schemeClr val="tx1"/>
+          </a:fontRef>
+        </p:style>
+      </p:cxnSp>
+      <p:sp>
+        <p:nvSpPr>
+          <p:cNvPr id="28" name="Oval 27"/>
+          <p:cNvSpPr/>
+          <p:nvPr/>
+        </p:nvSpPr>
+        <p:spPr>
+          <a:xfrm>
+            <a:off x="7670800" y="3721100"/>
+            <a:ext cx="533400" cy="457200"/>
+          </a:xfrm>
+          <a:prstGeom prst="ellipse">
+            <a:avLst/>
+          </a:prstGeom>
+          <a:noFill/>
+        </p:spPr>
+        <p:style>
+          <a:lnRef idx="2">
+            <a:schemeClr val="accent1">
+              <a:shade val="50000"/>
+            </a:schemeClr>
+          </a:lnRef>
+          <a:fillRef idx="1">
+            <a:schemeClr val="accent1"/>
+          </a:fillRef>
+          <a:effectRef idx="0">
+            <a:schemeClr val="accent1"/>
+          </a:effectRef>
+          <a:fontRef idx="minor">
+            <a:schemeClr val="lt1"/>
+          </a:fontRef>
+        </p:style>
+        <p:txBody>
+          <a:bodyPr rtlCol="0" anchor="ctr"/>
+          <a:lstStyle/>
+          <a:p>
+            <a:pPr algn="ctr"/>
             <a:endParaRPr lang="en-US"/>
+          </a:p>
+        </p:txBody>
+      </p:sp>
+      <p:cxnSp>
+        <p:nvCxnSpPr>
+          <p:cNvPr id="30" name="Curved Connector 29"/>
+          <p:cNvCxnSpPr>
+            <a:stCxn id="34" idx="3"/>
+            <a:endCxn id="28" idx="4"/>
+          </p:cNvCxnSpPr>
+          <p:nvPr/>
+        </p:nvCxnSpPr>
+        <p:spPr>
+          <a:xfrm flipV="1">
+            <a:off x="6138626" y="4178300"/>
+            <a:ext cx="1798874" cy="1996133"/>
+          </a:xfrm>
+          <a:prstGeom prst="curvedConnector2">
+            <a:avLst/>
+          </a:prstGeom>
+          <a:ln w="22225">
+            <a:tailEnd type="arrow"/>
+          </a:ln>
+        </p:spPr>
+        <p:style>
+          <a:lnRef idx="1">
+            <a:schemeClr val="accent1"/>
+          </a:lnRef>
+          <a:fillRef idx="0">
+            <a:schemeClr val="accent1"/>
+          </a:fillRef>
+          <a:effectRef idx="0">
+            <a:schemeClr val="accent1"/>
+          </a:effectRef>
+          <a:fontRef idx="minor">
+            <a:schemeClr val="tx1"/>
+          </a:fontRef>
+        </p:style>
+      </p:cxnSp>
+      <p:sp>
+        <p:nvSpPr>
+          <p:cNvPr id="34" name="Rectangle 33"/>
+          <p:cNvSpPr/>
+          <p:nvPr/>
+        </p:nvSpPr>
+        <p:spPr>
+          <a:xfrm>
+            <a:off x="3733800" y="5943600"/>
+            <a:ext cx="2404826" cy="461665"/>
+          </a:xfrm>
+          <a:prstGeom prst="rect">
+            <a:avLst/>
+          </a:prstGeom>
+          <a:solidFill>
+            <a:schemeClr val="bg1"/>
+          </a:solidFill>
+        </p:spPr>
+        <p:txBody>
+          <a:bodyPr wrap="none">
+            <a:spAutoFit/>
+          </a:bodyPr>
+          <a:lstStyle/>
+          <a:p>
+            <a:r>
+              <a:rPr lang="en-US" sz="2400" b="1" i="1" dirty="0" smtClean="0">
+                <a:latin typeface="Comic Sans MS" pitchFamily="66" charset="0"/>
+              </a:rPr>
+              <a:t>O</a:t>
+            </a:r>
+            <a:r>
+              <a:rPr lang="en-US" sz="1000" b="1" dirty="0" smtClean="0">
+                <a:latin typeface="Comic Sans MS" pitchFamily="66" charset="0"/>
+              </a:rPr>
+              <a:t> </a:t>
+            </a:r>
+            <a:r>
+              <a:rPr lang="en-US" sz="2400" b="1" dirty="0" smtClean="0">
+                <a:latin typeface="Comic Sans MS" pitchFamily="66" charset="0"/>
+              </a:rPr>
+              <a:t>(</a:t>
+            </a:r>
+            <a:r>
+              <a:rPr lang="en-US" sz="2400" b="1" i="1" dirty="0" smtClean="0">
+                <a:latin typeface="Comic Sans MS" pitchFamily="66" charset="0"/>
+              </a:rPr>
+              <a:t>N</a:t>
+            </a:r>
+            <a:r>
+              <a:rPr lang="en-US" sz="1200" b="1" i="1" dirty="0" smtClean="0">
+                <a:latin typeface="Comic Sans MS" pitchFamily="66" charset="0"/>
+              </a:rPr>
+              <a:t> </a:t>
+            </a:r>
+            <a:r>
+              <a:rPr lang="en-US" sz="2400" b="1" dirty="0" smtClean="0">
+                <a:latin typeface="Comic Sans MS" pitchFamily="66" charset="0"/>
+              </a:rPr>
+              <a:t>) &amp; dense!</a:t>
+            </a:r>
+            <a:endParaRPr lang="en-US" sz="2400" b="1" dirty="0">
+              <a:latin typeface="Comic Sans MS" pitchFamily="66" charset="0"/>
+            </a:endParaRPr>
           </a:p>
         </p:txBody>
       </p:sp>
     </p:spTree>
     <p:extLst>
       <p:ext uri="{BB962C8B-B14F-4D97-AF65-F5344CB8AC3E}">
-        <p14:creationId xmlns:p14="http://schemas.microsoft.com/office/powerpoint/2010/main" val="3592143045"/>
+        <p14:creationId xmlns:p14="http://schemas.microsoft.com/office/powerpoint/2010/main" val="774907303"/>
       </p:ext>
     </p:extLst>
   </p:cSld>
   <p:clrMapOvr>
     <a:masterClrMapping/>
   </p:clrMapOvr>
+  <p:timing>
+    <p:tnLst>
+      <p:par>
+        <p:cTn id="1" dur="indefinite" restart="never" nodeType="tmRoot"/>
+      </p:par>
+    </p:tnLst>
+  </p:timing>
 </p:sld>
 </file>
 
@@ -11689,1130 +12032,6 @@
 </file>
 
 <file path=ppt/slides/slide19.xml><?xml version="1.0" encoding="utf-8"?>
-<p:sld xmlns:a="http://schemas.openxmlformats.org/drawingml/2006/main" xmlns:r="http://schemas.openxmlformats.org/officeDocument/2006/relationships" xmlns:p="http://schemas.openxmlformats.org/presentationml/2006/main">
-  <p:cSld>
-    <p:spTree>
-      <p:nvGrpSpPr>
-        <p:cNvPr id="1" name=""/>
-        <p:cNvGrpSpPr/>
-        <p:nvPr/>
-      </p:nvGrpSpPr>
-      <p:grpSpPr>
-        <a:xfrm>
-          <a:off x="0" y="0"/>
-          <a:ext cx="0" cy="0"/>
-          <a:chOff x="0" y="0"/>
-          <a:chExt cx="0" cy="0"/>
-        </a:xfrm>
-      </p:grpSpPr>
-      <p:sp>
-        <p:nvSpPr>
-          <p:cNvPr id="4" name="TextBox 3"/>
-          <p:cNvSpPr txBox="1"/>
-          <p:nvPr/>
-        </p:nvSpPr>
-        <p:spPr>
-          <a:xfrm>
-            <a:off x="228600" y="1136074"/>
-            <a:ext cx="8709120" cy="8160326"/>
-          </a:xfrm>
-          <a:prstGeom prst="rect">
-            <a:avLst/>
-          </a:prstGeom>
-          <a:solidFill>
-            <a:schemeClr val="bg1"/>
-          </a:solidFill>
-        </p:spPr>
-        <p:txBody>
-          <a:bodyPr wrap="square" lIns="82945" tIns="41473" rIns="82945" bIns="41473" rtlCol="0">
-            <a:spAutoFit/>
-          </a:bodyPr>
-          <a:lstStyle/>
-          <a:p>
-            <a:r>
-              <a:rPr lang="en-US" sz="2200" b="1" dirty="0" smtClean="0">
-                <a:latin typeface="Times New Roman" pitchFamily="18" charset="0"/>
-                <a:cs typeface="Times New Roman" pitchFamily="18" charset="0"/>
-              </a:rPr>
-              <a:t>Most interesting and technologically important problems involve strong electron correlation, which is a long-range, delocalized quantum effect. </a:t>
-            </a:r>
-          </a:p>
-          <a:p>
-            <a:endParaRPr lang="en-US" sz="2200" b="1" dirty="0" smtClean="0">
-              <a:latin typeface="Times New Roman" pitchFamily="18" charset="0"/>
-              <a:cs typeface="Times New Roman" pitchFamily="18" charset="0"/>
-            </a:endParaRPr>
-          </a:p>
-          <a:p>
-            <a:endParaRPr lang="en-US" sz="2200" b="1" dirty="0">
-              <a:latin typeface="Times New Roman" pitchFamily="18" charset="0"/>
-              <a:cs typeface="Times New Roman" pitchFamily="18" charset="0"/>
-            </a:endParaRPr>
-          </a:p>
-          <a:p>
-            <a:endParaRPr lang="en-US" sz="2200" b="1" dirty="0">
-              <a:latin typeface="Times New Roman" pitchFamily="18" charset="0"/>
-              <a:cs typeface="Times New Roman" pitchFamily="18" charset="0"/>
-            </a:endParaRPr>
-          </a:p>
-          <a:p>
-            <a:r>
-              <a:rPr lang="en-US" sz="2200" b="1" dirty="0" smtClean="0">
-                <a:latin typeface="Times New Roman" pitchFamily="18" charset="0"/>
-                <a:cs typeface="Times New Roman" pitchFamily="18" charset="0"/>
-              </a:rPr>
-              <a:t>Vacancy </a:t>
-            </a:r>
-            <a:r>
-              <a:rPr lang="en-US" sz="2200" b="1" dirty="0">
-                <a:latin typeface="Times New Roman" pitchFamily="18" charset="0"/>
-                <a:cs typeface="Times New Roman" pitchFamily="18" charset="0"/>
-              </a:rPr>
-              <a:t>defects control insulator-to-metal transition in </a:t>
-            </a:r>
-            <a:r>
-              <a:rPr lang="en-US" sz="2200" b="1" dirty="0" err="1">
-                <a:latin typeface="Times New Roman" pitchFamily="18" charset="0"/>
-                <a:cs typeface="Times New Roman" pitchFamily="18" charset="0"/>
-              </a:rPr>
-              <a:t>Perovskites</a:t>
-            </a:r>
-            <a:r>
-              <a:rPr lang="en-US" sz="2200" b="1" dirty="0">
-                <a:latin typeface="Times New Roman" pitchFamily="18" charset="0"/>
-                <a:cs typeface="Times New Roman" pitchFamily="18" charset="0"/>
-              </a:rPr>
-              <a:t>:</a:t>
-            </a:r>
-          </a:p>
-          <a:p>
-            <a:pPr marL="311045" indent="-311045">
-              <a:spcBef>
-                <a:spcPts val="544"/>
-              </a:spcBef>
-              <a:spcAft>
-                <a:spcPts val="544"/>
-              </a:spcAft>
-              <a:buFont typeface="Wingdings" pitchFamily="2" charset="2"/>
-              <a:buChar char="ü"/>
-            </a:pPr>
-            <a:r>
-              <a:rPr lang="en-US" sz="2000" dirty="0">
-                <a:latin typeface="Times New Roman" pitchFamily="18" charset="0"/>
-                <a:cs typeface="Times New Roman" pitchFamily="18" charset="0"/>
-              </a:rPr>
-              <a:t>Field induced switching of conductance</a:t>
-            </a:r>
-          </a:p>
-          <a:p>
-            <a:pPr marL="311045" indent="-311045">
-              <a:spcBef>
-                <a:spcPts val="544"/>
-              </a:spcBef>
-              <a:spcAft>
-                <a:spcPts val="544"/>
-              </a:spcAft>
-              <a:buFont typeface="Wingdings" pitchFamily="2" charset="2"/>
-              <a:buChar char="ü"/>
-            </a:pPr>
-            <a:r>
-              <a:rPr lang="en-US" sz="2000" b="1" i="1" dirty="0">
-                <a:latin typeface="Times New Roman" pitchFamily="18" charset="0"/>
-                <a:cs typeface="Times New Roman" pitchFamily="18" charset="0"/>
-              </a:rPr>
-              <a:t>Self-healing of induced vacancy defect</a:t>
-            </a:r>
-            <a:r>
-              <a:rPr lang="en-US" sz="2000" b="1" dirty="0">
-                <a:latin typeface="Times New Roman" pitchFamily="18" charset="0"/>
-                <a:cs typeface="Times New Roman" pitchFamily="18" charset="0"/>
-              </a:rPr>
-              <a:t>s</a:t>
-            </a:r>
-          </a:p>
-          <a:p>
-            <a:pPr marL="311045" indent="-311045">
-              <a:spcBef>
-                <a:spcPts val="544"/>
-              </a:spcBef>
-              <a:spcAft>
-                <a:spcPts val="544"/>
-              </a:spcAft>
-              <a:buFont typeface="Wingdings" pitchFamily="2" charset="2"/>
-              <a:buChar char="ü"/>
-            </a:pPr>
-            <a:r>
-              <a:rPr lang="en-US" sz="2000" dirty="0">
-                <a:latin typeface="Times New Roman" pitchFamily="18" charset="0"/>
-                <a:cs typeface="Times New Roman" pitchFamily="18" charset="0"/>
-              </a:rPr>
-              <a:t>Resistance Change Memory</a:t>
-            </a:r>
-          </a:p>
-          <a:p>
-            <a:pPr>
-              <a:spcBef>
-                <a:spcPts val="544"/>
-              </a:spcBef>
-              <a:spcAft>
-                <a:spcPts val="544"/>
-              </a:spcAft>
-            </a:pPr>
-            <a:r>
-              <a:rPr lang="en-US" sz="2200" b="1" dirty="0">
-                <a:latin typeface="Times New Roman" pitchFamily="18" charset="0"/>
-                <a:cs typeface="Times New Roman" pitchFamily="18" charset="0"/>
-              </a:rPr>
-              <a:t>Exchange &amp; correlation holes control onset of metallization: </a:t>
-            </a:r>
-          </a:p>
-          <a:p>
-            <a:pPr marL="311045" indent="-311045">
-              <a:spcBef>
-                <a:spcPts val="544"/>
-              </a:spcBef>
-              <a:spcAft>
-                <a:spcPts val="544"/>
-              </a:spcAft>
-              <a:buFont typeface="Arial" pitchFamily="34" charset="0"/>
-              <a:buChar char="•"/>
-            </a:pPr>
-            <a:r>
-              <a:rPr lang="en-US" sz="2000" dirty="0">
-                <a:latin typeface="Times New Roman" pitchFamily="18" charset="0"/>
-                <a:cs typeface="Times New Roman" pitchFamily="18" charset="0"/>
-              </a:rPr>
-              <a:t>Vacancies create strong, static correlations delocalized over many centers </a:t>
-            </a:r>
-          </a:p>
-          <a:p>
-            <a:pPr marL="311045" indent="-311045">
-              <a:spcBef>
-                <a:spcPts val="544"/>
-              </a:spcBef>
-              <a:spcAft>
-                <a:spcPts val="544"/>
-              </a:spcAft>
-              <a:buFont typeface="Arial" pitchFamily="34" charset="0"/>
-              <a:buChar char="•"/>
-            </a:pPr>
-            <a:r>
-              <a:rPr lang="en-US" sz="2000" dirty="0">
-                <a:latin typeface="Times New Roman" pitchFamily="18" charset="0"/>
-                <a:cs typeface="Times New Roman" pitchFamily="18" charset="0"/>
-              </a:rPr>
-              <a:t>Only now, </a:t>
-            </a:r>
-            <a:r>
-              <a:rPr lang="en-US" sz="2000" dirty="0" err="1">
-                <a:latin typeface="Times New Roman" pitchFamily="18" charset="0"/>
-                <a:cs typeface="Times New Roman" pitchFamily="18" charset="0"/>
-              </a:rPr>
-              <a:t>functionals</a:t>
-            </a:r>
-            <a:r>
-              <a:rPr lang="en-US" sz="2000" dirty="0">
-                <a:latin typeface="Times New Roman" pitchFamily="18" charset="0"/>
-                <a:cs typeface="Times New Roman" pitchFamily="18" charset="0"/>
-              </a:rPr>
-              <a:t> based on long-ranged </a:t>
-            </a:r>
-            <a:r>
-              <a:rPr lang="en-US" sz="2000" dirty="0" err="1">
-                <a:latin typeface="Times New Roman" pitchFamily="18" charset="0"/>
-                <a:cs typeface="Times New Roman" pitchFamily="18" charset="0"/>
-              </a:rPr>
-              <a:t>Fock</a:t>
-            </a:r>
-            <a:r>
-              <a:rPr lang="en-US" sz="2000" dirty="0">
-                <a:latin typeface="Times New Roman" pitchFamily="18" charset="0"/>
-                <a:cs typeface="Times New Roman" pitchFamily="18" charset="0"/>
-              </a:rPr>
-              <a:t> exchange (range separated &amp; B13strong) can start to explain</a:t>
-            </a:r>
-          </a:p>
-          <a:p>
-            <a:pPr marL="311045" indent="-311045">
-              <a:spcBef>
-                <a:spcPts val="544"/>
-              </a:spcBef>
-              <a:spcAft>
-                <a:spcPts val="544"/>
-              </a:spcAft>
-              <a:buFont typeface="Arial" pitchFamily="34" charset="0"/>
-              <a:buChar char="•"/>
-            </a:pPr>
-            <a:endParaRPr lang="en-US" sz="400" dirty="0">
-              <a:latin typeface="Times New Roman" pitchFamily="18" charset="0"/>
-              <a:cs typeface="Times New Roman" pitchFamily="18" charset="0"/>
-            </a:endParaRPr>
-          </a:p>
-          <a:p>
-            <a:r>
-              <a:rPr lang="en-US" sz="2200" b="1" dirty="0">
-                <a:latin typeface="Times New Roman" pitchFamily="18" charset="0"/>
-                <a:cs typeface="Times New Roman" pitchFamily="18" charset="0"/>
-              </a:rPr>
-              <a:t>Towards the metallic edge, fast </a:t>
-            </a:r>
-          </a:p>
-          <a:p>
-            <a:r>
-              <a:rPr lang="en-US" sz="2200" b="1" i="1" dirty="0">
-                <a:latin typeface="Times New Roman" pitchFamily="18" charset="0"/>
-                <a:cs typeface="Times New Roman" pitchFamily="18" charset="0"/>
-              </a:rPr>
-              <a:t>N</a:t>
-            </a:r>
-            <a:r>
-              <a:rPr lang="en-US" sz="2200" b="1" dirty="0">
-                <a:latin typeface="Times New Roman" pitchFamily="18" charset="0"/>
-                <a:cs typeface="Times New Roman" pitchFamily="18" charset="0"/>
-              </a:rPr>
-              <a:t>-Body solvers for slow decay: </a:t>
-            </a:r>
-          </a:p>
-          <a:p>
-            <a:endParaRPr lang="en-US" sz="700" dirty="0">
-              <a:latin typeface="Times New Roman" pitchFamily="18" charset="0"/>
-              <a:cs typeface="Times New Roman" pitchFamily="18" charset="0"/>
-            </a:endParaRPr>
-          </a:p>
-          <a:p>
-            <a:pPr marL="311045" indent="-311045">
-              <a:buFont typeface="Arial" pitchFamily="34" charset="0"/>
-              <a:buChar char="•"/>
-            </a:pPr>
-            <a:r>
-              <a:rPr lang="en-US" sz="2000" b="1" dirty="0" err="1">
-                <a:latin typeface="Courier New" pitchFamily="49" charset="0"/>
-                <a:cs typeface="Courier New" pitchFamily="49" charset="0"/>
-              </a:rPr>
-              <a:t>SpAMM</a:t>
-            </a:r>
-            <a:r>
-              <a:rPr lang="en-US" sz="2000" dirty="0">
-                <a:latin typeface="Times New Roman" pitchFamily="18" charset="0"/>
-                <a:cs typeface="Times New Roman" pitchFamily="18" charset="0"/>
-              </a:rPr>
-              <a:t>  solver for insulator/metal </a:t>
-            </a:r>
-          </a:p>
-          <a:p>
-            <a:r>
-              <a:rPr lang="en-US" sz="2000" dirty="0">
-                <a:latin typeface="Times New Roman" pitchFamily="18" charset="0"/>
-                <a:cs typeface="Times New Roman" pitchFamily="18" charset="0"/>
-              </a:rPr>
-              <a:t>transition in CNTs by LDA/</a:t>
-            </a:r>
-            <a:r>
-              <a:rPr lang="en-US" sz="2000" dirty="0" err="1">
-                <a:latin typeface="Times New Roman" pitchFamily="18" charset="0"/>
-                <a:cs typeface="Times New Roman" pitchFamily="18" charset="0"/>
-              </a:rPr>
-              <a:t>Fock</a:t>
-            </a:r>
-            <a:r>
-              <a:rPr lang="en-US" sz="2000" dirty="0">
-                <a:latin typeface="Times New Roman" pitchFamily="18" charset="0"/>
-                <a:cs typeface="Times New Roman" pitchFamily="18" charset="0"/>
-              </a:rPr>
-              <a:t> mixing</a:t>
-            </a:r>
-          </a:p>
-          <a:p>
-            <a:endParaRPr lang="en-US" sz="700" dirty="0">
-              <a:latin typeface="Times New Roman" pitchFamily="18" charset="0"/>
-              <a:cs typeface="Times New Roman" pitchFamily="18" charset="0"/>
-            </a:endParaRPr>
-          </a:p>
-          <a:p>
-            <a:pPr marL="311045" indent="-311045">
-              <a:buFont typeface="Arial" pitchFamily="34" charset="0"/>
-              <a:buChar char="•"/>
-            </a:pPr>
-            <a:r>
-              <a:rPr lang="en-US" sz="2000" dirty="0">
-                <a:latin typeface="Times New Roman" pitchFamily="18" charset="0"/>
-                <a:cs typeface="Times New Roman" pitchFamily="18" charset="0"/>
-              </a:rPr>
-              <a:t>Kernel compression for metallic </a:t>
-            </a:r>
-          </a:p>
-          <a:p>
-            <a:r>
-              <a:rPr lang="en-US" sz="2000" dirty="0">
-                <a:latin typeface="Times New Roman" pitchFamily="18" charset="0"/>
-                <a:cs typeface="Times New Roman" pitchFamily="18" charset="0"/>
-              </a:rPr>
-              <a:t>problems with oscillatory/algebraic decay  </a:t>
-            </a:r>
-          </a:p>
-          <a:p>
-            <a:pPr>
-              <a:spcBef>
-                <a:spcPts val="544"/>
-              </a:spcBef>
-              <a:spcAft>
-                <a:spcPts val="544"/>
-              </a:spcAft>
-            </a:pPr>
-            <a:endParaRPr lang="en-US" b="1" dirty="0">
-              <a:latin typeface="Times New Roman" pitchFamily="18" charset="0"/>
-              <a:cs typeface="Times New Roman" pitchFamily="18" charset="0"/>
-            </a:endParaRPr>
-          </a:p>
-          <a:p>
-            <a:pPr>
-              <a:spcBef>
-                <a:spcPts val="544"/>
-              </a:spcBef>
-              <a:spcAft>
-                <a:spcPts val="544"/>
-              </a:spcAft>
-            </a:pPr>
-            <a:endParaRPr lang="en-US" sz="2000" dirty="0">
-              <a:latin typeface="Times New Roman" pitchFamily="18" charset="0"/>
-              <a:cs typeface="Times New Roman" pitchFamily="18" charset="0"/>
-            </a:endParaRPr>
-          </a:p>
-        </p:txBody>
-      </p:sp>
-      <p:sp>
-        <p:nvSpPr>
-          <p:cNvPr id="40" name="TextShape 2"/>
-          <p:cNvSpPr txBox="1"/>
-          <p:nvPr/>
-        </p:nvSpPr>
-        <p:spPr>
-          <a:xfrm>
-            <a:off x="559012" y="304800"/>
-            <a:ext cx="8024712" cy="609600"/>
-          </a:xfrm>
-          <a:prstGeom prst="rect">
-            <a:avLst/>
-          </a:prstGeom>
-        </p:spPr>
-        <p:txBody>
-          <a:bodyPr wrap="none" lIns="81639" tIns="40820" rIns="81639" bIns="40820"/>
-          <a:lstStyle/>
-          <a:p>
-            <a:r>
-              <a:rPr lang="en-US" sz="3200" b="1" dirty="0" smtClean="0">
-                <a:latin typeface="Comic Sans MS" pitchFamily="66" charset="0"/>
-              </a:rPr>
-              <a:t>Ill-Conditioning in Electronic Structure </a:t>
-            </a:r>
-            <a:endParaRPr sz="3200" b="1" dirty="0">
-              <a:latin typeface="Comic Sans MS" pitchFamily="66" charset="0"/>
-            </a:endParaRPr>
-          </a:p>
-        </p:txBody>
-      </p:sp>
-      <p:sp>
-        <p:nvSpPr>
-          <p:cNvPr id="41" name="TextShape 3"/>
-          <p:cNvSpPr txBox="1"/>
-          <p:nvPr/>
-        </p:nvSpPr>
-        <p:spPr>
-          <a:xfrm>
-            <a:off x="786988" y="2781855"/>
-            <a:ext cx="7796736" cy="5935364"/>
-          </a:xfrm>
-          <a:prstGeom prst="rect">
-            <a:avLst/>
-          </a:prstGeom>
-        </p:spPr>
-        <p:txBody>
-          <a:bodyPr wrap="none" lIns="81639" tIns="40820" rIns="81639" bIns="40820"/>
-          <a:lstStyle/>
-          <a:p>
-            <a:endParaRPr dirty="0"/>
-          </a:p>
-        </p:txBody>
-      </p:sp>
-      <p:pic>
-        <p:nvPicPr>
-          <p:cNvPr id="6" name="Picture 5"/>
-          <p:cNvPicPr>
-            <a:picLocks noChangeAspect="1"/>
-          </p:cNvPicPr>
-          <p:nvPr/>
-        </p:nvPicPr>
-        <p:blipFill rotWithShape="1">
-          <a:blip r:embed="rId2">
-            <a:extLst>
-              <a:ext uri="{28A0092B-C50C-407E-A947-70E740481C1C}">
-                <a14:useLocalDpi xmlns:a14="http://schemas.microsoft.com/office/drawing/2010/main" val="0"/>
-              </a:ext>
-            </a:extLst>
-          </a:blip>
-          <a:srcRect l="11240" t="8334" r="8441" b="8603"/>
-          <a:stretch/>
-        </p:blipFill>
-        <p:spPr>
-          <a:xfrm>
-            <a:off x="5699760" y="2133600"/>
-            <a:ext cx="2834640" cy="2340671"/>
-          </a:xfrm>
-          <a:prstGeom prst="rect">
-            <a:avLst/>
-          </a:prstGeom>
-        </p:spPr>
-      </p:pic>
-    </p:spTree>
-    <p:extLst>
-      <p:ext uri="{BB962C8B-B14F-4D97-AF65-F5344CB8AC3E}">
-        <p14:creationId xmlns:p14="http://schemas.microsoft.com/office/powerpoint/2010/main" val="1228157587"/>
-      </p:ext>
-    </p:extLst>
-  </p:cSld>
-  <p:clrMapOvr>
-    <a:masterClrMapping/>
-  </p:clrMapOvr>
-  <p:timing>
-    <p:tnLst>
-      <p:par>
-        <p:cTn id="1" dur="indefinite" restart="never" nodeType="tmRoot">
-          <p:childTnLst>
-            <p:seq>
-              <p:cTn id="2" nodeType="mainSeq"/>
-              <p:prevCondLst>
-                <p:cond evt="onPrev" delay="0">
-                  <p:tgtEl>
-                    <p:sldTgt/>
-                  </p:tgtEl>
-                </p:cond>
-              </p:prevCondLst>
-              <p:nextCondLst>
-                <p:cond evt="onNext" delay="0">
-                  <p:tgtEl>
-                    <p:sldTgt/>
-                  </p:tgtEl>
-                </p:cond>
-              </p:nextCondLst>
-            </p:seq>
-          </p:childTnLst>
-        </p:cTn>
-      </p:par>
-    </p:tnLst>
-  </p:timing>
-</p:sld>
-</file>
-
-<file path=ppt/slides/slide2.xml><?xml version="1.0" encoding="utf-8"?>
-<p:sld xmlns:a="http://schemas.openxmlformats.org/drawingml/2006/main" xmlns:r="http://schemas.openxmlformats.org/officeDocument/2006/relationships" xmlns:p="http://schemas.openxmlformats.org/presentationml/2006/main">
-  <p:cSld>
-    <p:spTree>
-      <p:nvGrpSpPr>
-        <p:cNvPr id="1" name=""/>
-        <p:cNvGrpSpPr/>
-        <p:nvPr/>
-      </p:nvGrpSpPr>
-      <p:grpSpPr>
-        <a:xfrm>
-          <a:off x="0" y="0"/>
-          <a:ext cx="0" cy="0"/>
-          <a:chOff x="0" y="0"/>
-          <a:chExt cx="0" cy="0"/>
-        </a:xfrm>
-      </p:grpSpPr>
-      <p:sp>
-        <p:nvSpPr>
-          <p:cNvPr id="4" name="TextBox 3"/>
-          <p:cNvSpPr txBox="1"/>
-          <p:nvPr/>
-        </p:nvSpPr>
-        <p:spPr>
-          <a:xfrm>
-            <a:off x="252451" y="238780"/>
-            <a:ext cx="8662949" cy="523220"/>
-          </a:xfrm>
-          <a:prstGeom prst="rect">
-            <a:avLst/>
-          </a:prstGeom>
-          <a:noFill/>
-        </p:spPr>
-        <p:txBody>
-          <a:bodyPr wrap="none" rtlCol="0">
-            <a:spAutoFit/>
-          </a:bodyPr>
-          <a:lstStyle/>
-          <a:p>
-            <a:r>
-              <a:rPr lang="en-US" sz="2800" b="1" dirty="0" smtClean="0">
-                <a:solidFill>
-                  <a:prstClr val="black"/>
-                </a:solidFill>
-                <a:latin typeface="Comic Sans MS" pitchFamily="66" charset="0"/>
-              </a:rPr>
-              <a:t>Quantum Locality &amp; Kohn’s Nearsighted Principle</a:t>
-            </a:r>
-            <a:endParaRPr lang="en-US" sz="2800" b="1" dirty="0">
-              <a:solidFill>
-                <a:prstClr val="black"/>
-              </a:solidFill>
-              <a:latin typeface="Comic Sans MS" pitchFamily="66" charset="0"/>
-            </a:endParaRPr>
-          </a:p>
-        </p:txBody>
-      </p:sp>
-      <p:pic>
-        <p:nvPicPr>
-          <p:cNvPr id="2" name="Picture 1"/>
-          <p:cNvPicPr>
-            <a:picLocks noChangeAspect="1"/>
-          </p:cNvPicPr>
-          <p:nvPr/>
-        </p:nvPicPr>
-        <p:blipFill>
-          <a:blip r:embed="rId2" cstate="print">
-            <a:extLst>
-              <a:ext uri="{28A0092B-C50C-407E-A947-70E740481C1C}">
-                <a14:useLocalDpi xmlns:a14="http://schemas.microsoft.com/office/drawing/2010/main" val="0"/>
-              </a:ext>
-            </a:extLst>
-          </a:blip>
-          <a:stretch>
-            <a:fillRect/>
-          </a:stretch>
-        </p:blipFill>
-        <p:spPr>
-          <a:xfrm>
-            <a:off x="4495800" y="914400"/>
-            <a:ext cx="4572000" cy="3200400"/>
-          </a:xfrm>
-          <a:prstGeom prst="rect">
-            <a:avLst/>
-          </a:prstGeom>
-        </p:spPr>
-      </p:pic>
-      <p:sp>
-        <p:nvSpPr>
-          <p:cNvPr id="5" name="TextBox 4"/>
-          <p:cNvSpPr txBox="1"/>
-          <p:nvPr/>
-        </p:nvSpPr>
-        <p:spPr>
-          <a:xfrm>
-            <a:off x="304800" y="874216"/>
-            <a:ext cx="4419600" cy="4231928"/>
-          </a:xfrm>
-          <a:prstGeom prst="rect">
-            <a:avLst/>
-          </a:prstGeom>
-          <a:noFill/>
-        </p:spPr>
-        <p:txBody>
-          <a:bodyPr wrap="square" rtlCol="0">
-            <a:spAutoFit/>
-          </a:bodyPr>
-          <a:lstStyle/>
-          <a:p>
-            <a:r>
-              <a:rPr lang="en-US" sz="2400" dirty="0" smtClean="0">
-                <a:solidFill>
-                  <a:prstClr val="black"/>
-                </a:solidFill>
-                <a:latin typeface="Comic Sans MS" pitchFamily="66" charset="0"/>
-              </a:rPr>
-              <a:t>In a local, atom centered representation, quantum mechanical matrices possess decay properties.  For non-metallic systems, matrix elements decay exponentially with atom-atom separation: </a:t>
-            </a:r>
-          </a:p>
-          <a:p>
-            <a:pPr>
-              <a:spcBef>
-                <a:spcPts val="600"/>
-              </a:spcBef>
-            </a:pPr>
-            <a:r>
-              <a:rPr lang="en-US" sz="2400" b="1" dirty="0" err="1" smtClean="0">
-                <a:solidFill>
-                  <a:prstClr val="black"/>
-                </a:solidFill>
-                <a:latin typeface="Comic Sans MS" pitchFamily="66" charset="0"/>
-              </a:rPr>
-              <a:t>P</a:t>
-            </a:r>
-            <a:r>
-              <a:rPr lang="en-US" sz="2400" baseline="-25000" dirty="0" err="1" smtClean="0">
-                <a:solidFill>
-                  <a:prstClr val="black"/>
-                </a:solidFill>
-                <a:latin typeface="Comic Sans MS" pitchFamily="66" charset="0"/>
-              </a:rPr>
-              <a:t>ab</a:t>
-            </a:r>
-            <a:r>
-              <a:rPr lang="en-US" sz="2400" dirty="0" smtClean="0">
-                <a:solidFill>
-                  <a:prstClr val="black"/>
-                </a:solidFill>
-                <a:latin typeface="Comic Sans MS" pitchFamily="66" charset="0"/>
-              </a:rPr>
-              <a:t> ~ </a:t>
-            </a:r>
-            <a:r>
-              <a:rPr lang="en-US" sz="2400" dirty="0" err="1">
-                <a:solidFill>
-                  <a:prstClr val="black"/>
-                </a:solidFill>
-                <a:latin typeface="Comic Sans MS" pitchFamily="66" charset="0"/>
-              </a:rPr>
-              <a:t>e</a:t>
-            </a:r>
-            <a:r>
-              <a:rPr lang="en-US" sz="2400" dirty="0" err="1" smtClean="0">
-                <a:solidFill>
-                  <a:prstClr val="black"/>
-                </a:solidFill>
-                <a:latin typeface="Comic Sans MS" pitchFamily="66" charset="0"/>
-              </a:rPr>
-              <a:t>xp</a:t>
-            </a:r>
-            <a:r>
-              <a:rPr lang="en-US" sz="2400" dirty="0" smtClean="0">
-                <a:solidFill>
-                  <a:prstClr val="black"/>
-                </a:solidFill>
-                <a:latin typeface="Comic Sans MS" pitchFamily="66" charset="0"/>
-              </a:rPr>
-              <a:t>(-</a:t>
-            </a:r>
-            <a:r>
-              <a:rPr lang="el-GR" sz="2400" dirty="0" smtClean="0">
-                <a:solidFill>
-                  <a:prstClr val="black"/>
-                </a:solidFill>
-                <a:latin typeface="Comic Sans MS" pitchFamily="66" charset="0"/>
-              </a:rPr>
-              <a:t>β</a:t>
-            </a:r>
-            <a:r>
-              <a:rPr lang="en-US" sz="2400" dirty="0" smtClean="0">
-                <a:solidFill>
-                  <a:prstClr val="black"/>
-                </a:solidFill>
-                <a:latin typeface="Comic Sans MS" pitchFamily="66" charset="0"/>
-              </a:rPr>
-              <a:t>|</a:t>
-            </a:r>
-            <a:r>
-              <a:rPr lang="en-US" sz="2400" b="1" dirty="0" smtClean="0">
-                <a:solidFill>
-                  <a:prstClr val="black"/>
-                </a:solidFill>
-                <a:latin typeface="Comic Sans MS" pitchFamily="66" charset="0"/>
-              </a:rPr>
-              <a:t>R</a:t>
-            </a:r>
-            <a:r>
-              <a:rPr lang="en-US" sz="2400" baseline="-25000" dirty="0" smtClean="0">
-                <a:solidFill>
-                  <a:prstClr val="black"/>
-                </a:solidFill>
-                <a:latin typeface="Comic Sans MS" pitchFamily="66" charset="0"/>
-              </a:rPr>
-              <a:t>a</a:t>
-            </a:r>
-            <a:r>
-              <a:rPr lang="en-US" sz="2400" dirty="0" smtClean="0">
-                <a:solidFill>
-                  <a:prstClr val="black"/>
-                </a:solidFill>
-                <a:latin typeface="Comic Sans MS" pitchFamily="66" charset="0"/>
-              </a:rPr>
-              <a:t>-</a:t>
-            </a:r>
-            <a:r>
-              <a:rPr lang="en-US" sz="2400" b="1" dirty="0" err="1" smtClean="0">
-                <a:solidFill>
-                  <a:prstClr val="black"/>
-                </a:solidFill>
-                <a:latin typeface="Comic Sans MS" pitchFamily="66" charset="0"/>
-              </a:rPr>
-              <a:t>R</a:t>
-            </a:r>
-            <a:r>
-              <a:rPr lang="en-US" sz="2400" baseline="-25000" dirty="0" err="1" smtClean="0">
-                <a:solidFill>
-                  <a:prstClr val="black"/>
-                </a:solidFill>
-                <a:latin typeface="Comic Sans MS" pitchFamily="66" charset="0"/>
-              </a:rPr>
-              <a:t>b</a:t>
-            </a:r>
-            <a:r>
-              <a:rPr lang="en-US" sz="2400" dirty="0" smtClean="0">
-                <a:solidFill>
-                  <a:prstClr val="black"/>
-                </a:solidFill>
-                <a:latin typeface="Comic Sans MS" pitchFamily="66" charset="0"/>
-              </a:rPr>
-              <a:t>|)</a:t>
-            </a:r>
-          </a:p>
-          <a:p>
-            <a:endParaRPr lang="en-US" sz="2400" dirty="0">
-              <a:solidFill>
-                <a:prstClr val="black"/>
-              </a:solidFill>
-              <a:latin typeface="Comic Sans MS" pitchFamily="66" charset="0"/>
-            </a:endParaRPr>
-          </a:p>
-          <a:p>
-            <a:endParaRPr lang="en-US" sz="2400" dirty="0" smtClean="0">
-              <a:solidFill>
-                <a:prstClr val="black"/>
-              </a:solidFill>
-              <a:latin typeface="Comic Sans MS" pitchFamily="66" charset="0"/>
-            </a:endParaRPr>
-          </a:p>
-          <a:p>
-            <a:endParaRPr lang="en-US" sz="2400" dirty="0">
-              <a:solidFill>
-                <a:prstClr val="black"/>
-              </a:solidFill>
-              <a:latin typeface="Comic Sans MS" pitchFamily="66" charset="0"/>
-            </a:endParaRPr>
-          </a:p>
-        </p:txBody>
-      </p:sp>
-      <p:sp>
-        <p:nvSpPr>
-          <p:cNvPr id="3" name="Rectangle 2"/>
-          <p:cNvSpPr/>
-          <p:nvPr/>
-        </p:nvSpPr>
-        <p:spPr>
-          <a:xfrm>
-            <a:off x="5943600" y="914400"/>
-            <a:ext cx="3124199" cy="1219200"/>
-          </a:xfrm>
-          <a:prstGeom prst="rect">
-            <a:avLst/>
-          </a:prstGeom>
-          <a:solidFill>
-            <a:schemeClr val="bg1"/>
-          </a:solidFill>
-          <a:ln>
-            <a:solidFill>
-              <a:schemeClr val="bg1"/>
-            </a:solidFill>
-          </a:ln>
-        </p:spPr>
-        <p:style>
-          <a:lnRef idx="2">
-            <a:schemeClr val="accent1">
-              <a:shade val="50000"/>
-            </a:schemeClr>
-          </a:lnRef>
-          <a:fillRef idx="1">
-            <a:schemeClr val="accent1"/>
-          </a:fillRef>
-          <a:effectRef idx="0">
-            <a:schemeClr val="accent1"/>
-          </a:effectRef>
-          <a:fontRef idx="minor">
-            <a:schemeClr val="lt1"/>
-          </a:fontRef>
-        </p:style>
-        <p:txBody>
-          <a:bodyPr rtlCol="0" anchor="ctr"/>
-          <a:lstStyle/>
-          <a:p>
-            <a:pPr algn="ctr"/>
-            <a:endParaRPr lang="en-US"/>
-          </a:p>
-        </p:txBody>
-      </p:sp>
-      <p:sp>
-        <p:nvSpPr>
-          <p:cNvPr id="7" name="TextBox 6"/>
-          <p:cNvSpPr txBox="1"/>
-          <p:nvPr/>
-        </p:nvSpPr>
-        <p:spPr>
-          <a:xfrm>
-            <a:off x="5649877" y="914400"/>
-            <a:ext cx="3365024" cy="1015663"/>
-          </a:xfrm>
-          <a:prstGeom prst="rect">
-            <a:avLst/>
-          </a:prstGeom>
-          <a:solidFill>
-            <a:schemeClr val="bg1"/>
-          </a:solidFill>
-        </p:spPr>
-        <p:txBody>
-          <a:bodyPr wrap="none" rtlCol="0">
-            <a:spAutoFit/>
-          </a:bodyPr>
-          <a:lstStyle/>
-          <a:p>
-            <a:r>
-              <a:rPr lang="en-US" sz="2000" b="1" i="1" dirty="0">
-                <a:solidFill>
-                  <a:srgbClr val="FF0000"/>
-                </a:solidFill>
-                <a:latin typeface="Comic Sans MS" pitchFamily="66" charset="0"/>
-              </a:rPr>
-              <a:t>b</a:t>
-            </a:r>
-            <a:r>
-              <a:rPr lang="en-US" sz="2000" b="1" i="1" dirty="0" smtClean="0">
-                <a:solidFill>
-                  <a:srgbClr val="FF0000"/>
-                </a:solidFill>
-                <a:latin typeface="Comic Sans MS" pitchFamily="66" charset="0"/>
-              </a:rPr>
-              <a:t>ulk water</a:t>
-            </a:r>
-          </a:p>
-          <a:p>
-            <a:r>
-              <a:rPr lang="en-US" sz="2000" b="1" i="1" dirty="0">
-                <a:solidFill>
-                  <a:srgbClr val="FFC000"/>
-                </a:solidFill>
-                <a:latin typeface="Comic Sans MS" pitchFamily="66" charset="0"/>
-              </a:rPr>
-              <a:t>s</a:t>
-            </a:r>
-            <a:r>
-              <a:rPr lang="en-US" sz="2000" b="1" i="1" dirty="0" smtClean="0">
-                <a:solidFill>
-                  <a:srgbClr val="FFC000"/>
-                </a:solidFill>
-                <a:latin typeface="Comic Sans MS" pitchFamily="66" charset="0"/>
-              </a:rPr>
-              <a:t>emi-conducting nanotube</a:t>
-            </a:r>
-          </a:p>
-          <a:p>
-            <a:r>
-              <a:rPr lang="en-US" sz="2000" b="1" i="1" dirty="0">
-                <a:solidFill>
-                  <a:srgbClr val="0070C0"/>
-                </a:solidFill>
-                <a:latin typeface="Comic Sans MS" pitchFamily="66" charset="0"/>
-              </a:rPr>
-              <a:t>m</a:t>
-            </a:r>
-            <a:r>
-              <a:rPr lang="en-US" sz="2000" b="1" i="1" dirty="0" smtClean="0">
-                <a:solidFill>
-                  <a:srgbClr val="0070C0"/>
-                </a:solidFill>
-                <a:latin typeface="Comic Sans MS" pitchFamily="66" charset="0"/>
-              </a:rPr>
-              <a:t>etallic nanotube</a:t>
-            </a:r>
-            <a:endParaRPr lang="en-US" sz="2000" b="1" dirty="0">
-              <a:solidFill>
-                <a:srgbClr val="0070C0"/>
-              </a:solidFill>
-              <a:latin typeface="Comic Sans MS" pitchFamily="66" charset="0"/>
-            </a:endParaRPr>
-          </a:p>
-        </p:txBody>
-      </p:sp>
-      <p:sp>
-        <p:nvSpPr>
-          <p:cNvPr id="8" name="TextBox 7"/>
-          <p:cNvSpPr txBox="1"/>
-          <p:nvPr/>
-        </p:nvSpPr>
-        <p:spPr>
-          <a:xfrm>
-            <a:off x="304800" y="4267200"/>
-            <a:ext cx="8763000" cy="2554545"/>
-          </a:xfrm>
-          <a:prstGeom prst="rect">
-            <a:avLst/>
-          </a:prstGeom>
-          <a:noFill/>
-        </p:spPr>
-        <p:txBody>
-          <a:bodyPr wrap="square" rtlCol="0">
-            <a:spAutoFit/>
-          </a:bodyPr>
-          <a:lstStyle/>
-          <a:p>
-            <a:pPr>
-              <a:spcBef>
-                <a:spcPts val="600"/>
-              </a:spcBef>
-              <a:spcAft>
-                <a:spcPts val="600"/>
-              </a:spcAft>
-            </a:pPr>
-            <a:r>
-              <a:rPr lang="en-US" sz="2400" dirty="0" smtClean="0">
-                <a:solidFill>
-                  <a:prstClr val="black"/>
-                </a:solidFill>
-                <a:latin typeface="Comic Sans MS" pitchFamily="66" charset="0"/>
-              </a:rPr>
-              <a:t>The rate of matrix decay is controlled by:</a:t>
-            </a:r>
-            <a:endParaRPr lang="en-US" sz="2400" dirty="0">
-              <a:solidFill>
-                <a:prstClr val="black"/>
-              </a:solidFill>
-              <a:latin typeface="Comic Sans MS" pitchFamily="66" charset="0"/>
-            </a:endParaRPr>
-          </a:p>
-          <a:p>
-            <a:pPr marL="342900" indent="-342900">
-              <a:spcBef>
-                <a:spcPts val="600"/>
-              </a:spcBef>
-              <a:spcAft>
-                <a:spcPts val="600"/>
-              </a:spcAft>
-              <a:buFont typeface="Arial" pitchFamily="34" charset="0"/>
-              <a:buChar char="•"/>
-            </a:pPr>
-            <a:r>
-              <a:rPr lang="en-US" sz="2400" dirty="0" smtClean="0">
-                <a:solidFill>
-                  <a:prstClr val="black"/>
-                </a:solidFill>
-                <a:latin typeface="Comic Sans MS" pitchFamily="66" charset="0"/>
-              </a:rPr>
-              <a:t>The HOMO-LUMO or band gap</a:t>
-            </a:r>
-          </a:p>
-          <a:p>
-            <a:pPr marL="342900" indent="-342900">
-              <a:spcBef>
-                <a:spcPts val="600"/>
-              </a:spcBef>
-              <a:spcAft>
-                <a:spcPts val="600"/>
-              </a:spcAft>
-              <a:buFont typeface="Arial" pitchFamily="34" charset="0"/>
-              <a:buChar char="•"/>
-            </a:pPr>
-            <a:r>
-              <a:rPr lang="en-US" sz="2400" dirty="0">
-                <a:solidFill>
-                  <a:prstClr val="black"/>
-                </a:solidFill>
-                <a:latin typeface="Comic Sans MS" pitchFamily="66" charset="0"/>
-              </a:rPr>
-              <a:t>N</a:t>
-            </a:r>
-            <a:r>
-              <a:rPr lang="en-US" sz="2400" dirty="0" smtClean="0">
-                <a:solidFill>
-                  <a:prstClr val="black"/>
-                </a:solidFill>
-                <a:latin typeface="Comic Sans MS" pitchFamily="66" charset="0"/>
-              </a:rPr>
-              <a:t>on-</a:t>
-            </a:r>
-            <a:r>
-              <a:rPr lang="en-US" sz="2400" dirty="0" err="1" smtClean="0">
-                <a:solidFill>
-                  <a:prstClr val="black"/>
-                </a:solidFill>
-                <a:latin typeface="Comic Sans MS" pitchFamily="66" charset="0"/>
-              </a:rPr>
-              <a:t>orthogonality</a:t>
-            </a:r>
-            <a:r>
-              <a:rPr lang="en-US" sz="2400" dirty="0" smtClean="0">
-                <a:solidFill>
-                  <a:prstClr val="black"/>
-                </a:solidFill>
-                <a:latin typeface="Comic Sans MS" pitchFamily="66" charset="0"/>
-              </a:rPr>
-              <a:t> of the basis (metric ill-conditioning)</a:t>
-            </a:r>
-          </a:p>
-          <a:p>
-            <a:pPr marL="342900" indent="-342900">
-              <a:spcBef>
-                <a:spcPts val="600"/>
-              </a:spcBef>
-              <a:spcAft>
-                <a:spcPts val="600"/>
-              </a:spcAft>
-              <a:buFont typeface="Arial" pitchFamily="34" charset="0"/>
-              <a:buChar char="•"/>
-            </a:pPr>
-            <a:r>
-              <a:rPr lang="en-US" sz="2400" dirty="0">
-                <a:solidFill>
-                  <a:prstClr val="black"/>
-                </a:solidFill>
-                <a:latin typeface="Comic Sans MS" pitchFamily="66" charset="0"/>
-              </a:rPr>
-              <a:t>T</a:t>
-            </a:r>
-            <a:r>
-              <a:rPr lang="en-US" sz="2400" dirty="0" smtClean="0">
-                <a:solidFill>
-                  <a:prstClr val="black"/>
-                </a:solidFill>
-                <a:latin typeface="Comic Sans MS" pitchFamily="66" charset="0"/>
-              </a:rPr>
-              <a:t>hese effects may be intertwined</a:t>
-            </a:r>
-          </a:p>
-          <a:p>
-            <a:pPr>
-              <a:spcBef>
-                <a:spcPts val="600"/>
-              </a:spcBef>
-              <a:spcAft>
-                <a:spcPts val="600"/>
-              </a:spcAft>
-            </a:pPr>
-            <a:r>
-              <a:rPr lang="en-US" sz="2400" dirty="0" smtClean="0">
-                <a:solidFill>
-                  <a:prstClr val="black"/>
-                </a:solidFill>
-                <a:latin typeface="Comic Sans MS" pitchFamily="66" charset="0"/>
-              </a:rPr>
-              <a:t> </a:t>
-            </a:r>
-            <a:endParaRPr lang="en-US" sz="2400" dirty="0">
-              <a:solidFill>
-                <a:prstClr val="black"/>
-              </a:solidFill>
-              <a:latin typeface="Comic Sans MS" pitchFamily="66" charset="0"/>
-            </a:endParaRPr>
-          </a:p>
-        </p:txBody>
-      </p:sp>
-    </p:spTree>
-    <p:extLst>
-      <p:ext uri="{BB962C8B-B14F-4D97-AF65-F5344CB8AC3E}">
-        <p14:creationId xmlns:p14="http://schemas.microsoft.com/office/powerpoint/2010/main" val="2174652431"/>
-      </p:ext>
-    </p:extLst>
-  </p:cSld>
-  <p:clrMapOvr>
-    <a:masterClrMapping/>
-  </p:clrMapOvr>
-  <p:timing>
-    <p:tnLst>
-      <p:par>
-        <p:cTn id="1" dur="indefinite" restart="never" nodeType="tmRoot"/>
-      </p:par>
-    </p:tnLst>
-  </p:timing>
-</p:sld>
-</file>
-
-<file path=ppt/slides/slide20.xml><?xml version="1.0" encoding="utf-8"?>
 <p:sld xmlns:a="http://schemas.openxmlformats.org/drawingml/2006/main" xmlns:r="http://schemas.openxmlformats.org/officeDocument/2006/relationships" xmlns:p="http://schemas.openxmlformats.org/presentationml/2006/main">
   <p:cSld>
     <p:spTree>
@@ -13328,7 +12547,591 @@
 </p:sld>
 </file>
 
-<file path=ppt/slides/slide21.xml><?xml version="1.0" encoding="utf-8"?>
+<file path=ppt/slides/slide2.xml><?xml version="1.0" encoding="utf-8"?>
+<p:sld xmlns:a="http://schemas.openxmlformats.org/drawingml/2006/main" xmlns:r="http://schemas.openxmlformats.org/officeDocument/2006/relationships" xmlns:p="http://schemas.openxmlformats.org/presentationml/2006/main">
+  <p:cSld>
+    <p:spTree>
+      <p:nvGrpSpPr>
+        <p:cNvPr id="1" name=""/>
+        <p:cNvGrpSpPr/>
+        <p:nvPr/>
+      </p:nvGrpSpPr>
+      <p:grpSpPr>
+        <a:xfrm>
+          <a:off x="0" y="0"/>
+          <a:ext cx="0" cy="0"/>
+          <a:chOff x="0" y="0"/>
+          <a:chExt cx="0" cy="0"/>
+        </a:xfrm>
+      </p:grpSpPr>
+      <p:sp>
+        <p:nvSpPr>
+          <p:cNvPr id="4" name="TextBox 3"/>
+          <p:cNvSpPr txBox="1"/>
+          <p:nvPr/>
+        </p:nvSpPr>
+        <p:spPr>
+          <a:xfrm>
+            <a:off x="252451" y="238780"/>
+            <a:ext cx="8662949" cy="523220"/>
+          </a:xfrm>
+          <a:prstGeom prst="rect">
+            <a:avLst/>
+          </a:prstGeom>
+          <a:noFill/>
+        </p:spPr>
+        <p:txBody>
+          <a:bodyPr wrap="none" rtlCol="0">
+            <a:spAutoFit/>
+          </a:bodyPr>
+          <a:lstStyle/>
+          <a:p>
+            <a:r>
+              <a:rPr lang="en-US" sz="2800" b="1" dirty="0" smtClean="0">
+                <a:solidFill>
+                  <a:prstClr val="black"/>
+                </a:solidFill>
+                <a:latin typeface="Comic Sans MS" pitchFamily="66" charset="0"/>
+              </a:rPr>
+              <a:t>Quantum Locality &amp; Kohn’s Nearsighted Principle</a:t>
+            </a:r>
+            <a:endParaRPr lang="en-US" sz="2800" b="1" dirty="0">
+              <a:solidFill>
+                <a:prstClr val="black"/>
+              </a:solidFill>
+              <a:latin typeface="Comic Sans MS" pitchFamily="66" charset="0"/>
+            </a:endParaRPr>
+          </a:p>
+        </p:txBody>
+      </p:sp>
+      <p:pic>
+        <p:nvPicPr>
+          <p:cNvPr id="2" name="Picture 1"/>
+          <p:cNvPicPr>
+            <a:picLocks noChangeAspect="1"/>
+          </p:cNvPicPr>
+          <p:nvPr/>
+        </p:nvPicPr>
+        <p:blipFill>
+          <a:blip r:embed="rId2" cstate="print">
+            <a:extLst>
+              <a:ext uri="{28A0092B-C50C-407E-A947-70E740481C1C}">
+                <a14:useLocalDpi xmlns:a14="http://schemas.microsoft.com/office/drawing/2010/main" val="0"/>
+              </a:ext>
+            </a:extLst>
+          </a:blip>
+          <a:stretch>
+            <a:fillRect/>
+          </a:stretch>
+        </p:blipFill>
+        <p:spPr>
+          <a:xfrm>
+            <a:off x="4160520" y="838200"/>
+            <a:ext cx="4572000" cy="3200400"/>
+          </a:xfrm>
+          <a:prstGeom prst="rect">
+            <a:avLst/>
+          </a:prstGeom>
+        </p:spPr>
+      </p:pic>
+      <p:sp>
+        <p:nvSpPr>
+          <p:cNvPr id="5" name="TextBox 4"/>
+          <p:cNvSpPr txBox="1"/>
+          <p:nvPr/>
+        </p:nvSpPr>
+        <p:spPr>
+          <a:xfrm>
+            <a:off x="381000" y="685800"/>
+            <a:ext cx="4242576" cy="3785652"/>
+          </a:xfrm>
+          <a:prstGeom prst="rect">
+            <a:avLst/>
+          </a:prstGeom>
+          <a:noFill/>
+        </p:spPr>
+        <p:txBody>
+          <a:bodyPr wrap="square" rtlCol="0">
+            <a:spAutoFit/>
+          </a:bodyPr>
+          <a:lstStyle/>
+          <a:p>
+            <a:r>
+              <a:rPr lang="en-US" sz="2400" dirty="0" smtClean="0">
+                <a:solidFill>
+                  <a:prstClr val="black"/>
+                </a:solidFill>
+                <a:latin typeface="Calibri" pitchFamily="34" charset="0"/>
+                <a:cs typeface="Calibri" pitchFamily="34" charset="0"/>
+              </a:rPr>
+              <a:t>In a local, atom centered representation, quantum mechanical matrices possess decay properties.  For non-metallic systems, matrix elements decay exponentially with atom-atom </a:t>
+            </a:r>
+            <a:r>
+              <a:rPr lang="en-US" sz="2400" dirty="0" smtClean="0">
+                <a:solidFill>
+                  <a:prstClr val="black"/>
+                </a:solidFill>
+                <a:latin typeface="Calibri" pitchFamily="34" charset="0"/>
+                <a:cs typeface="Calibri" pitchFamily="34" charset="0"/>
+              </a:rPr>
+              <a:t>separation. </a:t>
+            </a:r>
+            <a:endParaRPr lang="en-US" sz="2400" dirty="0" smtClean="0">
+              <a:solidFill>
+                <a:prstClr val="black"/>
+              </a:solidFill>
+              <a:latin typeface="Calibri" pitchFamily="34" charset="0"/>
+              <a:cs typeface="Calibri" pitchFamily="34" charset="0"/>
+            </a:endParaRPr>
+          </a:p>
+          <a:p>
+            <a:endParaRPr lang="en-US" sz="2400" dirty="0">
+              <a:solidFill>
+                <a:prstClr val="black"/>
+              </a:solidFill>
+              <a:latin typeface="Calibri" pitchFamily="34" charset="0"/>
+              <a:cs typeface="Calibri" pitchFamily="34" charset="0"/>
+            </a:endParaRPr>
+          </a:p>
+          <a:p>
+            <a:endParaRPr lang="en-US" sz="2400" dirty="0" smtClean="0">
+              <a:solidFill>
+                <a:prstClr val="black"/>
+              </a:solidFill>
+              <a:latin typeface="Calibri" pitchFamily="34" charset="0"/>
+              <a:cs typeface="Calibri" pitchFamily="34" charset="0"/>
+            </a:endParaRPr>
+          </a:p>
+          <a:p>
+            <a:endParaRPr lang="en-US" sz="2400" dirty="0">
+              <a:solidFill>
+                <a:prstClr val="black"/>
+              </a:solidFill>
+              <a:latin typeface="Calibri" pitchFamily="34" charset="0"/>
+              <a:cs typeface="Calibri" pitchFamily="34" charset="0"/>
+            </a:endParaRPr>
+          </a:p>
+        </p:txBody>
+      </p:sp>
+      <p:sp>
+        <p:nvSpPr>
+          <p:cNvPr id="3" name="Rectangle 2"/>
+          <p:cNvSpPr/>
+          <p:nvPr/>
+        </p:nvSpPr>
+        <p:spPr>
+          <a:xfrm>
+            <a:off x="5780123" y="838200"/>
+            <a:ext cx="3124199" cy="1219200"/>
+          </a:xfrm>
+          <a:prstGeom prst="rect">
+            <a:avLst/>
+          </a:prstGeom>
+          <a:solidFill>
+            <a:schemeClr val="bg1"/>
+          </a:solidFill>
+          <a:ln>
+            <a:solidFill>
+              <a:schemeClr val="bg1"/>
+            </a:solidFill>
+          </a:ln>
+        </p:spPr>
+        <p:style>
+          <a:lnRef idx="2">
+            <a:schemeClr val="accent1">
+              <a:shade val="50000"/>
+            </a:schemeClr>
+          </a:lnRef>
+          <a:fillRef idx="1">
+            <a:schemeClr val="accent1"/>
+          </a:fillRef>
+          <a:effectRef idx="0">
+            <a:schemeClr val="accent1"/>
+          </a:effectRef>
+          <a:fontRef idx="minor">
+            <a:schemeClr val="lt1"/>
+          </a:fontRef>
+        </p:style>
+        <p:txBody>
+          <a:bodyPr rtlCol="0" anchor="ctr"/>
+          <a:lstStyle/>
+          <a:p>
+            <a:pPr algn="ctr"/>
+            <a:endParaRPr lang="en-US"/>
+          </a:p>
+        </p:txBody>
+      </p:sp>
+      <p:sp>
+        <p:nvSpPr>
+          <p:cNvPr id="7" name="TextBox 6"/>
+          <p:cNvSpPr txBox="1"/>
+          <p:nvPr/>
+        </p:nvSpPr>
+        <p:spPr>
+          <a:xfrm>
+            <a:off x="5486400" y="838200"/>
+            <a:ext cx="3365024" cy="1015663"/>
+          </a:xfrm>
+          <a:prstGeom prst="rect">
+            <a:avLst/>
+          </a:prstGeom>
+          <a:solidFill>
+            <a:schemeClr val="bg1"/>
+          </a:solidFill>
+        </p:spPr>
+        <p:txBody>
+          <a:bodyPr wrap="none" rtlCol="0">
+            <a:spAutoFit/>
+          </a:bodyPr>
+          <a:lstStyle/>
+          <a:p>
+            <a:r>
+              <a:rPr lang="en-US" sz="2000" b="1" i="1" dirty="0">
+                <a:solidFill>
+                  <a:srgbClr val="FF0000"/>
+                </a:solidFill>
+                <a:latin typeface="Comic Sans MS" pitchFamily="66" charset="0"/>
+              </a:rPr>
+              <a:t>b</a:t>
+            </a:r>
+            <a:r>
+              <a:rPr lang="en-US" sz="2000" b="1" i="1" dirty="0" smtClean="0">
+                <a:solidFill>
+                  <a:srgbClr val="FF0000"/>
+                </a:solidFill>
+                <a:latin typeface="Comic Sans MS" pitchFamily="66" charset="0"/>
+              </a:rPr>
+              <a:t>ulk water</a:t>
+            </a:r>
+          </a:p>
+          <a:p>
+            <a:r>
+              <a:rPr lang="en-US" sz="2000" b="1" i="1" dirty="0">
+                <a:solidFill>
+                  <a:srgbClr val="FFC000"/>
+                </a:solidFill>
+                <a:latin typeface="Comic Sans MS" pitchFamily="66" charset="0"/>
+              </a:rPr>
+              <a:t>s</a:t>
+            </a:r>
+            <a:r>
+              <a:rPr lang="en-US" sz="2000" b="1" i="1" dirty="0" smtClean="0">
+                <a:solidFill>
+                  <a:srgbClr val="FFC000"/>
+                </a:solidFill>
+                <a:latin typeface="Comic Sans MS" pitchFamily="66" charset="0"/>
+              </a:rPr>
+              <a:t>emi-conducting nanotube</a:t>
+            </a:r>
+          </a:p>
+          <a:p>
+            <a:r>
+              <a:rPr lang="en-US" sz="2000" b="1" i="1" dirty="0">
+                <a:solidFill>
+                  <a:srgbClr val="0070C0"/>
+                </a:solidFill>
+                <a:latin typeface="Comic Sans MS" pitchFamily="66" charset="0"/>
+              </a:rPr>
+              <a:t>m</a:t>
+            </a:r>
+            <a:r>
+              <a:rPr lang="en-US" sz="2000" b="1" i="1" dirty="0" smtClean="0">
+                <a:solidFill>
+                  <a:srgbClr val="0070C0"/>
+                </a:solidFill>
+                <a:latin typeface="Comic Sans MS" pitchFamily="66" charset="0"/>
+              </a:rPr>
+              <a:t>etallic nanotube</a:t>
+            </a:r>
+            <a:endParaRPr lang="en-US" sz="2000" b="1" dirty="0">
+              <a:solidFill>
+                <a:srgbClr val="0070C0"/>
+              </a:solidFill>
+              <a:latin typeface="Comic Sans MS" pitchFamily="66" charset="0"/>
+            </a:endParaRPr>
+          </a:p>
+        </p:txBody>
+      </p:sp>
+      <p:pic>
+        <p:nvPicPr>
+          <p:cNvPr id="9" name="Picture 8"/>
+          <p:cNvPicPr>
+            <a:picLocks noChangeAspect="1"/>
+          </p:cNvPicPr>
+          <p:nvPr/>
+        </p:nvPicPr>
+        <p:blipFill>
+          <a:blip r:embed="rId3" cstate="print">
+            <a:extLst>
+              <a:ext uri="{28A0092B-C50C-407E-A947-70E740481C1C}">
+                <a14:useLocalDpi xmlns:a14="http://schemas.microsoft.com/office/drawing/2010/main" val="0"/>
+              </a:ext>
+            </a:extLst>
+          </a:blip>
+          <a:stretch>
+            <a:fillRect/>
+          </a:stretch>
+        </p:blipFill>
+        <p:spPr>
+          <a:xfrm>
+            <a:off x="381000" y="3455501"/>
+            <a:ext cx="3017520" cy="3017520"/>
+          </a:xfrm>
+          <a:prstGeom prst="rect">
+            <a:avLst/>
+          </a:prstGeom>
+        </p:spPr>
+      </p:pic>
+      <p:pic>
+        <p:nvPicPr>
+          <p:cNvPr id="10" name="Picture 9"/>
+          <p:cNvPicPr>
+            <a:picLocks noChangeAspect="1"/>
+          </p:cNvPicPr>
+          <p:nvPr/>
+        </p:nvPicPr>
+        <p:blipFill>
+          <a:blip r:embed="rId4" cstate="print">
+            <a:extLst>
+              <a:ext uri="{28A0092B-C50C-407E-A947-70E740481C1C}">
+                <a14:useLocalDpi xmlns:a14="http://schemas.microsoft.com/office/drawing/2010/main" val="0"/>
+              </a:ext>
+            </a:extLst>
+          </a:blip>
+          <a:stretch>
+            <a:fillRect/>
+          </a:stretch>
+        </p:blipFill>
+        <p:spPr>
+          <a:xfrm>
+            <a:off x="2453640" y="4158848"/>
+            <a:ext cx="1280160" cy="1479952"/>
+          </a:xfrm>
+          <a:prstGeom prst="rect">
+            <a:avLst/>
+          </a:prstGeom>
+        </p:spPr>
+      </p:pic>
+      <p:pic>
+        <p:nvPicPr>
+          <p:cNvPr id="11" name="Picture 10"/>
+          <p:cNvPicPr>
+            <a:picLocks noChangeAspect="1"/>
+          </p:cNvPicPr>
+          <p:nvPr/>
+        </p:nvPicPr>
+        <p:blipFill>
+          <a:blip r:embed="rId5" cstate="print">
+            <a:extLst>
+              <a:ext uri="{28A0092B-C50C-407E-A947-70E740481C1C}">
+                <a14:useLocalDpi xmlns:a14="http://schemas.microsoft.com/office/drawing/2010/main" val="0"/>
+              </a:ext>
+            </a:extLst>
+          </a:blip>
+          <a:stretch>
+            <a:fillRect/>
+          </a:stretch>
+        </p:blipFill>
+        <p:spPr>
+          <a:xfrm>
+            <a:off x="1036320" y="3356779"/>
+            <a:ext cx="2011680" cy="758021"/>
+          </a:xfrm>
+          <a:prstGeom prst="rect">
+            <a:avLst/>
+          </a:prstGeom>
+        </p:spPr>
+      </p:pic>
+      <p:sp>
+        <p:nvSpPr>
+          <p:cNvPr id="12" name="TextBox 11"/>
+          <p:cNvSpPr txBox="1"/>
+          <p:nvPr/>
+        </p:nvSpPr>
+        <p:spPr>
+          <a:xfrm>
+            <a:off x="3840480" y="3937843"/>
+            <a:ext cx="4998720" cy="2539157"/>
+          </a:xfrm>
+          <a:prstGeom prst="rect">
+            <a:avLst/>
+          </a:prstGeom>
+          <a:noFill/>
+        </p:spPr>
+        <p:txBody>
+          <a:bodyPr wrap="square" rtlCol="0">
+            <a:spAutoFit/>
+          </a:bodyPr>
+          <a:lstStyle/>
+          <a:p>
+            <a:pPr>
+              <a:spcBef>
+                <a:spcPts val="600"/>
+              </a:spcBef>
+              <a:spcAft>
+                <a:spcPts val="600"/>
+              </a:spcAft>
+            </a:pPr>
+            <a:r>
+              <a:rPr lang="en-US" sz="2200" dirty="0" smtClean="0">
+                <a:solidFill>
+                  <a:prstClr val="black"/>
+                </a:solidFill>
+              </a:rPr>
+              <a:t>For physics poor models and uninteresting chemical problems, it is possible to achieve extreme locality leading to very sparse </a:t>
+            </a:r>
+            <a:r>
+              <a:rPr lang="en-US" sz="2200" dirty="0" smtClean="0">
+                <a:solidFill>
+                  <a:prstClr val="black"/>
+                </a:solidFill>
+              </a:rPr>
+              <a:t>Hamiltonian </a:t>
+            </a:r>
+            <a:r>
+              <a:rPr lang="en-US" sz="2200" dirty="0" smtClean="0">
+                <a:solidFill>
+                  <a:prstClr val="black"/>
+                </a:solidFill>
+              </a:rPr>
+              <a:t>matrices:                 </a:t>
+            </a:r>
+            <a:endParaRPr lang="en-US" sz="2200" dirty="0" smtClean="0">
+              <a:solidFill>
+                <a:prstClr val="black"/>
+              </a:solidFill>
+            </a:endParaRPr>
+          </a:p>
+          <a:p>
+            <a:pPr marL="342900" indent="-342900">
+              <a:buFont typeface="Arial" pitchFamily="34" charset="0"/>
+              <a:buChar char="•"/>
+            </a:pPr>
+            <a:r>
+              <a:rPr lang="en-US" sz="2200" dirty="0" smtClean="0">
+                <a:solidFill>
+                  <a:prstClr val="black"/>
+                </a:solidFill>
+              </a:rPr>
+              <a:t>Use conventional, sparse </a:t>
+            </a:r>
+            <a:r>
+              <a:rPr lang="en-US" sz="2200" dirty="0">
+                <a:solidFill>
+                  <a:prstClr val="black"/>
+                </a:solidFill>
+              </a:rPr>
+              <a:t>linear </a:t>
+            </a:r>
+            <a:r>
+              <a:rPr lang="en-US" sz="2200" dirty="0" smtClean="0">
+                <a:solidFill>
+                  <a:prstClr val="black"/>
+                </a:solidFill>
+              </a:rPr>
+              <a:t>algebra to </a:t>
+            </a:r>
+            <a:r>
+              <a:rPr lang="en-US" sz="2200" dirty="0">
+                <a:solidFill>
+                  <a:prstClr val="black"/>
+                </a:solidFill>
+              </a:rPr>
+              <a:t>achieve an </a:t>
+            </a:r>
+            <a:r>
+              <a:rPr lang="en-US" sz="2200" i="1" dirty="0" smtClean="0">
+                <a:solidFill>
+                  <a:prstClr val="black"/>
+                </a:solidFill>
+              </a:rPr>
+              <a:t>O</a:t>
+            </a:r>
+            <a:r>
+              <a:rPr lang="en-US" sz="2200" dirty="0" smtClean="0">
+                <a:solidFill>
+                  <a:prstClr val="black"/>
+                </a:solidFill>
+              </a:rPr>
+              <a:t>(</a:t>
+            </a:r>
+            <a:r>
+              <a:rPr lang="en-US" sz="2200" i="1" dirty="0" smtClean="0">
+                <a:solidFill>
+                  <a:prstClr val="black"/>
+                </a:solidFill>
+              </a:rPr>
+              <a:t>n</a:t>
+            </a:r>
+            <a:r>
+              <a:rPr lang="en-US" sz="2200" dirty="0" smtClean="0">
+                <a:solidFill>
+                  <a:prstClr val="black"/>
+                </a:solidFill>
+              </a:rPr>
+              <a:t>) </a:t>
+            </a:r>
+            <a:r>
+              <a:rPr lang="en-US" sz="2200" dirty="0">
+                <a:solidFill>
+                  <a:prstClr val="black"/>
+                </a:solidFill>
+              </a:rPr>
+              <a:t>cost with </a:t>
+            </a:r>
+            <a:r>
+              <a:rPr lang="en-US" sz="2200" dirty="0" smtClean="0">
+                <a:solidFill>
+                  <a:prstClr val="black"/>
+                </a:solidFill>
+              </a:rPr>
+              <a:t>system size</a:t>
+            </a:r>
+            <a:r>
+              <a:rPr lang="en-US" sz="2200" dirty="0" smtClean="0">
+                <a:solidFill>
+                  <a:prstClr val="black"/>
+                </a:solidFill>
+              </a:rPr>
+              <a:t>, </a:t>
+            </a:r>
+            <a:r>
+              <a:rPr lang="en-US" sz="2200" i="1" dirty="0">
+                <a:solidFill>
+                  <a:prstClr val="black"/>
+                </a:solidFill>
+              </a:rPr>
+              <a:t>n</a:t>
+            </a:r>
+            <a:endParaRPr lang="en-US" sz="2200" i="1" dirty="0">
+              <a:solidFill>
+                <a:prstClr val="black"/>
+              </a:solidFill>
+            </a:endParaRPr>
+          </a:p>
+        </p:txBody>
+      </p:sp>
+    </p:spTree>
+    <p:extLst>
+      <p:ext uri="{BB962C8B-B14F-4D97-AF65-F5344CB8AC3E}">
+        <p14:creationId xmlns:p14="http://schemas.microsoft.com/office/powerpoint/2010/main" val="2174652431"/>
+      </p:ext>
+    </p:extLst>
+  </p:cSld>
+  <p:clrMapOvr>
+    <a:masterClrMapping/>
+  </p:clrMapOvr>
+  <p:timing>
+    <p:tnLst>
+      <p:par>
+        <p:cTn id="1" dur="indefinite" restart="never" nodeType="tmRoot"/>
+      </p:par>
+    </p:tnLst>
+  </p:timing>
+</p:sld>
+</file>
+
+<file path=ppt/slides/slide20.xml><?xml version="1.0" encoding="utf-8"?>
 <p:sld xmlns:a="http://schemas.openxmlformats.org/drawingml/2006/main" xmlns:r="http://schemas.openxmlformats.org/officeDocument/2006/relationships" xmlns:p="http://schemas.openxmlformats.org/presentationml/2006/main">
   <p:cSld>
     <p:spTree>
@@ -13423,36 +13226,6 @@
           <a:chExt cx="0" cy="0"/>
         </a:xfrm>
       </p:grpSpPr>
-      <p:pic>
-        <p:nvPicPr>
-          <p:cNvPr id="5" name="Picture 4"/>
-          <p:cNvPicPr>
-            <a:picLocks noChangeAspect="1"/>
-          </p:cNvPicPr>
-          <p:nvPr/>
-        </p:nvPicPr>
-        <p:blipFill>
-          <a:blip r:embed="rId3" cstate="print">
-            <a:extLst>
-              <a:ext uri="{28A0092B-C50C-407E-A947-70E740481C1C}">
-                <a14:useLocalDpi xmlns:a14="http://schemas.microsoft.com/office/drawing/2010/main" val="0"/>
-              </a:ext>
-            </a:extLst>
-          </a:blip>
-          <a:stretch>
-            <a:fillRect/>
-          </a:stretch>
-        </p:blipFill>
-        <p:spPr>
-          <a:xfrm>
-            <a:off x="5897880" y="944880"/>
-            <a:ext cx="3017520" cy="3017520"/>
-          </a:xfrm>
-          <a:prstGeom prst="rect">
-            <a:avLst/>
-          </a:prstGeom>
-        </p:spPr>
-      </p:pic>
       <p:sp>
         <p:nvSpPr>
           <p:cNvPr id="4" name="TextBox 3"/>
@@ -13461,8 +13234,8 @@
         </p:nvSpPr>
         <p:spPr>
           <a:xfrm>
-            <a:off x="110872" y="284202"/>
-            <a:ext cx="8941871" cy="553998"/>
+            <a:off x="305521" y="152400"/>
+            <a:ext cx="7771679" cy="584775"/>
           </a:xfrm>
           <a:prstGeom prst="rect">
             <a:avLst/>
@@ -13476,87 +13249,15 @@
           <a:lstStyle/>
           <a:p>
             <a:r>
-              <a:rPr lang="en-US" sz="3000" b="1" dirty="0" smtClean="0">
+              <a:rPr lang="en-US" sz="3200" b="1" dirty="0" smtClean="0">
                 <a:solidFill>
                   <a:prstClr val="black"/>
                 </a:solidFill>
                 <a:latin typeface="Comic Sans MS" pitchFamily="66" charset="0"/>
               </a:rPr>
-              <a:t>Matrix </a:t>
-            </a:r>
-            <a:r>
-              <a:rPr lang="en-US" sz="3000" b="1" dirty="0" err="1" smtClean="0">
-                <a:solidFill>
-                  <a:prstClr val="black"/>
-                </a:solidFill>
-                <a:latin typeface="Comic Sans MS" pitchFamily="66" charset="0"/>
-              </a:rPr>
-              <a:t>Sparsity</a:t>
-            </a:r>
-            <a:r>
-              <a:rPr lang="en-US" sz="3000" b="1" dirty="0" smtClean="0">
-                <a:solidFill>
-                  <a:prstClr val="black"/>
-                </a:solidFill>
-                <a:latin typeface="Comic Sans MS" pitchFamily="66" charset="0"/>
-              </a:rPr>
-              <a:t> and </a:t>
-            </a:r>
-            <a:r>
-              <a:rPr lang="en-US" sz="3000" b="1" i="1" dirty="0" smtClean="0">
-                <a:solidFill>
-                  <a:prstClr val="black"/>
-                </a:solidFill>
-                <a:latin typeface="Comic Sans MS" pitchFamily="66" charset="0"/>
-              </a:rPr>
-              <a:t>O</a:t>
-            </a:r>
-            <a:r>
-              <a:rPr lang="en-US" sz="800" b="1" i="1" dirty="0" smtClean="0">
-                <a:solidFill>
-                  <a:prstClr val="black"/>
-                </a:solidFill>
-                <a:latin typeface="Comic Sans MS" pitchFamily="66" charset="0"/>
-              </a:rPr>
-              <a:t> </a:t>
-            </a:r>
-            <a:r>
-              <a:rPr lang="en-US" sz="3000" b="1" dirty="0" smtClean="0">
-                <a:solidFill>
-                  <a:prstClr val="black"/>
-                </a:solidFill>
-                <a:latin typeface="Comic Sans MS" pitchFamily="66" charset="0"/>
-              </a:rPr>
-              <a:t>(</a:t>
-            </a:r>
-            <a:r>
-              <a:rPr lang="en-US" sz="3000" b="1" i="1" dirty="0" smtClean="0">
-                <a:solidFill>
-                  <a:prstClr val="black"/>
-                </a:solidFill>
-                <a:latin typeface="Comic Sans MS" pitchFamily="66" charset="0"/>
-              </a:rPr>
-              <a:t>N</a:t>
-            </a:r>
-            <a:r>
-              <a:rPr lang="en-US" sz="800" b="1" i="1" dirty="0" smtClean="0">
-                <a:solidFill>
-                  <a:prstClr val="black"/>
-                </a:solidFill>
-                <a:latin typeface="Comic Sans MS" pitchFamily="66" charset="0"/>
-              </a:rPr>
-              <a:t> </a:t>
-            </a:r>
-            <a:r>
-              <a:rPr lang="en-US" sz="3000" b="1" dirty="0" smtClean="0">
-                <a:solidFill>
-                  <a:prstClr val="black"/>
-                </a:solidFill>
-                <a:latin typeface="Comic Sans MS" pitchFamily="66" charset="0"/>
-              </a:rPr>
-              <a:t>) Quantum Chemistry</a:t>
-            </a:r>
-            <a:endParaRPr lang="en-US" sz="3000" b="1" dirty="0">
+              <a:t>Dealing with a Real Basis; How Local?</a:t>
+            </a:r>
+            <a:endParaRPr lang="en-US" sz="3200" b="1" dirty="0">
               <a:solidFill>
                 <a:prstClr val="black"/>
               </a:solidFill>
@@ -13565,16 +13266,120 @@
           </a:p>
         </p:txBody>
       </p:sp>
+      <p:pic>
+        <p:nvPicPr>
+          <p:cNvPr id="2" name="Picture 1"/>
+          <p:cNvPicPr>
+            <a:picLocks noChangeAspect="1"/>
+          </p:cNvPicPr>
+          <p:nvPr/>
+        </p:nvPicPr>
+        <p:blipFill rotWithShape="1">
+          <a:blip r:embed="rId2">
+            <a:extLst>
+              <a:ext uri="{28A0092B-C50C-407E-A947-70E740481C1C}">
+                <a14:useLocalDpi xmlns:a14="http://schemas.microsoft.com/office/drawing/2010/main" val="0"/>
+              </a:ext>
+            </a:extLst>
+          </a:blip>
+          <a:srcRect l="5002" t="3072" r="7840"/>
+          <a:stretch/>
+        </p:blipFill>
+        <p:spPr>
+          <a:xfrm>
+            <a:off x="95746" y="2392680"/>
+            <a:ext cx="4933454" cy="4389120"/>
+          </a:xfrm>
+          <a:prstGeom prst="rect">
+            <a:avLst/>
+          </a:prstGeom>
+        </p:spPr>
+      </p:pic>
       <p:sp>
         <p:nvSpPr>
-          <p:cNvPr id="7" name="TextBox 6"/>
+          <p:cNvPr id="5" name="Rectangle 4"/>
+          <p:cNvSpPr/>
+          <p:nvPr/>
+        </p:nvSpPr>
+        <p:spPr>
+          <a:xfrm>
+            <a:off x="304800" y="747861"/>
+            <a:ext cx="8178745" cy="1461939"/>
+          </a:xfrm>
+          <a:prstGeom prst="rect">
+            <a:avLst/>
+          </a:prstGeom>
+        </p:spPr>
+        <p:txBody>
+          <a:bodyPr wrap="square">
+            <a:spAutoFit/>
+          </a:bodyPr>
+          <a:lstStyle/>
+          <a:p>
+            <a:pPr>
+              <a:spcBef>
+                <a:spcPts val="600"/>
+              </a:spcBef>
+              <a:spcAft>
+                <a:spcPts val="600"/>
+              </a:spcAft>
+            </a:pPr>
+            <a:r>
+              <a:rPr lang="en-US" sz="2400" b="1" i="1" dirty="0" smtClean="0"/>
+              <a:t>“For extended basis sets such as TZV2P, the matrices in the DM-based methods become sufficiently sparse only for large systems containing ∼</a:t>
+            </a:r>
+            <a:r>
+              <a:rPr lang="en-US" sz="2400" b="1" i="1" u="sng" dirty="0" smtClean="0"/>
+              <a:t>10 000</a:t>
+            </a:r>
+            <a:r>
+              <a:rPr lang="en-US" sz="2400" b="1" i="1" dirty="0" smtClean="0"/>
+              <a:t> water molecules” – J. </a:t>
+            </a:r>
+            <a:r>
+              <a:rPr lang="en-US" sz="2400" b="1" i="1" dirty="0" err="1" smtClean="0"/>
+              <a:t>Hutter</a:t>
+            </a:r>
+            <a:r>
+              <a:rPr lang="en-US" sz="2400" b="1" i="1" dirty="0" smtClean="0"/>
+              <a:t> group</a:t>
+            </a:r>
+          </a:p>
+          <a:p>
+            <a:r>
+              <a:rPr lang="en-US" sz="1200" b="1" i="1" dirty="0" smtClean="0"/>
+              <a:t>J. Chem. Theory </a:t>
+            </a:r>
+            <a:r>
+              <a:rPr lang="en-US" sz="1200" b="1" i="1" dirty="0" err="1" smtClean="0"/>
+              <a:t>Comput</a:t>
+            </a:r>
+            <a:r>
+              <a:rPr lang="en-US" sz="1200" b="1" i="1" dirty="0" smtClean="0"/>
+              <a:t>., 2013, 9 (10), </a:t>
+            </a:r>
+            <a:r>
+              <a:rPr lang="en-US" sz="1200" b="1" i="1" dirty="0" err="1" smtClean="0"/>
+              <a:t>pp</a:t>
+            </a:r>
+            <a:r>
+              <a:rPr lang="en-US" sz="1200" b="1" i="1" dirty="0" smtClean="0"/>
+              <a:t> 4421–4427</a:t>
+            </a:r>
+            <a:endParaRPr lang="en-US" sz="1200" b="1" i="1" dirty="0"/>
+          </a:p>
+        </p:txBody>
+      </p:sp>
+      <p:sp>
+        <p:nvSpPr>
+          <p:cNvPr id="6" name="TextBox 5"/>
           <p:cNvSpPr txBox="1"/>
           <p:nvPr/>
         </p:nvSpPr>
         <p:spPr>
           <a:xfrm>
-            <a:off x="228600" y="914400"/>
-            <a:ext cx="5867400" cy="2754600"/>
+            <a:off x="5229038" y="4244876"/>
+            <a:ext cx="3762562" cy="2308324"/>
           </a:xfrm>
           <a:prstGeom prst="rect">
             <a:avLst/>
@@ -13587,14 +13392,14 @@
           </a:bodyPr>
           <a:lstStyle/>
           <a:p>
-            <a:pPr>
-              <a:spcBef>
-                <a:spcPts val="600"/>
-              </a:spcBef>
-              <a:spcAft>
-                <a:spcPts val="600"/>
-              </a:spcAft>
-            </a:pPr>
+            <a:endParaRPr lang="en-US" sz="2400" dirty="0">
+              <a:solidFill>
+                <a:prstClr val="black"/>
+              </a:solidFill>
+              <a:latin typeface="Comic Sans MS" pitchFamily="66" charset="0"/>
+            </a:endParaRPr>
+          </a:p>
+          <a:p>
             <a:r>
               <a:rPr lang="en-US" sz="2400" dirty="0" smtClean="0">
                 <a:solidFill>
@@ -13602,16 +13407,7 @@
                 </a:solidFill>
                 <a:latin typeface="Comic Sans MS" pitchFamily="66" charset="0"/>
               </a:rPr>
-              <a:t>For </a:t>
-            </a:r>
-            <a:r>
-              <a:rPr lang="en-US" sz="2400" b="1" i="1" dirty="0" smtClean="0">
-                <a:solidFill>
-                  <a:prstClr val="black"/>
-                </a:solidFill>
-                <a:latin typeface="Comic Sans MS" pitchFamily="66" charset="0"/>
-              </a:rPr>
-              <a:t>extremely localized methods</a:t>
+              <a:t>Even f</a:t>
             </a:r>
             <a:r>
               <a:rPr lang="en-US" sz="2400" dirty="0" smtClean="0">
@@ -13620,14 +13416,19 @@
                 </a:solidFill>
                 <a:latin typeface="Comic Sans MS" pitchFamily="66" charset="0"/>
               </a:rPr>
-              <a:t>, like tight binding and pure DFT, the resulting Hamiltonian matrix can be very sparse:                 </a:t>
-            </a:r>
-          </a:p>
-          <a:p>
-            <a:pPr marL="342900" indent="-342900">
-              <a:buFont typeface="Arial" pitchFamily="34" charset="0"/>
-              <a:buChar char="•"/>
-            </a:pPr>
+              <a:t>or </a:t>
+            </a:r>
+            <a:r>
+              <a:rPr lang="en-US" sz="2400" dirty="0" smtClean="0">
+                <a:solidFill>
+                  <a:prstClr val="black"/>
+                </a:solidFill>
+                <a:latin typeface="Comic Sans MS" pitchFamily="66" charset="0"/>
+              </a:rPr>
+              <a:t>6-311G** 350 waters and 1d-8 error in a matrix element of </a:t>
+            </a:r>
+          </a:p>
+          <a:p>
             <a:r>
               <a:rPr lang="en-US" sz="2400" b="1" dirty="0" smtClean="0">
                 <a:solidFill>
@@ -13635,113 +13436,90 @@
                 </a:solidFill>
                 <a:latin typeface="Comic Sans MS" pitchFamily="66" charset="0"/>
               </a:rPr>
-              <a:t>Use conventional, sparse </a:t>
-            </a:r>
-            <a:r>
-              <a:rPr lang="en-US" sz="2400" b="1" dirty="0">
+              <a:t>S</a:t>
+            </a:r>
+            <a:r>
+              <a:rPr lang="en-US" sz="2400" baseline="30000" dirty="0" smtClean="0">
                 <a:solidFill>
                   <a:prstClr val="black"/>
                 </a:solidFill>
                 <a:latin typeface="Comic Sans MS" pitchFamily="66" charset="0"/>
               </a:rPr>
-              <a:t>linear </a:t>
-            </a:r>
-            <a:r>
-              <a:rPr lang="en-US" sz="2400" b="1" dirty="0" smtClean="0">
+              <a:t>-1/2</a:t>
+            </a:r>
+            <a:r>
+              <a:rPr lang="en-US" sz="2400" dirty="0" smtClean="0">
                 <a:solidFill>
                   <a:prstClr val="black"/>
                 </a:solidFill>
                 <a:latin typeface="Comic Sans MS" pitchFamily="66" charset="0"/>
               </a:rPr>
-              <a:t>algebra to </a:t>
-            </a:r>
-            <a:r>
-              <a:rPr lang="en-US" sz="2400" b="1" dirty="0">
+              <a:t>, we don’t begin to truncate until past 25Å!</a:t>
+            </a:r>
+          </a:p>
+        </p:txBody>
+      </p:sp>
+      <p:sp>
+        <p:nvSpPr>
+          <p:cNvPr id="7" name="Rectangle 6"/>
+          <p:cNvSpPr/>
+          <p:nvPr/>
+        </p:nvSpPr>
+        <p:spPr>
+          <a:xfrm rot="16200000">
+            <a:off x="-347634" y="3929034"/>
+            <a:ext cx="1217000" cy="369332"/>
+          </a:xfrm>
+          <a:prstGeom prst="rect">
+            <a:avLst/>
+          </a:prstGeom>
+          <a:solidFill>
+            <a:schemeClr val="bg1"/>
+          </a:solidFill>
+        </p:spPr>
+        <p:txBody>
+          <a:bodyPr wrap="none">
+            <a:spAutoFit/>
+          </a:bodyPr>
+          <a:lstStyle/>
+          <a:p>
+            <a:r>
+              <a:rPr lang="en-US" b="1" dirty="0" smtClean="0">
                 <a:solidFill>
                   <a:prstClr val="black"/>
                 </a:solidFill>
                 <a:latin typeface="Comic Sans MS" pitchFamily="66" charset="0"/>
               </a:rPr>
-              <a:t>achieve an </a:t>
-            </a:r>
-            <a:r>
-              <a:rPr lang="en-US" sz="2400" b="1" i="1" dirty="0">
+              <a:t>||S</a:t>
+            </a:r>
+            <a:r>
+              <a:rPr lang="en-US" baseline="30000" dirty="0" smtClean="0">
                 <a:solidFill>
                   <a:prstClr val="black"/>
                 </a:solidFill>
                 <a:latin typeface="Comic Sans MS" pitchFamily="66" charset="0"/>
               </a:rPr>
-              <a:t>O</a:t>
-            </a:r>
-            <a:r>
-              <a:rPr lang="en-US" sz="800" b="1" i="1" dirty="0">
+              <a:t>-1/2</a:t>
+            </a:r>
+            <a:r>
+              <a:rPr lang="en-US" dirty="0" smtClean="0">
                 <a:solidFill>
                   <a:prstClr val="black"/>
                 </a:solidFill>
                 <a:latin typeface="Comic Sans MS" pitchFamily="66" charset="0"/>
               </a:rPr>
-              <a:t> </a:t>
-            </a:r>
-            <a:r>
-              <a:rPr lang="en-US" sz="2400" b="1" dirty="0">
+              <a:t> ||</a:t>
+            </a:r>
+            <a:r>
+              <a:rPr lang="en-US" baseline="-25000" dirty="0" err="1" smtClean="0">
                 <a:solidFill>
                   <a:prstClr val="black"/>
                 </a:solidFill>
                 <a:latin typeface="Comic Sans MS" pitchFamily="66" charset="0"/>
               </a:rPr>
-              <a:t>(</a:t>
-            </a:r>
-            <a:r>
-              <a:rPr lang="en-US" sz="2400" b="1" i="1" dirty="0">
-                <a:solidFill>
-                  <a:prstClr val="black"/>
-                </a:solidFill>
-                <a:latin typeface="Comic Sans MS" pitchFamily="66" charset="0"/>
-              </a:rPr>
-              <a:t>N</a:t>
-            </a:r>
-            <a:r>
-              <a:rPr lang="en-US" sz="800" b="1" i="1" dirty="0">
-                <a:solidFill>
-                  <a:prstClr val="black"/>
-                </a:solidFill>
-                <a:latin typeface="Comic Sans MS" pitchFamily="66" charset="0"/>
-              </a:rPr>
-              <a:t> </a:t>
-            </a:r>
-            <a:r>
-              <a:rPr lang="en-US" sz="2400" b="1" dirty="0">
-                <a:solidFill>
-                  <a:prstClr val="black"/>
-                </a:solidFill>
-                <a:latin typeface="Comic Sans MS" pitchFamily="66" charset="0"/>
-              </a:rPr>
-              <a:t>) cost with </a:t>
-            </a:r>
-            <a:r>
-              <a:rPr lang="en-US" sz="2400" b="1" dirty="0" smtClean="0">
-                <a:solidFill>
-                  <a:prstClr val="black"/>
-                </a:solidFill>
-                <a:latin typeface="Comic Sans MS" pitchFamily="66" charset="0"/>
-              </a:rPr>
-              <a:t>size, </a:t>
-            </a:r>
-            <a:r>
-              <a:rPr lang="en-US" sz="2400" b="1" i="1" dirty="0" smtClean="0">
-                <a:solidFill>
-                  <a:prstClr val="black"/>
-                </a:solidFill>
-                <a:latin typeface="Comic Sans MS" pitchFamily="66" charset="0"/>
-              </a:rPr>
-              <a:t>N</a:t>
-            </a:r>
-            <a:endParaRPr lang="en-US" sz="2400" b="1" i="1" dirty="0">
-              <a:solidFill>
-                <a:prstClr val="black"/>
-              </a:solidFill>
-              <a:latin typeface="Comic Sans MS" pitchFamily="66" charset="0"/>
-            </a:endParaRPr>
+              <a:t>ij</a:t>
+            </a:r>
+            <a:endParaRPr lang="en-US" baseline="-25000" dirty="0"/>
           </a:p>
         </p:txBody>
       </p:sp>
@@ -13754,136 +13532,57 @@
           <p:nvPr/>
         </p:nvPicPr>
         <p:blipFill rotWithShape="1">
-          <a:blip r:embed="rId4" cstate="print">
+          <a:blip r:embed="rId3">
             <a:extLst>
               <a:ext uri="{28A0092B-C50C-407E-A947-70E740481C1C}">
                 <a14:useLocalDpi xmlns:a14="http://schemas.microsoft.com/office/drawing/2010/main" val="0"/>
               </a:ext>
             </a:extLst>
           </a:blip>
-          <a:srcRect l="329" t="13070" r="56728" b="253"/>
+          <a:srcRect l="16280" t="18149" r="24264" b="9535"/>
           <a:stretch/>
         </p:blipFill>
         <p:spPr>
           <a:xfrm>
-            <a:off x="381000" y="3657600"/>
-            <a:ext cx="1941564" cy="2743200"/>
+            <a:off x="5303520" y="2006600"/>
+            <a:ext cx="1554480" cy="2513593"/>
           </a:xfrm>
           <a:prstGeom prst="rect">
             <a:avLst/>
           </a:prstGeom>
         </p:spPr>
       </p:pic>
-      <p:cxnSp>
-        <p:nvCxnSpPr>
-          <p:cNvPr id="10" name="Straight Connector 9"/>
-          <p:cNvCxnSpPr/>
-          <p:nvPr/>
-        </p:nvCxnSpPr>
-        <p:spPr>
-          <a:xfrm>
-            <a:off x="1447800" y="4191000"/>
-            <a:ext cx="0" cy="2209800"/>
-          </a:xfrm>
-          <a:prstGeom prst="line">
-            <a:avLst/>
-          </a:prstGeom>
-          <a:ln w="38100">
-            <a:solidFill>
-              <a:schemeClr val="tx1"/>
-            </a:solidFill>
-          </a:ln>
-        </p:spPr>
-        <p:style>
-          <a:lnRef idx="1">
-            <a:schemeClr val="accent1"/>
-          </a:lnRef>
-          <a:fillRef idx="0">
-            <a:schemeClr val="accent1"/>
-          </a:fillRef>
-          <a:effectRef idx="0">
-            <a:schemeClr val="accent1"/>
-          </a:effectRef>
-          <a:fontRef idx="minor">
-            <a:schemeClr val="tx1"/>
-          </a:fontRef>
-        </p:style>
-      </p:cxnSp>
-      <p:cxnSp>
-        <p:nvCxnSpPr>
-          <p:cNvPr id="14" name="Straight Connector 13"/>
-          <p:cNvCxnSpPr/>
-          <p:nvPr/>
-        </p:nvCxnSpPr>
-        <p:spPr>
-          <a:xfrm>
-            <a:off x="1143000" y="5181600"/>
-            <a:ext cx="1752600" cy="0"/>
-          </a:xfrm>
-          <a:prstGeom prst="line">
-            <a:avLst/>
-          </a:prstGeom>
-          <a:ln w="38100">
-            <a:solidFill>
-              <a:schemeClr val="tx1"/>
-            </a:solidFill>
-          </a:ln>
-        </p:spPr>
-        <p:style>
-          <a:lnRef idx="1">
-            <a:schemeClr val="accent1"/>
-          </a:lnRef>
-          <a:fillRef idx="0">
-            <a:schemeClr val="accent1"/>
-          </a:fillRef>
-          <a:effectRef idx="0">
-            <a:schemeClr val="accent1"/>
-          </a:effectRef>
-          <a:fontRef idx="minor">
-            <a:schemeClr val="tx1"/>
-          </a:fontRef>
-        </p:style>
-      </p:cxnSp>
       <p:sp>
         <p:nvSpPr>
-          <p:cNvPr id="15" name="TextBox 14"/>
-          <p:cNvSpPr txBox="1"/>
+          <p:cNvPr id="9" name="Rectangle 8"/>
+          <p:cNvSpPr/>
           <p:nvPr/>
         </p:nvSpPr>
         <p:spPr>
           <a:xfrm>
-            <a:off x="1436752" y="6153090"/>
-            <a:ext cx="2220848" cy="400110"/>
+            <a:off x="7023421" y="2427982"/>
+            <a:ext cx="2120579" cy="584775"/>
           </a:xfrm>
           <a:prstGeom prst="rect">
             <a:avLst/>
           </a:prstGeom>
-          <a:noFill/>
         </p:spPr>
         <p:txBody>
-          <a:bodyPr wrap="square" rtlCol="0">
+          <a:bodyPr wrap="square">
             <a:spAutoFit/>
           </a:bodyPr>
           <a:lstStyle/>
           <a:p>
-            <a:pPr>
-              <a:spcBef>
-                <a:spcPts val="600"/>
-              </a:spcBef>
-              <a:spcAft>
-                <a:spcPts val="600"/>
-              </a:spcAft>
-            </a:pPr>
-            <a:r>
-              <a:rPr lang="en-US" sz="2000" b="1" dirty="0" smtClean="0">
+            <a:r>
+              <a:rPr lang="en-US" sz="3200" dirty="0" smtClean="0">
                 <a:solidFill>
                   <a:prstClr val="black"/>
                 </a:solidFill>
                 <a:latin typeface="Comic Sans MS" pitchFamily="66" charset="0"/>
               </a:rPr>
-              <a:t>Radial Cutoff</a:t>
-            </a:r>
-            <a:endParaRPr lang="en-US" sz="2000" b="1" dirty="0">
+              <a:t>Whoa … </a:t>
+            </a:r>
+            <a:endParaRPr lang="en-US" sz="3200" dirty="0">
               <a:solidFill>
                 <a:prstClr val="black"/>
               </a:solidFill>
@@ -13892,226 +13591,10 @@
           </a:p>
         </p:txBody>
       </p:sp>
-      <p:sp>
-        <p:nvSpPr>
-          <p:cNvPr id="16" name="TextBox 15"/>
-          <p:cNvSpPr txBox="1"/>
-          <p:nvPr/>
-        </p:nvSpPr>
-        <p:spPr>
-          <a:xfrm>
-            <a:off x="2427352" y="4835258"/>
-            <a:ext cx="2220848" cy="707886"/>
-          </a:xfrm>
-          <a:prstGeom prst="rect">
-            <a:avLst/>
-          </a:prstGeom>
-          <a:noFill/>
-        </p:spPr>
-        <p:txBody>
-          <a:bodyPr wrap="square" rtlCol="0">
-            <a:spAutoFit/>
-          </a:bodyPr>
-          <a:lstStyle/>
-          <a:p>
-            <a:pPr>
-              <a:spcBef>
-                <a:spcPts val="600"/>
-              </a:spcBef>
-              <a:spcAft>
-                <a:spcPts val="600"/>
-              </a:spcAft>
-            </a:pPr>
-            <a:r>
-              <a:rPr lang="en-US" sz="2000" b="1" dirty="0" smtClean="0">
-                <a:solidFill>
-                  <a:prstClr val="black"/>
-                </a:solidFill>
-                <a:latin typeface="Comic Sans MS" pitchFamily="66" charset="0"/>
-              </a:rPr>
-              <a:t>Numerical Threshold </a:t>
-            </a:r>
-            <a:endParaRPr lang="en-US" sz="2000" b="1" dirty="0">
-              <a:solidFill>
-                <a:prstClr val="black"/>
-              </a:solidFill>
-              <a:latin typeface="Comic Sans MS" pitchFamily="66" charset="0"/>
-            </a:endParaRPr>
-          </a:p>
-        </p:txBody>
-      </p:sp>
-      <p:sp>
-        <p:nvSpPr>
-          <p:cNvPr id="17" name="TextBox 16"/>
-          <p:cNvSpPr txBox="1"/>
-          <p:nvPr/>
-        </p:nvSpPr>
-        <p:spPr>
-          <a:xfrm>
-            <a:off x="4038600" y="4230231"/>
-            <a:ext cx="5268848" cy="2246769"/>
-          </a:xfrm>
-          <a:prstGeom prst="rect">
-            <a:avLst/>
-          </a:prstGeom>
-          <a:noFill/>
-        </p:spPr>
-        <p:txBody>
-          <a:bodyPr wrap="square" rtlCol="0">
-            <a:spAutoFit/>
-          </a:bodyPr>
-          <a:lstStyle/>
-          <a:p>
-            <a:pPr>
-              <a:spcBef>
-                <a:spcPts val="600"/>
-              </a:spcBef>
-              <a:spcAft>
-                <a:spcPts val="600"/>
-              </a:spcAft>
-            </a:pPr>
-            <a:r>
-              <a:rPr lang="en-US" sz="2400" dirty="0" smtClean="0">
-                <a:solidFill>
-                  <a:prstClr val="black"/>
-                </a:solidFill>
-                <a:latin typeface="Comic Sans MS" pitchFamily="66" charset="0"/>
-              </a:rPr>
-              <a:t>Two ways to achieve </a:t>
-            </a:r>
-            <a:r>
-              <a:rPr lang="en-US" sz="2400" dirty="0" err="1" smtClean="0">
-                <a:solidFill>
-                  <a:prstClr val="black"/>
-                </a:solidFill>
-                <a:latin typeface="Comic Sans MS" pitchFamily="66" charset="0"/>
-              </a:rPr>
-              <a:t>sparsity</a:t>
-            </a:r>
-            <a:r>
-              <a:rPr lang="en-US" sz="2400" dirty="0" smtClean="0">
-                <a:solidFill>
-                  <a:prstClr val="black"/>
-                </a:solidFill>
-                <a:latin typeface="Comic Sans MS" pitchFamily="66" charset="0"/>
-              </a:rPr>
-              <a:t>:</a:t>
-            </a:r>
-          </a:p>
-          <a:p>
-            <a:pPr marL="342900" indent="-342900">
-              <a:spcBef>
-                <a:spcPts val="600"/>
-              </a:spcBef>
-              <a:spcAft>
-                <a:spcPts val="600"/>
-              </a:spcAft>
-              <a:buFont typeface="Arial" pitchFamily="34" charset="0"/>
-              <a:buChar char="•"/>
-            </a:pPr>
-            <a:r>
-              <a:rPr lang="en-US" sz="2400" b="1" dirty="0" smtClean="0">
-                <a:solidFill>
-                  <a:prstClr val="black"/>
-                </a:solidFill>
-                <a:latin typeface="Comic Sans MS" pitchFamily="66" charset="0"/>
-              </a:rPr>
-              <a:t>Zero elements w/separation greater than radial cutoff</a:t>
-            </a:r>
-          </a:p>
-          <a:p>
-            <a:pPr marL="342900" indent="-342900">
-              <a:spcBef>
-                <a:spcPts val="600"/>
-              </a:spcBef>
-              <a:spcAft>
-                <a:spcPts val="600"/>
-              </a:spcAft>
-              <a:buFont typeface="Arial" pitchFamily="34" charset="0"/>
-              <a:buChar char="•"/>
-            </a:pPr>
-            <a:r>
-              <a:rPr lang="en-US" sz="2400" b="1" dirty="0" smtClean="0">
-                <a:solidFill>
-                  <a:prstClr val="black"/>
-                </a:solidFill>
-                <a:latin typeface="Comic Sans MS" pitchFamily="66" charset="0"/>
-              </a:rPr>
-              <a:t>Zero elements smaller than numerical threshold </a:t>
-            </a:r>
-            <a:endParaRPr lang="en-US" sz="2400" b="1" dirty="0">
-              <a:solidFill>
-                <a:prstClr val="black"/>
-              </a:solidFill>
-              <a:latin typeface="Comic Sans MS" pitchFamily="66" charset="0"/>
-            </a:endParaRPr>
-          </a:p>
-        </p:txBody>
-      </p:sp>
-      <p:pic>
-        <p:nvPicPr>
-          <p:cNvPr id="18" name="Picture 17"/>
-          <p:cNvPicPr>
-            <a:picLocks noChangeAspect="1"/>
-          </p:cNvPicPr>
-          <p:nvPr/>
-        </p:nvPicPr>
-        <p:blipFill>
-          <a:blip r:embed="rId5" cstate="print">
-            <a:extLst>
-              <a:ext uri="{28A0092B-C50C-407E-A947-70E740481C1C}">
-                <a14:useLocalDpi xmlns:a14="http://schemas.microsoft.com/office/drawing/2010/main" val="0"/>
-              </a:ext>
-            </a:extLst>
-          </a:blip>
-          <a:stretch>
-            <a:fillRect/>
-          </a:stretch>
-        </p:blipFill>
-        <p:spPr>
-          <a:xfrm>
-            <a:off x="7635240" y="1644247"/>
-            <a:ext cx="1280160" cy="1479953"/>
-          </a:xfrm>
-          <a:prstGeom prst="rect">
-            <a:avLst/>
-          </a:prstGeom>
-        </p:spPr>
-      </p:pic>
-      <p:pic>
-        <p:nvPicPr>
-          <p:cNvPr id="2" name="Picture 1"/>
-          <p:cNvPicPr>
-            <a:picLocks noChangeAspect="1"/>
-          </p:cNvPicPr>
-          <p:nvPr/>
-        </p:nvPicPr>
-        <p:blipFill>
-          <a:blip r:embed="rId6" cstate="print">
-            <a:extLst>
-              <a:ext uri="{28A0092B-C50C-407E-A947-70E740481C1C}">
-                <a14:useLocalDpi xmlns:a14="http://schemas.microsoft.com/office/drawing/2010/main" val="0"/>
-              </a:ext>
-            </a:extLst>
-          </a:blip>
-          <a:stretch>
-            <a:fillRect/>
-          </a:stretch>
-        </p:blipFill>
-        <p:spPr>
-          <a:xfrm>
-            <a:off x="6827520" y="842179"/>
-            <a:ext cx="2011680" cy="758021"/>
-          </a:xfrm>
-          <a:prstGeom prst="rect">
-            <a:avLst/>
-          </a:prstGeom>
-        </p:spPr>
-      </p:pic>
     </p:spTree>
     <p:extLst>
       <p:ext uri="{BB962C8B-B14F-4D97-AF65-F5344CB8AC3E}">
-        <p14:creationId xmlns:p14="http://schemas.microsoft.com/office/powerpoint/2010/main" val="3717172050"/>
+        <p14:creationId xmlns:p14="http://schemas.microsoft.com/office/powerpoint/2010/main" val="2184531446"/>
       </p:ext>
     </p:extLst>
   </p:cSld>
@@ -14154,7 +13637,7 @@
         <p:spPr>
           <a:xfrm>
             <a:off x="304800" y="1374378"/>
-            <a:ext cx="8534400" cy="11884422"/>
+            <a:ext cx="8534400" cy="4823515"/>
           </a:xfrm>
           <a:prstGeom prst="rect">
             <a:avLst/>
@@ -14169,469 +13652,151 @@
           </a:bodyPr>
           <a:lstStyle/>
           <a:p>
-            <a:r>
-              <a:rPr lang="en-US" sz="2200" dirty="0" smtClean="0">
+            <a:pPr>
+              <a:spcBef>
+                <a:spcPts val="600"/>
+              </a:spcBef>
+              <a:spcAft>
+                <a:spcPts val="600"/>
+              </a:spcAft>
+            </a:pPr>
+            <a:r>
+              <a:rPr lang="en-US" sz="2400" dirty="0" smtClean="0">
                 <a:latin typeface="+mj-lt"/>
                 <a:cs typeface="Times New Roman" pitchFamily="18" charset="0"/>
               </a:rPr>
               <a:t>From bond-breaking to</a:t>
             </a:r>
             <a:r>
-              <a:rPr lang="en-US" sz="2200" dirty="0">
+              <a:rPr lang="en-US" sz="2400" dirty="0">
                 <a:latin typeface="+mj-lt"/>
                 <a:cs typeface="Times New Roman" pitchFamily="18" charset="0"/>
               </a:rPr>
               <a:t> </a:t>
             </a:r>
             <a:r>
-              <a:rPr lang="en-US" sz="2200" dirty="0" smtClean="0">
+              <a:rPr lang="en-US" sz="2400" dirty="0" smtClean="0">
                 <a:latin typeface="+mj-lt"/>
                 <a:cs typeface="Times New Roman" pitchFamily="18" charset="0"/>
               </a:rPr>
-              <a:t>long-range </a:t>
-            </a:r>
-            <a:r>
-              <a:rPr lang="en-US" sz="2200" dirty="0" smtClean="0">
+              <a:t>long-range entanglement</a:t>
+            </a:r>
+            <a:r>
+              <a:rPr lang="en-US" sz="2400" dirty="0" smtClean="0">
                 <a:latin typeface="+mj-lt"/>
                 <a:cs typeface="Times New Roman" pitchFamily="18" charset="0"/>
               </a:rPr>
-              <a:t>entanglement, the interesting chemistry and technologically </a:t>
-            </a:r>
-            <a:r>
-              <a:rPr lang="en-US" sz="2200" dirty="0" smtClean="0">
+              <a:t>, interesting chemistries </a:t>
+            </a:r>
+            <a:r>
+              <a:rPr lang="en-US" sz="2400" dirty="0" smtClean="0">
                 <a:latin typeface="+mj-lt"/>
                 <a:cs typeface="Times New Roman" pitchFamily="18" charset="0"/>
               </a:rPr>
-              <a:t>important properties emerge from long-range, strong-correlation </a:t>
-            </a:r>
-            <a:r>
-              <a:rPr lang="en-US" sz="2200" dirty="0" smtClean="0">
-                <a:latin typeface="+mj-lt"/>
-                <a:cs typeface="Times New Roman" pitchFamily="18" charset="0"/>
-              </a:rPr>
-              <a:t>effects.    </a:t>
-            </a:r>
+              <a:t>and technologically important properties emerge from long-range, strong-correlation effects.    </a:t>
+            </a:r>
+          </a:p>
+          <a:p>
+            <a:pPr>
+              <a:spcBef>
+                <a:spcPts val="600"/>
+              </a:spcBef>
+              <a:spcAft>
+                <a:spcPts val="600"/>
+              </a:spcAft>
+            </a:pPr>
+            <a:endParaRPr lang="en-US" sz="2200" dirty="0">
+              <a:latin typeface="+mj-lt"/>
+              <a:cs typeface="Times New Roman" pitchFamily="18" charset="0"/>
+            </a:endParaRPr>
+          </a:p>
+          <a:p>
+            <a:pPr>
+              <a:spcBef>
+                <a:spcPts val="600"/>
+              </a:spcBef>
+              <a:spcAft>
+                <a:spcPts val="600"/>
+              </a:spcAft>
+            </a:pPr>
             <a:endParaRPr lang="en-US" sz="2200" dirty="0" smtClean="0">
               <a:latin typeface="+mj-lt"/>
               <a:cs typeface="Times New Roman" pitchFamily="18" charset="0"/>
             </a:endParaRPr>
           </a:p>
           <a:p>
+            <a:pPr>
+              <a:spcBef>
+                <a:spcPts val="600"/>
+              </a:spcBef>
+              <a:spcAft>
+                <a:spcPts val="600"/>
+              </a:spcAft>
+            </a:pPr>
+            <a:endParaRPr lang="en-US" sz="2200" dirty="0" smtClean="0">
+              <a:latin typeface="+mj-lt"/>
+              <a:cs typeface="Times New Roman" pitchFamily="18" charset="0"/>
+            </a:endParaRPr>
+          </a:p>
+          <a:p>
+            <a:pPr>
+              <a:spcBef>
+                <a:spcPts val="600"/>
+              </a:spcBef>
+              <a:spcAft>
+                <a:spcPts val="600"/>
+              </a:spcAft>
+            </a:pPr>
             <a:endParaRPr lang="en-US" sz="2200" dirty="0">
               <a:latin typeface="+mj-lt"/>
               <a:cs typeface="Times New Roman" pitchFamily="18" charset="0"/>
             </a:endParaRPr>
           </a:p>
           <a:p>
-            <a:r>
-              <a:rPr lang="en-US" sz="2200" dirty="0" smtClean="0">
-                <a:latin typeface="+mj-lt"/>
-                <a:cs typeface="Times New Roman" pitchFamily="18" charset="0"/>
-              </a:rPr>
-              <a:t>These long range effects involve slow decay due to metric (basis) and gap </a:t>
-            </a:r>
-            <a:r>
-              <a:rPr lang="en-US" sz="2200" dirty="0" smtClean="0">
-                <a:latin typeface="+mj-lt"/>
-                <a:cs typeface="Times New Roman" pitchFamily="18" charset="0"/>
-              </a:rPr>
-              <a:t>ill-conditioning</a:t>
-            </a:r>
-            <a:r>
-              <a:rPr lang="en-US" sz="2200" dirty="0">
-                <a:latin typeface="+mj-lt"/>
-                <a:cs typeface="Times New Roman" pitchFamily="18" charset="0"/>
-              </a:rPr>
-              <a:t> </a:t>
-            </a:r>
-            <a:r>
-              <a:rPr lang="en-US" sz="2200" dirty="0" smtClean="0">
-                <a:latin typeface="+mj-lt"/>
-                <a:cs typeface="Times New Roman" pitchFamily="18" charset="0"/>
-              </a:rPr>
-              <a:t>that preclude sparse matrix methods. </a:t>
-            </a:r>
+            <a:pPr>
+              <a:spcBef>
+                <a:spcPts val="600"/>
+              </a:spcBef>
+              <a:spcAft>
+                <a:spcPts val="600"/>
+              </a:spcAft>
+            </a:pPr>
             <a:endParaRPr lang="en-US" sz="2200" dirty="0" smtClean="0">
               <a:latin typeface="+mj-lt"/>
               <a:cs typeface="Times New Roman" pitchFamily="18" charset="0"/>
             </a:endParaRPr>
           </a:p>
           <a:p>
-            <a:endParaRPr lang="en-US" sz="2200" dirty="0">
-              <a:latin typeface="+mj-lt"/>
-              <a:cs typeface="Times New Roman" pitchFamily="18" charset="0"/>
-            </a:endParaRPr>
-          </a:p>
-          <a:p>
-            <a:endParaRPr lang="en-US" sz="2200" dirty="0" smtClean="0">
-              <a:latin typeface="+mj-lt"/>
-              <a:cs typeface="Times New Roman" pitchFamily="18" charset="0"/>
-            </a:endParaRPr>
-          </a:p>
-          <a:p>
-            <a:endParaRPr lang="en-US" sz="2200" dirty="0">
-              <a:latin typeface="+mj-lt"/>
-              <a:cs typeface="Times New Roman" pitchFamily="18" charset="0"/>
-            </a:endParaRPr>
-          </a:p>
-          <a:p>
-            <a:endParaRPr lang="en-US" sz="2200" dirty="0" smtClean="0">
-              <a:latin typeface="+mj-lt"/>
-              <a:cs typeface="Times New Roman" pitchFamily="18" charset="0"/>
-            </a:endParaRPr>
-          </a:p>
-          <a:p>
-            <a:endParaRPr lang="en-US" sz="2200" dirty="0">
-              <a:latin typeface="+mj-lt"/>
-              <a:cs typeface="Times New Roman" pitchFamily="18" charset="0"/>
-            </a:endParaRPr>
-          </a:p>
-          <a:p>
-            <a:r>
-              <a:rPr lang="en-US" sz="2200" dirty="0" smtClean="0">
+            <a:pPr>
+              <a:spcBef>
+                <a:spcPts val="600"/>
+              </a:spcBef>
+              <a:spcAft>
+                <a:spcPts val="600"/>
+              </a:spcAft>
+            </a:pPr>
+            <a:r>
+              <a:rPr lang="en-US" sz="2200" b="1" dirty="0" smtClean="0">
                 <a:latin typeface="+mj-lt"/>
                 <a:cs typeface="Times New Roman" pitchFamily="18" charset="0"/>
               </a:rPr>
-              <a:t>Most interesting and technologically important problems involve strong electron correlation, which is a long-range, delocalized quantum effect. </a:t>
-            </a:r>
-          </a:p>
-          <a:p>
-            <a:endParaRPr lang="en-US" sz="2200" dirty="0" smtClean="0">
-              <a:latin typeface="+mj-lt"/>
-              <a:cs typeface="Times New Roman" pitchFamily="18" charset="0"/>
-            </a:endParaRPr>
-          </a:p>
-          <a:p>
-            <a:endParaRPr lang="en-US" sz="2200" dirty="0">
-              <a:latin typeface="+mj-lt"/>
-              <a:cs typeface="Times New Roman" pitchFamily="18" charset="0"/>
-            </a:endParaRPr>
-          </a:p>
-          <a:p>
-            <a:endParaRPr lang="en-US" sz="2200" dirty="0">
-              <a:latin typeface="+mj-lt"/>
-              <a:cs typeface="Times New Roman" pitchFamily="18" charset="0"/>
-            </a:endParaRPr>
-          </a:p>
-          <a:p>
-            <a:r>
-              <a:rPr lang="en-US" sz="2200" dirty="0" smtClean="0">
+              <a:t>As an alternative to sparse matrix methods, we develop the linear algebra of matrices with decay as an </a:t>
+            </a:r>
+            <a:r>
+              <a:rPr lang="en-US" sz="2200" b="1" i="1" dirty="0" smtClean="0">
                 <a:latin typeface="+mj-lt"/>
                 <a:cs typeface="Times New Roman" pitchFamily="18" charset="0"/>
               </a:rPr>
-              <a:t>Vacancy </a:t>
-            </a:r>
-            <a:r>
-              <a:rPr lang="en-US" sz="2200" dirty="0">
+              <a:t>n</a:t>
+            </a:r>
+            <a:r>
+              <a:rPr lang="en-US" sz="2200" b="1" dirty="0" smtClean="0">
                 <a:latin typeface="+mj-lt"/>
                 <a:cs typeface="Times New Roman" pitchFamily="18" charset="0"/>
               </a:rPr>
-              <a:t>defects control insulator-to-metal transition in </a:t>
-            </a:r>
-            <a:r>
-              <a:rPr lang="en-US" sz="2200" dirty="0" err="1">
-                <a:latin typeface="+mj-lt"/>
-                <a:cs typeface="Times New Roman" pitchFamily="18" charset="0"/>
-              </a:rPr>
-              <a:t>Perovskites</a:t>
-            </a:r>
-            <a:r>
-              <a:rPr lang="en-US" sz="2200" dirty="0">
-                <a:latin typeface="+mj-lt"/>
-                <a:cs typeface="Times New Roman" pitchFamily="18" charset="0"/>
-              </a:rPr>
-              <a:t>:</a:t>
-            </a:r>
-          </a:p>
-          <a:p>
-            <a:pPr marL="311045" indent="-311045">
-              <a:spcBef>
-                <a:spcPts val="544"/>
-              </a:spcBef>
-              <a:spcAft>
-                <a:spcPts val="544"/>
-              </a:spcAft>
-              <a:buFont typeface="Wingdings" pitchFamily="2" charset="2"/>
-              <a:buChar char="ü"/>
-            </a:pPr>
-            <a:r>
-              <a:rPr lang="en-US" sz="2000" dirty="0">
-                <a:latin typeface="+mj-lt"/>
-                <a:cs typeface="Times New Roman" pitchFamily="18" charset="0"/>
-              </a:rPr>
-              <a:t>Field induced switching of conductance</a:t>
-            </a:r>
-          </a:p>
-          <a:p>
-            <a:pPr marL="311045" indent="-311045">
-              <a:spcBef>
-                <a:spcPts val="544"/>
-              </a:spcBef>
-              <a:spcAft>
-                <a:spcPts val="544"/>
-              </a:spcAft>
-              <a:buFont typeface="Wingdings" pitchFamily="2" charset="2"/>
-              <a:buChar char="ü"/>
-            </a:pPr>
-            <a:r>
-              <a:rPr lang="en-US" sz="2000" i="1" dirty="0">
-                <a:latin typeface="+mj-lt"/>
-                <a:cs typeface="Times New Roman" pitchFamily="18" charset="0"/>
-              </a:rPr>
-              <a:t>Self-healing of induced vacancy defect</a:t>
-            </a:r>
-            <a:r>
-              <a:rPr lang="en-US" sz="2000" dirty="0">
-                <a:latin typeface="+mj-lt"/>
-                <a:cs typeface="Times New Roman" pitchFamily="18" charset="0"/>
-              </a:rPr>
-              <a:t>s</a:t>
-            </a:r>
-          </a:p>
-          <a:p>
-            <a:pPr marL="311045" indent="-311045">
-              <a:spcBef>
-                <a:spcPts val="544"/>
-              </a:spcBef>
-              <a:spcAft>
-                <a:spcPts val="544"/>
-              </a:spcAft>
-              <a:buFont typeface="Wingdings" pitchFamily="2" charset="2"/>
-              <a:buChar char="ü"/>
-            </a:pPr>
-            <a:r>
-              <a:rPr lang="en-US" sz="2000" dirty="0">
-                <a:latin typeface="+mj-lt"/>
-                <a:cs typeface="Times New Roman" pitchFamily="18" charset="0"/>
-              </a:rPr>
-              <a:t>Resistance Change Memory</a:t>
-            </a:r>
-          </a:p>
-          <a:p>
-            <a:pPr>
-              <a:spcBef>
-                <a:spcPts val="544"/>
-              </a:spcBef>
-              <a:spcAft>
-                <a:spcPts val="544"/>
-              </a:spcAft>
-            </a:pPr>
-            <a:r>
-              <a:rPr lang="en-US" sz="2200" dirty="0">
-                <a:latin typeface="+mj-lt"/>
-                <a:cs typeface="Times New Roman" pitchFamily="18" charset="0"/>
-              </a:rPr>
-              <a:t>Exchange &amp; correlation holes control onset of metallization: </a:t>
-            </a:r>
-          </a:p>
-          <a:p>
-            <a:pPr marL="311045" indent="-311045">
-              <a:spcBef>
-                <a:spcPts val="544"/>
-              </a:spcBef>
-              <a:spcAft>
-                <a:spcPts val="544"/>
-              </a:spcAft>
-              <a:buFont typeface="Arial" pitchFamily="34" charset="0"/>
-              <a:buChar char="•"/>
-            </a:pPr>
-            <a:r>
-              <a:rPr lang="en-US" sz="2000" dirty="0">
-                <a:latin typeface="+mj-lt"/>
-                <a:cs typeface="Times New Roman" pitchFamily="18" charset="0"/>
-              </a:rPr>
-              <a:t>Vacancies create strong, static correlations delocalized over many centers </a:t>
-            </a:r>
-          </a:p>
-          <a:p>
-            <a:pPr marL="311045" indent="-311045">
-              <a:spcBef>
-                <a:spcPts val="544"/>
-              </a:spcBef>
-              <a:spcAft>
-                <a:spcPts val="544"/>
-              </a:spcAft>
-              <a:buFont typeface="Arial" pitchFamily="34" charset="0"/>
-              <a:buChar char="•"/>
-            </a:pPr>
-            <a:r>
-              <a:rPr lang="en-US" sz="2000" dirty="0">
-                <a:latin typeface="+mj-lt"/>
-                <a:cs typeface="Times New Roman" pitchFamily="18" charset="0"/>
-              </a:rPr>
-              <a:t>Only now, </a:t>
-            </a:r>
-            <a:r>
-              <a:rPr lang="en-US" sz="2000" dirty="0" err="1">
-                <a:latin typeface="+mj-lt"/>
-                <a:cs typeface="Times New Roman" pitchFamily="18" charset="0"/>
-              </a:rPr>
-              <a:t>functionals</a:t>
-            </a:r>
-            <a:r>
-              <a:rPr lang="en-US" sz="2000" dirty="0">
-                <a:latin typeface="+mj-lt"/>
-                <a:cs typeface="Times New Roman" pitchFamily="18" charset="0"/>
-              </a:rPr>
-              <a:t> based on long-ranged </a:t>
-            </a:r>
-            <a:r>
-              <a:rPr lang="en-US" sz="2000" dirty="0" err="1">
-                <a:latin typeface="+mj-lt"/>
-                <a:cs typeface="Times New Roman" pitchFamily="18" charset="0"/>
-              </a:rPr>
-              <a:t>Fock</a:t>
-            </a:r>
-            <a:r>
-              <a:rPr lang="en-US" sz="2000" dirty="0">
-                <a:latin typeface="+mj-lt"/>
-                <a:cs typeface="Times New Roman" pitchFamily="18" charset="0"/>
-              </a:rPr>
-              <a:t> exchange (range separated &amp; B13strong) can start to explain</a:t>
-            </a:r>
-          </a:p>
-          <a:p>
-            <a:pPr marL="311045" indent="-311045">
-              <a:spcBef>
-                <a:spcPts val="544"/>
-              </a:spcBef>
-              <a:spcAft>
-                <a:spcPts val="544"/>
-              </a:spcAft>
-              <a:buFont typeface="Arial" pitchFamily="34" charset="0"/>
-              <a:buChar char="•"/>
-            </a:pPr>
-            <a:endParaRPr lang="en-US" sz="400" dirty="0">
-              <a:latin typeface="+mj-lt"/>
-              <a:cs typeface="Times New Roman" pitchFamily="18" charset="0"/>
-            </a:endParaRPr>
-          </a:p>
-          <a:p>
-            <a:r>
-              <a:rPr lang="en-US" sz="2200" dirty="0">
-                <a:latin typeface="+mj-lt"/>
-                <a:cs typeface="Times New Roman" pitchFamily="18" charset="0"/>
-              </a:rPr>
-              <a:t>Towards the metallic edge, fast </a:t>
-            </a:r>
-          </a:p>
-          <a:p>
-            <a:r>
-              <a:rPr lang="en-US" sz="2200" i="1" dirty="0">
-                <a:latin typeface="+mj-lt"/>
-                <a:cs typeface="Times New Roman" pitchFamily="18" charset="0"/>
-              </a:rPr>
-              <a:t>N</a:t>
-            </a:r>
-            <a:r>
-              <a:rPr lang="en-US" sz="2200" dirty="0">
-                <a:latin typeface="+mj-lt"/>
-                <a:cs typeface="Times New Roman" pitchFamily="18" charset="0"/>
-              </a:rPr>
-              <a:t>-Body solvers for slow decay: </a:t>
-            </a:r>
-          </a:p>
-          <a:p>
-            <a:endParaRPr lang="en-US" sz="700" dirty="0">
-              <a:latin typeface="+mj-lt"/>
-              <a:cs typeface="Times New Roman" pitchFamily="18" charset="0"/>
-            </a:endParaRPr>
-          </a:p>
-          <a:p>
-            <a:pPr marL="311045" indent="-311045">
-              <a:buFont typeface="Arial" pitchFamily="34" charset="0"/>
-              <a:buChar char="•"/>
-            </a:pPr>
-            <a:r>
-              <a:rPr lang="en-US" sz="2000" dirty="0" err="1">
-                <a:latin typeface="+mj-lt"/>
-                <a:cs typeface="Courier New" pitchFamily="49" charset="0"/>
-              </a:rPr>
-              <a:t>SpAMM</a:t>
-            </a:r>
-            <a:r>
-              <a:rPr lang="en-US" sz="2000" dirty="0">
-                <a:latin typeface="+mj-lt"/>
-                <a:cs typeface="Times New Roman" pitchFamily="18" charset="0"/>
-              </a:rPr>
-              <a:t>  solver for insulator/metal </a:t>
-            </a:r>
-          </a:p>
-          <a:p>
-            <a:r>
-              <a:rPr lang="en-US" sz="2000" dirty="0">
-                <a:latin typeface="+mj-lt"/>
-                <a:cs typeface="Times New Roman" pitchFamily="18" charset="0"/>
-              </a:rPr>
-              <a:t>transition in CNTs by LDA/</a:t>
-            </a:r>
-            <a:r>
-              <a:rPr lang="en-US" sz="2000" dirty="0" err="1">
-                <a:latin typeface="+mj-lt"/>
-                <a:cs typeface="Times New Roman" pitchFamily="18" charset="0"/>
-              </a:rPr>
-              <a:t>Fock</a:t>
-            </a:r>
-            <a:r>
-              <a:rPr lang="en-US" sz="2000" dirty="0">
-                <a:latin typeface="+mj-lt"/>
-                <a:cs typeface="Times New Roman" pitchFamily="18" charset="0"/>
-              </a:rPr>
-              <a:t> mixing</a:t>
-            </a:r>
-          </a:p>
-          <a:p>
-            <a:endParaRPr lang="en-US" sz="700" dirty="0">
-              <a:latin typeface="+mj-lt"/>
-              <a:cs typeface="Times New Roman" pitchFamily="18" charset="0"/>
-            </a:endParaRPr>
-          </a:p>
-          <a:p>
-            <a:pPr marL="311045" indent="-311045">
-              <a:buFont typeface="Arial" pitchFamily="34" charset="0"/>
-              <a:buChar char="•"/>
-            </a:pPr>
-            <a:r>
-              <a:rPr lang="en-US" sz="2000" dirty="0">
-                <a:latin typeface="+mj-lt"/>
-                <a:cs typeface="Times New Roman" pitchFamily="18" charset="0"/>
-              </a:rPr>
-              <a:t>Kernel compression for metallic </a:t>
-            </a:r>
-          </a:p>
-          <a:p>
-            <a:r>
-              <a:rPr lang="en-US" sz="2000" dirty="0">
-                <a:latin typeface="+mj-lt"/>
-                <a:cs typeface="Times New Roman" pitchFamily="18" charset="0"/>
-              </a:rPr>
-              <a:t>problems with oscillatory/algebraic decay  </a:t>
-            </a:r>
-          </a:p>
-          <a:p>
-            <a:pPr>
-              <a:spcBef>
-                <a:spcPts val="544"/>
-              </a:spcBef>
-              <a:spcAft>
-                <a:spcPts val="544"/>
-              </a:spcAft>
-            </a:pPr>
-            <a:endParaRPr lang="en-US" dirty="0">
-              <a:latin typeface="+mj-lt"/>
-              <a:cs typeface="Times New Roman" pitchFamily="18" charset="0"/>
-            </a:endParaRPr>
-          </a:p>
-          <a:p>
-            <a:pPr>
-              <a:spcBef>
-                <a:spcPts val="544"/>
-              </a:spcBef>
-              <a:spcAft>
-                <a:spcPts val="544"/>
-              </a:spcAft>
-            </a:pPr>
-            <a:endParaRPr lang="en-US" sz="2000" dirty="0">
+              <a:t>-body problem, targeting fast methods for problems with slow exponential or algebraic decay.</a:t>
+            </a:r>
+            <a:endParaRPr lang="en-US" sz="2200" b="1" dirty="0">
               <a:latin typeface="+mj-lt"/>
               <a:cs typeface="Times New Roman" pitchFamily="18" charset="0"/>
             </a:endParaRPr>
@@ -14646,7 +13811,7 @@
         </p:nvSpPr>
         <p:spPr>
           <a:xfrm>
-            <a:off x="662088" y="235526"/>
+            <a:off x="357288" y="235526"/>
             <a:ext cx="8024712" cy="1136074"/>
           </a:xfrm>
           <a:prstGeom prst="rect">
@@ -14661,7 +13826,13 @@
               <a:rPr lang="en-US" sz="3200" b="1" dirty="0" smtClean="0">
                 <a:latin typeface="Comic Sans MS" pitchFamily="66" charset="0"/>
               </a:rPr>
-              <a:t>Real Wave-Functions Have Extent:</a:t>
+              <a:t>Real Wave-Functions </a:t>
+            </a:r>
+            <a:r>
+              <a:rPr lang="en-US" sz="3200" b="1" dirty="0" smtClean="0">
+                <a:latin typeface="Comic Sans MS" pitchFamily="66" charset="0"/>
+              </a:rPr>
+              <a:t>Have Extent:</a:t>
             </a:r>
           </a:p>
           <a:p>
@@ -14721,183 +13892,173 @@
         </p:blipFill>
         <p:spPr>
           <a:xfrm>
-            <a:off x="-2606040" y="4212529"/>
-            <a:ext cx="2834640" cy="2340671"/>
+            <a:off x="5867400" y="2209800"/>
+            <a:ext cx="3017520" cy="2491683"/>
           </a:xfrm>
           <a:prstGeom prst="rect">
             <a:avLst/>
           </a:prstGeom>
         </p:spPr>
       </p:pic>
-      <p:pic>
-        <p:nvPicPr>
-          <p:cNvPr id="7" name="Picture 6"/>
-          <p:cNvPicPr>
-            <a:picLocks noChangeAspect="1"/>
-          </p:cNvPicPr>
-          <p:nvPr/>
-        </p:nvPicPr>
-        <p:blipFill>
-          <a:blip r:embed="rId3" cstate="print">
-            <a:extLst>
-              <a:ext uri="{28A0092B-C50C-407E-A947-70E740481C1C}">
-                <a14:useLocalDpi xmlns:a14="http://schemas.microsoft.com/office/drawing/2010/main" val="0"/>
-              </a:ext>
-            </a:extLst>
-          </a:blip>
-          <a:stretch>
-            <a:fillRect/>
-          </a:stretch>
-        </p:blipFill>
-        <p:spPr>
-          <a:xfrm>
-            <a:off x="7162800" y="3581400"/>
-            <a:ext cx="4572000" cy="3200400"/>
-          </a:xfrm>
-          <a:prstGeom prst="rect">
-            <a:avLst/>
-          </a:prstGeom>
-        </p:spPr>
-      </p:pic>
-      <p:sp>
-        <p:nvSpPr>
-          <p:cNvPr id="8" name="Rectangle 7"/>
-          <p:cNvSpPr/>
-          <p:nvPr/>
-        </p:nvSpPr>
-        <p:spPr>
-          <a:xfrm>
-            <a:off x="8610600" y="3581400"/>
-            <a:ext cx="3124199" cy="1219200"/>
-          </a:xfrm>
-          <a:prstGeom prst="rect">
-            <a:avLst/>
-          </a:prstGeom>
-          <a:solidFill>
-            <a:schemeClr val="bg1"/>
-          </a:solidFill>
-          <a:ln>
-            <a:solidFill>
-              <a:schemeClr val="bg1"/>
-            </a:solidFill>
-          </a:ln>
-        </p:spPr>
-        <p:style>
-          <a:lnRef idx="2">
-            <a:schemeClr val="accent1">
-              <a:shade val="50000"/>
-            </a:schemeClr>
-          </a:lnRef>
-          <a:fillRef idx="1">
-            <a:schemeClr val="accent1"/>
-          </a:fillRef>
-          <a:effectRef idx="0">
-            <a:schemeClr val="accent1"/>
-          </a:effectRef>
-          <a:fontRef idx="minor">
-            <a:schemeClr val="lt1"/>
-          </a:fontRef>
-        </p:style>
-        <p:txBody>
-          <a:bodyPr rtlCol="0" anchor="ctr"/>
-          <a:lstStyle/>
-          <a:p>
-            <a:pPr algn="ctr"/>
-            <a:endParaRPr lang="en-US"/>
-          </a:p>
-        </p:txBody>
-      </p:sp>
-      <p:sp>
-        <p:nvSpPr>
-          <p:cNvPr id="9" name="TextBox 8"/>
-          <p:cNvSpPr txBox="1"/>
-          <p:nvPr/>
-        </p:nvSpPr>
-        <p:spPr>
-          <a:xfrm>
-            <a:off x="8316877" y="3581400"/>
-            <a:ext cx="3365024" cy="1015663"/>
-          </a:xfrm>
-          <a:prstGeom prst="rect">
-            <a:avLst/>
-          </a:prstGeom>
-          <a:solidFill>
-            <a:schemeClr val="bg1"/>
-          </a:solidFill>
-        </p:spPr>
-        <p:txBody>
-          <a:bodyPr wrap="none" rtlCol="0">
-            <a:spAutoFit/>
-          </a:bodyPr>
-          <a:lstStyle/>
-          <a:p>
-            <a:r>
-              <a:rPr lang="en-US" sz="2000" b="1" i="1" dirty="0">
-                <a:solidFill>
-                  <a:srgbClr val="FF0000"/>
-                </a:solidFill>
-                <a:latin typeface="Comic Sans MS" pitchFamily="66" charset="0"/>
-              </a:rPr>
-              <a:t>b</a:t>
-            </a:r>
-            <a:r>
-              <a:rPr lang="en-US" sz="2000" b="1" i="1" dirty="0" smtClean="0">
-                <a:solidFill>
-                  <a:srgbClr val="FF0000"/>
-                </a:solidFill>
-                <a:latin typeface="Comic Sans MS" pitchFamily="66" charset="0"/>
-              </a:rPr>
-              <a:t>ulk water</a:t>
-            </a:r>
-          </a:p>
-          <a:p>
-            <a:r>
-              <a:rPr lang="en-US" sz="2000" b="1" i="1" dirty="0">
-                <a:solidFill>
-                  <a:srgbClr val="FFC000"/>
-                </a:solidFill>
-                <a:latin typeface="Comic Sans MS" pitchFamily="66" charset="0"/>
-              </a:rPr>
-              <a:t>s</a:t>
-            </a:r>
-            <a:r>
-              <a:rPr lang="en-US" sz="2000" b="1" i="1" dirty="0" smtClean="0">
-                <a:solidFill>
-                  <a:srgbClr val="FFC000"/>
-                </a:solidFill>
-                <a:latin typeface="Comic Sans MS" pitchFamily="66" charset="0"/>
-              </a:rPr>
-              <a:t>emi-conducting nanotube</a:t>
-            </a:r>
-          </a:p>
-          <a:p>
-            <a:r>
-              <a:rPr lang="en-US" sz="2000" b="1" i="1" dirty="0">
-                <a:solidFill>
-                  <a:srgbClr val="0070C0"/>
-                </a:solidFill>
-                <a:latin typeface="Comic Sans MS" pitchFamily="66" charset="0"/>
-              </a:rPr>
-              <a:t>m</a:t>
-            </a:r>
-            <a:r>
-              <a:rPr lang="en-US" sz="2000" b="1" i="1" dirty="0" smtClean="0">
-                <a:solidFill>
-                  <a:srgbClr val="0070C0"/>
-                </a:solidFill>
-                <a:latin typeface="Comic Sans MS" pitchFamily="66" charset="0"/>
-              </a:rPr>
-              <a:t>etallic nanotube</a:t>
-            </a:r>
-            <a:endParaRPr lang="en-US" sz="2000" b="1" dirty="0">
-              <a:solidFill>
-                <a:srgbClr val="0070C0"/>
-              </a:solidFill>
-              <a:latin typeface="Comic Sans MS" pitchFamily="66" charset="0"/>
-            </a:endParaRPr>
-          </a:p>
-        </p:txBody>
-      </p:sp>
+      <mc:AlternateContent xmlns:mc="http://schemas.openxmlformats.org/markup-compatibility/2006">
+        <mc:Choice xmlns:a14="http://schemas.microsoft.com/office/drawing/2010/main" Requires="a14">
+          <p:sp>
+            <p:nvSpPr>
+              <p:cNvPr id="2" name="Rectangle 1"/>
+              <p:cNvSpPr/>
+              <p:nvPr/>
+            </p:nvSpPr>
+            <p:spPr>
+              <a:xfrm>
+                <a:off x="345440" y="2641600"/>
+                <a:ext cx="5943600" cy="2308324"/>
+              </a:xfrm>
+              <a:prstGeom prst="rect">
+                <a:avLst/>
+              </a:prstGeom>
+            </p:spPr>
+            <p:txBody>
+              <a:bodyPr wrap="square">
+                <a:spAutoFit/>
+              </a:bodyPr>
+              <a:lstStyle/>
+              <a:p>
+                <a:r>
+                  <a:rPr lang="en-US" sz="2400" dirty="0" smtClean="0">
+                    <a:cs typeface="Times New Roman" pitchFamily="18" charset="0"/>
+                  </a:rPr>
+                  <a:t>These long range effects involve slow decay due to metric (basis) and gap ill-conditioning that preclude sparse matrix methods.   Examples include </a:t>
+                </a:r>
+                <a:r>
+                  <a:rPr lang="en-US" sz="2400" dirty="0">
+                    <a:cs typeface="Times New Roman" pitchFamily="18" charset="0"/>
+                  </a:rPr>
+                  <a:t>gap and metric ill-conditioning in the 3,3 nanotube.  We attack </a:t>
+                </a:r>
+                <a:r>
+                  <a:rPr lang="en-US" sz="2400" dirty="0" smtClean="0">
+                    <a:cs typeface="Times New Roman" pitchFamily="18" charset="0"/>
+                  </a:rPr>
+                  <a:t>an example nanotube with </a:t>
+                </a:r>
+                <a14:m>
+                  <m:oMath xmlns:m="http://schemas.openxmlformats.org/officeDocument/2006/math">
+                    <m:r>
+                      <a:rPr lang="en-US" sz="2400" i="1">
+                        <a:latin typeface="Cambria Math"/>
+                        <a:ea typeface="Cambria Math"/>
+                      </a:rPr>
+                      <m:t>𝞳</m:t>
+                    </m:r>
+                    <m:d>
+                      <m:dPr>
+                        <m:ctrlPr>
+                          <a:rPr lang="en-US" sz="2400" i="1">
+                            <a:latin typeface="Cambria Math"/>
+                            <a:ea typeface="Cambria Math"/>
+                          </a:rPr>
+                        </m:ctrlPr>
+                      </m:dPr>
+                      <m:e>
+                        <m:r>
+                          <a:rPr lang="en-US" sz="2400" i="1">
+                            <a:latin typeface="Cambria Math"/>
+                            <a:ea typeface="Cambria Math"/>
+                          </a:rPr>
+                          <m:t>𝑠</m:t>
+                        </m:r>
+                      </m:e>
+                    </m:d>
+                    <m:r>
+                      <a:rPr lang="en-US" sz="2400" i="1">
+                        <a:latin typeface="Cambria Math"/>
+                        <a:ea typeface="Cambria Math"/>
+                      </a:rPr>
+                      <m:t>=</m:t>
+                    </m:r>
+                    <m:sSup>
+                      <m:sSupPr>
+                        <m:ctrlPr>
+                          <a:rPr lang="en-US" sz="2400" i="1">
+                            <a:latin typeface="Cambria Math"/>
+                            <a:ea typeface="Cambria Math"/>
+                          </a:rPr>
+                        </m:ctrlPr>
+                      </m:sSupPr>
+                      <m:e>
+                        <m:r>
+                          <a:rPr lang="en-US" sz="2400" i="1">
+                            <a:latin typeface="Cambria Math"/>
+                            <a:ea typeface="Cambria Math"/>
+                          </a:rPr>
+                          <m:t>10</m:t>
+                        </m:r>
+                      </m:e>
+                      <m:sup>
+                        <m:r>
+                          <a:rPr lang="en-US" sz="2400" i="1">
+                            <a:latin typeface="Cambria Math"/>
+                            <a:ea typeface="Cambria Math"/>
+                          </a:rPr>
+                          <m:t>11</m:t>
+                        </m:r>
+                      </m:sup>
+                    </m:sSup>
+                    <m:r>
+                      <a:rPr lang="en-US" sz="2400" b="0" i="0" smtClean="0">
+                        <a:latin typeface="Cambria Math"/>
+                        <a:ea typeface="Cambria Math"/>
+                      </a:rPr>
+                      <m:t>!</m:t>
+                    </m:r>
+                  </m:oMath>
+                </a14:m>
+                <a:endParaRPr lang="en-US" sz="2400" dirty="0">
+                  <a:cs typeface="Times New Roman" pitchFamily="18" charset="0"/>
+                </a:endParaRPr>
+              </a:p>
+            </p:txBody>
+          </p:sp>
+        </mc:Choice>
+        <mc:Fallback>
+          <p:sp>
+            <p:nvSpPr>
+              <p:cNvPr id="2" name="Rectangle 1"/>
+              <p:cNvSpPr>
+                <a:spLocks noRot="1" noChangeAspect="1" noMove="1" noResize="1" noEditPoints="1" noAdjustHandles="1" noChangeArrowheads="1" noChangeShapeType="1" noTextEdit="1"/>
+              </p:cNvSpPr>
+              <p:nvPr/>
+            </p:nvSpPr>
+            <p:spPr>
+              <a:xfrm>
+                <a:off x="345440" y="2641600"/>
+                <a:ext cx="5943600" cy="2308324"/>
+              </a:xfrm>
+              <a:prstGeom prst="rect">
+                <a:avLst/>
+              </a:prstGeom>
+              <a:blipFill rotWithShape="1">
+                <a:blip r:embed="rId3"/>
+                <a:stretch>
+                  <a:fillRect l="-1641" t="-2111" b="-5013"/>
+                </a:stretch>
+              </a:blipFill>
+            </p:spPr>
+            <p:txBody>
+              <a:bodyPr/>
+              <a:lstStyle/>
+              <a:p>
+                <a:r>
+                  <a:rPr lang="en-US">
+                    <a:noFill/>
+                  </a:rPr>
+                  <a:t> </a:t>
+                </a:r>
+              </a:p>
+            </p:txBody>
+          </p:sp>
+        </mc:Fallback>
+      </mc:AlternateContent>
     </p:spTree>
     <p:extLst>
       <p:ext uri="{BB962C8B-B14F-4D97-AF65-F5344CB8AC3E}">
@@ -14986,14 +14147,20 @@
               </a:spcAft>
             </a:pPr>
             <a:r>
-              <a:rPr lang="en-US" sz="3200" b="1" i="1" dirty="0" smtClean="0"/>
+              <a:rPr lang="en-US" sz="3200" b="1" i="1" dirty="0" smtClean="0">
+                <a:latin typeface="Comic Sans MS" pitchFamily="66" charset="0"/>
+              </a:rPr>
               <a:t>N</a:t>
             </a:r>
             <a:r>
-              <a:rPr lang="en-US" sz="3200" b="1" dirty="0" smtClean="0"/>
+              <a:rPr lang="en-US" sz="3200" b="1" dirty="0" smtClean="0">
+                <a:latin typeface="Comic Sans MS" pitchFamily="66" charset="0"/>
+              </a:rPr>
               <a:t>-Body Solvers in the Information, Physical &amp; Computer Sciences</a:t>
             </a:r>
-            <a:endParaRPr lang="en-US" sz="3200" b="1" dirty="0"/>
+            <a:endParaRPr lang="en-US" sz="3200" b="1" dirty="0">
+              <a:latin typeface="Comic Sans MS" pitchFamily="66" charset="0"/>
+            </a:endParaRPr>
           </a:p>
           <a:p>
             <a:pPr marL="457200" indent="-457200">
@@ -15043,12 +14210,12 @@
               <a:t> </a:t>
             </a:r>
             <a:r>
-              <a:rPr lang="en-US" sz="2400" u="sng" dirty="0"/>
-              <a:t>E</a:t>
+              <a:rPr lang="en-US" sz="2400" dirty="0" smtClean="0"/>
+              <a:t> </a:t>
             </a:r>
             <a:r>
               <a:rPr lang="en-US" sz="2400" u="sng" dirty="0" smtClean="0"/>
-              <a:t>xamples</a:t>
+              <a:t>Examples</a:t>
             </a:r>
             <a:r>
               <a:rPr lang="en-US" sz="2400" dirty="0" smtClean="0"/>
@@ -15088,11 +14255,19 @@
             </a:r>
             <a:r>
               <a:rPr lang="en-US" sz="2400" b="1" i="1" dirty="0" smtClean="0"/>
-              <a:t>generic N-Body </a:t>
+              <a:t>generic </a:t>
+            </a:r>
+            <a:r>
+              <a:rPr lang="en-US" sz="2400" b="1" i="1" dirty="0" smtClean="0"/>
+              <a:t>n-body </a:t>
             </a:r>
             <a:r>
               <a:rPr lang="en-US" sz="2400" dirty="0" smtClean="0"/>
-              <a:t>model has been extended to a vast number of fast, pairwise (kernel) summation techniques in the information sciences.  </a:t>
+              <a:t>model has been extended to a vast number of fast, pairwise (kernel) summation techniques in the information sciences. </a:t>
+            </a:r>
+            <a:r>
+              <a:rPr lang="en-US" sz="2400" dirty="0" smtClean="0"/>
+              <a:t>  </a:t>
             </a:r>
             <a:r>
               <a:rPr lang="en-US" sz="2400" u="sng" dirty="0" smtClean="0"/>
@@ -15138,11 +14313,15 @@
             </a:r>
             <a:r>
               <a:rPr lang="en-US" sz="2400" i="1" dirty="0" smtClean="0"/>
-              <a:t>N</a:t>
+              <a:t>n</a:t>
             </a:r>
             <a:r>
               <a:rPr lang="en-US" sz="2400" dirty="0" smtClean="0"/>
-              <a:t>-Body problem may be developed with the formal properties of </a:t>
+              <a:t>-body </a:t>
+            </a:r>
+            <a:r>
+              <a:rPr lang="en-US" sz="2400" dirty="0" smtClean="0"/>
+              <a:t>problem may be developed with the formal properties of </a:t>
             </a:r>
             <a:r>
               <a:rPr lang="en-US" sz="2400" b="1" i="1" dirty="0" err="1" smtClean="0"/>
@@ -15166,7 +14345,11 @@
             </a:r>
             <a:r>
               <a:rPr lang="en-US" sz="2400" dirty="0" smtClean="0"/>
-              <a:t>.  </a:t>
+              <a:t>. </a:t>
+            </a:r>
+            <a:r>
+              <a:rPr lang="en-US" sz="2400" dirty="0" smtClean="0"/>
+              <a:t>  </a:t>
             </a:r>
             <a:r>
               <a:rPr lang="en-US" sz="2400" u="sng" dirty="0" smtClean="0"/>
@@ -16034,8 +15217,8 @@
         </p:nvSpPr>
         <p:spPr>
           <a:xfrm>
-            <a:off x="196052" y="142240"/>
-            <a:ext cx="9222268" cy="553998"/>
+            <a:off x="192281" y="152400"/>
+            <a:ext cx="8361584" cy="553998"/>
           </a:xfrm>
           <a:prstGeom prst="rect">
             <a:avLst/>
@@ -16049,18 +15232,38 @@
           <a:lstStyle/>
           <a:p>
             <a:r>
-              <a:rPr lang="en-US" sz="3000" b="1" dirty="0" smtClean="0"/>
-              <a:t>Generalized Solver </a:t>
-            </a:r>
-            <a:r>
-              <a:rPr lang="en-US" sz="3000" b="1" dirty="0" err="1" smtClean="0"/>
-              <a:t>Ecosytems</a:t>
-            </a:r>
-            <a:r>
-              <a:rPr lang="en-US" sz="3000" b="1" dirty="0" smtClean="0"/>
-              <a:t> for Physics and Inference </a:t>
-            </a:r>
-            <a:endParaRPr lang="en-US" sz="3000" b="1" dirty="0"/>
+              <a:rPr lang="en-US" sz="3000" b="1" dirty="0" smtClean="0">
+                <a:latin typeface="Comic Sans MS" pitchFamily="66" charset="0"/>
+              </a:rPr>
+              <a:t>A Generalized </a:t>
+            </a:r>
+            <a:r>
+              <a:rPr lang="en-US" sz="3000" b="1" dirty="0" err="1" smtClean="0">
+                <a:latin typeface="Comic Sans MS" pitchFamily="66" charset="0"/>
+              </a:rPr>
+              <a:t>Ecosytem</a:t>
+            </a:r>
+            <a:r>
+              <a:rPr lang="en-US" sz="3000" b="1" dirty="0" smtClean="0">
+                <a:latin typeface="Comic Sans MS" pitchFamily="66" charset="0"/>
+              </a:rPr>
+              <a:t> of </a:t>
+            </a:r>
+            <a:r>
+              <a:rPr lang="en-US" sz="3000" b="1" i="1" dirty="0" smtClean="0">
+                <a:latin typeface="Comic Sans MS" pitchFamily="66" charset="0"/>
+              </a:rPr>
+              <a:t>N</a:t>
+            </a:r>
+            <a:r>
+              <a:rPr lang="en-US" sz="3000" b="1" dirty="0" smtClean="0">
+                <a:latin typeface="Comic Sans MS" pitchFamily="66" charset="0"/>
+              </a:rPr>
+              <a:t>-Body Solvers</a:t>
+            </a:r>
+            <a:endParaRPr lang="en-US" sz="3000" b="1" dirty="0">
+              <a:latin typeface="Comic Sans MS" pitchFamily="66" charset="0"/>
+            </a:endParaRPr>
           </a:p>
         </p:txBody>
       </p:sp>
@@ -16127,7 +15330,7 @@
         </p:blipFill>
         <p:spPr>
           <a:xfrm>
-            <a:off x="304800" y="4114800"/>
+            <a:off x="381000" y="4038600"/>
             <a:ext cx="4572000" cy="2311737"/>
           </a:xfrm>
           <a:prstGeom prst="rect">
@@ -16201,7 +15404,7 @@
         </p:nvSpPr>
         <p:spPr>
           <a:xfrm>
-            <a:off x="4845608" y="774700"/>
+            <a:off x="4883708" y="838200"/>
             <a:ext cx="3803092" cy="369332"/>
           </a:xfrm>
           <a:prstGeom prst="rect">
@@ -16250,8 +15453,8 @@
         </p:nvSpPr>
         <p:spPr>
           <a:xfrm>
-            <a:off x="342900" y="1155700"/>
-            <a:ext cx="8623300" cy="1569660"/>
+            <a:off x="165100" y="1173540"/>
+            <a:ext cx="8801100" cy="1569660"/>
           </a:xfrm>
           <a:prstGeom prst="rect">
             <a:avLst/>
@@ -16277,7 +15480,7 @@
                 <a:solidFill>
                   <a:prstClr val="black"/>
                 </a:solidFill>
-                <a:latin typeface="Courier New" pitchFamily="49" charset="0"/>
+                <a:latin typeface="+mj-lt"/>
                 <a:cs typeface="Courier New" pitchFamily="49" charset="0"/>
               </a:rPr>
               <a:t>SpAMM</a:t>
@@ -16287,7 +15490,7 @@
                 <a:solidFill>
                   <a:prstClr val="black"/>
                 </a:solidFill>
-                <a:latin typeface="Comic Sans MS" pitchFamily="66" charset="0"/>
+                <a:latin typeface="+mj-lt"/>
               </a:rPr>
               <a:t> is a fast kernel for multiplication of matrices with </a:t>
             </a:r>
@@ -16296,7 +15499,7 @@
                 <a:solidFill>
                   <a:prstClr val="black"/>
                 </a:solidFill>
-                <a:latin typeface="Comic Sans MS" pitchFamily="66" charset="0"/>
+                <a:latin typeface="+mj-lt"/>
               </a:rPr>
               <a:t>decay &amp; locality. </a:t>
             </a:r>
@@ -16305,7 +15508,7 @@
                 <a:solidFill>
                   <a:prstClr val="black"/>
                 </a:solidFill>
-                <a:latin typeface="Comic Sans MS" pitchFamily="66" charset="0"/>
+                <a:latin typeface="+mj-lt"/>
               </a:rPr>
               <a:t>Employs decorated </a:t>
             </a:r>
@@ -16314,7 +15517,7 @@
                 <a:solidFill>
                   <a:prstClr val="black"/>
                 </a:solidFill>
-                <a:latin typeface="Comic Sans MS" pitchFamily="66" charset="0"/>
+                <a:latin typeface="+mj-lt"/>
               </a:rPr>
               <a:t>quadtrees</a:t>
             </a:r>
@@ -16323,16 +15526,25 @@
                 <a:solidFill>
                   <a:prstClr val="black"/>
                 </a:solidFill>
-                <a:latin typeface="Comic Sans MS" pitchFamily="66" charset="0"/>
-              </a:rPr>
-              <a:t>, rigorous sub-multiplicative norms, recursive occlusion and culling in the product space (</a:t>
+                <a:latin typeface="+mj-lt"/>
+              </a:rPr>
+              <a:t>, rigorous sub-multiplicative norms, recursive occlusion and culling in the product space </a:t>
+            </a:r>
+            <a:r>
+              <a:rPr lang="en-US" sz="2400" dirty="0" smtClean="0">
+                <a:solidFill>
+                  <a:prstClr val="black"/>
+                </a:solidFill>
+                <a:latin typeface="+mj-lt"/>
+              </a:rPr>
+              <a:t>(an </a:t>
             </a:r>
             <a:r>
               <a:rPr lang="en-US" sz="2400" dirty="0" err="1" smtClean="0">
                 <a:solidFill>
                   <a:prstClr val="black"/>
                 </a:solidFill>
-                <a:latin typeface="Comic Sans MS" pitchFamily="66" charset="0"/>
+                <a:latin typeface="+mj-lt"/>
               </a:rPr>
               <a:t>octree</a:t>
             </a:r>
@@ -16341,16 +15553,34 @@
                 <a:solidFill>
                   <a:prstClr val="black"/>
                 </a:solidFill>
-                <a:latin typeface="Comic Sans MS" pitchFamily="66" charset="0"/>
-              </a:rPr>
-              <a:t> metric query)</a:t>
+                <a:latin typeface="+mj-lt"/>
+              </a:rPr>
+              <a:t> </a:t>
+            </a:r>
+            <a:r>
+              <a:rPr lang="en-US" sz="2400" dirty="0" smtClean="0">
+                <a:solidFill>
+                  <a:prstClr val="black"/>
+                </a:solidFill>
+                <a:latin typeface="+mj-lt"/>
+              </a:rPr>
+              <a:t>metric </a:t>
+            </a:r>
+            <a:r>
+              <a:rPr lang="en-US" sz="2400" dirty="0" smtClean="0">
+                <a:solidFill>
+                  <a:prstClr val="black"/>
+                </a:solidFill>
+                <a:latin typeface="+mj-lt"/>
+              </a:rPr>
+              <a:t>query on norms)</a:t>
             </a:r>
             <a:r>
               <a:rPr lang="en-US" sz="2400" b="1" i="1" dirty="0" smtClean="0">
                 <a:solidFill>
                   <a:prstClr val="black"/>
                 </a:solidFill>
-                <a:latin typeface="Comic Sans MS" pitchFamily="66" charset="0"/>
+                <a:latin typeface="+mj-lt"/>
               </a:rPr>
               <a:t>.</a:t>
             </a:r>
@@ -16358,7 +15588,7 @@
               <a:solidFill>
                 <a:prstClr val="black"/>
               </a:solidFill>
-              <a:latin typeface="Comic Sans MS" pitchFamily="66" charset="0"/>
+              <a:latin typeface="+mj-lt"/>
             </a:endParaRPr>
           </a:p>
         </p:txBody>
@@ -16402,7 +15632,7 @@
         <p:spPr>
           <a:xfrm>
             <a:off x="4953000" y="4155519"/>
-            <a:ext cx="4343400" cy="2092881"/>
+            <a:ext cx="4013200" cy="2092881"/>
           </a:xfrm>
           <a:prstGeom prst="rect">
             <a:avLst/>
@@ -16417,31 +15647,120 @@
           <a:p>
             <a:r>
               <a:rPr lang="en-US" sz="2600" dirty="0" smtClean="0">
-                <a:latin typeface="Comic Sans MS" pitchFamily="66" charset="0"/>
+                <a:latin typeface="+mj-lt"/>
               </a:rPr>
               <a:t>Fast occlusion </a:t>
             </a:r>
             <a:r>
               <a:rPr lang="en-US" sz="2600" dirty="0">
-                <a:latin typeface="Comic Sans MS" pitchFamily="66" charset="0"/>
+                <a:latin typeface="+mj-lt"/>
               </a:rPr>
               <a:t>and culling </a:t>
             </a:r>
             <a:r>
               <a:rPr lang="en-US" sz="2600" dirty="0" smtClean="0">
-                <a:latin typeface="Comic Sans MS" pitchFamily="66" charset="0"/>
-              </a:rPr>
-              <a:t>in the product space for matrices with </a:t>
-            </a:r>
-          </a:p>
-          <a:p>
+                <a:latin typeface="+mj-lt"/>
+              </a:rPr>
+              <a:t>in the product space for matrices </a:t>
+            </a:r>
             <a:r>
               <a:rPr lang="en-US" sz="2600" dirty="0" smtClean="0">
-                <a:latin typeface="Comic Sans MS" pitchFamily="66" charset="0"/>
-              </a:rPr>
-              <a:t>A) exponential and           B) algebraic decay </a:t>
-            </a:r>
-            <a:endParaRPr lang="en-US" sz="2600" dirty="0"/>
+                <a:latin typeface="+mj-lt"/>
+              </a:rPr>
+              <a:t>with: </a:t>
+            </a:r>
+            <a:endParaRPr lang="en-US" sz="2600" dirty="0" smtClean="0">
+              <a:latin typeface="+mj-lt"/>
+            </a:endParaRPr>
+          </a:p>
+          <a:p>
+            <a:r>
+              <a:rPr lang="en-US" sz="2600" dirty="0" smtClean="0">
+                <a:latin typeface="+mj-lt"/>
+              </a:rPr>
+              <a:t>A) exponential </a:t>
+            </a:r>
+            <a:r>
+              <a:rPr lang="en-US" sz="2600" dirty="0" smtClean="0">
+                <a:latin typeface="+mj-lt"/>
+              </a:rPr>
+              <a:t>decay and           </a:t>
+            </a:r>
+            <a:r>
+              <a:rPr lang="en-US" sz="2600" dirty="0" smtClean="0">
+                <a:latin typeface="+mj-lt"/>
+              </a:rPr>
+              <a:t>B) </a:t>
+            </a:r>
+            <a:r>
+              <a:rPr lang="en-US" sz="2600" dirty="0" smtClean="0">
+                <a:latin typeface="+mj-lt"/>
+              </a:rPr>
+              <a:t>algebraic </a:t>
+            </a:r>
+            <a:r>
+              <a:rPr lang="en-US" sz="2600" dirty="0" smtClean="0">
+                <a:latin typeface="+mj-lt"/>
+              </a:rPr>
+              <a:t>decay </a:t>
+            </a:r>
+            <a:endParaRPr lang="en-US" sz="2600" dirty="0">
+              <a:latin typeface="+mj-lt"/>
+            </a:endParaRPr>
+          </a:p>
+        </p:txBody>
+      </p:sp>
+      <p:sp>
+        <p:nvSpPr>
+          <p:cNvPr id="2" name="Right Arrow 1"/>
+          <p:cNvSpPr/>
+          <p:nvPr/>
+        </p:nvSpPr>
+        <p:spPr>
+          <a:xfrm>
+            <a:off x="990600" y="5867400"/>
+            <a:ext cx="3156305" cy="762000"/>
+          </a:xfrm>
+          <a:prstGeom prst="rightArrow">
+            <a:avLst/>
+          </a:prstGeom>
+        </p:spPr>
+        <p:style>
+          <a:lnRef idx="1">
+            <a:schemeClr val="accent3"/>
+          </a:lnRef>
+          <a:fillRef idx="2">
+            <a:schemeClr val="accent3"/>
+          </a:fillRef>
+          <a:effectRef idx="1">
+            <a:schemeClr val="accent3"/>
+          </a:effectRef>
+          <a:fontRef idx="minor">
+            <a:schemeClr val="dk1"/>
+          </a:fontRef>
+        </p:style>
+        <p:txBody>
+          <a:bodyPr rtlCol="0" anchor="ctr"/>
+          <a:lstStyle/>
+          <a:p>
+            <a:pPr algn="ctr"/>
+            <a:r>
+              <a:rPr lang="en-US" dirty="0"/>
+              <a:t>s</a:t>
+            </a:r>
+            <a:r>
+              <a:rPr lang="en-US" dirty="0" smtClean="0"/>
+              <a:t>lower decay, still </a:t>
+            </a:r>
+            <a:r>
+              <a:rPr lang="en-US" i="1" dirty="0" smtClean="0"/>
+              <a:t>n</a:t>
+            </a:r>
+            <a:r>
+              <a:rPr lang="en-US" dirty="0" smtClean="0"/>
+              <a:t>-body</a:t>
+            </a:r>
+            <a:endParaRPr lang="en-US" dirty="0"/>
           </a:p>
         </p:txBody>
       </p:sp>
@@ -17257,7 +16576,11 @@
                 </a:r>
                 <a:r>
                   <a:rPr lang="en-US" sz="2200" dirty="0" smtClean="0"/>
-                  <a:t> approximation is:</a:t>
+                  <a:t> </a:t>
+                </a:r>
+                <a:r>
+                  <a:rPr lang="en-US" sz="2200" dirty="0" smtClean="0"/>
+                  <a:t>approximation:</a:t>
                 </a:r>
                 <a:endParaRPr lang="en-US" sz="2200" dirty="0"/>
               </a:p>
@@ -17353,13 +16676,7 @@
               <a:rPr lang="en-US" sz="3200" b="1" dirty="0" smtClean="0">
                 <a:latin typeface="Comic Sans MS" pitchFamily="66" charset="0"/>
               </a:rPr>
-              <a:t> </a:t>
-            </a:r>
-            <a:r>
-              <a:rPr lang="en-US" sz="3200" b="1" dirty="0" smtClean="0">
-                <a:latin typeface="Comic Sans MS" pitchFamily="66" charset="0"/>
-              </a:rPr>
-              <a:t>(the Metric Problem)</a:t>
+              <a:t> (the Metric Problem)</a:t>
             </a:r>
             <a:endParaRPr lang="en-US" sz="3200" b="1" dirty="0">
               <a:latin typeface="Comic Sans MS" pitchFamily="66" charset="0"/>
@@ -18099,32 +17416,11 @@
                       </m:e>
                       <m:sup>
                         <m:r>
-                          <a:rPr lang="en-US" sz="2400" b="1" i="1" smtClean="0">
+                          <a:rPr lang="en-US" sz="2400" b="0" i="1" smtClean="0">
                             <a:latin typeface="Cambria Math"/>
                             <a:ea typeface="Cambria Math"/>
                           </a:rPr>
-                          <m:t>−</m:t>
-                        </m:r>
-                        <m:r>
-                          <a:rPr lang="en-US" sz="2400" b="1" i="1" smtClean="0">
-                            <a:latin typeface="Cambria Math"/>
-                            <a:ea typeface="Cambria Math"/>
-                          </a:rPr>
-                          <m:t>𝟏</m:t>
-                        </m:r>
-                        <m:r>
-                          <a:rPr lang="en-US" sz="2400" b="1" i="1" smtClean="0">
-                            <a:latin typeface="Cambria Math"/>
-                            <a:ea typeface="Cambria Math"/>
-                          </a:rPr>
-                          <m:t>/</m:t>
-                        </m:r>
-                        <m:r>
-                          <a:rPr lang="en-US" sz="2400" b="1" i="1" smtClean="0">
-                            <a:latin typeface="Cambria Math"/>
-                            <a:ea typeface="Cambria Math"/>
-                          </a:rPr>
-                          <m:t>𝟐</m:t>
+                          <m:t>−1/2</m:t>
                         </m:r>
                       </m:sup>
                     </m:sSup>
@@ -18231,8 +17527,8 @@
           </p:sp>
         </mc:Fallback>
       </mc:AlternateContent>
-      <mc:AlternateContent xmlns:mc="http://schemas.openxmlformats.org/markup-compatibility/2006">
-        <mc:Choice xmlns:a14="http://schemas.microsoft.com/office/drawing/2010/main" Requires="a14">
+      <mc:AlternateContent xmlns:mc="http://schemas.openxmlformats.org/markup-compatibility/2006" xmlns:a14="http://schemas.microsoft.com/office/drawing/2010/main">
+        <mc:Choice Requires="a14">
           <p:sp>
             <p:nvSpPr>
               <p:cNvPr id="9" name="Rectangle 8"/>
@@ -18323,7 +17619,7 @@
             </p:txBody>
           </p:sp>
         </mc:Choice>
-        <mc:Fallback>
+        <mc:Fallback xmlns="">
           <p:sp>
             <p:nvSpPr>
               <p:cNvPr id="9" name="Rectangle 8"/>
@@ -18362,8 +17658,8 @@
           </p:sp>
         </mc:Fallback>
       </mc:AlternateContent>
-      <mc:AlternateContent xmlns:mc="http://schemas.openxmlformats.org/markup-compatibility/2006">
-        <mc:Choice xmlns:a14="http://schemas.microsoft.com/office/drawing/2010/main" Requires="a14">
+      <mc:AlternateContent xmlns:mc="http://schemas.openxmlformats.org/markup-compatibility/2006" xmlns:a14="http://schemas.microsoft.com/office/drawing/2010/main">
+        <mc:Choice Requires="a14">
           <p:sp>
             <p:nvSpPr>
               <p:cNvPr id="10" name="Rectangle 9"/>
@@ -18510,7 +17806,7 @@
             </p:txBody>
           </p:sp>
         </mc:Choice>
-        <mc:Fallback>
+        <mc:Fallback xmlns="">
           <p:sp>
             <p:nvSpPr>
               <p:cNvPr id="10" name="Rectangle 9"/>
